--- a/docs/help/NL.pptx
+++ b/docs/help/NL.pptx
@@ -1,34 +1,36 @@
 
 <file path=ppt/presentation.xml><?xml version="1.0" encoding="utf-8"?>
-<p:presentation xmlns:a="http://schemas.openxmlformats.org/drawingml/2006/main" xmlns:r="http://schemas.openxmlformats.org/officeDocument/2006/relationships" xmlns:p="http://schemas.openxmlformats.org/presentationml/2006/main" showSpecialPlsOnTitleSld="0" saveSubsetFonts="1">
+<p:presentation xmlns:a="http://schemas.openxmlformats.org/drawingml/2006/main" xmlns:r="http://schemas.openxmlformats.org/officeDocument/2006/relationships" xmlns:p="http://schemas.openxmlformats.org/presentationml/2006/main" showSpecialPlsOnTitleSld="0" removePersonalInfoOnSave="1" saveSubsetFonts="1">
   <p:sldMasterIdLst>
     <p:sldMasterId id="2147483864" r:id="rId1"/>
   </p:sldMasterIdLst>
   <p:notesMasterIdLst>
-    <p:notesMasterId r:id="rId20"/>
+    <p:notesMasterId r:id="rId22"/>
   </p:notesMasterIdLst>
   <p:handoutMasterIdLst>
-    <p:handoutMasterId r:id="rId21"/>
+    <p:handoutMasterId r:id="rId23"/>
   </p:handoutMasterIdLst>
   <p:sldIdLst>
     <p:sldId id="256" r:id="rId2"/>
-    <p:sldId id="275" r:id="rId3"/>
-    <p:sldId id="284" r:id="rId4"/>
-    <p:sldId id="277" r:id="rId5"/>
-    <p:sldId id="272" r:id="rId6"/>
-    <p:sldId id="271" r:id="rId7"/>
-    <p:sldId id="259" r:id="rId8"/>
-    <p:sldId id="274" r:id="rId9"/>
-    <p:sldId id="288" r:id="rId10"/>
-    <p:sldId id="276" r:id="rId11"/>
-    <p:sldId id="261" r:id="rId12"/>
-    <p:sldId id="281" r:id="rId13"/>
-    <p:sldId id="293" r:id="rId14"/>
-    <p:sldId id="280" r:id="rId15"/>
-    <p:sldId id="266" r:id="rId16"/>
-    <p:sldId id="268" r:id="rId17"/>
-    <p:sldId id="290" r:id="rId18"/>
-    <p:sldId id="292" r:id="rId19"/>
+    <p:sldId id="294" r:id="rId3"/>
+    <p:sldId id="295" r:id="rId4"/>
+    <p:sldId id="275" r:id="rId5"/>
+    <p:sldId id="284" r:id="rId6"/>
+    <p:sldId id="277" r:id="rId7"/>
+    <p:sldId id="272" r:id="rId8"/>
+    <p:sldId id="271" r:id="rId9"/>
+    <p:sldId id="259" r:id="rId10"/>
+    <p:sldId id="274" r:id="rId11"/>
+    <p:sldId id="288" r:id="rId12"/>
+    <p:sldId id="276" r:id="rId13"/>
+    <p:sldId id="261" r:id="rId14"/>
+    <p:sldId id="281" r:id="rId15"/>
+    <p:sldId id="293" r:id="rId16"/>
+    <p:sldId id="280" r:id="rId17"/>
+    <p:sldId id="266" r:id="rId18"/>
+    <p:sldId id="268" r:id="rId19"/>
+    <p:sldId id="290" r:id="rId20"/>
+    <p:sldId id="292" r:id="rId21"/>
   </p:sldIdLst>
   <p:sldSz cx="9144000" cy="6858000" type="screen4x3"/>
   <p:notesSz cx="6858000" cy="9144000"/>
@@ -212,7 +214,7 @@
           <a:p>
             <a:fld id="{191DB269-8995-49D8-A4B0-9411C7010620}" type="datetimeFigureOut">
               <a:rPr lang="nl-NL" smtClean="0"/>
-              <a:t>23-12-2017</a:t>
+              <a:t>24-3-2018</a:t>
             </a:fld>
             <a:endParaRPr lang="nl-NL"/>
           </a:p>
@@ -377,7 +379,7 @@
           <a:p>
             <a:fld id="{A74490FB-0058-431C-B3E7-EBBA4B708E40}" type="datetimeFigureOut">
               <a:rPr lang="nl-NL" smtClean="0"/>
-              <a:t>23-12-2017</a:t>
+              <a:t>24-3-2018</a:t>
             </a:fld>
             <a:endParaRPr lang="nl-NL"/>
           </a:p>
@@ -689,116 +691,6 @@
           <a:bodyPr/>
           <a:lstStyle/>
           <a:p>
-            <a:r>
-              <a:rPr lang="nl-NL" dirty="0" smtClean="0"/>
-              <a:t>Omdat de bomen het bos kunnen verhullen</a:t>
-            </a:r>
-            <a:r>
-              <a:rPr lang="nl-NL" baseline="0" dirty="0" smtClean="0"/>
-              <a:t> de belangrijkste functies in vogelvlucht.</a:t>
-            </a:r>
-          </a:p>
-          <a:p>
-            <a:endParaRPr lang="nl-NL" baseline="0" dirty="0" smtClean="0"/>
-          </a:p>
-          <a:p>
-            <a:r>
-              <a:rPr lang="nl-NL" i="0" dirty="0" smtClean="0"/>
-              <a:t>In de marge van de help pagina vind je de link NL om de presentatie na te lezen</a:t>
-            </a:r>
-          </a:p>
-          <a:p>
-            <a:endParaRPr lang="nl-NL" i="0" dirty="0" smtClean="0"/>
-          </a:p>
-          <a:p>
-            <a:r>
-              <a:rPr lang="nl-NL" i="1" dirty="0" smtClean="0"/>
-              <a:t>Vraag en antwoord</a:t>
-            </a:r>
-          </a:p>
-          <a:p>
-            <a:endParaRPr lang="nl-NL" i="1" dirty="0" smtClean="0"/>
-          </a:p>
-          <a:p>
-            <a:r>
-              <a:rPr lang="nl-NL" i="1" dirty="0" smtClean="0"/>
-              <a:t>D-BL = </a:t>
-            </a:r>
-            <a:r>
-              <a:rPr lang="nl-NL" i="1" dirty="0" err="1" smtClean="0"/>
-              <a:t>DiBL</a:t>
-            </a:r>
-            <a:r>
-              <a:rPr lang="nl-NL" i="1" dirty="0" smtClean="0"/>
-              <a:t>= </a:t>
-            </a:r>
-            <a:r>
-              <a:rPr lang="nl-NL" i="1" u="sng" dirty="0" err="1" smtClean="0"/>
-              <a:t>Di</a:t>
-            </a:r>
-            <a:r>
-              <a:rPr lang="nl-NL" i="1" dirty="0" err="1" smtClean="0"/>
-              <a:t>agrams</a:t>
-            </a:r>
-            <a:r>
-              <a:rPr lang="nl-NL" i="1" dirty="0" smtClean="0"/>
-              <a:t> </a:t>
-            </a:r>
-            <a:r>
-              <a:rPr lang="nl-NL" i="1" dirty="0" err="1" smtClean="0"/>
-              <a:t>for</a:t>
-            </a:r>
-            <a:r>
-              <a:rPr lang="nl-NL" i="1" dirty="0" smtClean="0"/>
-              <a:t> </a:t>
-            </a:r>
-            <a:r>
-              <a:rPr lang="nl-NL" i="1" u="sng" dirty="0" err="1" smtClean="0"/>
-              <a:t>B</a:t>
-            </a:r>
-            <a:r>
-              <a:rPr lang="nl-NL" i="1" dirty="0" err="1" smtClean="0"/>
-              <a:t>obbin</a:t>
-            </a:r>
-            <a:r>
-              <a:rPr lang="nl-NL" i="1" dirty="0" smtClean="0"/>
-              <a:t> </a:t>
-            </a:r>
-            <a:r>
-              <a:rPr lang="nl-NL" i="1" u="sng" dirty="0" smtClean="0"/>
-              <a:t>L</a:t>
-            </a:r>
-            <a:r>
-              <a:rPr lang="nl-NL" i="1" dirty="0" smtClean="0"/>
-              <a:t>ace</a:t>
-            </a:r>
-          </a:p>
-          <a:p>
-            <a:r>
-              <a:rPr lang="nl-NL" i="1" dirty="0" smtClean="0"/>
-              <a:t>De gewenste afkorting was al in gebruik</a:t>
-            </a:r>
-          </a:p>
-          <a:p>
-            <a:endParaRPr lang="nl-NL" i="1" dirty="0" smtClean="0"/>
-          </a:p>
-          <a:p>
-            <a:r>
-              <a:rPr lang="nl-NL" i="1" dirty="0" err="1" smtClean="0"/>
-              <a:t>Github</a:t>
-            </a:r>
-            <a:r>
-              <a:rPr lang="nl-NL" i="1" dirty="0" smtClean="0"/>
-              <a:t> is een provider om software te publiceren</a:t>
-            </a:r>
-          </a:p>
-          <a:p>
-            <a:r>
-              <a:rPr lang="nl-NL" i="1" dirty="0" smtClean="0"/>
-              <a:t>Ze doen dat gratis als het om open source gaat</a:t>
-            </a:r>
-          </a:p>
-          <a:p>
             <a:pPr marL="0" marR="0" indent="0" algn="l" defTabSz="914400" rtl="0" eaLnBrk="1" fontAlgn="auto" latinLnBrk="0" hangingPunct="1">
               <a:lnSpc>
                 <a:spcPct val="100000"/>
@@ -933,263 +825,125 @@
           <a:lstStyle/>
           <a:p>
             <a:r>
-              <a:rPr lang="nl-NL" baseline="0" dirty="0" smtClean="0">
+              <a:rPr lang="en-US" i="1" dirty="0" smtClean="0"/>
+              <a:t>A Lace Guide for Makers and Collectors</a:t>
+            </a:r>
+            <a:r>
+              <a:rPr lang="en-US" dirty="0" smtClean="0"/>
+              <a:t> door Gertrude Whiting</a:t>
+            </a:r>
+          </a:p>
+          <a:p>
+            <a:r>
+              <a:rPr lang="en-US" baseline="0" dirty="0" smtClean="0">
                 <a:effectLst/>
               </a:rPr>
-              <a:t>Onderzoek door </a:t>
-            </a:r>
-            <a:r>
-              <a:rPr lang="nl-NL" baseline="0" dirty="0" err="1" smtClean="0">
+              <a:t>Kant </a:t>
+            </a:r>
+            <a:r>
+              <a:rPr lang="en-US" baseline="0" dirty="0" err="1" smtClean="0">
                 <a:effectLst/>
               </a:rPr>
-              <a:t>Veronika</a:t>
-            </a:r>
-            <a:r>
-              <a:rPr lang="nl-NL" baseline="0" dirty="0" smtClean="0">
+              <a:t>gids</a:t>
+            </a:r>
+            <a:r>
+              <a:rPr lang="en-US" baseline="0" dirty="0" smtClean="0">
                 <a:effectLst/>
               </a:rPr>
-              <a:t> Irvine (CA)</a:t>
-            </a:r>
-          </a:p>
-          <a:p>
+              <a:t> </a:t>
+            </a:r>
+            <a:r>
+              <a:rPr lang="en-US" baseline="0" dirty="0" err="1" smtClean="0">
+                <a:effectLst/>
+              </a:rPr>
+              <a:t>voor</a:t>
+            </a:r>
+            <a:r>
+              <a:rPr lang="en-US" baseline="0" dirty="0" smtClean="0">
+                <a:effectLst/>
+              </a:rPr>
+              <a:t> makers en </a:t>
+            </a:r>
+            <a:r>
+              <a:rPr lang="en-US" baseline="0" dirty="0" err="1" smtClean="0">
+                <a:effectLst/>
+              </a:rPr>
+              <a:t>verzamelaars</a:t>
+            </a:r>
+            <a:r>
+              <a:rPr lang="en-US" baseline="0" dirty="0" smtClean="0">
+                <a:effectLst/>
+              </a:rPr>
+              <a:t>.</a:t>
+            </a:r>
             <a:endParaRPr lang="nl-NL" baseline="0" dirty="0" smtClean="0">
               <a:effectLst/>
             </a:endParaRPr>
           </a:p>
           <a:p>
-            <a:r>
-              <a:rPr lang="nl-NL" baseline="0" dirty="0" err="1" smtClean="0">
-                <a:effectLst/>
-              </a:rPr>
-              <a:t>GroundForge</a:t>
-            </a:r>
-            <a:r>
-              <a:rPr lang="nl-NL" baseline="0" dirty="0" smtClean="0">
-                <a:effectLst/>
-              </a:rPr>
-              <a:t> maakt de gaten in de schema’s zo rond mogelijk</a:t>
-            </a:r>
-          </a:p>
-          <a:p>
-            <a:r>
-              <a:rPr lang="nl-NL" dirty="0" smtClean="0"/>
-              <a:t>Er kunnen meerdere computer gegenereerde gronden bij een diagram horen</a:t>
-            </a:r>
-          </a:p>
-          <a:p>
-            <a:r>
-              <a:rPr lang="nl-NL" baseline="0" dirty="0" smtClean="0">
-                <a:effectLst/>
-              </a:rPr>
-              <a:t>Een</a:t>
-            </a:r>
-            <a:r>
-              <a:rPr lang="nl-NL" dirty="0" smtClean="0">
-                <a:effectLst/>
-              </a:rPr>
-              <a:t> animatie in de help pagina’s laat de transformatie van de ene variant naar de andere zien.</a:t>
-            </a:r>
             <a:endParaRPr lang="nl-NL" baseline="0" dirty="0" smtClean="0">
               <a:effectLst/>
             </a:endParaRPr>
           </a:p>
           <a:p>
-            <a:endParaRPr lang="nl-NL" dirty="0"/>
-          </a:p>
-          <a:p>
-            <a:pPr marL="0" marR="0" indent="0" algn="l" defTabSz="914400" rtl="0" eaLnBrk="1" fontAlgn="auto" latinLnBrk="0" hangingPunct="1">
-              <a:lnSpc>
-                <a:spcPct val="100000"/>
-              </a:lnSpc>
-              <a:spcBef>
-                <a:spcPts val="0"/>
-              </a:spcBef>
-              <a:spcAft>
-                <a:spcPts val="0"/>
-              </a:spcAft>
-              <a:buClrTx/>
-              <a:buSzTx/>
-              <a:buFontTx/>
-              <a:buNone/>
-              <a:tabLst/>
-              <a:defRPr/>
-            </a:pPr>
-            <a:r>
-              <a:rPr lang="nl-NL" b="1" baseline="0" dirty="0" smtClean="0">
-                <a:effectLst/>
-              </a:rPr>
-              <a:t>Bruggetje</a:t>
-            </a:r>
-          </a:p>
-          <a:p>
-            <a:pPr marL="0" marR="0" indent="0" algn="l" defTabSz="914400" rtl="0" eaLnBrk="1" fontAlgn="auto" latinLnBrk="0" hangingPunct="1">
-              <a:lnSpc>
-                <a:spcPct val="100000"/>
-              </a:lnSpc>
-              <a:spcBef>
-                <a:spcPts val="0"/>
-              </a:spcBef>
-              <a:spcAft>
-                <a:spcPts val="0"/>
-              </a:spcAft>
-              <a:buClrTx/>
-              <a:buSzTx/>
-              <a:buFontTx/>
-              <a:buNone/>
-              <a:tabLst/>
-              <a:defRPr/>
-            </a:pPr>
             <a:r>
               <a:rPr lang="nl-NL" baseline="0" dirty="0" smtClean="0">
                 <a:effectLst/>
               </a:rPr>
-              <a:t>Kiezen</a:t>
-            </a:r>
-            <a:r>
-              <a:rPr lang="nl-NL" dirty="0" smtClean="0">
-                <a:effectLst/>
-              </a:rPr>
-              <a:t> we </a:t>
-            </a:r>
-            <a:r>
-              <a:rPr lang="nl-NL" baseline="0" dirty="0" smtClean="0">
-                <a:effectLst/>
-              </a:rPr>
-              <a:t>de Parijse grond</a:t>
-            </a:r>
-          </a:p>
-          <a:p>
-            <a:pPr marL="0" marR="0" indent="0" algn="l" defTabSz="914400" rtl="0" eaLnBrk="1" fontAlgn="auto" latinLnBrk="0" hangingPunct="1">
-              <a:lnSpc>
-                <a:spcPct val="100000"/>
-              </a:lnSpc>
-              <a:spcBef>
-                <a:spcPts val="0"/>
-              </a:spcBef>
-              <a:spcAft>
-                <a:spcPts val="0"/>
-              </a:spcAft>
-              <a:buClrTx/>
-              <a:buSzTx/>
-              <a:buFontTx/>
-              <a:buNone/>
-              <a:tabLst/>
-              <a:defRPr/>
-            </a:pPr>
-            <a:r>
-              <a:rPr lang="nl-NL" dirty="0" smtClean="0"/>
-              <a:t>Dan krijgen we enkele varianten met een vierkast raster</a:t>
-            </a:r>
+              <a:t>In diverse online archieven beschikbaar</a:t>
+            </a:r>
+          </a:p>
+          <a:p>
             <a:endParaRPr lang="nl-NL" baseline="0" dirty="0" smtClean="0">
               <a:effectLst/>
             </a:endParaRPr>
           </a:p>
           <a:p>
-            <a:pPr marL="0" marR="0" indent="0" algn="l" defTabSz="914400" rtl="0" eaLnBrk="1" fontAlgn="auto" latinLnBrk="0" hangingPunct="1">
-              <a:lnSpc>
-                <a:spcPct val="100000"/>
-              </a:lnSpc>
-              <a:spcBef>
-                <a:spcPts val="0"/>
-              </a:spcBef>
-              <a:spcAft>
-                <a:spcPts val="0"/>
-              </a:spcAft>
-              <a:buClrTx/>
-              <a:buSzTx/>
-              <a:buFontTx/>
-              <a:buNone/>
-              <a:tabLst/>
-              <a:defRPr/>
-            </a:pPr>
+            <a:r>
+              <a:rPr lang="nl-NL" baseline="0" dirty="0" smtClean="0">
+                <a:effectLst/>
+              </a:rPr>
+              <a:t>Niet alle gronden kunnen met </a:t>
+            </a:r>
+            <a:r>
+              <a:rPr lang="nl-NL" baseline="0" dirty="0" err="1" smtClean="0">
+                <a:effectLst/>
+              </a:rPr>
+              <a:t>GroundForge</a:t>
+            </a:r>
             <a:endParaRPr lang="nl-NL" baseline="0" dirty="0" smtClean="0">
               <a:effectLst/>
             </a:endParaRPr>
           </a:p>
           <a:p>
-            <a:pPr marL="0" marR="0" indent="0" algn="l" defTabSz="914400" rtl="0" eaLnBrk="1" fontAlgn="auto" latinLnBrk="0" hangingPunct="1">
-              <a:lnSpc>
-                <a:spcPct val="100000"/>
-              </a:lnSpc>
-              <a:spcBef>
-                <a:spcPts val="0"/>
-              </a:spcBef>
-              <a:spcAft>
-                <a:spcPts val="0"/>
-              </a:spcAft>
-              <a:buClrTx/>
-              <a:buSzTx/>
-              <a:buFontTx/>
-              <a:buNone/>
-              <a:tabLst/>
-              <a:defRPr/>
-            </a:pPr>
-            <a:r>
-              <a:rPr lang="nl-NL" i="1" strike="noStrike" baseline="0" dirty="0" smtClean="0">
+            <a:r>
+              <a:rPr lang="nl-NL" baseline="0" dirty="0" smtClean="0">
                 <a:effectLst/>
               </a:rPr>
-              <a:t>Vraag en antwoord</a:t>
-            </a:r>
-          </a:p>
-          <a:p>
-            <a:endParaRPr lang="nl-NL" i="1" strike="noStrike" baseline="0" dirty="0" smtClean="0">
-              <a:effectLst/>
-            </a:endParaRPr>
-          </a:p>
-          <a:p>
-            <a:r>
-              <a:rPr lang="nl-NL" i="1" strike="noStrike" baseline="0" dirty="0" smtClean="0">
-                <a:effectLst/>
-              </a:rPr>
-              <a:t>374 paardiagrammen, gebaseerd op</a:t>
-            </a:r>
-          </a:p>
-          <a:p>
-            <a:pPr marL="0" marR="0" indent="0" algn="l" defTabSz="914400" rtl="0" eaLnBrk="1" fontAlgn="auto" latinLnBrk="0" hangingPunct="1">
-              <a:lnSpc>
-                <a:spcPct val="100000"/>
-              </a:lnSpc>
-              <a:spcBef>
-                <a:spcPts val="0"/>
-              </a:spcBef>
-              <a:spcAft>
-                <a:spcPts val="0"/>
-              </a:spcAft>
-              <a:buClrTx/>
-              <a:buSzTx/>
-              <a:buFontTx/>
-              <a:buNone/>
-              <a:tabLst/>
-              <a:defRPr/>
-            </a:pPr>
-            <a:r>
-              <a:rPr lang="nl-NL" i="1" strike="noStrike" baseline="0" dirty="0" smtClean="0">
-                <a:effectLst/>
-              </a:rPr>
-              <a:t>449 computer gegenereerde diagrammen.</a:t>
-            </a:r>
-          </a:p>
-          <a:p>
-            <a:pPr marL="0" marR="0" indent="0" algn="l" defTabSz="914400" rtl="0" eaLnBrk="1" fontAlgn="auto" latinLnBrk="0" hangingPunct="1">
-              <a:lnSpc>
-                <a:spcPct val="100000"/>
-              </a:lnSpc>
-              <a:spcBef>
-                <a:spcPts val="0"/>
-              </a:spcBef>
-              <a:spcAft>
-                <a:spcPts val="0"/>
-              </a:spcAft>
-              <a:buClrTx/>
-              <a:buSzTx/>
-              <a:buFontTx/>
-              <a:buNone/>
-              <a:tabLst/>
-              <a:defRPr/>
-            </a:pPr>
+              <a:t>Bijvoorbeeld wegens aanhaken of oneven aantallen draden per slag</a:t>
+            </a:r>
+          </a:p>
+          <a:p>
             <a:endParaRPr lang="nl-NL" baseline="0" dirty="0" smtClean="0">
               <a:effectLst/>
             </a:endParaRPr>
+          </a:p>
+          <a:p>
+            <a:r>
+              <a:rPr lang="nl-NL" b="1" baseline="0" dirty="0" smtClean="0">
+                <a:effectLst/>
+              </a:rPr>
+              <a:t>Bruggetje</a:t>
+            </a:r>
+          </a:p>
+          <a:p>
+            <a:r>
+              <a:rPr lang="nl-NL" baseline="0" dirty="0" smtClean="0">
+                <a:effectLst/>
+              </a:rPr>
+              <a:t>Laten we een blokje onder de loep nemen</a:t>
+            </a:r>
+            <a:endParaRPr lang="nl-NL" dirty="0"/>
           </a:p>
         </p:txBody>
       </p:sp>
@@ -1273,199 +1027,9 @@
           <a:bodyPr/>
           <a:lstStyle/>
           <a:p>
-            <a:pPr marL="0" marR="0" indent="0" algn="l" defTabSz="914400" rtl="0" eaLnBrk="1" fontAlgn="auto" latinLnBrk="0" hangingPunct="1">
-              <a:lnSpc>
-                <a:spcPct val="100000"/>
-              </a:lnSpc>
-              <a:spcBef>
-                <a:spcPts val="0"/>
-              </a:spcBef>
-              <a:spcAft>
-                <a:spcPts val="0"/>
-              </a:spcAft>
-              <a:buClrTx/>
-              <a:buSzTx/>
-              <a:buFontTx/>
-              <a:buNone/>
-              <a:tabLst/>
-              <a:defRPr/>
-            </a:pPr>
-            <a:r>
-              <a:rPr lang="nl-NL" baseline="0" dirty="0" smtClean="0">
-                <a:effectLst/>
-              </a:rPr>
-              <a:t>Zwarte gegevens worden ingevuld op hoofdpagina waar je slagen kunt kiezen</a:t>
-            </a:r>
-          </a:p>
-          <a:p>
-            <a:pPr marL="0" marR="0" indent="0" algn="l" defTabSz="914400" rtl="0" eaLnBrk="1" fontAlgn="auto" latinLnBrk="0" hangingPunct="1">
-              <a:lnSpc>
-                <a:spcPct val="100000"/>
-              </a:lnSpc>
-              <a:spcBef>
-                <a:spcPts val="0"/>
-              </a:spcBef>
-              <a:spcAft>
-                <a:spcPts val="0"/>
-              </a:spcAft>
-              <a:buClrTx/>
-              <a:buSzTx/>
-              <a:buFontTx/>
-              <a:buNone/>
-              <a:tabLst/>
-              <a:defRPr/>
-            </a:pPr>
             <a:endParaRPr lang="nl-NL" baseline="0" dirty="0" smtClean="0">
               <a:effectLst/>
             </a:endParaRPr>
-          </a:p>
-          <a:p>
-            <a:pPr marL="0" marR="0" indent="0" algn="l" defTabSz="914400" rtl="0" eaLnBrk="1" fontAlgn="auto" latinLnBrk="0" hangingPunct="1">
-              <a:lnSpc>
-                <a:spcPct val="100000"/>
-              </a:lnSpc>
-              <a:spcBef>
-                <a:spcPts val="0"/>
-              </a:spcBef>
-              <a:spcAft>
-                <a:spcPts val="0"/>
-              </a:spcAft>
-              <a:buClrTx/>
-              <a:buSzTx/>
-              <a:buFontTx/>
-              <a:buNone/>
-              <a:tabLst/>
-              <a:defRPr/>
-            </a:pPr>
-            <a:r>
-              <a:rPr lang="nl-NL" baseline="0" dirty="0" smtClean="0">
-                <a:effectLst/>
-              </a:rPr>
-              <a:t>Downloaden en </a:t>
-            </a:r>
-            <a:r>
-              <a:rPr lang="nl-NL" baseline="0" dirty="0" err="1" smtClean="0">
-                <a:effectLst/>
-              </a:rPr>
-              <a:t>nabewerken</a:t>
-            </a:r>
-            <a:r>
-              <a:rPr lang="nl-NL" baseline="0" dirty="0" smtClean="0">
-                <a:effectLst/>
-              </a:rPr>
-              <a:t> met een SVG </a:t>
-            </a:r>
-            <a:r>
-              <a:rPr lang="nl-NL" baseline="0" dirty="0" err="1" smtClean="0">
-                <a:effectLst/>
-              </a:rPr>
-              <a:t>ecitor</a:t>
-            </a:r>
-            <a:r>
-              <a:rPr lang="nl-NL" baseline="0" dirty="0" smtClean="0">
-                <a:effectLst/>
-              </a:rPr>
-              <a:t>, of natekenen en evt. op een of andere manier vervormen</a:t>
-            </a:r>
-          </a:p>
-          <a:p>
-            <a:pPr marL="0" marR="0" indent="0" algn="l" defTabSz="914400" rtl="0" eaLnBrk="1" fontAlgn="auto" latinLnBrk="0" hangingPunct="1">
-              <a:lnSpc>
-                <a:spcPct val="100000"/>
-              </a:lnSpc>
-              <a:spcBef>
-                <a:spcPts val="0"/>
-              </a:spcBef>
-              <a:spcAft>
-                <a:spcPts val="0"/>
-              </a:spcAft>
-              <a:buClrTx/>
-              <a:buSzTx/>
-              <a:buFontTx/>
-              <a:buNone/>
-              <a:tabLst/>
-              <a:defRPr/>
-            </a:pPr>
-            <a:r>
-              <a:rPr lang="nl-NL" baseline="0" dirty="0" smtClean="0">
-                <a:effectLst/>
-              </a:rPr>
-              <a:t>Voor de gewenste kantbrief</a:t>
-            </a:r>
-          </a:p>
-          <a:p>
-            <a:pPr marL="0" marR="0" indent="0" algn="l" defTabSz="914400" rtl="0" eaLnBrk="1" fontAlgn="auto" latinLnBrk="0" hangingPunct="1">
-              <a:lnSpc>
-                <a:spcPct val="100000"/>
-              </a:lnSpc>
-              <a:spcBef>
-                <a:spcPts val="0"/>
-              </a:spcBef>
-              <a:spcAft>
-                <a:spcPts val="0"/>
-              </a:spcAft>
-              <a:buClrTx/>
-              <a:buSzTx/>
-              <a:buFontTx/>
-              <a:buNone/>
-              <a:tabLst/>
-              <a:defRPr/>
-            </a:pPr>
-            <a:endParaRPr lang="nl-NL" baseline="0" dirty="0" smtClean="0">
-              <a:effectLst/>
-            </a:endParaRPr>
-          </a:p>
-          <a:p>
-            <a:pPr marL="0" marR="0" indent="0" algn="l" defTabSz="914400" rtl="0" eaLnBrk="1" fontAlgn="auto" latinLnBrk="0" hangingPunct="1">
-              <a:lnSpc>
-                <a:spcPct val="100000"/>
-              </a:lnSpc>
-              <a:spcBef>
-                <a:spcPts val="0"/>
-              </a:spcBef>
-              <a:spcAft>
-                <a:spcPts val="0"/>
-              </a:spcAft>
-              <a:buClrTx/>
-              <a:buSzTx/>
-              <a:buFontTx/>
-              <a:buNone/>
-              <a:tabLst/>
-              <a:defRPr/>
-            </a:pPr>
-            <a:r>
-              <a:rPr lang="nl-NL" b="1" dirty="0" smtClean="0"/>
-              <a:t>Bruggetje</a:t>
-            </a:r>
-            <a:r>
-              <a:rPr lang="nl-NL" dirty="0" smtClean="0"/>
-              <a:t>:</a:t>
-            </a:r>
-          </a:p>
-          <a:p>
-            <a:pPr marL="0" marR="0" indent="0" algn="l" defTabSz="914400" rtl="0" eaLnBrk="1" fontAlgn="auto" latinLnBrk="0" hangingPunct="1">
-              <a:lnSpc>
-                <a:spcPct val="100000"/>
-              </a:lnSpc>
-              <a:spcBef>
-                <a:spcPts val="0"/>
-              </a:spcBef>
-              <a:spcAft>
-                <a:spcPts val="0"/>
-              </a:spcAft>
-              <a:buClrTx/>
-              <a:buSzTx/>
-              <a:buFontTx/>
-              <a:buNone/>
-              <a:tabLst/>
-              <a:defRPr/>
-            </a:pPr>
-            <a:r>
-              <a:rPr lang="nl-NL" baseline="0" dirty="0" smtClean="0">
-                <a:effectLst/>
-              </a:rPr>
-              <a:t>We zoomen verder in op het uitgelichte rapport van het rechter patroon</a:t>
-            </a:r>
           </a:p>
         </p:txBody>
       </p:sp>
@@ -1495,7 +1059,7 @@
     </p:spTree>
     <p:extLst>
       <p:ext uri="{BB962C8B-B14F-4D97-AF65-F5344CB8AC3E}">
-        <p14:creationId xmlns:p14="http://schemas.microsoft.com/office/powerpoint/2010/main" val="4263791989"/>
+        <p14:creationId xmlns:p14="http://schemas.microsoft.com/office/powerpoint/2010/main" val="846069162"/>
       </p:ext>
     </p:extLst>
   </p:cSld>
@@ -1550,72 +1114,22 @@
           <a:lstStyle/>
           <a:p>
             <a:r>
-              <a:rPr lang="nl-NL" dirty="0" smtClean="0">
-                <a:effectLst/>
-              </a:rPr>
-              <a:t>Kantbrief: wat je geplastificeerd</a:t>
-            </a:r>
-            <a:r>
               <a:rPr lang="nl-NL" baseline="0" dirty="0" smtClean="0">
                 <a:effectLst/>
               </a:rPr>
-              <a:t> op je kussen prikt.</a:t>
-            </a:r>
-            <a:endParaRPr lang="nl-NL" dirty="0" smtClean="0">
-              <a:effectLst/>
-            </a:endParaRPr>
-          </a:p>
-          <a:p>
-            <a:endParaRPr lang="nl-NL" dirty="0" smtClean="0">
-              <a:effectLst/>
-            </a:endParaRPr>
-          </a:p>
-          <a:p>
-            <a:r>
-              <a:rPr lang="nl-NL" dirty="0" smtClean="0">
+              <a:t>Gebaseerd op tussenresultaten van promotie onderzoek door </a:t>
+            </a:r>
+            <a:r>
+              <a:rPr lang="nl-NL" baseline="0" dirty="0" err="1" smtClean="0">
                 <a:effectLst/>
               </a:rPr>
-              <a:t>Boven wat je</a:t>
+              <a:t>Veronika</a:t>
             </a:r>
             <a:r>
               <a:rPr lang="nl-NL" baseline="0" dirty="0" smtClean="0">
                 <a:effectLst/>
               </a:rPr>
-              <a:t> van </a:t>
-            </a:r>
-            <a:r>
-              <a:rPr lang="nl-NL" baseline="0" dirty="0" err="1" smtClean="0">
-                <a:effectLst/>
-              </a:rPr>
-              <a:t>GroundForge</a:t>
-            </a:r>
-            <a:r>
-              <a:rPr lang="nl-NL" baseline="0" dirty="0" smtClean="0">
-                <a:effectLst/>
-              </a:rPr>
-              <a:t> krijgt</a:t>
-            </a:r>
-          </a:p>
-          <a:p>
-            <a:r>
-              <a:rPr lang="nl-NL" baseline="0" dirty="0" smtClean="0">
-                <a:effectLst/>
-              </a:rPr>
-              <a:t>Onder wat je misschien wilt hebben, of een tussenstap</a:t>
-            </a:r>
-          </a:p>
-          <a:p>
-            <a:r>
-              <a:rPr lang="nl-NL" baseline="0" dirty="0" smtClean="0">
-                <a:effectLst/>
-              </a:rPr>
-              <a:t>Linksonder </a:t>
-            </a:r>
-            <a:r>
-              <a:rPr lang="nl-NL" baseline="0" dirty="0" smtClean="0">
-                <a:effectLst/>
-              </a:rPr>
-              <a:t>als in: Kant uit Vlaanderen en ‘s Gravenmoer.</a:t>
+              <a:t> Irvine (CA)</a:t>
             </a:r>
           </a:p>
           <a:p>
@@ -1625,16 +1139,43 @@
           </a:p>
           <a:p>
             <a:r>
-              <a:rPr lang="nl-NL" i="1" baseline="0" dirty="0" smtClean="0">
+              <a:rPr lang="nl-NL" baseline="0" dirty="0" err="1" smtClean="0">
                 <a:effectLst/>
               </a:rPr>
-              <a:t>Afbeelding gemaakt met:</a:t>
-            </a:r>
-          </a:p>
-          <a:p>
-            <a:endParaRPr lang="nl-NL" i="1" baseline="0" dirty="0" smtClean="0">
+              <a:t>GroundForge</a:t>
+            </a:r>
+            <a:r>
+              <a:rPr lang="nl-NL" baseline="0" dirty="0" smtClean="0">
+                <a:effectLst/>
+              </a:rPr>
+              <a:t> maakt de gaten in de schema’s zo rond mogelijk</a:t>
+            </a:r>
+          </a:p>
+          <a:p>
+            <a:r>
+              <a:rPr lang="nl-NL" dirty="0" smtClean="0"/>
+              <a:t>Er kunnen meerdere computer gegenereerde gronden bij een diagram horen</a:t>
+            </a:r>
+          </a:p>
+          <a:p>
+            <a:r>
+              <a:rPr lang="nl-NL" baseline="0" dirty="0" smtClean="0">
+                <a:effectLst/>
+              </a:rPr>
+              <a:t>Een</a:t>
+            </a:r>
+            <a:r>
+              <a:rPr lang="nl-NL" dirty="0" smtClean="0">
+                <a:effectLst/>
+              </a:rPr>
+              <a:t> animatie in de help pagina’s laat de transformatie van de ene variant naar de andere zien.</a:t>
+            </a:r>
+            <a:endParaRPr lang="nl-NL" baseline="0" dirty="0" smtClean="0">
               <a:effectLst/>
             </a:endParaRPr>
+          </a:p>
+          <a:p>
+            <a:endParaRPr lang="nl-NL" dirty="0"/>
           </a:p>
           <a:p>
             <a:pPr marL="0" marR="0" indent="0" algn="l" defTabSz="914400" rtl="0" eaLnBrk="1" fontAlgn="auto" latinLnBrk="0" hangingPunct="1">
@@ -1655,231 +1196,202 @@
               <a:defRPr/>
             </a:pPr>
             <a:r>
+              <a:rPr lang="nl-NL" b="1" baseline="0" dirty="0" smtClean="0">
+                <a:effectLst/>
+              </a:rPr>
+              <a:t>Bruggetje</a:t>
+            </a:r>
+          </a:p>
+          <a:p>
+            <a:pPr marL="0" marR="0" indent="0" algn="l" defTabSz="914400" rtl="0" eaLnBrk="1" fontAlgn="auto" latinLnBrk="0" hangingPunct="1">
+              <a:lnSpc>
+                <a:spcPct val="100000"/>
+              </a:lnSpc>
+              <a:spcBef>
+                <a:spcPts val="0"/>
+              </a:spcBef>
+              <a:spcAft>
+                <a:spcPts val="0"/>
+              </a:spcAft>
+              <a:buClrTx/>
+              <a:buSzTx/>
+              <a:buFontTx/>
+              <a:buNone/>
+              <a:tabLst/>
+              <a:defRPr/>
+            </a:pPr>
+            <a:r>
+              <a:rPr lang="nl-NL" baseline="0" dirty="0" smtClean="0">
+                <a:effectLst/>
+              </a:rPr>
+              <a:t>Kiezen</a:t>
+            </a:r>
+            <a:r>
               <a:rPr lang="nl-NL" dirty="0" smtClean="0">
-                <a:hlinkClick r:id="rId3"/>
-              </a:rPr>
-              <a:t>https://d-bl.github.io/GroundForge/index.html?m=-5--%0AB-C-%0A-5-5%0A5-5-%3Bbricks%3B17%3B19%3B0%3B0&amp;s1=ct b1%3Dctptct d1%3Dctptct A2%3Dctpl C2%3Dctpr A4%3Dctl C4%3Dctr D1%3Dctptctt&amp;s2=&amp;s3=</a:t>
-            </a:r>
-            <a:endParaRPr lang="nl-NL" dirty="0" smtClean="0"/>
-          </a:p>
-          <a:p>
-            <a:endParaRPr lang="nl-NL" i="1" baseline="0" dirty="0" smtClean="0">
+                <a:effectLst/>
+              </a:rPr>
+              <a:t> we </a:t>
+            </a:r>
+            <a:r>
+              <a:rPr lang="nl-NL" baseline="0" dirty="0" smtClean="0">
+                <a:effectLst/>
+              </a:rPr>
+              <a:t>de Parijse grond</a:t>
+            </a:r>
+          </a:p>
+          <a:p>
+            <a:pPr marL="0" marR="0" indent="0" algn="l" defTabSz="914400" rtl="0" eaLnBrk="1" fontAlgn="auto" latinLnBrk="0" hangingPunct="1">
+              <a:lnSpc>
+                <a:spcPct val="100000"/>
+              </a:lnSpc>
+              <a:spcBef>
+                <a:spcPts val="0"/>
+              </a:spcBef>
+              <a:spcAft>
+                <a:spcPts val="0"/>
+              </a:spcAft>
+              <a:buClrTx/>
+              <a:buSzTx/>
+              <a:buFontTx/>
+              <a:buNone/>
+              <a:tabLst/>
+              <a:defRPr/>
+            </a:pPr>
+            <a:r>
+              <a:rPr lang="nl-NL" dirty="0" smtClean="0"/>
+              <a:t>Dan krijgen we enkele varianten met een vierkast raster</a:t>
+            </a:r>
+            <a:endParaRPr lang="nl-NL" baseline="0" dirty="0" smtClean="0">
               <a:effectLst/>
             </a:endParaRPr>
           </a:p>
           <a:p>
-            <a:r>
-              <a:rPr lang="nl-NL" i="1" baseline="0" dirty="0" err="1" smtClean="0">
-                <a:effectLst/>
-              </a:rPr>
-              <a:t>Brick</a:t>
-            </a:r>
-            <a:r>
-              <a:rPr lang="nl-NL" i="1" baseline="0" dirty="0" smtClean="0">
-                <a:effectLst/>
-              </a:rPr>
-              <a:t> (baksteen)</a:t>
-            </a:r>
-          </a:p>
-          <a:p>
-            <a:r>
-              <a:rPr lang="nl-NL" i="0" dirty="0" smtClean="0">
-                <a:effectLst/>
-                <a:latin typeface="Consolas" panose="020B0609020204030204" pitchFamily="49" charset="0"/>
-                <a:cs typeface="Consolas" panose="020B0609020204030204" pitchFamily="49" charset="0"/>
-              </a:rPr>
-              <a:t>-5--</a:t>
-            </a:r>
-          </a:p>
-          <a:p>
-            <a:r>
-              <a:rPr lang="nl-NL" i="0" dirty="0" smtClean="0">
-                <a:effectLst/>
-                <a:latin typeface="Consolas" panose="020B0609020204030204" pitchFamily="49" charset="0"/>
-                <a:cs typeface="Consolas" panose="020B0609020204030204" pitchFamily="49" charset="0"/>
-              </a:rPr>
-              <a:t>B-C-</a:t>
-            </a:r>
-          </a:p>
-          <a:p>
-            <a:r>
-              <a:rPr lang="nl-NL" i="0" dirty="0" smtClean="0">
-                <a:effectLst/>
-                <a:latin typeface="Consolas" panose="020B0609020204030204" pitchFamily="49" charset="0"/>
-                <a:cs typeface="Consolas" panose="020B0609020204030204" pitchFamily="49" charset="0"/>
-              </a:rPr>
-              <a:t>-5-5</a:t>
-            </a:r>
-          </a:p>
-          <a:p>
-            <a:r>
-              <a:rPr lang="nl-NL" i="0" dirty="0" smtClean="0">
-                <a:effectLst/>
-                <a:latin typeface="Consolas" panose="020B0609020204030204" pitchFamily="49" charset="0"/>
-                <a:cs typeface="Consolas" panose="020B0609020204030204" pitchFamily="49" charset="0"/>
-              </a:rPr>
-              <a:t>5-5-</a:t>
-            </a:r>
-          </a:p>
-          <a:p>
-            <a:endParaRPr lang="nl-NL" i="1" dirty="0" smtClean="0">
+            <a:pPr marL="0" marR="0" indent="0" algn="l" defTabSz="914400" rtl="0" eaLnBrk="1" fontAlgn="auto" latinLnBrk="0" hangingPunct="1">
+              <a:lnSpc>
+                <a:spcPct val="100000"/>
+              </a:lnSpc>
+              <a:spcBef>
+                <a:spcPts val="0"/>
+              </a:spcBef>
+              <a:spcAft>
+                <a:spcPts val="0"/>
+              </a:spcAft>
+              <a:buClrTx/>
+              <a:buSzTx/>
+              <a:buFontTx/>
+              <a:buNone/>
+              <a:tabLst/>
+              <a:defRPr/>
+            </a:pPr>
+            <a:endParaRPr lang="nl-NL" baseline="0" dirty="0" smtClean="0">
               <a:effectLst/>
             </a:endParaRPr>
           </a:p>
           <a:p>
-            <a:r>
-              <a:rPr lang="nl-NL" i="1" dirty="0" smtClean="0">
+            <a:pPr marL="0" marR="0" indent="0" algn="l" defTabSz="914400" rtl="0" eaLnBrk="1" fontAlgn="auto" latinLnBrk="0" hangingPunct="1">
+              <a:lnSpc>
+                <a:spcPct val="100000"/>
+              </a:lnSpc>
+              <a:spcBef>
+                <a:spcPts val="0"/>
+              </a:spcBef>
+              <a:spcAft>
+                <a:spcPts val="0"/>
+              </a:spcAft>
+              <a:buClrTx/>
+              <a:buSzTx/>
+              <a:buFontTx/>
+              <a:buNone/>
+              <a:tabLst/>
+              <a:defRPr/>
+            </a:pPr>
+            <a:r>
+              <a:rPr lang="nl-NL" i="1" strike="noStrike" baseline="0" dirty="0" smtClean="0">
                 <a:effectLst/>
               </a:rPr>
-              <a:t>Slagen: </a:t>
-            </a:r>
-            <a:r>
-              <a:rPr lang="nl-NL" i="1" dirty="0" err="1" smtClean="0">
+              <a:t>Vraag en </a:t>
+            </a:r>
+            <a:r>
+              <a:rPr lang="nl-NL" i="1" strike="noStrike" baseline="0" dirty="0" smtClean="0">
                 <a:effectLst/>
               </a:rPr>
-              <a:t>ct</a:t>
-            </a:r>
-            <a:r>
-              <a:rPr lang="nl-NL" i="1" dirty="0" smtClean="0">
-                <a:effectLst/>
-              </a:rPr>
-              <a:t> </a:t>
-            </a:r>
-            <a:r>
-              <a:rPr lang="nl-NL" i="1" dirty="0" smtClean="0">
-                <a:effectLst/>
-              </a:rPr>
-              <a:t>b1=</a:t>
-            </a:r>
-            <a:r>
-              <a:rPr lang="nl-NL" i="1" dirty="0" err="1" smtClean="0">
-                <a:effectLst/>
-              </a:rPr>
-              <a:t>ctptct</a:t>
-            </a:r>
-            <a:r>
-              <a:rPr lang="nl-NL" i="1" dirty="0" smtClean="0">
-                <a:effectLst/>
-              </a:rPr>
-              <a:t> d1=</a:t>
-            </a:r>
-            <a:r>
-              <a:rPr lang="nl-NL" i="1" dirty="0" err="1" smtClean="0">
-                <a:effectLst/>
-              </a:rPr>
-              <a:t>ctptct</a:t>
-            </a:r>
-            <a:r>
-              <a:rPr lang="nl-NL" i="1" dirty="0" smtClean="0">
-                <a:effectLst/>
-              </a:rPr>
-              <a:t> A2=</a:t>
-            </a:r>
-            <a:r>
-              <a:rPr lang="nl-NL" i="1" dirty="0" err="1" smtClean="0">
-                <a:effectLst/>
-              </a:rPr>
-              <a:t>ctpl</a:t>
-            </a:r>
-            <a:r>
-              <a:rPr lang="nl-NL" i="1" dirty="0" smtClean="0">
-                <a:effectLst/>
-              </a:rPr>
-              <a:t> C2=</a:t>
-            </a:r>
-            <a:r>
-              <a:rPr lang="nl-NL" i="1" dirty="0" err="1" smtClean="0">
-                <a:effectLst/>
-              </a:rPr>
-              <a:t>ctpr</a:t>
-            </a:r>
-            <a:r>
-              <a:rPr lang="nl-NL" i="1" dirty="0" smtClean="0">
-                <a:effectLst/>
-              </a:rPr>
-              <a:t> A4=</a:t>
-            </a:r>
-            <a:r>
-              <a:rPr lang="nl-NL" i="1" dirty="0" err="1" smtClean="0">
-                <a:effectLst/>
-              </a:rPr>
-              <a:t>ctl</a:t>
-            </a:r>
-            <a:r>
-              <a:rPr lang="nl-NL" i="1" dirty="0" smtClean="0">
-                <a:effectLst/>
-              </a:rPr>
-              <a:t> C4=ctr D1=</a:t>
-            </a:r>
-            <a:r>
-              <a:rPr lang="nl-NL" i="1" dirty="0" err="1" smtClean="0">
-                <a:effectLst/>
-              </a:rPr>
-              <a:t>ctptctt</a:t>
-            </a:r>
-            <a:endParaRPr lang="nl-NL" i="1" dirty="0" smtClean="0">
+              <a:t>antwoord:</a:t>
+            </a:r>
+            <a:endParaRPr lang="nl-NL" i="1" strike="noStrike" baseline="0" dirty="0" smtClean="0">
               <a:effectLst/>
             </a:endParaRPr>
           </a:p>
           <a:p>
             <a:r>
-              <a:rPr lang="nl-NL" i="1" dirty="0" smtClean="0">
+              <a:rPr lang="nl-NL" i="1" strike="noStrike" baseline="0" dirty="0" smtClean="0">
                 <a:effectLst/>
               </a:rPr>
-              <a:t>Alle draden zwart, 7 en 10 rood</a:t>
-            </a:r>
-          </a:p>
-          <a:p>
-            <a:r>
-              <a:rPr lang="nl-NL" i="1" baseline="0" dirty="0" smtClean="0">
+              <a:t>Hoeveel </a:t>
+            </a:r>
+            <a:r>
+              <a:rPr lang="nl-NL" i="1" strike="noStrike" baseline="0" dirty="0" smtClean="0">
                 <a:effectLst/>
               </a:rPr>
-              <a:t>Probeer ook eens een dubbelle  </a:t>
-            </a:r>
-            <a:r>
-              <a:rPr lang="nl-NL" i="1" baseline="0" dirty="0" err="1" smtClean="0">
-                <a:effectLst/>
-              </a:rPr>
-              <a:t>netslag</a:t>
-            </a:r>
-            <a:r>
-              <a:rPr lang="nl-NL" i="1" baseline="0" dirty="0" smtClean="0">
-                <a:effectLst/>
-              </a:rPr>
-              <a:t> of omkeerslag in het </a:t>
-            </a:r>
-            <a:r>
-              <a:rPr lang="nl-NL" i="1" baseline="0" dirty="0" smtClean="0">
-                <a:effectLst/>
-              </a:rPr>
-              <a:t>midden</a:t>
-            </a:r>
-          </a:p>
-          <a:p>
-            <a:r>
-              <a:rPr lang="nl-NL" i="1" baseline="0" dirty="0" smtClean="0">
-                <a:effectLst/>
-              </a:rPr>
-              <a:t>C=cross=kruisen, t=twist=draaien, p=pin=speld.</a:t>
-            </a:r>
-            <a:r>
-              <a:rPr lang="nl-NL" i="1" dirty="0" smtClean="0">
-                <a:effectLst/>
-              </a:rPr>
-              <a:t> </a:t>
-            </a:r>
-            <a:r>
-              <a:rPr lang="nl-NL" i="1" baseline="0" dirty="0" smtClean="0">
-                <a:effectLst/>
-              </a:rPr>
-              <a:t>Meestal gaan spelden niet zo goed.</a:t>
-            </a:r>
-            <a:endParaRPr lang="nl-NL" i="1" baseline="0" dirty="0" smtClean="0">
+              <a:t>voorbeelden zijn er?</a:t>
+            </a:r>
+          </a:p>
+          <a:p>
+            <a:endParaRPr lang="nl-NL" i="1" strike="noStrike" baseline="0" dirty="0" smtClean="0">
               <a:effectLst/>
             </a:endParaRPr>
           </a:p>
           <a:p>
-            <a:endParaRPr lang="nl-NL" i="1" dirty="0" smtClean="0">
+            <a:r>
+              <a:rPr lang="nl-NL" i="1" strike="noStrike" baseline="0" dirty="0" smtClean="0">
+                <a:effectLst/>
+              </a:rPr>
+              <a:t>374 paardiagrammen, gebaseerd op</a:t>
+            </a:r>
+          </a:p>
+          <a:p>
+            <a:pPr marL="0" marR="0" indent="0" algn="l" defTabSz="914400" rtl="0" eaLnBrk="1" fontAlgn="auto" latinLnBrk="0" hangingPunct="1">
+              <a:lnSpc>
+                <a:spcPct val="100000"/>
+              </a:lnSpc>
+              <a:spcBef>
+                <a:spcPts val="0"/>
+              </a:spcBef>
+              <a:spcAft>
+                <a:spcPts val="0"/>
+              </a:spcAft>
+              <a:buClrTx/>
+              <a:buSzTx/>
+              <a:buFontTx/>
+              <a:buNone/>
+              <a:tabLst/>
+              <a:defRPr/>
+            </a:pPr>
+            <a:r>
+              <a:rPr lang="nl-NL" i="1" strike="noStrike" baseline="0" dirty="0" smtClean="0">
+                <a:effectLst/>
+              </a:rPr>
+              <a:t>449 computer gegenereerde diagrammen.</a:t>
+            </a:r>
+          </a:p>
+          <a:p>
+            <a:pPr marL="0" marR="0" indent="0" algn="l" defTabSz="914400" rtl="0" eaLnBrk="1" fontAlgn="auto" latinLnBrk="0" hangingPunct="1">
+              <a:lnSpc>
+                <a:spcPct val="100000"/>
+              </a:lnSpc>
+              <a:spcBef>
+                <a:spcPts val="0"/>
+              </a:spcBef>
+              <a:spcAft>
+                <a:spcPts val="0"/>
+              </a:spcAft>
+              <a:buClrTx/>
+              <a:buSzTx/>
+              <a:buFontTx/>
+              <a:buNone/>
+              <a:tabLst/>
+              <a:defRPr/>
+            </a:pPr>
+            <a:endParaRPr lang="nl-NL" baseline="0" dirty="0" smtClean="0">
               <a:effectLst/>
             </a:endParaRPr>
           </a:p>
@@ -1911,7 +1423,7 @@
     </p:spTree>
     <p:extLst>
       <p:ext uri="{BB962C8B-B14F-4D97-AF65-F5344CB8AC3E}">
-        <p14:creationId xmlns:p14="http://schemas.microsoft.com/office/powerpoint/2010/main" val="4263791989"/>
+        <p14:creationId xmlns:p14="http://schemas.microsoft.com/office/powerpoint/2010/main" val="846069162"/>
       </p:ext>
     </p:extLst>
   </p:cSld>
@@ -1965,328 +1477,199 @@
           <a:bodyPr/>
           <a:lstStyle/>
           <a:p>
-            <a:r>
-              <a:rPr lang="nl-NL" dirty="0" smtClean="0">
-                <a:effectLst/>
-              </a:rPr>
-              <a:t>Concept</a:t>
-            </a:r>
+            <a:pPr marL="0" marR="0" indent="0" algn="l" defTabSz="914400" rtl="0" eaLnBrk="1" fontAlgn="auto" latinLnBrk="0" hangingPunct="1">
+              <a:lnSpc>
+                <a:spcPct val="100000"/>
+              </a:lnSpc>
+              <a:spcBef>
+                <a:spcPts val="0"/>
+              </a:spcBef>
+              <a:spcAft>
+                <a:spcPts val="0"/>
+              </a:spcAft>
+              <a:buClrTx/>
+              <a:buSzTx/>
+              <a:buFontTx/>
+              <a:buNone/>
+              <a:tabLst/>
+              <a:defRPr/>
+            </a:pPr>
             <a:r>
               <a:rPr lang="nl-NL" baseline="0" dirty="0" smtClean="0">
                 <a:effectLst/>
               </a:rPr>
-              <a:t> downloaden voor SVG editor (</a:t>
-            </a:r>
-            <a:r>
-              <a:rPr lang="nl-NL" baseline="0" dirty="0" err="1" smtClean="0">
-                <a:effectLst/>
-              </a:rPr>
-              <a:t>CorelDraw</a:t>
+              <a:t>Zwarte gegevens worden ingevuld op </a:t>
             </a:r>
             <a:r>
               <a:rPr lang="nl-NL" baseline="0" dirty="0" smtClean="0">
                 <a:effectLst/>
               </a:rPr>
-              <a:t> </a:t>
-            </a:r>
-            <a:r>
-              <a:rPr lang="nl-NL" dirty="0" smtClean="0"/>
-              <a:t>💰 </a:t>
+              <a:t>de hoofdpagina </a:t>
             </a:r>
             <a:r>
               <a:rPr lang="nl-NL" baseline="0" dirty="0" smtClean="0">
                 <a:effectLst/>
               </a:rPr>
-              <a:t>, Adobe Illustrator</a:t>
-            </a:r>
-            <a:r>
-              <a:rPr lang="nl-NL" dirty="0" smtClean="0"/>
-              <a:t>💰, </a:t>
-            </a:r>
-            <a:r>
-              <a:rPr lang="nl-NL" baseline="0" dirty="0" err="1" smtClean="0">
-                <a:effectLst/>
-              </a:rPr>
-              <a:t>InkScape</a:t>
-            </a:r>
-            <a:r>
-              <a:rPr lang="nl-NL" baseline="0" dirty="0" smtClean="0">
-                <a:effectLst/>
-              </a:rPr>
-              <a:t>)</a:t>
-            </a:r>
-            <a:endParaRPr lang="nl-NL" dirty="0" smtClean="0">
-              <a:effectLst/>
-            </a:endParaRPr>
-          </a:p>
-          <a:p>
-            <a:r>
-              <a:rPr lang="nl-NL" dirty="0" err="1" smtClean="0">
-                <a:effectLst/>
-              </a:rPr>
-              <a:t>Knipling</a:t>
-            </a:r>
-            <a:r>
-              <a:rPr lang="nl-NL" dirty="0" smtClean="0">
-                <a:effectLst/>
-              </a:rPr>
-              <a:t>/Lace</a:t>
-            </a:r>
-            <a:r>
-              <a:rPr lang="nl-NL" sz="1400" baseline="30000" dirty="0" smtClean="0">
-                <a:effectLst/>
-              </a:rPr>
-              <a:t>8</a:t>
-            </a:r>
-            <a:r>
-              <a:rPr lang="nl-NL" sz="1400" dirty="0" smtClean="0">
-                <a:effectLst/>
-              </a:rPr>
-              <a:t>/</a:t>
-            </a:r>
-            <a:r>
-              <a:rPr lang="nl-NL" dirty="0" err="1" smtClean="0">
-                <a:effectLst/>
-              </a:rPr>
-              <a:t>Lace</a:t>
-            </a:r>
-            <a:r>
-              <a:rPr lang="nl-NL" sz="1200" baseline="30000" dirty="0" err="1" smtClean="0">
-                <a:effectLst/>
-              </a:rPr>
-              <a:t>X</a:t>
-            </a:r>
-            <a:r>
-              <a:rPr lang="nl-NL" sz="1200" baseline="30000" dirty="0" smtClean="0">
-                <a:effectLst/>
-              </a:rPr>
-              <a:t>-RP</a:t>
-            </a:r>
-            <a:r>
-              <a:rPr lang="nl-NL" dirty="0" smtClean="0">
-                <a:effectLst/>
-              </a:rPr>
-              <a:t> begrijpen de download niet: 1 rapport natekenen</a:t>
-            </a:r>
-          </a:p>
-          <a:p>
-            <a:r>
-              <a:rPr lang="nl-NL" dirty="0" smtClean="0">
-                <a:effectLst/>
-              </a:rPr>
-              <a:t>Kleuren helpen</a:t>
-            </a:r>
-            <a:r>
-              <a:rPr lang="nl-NL" baseline="0" dirty="0" smtClean="0">
-                <a:effectLst/>
-              </a:rPr>
-              <a:t> meerdere rapporten aan elkaar plakken</a:t>
-            </a:r>
-          </a:p>
-          <a:p>
-            <a:endParaRPr lang="nl-NL" dirty="0" smtClean="0"/>
-          </a:p>
-          <a:p>
-            <a:r>
-              <a:rPr lang="nl-NL" dirty="0" smtClean="0"/>
-              <a:t>Je kunt ook kruispunten verplaatsen.</a:t>
-            </a:r>
-          </a:p>
-          <a:p>
-            <a:r>
-              <a:rPr lang="nl-NL" dirty="0" smtClean="0">
-                <a:effectLst/>
-              </a:rPr>
-              <a:t>Zelfde kleuren </a:t>
-            </a:r>
-            <a:r>
-              <a:rPr lang="nl-NL" dirty="0" smtClean="0">
-                <a:effectLst/>
-                <a:sym typeface="Wingdings" panose="05000000000000000000" pitchFamily="2" charset="2"/>
-              </a:rPr>
-              <a:t> zelfde verplaatsing</a:t>
-            </a:r>
-            <a:r>
-              <a:rPr lang="nl-NL" dirty="0" smtClean="0">
-                <a:effectLst/>
-              </a:rPr>
-              <a:t> </a:t>
-            </a:r>
-          </a:p>
-          <a:p>
-            <a:r>
-              <a:rPr lang="nl-NL" dirty="0" smtClean="0">
-                <a:effectLst/>
-              </a:rPr>
-              <a:t>Het donkerblauwe bolletje rechtsboven zit ook midden-onder</a:t>
-            </a:r>
-          </a:p>
-          <a:p>
-            <a:r>
-              <a:rPr lang="nl-NL" dirty="0" smtClean="0">
-                <a:effectLst/>
-              </a:rPr>
-              <a:t> en kan hooguit een half hokje verschuiven.</a:t>
-            </a:r>
-          </a:p>
-          <a:p>
+              <a:t>waar je slagen kunt kiezen</a:t>
+            </a:r>
+          </a:p>
+          <a:p>
+            <a:pPr marL="0" marR="0" indent="0" algn="l" defTabSz="914400" rtl="0" eaLnBrk="1" fontAlgn="auto" latinLnBrk="0" hangingPunct="1">
+              <a:lnSpc>
+                <a:spcPct val="100000"/>
+              </a:lnSpc>
+              <a:spcBef>
+                <a:spcPts val="0"/>
+              </a:spcBef>
+              <a:spcAft>
+                <a:spcPts val="0"/>
+              </a:spcAft>
+              <a:buClrTx/>
+              <a:buSzTx/>
+              <a:buFontTx/>
+              <a:buNone/>
+              <a:tabLst/>
+              <a:defRPr/>
+            </a:pPr>
             <a:endParaRPr lang="nl-NL" baseline="0" dirty="0" smtClean="0">
               <a:effectLst/>
             </a:endParaRPr>
           </a:p>
           <a:p>
+            <a:pPr marL="0" marR="0" indent="0" algn="l" defTabSz="914400" rtl="0" eaLnBrk="1" fontAlgn="auto" latinLnBrk="0" hangingPunct="1">
+              <a:lnSpc>
+                <a:spcPct val="100000"/>
+              </a:lnSpc>
+              <a:spcBef>
+                <a:spcPts val="0"/>
+              </a:spcBef>
+              <a:spcAft>
+                <a:spcPts val="0"/>
+              </a:spcAft>
+              <a:buClrTx/>
+              <a:buSzTx/>
+              <a:buFontTx/>
+              <a:buNone/>
+              <a:tabLst/>
+              <a:defRPr/>
+            </a:pPr>
             <a:r>
               <a:rPr lang="nl-NL" baseline="0" dirty="0" smtClean="0">
                 <a:effectLst/>
               </a:rPr>
-              <a:t>Met promotieonderzoek alle(?) combinaties tot 4x4 opgezocht</a:t>
-            </a:r>
-          </a:p>
-          <a:p>
-            <a:r>
-              <a:rPr lang="nl-NL" dirty="0" smtClean="0">
+              <a:t>Downloaden en </a:t>
+            </a:r>
+            <a:r>
+              <a:rPr lang="nl-NL" baseline="0" dirty="0" err="1" smtClean="0">
                 <a:effectLst/>
-                <a:sym typeface="Wingdings" panose="05000000000000000000" pitchFamily="2" charset="2"/>
-              </a:rPr>
-              <a:t> enkele</a:t>
+              </a:rPr>
+              <a:t>nabewerken</a:t>
             </a:r>
             <a:r>
               <a:rPr lang="nl-NL" baseline="0" dirty="0" smtClean="0">
                 <a:effectLst/>
               </a:rPr>
-              <a:t> </a:t>
-            </a:r>
-            <a:r>
-              <a:rPr lang="nl-NL" dirty="0" smtClean="0"/>
-              <a:t>honderden rondgetrokken </a:t>
-            </a:r>
-            <a:r>
-              <a:rPr lang="nl-NL" dirty="0" err="1" smtClean="0"/>
-              <a:t>tesselace</a:t>
-            </a:r>
-            <a:r>
-              <a:rPr lang="nl-NL" baseline="0" dirty="0" smtClean="0"/>
-              <a:t> </a:t>
-            </a:r>
-            <a:r>
-              <a:rPr lang="nl-NL" dirty="0" smtClean="0"/>
-              <a:t>diagrammen</a:t>
-            </a:r>
-          </a:p>
-          <a:p>
-            <a:r>
-              <a:rPr lang="nl-NL" dirty="0" smtClean="0"/>
-              <a:t>5x4: zo veel dat je met een 1 sec per stuk minstens een dag bezig</a:t>
-            </a:r>
-            <a:r>
-              <a:rPr lang="nl-NL" baseline="0" dirty="0" smtClean="0"/>
-              <a:t> bent,</a:t>
-            </a:r>
-          </a:p>
-          <a:p>
-            <a:r>
-              <a:rPr lang="nl-NL" baseline="0" dirty="0" smtClean="0"/>
-              <a:t> veel daarvan is meer van bijna hetzelfde</a:t>
-            </a:r>
-            <a:endParaRPr lang="nl-NL" dirty="0" smtClean="0"/>
-          </a:p>
-          <a:p>
-            <a:endParaRPr lang="nl-NL" dirty="0" smtClean="0"/>
-          </a:p>
-          <a:p>
-            <a:r>
-              <a:rPr lang="nl-NL" dirty="0" smtClean="0"/>
-              <a:t>Binche gronden passen niet in 4x4,</a:t>
-            </a:r>
-            <a:r>
-              <a:rPr lang="nl-NL" baseline="0" dirty="0" smtClean="0"/>
-              <a:t> d</a:t>
-            </a:r>
+              <a:t> met een SVG editor, of natekenen en evt. op een of andere manier vervormen</a:t>
+            </a:r>
+          </a:p>
+          <a:p>
+            <a:pPr marL="0" marR="0" indent="0" algn="l" defTabSz="914400" rtl="0" eaLnBrk="1" fontAlgn="auto" latinLnBrk="0" hangingPunct="1">
+              <a:lnSpc>
+                <a:spcPct val="100000"/>
+              </a:lnSpc>
+              <a:spcBef>
+                <a:spcPts val="0"/>
+              </a:spcBef>
+              <a:spcAft>
+                <a:spcPts val="0"/>
+              </a:spcAft>
+              <a:buClrTx/>
+              <a:buSzTx/>
+              <a:buFontTx/>
+              <a:buNone/>
+              <a:tabLst/>
+              <a:defRPr/>
+            </a:pPr>
             <a:r>
               <a:rPr lang="nl-NL" baseline="0" dirty="0" smtClean="0">
                 <a:effectLst/>
               </a:rPr>
-              <a:t>ie kun je wel zelf maken</a:t>
-            </a:r>
-          </a:p>
-          <a:p>
-            <a:r>
-              <a:rPr lang="nl-NL" baseline="0" dirty="0" smtClean="0">
-                <a:effectLst/>
-              </a:rPr>
-              <a:t>Spiekbriefje in de handleiding (toegepast in MAE-</a:t>
-            </a:r>
-            <a:r>
-              <a:rPr lang="nl-NL" baseline="0" dirty="0" err="1" smtClean="0">
-                <a:effectLst/>
-              </a:rPr>
-              <a:t>gf</a:t>
-            </a:r>
-            <a:r>
-              <a:rPr lang="nl-NL" baseline="0" dirty="0" smtClean="0">
-                <a:effectLst/>
-              </a:rPr>
-              <a:t> en </a:t>
-            </a:r>
-            <a:r>
-              <a:rPr lang="nl-NL" baseline="0" dirty="0" err="1" smtClean="0">
-                <a:effectLst/>
-              </a:rPr>
-              <a:t>Whiting</a:t>
-            </a:r>
-            <a:r>
-              <a:rPr lang="nl-NL" baseline="0" dirty="0" smtClean="0">
-                <a:effectLst/>
-              </a:rPr>
-              <a:t> index)</a:t>
-            </a:r>
-          </a:p>
-          <a:p>
+              <a:t>Voor de gewenste kantbrief</a:t>
+            </a:r>
+          </a:p>
+          <a:p>
+            <a:pPr marL="0" marR="0" indent="0" algn="l" defTabSz="914400" rtl="0" eaLnBrk="1" fontAlgn="auto" latinLnBrk="0" hangingPunct="1">
+              <a:lnSpc>
+                <a:spcPct val="100000"/>
+              </a:lnSpc>
+              <a:spcBef>
+                <a:spcPts val="0"/>
+              </a:spcBef>
+              <a:spcAft>
+                <a:spcPts val="0"/>
+              </a:spcAft>
+              <a:buClrTx/>
+              <a:buSzTx/>
+              <a:buFontTx/>
+              <a:buNone/>
+              <a:tabLst/>
+              <a:defRPr/>
+            </a:pPr>
             <a:endParaRPr lang="nl-NL" baseline="0" dirty="0" smtClean="0">
               <a:effectLst/>
             </a:endParaRPr>
           </a:p>
           <a:p>
-            <a:r>
-              <a:rPr lang="nl-NL" i="1" baseline="0" dirty="0" smtClean="0">
+            <a:pPr marL="0" marR="0" indent="0" algn="l" defTabSz="914400" rtl="0" eaLnBrk="1" fontAlgn="auto" latinLnBrk="0" hangingPunct="1">
+              <a:lnSpc>
+                <a:spcPct val="100000"/>
+              </a:lnSpc>
+              <a:spcBef>
+                <a:spcPts val="0"/>
+              </a:spcBef>
+              <a:spcAft>
+                <a:spcPts val="0"/>
+              </a:spcAft>
+              <a:buClrTx/>
+              <a:buSzTx/>
+              <a:buFontTx/>
+              <a:buNone/>
+              <a:tabLst/>
+              <a:defRPr/>
+            </a:pPr>
+            <a:r>
+              <a:rPr lang="nl-NL" b="1" dirty="0" smtClean="0"/>
+              <a:t>Bruggetje</a:t>
+            </a:r>
+            <a:r>
+              <a:rPr lang="nl-NL" dirty="0" smtClean="0"/>
+              <a:t>:</a:t>
+            </a:r>
+          </a:p>
+          <a:p>
+            <a:pPr marL="0" marR="0" indent="0" algn="l" defTabSz="914400" rtl="0" eaLnBrk="1" fontAlgn="auto" latinLnBrk="0" hangingPunct="1">
+              <a:lnSpc>
+                <a:spcPct val="100000"/>
+              </a:lnSpc>
+              <a:spcBef>
+                <a:spcPts val="0"/>
+              </a:spcBef>
+              <a:spcAft>
+                <a:spcPts val="0"/>
+              </a:spcAft>
+              <a:buClrTx/>
+              <a:buSzTx/>
+              <a:buFontTx/>
+              <a:buNone/>
+              <a:tabLst/>
+              <a:defRPr/>
+            </a:pPr>
+            <a:r>
+              <a:rPr lang="nl-NL" baseline="0" dirty="0" smtClean="0">
                 <a:effectLst/>
               </a:rPr>
-              <a:t>Vraag en antwoord:</a:t>
-            </a:r>
-            <a:endParaRPr lang="nl-NL" i="1" baseline="0" dirty="0">
-              <a:effectLst/>
-            </a:endParaRPr>
-          </a:p>
-          <a:p>
-            <a:r>
-              <a:rPr lang="nl-NL" i="1" dirty="0" smtClean="0"/>
-              <a:t>Horizontale of verticale verbinding zijn één of twee hokjes lang.</a:t>
-            </a:r>
-          </a:p>
-          <a:p>
-            <a:r>
-              <a:rPr lang="nl-NL" i="1" dirty="0" smtClean="0"/>
-              <a:t>Diagonale verbindingen zijn altijd één hokje.</a:t>
-            </a:r>
-          </a:p>
-          <a:p>
-            <a:r>
-              <a:rPr lang="nl-NL" i="1" dirty="0" smtClean="0"/>
-              <a:t>Boven (C) </a:t>
-            </a:r>
-            <a:r>
-              <a:rPr lang="nl-NL" i="1" dirty="0" smtClean="0"/>
-              <a:t>en </a:t>
-            </a:r>
-            <a:r>
-              <a:rPr lang="nl-NL" i="1" dirty="0" smtClean="0"/>
-              <a:t>(B) is eigenlijk ook nog een (-) nodig</a:t>
-            </a:r>
-          </a:p>
-          <a:p>
-            <a:endParaRPr lang="nl-NL" baseline="0" dirty="0" smtClean="0">
-              <a:effectLst/>
-            </a:endParaRPr>
+              <a:t>We zoomen verder in op het uitgelichte rapport van het rechter patroon</a:t>
+            </a:r>
           </a:p>
         </p:txBody>
       </p:sp>
@@ -2370,37 +1753,348 @@
           <a:bodyPr/>
           <a:lstStyle/>
           <a:p>
+            <a:r>
+              <a:rPr lang="nl-NL" dirty="0" smtClean="0">
+                <a:effectLst/>
+              </a:rPr>
+              <a:t>Kantbrief: wat je geplastificeerd</a:t>
+            </a:r>
+            <a:r>
+              <a:rPr lang="nl-NL" baseline="0" dirty="0" smtClean="0">
+                <a:effectLst/>
+              </a:rPr>
+              <a:t> op je kussen prikt.</a:t>
+            </a:r>
             <a:endParaRPr lang="nl-NL" dirty="0" smtClean="0">
               <a:effectLst/>
             </a:endParaRPr>
           </a:p>
           <a:p>
-            <a:r>
-              <a:rPr lang="nl-NL" b="1" dirty="0" smtClean="0">
-                <a:effectLst/>
-              </a:rPr>
-              <a:t>bruggetje</a:t>
-            </a:r>
+            <a:endParaRPr lang="nl-NL" dirty="0" smtClean="0">
+              <a:effectLst/>
+            </a:endParaRPr>
           </a:p>
           <a:p>
             <a:r>
               <a:rPr lang="nl-NL" dirty="0" smtClean="0">
                 <a:effectLst/>
               </a:rPr>
-              <a:t>gebruik het dradenschema voor een 2</a:t>
-            </a:r>
-            <a:r>
-              <a:rPr lang="nl-NL" baseline="30000" dirty="0" smtClean="0">
-                <a:effectLst/>
-              </a:rPr>
-              <a:t>e</a:t>
+              <a:t>Bovenste rij afbeeldingen wat </a:t>
             </a:r>
             <a:r>
               <a:rPr lang="nl-NL" dirty="0" smtClean="0">
                 <a:effectLst/>
               </a:rPr>
-              <a:t> parenschema</a:t>
-            </a:r>
+              <a:t>je</a:t>
+            </a:r>
+            <a:r>
+              <a:rPr lang="nl-NL" baseline="0" dirty="0" smtClean="0">
+                <a:effectLst/>
+              </a:rPr>
+              <a:t> van </a:t>
+            </a:r>
+            <a:r>
+              <a:rPr lang="nl-NL" baseline="0" dirty="0" err="1" smtClean="0">
+                <a:effectLst/>
+              </a:rPr>
+              <a:t>GroundForge</a:t>
+            </a:r>
+            <a:r>
+              <a:rPr lang="nl-NL" baseline="0" dirty="0" smtClean="0">
+                <a:effectLst/>
+              </a:rPr>
+              <a:t> </a:t>
+            </a:r>
+            <a:r>
+              <a:rPr lang="nl-NL" baseline="0" dirty="0" smtClean="0">
+                <a:effectLst/>
+              </a:rPr>
+              <a:t>krijgt.</a:t>
+            </a:r>
+            <a:endParaRPr lang="nl-NL" baseline="0" dirty="0" smtClean="0">
+              <a:effectLst/>
+            </a:endParaRPr>
+          </a:p>
+          <a:p>
+            <a:r>
+              <a:rPr lang="nl-NL" baseline="0" dirty="0" smtClean="0">
+                <a:effectLst/>
+              </a:rPr>
+              <a:t>Er telkens onder </a:t>
+            </a:r>
+            <a:r>
+              <a:rPr lang="nl-NL" baseline="0" dirty="0" smtClean="0">
+                <a:effectLst/>
+              </a:rPr>
+              <a:t>wat je misschien wilt hebben, of een </a:t>
+            </a:r>
+            <a:r>
+              <a:rPr lang="nl-NL" baseline="0" dirty="0" smtClean="0">
+                <a:effectLst/>
+              </a:rPr>
+              <a:t>tussenstap.</a:t>
+            </a:r>
+            <a:endParaRPr lang="nl-NL" baseline="0" dirty="0" smtClean="0">
+              <a:effectLst/>
+            </a:endParaRPr>
+          </a:p>
+          <a:p>
+            <a:r>
+              <a:rPr lang="nl-NL" baseline="0" dirty="0" smtClean="0">
+                <a:effectLst/>
+              </a:rPr>
+              <a:t>Linksonder als in: Kant uit Vlaanderen en ‘s Gravenmoer.</a:t>
+            </a:r>
+          </a:p>
+          <a:p>
+            <a:endParaRPr lang="nl-NL" baseline="0" dirty="0" smtClean="0">
+              <a:effectLst/>
+            </a:endParaRPr>
+          </a:p>
+          <a:p>
+            <a:r>
+              <a:rPr lang="nl-NL" i="1" baseline="0" dirty="0" smtClean="0">
+                <a:effectLst/>
+              </a:rPr>
+              <a:t>Afbeelding gemaakt met:</a:t>
+            </a:r>
+          </a:p>
+          <a:p>
+            <a:endParaRPr lang="nl-NL" i="1" baseline="0" dirty="0" smtClean="0">
+              <a:effectLst/>
+            </a:endParaRPr>
+          </a:p>
+          <a:p>
+            <a:pPr marL="0" marR="0" indent="0" algn="l" defTabSz="914400" rtl="0" eaLnBrk="1" fontAlgn="auto" latinLnBrk="0" hangingPunct="1">
+              <a:lnSpc>
+                <a:spcPct val="100000"/>
+              </a:lnSpc>
+              <a:spcBef>
+                <a:spcPts val="0"/>
+              </a:spcBef>
+              <a:spcAft>
+                <a:spcPts val="0"/>
+              </a:spcAft>
+              <a:buClrTx/>
+              <a:buSzTx/>
+              <a:buFontTx/>
+              <a:buNone/>
+              <a:tabLst/>
+              <a:defRPr/>
+            </a:pPr>
+            <a:r>
+              <a:rPr lang="nl-NL" dirty="0" smtClean="0">
+                <a:hlinkClick r:id="rId3"/>
+              </a:rPr>
+              <a:t>https://d-bl.github.io/GroundForge/index.html?m=-5--%0AB-C-%0A-5-5%0A5-5-%3Bbricks%3B17%3B19%3B0%3B0&amp;s1=ct b1%3Dctptct d1%3Dctptct A2%3Dctpl C2%3Dctpr A4%3Dctl C4%3Dctr D1%3Dctptctt&amp;s2=&amp;s3=</a:t>
+            </a:r>
+            <a:endParaRPr lang="nl-NL" dirty="0" smtClean="0"/>
+          </a:p>
+          <a:p>
+            <a:endParaRPr lang="nl-NL" i="1" baseline="0" dirty="0" smtClean="0">
+              <a:effectLst/>
+            </a:endParaRPr>
+          </a:p>
+          <a:p>
+            <a:r>
+              <a:rPr lang="nl-NL" i="1" baseline="0" dirty="0" err="1" smtClean="0">
+                <a:effectLst/>
+              </a:rPr>
+              <a:t>Brick</a:t>
+            </a:r>
+            <a:r>
+              <a:rPr lang="nl-NL" i="1" baseline="0" dirty="0" smtClean="0">
+                <a:effectLst/>
+              </a:rPr>
+              <a:t> (baksteen)</a:t>
+            </a:r>
+          </a:p>
+          <a:p>
+            <a:r>
+              <a:rPr lang="nl-NL" i="0" dirty="0" smtClean="0">
+                <a:effectLst/>
+                <a:latin typeface="Consolas" panose="020B0609020204030204" pitchFamily="49" charset="0"/>
+                <a:cs typeface="Consolas" panose="020B0609020204030204" pitchFamily="49" charset="0"/>
+              </a:rPr>
+              <a:t>-5--</a:t>
+            </a:r>
+          </a:p>
+          <a:p>
+            <a:r>
+              <a:rPr lang="nl-NL" i="0" dirty="0" smtClean="0">
+                <a:effectLst/>
+                <a:latin typeface="Consolas" panose="020B0609020204030204" pitchFamily="49" charset="0"/>
+                <a:cs typeface="Consolas" panose="020B0609020204030204" pitchFamily="49" charset="0"/>
+              </a:rPr>
+              <a:t>B-C-</a:t>
+            </a:r>
+          </a:p>
+          <a:p>
+            <a:r>
+              <a:rPr lang="nl-NL" i="0" dirty="0" smtClean="0">
+                <a:effectLst/>
+                <a:latin typeface="Consolas" panose="020B0609020204030204" pitchFamily="49" charset="0"/>
+                <a:cs typeface="Consolas" panose="020B0609020204030204" pitchFamily="49" charset="0"/>
+              </a:rPr>
+              <a:t>-5-5</a:t>
+            </a:r>
+          </a:p>
+          <a:p>
+            <a:r>
+              <a:rPr lang="nl-NL" i="0" dirty="0" smtClean="0">
+                <a:effectLst/>
+                <a:latin typeface="Consolas" panose="020B0609020204030204" pitchFamily="49" charset="0"/>
+                <a:cs typeface="Consolas" panose="020B0609020204030204" pitchFamily="49" charset="0"/>
+              </a:rPr>
+              <a:t>5-5-</a:t>
+            </a:r>
+          </a:p>
+          <a:p>
+            <a:endParaRPr lang="nl-NL" i="1" dirty="0" smtClean="0">
+              <a:effectLst/>
+            </a:endParaRPr>
+          </a:p>
+          <a:p>
+            <a:r>
+              <a:rPr lang="nl-NL" i="1" dirty="0" smtClean="0">
+                <a:effectLst/>
+              </a:rPr>
+              <a:t>Slagen: </a:t>
+            </a:r>
+            <a:r>
+              <a:rPr lang="nl-NL" i="1" dirty="0" err="1" smtClean="0">
+                <a:effectLst/>
+              </a:rPr>
+              <a:t>ct</a:t>
+            </a:r>
+            <a:r>
+              <a:rPr lang="nl-NL" i="1" dirty="0" smtClean="0">
+                <a:effectLst/>
+              </a:rPr>
+              <a:t> b1=</a:t>
+            </a:r>
+            <a:r>
+              <a:rPr lang="nl-NL" i="1" dirty="0" err="1" smtClean="0">
+                <a:effectLst/>
+              </a:rPr>
+              <a:t>ctptct</a:t>
+            </a:r>
+            <a:r>
+              <a:rPr lang="nl-NL" i="1" dirty="0" smtClean="0">
+                <a:effectLst/>
+              </a:rPr>
+              <a:t> d1=</a:t>
+            </a:r>
+            <a:r>
+              <a:rPr lang="nl-NL" i="1" dirty="0" err="1" smtClean="0">
+                <a:effectLst/>
+              </a:rPr>
+              <a:t>ctptct</a:t>
+            </a:r>
+            <a:r>
+              <a:rPr lang="nl-NL" i="1" dirty="0" smtClean="0">
+                <a:effectLst/>
+              </a:rPr>
+              <a:t> A2=</a:t>
+            </a:r>
+            <a:r>
+              <a:rPr lang="nl-NL" i="1" dirty="0" err="1" smtClean="0">
+                <a:effectLst/>
+              </a:rPr>
+              <a:t>ctpl</a:t>
+            </a:r>
+            <a:r>
+              <a:rPr lang="nl-NL" i="1" dirty="0" smtClean="0">
+                <a:effectLst/>
+              </a:rPr>
+              <a:t> C2=</a:t>
+            </a:r>
+            <a:r>
+              <a:rPr lang="nl-NL" i="1" dirty="0" err="1" smtClean="0">
+                <a:effectLst/>
+              </a:rPr>
+              <a:t>ctpr</a:t>
+            </a:r>
+            <a:r>
+              <a:rPr lang="nl-NL" i="1" dirty="0" smtClean="0">
+                <a:effectLst/>
+              </a:rPr>
+              <a:t> A4=</a:t>
+            </a:r>
+            <a:r>
+              <a:rPr lang="nl-NL" i="1" dirty="0" err="1" smtClean="0">
+                <a:effectLst/>
+              </a:rPr>
+              <a:t>ctl</a:t>
+            </a:r>
+            <a:r>
+              <a:rPr lang="nl-NL" i="1" dirty="0" smtClean="0">
+                <a:effectLst/>
+              </a:rPr>
+              <a:t> C4=ctr D1=</a:t>
+            </a:r>
+            <a:r>
+              <a:rPr lang="nl-NL" i="1" dirty="0" err="1" smtClean="0">
+                <a:effectLst/>
+              </a:rPr>
+              <a:t>ctptctt</a:t>
+            </a:r>
+            <a:endParaRPr lang="nl-NL" i="1" dirty="0" smtClean="0">
+              <a:effectLst/>
+            </a:endParaRPr>
+          </a:p>
+          <a:p>
+            <a:r>
+              <a:rPr lang="nl-NL" i="1" dirty="0" smtClean="0">
+                <a:effectLst/>
+              </a:rPr>
+              <a:t>Alle draden zwart, 7 en 10 rood</a:t>
+            </a:r>
+          </a:p>
+          <a:p>
+            <a:r>
+              <a:rPr lang="nl-NL" i="1" baseline="0" dirty="0" smtClean="0">
+                <a:effectLst/>
+              </a:rPr>
+              <a:t>Probeer ook eens een dubbelle  </a:t>
+            </a:r>
+            <a:r>
+              <a:rPr lang="nl-NL" i="1" baseline="0" dirty="0" err="1" smtClean="0">
+                <a:effectLst/>
+              </a:rPr>
+              <a:t>netslag</a:t>
+            </a:r>
+            <a:r>
+              <a:rPr lang="nl-NL" i="1" baseline="0" dirty="0" smtClean="0">
+                <a:effectLst/>
+              </a:rPr>
+              <a:t> of omkeerslag in het midden</a:t>
+            </a:r>
+          </a:p>
+          <a:p>
+            <a:r>
+              <a:rPr lang="nl-NL" i="1" baseline="0" dirty="0" smtClean="0">
+                <a:effectLst/>
+              </a:rPr>
+              <a:t>C=cross=kruisen, t=twist=draaien, p=pin=speld.</a:t>
+            </a:r>
+            <a:r>
+              <a:rPr lang="nl-NL" i="1" dirty="0" smtClean="0">
+                <a:effectLst/>
+              </a:rPr>
+              <a:t> </a:t>
+            </a:r>
+            <a:r>
+              <a:rPr lang="nl-NL" i="1" baseline="0" dirty="0" smtClean="0">
+                <a:effectLst/>
+              </a:rPr>
+              <a:t>Meestal gaan spelden niet zo goed.</a:t>
+            </a:r>
+          </a:p>
+          <a:p>
+            <a:endParaRPr lang="nl-NL" i="1" dirty="0" smtClean="0">
+              <a:effectLst/>
+            </a:endParaRPr>
           </a:p>
         </p:txBody>
       </p:sp>
@@ -2430,7 +2124,7 @@
     </p:spTree>
     <p:extLst>
       <p:ext uri="{BB962C8B-B14F-4D97-AF65-F5344CB8AC3E}">
-        <p14:creationId xmlns:p14="http://schemas.microsoft.com/office/powerpoint/2010/main" val="846069162"/>
+        <p14:creationId xmlns:p14="http://schemas.microsoft.com/office/powerpoint/2010/main" val="4263791989"/>
       </p:ext>
     </p:extLst>
   </p:cSld>
@@ -2488,87 +2182,310 @@
               <a:rPr lang="nl-NL" dirty="0" smtClean="0">
                 <a:effectLst/>
               </a:rPr>
-              <a:t>Spelden kunnen</a:t>
+              <a:t>Concept</a:t>
             </a:r>
             <a:r>
               <a:rPr lang="nl-NL" baseline="0" dirty="0" smtClean="0">
                 <a:effectLst/>
               </a:rPr>
-              <a:t> als in een Trollengrond</a:t>
-            </a:r>
-            <a:r>
-              <a:rPr lang="nl-NL" dirty="0" smtClean="0">
+              <a:t> downloaden voor SVG editor (</a:t>
+            </a:r>
+            <a:r>
+              <a:rPr lang="nl-NL" baseline="0" dirty="0" err="1" smtClean="0">
                 <a:effectLst/>
               </a:rPr>
-              <a:t> gestoken worden</a:t>
-            </a:r>
-          </a:p>
-          <a:p>
-            <a:r>
-              <a:rPr lang="nl-NL" dirty="0" smtClean="0">
+              <a:t>CorelDraw</a:t>
+            </a:r>
+            <a:r>
+              <a:rPr lang="nl-NL" baseline="0" dirty="0" smtClean="0">
                 <a:effectLst/>
               </a:rPr>
-              <a:t>of als in een </a:t>
-            </a:r>
-            <a:r>
-              <a:rPr lang="nl-NL" dirty="0" err="1" smtClean="0">
+              <a:t> </a:t>
+            </a:r>
+            <a:r>
+              <a:rPr lang="nl-NL" dirty="0" smtClean="0"/>
+              <a:t>💰 </a:t>
+            </a:r>
+            <a:r>
+              <a:rPr lang="nl-NL" baseline="0" dirty="0" smtClean="0">
                 <a:effectLst/>
               </a:rPr>
-              <a:t>Vlaanderse</a:t>
-            </a:r>
-            <a:r>
-              <a:rPr lang="nl-NL" dirty="0" smtClean="0">
+              <a:t>, Adobe Illustrator</a:t>
+            </a:r>
+            <a:r>
+              <a:rPr lang="nl-NL" dirty="0" smtClean="0"/>
+              <a:t>💰, </a:t>
+            </a:r>
+            <a:r>
+              <a:rPr lang="nl-NL" baseline="0" dirty="0" err="1" smtClean="0">
                 <a:effectLst/>
               </a:rPr>
-              <a:t> grond</a:t>
-            </a:r>
-          </a:p>
-          <a:p>
+              <a:t>InkScape</a:t>
+            </a:r>
+            <a:r>
+              <a:rPr lang="nl-NL" baseline="0" dirty="0" smtClean="0">
+                <a:effectLst/>
+              </a:rPr>
+              <a:t>)</a:t>
+            </a:r>
             <a:endParaRPr lang="nl-NL" dirty="0" smtClean="0">
               <a:effectLst/>
             </a:endParaRPr>
           </a:p>
           <a:p>
             <a:r>
+              <a:rPr lang="nl-NL" dirty="0" err="1" smtClean="0">
+                <a:effectLst/>
+              </a:rPr>
+              <a:t>Knipling</a:t>
+            </a:r>
+            <a:r>
               <a:rPr lang="nl-NL" dirty="0" smtClean="0">
                 <a:effectLst/>
               </a:rPr>
-              <a:t>---------</a:t>
-            </a:r>
-          </a:p>
-          <a:p>
-            <a:endParaRPr lang="nl-NL" dirty="0" smtClean="0">
+              <a:t>/Lace</a:t>
+            </a:r>
+            <a:r>
+              <a:rPr lang="nl-NL" sz="1400" baseline="30000" dirty="0" smtClean="0">
+                <a:effectLst/>
+              </a:rPr>
+              <a:t>8</a:t>
+            </a:r>
+            <a:r>
+              <a:rPr lang="nl-NL" sz="1400" dirty="0" smtClean="0">
+                <a:effectLst/>
+              </a:rPr>
+              <a:t>/</a:t>
+            </a:r>
+            <a:r>
+              <a:rPr lang="nl-NL" dirty="0" err="1" smtClean="0">
+                <a:effectLst/>
+              </a:rPr>
+              <a:t>Lace</a:t>
+            </a:r>
+            <a:r>
+              <a:rPr lang="nl-NL" sz="1200" baseline="30000" dirty="0" err="1" smtClean="0">
+                <a:effectLst/>
+              </a:rPr>
+              <a:t>X</a:t>
+            </a:r>
+            <a:r>
+              <a:rPr lang="nl-NL" sz="1200" baseline="30000" dirty="0" smtClean="0">
+                <a:effectLst/>
+              </a:rPr>
+              <a:t>-RP</a:t>
+            </a:r>
+            <a:r>
+              <a:rPr lang="nl-NL" dirty="0" smtClean="0">
+                <a:effectLst/>
+              </a:rPr>
+              <a:t> begrijpen de download niet: 1 rapport natekenen</a:t>
+            </a:r>
+          </a:p>
+          <a:p>
+            <a:r>
+              <a:rPr lang="nl-NL" dirty="0" smtClean="0">
+                <a:effectLst/>
+              </a:rPr>
+              <a:t>Kleuren helpen</a:t>
+            </a:r>
+            <a:r>
+              <a:rPr lang="nl-NL" baseline="0" dirty="0" smtClean="0">
+                <a:effectLst/>
+              </a:rPr>
+              <a:t> meerdere rapporten aan elkaar plakken</a:t>
+            </a:r>
+          </a:p>
+          <a:p>
+            <a:endParaRPr lang="nl-NL" dirty="0" smtClean="0"/>
+          </a:p>
+          <a:p>
+            <a:r>
+              <a:rPr lang="nl-NL" dirty="0" smtClean="0"/>
+              <a:t>Je kunt ook kruispunten verplaatsen.</a:t>
+            </a:r>
+          </a:p>
+          <a:p>
+            <a:r>
+              <a:rPr lang="nl-NL" dirty="0" smtClean="0">
+                <a:effectLst/>
+              </a:rPr>
+              <a:t>Zelfde kleuren </a:t>
+            </a:r>
+            <a:r>
+              <a:rPr lang="nl-NL" dirty="0" smtClean="0">
+                <a:effectLst/>
+                <a:sym typeface="Wingdings" panose="05000000000000000000" pitchFamily="2" charset="2"/>
+              </a:rPr>
+              <a:t> zelfde verplaatsing</a:t>
+            </a:r>
+            <a:r>
+              <a:rPr lang="nl-NL" dirty="0" smtClean="0">
+                <a:effectLst/>
+              </a:rPr>
+              <a:t> </a:t>
+            </a:r>
+          </a:p>
+          <a:p>
+            <a:r>
+              <a:rPr lang="nl-NL" dirty="0" smtClean="0">
+                <a:effectLst/>
+              </a:rPr>
+              <a:t>Het donkerblauwe bolletje rechtsboven zit ook midden-onder</a:t>
+            </a:r>
+          </a:p>
+          <a:p>
+            <a:r>
+              <a:rPr lang="nl-NL" dirty="0" smtClean="0">
+                <a:effectLst/>
+              </a:rPr>
+              <a:t> en kan daardoor hooguit een half hokje verschuiven.</a:t>
+            </a:r>
+          </a:p>
+          <a:p>
+            <a:endParaRPr lang="nl-NL" baseline="0" dirty="0" smtClean="0">
               <a:effectLst/>
             </a:endParaRPr>
           </a:p>
           <a:p>
             <a:r>
+              <a:rPr lang="nl-NL" baseline="0" dirty="0" smtClean="0">
+                <a:effectLst/>
+              </a:rPr>
+              <a:t>Met promotieonderzoek alle(?) combinaties tot 4x4 opgezocht</a:t>
+            </a:r>
+          </a:p>
+          <a:p>
+            <a:r>
               <a:rPr lang="nl-NL" dirty="0" smtClean="0">
                 <a:effectLst/>
-                <a:hlinkClick r:id="rId3"/>
-              </a:rPr>
-              <a:t>http://www.lokk.nl/techniek/trollengrond.php</a:t>
-            </a:r>
-            <a:r>
-              <a:rPr lang="nl-NL" dirty="0" smtClean="0">
+                <a:sym typeface="Wingdings" panose="05000000000000000000" pitchFamily="2" charset="2"/>
+              </a:rPr>
+              <a:t> enkele</a:t>
+            </a:r>
+            <a:r>
+              <a:rPr lang="nl-NL" baseline="0" dirty="0" smtClean="0">
                 <a:effectLst/>
               </a:rPr>
               <a:t> </a:t>
             </a:r>
-          </a:p>
-          <a:p>
-            <a:r>
-              <a:rPr lang="nl-NL" dirty="0" smtClean="0">
+            <a:r>
+              <a:rPr lang="nl-NL" dirty="0" smtClean="0"/>
+              <a:t>honderden rondgetrokken </a:t>
+            </a:r>
+            <a:r>
+              <a:rPr lang="nl-NL" dirty="0" err="1" smtClean="0"/>
+              <a:t>tesselace</a:t>
+            </a:r>
+            <a:r>
+              <a:rPr lang="nl-NL" baseline="0" dirty="0" smtClean="0"/>
+              <a:t> </a:t>
+            </a:r>
+            <a:r>
+              <a:rPr lang="nl-NL" dirty="0" smtClean="0"/>
+              <a:t>diagrammen</a:t>
+            </a:r>
+          </a:p>
+          <a:p>
+            <a:r>
+              <a:rPr lang="nl-NL" dirty="0" smtClean="0"/>
+              <a:t>5x4: zo veel dat je met een 1 sec per stuk minstens een dag bezig</a:t>
+            </a:r>
+            <a:r>
+              <a:rPr lang="nl-NL" baseline="0" dirty="0" smtClean="0"/>
+              <a:t> bent,</a:t>
+            </a:r>
+          </a:p>
+          <a:p>
+            <a:r>
+              <a:rPr lang="nl-NL" baseline="0" dirty="0" smtClean="0"/>
+              <a:t> veel daarvan is meer van bijna hetzelfde</a:t>
+            </a:r>
+            <a:endParaRPr lang="nl-NL" dirty="0" smtClean="0"/>
+          </a:p>
+          <a:p>
+            <a:endParaRPr lang="nl-NL" dirty="0" smtClean="0"/>
+          </a:p>
+          <a:p>
+            <a:r>
+              <a:rPr lang="nl-NL" dirty="0" smtClean="0"/>
+              <a:t>Binche gronden passen niet in 4x4,</a:t>
+            </a:r>
+            <a:r>
+              <a:rPr lang="nl-NL" baseline="0" dirty="0" smtClean="0"/>
+              <a:t> d</a:t>
+            </a:r>
+            <a:r>
+              <a:rPr lang="nl-NL" baseline="0" dirty="0" smtClean="0">
                 <a:effectLst/>
-                <a:hlinkClick r:id="rId4"/>
-              </a:rPr>
-              <a:t>http://www.lokk.nl/techniek/vlaandersetralie.php</a:t>
-            </a:r>
-            <a:r>
-              <a:rPr lang="nl-NL" dirty="0" smtClean="0">
+              </a:rPr>
+              <a:t>ie kun je wel zelf maken</a:t>
+            </a:r>
+          </a:p>
+          <a:p>
+            <a:r>
+              <a:rPr lang="nl-NL" baseline="0" dirty="0" smtClean="0">
                 <a:effectLst/>
               </a:rPr>
-              <a:t> </a:t>
+              <a:t>Spiekbriefje in de handleiding (toegepast in MAE-</a:t>
+            </a:r>
+            <a:r>
+              <a:rPr lang="nl-NL" baseline="0" dirty="0" err="1" smtClean="0">
+                <a:effectLst/>
+              </a:rPr>
+              <a:t>gf</a:t>
+            </a:r>
+            <a:r>
+              <a:rPr lang="nl-NL" baseline="0" dirty="0" smtClean="0">
+                <a:effectLst/>
+              </a:rPr>
+              <a:t> en </a:t>
+            </a:r>
+            <a:r>
+              <a:rPr lang="nl-NL" baseline="0" dirty="0" err="1" smtClean="0">
+                <a:effectLst/>
+              </a:rPr>
+              <a:t>Whiting</a:t>
+            </a:r>
+            <a:r>
+              <a:rPr lang="nl-NL" baseline="0" dirty="0" smtClean="0">
+                <a:effectLst/>
+              </a:rPr>
+              <a:t> index)</a:t>
+            </a:r>
+          </a:p>
+          <a:p>
+            <a:endParaRPr lang="nl-NL" baseline="0" dirty="0" smtClean="0">
+              <a:effectLst/>
+            </a:endParaRPr>
+          </a:p>
+          <a:p>
+            <a:r>
+              <a:rPr lang="nl-NL" i="1" baseline="0" dirty="0" smtClean="0">
+                <a:effectLst/>
+              </a:rPr>
+              <a:t>Vraag en antwoord:</a:t>
+            </a:r>
+            <a:endParaRPr lang="nl-NL" i="1" baseline="0" dirty="0">
+              <a:effectLst/>
+            </a:endParaRPr>
+          </a:p>
+          <a:p>
+            <a:r>
+              <a:rPr lang="nl-NL" i="1" dirty="0" smtClean="0"/>
+              <a:t>Horizontale of verticale verbinding zijn één of twee hokjes lang.</a:t>
+            </a:r>
+          </a:p>
+          <a:p>
+            <a:r>
+              <a:rPr lang="nl-NL" i="1" dirty="0" smtClean="0"/>
+              <a:t>Diagonale verbindingen zijn altijd één hokje.</a:t>
+            </a:r>
+          </a:p>
+          <a:p>
+            <a:r>
+              <a:rPr lang="nl-NL" i="1" dirty="0" smtClean="0"/>
+              <a:t>Boven (C) en (B) is eigenlijk ook nog een (-) nodig</a:t>
             </a:r>
           </a:p>
           <a:p>
@@ -2604,7 +2521,7 @@
     </p:spTree>
     <p:extLst>
       <p:ext uri="{BB962C8B-B14F-4D97-AF65-F5344CB8AC3E}">
-        <p14:creationId xmlns:p14="http://schemas.microsoft.com/office/powerpoint/2010/main" val="846069162"/>
+        <p14:creationId xmlns:p14="http://schemas.microsoft.com/office/powerpoint/2010/main" val="4263791989"/>
       </p:ext>
     </p:extLst>
   </p:cSld>
@@ -2658,66 +2575,37 @@
           <a:bodyPr/>
           <a:lstStyle/>
           <a:p>
-            <a:pPr marL="0" marR="0" indent="0" algn="l" defTabSz="914400" rtl="0" eaLnBrk="1" fontAlgn="auto" latinLnBrk="0" hangingPunct="1">
-              <a:lnSpc>
-                <a:spcPct val="100000"/>
-              </a:lnSpc>
-              <a:spcBef>
-                <a:spcPts val="0"/>
-              </a:spcBef>
-              <a:spcAft>
-                <a:spcPts val="0"/>
-              </a:spcAft>
-              <a:buClrTx/>
-              <a:buSzTx/>
-              <a:buFontTx/>
-              <a:buNone/>
-              <a:tabLst/>
-              <a:defRPr/>
-            </a:pPr>
-            <a:r>
-              <a:rPr lang="nl-NL" baseline="0" dirty="0" smtClean="0"/>
-              <a:t>De software maakt de gaten zo rond mogelijk. </a:t>
-            </a:r>
-          </a:p>
-          <a:p>
-            <a:endParaRPr lang="nl-NL" dirty="0" smtClean="0"/>
-          </a:p>
-          <a:p>
-            <a:r>
-              <a:rPr lang="nl-NL" dirty="0" smtClean="0"/>
-              <a:t>Met spelden</a:t>
-            </a:r>
-          </a:p>
-          <a:p>
-            <a:r>
-              <a:rPr lang="nl-NL" dirty="0" smtClean="0"/>
-              <a:t> kun je vierkantjes maken</a:t>
-            </a:r>
-          </a:p>
-          <a:p>
-            <a:r>
-              <a:rPr lang="nl-NL" dirty="0" smtClean="0"/>
-              <a:t> of een mix van vierkantjes en rondjes</a:t>
-            </a:r>
-          </a:p>
-          <a:p>
-            <a:r>
-              <a:rPr lang="nl-NL" baseline="0" dirty="0" smtClean="0"/>
-              <a:t> (niet met </a:t>
-            </a:r>
-            <a:r>
-              <a:rPr lang="nl-NL" baseline="0" dirty="0" err="1" smtClean="0"/>
-              <a:t>GroundForge</a:t>
-            </a:r>
-            <a:r>
-              <a:rPr lang="nl-NL" baseline="0" dirty="0" smtClean="0"/>
-              <a:t>)</a:t>
-            </a:r>
-            <a:endParaRPr lang="nl-NL" dirty="0" smtClean="0"/>
-          </a:p>
-          <a:p>
-            <a:endParaRPr lang="nl-NL" dirty="0"/>
+            <a:endParaRPr lang="nl-NL" dirty="0" smtClean="0">
+              <a:effectLst/>
+            </a:endParaRPr>
+          </a:p>
+          <a:p>
+            <a:r>
+              <a:rPr lang="nl-NL" b="1" dirty="0" smtClean="0">
+                <a:effectLst/>
+              </a:rPr>
+              <a:t>bruggetje</a:t>
+            </a:r>
+          </a:p>
+          <a:p>
+            <a:r>
+              <a:rPr lang="nl-NL" dirty="0" smtClean="0">
+                <a:effectLst/>
+              </a:rPr>
+              <a:t>gebruik het dradenschema voor een 2</a:t>
+            </a:r>
+            <a:r>
+              <a:rPr lang="nl-NL" baseline="30000" dirty="0" smtClean="0">
+                <a:effectLst/>
+              </a:rPr>
+              <a:t>e</a:t>
+            </a:r>
+            <a:r>
+              <a:rPr lang="nl-NL" dirty="0" smtClean="0">
+                <a:effectLst/>
+              </a:rPr>
+              <a:t> parenschema</a:t>
+            </a:r>
           </a:p>
         </p:txBody>
       </p:sp>
@@ -2801,30 +2689,97 @@
           <a:bodyPr/>
           <a:lstStyle/>
           <a:p>
-            <a:pPr marL="0" marR="0" indent="0" algn="l" defTabSz="914400" rtl="0" eaLnBrk="1" fontAlgn="auto" latinLnBrk="0" hangingPunct="1">
-              <a:lnSpc>
-                <a:spcPct val="100000"/>
-              </a:lnSpc>
-              <a:spcBef>
-                <a:spcPts val="0"/>
-              </a:spcBef>
-              <a:spcAft>
-                <a:spcPts val="0"/>
-              </a:spcAft>
-              <a:buClrTx/>
-              <a:buSzTx/>
-              <a:buFontTx/>
-              <a:buNone/>
-              <a:tabLst/>
-              <a:defRPr/>
-            </a:pPr>
-            <a:r>
-              <a:rPr lang="nl-NL" dirty="0" smtClean="0"/>
-              <a:t>Programmeer foutjes kunnen je soms aan het lachen maken</a:t>
-            </a:r>
-          </a:p>
-          <a:p>
-            <a:endParaRPr lang="nl-NL" strike="noStrike" dirty="0" smtClean="0"/>
+            <a:r>
+              <a:rPr lang="nl-NL" dirty="0" smtClean="0">
+                <a:effectLst/>
+              </a:rPr>
+              <a:t>Spelden kunnen</a:t>
+            </a:r>
+            <a:r>
+              <a:rPr lang="nl-NL" baseline="0" dirty="0" smtClean="0">
+                <a:effectLst/>
+              </a:rPr>
+              <a:t> als in een Trollengrond</a:t>
+            </a:r>
+            <a:r>
+              <a:rPr lang="nl-NL" dirty="0" smtClean="0">
+                <a:effectLst/>
+              </a:rPr>
+              <a:t> gestoken worden</a:t>
+            </a:r>
+          </a:p>
+          <a:p>
+            <a:r>
+              <a:rPr lang="nl-NL" dirty="0" smtClean="0">
+                <a:effectLst/>
+              </a:rPr>
+              <a:t>of als in een </a:t>
+            </a:r>
+            <a:r>
+              <a:rPr lang="nl-NL" dirty="0" err="1" smtClean="0">
+                <a:effectLst/>
+              </a:rPr>
+              <a:t>Vlaanderse</a:t>
+            </a:r>
+            <a:r>
+              <a:rPr lang="nl-NL" dirty="0" smtClean="0">
+                <a:effectLst/>
+              </a:rPr>
+              <a:t> grond</a:t>
+            </a:r>
+          </a:p>
+          <a:p>
+            <a:endParaRPr lang="nl-NL" dirty="0" smtClean="0">
+              <a:effectLst/>
+            </a:endParaRPr>
+          </a:p>
+          <a:p>
+            <a:r>
+              <a:rPr lang="nl-NL" dirty="0" smtClean="0">
+                <a:effectLst/>
+              </a:rPr>
+              <a:t>---------</a:t>
+            </a:r>
+          </a:p>
+          <a:p>
+            <a:endParaRPr lang="nl-NL" dirty="0" smtClean="0">
+              <a:effectLst/>
+            </a:endParaRPr>
+          </a:p>
+          <a:p>
+            <a:r>
+              <a:rPr lang="nl-NL" dirty="0" smtClean="0">
+                <a:effectLst/>
+                <a:hlinkClick r:id="rId3"/>
+              </a:rPr>
+              <a:t>http://www.lokk.nl/techniek/trollengrond.php</a:t>
+            </a:r>
+            <a:r>
+              <a:rPr lang="nl-NL" dirty="0" smtClean="0">
+                <a:effectLst/>
+              </a:rPr>
+              <a:t> </a:t>
+            </a:r>
+          </a:p>
+          <a:p>
+            <a:r>
+              <a:rPr lang="nl-NL" dirty="0" smtClean="0">
+                <a:effectLst/>
+                <a:hlinkClick r:id="rId4"/>
+              </a:rPr>
+              <a:t>http://www.lokk.nl/techniek/vlaandersetralie.php</a:t>
+            </a:r>
+            <a:r>
+              <a:rPr lang="nl-NL" dirty="0" smtClean="0">
+                <a:effectLst/>
+              </a:rPr>
+              <a:t> </a:t>
+            </a:r>
+          </a:p>
+          <a:p>
+            <a:endParaRPr lang="nl-NL" baseline="0" dirty="0" smtClean="0">
+              <a:effectLst/>
+            </a:endParaRPr>
           </a:p>
         </p:txBody>
       </p:sp>
@@ -2854,7 +2809,7 @@
     </p:spTree>
     <p:extLst>
       <p:ext uri="{BB962C8B-B14F-4D97-AF65-F5344CB8AC3E}">
-        <p14:creationId xmlns:p14="http://schemas.microsoft.com/office/powerpoint/2010/main" val="3101222508"/>
+        <p14:creationId xmlns:p14="http://schemas.microsoft.com/office/powerpoint/2010/main" val="846069162"/>
       </p:ext>
     </p:extLst>
   </p:cSld>
@@ -2908,92 +2863,66 @@
           <a:bodyPr/>
           <a:lstStyle/>
           <a:p>
-            <a:pPr>
+            <a:pPr marL="0" marR="0" indent="0" algn="l" defTabSz="914400" rtl="0" eaLnBrk="1" fontAlgn="auto" latinLnBrk="0" hangingPunct="1">
+              <a:lnSpc>
+                <a:spcPct val="100000"/>
+              </a:lnSpc>
+              <a:spcBef>
+                <a:spcPts val="0"/>
+              </a:spcBef>
+              <a:spcAft>
+                <a:spcPts val="0"/>
+              </a:spcAft>
+              <a:buClrTx/>
+              <a:buSzTx/>
+              <a:buFontTx/>
+              <a:buNone/>
+              <a:tabLst/>
               <a:defRPr/>
             </a:pPr>
             <a:r>
+              <a:rPr lang="nl-NL" baseline="0" dirty="0" smtClean="0"/>
+              <a:t>De software maakt de gaten zo rond mogelijk. </a:t>
+            </a:r>
+          </a:p>
+          <a:p>
+            <a:endParaRPr lang="nl-NL" dirty="0" smtClean="0"/>
+          </a:p>
+          <a:p>
+            <a:r>
               <a:rPr lang="nl-NL" dirty="0" smtClean="0"/>
-              <a:t>Volg </a:t>
-            </a:r>
-            <a:r>
-              <a:rPr lang="nl-NL" dirty="0"/>
-              <a:t>“issues” in de </a:t>
-            </a:r>
+              <a:t>Met spelden</a:t>
+            </a:r>
+          </a:p>
+          <a:p>
             <a:r>
               <a:rPr lang="nl-NL" dirty="0" smtClean="0"/>
-              <a:t>help pagina “changes” voor </a:t>
-            </a:r>
-            <a:r>
-              <a:rPr lang="nl-NL" dirty="0"/>
-              <a:t>een lijst wensen en bugs</a:t>
-            </a:r>
+              <a:t> kun je vierkantjes maken</a:t>
+            </a:r>
+          </a:p>
+          <a:p>
+            <a:r>
+              <a:rPr lang="nl-NL" dirty="0" smtClean="0"/>
+              <a:t> of een mix van vierkantjes en rondjes</a:t>
+            </a:r>
+          </a:p>
+          <a:p>
+            <a:r>
+              <a:rPr lang="nl-NL" baseline="0" dirty="0" smtClean="0"/>
+              <a:t> (niet met </a:t>
+            </a:r>
+            <a:r>
+              <a:rPr lang="nl-NL" baseline="0" dirty="0" err="1" smtClean="0"/>
+              <a:t>GroundForge</a:t>
+            </a:r>
+            <a:r>
+              <a:rPr lang="nl-NL" baseline="0" dirty="0" smtClean="0"/>
+              <a:t>)</a:t>
+            </a:r>
+            <a:endParaRPr lang="nl-NL" dirty="0" smtClean="0"/>
           </a:p>
           <a:p>
             <a:endParaRPr lang="nl-NL" dirty="0"/>
-          </a:p>
-          <a:p>
-            <a:r>
-              <a:rPr lang="nl-NL" i="1" dirty="0"/>
-              <a:t>Vragen en antwoorden</a:t>
-            </a:r>
-          </a:p>
-          <a:p>
-            <a:endParaRPr lang="nl-NL" i="1" dirty="0"/>
-          </a:p>
-          <a:p>
-            <a:r>
-              <a:rPr lang="nl-NL" i="1" dirty="0"/>
-              <a:t>Icoontjes </a:t>
-            </a:r>
-            <a:r>
-              <a:rPr lang="nl-NL" i="1" dirty="0" smtClean="0"/>
-              <a:t>in de voetregel van de hoofdpagina geven </a:t>
-            </a:r>
-            <a:r>
-              <a:rPr lang="nl-NL" i="1" dirty="0"/>
-              <a:t>aan hoe geschikt bepaalde browsers en apparaten zijn</a:t>
-            </a:r>
-          </a:p>
-          <a:p>
-            <a:endParaRPr lang="nl-NL" i="1" dirty="0"/>
-          </a:p>
-          <a:p>
-            <a:r>
-              <a:rPr lang="nl-NL" i="1" dirty="0"/>
-              <a:t>Aanraakschermen hebben geen muis voor help-info als je ergens boven zweeft</a:t>
-            </a:r>
-          </a:p>
-          <a:p>
-            <a:r>
-              <a:rPr lang="nl-NL" i="1" dirty="0"/>
-              <a:t>Internet Explorer (11) heeft een bug waardoor je gekke effecten krijgt.</a:t>
-            </a:r>
-          </a:p>
-          <a:p>
-            <a:endParaRPr lang="nl-NL" i="1" dirty="0"/>
-          </a:p>
-          <a:p>
-            <a:r>
-              <a:rPr lang="nl-NL" i="1" dirty="0"/>
-              <a:t>Release </a:t>
-            </a:r>
-            <a:r>
-              <a:rPr lang="nl-NL" i="1" dirty="0" err="1"/>
-              <a:t>notes</a:t>
-            </a:r>
-            <a:r>
-              <a:rPr lang="nl-NL" i="1" dirty="0"/>
-              <a:t> somt van tijd tot tijd de wijzigingen op</a:t>
-            </a:r>
-          </a:p>
-          <a:p>
-            <a:r>
-              <a:rPr lang="nl-NL" i="1" dirty="0"/>
-              <a:t>Is zelden helemaal bij</a:t>
-            </a:r>
-          </a:p>
-          <a:p>
-            <a:endParaRPr lang="nl-NL" strike="sngStrike" dirty="0" smtClean="0"/>
           </a:p>
         </p:txBody>
       </p:sp>
@@ -3015,6 +2944,113 @@
             <a:fld id="{7EC7493F-9CE3-4AD5-8254-4B462DC5112C}" type="slidenum">
               <a:rPr lang="nl-NL" smtClean="0"/>
               <a:t>18</a:t>
+            </a:fld>
+            <a:endParaRPr lang="nl-NL"/>
+          </a:p>
+        </p:txBody>
+      </p:sp>
+    </p:spTree>
+    <p:extLst>
+      <p:ext uri="{BB962C8B-B14F-4D97-AF65-F5344CB8AC3E}">
+        <p14:creationId xmlns:p14="http://schemas.microsoft.com/office/powerpoint/2010/main" val="846069162"/>
+      </p:ext>
+    </p:extLst>
+  </p:cSld>
+  <p:clrMapOvr>
+    <a:masterClrMapping/>
+  </p:clrMapOvr>
+</p:notes>
+</file>
+
+<file path=ppt/notesSlides/notesSlide19.xml><?xml version="1.0" encoding="utf-8"?>
+<p:notes xmlns:a="http://schemas.openxmlformats.org/drawingml/2006/main" xmlns:r="http://schemas.openxmlformats.org/officeDocument/2006/relationships" xmlns:p="http://schemas.openxmlformats.org/presentationml/2006/main">
+  <p:cSld>
+    <p:spTree>
+      <p:nvGrpSpPr>
+        <p:cNvPr id="1" name=""/>
+        <p:cNvGrpSpPr/>
+        <p:nvPr/>
+      </p:nvGrpSpPr>
+      <p:grpSpPr>
+        <a:xfrm>
+          <a:off x="0" y="0"/>
+          <a:ext cx="0" cy="0"/>
+          <a:chOff x="0" y="0"/>
+          <a:chExt cx="0" cy="0"/>
+        </a:xfrm>
+      </p:grpSpPr>
+      <p:sp>
+        <p:nvSpPr>
+          <p:cNvPr id="2" name="Tijdelijke aanduiding voor dia-afbeelding 1"/>
+          <p:cNvSpPr>
+            <a:spLocks noGrp="1" noRot="1" noChangeAspect="1"/>
+          </p:cNvSpPr>
+          <p:nvPr>
+            <p:ph type="sldImg"/>
+          </p:nvPr>
+        </p:nvSpPr>
+        <p:spPr/>
+      </p:sp>
+      <p:sp>
+        <p:nvSpPr>
+          <p:cNvPr id="3" name="Tijdelijke aanduiding voor notities 2"/>
+          <p:cNvSpPr>
+            <a:spLocks noGrp="1"/>
+          </p:cNvSpPr>
+          <p:nvPr>
+            <p:ph type="body" idx="1"/>
+          </p:nvPr>
+        </p:nvSpPr>
+        <p:spPr/>
+        <p:txBody>
+          <a:bodyPr/>
+          <a:lstStyle/>
+          <a:p>
+            <a:pPr marL="0" marR="0" indent="0" algn="l" defTabSz="914400" rtl="0" eaLnBrk="1" fontAlgn="auto" latinLnBrk="0" hangingPunct="1">
+              <a:lnSpc>
+                <a:spcPct val="100000"/>
+              </a:lnSpc>
+              <a:spcBef>
+                <a:spcPts val="0"/>
+              </a:spcBef>
+              <a:spcAft>
+                <a:spcPts val="0"/>
+              </a:spcAft>
+              <a:buClrTx/>
+              <a:buSzTx/>
+              <a:buFontTx/>
+              <a:buNone/>
+              <a:tabLst/>
+              <a:defRPr/>
+            </a:pPr>
+            <a:r>
+              <a:rPr lang="nl-NL" dirty="0" smtClean="0"/>
+              <a:t>Programmeer foutjes kunnen je soms aan het lachen maken: een virtueel omgekiept kantkussen.</a:t>
+            </a:r>
+          </a:p>
+          <a:p>
+            <a:endParaRPr lang="nl-NL" strike="noStrike" dirty="0" smtClean="0"/>
+          </a:p>
+        </p:txBody>
+      </p:sp>
+      <p:sp>
+        <p:nvSpPr>
+          <p:cNvPr id="4" name="Tijdelijke aanduiding voor dianummer 3"/>
+          <p:cNvSpPr>
+            <a:spLocks noGrp="1"/>
+          </p:cNvSpPr>
+          <p:nvPr>
+            <p:ph type="sldNum" sz="quarter" idx="10"/>
+          </p:nvPr>
+        </p:nvSpPr>
+        <p:spPr/>
+        <p:txBody>
+          <a:bodyPr/>
+          <a:lstStyle/>
+          <a:p>
+            <a:fld id="{7EC7493F-9CE3-4AD5-8254-4B462DC5112C}" type="slidenum">
+              <a:rPr lang="nl-NL" smtClean="0"/>
+              <a:t>19</a:t>
             </a:fld>
             <a:endParaRPr lang="nl-NL"/>
           </a:p>
@@ -3060,7 +3096,12 @@
             <p:ph type="sldImg"/>
           </p:nvPr>
         </p:nvSpPr>
-        <p:spPr/>
+        <p:spPr>
+          <a:xfrm>
+            <a:off x="1143000" y="685800"/>
+            <a:ext cx="4572000" cy="3429000"/>
+          </a:xfrm>
+        </p:spPr>
       </p:sp>
       <p:sp>
         <p:nvSpPr>
@@ -3077,102 +3118,78 @@
           <a:bodyPr/>
           <a:lstStyle/>
           <a:p>
-            <a:pPr marL="171450" marR="0" indent="-171450" algn="l" defTabSz="914400" rtl="0" eaLnBrk="1" fontAlgn="auto" latinLnBrk="0" hangingPunct="1">
-              <a:lnSpc>
-                <a:spcPct val="100000"/>
-              </a:lnSpc>
-              <a:spcBef>
-                <a:spcPts val="0"/>
-              </a:spcBef>
-              <a:spcAft>
-                <a:spcPts val="0"/>
-              </a:spcAft>
-              <a:buClrTx/>
-              <a:buSzTx/>
-              <a:buFont typeface="Arial" panose="020B0604020202020204" pitchFamily="34" charset="0"/>
-              <a:buChar char="•"/>
-              <a:tabLst/>
-              <a:defRPr/>
-            </a:pPr>
-            <a:r>
-              <a:rPr lang="nl-NL" dirty="0" smtClean="0"/>
-              <a:t>Rode draad: draad schema’s uit paar schema’s.</a:t>
-            </a:r>
-          </a:p>
-          <a:p>
-            <a:pPr marL="171450" indent="-171450">
-              <a:buFont typeface="Arial" panose="020B0604020202020204" pitchFamily="34" charset="0"/>
-              <a:buChar char="•"/>
-            </a:pPr>
-            <a:r>
-              <a:rPr lang="nl-NL" baseline="0" dirty="0" smtClean="0"/>
-              <a:t>Doel: effect voor contrasterende draden onderzoeken</a:t>
-            </a:r>
-          </a:p>
-          <a:p>
-            <a:endParaRPr lang="nl-NL" dirty="0" smtClean="0"/>
-          </a:p>
-          <a:p>
-            <a:r>
-              <a:rPr lang="nl-NL" i="1" dirty="0" smtClean="0"/>
-              <a:t>Schermafdrukken gemaakt met:</a:t>
-            </a:r>
-          </a:p>
-          <a:p>
-            <a:endParaRPr lang="nl-NL" i="1" dirty="0" smtClean="0"/>
-          </a:p>
-          <a:p>
-            <a:r>
-              <a:rPr lang="nl-NL" i="1" dirty="0" smtClean="0">
-                <a:hlinkClick r:id="rId3"/>
-              </a:rPr>
-              <a:t>https://d-bl.github.io/GroundForge/index.html?m=B-C-%0A---5%0AC-B-%0A-5--%3Bchecker%3B22%3B9%3B1%3B0&amp;s1=ct%20A2%3Dcttct%20C4%3Dctct&amp;s2=cross%3Dctc%20twist%3Dctc&amp;s3</a:t>
-            </a:r>
-            <a:r>
-              <a:rPr lang="nl-NL" i="1" dirty="0" smtClean="0"/>
-              <a:t>= </a:t>
-            </a:r>
-          </a:p>
-          <a:p>
-            <a:endParaRPr lang="nl-NL" i="1" dirty="0" smtClean="0"/>
-          </a:p>
-          <a:p>
-            <a:r>
-              <a:rPr lang="nl-NL" i="1" dirty="0" smtClean="0"/>
-              <a:t>Kleur voor omkeerslag </a:t>
-            </a:r>
-            <a:r>
-              <a:rPr lang="nl-NL" i="1" baseline="0" dirty="0" smtClean="0"/>
-              <a:t>nu even vals gespeeld met </a:t>
-            </a:r>
-            <a:r>
-              <a:rPr lang="nl-NL" i="1" baseline="0" dirty="0" err="1" smtClean="0"/>
-              <a:t>ctctc</a:t>
-            </a:r>
-            <a:r>
-              <a:rPr lang="nl-NL" i="1" baseline="0" dirty="0" smtClean="0"/>
-              <a:t> in de parentekening,</a:t>
-            </a:r>
-            <a:endParaRPr lang="nl-NL" i="1" dirty="0" smtClean="0"/>
-          </a:p>
-          <a:p>
-            <a:r>
-              <a:rPr lang="nl-NL" i="1" dirty="0" smtClean="0"/>
-              <a:t> zie </a:t>
-            </a:r>
-            <a:r>
-              <a:rPr lang="nl-NL" i="1" dirty="0" smtClean="0">
-                <a:hlinkClick r:id="rId4"/>
-              </a:rPr>
-              <a:t>https://github.com/d-bl/GroundForge/pull/106</a:t>
-            </a:r>
-            <a:r>
-              <a:rPr lang="nl-NL" i="1" dirty="0" smtClean="0"/>
-              <a:t> </a:t>
-            </a:r>
-          </a:p>
-          <a:p>
-            <a:endParaRPr lang="nl-NL" i="1" dirty="0" smtClean="0"/>
+            <a:r>
+              <a:rPr lang="nl-NL" dirty="0"/>
+              <a:t>De titel van deze presentatie is “draadtekeningen laten maken DOOR de computer”. Dus niet “met de computer”, met </a:t>
+            </a:r>
+            <a:r>
+              <a:rPr lang="nl-NL" dirty="0" err="1"/>
+              <a:t>Knipling</a:t>
+            </a:r>
+            <a:r>
+              <a:rPr lang="nl-NL" dirty="0"/>
+              <a:t>, of een ander tekenprogramma. </a:t>
+            </a:r>
+          </a:p>
+          <a:p>
+            <a:r>
+              <a:rPr lang="nl-NL" dirty="0"/>
+              <a:t>Nee. Het gaat hier om een computerprogramma, gemaakt door Joke Pol, waarin je aan de computer vertelt welke grond je wil gebruiken en welke slagen. Je drukt op een knop, en de computer geeft de dradentekening.</a:t>
+            </a:r>
+          </a:p>
+          <a:p>
+            <a:r>
+              <a:rPr lang="nl-NL" dirty="0"/>
+              <a:t>In dit deel van de presentatie een heel klein voorproefje. Joke zal zo meteen meer vertellen. </a:t>
+            </a:r>
+          </a:p>
+          <a:p>
+            <a:endParaRPr lang="nl-NL" dirty="0"/>
+          </a:p>
+          <a:p>
+            <a:r>
+              <a:rPr lang="nl-NL" dirty="0"/>
+              <a:t>Met het programma gaat dit in het kort als volgt: je kiest uit de voorbeelden de grond waarmee je aan de slag wilt. Bijvoorbeeld de Parijse Grond. [tik]</a:t>
+            </a:r>
+          </a:p>
+          <a:p>
+            <a:r>
+              <a:rPr lang="nl-NL" dirty="0"/>
+              <a:t>De computer vertaalt dit in een rijtje letters en cijfers – anders snapt hij het niet.</a:t>
+            </a:r>
+          </a:p>
+          <a:p>
+            <a:r>
+              <a:rPr lang="nl-NL" dirty="0"/>
+              <a:t>Vervolgens vul je de slagen in, ook met letters zodat de computer het snapt.  Kies vervolgens voor SHOW …. [tik]</a:t>
+            </a:r>
+          </a:p>
+          <a:p>
+            <a:endParaRPr lang="nl-NL" dirty="0"/>
+          </a:p>
+          <a:p>
+            <a:r>
+              <a:rPr lang="nl-NL" dirty="0"/>
+              <a:t>…. En dan verschijnt dit plaatje.</a:t>
+            </a:r>
+          </a:p>
+          <a:p>
+            <a:r>
+              <a:rPr lang="nl-NL" dirty="0"/>
+              <a:t>Het leuke is, dat je kan spelen met de slagen. Bijvoorbeeld, hoe ziet het de Parijse grond er uit in alles netslag? [tik]</a:t>
+            </a:r>
+          </a:p>
+          <a:p>
+            <a:endParaRPr lang="nl-NL" dirty="0"/>
+          </a:p>
+          <a:p>
+            <a:r>
+              <a:rPr lang="nl-NL" dirty="0"/>
+              <a:t>Voor iemand als ik, die het leuk vind om te stoeien met de slagen is dit een prachtig hulpmiddel. Waar ik eerst voor alle variaties klosjes moest wikkelen, krijg ik nu met een paar drukken op de knop een idee van hoe mijn bedenksels er uit gaan zien. Bijvoorbeeld: [tik].</a:t>
+            </a:r>
+          </a:p>
+          <a:p>
+            <a:endParaRPr lang="nl-NL" dirty="0"/>
           </a:p>
         </p:txBody>
       </p:sp>
@@ -3191,7 +3208,7 @@
           <a:bodyPr/>
           <a:lstStyle/>
           <a:p>
-            <a:fld id="{7EC7493F-9CE3-4AD5-8254-4B462DC5112C}" type="slidenum">
+            <a:fld id="{8283D3D4-CB75-425C-ACB2-C1B2FBD3C063}" type="slidenum">
               <a:rPr lang="nl-NL" smtClean="0"/>
               <a:t>2</a:t>
             </a:fld>
@@ -3202,7 +3219,184 @@
     </p:spTree>
     <p:extLst>
       <p:ext uri="{BB962C8B-B14F-4D97-AF65-F5344CB8AC3E}">
-        <p14:creationId xmlns:p14="http://schemas.microsoft.com/office/powerpoint/2010/main" val="846069162"/>
+        <p14:creationId xmlns:p14="http://schemas.microsoft.com/office/powerpoint/2010/main" val="1093046927"/>
+      </p:ext>
+    </p:extLst>
+  </p:cSld>
+  <p:clrMapOvr>
+    <a:masterClrMapping/>
+  </p:clrMapOvr>
+</p:notes>
+</file>
+
+<file path=ppt/notesSlides/notesSlide20.xml><?xml version="1.0" encoding="utf-8"?>
+<p:notes xmlns:a="http://schemas.openxmlformats.org/drawingml/2006/main" xmlns:r="http://schemas.openxmlformats.org/officeDocument/2006/relationships" xmlns:p="http://schemas.openxmlformats.org/presentationml/2006/main">
+  <p:cSld>
+    <p:spTree>
+      <p:nvGrpSpPr>
+        <p:cNvPr id="1" name=""/>
+        <p:cNvGrpSpPr/>
+        <p:nvPr/>
+      </p:nvGrpSpPr>
+      <p:grpSpPr>
+        <a:xfrm>
+          <a:off x="0" y="0"/>
+          <a:ext cx="0" cy="0"/>
+          <a:chOff x="0" y="0"/>
+          <a:chExt cx="0" cy="0"/>
+        </a:xfrm>
+      </p:grpSpPr>
+      <p:sp>
+        <p:nvSpPr>
+          <p:cNvPr id="2" name="Tijdelijke aanduiding voor dia-afbeelding 1"/>
+          <p:cNvSpPr>
+            <a:spLocks noGrp="1" noRot="1" noChangeAspect="1"/>
+          </p:cNvSpPr>
+          <p:nvPr>
+            <p:ph type="sldImg"/>
+          </p:nvPr>
+        </p:nvSpPr>
+        <p:spPr/>
+      </p:sp>
+      <p:sp>
+        <p:nvSpPr>
+          <p:cNvPr id="3" name="Tijdelijke aanduiding voor notities 2"/>
+          <p:cNvSpPr>
+            <a:spLocks noGrp="1"/>
+          </p:cNvSpPr>
+          <p:nvPr>
+            <p:ph type="body" idx="1"/>
+          </p:nvPr>
+        </p:nvSpPr>
+        <p:spPr/>
+        <p:txBody>
+          <a:bodyPr/>
+          <a:lstStyle/>
+          <a:p>
+            <a:pPr>
+              <a:defRPr/>
+            </a:pPr>
+            <a:r>
+              <a:rPr lang="nl-NL" dirty="0" smtClean="0"/>
+              <a:t>Kies voor de helppagina</a:t>
+            </a:r>
+            <a:r>
+              <a:rPr lang="nl-NL" baseline="0" dirty="0" smtClean="0"/>
+              <a:t> “changes”,  </a:t>
+            </a:r>
+            <a:r>
+              <a:rPr lang="nl-NL" dirty="0" smtClean="0"/>
+              <a:t>volg de links met “issues</a:t>
+            </a:r>
+            <a:r>
+              <a:rPr lang="nl-NL" dirty="0"/>
+              <a:t>” </a:t>
+            </a:r>
+            <a:r>
+              <a:rPr lang="nl-NL" dirty="0" smtClean="0"/>
+              <a:t>voor </a:t>
+            </a:r>
+            <a:r>
+              <a:rPr lang="nl-NL" dirty="0"/>
+              <a:t>een lijst wensen en bugs</a:t>
+            </a:r>
+          </a:p>
+          <a:p>
+            <a:endParaRPr lang="nl-NL" dirty="0"/>
+          </a:p>
+          <a:p>
+            <a:r>
+              <a:rPr lang="nl-NL" i="1" dirty="0"/>
+              <a:t>Vragen en antwoorden</a:t>
+            </a:r>
+          </a:p>
+          <a:p>
+            <a:endParaRPr lang="nl-NL" i="1" dirty="0"/>
+          </a:p>
+          <a:p>
+            <a:r>
+              <a:rPr lang="nl-NL" i="1" dirty="0"/>
+              <a:t>Icoontjes </a:t>
+            </a:r>
+            <a:r>
+              <a:rPr lang="nl-NL" i="1" dirty="0" smtClean="0"/>
+              <a:t>in de voetregel van de hoofdpagina geven </a:t>
+            </a:r>
+            <a:r>
+              <a:rPr lang="nl-NL" i="1" dirty="0"/>
+              <a:t>aan hoe geschikt bepaalde browsers en apparaten zijn</a:t>
+            </a:r>
+          </a:p>
+          <a:p>
+            <a:endParaRPr lang="nl-NL" i="1" dirty="0"/>
+          </a:p>
+          <a:p>
+            <a:r>
+              <a:rPr lang="nl-NL" i="1" dirty="0"/>
+              <a:t>Aanraakschermen hebben geen muis voor help-info als je ergens boven zweeft</a:t>
+            </a:r>
+          </a:p>
+          <a:p>
+            <a:r>
+              <a:rPr lang="nl-NL" i="1" dirty="0"/>
+              <a:t>Internet Explorer (11) heeft een bug waardoor je gekke effecten krijgt.</a:t>
+            </a:r>
+          </a:p>
+          <a:p>
+            <a:endParaRPr lang="nl-NL" i="1" dirty="0"/>
+          </a:p>
+          <a:p>
+            <a:r>
+              <a:rPr lang="nl-NL" i="1" dirty="0"/>
+              <a:t>Release </a:t>
+            </a:r>
+            <a:r>
+              <a:rPr lang="nl-NL" i="1" dirty="0" err="1"/>
+              <a:t>notes</a:t>
+            </a:r>
+            <a:r>
+              <a:rPr lang="nl-NL" i="1" dirty="0"/>
+              <a:t> somt van tijd tot tijd de wijzigingen op</a:t>
+            </a:r>
+          </a:p>
+          <a:p>
+            <a:r>
+              <a:rPr lang="nl-NL" i="1" dirty="0"/>
+              <a:t>Is zelden helemaal bij</a:t>
+            </a:r>
+          </a:p>
+          <a:p>
+            <a:endParaRPr lang="nl-NL" strike="sngStrike" dirty="0" smtClean="0"/>
+          </a:p>
+        </p:txBody>
+      </p:sp>
+      <p:sp>
+        <p:nvSpPr>
+          <p:cNvPr id="4" name="Tijdelijke aanduiding voor dianummer 3"/>
+          <p:cNvSpPr>
+            <a:spLocks noGrp="1"/>
+          </p:cNvSpPr>
+          <p:nvPr>
+            <p:ph type="sldNum" sz="quarter" idx="10"/>
+          </p:nvPr>
+        </p:nvSpPr>
+        <p:spPr/>
+        <p:txBody>
+          <a:bodyPr/>
+          <a:lstStyle/>
+          <a:p>
+            <a:fld id="{7EC7493F-9CE3-4AD5-8254-4B462DC5112C}" type="slidenum">
+              <a:rPr lang="nl-NL" smtClean="0"/>
+              <a:t>20</a:t>
+            </a:fld>
+            <a:endParaRPr lang="nl-NL"/>
+          </a:p>
+        </p:txBody>
+      </p:sp>
+    </p:spTree>
+    <p:extLst>
+      <p:ext uri="{BB962C8B-B14F-4D97-AF65-F5344CB8AC3E}">
+        <p14:creationId xmlns:p14="http://schemas.microsoft.com/office/powerpoint/2010/main" val="3101222508"/>
       </p:ext>
     </p:extLst>
   </p:cSld>
@@ -3239,7 +3433,12 @@
             <p:ph type="sldImg"/>
           </p:nvPr>
         </p:nvSpPr>
-        <p:spPr/>
+        <p:spPr>
+          <a:xfrm>
+            <a:off x="1143000" y="685800"/>
+            <a:ext cx="4572000" cy="3429000"/>
+          </a:xfrm>
+        </p:spPr>
       </p:sp>
       <p:sp>
         <p:nvSpPr>
@@ -3257,248 +3456,15 @@
           <a:lstStyle/>
           <a:p>
             <a:r>
-              <a:rPr lang="nl-NL" dirty="0" smtClean="0">
-                <a:effectLst/>
-              </a:rPr>
-              <a:t>Met het parameterformulier wordt aan de computer verteld hoe het patroon in</a:t>
-            </a:r>
-            <a:r>
-              <a:rPr lang="nl-NL" baseline="0" dirty="0" smtClean="0">
-                <a:effectLst/>
-              </a:rPr>
-              <a:t> elkaar zit.</a:t>
-            </a:r>
-            <a:endParaRPr lang="nl-NL" dirty="0" smtClean="0">
-              <a:effectLst/>
-            </a:endParaRPr>
-          </a:p>
-          <a:p>
-            <a:pPr marL="171450" indent="-171450">
-              <a:buFont typeface="Arial" panose="020B0604020202020204" pitchFamily="34" charset="0"/>
-              <a:buChar char="•"/>
-            </a:pPr>
-            <a:r>
-              <a:rPr lang="nl-NL" dirty="0" smtClean="0">
-                <a:effectLst/>
-              </a:rPr>
-              <a:t>Het blauwe i-</a:t>
-            </a:r>
-            <a:r>
-              <a:rPr lang="nl-NL" dirty="0" err="1" smtClean="0">
-                <a:effectLst/>
-              </a:rPr>
-              <a:t>tje</a:t>
-            </a:r>
-            <a:r>
-              <a:rPr lang="nl-NL" dirty="0" smtClean="0">
-                <a:effectLst/>
-              </a:rPr>
-              <a:t> gaat naar de handleiding</a:t>
-            </a:r>
-          </a:p>
-          <a:p>
-            <a:pPr marL="171450" indent="-171450">
-              <a:buFont typeface="Arial" panose="020B0604020202020204" pitchFamily="34" charset="0"/>
-              <a:buChar char="•"/>
-            </a:pPr>
-            <a:r>
-              <a:rPr lang="nl-NL" dirty="0" smtClean="0">
-                <a:effectLst/>
-              </a:rPr>
-              <a:t>Het zand scheppende mannetje betekent dat het onderdeel soms werkt en soms niet.</a:t>
-            </a:r>
-          </a:p>
-          <a:p>
-            <a:pPr marL="171450" indent="-171450">
-              <a:buFont typeface="Arial" panose="020B0604020202020204" pitchFamily="34" charset="0"/>
-              <a:buChar char="•"/>
-            </a:pPr>
-            <a:r>
-              <a:rPr lang="nl-NL" dirty="0" smtClean="0">
-                <a:effectLst/>
-              </a:rPr>
-              <a:t>Bij een professor petje is de handleiding noodzakelijk, al is het maar voor een spiekbriefje.</a:t>
-            </a:r>
-          </a:p>
-          <a:p>
-            <a:r>
-              <a:rPr lang="nl-NL" dirty="0" smtClean="0"/>
-              <a:t>Zelf invullen, of laten invullen door</a:t>
-            </a:r>
-            <a:r>
-              <a:rPr lang="nl-NL" baseline="0" dirty="0" smtClean="0"/>
-              <a:t> </a:t>
-            </a:r>
-            <a:r>
-              <a:rPr lang="nl-NL" dirty="0" smtClean="0"/>
-              <a:t>voorbeelden (</a:t>
-            </a:r>
-            <a:r>
-              <a:rPr lang="nl-NL" dirty="0" err="1" smtClean="0"/>
-              <a:t>examples</a:t>
-            </a:r>
-            <a:r>
-              <a:rPr lang="nl-NL" dirty="0" smtClean="0"/>
-              <a:t>) onder “get </a:t>
-            </a:r>
-            <a:r>
-              <a:rPr lang="nl-NL" dirty="0" err="1" smtClean="0"/>
-              <a:t>started</a:t>
-            </a:r>
-            <a:r>
-              <a:rPr lang="nl-NL" dirty="0" smtClean="0"/>
-              <a:t>”.</a:t>
-            </a:r>
-          </a:p>
-          <a:p>
-            <a:r>
-              <a:rPr lang="nl-NL" dirty="0" smtClean="0"/>
-              <a:t>Patroontje uitgezocht? </a:t>
-            </a:r>
-            <a:r>
-              <a:rPr lang="nl-NL" dirty="0" smtClean="0">
-                <a:sym typeface="Wingdings" panose="05000000000000000000" pitchFamily="2" charset="2"/>
-              </a:rPr>
-              <a:t> klik op show</a:t>
-            </a:r>
-          </a:p>
-          <a:p>
-            <a:endParaRPr lang="nl-NL" dirty="0" smtClean="0">
-              <a:sym typeface="Wingdings" panose="05000000000000000000" pitchFamily="2" charset="2"/>
-            </a:endParaRPr>
-          </a:p>
-          <a:p>
-            <a:r>
-              <a:rPr lang="nl-NL" i="1" dirty="0" smtClean="0">
-                <a:sym typeface="Wingdings" panose="05000000000000000000" pitchFamily="2" charset="2"/>
-              </a:rPr>
-              <a:t>Vraag en antwoord</a:t>
-            </a:r>
-          </a:p>
-          <a:p>
-            <a:endParaRPr lang="nl-NL" i="1" dirty="0" smtClean="0">
-              <a:sym typeface="Wingdings" panose="05000000000000000000" pitchFamily="2" charset="2"/>
-            </a:endParaRPr>
-          </a:p>
-          <a:p>
-            <a:r>
-              <a:rPr lang="nl-NL" i="1" dirty="0" smtClean="0">
-                <a:sym typeface="Wingdings" panose="05000000000000000000" pitchFamily="2" charset="2"/>
-              </a:rPr>
-              <a:t>In het Engels</a:t>
-            </a:r>
-          </a:p>
-          <a:p>
-            <a:pPr marL="171450" indent="-171450">
-              <a:buFont typeface="Arial" panose="020B0604020202020204" pitchFamily="34" charset="0"/>
-              <a:buChar char="•"/>
-            </a:pPr>
-            <a:r>
-              <a:rPr lang="nl-NL" i="1" dirty="0" smtClean="0">
-                <a:sym typeface="Wingdings" panose="05000000000000000000" pitchFamily="2" charset="2"/>
-              </a:rPr>
-              <a:t>Om een zo breed mogelijk publiek te bereiken</a:t>
-            </a:r>
-          </a:p>
-          <a:p>
-            <a:pPr marL="171450" indent="-171450">
-              <a:buFont typeface="Arial" panose="020B0604020202020204" pitchFamily="34" charset="0"/>
-              <a:buChar char="•"/>
-            </a:pPr>
-            <a:r>
-              <a:rPr lang="nl-NL" i="1" dirty="0" smtClean="0">
-                <a:sym typeface="Wingdings" panose="05000000000000000000" pitchFamily="2" charset="2"/>
-              </a:rPr>
-              <a:t>Omdat het als samenwerking begon met een Canadese promovendus</a:t>
-            </a:r>
-          </a:p>
-          <a:p>
-            <a:endParaRPr lang="nl-NL" i="1" dirty="0" smtClean="0">
-              <a:sym typeface="Wingdings" panose="05000000000000000000" pitchFamily="2" charset="2"/>
-            </a:endParaRPr>
-          </a:p>
-          <a:p>
-            <a:r>
-              <a:rPr lang="nl-NL" i="1" dirty="0" smtClean="0"/>
-              <a:t>Vertalers </a:t>
-            </a:r>
-            <a:r>
-              <a:rPr lang="nl-NL" i="1" dirty="0"/>
-              <a:t>met allemaal hun eigen koeterwaals en reclamezooi:</a:t>
-            </a:r>
-          </a:p>
-          <a:p>
-            <a:r>
-              <a:rPr lang="nl-NL" dirty="0" smtClean="0">
-                <a:hlinkClick r:id="rId3"/>
-              </a:rPr>
-              <a:t>https</a:t>
-            </a:r>
-            <a:r>
-              <a:rPr lang="nl-NL" dirty="0">
-                <a:hlinkClick r:id="rId3"/>
-              </a:rPr>
-              <a:t>://translate.google.com/#en/nl</a:t>
-            </a:r>
-            <a:endParaRPr lang="nl-NL" dirty="0"/>
-          </a:p>
-          <a:p>
-            <a:pPr>
-              <a:defRPr/>
-            </a:pPr>
-            <a:r>
-              <a:rPr lang="nl-NL" dirty="0">
-                <a:hlinkClick r:id="rId4"/>
-              </a:rPr>
-              <a:t>https://www.bing.com/translator/</a:t>
-            </a:r>
-            <a:endParaRPr lang="nl-NL" dirty="0"/>
-          </a:p>
-          <a:p>
-            <a:pPr>
-              <a:defRPr/>
-            </a:pPr>
-            <a:r>
-              <a:rPr lang="nl-NL" dirty="0">
-                <a:hlinkClick r:id="rId5"/>
-              </a:rPr>
-              <a:t>https://www.collinsdictionary.com/translator</a:t>
-            </a:r>
-            <a:endParaRPr lang="nl-NL" dirty="0"/>
-          </a:p>
-          <a:p>
-            <a:pPr>
-              <a:defRPr/>
-            </a:pPr>
-            <a:r>
-              <a:rPr lang="nl-NL" dirty="0">
-                <a:hlinkClick r:id="rId6"/>
-              </a:rPr>
-              <a:t>http://translate.reference.com/english/dutch</a:t>
-            </a:r>
-            <a:endParaRPr lang="nl-NL" dirty="0"/>
-          </a:p>
-          <a:p>
-            <a:endParaRPr lang="nl-NL" i="1" dirty="0">
-              <a:sym typeface="Wingdings" panose="05000000000000000000" pitchFamily="2" charset="2"/>
-            </a:endParaRPr>
-          </a:p>
-          <a:p>
-            <a:pPr marL="171450" indent="-171450">
-              <a:buFont typeface="Arial" panose="020B0604020202020204" pitchFamily="34" charset="0"/>
-              <a:buChar char="•"/>
-            </a:pPr>
-            <a:endParaRPr lang="nl-NL" i="1" dirty="0"/>
-          </a:p>
-          <a:p>
-            <a:endParaRPr lang="nl-NL" baseline="0" dirty="0" smtClean="0">
-              <a:effectLst/>
-            </a:endParaRPr>
-          </a:p>
-          <a:p>
-            <a:endParaRPr lang="nl-NL" dirty="0" smtClean="0">
-              <a:effectLst/>
-            </a:endParaRPr>
+              <a:rPr lang="nl-NL" dirty="0"/>
+              <a:t>Bij het programma van Joke heb ik een aantal pagina’s gemaakt met voorbeelden. Zoals deze.</a:t>
+            </a:r>
+          </a:p>
+          <a:p>
+            <a:r>
+              <a:rPr lang="nl-NL" dirty="0"/>
+              <a:t>Kies bijvoorbeeld voor de Kleine sneeuwvlok, onderin, dan is [tik] dit het resultaat.</a:t>
+            </a:r>
           </a:p>
         </p:txBody>
       </p:sp>
@@ -3517,7 +3483,7 @@
           <a:bodyPr/>
           <a:lstStyle/>
           <a:p>
-            <a:fld id="{7EC7493F-9CE3-4AD5-8254-4B462DC5112C}" type="slidenum">
+            <a:fld id="{8283D3D4-CB75-425C-ACB2-C1B2FBD3C063}" type="slidenum">
               <a:rPr lang="nl-NL" smtClean="0"/>
               <a:t>3</a:t>
             </a:fld>
@@ -3528,7 +3494,7 @@
     </p:spTree>
     <p:extLst>
       <p:ext uri="{BB962C8B-B14F-4D97-AF65-F5344CB8AC3E}">
-        <p14:creationId xmlns:p14="http://schemas.microsoft.com/office/powerpoint/2010/main" val="846069162"/>
+        <p14:creationId xmlns:p14="http://schemas.microsoft.com/office/powerpoint/2010/main" val="235338496"/>
       </p:ext>
     </p:extLst>
   </p:cSld>
@@ -3582,6 +3548,26 @@
           <a:bodyPr/>
           <a:lstStyle/>
           <a:p>
+            <a:pPr marL="171450" marR="0" indent="-171450" algn="l" defTabSz="914400" rtl="0" eaLnBrk="1" fontAlgn="auto" latinLnBrk="0" hangingPunct="1">
+              <a:lnSpc>
+                <a:spcPct val="100000"/>
+              </a:lnSpc>
+              <a:spcBef>
+                <a:spcPts val="0"/>
+              </a:spcBef>
+              <a:spcAft>
+                <a:spcPts val="0"/>
+              </a:spcAft>
+              <a:buClrTx/>
+              <a:buSzTx/>
+              <a:buFont typeface="Arial" panose="020B0604020202020204" pitchFamily="34" charset="0"/>
+              <a:buChar char="•"/>
+              <a:tabLst/>
+              <a:defRPr/>
+            </a:pPr>
+            <a:endParaRPr lang="nl-NL" dirty="0" smtClean="0"/>
+          </a:p>
+          <a:p>
             <a:pPr marL="0" marR="0" indent="0" algn="l" defTabSz="914400" rtl="0" eaLnBrk="1" fontAlgn="auto" latinLnBrk="0" hangingPunct="1">
               <a:lnSpc>
                 <a:spcPct val="100000"/>
@@ -3594,188 +3580,251 @@
               </a:spcAft>
               <a:buClrTx/>
               <a:buSzTx/>
-              <a:buFontTx/>
+              <a:buFont typeface="Arial" panose="020B0604020202020204" pitchFamily="34" charset="0"/>
               <a:buNone/>
               <a:tabLst/>
               <a:defRPr/>
             </a:pPr>
             <a:r>
+              <a:rPr lang="nl-NL" dirty="0" smtClean="0"/>
+              <a:t>Kantklossen was vaak een oefenonderwerp om nieuwe programmeertalen onder de knie te krijgen</a:t>
+            </a:r>
+            <a:r>
+              <a:rPr lang="nl-NL" dirty="0" smtClean="0"/>
+              <a:t>. Rode </a:t>
+            </a:r>
+            <a:r>
+              <a:rPr lang="nl-NL" dirty="0" smtClean="0"/>
+              <a:t>draad daarbij: draad schema’s genereren uit paar schema’s</a:t>
+            </a:r>
+            <a:r>
+              <a:rPr lang="nl-NL" dirty="0" smtClean="0"/>
+              <a:t>. </a:t>
+            </a:r>
+            <a:r>
               <a:rPr lang="nl-NL" baseline="0" dirty="0" smtClean="0"/>
-              <a:t>Rechtsboven een parentekening volgens het boekje. </a:t>
-            </a:r>
+              <a:t>Doel</a:t>
+            </a:r>
+            <a:r>
+              <a:rPr lang="nl-NL" baseline="0" dirty="0" smtClean="0"/>
+              <a:t>: effect voor contrasterende draden onderzoeken</a:t>
+            </a:r>
+          </a:p>
+          <a:p>
+            <a:pPr marL="171450" indent="-171450">
+              <a:buFont typeface="Arial" panose="020B0604020202020204" pitchFamily="34" charset="0"/>
+              <a:buChar char="•"/>
+            </a:pPr>
+            <a:endParaRPr lang="nl-NL" baseline="0" dirty="0" smtClean="0"/>
+          </a:p>
+          <a:p>
             <a:r>
               <a:rPr lang="nl-NL" dirty="0" smtClean="0"/>
-              <a:t>Links onder </a:t>
+              <a:t>Omdat de bomen het bos kunnen verhullen</a:t>
             </a:r>
             <a:r>
               <a:rPr lang="nl-NL" baseline="0" dirty="0" smtClean="0"/>
-              <a:t>gegenereerd door de </a:t>
-            </a:r>
-            <a:r>
-              <a:rPr lang="nl-NL" baseline="0" dirty="0" err="1" smtClean="0"/>
-              <a:t>GroundForge</a:t>
-            </a:r>
-            <a:r>
-              <a:rPr lang="nl-NL" baseline="0" dirty="0" smtClean="0"/>
-              <a:t>. De laatste trekt de gaten rond.</a:t>
-            </a:r>
-          </a:p>
-          <a:p>
-            <a:endParaRPr lang="nl-NL" baseline="0" dirty="0" smtClean="0">
-              <a:effectLst/>
-            </a:endParaRPr>
-          </a:p>
-          <a:p>
-            <a:r>
-              <a:rPr lang="nl-NL" dirty="0" err="1"/>
-              <a:t>GroundForge</a:t>
-            </a:r>
-            <a:r>
-              <a:rPr lang="nl-NL" dirty="0"/>
+              <a:t> de belangrijkste functies in vogelvlucht.</a:t>
+            </a:r>
+          </a:p>
+          <a:p>
+            <a:r>
+              <a:rPr lang="nl-NL" i="0" dirty="0" smtClean="0"/>
+              <a:t>In </a:t>
+            </a:r>
+            <a:r>
+              <a:rPr lang="nl-NL" i="0" dirty="0" smtClean="0"/>
+              <a:t>de marge van de help pagina vind je de link NL om de presentatie na te lezen</a:t>
+            </a:r>
+          </a:p>
+          <a:p>
+            <a:endParaRPr lang="nl-NL" i="0" dirty="0" smtClean="0"/>
+          </a:p>
+          <a:p>
+            <a:r>
+              <a:rPr lang="nl-NL" i="1" dirty="0" smtClean="0"/>
+              <a:t>Vraag en </a:t>
+            </a:r>
+            <a:r>
+              <a:rPr lang="nl-NL" i="1" dirty="0" smtClean="0"/>
+              <a:t>antwoord:</a:t>
+            </a:r>
+            <a:endParaRPr lang="nl-NL" i="1" dirty="0" smtClean="0"/>
+          </a:p>
+          <a:p>
+            <a:r>
+              <a:rPr lang="nl-NL" i="1" dirty="0" smtClean="0"/>
+              <a:t>Wat </a:t>
+            </a:r>
+            <a:r>
+              <a:rPr lang="nl-NL" i="1" dirty="0" err="1" smtClean="0"/>
+              <a:t>betekenenen</a:t>
+            </a:r>
+            <a:r>
+              <a:rPr lang="nl-NL" i="1" dirty="0" smtClean="0"/>
+              <a:t> de onderdelen van het</a:t>
+            </a:r>
+            <a:r>
+              <a:rPr lang="nl-NL" i="1" baseline="0" dirty="0" smtClean="0"/>
+              <a:t> webadres (</a:t>
+            </a:r>
+            <a:r>
+              <a:rPr lang="nl-NL" sz="1200" dirty="0" smtClean="0"/>
+              <a:t>d-bl.github.io</a:t>
+            </a:r>
+            <a:r>
+              <a:rPr lang="nl-NL" i="1" baseline="0" dirty="0" smtClean="0"/>
+              <a:t>)?</a:t>
+            </a:r>
+            <a:endParaRPr lang="nl-NL" i="1" dirty="0" smtClean="0"/>
+          </a:p>
+          <a:p>
+            <a:endParaRPr lang="nl-NL" i="1" dirty="0" smtClean="0"/>
+          </a:p>
+          <a:p>
+            <a:r>
+              <a:rPr lang="nl-NL" i="1" dirty="0" smtClean="0"/>
+              <a:t>D-BL = </a:t>
+            </a:r>
+            <a:r>
+              <a:rPr lang="nl-NL" i="1" dirty="0" err="1" smtClean="0"/>
+              <a:t>DiBL</a:t>
+            </a:r>
+            <a:r>
+              <a:rPr lang="nl-NL" i="1" dirty="0" smtClean="0"/>
+              <a:t>= </a:t>
+            </a:r>
+            <a:r>
+              <a:rPr lang="nl-NL" i="1" u="sng" dirty="0" err="1" smtClean="0"/>
+              <a:t>Di</a:t>
+            </a:r>
+            <a:r>
+              <a:rPr lang="nl-NL" i="1" dirty="0" err="1" smtClean="0"/>
+              <a:t>agrams</a:t>
+            </a:r>
+            <a:r>
+              <a:rPr lang="nl-NL" i="1" dirty="0" smtClean="0"/>
               <a:t> </a:t>
             </a:r>
             <a:r>
-              <a:rPr lang="nl-NL" baseline="0" dirty="0" smtClean="0">
-                <a:effectLst/>
-              </a:rPr>
-              <a:t>zet hooguit één markering bij meerdere draaien.</a:t>
-            </a:r>
-            <a:r>
-              <a:rPr lang="nl-NL" dirty="0" smtClean="0">
-                <a:effectLst/>
-              </a:rPr>
+              <a:rPr lang="nl-NL" i="1" dirty="0" err="1" smtClean="0"/>
+              <a:t>for</a:t>
+            </a:r>
+            <a:r>
+              <a:rPr lang="nl-NL" i="1" dirty="0" smtClean="0"/>
               <a:t> </a:t>
             </a:r>
             <a:r>
-              <a:rPr lang="nl-NL" baseline="0" dirty="0" smtClean="0">
-                <a:effectLst/>
-              </a:rPr>
-              <a:t>Onafhankelijk van de kleur van de slag. </a:t>
-            </a:r>
-            <a:r>
-              <a:rPr lang="nl-NL" dirty="0" smtClean="0"/>
-              <a:t>Bij gesloten methode alleen als beide paren meerdere draaien hebben (lastige bug) Aan de kleurcode wordt nog gewerkt.</a:t>
-            </a:r>
-            <a:endParaRPr lang="nl-NL" baseline="0" dirty="0" smtClean="0">
-              <a:effectLst/>
-            </a:endParaRPr>
-          </a:p>
-          <a:p>
-            <a:endParaRPr lang="nl-NL" baseline="0" dirty="0" smtClean="0">
-              <a:effectLst/>
-            </a:endParaRPr>
-          </a:p>
-          <a:p>
-            <a:r>
-              <a:rPr lang="nl-NL" baseline="0" dirty="0" smtClean="0"/>
-              <a:t>De slag die door de muis wordt aangewezen is: linnenslag, keren om de speld linnenslag. A</a:t>
-            </a:r>
-            <a:r>
-              <a:rPr lang="nl-NL" dirty="0" smtClean="0"/>
-              <a:t>lles </a:t>
-            </a:r>
-            <a:r>
-              <a:rPr lang="nl-NL" dirty="0"/>
-              <a:t>waarvoor je twee paar oppakt, totdat je minstens een van beide weer neerlegt</a:t>
-            </a:r>
-            <a:r>
-              <a:rPr lang="nl-NL" dirty="0" smtClean="0"/>
-              <a:t>, wordt </a:t>
-            </a:r>
-            <a:r>
-              <a:rPr lang="nl-NL" dirty="0"/>
-              <a:t>door </a:t>
-            </a:r>
-            <a:r>
-              <a:rPr lang="nl-NL" dirty="0" err="1"/>
-              <a:t>GroundForge</a:t>
-            </a:r>
-            <a:r>
-              <a:rPr lang="nl-NL" dirty="0"/>
-              <a:t> beschouwd een enkele slag.</a:t>
-            </a:r>
-          </a:p>
-          <a:p>
-            <a:endParaRPr lang="nl-NL" dirty="0"/>
-          </a:p>
-          <a:p>
-            <a:r>
-              <a:rPr lang="nl-NL" b="1" dirty="0" err="1" smtClean="0"/>
-              <a:t>Stitches</a:t>
-            </a:r>
-            <a:r>
-              <a:rPr lang="nl-NL" dirty="0" smtClean="0"/>
-              <a:t>: invulveld dat de slagen beschrijft</a:t>
-            </a:r>
-            <a:endParaRPr lang="nl-NL" dirty="0"/>
-          </a:p>
-          <a:p>
-            <a:r>
-              <a:rPr lang="nl-NL" dirty="0"/>
-              <a:t>De omschrijving van een slag is voor zowel mensen als de computer leesbaar:</a:t>
-            </a:r>
-          </a:p>
-          <a:p>
-            <a:r>
-              <a:rPr lang="nl-NL" dirty="0"/>
-              <a:t>C=cross = kruisen</a:t>
-            </a:r>
-          </a:p>
-          <a:p>
-            <a:r>
-              <a:rPr lang="nl-NL" dirty="0"/>
-              <a:t>T=twist = draaien; l/r=links/rechts draaien</a:t>
-            </a:r>
-          </a:p>
-          <a:p>
-            <a:pPr>
-              <a:defRPr/>
+              <a:rPr lang="nl-NL" i="1" u="sng" dirty="0" err="1" smtClean="0"/>
+              <a:t>B</a:t>
+            </a:r>
+            <a:r>
+              <a:rPr lang="nl-NL" i="1" dirty="0" err="1" smtClean="0"/>
+              <a:t>obbin</a:t>
+            </a:r>
+            <a:r>
+              <a:rPr lang="nl-NL" i="1" dirty="0" smtClean="0"/>
+              <a:t> </a:t>
+            </a:r>
+            <a:r>
+              <a:rPr lang="nl-NL" i="1" u="sng" dirty="0" smtClean="0"/>
+              <a:t>L</a:t>
+            </a:r>
+            <a:r>
+              <a:rPr lang="nl-NL" i="1" dirty="0" smtClean="0"/>
+              <a:t>ace,</a:t>
+            </a:r>
+            <a:r>
+              <a:rPr lang="nl-NL" i="1" baseline="0" dirty="0" smtClean="0"/>
+              <a:t> </a:t>
+            </a:r>
+            <a:r>
+              <a:rPr lang="nl-NL" i="1" dirty="0" smtClean="0"/>
+              <a:t>de gewenste afkorting was al in gebruik</a:t>
+            </a:r>
+          </a:p>
+          <a:p>
+            <a:r>
+              <a:rPr lang="nl-NL" i="1" dirty="0" err="1" smtClean="0"/>
+              <a:t>Github</a:t>
+            </a:r>
+            <a:r>
+              <a:rPr lang="nl-NL" i="1" dirty="0" smtClean="0"/>
+              <a:t> is een provider om software te publiceren, ze doen dat gratis als het om open source gaat</a:t>
+            </a:r>
+          </a:p>
+          <a:p>
+            <a:pPr marL="171450" indent="-171450">
+              <a:buFont typeface="Arial" panose="020B0604020202020204" pitchFamily="34" charset="0"/>
+              <a:buChar char="•"/>
             </a:pPr>
-            <a:endParaRPr lang="nl-NL" dirty="0" smtClean="0"/>
-          </a:p>
-          <a:p>
-            <a:pPr>
-              <a:defRPr/>
-            </a:pPr>
-            <a:r>
-              <a:rPr lang="nl-NL" dirty="0" smtClean="0"/>
-              <a:t>Per </a:t>
-            </a:r>
-            <a:r>
-              <a:rPr lang="nl-NL" dirty="0"/>
-              <a:t>ID een slag kiezen. De eerste slag (linnenslag, </a:t>
-            </a:r>
-            <a:r>
-              <a:rPr lang="nl-NL" dirty="0" err="1"/>
-              <a:t>ctc</a:t>
-            </a:r>
-            <a:r>
-              <a:rPr lang="nl-NL" dirty="0"/>
-              <a:t>) is de default voor alle slagen die niet expliciet gekozen zijn.</a:t>
-            </a:r>
-          </a:p>
-          <a:p>
             <a:endParaRPr lang="nl-NL" baseline="0" dirty="0" smtClean="0"/>
           </a:p>
           <a:p>
             <a:r>
-              <a:rPr lang="nl-NL" b="1" baseline="0" dirty="0" smtClean="0"/>
-              <a:t>Bruggetje</a:t>
-            </a:r>
-          </a:p>
-          <a:p>
-            <a:r>
-              <a:rPr lang="nl-NL" baseline="0" dirty="0" smtClean="0"/>
-              <a:t>Volg de link naar de handleiding,</a:t>
-            </a:r>
-            <a:r>
-              <a:rPr lang="nl-NL" dirty="0" smtClean="0"/>
+              <a:rPr lang="nl-NL" i="1" dirty="0" smtClean="0"/>
+              <a:t>De schermafdrukken gemaakt met:</a:t>
+            </a:r>
+          </a:p>
+          <a:p>
+            <a:r>
+              <a:rPr lang="nl-NL" i="1" dirty="0" smtClean="0">
+                <a:hlinkClick r:id="rId3"/>
+              </a:rPr>
+              <a:t>https</a:t>
+            </a:r>
+            <a:r>
+              <a:rPr lang="nl-NL" i="1" dirty="0" smtClean="0">
+                <a:hlinkClick r:id="rId3"/>
+              </a:rPr>
+              <a:t>://d-bl.github.io/GroundForge/index.html?m=B-C-%0A---5%0AC-B-%0A-5--%3Bchecker%3B22%3B9%3B1%3B0&amp;s1=ct%20A2%3Dcttct%20C4%3Dctct&amp;s2=cross%3Dctc%20twist%3Dctc&amp;s3</a:t>
+            </a:r>
+            <a:r>
+              <a:rPr lang="nl-NL" i="1" dirty="0" smtClean="0"/>
+              <a:t>= </a:t>
+            </a:r>
+          </a:p>
+          <a:p>
+            <a:r>
+              <a:rPr lang="nl-NL" i="1" dirty="0" smtClean="0"/>
+              <a:t>Met </a:t>
+            </a:r>
+            <a:r>
+              <a:rPr lang="nl-NL" i="1" dirty="0" smtClean="0"/>
+              <a:t>de kleur voor omkeerslag </a:t>
+            </a:r>
+            <a:r>
+              <a:rPr lang="nl-NL" i="1" baseline="0" dirty="0" smtClean="0"/>
+              <a:t> even vals gespeeld met </a:t>
+            </a:r>
+            <a:r>
+              <a:rPr lang="nl-NL" i="1" baseline="0" dirty="0" err="1" smtClean="0"/>
+              <a:t>ctctc</a:t>
+            </a:r>
+            <a:r>
+              <a:rPr lang="nl-NL" i="1" baseline="0" dirty="0" smtClean="0"/>
+              <a:t> in de parentekening,</a:t>
+            </a:r>
+            <a:endParaRPr lang="nl-NL" i="1" dirty="0" smtClean="0"/>
+          </a:p>
+          <a:p>
+            <a:r>
+              <a:rPr lang="nl-NL" i="1" dirty="0" smtClean="0"/>
+              <a:t> zie </a:t>
+            </a:r>
+            <a:r>
+              <a:rPr lang="nl-NL" i="1" dirty="0" smtClean="0">
+                <a:hlinkClick r:id="rId4"/>
+              </a:rPr>
+              <a:t>https://github.com/d-bl/GroundForge/pull/106</a:t>
+            </a:r>
+            <a:r>
+              <a:rPr lang="nl-NL" i="1" dirty="0" smtClean="0"/>
               <a:t> </a:t>
             </a:r>
-            <a:r>
-              <a:rPr lang="nl-NL" baseline="0" dirty="0" smtClean="0"/>
-              <a:t>dan vind je zowel uitleg als een hulpformulier</a:t>
-            </a:r>
+          </a:p>
+          <a:p>
+            <a:endParaRPr lang="nl-NL" i="1" dirty="0" smtClean="0"/>
           </a:p>
         </p:txBody>
       </p:sp>
@@ -3860,39 +3909,257 @@
           <a:lstStyle/>
           <a:p>
             <a:r>
+              <a:rPr lang="nl-NL" dirty="0" smtClean="0">
+                <a:effectLst/>
+              </a:rPr>
+              <a:t>Met het parameterformulier wordt aan de computer verteld hoe het patroon in</a:t>
+            </a:r>
+            <a:r>
               <a:rPr lang="nl-NL" baseline="0" dirty="0" smtClean="0">
                 <a:effectLst/>
               </a:rPr>
-              <a:t>De gekozen slagen worden ingevuld in het “</a:t>
-            </a:r>
-            <a:r>
-              <a:rPr lang="nl-NL" baseline="0" dirty="0" err="1" smtClean="0">
+              <a:t> elkaar zit.</a:t>
+            </a:r>
+            <a:endParaRPr lang="nl-NL" dirty="0" smtClean="0">
+              <a:effectLst/>
+            </a:endParaRPr>
+          </a:p>
+          <a:p>
+            <a:pPr marL="171450" indent="-171450">
+              <a:buFont typeface="Arial" panose="020B0604020202020204" pitchFamily="34" charset="0"/>
+              <a:buChar char="•"/>
+            </a:pPr>
+            <a:r>
+              <a:rPr lang="nl-NL" dirty="0" smtClean="0">
                 <a:effectLst/>
               </a:rPr>
-              <a:t>stitches</a:t>
-            </a:r>
-            <a:r>
-              <a:rPr lang="nl-NL" baseline="0" dirty="0" smtClean="0">
+              <a:t>Het blauwe i-</a:t>
+            </a:r>
+            <a:r>
+              <a:rPr lang="nl-NL" dirty="0" err="1" smtClean="0">
                 <a:effectLst/>
               </a:rPr>
-              <a:t>” veld op de vorige dia.</a:t>
-            </a:r>
-          </a:p>
-          <a:p>
-            <a:r>
-              <a:rPr lang="nl-NL" baseline="0" dirty="0" smtClean="0">
+              <a:t>tje</a:t>
+            </a:r>
+            <a:r>
+              <a:rPr lang="nl-NL" dirty="0" smtClean="0">
                 <a:effectLst/>
               </a:rPr>
-              <a:t>Let op: het hele patroon wordt opnieuw ingevuld,</a:t>
-            </a:r>
-          </a:p>
-          <a:p>
-            <a:r>
-              <a:rPr lang="nl-NL" baseline="0" dirty="0" smtClean="0">
+              <a:t> gaat naar de handleiding, daarop ook een contact link voor vragen.</a:t>
+            </a:r>
+          </a:p>
+          <a:p>
+            <a:pPr marL="171450" indent="-171450">
+              <a:buFont typeface="Arial" panose="020B0604020202020204" pitchFamily="34" charset="0"/>
+              <a:buChar char="•"/>
+            </a:pPr>
+            <a:r>
+              <a:rPr lang="nl-NL" dirty="0" smtClean="0">
                 <a:effectLst/>
               </a:rPr>
-              <a:t> dus niet om te variëren op de aangeboden voorbeelden.</a:t>
-            </a:r>
+              <a:t>Het zand scheppende mannetje betekent dat het onderdeel soms werkt en soms niet.</a:t>
+            </a:r>
+          </a:p>
+          <a:p>
+            <a:pPr marL="171450" indent="-171450">
+              <a:buFont typeface="Arial" panose="020B0604020202020204" pitchFamily="34" charset="0"/>
+              <a:buChar char="•"/>
+            </a:pPr>
+            <a:r>
+              <a:rPr lang="nl-NL" dirty="0" smtClean="0">
+                <a:effectLst/>
+              </a:rPr>
+              <a:t>Bij een professor petje is de handleiding noodzakelijk, al is het maar voor een spiekbriefje.</a:t>
+            </a:r>
+          </a:p>
+          <a:p>
+            <a:r>
+              <a:rPr lang="nl-NL" dirty="0" smtClean="0"/>
+              <a:t>Zelf invullen, of laten invullen door</a:t>
+            </a:r>
+            <a:r>
+              <a:rPr lang="nl-NL" baseline="0" dirty="0" smtClean="0"/>
+              <a:t> </a:t>
+            </a:r>
+            <a:r>
+              <a:rPr lang="nl-NL" dirty="0" smtClean="0"/>
+              <a:t>voorbeelden (</a:t>
+            </a:r>
+            <a:r>
+              <a:rPr lang="nl-NL" dirty="0" err="1" smtClean="0"/>
+              <a:t>examples</a:t>
+            </a:r>
+            <a:r>
+              <a:rPr lang="nl-NL" dirty="0" smtClean="0"/>
+              <a:t>) onder “get </a:t>
+            </a:r>
+            <a:r>
+              <a:rPr lang="nl-NL" dirty="0" err="1" smtClean="0"/>
+              <a:t>started</a:t>
+            </a:r>
+            <a:r>
+              <a:rPr lang="nl-NL" dirty="0" smtClean="0"/>
+              <a:t>”.</a:t>
+            </a:r>
+          </a:p>
+          <a:p>
+            <a:r>
+              <a:rPr lang="nl-NL" dirty="0" smtClean="0"/>
+              <a:t>Patroontje uitgezocht? </a:t>
+            </a:r>
+            <a:r>
+              <a:rPr lang="nl-NL" dirty="0" smtClean="0">
+                <a:sym typeface="Wingdings" panose="05000000000000000000" pitchFamily="2" charset="2"/>
+              </a:rPr>
+              <a:t> klik op show</a:t>
+            </a:r>
+          </a:p>
+          <a:p>
+            <a:endParaRPr lang="nl-NL" dirty="0" smtClean="0">
+              <a:sym typeface="Wingdings" panose="05000000000000000000" pitchFamily="2" charset="2"/>
+            </a:endParaRPr>
+          </a:p>
+          <a:p>
+            <a:r>
+              <a:rPr lang="nl-NL" i="1" dirty="0" smtClean="0">
+                <a:sym typeface="Wingdings" panose="05000000000000000000" pitchFamily="2" charset="2"/>
+              </a:rPr>
+              <a:t>Vraag en </a:t>
+            </a:r>
+            <a:r>
+              <a:rPr lang="nl-NL" i="1" dirty="0" smtClean="0">
+                <a:sym typeface="Wingdings" panose="05000000000000000000" pitchFamily="2" charset="2"/>
+              </a:rPr>
+              <a:t>antwoord:</a:t>
+            </a:r>
+            <a:endParaRPr lang="nl-NL" i="1" dirty="0" smtClean="0">
+              <a:sym typeface="Wingdings" panose="05000000000000000000" pitchFamily="2" charset="2"/>
+            </a:endParaRPr>
+          </a:p>
+          <a:p>
+            <a:r>
+              <a:rPr lang="nl-NL" i="1" dirty="0" smtClean="0">
+                <a:sym typeface="Wingdings" panose="05000000000000000000" pitchFamily="2" charset="2"/>
+              </a:rPr>
+              <a:t>Waarom </a:t>
+            </a:r>
+            <a:r>
+              <a:rPr lang="nl-NL" i="1" dirty="0" smtClean="0">
+                <a:sym typeface="Wingdings" panose="05000000000000000000" pitchFamily="2" charset="2"/>
+              </a:rPr>
+              <a:t>in het </a:t>
+            </a:r>
+            <a:r>
+              <a:rPr lang="nl-NL" i="1" dirty="0" smtClean="0">
+                <a:sym typeface="Wingdings" panose="05000000000000000000" pitchFamily="2" charset="2"/>
+              </a:rPr>
+              <a:t>Engels?</a:t>
+            </a:r>
+            <a:endParaRPr lang="nl-NL" i="1" dirty="0" smtClean="0">
+              <a:sym typeface="Wingdings" panose="05000000000000000000" pitchFamily="2" charset="2"/>
+            </a:endParaRPr>
+          </a:p>
+          <a:p>
+            <a:pPr marL="171450" indent="-171450">
+              <a:buFont typeface="Arial" panose="020B0604020202020204" pitchFamily="34" charset="0"/>
+              <a:buChar char="•"/>
+            </a:pPr>
+            <a:r>
+              <a:rPr lang="nl-NL" i="1" dirty="0" smtClean="0">
+                <a:sym typeface="Wingdings" panose="05000000000000000000" pitchFamily="2" charset="2"/>
+              </a:rPr>
+              <a:t>Om een zo breed mogelijk publiek te bereiken</a:t>
+            </a:r>
+          </a:p>
+          <a:p>
+            <a:pPr marL="171450" indent="-171450">
+              <a:buFont typeface="Arial" panose="020B0604020202020204" pitchFamily="34" charset="0"/>
+              <a:buChar char="•"/>
+            </a:pPr>
+            <a:r>
+              <a:rPr lang="nl-NL" i="1" dirty="0" smtClean="0">
+                <a:sym typeface="Wingdings" panose="05000000000000000000" pitchFamily="2" charset="2"/>
+              </a:rPr>
+              <a:t>Omdat het als samenwerking begon met een Canadese promovendus</a:t>
+            </a:r>
+          </a:p>
+          <a:p>
+            <a:endParaRPr lang="nl-NL" i="1" dirty="0" smtClean="0">
+              <a:sym typeface="Wingdings" panose="05000000000000000000" pitchFamily="2" charset="2"/>
+            </a:endParaRPr>
+          </a:p>
+          <a:p>
+            <a:r>
+              <a:rPr lang="nl-NL" i="1" dirty="0" smtClean="0"/>
+              <a:t>Vertalers </a:t>
+            </a:r>
+            <a:r>
+              <a:rPr lang="nl-NL" i="1" dirty="0"/>
+              <a:t>met allemaal hun eigen koeterwaals en reclamezooi:</a:t>
+            </a:r>
+          </a:p>
+          <a:p>
+            <a:r>
+              <a:rPr lang="nl-NL" dirty="0" smtClean="0">
+                <a:hlinkClick r:id="rId3"/>
+              </a:rPr>
+              <a:t>https</a:t>
+            </a:r>
+            <a:r>
+              <a:rPr lang="nl-NL" dirty="0">
+                <a:hlinkClick r:id="rId3"/>
+              </a:rPr>
+              <a:t>://translate.google.com/#en/nl</a:t>
+            </a:r>
+            <a:endParaRPr lang="nl-NL" dirty="0"/>
+          </a:p>
+          <a:p>
+            <a:pPr>
+              <a:defRPr/>
+            </a:pPr>
+            <a:r>
+              <a:rPr lang="nl-NL" dirty="0">
+                <a:hlinkClick r:id="rId4"/>
+              </a:rPr>
+              <a:t>https://www.bing.com/translator/</a:t>
+            </a:r>
+            <a:endParaRPr lang="nl-NL" dirty="0"/>
+          </a:p>
+          <a:p>
+            <a:pPr>
+              <a:defRPr/>
+            </a:pPr>
+            <a:r>
+              <a:rPr lang="nl-NL" dirty="0">
+                <a:hlinkClick r:id="rId5"/>
+              </a:rPr>
+              <a:t>https://www.collinsdictionary.com/translator</a:t>
+            </a:r>
+            <a:endParaRPr lang="nl-NL" dirty="0"/>
+          </a:p>
+          <a:p>
+            <a:pPr>
+              <a:defRPr/>
+            </a:pPr>
+            <a:r>
+              <a:rPr lang="nl-NL" dirty="0">
+                <a:hlinkClick r:id="rId6"/>
+              </a:rPr>
+              <a:t>http://translate.reference.com/english/dutch</a:t>
+            </a:r>
+            <a:endParaRPr lang="nl-NL" dirty="0"/>
+          </a:p>
+          <a:p>
+            <a:endParaRPr lang="nl-NL" i="1" dirty="0">
+              <a:sym typeface="Wingdings" panose="05000000000000000000" pitchFamily="2" charset="2"/>
+            </a:endParaRPr>
+          </a:p>
+          <a:p>
+            <a:pPr marL="171450" indent="-171450">
+              <a:buFont typeface="Arial" panose="020B0604020202020204" pitchFamily="34" charset="0"/>
+              <a:buChar char="•"/>
+            </a:pPr>
+            <a:endParaRPr lang="nl-NL" i="1" dirty="0"/>
           </a:p>
           <a:p>
             <a:endParaRPr lang="nl-NL" baseline="0" dirty="0" smtClean="0">
@@ -3900,122 +4167,7 @@
             </a:endParaRPr>
           </a:p>
           <a:p>
-            <a:r>
-              <a:rPr lang="nl-NL" baseline="0" dirty="0" smtClean="0">
-                <a:effectLst/>
-              </a:rPr>
-              <a:t>Het gekozen patroon bepaalt hoe de rest van het formulier er uit ziet.</a:t>
-            </a:r>
-          </a:p>
-          <a:p>
-            <a:endParaRPr lang="nl-NL" dirty="0"/>
-          </a:p>
-          <a:p>
-            <a:r>
-              <a:rPr lang="nl-NL" dirty="0"/>
-              <a:t>Linker voorbeeld: bekende om-en-om zonder spelden</a:t>
-            </a:r>
-          </a:p>
-          <a:p>
-            <a:r>
-              <a:rPr lang="nl-NL" dirty="0"/>
-              <a:t>Rechter voorbeeld: komt verderop op een verrassende manier terug</a:t>
-            </a:r>
-          </a:p>
-          <a:p>
-            <a:endParaRPr lang="nl-NL" baseline="0" dirty="0" smtClean="0">
-              <a:effectLst/>
-            </a:endParaRPr>
-          </a:p>
-          <a:p>
-            <a:r>
-              <a:rPr lang="nl-NL" baseline="0" dirty="0" smtClean="0">
-                <a:effectLst/>
-              </a:rPr>
-              <a:t>Een spiekbriefje laat de code en afbeelding zien van minder triviale (= </a:t>
-            </a:r>
-            <a:r>
-              <a:rPr lang="nl-NL" baseline="0" dirty="0" err="1" smtClean="0">
-                <a:effectLst/>
-              </a:rPr>
-              <a:t>ct</a:t>
-            </a:r>
-            <a:r>
-              <a:rPr lang="nl-NL" baseline="0" dirty="0" smtClean="0">
-                <a:effectLst/>
-              </a:rPr>
-              <a:t>, </a:t>
-            </a:r>
-            <a:r>
-              <a:rPr lang="nl-NL" baseline="0" dirty="0" err="1" smtClean="0">
-                <a:effectLst/>
-              </a:rPr>
-              <a:t>ctc</a:t>
-            </a:r>
-            <a:r>
-              <a:rPr lang="nl-NL" baseline="0" dirty="0" smtClean="0">
-                <a:effectLst/>
-              </a:rPr>
-              <a:t>, </a:t>
-            </a:r>
-            <a:r>
-              <a:rPr lang="nl-NL" baseline="0" dirty="0" err="1" smtClean="0">
-                <a:effectLst/>
-              </a:rPr>
-              <a:t>ctct</a:t>
-            </a:r>
-            <a:r>
-              <a:rPr lang="nl-NL" baseline="0" dirty="0" smtClean="0">
-                <a:effectLst/>
-              </a:rPr>
-              <a:t>) slagen. Die kun je zo kopiëren en plakken.</a:t>
-            </a:r>
-          </a:p>
-          <a:p>
-            <a:endParaRPr lang="nl-NL" dirty="0"/>
-          </a:p>
-          <a:p>
-            <a:r>
-              <a:rPr lang="nl-NL" i="1" dirty="0">
-                <a:sym typeface="Wingdings" panose="05000000000000000000" pitchFamily="2" charset="2"/>
-              </a:rPr>
-              <a:t>Vraag en antwoord</a:t>
-            </a:r>
-          </a:p>
-          <a:p>
-            <a:endParaRPr lang="nl-NL" i="1" dirty="0">
-              <a:sym typeface="Wingdings" panose="05000000000000000000" pitchFamily="2" charset="2"/>
-            </a:endParaRPr>
-          </a:p>
-          <a:p>
-            <a:r>
-              <a:rPr lang="nl-NL" sz="1200" u="sng" kern="1200" dirty="0" smtClean="0">
-                <a:solidFill>
-                  <a:schemeClr val="tx1"/>
-                </a:solidFill>
-                <a:effectLst/>
-                <a:latin typeface="+mn-lt"/>
-                <a:ea typeface="+mn-ea"/>
-                <a:cs typeface="+mn-cs"/>
-                <a:hlinkClick r:id="rId3"/>
-              </a:rPr>
-              <a:t>https://d-bl.github.io/GroundForge/help/Choose-Stitches</a:t>
-            </a:r>
-            <a:r>
-              <a:rPr lang="nl-NL" sz="1200" kern="1200" dirty="0" smtClean="0">
-                <a:solidFill>
-                  <a:schemeClr val="tx1"/>
-                </a:solidFill>
-                <a:effectLst/>
-                <a:latin typeface="+mn-lt"/>
-                <a:ea typeface="+mn-ea"/>
-                <a:cs typeface="+mn-cs"/>
-              </a:rPr>
-              <a:t> </a:t>
-            </a:r>
-          </a:p>
-          <a:p>
-            <a:endParaRPr lang="nl-NL" baseline="0" dirty="0" smtClean="0">
+            <a:endParaRPr lang="nl-NL" dirty="0" smtClean="0">
               <a:effectLst/>
             </a:endParaRPr>
           </a:p>
@@ -4101,13 +4253,200 @@
           <a:bodyPr/>
           <a:lstStyle/>
           <a:p>
-            <a:r>
-              <a:rPr lang="nl-NL" b="0" baseline="0" dirty="0" smtClean="0">
+            <a:pPr marL="0" marR="0" indent="0" algn="l" defTabSz="914400" rtl="0" eaLnBrk="1" fontAlgn="auto" latinLnBrk="0" hangingPunct="1">
+              <a:lnSpc>
+                <a:spcPct val="100000"/>
+              </a:lnSpc>
+              <a:spcBef>
+                <a:spcPts val="0"/>
+              </a:spcBef>
+              <a:spcAft>
+                <a:spcPts val="0"/>
+              </a:spcAft>
+              <a:buClrTx/>
+              <a:buSzTx/>
+              <a:buFontTx/>
+              <a:buNone/>
+              <a:tabLst/>
+              <a:defRPr/>
+            </a:pPr>
+            <a:r>
+              <a:rPr lang="nl-NL" baseline="0" dirty="0" smtClean="0"/>
+              <a:t>Rechtsboven een parentekening volgens het boekje. </a:t>
+            </a:r>
+            <a:r>
+              <a:rPr lang="nl-NL" dirty="0" smtClean="0"/>
+              <a:t>Links onder </a:t>
+            </a:r>
+            <a:r>
+              <a:rPr lang="nl-NL" baseline="0" dirty="0" smtClean="0"/>
+              <a:t>gegenereerd door de </a:t>
+            </a:r>
+            <a:r>
+              <a:rPr lang="nl-NL" baseline="0" dirty="0" err="1" smtClean="0"/>
+              <a:t>GroundForge</a:t>
+            </a:r>
+            <a:r>
+              <a:rPr lang="nl-NL" baseline="0" dirty="0" smtClean="0"/>
+              <a:t>. De laatste trekt de gaten rond.</a:t>
+            </a:r>
+          </a:p>
+          <a:p>
+            <a:endParaRPr lang="nl-NL" baseline="0" dirty="0" smtClean="0">
+              <a:effectLst/>
+            </a:endParaRPr>
+          </a:p>
+          <a:p>
+            <a:r>
+              <a:rPr lang="nl-NL" dirty="0" err="1"/>
+              <a:t>GroundForge</a:t>
+            </a:r>
+            <a:r>
+              <a:rPr lang="nl-NL" dirty="0"/>
+              <a:t> </a:t>
+            </a:r>
+            <a:r>
+              <a:rPr lang="nl-NL" baseline="0" dirty="0" smtClean="0">
                 <a:effectLst/>
               </a:rPr>
-              <a:t>De velden van het hulpformulier  vormen één baksteen of één schaakveld.</a:t>
-            </a:r>
-            <a:endParaRPr lang="nl-NL" i="1" dirty="0"/>
+              <a:t>zet hooguit één markering bij meerdere draaien.</a:t>
+            </a:r>
+            <a:r>
+              <a:rPr lang="nl-NL" dirty="0" smtClean="0">
+                <a:effectLst/>
+              </a:rPr>
+              <a:t> </a:t>
+            </a:r>
+            <a:r>
+              <a:rPr lang="nl-NL" baseline="0" dirty="0" smtClean="0">
+                <a:effectLst/>
+              </a:rPr>
+              <a:t>Onafhankelijk van de kleur van de slag. </a:t>
+            </a:r>
+            <a:r>
+              <a:rPr lang="nl-NL" dirty="0" smtClean="0"/>
+              <a:t>Bij gesloten methode alleen als beide paren meerdere draaien hebben (lastige bug) Aan de kleurcode wordt nog gewerkt.</a:t>
+            </a:r>
+            <a:endParaRPr lang="nl-NL" baseline="0" dirty="0" smtClean="0">
+              <a:effectLst/>
+            </a:endParaRPr>
+          </a:p>
+          <a:p>
+            <a:endParaRPr lang="nl-NL" baseline="0" dirty="0" smtClean="0">
+              <a:effectLst/>
+            </a:endParaRPr>
+          </a:p>
+          <a:p>
+            <a:r>
+              <a:rPr lang="nl-NL" baseline="0" dirty="0" smtClean="0"/>
+              <a:t>De slag die door de muis wordt aangewezen is: linnenslag, keren om de speld linnenslag. A</a:t>
+            </a:r>
+            <a:r>
+              <a:rPr lang="nl-NL" dirty="0" smtClean="0"/>
+              <a:t>lles </a:t>
+            </a:r>
+            <a:r>
+              <a:rPr lang="nl-NL" dirty="0"/>
+              <a:t>waarvoor je twee paar oppakt, totdat je minstens een van beide weer neerlegt</a:t>
+            </a:r>
+            <a:r>
+              <a:rPr lang="nl-NL" dirty="0" smtClean="0"/>
+              <a:t>, wordt </a:t>
+            </a:r>
+            <a:r>
+              <a:rPr lang="nl-NL" dirty="0"/>
+              <a:t>door </a:t>
+            </a:r>
+            <a:r>
+              <a:rPr lang="nl-NL" dirty="0" err="1"/>
+              <a:t>GroundForge</a:t>
+            </a:r>
+            <a:r>
+              <a:rPr lang="nl-NL" dirty="0"/>
+              <a:t> beschouwd een enkele slag.</a:t>
+            </a:r>
+          </a:p>
+          <a:p>
+            <a:endParaRPr lang="nl-NL" dirty="0"/>
+          </a:p>
+          <a:p>
+            <a:r>
+              <a:rPr lang="nl-NL" b="1" dirty="0" err="1" smtClean="0"/>
+              <a:t>Stitches</a:t>
+            </a:r>
+            <a:r>
+              <a:rPr lang="nl-NL" dirty="0" smtClean="0"/>
+              <a:t>: invulveld dat de slagen beschrijft</a:t>
+            </a:r>
+            <a:endParaRPr lang="nl-NL" dirty="0"/>
+          </a:p>
+          <a:p>
+            <a:r>
+              <a:rPr lang="nl-NL" dirty="0"/>
+              <a:t>De omschrijving van een slag is voor zowel mensen als de computer leesbaar:</a:t>
+            </a:r>
+          </a:p>
+          <a:p>
+            <a:r>
+              <a:rPr lang="nl-NL" dirty="0"/>
+              <a:t>C=cross = kruisen</a:t>
+            </a:r>
+          </a:p>
+          <a:p>
+            <a:r>
+              <a:rPr lang="nl-NL" dirty="0"/>
+              <a:t>T=twist = draaien; l/r=links/rechts draaien</a:t>
+            </a:r>
+          </a:p>
+          <a:p>
+            <a:pPr>
+              <a:defRPr/>
+            </a:pPr>
+            <a:endParaRPr lang="nl-NL" dirty="0" smtClean="0"/>
+          </a:p>
+          <a:p>
+            <a:pPr>
+              <a:defRPr/>
+            </a:pPr>
+            <a:r>
+              <a:rPr lang="nl-NL" dirty="0" smtClean="0"/>
+              <a:t>Per </a:t>
+            </a:r>
+            <a:r>
+              <a:rPr lang="nl-NL" dirty="0"/>
+              <a:t>ID een slag kiezen. De eerste slag (linnenslag, </a:t>
+            </a:r>
+            <a:r>
+              <a:rPr lang="nl-NL" dirty="0" err="1"/>
+              <a:t>ctc</a:t>
+            </a:r>
+            <a:r>
+              <a:rPr lang="nl-NL" dirty="0"/>
+              <a:t>) is de default voor alle slagen die niet expliciet gekozen zijn.</a:t>
+            </a:r>
+          </a:p>
+          <a:p>
+            <a:endParaRPr lang="nl-NL" baseline="0" dirty="0" smtClean="0"/>
+          </a:p>
+          <a:p>
+            <a:r>
+              <a:rPr lang="nl-NL" b="1" baseline="0" dirty="0" smtClean="0"/>
+              <a:t>Bruggetje</a:t>
+            </a:r>
+          </a:p>
+          <a:p>
+            <a:r>
+              <a:rPr lang="nl-NL" baseline="0" dirty="0" smtClean="0"/>
+              <a:t>Volg de link naar de handleiding,</a:t>
+            </a:r>
+            <a:r>
+              <a:rPr lang="nl-NL" dirty="0" smtClean="0"/>
+              <a:t> </a:t>
+            </a:r>
+            <a:r>
+              <a:rPr lang="nl-NL" baseline="0" dirty="0" smtClean="0"/>
+              <a:t>dan vind je zowel uitleg als een hulpformulier</a:t>
+            </a:r>
           </a:p>
         </p:txBody>
       </p:sp>
@@ -4192,36 +4531,179 @@
           <a:lstStyle/>
           <a:p>
             <a:r>
-              <a:rPr lang="nl-NL" dirty="0" smtClean="0">
+              <a:rPr lang="nl-NL" baseline="0" dirty="0" smtClean="0">
                 <a:effectLst/>
               </a:rPr>
-              <a:t>Verschillende (groepen) voorbeeld pagina’s (om het parameters-formulier in te vullen)</a:t>
-            </a:r>
-          </a:p>
-          <a:p>
-            <a:endParaRPr lang="nl-NL" dirty="0" smtClean="0">
+              <a:t>De gekozen slagen worden ingevuld in het “</a:t>
+            </a:r>
+            <a:r>
+              <a:rPr lang="nl-NL" baseline="0" dirty="0" err="1" smtClean="0">
+                <a:effectLst/>
+              </a:rPr>
+              <a:t>stitches</a:t>
+            </a:r>
+            <a:r>
+              <a:rPr lang="nl-NL" baseline="0" dirty="0" smtClean="0">
+                <a:effectLst/>
+              </a:rPr>
+              <a:t>” veld op de vorige dia.</a:t>
+            </a:r>
+          </a:p>
+          <a:p>
+            <a:r>
+              <a:rPr lang="nl-NL" baseline="0" dirty="0" smtClean="0">
+                <a:effectLst/>
+              </a:rPr>
+              <a:t>Let op: het hele patroon wordt opnieuw ingevuld,</a:t>
+            </a:r>
+          </a:p>
+          <a:p>
+            <a:r>
+              <a:rPr lang="nl-NL" baseline="0" dirty="0" smtClean="0">
+                <a:effectLst/>
+              </a:rPr>
+              <a:t> dus niet om te variëren op de aangeboden voorbeelden.</a:t>
+            </a:r>
+          </a:p>
+          <a:p>
+            <a:endParaRPr lang="nl-NL" baseline="0" dirty="0" smtClean="0">
               <a:effectLst/>
             </a:endParaRPr>
           </a:p>
           <a:p>
             <a:r>
-              <a:rPr lang="nl-NL" dirty="0" smtClean="0">
+              <a:rPr lang="nl-NL" baseline="0" dirty="0" smtClean="0">
                 <a:effectLst/>
               </a:rPr>
-              <a:t>Elke groep heeft een eigen invalshoek</a:t>
-            </a:r>
-          </a:p>
-          <a:p>
-            <a:endParaRPr lang="nl-NL" dirty="0" smtClean="0">
+              <a:t>Het gekozen patroon bepaalt hoe de rest van het formulier er uit ziet.</a:t>
+            </a:r>
+          </a:p>
+          <a:p>
+            <a:endParaRPr lang="nl-NL" dirty="0"/>
+          </a:p>
+          <a:p>
+            <a:r>
+              <a:rPr lang="nl-NL" dirty="0"/>
+              <a:t>Linker voorbeeld: bekende om-en-om zonder spelden</a:t>
+            </a:r>
+          </a:p>
+          <a:p>
+            <a:r>
+              <a:rPr lang="nl-NL" dirty="0"/>
+              <a:t>Rechter voorbeeld: komt verderop op een verrassende manier terug</a:t>
+            </a:r>
+          </a:p>
+          <a:p>
+            <a:endParaRPr lang="nl-NL" baseline="0" dirty="0" smtClean="0">
               <a:effectLst/>
             </a:endParaRPr>
           </a:p>
           <a:p>
             <a:r>
-              <a:rPr lang="nl-NL" dirty="0" smtClean="0"/>
-              <a:t>Droste heeft een paar voorbeelden waarvan al wel slagen zijn ingevuld</a:t>
-            </a:r>
-            <a:endParaRPr lang="nl-NL" dirty="0" smtClean="0">
+              <a:rPr lang="nl-NL" baseline="0" dirty="0" smtClean="0">
+                <a:effectLst/>
+              </a:rPr>
+              <a:t>Een spiekbriefje laat de code en afbeelding zien van minder triviale (= </a:t>
+            </a:r>
+            <a:r>
+              <a:rPr lang="nl-NL" baseline="0" dirty="0" err="1" smtClean="0">
+                <a:effectLst/>
+              </a:rPr>
+              <a:t>ct</a:t>
+            </a:r>
+            <a:r>
+              <a:rPr lang="nl-NL" baseline="0" dirty="0" smtClean="0">
+                <a:effectLst/>
+              </a:rPr>
+              <a:t>, </a:t>
+            </a:r>
+            <a:r>
+              <a:rPr lang="nl-NL" baseline="0" dirty="0" err="1" smtClean="0">
+                <a:effectLst/>
+              </a:rPr>
+              <a:t>ctc</a:t>
+            </a:r>
+            <a:r>
+              <a:rPr lang="nl-NL" baseline="0" dirty="0" smtClean="0">
+                <a:effectLst/>
+              </a:rPr>
+              <a:t>, </a:t>
+            </a:r>
+            <a:r>
+              <a:rPr lang="nl-NL" baseline="0" dirty="0" err="1" smtClean="0">
+                <a:effectLst/>
+              </a:rPr>
+              <a:t>ctct</a:t>
+            </a:r>
+            <a:r>
+              <a:rPr lang="nl-NL" baseline="0" dirty="0" smtClean="0">
+                <a:effectLst/>
+              </a:rPr>
+              <a:t>) slagen. Die kun je zo kopiëren en plakken.</a:t>
+            </a:r>
+          </a:p>
+          <a:p>
+            <a:endParaRPr lang="nl-NL" dirty="0"/>
+          </a:p>
+          <a:p>
+            <a:r>
+              <a:rPr lang="nl-NL" i="1" dirty="0">
+                <a:sym typeface="Wingdings" panose="05000000000000000000" pitchFamily="2" charset="2"/>
+              </a:rPr>
+              <a:t>Vraag en </a:t>
+            </a:r>
+            <a:r>
+              <a:rPr lang="nl-NL" i="1" dirty="0" smtClean="0">
+                <a:sym typeface="Wingdings" panose="05000000000000000000" pitchFamily="2" charset="2"/>
+              </a:rPr>
+              <a:t>antwoord:</a:t>
+            </a:r>
+          </a:p>
+          <a:p>
+            <a:r>
+              <a:rPr lang="nl-NL" i="1" dirty="0" smtClean="0">
+                <a:sym typeface="Wingdings" panose="05000000000000000000" pitchFamily="2" charset="2"/>
+              </a:rPr>
+              <a:t>Wat is het adres van deze pagina?</a:t>
+            </a:r>
+            <a:endParaRPr lang="nl-NL" i="1" dirty="0">
+              <a:sym typeface="Wingdings" panose="05000000000000000000" pitchFamily="2" charset="2"/>
+            </a:endParaRPr>
+          </a:p>
+          <a:p>
+            <a:endParaRPr lang="nl-NL" i="1" dirty="0">
+              <a:sym typeface="Wingdings" panose="05000000000000000000" pitchFamily="2" charset="2"/>
+            </a:endParaRPr>
+          </a:p>
+          <a:p>
+            <a:r>
+              <a:rPr lang="nl-NL" sz="1200" u="sng" kern="1200" dirty="0" smtClean="0">
+                <a:solidFill>
+                  <a:schemeClr val="tx1"/>
+                </a:solidFill>
+                <a:effectLst/>
+                <a:latin typeface="+mn-lt"/>
+                <a:ea typeface="+mn-ea"/>
+                <a:cs typeface="+mn-cs"/>
+                <a:hlinkClick r:id="rId3"/>
+              </a:rPr>
+              <a:t>https://d-bl.github.io/GroundForge/help/Choose-Stitches</a:t>
+            </a:r>
+            <a:r>
+              <a:rPr lang="nl-NL" sz="1200" kern="1200" dirty="0" smtClean="0">
+                <a:solidFill>
+                  <a:schemeClr val="tx1"/>
+                </a:solidFill>
+                <a:effectLst/>
+                <a:latin typeface="+mn-lt"/>
+                <a:ea typeface="+mn-ea"/>
+                <a:cs typeface="+mn-cs"/>
+              </a:rPr>
+              <a:t> </a:t>
+            </a:r>
+          </a:p>
+          <a:p>
+            <a:endParaRPr lang="nl-NL" baseline="0" dirty="0" smtClean="0">
               <a:effectLst/>
             </a:endParaRPr>
           </a:p>
@@ -4308,137 +4790,12 @@
           <a:lstStyle/>
           <a:p>
             <a:r>
-              <a:rPr lang="en-US" i="1" dirty="0" smtClean="0"/>
-              <a:t>A Lace Guide for Makers and Collectors</a:t>
-            </a:r>
-            <a:r>
-              <a:rPr lang="en-US" dirty="0" smtClean="0"/>
-              <a:t> door Gertrude Whiting</a:t>
-            </a:r>
-          </a:p>
-          <a:p>
-            <a:r>
-              <a:rPr lang="en-US" baseline="0" dirty="0" smtClean="0">
+              <a:rPr lang="nl-NL" b="0" baseline="0" dirty="0" smtClean="0">
                 <a:effectLst/>
               </a:rPr>
-              <a:t>Kant </a:t>
-            </a:r>
-            <a:r>
-              <a:rPr lang="en-US" baseline="0" dirty="0" err="1" smtClean="0">
-                <a:effectLst/>
-              </a:rPr>
-              <a:t>gids</a:t>
-            </a:r>
-            <a:r>
-              <a:rPr lang="en-US" baseline="0" dirty="0" smtClean="0">
-                <a:effectLst/>
-              </a:rPr>
-              <a:t> </a:t>
-            </a:r>
-            <a:r>
-              <a:rPr lang="en-US" baseline="0" dirty="0" err="1" smtClean="0">
-                <a:effectLst/>
-              </a:rPr>
-              <a:t>voor</a:t>
-            </a:r>
-            <a:r>
-              <a:rPr lang="en-US" baseline="0" dirty="0" smtClean="0">
-                <a:effectLst/>
-              </a:rPr>
-              <a:t> makers en </a:t>
-            </a:r>
-            <a:r>
-              <a:rPr lang="en-US" baseline="0" dirty="0" err="1" smtClean="0">
-                <a:effectLst/>
-              </a:rPr>
-              <a:t>verzamelaars</a:t>
-            </a:r>
-            <a:r>
-              <a:rPr lang="en-US" baseline="0" dirty="0" smtClean="0">
-                <a:effectLst/>
-              </a:rPr>
-              <a:t>.</a:t>
-            </a:r>
-            <a:endParaRPr lang="nl-NL" baseline="0" dirty="0" smtClean="0">
-              <a:effectLst/>
-            </a:endParaRPr>
-          </a:p>
-          <a:p>
-            <a:endParaRPr lang="nl-NL" baseline="0" dirty="0" smtClean="0">
-              <a:effectLst/>
-            </a:endParaRPr>
-          </a:p>
-          <a:p>
-            <a:r>
-              <a:rPr lang="nl-NL" baseline="0" dirty="0" smtClean="0">
-                <a:effectLst/>
-              </a:rPr>
-              <a:t>In diverse online archieven beschikbaar</a:t>
-            </a:r>
-          </a:p>
-          <a:p>
-            <a:endParaRPr lang="nl-NL" baseline="0" dirty="0" smtClean="0">
-              <a:effectLst/>
-            </a:endParaRPr>
-          </a:p>
-          <a:p>
-            <a:r>
-              <a:rPr lang="nl-NL" baseline="0" dirty="0" smtClean="0">
-                <a:effectLst/>
-              </a:rPr>
-              <a:t>Niet alle gronden kunnen met </a:t>
-            </a:r>
-            <a:r>
-              <a:rPr lang="nl-NL" baseline="0" dirty="0" err="1" smtClean="0">
-                <a:effectLst/>
-              </a:rPr>
-              <a:t>GroundForge</a:t>
-            </a:r>
-            <a:endParaRPr lang="nl-NL" baseline="0" dirty="0" smtClean="0">
-              <a:effectLst/>
-            </a:endParaRPr>
-          </a:p>
-          <a:p>
-            <a:r>
-              <a:rPr lang="nl-NL" baseline="0" dirty="0" smtClean="0">
-                <a:effectLst/>
-              </a:rPr>
-              <a:t>Bijvoorbeeld wegens aanhaken of oneven aantallen draden per slag</a:t>
-            </a:r>
-          </a:p>
-          <a:p>
-            <a:endParaRPr lang="nl-NL" baseline="0" dirty="0" smtClean="0">
-              <a:effectLst/>
-            </a:endParaRPr>
-          </a:p>
-          <a:p>
-            <a:r>
-              <a:rPr lang="nl-NL" b="1" baseline="0" dirty="0" smtClean="0">
-                <a:effectLst/>
-              </a:rPr>
-              <a:t>Bruggetje</a:t>
-            </a:r>
-          </a:p>
-          <a:p>
-            <a:r>
-              <a:rPr lang="nl-NL" baseline="0" dirty="0" smtClean="0">
-                <a:effectLst/>
-              </a:rPr>
-              <a:t>Laten we een blokje onder de </a:t>
-            </a:r>
-            <a:r>
-              <a:rPr lang="nl-NL" baseline="0" dirty="0" smtClean="0">
-                <a:effectLst/>
-              </a:rPr>
-              <a:t>loep </a:t>
-            </a:r>
-            <a:r>
-              <a:rPr lang="nl-NL" baseline="0" dirty="0" smtClean="0">
-                <a:effectLst/>
-              </a:rPr>
-              <a:t>nemen</a:t>
-            </a:r>
-            <a:endParaRPr lang="nl-NL" dirty="0"/>
+              <a:t>De velden van het hulpformulier  vormen één baksteen of één schaakveld.</a:t>
+            </a:r>
+            <a:endParaRPr lang="nl-NL" i="1" dirty="0"/>
           </a:p>
         </p:txBody>
       </p:sp>
@@ -4522,7 +4879,37 @@
           <a:bodyPr/>
           <a:lstStyle/>
           <a:p>
-            <a:endParaRPr lang="nl-NL" baseline="0" dirty="0" smtClean="0">
+            <a:r>
+              <a:rPr lang="nl-NL" dirty="0" smtClean="0">
+                <a:effectLst/>
+              </a:rPr>
+              <a:t>Verschillende (groepen) voorbeeld pagina’s (om het parameters-formulier in te vullen)</a:t>
+            </a:r>
+          </a:p>
+          <a:p>
+            <a:endParaRPr lang="nl-NL" dirty="0" smtClean="0">
+              <a:effectLst/>
+            </a:endParaRPr>
+          </a:p>
+          <a:p>
+            <a:r>
+              <a:rPr lang="nl-NL" dirty="0" smtClean="0">
+                <a:effectLst/>
+              </a:rPr>
+              <a:t>Elke groep heeft een eigen invalshoek</a:t>
+            </a:r>
+          </a:p>
+          <a:p>
+            <a:endParaRPr lang="nl-NL" dirty="0" smtClean="0">
+              <a:effectLst/>
+            </a:endParaRPr>
+          </a:p>
+          <a:p>
+            <a:r>
+              <a:rPr lang="nl-NL" dirty="0" smtClean="0"/>
+              <a:t>Droste heeft een paar voorbeelden waarvan al wel slagen zijn ingevuld</a:t>
+            </a:r>
+            <a:endParaRPr lang="nl-NL" dirty="0" smtClean="0">
               <a:effectLst/>
             </a:endParaRPr>
           </a:p>
@@ -4745,7 +5132,7 @@
           <a:p>
             <a:fld id="{E342A075-9761-4F6D-8E62-693B12E2A93F}" type="datetime1">
               <a:rPr lang="nl-NL" smtClean="0"/>
-              <a:t>23-12-2017</a:t>
+              <a:t>24-3-2018</a:t>
             </a:fld>
             <a:endParaRPr lang="nl-NL"/>
           </a:p>
@@ -4922,7 +5309,7 @@
           <a:p>
             <a:fld id="{95274BD6-6047-4BE7-A11A-799C5C07C1B9}" type="datetime1">
               <a:rPr lang="nl-NL" smtClean="0"/>
-              <a:t>23-12-2017</a:t>
+              <a:t>24-3-2018</a:t>
             </a:fld>
             <a:endParaRPr lang="nl-NL"/>
           </a:p>
@@ -5102,7 +5489,7 @@
           <a:p>
             <a:fld id="{6C2C6073-FF99-4CA4-ADF2-53D139284B0F}" type="datetime1">
               <a:rPr lang="nl-NL" smtClean="0"/>
-              <a:t>23-12-2017</a:t>
+              <a:t>24-3-2018</a:t>
             </a:fld>
             <a:endParaRPr lang="nl-NL"/>
           </a:p>
@@ -5272,7 +5659,7 @@
           <a:p>
             <a:fld id="{BB83D81E-96EF-4290-8170-748ADAD06D81}" type="datetime1">
               <a:rPr lang="nl-NL" smtClean="0"/>
-              <a:t>23-12-2017</a:t>
+              <a:t>24-3-2018</a:t>
             </a:fld>
             <a:endParaRPr lang="nl-NL"/>
           </a:p>
@@ -5525,7 +5912,7 @@
           <a:p>
             <a:fld id="{C0420608-9111-4307-BDC9-D2BB0906472C}" type="datetime1">
               <a:rPr lang="nl-NL" smtClean="0"/>
-              <a:t>23-12-2017</a:t>
+              <a:t>24-3-2018</a:t>
             </a:fld>
             <a:endParaRPr lang="nl-NL"/>
           </a:p>
@@ -5813,7 +6200,7 @@
           <a:p>
             <a:fld id="{A84E908B-0185-4D61-A5D9-DBFFD136706E}" type="datetime1">
               <a:rPr lang="nl-NL" smtClean="0"/>
-              <a:t>23-12-2017</a:t>
+              <a:t>24-3-2018</a:t>
             </a:fld>
             <a:endParaRPr lang="nl-NL"/>
           </a:p>
@@ -6235,7 +6622,7 @@
           <a:p>
             <a:fld id="{AF24CBA6-5F96-4BD7-976F-CDF48F991EB6}" type="datetime1">
               <a:rPr lang="nl-NL" smtClean="0"/>
-              <a:t>23-12-2017</a:t>
+              <a:t>24-3-2018</a:t>
             </a:fld>
             <a:endParaRPr lang="nl-NL"/>
           </a:p>
@@ -6353,7 +6740,7 @@
           <a:p>
             <a:fld id="{8CA878B4-84FD-4284-B7D0-09A954965A10}" type="datetime1">
               <a:rPr lang="nl-NL" smtClean="0"/>
-              <a:t>23-12-2017</a:t>
+              <a:t>24-3-2018</a:t>
             </a:fld>
             <a:endParaRPr lang="nl-NL"/>
           </a:p>
@@ -6448,7 +6835,7 @@
           <a:p>
             <a:fld id="{8F1648B1-A544-4058-8476-7C7A9902FE15}" type="datetime1">
               <a:rPr lang="nl-NL" smtClean="0"/>
-              <a:t>23-12-2017</a:t>
+              <a:t>24-3-2018</a:t>
             </a:fld>
             <a:endParaRPr lang="nl-NL"/>
           </a:p>
@@ -6725,7 +7112,7 @@
           <a:p>
             <a:fld id="{D039C4CF-B57B-4F53-B350-F1468F1E8012}" type="datetime1">
               <a:rPr lang="nl-NL" smtClean="0"/>
-              <a:t>23-12-2017</a:t>
+              <a:t>24-3-2018</a:t>
             </a:fld>
             <a:endParaRPr lang="nl-NL"/>
           </a:p>
@@ -6982,7 +7369,7 @@
           <a:p>
             <a:fld id="{CF8B7C30-20C8-4009-AD9C-ED95D216EDC4}" type="datetime1">
               <a:rPr lang="nl-NL" smtClean="0"/>
-              <a:t>23-12-2017</a:t>
+              <a:t>24-3-2018</a:t>
             </a:fld>
             <a:endParaRPr lang="nl-NL"/>
           </a:p>
@@ -7195,7 +7582,7 @@
           <a:p>
             <a:fld id="{9D082795-9F52-4849-A817-AF0180A2A2B3}" type="datetime1">
               <a:rPr lang="nl-NL" smtClean="0"/>
-              <a:t>23-12-2017</a:t>
+              <a:t>24-3-2018</a:t>
             </a:fld>
             <a:endParaRPr lang="nl-NL"/>
           </a:p>
@@ -7737,7 +8124,78 @@
             </a:br>
             <a:r>
               <a:rPr lang="nl-NL" dirty="0" smtClean="0"/>
-              <a:t>Met medewerking van Marian Tempels</a:t>
+              <a:t>met een inleiding door Marian Tempels</a:t>
+            </a:r>
+          </a:p>
+        </p:txBody>
+      </p:sp>
+      <p:sp>
+        <p:nvSpPr>
+          <p:cNvPr id="5" name="Tijdelijke aanduiding voor datum 3">
+            <a:extLst>
+              <a:ext uri="{FF2B5EF4-FFF2-40B4-BE49-F238E27FC236}">
+                <a16:creationId xmlns="" xmlns:a16="http://schemas.microsoft.com/office/drawing/2014/main" id="{B7CD71F2-4AB3-4F82-AC95-779059F13195}"/>
+              </a:ext>
+            </a:extLst>
+          </p:cNvPr>
+          <p:cNvSpPr>
+            <a:spLocks noGrp="1"/>
+          </p:cNvSpPr>
+          <p:nvPr>
+            <p:ph type="dt" sz="half" idx="10"/>
+          </p:nvPr>
+        </p:nvSpPr>
+        <p:spPr>
+          <a:xfrm>
+            <a:off x="457200" y="6356350"/>
+            <a:ext cx="2133600" cy="365125"/>
+          </a:xfrm>
+        </p:spPr>
+        <p:txBody>
+          <a:bodyPr/>
+          <a:lstStyle/>
+          <a:p>
+            <a:fld id="{C6166A56-2601-4E37-8D8D-05C0420DE125}" type="datetime1">
+              <a:rPr lang="nl-NL" smtClean="0"/>
+              <a:t>24-3-2018</a:t>
+            </a:fld>
+            <a:endParaRPr lang="nl-NL"/>
+          </a:p>
+        </p:txBody>
+      </p:sp>
+      <p:sp>
+        <p:nvSpPr>
+          <p:cNvPr id="6" name="Tijdelijke aanduiding voor voettekst 4">
+            <a:extLst>
+              <a:ext uri="{FF2B5EF4-FFF2-40B4-BE49-F238E27FC236}">
+                <a16:creationId xmlns="" xmlns:a16="http://schemas.microsoft.com/office/drawing/2014/main" id="{5C6A8BCE-5EC6-40B9-9E2B-345894DAE8ED}"/>
+              </a:ext>
+            </a:extLst>
+          </p:cNvPr>
+          <p:cNvSpPr>
+            <a:spLocks noGrp="1"/>
+          </p:cNvSpPr>
+          <p:nvPr>
+            <p:ph type="ftr" sz="quarter" idx="11"/>
+          </p:nvPr>
+        </p:nvSpPr>
+        <p:spPr>
+          <a:xfrm>
+            <a:off x="3124200" y="6356350"/>
+            <a:ext cx="2895600" cy="365125"/>
+          </a:xfrm>
+        </p:spPr>
+        <p:txBody>
+          <a:bodyPr/>
+          <a:lstStyle/>
+          <a:p>
+            <a:r>
+              <a:rPr lang="nl-NL" dirty="0" err="1"/>
+              <a:t>Groundforge</a:t>
+            </a:r>
+            <a:r>
+              <a:rPr lang="nl-NL" dirty="0"/>
+              <a:t> - De Waaier</a:t>
             </a:r>
           </a:p>
         </p:txBody>
@@ -7763,6 +8221,616 @@
 </file>
 
 <file path=ppt/slides/slide10.xml><?xml version="1.0" encoding="utf-8"?>
+<p:sld xmlns:a="http://schemas.openxmlformats.org/drawingml/2006/main" xmlns:r="http://schemas.openxmlformats.org/officeDocument/2006/relationships" xmlns:p="http://schemas.openxmlformats.org/presentationml/2006/main">
+  <p:cSld>
+    <p:spTree>
+      <p:nvGrpSpPr>
+        <p:cNvPr id="1" name=""/>
+        <p:cNvGrpSpPr/>
+        <p:nvPr/>
+      </p:nvGrpSpPr>
+      <p:grpSpPr>
+        <a:xfrm>
+          <a:off x="0" y="0"/>
+          <a:ext cx="0" cy="0"/>
+          <a:chOff x="0" y="0"/>
+          <a:chExt cx="0" cy="0"/>
+        </a:xfrm>
+      </p:grpSpPr>
+      <p:sp>
+        <p:nvSpPr>
+          <p:cNvPr id="2" name="Titel 1"/>
+          <p:cNvSpPr>
+            <a:spLocks noGrp="1"/>
+          </p:cNvSpPr>
+          <p:nvPr>
+            <p:ph type="title"/>
+          </p:nvPr>
+        </p:nvSpPr>
+        <p:spPr/>
+        <p:txBody>
+          <a:bodyPr/>
+          <a:lstStyle/>
+          <a:p>
+            <a:r>
+              <a:rPr lang="nl-NL" dirty="0" err="1" smtClean="0"/>
+              <a:t>GroundForge</a:t>
+            </a:r>
+            <a:endParaRPr lang="nl-NL" dirty="0"/>
+          </a:p>
+        </p:txBody>
+      </p:sp>
+      <p:sp>
+        <p:nvSpPr>
+          <p:cNvPr id="4" name="Tijdelijke aanduiding voor inhoud 3"/>
+          <p:cNvSpPr>
+            <a:spLocks noGrp="1"/>
+          </p:cNvSpPr>
+          <p:nvPr>
+            <p:ph idx="1"/>
+          </p:nvPr>
+        </p:nvSpPr>
+        <p:spPr/>
+        <p:txBody>
+          <a:bodyPr/>
+          <a:lstStyle/>
+          <a:p>
+            <a:pPr marL="0" indent="0">
+              <a:buNone/>
+            </a:pPr>
+            <a:r>
+              <a:rPr lang="nl-NL" dirty="0" smtClean="0"/>
+              <a:t>Voorbeeld pagina’s: </a:t>
+            </a:r>
+            <a:r>
+              <a:rPr lang="nl-NL" dirty="0" err="1" smtClean="0"/>
+              <a:t>Whiting</a:t>
+            </a:r>
+            <a:r>
+              <a:rPr lang="nl-NL" dirty="0" smtClean="0"/>
+              <a:t> Index</a:t>
+            </a:r>
+          </a:p>
+          <a:p>
+            <a:r>
+              <a:rPr lang="nl-NL" dirty="0"/>
+              <a:t>Index op</a:t>
+            </a:r>
+            <a:br>
+              <a:rPr lang="nl-NL" dirty="0"/>
+            </a:br>
+            <a:r>
+              <a:rPr lang="nl-NL" dirty="0"/>
+              <a:t>online boek</a:t>
+            </a:r>
+          </a:p>
+          <a:p>
+            <a:r>
+              <a:rPr lang="nl-NL" dirty="0" smtClean="0"/>
+              <a:t>1920 </a:t>
+            </a:r>
+            <a:r>
+              <a:rPr lang="nl-NL" strike="sngStrike" dirty="0" smtClean="0"/>
+              <a:t>©</a:t>
+            </a:r>
+          </a:p>
+          <a:p>
+            <a:r>
+              <a:rPr lang="nl-NL" dirty="0" smtClean="0"/>
+              <a:t>144 gronden</a:t>
+            </a:r>
+          </a:p>
+          <a:p>
+            <a:r>
+              <a:rPr lang="nl-NL" dirty="0" smtClean="0"/>
+              <a:t>Deels uitgewerkt</a:t>
+            </a:r>
+            <a:endParaRPr lang="nl-NL" dirty="0"/>
+          </a:p>
+        </p:txBody>
+      </p:sp>
+      <p:pic>
+        <p:nvPicPr>
+          <p:cNvPr id="7170" name="Picture 2"/>
+          <p:cNvPicPr>
+            <a:picLocks noChangeAspect="1" noChangeArrowheads="1"/>
+          </p:cNvPicPr>
+          <p:nvPr/>
+        </p:nvPicPr>
+        <p:blipFill>
+          <a:blip r:embed="rId3">
+            <a:extLst>
+              <a:ext uri="{28A0092B-C50C-407E-A947-70E740481C1C}">
+                <a14:useLocalDpi xmlns:a14="http://schemas.microsoft.com/office/drawing/2010/main" val="0"/>
+              </a:ext>
+            </a:extLst>
+          </a:blip>
+          <a:srcRect/>
+          <a:stretch>
+            <a:fillRect/>
+          </a:stretch>
+        </p:blipFill>
+        <p:spPr bwMode="auto">
+          <a:xfrm>
+            <a:off x="3915683" y="2471584"/>
+            <a:ext cx="4673233" cy="3868643"/>
+          </a:xfrm>
+          <a:prstGeom prst="rect">
+            <a:avLst/>
+          </a:prstGeom>
+          <a:noFill/>
+          <a:ln>
+            <a:noFill/>
+          </a:ln>
+          <a:extLst>
+            <a:ext uri="{909E8E84-426E-40DD-AFC4-6F175D3DCCD1}">
+              <a14:hiddenFill xmlns:a14="http://schemas.microsoft.com/office/drawing/2010/main">
+                <a:solidFill>
+                  <a:schemeClr val="accent1"/>
+                </a:solidFill>
+              </a14:hiddenFill>
+            </a:ext>
+            <a:ext uri="{91240B29-F687-4F45-9708-019B960494DF}">
+              <a14:hiddenLine xmlns:a14="http://schemas.microsoft.com/office/drawing/2010/main" w="9525">
+                <a:solidFill>
+                  <a:schemeClr val="tx1"/>
+                </a:solidFill>
+                <a:miter lim="800000"/>
+                <a:headEnd/>
+                <a:tailEnd/>
+              </a14:hiddenLine>
+            </a:ext>
+          </a:extLst>
+        </p:spPr>
+      </p:pic>
+      <p:sp>
+        <p:nvSpPr>
+          <p:cNvPr id="3" name="Tijdelijke aanduiding voor dianummer 2"/>
+          <p:cNvSpPr>
+            <a:spLocks noGrp="1"/>
+          </p:cNvSpPr>
+          <p:nvPr>
+            <p:ph type="sldNum" sz="quarter" idx="12"/>
+          </p:nvPr>
+        </p:nvSpPr>
+        <p:spPr/>
+        <p:txBody>
+          <a:bodyPr/>
+          <a:lstStyle/>
+          <a:p>
+            <a:fld id="{A5775961-95EC-4D4B-9423-EAE103D81E9E}" type="slidenum">
+              <a:rPr lang="nl-NL" smtClean="0"/>
+              <a:t>10</a:t>
+            </a:fld>
+            <a:endParaRPr lang="nl-NL"/>
+          </a:p>
+        </p:txBody>
+      </p:sp>
+    </p:spTree>
+    <p:extLst>
+      <p:ext uri="{BB962C8B-B14F-4D97-AF65-F5344CB8AC3E}">
+        <p14:creationId xmlns:p14="http://schemas.microsoft.com/office/powerpoint/2010/main" val="1549093198"/>
+      </p:ext>
+    </p:extLst>
+  </p:cSld>
+  <p:clrMapOvr>
+    <a:masterClrMapping/>
+  </p:clrMapOvr>
+  <p:timing>
+    <p:tnLst>
+      <p:par>
+        <p:cTn id="1" dur="indefinite" restart="never" nodeType="tmRoot"/>
+      </p:par>
+    </p:tnLst>
+  </p:timing>
+</p:sld>
+</file>
+
+<file path=ppt/slides/slide11.xml><?xml version="1.0" encoding="utf-8"?>
+<p:sld xmlns:a="http://schemas.openxmlformats.org/drawingml/2006/main" xmlns:r="http://schemas.openxmlformats.org/officeDocument/2006/relationships" xmlns:p="http://schemas.openxmlformats.org/presentationml/2006/main">
+  <p:cSld>
+    <p:spTree>
+      <p:nvGrpSpPr>
+        <p:cNvPr id="1" name=""/>
+        <p:cNvGrpSpPr/>
+        <p:nvPr/>
+      </p:nvGrpSpPr>
+      <p:grpSpPr>
+        <a:xfrm>
+          <a:off x="0" y="0"/>
+          <a:ext cx="0" cy="0"/>
+          <a:chOff x="0" y="0"/>
+          <a:chExt cx="0" cy="0"/>
+        </a:xfrm>
+      </p:grpSpPr>
+      <p:sp>
+        <p:nvSpPr>
+          <p:cNvPr id="2" name="Titel 1"/>
+          <p:cNvSpPr>
+            <a:spLocks noGrp="1"/>
+          </p:cNvSpPr>
+          <p:nvPr>
+            <p:ph type="title"/>
+          </p:nvPr>
+        </p:nvSpPr>
+        <p:spPr/>
+        <p:txBody>
+          <a:bodyPr/>
+          <a:lstStyle/>
+          <a:p>
+            <a:r>
+              <a:rPr lang="nl-NL" dirty="0" err="1" smtClean="0"/>
+              <a:t>GroundForge</a:t>
+            </a:r>
+            <a:endParaRPr lang="nl-NL" dirty="0"/>
+          </a:p>
+        </p:txBody>
+      </p:sp>
+      <p:sp>
+        <p:nvSpPr>
+          <p:cNvPr id="4" name="Tijdelijke aanduiding voor inhoud 3"/>
+          <p:cNvSpPr>
+            <a:spLocks noGrp="1"/>
+          </p:cNvSpPr>
+          <p:nvPr>
+            <p:ph idx="1"/>
+          </p:nvPr>
+        </p:nvSpPr>
+        <p:spPr/>
+        <p:txBody>
+          <a:bodyPr>
+            <a:normAutofit/>
+          </a:bodyPr>
+          <a:lstStyle/>
+          <a:p>
+            <a:pPr marL="0" indent="0">
+              <a:buNone/>
+            </a:pPr>
+            <a:r>
+              <a:rPr lang="nl-NL" dirty="0" smtClean="0"/>
+              <a:t>Voorbeeld pagina’s: </a:t>
+            </a:r>
+            <a:r>
+              <a:rPr lang="nl-NL" dirty="0" err="1" smtClean="0"/>
+              <a:t>Whiting</a:t>
+            </a:r>
+            <a:r>
+              <a:rPr lang="nl-NL" dirty="0" smtClean="0"/>
+              <a:t> Index</a:t>
+            </a:r>
+          </a:p>
+          <a:p>
+            <a:r>
+              <a:rPr lang="nl-NL" dirty="0"/>
+              <a:t>W → door Jo Edkins (UK) losgeknipte pagina </a:t>
+            </a:r>
+          </a:p>
+          <a:p>
+            <a:r>
+              <a:rPr lang="nl-NL" dirty="0" smtClean="0"/>
+              <a:t>E6 = nummer regel/kolom → diagrammen</a:t>
+            </a:r>
+          </a:p>
+        </p:txBody>
+      </p:sp>
+      <p:pic>
+        <p:nvPicPr>
+          <p:cNvPr id="15366" name="Picture 6"/>
+          <p:cNvPicPr>
+            <a:picLocks noChangeAspect="1" noChangeArrowheads="1"/>
+          </p:cNvPicPr>
+          <p:nvPr/>
+        </p:nvPicPr>
+        <p:blipFill>
+          <a:blip r:embed="rId3">
+            <a:extLst>
+              <a:ext uri="{28A0092B-C50C-407E-A947-70E740481C1C}">
+                <a14:useLocalDpi xmlns:a14="http://schemas.microsoft.com/office/drawing/2010/main" val="0"/>
+              </a:ext>
+            </a:extLst>
+          </a:blip>
+          <a:srcRect/>
+          <a:stretch>
+            <a:fillRect/>
+          </a:stretch>
+        </p:blipFill>
+        <p:spPr bwMode="auto">
+          <a:xfrm>
+            <a:off x="1259632" y="3318383"/>
+            <a:ext cx="6120680" cy="2674351"/>
+          </a:xfrm>
+          <a:prstGeom prst="rect">
+            <a:avLst/>
+          </a:prstGeom>
+          <a:noFill/>
+          <a:ln>
+            <a:noFill/>
+          </a:ln>
+          <a:extLst>
+            <a:ext uri="{909E8E84-426E-40DD-AFC4-6F175D3DCCD1}">
+              <a14:hiddenFill xmlns:a14="http://schemas.microsoft.com/office/drawing/2010/main">
+                <a:solidFill>
+                  <a:schemeClr val="accent1"/>
+                </a:solidFill>
+              </a14:hiddenFill>
+            </a:ext>
+            <a:ext uri="{91240B29-F687-4F45-9708-019B960494DF}">
+              <a14:hiddenLine xmlns:a14="http://schemas.microsoft.com/office/drawing/2010/main" w="9525">
+                <a:solidFill>
+                  <a:schemeClr val="tx1"/>
+                </a:solidFill>
+                <a:miter lim="800000"/>
+                <a:headEnd/>
+                <a:tailEnd/>
+              </a14:hiddenLine>
+            </a:ext>
+          </a:extLst>
+        </p:spPr>
+      </p:pic>
+      <p:sp>
+        <p:nvSpPr>
+          <p:cNvPr id="3" name="Tijdelijke aanduiding voor dianummer 2"/>
+          <p:cNvSpPr>
+            <a:spLocks noGrp="1"/>
+          </p:cNvSpPr>
+          <p:nvPr>
+            <p:ph type="sldNum" sz="quarter" idx="12"/>
+          </p:nvPr>
+        </p:nvSpPr>
+        <p:spPr/>
+        <p:txBody>
+          <a:bodyPr/>
+          <a:lstStyle/>
+          <a:p>
+            <a:fld id="{A5775961-95EC-4D4B-9423-EAE103D81E9E}" type="slidenum">
+              <a:rPr lang="nl-NL" smtClean="0"/>
+              <a:t>11</a:t>
+            </a:fld>
+            <a:endParaRPr lang="nl-NL"/>
+          </a:p>
+        </p:txBody>
+      </p:sp>
+      <p:sp>
+        <p:nvSpPr>
+          <p:cNvPr id="8" name="Tijdelijke aanduiding voor inhoud 3"/>
+          <p:cNvSpPr txBox="1">
+            <a:spLocks/>
+          </p:cNvSpPr>
+          <p:nvPr/>
+        </p:nvSpPr>
+        <p:spPr>
+          <a:xfrm>
+            <a:off x="590616" y="5941591"/>
+            <a:ext cx="8229600" cy="560686"/>
+          </a:xfrm>
+          <a:prstGeom prst="rect">
+            <a:avLst/>
+          </a:prstGeom>
+        </p:spPr>
+        <p:txBody>
+          <a:bodyPr vert="horz" lIns="91440" tIns="45720" rIns="91440" bIns="45720" rtlCol="0">
+            <a:normAutofit lnSpcReduction="10000"/>
+          </a:bodyPr>
+          <a:lstStyle>
+            <a:lvl1pPr marL="342900" indent="-342900" algn="l" defTabSz="914400" rtl="0" eaLnBrk="1" latinLnBrk="0" hangingPunct="1">
+              <a:spcBef>
+                <a:spcPct val="20000"/>
+              </a:spcBef>
+              <a:buFont typeface="Arial" panose="020B0604020202020204" pitchFamily="34" charset="0"/>
+              <a:buChar char="•"/>
+              <a:defRPr sz="3200" kern="1200">
+                <a:solidFill>
+                  <a:schemeClr val="tx1"/>
+                </a:solidFill>
+                <a:latin typeface="+mn-lt"/>
+                <a:ea typeface="+mn-ea"/>
+                <a:cs typeface="+mn-cs"/>
+              </a:defRPr>
+            </a:lvl1pPr>
+            <a:lvl2pPr marL="742950" indent="-285750" algn="l" defTabSz="914400" rtl="0" eaLnBrk="1" latinLnBrk="0" hangingPunct="1">
+              <a:spcBef>
+                <a:spcPct val="20000"/>
+              </a:spcBef>
+              <a:buFont typeface="Arial" panose="020B0604020202020204" pitchFamily="34" charset="0"/>
+              <a:buChar char="–"/>
+              <a:defRPr sz="2800" kern="1200">
+                <a:solidFill>
+                  <a:schemeClr val="tx1"/>
+                </a:solidFill>
+                <a:latin typeface="+mn-lt"/>
+                <a:ea typeface="+mn-ea"/>
+                <a:cs typeface="+mn-cs"/>
+              </a:defRPr>
+            </a:lvl2pPr>
+            <a:lvl3pPr marL="1143000" indent="-228600" algn="l" defTabSz="914400" rtl="0" eaLnBrk="1" latinLnBrk="0" hangingPunct="1">
+              <a:spcBef>
+                <a:spcPct val="20000"/>
+              </a:spcBef>
+              <a:buFont typeface="Arial" panose="020B0604020202020204" pitchFamily="34" charset="0"/>
+              <a:buChar char="•"/>
+              <a:defRPr sz="2400" kern="1200">
+                <a:solidFill>
+                  <a:schemeClr val="tx1"/>
+                </a:solidFill>
+                <a:latin typeface="+mn-lt"/>
+                <a:ea typeface="+mn-ea"/>
+                <a:cs typeface="+mn-cs"/>
+              </a:defRPr>
+            </a:lvl3pPr>
+            <a:lvl4pPr marL="1600200" indent="-228600" algn="l" defTabSz="914400" rtl="0" eaLnBrk="1" latinLnBrk="0" hangingPunct="1">
+              <a:spcBef>
+                <a:spcPct val="20000"/>
+              </a:spcBef>
+              <a:buFont typeface="Arial" panose="020B0604020202020204" pitchFamily="34" charset="0"/>
+              <a:buChar char="–"/>
+              <a:defRPr sz="2000" kern="1200">
+                <a:solidFill>
+                  <a:schemeClr val="tx1"/>
+                </a:solidFill>
+                <a:latin typeface="+mn-lt"/>
+                <a:ea typeface="+mn-ea"/>
+                <a:cs typeface="+mn-cs"/>
+              </a:defRPr>
+            </a:lvl4pPr>
+            <a:lvl5pPr marL="2057400" indent="-228600" algn="l" defTabSz="914400" rtl="0" eaLnBrk="1" latinLnBrk="0" hangingPunct="1">
+              <a:spcBef>
+                <a:spcPct val="20000"/>
+              </a:spcBef>
+              <a:buFont typeface="Arial" panose="020B0604020202020204" pitchFamily="34" charset="0"/>
+              <a:buChar char="»"/>
+              <a:defRPr sz="2000" kern="1200">
+                <a:solidFill>
+                  <a:schemeClr val="tx1"/>
+                </a:solidFill>
+                <a:latin typeface="+mn-lt"/>
+                <a:ea typeface="+mn-ea"/>
+                <a:cs typeface="+mn-cs"/>
+              </a:defRPr>
+            </a:lvl5pPr>
+            <a:lvl6pPr marL="2514600" indent="-228600" algn="l" defTabSz="914400" rtl="0" eaLnBrk="1" latinLnBrk="0" hangingPunct="1">
+              <a:spcBef>
+                <a:spcPct val="20000"/>
+              </a:spcBef>
+              <a:buFont typeface="Arial" panose="020B0604020202020204" pitchFamily="34" charset="0"/>
+              <a:buChar char="•"/>
+              <a:defRPr sz="2000" kern="1200">
+                <a:solidFill>
+                  <a:schemeClr val="tx1"/>
+                </a:solidFill>
+                <a:latin typeface="+mn-lt"/>
+                <a:ea typeface="+mn-ea"/>
+                <a:cs typeface="+mn-cs"/>
+              </a:defRPr>
+            </a:lvl6pPr>
+            <a:lvl7pPr marL="2971800" indent="-228600" algn="l" defTabSz="914400" rtl="0" eaLnBrk="1" latinLnBrk="0" hangingPunct="1">
+              <a:spcBef>
+                <a:spcPct val="20000"/>
+              </a:spcBef>
+              <a:buFont typeface="Arial" panose="020B0604020202020204" pitchFamily="34" charset="0"/>
+              <a:buChar char="•"/>
+              <a:defRPr sz="2000" kern="1200">
+                <a:solidFill>
+                  <a:schemeClr val="tx1"/>
+                </a:solidFill>
+                <a:latin typeface="+mn-lt"/>
+                <a:ea typeface="+mn-ea"/>
+                <a:cs typeface="+mn-cs"/>
+              </a:defRPr>
+            </a:lvl7pPr>
+            <a:lvl8pPr marL="3429000" indent="-228600" algn="l" defTabSz="914400" rtl="0" eaLnBrk="1" latinLnBrk="0" hangingPunct="1">
+              <a:spcBef>
+                <a:spcPct val="20000"/>
+              </a:spcBef>
+              <a:buFont typeface="Arial" panose="020B0604020202020204" pitchFamily="34" charset="0"/>
+              <a:buChar char="•"/>
+              <a:defRPr sz="2000" kern="1200">
+                <a:solidFill>
+                  <a:schemeClr val="tx1"/>
+                </a:solidFill>
+                <a:latin typeface="+mn-lt"/>
+                <a:ea typeface="+mn-ea"/>
+                <a:cs typeface="+mn-cs"/>
+              </a:defRPr>
+            </a:lvl8pPr>
+            <a:lvl9pPr marL="3886200" indent="-228600" algn="l" defTabSz="914400" rtl="0" eaLnBrk="1" latinLnBrk="0" hangingPunct="1">
+              <a:spcBef>
+                <a:spcPct val="20000"/>
+              </a:spcBef>
+              <a:buFont typeface="Arial" panose="020B0604020202020204" pitchFamily="34" charset="0"/>
+              <a:buChar char="•"/>
+              <a:defRPr sz="2000" kern="1200">
+                <a:solidFill>
+                  <a:schemeClr val="tx1"/>
+                </a:solidFill>
+                <a:latin typeface="+mn-lt"/>
+                <a:ea typeface="+mn-ea"/>
+                <a:cs typeface="+mn-cs"/>
+              </a:defRPr>
+            </a:lvl9pPr>
+          </a:lstStyle>
+          <a:p>
+            <a:r>
+              <a:rPr lang="nl-NL" dirty="0" smtClean="0"/>
+              <a:t>Kleuren van draden zelf aan te passen</a:t>
+            </a:r>
+          </a:p>
+        </p:txBody>
+      </p:sp>
+      <p:pic>
+        <p:nvPicPr>
+          <p:cNvPr id="9" name="Picture 2"/>
+          <p:cNvPicPr>
+            <a:picLocks noChangeAspect="1" noChangeArrowheads="1"/>
+          </p:cNvPicPr>
+          <p:nvPr/>
+        </p:nvPicPr>
+        <p:blipFill>
+          <a:blip r:embed="rId4">
+            <a:extLst>
+              <a:ext uri="{28A0092B-C50C-407E-A947-70E740481C1C}">
+                <a14:useLocalDpi xmlns:a14="http://schemas.microsoft.com/office/drawing/2010/main" val="0"/>
+              </a:ext>
+            </a:extLst>
+          </a:blip>
+          <a:srcRect/>
+          <a:stretch>
+            <a:fillRect/>
+          </a:stretch>
+        </p:blipFill>
+        <p:spPr bwMode="auto">
+          <a:xfrm>
+            <a:off x="6838925" y="332656"/>
+            <a:ext cx="1428750" cy="1933575"/>
+          </a:xfrm>
+          <a:prstGeom prst="rect">
+            <a:avLst/>
+          </a:prstGeom>
+          <a:noFill/>
+          <a:ln>
+            <a:noFill/>
+          </a:ln>
+          <a:extLst>
+            <a:ext uri="{909E8E84-426E-40DD-AFC4-6F175D3DCCD1}">
+              <a14:hiddenFill xmlns:a14="http://schemas.microsoft.com/office/drawing/2010/main">
+                <a:solidFill>
+                  <a:schemeClr val="accent1"/>
+                </a:solidFill>
+              </a14:hiddenFill>
+            </a:ext>
+            <a:ext uri="{91240B29-F687-4F45-9708-019B960494DF}">
+              <a14:hiddenLine xmlns:a14="http://schemas.microsoft.com/office/drawing/2010/main" w="9525">
+                <a:solidFill>
+                  <a:schemeClr val="tx1"/>
+                </a:solidFill>
+                <a:miter lim="800000"/>
+                <a:headEnd/>
+                <a:tailEnd/>
+              </a14:hiddenLine>
+            </a:ext>
+          </a:extLst>
+        </p:spPr>
+      </p:pic>
+    </p:spTree>
+    <p:extLst>
+      <p:ext uri="{BB962C8B-B14F-4D97-AF65-F5344CB8AC3E}">
+        <p14:creationId xmlns:p14="http://schemas.microsoft.com/office/powerpoint/2010/main" val="2892508582"/>
+      </p:ext>
+    </p:extLst>
+  </p:cSld>
+  <p:clrMapOvr>
+    <a:masterClrMapping/>
+  </p:clrMapOvr>
+  <p:timing>
+    <p:tnLst>
+      <p:par>
+        <p:cTn id="1" dur="indefinite" restart="never" nodeType="tmRoot"/>
+      </p:par>
+    </p:tnLst>
+  </p:timing>
+</p:sld>
+</file>
+
+<file path=ppt/slides/slide12.xml><?xml version="1.0" encoding="utf-8"?>
 <p:sld xmlns:a="http://schemas.openxmlformats.org/drawingml/2006/main" xmlns:r="http://schemas.openxmlformats.org/officeDocument/2006/relationships" xmlns:p="http://schemas.openxmlformats.org/presentationml/2006/main">
   <p:cSld>
     <p:spTree>
@@ -8111,7 +9179,7 @@
           <a:p>
             <a:fld id="{A5775961-95EC-4D4B-9423-EAE103D81E9E}" type="slidenum">
               <a:rPr lang="nl-NL" smtClean="0"/>
-              <a:t>10</a:t>
+              <a:t>12</a:t>
             </a:fld>
             <a:endParaRPr lang="nl-NL"/>
           </a:p>
@@ -8296,7 +9364,7 @@
 </p:sld>
 </file>
 
-<file path=ppt/slides/slide11.xml><?xml version="1.0" encoding="utf-8"?>
+<file path=ppt/slides/slide13.xml><?xml version="1.0" encoding="utf-8"?>
 <p:sld xmlns:a="http://schemas.openxmlformats.org/drawingml/2006/main" xmlns:r="http://schemas.openxmlformats.org/officeDocument/2006/relationships" xmlns:p="http://schemas.openxmlformats.org/presentationml/2006/main">
   <p:cSld>
     <p:spTree>
@@ -8410,7 +9478,7 @@
           <a:p>
             <a:fld id="{A5775961-95EC-4D4B-9423-EAE103D81E9E}" type="slidenum">
               <a:rPr lang="nl-NL" smtClean="0"/>
-              <a:t>11</a:t>
+              <a:t>13</a:t>
             </a:fld>
             <a:endParaRPr lang="nl-NL"/>
           </a:p>
@@ -8544,7 +9612,7 @@
 </p:sld>
 </file>
 
-<file path=ppt/slides/slide12.xml><?xml version="1.0" encoding="utf-8"?>
+<file path=ppt/slides/slide14.xml><?xml version="1.0" encoding="utf-8"?>
 <p:sld xmlns:a="http://schemas.openxmlformats.org/drawingml/2006/main" xmlns:r="http://schemas.openxmlformats.org/officeDocument/2006/relationships" xmlns:p="http://schemas.openxmlformats.org/presentationml/2006/main">
   <p:cSld>
     <p:spTree>
@@ -8635,7 +9703,7 @@
           <a:p>
             <a:fld id="{A5775961-95EC-4D4B-9423-EAE103D81E9E}" type="slidenum">
               <a:rPr lang="nl-NL" smtClean="0"/>
-              <a:t>12</a:t>
+              <a:t>14</a:t>
             </a:fld>
             <a:endParaRPr lang="nl-NL"/>
           </a:p>
@@ -8978,7 +10046,7 @@
 </p:sld>
 </file>
 
-<file path=ppt/slides/slide13.xml><?xml version="1.0" encoding="utf-8"?>
+<file path=ppt/slides/slide15.xml><?xml version="1.0" encoding="utf-8"?>
 <p:sld xmlns:a="http://schemas.openxmlformats.org/drawingml/2006/main" xmlns:r="http://schemas.openxmlformats.org/officeDocument/2006/relationships" xmlns:p="http://schemas.openxmlformats.org/presentationml/2006/main">
   <p:cSld>
     <p:spTree>
@@ -9081,7 +10149,7 @@
           <a:p>
             <a:fld id="{A5775961-95EC-4D4B-9423-EAE103D81E9E}" type="slidenum">
               <a:rPr lang="nl-NL" smtClean="0"/>
-              <a:t>13</a:t>
+              <a:t>15</a:t>
             </a:fld>
             <a:endParaRPr lang="nl-NL"/>
           </a:p>
@@ -9918,7 +10986,7 @@
 </p:sld>
 </file>
 
-<file path=ppt/slides/slide14.xml><?xml version="1.0" encoding="utf-8"?>
+<file path=ppt/slides/slide16.xml><?xml version="1.0" encoding="utf-8"?>
 <p:sld xmlns:a="http://schemas.openxmlformats.org/drawingml/2006/main" xmlns:r="http://schemas.openxmlformats.org/officeDocument/2006/relationships" xmlns:p="http://schemas.openxmlformats.org/presentationml/2006/main">
   <p:cSld>
     <p:spTree>
@@ -9975,7 +11043,7 @@
           <a:p>
             <a:fld id="{A5775961-95EC-4D4B-9423-EAE103D81E9E}" type="slidenum">
               <a:rPr lang="nl-NL" smtClean="0"/>
-              <a:t>14</a:t>
+              <a:t>16</a:t>
             </a:fld>
             <a:endParaRPr lang="nl-NL"/>
           </a:p>
@@ -10186,7 +11254,7 @@
 </p:sld>
 </file>
 
-<file path=ppt/slides/slide15.xml><?xml version="1.0" encoding="utf-8"?>
+<file path=ppt/slides/slide17.xml><?xml version="1.0" encoding="utf-8"?>
 <p:sld xmlns:a="http://schemas.openxmlformats.org/drawingml/2006/main" xmlns:r="http://schemas.openxmlformats.org/officeDocument/2006/relationships" xmlns:p="http://schemas.openxmlformats.org/presentationml/2006/main">
   <p:cSld>
     <p:spTree>
@@ -10309,7 +11377,7 @@
           <a:p>
             <a:fld id="{A5775961-95EC-4D4B-9423-EAE103D81E9E}" type="slidenum">
               <a:rPr lang="nl-NL" smtClean="0"/>
-              <a:t>15</a:t>
+              <a:t>17</a:t>
             </a:fld>
             <a:endParaRPr lang="nl-NL"/>
           </a:p>
@@ -10443,7 +11511,7 @@
 </p:sld>
 </file>
 
-<file path=ppt/slides/slide16.xml><?xml version="1.0" encoding="utf-8"?>
+<file path=ppt/slides/slide18.xml><?xml version="1.0" encoding="utf-8"?>
 <p:sld xmlns:a="http://schemas.openxmlformats.org/drawingml/2006/main" xmlns:r="http://schemas.openxmlformats.org/officeDocument/2006/relationships" xmlns:p="http://schemas.openxmlformats.org/presentationml/2006/main">
   <p:cSld>
     <p:spTree>
@@ -10570,7 +11638,7 @@
           <a:p>
             <a:fld id="{A5775961-95EC-4D4B-9423-EAE103D81E9E}" type="slidenum">
               <a:rPr lang="nl-NL" smtClean="0"/>
-              <a:t>16</a:t>
+              <a:t>18</a:t>
             </a:fld>
             <a:endParaRPr lang="nl-NL"/>
           </a:p>
@@ -10704,7 +11772,7 @@
 </p:sld>
 </file>
 
-<file path=ppt/slides/slide17.xml><?xml version="1.0" encoding="utf-8"?>
+<file path=ppt/slides/slide19.xml><?xml version="1.0" encoding="utf-8"?>
 <p:sld xmlns:a="http://schemas.openxmlformats.org/drawingml/2006/main" xmlns:r="http://schemas.openxmlformats.org/officeDocument/2006/relationships" xmlns:p="http://schemas.openxmlformats.org/presentationml/2006/main">
   <p:cSld>
     <p:spTree>
@@ -10881,7 +11949,7 @@
           <a:p>
             <a:fld id="{A5775961-95EC-4D4B-9423-EAE103D81E9E}" type="slidenum">
               <a:rPr lang="nl-NL" smtClean="0"/>
-              <a:t>17</a:t>
+              <a:t>19</a:t>
             </a:fld>
             <a:endParaRPr lang="nl-NL"/>
           </a:p>
@@ -10907,7 +11975,7 @@
 </p:sld>
 </file>
 
-<file path=ppt/slides/slide18.xml><?xml version="1.0" encoding="utf-8"?>
+<file path=ppt/slides/slide2.xml><?xml version="1.0" encoding="utf-8"?>
 <p:sld xmlns:a="http://schemas.openxmlformats.org/drawingml/2006/main" xmlns:r="http://schemas.openxmlformats.org/officeDocument/2006/relationships" xmlns:p="http://schemas.openxmlformats.org/presentationml/2006/main">
   <p:cSld>
     <p:spTree>
@@ -10926,6 +11994,951 @@
       </p:grpSpPr>
       <p:sp>
         <p:nvSpPr>
+          <p:cNvPr id="4" name="Tijdelijke aanduiding voor datum 3">
+            <a:extLst>
+              <a:ext uri="{FF2B5EF4-FFF2-40B4-BE49-F238E27FC236}">
+                <a16:creationId xmlns="" xmlns:a16="http://schemas.microsoft.com/office/drawing/2014/main" id="{B7CD71F2-4AB3-4F82-AC95-779059F13195}"/>
+              </a:ext>
+            </a:extLst>
+          </p:cNvPr>
+          <p:cNvSpPr>
+            <a:spLocks noGrp="1"/>
+          </p:cNvSpPr>
+          <p:nvPr>
+            <p:ph type="dt" sz="half" idx="10"/>
+          </p:nvPr>
+        </p:nvSpPr>
+        <p:spPr/>
+        <p:txBody>
+          <a:bodyPr/>
+          <a:lstStyle/>
+          <a:p>
+            <a:fld id="{C6166A56-2601-4E37-8D8D-05C0420DE125}" type="datetime1">
+              <a:rPr lang="nl-NL" smtClean="0"/>
+              <a:t>24-3-2018</a:t>
+            </a:fld>
+            <a:endParaRPr lang="nl-NL"/>
+          </a:p>
+        </p:txBody>
+      </p:sp>
+      <p:sp>
+        <p:nvSpPr>
+          <p:cNvPr id="5" name="Tijdelijke aanduiding voor voettekst 4">
+            <a:extLst>
+              <a:ext uri="{FF2B5EF4-FFF2-40B4-BE49-F238E27FC236}">
+                <a16:creationId xmlns="" xmlns:a16="http://schemas.microsoft.com/office/drawing/2014/main" id="{5C6A8BCE-5EC6-40B9-9E2B-345894DAE8ED}"/>
+              </a:ext>
+            </a:extLst>
+          </p:cNvPr>
+          <p:cNvSpPr>
+            <a:spLocks noGrp="1"/>
+          </p:cNvSpPr>
+          <p:nvPr>
+            <p:ph type="ftr" sz="quarter" idx="11"/>
+          </p:nvPr>
+        </p:nvSpPr>
+        <p:spPr/>
+        <p:txBody>
+          <a:bodyPr/>
+          <a:lstStyle/>
+          <a:p>
+            <a:r>
+              <a:rPr lang="nl-NL" dirty="0" err="1"/>
+              <a:t>Groundforge</a:t>
+            </a:r>
+            <a:r>
+              <a:rPr lang="nl-NL" dirty="0"/>
+              <a:t> - De Waaier</a:t>
+            </a:r>
+          </a:p>
+        </p:txBody>
+      </p:sp>
+      <p:sp>
+        <p:nvSpPr>
+          <p:cNvPr id="6" name="Tijdelijke aanduiding voor dianummer 5">
+            <a:extLst>
+              <a:ext uri="{FF2B5EF4-FFF2-40B4-BE49-F238E27FC236}">
+                <a16:creationId xmlns="" xmlns:a16="http://schemas.microsoft.com/office/drawing/2014/main" id="{CA89F1FE-B156-4B88-A6EE-ED53A7D070D3}"/>
+              </a:ext>
+            </a:extLst>
+          </p:cNvPr>
+          <p:cNvSpPr>
+            <a:spLocks noGrp="1"/>
+          </p:cNvSpPr>
+          <p:nvPr>
+            <p:ph type="sldNum" sz="quarter" idx="12"/>
+          </p:nvPr>
+        </p:nvSpPr>
+        <p:spPr/>
+        <p:txBody>
+          <a:bodyPr/>
+          <a:lstStyle/>
+          <a:p>
+            <a:fld id="{3ADA2943-CD84-4927-897A-C88C741BD1AC}" type="slidenum">
+              <a:rPr lang="nl-NL" smtClean="0"/>
+              <a:t>2</a:t>
+            </a:fld>
+            <a:endParaRPr lang="nl-NL"/>
+          </a:p>
+        </p:txBody>
+      </p:sp>
+      <p:sp>
+        <p:nvSpPr>
+          <p:cNvPr id="7" name="Tekstvak 6">
+            <a:extLst>
+              <a:ext uri="{FF2B5EF4-FFF2-40B4-BE49-F238E27FC236}">
+                <a16:creationId xmlns="" xmlns:a16="http://schemas.microsoft.com/office/drawing/2014/main" id="{BADB2CDB-D341-4825-AB3C-E755C562780A}"/>
+              </a:ext>
+            </a:extLst>
+          </p:cNvPr>
+          <p:cNvSpPr txBox="1"/>
+          <p:nvPr/>
+        </p:nvSpPr>
+        <p:spPr>
+          <a:xfrm>
+            <a:off x="2380087" y="409301"/>
+            <a:ext cx="5936329" cy="1077218"/>
+          </a:xfrm>
+          <a:prstGeom prst="rect">
+            <a:avLst/>
+          </a:prstGeom>
+          <a:noFill/>
+        </p:spPr>
+        <p:txBody>
+          <a:bodyPr wrap="square" rtlCol="0">
+            <a:spAutoFit/>
+          </a:bodyPr>
+          <a:lstStyle/>
+          <a:p>
+            <a:r>
+              <a:rPr lang="nl-NL" sz="3200" b="1" dirty="0"/>
+              <a:t>Draadtekeningen laten maken DOOR de computer.</a:t>
+            </a:r>
+          </a:p>
+        </p:txBody>
+      </p:sp>
+      <p:pic>
+        <p:nvPicPr>
+          <p:cNvPr id="15" name="Afbeelding 14">
+            <a:extLst>
+              <a:ext uri="{FF2B5EF4-FFF2-40B4-BE49-F238E27FC236}">
+                <a16:creationId xmlns="" xmlns:a16="http://schemas.microsoft.com/office/drawing/2014/main" id="{00DBD524-F9AF-4170-A579-42F81C9F3E72}"/>
+              </a:ext>
+            </a:extLst>
+          </p:cNvPr>
+          <p:cNvPicPr>
+            <a:picLocks noChangeAspect="1"/>
+          </p:cNvPicPr>
+          <p:nvPr/>
+        </p:nvPicPr>
+        <p:blipFill>
+          <a:blip r:embed="rId3"/>
+          <a:stretch>
+            <a:fillRect/>
+          </a:stretch>
+        </p:blipFill>
+        <p:spPr>
+          <a:xfrm>
+            <a:off x="251520" y="188640"/>
+            <a:ext cx="1860524" cy="1842805"/>
+          </a:xfrm>
+          <a:prstGeom prst="rect">
+            <a:avLst/>
+          </a:prstGeom>
+          <a:ln>
+            <a:solidFill>
+              <a:srgbClr val="002060"/>
+            </a:solidFill>
+          </a:ln>
+          <a:effectLst>
+            <a:outerShdw blurRad="50800" dist="38100" dir="2700000" algn="tl" rotWithShape="0">
+              <a:prstClr val="black">
+                <a:alpha val="40000"/>
+              </a:prstClr>
+            </a:outerShdw>
+          </a:effectLst>
+        </p:spPr>
+      </p:pic>
+      <p:pic>
+        <p:nvPicPr>
+          <p:cNvPr id="16" name="Afbeelding 15">
+            <a:extLst>
+              <a:ext uri="{FF2B5EF4-FFF2-40B4-BE49-F238E27FC236}">
+                <a16:creationId xmlns="" xmlns:a16="http://schemas.microsoft.com/office/drawing/2014/main" id="{8C41FFC2-0B1C-4E68-BD67-E008982928E5}"/>
+              </a:ext>
+            </a:extLst>
+          </p:cNvPr>
+          <p:cNvPicPr>
+            <a:picLocks noChangeAspect="1"/>
+          </p:cNvPicPr>
+          <p:nvPr/>
+        </p:nvPicPr>
+        <p:blipFill>
+          <a:blip r:embed="rId4"/>
+          <a:stretch>
+            <a:fillRect/>
+          </a:stretch>
+        </p:blipFill>
+        <p:spPr>
+          <a:xfrm>
+            <a:off x="1066319" y="1758871"/>
+            <a:ext cx="1867169" cy="1860524"/>
+          </a:xfrm>
+          <a:prstGeom prst="rect">
+            <a:avLst/>
+          </a:prstGeom>
+          <a:ln>
+            <a:solidFill>
+              <a:srgbClr val="002060"/>
+            </a:solidFill>
+          </a:ln>
+          <a:effectLst>
+            <a:outerShdw blurRad="50800" dist="38100" dir="2700000" algn="tl" rotWithShape="0">
+              <a:prstClr val="black">
+                <a:alpha val="40000"/>
+              </a:prstClr>
+            </a:outerShdw>
+          </a:effectLst>
+        </p:spPr>
+      </p:pic>
+      <p:pic>
+        <p:nvPicPr>
+          <p:cNvPr id="9" name="Afbeelding 8">
+            <a:extLst>
+              <a:ext uri="{FF2B5EF4-FFF2-40B4-BE49-F238E27FC236}">
+                <a16:creationId xmlns="" xmlns:a16="http://schemas.microsoft.com/office/drawing/2014/main" id="{5DE4EEAD-DD96-4122-84AD-FBDDE0A36FF4}"/>
+              </a:ext>
+            </a:extLst>
+          </p:cNvPr>
+          <p:cNvPicPr>
+            <a:picLocks noChangeAspect="1"/>
+          </p:cNvPicPr>
+          <p:nvPr/>
+        </p:nvPicPr>
+        <p:blipFill>
+          <a:blip r:embed="rId5"/>
+          <a:stretch>
+            <a:fillRect/>
+          </a:stretch>
+        </p:blipFill>
+        <p:spPr>
+          <a:xfrm>
+            <a:off x="2388099" y="2225408"/>
+            <a:ext cx="4020062" cy="1851664"/>
+          </a:xfrm>
+          <a:prstGeom prst="rect">
+            <a:avLst/>
+          </a:prstGeom>
+          <a:ln>
+            <a:solidFill>
+              <a:srgbClr val="002060"/>
+            </a:solidFill>
+          </a:ln>
+          <a:effectLst>
+            <a:outerShdw blurRad="50800" dist="38100" dir="2700000" algn="tl" rotWithShape="0">
+              <a:prstClr val="black">
+                <a:alpha val="40000"/>
+              </a:prstClr>
+            </a:outerShdw>
+          </a:effectLst>
+        </p:spPr>
+      </p:pic>
+      <p:pic>
+        <p:nvPicPr>
+          <p:cNvPr id="10" name="Afbeelding 9">
+            <a:extLst>
+              <a:ext uri="{FF2B5EF4-FFF2-40B4-BE49-F238E27FC236}">
+                <a16:creationId xmlns="" xmlns:a16="http://schemas.microsoft.com/office/drawing/2014/main" id="{3092549D-0E93-4713-845E-5D6321646A4A}"/>
+              </a:ext>
+            </a:extLst>
+          </p:cNvPr>
+          <p:cNvPicPr>
+            <a:picLocks noChangeAspect="1"/>
+          </p:cNvPicPr>
+          <p:nvPr/>
+        </p:nvPicPr>
+        <p:blipFill rotWithShape="1">
+          <a:blip r:embed="rId6"/>
+          <a:srcRect l="50890" t="48611" r="18858" b="32222"/>
+          <a:stretch/>
+        </p:blipFill>
+        <p:spPr>
+          <a:xfrm>
+            <a:off x="4707182" y="2664298"/>
+            <a:ext cx="4020062" cy="1910194"/>
+          </a:xfrm>
+          <a:prstGeom prst="rect">
+            <a:avLst/>
+          </a:prstGeom>
+          <a:ln>
+            <a:solidFill>
+              <a:srgbClr val="002060"/>
+            </a:solidFill>
+          </a:ln>
+          <a:effectLst>
+            <a:outerShdw blurRad="50800" dist="38100" dir="2700000" algn="tl" rotWithShape="0">
+              <a:prstClr val="black">
+                <a:alpha val="40000"/>
+              </a:prstClr>
+            </a:outerShdw>
+          </a:effectLst>
+        </p:spPr>
+      </p:pic>
+      <p:pic>
+        <p:nvPicPr>
+          <p:cNvPr id="11" name="Afbeelding 10">
+            <a:extLst>
+              <a:ext uri="{FF2B5EF4-FFF2-40B4-BE49-F238E27FC236}">
+                <a16:creationId xmlns="" xmlns:a16="http://schemas.microsoft.com/office/drawing/2014/main" id="{C3507EFA-9F14-4A89-AA69-4191C5CC0E66}"/>
+              </a:ext>
+            </a:extLst>
+          </p:cNvPr>
+          <p:cNvPicPr>
+            <a:picLocks noChangeAspect="1"/>
+          </p:cNvPicPr>
+          <p:nvPr/>
+        </p:nvPicPr>
+        <p:blipFill>
+          <a:blip r:embed="rId7"/>
+          <a:stretch>
+            <a:fillRect/>
+          </a:stretch>
+        </p:blipFill>
+        <p:spPr>
+          <a:xfrm>
+            <a:off x="370056" y="4254577"/>
+            <a:ext cx="4020062" cy="1913682"/>
+          </a:xfrm>
+          <a:prstGeom prst="rect">
+            <a:avLst/>
+          </a:prstGeom>
+          <a:ln>
+            <a:solidFill>
+              <a:srgbClr val="002060"/>
+            </a:solidFill>
+          </a:ln>
+          <a:effectLst>
+            <a:outerShdw blurRad="50800" dist="38100" dir="2700000" algn="tl" rotWithShape="0">
+              <a:prstClr val="black">
+                <a:alpha val="40000"/>
+              </a:prstClr>
+            </a:outerShdw>
+          </a:effectLst>
+        </p:spPr>
+      </p:pic>
+      <p:pic>
+        <p:nvPicPr>
+          <p:cNvPr id="13" name="Afbeelding 12">
+            <a:extLst>
+              <a:ext uri="{FF2B5EF4-FFF2-40B4-BE49-F238E27FC236}">
+                <a16:creationId xmlns="" xmlns:a16="http://schemas.microsoft.com/office/drawing/2014/main" id="{B7BFBCB6-EBF7-40E5-B7C9-0DFFE6CFC8BB}"/>
+              </a:ext>
+            </a:extLst>
+          </p:cNvPr>
+          <p:cNvPicPr>
+            <a:picLocks noChangeAspect="1"/>
+          </p:cNvPicPr>
+          <p:nvPr/>
+        </p:nvPicPr>
+        <p:blipFill rotWithShape="1">
+          <a:blip r:embed="rId8"/>
+          <a:srcRect l="52118" t="56162" r="17629" b="25170"/>
+          <a:stretch/>
+        </p:blipFill>
+        <p:spPr>
+          <a:xfrm>
+            <a:off x="4572000" y="4254578"/>
+            <a:ext cx="4020062" cy="1860523"/>
+          </a:xfrm>
+          <a:prstGeom prst="rect">
+            <a:avLst/>
+          </a:prstGeom>
+          <a:ln>
+            <a:solidFill>
+              <a:srgbClr val="002060"/>
+            </a:solidFill>
+          </a:ln>
+          <a:effectLst>
+            <a:outerShdw blurRad="50800" dist="38100" dir="2700000" algn="tl" rotWithShape="0">
+              <a:prstClr val="black">
+                <a:alpha val="40000"/>
+              </a:prstClr>
+            </a:outerShdw>
+          </a:effectLst>
+        </p:spPr>
+      </p:pic>
+    </p:spTree>
+    <p:extLst>
+      <p:ext uri="{BB962C8B-B14F-4D97-AF65-F5344CB8AC3E}">
+        <p14:creationId xmlns:p14="http://schemas.microsoft.com/office/powerpoint/2010/main" val="1632469443"/>
+      </p:ext>
+    </p:extLst>
+  </p:cSld>
+  <p:clrMapOvr>
+    <a:masterClrMapping/>
+  </p:clrMapOvr>
+  <p:timing>
+    <p:tnLst>
+      <p:par>
+        <p:cTn id="1" dur="indefinite" restart="never" nodeType="tmRoot">
+          <p:childTnLst>
+            <p:seq concurrent="1" nextAc="seek">
+              <p:cTn id="2" dur="indefinite" nodeType="mainSeq">
+                <p:childTnLst>
+                  <p:par>
+                    <p:cTn id="3" fill="hold">
+                      <p:stCondLst>
+                        <p:cond delay="indefinite"/>
+                      </p:stCondLst>
+                      <p:childTnLst>
+                        <p:par>
+                          <p:cTn id="4" fill="hold">
+                            <p:stCondLst>
+                              <p:cond delay="0"/>
+                            </p:stCondLst>
+                            <p:childTnLst>
+                              <p:par>
+                                <p:cTn id="5" presetID="2" presetClass="entr" presetSubtype="4" fill="hold" nodeType="clickEffect">
+                                  <p:stCondLst>
+                                    <p:cond delay="0"/>
+                                  </p:stCondLst>
+                                  <p:childTnLst>
+                                    <p:set>
+                                      <p:cBhvr>
+                                        <p:cTn id="6" dur="1" fill="hold">
+                                          <p:stCondLst>
+                                            <p:cond delay="0"/>
+                                          </p:stCondLst>
+                                        </p:cTn>
+                                        <p:tgtEl>
+                                          <p:spTgt spid="15"/>
+                                        </p:tgtEl>
+                                        <p:attrNameLst>
+                                          <p:attrName>style.visibility</p:attrName>
+                                        </p:attrNameLst>
+                                      </p:cBhvr>
+                                      <p:to>
+                                        <p:strVal val="visible"/>
+                                      </p:to>
+                                    </p:set>
+                                    <p:anim calcmode="lin" valueType="num">
+                                      <p:cBhvr additive="base">
+                                        <p:cTn id="7" dur="500" fill="hold"/>
+                                        <p:tgtEl>
+                                          <p:spTgt spid="15"/>
+                                        </p:tgtEl>
+                                        <p:attrNameLst>
+                                          <p:attrName>ppt_x</p:attrName>
+                                        </p:attrNameLst>
+                                      </p:cBhvr>
+                                      <p:tavLst>
+                                        <p:tav tm="0">
+                                          <p:val>
+                                            <p:strVal val="#ppt_x"/>
+                                          </p:val>
+                                        </p:tav>
+                                        <p:tav tm="100000">
+                                          <p:val>
+                                            <p:strVal val="#ppt_x"/>
+                                          </p:val>
+                                        </p:tav>
+                                      </p:tavLst>
+                                    </p:anim>
+                                    <p:anim calcmode="lin" valueType="num">
+                                      <p:cBhvr additive="base">
+                                        <p:cTn id="8" dur="500" fill="hold"/>
+                                        <p:tgtEl>
+                                          <p:spTgt spid="15"/>
+                                        </p:tgtEl>
+                                        <p:attrNameLst>
+                                          <p:attrName>ppt_y</p:attrName>
+                                        </p:attrNameLst>
+                                      </p:cBhvr>
+                                      <p:tavLst>
+                                        <p:tav tm="0">
+                                          <p:val>
+                                            <p:strVal val="1+#ppt_h/2"/>
+                                          </p:val>
+                                        </p:tav>
+                                        <p:tav tm="100000">
+                                          <p:val>
+                                            <p:strVal val="#ppt_y"/>
+                                          </p:val>
+                                        </p:tav>
+                                      </p:tavLst>
+                                    </p:anim>
+                                  </p:childTnLst>
+                                </p:cTn>
+                              </p:par>
+                            </p:childTnLst>
+                          </p:cTn>
+                        </p:par>
+                      </p:childTnLst>
+                    </p:cTn>
+                  </p:par>
+                  <p:par>
+                    <p:cTn id="9" fill="hold">
+                      <p:stCondLst>
+                        <p:cond delay="indefinite"/>
+                      </p:stCondLst>
+                      <p:childTnLst>
+                        <p:par>
+                          <p:cTn id="10" fill="hold">
+                            <p:stCondLst>
+                              <p:cond delay="0"/>
+                            </p:stCondLst>
+                            <p:childTnLst>
+                              <p:par>
+                                <p:cTn id="11" presetID="2" presetClass="entr" presetSubtype="4" fill="hold" nodeType="clickEffect">
+                                  <p:stCondLst>
+                                    <p:cond delay="0"/>
+                                  </p:stCondLst>
+                                  <p:childTnLst>
+                                    <p:set>
+                                      <p:cBhvr>
+                                        <p:cTn id="12" dur="1" fill="hold">
+                                          <p:stCondLst>
+                                            <p:cond delay="0"/>
+                                          </p:stCondLst>
+                                        </p:cTn>
+                                        <p:tgtEl>
+                                          <p:spTgt spid="9"/>
+                                        </p:tgtEl>
+                                        <p:attrNameLst>
+                                          <p:attrName>style.visibility</p:attrName>
+                                        </p:attrNameLst>
+                                      </p:cBhvr>
+                                      <p:to>
+                                        <p:strVal val="visible"/>
+                                      </p:to>
+                                    </p:set>
+                                    <p:anim calcmode="lin" valueType="num">
+                                      <p:cBhvr additive="base">
+                                        <p:cTn id="13" dur="500" fill="hold"/>
+                                        <p:tgtEl>
+                                          <p:spTgt spid="9"/>
+                                        </p:tgtEl>
+                                        <p:attrNameLst>
+                                          <p:attrName>ppt_x</p:attrName>
+                                        </p:attrNameLst>
+                                      </p:cBhvr>
+                                      <p:tavLst>
+                                        <p:tav tm="0">
+                                          <p:val>
+                                            <p:strVal val="#ppt_x"/>
+                                          </p:val>
+                                        </p:tav>
+                                        <p:tav tm="100000">
+                                          <p:val>
+                                            <p:strVal val="#ppt_x"/>
+                                          </p:val>
+                                        </p:tav>
+                                      </p:tavLst>
+                                    </p:anim>
+                                    <p:anim calcmode="lin" valueType="num">
+                                      <p:cBhvr additive="base">
+                                        <p:cTn id="14" dur="500" fill="hold"/>
+                                        <p:tgtEl>
+                                          <p:spTgt spid="9"/>
+                                        </p:tgtEl>
+                                        <p:attrNameLst>
+                                          <p:attrName>ppt_y</p:attrName>
+                                        </p:attrNameLst>
+                                      </p:cBhvr>
+                                      <p:tavLst>
+                                        <p:tav tm="0">
+                                          <p:val>
+                                            <p:strVal val="1+#ppt_h/2"/>
+                                          </p:val>
+                                        </p:tav>
+                                        <p:tav tm="100000">
+                                          <p:val>
+                                            <p:strVal val="#ppt_y"/>
+                                          </p:val>
+                                        </p:tav>
+                                      </p:tavLst>
+                                    </p:anim>
+                                  </p:childTnLst>
+                                </p:cTn>
+                              </p:par>
+                            </p:childTnLst>
+                          </p:cTn>
+                        </p:par>
+                      </p:childTnLst>
+                    </p:cTn>
+                  </p:par>
+                  <p:par>
+                    <p:cTn id="15" fill="hold">
+                      <p:stCondLst>
+                        <p:cond delay="indefinite"/>
+                      </p:stCondLst>
+                      <p:childTnLst>
+                        <p:par>
+                          <p:cTn id="16" fill="hold">
+                            <p:stCondLst>
+                              <p:cond delay="0"/>
+                            </p:stCondLst>
+                            <p:childTnLst>
+                              <p:par>
+                                <p:cTn id="17" presetID="2" presetClass="entr" presetSubtype="4" fill="hold" nodeType="clickEffect">
+                                  <p:stCondLst>
+                                    <p:cond delay="0"/>
+                                  </p:stCondLst>
+                                  <p:childTnLst>
+                                    <p:set>
+                                      <p:cBhvr>
+                                        <p:cTn id="18" dur="1" fill="hold">
+                                          <p:stCondLst>
+                                            <p:cond delay="0"/>
+                                          </p:stCondLst>
+                                        </p:cTn>
+                                        <p:tgtEl>
+                                          <p:spTgt spid="16"/>
+                                        </p:tgtEl>
+                                        <p:attrNameLst>
+                                          <p:attrName>style.visibility</p:attrName>
+                                        </p:attrNameLst>
+                                      </p:cBhvr>
+                                      <p:to>
+                                        <p:strVal val="visible"/>
+                                      </p:to>
+                                    </p:set>
+                                    <p:anim calcmode="lin" valueType="num">
+                                      <p:cBhvr additive="base">
+                                        <p:cTn id="19" dur="500" fill="hold"/>
+                                        <p:tgtEl>
+                                          <p:spTgt spid="16"/>
+                                        </p:tgtEl>
+                                        <p:attrNameLst>
+                                          <p:attrName>ppt_x</p:attrName>
+                                        </p:attrNameLst>
+                                      </p:cBhvr>
+                                      <p:tavLst>
+                                        <p:tav tm="0">
+                                          <p:val>
+                                            <p:strVal val="#ppt_x"/>
+                                          </p:val>
+                                        </p:tav>
+                                        <p:tav tm="100000">
+                                          <p:val>
+                                            <p:strVal val="#ppt_x"/>
+                                          </p:val>
+                                        </p:tav>
+                                      </p:tavLst>
+                                    </p:anim>
+                                    <p:anim calcmode="lin" valueType="num">
+                                      <p:cBhvr additive="base">
+                                        <p:cTn id="20" dur="500" fill="hold"/>
+                                        <p:tgtEl>
+                                          <p:spTgt spid="16"/>
+                                        </p:tgtEl>
+                                        <p:attrNameLst>
+                                          <p:attrName>ppt_y</p:attrName>
+                                        </p:attrNameLst>
+                                      </p:cBhvr>
+                                      <p:tavLst>
+                                        <p:tav tm="0">
+                                          <p:val>
+                                            <p:strVal val="1+#ppt_h/2"/>
+                                          </p:val>
+                                        </p:tav>
+                                        <p:tav tm="100000">
+                                          <p:val>
+                                            <p:strVal val="#ppt_y"/>
+                                          </p:val>
+                                        </p:tav>
+                                      </p:tavLst>
+                                    </p:anim>
+                                  </p:childTnLst>
+                                </p:cTn>
+                              </p:par>
+                              <p:par>
+                                <p:cTn id="21" presetID="2" presetClass="entr" presetSubtype="4" fill="hold" nodeType="withEffect">
+                                  <p:stCondLst>
+                                    <p:cond delay="0"/>
+                                  </p:stCondLst>
+                                  <p:childTnLst>
+                                    <p:set>
+                                      <p:cBhvr>
+                                        <p:cTn id="22" dur="1" fill="hold">
+                                          <p:stCondLst>
+                                            <p:cond delay="0"/>
+                                          </p:stCondLst>
+                                        </p:cTn>
+                                        <p:tgtEl>
+                                          <p:spTgt spid="10"/>
+                                        </p:tgtEl>
+                                        <p:attrNameLst>
+                                          <p:attrName>style.visibility</p:attrName>
+                                        </p:attrNameLst>
+                                      </p:cBhvr>
+                                      <p:to>
+                                        <p:strVal val="visible"/>
+                                      </p:to>
+                                    </p:set>
+                                    <p:anim calcmode="lin" valueType="num">
+                                      <p:cBhvr additive="base">
+                                        <p:cTn id="23" dur="500" fill="hold"/>
+                                        <p:tgtEl>
+                                          <p:spTgt spid="10"/>
+                                        </p:tgtEl>
+                                        <p:attrNameLst>
+                                          <p:attrName>ppt_x</p:attrName>
+                                        </p:attrNameLst>
+                                      </p:cBhvr>
+                                      <p:tavLst>
+                                        <p:tav tm="0">
+                                          <p:val>
+                                            <p:strVal val="#ppt_x"/>
+                                          </p:val>
+                                        </p:tav>
+                                        <p:tav tm="100000">
+                                          <p:val>
+                                            <p:strVal val="#ppt_x"/>
+                                          </p:val>
+                                        </p:tav>
+                                      </p:tavLst>
+                                    </p:anim>
+                                    <p:anim calcmode="lin" valueType="num">
+                                      <p:cBhvr additive="base">
+                                        <p:cTn id="24" dur="500" fill="hold"/>
+                                        <p:tgtEl>
+                                          <p:spTgt spid="10"/>
+                                        </p:tgtEl>
+                                        <p:attrNameLst>
+                                          <p:attrName>ppt_y</p:attrName>
+                                        </p:attrNameLst>
+                                      </p:cBhvr>
+                                      <p:tavLst>
+                                        <p:tav tm="0">
+                                          <p:val>
+                                            <p:strVal val="1+#ppt_h/2"/>
+                                          </p:val>
+                                        </p:tav>
+                                        <p:tav tm="100000">
+                                          <p:val>
+                                            <p:strVal val="#ppt_y"/>
+                                          </p:val>
+                                        </p:tav>
+                                      </p:tavLst>
+                                    </p:anim>
+                                  </p:childTnLst>
+                                </p:cTn>
+                              </p:par>
+                            </p:childTnLst>
+                          </p:cTn>
+                        </p:par>
+                      </p:childTnLst>
+                    </p:cTn>
+                  </p:par>
+                  <p:par>
+                    <p:cTn id="25" fill="hold">
+                      <p:stCondLst>
+                        <p:cond delay="indefinite"/>
+                      </p:stCondLst>
+                      <p:childTnLst>
+                        <p:par>
+                          <p:cTn id="26" fill="hold">
+                            <p:stCondLst>
+                              <p:cond delay="0"/>
+                            </p:stCondLst>
+                            <p:childTnLst>
+                              <p:par>
+                                <p:cTn id="27" presetID="2" presetClass="entr" presetSubtype="4" fill="hold" nodeType="clickEffect">
+                                  <p:stCondLst>
+                                    <p:cond delay="0"/>
+                                  </p:stCondLst>
+                                  <p:childTnLst>
+                                    <p:set>
+                                      <p:cBhvr>
+                                        <p:cTn id="28" dur="1" fill="hold">
+                                          <p:stCondLst>
+                                            <p:cond delay="0"/>
+                                          </p:stCondLst>
+                                        </p:cTn>
+                                        <p:tgtEl>
+                                          <p:spTgt spid="11"/>
+                                        </p:tgtEl>
+                                        <p:attrNameLst>
+                                          <p:attrName>style.visibility</p:attrName>
+                                        </p:attrNameLst>
+                                      </p:cBhvr>
+                                      <p:to>
+                                        <p:strVal val="visible"/>
+                                      </p:to>
+                                    </p:set>
+                                    <p:anim calcmode="lin" valueType="num">
+                                      <p:cBhvr additive="base">
+                                        <p:cTn id="29" dur="500" fill="hold"/>
+                                        <p:tgtEl>
+                                          <p:spTgt spid="11"/>
+                                        </p:tgtEl>
+                                        <p:attrNameLst>
+                                          <p:attrName>ppt_x</p:attrName>
+                                        </p:attrNameLst>
+                                      </p:cBhvr>
+                                      <p:tavLst>
+                                        <p:tav tm="0">
+                                          <p:val>
+                                            <p:strVal val="#ppt_x"/>
+                                          </p:val>
+                                        </p:tav>
+                                        <p:tav tm="100000">
+                                          <p:val>
+                                            <p:strVal val="#ppt_x"/>
+                                          </p:val>
+                                        </p:tav>
+                                      </p:tavLst>
+                                    </p:anim>
+                                    <p:anim calcmode="lin" valueType="num">
+                                      <p:cBhvr additive="base">
+                                        <p:cTn id="30" dur="500" fill="hold"/>
+                                        <p:tgtEl>
+                                          <p:spTgt spid="11"/>
+                                        </p:tgtEl>
+                                        <p:attrNameLst>
+                                          <p:attrName>ppt_y</p:attrName>
+                                        </p:attrNameLst>
+                                      </p:cBhvr>
+                                      <p:tavLst>
+                                        <p:tav tm="0">
+                                          <p:val>
+                                            <p:strVal val="1+#ppt_h/2"/>
+                                          </p:val>
+                                        </p:tav>
+                                        <p:tav tm="100000">
+                                          <p:val>
+                                            <p:strVal val="#ppt_y"/>
+                                          </p:val>
+                                        </p:tav>
+                                      </p:tavLst>
+                                    </p:anim>
+                                  </p:childTnLst>
+                                </p:cTn>
+                              </p:par>
+                              <p:par>
+                                <p:cTn id="31" presetID="2" presetClass="entr" presetSubtype="4" fill="hold" nodeType="withEffect">
+                                  <p:stCondLst>
+                                    <p:cond delay="0"/>
+                                  </p:stCondLst>
+                                  <p:childTnLst>
+                                    <p:set>
+                                      <p:cBhvr>
+                                        <p:cTn id="32" dur="1" fill="hold">
+                                          <p:stCondLst>
+                                            <p:cond delay="0"/>
+                                          </p:stCondLst>
+                                        </p:cTn>
+                                        <p:tgtEl>
+                                          <p:spTgt spid="13"/>
+                                        </p:tgtEl>
+                                        <p:attrNameLst>
+                                          <p:attrName>style.visibility</p:attrName>
+                                        </p:attrNameLst>
+                                      </p:cBhvr>
+                                      <p:to>
+                                        <p:strVal val="visible"/>
+                                      </p:to>
+                                    </p:set>
+                                    <p:anim calcmode="lin" valueType="num">
+                                      <p:cBhvr additive="base">
+                                        <p:cTn id="33" dur="500" fill="hold"/>
+                                        <p:tgtEl>
+                                          <p:spTgt spid="13"/>
+                                        </p:tgtEl>
+                                        <p:attrNameLst>
+                                          <p:attrName>ppt_x</p:attrName>
+                                        </p:attrNameLst>
+                                      </p:cBhvr>
+                                      <p:tavLst>
+                                        <p:tav tm="0">
+                                          <p:val>
+                                            <p:strVal val="#ppt_x"/>
+                                          </p:val>
+                                        </p:tav>
+                                        <p:tav tm="100000">
+                                          <p:val>
+                                            <p:strVal val="#ppt_x"/>
+                                          </p:val>
+                                        </p:tav>
+                                      </p:tavLst>
+                                    </p:anim>
+                                    <p:anim calcmode="lin" valueType="num">
+                                      <p:cBhvr additive="base">
+                                        <p:cTn id="34" dur="500" fill="hold"/>
+                                        <p:tgtEl>
+                                          <p:spTgt spid="13"/>
+                                        </p:tgtEl>
+                                        <p:attrNameLst>
+                                          <p:attrName>ppt_y</p:attrName>
+                                        </p:attrNameLst>
+                                      </p:cBhvr>
+                                      <p:tavLst>
+                                        <p:tav tm="0">
+                                          <p:val>
+                                            <p:strVal val="1+#ppt_h/2"/>
+                                          </p:val>
+                                        </p:tav>
+                                        <p:tav tm="100000">
+                                          <p:val>
+                                            <p:strVal val="#ppt_y"/>
+                                          </p:val>
+                                        </p:tav>
+                                      </p:tavLst>
+                                    </p:anim>
+                                  </p:childTnLst>
+                                </p:cTn>
+                              </p:par>
+                            </p:childTnLst>
+                          </p:cTn>
+                        </p:par>
+                      </p:childTnLst>
+                    </p:cTn>
+                  </p:par>
+                </p:childTnLst>
+              </p:cTn>
+              <p:prevCondLst>
+                <p:cond evt="onPrev" delay="0">
+                  <p:tgtEl>
+                    <p:sldTgt/>
+                  </p:tgtEl>
+                </p:cond>
+              </p:prevCondLst>
+              <p:nextCondLst>
+                <p:cond evt="onNext" delay="0">
+                  <p:tgtEl>
+                    <p:sldTgt/>
+                  </p:tgtEl>
+                </p:cond>
+              </p:nextCondLst>
+            </p:seq>
+          </p:childTnLst>
+        </p:cTn>
+      </p:par>
+    </p:tnLst>
+  </p:timing>
+</p:sld>
+</file>
+
+<file path=ppt/slides/slide20.xml><?xml version="1.0" encoding="utf-8"?>
+<p:sld xmlns:a="http://schemas.openxmlformats.org/drawingml/2006/main" xmlns:r="http://schemas.openxmlformats.org/officeDocument/2006/relationships" xmlns:p="http://schemas.openxmlformats.org/presentationml/2006/main">
+  <p:cSld>
+    <p:spTree>
+      <p:nvGrpSpPr>
+        <p:cNvPr id="1" name=""/>
+        <p:cNvGrpSpPr/>
+        <p:nvPr/>
+      </p:nvGrpSpPr>
+      <p:grpSpPr>
+        <a:xfrm>
+          <a:off x="0" y="0"/>
+          <a:ext cx="0" cy="0"/>
+          <a:chOff x="0" y="0"/>
+          <a:chExt cx="0" cy="0"/>
+        </a:xfrm>
+      </p:grpSpPr>
+      <p:sp>
+        <p:nvSpPr>
           <p:cNvPr id="2" name="Titel 1"/>
           <p:cNvSpPr>
             <a:spLocks noGrp="1"/>
@@ -10984,7 +12997,7 @@
             </a:pPr>
             <a:r>
               <a:rPr lang="nl-NL" dirty="0" smtClean="0"/>
-              <a:t>                   ↓               </a:t>
+              <a:t>                   ↓                          </a:t>
             </a:r>
             <a:r>
               <a:rPr lang="nl-NL" dirty="0" smtClean="0">
@@ -11076,7 +13089,7 @@
           <a:p>
             <a:fld id="{A5775961-95EC-4D4B-9423-EAE103D81E9E}" type="slidenum">
               <a:rPr lang="nl-NL" smtClean="0"/>
-              <a:t>18</a:t>
+              <a:t>20</a:t>
             </a:fld>
             <a:endParaRPr lang="nl-NL"/>
           </a:p>
@@ -11156,7 +13169,529 @@
 </p:sld>
 </file>
 
-<file path=ppt/slides/slide2.xml><?xml version="1.0" encoding="utf-8"?>
+<file path=ppt/slides/slide3.xml><?xml version="1.0" encoding="utf-8"?>
+<p:sld xmlns:a="http://schemas.openxmlformats.org/drawingml/2006/main" xmlns:r="http://schemas.openxmlformats.org/officeDocument/2006/relationships" xmlns:p="http://schemas.openxmlformats.org/presentationml/2006/main">
+  <p:cSld>
+    <p:spTree>
+      <p:nvGrpSpPr>
+        <p:cNvPr id="1" name=""/>
+        <p:cNvGrpSpPr/>
+        <p:nvPr/>
+      </p:nvGrpSpPr>
+      <p:grpSpPr>
+        <a:xfrm>
+          <a:off x="0" y="0"/>
+          <a:ext cx="0" cy="0"/>
+          <a:chOff x="0" y="0"/>
+          <a:chExt cx="0" cy="0"/>
+        </a:xfrm>
+      </p:grpSpPr>
+      <p:pic>
+        <p:nvPicPr>
+          <p:cNvPr id="11" name="Afbeelding 10">
+            <a:extLst>
+              <a:ext uri="{FF2B5EF4-FFF2-40B4-BE49-F238E27FC236}">
+                <a16:creationId xmlns="" xmlns:a16="http://schemas.microsoft.com/office/drawing/2014/main" id="{079EDC35-E36A-4C9A-8D8D-78C350138DFB}"/>
+              </a:ext>
+            </a:extLst>
+          </p:cNvPr>
+          <p:cNvPicPr>
+            <a:picLocks noChangeAspect="1"/>
+          </p:cNvPicPr>
+          <p:nvPr/>
+        </p:nvPicPr>
+        <p:blipFill>
+          <a:blip r:embed="rId3"/>
+          <a:stretch>
+            <a:fillRect/>
+          </a:stretch>
+        </p:blipFill>
+        <p:spPr>
+          <a:xfrm>
+            <a:off x="251520" y="260648"/>
+            <a:ext cx="5166808" cy="5834378"/>
+          </a:xfrm>
+          <a:prstGeom prst="rect">
+            <a:avLst/>
+          </a:prstGeom>
+          <a:ln>
+            <a:solidFill>
+              <a:srgbClr val="002060"/>
+            </a:solidFill>
+          </a:ln>
+          <a:effectLst>
+            <a:outerShdw blurRad="50800" dist="38100" dir="2700000" algn="tl" rotWithShape="0">
+              <a:prstClr val="black">
+                <a:alpha val="40000"/>
+              </a:prstClr>
+            </a:outerShdw>
+          </a:effectLst>
+        </p:spPr>
+      </p:pic>
+      <p:sp>
+        <p:nvSpPr>
+          <p:cNvPr id="2" name="Tijdelijke aanduiding voor datum 1">
+            <a:extLst>
+              <a:ext uri="{FF2B5EF4-FFF2-40B4-BE49-F238E27FC236}">
+                <a16:creationId xmlns="" xmlns:a16="http://schemas.microsoft.com/office/drawing/2014/main" id="{15CB3411-7651-4941-ABB4-C1822AEDE56A}"/>
+              </a:ext>
+            </a:extLst>
+          </p:cNvPr>
+          <p:cNvSpPr>
+            <a:spLocks noGrp="1"/>
+          </p:cNvSpPr>
+          <p:nvPr>
+            <p:ph type="dt" sz="half" idx="10"/>
+          </p:nvPr>
+        </p:nvSpPr>
+        <p:spPr/>
+        <p:txBody>
+          <a:bodyPr/>
+          <a:lstStyle/>
+          <a:p>
+            <a:fld id="{B71AFF58-8559-4CE0-AA20-9C6B842D93B4}" type="datetime1">
+              <a:rPr lang="nl-NL" smtClean="0"/>
+              <a:t>24-3-2018</a:t>
+            </a:fld>
+            <a:endParaRPr lang="nl-NL"/>
+          </a:p>
+        </p:txBody>
+      </p:sp>
+      <p:sp>
+        <p:nvSpPr>
+          <p:cNvPr id="3" name="Tijdelijke aanduiding voor voettekst 2">
+            <a:extLst>
+              <a:ext uri="{FF2B5EF4-FFF2-40B4-BE49-F238E27FC236}">
+                <a16:creationId xmlns="" xmlns:a16="http://schemas.microsoft.com/office/drawing/2014/main" id="{CA7752E9-23DD-4D98-8613-77598C2CCFA4}"/>
+              </a:ext>
+            </a:extLst>
+          </p:cNvPr>
+          <p:cNvSpPr>
+            <a:spLocks noGrp="1"/>
+          </p:cNvSpPr>
+          <p:nvPr>
+            <p:ph type="ftr" sz="quarter" idx="11"/>
+          </p:nvPr>
+        </p:nvSpPr>
+        <p:spPr/>
+        <p:txBody>
+          <a:bodyPr/>
+          <a:lstStyle/>
+          <a:p>
+            <a:r>
+              <a:rPr lang="nl-NL"/>
+              <a:t>Groundforge - De Waaier</a:t>
+            </a:r>
+          </a:p>
+        </p:txBody>
+      </p:sp>
+      <p:sp>
+        <p:nvSpPr>
+          <p:cNvPr id="4" name="Tijdelijke aanduiding voor dianummer 3">
+            <a:extLst>
+              <a:ext uri="{FF2B5EF4-FFF2-40B4-BE49-F238E27FC236}">
+                <a16:creationId xmlns="" xmlns:a16="http://schemas.microsoft.com/office/drawing/2014/main" id="{91A3FFEC-B94C-4127-8949-077FA303049A}"/>
+              </a:ext>
+            </a:extLst>
+          </p:cNvPr>
+          <p:cNvSpPr>
+            <a:spLocks noGrp="1"/>
+          </p:cNvSpPr>
+          <p:nvPr>
+            <p:ph type="sldNum" sz="quarter" idx="12"/>
+          </p:nvPr>
+        </p:nvSpPr>
+        <p:spPr/>
+        <p:txBody>
+          <a:bodyPr/>
+          <a:lstStyle/>
+          <a:p>
+            <a:fld id="{3ADA2943-CD84-4927-897A-C88C741BD1AC}" type="slidenum">
+              <a:rPr lang="nl-NL" smtClean="0"/>
+              <a:t>3</a:t>
+            </a:fld>
+            <a:endParaRPr lang="nl-NL"/>
+          </a:p>
+        </p:txBody>
+      </p:sp>
+      <p:sp>
+        <p:nvSpPr>
+          <p:cNvPr id="7" name="Tekstvak 6">
+            <a:extLst>
+              <a:ext uri="{FF2B5EF4-FFF2-40B4-BE49-F238E27FC236}">
+                <a16:creationId xmlns="" xmlns:a16="http://schemas.microsoft.com/office/drawing/2014/main" id="{46BAFBC1-2E76-4BCA-B53E-B93C723EF38D}"/>
+              </a:ext>
+            </a:extLst>
+          </p:cNvPr>
+          <p:cNvSpPr txBox="1"/>
+          <p:nvPr/>
+        </p:nvSpPr>
+        <p:spPr>
+          <a:xfrm>
+            <a:off x="5493433" y="2054055"/>
+            <a:ext cx="3422219" cy="584775"/>
+          </a:xfrm>
+          <a:prstGeom prst="rect">
+            <a:avLst/>
+          </a:prstGeom>
+          <a:noFill/>
+        </p:spPr>
+        <p:txBody>
+          <a:bodyPr wrap="none" rtlCol="0">
+            <a:spAutoFit/>
+          </a:bodyPr>
+          <a:lstStyle/>
+          <a:p>
+            <a:r>
+              <a:rPr lang="nl-NL" sz="1600" dirty="0"/>
+              <a:t>Mijn pagina’s met voorbeelden:</a:t>
+            </a:r>
+          </a:p>
+          <a:p>
+            <a:r>
+              <a:rPr lang="nl-NL" sz="1600" dirty="0"/>
+              <a:t>https://maetempels.github.io/MAE-gf/</a:t>
+            </a:r>
+          </a:p>
+        </p:txBody>
+      </p:sp>
+      <p:sp>
+        <p:nvSpPr>
+          <p:cNvPr id="8" name="Tekstvak 7">
+            <a:extLst>
+              <a:ext uri="{FF2B5EF4-FFF2-40B4-BE49-F238E27FC236}">
+                <a16:creationId xmlns="" xmlns:a16="http://schemas.microsoft.com/office/drawing/2014/main" id="{FF9E01FC-F7F7-4EB0-8160-945FD3F4E9EC}"/>
+              </a:ext>
+            </a:extLst>
+          </p:cNvPr>
+          <p:cNvSpPr txBox="1"/>
+          <p:nvPr/>
+        </p:nvSpPr>
+        <p:spPr>
+          <a:xfrm>
+            <a:off x="5493432" y="1295870"/>
+            <a:ext cx="3116622" cy="584775"/>
+          </a:xfrm>
+          <a:prstGeom prst="rect">
+            <a:avLst/>
+          </a:prstGeom>
+          <a:noFill/>
+        </p:spPr>
+        <p:txBody>
+          <a:bodyPr wrap="none" rtlCol="0">
+            <a:spAutoFit/>
+          </a:bodyPr>
+          <a:lstStyle/>
+          <a:p>
+            <a:r>
+              <a:rPr lang="nl-NL" sz="1600" dirty="0" err="1"/>
+              <a:t>Groundforge</a:t>
+            </a:r>
+            <a:r>
+              <a:rPr lang="nl-NL" sz="1600" dirty="0"/>
+              <a:t>:</a:t>
+            </a:r>
+          </a:p>
+          <a:p>
+            <a:r>
+              <a:rPr lang="nl-NL" sz="1600" dirty="0"/>
+              <a:t>https://d-bl.github.io/GroundForge</a:t>
+            </a:r>
+          </a:p>
+        </p:txBody>
+      </p:sp>
+      <p:pic>
+        <p:nvPicPr>
+          <p:cNvPr id="5" name="Afbeelding 4">
+            <a:extLst>
+              <a:ext uri="{FF2B5EF4-FFF2-40B4-BE49-F238E27FC236}">
+                <a16:creationId xmlns="" xmlns:a16="http://schemas.microsoft.com/office/drawing/2014/main" id="{98E5EE79-D9A2-4BE2-BCBA-F998B1D99F3C}"/>
+              </a:ext>
+            </a:extLst>
+          </p:cNvPr>
+          <p:cNvPicPr>
+            <a:picLocks noChangeAspect="1"/>
+          </p:cNvPicPr>
+          <p:nvPr/>
+        </p:nvPicPr>
+        <p:blipFill>
+          <a:blip r:embed="rId4"/>
+          <a:stretch>
+            <a:fillRect/>
+          </a:stretch>
+        </p:blipFill>
+        <p:spPr>
+          <a:xfrm>
+            <a:off x="2308920" y="2054054"/>
+            <a:ext cx="1948925" cy="1575904"/>
+          </a:xfrm>
+          <a:prstGeom prst="rect">
+            <a:avLst/>
+          </a:prstGeom>
+          <a:ln>
+            <a:solidFill>
+              <a:srgbClr val="002060"/>
+            </a:solidFill>
+          </a:ln>
+          <a:effectLst>
+            <a:outerShdw blurRad="50800" dist="38100" dir="2700000" algn="tl" rotWithShape="0">
+              <a:prstClr val="black">
+                <a:alpha val="40000"/>
+              </a:prstClr>
+            </a:outerShdw>
+          </a:effectLst>
+        </p:spPr>
+      </p:pic>
+      <p:pic>
+        <p:nvPicPr>
+          <p:cNvPr id="6" name="Afbeelding 5">
+            <a:extLst>
+              <a:ext uri="{FF2B5EF4-FFF2-40B4-BE49-F238E27FC236}">
+                <a16:creationId xmlns="" xmlns:a16="http://schemas.microsoft.com/office/drawing/2014/main" id="{D0408053-BC3B-46A5-86F6-8EE0C92F7B7D}"/>
+              </a:ext>
+            </a:extLst>
+          </p:cNvPr>
+          <p:cNvPicPr>
+            <a:picLocks noChangeAspect="1"/>
+          </p:cNvPicPr>
+          <p:nvPr/>
+        </p:nvPicPr>
+        <p:blipFill>
+          <a:blip r:embed="rId5"/>
+          <a:stretch>
+            <a:fillRect/>
+          </a:stretch>
+        </p:blipFill>
+        <p:spPr>
+          <a:xfrm>
+            <a:off x="2308920" y="4242065"/>
+            <a:ext cx="4374616" cy="1633821"/>
+          </a:xfrm>
+          <a:prstGeom prst="rect">
+            <a:avLst/>
+          </a:prstGeom>
+          <a:ln>
+            <a:solidFill>
+              <a:srgbClr val="002060"/>
+            </a:solidFill>
+          </a:ln>
+          <a:effectLst>
+            <a:outerShdw blurRad="50800" dist="38100" dir="2700000" algn="tl" rotWithShape="0">
+              <a:prstClr val="black">
+                <a:alpha val="40000"/>
+              </a:prstClr>
+            </a:outerShdw>
+          </a:effectLst>
+        </p:spPr>
+      </p:pic>
+    </p:spTree>
+    <p:extLst>
+      <p:ext uri="{BB962C8B-B14F-4D97-AF65-F5344CB8AC3E}">
+        <p14:creationId xmlns:p14="http://schemas.microsoft.com/office/powerpoint/2010/main" val="2754574559"/>
+      </p:ext>
+    </p:extLst>
+  </p:cSld>
+  <p:clrMapOvr>
+    <a:masterClrMapping/>
+  </p:clrMapOvr>
+  <p:timing>
+    <p:tnLst>
+      <p:par>
+        <p:cTn id="1" dur="indefinite" restart="never" nodeType="tmRoot">
+          <p:childTnLst>
+            <p:seq concurrent="1" nextAc="seek">
+              <p:cTn id="2" dur="indefinite" nodeType="mainSeq">
+                <p:childTnLst>
+                  <p:par>
+                    <p:cTn id="3" fill="hold">
+                      <p:stCondLst>
+                        <p:cond delay="indefinite"/>
+                      </p:stCondLst>
+                      <p:childTnLst>
+                        <p:par>
+                          <p:cTn id="4" fill="hold">
+                            <p:stCondLst>
+                              <p:cond delay="0"/>
+                            </p:stCondLst>
+                            <p:childTnLst>
+                              <p:par>
+                                <p:cTn id="5" presetID="2" presetClass="entr" presetSubtype="4" fill="hold" nodeType="clickEffect">
+                                  <p:stCondLst>
+                                    <p:cond delay="0"/>
+                                  </p:stCondLst>
+                                  <p:childTnLst>
+                                    <p:set>
+                                      <p:cBhvr>
+                                        <p:cTn id="6" dur="1" fill="hold">
+                                          <p:stCondLst>
+                                            <p:cond delay="0"/>
+                                          </p:stCondLst>
+                                        </p:cTn>
+                                        <p:tgtEl>
+                                          <p:spTgt spid="5"/>
+                                        </p:tgtEl>
+                                        <p:attrNameLst>
+                                          <p:attrName>style.visibility</p:attrName>
+                                        </p:attrNameLst>
+                                      </p:cBhvr>
+                                      <p:to>
+                                        <p:strVal val="visible"/>
+                                      </p:to>
+                                    </p:set>
+                                    <p:anim calcmode="lin" valueType="num">
+                                      <p:cBhvr additive="base">
+                                        <p:cTn id="7" dur="500" fill="hold"/>
+                                        <p:tgtEl>
+                                          <p:spTgt spid="5"/>
+                                        </p:tgtEl>
+                                        <p:attrNameLst>
+                                          <p:attrName>ppt_x</p:attrName>
+                                        </p:attrNameLst>
+                                      </p:cBhvr>
+                                      <p:tavLst>
+                                        <p:tav tm="0">
+                                          <p:val>
+                                            <p:strVal val="#ppt_x"/>
+                                          </p:val>
+                                        </p:tav>
+                                        <p:tav tm="100000">
+                                          <p:val>
+                                            <p:strVal val="#ppt_x"/>
+                                          </p:val>
+                                        </p:tav>
+                                      </p:tavLst>
+                                    </p:anim>
+                                    <p:anim calcmode="lin" valueType="num">
+                                      <p:cBhvr additive="base">
+                                        <p:cTn id="8" dur="500" fill="hold"/>
+                                        <p:tgtEl>
+                                          <p:spTgt spid="5"/>
+                                        </p:tgtEl>
+                                        <p:attrNameLst>
+                                          <p:attrName>ppt_y</p:attrName>
+                                        </p:attrNameLst>
+                                      </p:cBhvr>
+                                      <p:tavLst>
+                                        <p:tav tm="0">
+                                          <p:val>
+                                            <p:strVal val="1+#ppt_h/2"/>
+                                          </p:val>
+                                        </p:tav>
+                                        <p:tav tm="100000">
+                                          <p:val>
+                                            <p:strVal val="#ppt_y"/>
+                                          </p:val>
+                                        </p:tav>
+                                      </p:tavLst>
+                                    </p:anim>
+                                  </p:childTnLst>
+                                </p:cTn>
+                              </p:par>
+                              <p:par>
+                                <p:cTn id="9" presetID="2" presetClass="entr" presetSubtype="4" fill="hold" nodeType="withEffect">
+                                  <p:stCondLst>
+                                    <p:cond delay="0"/>
+                                  </p:stCondLst>
+                                  <p:childTnLst>
+                                    <p:set>
+                                      <p:cBhvr>
+                                        <p:cTn id="10" dur="1" fill="hold">
+                                          <p:stCondLst>
+                                            <p:cond delay="0"/>
+                                          </p:stCondLst>
+                                        </p:cTn>
+                                        <p:tgtEl>
+                                          <p:spTgt spid="6"/>
+                                        </p:tgtEl>
+                                        <p:attrNameLst>
+                                          <p:attrName>style.visibility</p:attrName>
+                                        </p:attrNameLst>
+                                      </p:cBhvr>
+                                      <p:to>
+                                        <p:strVal val="visible"/>
+                                      </p:to>
+                                    </p:set>
+                                    <p:anim calcmode="lin" valueType="num">
+                                      <p:cBhvr additive="base">
+                                        <p:cTn id="11" dur="500" fill="hold"/>
+                                        <p:tgtEl>
+                                          <p:spTgt spid="6"/>
+                                        </p:tgtEl>
+                                        <p:attrNameLst>
+                                          <p:attrName>ppt_x</p:attrName>
+                                        </p:attrNameLst>
+                                      </p:cBhvr>
+                                      <p:tavLst>
+                                        <p:tav tm="0">
+                                          <p:val>
+                                            <p:strVal val="#ppt_x"/>
+                                          </p:val>
+                                        </p:tav>
+                                        <p:tav tm="100000">
+                                          <p:val>
+                                            <p:strVal val="#ppt_x"/>
+                                          </p:val>
+                                        </p:tav>
+                                      </p:tavLst>
+                                    </p:anim>
+                                    <p:anim calcmode="lin" valueType="num">
+                                      <p:cBhvr additive="base">
+                                        <p:cTn id="12" dur="500" fill="hold"/>
+                                        <p:tgtEl>
+                                          <p:spTgt spid="6"/>
+                                        </p:tgtEl>
+                                        <p:attrNameLst>
+                                          <p:attrName>ppt_y</p:attrName>
+                                        </p:attrNameLst>
+                                      </p:cBhvr>
+                                      <p:tavLst>
+                                        <p:tav tm="0">
+                                          <p:val>
+                                            <p:strVal val="1+#ppt_h/2"/>
+                                          </p:val>
+                                        </p:tav>
+                                        <p:tav tm="100000">
+                                          <p:val>
+                                            <p:strVal val="#ppt_y"/>
+                                          </p:val>
+                                        </p:tav>
+                                      </p:tavLst>
+                                    </p:anim>
+                                  </p:childTnLst>
+                                </p:cTn>
+                              </p:par>
+                            </p:childTnLst>
+                          </p:cTn>
+                        </p:par>
+                      </p:childTnLst>
+                    </p:cTn>
+                  </p:par>
+                </p:childTnLst>
+              </p:cTn>
+              <p:prevCondLst>
+                <p:cond evt="onPrev" delay="0">
+                  <p:tgtEl>
+                    <p:sldTgt/>
+                  </p:tgtEl>
+                </p:cond>
+              </p:prevCondLst>
+              <p:nextCondLst>
+                <p:cond evt="onNext" delay="0">
+                  <p:tgtEl>
+                    <p:sldTgt/>
+                  </p:tgtEl>
+                </p:cond>
+              </p:nextCondLst>
+            </p:seq>
+          </p:childTnLst>
+        </p:cTn>
+      </p:par>
+    </p:tnLst>
+  </p:timing>
+</p:sld>
+</file>
+
+<file path=ppt/slides/slide4.xml><?xml version="1.0" encoding="utf-8"?>
 <p:sld xmlns:a="http://schemas.openxmlformats.org/drawingml/2006/main" xmlns:r="http://schemas.openxmlformats.org/officeDocument/2006/relationships" xmlns:p="http://schemas.openxmlformats.org/presentationml/2006/main">
   <p:cSld>
     <p:spTree>
@@ -11374,7 +13909,7 @@
           <a:p>
             <a:fld id="{A5775961-95EC-4D4B-9423-EAE103D81E9E}" type="slidenum">
               <a:rPr lang="nl-NL" smtClean="0"/>
-              <a:t>2</a:t>
+              <a:t>4</a:t>
             </a:fld>
             <a:endParaRPr lang="nl-NL"/>
           </a:p>
@@ -11400,7 +13935,7 @@
 </p:sld>
 </file>
 
-<file path=ppt/slides/slide3.xml><?xml version="1.0" encoding="utf-8"?>
+<file path=ppt/slides/slide5.xml><?xml version="1.0" encoding="utf-8"?>
 <p:sld xmlns:a="http://schemas.openxmlformats.org/drawingml/2006/main" xmlns:r="http://schemas.openxmlformats.org/officeDocument/2006/relationships" xmlns:p="http://schemas.openxmlformats.org/presentationml/2006/main">
   <p:cSld>
     <p:spTree>
@@ -11460,7 +13995,7 @@
             </a:pPr>
             <a:r>
               <a:rPr lang="nl-NL" dirty="0" smtClean="0"/>
-              <a:t>Fragmenten hoofdpagina:</a:t>
+              <a:t>Fragmenten van de hoofdpagina:</a:t>
             </a:r>
             <a:endParaRPr lang="nl-NL" dirty="0" smtClean="0">
               <a:effectLst/>
@@ -11552,7 +14087,7 @@
           <a:p>
             <a:fld id="{A5775961-95EC-4D4B-9423-EAE103D81E9E}" type="slidenum">
               <a:rPr lang="nl-NL" smtClean="0"/>
-              <a:t>3</a:t>
+              <a:t>5</a:t>
             </a:fld>
             <a:endParaRPr lang="nl-NL"/>
           </a:p>
@@ -11746,7 +14281,7 @@
 </p:sld>
 </file>
 
-<file path=ppt/slides/slide4.xml><?xml version="1.0" encoding="utf-8"?>
+<file path=ppt/slides/slide6.xml><?xml version="1.0" encoding="utf-8"?>
 <p:sld xmlns:a="http://schemas.openxmlformats.org/drawingml/2006/main" xmlns:r="http://schemas.openxmlformats.org/officeDocument/2006/relationships" xmlns:p="http://schemas.openxmlformats.org/presentationml/2006/main">
   <p:cSld>
     <p:spTree>
@@ -12028,7 +14563,7 @@
           <a:p>
             <a:fld id="{A5775961-95EC-4D4B-9423-EAE103D81E9E}" type="slidenum">
               <a:rPr lang="nl-NL" smtClean="0"/>
-              <a:t>4</a:t>
+              <a:t>6</a:t>
             </a:fld>
             <a:endParaRPr lang="nl-NL"/>
           </a:p>
@@ -12281,7 +14816,7 @@
 </p:sld>
 </file>
 
-<file path=ppt/slides/slide5.xml><?xml version="1.0" encoding="utf-8"?>
+<file path=ppt/slides/slide7.xml><?xml version="1.0" encoding="utf-8"?>
 <p:sld xmlns:a="http://schemas.openxmlformats.org/drawingml/2006/main" xmlns:r="http://schemas.openxmlformats.org/officeDocument/2006/relationships" xmlns:p="http://schemas.openxmlformats.org/presentationml/2006/main">
   <p:cSld>
     <p:spTree>
@@ -12417,7 +14952,7 @@
           <a:p>
             <a:fld id="{A5775961-95EC-4D4B-9423-EAE103D81E9E}" type="slidenum">
               <a:rPr lang="nl-NL" smtClean="0"/>
-              <a:t>5</a:t>
+              <a:t>7</a:t>
             </a:fld>
             <a:endParaRPr lang="nl-NL"/>
           </a:p>
@@ -13111,7 +15646,7 @@
 </p:sld>
 </file>
 
-<file path=ppt/slides/slide6.xml><?xml version="1.0" encoding="utf-8"?>
+<file path=ppt/slides/slide8.xml><?xml version="1.0" encoding="utf-8"?>
 <p:sld xmlns:a="http://schemas.openxmlformats.org/drawingml/2006/main" xmlns:r="http://schemas.openxmlformats.org/officeDocument/2006/relationships" xmlns:p="http://schemas.openxmlformats.org/presentationml/2006/main">
   <p:cSld>
     <p:spTree>
@@ -13270,7 +15805,7 @@
           <a:p>
             <a:fld id="{A5775961-95EC-4D4B-9423-EAE103D81E9E}" type="slidenum">
               <a:rPr lang="nl-NL" smtClean="0"/>
-              <a:t>6</a:t>
+              <a:t>8</a:t>
             </a:fld>
             <a:endParaRPr lang="nl-NL"/>
           </a:p>
@@ -13552,412 +16087,6 @@
 </p:sld>
 </file>
 
-<file path=ppt/slides/slide7.xml><?xml version="1.0" encoding="utf-8"?>
-<p:sld xmlns:a="http://schemas.openxmlformats.org/drawingml/2006/main" xmlns:r="http://schemas.openxmlformats.org/officeDocument/2006/relationships" xmlns:p="http://schemas.openxmlformats.org/presentationml/2006/main">
-  <p:cSld>
-    <p:spTree>
-      <p:nvGrpSpPr>
-        <p:cNvPr id="1" name=""/>
-        <p:cNvGrpSpPr/>
-        <p:nvPr/>
-      </p:nvGrpSpPr>
-      <p:grpSpPr>
-        <a:xfrm>
-          <a:off x="0" y="0"/>
-          <a:ext cx="0" cy="0"/>
-          <a:chOff x="0" y="0"/>
-          <a:chExt cx="0" cy="0"/>
-        </a:xfrm>
-      </p:grpSpPr>
-      <p:sp>
-        <p:nvSpPr>
-          <p:cNvPr id="2" name="Titel 1"/>
-          <p:cNvSpPr>
-            <a:spLocks noGrp="1"/>
-          </p:cNvSpPr>
-          <p:nvPr>
-            <p:ph type="title"/>
-          </p:nvPr>
-        </p:nvSpPr>
-        <p:spPr/>
-        <p:txBody>
-          <a:bodyPr/>
-          <a:lstStyle/>
-          <a:p>
-            <a:r>
-              <a:rPr lang="nl-NL" dirty="0" err="1" smtClean="0"/>
-              <a:t>GroundForge</a:t>
-            </a:r>
-            <a:endParaRPr lang="nl-NL" dirty="0"/>
-          </a:p>
-        </p:txBody>
-      </p:sp>
-      <p:sp>
-        <p:nvSpPr>
-          <p:cNvPr id="3" name="Tijdelijke aanduiding voor inhoud 2"/>
-          <p:cNvSpPr>
-            <a:spLocks noGrp="1"/>
-          </p:cNvSpPr>
-          <p:nvPr>
-            <p:ph idx="1"/>
-          </p:nvPr>
-        </p:nvSpPr>
-        <p:spPr/>
-        <p:txBody>
-          <a:bodyPr>
-            <a:normAutofit/>
-          </a:bodyPr>
-          <a:lstStyle/>
-          <a:p>
-            <a:pPr marL="0" indent="0">
-              <a:buNone/>
-            </a:pPr>
-            <a:r>
-              <a:rPr lang="nl-NL" dirty="0" smtClean="0">
-                <a:effectLst/>
-              </a:rPr>
-              <a:t>Voorbeeld pagina’s</a:t>
-            </a:r>
-          </a:p>
-          <a:p>
-            <a:r>
-              <a:rPr lang="nl-NL" dirty="0" smtClean="0"/>
-              <a:t>Slagen al ingevuld</a:t>
-            </a:r>
-          </a:p>
-          <a:p>
-            <a:pPr lvl="1"/>
-            <a:r>
-              <a:rPr lang="nl-NL" dirty="0" smtClean="0"/>
-              <a:t>MAE-</a:t>
-            </a:r>
-            <a:r>
-              <a:rPr lang="nl-NL" dirty="0" err="1" smtClean="0"/>
-              <a:t>gf</a:t>
-            </a:r>
-            <a:r>
-              <a:rPr lang="nl-NL" dirty="0" smtClean="0"/>
-              <a:t> </a:t>
-            </a:r>
-            <a:r>
-              <a:rPr lang="nl-NL" dirty="0"/>
-              <a:t>(persoonlijke </a:t>
-            </a:r>
-            <a:r>
-              <a:rPr lang="nl-NL" dirty="0" smtClean="0"/>
-              <a:t>verzameling)</a:t>
-            </a:r>
-          </a:p>
-          <a:p>
-            <a:pPr lvl="1"/>
-            <a:r>
-              <a:rPr lang="nl-NL" dirty="0" err="1" smtClean="0"/>
-              <a:t>Whiting</a:t>
-            </a:r>
-            <a:r>
-              <a:rPr lang="nl-NL" dirty="0" smtClean="0"/>
-              <a:t> </a:t>
-            </a:r>
-            <a:r>
-              <a:rPr lang="nl-NL" dirty="0"/>
-              <a:t>index </a:t>
-            </a:r>
-            <a:r>
-              <a:rPr lang="nl-NL" dirty="0" smtClean="0"/>
-              <a:t>(online boek)</a:t>
-            </a:r>
-          </a:p>
-          <a:p>
-            <a:r>
-              <a:rPr lang="nl-NL" dirty="0" smtClean="0"/>
-              <a:t>Slagen zelf kiezen (</a:t>
-            </a:r>
-            <a:r>
-              <a:rPr lang="nl-NL" strike="sngStrike" dirty="0" smtClean="0"/>
-              <a:t>tablet</a:t>
-            </a:r>
-            <a:r>
-              <a:rPr lang="nl-NL" dirty="0" smtClean="0"/>
-              <a:t>)</a:t>
-            </a:r>
-            <a:endParaRPr lang="nl-NL" dirty="0"/>
-          </a:p>
-          <a:p>
-            <a:pPr lvl="1"/>
-            <a:r>
-              <a:rPr lang="nl-NL" dirty="0" err="1" smtClean="0"/>
-              <a:t>Tesselace</a:t>
-            </a:r>
-            <a:r>
-              <a:rPr lang="nl-NL" dirty="0" smtClean="0"/>
-              <a:t> index  (computer gegenereerd)</a:t>
-            </a:r>
-          </a:p>
-          <a:p>
-            <a:pPr lvl="1"/>
-            <a:r>
-              <a:rPr lang="nl-NL" dirty="0" smtClean="0"/>
-              <a:t>Droste effect (draad schema’s als paar schema’s)</a:t>
-            </a:r>
-          </a:p>
-          <a:p>
-            <a:r>
-              <a:rPr lang="nl-NL" dirty="0" smtClean="0"/>
-              <a:t>Overlap tussen de groepen</a:t>
-            </a:r>
-            <a:endParaRPr lang="nl-NL" dirty="0"/>
-          </a:p>
-        </p:txBody>
-      </p:sp>
-      <p:sp>
-        <p:nvSpPr>
-          <p:cNvPr id="4" name="Tijdelijke aanduiding voor dianummer 3"/>
-          <p:cNvSpPr>
-            <a:spLocks noGrp="1"/>
-          </p:cNvSpPr>
-          <p:nvPr>
-            <p:ph type="sldNum" sz="quarter" idx="12"/>
-          </p:nvPr>
-        </p:nvSpPr>
-        <p:spPr/>
-        <p:txBody>
-          <a:bodyPr/>
-          <a:lstStyle/>
-          <a:p>
-            <a:fld id="{A5775961-95EC-4D4B-9423-EAE103D81E9E}" type="slidenum">
-              <a:rPr lang="nl-NL" smtClean="0"/>
-              <a:t>7</a:t>
-            </a:fld>
-            <a:endParaRPr lang="nl-NL"/>
-          </a:p>
-        </p:txBody>
-      </p:sp>
-    </p:spTree>
-    <p:extLst>
-      <p:ext uri="{BB962C8B-B14F-4D97-AF65-F5344CB8AC3E}">
-        <p14:creationId xmlns:p14="http://schemas.microsoft.com/office/powerpoint/2010/main" val="723173163"/>
-      </p:ext>
-    </p:extLst>
-  </p:cSld>
-  <p:clrMapOvr>
-    <a:masterClrMapping/>
-  </p:clrMapOvr>
-  <p:timing>
-    <p:tnLst>
-      <p:par>
-        <p:cTn id="1" dur="indefinite" restart="never" nodeType="tmRoot"/>
-      </p:par>
-    </p:tnLst>
-  </p:timing>
-</p:sld>
-</file>
-
-<file path=ppt/slides/slide8.xml><?xml version="1.0" encoding="utf-8"?>
-<p:sld xmlns:a="http://schemas.openxmlformats.org/drawingml/2006/main" xmlns:r="http://schemas.openxmlformats.org/officeDocument/2006/relationships" xmlns:p="http://schemas.openxmlformats.org/presentationml/2006/main">
-  <p:cSld>
-    <p:spTree>
-      <p:nvGrpSpPr>
-        <p:cNvPr id="1" name=""/>
-        <p:cNvGrpSpPr/>
-        <p:nvPr/>
-      </p:nvGrpSpPr>
-      <p:grpSpPr>
-        <a:xfrm>
-          <a:off x="0" y="0"/>
-          <a:ext cx="0" cy="0"/>
-          <a:chOff x="0" y="0"/>
-          <a:chExt cx="0" cy="0"/>
-        </a:xfrm>
-      </p:grpSpPr>
-      <p:sp>
-        <p:nvSpPr>
-          <p:cNvPr id="2" name="Titel 1"/>
-          <p:cNvSpPr>
-            <a:spLocks noGrp="1"/>
-          </p:cNvSpPr>
-          <p:nvPr>
-            <p:ph type="title"/>
-          </p:nvPr>
-        </p:nvSpPr>
-        <p:spPr/>
-        <p:txBody>
-          <a:bodyPr/>
-          <a:lstStyle/>
-          <a:p>
-            <a:r>
-              <a:rPr lang="nl-NL" dirty="0" err="1" smtClean="0"/>
-              <a:t>GroundForge</a:t>
-            </a:r>
-            <a:endParaRPr lang="nl-NL" dirty="0"/>
-          </a:p>
-        </p:txBody>
-      </p:sp>
-      <p:sp>
-        <p:nvSpPr>
-          <p:cNvPr id="4" name="Tijdelijke aanduiding voor inhoud 3"/>
-          <p:cNvSpPr>
-            <a:spLocks noGrp="1"/>
-          </p:cNvSpPr>
-          <p:nvPr>
-            <p:ph idx="1"/>
-          </p:nvPr>
-        </p:nvSpPr>
-        <p:spPr/>
-        <p:txBody>
-          <a:bodyPr/>
-          <a:lstStyle/>
-          <a:p>
-            <a:pPr marL="0" indent="0">
-              <a:buNone/>
-            </a:pPr>
-            <a:r>
-              <a:rPr lang="nl-NL" dirty="0" smtClean="0"/>
-              <a:t>Voorbeeld pagina’s: </a:t>
-            </a:r>
-            <a:r>
-              <a:rPr lang="nl-NL" dirty="0" err="1" smtClean="0"/>
-              <a:t>Whiting</a:t>
-            </a:r>
-            <a:r>
-              <a:rPr lang="nl-NL" dirty="0" smtClean="0"/>
-              <a:t> Index</a:t>
-            </a:r>
-          </a:p>
-          <a:p>
-            <a:r>
-              <a:rPr lang="nl-NL" dirty="0"/>
-              <a:t>Index op</a:t>
-            </a:r>
-            <a:br>
-              <a:rPr lang="nl-NL" dirty="0"/>
-            </a:br>
-            <a:r>
-              <a:rPr lang="nl-NL" dirty="0"/>
-              <a:t>online boek</a:t>
-            </a:r>
-          </a:p>
-          <a:p>
-            <a:r>
-              <a:rPr lang="nl-NL" dirty="0" smtClean="0"/>
-              <a:t>1920 </a:t>
-            </a:r>
-            <a:r>
-              <a:rPr lang="nl-NL" strike="sngStrike" dirty="0" smtClean="0"/>
-              <a:t>©</a:t>
-            </a:r>
-          </a:p>
-          <a:p>
-            <a:r>
-              <a:rPr lang="nl-NL" dirty="0" smtClean="0"/>
-              <a:t>144 gronden</a:t>
-            </a:r>
-          </a:p>
-          <a:p>
-            <a:r>
-              <a:rPr lang="nl-NL" dirty="0" smtClean="0"/>
-              <a:t>Deels uitgewerkt</a:t>
-            </a:r>
-            <a:endParaRPr lang="nl-NL" dirty="0"/>
-          </a:p>
-        </p:txBody>
-      </p:sp>
-      <p:pic>
-        <p:nvPicPr>
-          <p:cNvPr id="7170" name="Picture 2"/>
-          <p:cNvPicPr>
-            <a:picLocks noChangeAspect="1" noChangeArrowheads="1"/>
-          </p:cNvPicPr>
-          <p:nvPr/>
-        </p:nvPicPr>
-        <p:blipFill>
-          <a:blip r:embed="rId3">
-            <a:extLst>
-              <a:ext uri="{28A0092B-C50C-407E-A947-70E740481C1C}">
-                <a14:useLocalDpi xmlns:a14="http://schemas.microsoft.com/office/drawing/2010/main" val="0"/>
-              </a:ext>
-            </a:extLst>
-          </a:blip>
-          <a:srcRect/>
-          <a:stretch>
-            <a:fillRect/>
-          </a:stretch>
-        </p:blipFill>
-        <p:spPr bwMode="auto">
-          <a:xfrm>
-            <a:off x="3915683" y="2471584"/>
-            <a:ext cx="4673233" cy="3868643"/>
-          </a:xfrm>
-          <a:prstGeom prst="rect">
-            <a:avLst/>
-          </a:prstGeom>
-          <a:noFill/>
-          <a:ln>
-            <a:noFill/>
-          </a:ln>
-          <a:extLst>
-            <a:ext uri="{909E8E84-426E-40DD-AFC4-6F175D3DCCD1}">
-              <a14:hiddenFill xmlns:a14="http://schemas.microsoft.com/office/drawing/2010/main">
-                <a:solidFill>
-                  <a:schemeClr val="accent1"/>
-                </a:solidFill>
-              </a14:hiddenFill>
-            </a:ext>
-            <a:ext uri="{91240B29-F687-4F45-9708-019B960494DF}">
-              <a14:hiddenLine xmlns:a14="http://schemas.microsoft.com/office/drawing/2010/main" w="9525">
-                <a:solidFill>
-                  <a:schemeClr val="tx1"/>
-                </a:solidFill>
-                <a:miter lim="800000"/>
-                <a:headEnd/>
-                <a:tailEnd/>
-              </a14:hiddenLine>
-            </a:ext>
-          </a:extLst>
-        </p:spPr>
-      </p:pic>
-      <p:sp>
-        <p:nvSpPr>
-          <p:cNvPr id="3" name="Tijdelijke aanduiding voor dianummer 2"/>
-          <p:cNvSpPr>
-            <a:spLocks noGrp="1"/>
-          </p:cNvSpPr>
-          <p:nvPr>
-            <p:ph type="sldNum" sz="quarter" idx="12"/>
-          </p:nvPr>
-        </p:nvSpPr>
-        <p:spPr/>
-        <p:txBody>
-          <a:bodyPr/>
-          <a:lstStyle/>
-          <a:p>
-            <a:fld id="{A5775961-95EC-4D4B-9423-EAE103D81E9E}" type="slidenum">
-              <a:rPr lang="nl-NL" smtClean="0"/>
-              <a:t>8</a:t>
-            </a:fld>
-            <a:endParaRPr lang="nl-NL"/>
-          </a:p>
-        </p:txBody>
-      </p:sp>
-    </p:spTree>
-    <p:extLst>
-      <p:ext uri="{BB962C8B-B14F-4D97-AF65-F5344CB8AC3E}">
-        <p14:creationId xmlns:p14="http://schemas.microsoft.com/office/powerpoint/2010/main" val="1549093198"/>
-      </p:ext>
-    </p:extLst>
-  </p:cSld>
-  <p:clrMapOvr>
-    <a:masterClrMapping/>
-  </p:clrMapOvr>
-  <p:timing>
-    <p:tnLst>
-      <p:par>
-        <p:cTn id="1" dur="indefinite" restart="never" nodeType="tmRoot"/>
-      </p:par>
-    </p:tnLst>
-  </p:timing>
-</p:sld>
-</file>
-
 <file path=ppt/slides/slide9.xml><?xml version="1.0" encoding="utf-8"?>
 <p:sld xmlns:a="http://schemas.openxmlformats.org/drawingml/2006/main" xmlns:r="http://schemas.openxmlformats.org/officeDocument/2006/relationships" xmlns:p="http://schemas.openxmlformats.org/presentationml/2006/main">
   <p:cSld>
@@ -14000,7 +16129,7 @@
       </p:sp>
       <p:sp>
         <p:nvSpPr>
-          <p:cNvPr id="4" name="Tijdelijke aanduiding voor inhoud 3"/>
+          <p:cNvPr id="3" name="Tijdelijke aanduiding voor inhoud 2"/>
           <p:cNvSpPr>
             <a:spLocks noGrp="1"/>
           </p:cNvSpPr>
@@ -14019,89 +16148,105 @@
               <a:buNone/>
             </a:pPr>
             <a:r>
+              <a:rPr lang="nl-NL" dirty="0" smtClean="0">
+                <a:effectLst/>
+              </a:rPr>
+              <a:t>Voorbeeld pagina’s</a:t>
+            </a:r>
+          </a:p>
+          <a:p>
+            <a:r>
               <a:rPr lang="nl-NL" dirty="0" smtClean="0"/>
-              <a:t>Voorbeeld pagina’s: </a:t>
-            </a:r>
+              <a:t>Slagen al ingevuld</a:t>
+            </a:r>
+          </a:p>
+          <a:p>
+            <a:pPr lvl="1"/>
+            <a:r>
+              <a:rPr lang="nl-NL" dirty="0" smtClean="0"/>
+              <a:t>MAE-</a:t>
+            </a:r>
+            <a:r>
+              <a:rPr lang="nl-NL" dirty="0" err="1" smtClean="0"/>
+              <a:t>gf</a:t>
+            </a:r>
+            <a:r>
+              <a:rPr lang="nl-NL" dirty="0" smtClean="0"/>
+              <a:t> </a:t>
+            </a:r>
+            <a:r>
+              <a:rPr lang="nl-NL" dirty="0"/>
+              <a:t>(persoonlijke </a:t>
+            </a:r>
+            <a:r>
+              <a:rPr lang="nl-NL" dirty="0" smtClean="0"/>
+              <a:t>verzameling)</a:t>
+            </a:r>
+          </a:p>
+          <a:p>
+            <a:pPr lvl="1"/>
             <a:r>
               <a:rPr lang="nl-NL" dirty="0" err="1" smtClean="0"/>
               <a:t>Whiting</a:t>
             </a:r>
             <a:r>
               <a:rPr lang="nl-NL" dirty="0" smtClean="0"/>
-              <a:t> Index</a:t>
-            </a:r>
-          </a:p>
-          <a:p>
+              <a:t> </a:t>
+            </a:r>
             <a:r>
               <a:rPr lang="nl-NL" dirty="0"/>
-              <a:t>W → door Jo Edkins (UK) losgeknipte pagina </a:t>
-            </a:r>
-          </a:p>
-          <a:p>
+              <a:t>index </a:t>
+            </a:r>
             <a:r>
               <a:rPr lang="nl-NL" dirty="0" smtClean="0"/>
-              <a:t>E6 = nummer regel/kolom → diagrammen</a:t>
-            </a:r>
-          </a:p>
-        </p:txBody>
-      </p:sp>
-      <p:pic>
-        <p:nvPicPr>
-          <p:cNvPr id="15366" name="Picture 6"/>
-          <p:cNvPicPr>
-            <a:picLocks noChangeAspect="1" noChangeArrowheads="1"/>
-          </p:cNvPicPr>
-          <p:nvPr/>
-        </p:nvPicPr>
-        <p:blipFill>
-          <a:blip r:embed="rId3">
-            <a:extLst>
-              <a:ext uri="{28A0092B-C50C-407E-A947-70E740481C1C}">
-                <a14:useLocalDpi xmlns:a14="http://schemas.microsoft.com/office/drawing/2010/main" val="0"/>
-              </a:ext>
-            </a:extLst>
-          </a:blip>
-          <a:srcRect/>
-          <a:stretch>
-            <a:fillRect/>
-          </a:stretch>
-        </p:blipFill>
-        <p:spPr bwMode="auto">
-          <a:xfrm>
-            <a:off x="1259632" y="3318383"/>
-            <a:ext cx="6120680" cy="2674351"/>
-          </a:xfrm>
-          <a:prstGeom prst="rect">
-            <a:avLst/>
-          </a:prstGeom>
-          <a:noFill/>
-          <a:ln>
-            <a:noFill/>
-          </a:ln>
-          <a:extLst>
-            <a:ext uri="{909E8E84-426E-40DD-AFC4-6F175D3DCCD1}">
-              <a14:hiddenFill xmlns:a14="http://schemas.microsoft.com/office/drawing/2010/main">
-                <a:solidFill>
-                  <a:schemeClr val="accent1"/>
-                </a:solidFill>
-              </a14:hiddenFill>
-            </a:ext>
-            <a:ext uri="{91240B29-F687-4F45-9708-019B960494DF}">
-              <a14:hiddenLine xmlns:a14="http://schemas.microsoft.com/office/drawing/2010/main" w="9525">
-                <a:solidFill>
-                  <a:schemeClr val="tx1"/>
-                </a:solidFill>
-                <a:miter lim="800000"/>
-                <a:headEnd/>
-                <a:tailEnd/>
-              </a14:hiddenLine>
-            </a:ext>
-          </a:extLst>
-        </p:spPr>
-      </p:pic>
-      <p:sp>
-        <p:nvSpPr>
-          <p:cNvPr id="3" name="Tijdelijke aanduiding voor dianummer 2"/>
+              <a:t>(online boek)</a:t>
+            </a:r>
+          </a:p>
+          <a:p>
+            <a:r>
+              <a:rPr lang="nl-NL" dirty="0" smtClean="0"/>
+              <a:t>Slagen zelf kiezen (</a:t>
+            </a:r>
+            <a:r>
+              <a:rPr lang="nl-NL" strike="sngStrike" dirty="0" smtClean="0"/>
+              <a:t>tablet</a:t>
+            </a:r>
+            <a:r>
+              <a:rPr lang="nl-NL" dirty="0" smtClean="0"/>
+              <a:t>)</a:t>
+            </a:r>
+            <a:endParaRPr lang="nl-NL" dirty="0"/>
+          </a:p>
+          <a:p>
+            <a:pPr lvl="1"/>
+            <a:r>
+              <a:rPr lang="nl-NL" dirty="0" err="1" smtClean="0"/>
+              <a:t>Tesselace</a:t>
+            </a:r>
+            <a:r>
+              <a:rPr lang="nl-NL" dirty="0" smtClean="0"/>
+              <a:t> index  (computer gegenereerd)</a:t>
+            </a:r>
+          </a:p>
+          <a:p>
+            <a:pPr lvl="1"/>
+            <a:r>
+              <a:rPr lang="nl-NL" dirty="0" smtClean="0"/>
+              <a:t>Droste effect (draad schema’s als paar schema’s)</a:t>
+            </a:r>
+          </a:p>
+          <a:p>
+            <a:r>
+              <a:rPr lang="nl-NL" dirty="0" smtClean="0"/>
+              <a:t>Overlap tussen de groepen</a:t>
+            </a:r>
+            <a:endParaRPr lang="nl-NL" dirty="0"/>
+          </a:p>
+        </p:txBody>
+      </p:sp>
+      <p:sp>
+        <p:nvSpPr>
+          <p:cNvPr id="4" name="Tijdelijke aanduiding voor dianummer 3"/>
           <p:cNvSpPr>
             <a:spLocks noGrp="1"/>
           </p:cNvSpPr>
@@ -14122,230 +16267,10 @@
           </a:p>
         </p:txBody>
       </p:sp>
-      <p:sp>
-        <p:nvSpPr>
-          <p:cNvPr id="8" name="Tijdelijke aanduiding voor inhoud 3"/>
-          <p:cNvSpPr txBox="1">
-            <a:spLocks/>
-          </p:cNvSpPr>
-          <p:nvPr/>
-        </p:nvSpPr>
-        <p:spPr>
-          <a:xfrm>
-            <a:off x="590616" y="5941591"/>
-            <a:ext cx="8229600" cy="560686"/>
-          </a:xfrm>
-          <a:prstGeom prst="rect">
-            <a:avLst/>
-          </a:prstGeom>
-        </p:spPr>
-        <p:txBody>
-          <a:bodyPr vert="horz" lIns="91440" tIns="45720" rIns="91440" bIns="45720" rtlCol="0">
-            <a:normAutofit lnSpcReduction="10000"/>
-          </a:bodyPr>
-          <a:lstStyle>
-            <a:lvl1pPr marL="342900" indent="-342900" algn="l" defTabSz="914400" rtl="0" eaLnBrk="1" latinLnBrk="0" hangingPunct="1">
-              <a:spcBef>
-                <a:spcPct val="20000"/>
-              </a:spcBef>
-              <a:buFont typeface="Arial" panose="020B0604020202020204" pitchFamily="34" charset="0"/>
-              <a:buChar char="•"/>
-              <a:defRPr sz="3200" kern="1200">
-                <a:solidFill>
-                  <a:schemeClr val="tx1"/>
-                </a:solidFill>
-                <a:latin typeface="+mn-lt"/>
-                <a:ea typeface="+mn-ea"/>
-                <a:cs typeface="+mn-cs"/>
-              </a:defRPr>
-            </a:lvl1pPr>
-            <a:lvl2pPr marL="742950" indent="-285750" algn="l" defTabSz="914400" rtl="0" eaLnBrk="1" latinLnBrk="0" hangingPunct="1">
-              <a:spcBef>
-                <a:spcPct val="20000"/>
-              </a:spcBef>
-              <a:buFont typeface="Arial" panose="020B0604020202020204" pitchFamily="34" charset="0"/>
-              <a:buChar char="–"/>
-              <a:defRPr sz="2800" kern="1200">
-                <a:solidFill>
-                  <a:schemeClr val="tx1"/>
-                </a:solidFill>
-                <a:latin typeface="+mn-lt"/>
-                <a:ea typeface="+mn-ea"/>
-                <a:cs typeface="+mn-cs"/>
-              </a:defRPr>
-            </a:lvl2pPr>
-            <a:lvl3pPr marL="1143000" indent="-228600" algn="l" defTabSz="914400" rtl="0" eaLnBrk="1" latinLnBrk="0" hangingPunct="1">
-              <a:spcBef>
-                <a:spcPct val="20000"/>
-              </a:spcBef>
-              <a:buFont typeface="Arial" panose="020B0604020202020204" pitchFamily="34" charset="0"/>
-              <a:buChar char="•"/>
-              <a:defRPr sz="2400" kern="1200">
-                <a:solidFill>
-                  <a:schemeClr val="tx1"/>
-                </a:solidFill>
-                <a:latin typeface="+mn-lt"/>
-                <a:ea typeface="+mn-ea"/>
-                <a:cs typeface="+mn-cs"/>
-              </a:defRPr>
-            </a:lvl3pPr>
-            <a:lvl4pPr marL="1600200" indent="-228600" algn="l" defTabSz="914400" rtl="0" eaLnBrk="1" latinLnBrk="0" hangingPunct="1">
-              <a:spcBef>
-                <a:spcPct val="20000"/>
-              </a:spcBef>
-              <a:buFont typeface="Arial" panose="020B0604020202020204" pitchFamily="34" charset="0"/>
-              <a:buChar char="–"/>
-              <a:defRPr sz="2000" kern="1200">
-                <a:solidFill>
-                  <a:schemeClr val="tx1"/>
-                </a:solidFill>
-                <a:latin typeface="+mn-lt"/>
-                <a:ea typeface="+mn-ea"/>
-                <a:cs typeface="+mn-cs"/>
-              </a:defRPr>
-            </a:lvl4pPr>
-            <a:lvl5pPr marL="2057400" indent="-228600" algn="l" defTabSz="914400" rtl="0" eaLnBrk="1" latinLnBrk="0" hangingPunct="1">
-              <a:spcBef>
-                <a:spcPct val="20000"/>
-              </a:spcBef>
-              <a:buFont typeface="Arial" panose="020B0604020202020204" pitchFamily="34" charset="0"/>
-              <a:buChar char="»"/>
-              <a:defRPr sz="2000" kern="1200">
-                <a:solidFill>
-                  <a:schemeClr val="tx1"/>
-                </a:solidFill>
-                <a:latin typeface="+mn-lt"/>
-                <a:ea typeface="+mn-ea"/>
-                <a:cs typeface="+mn-cs"/>
-              </a:defRPr>
-            </a:lvl5pPr>
-            <a:lvl6pPr marL="2514600" indent="-228600" algn="l" defTabSz="914400" rtl="0" eaLnBrk="1" latinLnBrk="0" hangingPunct="1">
-              <a:spcBef>
-                <a:spcPct val="20000"/>
-              </a:spcBef>
-              <a:buFont typeface="Arial" panose="020B0604020202020204" pitchFamily="34" charset="0"/>
-              <a:buChar char="•"/>
-              <a:defRPr sz="2000" kern="1200">
-                <a:solidFill>
-                  <a:schemeClr val="tx1"/>
-                </a:solidFill>
-                <a:latin typeface="+mn-lt"/>
-                <a:ea typeface="+mn-ea"/>
-                <a:cs typeface="+mn-cs"/>
-              </a:defRPr>
-            </a:lvl6pPr>
-            <a:lvl7pPr marL="2971800" indent="-228600" algn="l" defTabSz="914400" rtl="0" eaLnBrk="1" latinLnBrk="0" hangingPunct="1">
-              <a:spcBef>
-                <a:spcPct val="20000"/>
-              </a:spcBef>
-              <a:buFont typeface="Arial" panose="020B0604020202020204" pitchFamily="34" charset="0"/>
-              <a:buChar char="•"/>
-              <a:defRPr sz="2000" kern="1200">
-                <a:solidFill>
-                  <a:schemeClr val="tx1"/>
-                </a:solidFill>
-                <a:latin typeface="+mn-lt"/>
-                <a:ea typeface="+mn-ea"/>
-                <a:cs typeface="+mn-cs"/>
-              </a:defRPr>
-            </a:lvl7pPr>
-            <a:lvl8pPr marL="3429000" indent="-228600" algn="l" defTabSz="914400" rtl="0" eaLnBrk="1" latinLnBrk="0" hangingPunct="1">
-              <a:spcBef>
-                <a:spcPct val="20000"/>
-              </a:spcBef>
-              <a:buFont typeface="Arial" panose="020B0604020202020204" pitchFamily="34" charset="0"/>
-              <a:buChar char="•"/>
-              <a:defRPr sz="2000" kern="1200">
-                <a:solidFill>
-                  <a:schemeClr val="tx1"/>
-                </a:solidFill>
-                <a:latin typeface="+mn-lt"/>
-                <a:ea typeface="+mn-ea"/>
-                <a:cs typeface="+mn-cs"/>
-              </a:defRPr>
-            </a:lvl8pPr>
-            <a:lvl9pPr marL="3886200" indent="-228600" algn="l" defTabSz="914400" rtl="0" eaLnBrk="1" latinLnBrk="0" hangingPunct="1">
-              <a:spcBef>
-                <a:spcPct val="20000"/>
-              </a:spcBef>
-              <a:buFont typeface="Arial" panose="020B0604020202020204" pitchFamily="34" charset="0"/>
-              <a:buChar char="•"/>
-              <a:defRPr sz="2000" kern="1200">
-                <a:solidFill>
-                  <a:schemeClr val="tx1"/>
-                </a:solidFill>
-                <a:latin typeface="+mn-lt"/>
-                <a:ea typeface="+mn-ea"/>
-                <a:cs typeface="+mn-cs"/>
-              </a:defRPr>
-            </a:lvl9pPr>
-          </a:lstStyle>
-          <a:p>
-            <a:r>
-              <a:rPr lang="nl-NL" dirty="0" smtClean="0"/>
-              <a:t>Kleuren van draden zelf aan te passen</a:t>
-            </a:r>
-          </a:p>
-        </p:txBody>
-      </p:sp>
-      <p:pic>
-        <p:nvPicPr>
-          <p:cNvPr id="9" name="Picture 2"/>
-          <p:cNvPicPr>
-            <a:picLocks noChangeAspect="1" noChangeArrowheads="1"/>
-          </p:cNvPicPr>
-          <p:nvPr/>
-        </p:nvPicPr>
-        <p:blipFill>
-          <a:blip r:embed="rId4">
-            <a:extLst>
-              <a:ext uri="{28A0092B-C50C-407E-A947-70E740481C1C}">
-                <a14:useLocalDpi xmlns:a14="http://schemas.microsoft.com/office/drawing/2010/main" val="0"/>
-              </a:ext>
-            </a:extLst>
-          </a:blip>
-          <a:srcRect/>
-          <a:stretch>
-            <a:fillRect/>
-          </a:stretch>
-        </p:blipFill>
-        <p:spPr bwMode="auto">
-          <a:xfrm>
-            <a:off x="6838925" y="332656"/>
-            <a:ext cx="1428750" cy="1933575"/>
-          </a:xfrm>
-          <a:prstGeom prst="rect">
-            <a:avLst/>
-          </a:prstGeom>
-          <a:noFill/>
-          <a:ln>
-            <a:noFill/>
-          </a:ln>
-          <a:extLst>
-            <a:ext uri="{909E8E84-426E-40DD-AFC4-6F175D3DCCD1}">
-              <a14:hiddenFill xmlns:a14="http://schemas.microsoft.com/office/drawing/2010/main">
-                <a:solidFill>
-                  <a:schemeClr val="accent1"/>
-                </a:solidFill>
-              </a14:hiddenFill>
-            </a:ext>
-            <a:ext uri="{91240B29-F687-4F45-9708-019B960494DF}">
-              <a14:hiddenLine xmlns:a14="http://schemas.microsoft.com/office/drawing/2010/main" w="9525">
-                <a:solidFill>
-                  <a:schemeClr val="tx1"/>
-                </a:solidFill>
-                <a:miter lim="800000"/>
-                <a:headEnd/>
-                <a:tailEnd/>
-              </a14:hiddenLine>
-            </a:ext>
-          </a:extLst>
-        </p:spPr>
-      </p:pic>
     </p:spTree>
     <p:extLst>
       <p:ext uri="{BB962C8B-B14F-4D97-AF65-F5344CB8AC3E}">
-        <p14:creationId xmlns:p14="http://schemas.microsoft.com/office/powerpoint/2010/main" val="2892508582"/>
+        <p14:creationId xmlns:p14="http://schemas.microsoft.com/office/powerpoint/2010/main" val="723173163"/>
       </p:ext>
     </p:extLst>
   </p:cSld>

--- a/docs/help/NL.pptx
+++ b/docs/help/NL.pptx
@@ -214,7 +214,7 @@
           <a:p>
             <a:fld id="{191DB269-8995-49D8-A4B0-9411C7010620}" type="datetimeFigureOut">
               <a:rPr lang="nl-NL" smtClean="0"/>
-              <a:t>24-3-2018</a:t>
+              <a:t>25-3-2018</a:t>
             </a:fld>
             <a:endParaRPr lang="nl-NL"/>
           </a:p>
@@ -379,7 +379,7 @@
           <a:p>
             <a:fld id="{A74490FB-0058-431C-B3E7-EBBA4B708E40}" type="datetimeFigureOut">
               <a:rPr lang="nl-NL" smtClean="0"/>
-              <a:t>24-3-2018</a:t>
+              <a:t>25-3-2018</a:t>
             </a:fld>
             <a:endParaRPr lang="nl-NL"/>
           </a:p>
@@ -890,8 +890,17 @@
               <a:rPr lang="nl-NL" baseline="0" dirty="0" smtClean="0">
                 <a:effectLst/>
               </a:rPr>
-              <a:t>In diverse online archieven beschikbaar</a:t>
-            </a:r>
+              <a:t>In diverse online archieven </a:t>
+            </a:r>
+            <a:r>
+              <a:rPr lang="nl-NL" baseline="0" dirty="0" smtClean="0">
+                <a:effectLst/>
+              </a:rPr>
+              <a:t>beschikbaar, het copyright is verlopen.</a:t>
+            </a:r>
+            <a:endParaRPr lang="nl-NL" baseline="0" dirty="0" smtClean="0">
+              <a:effectLst/>
+            </a:endParaRPr>
           </a:p>
           <a:p>
             <a:endParaRPr lang="nl-NL" baseline="0" dirty="0" smtClean="0">
@@ -1168,7 +1177,19 @@
               <a:rPr lang="nl-NL" dirty="0" smtClean="0">
                 <a:effectLst/>
               </a:rPr>
-              <a:t> animatie in de help pagina’s laat de transformatie van de ene variant naar de andere zien.</a:t>
+              <a:t> animatie in </a:t>
+            </a:r>
+            <a:r>
+              <a:rPr lang="nl-NL" dirty="0" smtClean="0">
+                <a:effectLst/>
+              </a:rPr>
+              <a:t>een van de </a:t>
+            </a:r>
+            <a:r>
+              <a:rPr lang="nl-NL" dirty="0" smtClean="0">
+                <a:effectLst/>
+              </a:rPr>
+              <a:t>help pagina’s laat de transformatie van de ene variant naar de andere zien.</a:t>
             </a:r>
             <a:endParaRPr lang="nl-NL" baseline="0" dirty="0" smtClean="0">
               <a:effectLst/>
@@ -1309,30 +1330,15 @@
               <a:rPr lang="nl-NL" i="1" strike="noStrike" baseline="0" dirty="0" smtClean="0">
                 <a:effectLst/>
               </a:rPr>
-              <a:t>Vraag en </a:t>
-            </a:r>
+              <a:t>Vraag en antwoord:</a:t>
+            </a:r>
+          </a:p>
+          <a:p>
             <a:r>
               <a:rPr lang="nl-NL" i="1" strike="noStrike" baseline="0" dirty="0" smtClean="0">
                 <a:effectLst/>
               </a:rPr>
-              <a:t>antwoord:</a:t>
-            </a:r>
-            <a:endParaRPr lang="nl-NL" i="1" strike="noStrike" baseline="0" dirty="0" smtClean="0">
-              <a:effectLst/>
-            </a:endParaRPr>
-          </a:p>
-          <a:p>
-            <a:r>
-              <a:rPr lang="nl-NL" i="1" strike="noStrike" baseline="0" dirty="0" smtClean="0">
-                <a:effectLst/>
-              </a:rPr>
-              <a:t>Hoeveel </a:t>
-            </a:r>
-            <a:r>
-              <a:rPr lang="nl-NL" i="1" strike="noStrike" baseline="0" dirty="0" smtClean="0">
-                <a:effectLst/>
-              </a:rPr>
-              <a:t>voorbeelden zijn er?</a:t>
+              <a:t>Hoeveel voorbeelden zijn er?</a:t>
             </a:r>
           </a:p>
           <a:p>
@@ -1498,66 +1504,13 @@
               <a:rPr lang="nl-NL" baseline="0" dirty="0" smtClean="0">
                 <a:effectLst/>
               </a:rPr>
-              <a:t>Zwarte gegevens worden ingevuld op </a:t>
+              <a:t>Downloaden </a:t>
             </a:r>
             <a:r>
               <a:rPr lang="nl-NL" baseline="0" dirty="0" smtClean="0">
                 <a:effectLst/>
               </a:rPr>
-              <a:t>de hoofdpagina </a:t>
-            </a:r>
-            <a:r>
-              <a:rPr lang="nl-NL" baseline="0" dirty="0" smtClean="0">
-                <a:effectLst/>
-              </a:rPr>
-              <a:t>waar je slagen kunt kiezen</a:t>
-            </a:r>
-          </a:p>
-          <a:p>
-            <a:pPr marL="0" marR="0" indent="0" algn="l" defTabSz="914400" rtl="0" eaLnBrk="1" fontAlgn="auto" latinLnBrk="0" hangingPunct="1">
-              <a:lnSpc>
-                <a:spcPct val="100000"/>
-              </a:lnSpc>
-              <a:spcBef>
-                <a:spcPts val="0"/>
-              </a:spcBef>
-              <a:spcAft>
-                <a:spcPts val="0"/>
-              </a:spcAft>
-              <a:buClrTx/>
-              <a:buSzTx/>
-              <a:buFontTx/>
-              <a:buNone/>
-              <a:tabLst/>
-              <a:defRPr/>
-            </a:pPr>
-            <a:endParaRPr lang="nl-NL" baseline="0" dirty="0" smtClean="0">
-              <a:effectLst/>
-            </a:endParaRPr>
-          </a:p>
-          <a:p>
-            <a:pPr marL="0" marR="0" indent="0" algn="l" defTabSz="914400" rtl="0" eaLnBrk="1" fontAlgn="auto" latinLnBrk="0" hangingPunct="1">
-              <a:lnSpc>
-                <a:spcPct val="100000"/>
-              </a:lnSpc>
-              <a:spcBef>
-                <a:spcPts val="0"/>
-              </a:spcBef>
-              <a:spcAft>
-                <a:spcPts val="0"/>
-              </a:spcAft>
-              <a:buClrTx/>
-              <a:buSzTx/>
-              <a:buFontTx/>
-              <a:buNone/>
-              <a:tabLst/>
-              <a:defRPr/>
-            </a:pPr>
-            <a:r>
-              <a:rPr lang="nl-NL" baseline="0" dirty="0" smtClean="0">
-                <a:effectLst/>
-              </a:rPr>
-              <a:t>Downloaden en </a:t>
+              <a:t>en </a:t>
             </a:r>
             <a:r>
               <a:rPr lang="nl-NL" baseline="0" dirty="0" err="1" smtClean="0">
@@ -1779,13 +1732,7 @@
               <a:rPr lang="nl-NL" dirty="0" smtClean="0">
                 <a:effectLst/>
               </a:rPr>
-              <a:t>Bovenste rij afbeeldingen wat </a:t>
-            </a:r>
-            <a:r>
-              <a:rPr lang="nl-NL" dirty="0" smtClean="0">
-                <a:effectLst/>
-              </a:rPr>
-              <a:t>je</a:t>
+              <a:t>Bovenste rij afbeeldingen wat je</a:t>
             </a:r>
             <a:r>
               <a:rPr lang="nl-NL" baseline="0" dirty="0" smtClean="0">
@@ -1803,56 +1750,32 @@
               <a:rPr lang="nl-NL" baseline="0" dirty="0" smtClean="0">
                 <a:effectLst/>
               </a:rPr>
-              <a:t> </a:t>
-            </a:r>
+              <a:t> krijgt.</a:t>
+            </a:r>
+          </a:p>
+          <a:p>
             <a:r>
               <a:rPr lang="nl-NL" baseline="0" dirty="0" smtClean="0">
                 <a:effectLst/>
               </a:rPr>
-              <a:t>krijgt.</a:t>
-            </a:r>
+              <a:t>Er telkens onder wat je misschien wilt hebben, of een tussenstap.</a:t>
+            </a:r>
+          </a:p>
+          <a:p>
+            <a:r>
+              <a:rPr lang="nl-NL" baseline="0" dirty="0" smtClean="0">
+                <a:effectLst/>
+              </a:rPr>
+              <a:t>Linksonder als in: Kant uit Vlaanderen en ‘s Gravenmoer.</a:t>
+            </a:r>
+          </a:p>
+          <a:p>
             <a:endParaRPr lang="nl-NL" baseline="0" dirty="0" smtClean="0">
               <a:effectLst/>
             </a:endParaRPr>
           </a:p>
           <a:p>
             <a:r>
-              <a:rPr lang="nl-NL" baseline="0" dirty="0" smtClean="0">
-                <a:effectLst/>
-              </a:rPr>
-              <a:t>Er telkens onder </a:t>
-            </a:r>
-            <a:r>
-              <a:rPr lang="nl-NL" baseline="0" dirty="0" smtClean="0">
-                <a:effectLst/>
-              </a:rPr>
-              <a:t>wat je misschien wilt hebben, of een </a:t>
-            </a:r>
-            <a:r>
-              <a:rPr lang="nl-NL" baseline="0" dirty="0" smtClean="0">
-                <a:effectLst/>
-              </a:rPr>
-              <a:t>tussenstap.</a:t>
-            </a:r>
-            <a:endParaRPr lang="nl-NL" baseline="0" dirty="0" smtClean="0">
-              <a:effectLst/>
-            </a:endParaRPr>
-          </a:p>
-          <a:p>
-            <a:r>
-              <a:rPr lang="nl-NL" baseline="0" dirty="0" smtClean="0">
-                <a:effectLst/>
-              </a:rPr>
-              <a:t>Linksonder als in: Kant uit Vlaanderen en ‘s Gravenmoer.</a:t>
-            </a:r>
-          </a:p>
-          <a:p>
-            <a:endParaRPr lang="nl-NL" baseline="0" dirty="0" smtClean="0">
-              <a:effectLst/>
-            </a:endParaRPr>
-          </a:p>
-          <a:p>
-            <a:r>
               <a:rPr lang="nl-NL" i="1" baseline="0" dirty="0" smtClean="0">
                 <a:effectLst/>
               </a:rPr>
@@ -1860,9 +1783,56 @@
             </a:r>
           </a:p>
           <a:p>
-            <a:endParaRPr lang="nl-NL" i="1" baseline="0" dirty="0" smtClean="0">
-              <a:effectLst/>
-            </a:endParaRPr>
+            <a:pPr lvl="1"/>
+            <a:r>
+              <a:rPr lang="nl-NL" i="0" dirty="0" smtClean="0">
+                <a:effectLst/>
+                <a:latin typeface="Consolas" panose="020B0609020204030204" pitchFamily="49" charset="0"/>
+                <a:cs typeface="Consolas" panose="020B0609020204030204" pitchFamily="49" charset="0"/>
+              </a:rPr>
+              <a:t>-</a:t>
+            </a:r>
+            <a:r>
+              <a:rPr lang="nl-NL" i="0" dirty="0" smtClean="0">
+                <a:effectLst/>
+                <a:latin typeface="Consolas" panose="020B0609020204030204" pitchFamily="49" charset="0"/>
+                <a:cs typeface="Consolas" panose="020B0609020204030204" pitchFamily="49" charset="0"/>
+              </a:rPr>
+              <a:t>5--</a:t>
+            </a:r>
+          </a:p>
+          <a:p>
+            <a:pPr lvl="1"/>
+            <a:r>
+              <a:rPr lang="nl-NL" i="0" dirty="0" smtClean="0">
+                <a:effectLst/>
+                <a:latin typeface="Consolas" panose="020B0609020204030204" pitchFamily="49" charset="0"/>
+                <a:cs typeface="Consolas" panose="020B0609020204030204" pitchFamily="49" charset="0"/>
+              </a:rPr>
+              <a:t>B-C-</a:t>
+            </a:r>
+          </a:p>
+          <a:p>
+            <a:pPr lvl="1"/>
+            <a:r>
+              <a:rPr lang="nl-NL" i="0" dirty="0" smtClean="0">
+                <a:effectLst/>
+                <a:latin typeface="Consolas" panose="020B0609020204030204" pitchFamily="49" charset="0"/>
+                <a:cs typeface="Consolas" panose="020B0609020204030204" pitchFamily="49" charset="0"/>
+              </a:rPr>
+              <a:t>-5-5</a:t>
+            </a:r>
+          </a:p>
+          <a:p>
+            <a:pPr lvl="1"/>
+            <a:r>
+              <a:rPr lang="nl-NL" i="0" dirty="0" smtClean="0">
+                <a:effectLst/>
+                <a:latin typeface="Consolas" panose="020B0609020204030204" pitchFamily="49" charset="0"/>
+                <a:cs typeface="Consolas" panose="020B0609020204030204" pitchFamily="49" charset="0"/>
+              </a:rPr>
+              <a:t>5-5-</a:t>
+            </a:r>
           </a:p>
           <a:p>
             <a:pPr marL="0" marR="0" indent="0" algn="l" defTabSz="914400" rtl="0" eaLnBrk="1" fontAlgn="auto" latinLnBrk="0" hangingPunct="1">
@@ -1883,12 +1853,135 @@
               <a:defRPr/>
             </a:pPr>
             <a:r>
-              <a:rPr lang="nl-NL" dirty="0" smtClean="0">
-                <a:hlinkClick r:id="rId3"/>
-              </a:rPr>
-              <a:t>https://d-bl.github.io/GroundForge/index.html?m=-5--%0AB-C-%0A-5-5%0A5-5-%3Bbricks%3B17%3B19%3B0%3B0&amp;s1=ct b1%3Dctptct d1%3Dctptct A2%3Dctpl C2%3Dctpr A4%3Dctl C4%3Dctr D1%3Dctptctt&amp;s2=&amp;s3=</a:t>
-            </a:r>
-            <a:endParaRPr lang="nl-NL" dirty="0" smtClean="0"/>
+              <a:rPr lang="nl-NL" i="1" baseline="0" dirty="0" err="1" smtClean="0">
+                <a:effectLst/>
+              </a:rPr>
+              <a:t>Brick</a:t>
+            </a:r>
+            <a:r>
+              <a:rPr lang="nl-NL" i="1" baseline="0" dirty="0" smtClean="0">
+                <a:effectLst/>
+              </a:rPr>
+              <a:t> (baksteen); </a:t>
+            </a:r>
+            <a:r>
+              <a:rPr lang="nl-NL" i="1" baseline="0" dirty="0" err="1" smtClean="0">
+                <a:effectLst/>
+              </a:rPr>
+              <a:t>Stitches</a:t>
+            </a:r>
+            <a:r>
+              <a:rPr lang="nl-NL" i="1" baseline="0" dirty="0" smtClean="0">
+                <a:effectLst/>
+              </a:rPr>
+              <a:t> (s</a:t>
+            </a:r>
+            <a:r>
+              <a:rPr lang="nl-NL" i="1" dirty="0" smtClean="0">
+                <a:effectLst/>
+              </a:rPr>
+              <a:t>lagen): </a:t>
+            </a:r>
+            <a:r>
+              <a:rPr lang="nl-NL" i="1" dirty="0" err="1" smtClean="0">
+                <a:effectLst/>
+              </a:rPr>
+              <a:t>ct</a:t>
+            </a:r>
+            <a:r>
+              <a:rPr lang="nl-NL" i="1" dirty="0" smtClean="0">
+                <a:effectLst/>
+              </a:rPr>
+              <a:t> b1=</a:t>
+            </a:r>
+            <a:r>
+              <a:rPr lang="nl-NL" i="1" dirty="0" err="1" smtClean="0">
+                <a:effectLst/>
+              </a:rPr>
+              <a:t>ctptct</a:t>
+            </a:r>
+            <a:r>
+              <a:rPr lang="nl-NL" i="1" dirty="0" smtClean="0">
+                <a:effectLst/>
+              </a:rPr>
+              <a:t> d1=</a:t>
+            </a:r>
+            <a:r>
+              <a:rPr lang="nl-NL" i="1" dirty="0" err="1" smtClean="0">
+                <a:effectLst/>
+              </a:rPr>
+              <a:t>ctptct</a:t>
+            </a:r>
+            <a:r>
+              <a:rPr lang="nl-NL" i="1" dirty="0" smtClean="0">
+                <a:effectLst/>
+              </a:rPr>
+              <a:t> A2=</a:t>
+            </a:r>
+            <a:r>
+              <a:rPr lang="nl-NL" i="1" dirty="0" err="1" smtClean="0">
+                <a:effectLst/>
+              </a:rPr>
+              <a:t>ctpl</a:t>
+            </a:r>
+            <a:r>
+              <a:rPr lang="nl-NL" i="1" dirty="0" smtClean="0">
+                <a:effectLst/>
+              </a:rPr>
+              <a:t> C2=</a:t>
+            </a:r>
+            <a:r>
+              <a:rPr lang="nl-NL" i="1" dirty="0" err="1" smtClean="0">
+                <a:effectLst/>
+              </a:rPr>
+              <a:t>ctpr</a:t>
+            </a:r>
+            <a:r>
+              <a:rPr lang="nl-NL" i="1" dirty="0" smtClean="0">
+                <a:effectLst/>
+              </a:rPr>
+              <a:t> A4=</a:t>
+            </a:r>
+            <a:r>
+              <a:rPr lang="nl-NL" i="1" dirty="0" err="1" smtClean="0">
+                <a:effectLst/>
+              </a:rPr>
+              <a:t>ctl</a:t>
+            </a:r>
+            <a:r>
+              <a:rPr lang="nl-NL" i="1" dirty="0" smtClean="0">
+                <a:effectLst/>
+              </a:rPr>
+              <a:t> C4=ctr D1=</a:t>
+            </a:r>
+            <a:r>
+              <a:rPr lang="nl-NL" i="1" dirty="0" err="1" smtClean="0">
+                <a:effectLst/>
+              </a:rPr>
+              <a:t>ctptctt</a:t>
+            </a:r>
+            <a:endParaRPr lang="nl-NL" i="1" dirty="0" smtClean="0">
+              <a:effectLst/>
+            </a:endParaRPr>
+          </a:p>
+          <a:p>
+            <a:endParaRPr lang="nl-NL" i="1" dirty="0" smtClean="0">
+              <a:effectLst/>
+            </a:endParaRPr>
+          </a:p>
+          <a:p>
+            <a:r>
+              <a:rPr lang="nl-NL" i="1" dirty="0" smtClean="0">
+                <a:effectLst/>
+              </a:rPr>
+              <a:t>Alle </a:t>
+            </a:r>
+            <a:r>
+              <a:rPr lang="nl-NL" i="1" dirty="0" smtClean="0">
+                <a:effectLst/>
+              </a:rPr>
+              <a:t>draden zwart, 7 en 10 rood</a:t>
+            </a:r>
           </a:p>
           <a:p>
             <a:endParaRPr lang="nl-NL" i="1" baseline="0" dirty="0" smtClean="0">
@@ -1897,166 +1990,16 @@
           </a:p>
           <a:p>
             <a:r>
-              <a:rPr lang="nl-NL" i="1" baseline="0" dirty="0" err="1" smtClean="0">
-                <a:effectLst/>
-              </a:rPr>
-              <a:t>Brick</a:t>
-            </a:r>
-            <a:r>
               <a:rPr lang="nl-NL" i="1" baseline="0" dirty="0" smtClean="0">
                 <a:effectLst/>
               </a:rPr>
-              <a:t> (baksteen)</a:t>
-            </a:r>
-          </a:p>
-          <a:p>
-            <a:r>
-              <a:rPr lang="nl-NL" i="0" dirty="0" smtClean="0">
-                <a:effectLst/>
-                <a:latin typeface="Consolas" panose="020B0609020204030204" pitchFamily="49" charset="0"/>
-                <a:cs typeface="Consolas" panose="020B0609020204030204" pitchFamily="49" charset="0"/>
-              </a:rPr>
-              <a:t>-5--</a:t>
-            </a:r>
-          </a:p>
-          <a:p>
-            <a:r>
-              <a:rPr lang="nl-NL" i="0" dirty="0" smtClean="0">
-                <a:effectLst/>
-                <a:latin typeface="Consolas" panose="020B0609020204030204" pitchFamily="49" charset="0"/>
-                <a:cs typeface="Consolas" panose="020B0609020204030204" pitchFamily="49" charset="0"/>
-              </a:rPr>
-              <a:t>B-C-</a:t>
-            </a:r>
-          </a:p>
-          <a:p>
-            <a:r>
-              <a:rPr lang="nl-NL" i="0" dirty="0" smtClean="0">
-                <a:effectLst/>
-                <a:latin typeface="Consolas" panose="020B0609020204030204" pitchFamily="49" charset="0"/>
-                <a:cs typeface="Consolas" panose="020B0609020204030204" pitchFamily="49" charset="0"/>
-              </a:rPr>
-              <a:t>-5-5</a:t>
-            </a:r>
-          </a:p>
-          <a:p>
-            <a:r>
-              <a:rPr lang="nl-NL" i="0" dirty="0" smtClean="0">
-                <a:effectLst/>
-                <a:latin typeface="Consolas" panose="020B0609020204030204" pitchFamily="49" charset="0"/>
-                <a:cs typeface="Consolas" panose="020B0609020204030204" pitchFamily="49" charset="0"/>
-              </a:rPr>
-              <a:t>5-5-</a:t>
-            </a:r>
-          </a:p>
-          <a:p>
-            <a:endParaRPr lang="nl-NL" i="1" dirty="0" smtClean="0">
-              <a:effectLst/>
-            </a:endParaRPr>
-          </a:p>
-          <a:p>
-            <a:r>
-              <a:rPr lang="nl-NL" i="1" dirty="0" smtClean="0">
-                <a:effectLst/>
-              </a:rPr>
-              <a:t>Slagen: </a:t>
-            </a:r>
-            <a:r>
-              <a:rPr lang="nl-NL" i="1" dirty="0" err="1" smtClean="0">
-                <a:effectLst/>
-              </a:rPr>
-              <a:t>ct</a:t>
-            </a:r>
-            <a:r>
-              <a:rPr lang="nl-NL" i="1" dirty="0" smtClean="0">
-                <a:effectLst/>
-              </a:rPr>
-              <a:t> b1=</a:t>
-            </a:r>
-            <a:r>
-              <a:rPr lang="nl-NL" i="1" dirty="0" err="1" smtClean="0">
-                <a:effectLst/>
-              </a:rPr>
-              <a:t>ctptct</a:t>
-            </a:r>
-            <a:r>
-              <a:rPr lang="nl-NL" i="1" dirty="0" smtClean="0">
-                <a:effectLst/>
-              </a:rPr>
-              <a:t> d1=</a:t>
-            </a:r>
-            <a:r>
-              <a:rPr lang="nl-NL" i="1" dirty="0" err="1" smtClean="0">
-                <a:effectLst/>
-              </a:rPr>
-              <a:t>ctptct</a:t>
-            </a:r>
-            <a:r>
-              <a:rPr lang="nl-NL" i="1" dirty="0" smtClean="0">
-                <a:effectLst/>
-              </a:rPr>
-              <a:t> A2=</a:t>
-            </a:r>
-            <a:r>
-              <a:rPr lang="nl-NL" i="1" dirty="0" err="1" smtClean="0">
-                <a:effectLst/>
-              </a:rPr>
-              <a:t>ctpl</a:t>
-            </a:r>
-            <a:r>
-              <a:rPr lang="nl-NL" i="1" dirty="0" smtClean="0">
-                <a:effectLst/>
-              </a:rPr>
-              <a:t> C2=</a:t>
-            </a:r>
-            <a:r>
-              <a:rPr lang="nl-NL" i="1" dirty="0" err="1" smtClean="0">
-                <a:effectLst/>
-              </a:rPr>
-              <a:t>ctpr</a:t>
-            </a:r>
-            <a:r>
-              <a:rPr lang="nl-NL" i="1" dirty="0" smtClean="0">
-                <a:effectLst/>
-              </a:rPr>
-              <a:t> A4=</a:t>
-            </a:r>
-            <a:r>
-              <a:rPr lang="nl-NL" i="1" dirty="0" err="1" smtClean="0">
-                <a:effectLst/>
-              </a:rPr>
-              <a:t>ctl</a:t>
-            </a:r>
-            <a:r>
-              <a:rPr lang="nl-NL" i="1" dirty="0" smtClean="0">
-                <a:effectLst/>
-              </a:rPr>
-              <a:t> C4=ctr D1=</a:t>
-            </a:r>
-            <a:r>
-              <a:rPr lang="nl-NL" i="1" dirty="0" err="1" smtClean="0">
-                <a:effectLst/>
-              </a:rPr>
-              <a:t>ctptctt</a:t>
-            </a:r>
-            <a:endParaRPr lang="nl-NL" i="1" dirty="0" smtClean="0">
-              <a:effectLst/>
-            </a:endParaRPr>
-          </a:p>
-          <a:p>
-            <a:r>
-              <a:rPr lang="nl-NL" i="1" dirty="0" smtClean="0">
-                <a:effectLst/>
-              </a:rPr>
-              <a:t>Alle draden zwart, 7 en 10 rood</a:t>
-            </a:r>
-          </a:p>
-          <a:p>
+              <a:t>Probeer </a:t>
+            </a:r>
             <a:r>
               <a:rPr lang="nl-NL" i="1" baseline="0" dirty="0" smtClean="0">
                 <a:effectLst/>
               </a:rPr>
-              <a:t>Probeer ook eens een dubbelle  </a:t>
+              <a:t>ook eens een dubbelle  </a:t>
             </a:r>
             <a:r>
               <a:rPr lang="nl-NL" i="1" baseline="0" dirty="0" err="1" smtClean="0">
@@ -2461,30 +2404,23 @@
           </a:p>
           <a:p>
             <a:r>
-              <a:rPr lang="nl-NL" i="1" baseline="0" dirty="0" smtClean="0">
-                <a:effectLst/>
-              </a:rPr>
-              <a:t>Vraag en antwoord:</a:t>
-            </a:r>
-            <a:endParaRPr lang="nl-NL" i="1" baseline="0" dirty="0">
-              <a:effectLst/>
-            </a:endParaRPr>
-          </a:p>
-          <a:p>
-            <a:r>
-              <a:rPr lang="nl-NL" i="1" dirty="0" smtClean="0"/>
-              <a:t>Horizontale of verticale verbinding zijn één of twee hokjes lang.</a:t>
-            </a:r>
-          </a:p>
-          <a:p>
-            <a:r>
-              <a:rPr lang="nl-NL" i="1" dirty="0" smtClean="0"/>
+              <a:rPr lang="nl-NL" i="0" dirty="0" smtClean="0"/>
+              <a:t>Horizontale </a:t>
+            </a:r>
+            <a:r>
+              <a:rPr lang="nl-NL" i="0" dirty="0" smtClean="0"/>
+              <a:t>of verticale verbinding zijn één of twee hokjes lang.</a:t>
+            </a:r>
+          </a:p>
+          <a:p>
+            <a:r>
+              <a:rPr lang="nl-NL" i="0" dirty="0" smtClean="0"/>
               <a:t>Diagonale verbindingen zijn altijd één hokje.</a:t>
             </a:r>
           </a:p>
           <a:p>
             <a:r>
-              <a:rPr lang="nl-NL" i="1" dirty="0" smtClean="0"/>
+              <a:rPr lang="nl-NL" i="0" dirty="0" smtClean="0"/>
               <a:t>Boven (C) en (B) is eigenlijk ook nog een (-) nodig</a:t>
             </a:r>
           </a:p>
@@ -3306,67 +3242,58 @@
           </a:p>
           <a:p>
             <a:r>
-              <a:rPr lang="nl-NL" i="1" dirty="0"/>
-              <a:t>Vragen en antwoorden</a:t>
-            </a:r>
-          </a:p>
-          <a:p>
-            <a:endParaRPr lang="nl-NL" i="1" dirty="0"/>
-          </a:p>
-          <a:p>
-            <a:r>
-              <a:rPr lang="nl-NL" i="1" dirty="0"/>
+              <a:rPr lang="nl-NL" i="0" dirty="0" smtClean="0"/>
               <a:t>Icoontjes </a:t>
             </a:r>
             <a:r>
-              <a:rPr lang="nl-NL" i="1" dirty="0" smtClean="0"/>
+              <a:rPr lang="nl-NL" i="0" dirty="0" smtClean="0"/>
               <a:t>in de voetregel van de hoofdpagina geven </a:t>
             </a:r>
             <a:r>
-              <a:rPr lang="nl-NL" i="1" dirty="0"/>
+              <a:rPr lang="nl-NL" i="0" dirty="0"/>
               <a:t>aan hoe geschikt bepaalde browsers en apparaten zijn</a:t>
             </a:r>
           </a:p>
           <a:p>
-            <a:endParaRPr lang="nl-NL" i="1" dirty="0"/>
-          </a:p>
-          <a:p>
-            <a:r>
-              <a:rPr lang="nl-NL" i="1" dirty="0"/>
+            <a:endParaRPr lang="nl-NL" i="0" dirty="0"/>
+          </a:p>
+          <a:p>
+            <a:r>
+              <a:rPr lang="nl-NL" i="0" dirty="0"/>
               <a:t>Aanraakschermen hebben geen muis voor help-info als je ergens boven zweeft</a:t>
             </a:r>
           </a:p>
           <a:p>
             <a:r>
-              <a:rPr lang="nl-NL" i="1" dirty="0"/>
+              <a:rPr lang="nl-NL" i="0" dirty="0"/>
               <a:t>Internet Explorer (11) heeft een bug waardoor je gekke effecten krijgt.</a:t>
             </a:r>
           </a:p>
           <a:p>
-            <a:endParaRPr lang="nl-NL" i="1" dirty="0"/>
-          </a:p>
-          <a:p>
-            <a:r>
-              <a:rPr lang="nl-NL" i="1" dirty="0"/>
+            <a:endParaRPr lang="nl-NL" i="0" dirty="0"/>
+          </a:p>
+          <a:p>
+            <a:r>
+              <a:rPr lang="nl-NL" i="0" dirty="0"/>
               <a:t>Release </a:t>
             </a:r>
             <a:r>
-              <a:rPr lang="nl-NL" i="1" dirty="0" err="1"/>
+              <a:rPr lang="nl-NL" i="0" dirty="0" err="1"/>
               <a:t>notes</a:t>
             </a:r>
             <a:r>
-              <a:rPr lang="nl-NL" i="1" dirty="0"/>
+              <a:rPr lang="nl-NL" i="0" dirty="0"/>
               <a:t> somt van tijd tot tijd de wijzigingen op</a:t>
             </a:r>
           </a:p>
           <a:p>
             <a:r>
-              <a:rPr lang="nl-NL" i="1" dirty="0"/>
+              <a:rPr lang="nl-NL" i="0" dirty="0"/>
               <a:t>Is zelden helemaal bij</a:t>
             </a:r>
           </a:p>
           <a:p>
-            <a:endParaRPr lang="nl-NL" strike="sngStrike" dirty="0" smtClean="0"/>
+            <a:endParaRPr lang="nl-NL" i="0" strike="sngStrike" dirty="0" smtClean="0"/>
           </a:p>
         </p:txBody>
       </p:sp>
@@ -3587,27 +3514,11 @@
             </a:pPr>
             <a:r>
               <a:rPr lang="nl-NL" dirty="0" smtClean="0"/>
-              <a:t>Kantklossen was vaak een oefenonderwerp om nieuwe programmeertalen onder de knie te krijgen</a:t>
-            </a:r>
-            <a:r>
-              <a:rPr lang="nl-NL" dirty="0" smtClean="0"/>
-              <a:t>. Rode </a:t>
-            </a:r>
-            <a:r>
-              <a:rPr lang="nl-NL" dirty="0" smtClean="0"/>
-              <a:t>draad daarbij: draad schema’s genereren uit paar schema’s</a:t>
-            </a:r>
-            <a:r>
-              <a:rPr lang="nl-NL" dirty="0" smtClean="0"/>
-              <a:t>. </a:t>
+              <a:t>Kantklossen was vaak een oefenonderwerp om nieuwe programmeertalen onder de knie te krijgen. Rode draad daarbij: draad schema’s genereren uit paar schema’s. </a:t>
             </a:r>
             <a:r>
               <a:rPr lang="nl-NL" baseline="0" dirty="0" smtClean="0"/>
-              <a:t>Doel</a:t>
-            </a:r>
-            <a:r>
-              <a:rPr lang="nl-NL" baseline="0" dirty="0" smtClean="0"/>
-              <a:t>: effect voor contrasterende draden onderzoeken</a:t>
+              <a:t>Doel: effect voor contrasterende draden onderzoeken</a:t>
             </a:r>
           </a:p>
           <a:p>
@@ -3630,11 +3541,7 @@
           <a:p>
             <a:r>
               <a:rPr lang="nl-NL" i="0" dirty="0" smtClean="0"/>
-              <a:t>In </a:t>
-            </a:r>
-            <a:r>
-              <a:rPr lang="nl-NL" i="0" dirty="0" smtClean="0"/>
-              <a:t>de marge van de help pagina vind je de link NL om de presentatie na te lezen</a:t>
+              <a:t>In de marge van de help pagina vind je de link NL om de presentatie na te lezen</a:t>
             </a:r>
           </a:p>
           <a:p>
@@ -3643,13 +3550,8 @@
           <a:p>
             <a:r>
               <a:rPr lang="nl-NL" i="1" dirty="0" smtClean="0"/>
-              <a:t>Vraag en </a:t>
-            </a:r>
-            <a:r>
-              <a:rPr lang="nl-NL" i="1" dirty="0" smtClean="0"/>
-              <a:t>antwoord:</a:t>
-            </a:r>
-            <a:endParaRPr lang="nl-NL" i="1" dirty="0" smtClean="0"/>
+              <a:t>Vraag en antwoord:</a:t>
+            </a:r>
           </a:p>
           <a:p>
             <a:r>
@@ -3763,67 +3665,78 @@
           <a:p>
             <a:r>
               <a:rPr lang="nl-NL" i="1" dirty="0" smtClean="0"/>
-              <a:t>De schermafdrukken gemaakt met:</a:t>
-            </a:r>
-          </a:p>
-          <a:p>
+              <a:t>De schermafdrukken </a:t>
+            </a:r>
+            <a:r>
+              <a:rPr lang="nl-NL" i="1" dirty="0" smtClean="0"/>
+              <a:t>zijn gemaakt op de hoofdpagina gemaakt </a:t>
+            </a:r>
+            <a:r>
+              <a:rPr lang="nl-NL" i="1" dirty="0" smtClean="0"/>
+              <a:t>met</a:t>
+            </a:r>
+            <a:r>
+              <a:rPr lang="nl-NL" i="1" dirty="0" smtClean="0"/>
+              <a:t>:</a:t>
+            </a:r>
+          </a:p>
+          <a:p>
+            <a:pPr lvl="1"/>
             <a:r>
               <a:rPr lang="nl-NL" i="1" dirty="0" smtClean="0">
-                <a:hlinkClick r:id="rId3"/>
-              </a:rPr>
-              <a:t>https</a:t>
-            </a:r>
+                <a:latin typeface="Consolas" panose="020B0609020204030204" pitchFamily="49" charset="0"/>
+                <a:cs typeface="Consolas" panose="020B0609020204030204" pitchFamily="49" charset="0"/>
+              </a:rPr>
+              <a:t>B-C-</a:t>
+            </a:r>
+          </a:p>
+          <a:p>
+            <a:pPr lvl="1"/>
             <a:r>
               <a:rPr lang="nl-NL" i="1" dirty="0" smtClean="0">
-                <a:hlinkClick r:id="rId3"/>
-              </a:rPr>
-              <a:t>://d-bl.github.io/GroundForge/index.html?m=B-C-%0A---5%0AC-B-%0A-5--%3Bchecker%3B22%3B9%3B1%3B0&amp;s1=ct%20A2%3Dcttct%20C4%3Dctct&amp;s2=cross%3Dctc%20twist%3Dctc&amp;s3</a:t>
-            </a:r>
+                <a:latin typeface="Consolas" panose="020B0609020204030204" pitchFamily="49" charset="0"/>
+                <a:cs typeface="Consolas" panose="020B0609020204030204" pitchFamily="49" charset="0"/>
+              </a:rPr>
+              <a:t>---5</a:t>
+            </a:r>
+          </a:p>
+          <a:p>
+            <a:pPr lvl="1"/>
+            <a:r>
+              <a:rPr lang="nl-NL" i="1" dirty="0" smtClean="0">
+                <a:latin typeface="Consolas" panose="020B0609020204030204" pitchFamily="49" charset="0"/>
+                <a:cs typeface="Consolas" panose="020B0609020204030204" pitchFamily="49" charset="0"/>
+              </a:rPr>
+              <a:t>C-B-</a:t>
+            </a:r>
+          </a:p>
+          <a:p>
+            <a:pPr lvl="1"/>
+            <a:r>
+              <a:rPr lang="nl-NL" i="1" dirty="0" smtClean="0">
+                <a:latin typeface="Consolas" panose="020B0609020204030204" pitchFamily="49" charset="0"/>
+                <a:cs typeface="Consolas" panose="020B0609020204030204" pitchFamily="49" charset="0"/>
+              </a:rPr>
+              <a:t>-5—</a:t>
+            </a:r>
+          </a:p>
+          <a:p>
             <a:r>
               <a:rPr lang="nl-NL" i="1" dirty="0" smtClean="0"/>
-              <a:t>= </a:t>
-            </a:r>
-          </a:p>
-          <a:p>
+              <a:t>Checker (schaakbord); </a:t>
+            </a:r>
+            <a:r>
+              <a:rPr lang="nl-NL" i="1" dirty="0" err="1" smtClean="0"/>
+              <a:t>Stitches</a:t>
+            </a:r>
             <a:r>
               <a:rPr lang="nl-NL" i="1" dirty="0" smtClean="0"/>
-              <a:t>Met </a:t>
-            </a:r>
-            <a:r>
-              <a:rPr lang="nl-NL" i="1" dirty="0" smtClean="0"/>
-              <a:t>de kleur voor omkeerslag </a:t>
-            </a:r>
-            <a:r>
-              <a:rPr lang="nl-NL" i="1" baseline="0" dirty="0" smtClean="0"/>
-              <a:t> even vals gespeeld met </a:t>
-            </a:r>
-            <a:r>
-              <a:rPr lang="nl-NL" i="1" baseline="0" dirty="0" err="1" smtClean="0"/>
-              <a:t>ctctc</a:t>
-            </a:r>
-            <a:r>
-              <a:rPr lang="nl-NL" i="1" baseline="0" dirty="0" smtClean="0"/>
-              <a:t> in de parentekening,</a:t>
-            </a:r>
-            <a:endParaRPr lang="nl-NL" i="1" dirty="0" smtClean="0"/>
-          </a:p>
-          <a:p>
-            <a:r>
-              <a:rPr lang="nl-NL" i="1" dirty="0" smtClean="0"/>
-              <a:t> zie </a:t>
-            </a:r>
-            <a:r>
-              <a:rPr lang="nl-NL" i="1" dirty="0" smtClean="0">
-                <a:hlinkClick r:id="rId4"/>
-              </a:rPr>
-              <a:t>https://github.com/d-bl/GroundForge/pull/106</a:t>
-            </a:r>
-            <a:r>
-              <a:rPr lang="nl-NL" i="1" dirty="0" smtClean="0"/>
-              <a:t> </a:t>
-            </a:r>
-          </a:p>
-          <a:p>
+              <a:t> (slagen): ct,A2=cttct,C4=</a:t>
+            </a:r>
+            <a:r>
+              <a:rPr lang="nl-NL" i="1" dirty="0" err="1" smtClean="0"/>
+              <a:t>ctct</a:t>
+            </a:r>
             <a:endParaRPr lang="nl-NL" i="1" dirty="0" smtClean="0"/>
           </a:p>
         </p:txBody>
@@ -4024,40 +3937,16 @@
               <a:rPr lang="nl-NL" i="1" dirty="0" smtClean="0">
                 <a:sym typeface="Wingdings" panose="05000000000000000000" pitchFamily="2" charset="2"/>
               </a:rPr>
-              <a:t>Vraag en </a:t>
-            </a:r>
+              <a:t>Vraag en antwoord:</a:t>
+            </a:r>
+          </a:p>
+          <a:p>
             <a:r>
               <a:rPr lang="nl-NL" i="1" dirty="0" smtClean="0">
                 <a:sym typeface="Wingdings" panose="05000000000000000000" pitchFamily="2" charset="2"/>
               </a:rPr>
-              <a:t>antwoord:</a:t>
-            </a:r>
-            <a:endParaRPr lang="nl-NL" i="1" dirty="0" smtClean="0">
-              <a:sym typeface="Wingdings" panose="05000000000000000000" pitchFamily="2" charset="2"/>
-            </a:endParaRPr>
-          </a:p>
-          <a:p>
-            <a:r>
-              <a:rPr lang="nl-NL" i="1" dirty="0" smtClean="0">
-                <a:sym typeface="Wingdings" panose="05000000000000000000" pitchFamily="2" charset="2"/>
-              </a:rPr>
-              <a:t>Waarom </a:t>
-            </a:r>
-            <a:r>
-              <a:rPr lang="nl-NL" i="1" dirty="0" smtClean="0">
-                <a:sym typeface="Wingdings" panose="05000000000000000000" pitchFamily="2" charset="2"/>
-              </a:rPr>
-              <a:t>in het </a:t>
-            </a:r>
-            <a:r>
-              <a:rPr lang="nl-NL" i="1" dirty="0" smtClean="0">
-                <a:sym typeface="Wingdings" panose="05000000000000000000" pitchFamily="2" charset="2"/>
-              </a:rPr>
-              <a:t>Engels?</a:t>
-            </a:r>
-            <a:endParaRPr lang="nl-NL" i="1" dirty="0" smtClean="0">
-              <a:sym typeface="Wingdings" panose="05000000000000000000" pitchFamily="2" charset="2"/>
-            </a:endParaRPr>
+              <a:t>Waarom in het Engels?</a:t>
+            </a:r>
           </a:p>
           <a:p>
             <a:pPr marL="171450" indent="-171450">
@@ -4530,39 +4419,40 @@
           <a:bodyPr/>
           <a:lstStyle/>
           <a:p>
+            <a:pPr marL="0" marR="0" indent="0" algn="l" defTabSz="914400" rtl="0" eaLnBrk="1" fontAlgn="auto" latinLnBrk="0" hangingPunct="1">
+              <a:lnSpc>
+                <a:spcPct val="100000"/>
+              </a:lnSpc>
+              <a:spcBef>
+                <a:spcPts val="0"/>
+              </a:spcBef>
+              <a:spcAft>
+                <a:spcPts val="0"/>
+              </a:spcAft>
+              <a:buClrTx/>
+              <a:buSzTx/>
+              <a:buFontTx/>
+              <a:buNone/>
+              <a:tabLst/>
+              <a:defRPr/>
+            </a:pPr>
             <a:r>
               <a:rPr lang="nl-NL" baseline="0" dirty="0" smtClean="0">
                 <a:effectLst/>
               </a:rPr>
-              <a:t>De gekozen slagen worden ingevuld in het “</a:t>
-            </a:r>
-            <a:r>
-              <a:rPr lang="nl-NL" baseline="0" dirty="0" err="1" smtClean="0">
-                <a:effectLst/>
-              </a:rPr>
-              <a:t>stitches</a:t>
-            </a:r>
-            <a:r>
-              <a:rPr lang="nl-NL" baseline="0" dirty="0" smtClean="0">
-                <a:effectLst/>
-              </a:rPr>
-              <a:t>” veld op de vorige dia.</a:t>
-            </a:r>
-          </a:p>
-          <a:p>
-            <a:r>
-              <a:rPr lang="nl-NL" baseline="0" dirty="0" smtClean="0">
-                <a:effectLst/>
-              </a:rPr>
-              <a:t>Let op: het hele patroon wordt opnieuw ingevuld,</a:t>
-            </a:r>
-          </a:p>
-          <a:p>
-            <a:r>
-              <a:rPr lang="nl-NL" baseline="0" dirty="0" smtClean="0">
-                <a:effectLst/>
-              </a:rPr>
-              <a:t> dus niet om te variëren op de aangeboden voorbeelden.</a:t>
+              <a:t>Het gekozen patroon bepaalt hoe de rest van het formulier er uit ziet:</a:t>
+            </a:r>
+          </a:p>
+          <a:p>
+            <a:r>
+              <a:rPr lang="nl-NL" dirty="0" smtClean="0"/>
+              <a:t>Linker voorbeeld: bekende om-en-om zonder spelden</a:t>
+            </a:r>
+          </a:p>
+          <a:p>
+            <a:r>
+              <a:rPr lang="nl-NL" dirty="0" smtClean="0"/>
+              <a:t>Rechter voorbeeld: komt verderop op een verrassende manier terug</a:t>
             </a:r>
           </a:p>
           <a:p>
@@ -4575,7 +4465,63 @@
               <a:rPr lang="nl-NL" baseline="0" dirty="0" smtClean="0">
                 <a:effectLst/>
               </a:rPr>
-              <a:t>Het gekozen patroon bepaalt hoe de rest van het formulier er uit ziet.</a:t>
+              <a:t>De </a:t>
+            </a:r>
+            <a:r>
+              <a:rPr lang="nl-NL" baseline="0" dirty="0" smtClean="0">
+                <a:effectLst/>
+              </a:rPr>
+              <a:t>gekozen slagen worden ingevuld in het “</a:t>
+            </a:r>
+            <a:r>
+              <a:rPr lang="nl-NL" baseline="0" dirty="0" err="1" smtClean="0">
+                <a:effectLst/>
+              </a:rPr>
+              <a:t>stitches</a:t>
+            </a:r>
+            <a:r>
+              <a:rPr lang="nl-NL" baseline="0" dirty="0" smtClean="0">
+                <a:effectLst/>
+              </a:rPr>
+              <a:t>” (slagen) </a:t>
+            </a:r>
+            <a:r>
+              <a:rPr lang="nl-NL" baseline="0" dirty="0" smtClean="0">
+                <a:effectLst/>
+              </a:rPr>
+              <a:t>veld op de vorige dia.</a:t>
+            </a:r>
+          </a:p>
+          <a:p>
+            <a:r>
+              <a:rPr lang="nl-NL" baseline="0" dirty="0" smtClean="0">
+                <a:effectLst/>
+              </a:rPr>
+              <a:t>Let op: het hele patroon wordt opnieuw ingevuld</a:t>
+            </a:r>
+            <a:r>
+              <a:rPr lang="nl-NL" baseline="0" dirty="0" smtClean="0">
+                <a:effectLst/>
+              </a:rPr>
+              <a:t>, dit formulier dus </a:t>
+            </a:r>
+            <a:r>
+              <a:rPr lang="nl-NL" baseline="0" dirty="0" smtClean="0">
+                <a:effectLst/>
+              </a:rPr>
+              <a:t>niet </a:t>
+            </a:r>
+            <a:r>
+              <a:rPr lang="nl-NL" baseline="0" dirty="0" smtClean="0">
+                <a:effectLst/>
+              </a:rPr>
+              <a:t>gebruiken om </a:t>
+            </a:r>
+            <a:r>
+              <a:rPr lang="nl-NL" baseline="0" dirty="0" smtClean="0">
+                <a:effectLst/>
+              </a:rPr>
+              <a:t>te variëren op de aangeboden voorbeelden.</a:t>
             </a:r>
           </a:p>
           <a:p>
@@ -4583,27 +4529,16 @@
           </a:p>
           <a:p>
             <a:r>
-              <a:rPr lang="nl-NL" dirty="0"/>
-              <a:t>Linker voorbeeld: bekende om-en-om zonder spelden</a:t>
-            </a:r>
-          </a:p>
-          <a:p>
-            <a:r>
-              <a:rPr lang="nl-NL" dirty="0"/>
-              <a:t>Rechter voorbeeld: komt verderop op een verrassende manier terug</a:t>
-            </a:r>
-          </a:p>
-          <a:p>
-            <a:endParaRPr lang="nl-NL" baseline="0" dirty="0" smtClean="0">
-              <a:effectLst/>
-            </a:endParaRPr>
-          </a:p>
-          <a:p>
-            <a:r>
               <a:rPr lang="nl-NL" baseline="0" dirty="0" smtClean="0">
                 <a:effectLst/>
               </a:rPr>
-              <a:t>Een spiekbriefje laat de code en afbeelding zien van minder triviale (= </a:t>
+              <a:t>Een </a:t>
+            </a:r>
+            <a:r>
+              <a:rPr lang="nl-NL" baseline="0" dirty="0" smtClean="0">
+                <a:effectLst/>
+              </a:rPr>
+              <a:t>spiekbriefje laat de code en afbeelding zien van minder triviale (= </a:t>
             </a:r>
             <a:r>
               <a:rPr lang="nl-NL" baseline="0" dirty="0" err="1" smtClean="0">
@@ -4883,31 +4818,65 @@
               <a:rPr lang="nl-NL" dirty="0" smtClean="0">
                 <a:effectLst/>
               </a:rPr>
-              <a:t>Verschillende (groepen) voorbeeld pagina’s (om het parameters-formulier in te vullen)</a:t>
-            </a:r>
-          </a:p>
-          <a:p>
+              <a:t>Verschillende (groepen) voorbeeld </a:t>
+            </a:r>
+            <a:r>
+              <a:rPr lang="nl-NL" dirty="0" smtClean="0">
+                <a:effectLst/>
+              </a:rPr>
+              <a:t>pagina’s. Links op deze pagina vullen het </a:t>
+            </a:r>
+            <a:r>
+              <a:rPr lang="nl-NL" dirty="0" smtClean="0">
+                <a:effectLst/>
+              </a:rPr>
+              <a:t>parameters-formulier in </a:t>
+            </a:r>
+            <a:r>
+              <a:rPr lang="nl-NL" dirty="0" smtClean="0">
+                <a:effectLst/>
+              </a:rPr>
+              <a:t>van de hoofdpagina.</a:t>
+            </a:r>
             <a:endParaRPr lang="nl-NL" dirty="0" smtClean="0">
               <a:effectLst/>
             </a:endParaRPr>
           </a:p>
           <a:p>
-            <a:r>
-              <a:rPr lang="nl-NL" dirty="0" smtClean="0">
-                <a:effectLst/>
-              </a:rPr>
-              <a:t>Elke groep heeft een eigen invalshoek</a:t>
-            </a:r>
-          </a:p>
-          <a:p>
             <a:endParaRPr lang="nl-NL" dirty="0" smtClean="0">
               <a:effectLst/>
             </a:endParaRPr>
           </a:p>
           <a:p>
             <a:r>
+              <a:rPr lang="nl-NL" dirty="0" smtClean="0">
+                <a:effectLst/>
+              </a:rPr>
+              <a:t>Elke groep heeft een eigen </a:t>
+            </a:r>
+            <a:r>
+              <a:rPr lang="nl-NL" dirty="0" smtClean="0">
+                <a:effectLst/>
+              </a:rPr>
+              <a:t>invalshoek.</a:t>
+            </a:r>
+            <a:endParaRPr lang="nl-NL" dirty="0" smtClean="0">
+              <a:effectLst/>
+            </a:endParaRPr>
+          </a:p>
+          <a:p>
+            <a:endParaRPr lang="nl-NL" dirty="0" smtClean="0">
+              <a:effectLst/>
+            </a:endParaRPr>
+          </a:p>
+          <a:p>
+            <a:r>
               <a:rPr lang="nl-NL" dirty="0" smtClean="0"/>
-              <a:t>Droste heeft een paar voorbeelden waarvan al wel slagen zijn ingevuld</a:t>
+              <a:t>Droste heeft een paar voorbeelden waarvan al wel slagen zijn </a:t>
+            </a:r>
+            <a:r>
+              <a:rPr lang="nl-NL" dirty="0" smtClean="0"/>
+              <a:t>ingevuld.</a:t>
             </a:r>
             <a:endParaRPr lang="nl-NL" dirty="0" smtClean="0">
               <a:effectLst/>
@@ -5132,7 +5101,7 @@
           <a:p>
             <a:fld id="{E342A075-9761-4F6D-8E62-693B12E2A93F}" type="datetime1">
               <a:rPr lang="nl-NL" smtClean="0"/>
-              <a:t>24-3-2018</a:t>
+              <a:t>25-3-2018</a:t>
             </a:fld>
             <a:endParaRPr lang="nl-NL"/>
           </a:p>
@@ -5309,7 +5278,7 @@
           <a:p>
             <a:fld id="{95274BD6-6047-4BE7-A11A-799C5C07C1B9}" type="datetime1">
               <a:rPr lang="nl-NL" smtClean="0"/>
-              <a:t>24-3-2018</a:t>
+              <a:t>25-3-2018</a:t>
             </a:fld>
             <a:endParaRPr lang="nl-NL"/>
           </a:p>
@@ -5489,7 +5458,7 @@
           <a:p>
             <a:fld id="{6C2C6073-FF99-4CA4-ADF2-53D139284B0F}" type="datetime1">
               <a:rPr lang="nl-NL" smtClean="0"/>
-              <a:t>24-3-2018</a:t>
+              <a:t>25-3-2018</a:t>
             </a:fld>
             <a:endParaRPr lang="nl-NL"/>
           </a:p>
@@ -5659,7 +5628,7 @@
           <a:p>
             <a:fld id="{BB83D81E-96EF-4290-8170-748ADAD06D81}" type="datetime1">
               <a:rPr lang="nl-NL" smtClean="0"/>
-              <a:t>24-3-2018</a:t>
+              <a:t>25-3-2018</a:t>
             </a:fld>
             <a:endParaRPr lang="nl-NL"/>
           </a:p>
@@ -5912,7 +5881,7 @@
           <a:p>
             <a:fld id="{C0420608-9111-4307-BDC9-D2BB0906472C}" type="datetime1">
               <a:rPr lang="nl-NL" smtClean="0"/>
-              <a:t>24-3-2018</a:t>
+              <a:t>25-3-2018</a:t>
             </a:fld>
             <a:endParaRPr lang="nl-NL"/>
           </a:p>
@@ -6200,7 +6169,7 @@
           <a:p>
             <a:fld id="{A84E908B-0185-4D61-A5D9-DBFFD136706E}" type="datetime1">
               <a:rPr lang="nl-NL" smtClean="0"/>
-              <a:t>24-3-2018</a:t>
+              <a:t>25-3-2018</a:t>
             </a:fld>
             <a:endParaRPr lang="nl-NL"/>
           </a:p>
@@ -6622,7 +6591,7 @@
           <a:p>
             <a:fld id="{AF24CBA6-5F96-4BD7-976F-CDF48F991EB6}" type="datetime1">
               <a:rPr lang="nl-NL" smtClean="0"/>
-              <a:t>24-3-2018</a:t>
+              <a:t>25-3-2018</a:t>
             </a:fld>
             <a:endParaRPr lang="nl-NL"/>
           </a:p>
@@ -6740,7 +6709,7 @@
           <a:p>
             <a:fld id="{8CA878B4-84FD-4284-B7D0-09A954965A10}" type="datetime1">
               <a:rPr lang="nl-NL" smtClean="0"/>
-              <a:t>24-3-2018</a:t>
+              <a:t>25-3-2018</a:t>
             </a:fld>
             <a:endParaRPr lang="nl-NL"/>
           </a:p>
@@ -6835,7 +6804,7 @@
           <a:p>
             <a:fld id="{8F1648B1-A544-4058-8476-7C7A9902FE15}" type="datetime1">
               <a:rPr lang="nl-NL" smtClean="0"/>
-              <a:t>24-3-2018</a:t>
+              <a:t>25-3-2018</a:t>
             </a:fld>
             <a:endParaRPr lang="nl-NL"/>
           </a:p>
@@ -7112,7 +7081,7 @@
           <a:p>
             <a:fld id="{D039C4CF-B57B-4F53-B350-F1468F1E8012}" type="datetime1">
               <a:rPr lang="nl-NL" smtClean="0"/>
-              <a:t>24-3-2018</a:t>
+              <a:t>25-3-2018</a:t>
             </a:fld>
             <a:endParaRPr lang="nl-NL"/>
           </a:p>
@@ -7369,7 +7338,7 @@
           <a:p>
             <a:fld id="{CF8B7C30-20C8-4009-AD9C-ED95D216EDC4}" type="datetime1">
               <a:rPr lang="nl-NL" smtClean="0"/>
-              <a:t>24-3-2018</a:t>
+              <a:t>25-3-2018</a:t>
             </a:fld>
             <a:endParaRPr lang="nl-NL"/>
           </a:p>
@@ -7582,7 +7551,7 @@
           <a:p>
             <a:fld id="{9D082795-9F52-4849-A817-AF0180A2A2B3}" type="datetime1">
               <a:rPr lang="nl-NL" smtClean="0"/>
-              <a:t>24-3-2018</a:t>
+              <a:t>25-3-2018</a:t>
             </a:fld>
             <a:endParaRPr lang="nl-NL"/>
           </a:p>
@@ -8110,20 +8079,17 @@
           <a:p>
             <a:r>
               <a:rPr lang="nl-NL" dirty="0" smtClean="0"/>
-              <a:t/>
+              <a:t>Door</a:t>
+            </a:r>
+            <a:r>
+              <a:rPr lang="nl-NL" dirty="0" smtClean="0"/>
+              <a:t> Joke Pol</a:t>
             </a:r>
             <a:br>
               <a:rPr lang="nl-NL" dirty="0" smtClean="0"/>
             </a:br>
             <a:r>
               <a:rPr lang="nl-NL" dirty="0" smtClean="0"/>
-              <a:t>Door Joke Pol</a:t>
-            </a:r>
-            <a:br>
-              <a:rPr lang="nl-NL" dirty="0" smtClean="0"/>
-            </a:br>
-            <a:r>
-              <a:rPr lang="nl-NL" dirty="0" smtClean="0"/>
               <a:t>met een inleiding door Marian Tempels</a:t>
             </a:r>
           </a:p>
@@ -8134,7 +8100,7 @@
           <p:cNvPr id="5" name="Tijdelijke aanduiding voor datum 3">
             <a:extLst>
               <a:ext uri="{FF2B5EF4-FFF2-40B4-BE49-F238E27FC236}">
-                <a16:creationId xmlns="" xmlns:a16="http://schemas.microsoft.com/office/drawing/2014/main" id="{B7CD71F2-4AB3-4F82-AC95-779059F13195}"/>
+                <a16:creationId xmlns:a16="http://schemas.microsoft.com/office/drawing/2014/main" xmlns="" id="{B7CD71F2-4AB3-4F82-AC95-779059F13195}"/>
               </a:ext>
             </a:extLst>
           </p:cNvPr>
@@ -8157,7 +8123,7 @@
           <a:p>
             <a:fld id="{C6166A56-2601-4E37-8D8D-05C0420DE125}" type="datetime1">
               <a:rPr lang="nl-NL" smtClean="0"/>
-              <a:t>24-3-2018</a:t>
+              <a:t>25-3-2018</a:t>
             </a:fld>
             <a:endParaRPr lang="nl-NL"/>
           </a:p>
@@ -8168,7 +8134,7 @@
           <p:cNvPr id="6" name="Tijdelijke aanduiding voor voettekst 4">
             <a:extLst>
               <a:ext uri="{FF2B5EF4-FFF2-40B4-BE49-F238E27FC236}">
-                <a16:creationId xmlns="" xmlns:a16="http://schemas.microsoft.com/office/drawing/2014/main" id="{5C6A8BCE-5EC6-40B9-9E2B-345894DAE8ED}"/>
+                <a16:creationId xmlns:a16="http://schemas.microsoft.com/office/drawing/2014/main" xmlns="" id="{5C6A8BCE-5EC6-40B9-9E2B-345894DAE8ED}"/>
               </a:ext>
             </a:extLst>
           </p:cNvPr>
@@ -11997,7 +11963,7 @@
           <p:cNvPr id="4" name="Tijdelijke aanduiding voor datum 3">
             <a:extLst>
               <a:ext uri="{FF2B5EF4-FFF2-40B4-BE49-F238E27FC236}">
-                <a16:creationId xmlns="" xmlns:a16="http://schemas.microsoft.com/office/drawing/2014/main" id="{B7CD71F2-4AB3-4F82-AC95-779059F13195}"/>
+                <a16:creationId xmlns:a16="http://schemas.microsoft.com/office/drawing/2014/main" xmlns="" id="{B7CD71F2-4AB3-4F82-AC95-779059F13195}"/>
               </a:ext>
             </a:extLst>
           </p:cNvPr>
@@ -12015,7 +11981,7 @@
           <a:p>
             <a:fld id="{C6166A56-2601-4E37-8D8D-05C0420DE125}" type="datetime1">
               <a:rPr lang="nl-NL" smtClean="0"/>
-              <a:t>24-3-2018</a:t>
+              <a:t>25-3-2018</a:t>
             </a:fld>
             <a:endParaRPr lang="nl-NL"/>
           </a:p>
@@ -12026,7 +11992,7 @@
           <p:cNvPr id="5" name="Tijdelijke aanduiding voor voettekst 4">
             <a:extLst>
               <a:ext uri="{FF2B5EF4-FFF2-40B4-BE49-F238E27FC236}">
-                <a16:creationId xmlns="" xmlns:a16="http://schemas.microsoft.com/office/drawing/2014/main" id="{5C6A8BCE-5EC6-40B9-9E2B-345894DAE8ED}"/>
+                <a16:creationId xmlns:a16="http://schemas.microsoft.com/office/drawing/2014/main" xmlns="" id="{5C6A8BCE-5EC6-40B9-9E2B-345894DAE8ED}"/>
               </a:ext>
             </a:extLst>
           </p:cNvPr>
@@ -12058,7 +12024,7 @@
           <p:cNvPr id="6" name="Tijdelijke aanduiding voor dianummer 5">
             <a:extLst>
               <a:ext uri="{FF2B5EF4-FFF2-40B4-BE49-F238E27FC236}">
-                <a16:creationId xmlns="" xmlns:a16="http://schemas.microsoft.com/office/drawing/2014/main" id="{CA89F1FE-B156-4B88-A6EE-ED53A7D070D3}"/>
+                <a16:creationId xmlns:a16="http://schemas.microsoft.com/office/drawing/2014/main" xmlns="" id="{CA89F1FE-B156-4B88-A6EE-ED53A7D070D3}"/>
               </a:ext>
             </a:extLst>
           </p:cNvPr>
@@ -12087,7 +12053,7 @@
           <p:cNvPr id="7" name="Tekstvak 6">
             <a:extLst>
               <a:ext uri="{FF2B5EF4-FFF2-40B4-BE49-F238E27FC236}">
-                <a16:creationId xmlns="" xmlns:a16="http://schemas.microsoft.com/office/drawing/2014/main" id="{BADB2CDB-D341-4825-AB3C-E755C562780A}"/>
+                <a16:creationId xmlns:a16="http://schemas.microsoft.com/office/drawing/2014/main" xmlns="" id="{BADB2CDB-D341-4825-AB3C-E755C562780A}"/>
               </a:ext>
             </a:extLst>
           </p:cNvPr>
@@ -12122,7 +12088,7 @@
           <p:cNvPr id="15" name="Afbeelding 14">
             <a:extLst>
               <a:ext uri="{FF2B5EF4-FFF2-40B4-BE49-F238E27FC236}">
-                <a16:creationId xmlns="" xmlns:a16="http://schemas.microsoft.com/office/drawing/2014/main" id="{00DBD524-F9AF-4170-A579-42F81C9F3E72}"/>
+                <a16:creationId xmlns:a16="http://schemas.microsoft.com/office/drawing/2014/main" xmlns="" id="{00DBD524-F9AF-4170-A579-42F81C9F3E72}"/>
               </a:ext>
             </a:extLst>
           </p:cNvPr>
@@ -12164,7 +12130,7 @@
           <p:cNvPr id="16" name="Afbeelding 15">
             <a:extLst>
               <a:ext uri="{FF2B5EF4-FFF2-40B4-BE49-F238E27FC236}">
-                <a16:creationId xmlns="" xmlns:a16="http://schemas.microsoft.com/office/drawing/2014/main" id="{8C41FFC2-0B1C-4E68-BD67-E008982928E5}"/>
+                <a16:creationId xmlns:a16="http://schemas.microsoft.com/office/drawing/2014/main" xmlns="" id="{8C41FFC2-0B1C-4E68-BD67-E008982928E5}"/>
               </a:ext>
             </a:extLst>
           </p:cNvPr>
@@ -12206,7 +12172,7 @@
           <p:cNvPr id="9" name="Afbeelding 8">
             <a:extLst>
               <a:ext uri="{FF2B5EF4-FFF2-40B4-BE49-F238E27FC236}">
-                <a16:creationId xmlns="" xmlns:a16="http://schemas.microsoft.com/office/drawing/2014/main" id="{5DE4EEAD-DD96-4122-84AD-FBDDE0A36FF4}"/>
+                <a16:creationId xmlns:a16="http://schemas.microsoft.com/office/drawing/2014/main" xmlns="" id="{5DE4EEAD-DD96-4122-84AD-FBDDE0A36FF4}"/>
               </a:ext>
             </a:extLst>
           </p:cNvPr>
@@ -12248,7 +12214,7 @@
           <p:cNvPr id="10" name="Afbeelding 9">
             <a:extLst>
               <a:ext uri="{FF2B5EF4-FFF2-40B4-BE49-F238E27FC236}">
-                <a16:creationId xmlns="" xmlns:a16="http://schemas.microsoft.com/office/drawing/2014/main" id="{3092549D-0E93-4713-845E-5D6321646A4A}"/>
+                <a16:creationId xmlns:a16="http://schemas.microsoft.com/office/drawing/2014/main" xmlns="" id="{3092549D-0E93-4713-845E-5D6321646A4A}"/>
               </a:ext>
             </a:extLst>
           </p:cNvPr>
@@ -12289,7 +12255,7 @@
           <p:cNvPr id="11" name="Afbeelding 10">
             <a:extLst>
               <a:ext uri="{FF2B5EF4-FFF2-40B4-BE49-F238E27FC236}">
-                <a16:creationId xmlns="" xmlns:a16="http://schemas.microsoft.com/office/drawing/2014/main" id="{C3507EFA-9F14-4A89-AA69-4191C5CC0E66}"/>
+                <a16:creationId xmlns:a16="http://schemas.microsoft.com/office/drawing/2014/main" xmlns="" id="{C3507EFA-9F14-4A89-AA69-4191C5CC0E66}"/>
               </a:ext>
             </a:extLst>
           </p:cNvPr>
@@ -12331,7 +12297,7 @@
           <p:cNvPr id="13" name="Afbeelding 12">
             <a:extLst>
               <a:ext uri="{FF2B5EF4-FFF2-40B4-BE49-F238E27FC236}">
-                <a16:creationId xmlns="" xmlns:a16="http://schemas.microsoft.com/office/drawing/2014/main" id="{B7BFBCB6-EBF7-40E5-B7C9-0DFFE6CFC8BB}"/>
+                <a16:creationId xmlns:a16="http://schemas.microsoft.com/office/drawing/2014/main" xmlns="" id="{B7BFBCB6-EBF7-40E5-B7C9-0DFFE6CFC8BB}"/>
               </a:ext>
             </a:extLst>
           </p:cNvPr>
@@ -13191,7 +13157,7 @@
           <p:cNvPr id="11" name="Afbeelding 10">
             <a:extLst>
               <a:ext uri="{FF2B5EF4-FFF2-40B4-BE49-F238E27FC236}">
-                <a16:creationId xmlns="" xmlns:a16="http://schemas.microsoft.com/office/drawing/2014/main" id="{079EDC35-E36A-4C9A-8D8D-78C350138DFB}"/>
+                <a16:creationId xmlns:a16="http://schemas.microsoft.com/office/drawing/2014/main" xmlns="" id="{079EDC35-E36A-4C9A-8D8D-78C350138DFB}"/>
               </a:ext>
             </a:extLst>
           </p:cNvPr>
@@ -13233,7 +13199,7 @@
           <p:cNvPr id="2" name="Tijdelijke aanduiding voor datum 1">
             <a:extLst>
               <a:ext uri="{FF2B5EF4-FFF2-40B4-BE49-F238E27FC236}">
-                <a16:creationId xmlns="" xmlns:a16="http://schemas.microsoft.com/office/drawing/2014/main" id="{15CB3411-7651-4941-ABB4-C1822AEDE56A}"/>
+                <a16:creationId xmlns:a16="http://schemas.microsoft.com/office/drawing/2014/main" xmlns="" id="{15CB3411-7651-4941-ABB4-C1822AEDE56A}"/>
               </a:ext>
             </a:extLst>
           </p:cNvPr>
@@ -13251,7 +13217,7 @@
           <a:p>
             <a:fld id="{B71AFF58-8559-4CE0-AA20-9C6B842D93B4}" type="datetime1">
               <a:rPr lang="nl-NL" smtClean="0"/>
-              <a:t>24-3-2018</a:t>
+              <a:t>25-3-2018</a:t>
             </a:fld>
             <a:endParaRPr lang="nl-NL"/>
           </a:p>
@@ -13262,7 +13228,7 @@
           <p:cNvPr id="3" name="Tijdelijke aanduiding voor voettekst 2">
             <a:extLst>
               <a:ext uri="{FF2B5EF4-FFF2-40B4-BE49-F238E27FC236}">
-                <a16:creationId xmlns="" xmlns:a16="http://schemas.microsoft.com/office/drawing/2014/main" id="{CA7752E9-23DD-4D98-8613-77598C2CCFA4}"/>
+                <a16:creationId xmlns:a16="http://schemas.microsoft.com/office/drawing/2014/main" xmlns="" id="{CA7752E9-23DD-4D98-8613-77598C2CCFA4}"/>
               </a:ext>
             </a:extLst>
           </p:cNvPr>
@@ -13290,7 +13256,7 @@
           <p:cNvPr id="4" name="Tijdelijke aanduiding voor dianummer 3">
             <a:extLst>
               <a:ext uri="{FF2B5EF4-FFF2-40B4-BE49-F238E27FC236}">
-                <a16:creationId xmlns="" xmlns:a16="http://schemas.microsoft.com/office/drawing/2014/main" id="{91A3FFEC-B94C-4127-8949-077FA303049A}"/>
+                <a16:creationId xmlns:a16="http://schemas.microsoft.com/office/drawing/2014/main" xmlns="" id="{91A3FFEC-B94C-4127-8949-077FA303049A}"/>
               </a:ext>
             </a:extLst>
           </p:cNvPr>
@@ -13319,7 +13285,7 @@
           <p:cNvPr id="7" name="Tekstvak 6">
             <a:extLst>
               <a:ext uri="{FF2B5EF4-FFF2-40B4-BE49-F238E27FC236}">
-                <a16:creationId xmlns="" xmlns:a16="http://schemas.microsoft.com/office/drawing/2014/main" id="{46BAFBC1-2E76-4BCA-B53E-B93C723EF38D}"/>
+                <a16:creationId xmlns:a16="http://schemas.microsoft.com/office/drawing/2014/main" xmlns="" id="{46BAFBC1-2E76-4BCA-B53E-B93C723EF38D}"/>
               </a:ext>
             </a:extLst>
           </p:cNvPr>
@@ -13360,7 +13326,7 @@
           <p:cNvPr id="8" name="Tekstvak 7">
             <a:extLst>
               <a:ext uri="{FF2B5EF4-FFF2-40B4-BE49-F238E27FC236}">
-                <a16:creationId xmlns="" xmlns:a16="http://schemas.microsoft.com/office/drawing/2014/main" id="{FF9E01FC-F7F7-4EB0-8160-945FD3F4E9EC}"/>
+                <a16:creationId xmlns:a16="http://schemas.microsoft.com/office/drawing/2014/main" xmlns="" id="{FF9E01FC-F7F7-4EB0-8160-945FD3F4E9EC}"/>
               </a:ext>
             </a:extLst>
           </p:cNvPr>
@@ -13405,7 +13371,7 @@
           <p:cNvPr id="5" name="Afbeelding 4">
             <a:extLst>
               <a:ext uri="{FF2B5EF4-FFF2-40B4-BE49-F238E27FC236}">
-                <a16:creationId xmlns="" xmlns:a16="http://schemas.microsoft.com/office/drawing/2014/main" id="{98E5EE79-D9A2-4BE2-BCBA-F998B1D99F3C}"/>
+                <a16:creationId xmlns:a16="http://schemas.microsoft.com/office/drawing/2014/main" xmlns="" id="{98E5EE79-D9A2-4BE2-BCBA-F998B1D99F3C}"/>
               </a:ext>
             </a:extLst>
           </p:cNvPr>
@@ -13447,7 +13413,7 @@
           <p:cNvPr id="6" name="Afbeelding 5">
             <a:extLst>
               <a:ext uri="{FF2B5EF4-FFF2-40B4-BE49-F238E27FC236}">
-                <a16:creationId xmlns="" xmlns:a16="http://schemas.microsoft.com/office/drawing/2014/main" id="{D0408053-BC3B-46A5-86F6-8EE0C92F7B7D}"/>
+                <a16:creationId xmlns:a16="http://schemas.microsoft.com/office/drawing/2014/main" xmlns="" id="{D0408053-BC3B-46A5-86F6-8EE0C92F7B7D}"/>
               </a:ext>
             </a:extLst>
           </p:cNvPr>
@@ -13743,7 +13709,9 @@
         </p:nvSpPr>
         <p:spPr/>
         <p:txBody>
-          <a:bodyPr/>
+          <a:bodyPr>
+            <a:normAutofit/>
+          </a:bodyPr>
           <a:lstStyle/>
           <a:p>
             <a:pPr marL="0" indent="0">

--- a/docs/help/NL.pptx
+++ b/docs/help/NL.pptx
@@ -3085,20 +3085,50 @@
           <a:p>
             <a:r>
               <a:rPr lang="nl-NL" dirty="0"/>
-              <a:t>Met het programma gaat dit in het kort als volgt: je kiest uit de voorbeelden de grond waarmee je aan de slag wilt. Bijvoorbeeld de Parijse Grond. [tik]</a:t>
-            </a:r>
+              <a:t>Met het programma gaat dit in het kort als volgt: je kiest uit de voorbeelden de grond waarmee je aan de slag wilt. Bijvoorbeeld de Parijse Grond. </a:t>
+            </a:r>
+            <a:r>
+              <a:rPr lang="nl-NL" b="1" dirty="0" smtClean="0"/>
+              <a:t>[1]</a:t>
+            </a:r>
+            <a:endParaRPr lang="nl-NL" b="1" dirty="0"/>
           </a:p>
           <a:p>
             <a:r>
               <a:rPr lang="nl-NL" dirty="0"/>
-              <a:t>De computer vertaalt dit in een rijtje letters en cijfers – anders snapt hij het niet.</a:t>
-            </a:r>
-          </a:p>
-          <a:p>
+              <a:t>De computer vertaalt dit in een rijtje letters en </a:t>
+            </a:r>
+            <a:r>
+              <a:rPr lang="nl-NL" dirty="0" smtClean="0"/>
+              <a:t>cijfers – </a:t>
+            </a:r>
             <a:r>
               <a:rPr lang="nl-NL" dirty="0"/>
-              <a:t>Vervolgens vul je de slagen in, ook met letters zodat de computer het snapt.  Kies vervolgens voor SHOW …. [tik]</a:t>
-            </a:r>
+              <a:t>anders snapt hij het niet.</a:t>
+            </a:r>
+          </a:p>
+          <a:p>
+            <a:r>
+              <a:rPr lang="nl-NL" dirty="0"/>
+              <a:t>Vervolgens vul je </a:t>
+            </a:r>
+            <a:r>
+              <a:rPr lang="nl-NL" baseline="0" dirty="0" smtClean="0"/>
+              <a:t>beginletters van slagen in die zowel voor de computer als mensen begrijpelijk zijn. </a:t>
+            </a:r>
+            <a:r>
+              <a:rPr lang="nl-NL" dirty="0" smtClean="0"/>
+              <a:t>Kies </a:t>
+            </a:r>
+            <a:r>
+              <a:rPr lang="nl-NL" dirty="0"/>
+              <a:t>vervolgens voor SHOW …. </a:t>
+            </a:r>
+            <a:r>
+              <a:rPr lang="nl-NL" b="1" dirty="0" smtClean="0"/>
+              <a:t>[2]</a:t>
+            </a:r>
+            <a:endParaRPr lang="nl-NL" b="1" dirty="0"/>
           </a:p>
           <a:p>
             <a:endParaRPr lang="nl-NL" dirty="0"/>
@@ -3106,14 +3136,21 @@
           <a:p>
             <a:r>
               <a:rPr lang="nl-NL" dirty="0"/>
-              <a:t>…. En dan verschijnt dit plaatje.</a:t>
-            </a:r>
-          </a:p>
-          <a:p>
+              <a:t>…. En dan verschijnt dit plaatje</a:t>
+            </a:r>
+            <a:r>
+              <a:rPr lang="nl-NL" dirty="0" smtClean="0"/>
+              <a:t>. Het </a:t>
+            </a:r>
             <a:r>
               <a:rPr lang="nl-NL" dirty="0"/>
-              <a:t>Het leuke is, dat je kan spelen met de slagen. Bijvoorbeeld, hoe ziet het de Parijse grond er uit in alles netslag? [tik]</a:t>
-            </a:r>
+              <a:t>leuke is, dat je kan spelen met de slagen. Bijvoorbeeld, hoe ziet het de Parijse grond er uit in alles netslag? </a:t>
+            </a:r>
+            <a:r>
+              <a:rPr lang="nl-NL" b="1" dirty="0" smtClean="0"/>
+              <a:t>[3+4]</a:t>
+            </a:r>
+            <a:endParaRPr lang="nl-NL" b="1" dirty="0"/>
           </a:p>
           <a:p>
             <a:endParaRPr lang="nl-NL" dirty="0"/>
@@ -3121,8 +3158,17 @@
           <a:p>
             <a:r>
               <a:rPr lang="nl-NL" dirty="0"/>
-              <a:t>Voor iemand als ik, die het leuk vind om te stoeien met de slagen is dit een prachtig hulpmiddel. Waar ik eerst voor alle variaties klosjes moest wikkelen, krijg ik nu met een paar drukken op de knop een idee van hoe mijn bedenksels er uit gaan zien. Bijvoorbeeld: [tik].</a:t>
-            </a:r>
+              <a:t>Voor iemand als ik, die het leuk vind om te stoeien met de slagen is dit een prachtig hulpmiddel. Waar ik eerst voor alle variaties klosjes moest wikkelen, krijg ik nu met een paar drukken op de knop een idee van hoe mijn bedenksels er uit gaan zien. Bijvoorbeeld: </a:t>
+            </a:r>
+            <a:r>
+              <a:rPr lang="nl-NL" b="1" dirty="0" smtClean="0"/>
+              <a:t>[5+6]</a:t>
+            </a:r>
+            <a:r>
+              <a:rPr lang="nl-NL" dirty="0" smtClean="0"/>
+              <a:t>.</a:t>
+            </a:r>
+            <a:endParaRPr lang="nl-NL" dirty="0"/>
           </a:p>
           <a:p>
             <a:endParaRPr lang="nl-NL" dirty="0"/>
@@ -3384,14 +3430,35 @@
           <a:p>
             <a:r>
               <a:rPr lang="nl-NL" dirty="0"/>
-              <a:t>Bij het programma van Joke heb ik een aantal pagina’s gemaakt met voorbeelden. Zoals deze.</a:t>
-            </a:r>
-          </a:p>
-          <a:p>
+              <a:t>Bij het programma van Joke heb ik een aantal pagina’s gemaakt met voorbeelden. </a:t>
+            </a:r>
+            <a:endParaRPr lang="nl-NL" dirty="0" smtClean="0"/>
+          </a:p>
+          <a:p>
+            <a:endParaRPr lang="nl-NL" dirty="0" smtClean="0"/>
+          </a:p>
+          <a:p>
+            <a:r>
+              <a:rPr lang="nl-NL" dirty="0" smtClean="0"/>
+              <a:t>Zoals deze:</a:t>
+            </a:r>
+            <a:r>
+              <a:rPr lang="nl-NL" baseline="0" dirty="0" smtClean="0"/>
+              <a:t> </a:t>
+            </a:r>
+            <a:r>
+              <a:rPr lang="nl-NL" dirty="0" smtClean="0"/>
+              <a:t>kies </a:t>
+            </a:r>
             <a:r>
               <a:rPr lang="nl-NL" dirty="0"/>
-              <a:t>Kies bijvoorbeeld voor de Kleine sneeuwvlok, onderin, dan is [tik] dit het resultaat.</a:t>
-            </a:r>
+              <a:t>bijvoorbeeld voor de Kleine </a:t>
+            </a:r>
+            <a:r>
+              <a:rPr lang="nl-NL" dirty="0" smtClean="0"/>
+              <a:t>sneeuwvlok.</a:t>
+            </a:r>
+            <a:endParaRPr lang="nl-NL" dirty="0"/>
           </a:p>
         </p:txBody>
       </p:sp>
@@ -11983,7 +12050,7 @@
               <a:rPr lang="nl-NL" smtClean="0"/>
               <a:t>25-3-2018</a:t>
             </a:fld>
-            <a:endParaRPr lang="nl-NL"/>
+            <a:endParaRPr lang="nl-NL" dirty="0"/>
           </a:p>
         </p:txBody>
       </p:sp>
@@ -12127,131 +12194,6 @@
       </p:pic>
       <p:pic>
         <p:nvPicPr>
-          <p:cNvPr id="16" name="Afbeelding 15">
-            <a:extLst>
-              <a:ext uri="{FF2B5EF4-FFF2-40B4-BE49-F238E27FC236}">
-                <a16:creationId xmlns:a16="http://schemas.microsoft.com/office/drawing/2014/main" xmlns="" id="{8C41FFC2-0B1C-4E68-BD67-E008982928E5}"/>
-              </a:ext>
-            </a:extLst>
-          </p:cNvPr>
-          <p:cNvPicPr>
-            <a:picLocks noChangeAspect="1"/>
-          </p:cNvPicPr>
-          <p:nvPr/>
-        </p:nvPicPr>
-        <p:blipFill>
-          <a:blip r:embed="rId4"/>
-          <a:stretch>
-            <a:fillRect/>
-          </a:stretch>
-        </p:blipFill>
-        <p:spPr>
-          <a:xfrm>
-            <a:off x="1066319" y="1758871"/>
-            <a:ext cx="1867169" cy="1860524"/>
-          </a:xfrm>
-          <a:prstGeom prst="rect">
-            <a:avLst/>
-          </a:prstGeom>
-          <a:ln>
-            <a:solidFill>
-              <a:srgbClr val="002060"/>
-            </a:solidFill>
-          </a:ln>
-          <a:effectLst>
-            <a:outerShdw blurRad="50800" dist="38100" dir="2700000" algn="tl" rotWithShape="0">
-              <a:prstClr val="black">
-                <a:alpha val="40000"/>
-              </a:prstClr>
-            </a:outerShdw>
-          </a:effectLst>
-        </p:spPr>
-      </p:pic>
-      <p:pic>
-        <p:nvPicPr>
-          <p:cNvPr id="9" name="Afbeelding 8">
-            <a:extLst>
-              <a:ext uri="{FF2B5EF4-FFF2-40B4-BE49-F238E27FC236}">
-                <a16:creationId xmlns:a16="http://schemas.microsoft.com/office/drawing/2014/main" xmlns="" id="{5DE4EEAD-DD96-4122-84AD-FBDDE0A36FF4}"/>
-              </a:ext>
-            </a:extLst>
-          </p:cNvPr>
-          <p:cNvPicPr>
-            <a:picLocks noChangeAspect="1"/>
-          </p:cNvPicPr>
-          <p:nvPr/>
-        </p:nvPicPr>
-        <p:blipFill>
-          <a:blip r:embed="rId5"/>
-          <a:stretch>
-            <a:fillRect/>
-          </a:stretch>
-        </p:blipFill>
-        <p:spPr>
-          <a:xfrm>
-            <a:off x="2388099" y="2225408"/>
-            <a:ext cx="4020062" cy="1851664"/>
-          </a:xfrm>
-          <a:prstGeom prst="rect">
-            <a:avLst/>
-          </a:prstGeom>
-          <a:ln>
-            <a:solidFill>
-              <a:srgbClr val="002060"/>
-            </a:solidFill>
-          </a:ln>
-          <a:effectLst>
-            <a:outerShdw blurRad="50800" dist="38100" dir="2700000" algn="tl" rotWithShape="0">
-              <a:prstClr val="black">
-                <a:alpha val="40000"/>
-              </a:prstClr>
-            </a:outerShdw>
-          </a:effectLst>
-        </p:spPr>
-      </p:pic>
-      <p:pic>
-        <p:nvPicPr>
-          <p:cNvPr id="10" name="Afbeelding 9">
-            <a:extLst>
-              <a:ext uri="{FF2B5EF4-FFF2-40B4-BE49-F238E27FC236}">
-                <a16:creationId xmlns:a16="http://schemas.microsoft.com/office/drawing/2014/main" xmlns="" id="{3092549D-0E93-4713-845E-5D6321646A4A}"/>
-              </a:ext>
-            </a:extLst>
-          </p:cNvPr>
-          <p:cNvPicPr>
-            <a:picLocks noChangeAspect="1"/>
-          </p:cNvPicPr>
-          <p:nvPr/>
-        </p:nvPicPr>
-        <p:blipFill rotWithShape="1">
-          <a:blip r:embed="rId6"/>
-          <a:srcRect l="50890" t="48611" r="18858" b="32222"/>
-          <a:stretch/>
-        </p:blipFill>
-        <p:spPr>
-          <a:xfrm>
-            <a:off x="4707182" y="2664298"/>
-            <a:ext cx="4020062" cy="1910194"/>
-          </a:xfrm>
-          <a:prstGeom prst="rect">
-            <a:avLst/>
-          </a:prstGeom>
-          <a:ln>
-            <a:solidFill>
-              <a:srgbClr val="002060"/>
-            </a:solidFill>
-          </a:ln>
-          <a:effectLst>
-            <a:outerShdw blurRad="50800" dist="38100" dir="2700000" algn="tl" rotWithShape="0">
-              <a:prstClr val="black">
-                <a:alpha val="40000"/>
-              </a:prstClr>
-            </a:outerShdw>
-          </a:effectLst>
-        </p:spPr>
-      </p:pic>
-      <p:pic>
-        <p:nvPicPr>
           <p:cNvPr id="11" name="Afbeelding 10">
             <a:extLst>
               <a:ext uri="{FF2B5EF4-FFF2-40B4-BE49-F238E27FC236}">
@@ -12265,7 +12207,7 @@
           <p:nvPr/>
         </p:nvPicPr>
         <p:blipFill>
-          <a:blip r:embed="rId7"/>
+          <a:blip r:embed="rId4"/>
           <a:stretch>
             <a:fillRect/>
           </a:stretch>
@@ -12307,7 +12249,7 @@
           <p:nvPr/>
         </p:nvPicPr>
         <p:blipFill rotWithShape="1">
-          <a:blip r:embed="rId8"/>
+          <a:blip r:embed="rId5"/>
           <a:srcRect l="52118" t="56162" r="17629" b="25170"/>
           <a:stretch/>
         </p:blipFill>
@@ -12333,6 +12275,725 @@
           </a:effectLst>
         </p:spPr>
       </p:pic>
+      <p:pic>
+        <p:nvPicPr>
+          <p:cNvPr id="9" name="Afbeelding 8">
+            <a:extLst>
+              <a:ext uri="{FF2B5EF4-FFF2-40B4-BE49-F238E27FC236}">
+                <a16:creationId xmlns:a16="http://schemas.microsoft.com/office/drawing/2014/main" xmlns="" id="{5DE4EEAD-DD96-4122-84AD-FBDDE0A36FF4}"/>
+              </a:ext>
+            </a:extLst>
+          </p:cNvPr>
+          <p:cNvPicPr>
+            <a:picLocks noChangeAspect="1"/>
+          </p:cNvPicPr>
+          <p:nvPr/>
+        </p:nvPicPr>
+        <p:blipFill>
+          <a:blip r:embed="rId6"/>
+          <a:stretch>
+            <a:fillRect/>
+          </a:stretch>
+        </p:blipFill>
+        <p:spPr>
+          <a:xfrm>
+            <a:off x="971279" y="1512936"/>
+            <a:ext cx="4020062" cy="1851664"/>
+          </a:xfrm>
+          <a:prstGeom prst="rect">
+            <a:avLst/>
+          </a:prstGeom>
+          <a:ln>
+            <a:solidFill>
+              <a:srgbClr val="002060"/>
+            </a:solidFill>
+          </a:ln>
+          <a:effectLst>
+            <a:outerShdw blurRad="50800" dist="38100" dir="2700000" algn="tl" rotWithShape="0">
+              <a:prstClr val="black">
+                <a:alpha val="40000"/>
+              </a:prstClr>
+            </a:outerShdw>
+          </a:effectLst>
+        </p:spPr>
+      </p:pic>
+      <p:sp>
+        <p:nvSpPr>
+          <p:cNvPr id="3" name="Rechthoek 2"/>
+          <p:cNvSpPr/>
+          <p:nvPr/>
+        </p:nvSpPr>
+        <p:spPr>
+          <a:xfrm>
+            <a:off x="251520" y="1486519"/>
+            <a:ext cx="461869" cy="923330"/>
+          </a:xfrm>
+          <a:prstGeom prst="rect">
+            <a:avLst/>
+          </a:prstGeom>
+          <a:noFill/>
+        </p:spPr>
+        <p:txBody>
+          <a:bodyPr wrap="square" lIns="91440" tIns="45720" rIns="91440" bIns="45720">
+            <a:spAutoFit/>
+          </a:bodyPr>
+          <a:lstStyle/>
+          <a:p>
+            <a:pPr algn="ctr"/>
+            <a:r>
+              <a:rPr lang="nl-NL" sz="5400" b="1" cap="none" spc="0" dirty="0" smtClean="0">
+                <a:ln w="10541" cmpd="sng">
+                  <a:solidFill>
+                    <a:schemeClr val="accent1">
+                      <a:shade val="88000"/>
+                      <a:satMod val="110000"/>
+                    </a:schemeClr>
+                  </a:solidFill>
+                  <a:prstDash val="solid"/>
+                </a:ln>
+                <a:gradFill>
+                  <a:gsLst>
+                    <a:gs pos="0">
+                      <a:schemeClr val="accent1">
+                        <a:tint val="40000"/>
+                        <a:satMod val="250000"/>
+                      </a:schemeClr>
+                    </a:gs>
+                    <a:gs pos="9000">
+                      <a:schemeClr val="accent1">
+                        <a:tint val="52000"/>
+                        <a:satMod val="300000"/>
+                      </a:schemeClr>
+                    </a:gs>
+                    <a:gs pos="50000">
+                      <a:schemeClr val="accent1">
+                        <a:shade val="20000"/>
+                        <a:satMod val="300000"/>
+                      </a:schemeClr>
+                    </a:gs>
+                    <a:gs pos="79000">
+                      <a:schemeClr val="accent1">
+                        <a:tint val="52000"/>
+                        <a:satMod val="300000"/>
+                      </a:schemeClr>
+                    </a:gs>
+                    <a:gs pos="100000">
+                      <a:schemeClr val="accent1">
+                        <a:tint val="40000"/>
+                        <a:satMod val="250000"/>
+                      </a:schemeClr>
+                    </a:gs>
+                  </a:gsLst>
+                  <a:lin ang="5400000"/>
+                </a:gradFill>
+                <a:effectLst/>
+              </a:rPr>
+              <a:t>1</a:t>
+            </a:r>
+          </a:p>
+        </p:txBody>
+      </p:sp>
+      <p:sp>
+        <p:nvSpPr>
+          <p:cNvPr id="18" name="Rechthoek 17"/>
+          <p:cNvSpPr/>
+          <p:nvPr/>
+        </p:nvSpPr>
+        <p:spPr>
+          <a:xfrm>
+            <a:off x="971279" y="2821854"/>
+            <a:ext cx="468394" cy="923330"/>
+          </a:xfrm>
+          <a:prstGeom prst="rect">
+            <a:avLst/>
+          </a:prstGeom>
+          <a:noFill/>
+        </p:spPr>
+        <p:txBody>
+          <a:bodyPr wrap="square" lIns="91440" tIns="45720" rIns="91440" bIns="45720">
+            <a:spAutoFit/>
+          </a:bodyPr>
+          <a:lstStyle/>
+          <a:p>
+            <a:pPr algn="ctr"/>
+            <a:r>
+              <a:rPr lang="nl-NL" sz="5400" b="1" dirty="0">
+                <a:ln w="10541" cmpd="sng">
+                  <a:solidFill>
+                    <a:schemeClr val="accent1">
+                      <a:shade val="88000"/>
+                      <a:satMod val="110000"/>
+                    </a:schemeClr>
+                  </a:solidFill>
+                  <a:prstDash val="solid"/>
+                </a:ln>
+                <a:gradFill>
+                  <a:gsLst>
+                    <a:gs pos="0">
+                      <a:schemeClr val="accent1">
+                        <a:tint val="40000"/>
+                        <a:satMod val="250000"/>
+                      </a:schemeClr>
+                    </a:gs>
+                    <a:gs pos="9000">
+                      <a:schemeClr val="accent1">
+                        <a:tint val="52000"/>
+                        <a:satMod val="300000"/>
+                      </a:schemeClr>
+                    </a:gs>
+                    <a:gs pos="50000">
+                      <a:schemeClr val="accent1">
+                        <a:shade val="20000"/>
+                        <a:satMod val="300000"/>
+                      </a:schemeClr>
+                    </a:gs>
+                    <a:gs pos="79000">
+                      <a:schemeClr val="accent1">
+                        <a:tint val="52000"/>
+                        <a:satMod val="300000"/>
+                      </a:schemeClr>
+                    </a:gs>
+                    <a:gs pos="100000">
+                      <a:schemeClr val="accent1">
+                        <a:tint val="40000"/>
+                        <a:satMod val="250000"/>
+                      </a:schemeClr>
+                    </a:gs>
+                  </a:gsLst>
+                  <a:lin ang="5400000"/>
+                </a:gradFill>
+              </a:rPr>
+              <a:t>2</a:t>
+            </a:r>
+            <a:endParaRPr lang="nl-NL" sz="5400" b="1" cap="none" spc="0" dirty="0" smtClean="0">
+              <a:ln w="10541" cmpd="sng">
+                <a:solidFill>
+                  <a:schemeClr val="accent1">
+                    <a:shade val="88000"/>
+                    <a:satMod val="110000"/>
+                  </a:schemeClr>
+                </a:solidFill>
+                <a:prstDash val="solid"/>
+              </a:ln>
+              <a:gradFill>
+                <a:gsLst>
+                  <a:gs pos="0">
+                    <a:schemeClr val="accent1">
+                      <a:tint val="40000"/>
+                      <a:satMod val="250000"/>
+                    </a:schemeClr>
+                  </a:gs>
+                  <a:gs pos="9000">
+                    <a:schemeClr val="accent1">
+                      <a:tint val="52000"/>
+                      <a:satMod val="300000"/>
+                    </a:schemeClr>
+                  </a:gs>
+                  <a:gs pos="50000">
+                    <a:schemeClr val="accent1">
+                      <a:shade val="20000"/>
+                      <a:satMod val="300000"/>
+                    </a:schemeClr>
+                  </a:gs>
+                  <a:gs pos="79000">
+                    <a:schemeClr val="accent1">
+                      <a:tint val="52000"/>
+                      <a:satMod val="300000"/>
+                    </a:schemeClr>
+                  </a:gs>
+                  <a:gs pos="100000">
+                    <a:schemeClr val="accent1">
+                      <a:tint val="40000"/>
+                      <a:satMod val="250000"/>
+                    </a:schemeClr>
+                  </a:gs>
+                </a:gsLst>
+                <a:lin ang="5400000"/>
+              </a:gradFill>
+              <a:effectLst/>
+            </a:endParaRPr>
+          </a:p>
+        </p:txBody>
+      </p:sp>
+      <p:sp>
+        <p:nvSpPr>
+          <p:cNvPr id="19" name="Rechthoek 18"/>
+          <p:cNvSpPr/>
+          <p:nvPr/>
+        </p:nvSpPr>
+        <p:spPr>
+          <a:xfrm>
+            <a:off x="332277" y="5589240"/>
+            <a:ext cx="468394" cy="923330"/>
+          </a:xfrm>
+          <a:prstGeom prst="rect">
+            <a:avLst/>
+          </a:prstGeom>
+          <a:noFill/>
+        </p:spPr>
+        <p:txBody>
+          <a:bodyPr wrap="square" lIns="91440" tIns="45720" rIns="91440" bIns="45720">
+            <a:spAutoFit/>
+          </a:bodyPr>
+          <a:lstStyle/>
+          <a:p>
+            <a:pPr algn="ctr"/>
+            <a:r>
+              <a:rPr lang="nl-NL" sz="5400" b="1" cap="none" spc="0" dirty="0" smtClean="0">
+                <a:ln w="10541" cmpd="sng">
+                  <a:solidFill>
+                    <a:schemeClr val="accent1">
+                      <a:shade val="88000"/>
+                      <a:satMod val="110000"/>
+                    </a:schemeClr>
+                  </a:solidFill>
+                  <a:prstDash val="solid"/>
+                </a:ln>
+                <a:gradFill>
+                  <a:gsLst>
+                    <a:gs pos="0">
+                      <a:schemeClr val="accent1">
+                        <a:tint val="40000"/>
+                        <a:satMod val="250000"/>
+                      </a:schemeClr>
+                    </a:gs>
+                    <a:gs pos="9000">
+                      <a:schemeClr val="accent1">
+                        <a:tint val="52000"/>
+                        <a:satMod val="300000"/>
+                      </a:schemeClr>
+                    </a:gs>
+                    <a:gs pos="50000">
+                      <a:schemeClr val="accent1">
+                        <a:shade val="20000"/>
+                        <a:satMod val="300000"/>
+                      </a:schemeClr>
+                    </a:gs>
+                    <a:gs pos="79000">
+                      <a:schemeClr val="accent1">
+                        <a:tint val="52000"/>
+                        <a:satMod val="300000"/>
+                      </a:schemeClr>
+                    </a:gs>
+                    <a:gs pos="100000">
+                      <a:schemeClr val="accent1">
+                        <a:tint val="40000"/>
+                        <a:satMod val="250000"/>
+                      </a:schemeClr>
+                    </a:gs>
+                  </a:gsLst>
+                  <a:lin ang="5400000"/>
+                </a:gradFill>
+                <a:effectLst/>
+              </a:rPr>
+              <a:t>5</a:t>
+            </a:r>
+          </a:p>
+        </p:txBody>
+      </p:sp>
+      <p:sp>
+        <p:nvSpPr>
+          <p:cNvPr id="20" name="Rechthoek 19"/>
+          <p:cNvSpPr/>
+          <p:nvPr/>
+        </p:nvSpPr>
+        <p:spPr>
+          <a:xfrm>
+            <a:off x="4567355" y="5517232"/>
+            <a:ext cx="472245" cy="923330"/>
+          </a:xfrm>
+          <a:prstGeom prst="rect">
+            <a:avLst/>
+          </a:prstGeom>
+          <a:noFill/>
+        </p:spPr>
+        <p:txBody>
+          <a:bodyPr wrap="square" lIns="91440" tIns="45720" rIns="91440" bIns="45720">
+            <a:spAutoFit/>
+          </a:bodyPr>
+          <a:lstStyle/>
+          <a:p>
+            <a:pPr algn="ctr"/>
+            <a:r>
+              <a:rPr lang="nl-NL" sz="5400" b="1" dirty="0">
+                <a:ln w="10541" cmpd="sng">
+                  <a:solidFill>
+                    <a:schemeClr val="accent1">
+                      <a:shade val="88000"/>
+                      <a:satMod val="110000"/>
+                    </a:schemeClr>
+                  </a:solidFill>
+                  <a:prstDash val="solid"/>
+                </a:ln>
+                <a:gradFill>
+                  <a:gsLst>
+                    <a:gs pos="0">
+                      <a:schemeClr val="accent1">
+                        <a:tint val="40000"/>
+                        <a:satMod val="250000"/>
+                      </a:schemeClr>
+                    </a:gs>
+                    <a:gs pos="9000">
+                      <a:schemeClr val="accent1">
+                        <a:tint val="52000"/>
+                        <a:satMod val="300000"/>
+                      </a:schemeClr>
+                    </a:gs>
+                    <a:gs pos="50000">
+                      <a:schemeClr val="accent1">
+                        <a:shade val="20000"/>
+                        <a:satMod val="300000"/>
+                      </a:schemeClr>
+                    </a:gs>
+                    <a:gs pos="79000">
+                      <a:schemeClr val="accent1">
+                        <a:tint val="52000"/>
+                        <a:satMod val="300000"/>
+                      </a:schemeClr>
+                    </a:gs>
+                    <a:gs pos="100000">
+                      <a:schemeClr val="accent1">
+                        <a:tint val="40000"/>
+                        <a:satMod val="250000"/>
+                      </a:schemeClr>
+                    </a:gs>
+                  </a:gsLst>
+                  <a:lin ang="5400000"/>
+                </a:gradFill>
+              </a:rPr>
+              <a:t>6</a:t>
+            </a:r>
+            <a:endParaRPr lang="nl-NL" sz="5400" b="1" cap="none" spc="0" dirty="0" smtClean="0">
+              <a:ln w="10541" cmpd="sng">
+                <a:solidFill>
+                  <a:schemeClr val="accent1">
+                    <a:shade val="88000"/>
+                    <a:satMod val="110000"/>
+                  </a:schemeClr>
+                </a:solidFill>
+                <a:prstDash val="solid"/>
+              </a:ln>
+              <a:gradFill>
+                <a:gsLst>
+                  <a:gs pos="0">
+                    <a:schemeClr val="accent1">
+                      <a:tint val="40000"/>
+                      <a:satMod val="250000"/>
+                    </a:schemeClr>
+                  </a:gs>
+                  <a:gs pos="9000">
+                    <a:schemeClr val="accent1">
+                      <a:tint val="52000"/>
+                      <a:satMod val="300000"/>
+                    </a:schemeClr>
+                  </a:gs>
+                  <a:gs pos="50000">
+                    <a:schemeClr val="accent1">
+                      <a:shade val="20000"/>
+                      <a:satMod val="300000"/>
+                    </a:schemeClr>
+                  </a:gs>
+                  <a:gs pos="79000">
+                    <a:schemeClr val="accent1">
+                      <a:tint val="52000"/>
+                      <a:satMod val="300000"/>
+                    </a:schemeClr>
+                  </a:gs>
+                  <a:gs pos="100000">
+                    <a:schemeClr val="accent1">
+                      <a:tint val="40000"/>
+                      <a:satMod val="250000"/>
+                    </a:schemeClr>
+                  </a:gs>
+                </a:gsLst>
+                <a:lin ang="5400000"/>
+              </a:gradFill>
+              <a:effectLst/>
+            </a:endParaRPr>
+          </a:p>
+        </p:txBody>
+      </p:sp>
+      <p:pic>
+        <p:nvPicPr>
+          <p:cNvPr id="16" name="Afbeelding 15">
+            <a:extLst>
+              <a:ext uri="{FF2B5EF4-FFF2-40B4-BE49-F238E27FC236}">
+                <a16:creationId xmlns:a16="http://schemas.microsoft.com/office/drawing/2014/main" xmlns="" id="{8C41FFC2-0B1C-4E68-BD67-E008982928E5}"/>
+              </a:ext>
+            </a:extLst>
+          </p:cNvPr>
+          <p:cNvPicPr>
+            <a:picLocks noChangeAspect="1"/>
+          </p:cNvPicPr>
+          <p:nvPr/>
+        </p:nvPicPr>
+        <p:blipFill>
+          <a:blip r:embed="rId7"/>
+          <a:stretch>
+            <a:fillRect/>
+          </a:stretch>
+        </p:blipFill>
+        <p:spPr>
+          <a:xfrm>
+            <a:off x="3280895" y="1793716"/>
+            <a:ext cx="1867169" cy="1860524"/>
+          </a:xfrm>
+          <a:prstGeom prst="rect">
+            <a:avLst/>
+          </a:prstGeom>
+          <a:ln>
+            <a:solidFill>
+              <a:srgbClr val="002060"/>
+            </a:solidFill>
+          </a:ln>
+          <a:effectLst>
+            <a:outerShdw blurRad="50800" dist="38100" dir="2700000" algn="tl" rotWithShape="0">
+              <a:prstClr val="black">
+                <a:alpha val="40000"/>
+              </a:prstClr>
+            </a:outerShdw>
+          </a:effectLst>
+        </p:spPr>
+      </p:pic>
+      <p:sp>
+        <p:nvSpPr>
+          <p:cNvPr id="17" name="Rechthoek 16"/>
+          <p:cNvSpPr/>
+          <p:nvPr/>
+        </p:nvSpPr>
+        <p:spPr>
+          <a:xfrm>
+            <a:off x="3281577" y="3081734"/>
+            <a:ext cx="468394" cy="923330"/>
+          </a:xfrm>
+          <a:prstGeom prst="rect">
+            <a:avLst/>
+          </a:prstGeom>
+          <a:noFill/>
+        </p:spPr>
+        <p:txBody>
+          <a:bodyPr wrap="square" lIns="91440" tIns="45720" rIns="91440" bIns="45720">
+            <a:spAutoFit/>
+          </a:bodyPr>
+          <a:lstStyle/>
+          <a:p>
+            <a:pPr algn="ctr"/>
+            <a:r>
+              <a:rPr lang="nl-NL" sz="5400" b="1" cap="none" spc="0" dirty="0" smtClean="0">
+                <a:ln w="10541" cmpd="sng">
+                  <a:solidFill>
+                    <a:schemeClr val="accent1">
+                      <a:shade val="88000"/>
+                      <a:satMod val="110000"/>
+                    </a:schemeClr>
+                  </a:solidFill>
+                  <a:prstDash val="solid"/>
+                </a:ln>
+                <a:gradFill>
+                  <a:gsLst>
+                    <a:gs pos="0">
+                      <a:schemeClr val="accent1">
+                        <a:tint val="40000"/>
+                        <a:satMod val="250000"/>
+                      </a:schemeClr>
+                    </a:gs>
+                    <a:gs pos="9000">
+                      <a:schemeClr val="accent1">
+                        <a:tint val="52000"/>
+                        <a:satMod val="300000"/>
+                      </a:schemeClr>
+                    </a:gs>
+                    <a:gs pos="50000">
+                      <a:schemeClr val="accent1">
+                        <a:shade val="20000"/>
+                        <a:satMod val="300000"/>
+                      </a:schemeClr>
+                    </a:gs>
+                    <a:gs pos="79000">
+                      <a:schemeClr val="accent1">
+                        <a:tint val="52000"/>
+                        <a:satMod val="300000"/>
+                      </a:schemeClr>
+                    </a:gs>
+                    <a:gs pos="100000">
+                      <a:schemeClr val="accent1">
+                        <a:tint val="40000"/>
+                        <a:satMod val="250000"/>
+                      </a:schemeClr>
+                    </a:gs>
+                  </a:gsLst>
+                  <a:lin ang="5400000"/>
+                </a:gradFill>
+                <a:effectLst/>
+              </a:rPr>
+              <a:t>3</a:t>
+            </a:r>
+          </a:p>
+        </p:txBody>
+      </p:sp>
+      <p:pic>
+        <p:nvPicPr>
+          <p:cNvPr id="10" name="Afbeelding 9">
+            <a:extLst>
+              <a:ext uri="{FF2B5EF4-FFF2-40B4-BE49-F238E27FC236}">
+                <a16:creationId xmlns:a16="http://schemas.microsoft.com/office/drawing/2014/main" xmlns="" id="{3092549D-0E93-4713-845E-5D6321646A4A}"/>
+              </a:ext>
+            </a:extLst>
+          </p:cNvPr>
+          <p:cNvPicPr>
+            <a:picLocks noChangeAspect="1"/>
+          </p:cNvPicPr>
+          <p:nvPr/>
+        </p:nvPicPr>
+        <p:blipFill rotWithShape="1">
+          <a:blip r:embed="rId8"/>
+          <a:srcRect l="50890" t="48611" r="18858" b="32222"/>
+          <a:stretch/>
+        </p:blipFill>
+        <p:spPr>
+          <a:xfrm>
+            <a:off x="4572000" y="1938132"/>
+            <a:ext cx="4020062" cy="1910194"/>
+          </a:xfrm>
+          <a:prstGeom prst="rect">
+            <a:avLst/>
+          </a:prstGeom>
+          <a:ln>
+            <a:solidFill>
+              <a:srgbClr val="002060"/>
+            </a:solidFill>
+          </a:ln>
+          <a:effectLst>
+            <a:outerShdw blurRad="50800" dist="38100" dir="2700000" algn="tl" rotWithShape="0">
+              <a:prstClr val="black">
+                <a:alpha val="40000"/>
+              </a:prstClr>
+            </a:outerShdw>
+          </a:effectLst>
+        </p:spPr>
+      </p:pic>
+      <p:sp>
+        <p:nvSpPr>
+          <p:cNvPr id="14" name="Rechthoek 13"/>
+          <p:cNvSpPr/>
+          <p:nvPr/>
+        </p:nvSpPr>
+        <p:spPr>
+          <a:xfrm>
+            <a:off x="4610783" y="3279328"/>
+            <a:ext cx="468394" cy="923330"/>
+          </a:xfrm>
+          <a:prstGeom prst="rect">
+            <a:avLst/>
+          </a:prstGeom>
+          <a:noFill/>
+        </p:spPr>
+        <p:txBody>
+          <a:bodyPr wrap="square" lIns="91440" tIns="45720" rIns="91440" bIns="45720">
+            <a:spAutoFit/>
+          </a:bodyPr>
+          <a:lstStyle/>
+          <a:p>
+            <a:pPr algn="ctr"/>
+            <a:r>
+              <a:rPr lang="nl-NL" sz="5400" b="1" dirty="0">
+                <a:ln w="10541" cmpd="sng">
+                  <a:solidFill>
+                    <a:schemeClr val="accent1">
+                      <a:shade val="88000"/>
+                      <a:satMod val="110000"/>
+                    </a:schemeClr>
+                  </a:solidFill>
+                  <a:prstDash val="solid"/>
+                </a:ln>
+                <a:gradFill>
+                  <a:gsLst>
+                    <a:gs pos="0">
+                      <a:schemeClr val="accent1">
+                        <a:tint val="40000"/>
+                        <a:satMod val="250000"/>
+                      </a:schemeClr>
+                    </a:gs>
+                    <a:gs pos="9000">
+                      <a:schemeClr val="accent1">
+                        <a:tint val="52000"/>
+                        <a:satMod val="300000"/>
+                      </a:schemeClr>
+                    </a:gs>
+                    <a:gs pos="50000">
+                      <a:schemeClr val="accent1">
+                        <a:shade val="20000"/>
+                        <a:satMod val="300000"/>
+                      </a:schemeClr>
+                    </a:gs>
+                    <a:gs pos="79000">
+                      <a:schemeClr val="accent1">
+                        <a:tint val="52000"/>
+                        <a:satMod val="300000"/>
+                      </a:schemeClr>
+                    </a:gs>
+                    <a:gs pos="100000">
+                      <a:schemeClr val="accent1">
+                        <a:tint val="40000"/>
+                        <a:satMod val="250000"/>
+                      </a:schemeClr>
+                    </a:gs>
+                  </a:gsLst>
+                  <a:lin ang="5400000"/>
+                </a:gradFill>
+              </a:rPr>
+              <a:t>4</a:t>
+            </a:r>
+            <a:endParaRPr lang="nl-NL" sz="5400" b="1" cap="none" spc="0" dirty="0" smtClean="0">
+              <a:ln w="10541" cmpd="sng">
+                <a:solidFill>
+                  <a:schemeClr val="accent1">
+                    <a:shade val="88000"/>
+                    <a:satMod val="110000"/>
+                  </a:schemeClr>
+                </a:solidFill>
+                <a:prstDash val="solid"/>
+              </a:ln>
+              <a:gradFill>
+                <a:gsLst>
+                  <a:gs pos="0">
+                    <a:schemeClr val="accent1">
+                      <a:tint val="40000"/>
+                      <a:satMod val="250000"/>
+                    </a:schemeClr>
+                  </a:gs>
+                  <a:gs pos="9000">
+                    <a:schemeClr val="accent1">
+                      <a:tint val="52000"/>
+                      <a:satMod val="300000"/>
+                    </a:schemeClr>
+                  </a:gs>
+                  <a:gs pos="50000">
+                    <a:schemeClr val="accent1">
+                      <a:shade val="20000"/>
+                      <a:satMod val="300000"/>
+                    </a:schemeClr>
+                  </a:gs>
+                  <a:gs pos="79000">
+                    <a:schemeClr val="accent1">
+                      <a:tint val="52000"/>
+                      <a:satMod val="300000"/>
+                    </a:schemeClr>
+                  </a:gs>
+                  <a:gs pos="100000">
+                    <a:schemeClr val="accent1">
+                      <a:tint val="40000"/>
+                      <a:satMod val="250000"/>
+                    </a:schemeClr>
+                  </a:gs>
+                </a:gsLst>
+                <a:lin ang="5400000"/>
+              </a:gradFill>
+              <a:effectLst/>
+            </a:endParaRPr>
+          </a:p>
+        </p:txBody>
+      </p:sp>
     </p:spTree>
     <p:extLst>
       <p:ext uri="{BB962C8B-B14F-4D97-AF65-F5344CB8AC3E}">
@@ -12364,7 +13025,7 @@
                             </p:stCondLst>
                             <p:childTnLst>
                               <p:par>
-                                <p:cTn id="5" presetID="2" presetClass="entr" presetSubtype="4" fill="hold" nodeType="clickEffect">
+                                <p:cTn id="5" presetID="1" presetClass="entr" presetSubtype="0" fill="hold" nodeType="clickEffect">
                                   <p:stCondLst>
                                     <p:cond delay="0"/>
                                   </p:stCondLst>
@@ -12387,52 +13048,33 @@
                                         <p:strVal val="visible"/>
                                       </p:to>
                                     </p:set>
-                                    <p:anim calcmode="lin" valueType="num">
-                                      <p:cBhvr additive="base">
-                                        <p:cTn id="7" dur="500" fill="hold"/>
+                                  </p:childTnLst>
+                                </p:cTn>
+                              </p:par>
+                              <p:par>
+                                <p:cTn id="7" presetID="1" presetClass="entr" presetSubtype="0" fill="hold" grpId="0" nodeType="withEffect">
+                                  <p:stCondLst>
+                                    <p:cond delay="0"/>
+                                  </p:stCondLst>
+                                  <p:childTnLst>
+                                    <p:set>
+                                      <p:cBhvr>
+                                        <p:cTn id="8" dur="1" fill="hold">
+                                          <p:stCondLst>
+                                            <p:cond delay="0"/>
+                                          </p:stCondLst>
+                                        </p:cTn>
                                         <p:tgtEl>
-                                          <p:spTgt spid="15"/>
+                                          <p:spTgt spid="3"/>
                                         </p:tgtEl>
                                         <p:attrNameLst>
-                                          <p:attrName>ppt_x</p:attrName>
+                                          <p:attrName>style.visibility</p:attrName>
                                         </p:attrNameLst>
                                       </p:cBhvr>
-                                      <p:tavLst>
-                                        <p:tav tm="0">
-                                          <p:val>
-                                            <p:strVal val="#ppt_x"/>
-                                          </p:val>
-                                        </p:tav>
-                                        <p:tav tm="100000">
-                                          <p:val>
-                                            <p:strVal val="#ppt_x"/>
-                                          </p:val>
-                                        </p:tav>
-                                      </p:tavLst>
-                                    </p:anim>
-                                    <p:anim calcmode="lin" valueType="num">
-                                      <p:cBhvr additive="base">
-                                        <p:cTn id="8" dur="500" fill="hold"/>
-                                        <p:tgtEl>
-                                          <p:spTgt spid="15"/>
-                                        </p:tgtEl>
-                                        <p:attrNameLst>
-                                          <p:attrName>ppt_y</p:attrName>
-                                        </p:attrNameLst>
-                                      </p:cBhvr>
-                                      <p:tavLst>
-                                        <p:tav tm="0">
-                                          <p:val>
-                                            <p:strVal val="1+#ppt_h/2"/>
-                                          </p:val>
-                                        </p:tav>
-                                        <p:tav tm="100000">
-                                          <p:val>
-                                            <p:strVal val="#ppt_y"/>
-                                          </p:val>
-                                        </p:tav>
-                                      </p:tavLst>
-                                    </p:anim>
+                                      <p:to>
+                                        <p:strVal val="visible"/>
+                                      </p:to>
+                                    </p:set>
                                   </p:childTnLst>
                                 </p:cTn>
                               </p:par>
@@ -12455,7 +13097,7 @@
                             </p:stCondLst>
                             <p:childTnLst>
                               <p:par>
-                                <p:cTn id="11" presetID="2" presetClass="entr" presetSubtype="4" fill="hold" nodeType="clickEffect">
+                                <p:cTn id="11" presetID="1" presetClass="entr" presetSubtype="0" fill="hold" grpId="0" nodeType="clickEffect">
                                   <p:stCondLst>
                                     <p:cond delay="0"/>
                                   </p:stCondLst>
@@ -12463,6 +13105,33 @@
                                     <p:set>
                                       <p:cBhvr>
                                         <p:cTn id="12" dur="1" fill="hold">
+                                          <p:stCondLst>
+                                            <p:cond delay="0"/>
+                                          </p:stCondLst>
+                                        </p:cTn>
+                                        <p:tgtEl>
+                                          <p:spTgt spid="18"/>
+                                        </p:tgtEl>
+                                        <p:attrNameLst>
+                                          <p:attrName>style.visibility</p:attrName>
+                                        </p:attrNameLst>
+                                      </p:cBhvr>
+                                      <p:to>
+                                        <p:strVal val="visible"/>
+                                      </p:to>
+                                    </p:set>
+                                  </p:childTnLst>
+                                </p:cTn>
+                              </p:par>
+                              <p:par>
+                                <p:cTn id="13" presetID="1" presetClass="entr" presetSubtype="0" fill="hold" nodeType="withEffect">
+                                  <p:stCondLst>
+                                    <p:cond delay="0"/>
+                                  </p:stCondLst>
+                                  <p:childTnLst>
+                                    <p:set>
+                                      <p:cBhvr>
+                                        <p:cTn id="14" dur="1" fill="hold">
                                           <p:stCondLst>
                                             <p:cond delay="0"/>
                                           </p:stCondLst>
@@ -12478,52 +13147,6 @@
                                         <p:strVal val="visible"/>
                                       </p:to>
                                     </p:set>
-                                    <p:anim calcmode="lin" valueType="num">
-                                      <p:cBhvr additive="base">
-                                        <p:cTn id="13" dur="500" fill="hold"/>
-                                        <p:tgtEl>
-                                          <p:spTgt spid="9"/>
-                                        </p:tgtEl>
-                                        <p:attrNameLst>
-                                          <p:attrName>ppt_x</p:attrName>
-                                        </p:attrNameLst>
-                                      </p:cBhvr>
-                                      <p:tavLst>
-                                        <p:tav tm="0">
-                                          <p:val>
-                                            <p:strVal val="#ppt_x"/>
-                                          </p:val>
-                                        </p:tav>
-                                        <p:tav tm="100000">
-                                          <p:val>
-                                            <p:strVal val="#ppt_x"/>
-                                          </p:val>
-                                        </p:tav>
-                                      </p:tavLst>
-                                    </p:anim>
-                                    <p:anim calcmode="lin" valueType="num">
-                                      <p:cBhvr additive="base">
-                                        <p:cTn id="14" dur="500" fill="hold"/>
-                                        <p:tgtEl>
-                                          <p:spTgt spid="9"/>
-                                        </p:tgtEl>
-                                        <p:attrNameLst>
-                                          <p:attrName>ppt_y</p:attrName>
-                                        </p:attrNameLst>
-                                      </p:cBhvr>
-                                      <p:tavLst>
-                                        <p:tav tm="0">
-                                          <p:val>
-                                            <p:strVal val="1+#ppt_h/2"/>
-                                          </p:val>
-                                        </p:tav>
-                                        <p:tav tm="100000">
-                                          <p:val>
-                                            <p:strVal val="#ppt_y"/>
-                                          </p:val>
-                                        </p:tav>
-                                      </p:tavLst>
-                                    </p:anim>
                                   </p:childTnLst>
                                 </p:cTn>
                               </p:par>
@@ -12546,7 +13169,7 @@
                             </p:stCondLst>
                             <p:childTnLst>
                               <p:par>
-                                <p:cTn id="17" presetID="2" presetClass="entr" presetSubtype="4" fill="hold" nodeType="clickEffect">
+                                <p:cTn id="17" presetID="1" presetClass="entr" presetSubtype="0" fill="hold" grpId="0" nodeType="clickEffect">
                                   <p:stCondLst>
                                     <p:cond delay="0"/>
                                   </p:stCondLst>
@@ -12554,6 +13177,33 @@
                                     <p:set>
                                       <p:cBhvr>
                                         <p:cTn id="18" dur="1" fill="hold">
+                                          <p:stCondLst>
+                                            <p:cond delay="0"/>
+                                          </p:stCondLst>
+                                        </p:cTn>
+                                        <p:tgtEl>
+                                          <p:spTgt spid="17"/>
+                                        </p:tgtEl>
+                                        <p:attrNameLst>
+                                          <p:attrName>style.visibility</p:attrName>
+                                        </p:attrNameLst>
+                                      </p:cBhvr>
+                                      <p:to>
+                                        <p:strVal val="visible"/>
+                                      </p:to>
+                                    </p:set>
+                                  </p:childTnLst>
+                                </p:cTn>
+                              </p:par>
+                              <p:par>
+                                <p:cTn id="19" presetID="1" presetClass="entr" presetSubtype="0" fill="hold" nodeType="withEffect">
+                                  <p:stCondLst>
+                                    <p:cond delay="0"/>
+                                  </p:stCondLst>
+                                  <p:childTnLst>
+                                    <p:set>
+                                      <p:cBhvr>
+                                        <p:cTn id="20" dur="1" fill="hold">
                                           <p:stCondLst>
                                             <p:cond delay="0"/>
                                           </p:stCondLst>
@@ -12569,64 +13219,63 @@
                                         <p:strVal val="visible"/>
                                       </p:to>
                                     </p:set>
-                                    <p:anim calcmode="lin" valueType="num">
-                                      <p:cBhvr additive="base">
-                                        <p:cTn id="19" dur="500" fill="hold"/>
-                                        <p:tgtEl>
-                                          <p:spTgt spid="16"/>
-                                        </p:tgtEl>
-                                        <p:attrNameLst>
-                                          <p:attrName>ppt_x</p:attrName>
-                                        </p:attrNameLst>
-                                      </p:cBhvr>
-                                      <p:tavLst>
-                                        <p:tav tm="0">
-                                          <p:val>
-                                            <p:strVal val="#ppt_x"/>
-                                          </p:val>
-                                        </p:tav>
-                                        <p:tav tm="100000">
-                                          <p:val>
-                                            <p:strVal val="#ppt_x"/>
-                                          </p:val>
-                                        </p:tav>
-                                      </p:tavLst>
-                                    </p:anim>
-                                    <p:anim calcmode="lin" valueType="num">
-                                      <p:cBhvr additive="base">
-                                        <p:cTn id="20" dur="500" fill="hold"/>
-                                        <p:tgtEl>
-                                          <p:spTgt spid="16"/>
-                                        </p:tgtEl>
-                                        <p:attrNameLst>
-                                          <p:attrName>ppt_y</p:attrName>
-                                        </p:attrNameLst>
-                                      </p:cBhvr>
-                                      <p:tavLst>
-                                        <p:tav tm="0">
-                                          <p:val>
-                                            <p:strVal val="1+#ppt_h/2"/>
-                                          </p:val>
-                                        </p:tav>
-                                        <p:tav tm="100000">
-                                          <p:val>
-                                            <p:strVal val="#ppt_y"/>
-                                          </p:val>
-                                        </p:tav>
-                                      </p:tavLst>
-                                    </p:anim>
                                   </p:childTnLst>
                                 </p:cTn>
                               </p:par>
+                            </p:childTnLst>
+                          </p:cTn>
+                        </p:par>
+                      </p:childTnLst>
+                    </p:cTn>
+                  </p:par>
+                  <p:par>
+                    <p:cTn id="21" fill="hold">
+                      <p:stCondLst>
+                        <p:cond delay="indefinite"/>
+                      </p:stCondLst>
+                      <p:childTnLst>
+                        <p:par>
+                          <p:cTn id="22" fill="hold">
+                            <p:stCondLst>
+                              <p:cond delay="0"/>
+                            </p:stCondLst>
+                            <p:childTnLst>
                               <p:par>
-                                <p:cTn id="21" presetID="2" presetClass="entr" presetSubtype="4" fill="hold" nodeType="withEffect">
+                                <p:cTn id="23" presetID="1" presetClass="entr" presetSubtype="0" fill="hold" grpId="0" nodeType="clickEffect">
                                   <p:stCondLst>
                                     <p:cond delay="0"/>
                                   </p:stCondLst>
                                   <p:childTnLst>
                                     <p:set>
                                       <p:cBhvr>
-                                        <p:cTn id="22" dur="1" fill="hold">
+                                        <p:cTn id="24" dur="1" fill="hold">
+                                          <p:stCondLst>
+                                            <p:cond delay="0"/>
+                                          </p:stCondLst>
+                                        </p:cTn>
+                                        <p:tgtEl>
+                                          <p:spTgt spid="14"/>
+                                        </p:tgtEl>
+                                        <p:attrNameLst>
+                                          <p:attrName>style.visibility</p:attrName>
+                                        </p:attrNameLst>
+                                      </p:cBhvr>
+                                      <p:to>
+                                        <p:strVal val="visible"/>
+                                      </p:to>
+                                    </p:set>
+                                  </p:childTnLst>
+                                </p:cTn>
+                              </p:par>
+                              <p:par>
+                                <p:cTn id="25" presetID="1" presetClass="entr" presetSubtype="0" fill="hold" nodeType="withEffect">
+                                  <p:stCondLst>
+                                    <p:cond delay="0"/>
+                                  </p:stCondLst>
+                                  <p:childTnLst>
+                                    <p:set>
+                                      <p:cBhvr>
+                                        <p:cTn id="26" dur="1" fill="hold">
                                           <p:stCondLst>
                                             <p:cond delay="0"/>
                                           </p:stCondLst>
@@ -12642,52 +13291,6 @@
                                         <p:strVal val="visible"/>
                                       </p:to>
                                     </p:set>
-                                    <p:anim calcmode="lin" valueType="num">
-                                      <p:cBhvr additive="base">
-                                        <p:cTn id="23" dur="500" fill="hold"/>
-                                        <p:tgtEl>
-                                          <p:spTgt spid="10"/>
-                                        </p:tgtEl>
-                                        <p:attrNameLst>
-                                          <p:attrName>ppt_x</p:attrName>
-                                        </p:attrNameLst>
-                                      </p:cBhvr>
-                                      <p:tavLst>
-                                        <p:tav tm="0">
-                                          <p:val>
-                                            <p:strVal val="#ppt_x"/>
-                                          </p:val>
-                                        </p:tav>
-                                        <p:tav tm="100000">
-                                          <p:val>
-                                            <p:strVal val="#ppt_x"/>
-                                          </p:val>
-                                        </p:tav>
-                                      </p:tavLst>
-                                    </p:anim>
-                                    <p:anim calcmode="lin" valueType="num">
-                                      <p:cBhvr additive="base">
-                                        <p:cTn id="24" dur="500" fill="hold"/>
-                                        <p:tgtEl>
-                                          <p:spTgt spid="10"/>
-                                        </p:tgtEl>
-                                        <p:attrNameLst>
-                                          <p:attrName>ppt_y</p:attrName>
-                                        </p:attrNameLst>
-                                      </p:cBhvr>
-                                      <p:tavLst>
-                                        <p:tav tm="0">
-                                          <p:val>
-                                            <p:strVal val="1+#ppt_h/2"/>
-                                          </p:val>
-                                        </p:tav>
-                                        <p:tav tm="100000">
-                                          <p:val>
-                                            <p:strVal val="#ppt_y"/>
-                                          </p:val>
-                                        </p:tav>
-                                      </p:tavLst>
-                                    </p:anim>
                                   </p:childTnLst>
                                 </p:cTn>
                               </p:par>
@@ -12698,26 +13301,80 @@
                     </p:cTn>
                   </p:par>
                   <p:par>
-                    <p:cTn id="25" fill="hold">
+                    <p:cTn id="27" fill="hold">
                       <p:stCondLst>
                         <p:cond delay="indefinite"/>
                       </p:stCondLst>
                       <p:childTnLst>
                         <p:par>
-                          <p:cTn id="26" fill="hold">
+                          <p:cTn id="28" fill="hold">
                             <p:stCondLst>
                               <p:cond delay="0"/>
                             </p:stCondLst>
                             <p:childTnLst>
                               <p:par>
-                                <p:cTn id="27" presetID="2" presetClass="entr" presetSubtype="4" fill="hold" nodeType="clickEffect">
+                                <p:cTn id="29" presetID="1" presetClass="entr" presetSubtype="0" fill="hold" grpId="0" nodeType="clickEffect">
                                   <p:stCondLst>
                                     <p:cond delay="0"/>
                                   </p:stCondLst>
                                   <p:childTnLst>
                                     <p:set>
                                       <p:cBhvr>
-                                        <p:cTn id="28" dur="1" fill="hold">
+                                        <p:cTn id="30" dur="1" fill="hold">
+                                          <p:stCondLst>
+                                            <p:cond delay="0"/>
+                                          </p:stCondLst>
+                                        </p:cTn>
+                                        <p:tgtEl>
+                                          <p:spTgt spid="19"/>
+                                        </p:tgtEl>
+                                        <p:attrNameLst>
+                                          <p:attrName>style.visibility</p:attrName>
+                                        </p:attrNameLst>
+                                      </p:cBhvr>
+                                      <p:to>
+                                        <p:strVal val="visible"/>
+                                      </p:to>
+                                    </p:set>
+                                  </p:childTnLst>
+                                </p:cTn>
+                              </p:par>
+                              <p:par>
+                                <p:cTn id="31" presetID="1" presetClass="entr" presetSubtype="0" fill="hold" grpId="0" nodeType="withEffect">
+                                  <p:stCondLst>
+                                    <p:cond delay="0"/>
+                                  </p:stCondLst>
+                                  <p:childTnLst>
+                                    <p:set>
+                                      <p:cBhvr>
+                                        <p:cTn id="32" dur="1" fill="hold">
+                                          <p:stCondLst>
+                                            <p:cond delay="0"/>
+                                          </p:stCondLst>
+                                        </p:cTn>
+                                        <p:tgtEl>
+                                          <p:spTgt spid="20"/>
+                                        </p:tgtEl>
+                                        <p:attrNameLst>
+                                          <p:attrName>style.visibility</p:attrName>
+                                        </p:attrNameLst>
+                                      </p:cBhvr>
+                                      <p:to>
+                                        <p:strVal val="visible"/>
+                                      </p:to>
+                                    </p:set>
+                                  </p:childTnLst>
+                                </p:cTn>
+                              </p:par>
+                              <p:par>
+                                <p:cTn id="33" presetID="1" presetClass="entr" presetSubtype="0" fill="hold" nodeType="withEffect">
+                                  <p:stCondLst>
+                                    <p:cond delay="0"/>
+                                  </p:stCondLst>
+                                  <p:childTnLst>
+                                    <p:set>
+                                      <p:cBhvr>
+                                        <p:cTn id="34" dur="1" fill="hold">
                                           <p:stCondLst>
                                             <p:cond delay="0"/>
                                           </p:stCondLst>
@@ -12733,64 +13390,18 @@
                                         <p:strVal val="visible"/>
                                       </p:to>
                                     </p:set>
-                                    <p:anim calcmode="lin" valueType="num">
-                                      <p:cBhvr additive="base">
-                                        <p:cTn id="29" dur="500" fill="hold"/>
-                                        <p:tgtEl>
-                                          <p:spTgt spid="11"/>
-                                        </p:tgtEl>
-                                        <p:attrNameLst>
-                                          <p:attrName>ppt_x</p:attrName>
-                                        </p:attrNameLst>
-                                      </p:cBhvr>
-                                      <p:tavLst>
-                                        <p:tav tm="0">
-                                          <p:val>
-                                            <p:strVal val="#ppt_x"/>
-                                          </p:val>
-                                        </p:tav>
-                                        <p:tav tm="100000">
-                                          <p:val>
-                                            <p:strVal val="#ppt_x"/>
-                                          </p:val>
-                                        </p:tav>
-                                      </p:tavLst>
-                                    </p:anim>
-                                    <p:anim calcmode="lin" valueType="num">
-                                      <p:cBhvr additive="base">
-                                        <p:cTn id="30" dur="500" fill="hold"/>
-                                        <p:tgtEl>
-                                          <p:spTgt spid="11"/>
-                                        </p:tgtEl>
-                                        <p:attrNameLst>
-                                          <p:attrName>ppt_y</p:attrName>
-                                        </p:attrNameLst>
-                                      </p:cBhvr>
-                                      <p:tavLst>
-                                        <p:tav tm="0">
-                                          <p:val>
-                                            <p:strVal val="1+#ppt_h/2"/>
-                                          </p:val>
-                                        </p:tav>
-                                        <p:tav tm="100000">
-                                          <p:val>
-                                            <p:strVal val="#ppt_y"/>
-                                          </p:val>
-                                        </p:tav>
-                                      </p:tavLst>
-                                    </p:anim>
                                   </p:childTnLst>
                                 </p:cTn>
                               </p:par>
                               <p:par>
-                                <p:cTn id="31" presetID="2" presetClass="entr" presetSubtype="4" fill="hold" nodeType="withEffect">
+                                <p:cTn id="35" presetID="1" presetClass="entr" presetSubtype="0" fill="hold" nodeType="withEffect">
                                   <p:stCondLst>
                                     <p:cond delay="0"/>
                                   </p:stCondLst>
                                   <p:childTnLst>
                                     <p:set>
                                       <p:cBhvr>
-                                        <p:cTn id="32" dur="1" fill="hold">
+                                        <p:cTn id="36" dur="1" fill="hold">
                                           <p:stCondLst>
                                             <p:cond delay="0"/>
                                           </p:stCondLst>
@@ -12806,52 +13417,6 @@
                                         <p:strVal val="visible"/>
                                       </p:to>
                                     </p:set>
-                                    <p:anim calcmode="lin" valueType="num">
-                                      <p:cBhvr additive="base">
-                                        <p:cTn id="33" dur="500" fill="hold"/>
-                                        <p:tgtEl>
-                                          <p:spTgt spid="13"/>
-                                        </p:tgtEl>
-                                        <p:attrNameLst>
-                                          <p:attrName>ppt_x</p:attrName>
-                                        </p:attrNameLst>
-                                      </p:cBhvr>
-                                      <p:tavLst>
-                                        <p:tav tm="0">
-                                          <p:val>
-                                            <p:strVal val="#ppt_x"/>
-                                          </p:val>
-                                        </p:tav>
-                                        <p:tav tm="100000">
-                                          <p:val>
-                                            <p:strVal val="#ppt_x"/>
-                                          </p:val>
-                                        </p:tav>
-                                      </p:tavLst>
-                                    </p:anim>
-                                    <p:anim calcmode="lin" valueType="num">
-                                      <p:cBhvr additive="base">
-                                        <p:cTn id="34" dur="500" fill="hold"/>
-                                        <p:tgtEl>
-                                          <p:spTgt spid="13"/>
-                                        </p:tgtEl>
-                                        <p:attrNameLst>
-                                          <p:attrName>ppt_y</p:attrName>
-                                        </p:attrNameLst>
-                                      </p:cBhvr>
-                                      <p:tavLst>
-                                        <p:tav tm="0">
-                                          <p:val>
-                                            <p:strVal val="1+#ppt_h/2"/>
-                                          </p:val>
-                                        </p:tav>
-                                        <p:tav tm="100000">
-                                          <p:val>
-                                            <p:strVal val="#ppt_y"/>
-                                          </p:val>
-                                        </p:tav>
-                                      </p:tavLst>
-                                    </p:anim>
                                   </p:childTnLst>
                                 </p:cTn>
                               </p:par>
@@ -12882,6 +13447,14 @@
         </p:cTn>
       </p:par>
     </p:tnLst>
+    <p:bldLst>
+      <p:bldP spid="3" grpId="0"/>
+      <p:bldP spid="18" grpId="0"/>
+      <p:bldP spid="19" grpId="0"/>
+      <p:bldP spid="20" grpId="0"/>
+      <p:bldP spid="17" grpId="0"/>
+      <p:bldP spid="14" grpId="0"/>
+    </p:bldLst>
   </p:timing>
 </p:sld>
 </file>
@@ -13175,7 +13748,7 @@
         <p:spPr>
           <a:xfrm>
             <a:off x="251520" y="260648"/>
-            <a:ext cx="5166808" cy="5834378"/>
+            <a:ext cx="5292814" cy="5976664"/>
           </a:xfrm>
           <a:prstGeom prst="rect">
             <a:avLst/>
@@ -13294,8 +13867,8 @@
         </p:nvSpPr>
         <p:spPr>
           <a:xfrm>
-            <a:off x="5493433" y="2054055"/>
-            <a:ext cx="3422219" cy="584775"/>
+            <a:off x="5580113" y="2054055"/>
+            <a:ext cx="3468706" cy="584775"/>
           </a:xfrm>
           <a:prstGeom prst="rect">
             <a:avLst/>
@@ -13310,14 +13883,35 @@
           <a:p>
             <a:r>
               <a:rPr lang="nl-NL" sz="1600" dirty="0"/>
-              <a:t>Mijn pagina’s met voorbeelden:</a:t>
-            </a:r>
-          </a:p>
-          <a:p>
+              <a:t>P</a:t>
+            </a:r>
+            <a:r>
+              <a:rPr lang="nl-NL" sz="1600" dirty="0" smtClean="0"/>
+              <a:t>agina’s </a:t>
+            </a:r>
             <a:r>
               <a:rPr lang="nl-NL" sz="1600" dirty="0"/>
-              <a:t>https://maetempels.github.io/MAE-gf/</a:t>
-            </a:r>
+              <a:t>met voorbeelden:</a:t>
+            </a:r>
+          </a:p>
+          <a:p>
+            <a:r>
+              <a:rPr lang="nl-NL" sz="1600" dirty="0">
+                <a:hlinkClick r:id="rId4"/>
+              </a:rPr>
+              <a:t>https://maetempels.github.io/MAE-gf</a:t>
+            </a:r>
+            <a:r>
+              <a:rPr lang="nl-NL" sz="1600" dirty="0" smtClean="0">
+                <a:hlinkClick r:id="rId4"/>
+              </a:rPr>
+              <a:t>/</a:t>
+            </a:r>
+            <a:r>
+              <a:rPr lang="nl-NL" sz="1600" dirty="0" smtClean="0"/>
+              <a:t> </a:t>
+            </a:r>
+            <a:endParaRPr lang="nl-NL" sz="1600" dirty="0"/>
           </a:p>
         </p:txBody>
       </p:sp>
@@ -13335,8 +13929,8 @@
         </p:nvSpPr>
         <p:spPr>
           <a:xfrm>
-            <a:off x="5493432" y="1295870"/>
-            <a:ext cx="3116622" cy="584775"/>
+            <a:off x="5580112" y="1295870"/>
+            <a:ext cx="3163110" cy="584775"/>
           </a:xfrm>
           <a:prstGeom prst="rect">
             <a:avLst/>
@@ -13360,9 +13954,22 @@
           </a:p>
           <a:p>
             <a:r>
-              <a:rPr lang="nl-NL" sz="1600" dirty="0"/>
-              <a:t>https://d-bl.github.io/GroundForge</a:t>
-            </a:r>
+              <a:rPr lang="nl-NL" sz="1600" dirty="0">
+                <a:hlinkClick r:id="rId5"/>
+              </a:rPr>
+              <a:t>https://</a:t>
+            </a:r>
+            <a:r>
+              <a:rPr lang="nl-NL" sz="1600" dirty="0" smtClean="0">
+                <a:hlinkClick r:id="rId5"/>
+              </a:rPr>
+              <a:t>d-bl.github.io/GroundForge</a:t>
+            </a:r>
+            <a:r>
+              <a:rPr lang="nl-NL" sz="1600" dirty="0" smtClean="0"/>
+              <a:t> </a:t>
+            </a:r>
+            <a:endParaRPr lang="nl-NL" sz="1600" dirty="0"/>
           </a:p>
         </p:txBody>
       </p:sp>
@@ -13381,7 +13988,7 @@
           <p:nvPr/>
         </p:nvPicPr>
         <p:blipFill>
-          <a:blip r:embed="rId4"/>
+          <a:blip r:embed="rId6"/>
           <a:stretch>
             <a:fillRect/>
           </a:stretch>
@@ -13423,14 +14030,14 @@
           <p:nvPr/>
         </p:nvPicPr>
         <p:blipFill>
-          <a:blip r:embed="rId5"/>
+          <a:blip r:embed="rId7"/>
           <a:stretch>
             <a:fillRect/>
           </a:stretch>
         </p:blipFill>
         <p:spPr>
           <a:xfrm>
-            <a:off x="2308920" y="4242065"/>
+            <a:off x="3131840" y="4437112"/>
             <a:ext cx="4374616" cy="1633821"/>
           </a:xfrm>
           <a:prstGeom prst="rect">

--- a/docs/help/NL.pptx
+++ b/docs/help/NL.pptx
@@ -12129,8 +12129,8 @@
         </p:nvSpPr>
         <p:spPr>
           <a:xfrm>
-            <a:off x="2380087" y="409301"/>
-            <a:ext cx="5936329" cy="1077218"/>
+            <a:off x="2380087" y="197891"/>
+            <a:ext cx="5936329" cy="1200329"/>
           </a:xfrm>
           <a:prstGeom prst="rect">
             <a:avLst/>
@@ -12144,7 +12144,7 @@
           <a:lstStyle/>
           <a:p>
             <a:r>
-              <a:rPr lang="nl-NL" sz="3200" b="1" dirty="0"/>
+              <a:rPr lang="nl-NL" sz="3600" b="1" dirty="0"/>
               <a:t>Draadtekeningen laten maken DOOR de computer.</a:t>
             </a:r>
           </a:p>
@@ -12297,7 +12297,7 @@
         </p:blipFill>
         <p:spPr>
           <a:xfrm>
-            <a:off x="971279" y="1512936"/>
+            <a:off x="971279" y="1675382"/>
             <a:ext cx="4020062" cy="1851664"/>
           </a:xfrm>
           <a:prstGeom prst="rect">
@@ -12401,7 +12401,7 @@
         </p:nvSpPr>
         <p:spPr>
           <a:xfrm>
-            <a:off x="971279" y="2821854"/>
+            <a:off x="971279" y="2984300"/>
             <a:ext cx="468394" cy="923330"/>
           </a:xfrm>
           <a:prstGeom prst="rect">
@@ -12735,7 +12735,7 @@
         </p:blipFill>
         <p:spPr>
           <a:xfrm>
-            <a:off x="3280895" y="1793716"/>
+            <a:off x="3280895" y="1956162"/>
             <a:ext cx="1867169" cy="1860524"/>
           </a:xfrm>
           <a:prstGeom prst="rect">
@@ -12763,7 +12763,7 @@
         </p:nvSpPr>
         <p:spPr>
           <a:xfrm>
-            <a:off x="3281577" y="3081734"/>
+            <a:off x="3281577" y="3244180"/>
             <a:ext cx="468394" cy="923330"/>
           </a:xfrm>
           <a:prstGeom prst="rect">
@@ -12852,7 +12852,7 @@
         </p:blipFill>
         <p:spPr>
           <a:xfrm>
-            <a:off x="4572000" y="1938132"/>
+            <a:off x="4572000" y="2100578"/>
             <a:ext cx="4020062" cy="1910194"/>
           </a:xfrm>
           <a:prstGeom prst="rect">
@@ -12880,7 +12880,7 @@
         </p:nvSpPr>
         <p:spPr>
           <a:xfrm>
-            <a:off x="4610783" y="3279328"/>
+            <a:off x="4610783" y="3441774"/>
             <a:ext cx="468394" cy="923330"/>
           </a:xfrm>
           <a:prstGeom prst="rect">
@@ -13748,7 +13748,7 @@
         <p:spPr>
           <a:xfrm>
             <a:off x="251520" y="260648"/>
-            <a:ext cx="5292814" cy="5976664"/>
+            <a:ext cx="4400050" cy="4968552"/>
           </a:xfrm>
           <a:prstGeom prst="rect">
             <a:avLst/>
@@ -13855,68 +13855,6 @@
       </p:sp>
       <p:sp>
         <p:nvSpPr>
-          <p:cNvPr id="7" name="Tekstvak 6">
-            <a:extLst>
-              <a:ext uri="{FF2B5EF4-FFF2-40B4-BE49-F238E27FC236}">
-                <a16:creationId xmlns:a16="http://schemas.microsoft.com/office/drawing/2014/main" xmlns="" id="{46BAFBC1-2E76-4BCA-B53E-B93C723EF38D}"/>
-              </a:ext>
-            </a:extLst>
-          </p:cNvPr>
-          <p:cNvSpPr txBox="1"/>
-          <p:nvPr/>
-        </p:nvSpPr>
-        <p:spPr>
-          <a:xfrm>
-            <a:off x="5580113" y="2054055"/>
-            <a:ext cx="3468706" cy="584775"/>
-          </a:xfrm>
-          <a:prstGeom prst="rect">
-            <a:avLst/>
-          </a:prstGeom>
-          <a:noFill/>
-        </p:spPr>
-        <p:txBody>
-          <a:bodyPr wrap="none" rtlCol="0">
-            <a:spAutoFit/>
-          </a:bodyPr>
-          <a:lstStyle/>
-          <a:p>
-            <a:r>
-              <a:rPr lang="nl-NL" sz="1600" dirty="0"/>
-              <a:t>P</a:t>
-            </a:r>
-            <a:r>
-              <a:rPr lang="nl-NL" sz="1600" dirty="0" smtClean="0"/>
-              <a:t>agina’s </a:t>
-            </a:r>
-            <a:r>
-              <a:rPr lang="nl-NL" sz="1600" dirty="0"/>
-              <a:t>met voorbeelden:</a:t>
-            </a:r>
-          </a:p>
-          <a:p>
-            <a:r>
-              <a:rPr lang="nl-NL" sz="1600" dirty="0">
-                <a:hlinkClick r:id="rId4"/>
-              </a:rPr>
-              <a:t>https://maetempels.github.io/MAE-gf</a:t>
-            </a:r>
-            <a:r>
-              <a:rPr lang="nl-NL" sz="1600" dirty="0" smtClean="0">
-                <a:hlinkClick r:id="rId4"/>
-              </a:rPr>
-              <a:t>/</a:t>
-            </a:r>
-            <a:r>
-              <a:rPr lang="nl-NL" sz="1600" dirty="0" smtClean="0"/>
-              <a:t> </a:t>
-            </a:r>
-            <a:endParaRPr lang="nl-NL" sz="1600" dirty="0"/>
-          </a:p>
-        </p:txBody>
-      </p:sp>
-      <p:sp>
-        <p:nvSpPr>
           <p:cNvPr id="8" name="Tekstvak 7">
             <a:extLst>
               <a:ext uri="{FF2B5EF4-FFF2-40B4-BE49-F238E27FC236}">
@@ -13929,8 +13867,8 @@
         </p:nvSpPr>
         <p:spPr>
           <a:xfrm>
-            <a:off x="5580112" y="1295870"/>
-            <a:ext cx="3163110" cy="584775"/>
+            <a:off x="269404" y="5373216"/>
+            <a:ext cx="8047012" cy="1384995"/>
           </a:xfrm>
           <a:prstGeom prst="rect">
             <a:avLst/>
@@ -13938,38 +13876,66 @@
           <a:noFill/>
         </p:spPr>
         <p:txBody>
-          <a:bodyPr wrap="none" rtlCol="0">
+          <a:bodyPr wrap="square" rtlCol="0">
             <a:spAutoFit/>
           </a:bodyPr>
           <a:lstStyle/>
           <a:p>
             <a:r>
-              <a:rPr lang="nl-NL" sz="1600" dirty="0" err="1"/>
+              <a:rPr lang="nl-NL" sz="2800" dirty="0" err="1"/>
               <a:t>Groundforge</a:t>
             </a:r>
             <a:r>
-              <a:rPr lang="nl-NL" sz="1600" dirty="0"/>
-              <a:t>:</a:t>
-            </a:r>
-          </a:p>
-          <a:p>
-            <a:r>
-              <a:rPr lang="nl-NL" sz="1600" dirty="0">
+              <a:rPr lang="nl-NL" sz="2800" dirty="0" smtClean="0"/>
+              <a:t>: </a:t>
+            </a:r>
+            <a:r>
+              <a:rPr lang="nl-NL" sz="2800" dirty="0" smtClean="0">
+                <a:hlinkClick r:id="rId4"/>
+              </a:rPr>
+              <a:t>https</a:t>
+            </a:r>
+            <a:r>
+              <a:rPr lang="nl-NL" sz="2800" dirty="0">
+                <a:hlinkClick r:id="rId4"/>
+              </a:rPr>
+              <a:t>://</a:t>
+            </a:r>
+            <a:r>
+              <a:rPr lang="nl-NL" sz="2800" dirty="0" smtClean="0">
+                <a:hlinkClick r:id="rId4"/>
+              </a:rPr>
+              <a:t>d-bl.github.io/GroundForge</a:t>
+            </a:r>
+            <a:r>
+              <a:rPr lang="nl-NL" sz="2800" dirty="0" smtClean="0"/>
+              <a:t> </a:t>
+            </a:r>
+          </a:p>
+          <a:p>
+            <a:r>
+              <a:rPr lang="nl-NL" sz="2800" dirty="0" smtClean="0"/>
+              <a:t>Voorbeelden: </a:t>
+            </a:r>
+            <a:r>
+              <a:rPr lang="nl-NL" sz="2800" dirty="0" smtClean="0">
                 <a:hlinkClick r:id="rId5"/>
               </a:rPr>
-              <a:t>https://</a:t>
-            </a:r>
-            <a:r>
-              <a:rPr lang="nl-NL" sz="1600" dirty="0" smtClean="0">
+              <a:t>https</a:t>
+            </a:r>
+            <a:r>
+              <a:rPr lang="nl-NL" sz="2800" dirty="0">
                 <a:hlinkClick r:id="rId5"/>
               </a:rPr>
-              <a:t>d-bl.github.io/GroundForge</a:t>
-            </a:r>
-            <a:r>
-              <a:rPr lang="nl-NL" sz="1600" dirty="0" smtClean="0"/>
+              <a:t>://maetempels.github.io/MAE-gf/</a:t>
+            </a:r>
+            <a:r>
+              <a:rPr lang="nl-NL" sz="2800" dirty="0"/>
               <a:t> </a:t>
             </a:r>
-            <a:endParaRPr lang="nl-NL" sz="1600" dirty="0"/>
+          </a:p>
+          <a:p>
+            <a:endParaRPr lang="nl-NL" sz="2800" dirty="0"/>
           </a:p>
         </p:txBody>
       </p:sp>
@@ -13995,7 +13961,7 @@
         </p:blipFill>
         <p:spPr>
           <a:xfrm>
-            <a:off x="2308920" y="2054054"/>
+            <a:off x="5580113" y="1124744"/>
             <a:ext cx="1948925" cy="1575904"/>
           </a:xfrm>
           <a:prstGeom prst="rect">
@@ -14037,7 +14003,7 @@
         </p:blipFill>
         <p:spPr>
           <a:xfrm>
-            <a:off x="3131840" y="4437112"/>
+            <a:off x="4499992" y="3255769"/>
             <a:ext cx="4374616" cy="1633821"/>
           </a:xfrm>
           <a:prstGeom prst="rect">

--- a/docs/help/NL.pptx
+++ b/docs/help/NL.pptx
@@ -3585,7 +3585,19 @@
             </a:r>
             <a:r>
               <a:rPr lang="nl-NL" baseline="0" dirty="0" smtClean="0"/>
-              <a:t>Doel: effect voor contrasterende draden onderzoeken</a:t>
+              <a:t>Doel</a:t>
+            </a:r>
+            <a:r>
+              <a:rPr lang="nl-NL" baseline="0" smtClean="0"/>
+              <a:t>: </a:t>
+            </a:r>
+            <a:r>
+              <a:rPr lang="nl-NL" baseline="0" smtClean="0"/>
+              <a:t>mogelijkheden voor </a:t>
+            </a:r>
+            <a:r>
+              <a:rPr lang="nl-NL" baseline="0" dirty="0" smtClean="0"/>
+              <a:t>contrasterende draden onderzoeken</a:t>
             </a:r>
           </a:p>
           <a:p>

--- a/docs/help/NL.pptx
+++ b/docs/help/NL.pptx
@@ -5,32 +5,33 @@
     <p:sldMasterId id="2147483864" r:id="rId1"/>
   </p:sldMasterIdLst>
   <p:notesMasterIdLst>
-    <p:notesMasterId r:id="rId22"/>
+    <p:notesMasterId r:id="rId23"/>
   </p:notesMasterIdLst>
   <p:handoutMasterIdLst>
-    <p:handoutMasterId r:id="rId23"/>
+    <p:handoutMasterId r:id="rId24"/>
   </p:handoutMasterIdLst>
   <p:sldIdLst>
     <p:sldId id="256" r:id="rId2"/>
     <p:sldId id="294" r:id="rId3"/>
     <p:sldId id="295" r:id="rId4"/>
     <p:sldId id="275" r:id="rId5"/>
-    <p:sldId id="284" r:id="rId6"/>
-    <p:sldId id="277" r:id="rId7"/>
-    <p:sldId id="272" r:id="rId8"/>
-    <p:sldId id="271" r:id="rId9"/>
-    <p:sldId id="259" r:id="rId10"/>
-    <p:sldId id="274" r:id="rId11"/>
-    <p:sldId id="288" r:id="rId12"/>
-    <p:sldId id="276" r:id="rId13"/>
-    <p:sldId id="261" r:id="rId14"/>
-    <p:sldId id="281" r:id="rId15"/>
-    <p:sldId id="293" r:id="rId16"/>
-    <p:sldId id="280" r:id="rId17"/>
-    <p:sldId id="266" r:id="rId18"/>
-    <p:sldId id="268" r:id="rId19"/>
-    <p:sldId id="290" r:id="rId20"/>
-    <p:sldId id="292" r:id="rId21"/>
+    <p:sldId id="296" r:id="rId6"/>
+    <p:sldId id="284" r:id="rId7"/>
+    <p:sldId id="277" r:id="rId8"/>
+    <p:sldId id="272" r:id="rId9"/>
+    <p:sldId id="271" r:id="rId10"/>
+    <p:sldId id="259" r:id="rId11"/>
+    <p:sldId id="274" r:id="rId12"/>
+    <p:sldId id="288" r:id="rId13"/>
+    <p:sldId id="276" r:id="rId14"/>
+    <p:sldId id="261" r:id="rId15"/>
+    <p:sldId id="281" r:id="rId16"/>
+    <p:sldId id="293" r:id="rId17"/>
+    <p:sldId id="280" r:id="rId18"/>
+    <p:sldId id="266" r:id="rId19"/>
+    <p:sldId id="268" r:id="rId20"/>
+    <p:sldId id="290" r:id="rId21"/>
+    <p:sldId id="292" r:id="rId22"/>
   </p:sldIdLst>
   <p:sldSz cx="9144000" cy="6858000" type="screen4x3"/>
   <p:notesSz cx="6858000" cy="9144000"/>
@@ -181,7 +182,7 @@
             </a:lvl1pPr>
           </a:lstStyle>
           <a:p>
-            <a:endParaRPr lang="nl-NL"/>
+            <a:endParaRPr lang="nl-NL" dirty="0"/>
           </a:p>
         </p:txBody>
       </p:sp>
@@ -214,9 +215,9 @@
           <a:p>
             <a:fld id="{191DB269-8995-49D8-A4B0-9411C7010620}" type="datetimeFigureOut">
               <a:rPr lang="nl-NL" smtClean="0"/>
-              <a:t>25-3-2018</a:t>
+              <a:t>15-8-2018</a:t>
             </a:fld>
-            <a:endParaRPr lang="nl-NL"/>
+            <a:endParaRPr lang="nl-NL" dirty="0"/>
           </a:p>
         </p:txBody>
       </p:sp>
@@ -247,7 +248,7 @@
             </a:lvl1pPr>
           </a:lstStyle>
           <a:p>
-            <a:endParaRPr lang="nl-NL"/>
+            <a:endParaRPr lang="nl-NL" dirty="0"/>
           </a:p>
         </p:txBody>
       </p:sp>
@@ -282,7 +283,7 @@
               <a:rPr lang="nl-NL" smtClean="0"/>
               <a:t>‹nr.›</a:t>
             </a:fld>
-            <a:endParaRPr lang="nl-NL"/>
+            <a:endParaRPr lang="nl-NL" dirty="0"/>
           </a:p>
         </p:txBody>
       </p:sp>
@@ -346,7 +347,7 @@
             </a:lvl1pPr>
           </a:lstStyle>
           <a:p>
-            <a:endParaRPr lang="nl-NL"/>
+            <a:endParaRPr lang="nl-NL" dirty="0"/>
           </a:p>
         </p:txBody>
       </p:sp>
@@ -379,9 +380,9 @@
           <a:p>
             <a:fld id="{A74490FB-0058-431C-B3E7-EBBA4B708E40}" type="datetimeFigureOut">
               <a:rPr lang="nl-NL" smtClean="0"/>
-              <a:t>25-3-2018</a:t>
+              <a:t>15-8-2018</a:t>
             </a:fld>
-            <a:endParaRPr lang="nl-NL"/>
+            <a:endParaRPr lang="nl-NL" dirty="0"/>
           </a:p>
         </p:txBody>
       </p:sp>
@@ -414,7 +415,7 @@
           <a:bodyPr vert="horz" lIns="91440" tIns="45720" rIns="91440" bIns="45720" rtlCol="0" anchor="ctr"/>
           <a:lstStyle/>
           <a:p>
-            <a:endParaRPr lang="nl-NL"/>
+            <a:endParaRPr lang="nl-NL" dirty="0"/>
           </a:p>
         </p:txBody>
       </p:sp>
@@ -505,7 +506,7 @@
             </a:lvl1pPr>
           </a:lstStyle>
           <a:p>
-            <a:endParaRPr lang="nl-NL"/>
+            <a:endParaRPr lang="nl-NL" dirty="0"/>
           </a:p>
         </p:txBody>
       </p:sp>
@@ -540,7 +541,7 @@
               <a:rPr lang="nl-NL" smtClean="0"/>
               <a:t>‹nr.›</a:t>
             </a:fld>
-            <a:endParaRPr lang="nl-NL"/>
+            <a:endParaRPr lang="nl-NL" dirty="0"/>
           </a:p>
         </p:txBody>
       </p:sp>
@@ -763,7 +764,7 @@
               <a:rPr lang="nl-NL" smtClean="0"/>
               <a:t>1</a:t>
             </a:fld>
-            <a:endParaRPr lang="nl-NL"/>
+            <a:endParaRPr lang="nl-NL" dirty="0"/>
           </a:p>
         </p:txBody>
       </p:sp>
@@ -825,134 +826,38 @@
           <a:lstStyle/>
           <a:p>
             <a:r>
-              <a:rPr lang="en-US" i="1" dirty="0" smtClean="0"/>
-              <a:t>A Lace Guide for Makers and Collectors</a:t>
-            </a:r>
-            <a:r>
-              <a:rPr lang="en-US" dirty="0" smtClean="0"/>
-              <a:t> door Gertrude Whiting</a:t>
-            </a:r>
-          </a:p>
-          <a:p>
-            <a:r>
-              <a:rPr lang="en-US" baseline="0" dirty="0" smtClean="0">
+              <a:rPr lang="nl-NL" dirty="0" smtClean="0">
                 <a:effectLst/>
               </a:rPr>
-              <a:t>Kant </a:t>
-            </a:r>
-            <a:r>
-              <a:rPr lang="en-US" baseline="0" dirty="0" err="1" smtClean="0">
+              <a:t>Verschillende (groepen) voorbeeld pagina’s. Links op deze pagina vullen het parameters-formulier in van de hoofdpagina.</a:t>
+            </a:r>
+          </a:p>
+          <a:p>
+            <a:endParaRPr lang="nl-NL" dirty="0" smtClean="0">
+              <a:effectLst/>
+            </a:endParaRPr>
+          </a:p>
+          <a:p>
+            <a:r>
+              <a:rPr lang="nl-NL" dirty="0" smtClean="0">
                 <a:effectLst/>
               </a:rPr>
-              <a:t>gids</a:t>
-            </a:r>
-            <a:r>
-              <a:rPr lang="en-US" baseline="0" dirty="0" smtClean="0">
-                <a:effectLst/>
-              </a:rPr>
-              <a:t> </a:t>
-            </a:r>
-            <a:r>
-              <a:rPr lang="en-US" baseline="0" dirty="0" err="1" smtClean="0">
-                <a:effectLst/>
-              </a:rPr>
-              <a:t>voor</a:t>
-            </a:r>
-            <a:r>
-              <a:rPr lang="en-US" baseline="0" dirty="0" smtClean="0">
-                <a:effectLst/>
-              </a:rPr>
-              <a:t> makers en </a:t>
-            </a:r>
-            <a:r>
-              <a:rPr lang="en-US" baseline="0" dirty="0" err="1" smtClean="0">
-                <a:effectLst/>
-              </a:rPr>
-              <a:t>verzamelaars</a:t>
-            </a:r>
-            <a:r>
-              <a:rPr lang="en-US" baseline="0" dirty="0" smtClean="0">
-                <a:effectLst/>
-              </a:rPr>
-              <a:t>.</a:t>
-            </a:r>
-            <a:endParaRPr lang="nl-NL" baseline="0" dirty="0" smtClean="0">
+              <a:t>Elke groep heeft een eigen invalshoek.</a:t>
+            </a:r>
+          </a:p>
+          <a:p>
+            <a:endParaRPr lang="nl-NL" dirty="0" smtClean="0">
               <a:effectLst/>
             </a:endParaRPr>
           </a:p>
           <a:p>
-            <a:endParaRPr lang="nl-NL" baseline="0" dirty="0" smtClean="0">
+            <a:r>
+              <a:rPr lang="nl-NL" dirty="0" smtClean="0"/>
+              <a:t>Droste heeft een paar voorbeelden waarvan al wel slagen zijn ingevuld.</a:t>
+            </a:r>
+            <a:endParaRPr lang="nl-NL" dirty="0" smtClean="0">
               <a:effectLst/>
             </a:endParaRPr>
-          </a:p>
-          <a:p>
-            <a:r>
-              <a:rPr lang="nl-NL" baseline="0" dirty="0" smtClean="0">
-                <a:effectLst/>
-              </a:rPr>
-              <a:t>In diverse online archieven </a:t>
-            </a:r>
-            <a:r>
-              <a:rPr lang="nl-NL" baseline="0" dirty="0" smtClean="0">
-                <a:effectLst/>
-              </a:rPr>
-              <a:t>beschikbaar, het copyright is verlopen.</a:t>
-            </a:r>
-            <a:endParaRPr lang="nl-NL" baseline="0" dirty="0" smtClean="0">
-              <a:effectLst/>
-            </a:endParaRPr>
-          </a:p>
-          <a:p>
-            <a:endParaRPr lang="nl-NL" baseline="0" dirty="0" smtClean="0">
-              <a:effectLst/>
-            </a:endParaRPr>
-          </a:p>
-          <a:p>
-            <a:r>
-              <a:rPr lang="nl-NL" baseline="0" dirty="0" smtClean="0">
-                <a:effectLst/>
-              </a:rPr>
-              <a:t>Niet alle gronden kunnen met </a:t>
-            </a:r>
-            <a:r>
-              <a:rPr lang="nl-NL" baseline="0" dirty="0" err="1" smtClean="0">
-                <a:effectLst/>
-              </a:rPr>
-              <a:t>GroundForge</a:t>
-            </a:r>
-            <a:endParaRPr lang="nl-NL" baseline="0" dirty="0" smtClean="0">
-              <a:effectLst/>
-            </a:endParaRPr>
-          </a:p>
-          <a:p>
-            <a:r>
-              <a:rPr lang="nl-NL" baseline="0" dirty="0" smtClean="0">
-                <a:effectLst/>
-              </a:rPr>
-              <a:t>Bijvoorbeeld wegens aanhaken of oneven aantallen draden per slag</a:t>
-            </a:r>
-          </a:p>
-          <a:p>
-            <a:endParaRPr lang="nl-NL" baseline="0" dirty="0" smtClean="0">
-              <a:effectLst/>
-            </a:endParaRPr>
-          </a:p>
-          <a:p>
-            <a:r>
-              <a:rPr lang="nl-NL" b="1" baseline="0" dirty="0" smtClean="0">
-                <a:effectLst/>
-              </a:rPr>
-              <a:t>Bruggetje</a:t>
-            </a:r>
-          </a:p>
-          <a:p>
-            <a:r>
-              <a:rPr lang="nl-NL" baseline="0" dirty="0" smtClean="0">
-                <a:effectLst/>
-              </a:rPr>
-              <a:t>Laten we een blokje onder de loep nemen</a:t>
-            </a:r>
-            <a:endParaRPr lang="nl-NL" dirty="0"/>
           </a:p>
         </p:txBody>
       </p:sp>
@@ -975,7 +880,7 @@
               <a:rPr lang="nl-NL" smtClean="0"/>
               <a:t>10</a:t>
             </a:fld>
-            <a:endParaRPr lang="nl-NL"/>
+            <a:endParaRPr lang="nl-NL" dirty="0"/>
           </a:p>
         </p:txBody>
       </p:sp>
@@ -1036,9 +941,81 @@
           <a:bodyPr/>
           <a:lstStyle/>
           <a:p>
+            <a:r>
+              <a:rPr lang="en-US" i="1" dirty="0" smtClean="0"/>
+              <a:t>A Lace Guide for Makers and Collectors</a:t>
+            </a:r>
+            <a:r>
+              <a:rPr lang="en-US" dirty="0" smtClean="0"/>
+              <a:t> door Gertrude Whiting</a:t>
+            </a:r>
+          </a:p>
+          <a:p>
+            <a:r>
+              <a:rPr lang="en-US" baseline="0" dirty="0" smtClean="0">
+                <a:effectLst/>
+              </a:rPr>
+              <a:t>Kant gids voor makers en verzamelaars.</a:t>
+            </a:r>
             <a:endParaRPr lang="nl-NL" baseline="0" dirty="0" smtClean="0">
               <a:effectLst/>
             </a:endParaRPr>
+          </a:p>
+          <a:p>
+            <a:endParaRPr lang="nl-NL" baseline="0" dirty="0" smtClean="0">
+              <a:effectLst/>
+            </a:endParaRPr>
+          </a:p>
+          <a:p>
+            <a:r>
+              <a:rPr lang="nl-NL" baseline="0" dirty="0" smtClean="0">
+                <a:effectLst/>
+              </a:rPr>
+              <a:t>In diverse online archieven beschikbaar, het copyright is verlopen.</a:t>
+            </a:r>
+          </a:p>
+          <a:p>
+            <a:endParaRPr lang="nl-NL" baseline="0" dirty="0" smtClean="0">
+              <a:effectLst/>
+            </a:endParaRPr>
+          </a:p>
+          <a:p>
+            <a:r>
+              <a:rPr lang="nl-NL" baseline="0" dirty="0" smtClean="0">
+                <a:effectLst/>
+              </a:rPr>
+              <a:t>Niet alle gronden kunnen met GroundForge</a:t>
+            </a:r>
+          </a:p>
+          <a:p>
+            <a:r>
+              <a:rPr lang="nl-NL" baseline="0" dirty="0" smtClean="0">
+                <a:effectLst/>
+              </a:rPr>
+              <a:t>Bijvoorbeeld wegens aanhaken of oneven aantallen draden per slag</a:t>
+            </a:r>
+          </a:p>
+          <a:p>
+            <a:endParaRPr lang="nl-NL" baseline="0" dirty="0" smtClean="0">
+              <a:effectLst/>
+            </a:endParaRPr>
+          </a:p>
+          <a:p>
+            <a:r>
+              <a:rPr lang="nl-NL" b="1" baseline="0" dirty="0" smtClean="0">
+                <a:effectLst/>
+              </a:rPr>
+              <a:t>Bruggetje</a:t>
+            </a:r>
+          </a:p>
+          <a:p>
+            <a:r>
+              <a:rPr lang="nl-NL" baseline="0" dirty="0" smtClean="0">
+                <a:effectLst/>
+              </a:rPr>
+              <a:t>Laten we een blokje onder de loep nemen</a:t>
+            </a:r>
+            <a:endParaRPr lang="nl-NL" dirty="0"/>
           </a:p>
         </p:txBody>
       </p:sp>
@@ -1061,7 +1038,7 @@
               <a:rPr lang="nl-NL" smtClean="0"/>
               <a:t>11</a:t>
             </a:fld>
-            <a:endParaRPr lang="nl-NL"/>
+            <a:endParaRPr lang="nl-NL" dirty="0"/>
           </a:p>
         </p:txBody>
       </p:sp>
@@ -1122,281 +1099,6 @@
           <a:bodyPr/>
           <a:lstStyle/>
           <a:p>
-            <a:r>
-              <a:rPr lang="nl-NL" baseline="0" dirty="0" smtClean="0">
-                <a:effectLst/>
-              </a:rPr>
-              <a:t>Gebaseerd op tussenresultaten van promotie onderzoek door </a:t>
-            </a:r>
-            <a:r>
-              <a:rPr lang="nl-NL" baseline="0" dirty="0" err="1" smtClean="0">
-                <a:effectLst/>
-              </a:rPr>
-              <a:t>Veronika</a:t>
-            </a:r>
-            <a:r>
-              <a:rPr lang="nl-NL" baseline="0" dirty="0" smtClean="0">
-                <a:effectLst/>
-              </a:rPr>
-              <a:t> Irvine (CA)</a:t>
-            </a:r>
-          </a:p>
-          <a:p>
-            <a:endParaRPr lang="nl-NL" baseline="0" dirty="0" smtClean="0">
-              <a:effectLst/>
-            </a:endParaRPr>
-          </a:p>
-          <a:p>
-            <a:r>
-              <a:rPr lang="nl-NL" baseline="0" dirty="0" err="1" smtClean="0">
-                <a:effectLst/>
-              </a:rPr>
-              <a:t>GroundForge</a:t>
-            </a:r>
-            <a:r>
-              <a:rPr lang="nl-NL" baseline="0" dirty="0" smtClean="0">
-                <a:effectLst/>
-              </a:rPr>
-              <a:t> maakt de gaten in de schema’s zo rond mogelijk</a:t>
-            </a:r>
-          </a:p>
-          <a:p>
-            <a:r>
-              <a:rPr lang="nl-NL" dirty="0" smtClean="0"/>
-              <a:t>Er kunnen meerdere computer gegenereerde gronden bij een diagram horen</a:t>
-            </a:r>
-          </a:p>
-          <a:p>
-            <a:r>
-              <a:rPr lang="nl-NL" baseline="0" dirty="0" smtClean="0">
-                <a:effectLst/>
-              </a:rPr>
-              <a:t>Een</a:t>
-            </a:r>
-            <a:r>
-              <a:rPr lang="nl-NL" dirty="0" smtClean="0">
-                <a:effectLst/>
-              </a:rPr>
-              <a:t> animatie in </a:t>
-            </a:r>
-            <a:r>
-              <a:rPr lang="nl-NL" dirty="0" smtClean="0">
-                <a:effectLst/>
-              </a:rPr>
-              <a:t>een van de </a:t>
-            </a:r>
-            <a:r>
-              <a:rPr lang="nl-NL" dirty="0" smtClean="0">
-                <a:effectLst/>
-              </a:rPr>
-              <a:t>help pagina’s laat de transformatie van de ene variant naar de andere zien.</a:t>
-            </a:r>
-            <a:endParaRPr lang="nl-NL" baseline="0" dirty="0" smtClean="0">
-              <a:effectLst/>
-            </a:endParaRPr>
-          </a:p>
-          <a:p>
-            <a:endParaRPr lang="nl-NL" dirty="0"/>
-          </a:p>
-          <a:p>
-            <a:pPr marL="0" marR="0" indent="0" algn="l" defTabSz="914400" rtl="0" eaLnBrk="1" fontAlgn="auto" latinLnBrk="0" hangingPunct="1">
-              <a:lnSpc>
-                <a:spcPct val="100000"/>
-              </a:lnSpc>
-              <a:spcBef>
-                <a:spcPts val="0"/>
-              </a:spcBef>
-              <a:spcAft>
-                <a:spcPts val="0"/>
-              </a:spcAft>
-              <a:buClrTx/>
-              <a:buSzTx/>
-              <a:buFontTx/>
-              <a:buNone/>
-              <a:tabLst/>
-              <a:defRPr/>
-            </a:pPr>
-            <a:r>
-              <a:rPr lang="nl-NL" b="1" baseline="0" dirty="0" smtClean="0">
-                <a:effectLst/>
-              </a:rPr>
-              <a:t>Bruggetje</a:t>
-            </a:r>
-          </a:p>
-          <a:p>
-            <a:pPr marL="0" marR="0" indent="0" algn="l" defTabSz="914400" rtl="0" eaLnBrk="1" fontAlgn="auto" latinLnBrk="0" hangingPunct="1">
-              <a:lnSpc>
-                <a:spcPct val="100000"/>
-              </a:lnSpc>
-              <a:spcBef>
-                <a:spcPts val="0"/>
-              </a:spcBef>
-              <a:spcAft>
-                <a:spcPts val="0"/>
-              </a:spcAft>
-              <a:buClrTx/>
-              <a:buSzTx/>
-              <a:buFontTx/>
-              <a:buNone/>
-              <a:tabLst/>
-              <a:defRPr/>
-            </a:pPr>
-            <a:r>
-              <a:rPr lang="nl-NL" baseline="0" dirty="0" smtClean="0">
-                <a:effectLst/>
-              </a:rPr>
-              <a:t>Kiezen</a:t>
-            </a:r>
-            <a:r>
-              <a:rPr lang="nl-NL" dirty="0" smtClean="0">
-                <a:effectLst/>
-              </a:rPr>
-              <a:t> we </a:t>
-            </a:r>
-            <a:r>
-              <a:rPr lang="nl-NL" baseline="0" dirty="0" smtClean="0">
-                <a:effectLst/>
-              </a:rPr>
-              <a:t>de Parijse grond</a:t>
-            </a:r>
-          </a:p>
-          <a:p>
-            <a:pPr marL="0" marR="0" indent="0" algn="l" defTabSz="914400" rtl="0" eaLnBrk="1" fontAlgn="auto" latinLnBrk="0" hangingPunct="1">
-              <a:lnSpc>
-                <a:spcPct val="100000"/>
-              </a:lnSpc>
-              <a:spcBef>
-                <a:spcPts val="0"/>
-              </a:spcBef>
-              <a:spcAft>
-                <a:spcPts val="0"/>
-              </a:spcAft>
-              <a:buClrTx/>
-              <a:buSzTx/>
-              <a:buFontTx/>
-              <a:buNone/>
-              <a:tabLst/>
-              <a:defRPr/>
-            </a:pPr>
-            <a:r>
-              <a:rPr lang="nl-NL" dirty="0" smtClean="0"/>
-              <a:t>Dan krijgen we enkele varianten met een vierkast raster</a:t>
-            </a:r>
-            <a:endParaRPr lang="nl-NL" baseline="0" dirty="0" smtClean="0">
-              <a:effectLst/>
-            </a:endParaRPr>
-          </a:p>
-          <a:p>
-            <a:pPr marL="0" marR="0" indent="0" algn="l" defTabSz="914400" rtl="0" eaLnBrk="1" fontAlgn="auto" latinLnBrk="0" hangingPunct="1">
-              <a:lnSpc>
-                <a:spcPct val="100000"/>
-              </a:lnSpc>
-              <a:spcBef>
-                <a:spcPts val="0"/>
-              </a:spcBef>
-              <a:spcAft>
-                <a:spcPts val="0"/>
-              </a:spcAft>
-              <a:buClrTx/>
-              <a:buSzTx/>
-              <a:buFontTx/>
-              <a:buNone/>
-              <a:tabLst/>
-              <a:defRPr/>
-            </a:pPr>
-            <a:endParaRPr lang="nl-NL" baseline="0" dirty="0" smtClean="0">
-              <a:effectLst/>
-            </a:endParaRPr>
-          </a:p>
-          <a:p>
-            <a:pPr marL="0" marR="0" indent="0" algn="l" defTabSz="914400" rtl="0" eaLnBrk="1" fontAlgn="auto" latinLnBrk="0" hangingPunct="1">
-              <a:lnSpc>
-                <a:spcPct val="100000"/>
-              </a:lnSpc>
-              <a:spcBef>
-                <a:spcPts val="0"/>
-              </a:spcBef>
-              <a:spcAft>
-                <a:spcPts val="0"/>
-              </a:spcAft>
-              <a:buClrTx/>
-              <a:buSzTx/>
-              <a:buFontTx/>
-              <a:buNone/>
-              <a:tabLst/>
-              <a:defRPr/>
-            </a:pPr>
-            <a:r>
-              <a:rPr lang="nl-NL" i="1" strike="noStrike" baseline="0" dirty="0" smtClean="0">
-                <a:effectLst/>
-              </a:rPr>
-              <a:t>Vraag en antwoord:</a:t>
-            </a:r>
-          </a:p>
-          <a:p>
-            <a:r>
-              <a:rPr lang="nl-NL" i="1" strike="noStrike" baseline="0" dirty="0" smtClean="0">
-                <a:effectLst/>
-              </a:rPr>
-              <a:t>Hoeveel voorbeelden zijn er?</a:t>
-            </a:r>
-          </a:p>
-          <a:p>
-            <a:endParaRPr lang="nl-NL" i="1" strike="noStrike" baseline="0" dirty="0" smtClean="0">
-              <a:effectLst/>
-            </a:endParaRPr>
-          </a:p>
-          <a:p>
-            <a:r>
-              <a:rPr lang="nl-NL" i="1" strike="noStrike" baseline="0" dirty="0" smtClean="0">
-                <a:effectLst/>
-              </a:rPr>
-              <a:t>374 paardiagrammen, gebaseerd op</a:t>
-            </a:r>
-          </a:p>
-          <a:p>
-            <a:pPr marL="0" marR="0" indent="0" algn="l" defTabSz="914400" rtl="0" eaLnBrk="1" fontAlgn="auto" latinLnBrk="0" hangingPunct="1">
-              <a:lnSpc>
-                <a:spcPct val="100000"/>
-              </a:lnSpc>
-              <a:spcBef>
-                <a:spcPts val="0"/>
-              </a:spcBef>
-              <a:spcAft>
-                <a:spcPts val="0"/>
-              </a:spcAft>
-              <a:buClrTx/>
-              <a:buSzTx/>
-              <a:buFontTx/>
-              <a:buNone/>
-              <a:tabLst/>
-              <a:defRPr/>
-            </a:pPr>
-            <a:r>
-              <a:rPr lang="nl-NL" i="1" strike="noStrike" baseline="0" dirty="0" smtClean="0">
-                <a:effectLst/>
-              </a:rPr>
-              <a:t>449 computer gegenereerde diagrammen.</a:t>
-            </a:r>
-          </a:p>
-          <a:p>
-            <a:pPr marL="0" marR="0" indent="0" algn="l" defTabSz="914400" rtl="0" eaLnBrk="1" fontAlgn="auto" latinLnBrk="0" hangingPunct="1">
-              <a:lnSpc>
-                <a:spcPct val="100000"/>
-              </a:lnSpc>
-              <a:spcBef>
-                <a:spcPts val="0"/>
-              </a:spcBef>
-              <a:spcAft>
-                <a:spcPts val="0"/>
-              </a:spcAft>
-              <a:buClrTx/>
-              <a:buSzTx/>
-              <a:buFontTx/>
-              <a:buNone/>
-              <a:tabLst/>
-              <a:defRPr/>
-            </a:pPr>
             <a:endParaRPr lang="nl-NL" baseline="0" dirty="0" smtClean="0">
               <a:effectLst/>
             </a:endParaRPr>
@@ -1422,7 +1124,7 @@
               <a:rPr lang="nl-NL" smtClean="0"/>
               <a:t>12</a:t>
             </a:fld>
-            <a:endParaRPr lang="nl-NL"/>
+            <a:endParaRPr lang="nl-NL" dirty="0"/>
           </a:p>
         </p:txBody>
       </p:sp>
@@ -1483,6 +1185,53 @@
           <a:bodyPr/>
           <a:lstStyle/>
           <a:p>
+            <a:r>
+              <a:rPr lang="nl-NL" baseline="0" dirty="0" smtClean="0">
+                <a:effectLst/>
+              </a:rPr>
+              <a:t>Gebaseerd op tussenresultaten van promotie onderzoek door Veronika Irvine (CA)</a:t>
+            </a:r>
+          </a:p>
+          <a:p>
+            <a:endParaRPr lang="nl-NL" baseline="0" dirty="0" smtClean="0">
+              <a:effectLst/>
+            </a:endParaRPr>
+          </a:p>
+          <a:p>
+            <a:r>
+              <a:rPr lang="nl-NL" baseline="0" dirty="0" smtClean="0">
+                <a:effectLst/>
+              </a:rPr>
+              <a:t>GroundForge maakt de gaten in de schema’s zo rond mogelijk</a:t>
+            </a:r>
+          </a:p>
+          <a:p>
+            <a:r>
+              <a:rPr lang="nl-NL" dirty="0" smtClean="0"/>
+              <a:t>Er kunnen meerdere computer gegenereerde gronden bij een diagram horen</a:t>
+            </a:r>
+          </a:p>
+          <a:p>
+            <a:r>
+              <a:rPr lang="nl-NL" baseline="0" dirty="0" smtClean="0">
+                <a:effectLst/>
+              </a:rPr>
+              <a:t>Een</a:t>
+            </a:r>
+            <a:r>
+              <a:rPr lang="nl-NL" dirty="0" smtClean="0">
+                <a:effectLst/>
+              </a:rPr>
+              <a:t> animatie in een van de help pagina’s laat de transformatie van de ene variant naar de andere zien.</a:t>
+            </a:r>
+            <a:endParaRPr lang="nl-NL" baseline="0" dirty="0" smtClean="0">
+              <a:effectLst/>
+            </a:endParaRPr>
+          </a:p>
+          <a:p>
+            <a:endParaRPr lang="nl-NL" dirty="0"/>
+          </a:p>
+          <a:p>
             <a:pPr marL="0" marR="0" indent="0" algn="l" defTabSz="914400" rtl="0" eaLnBrk="1" fontAlgn="auto" latinLnBrk="0" hangingPunct="1">
               <a:lnSpc>
                 <a:spcPct val="100000"/>
@@ -1501,28 +1250,10 @@
               <a:defRPr/>
             </a:pPr>
             <a:r>
-              <a:rPr lang="nl-NL" baseline="0" dirty="0" smtClean="0">
+              <a:rPr lang="nl-NL" b="1" baseline="0" dirty="0" smtClean="0">
                 <a:effectLst/>
               </a:rPr>
-              <a:t>Downloaden </a:t>
-            </a:r>
-            <a:r>
-              <a:rPr lang="nl-NL" baseline="0" dirty="0" smtClean="0">
-                <a:effectLst/>
-              </a:rPr>
-              <a:t>en </a:t>
-            </a:r>
-            <a:r>
-              <a:rPr lang="nl-NL" baseline="0" dirty="0" err="1" smtClean="0">
-                <a:effectLst/>
-              </a:rPr>
-              <a:t>nabewerken</a:t>
-            </a:r>
-            <a:r>
-              <a:rPr lang="nl-NL" baseline="0" dirty="0" smtClean="0">
-                <a:effectLst/>
-              </a:rPr>
-              <a:t> met een SVG editor, of natekenen en evt. op een of andere manier vervormen</a:t>
+              <a:t>Bruggetje</a:t>
             </a:r>
           </a:p>
           <a:p>
@@ -1547,8 +1278,46 @@
               <a:rPr lang="nl-NL" baseline="0" dirty="0" smtClean="0">
                 <a:effectLst/>
               </a:rPr>
-              <a:t>Voor de gewenste kantbrief</a:t>
-            </a:r>
+              <a:t>Kiezen</a:t>
+            </a:r>
+            <a:r>
+              <a:rPr lang="nl-NL" dirty="0" smtClean="0">
+                <a:effectLst/>
+              </a:rPr>
+              <a:t> we </a:t>
+            </a:r>
+            <a:r>
+              <a:rPr lang="nl-NL" baseline="0" dirty="0" smtClean="0">
+                <a:effectLst/>
+              </a:rPr>
+              <a:t>de Parijse grond</a:t>
+            </a:r>
+          </a:p>
+          <a:p>
+            <a:pPr marL="0" marR="0" indent="0" algn="l" defTabSz="914400" rtl="0" eaLnBrk="1" fontAlgn="auto" latinLnBrk="0" hangingPunct="1">
+              <a:lnSpc>
+                <a:spcPct val="100000"/>
+              </a:lnSpc>
+              <a:spcBef>
+                <a:spcPts val="0"/>
+              </a:spcBef>
+              <a:spcAft>
+                <a:spcPts val="0"/>
+              </a:spcAft>
+              <a:buClrTx/>
+              <a:buSzTx/>
+              <a:buFontTx/>
+              <a:buNone/>
+              <a:tabLst/>
+              <a:defRPr/>
+            </a:pPr>
+            <a:r>
+              <a:rPr lang="nl-NL" dirty="0" smtClean="0"/>
+              <a:t>Dan krijgen we enkele varianten met een vierkast raster</a:t>
+            </a:r>
+            <a:endParaRPr lang="nl-NL" baseline="0" dirty="0" smtClean="0">
+              <a:effectLst/>
+            </a:endParaRPr>
           </a:p>
           <a:p>
             <a:pPr marL="0" marR="0" indent="0" algn="l" defTabSz="914400" rtl="0" eaLnBrk="1" fontAlgn="auto" latinLnBrk="0" hangingPunct="1">
@@ -1591,12 +1360,31 @@
               <a:defRPr/>
             </a:pPr>
             <a:r>
-              <a:rPr lang="nl-NL" b="1" dirty="0" smtClean="0"/>
-              <a:t>Bruggetje</a:t>
-            </a:r>
-            <a:r>
-              <a:rPr lang="nl-NL" dirty="0" smtClean="0"/>
-              <a:t>:</a:t>
+              <a:rPr lang="nl-NL" i="1" strike="noStrike" baseline="0" dirty="0" smtClean="0">
+                <a:effectLst/>
+              </a:rPr>
+              <a:t>Vraag en antwoord:</a:t>
+            </a:r>
+          </a:p>
+          <a:p>
+            <a:r>
+              <a:rPr lang="nl-NL" i="1" strike="noStrike" baseline="0" dirty="0" smtClean="0">
+                <a:effectLst/>
+              </a:rPr>
+              <a:t>Hoeveel voorbeelden zijn er?</a:t>
+            </a:r>
+          </a:p>
+          <a:p>
+            <a:endParaRPr lang="nl-NL" i="1" strike="noStrike" baseline="0" dirty="0" smtClean="0">
+              <a:effectLst/>
+            </a:endParaRPr>
+          </a:p>
+          <a:p>
+            <a:r>
+              <a:rPr lang="nl-NL" i="1" strike="noStrike" baseline="0" dirty="0" smtClean="0">
+                <a:effectLst/>
+              </a:rPr>
+              <a:t>374 paardiagrammen, gebaseerd op</a:t>
             </a:r>
           </a:p>
           <a:p>
@@ -1618,11 +1406,33 @@
               <a:defRPr/>
             </a:pPr>
             <a:r>
-              <a:rPr lang="nl-NL" baseline="0" dirty="0" smtClean="0">
+              <a:rPr lang="nl-NL" i="1" strike="noStrike" baseline="0" dirty="0" smtClean="0">
                 <a:effectLst/>
               </a:rPr>
-              <a:t>We zoomen verder in op het uitgelichte rapport van het rechter patroon</a:t>
-            </a:r>
+              <a:t>449 computer gegenereerde diagrammen.</a:t>
+            </a:r>
+          </a:p>
+          <a:p>
+            <a:pPr marL="0" marR="0" indent="0" algn="l" defTabSz="914400" rtl="0" eaLnBrk="1" fontAlgn="auto" latinLnBrk="0" hangingPunct="1">
+              <a:lnSpc>
+                <a:spcPct val="100000"/>
+              </a:lnSpc>
+              <a:spcBef>
+                <a:spcPts val="0"/>
+              </a:spcBef>
+              <a:spcAft>
+                <a:spcPts val="0"/>
+              </a:spcAft>
+              <a:buClrTx/>
+              <a:buSzTx/>
+              <a:buFontTx/>
+              <a:buNone/>
+              <a:tabLst/>
+              <a:defRPr/>
+            </a:pPr>
+            <a:endParaRPr lang="nl-NL" baseline="0" dirty="0" smtClean="0">
+              <a:effectLst/>
+            </a:endParaRPr>
           </a:p>
         </p:txBody>
       </p:sp>
@@ -1645,14 +1455,14 @@
               <a:rPr lang="nl-NL" smtClean="0"/>
               <a:t>13</a:t>
             </a:fld>
-            <a:endParaRPr lang="nl-NL"/>
+            <a:endParaRPr lang="nl-NL" dirty="0"/>
           </a:p>
         </p:txBody>
       </p:sp>
     </p:spTree>
     <p:extLst>
       <p:ext uri="{BB962C8B-B14F-4D97-AF65-F5344CB8AC3E}">
-        <p14:creationId xmlns:p14="http://schemas.microsoft.com/office/powerpoint/2010/main" val="4263791989"/>
+        <p14:creationId xmlns:p14="http://schemas.microsoft.com/office/powerpoint/2010/main" val="846069162"/>
       </p:ext>
     </p:extLst>
   </p:cSld>
@@ -1706,135 +1516,6 @@
           <a:bodyPr/>
           <a:lstStyle/>
           <a:p>
-            <a:r>
-              <a:rPr lang="nl-NL" dirty="0" smtClean="0">
-                <a:effectLst/>
-              </a:rPr>
-              <a:t>Kantbrief: wat je geplastificeerd</a:t>
-            </a:r>
-            <a:r>
-              <a:rPr lang="nl-NL" baseline="0" dirty="0" smtClean="0">
-                <a:effectLst/>
-              </a:rPr>
-              <a:t> op je kussen prikt.</a:t>
-            </a:r>
-            <a:endParaRPr lang="nl-NL" dirty="0" smtClean="0">
-              <a:effectLst/>
-            </a:endParaRPr>
-          </a:p>
-          <a:p>
-            <a:endParaRPr lang="nl-NL" dirty="0" smtClean="0">
-              <a:effectLst/>
-            </a:endParaRPr>
-          </a:p>
-          <a:p>
-            <a:r>
-              <a:rPr lang="nl-NL" dirty="0" smtClean="0">
-                <a:effectLst/>
-              </a:rPr>
-              <a:t>Bovenste rij afbeeldingen wat je</a:t>
-            </a:r>
-            <a:r>
-              <a:rPr lang="nl-NL" baseline="0" dirty="0" smtClean="0">
-                <a:effectLst/>
-              </a:rPr>
-              <a:t> van </a:t>
-            </a:r>
-            <a:r>
-              <a:rPr lang="nl-NL" baseline="0" dirty="0" err="1" smtClean="0">
-                <a:effectLst/>
-              </a:rPr>
-              <a:t>GroundForge</a:t>
-            </a:r>
-            <a:r>
-              <a:rPr lang="nl-NL" baseline="0" dirty="0" smtClean="0">
-                <a:effectLst/>
-              </a:rPr>
-              <a:t> krijgt.</a:t>
-            </a:r>
-          </a:p>
-          <a:p>
-            <a:r>
-              <a:rPr lang="nl-NL" baseline="0" dirty="0" smtClean="0">
-                <a:effectLst/>
-              </a:rPr>
-              <a:t>Er telkens onder wat je misschien wilt hebben, of een tussenstap.</a:t>
-            </a:r>
-          </a:p>
-          <a:p>
-            <a:r>
-              <a:rPr lang="nl-NL" baseline="0" dirty="0" smtClean="0">
-                <a:effectLst/>
-              </a:rPr>
-              <a:t>Linksonder als in: Kant uit Vlaanderen en ‘s Gravenmoer.</a:t>
-            </a:r>
-          </a:p>
-          <a:p>
-            <a:endParaRPr lang="nl-NL" baseline="0" dirty="0" smtClean="0">
-              <a:effectLst/>
-            </a:endParaRPr>
-          </a:p>
-          <a:p>
-            <a:r>
-              <a:rPr lang="nl-NL" i="1" baseline="0" dirty="0" smtClean="0">
-                <a:effectLst/>
-              </a:rPr>
-              <a:t>Afbeelding gemaakt met:</a:t>
-            </a:r>
-          </a:p>
-          <a:p>
-            <a:pPr lvl="1"/>
-            <a:r>
-              <a:rPr lang="nl-NL" i="0" dirty="0" smtClean="0">
-                <a:effectLst/>
-                <a:latin typeface="Consolas" panose="020B0609020204030204" pitchFamily="49" charset="0"/>
-                <a:cs typeface="Consolas" panose="020B0609020204030204" pitchFamily="49" charset="0"/>
-              </a:rPr>
-              <a:t>-</a:t>
-            </a:r>
-            <a:r>
-              <a:rPr lang="nl-NL" i="0" dirty="0" smtClean="0">
-                <a:effectLst/>
-                <a:latin typeface="Consolas" panose="020B0609020204030204" pitchFamily="49" charset="0"/>
-                <a:cs typeface="Consolas" panose="020B0609020204030204" pitchFamily="49" charset="0"/>
-              </a:rPr>
-              <a:t>5--</a:t>
-            </a:r>
-          </a:p>
-          <a:p>
-            <a:pPr lvl="1"/>
-            <a:r>
-              <a:rPr lang="nl-NL" i="0" dirty="0" smtClean="0">
-                <a:effectLst/>
-                <a:latin typeface="Consolas" panose="020B0609020204030204" pitchFamily="49" charset="0"/>
-                <a:cs typeface="Consolas" panose="020B0609020204030204" pitchFamily="49" charset="0"/>
-              </a:rPr>
-              <a:t>B-C-</a:t>
-            </a:r>
-          </a:p>
-          <a:p>
-            <a:pPr lvl="1"/>
-            <a:r>
-              <a:rPr lang="nl-NL" i="0" dirty="0" smtClean="0">
-                <a:effectLst/>
-                <a:latin typeface="Consolas" panose="020B0609020204030204" pitchFamily="49" charset="0"/>
-                <a:cs typeface="Consolas" panose="020B0609020204030204" pitchFamily="49" charset="0"/>
-              </a:rPr>
-              <a:t>-5-5</a:t>
-            </a:r>
-          </a:p>
-          <a:p>
-            <a:pPr lvl="1"/>
-            <a:r>
-              <a:rPr lang="nl-NL" i="0" dirty="0" smtClean="0">
-                <a:effectLst/>
-                <a:latin typeface="Consolas" panose="020B0609020204030204" pitchFamily="49" charset="0"/>
-                <a:cs typeface="Consolas" panose="020B0609020204030204" pitchFamily="49" charset="0"/>
-              </a:rPr>
-              <a:t>5-5-</a:t>
-            </a:r>
-          </a:p>
-          <a:p>
             <a:pPr marL="0" marR="0" indent="0" algn="l" defTabSz="914400" rtl="0" eaLnBrk="1" fontAlgn="auto" latinLnBrk="0" hangingPunct="1">
               <a:lnSpc>
                 <a:spcPct val="100000"/>
@@ -1853,191 +1534,110 @@
               <a:defRPr/>
             </a:pPr>
             <a:r>
-              <a:rPr lang="nl-NL" i="1" baseline="0" dirty="0" err="1" smtClean="0">
+              <a:rPr lang="nl-NL" baseline="0" dirty="0" smtClean="0">
                 <a:effectLst/>
               </a:rPr>
-              <a:t>Brick</a:t>
-            </a:r>
-            <a:r>
-              <a:rPr lang="nl-NL" i="1" baseline="0" dirty="0" smtClean="0">
+              <a:t>Downloaden en nabewerken met een SVG editor, of natekenen en evt. op een of andere manier vervormen</a:t>
+            </a:r>
+          </a:p>
+          <a:p>
+            <a:pPr marL="0" marR="0" indent="0" algn="l" defTabSz="914400" rtl="0" eaLnBrk="1" fontAlgn="auto" latinLnBrk="0" hangingPunct="1">
+              <a:lnSpc>
+                <a:spcPct val="100000"/>
+              </a:lnSpc>
+              <a:spcBef>
+                <a:spcPts val="0"/>
+              </a:spcBef>
+              <a:spcAft>
+                <a:spcPts val="0"/>
+              </a:spcAft>
+              <a:buClrTx/>
+              <a:buSzTx/>
+              <a:buFontTx/>
+              <a:buNone/>
+              <a:tabLst/>
+              <a:defRPr/>
+            </a:pPr>
+            <a:r>
+              <a:rPr lang="nl-NL" baseline="0" dirty="0" smtClean="0">
                 <a:effectLst/>
               </a:rPr>
-              <a:t> (baksteen); </a:t>
-            </a:r>
-            <a:r>
-              <a:rPr lang="nl-NL" i="1" baseline="0" dirty="0" err="1" smtClean="0">
+              <a:t>Voor de gewenste kantbrief</a:t>
+            </a:r>
+          </a:p>
+          <a:p>
+            <a:pPr marL="0" marR="0" indent="0" algn="l" defTabSz="914400" rtl="0" eaLnBrk="1" fontAlgn="auto" latinLnBrk="0" hangingPunct="1">
+              <a:lnSpc>
+                <a:spcPct val="100000"/>
+              </a:lnSpc>
+              <a:spcBef>
+                <a:spcPts val="0"/>
+              </a:spcBef>
+              <a:spcAft>
+                <a:spcPts val="0"/>
+              </a:spcAft>
+              <a:buClrTx/>
+              <a:buSzTx/>
+              <a:buFontTx/>
+              <a:buNone/>
+              <a:tabLst/>
+              <a:defRPr/>
+            </a:pPr>
+            <a:endParaRPr lang="nl-NL" baseline="0" dirty="0" smtClean="0">
+              <a:effectLst/>
+            </a:endParaRPr>
+          </a:p>
+          <a:p>
+            <a:pPr marL="0" marR="0" indent="0" algn="l" defTabSz="914400" rtl="0" eaLnBrk="1" fontAlgn="auto" latinLnBrk="0" hangingPunct="1">
+              <a:lnSpc>
+                <a:spcPct val="100000"/>
+              </a:lnSpc>
+              <a:spcBef>
+                <a:spcPts val="0"/>
+              </a:spcBef>
+              <a:spcAft>
+                <a:spcPts val="0"/>
+              </a:spcAft>
+              <a:buClrTx/>
+              <a:buSzTx/>
+              <a:buFontTx/>
+              <a:buNone/>
+              <a:tabLst/>
+              <a:defRPr/>
+            </a:pPr>
+            <a:r>
+              <a:rPr lang="nl-NL" b="1" dirty="0" smtClean="0"/>
+              <a:t>Bruggetje</a:t>
+            </a:r>
+            <a:r>
+              <a:rPr lang="nl-NL" dirty="0" smtClean="0"/>
+              <a:t>:</a:t>
+            </a:r>
+          </a:p>
+          <a:p>
+            <a:pPr marL="0" marR="0" indent="0" algn="l" defTabSz="914400" rtl="0" eaLnBrk="1" fontAlgn="auto" latinLnBrk="0" hangingPunct="1">
+              <a:lnSpc>
+                <a:spcPct val="100000"/>
+              </a:lnSpc>
+              <a:spcBef>
+                <a:spcPts val="0"/>
+              </a:spcBef>
+              <a:spcAft>
+                <a:spcPts val="0"/>
+              </a:spcAft>
+              <a:buClrTx/>
+              <a:buSzTx/>
+              <a:buFontTx/>
+              <a:buNone/>
+              <a:tabLst/>
+              <a:defRPr/>
+            </a:pPr>
+            <a:r>
+              <a:rPr lang="nl-NL" baseline="0" dirty="0" smtClean="0">
                 <a:effectLst/>
               </a:rPr>
-              <a:t>Stitches</a:t>
-            </a:r>
-            <a:r>
-              <a:rPr lang="nl-NL" i="1" baseline="0" dirty="0" smtClean="0">
-                <a:effectLst/>
-              </a:rPr>
-              <a:t> (s</a:t>
-            </a:r>
-            <a:r>
-              <a:rPr lang="nl-NL" i="1" dirty="0" smtClean="0">
-                <a:effectLst/>
-              </a:rPr>
-              <a:t>lagen): </a:t>
-            </a:r>
-            <a:r>
-              <a:rPr lang="nl-NL" i="1" dirty="0" err="1" smtClean="0">
-                <a:effectLst/>
-              </a:rPr>
-              <a:t>ct</a:t>
-            </a:r>
-            <a:r>
-              <a:rPr lang="nl-NL" i="1" dirty="0" smtClean="0">
-                <a:effectLst/>
-              </a:rPr>
-              <a:t> b1=</a:t>
-            </a:r>
-            <a:r>
-              <a:rPr lang="nl-NL" i="1" dirty="0" err="1" smtClean="0">
-                <a:effectLst/>
-              </a:rPr>
-              <a:t>ctptct</a:t>
-            </a:r>
-            <a:r>
-              <a:rPr lang="nl-NL" i="1" dirty="0" smtClean="0">
-                <a:effectLst/>
-              </a:rPr>
-              <a:t> d1=</a:t>
-            </a:r>
-            <a:r>
-              <a:rPr lang="nl-NL" i="1" dirty="0" err="1" smtClean="0">
-                <a:effectLst/>
-              </a:rPr>
-              <a:t>ctptct</a:t>
-            </a:r>
-            <a:r>
-              <a:rPr lang="nl-NL" i="1" dirty="0" smtClean="0">
-                <a:effectLst/>
-              </a:rPr>
-              <a:t> A2=</a:t>
-            </a:r>
-            <a:r>
-              <a:rPr lang="nl-NL" i="1" dirty="0" err="1" smtClean="0">
-                <a:effectLst/>
-              </a:rPr>
-              <a:t>ctpl</a:t>
-            </a:r>
-            <a:r>
-              <a:rPr lang="nl-NL" i="1" dirty="0" smtClean="0">
-                <a:effectLst/>
-              </a:rPr>
-              <a:t> C2=</a:t>
-            </a:r>
-            <a:r>
-              <a:rPr lang="nl-NL" i="1" dirty="0" err="1" smtClean="0">
-                <a:effectLst/>
-              </a:rPr>
-              <a:t>ctpr</a:t>
-            </a:r>
-            <a:r>
-              <a:rPr lang="nl-NL" i="1" dirty="0" smtClean="0">
-                <a:effectLst/>
-              </a:rPr>
-              <a:t> A4=</a:t>
-            </a:r>
-            <a:r>
-              <a:rPr lang="nl-NL" i="1" dirty="0" err="1" smtClean="0">
-                <a:effectLst/>
-              </a:rPr>
-              <a:t>ctl</a:t>
-            </a:r>
-            <a:r>
-              <a:rPr lang="nl-NL" i="1" dirty="0" smtClean="0">
-                <a:effectLst/>
-              </a:rPr>
-              <a:t> C4=ctr D1=</a:t>
-            </a:r>
-            <a:r>
-              <a:rPr lang="nl-NL" i="1" dirty="0" err="1" smtClean="0">
-                <a:effectLst/>
-              </a:rPr>
-              <a:t>ctptctt</a:t>
-            </a:r>
-            <a:endParaRPr lang="nl-NL" i="1" dirty="0" smtClean="0">
-              <a:effectLst/>
-            </a:endParaRPr>
-          </a:p>
-          <a:p>
-            <a:endParaRPr lang="nl-NL" i="1" dirty="0" smtClean="0">
-              <a:effectLst/>
-            </a:endParaRPr>
-          </a:p>
-          <a:p>
-            <a:r>
-              <a:rPr lang="nl-NL" i="1" dirty="0" smtClean="0">
-                <a:effectLst/>
-              </a:rPr>
-              <a:t>Alle </a:t>
-            </a:r>
-            <a:r>
-              <a:rPr lang="nl-NL" i="1" dirty="0" smtClean="0">
-                <a:effectLst/>
-              </a:rPr>
-              <a:t>draden zwart, 7 en 10 rood</a:t>
-            </a:r>
-          </a:p>
-          <a:p>
-            <a:endParaRPr lang="nl-NL" i="1" baseline="0" dirty="0" smtClean="0">
-              <a:effectLst/>
-            </a:endParaRPr>
-          </a:p>
-          <a:p>
-            <a:r>
-              <a:rPr lang="nl-NL" i="1" baseline="0" dirty="0" smtClean="0">
-                <a:effectLst/>
-              </a:rPr>
-              <a:t>Probeer </a:t>
-            </a:r>
-            <a:r>
-              <a:rPr lang="nl-NL" i="1" baseline="0" dirty="0" smtClean="0">
-                <a:effectLst/>
-              </a:rPr>
-              <a:t>ook eens een dubbelle  </a:t>
-            </a:r>
-            <a:r>
-              <a:rPr lang="nl-NL" i="1" baseline="0" dirty="0" err="1" smtClean="0">
-                <a:effectLst/>
-              </a:rPr>
-              <a:t>netslag</a:t>
-            </a:r>
-            <a:r>
-              <a:rPr lang="nl-NL" i="1" baseline="0" dirty="0" smtClean="0">
-                <a:effectLst/>
-              </a:rPr>
-              <a:t> of omkeerslag in het midden</a:t>
-            </a:r>
-          </a:p>
-          <a:p>
-            <a:r>
-              <a:rPr lang="nl-NL" i="1" baseline="0" dirty="0" smtClean="0">
-                <a:effectLst/>
-              </a:rPr>
-              <a:t>C=cross=kruisen, t=twist=draaien, p=pin=speld.</a:t>
-            </a:r>
-            <a:r>
-              <a:rPr lang="nl-NL" i="1" dirty="0" smtClean="0">
-                <a:effectLst/>
-              </a:rPr>
-              <a:t> </a:t>
-            </a:r>
-            <a:r>
-              <a:rPr lang="nl-NL" i="1" baseline="0" dirty="0" smtClean="0">
-                <a:effectLst/>
-              </a:rPr>
-              <a:t>Meestal gaan spelden niet zo goed.</a:t>
-            </a:r>
-          </a:p>
-          <a:p>
-            <a:endParaRPr lang="nl-NL" i="1" dirty="0" smtClean="0">
-              <a:effectLst/>
-            </a:endParaRPr>
+              <a:t>We zoomen verder in op het uitgelichte rapport van het rechter patroon</a:t>
+            </a:r>
           </a:p>
         </p:txBody>
       </p:sp>
@@ -2060,7 +1660,7 @@
               <a:rPr lang="nl-NL" smtClean="0"/>
               <a:t>14</a:t>
             </a:fld>
-            <a:endParaRPr lang="nl-NL"/>
+            <a:endParaRPr lang="nl-NL" dirty="0"/>
           </a:p>
         </p:txBody>
       </p:sp>
@@ -2125,307 +1725,189 @@
               <a:rPr lang="nl-NL" dirty="0" smtClean="0">
                 <a:effectLst/>
               </a:rPr>
-              <a:t>Concept</a:t>
+              <a:t>Kantbrief: wat je geplastificeerd</a:t>
             </a:r>
             <a:r>
               <a:rPr lang="nl-NL" baseline="0" dirty="0" smtClean="0">
                 <a:effectLst/>
               </a:rPr>
-              <a:t> downloaden voor SVG editor (</a:t>
-            </a:r>
-            <a:r>
-              <a:rPr lang="nl-NL" baseline="0" dirty="0" err="1" smtClean="0">
+              <a:t> op je kussen prikt.</a:t>
+            </a:r>
+            <a:endParaRPr lang="nl-NL" dirty="0" smtClean="0">
+              <a:effectLst/>
+            </a:endParaRPr>
+          </a:p>
+          <a:p>
+            <a:endParaRPr lang="nl-NL" dirty="0" smtClean="0">
+              <a:effectLst/>
+            </a:endParaRPr>
+          </a:p>
+          <a:p>
+            <a:r>
+              <a:rPr lang="nl-NL" dirty="0" smtClean="0">
                 <a:effectLst/>
               </a:rPr>
-              <a:t>CorelDraw</a:t>
+              <a:t>Bovenste rij afbeeldingen wat je</a:t>
             </a:r>
             <a:r>
               <a:rPr lang="nl-NL" baseline="0" dirty="0" smtClean="0">
                 <a:effectLst/>
               </a:rPr>
-              <a:t> </a:t>
-            </a:r>
-            <a:r>
-              <a:rPr lang="nl-NL" dirty="0" smtClean="0"/>
-              <a:t>💰 </a:t>
-            </a:r>
+              <a:t> van GroundForge krijgt.</a:t>
+            </a:r>
+          </a:p>
+          <a:p>
             <a:r>
               <a:rPr lang="nl-NL" baseline="0" dirty="0" smtClean="0">
                 <a:effectLst/>
               </a:rPr>
-              <a:t>, Adobe Illustrator</a:t>
-            </a:r>
-            <a:r>
-              <a:rPr lang="nl-NL" dirty="0" smtClean="0"/>
-              <a:t>💰, </a:t>
-            </a:r>
-            <a:r>
-              <a:rPr lang="nl-NL" baseline="0" dirty="0" err="1" smtClean="0">
-                <a:effectLst/>
-              </a:rPr>
-              <a:t>InkScape</a:t>
-            </a:r>
+              <a:t>Er telkens onder wat je misschien wilt hebben, of een tussenstap.</a:t>
+            </a:r>
+          </a:p>
+          <a:p>
             <a:r>
               <a:rPr lang="nl-NL" baseline="0" dirty="0" smtClean="0">
                 <a:effectLst/>
               </a:rPr>
-              <a:t>)</a:t>
-            </a:r>
-            <a:endParaRPr lang="nl-NL" dirty="0" smtClean="0">
+              <a:t>Linksonder als in: Kant uit Vlaanderen en ‘s Gravenmoer.</a:t>
+            </a:r>
+          </a:p>
+          <a:p>
+            <a:endParaRPr lang="nl-NL" baseline="0" dirty="0" smtClean="0">
               <a:effectLst/>
             </a:endParaRPr>
           </a:p>
           <a:p>
             <a:r>
-              <a:rPr lang="nl-NL" dirty="0" err="1" smtClean="0">
+              <a:rPr lang="nl-NL" i="1" baseline="0" dirty="0" smtClean="0">
                 <a:effectLst/>
               </a:rPr>
-              <a:t>Knipling</a:t>
-            </a:r>
-            <a:r>
-              <a:rPr lang="nl-NL" dirty="0" smtClean="0">
+              <a:t>Afbeelding gemaakt met:</a:t>
+            </a:r>
+          </a:p>
+          <a:p>
+            <a:pPr lvl="1"/>
+            <a:r>
+              <a:rPr lang="nl-NL" i="0" dirty="0" smtClean="0">
+                <a:effectLst/>
+                <a:latin typeface="Consolas" panose="020B0609020204030204" pitchFamily="49" charset="0"/>
+                <a:cs typeface="Consolas" panose="020B0609020204030204" pitchFamily="49" charset="0"/>
+              </a:rPr>
+              <a:t>-5--</a:t>
+            </a:r>
+          </a:p>
+          <a:p>
+            <a:pPr lvl="1"/>
+            <a:r>
+              <a:rPr lang="nl-NL" i="0" dirty="0" smtClean="0">
+                <a:effectLst/>
+                <a:latin typeface="Consolas" panose="020B0609020204030204" pitchFamily="49" charset="0"/>
+                <a:cs typeface="Consolas" panose="020B0609020204030204" pitchFamily="49" charset="0"/>
+              </a:rPr>
+              <a:t>B-C-</a:t>
+            </a:r>
+          </a:p>
+          <a:p>
+            <a:pPr lvl="1"/>
+            <a:r>
+              <a:rPr lang="nl-NL" i="0" dirty="0" smtClean="0">
+                <a:effectLst/>
+                <a:latin typeface="Consolas" panose="020B0609020204030204" pitchFamily="49" charset="0"/>
+                <a:cs typeface="Consolas" panose="020B0609020204030204" pitchFamily="49" charset="0"/>
+              </a:rPr>
+              <a:t>-5-5</a:t>
+            </a:r>
+          </a:p>
+          <a:p>
+            <a:pPr lvl="1"/>
+            <a:r>
+              <a:rPr lang="nl-NL" i="0" dirty="0" smtClean="0">
+                <a:effectLst/>
+                <a:latin typeface="Consolas" panose="020B0609020204030204" pitchFamily="49" charset="0"/>
+                <a:cs typeface="Consolas" panose="020B0609020204030204" pitchFamily="49" charset="0"/>
+              </a:rPr>
+              <a:t>5-5-</a:t>
+            </a:r>
+          </a:p>
+          <a:p>
+            <a:pPr marL="0" marR="0" indent="0" algn="l" defTabSz="914400" rtl="0" eaLnBrk="1" fontAlgn="auto" latinLnBrk="0" hangingPunct="1">
+              <a:lnSpc>
+                <a:spcPct val="100000"/>
+              </a:lnSpc>
+              <a:spcBef>
+                <a:spcPts val="0"/>
+              </a:spcBef>
+              <a:spcAft>
+                <a:spcPts val="0"/>
+              </a:spcAft>
+              <a:buClrTx/>
+              <a:buSzTx/>
+              <a:buFontTx/>
+              <a:buNone/>
+              <a:tabLst/>
+              <a:defRPr/>
+            </a:pPr>
+            <a:r>
+              <a:rPr lang="nl-NL" i="1" baseline="0" dirty="0" smtClean="0">
                 <a:effectLst/>
               </a:rPr>
-              <a:t>/Lace</a:t>
-            </a:r>
-            <a:r>
-              <a:rPr lang="nl-NL" sz="1400" baseline="30000" dirty="0" smtClean="0">
+              <a:t>Brick (baksteen); Stitches (s</a:t>
+            </a:r>
+            <a:r>
+              <a:rPr lang="nl-NL" i="1" dirty="0" smtClean="0">
                 <a:effectLst/>
               </a:rPr>
-              <a:t>8</a:t>
-            </a:r>
-            <a:r>
-              <a:rPr lang="nl-NL" sz="1400" dirty="0" smtClean="0">
+              <a:t>lagen): ct b1=ctptct d1=ctptct A2=ctpl C2=ctpr A4=ctl C4=ctr D1=ctptctt</a:t>
+            </a:r>
+          </a:p>
+          <a:p>
+            <a:endParaRPr lang="nl-NL" i="1" dirty="0" smtClean="0">
+              <a:effectLst/>
+            </a:endParaRPr>
+          </a:p>
+          <a:p>
+            <a:r>
+              <a:rPr lang="nl-NL" i="1" dirty="0" smtClean="0">
                 <a:effectLst/>
               </a:rPr>
-              <a:t>/</a:t>
-            </a:r>
-            <a:r>
-              <a:rPr lang="nl-NL" dirty="0" err="1" smtClean="0">
+              <a:t>Alle draden zwart, 7 en 10 rood</a:t>
+            </a:r>
+          </a:p>
+          <a:p>
+            <a:endParaRPr lang="nl-NL" i="1" baseline="0" dirty="0" smtClean="0">
+              <a:effectLst/>
+            </a:endParaRPr>
+          </a:p>
+          <a:p>
+            <a:r>
+              <a:rPr lang="nl-NL" i="1" baseline="0" dirty="0" smtClean="0">
                 <a:effectLst/>
               </a:rPr>
-              <a:t>Lace</a:t>
-            </a:r>
-            <a:r>
-              <a:rPr lang="nl-NL" sz="1200" baseline="30000" dirty="0" err="1" smtClean="0">
+              <a:t>Probeer ook eens een dubbelle  netslag of omkeerslag in het midden</a:t>
+            </a:r>
+          </a:p>
+          <a:p>
+            <a:r>
+              <a:rPr lang="nl-NL" i="1" baseline="0" dirty="0" smtClean="0">
                 <a:effectLst/>
               </a:rPr>
-              <a:t>X</a:t>
-            </a:r>
-            <a:r>
-              <a:rPr lang="nl-NL" sz="1200" baseline="30000" dirty="0" smtClean="0">
-                <a:effectLst/>
-              </a:rPr>
-              <a:t>-RP</a:t>
-            </a:r>
-            <a:r>
-              <a:rPr lang="nl-NL" dirty="0" smtClean="0">
-                <a:effectLst/>
-              </a:rPr>
-              <a:t> begrijpen de download niet: 1 rapport natekenen</a:t>
-            </a:r>
-          </a:p>
-          <a:p>
-            <a:r>
-              <a:rPr lang="nl-NL" dirty="0" smtClean="0">
-                <a:effectLst/>
-              </a:rPr>
-              <a:t>Kleuren helpen</a:t>
-            </a:r>
-            <a:r>
-              <a:rPr lang="nl-NL" baseline="0" dirty="0" smtClean="0">
-                <a:effectLst/>
-              </a:rPr>
-              <a:t> meerdere rapporten aan elkaar plakken</a:t>
-            </a:r>
-          </a:p>
-          <a:p>
-            <a:endParaRPr lang="nl-NL" dirty="0" smtClean="0"/>
-          </a:p>
-          <a:p>
-            <a:r>
-              <a:rPr lang="nl-NL" dirty="0" smtClean="0"/>
-              <a:t>Je kunt ook kruispunten verplaatsen.</a:t>
-            </a:r>
-          </a:p>
-          <a:p>
-            <a:r>
-              <a:rPr lang="nl-NL" dirty="0" smtClean="0">
-                <a:effectLst/>
-              </a:rPr>
-              <a:t>Zelfde kleuren </a:t>
-            </a:r>
-            <a:r>
-              <a:rPr lang="nl-NL" dirty="0" smtClean="0">
-                <a:effectLst/>
-                <a:sym typeface="Wingdings" panose="05000000000000000000" pitchFamily="2" charset="2"/>
-              </a:rPr>
-              <a:t> zelfde verplaatsing</a:t>
-            </a:r>
-            <a:r>
-              <a:rPr lang="nl-NL" dirty="0" smtClean="0">
+              <a:t>C=cross=kruisen, t=twist=draaien, p=pin=speld.</a:t>
+            </a:r>
+            <a:r>
+              <a:rPr lang="nl-NL" i="1" dirty="0" smtClean="0">
                 <a:effectLst/>
               </a:rPr>
               <a:t> </a:t>
             </a:r>
-          </a:p>
-          <a:p>
-            <a:r>
-              <a:rPr lang="nl-NL" dirty="0" smtClean="0">
+            <a:r>
+              <a:rPr lang="nl-NL" i="1" baseline="0" dirty="0" smtClean="0">
                 <a:effectLst/>
               </a:rPr>
-              <a:t>Het donkerblauwe bolletje rechtsboven zit ook midden-onder</a:t>
-            </a:r>
-          </a:p>
-          <a:p>
-            <a:r>
-              <a:rPr lang="nl-NL" dirty="0" smtClean="0">
-                <a:effectLst/>
-              </a:rPr>
-              <a:t> en kan daardoor hooguit een half hokje verschuiven.</a:t>
-            </a:r>
-          </a:p>
-          <a:p>
-            <a:endParaRPr lang="nl-NL" baseline="0" dirty="0" smtClean="0">
-              <a:effectLst/>
-            </a:endParaRPr>
-          </a:p>
-          <a:p>
-            <a:r>
-              <a:rPr lang="nl-NL" baseline="0" dirty="0" smtClean="0">
-                <a:effectLst/>
-              </a:rPr>
-              <a:t>Met promotieonderzoek alle(?) combinaties tot 4x4 opgezocht</a:t>
-            </a:r>
-          </a:p>
-          <a:p>
-            <a:r>
-              <a:rPr lang="nl-NL" dirty="0" smtClean="0">
-                <a:effectLst/>
-                <a:sym typeface="Wingdings" panose="05000000000000000000" pitchFamily="2" charset="2"/>
-              </a:rPr>
-              <a:t> enkele</a:t>
-            </a:r>
-            <a:r>
-              <a:rPr lang="nl-NL" baseline="0" dirty="0" smtClean="0">
-                <a:effectLst/>
-              </a:rPr>
-              <a:t> </a:t>
-            </a:r>
-            <a:r>
-              <a:rPr lang="nl-NL" dirty="0" smtClean="0"/>
-              <a:t>honderden rondgetrokken </a:t>
-            </a:r>
-            <a:r>
-              <a:rPr lang="nl-NL" dirty="0" err="1" smtClean="0"/>
-              <a:t>tesselace</a:t>
-            </a:r>
-            <a:r>
-              <a:rPr lang="nl-NL" baseline="0" dirty="0" smtClean="0"/>
-              <a:t> </a:t>
-            </a:r>
-            <a:r>
-              <a:rPr lang="nl-NL" dirty="0" smtClean="0"/>
-              <a:t>diagrammen</a:t>
-            </a:r>
-          </a:p>
-          <a:p>
-            <a:r>
-              <a:rPr lang="nl-NL" dirty="0" smtClean="0"/>
-              <a:t>5x4: zo veel dat je met een 1 sec per stuk minstens een dag bezig</a:t>
-            </a:r>
-            <a:r>
-              <a:rPr lang="nl-NL" baseline="0" dirty="0" smtClean="0"/>
-              <a:t> bent,</a:t>
-            </a:r>
-          </a:p>
-          <a:p>
-            <a:r>
-              <a:rPr lang="nl-NL" baseline="0" dirty="0" smtClean="0"/>
-              <a:t> veel daarvan is meer van bijna hetzelfde</a:t>
-            </a:r>
-            <a:endParaRPr lang="nl-NL" dirty="0" smtClean="0"/>
-          </a:p>
-          <a:p>
-            <a:endParaRPr lang="nl-NL" dirty="0" smtClean="0"/>
-          </a:p>
-          <a:p>
-            <a:r>
-              <a:rPr lang="nl-NL" dirty="0" smtClean="0"/>
-              <a:t>Binche gronden passen niet in 4x4,</a:t>
-            </a:r>
-            <a:r>
-              <a:rPr lang="nl-NL" baseline="0" dirty="0" smtClean="0"/>
-              <a:t> d</a:t>
-            </a:r>
-            <a:r>
-              <a:rPr lang="nl-NL" baseline="0" dirty="0" smtClean="0">
-                <a:effectLst/>
-              </a:rPr>
-              <a:t>ie kun je wel zelf maken</a:t>
-            </a:r>
-          </a:p>
-          <a:p>
-            <a:r>
-              <a:rPr lang="nl-NL" baseline="0" dirty="0" smtClean="0">
-                <a:effectLst/>
-              </a:rPr>
-              <a:t>Spiekbriefje in de handleiding (toegepast in MAE-</a:t>
-            </a:r>
-            <a:r>
-              <a:rPr lang="nl-NL" baseline="0" dirty="0" err="1" smtClean="0">
-                <a:effectLst/>
-              </a:rPr>
-              <a:t>gf</a:t>
-            </a:r>
-            <a:r>
-              <a:rPr lang="nl-NL" baseline="0" dirty="0" smtClean="0">
-                <a:effectLst/>
-              </a:rPr>
-              <a:t> en </a:t>
-            </a:r>
-            <a:r>
-              <a:rPr lang="nl-NL" baseline="0" dirty="0" err="1" smtClean="0">
-                <a:effectLst/>
-              </a:rPr>
-              <a:t>Whiting</a:t>
-            </a:r>
-            <a:r>
-              <a:rPr lang="nl-NL" baseline="0" dirty="0" smtClean="0">
-                <a:effectLst/>
-              </a:rPr>
-              <a:t> index)</a:t>
-            </a:r>
-          </a:p>
-          <a:p>
-            <a:endParaRPr lang="nl-NL" baseline="0" dirty="0" smtClean="0">
-              <a:effectLst/>
-            </a:endParaRPr>
-          </a:p>
-          <a:p>
-            <a:r>
-              <a:rPr lang="nl-NL" i="0" dirty="0" smtClean="0"/>
-              <a:t>Horizontale </a:t>
-            </a:r>
-            <a:r>
-              <a:rPr lang="nl-NL" i="0" dirty="0" smtClean="0"/>
-              <a:t>of verticale verbinding zijn één of twee hokjes lang.</a:t>
-            </a:r>
-          </a:p>
-          <a:p>
-            <a:r>
-              <a:rPr lang="nl-NL" i="0" dirty="0" smtClean="0"/>
-              <a:t>Diagonale verbindingen zijn altijd één hokje.</a:t>
-            </a:r>
-          </a:p>
-          <a:p>
-            <a:r>
-              <a:rPr lang="nl-NL" i="0" dirty="0" smtClean="0"/>
-              <a:t>Boven (C) en (B) is eigenlijk ook nog een (-) nodig</a:t>
-            </a:r>
-          </a:p>
-          <a:p>
-            <a:endParaRPr lang="nl-NL" baseline="0" dirty="0" smtClean="0">
+              <a:t>Meestal gaan spelden niet zo goed.</a:t>
+            </a:r>
+          </a:p>
+          <a:p>
+            <a:endParaRPr lang="nl-NL" i="1" dirty="0" smtClean="0">
               <a:effectLst/>
             </a:endParaRPr>
           </a:p>
@@ -2450,7 +1932,7 @@
               <a:rPr lang="nl-NL" smtClean="0"/>
               <a:t>15</a:t>
             </a:fld>
-            <a:endParaRPr lang="nl-NL"/>
+            <a:endParaRPr lang="nl-NL" dirty="0"/>
           </a:p>
         </p:txBody>
       </p:sp>
@@ -2511,37 +1993,251 @@
           <a:bodyPr/>
           <a:lstStyle/>
           <a:p>
+            <a:r>
+              <a:rPr lang="nl-NL" dirty="0" smtClean="0">
+                <a:effectLst/>
+              </a:rPr>
+              <a:t>Concept</a:t>
+            </a:r>
+            <a:r>
+              <a:rPr lang="nl-NL" baseline="0" dirty="0" smtClean="0">
+                <a:effectLst/>
+              </a:rPr>
+              <a:t> downloaden voor SVG editor (CorelDraw </a:t>
+            </a:r>
+            <a:r>
+              <a:rPr lang="nl-NL" dirty="0" smtClean="0"/>
+              <a:t>💰 </a:t>
+            </a:r>
+            <a:r>
+              <a:rPr lang="nl-NL" baseline="0" dirty="0" smtClean="0">
+                <a:effectLst/>
+              </a:rPr>
+              <a:t>, Adobe Illustrator</a:t>
+            </a:r>
+            <a:r>
+              <a:rPr lang="nl-NL" dirty="0" smtClean="0"/>
+              <a:t>💰, </a:t>
+            </a:r>
+            <a:r>
+              <a:rPr lang="nl-NL" baseline="0" dirty="0" smtClean="0">
+                <a:effectLst/>
+              </a:rPr>
+              <a:t>InkScape)</a:t>
+            </a:r>
             <a:endParaRPr lang="nl-NL" dirty="0" smtClean="0">
               <a:effectLst/>
             </a:endParaRPr>
           </a:p>
           <a:p>
             <a:r>
-              <a:rPr lang="nl-NL" b="1" dirty="0" smtClean="0">
-                <a:effectLst/>
-              </a:rPr>
-              <a:t>bruggetje</a:t>
-            </a:r>
-          </a:p>
-          <a:p>
-            <a:r>
               <a:rPr lang="nl-NL" dirty="0" smtClean="0">
                 <a:effectLst/>
               </a:rPr>
-              <a:t>gebruik het dradenschema voor een 2</a:t>
-            </a:r>
-            <a:r>
-              <a:rPr lang="nl-NL" baseline="30000" dirty="0" smtClean="0">
+              <a:t>Knipling/Lace</a:t>
+            </a:r>
+            <a:r>
+              <a:rPr lang="nl-NL" sz="1400" baseline="30000" dirty="0" smtClean="0">
                 <a:effectLst/>
               </a:rPr>
-              <a:t>e</a:t>
+              <a:t>8</a:t>
+            </a:r>
+            <a:r>
+              <a:rPr lang="nl-NL" sz="1400" dirty="0" smtClean="0">
+                <a:effectLst/>
+              </a:rPr>
+              <a:t>/</a:t>
             </a:r>
             <a:r>
               <a:rPr lang="nl-NL" dirty="0" smtClean="0">
                 <a:effectLst/>
               </a:rPr>
-              <a:t> parenschema</a:t>
-            </a:r>
+              <a:t>Lace</a:t>
+            </a:r>
+            <a:r>
+              <a:rPr lang="nl-NL" sz="1200" baseline="30000" dirty="0" smtClean="0">
+                <a:effectLst/>
+              </a:rPr>
+              <a:t>X-RP</a:t>
+            </a:r>
+            <a:r>
+              <a:rPr lang="nl-NL" dirty="0" smtClean="0">
+                <a:effectLst/>
+              </a:rPr>
+              <a:t> begrijpen de download niet: 1 rapport natekenen</a:t>
+            </a:r>
+          </a:p>
+          <a:p>
+            <a:r>
+              <a:rPr lang="nl-NL" dirty="0" smtClean="0">
+                <a:effectLst/>
+              </a:rPr>
+              <a:t>Kleuren helpen</a:t>
+            </a:r>
+            <a:r>
+              <a:rPr lang="nl-NL" baseline="0" dirty="0" smtClean="0">
+                <a:effectLst/>
+              </a:rPr>
+              <a:t> meerdere rapporten aan elkaar plakken</a:t>
+            </a:r>
+          </a:p>
+          <a:p>
+            <a:endParaRPr lang="nl-NL" dirty="0" smtClean="0"/>
+          </a:p>
+          <a:p>
+            <a:r>
+              <a:rPr lang="nl-NL" dirty="0" smtClean="0"/>
+              <a:t>Je kunt ook kruispunten verplaatsen.</a:t>
+            </a:r>
+          </a:p>
+          <a:p>
+            <a:r>
+              <a:rPr lang="nl-NL" dirty="0" smtClean="0">
+                <a:effectLst/>
+              </a:rPr>
+              <a:t>Zelfde kleuren </a:t>
+            </a:r>
+            <a:r>
+              <a:rPr lang="nl-NL" dirty="0" smtClean="0">
+                <a:effectLst/>
+                <a:sym typeface="Wingdings" panose="05000000000000000000" pitchFamily="2" charset="2"/>
+              </a:rPr>
+              <a:t> zelfde verplaatsing</a:t>
+            </a:r>
+            <a:r>
+              <a:rPr lang="nl-NL" dirty="0" smtClean="0">
+                <a:effectLst/>
+              </a:rPr>
+              <a:t> </a:t>
+            </a:r>
+          </a:p>
+          <a:p>
+            <a:r>
+              <a:rPr lang="nl-NL" dirty="0" smtClean="0">
+                <a:effectLst/>
+              </a:rPr>
+              <a:t>Het donkerblauwe bolletje rechtsboven zit ook midden-onder</a:t>
+            </a:r>
+          </a:p>
+          <a:p>
+            <a:r>
+              <a:rPr lang="nl-NL" dirty="0" smtClean="0">
+                <a:effectLst/>
+              </a:rPr>
+              <a:t> en kan daardoor hooguit een half hokje verschuiven.</a:t>
+            </a:r>
+          </a:p>
+          <a:p>
+            <a:endParaRPr lang="nl-NL" baseline="0" dirty="0" smtClean="0">
+              <a:effectLst/>
+            </a:endParaRPr>
+          </a:p>
+          <a:p>
+            <a:r>
+              <a:rPr lang="nl-NL" baseline="0" dirty="0" smtClean="0">
+                <a:effectLst/>
+              </a:rPr>
+              <a:t>Met promotieonderzoek alle(?) combinaties tot 4x4 opgezocht</a:t>
+            </a:r>
+          </a:p>
+          <a:p>
+            <a:r>
+              <a:rPr lang="nl-NL" dirty="0" smtClean="0">
+                <a:effectLst/>
+                <a:sym typeface="Wingdings" panose="05000000000000000000" pitchFamily="2" charset="2"/>
+              </a:rPr>
+              <a:t> enkele</a:t>
+            </a:r>
+            <a:r>
+              <a:rPr lang="nl-NL" baseline="0" dirty="0" smtClean="0">
+                <a:effectLst/>
+              </a:rPr>
+              <a:t> </a:t>
+            </a:r>
+            <a:r>
+              <a:rPr lang="nl-NL" dirty="0" smtClean="0"/>
+              <a:t>honderden rondgetrokken tesselace</a:t>
+            </a:r>
+            <a:r>
+              <a:rPr lang="nl-NL" baseline="0" dirty="0" smtClean="0"/>
+              <a:t> </a:t>
+            </a:r>
+            <a:r>
+              <a:rPr lang="nl-NL" dirty="0" smtClean="0"/>
+              <a:t>diagrammen</a:t>
+            </a:r>
+          </a:p>
+          <a:p>
+            <a:r>
+              <a:rPr lang="nl-NL" dirty="0" smtClean="0"/>
+              <a:t>5x4: zo veel dat je met een 1 sec per stuk minstens een dag bezig</a:t>
+            </a:r>
+            <a:r>
+              <a:rPr lang="nl-NL" baseline="0" dirty="0" smtClean="0"/>
+              <a:t> bent,</a:t>
+            </a:r>
+          </a:p>
+          <a:p>
+            <a:r>
+              <a:rPr lang="nl-NL" baseline="0" dirty="0" smtClean="0"/>
+              <a:t> veel daarvan is meer van bijna hetzelfde</a:t>
+            </a:r>
+            <a:endParaRPr lang="nl-NL" dirty="0" smtClean="0"/>
+          </a:p>
+          <a:p>
+            <a:endParaRPr lang="nl-NL" dirty="0" smtClean="0"/>
+          </a:p>
+          <a:p>
+            <a:r>
+              <a:rPr lang="nl-NL" dirty="0" smtClean="0"/>
+              <a:t>Binche gronden passen niet in 4x4,</a:t>
+            </a:r>
+            <a:r>
+              <a:rPr lang="nl-NL" baseline="0" dirty="0" smtClean="0"/>
+              <a:t> d</a:t>
+            </a:r>
+            <a:r>
+              <a:rPr lang="nl-NL" baseline="0" dirty="0" smtClean="0">
+                <a:effectLst/>
+              </a:rPr>
+              <a:t>ie kun je wel zelf maken</a:t>
+            </a:r>
+          </a:p>
+          <a:p>
+            <a:r>
+              <a:rPr lang="nl-NL" baseline="0" dirty="0" smtClean="0">
+                <a:effectLst/>
+              </a:rPr>
+              <a:t>Spiekbriefje in de handleiding (toegepast in MAE-gf en Whiting index)</a:t>
+            </a:r>
+          </a:p>
+          <a:p>
+            <a:endParaRPr lang="nl-NL" baseline="0" dirty="0" smtClean="0">
+              <a:effectLst/>
+            </a:endParaRPr>
+          </a:p>
+          <a:p>
+            <a:r>
+              <a:rPr lang="nl-NL" i="0" dirty="0" smtClean="0"/>
+              <a:t>Horizontale of verticale verbinding zijn één of twee hokjes lang.</a:t>
+            </a:r>
+          </a:p>
+          <a:p>
+            <a:r>
+              <a:rPr lang="nl-NL" i="0" dirty="0" smtClean="0"/>
+              <a:t>Diagonale verbindingen zijn altijd één hokje.</a:t>
+            </a:r>
+          </a:p>
+          <a:p>
+            <a:r>
+              <a:rPr lang="nl-NL" i="0" dirty="0" smtClean="0"/>
+              <a:t>Boven (C) en (B) is eigenlijk ook nog een (-) nodig</a:t>
+            </a:r>
+          </a:p>
+          <a:p>
+            <a:endParaRPr lang="nl-NL" baseline="0" dirty="0" smtClean="0">
+              <a:effectLst/>
+            </a:endParaRPr>
           </a:p>
         </p:txBody>
       </p:sp>
@@ -2564,14 +2260,14 @@
               <a:rPr lang="nl-NL" smtClean="0"/>
               <a:t>16</a:t>
             </a:fld>
-            <a:endParaRPr lang="nl-NL"/>
+            <a:endParaRPr lang="nl-NL" dirty="0"/>
           </a:p>
         </p:txBody>
       </p:sp>
     </p:spTree>
     <p:extLst>
       <p:ext uri="{BB962C8B-B14F-4D97-AF65-F5344CB8AC3E}">
-        <p14:creationId xmlns:p14="http://schemas.microsoft.com/office/powerpoint/2010/main" val="846069162"/>
+        <p14:creationId xmlns:p14="http://schemas.microsoft.com/office/powerpoint/2010/main" val="4263791989"/>
       </p:ext>
     </p:extLst>
   </p:cSld>
@@ -2625,97 +2321,37 @@
           <a:bodyPr/>
           <a:lstStyle/>
           <a:p>
+            <a:endParaRPr lang="nl-NL" dirty="0" smtClean="0">
+              <a:effectLst/>
+            </a:endParaRPr>
+          </a:p>
+          <a:p>
+            <a:r>
+              <a:rPr lang="nl-NL" b="1" dirty="0" smtClean="0">
+                <a:effectLst/>
+              </a:rPr>
+              <a:t>bruggetje</a:t>
+            </a:r>
+          </a:p>
+          <a:p>
             <a:r>
               <a:rPr lang="nl-NL" dirty="0" smtClean="0">
                 <a:effectLst/>
               </a:rPr>
-              <a:t>Spelden kunnen</a:t>
-            </a:r>
-            <a:r>
-              <a:rPr lang="nl-NL" baseline="0" dirty="0" smtClean="0">
+              <a:t>gebruik het dradenschema voor een 2</a:t>
+            </a:r>
+            <a:r>
+              <a:rPr lang="nl-NL" baseline="30000" dirty="0" smtClean="0">
                 <a:effectLst/>
               </a:rPr>
-              <a:t> als in een Trollengrond</a:t>
+              <a:t>e</a:t>
             </a:r>
             <a:r>
               <a:rPr lang="nl-NL" dirty="0" smtClean="0">
                 <a:effectLst/>
               </a:rPr>
-              <a:t> gestoken worden</a:t>
-            </a:r>
-          </a:p>
-          <a:p>
-            <a:r>
-              <a:rPr lang="nl-NL" dirty="0" smtClean="0">
-                <a:effectLst/>
-              </a:rPr>
-              <a:t>of als in een </a:t>
-            </a:r>
-            <a:r>
-              <a:rPr lang="nl-NL" dirty="0" err="1" smtClean="0">
-                <a:effectLst/>
-              </a:rPr>
-              <a:t>Vlaanderse</a:t>
-            </a:r>
-            <a:r>
-              <a:rPr lang="nl-NL" dirty="0" smtClean="0">
-                <a:effectLst/>
-              </a:rPr>
-              <a:t> grond</a:t>
-            </a:r>
-          </a:p>
-          <a:p>
-            <a:endParaRPr lang="nl-NL" dirty="0" smtClean="0">
-              <a:effectLst/>
-            </a:endParaRPr>
-          </a:p>
-          <a:p>
-            <a:r>
-              <a:rPr lang="nl-NL" dirty="0" smtClean="0">
-                <a:effectLst/>
-              </a:rPr>
-              <a:t>---------</a:t>
-            </a:r>
-          </a:p>
-          <a:p>
-            <a:endParaRPr lang="nl-NL" dirty="0" smtClean="0">
-              <a:effectLst/>
-            </a:endParaRPr>
-          </a:p>
-          <a:p>
-            <a:r>
-              <a:rPr lang="nl-NL" dirty="0" smtClean="0">
-                <a:effectLst/>
-                <a:hlinkClick r:id="rId3"/>
-              </a:rPr>
-              <a:t>http://www.lokk.nl/techniek/trollengrond.php</a:t>
-            </a:r>
-            <a:r>
-              <a:rPr lang="nl-NL" dirty="0" smtClean="0">
-                <a:effectLst/>
-              </a:rPr>
-              <a:t> </a:t>
-            </a:r>
-          </a:p>
-          <a:p>
-            <a:r>
-              <a:rPr lang="nl-NL" dirty="0" smtClean="0">
-                <a:effectLst/>
-                <a:hlinkClick r:id="rId4"/>
-              </a:rPr>
-              <a:t>http://www.lokk.nl/techniek/vlaandersetralie.php</a:t>
-            </a:r>
-            <a:r>
-              <a:rPr lang="nl-NL" dirty="0" smtClean="0">
-                <a:effectLst/>
-              </a:rPr>
-              <a:t> </a:t>
-            </a:r>
-          </a:p>
-          <a:p>
-            <a:endParaRPr lang="nl-NL" baseline="0" dirty="0" smtClean="0">
-              <a:effectLst/>
-            </a:endParaRPr>
+              <a:t> parenschema</a:t>
+            </a:r>
           </a:p>
         </p:txBody>
       </p:sp>
@@ -2738,7 +2374,7 @@
               <a:rPr lang="nl-NL" smtClean="0"/>
               <a:t>17</a:t>
             </a:fld>
-            <a:endParaRPr lang="nl-NL"/>
+            <a:endParaRPr lang="nl-NL" dirty="0"/>
           </a:p>
         </p:txBody>
       </p:sp>
@@ -2799,66 +2435,85 @@
           <a:bodyPr/>
           <a:lstStyle/>
           <a:p>
-            <a:pPr marL="0" marR="0" indent="0" algn="l" defTabSz="914400" rtl="0" eaLnBrk="1" fontAlgn="auto" latinLnBrk="0" hangingPunct="1">
-              <a:lnSpc>
-                <a:spcPct val="100000"/>
-              </a:lnSpc>
-              <a:spcBef>
-                <a:spcPts val="0"/>
-              </a:spcBef>
-              <a:spcAft>
-                <a:spcPts val="0"/>
-              </a:spcAft>
-              <a:buClrTx/>
-              <a:buSzTx/>
-              <a:buFontTx/>
-              <a:buNone/>
-              <a:tabLst/>
-              <a:defRPr/>
-            </a:pPr>
-            <a:r>
-              <a:rPr lang="nl-NL" baseline="0" dirty="0" smtClean="0"/>
-              <a:t>De software maakt de gaten zo rond mogelijk. </a:t>
-            </a:r>
-          </a:p>
-          <a:p>
-            <a:endParaRPr lang="nl-NL" dirty="0" smtClean="0"/>
-          </a:p>
-          <a:p>
-            <a:r>
-              <a:rPr lang="nl-NL" dirty="0" smtClean="0"/>
-              <a:t>Met spelden</a:t>
-            </a:r>
-          </a:p>
-          <a:p>
-            <a:r>
-              <a:rPr lang="nl-NL" dirty="0" smtClean="0"/>
-              <a:t> kun je vierkantjes maken</a:t>
-            </a:r>
-          </a:p>
-          <a:p>
-            <a:r>
-              <a:rPr lang="nl-NL" dirty="0" smtClean="0"/>
-              <a:t> of een mix van vierkantjes en rondjes</a:t>
-            </a:r>
-          </a:p>
-          <a:p>
-            <a:r>
-              <a:rPr lang="nl-NL" baseline="0" dirty="0" smtClean="0"/>
-              <a:t> (niet met </a:t>
-            </a:r>
-            <a:r>
-              <a:rPr lang="nl-NL" baseline="0" dirty="0" err="1" smtClean="0"/>
-              <a:t>GroundForge</a:t>
-            </a:r>
-            <a:r>
-              <a:rPr lang="nl-NL" baseline="0" dirty="0" smtClean="0"/>
-              <a:t>)</a:t>
-            </a:r>
-            <a:endParaRPr lang="nl-NL" dirty="0" smtClean="0"/>
-          </a:p>
-          <a:p>
-            <a:endParaRPr lang="nl-NL" dirty="0"/>
+            <a:r>
+              <a:rPr lang="nl-NL" dirty="0" smtClean="0">
+                <a:effectLst/>
+              </a:rPr>
+              <a:t>Spelden kunnen</a:t>
+            </a:r>
+            <a:r>
+              <a:rPr lang="nl-NL" baseline="0" dirty="0" smtClean="0">
+                <a:effectLst/>
+              </a:rPr>
+              <a:t> als in een Trollengrond</a:t>
+            </a:r>
+            <a:r>
+              <a:rPr lang="nl-NL" dirty="0" smtClean="0">
+                <a:effectLst/>
+              </a:rPr>
+              <a:t> gestoken worden</a:t>
+            </a:r>
+          </a:p>
+          <a:p>
+            <a:r>
+              <a:rPr lang="nl-NL" dirty="0" smtClean="0">
+                <a:effectLst/>
+              </a:rPr>
+              <a:t>of als in een Vlaanderse grond</a:t>
+            </a:r>
+          </a:p>
+          <a:p>
+            <a:endParaRPr lang="nl-NL" dirty="0" smtClean="0">
+              <a:effectLst/>
+            </a:endParaRPr>
+          </a:p>
+          <a:p>
+            <a:r>
+              <a:rPr lang="nl-NL" dirty="0" smtClean="0">
+                <a:effectLst/>
+              </a:rPr>
+              <a:t>---------</a:t>
+            </a:r>
+          </a:p>
+          <a:p>
+            <a:endParaRPr lang="nl-NL" dirty="0" smtClean="0">
+              <a:effectLst/>
+            </a:endParaRPr>
+          </a:p>
+          <a:p>
+            <a:r>
+              <a:rPr lang="nl-NL" dirty="0" smtClean="0">
+                <a:effectLst/>
+                <a:hlinkClick r:id="rId3"/>
+              </a:rPr>
+              <a:t>http://www.lokk.nl/techniek/trollengrond.php</a:t>
+            </a:r>
+            <a:r>
+              <a:rPr lang="nl-NL" dirty="0" smtClean="0">
+                <a:effectLst/>
+              </a:rPr>
+              <a:t> </a:t>
+            </a:r>
+          </a:p>
+          <a:p>
+            <a:r>
+              <a:rPr lang="nl-NL" dirty="0" smtClean="0">
+                <a:effectLst/>
+                <a:hlinkClick r:id="rId4"/>
+              </a:rPr>
+              <a:t>http://www.lokk.nl/techniek/vlaandersetralie.php</a:t>
+            </a:r>
+            <a:r>
+              <a:rPr lang="nl-NL" dirty="0" smtClean="0">
+                <a:effectLst/>
+              </a:rPr>
+              <a:t> </a:t>
+            </a:r>
+          </a:p>
+          <a:p>
+            <a:endParaRPr lang="nl-NL" baseline="0" dirty="0" smtClean="0">
+              <a:effectLst/>
+            </a:endParaRPr>
           </a:p>
         </p:txBody>
       </p:sp>
@@ -2881,7 +2536,7 @@
               <a:rPr lang="nl-NL" smtClean="0"/>
               <a:t>18</a:t>
             </a:fld>
-            <a:endParaRPr lang="nl-NL"/>
+            <a:endParaRPr lang="nl-NL" dirty="0"/>
           </a:p>
         </p:txBody>
       </p:sp>
@@ -2960,12 +2615,40 @@
               <a:defRPr/>
             </a:pPr>
             <a:r>
+              <a:rPr lang="nl-NL" baseline="0" dirty="0" smtClean="0"/>
+              <a:t>De software maakt de gaten zo rond mogelijk. </a:t>
+            </a:r>
+          </a:p>
+          <a:p>
+            <a:endParaRPr lang="nl-NL" dirty="0" smtClean="0"/>
+          </a:p>
+          <a:p>
+            <a:r>
               <a:rPr lang="nl-NL" dirty="0" smtClean="0"/>
-              <a:t>Programmeer foutjes kunnen je soms aan het lachen maken: een virtueel omgekiept kantkussen.</a:t>
-            </a:r>
-          </a:p>
-          <a:p>
-            <a:endParaRPr lang="nl-NL" strike="noStrike" dirty="0" smtClean="0"/>
+              <a:t>Met spelden</a:t>
+            </a:r>
+          </a:p>
+          <a:p>
+            <a:r>
+              <a:rPr lang="nl-NL" dirty="0" smtClean="0"/>
+              <a:t> kun je vierkantjes maken</a:t>
+            </a:r>
+          </a:p>
+          <a:p>
+            <a:r>
+              <a:rPr lang="nl-NL" dirty="0" smtClean="0"/>
+              <a:t> of een mix van vierkantjes en rondjes</a:t>
+            </a:r>
+          </a:p>
+          <a:p>
+            <a:r>
+              <a:rPr lang="nl-NL" baseline="0" dirty="0" smtClean="0"/>
+              <a:t> (niet met GroundForge)</a:t>
+            </a:r>
+            <a:endParaRPr lang="nl-NL" dirty="0" smtClean="0"/>
+          </a:p>
+          <a:p>
+            <a:endParaRPr lang="nl-NL" dirty="0"/>
           </a:p>
         </p:txBody>
       </p:sp>
@@ -2988,14 +2671,14 @@
               <a:rPr lang="nl-NL" smtClean="0"/>
               <a:t>19</a:t>
             </a:fld>
-            <a:endParaRPr lang="nl-NL"/>
+            <a:endParaRPr lang="nl-NL" dirty="0"/>
           </a:p>
         </p:txBody>
       </p:sp>
     </p:spTree>
     <p:extLst>
       <p:ext uri="{BB962C8B-B14F-4D97-AF65-F5344CB8AC3E}">
-        <p14:creationId xmlns:p14="http://schemas.microsoft.com/office/powerpoint/2010/main" val="3101222508"/>
+        <p14:creationId xmlns:p14="http://schemas.microsoft.com/office/powerpoint/2010/main" val="846069162"/>
       </p:ext>
     </p:extLst>
   </p:cSld>
@@ -3070,22 +2753,51 @@
           <a:p>
             <a:r>
               <a:rPr lang="nl-NL" dirty="0"/>
-              <a:t>Nee. Het gaat hier om een computerprogramma, gemaakt door Joke Pol, waarin je aan de computer vertelt welke grond je wil gebruiken en welke slagen. Je drukt op een knop, en de computer geeft de dradentekening.</a:t>
-            </a:r>
-          </a:p>
-          <a:p>
+              <a:t>Nee. Het gaat hier om een computerprogramma, </a:t>
+            </a:r>
+            <a:r>
+              <a:rPr lang="nl-NL" dirty="0" smtClean="0"/>
+              <a:t>waarin </a:t>
+            </a:r>
             <a:r>
               <a:rPr lang="nl-NL" dirty="0"/>
-              <a:t>In dit deel van de presentatie een heel klein voorproefje. Joke zal zo meteen meer vertellen. </a:t>
-            </a:r>
-          </a:p>
-          <a:p>
+              <a:t>je aan de computer vertelt welke grond je wil gebruiken en welke slagen. Je drukt op een knop, en de computer geeft de dradentekening.</a:t>
+            </a:r>
+          </a:p>
+          <a:p>
+            <a:r>
+              <a:rPr lang="nl-NL" dirty="0" smtClean="0"/>
+              <a:t>Eerst een </a:t>
+            </a:r>
+            <a:r>
+              <a:rPr lang="nl-NL" dirty="0"/>
+              <a:t>heel klein voorproefje. </a:t>
+            </a:r>
+            <a:r>
+              <a:rPr lang="nl-NL" dirty="0" smtClean="0"/>
+              <a:t>Daarna volgen details. </a:t>
+            </a:r>
             <a:endParaRPr lang="nl-NL" dirty="0"/>
           </a:p>
           <a:p>
+            <a:endParaRPr lang="nl-NL" dirty="0"/>
+          </a:p>
+          <a:p>
+            <a:r>
+              <a:rPr lang="nl-NL" dirty="0" smtClean="0"/>
+              <a:t>Het </a:t>
+            </a:r>
             <a:r>
               <a:rPr lang="nl-NL" dirty="0"/>
-              <a:t>Met het programma gaat dit in het kort als volgt: je kiest uit de voorbeelden de grond waarmee je aan de slag wilt. Bijvoorbeeld de Parijse Grond. </a:t>
+              <a:t>programma </a:t>
+            </a:r>
+            <a:r>
+              <a:rPr lang="nl-NL" dirty="0" smtClean="0"/>
+              <a:t>werkt </a:t>
+            </a:r>
+            <a:r>
+              <a:rPr lang="nl-NL" dirty="0"/>
+              <a:t>in het kort als volgt: je kiest uit de voorbeelden de grond waarmee je aan de slag wilt. Bijvoorbeeld de Parijse Grond. </a:t>
             </a:r>
             <a:r>
               <a:rPr lang="nl-NL" b="1" dirty="0" smtClean="0"/>
@@ -3114,15 +2826,30 @@
             </a:r>
             <a:r>
               <a:rPr lang="nl-NL" baseline="0" dirty="0" smtClean="0"/>
-              <a:t>beginletters van slagen in die zowel voor de computer als mensen begrijpelijk zijn. </a:t>
-            </a:r>
+              <a:t>beginletters van slagen in die zowel voor de computer als mensen begrijpelijk zijn: </a:t>
+            </a:r>
+            <a:r>
+              <a:rPr lang="nl-NL" baseline="0" dirty="0" err="1" smtClean="0"/>
+              <a:t>ctct</a:t>
+            </a:r>
+            <a:r>
+              <a:rPr lang="nl-NL" baseline="0" dirty="0" smtClean="0"/>
+              <a:t> voor 2x cross-twist oftewel dubbele netslag. </a:t>
+            </a:r>
+            <a:endParaRPr lang="nl-NL" baseline="0" dirty="0" smtClean="0"/>
+          </a:p>
+          <a:p>
             <a:r>
               <a:rPr lang="nl-NL" dirty="0" smtClean="0"/>
               <a:t>Kies </a:t>
             </a:r>
             <a:r>
               <a:rPr lang="nl-NL" dirty="0"/>
-              <a:t>vervolgens voor SHOW …. </a:t>
+              <a:t>vervolgens voor </a:t>
+            </a:r>
+            <a:r>
+              <a:rPr lang="nl-NL" dirty="0" smtClean="0"/>
+              <a:t>SHOW, dan verschijnt plaatje </a:t>
             </a:r>
             <a:r>
               <a:rPr lang="nl-NL" b="1" dirty="0" smtClean="0"/>
@@ -3135,12 +2862,8 @@
           </a:p>
           <a:p>
             <a:r>
-              <a:rPr lang="nl-NL" dirty="0"/>
-              <a:t>…. En dan verschijnt dit plaatje</a:t>
-            </a:r>
-            <a:r>
               <a:rPr lang="nl-NL" dirty="0" smtClean="0"/>
-              <a:t>. Het </a:t>
+              <a:t>Het </a:t>
             </a:r>
             <a:r>
               <a:rPr lang="nl-NL" dirty="0"/>
@@ -3157,8 +2880,52 @@
           </a:p>
           <a:p>
             <a:r>
+              <a:rPr lang="nl-NL" dirty="0" smtClean="0"/>
+              <a:t>Om </a:t>
+            </a:r>
+            <a:r>
               <a:rPr lang="nl-NL" dirty="0"/>
-              <a:t>Voor iemand als ik, die het leuk vind om te stoeien met de slagen is dit een prachtig hulpmiddel. Waar ik eerst voor alle variaties klosjes moest wikkelen, krijg ik nu met een paar drukken op de knop een idee van hoe mijn bedenksels er uit gaan zien. Bijvoorbeeld: </a:t>
+              <a:t>te stoeien met de slagen is dit een prachtig hulpmiddel. Waar </a:t>
+            </a:r>
+            <a:r>
+              <a:rPr lang="nl-NL" dirty="0" smtClean="0"/>
+              <a:t>eerst </a:t>
+            </a:r>
+            <a:r>
+              <a:rPr lang="nl-NL" dirty="0"/>
+              <a:t>voor alle variaties </a:t>
+            </a:r>
+            <a:r>
+              <a:rPr lang="nl-NL" dirty="0" smtClean="0"/>
+              <a:t>klosjes</a:t>
+            </a:r>
+            <a:r>
+              <a:rPr lang="nl-NL" baseline="0" dirty="0" smtClean="0"/>
+              <a:t> ge</a:t>
+            </a:r>
+            <a:r>
+              <a:rPr lang="nl-NL" dirty="0" smtClean="0"/>
+              <a:t>wikkeld moesten worden, geven</a:t>
+            </a:r>
+            <a:r>
+              <a:rPr lang="nl-NL" baseline="0" dirty="0" smtClean="0"/>
+              <a:t> nu </a:t>
+            </a:r>
+            <a:r>
+              <a:rPr lang="nl-NL" dirty="0" smtClean="0"/>
+              <a:t>een </a:t>
+            </a:r>
+            <a:r>
+              <a:rPr lang="nl-NL" dirty="0"/>
+              <a:t>paar drukken op de knop een idee van hoe </a:t>
+            </a:r>
+            <a:r>
+              <a:rPr lang="nl-NL" dirty="0" smtClean="0"/>
+              <a:t>bepaalde </a:t>
+            </a:r>
+            <a:r>
+              <a:rPr lang="nl-NL" dirty="0"/>
+              <a:t>bedenksels er uit gaan zien. Bijvoorbeeld: </a:t>
             </a:r>
             <a:r>
               <a:rPr lang="nl-NL" b="1" dirty="0" smtClean="0"/>
@@ -3255,91 +3022,30 @@
           <a:bodyPr/>
           <a:lstStyle/>
           <a:p>
-            <a:pPr>
+            <a:pPr marL="0" marR="0" indent="0" algn="l" defTabSz="914400" rtl="0" eaLnBrk="1" fontAlgn="auto" latinLnBrk="0" hangingPunct="1">
+              <a:lnSpc>
+                <a:spcPct val="100000"/>
+              </a:lnSpc>
+              <a:spcBef>
+                <a:spcPts val="0"/>
+              </a:spcBef>
+              <a:spcAft>
+                <a:spcPts val="0"/>
+              </a:spcAft>
+              <a:buClrTx/>
+              <a:buSzTx/>
+              <a:buFontTx/>
+              <a:buNone/>
+              <a:tabLst/>
               <a:defRPr/>
             </a:pPr>
             <a:r>
               <a:rPr lang="nl-NL" dirty="0" smtClean="0"/>
-              <a:t>Kies voor de helppagina</a:t>
-            </a:r>
-            <a:r>
-              <a:rPr lang="nl-NL" baseline="0" dirty="0" smtClean="0"/>
-              <a:t> “changes”,  </a:t>
-            </a:r>
-            <a:r>
-              <a:rPr lang="nl-NL" dirty="0" smtClean="0"/>
-              <a:t>volg de links met “issues</a:t>
-            </a:r>
-            <a:r>
-              <a:rPr lang="nl-NL" dirty="0"/>
-              <a:t>” </a:t>
-            </a:r>
-            <a:r>
-              <a:rPr lang="nl-NL" dirty="0" smtClean="0"/>
-              <a:t>voor </a:t>
-            </a:r>
-            <a:r>
-              <a:rPr lang="nl-NL" dirty="0"/>
-              <a:t>een lijst wensen en bugs</a:t>
-            </a:r>
-          </a:p>
-          <a:p>
-            <a:endParaRPr lang="nl-NL" dirty="0"/>
-          </a:p>
-          <a:p>
-            <a:r>
-              <a:rPr lang="nl-NL" i="0" dirty="0" smtClean="0"/>
-              <a:t>Icoontjes </a:t>
-            </a:r>
-            <a:r>
-              <a:rPr lang="nl-NL" i="0" dirty="0" smtClean="0"/>
-              <a:t>in de voetregel van de hoofdpagina geven </a:t>
-            </a:r>
-            <a:r>
-              <a:rPr lang="nl-NL" i="0" dirty="0"/>
-              <a:t>aan hoe geschikt bepaalde browsers en apparaten zijn</a:t>
-            </a:r>
-          </a:p>
-          <a:p>
-            <a:endParaRPr lang="nl-NL" i="0" dirty="0"/>
-          </a:p>
-          <a:p>
-            <a:r>
-              <a:rPr lang="nl-NL" i="0" dirty="0"/>
-              <a:t>Aanraakschermen hebben geen muis voor help-info als je ergens boven zweeft</a:t>
-            </a:r>
-          </a:p>
-          <a:p>
-            <a:r>
-              <a:rPr lang="nl-NL" i="0" dirty="0"/>
-              <a:t>Internet Explorer (11) heeft een bug waardoor je gekke effecten krijgt.</a:t>
-            </a:r>
-          </a:p>
-          <a:p>
-            <a:endParaRPr lang="nl-NL" i="0" dirty="0"/>
-          </a:p>
-          <a:p>
-            <a:r>
-              <a:rPr lang="nl-NL" i="0" dirty="0"/>
-              <a:t>Release </a:t>
-            </a:r>
-            <a:r>
-              <a:rPr lang="nl-NL" i="0" dirty="0" err="1"/>
-              <a:t>notes</a:t>
-            </a:r>
-            <a:r>
-              <a:rPr lang="nl-NL" i="0" dirty="0"/>
-              <a:t> somt van tijd tot tijd de wijzigingen op</a:t>
-            </a:r>
-          </a:p>
-          <a:p>
-            <a:r>
-              <a:rPr lang="nl-NL" i="0" dirty="0"/>
-              <a:t>Is zelden helemaal bij</a:t>
-            </a:r>
-          </a:p>
-          <a:p>
-            <a:endParaRPr lang="nl-NL" i="0" strike="sngStrike" dirty="0" smtClean="0"/>
+              <a:t>Programmeer foutjes kunnen je soms aan het lachen maken: een virtueel omgekiept kantkussen.</a:t>
+            </a:r>
+          </a:p>
+          <a:p>
+            <a:endParaRPr lang="nl-NL" strike="noStrike" dirty="0" smtClean="0"/>
           </a:p>
         </p:txBody>
       </p:sp>
@@ -3362,7 +3068,163 @@
               <a:rPr lang="nl-NL" smtClean="0"/>
               <a:t>20</a:t>
             </a:fld>
-            <a:endParaRPr lang="nl-NL"/>
+            <a:endParaRPr lang="nl-NL" dirty="0"/>
+          </a:p>
+        </p:txBody>
+      </p:sp>
+    </p:spTree>
+    <p:extLst>
+      <p:ext uri="{BB962C8B-B14F-4D97-AF65-F5344CB8AC3E}">
+        <p14:creationId xmlns:p14="http://schemas.microsoft.com/office/powerpoint/2010/main" val="3101222508"/>
+      </p:ext>
+    </p:extLst>
+  </p:cSld>
+  <p:clrMapOvr>
+    <a:masterClrMapping/>
+  </p:clrMapOvr>
+</p:notes>
+</file>
+
+<file path=ppt/notesSlides/notesSlide21.xml><?xml version="1.0" encoding="utf-8"?>
+<p:notes xmlns:a="http://schemas.openxmlformats.org/drawingml/2006/main" xmlns:r="http://schemas.openxmlformats.org/officeDocument/2006/relationships" xmlns:p="http://schemas.openxmlformats.org/presentationml/2006/main">
+  <p:cSld>
+    <p:spTree>
+      <p:nvGrpSpPr>
+        <p:cNvPr id="1" name=""/>
+        <p:cNvGrpSpPr/>
+        <p:nvPr/>
+      </p:nvGrpSpPr>
+      <p:grpSpPr>
+        <a:xfrm>
+          <a:off x="0" y="0"/>
+          <a:ext cx="0" cy="0"/>
+          <a:chOff x="0" y="0"/>
+          <a:chExt cx="0" cy="0"/>
+        </a:xfrm>
+      </p:grpSpPr>
+      <p:sp>
+        <p:nvSpPr>
+          <p:cNvPr id="2" name="Tijdelijke aanduiding voor dia-afbeelding 1"/>
+          <p:cNvSpPr>
+            <a:spLocks noGrp="1" noRot="1" noChangeAspect="1"/>
+          </p:cNvSpPr>
+          <p:nvPr>
+            <p:ph type="sldImg"/>
+          </p:nvPr>
+        </p:nvSpPr>
+        <p:spPr/>
+      </p:sp>
+      <p:sp>
+        <p:nvSpPr>
+          <p:cNvPr id="3" name="Tijdelijke aanduiding voor notities 2"/>
+          <p:cNvSpPr>
+            <a:spLocks noGrp="1"/>
+          </p:cNvSpPr>
+          <p:nvPr>
+            <p:ph type="body" idx="1"/>
+          </p:nvPr>
+        </p:nvSpPr>
+        <p:spPr/>
+        <p:txBody>
+          <a:bodyPr/>
+          <a:lstStyle/>
+          <a:p>
+            <a:pPr>
+              <a:defRPr/>
+            </a:pPr>
+            <a:r>
+              <a:rPr lang="nl-NL" dirty="0" smtClean="0"/>
+              <a:t>Kies voor de helppagina</a:t>
+            </a:r>
+            <a:r>
+              <a:rPr lang="nl-NL" baseline="0" dirty="0" smtClean="0"/>
+              <a:t> “changes”,  </a:t>
+            </a:r>
+            <a:r>
+              <a:rPr lang="nl-NL" dirty="0" smtClean="0"/>
+              <a:t>volg de links met “issues</a:t>
+            </a:r>
+            <a:r>
+              <a:rPr lang="nl-NL" dirty="0"/>
+              <a:t>” </a:t>
+            </a:r>
+            <a:r>
+              <a:rPr lang="nl-NL" dirty="0" smtClean="0"/>
+              <a:t>voor </a:t>
+            </a:r>
+            <a:r>
+              <a:rPr lang="nl-NL" dirty="0"/>
+              <a:t>een lijst wensen en bugs</a:t>
+            </a:r>
+          </a:p>
+          <a:p>
+            <a:endParaRPr lang="nl-NL" dirty="0"/>
+          </a:p>
+          <a:p>
+            <a:r>
+              <a:rPr lang="nl-NL" i="0" dirty="0" smtClean="0"/>
+              <a:t>Icoontjes in de voetregel van de hoofdpagina geven </a:t>
+            </a:r>
+            <a:r>
+              <a:rPr lang="nl-NL" i="0" dirty="0"/>
+              <a:t>aan hoe geschikt bepaalde browsers en apparaten zijn</a:t>
+            </a:r>
+          </a:p>
+          <a:p>
+            <a:endParaRPr lang="nl-NL" i="0" dirty="0"/>
+          </a:p>
+          <a:p>
+            <a:r>
+              <a:rPr lang="nl-NL" i="0" dirty="0"/>
+              <a:t>Aanraakschermen hebben geen muis voor help-info als je ergens boven zweeft</a:t>
+            </a:r>
+          </a:p>
+          <a:p>
+            <a:r>
+              <a:rPr lang="nl-NL" i="0" dirty="0"/>
+              <a:t>Internet Explorer (11) heeft een bug waardoor je gekke effecten krijgt.</a:t>
+            </a:r>
+          </a:p>
+          <a:p>
+            <a:endParaRPr lang="nl-NL" i="0" dirty="0"/>
+          </a:p>
+          <a:p>
+            <a:r>
+              <a:rPr lang="nl-NL" i="0" dirty="0"/>
+              <a:t>Release notes somt van tijd tot tijd de wijzigingen op</a:t>
+            </a:r>
+          </a:p>
+          <a:p>
+            <a:r>
+              <a:rPr lang="nl-NL" i="0" dirty="0"/>
+              <a:t>Is zelden helemaal bij</a:t>
+            </a:r>
+          </a:p>
+          <a:p>
+            <a:endParaRPr lang="nl-NL" i="0" strike="sngStrike" dirty="0" smtClean="0"/>
+          </a:p>
+        </p:txBody>
+      </p:sp>
+      <p:sp>
+        <p:nvSpPr>
+          <p:cNvPr id="4" name="Tijdelijke aanduiding voor dianummer 3"/>
+          <p:cNvSpPr>
+            <a:spLocks noGrp="1"/>
+          </p:cNvSpPr>
+          <p:nvPr>
+            <p:ph type="sldNum" sz="quarter" idx="10"/>
+          </p:nvPr>
+        </p:nvSpPr>
+        <p:spPr/>
+        <p:txBody>
+          <a:bodyPr/>
+          <a:lstStyle/>
+          <a:p>
+            <a:fld id="{7EC7493F-9CE3-4AD5-8254-4B462DC5112C}" type="slidenum">
+              <a:rPr lang="nl-NL" smtClean="0"/>
+              <a:t>21</a:t>
+            </a:fld>
+            <a:endParaRPr lang="nl-NL" dirty="0"/>
           </a:p>
         </p:txBody>
       </p:sp>
@@ -3429,8 +3291,16 @@
           <a:lstStyle/>
           <a:p>
             <a:r>
+              <a:rPr lang="nl-NL" dirty="0" smtClean="0"/>
+              <a:t>Er zijn een diverse pagina’s met soms honderden voorbeelden</a:t>
+            </a:r>
+            <a:r>
               <a:rPr lang="nl-NL" dirty="0"/>
-              <a:t>Bij het programma van Joke heb ik een aantal pagina’s gemaakt met voorbeelden. </a:t>
+              <a:t>. </a:t>
+            </a:r>
+            <a:r>
+              <a:rPr lang="nl-NL" dirty="0" smtClean="0"/>
+              <a:t>Dat zijn basispatronen waarop gevarieerd kan worden.</a:t>
             </a:r>
             <a:endParaRPr lang="nl-NL" dirty="0" smtClean="0"/>
           </a:p>
@@ -3481,7 +3351,7 @@
               <a:rPr lang="nl-NL" smtClean="0"/>
               <a:t>3</a:t>
             </a:fld>
-            <a:endParaRPr lang="nl-NL"/>
+            <a:endParaRPr lang="nl-NL" dirty="0"/>
           </a:p>
         </p:txBody>
       </p:sp>
@@ -3585,19 +3455,7 @@
             </a:r>
             <a:r>
               <a:rPr lang="nl-NL" baseline="0" dirty="0" smtClean="0"/>
-              <a:t>Doel</a:t>
-            </a:r>
-            <a:r>
-              <a:rPr lang="nl-NL" baseline="0" smtClean="0"/>
-              <a:t>: </a:t>
-            </a:r>
-            <a:r>
-              <a:rPr lang="nl-NL" baseline="0" smtClean="0"/>
-              <a:t>mogelijkheden voor </a:t>
-            </a:r>
-            <a:r>
-              <a:rPr lang="nl-NL" baseline="0" dirty="0" smtClean="0"/>
-              <a:t>contrasterende draden onderzoeken</a:t>
+              <a:t>Doel: mogelijkheden voor contrasterende draden onderzoeken</a:t>
             </a:r>
           </a:p>
           <a:p>
@@ -3638,12 +3496,12 @@
               <a:t>Wat </a:t>
             </a:r>
             <a:r>
-              <a:rPr lang="nl-NL" i="1" dirty="0" err="1" smtClean="0"/>
-              <a:t>betekenenen</a:t>
-            </a:r>
-            <a:r>
               <a:rPr lang="nl-NL" i="1" dirty="0" smtClean="0"/>
-              <a:t> de onderdelen van het</a:t>
+              <a:t>betekenen </a:t>
+            </a:r>
+            <a:r>
+              <a:rPr lang="nl-NL" i="1" dirty="0" smtClean="0"/>
+              <a:t>de onderdelen van het</a:t>
             </a:r>
             <a:r>
               <a:rPr lang="nl-NL" i="1" baseline="0" dirty="0" smtClean="0"/>
@@ -3665,47 +3523,23 @@
           <a:p>
             <a:r>
               <a:rPr lang="nl-NL" i="1" dirty="0" smtClean="0"/>
-              <a:t>D-BL = </a:t>
-            </a:r>
-            <a:r>
-              <a:rPr lang="nl-NL" i="1" dirty="0" err="1" smtClean="0"/>
-              <a:t>DiBL</a:t>
+              <a:t>D-BL = DiBL= </a:t>
+            </a:r>
+            <a:r>
+              <a:rPr lang="nl-NL" i="1" u="sng" dirty="0" smtClean="0"/>
+              <a:t>Di</a:t>
             </a:r>
             <a:r>
               <a:rPr lang="nl-NL" i="1" dirty="0" smtClean="0"/>
-              <a:t>= </a:t>
-            </a:r>
-            <a:r>
-              <a:rPr lang="nl-NL" i="1" u="sng" dirty="0" err="1" smtClean="0"/>
-              <a:t>Di</a:t>
-            </a:r>
-            <a:r>
-              <a:rPr lang="nl-NL" i="1" dirty="0" err="1" smtClean="0"/>
-              <a:t>agrams</a:t>
+              <a:t>agrams for </a:t>
+            </a:r>
+            <a:r>
+              <a:rPr lang="nl-NL" i="1" u="sng" dirty="0" smtClean="0"/>
+              <a:t>B</a:t>
             </a:r>
             <a:r>
               <a:rPr lang="nl-NL" i="1" dirty="0" smtClean="0"/>
-              <a:t> </a:t>
-            </a:r>
-            <a:r>
-              <a:rPr lang="nl-NL" i="1" dirty="0" err="1" smtClean="0"/>
-              <a:t>for</a:t>
-            </a:r>
-            <a:r>
-              <a:rPr lang="nl-NL" i="1" dirty="0" smtClean="0"/>
-              <a:t> </a:t>
-            </a:r>
-            <a:r>
-              <a:rPr lang="nl-NL" i="1" u="sng" dirty="0" err="1" smtClean="0"/>
-              <a:t>B</a:t>
-            </a:r>
-            <a:r>
-              <a:rPr lang="nl-NL" i="1" dirty="0" err="1" smtClean="0"/>
-              <a:t>obbin</a:t>
-            </a:r>
-            <a:r>
-              <a:rPr lang="nl-NL" i="1" dirty="0" smtClean="0"/>
-              <a:t> </a:t>
+              <a:t>obbin </a:t>
             </a:r>
             <a:r>
               <a:rPr lang="nl-NL" i="1" u="sng" dirty="0" smtClean="0"/>
@@ -3726,12 +3560,8 @@
           </a:p>
           <a:p>
             <a:r>
-              <a:rPr lang="nl-NL" i="1" dirty="0" err="1" smtClean="0"/>
-              <a:t>Github</a:t>
-            </a:r>
-            <a:r>
               <a:rPr lang="nl-NL" i="1" dirty="0" smtClean="0"/>
-              <a:t> is een provider om software te publiceren, ze doen dat gratis als het om open source gaat</a:t>
+              <a:t>Github is een provider om software te publiceren, ze doen dat gratis als het om open source gaat</a:t>
             </a:r>
           </a:p>
           <a:p>
@@ -3744,19 +3574,7 @@
           <a:p>
             <a:r>
               <a:rPr lang="nl-NL" i="1" dirty="0" smtClean="0"/>
-              <a:t>De schermafdrukken </a:t>
-            </a:r>
-            <a:r>
-              <a:rPr lang="nl-NL" i="1" dirty="0" smtClean="0"/>
-              <a:t>zijn gemaakt op de hoofdpagina gemaakt </a:t>
-            </a:r>
-            <a:r>
-              <a:rPr lang="nl-NL" i="1" dirty="0" smtClean="0"/>
-              <a:t>met</a:t>
-            </a:r>
-            <a:r>
-              <a:rPr lang="nl-NL" i="1" dirty="0" smtClean="0"/>
-              <a:t>:</a:t>
+              <a:t>De schermafdrukken zijn gemaakt op de hoofdpagina gemaakt met:</a:t>
             </a:r>
           </a:p>
           <a:p>
@@ -3802,21 +3620,8 @@
           <a:p>
             <a:r>
               <a:rPr lang="nl-NL" i="1" dirty="0" smtClean="0"/>
-              <a:t>Checker (schaakbord); </a:t>
-            </a:r>
-            <a:r>
-              <a:rPr lang="nl-NL" i="1" dirty="0" err="1" smtClean="0"/>
-              <a:t>Stitches</a:t>
-            </a:r>
-            <a:r>
-              <a:rPr lang="nl-NL" i="1" dirty="0" smtClean="0"/>
-              <a:t> (slagen): ct,A2=cttct,C4=</a:t>
-            </a:r>
-            <a:r>
-              <a:rPr lang="nl-NL" i="1" dirty="0" err="1" smtClean="0"/>
-              <a:t>ctct</a:t>
-            </a:r>
-            <a:endParaRPr lang="nl-NL" i="1" dirty="0" smtClean="0"/>
+              <a:t>Checker (schaakbord); Stitches (slagen): ct,A2=cttct,C4=ctct</a:t>
+            </a:r>
           </a:p>
         </p:txBody>
       </p:sp>
@@ -3839,7 +3644,7 @@
               <a:rPr lang="nl-NL" smtClean="0"/>
               <a:t>4</a:t>
             </a:fld>
-            <a:endParaRPr lang="nl-NL"/>
+            <a:endParaRPr lang="nl-NL" dirty="0"/>
           </a:p>
         </p:txBody>
       </p:sp>
@@ -3904,237 +3709,92 @@
               <a:rPr lang="nl-NL" dirty="0" smtClean="0">
                 <a:effectLst/>
               </a:rPr>
-              <a:t>Met het parameterformulier wordt aan de computer verteld hoe het patroon in</a:t>
+              <a:t>Hoofdpagina</a:t>
             </a:r>
             <a:r>
               <a:rPr lang="nl-NL" baseline="0" dirty="0" smtClean="0">
                 <a:effectLst/>
               </a:rPr>
-              <a:t> elkaar zit.</a:t>
-            </a:r>
-            <a:endParaRPr lang="nl-NL" dirty="0" smtClean="0">
-              <a:effectLst/>
-            </a:endParaRPr>
-          </a:p>
-          <a:p>
-            <a:pPr marL="171450" indent="-171450">
-              <a:buFont typeface="Arial" panose="020B0604020202020204" pitchFamily="34" charset="0"/>
-              <a:buChar char="•"/>
-            </a:pPr>
-            <a:r>
-              <a:rPr lang="nl-NL" dirty="0" smtClean="0">
+              <a:t> </a:t>
+            </a:r>
+            <a:r>
+              <a:rPr lang="nl-NL" baseline="0" dirty="0" smtClean="0">
                 <a:effectLst/>
               </a:rPr>
-              <a:t>Het blauwe i-</a:t>
-            </a:r>
-            <a:r>
-              <a:rPr lang="nl-NL" dirty="0" err="1" smtClean="0">
+              <a:t>in het midden</a:t>
+            </a:r>
+          </a:p>
+          <a:p>
+            <a:pPr marL="171450" indent="-171450">
+              <a:buFontTx/>
+              <a:buChar char="-"/>
+            </a:pPr>
+            <a:r>
+              <a:rPr lang="nl-NL" baseline="0" dirty="0" smtClean="0">
                 <a:effectLst/>
               </a:rPr>
-              <a:t>tje</a:t>
-            </a:r>
-            <a:r>
-              <a:rPr lang="nl-NL" dirty="0" smtClean="0">
+              <a:t>Daar kun je draaddiagrammen hergebruiken als paardiagrammen</a:t>
+            </a:r>
+          </a:p>
+          <a:p>
+            <a:pPr marL="0" indent="0">
+              <a:buFontTx/>
+              <a:buNone/>
+            </a:pPr>
+            <a:r>
+              <a:rPr lang="nl-NL" baseline="0" dirty="0" smtClean="0">
                 <a:effectLst/>
               </a:rPr>
-              <a:t> gaat naar de handleiding, daarop ook een contact link voor vragen.</a:t>
+              <a:t>Pagina links midden</a:t>
             </a:r>
           </a:p>
           <a:p>
             <a:pPr marL="171450" indent="-171450">
-              <a:buFont typeface="Arial" panose="020B0604020202020204" pitchFamily="34" charset="0"/>
-              <a:buChar char="•"/>
+              <a:buFontTx/>
+              <a:buChar char="-"/>
             </a:pPr>
             <a:r>
-              <a:rPr lang="nl-NL" dirty="0" smtClean="0">
+              <a:rPr lang="nl-NL" baseline="0" dirty="0" smtClean="0">
                 <a:effectLst/>
               </a:rPr>
-              <a:t>Het zand scheppende mannetje betekent dat het onderdeel soms werkt en soms niet.</a:t>
-            </a:r>
-          </a:p>
-          <a:p>
-            <a:pPr marL="171450" indent="-171450">
-              <a:buFont typeface="Arial" panose="020B0604020202020204" pitchFamily="34" charset="0"/>
-              <a:buChar char="•"/>
-            </a:pPr>
-            <a:r>
-              <a:rPr lang="nl-NL" dirty="0" smtClean="0">
+              <a:t>Eenvoudiger </a:t>
+            </a:r>
+            <a:r>
+              <a:rPr lang="nl-NL" baseline="0" dirty="0" smtClean="0">
                 <a:effectLst/>
               </a:rPr>
-              <a:t>Bij een professor petje is de handleiding noodzakelijk, al is het maar voor een spiekbriefje.</a:t>
-            </a:r>
-          </a:p>
-          <a:p>
-            <a:r>
-              <a:rPr lang="nl-NL" dirty="0" smtClean="0"/>
-              <a:t>Zelf invullen, of laten invullen door</a:t>
-            </a:r>
-            <a:r>
-              <a:rPr lang="nl-NL" baseline="0" dirty="0" smtClean="0"/>
-              <a:t> </a:t>
-            </a:r>
-            <a:r>
-              <a:rPr lang="nl-NL" dirty="0" smtClean="0"/>
-              <a:t>voorbeelden (</a:t>
-            </a:r>
-            <a:r>
-              <a:rPr lang="nl-NL" dirty="0" err="1" smtClean="0"/>
-              <a:t>examples</a:t>
-            </a:r>
-            <a:r>
-              <a:rPr lang="nl-NL" dirty="0" smtClean="0"/>
-              <a:t>) onder “get </a:t>
-            </a:r>
-            <a:r>
-              <a:rPr lang="nl-NL" dirty="0" err="1" smtClean="0"/>
-              <a:t>started</a:t>
-            </a:r>
-            <a:r>
-              <a:rPr lang="nl-NL" dirty="0" smtClean="0"/>
-              <a:t>”.</a:t>
-            </a:r>
-          </a:p>
-          <a:p>
-            <a:r>
-              <a:rPr lang="nl-NL" dirty="0" smtClean="0"/>
-              <a:t>Patroontje uitgezocht? </a:t>
-            </a:r>
-            <a:r>
-              <a:rPr lang="nl-NL" dirty="0" smtClean="0">
-                <a:sym typeface="Wingdings" panose="05000000000000000000" pitchFamily="2" charset="2"/>
+              <a:t>om slagen te </a:t>
+            </a:r>
+            <a:r>
+              <a:rPr lang="nl-NL" baseline="0" dirty="0" smtClean="0">
+                <a:effectLst/>
               </a:rPr>
-              <a:t> klik op show</a:t>
-            </a:r>
-          </a:p>
-          <a:p>
-            <a:endParaRPr lang="nl-NL" dirty="0" smtClean="0">
-              <a:sym typeface="Wingdings" panose="05000000000000000000" pitchFamily="2" charset="2"/>
-            </a:endParaRPr>
-          </a:p>
-          <a:p>
-            <a:r>
-              <a:rPr lang="nl-NL" i="1" dirty="0" smtClean="0">
-                <a:sym typeface="Wingdings" panose="05000000000000000000" pitchFamily="2" charset="2"/>
+              <a:t>kiezen of draden te accentueren</a:t>
+            </a:r>
+          </a:p>
+          <a:p>
+            <a:pPr marL="171450" indent="-171450">
+              <a:buFontTx/>
+              <a:buChar char="-"/>
+            </a:pPr>
+            <a:r>
+              <a:rPr lang="nl-NL" baseline="0" dirty="0" smtClean="0">
+                <a:effectLst/>
               </a:rPr>
-              <a:t>Vraag en antwoord:</a:t>
-            </a:r>
-          </a:p>
-          <a:p>
-            <a:r>
-              <a:rPr lang="nl-NL" i="1" dirty="0" smtClean="0">
-                <a:sym typeface="Wingdings" panose="05000000000000000000" pitchFamily="2" charset="2"/>
+              <a:t>Nog niet af</a:t>
+            </a:r>
+          </a:p>
+          <a:p>
+            <a:pPr marL="171450" indent="-171450">
+              <a:buFontTx/>
+              <a:buChar char="-"/>
+            </a:pPr>
+            <a:r>
+              <a:rPr lang="nl-NL" baseline="0" dirty="0" smtClean="0">
+                <a:effectLst/>
               </a:rPr>
-              <a:t>Waarom in het Engels?</a:t>
-            </a:r>
-          </a:p>
-          <a:p>
-            <a:pPr marL="171450" indent="-171450">
-              <a:buFont typeface="Arial" panose="020B0604020202020204" pitchFamily="34" charset="0"/>
-              <a:buChar char="•"/>
-            </a:pPr>
-            <a:r>
-              <a:rPr lang="nl-NL" i="1" dirty="0" smtClean="0">
-                <a:sym typeface="Wingdings" panose="05000000000000000000" pitchFamily="2" charset="2"/>
-              </a:rPr>
-              <a:t>Om een zo breed mogelijk publiek te bereiken</a:t>
-            </a:r>
-          </a:p>
-          <a:p>
-            <a:pPr marL="171450" indent="-171450">
-              <a:buFont typeface="Arial" panose="020B0604020202020204" pitchFamily="34" charset="0"/>
-              <a:buChar char="•"/>
-            </a:pPr>
-            <a:r>
-              <a:rPr lang="nl-NL" i="1" dirty="0" smtClean="0">
-                <a:sym typeface="Wingdings" panose="05000000000000000000" pitchFamily="2" charset="2"/>
-              </a:rPr>
-              <a:t>Omdat het als samenwerking begon met een Canadese promovendus</a:t>
-            </a:r>
-          </a:p>
-          <a:p>
-            <a:endParaRPr lang="nl-NL" i="1" dirty="0" smtClean="0">
-              <a:sym typeface="Wingdings" panose="05000000000000000000" pitchFamily="2" charset="2"/>
-            </a:endParaRPr>
-          </a:p>
-          <a:p>
-            <a:r>
-              <a:rPr lang="nl-NL" i="1" dirty="0" smtClean="0"/>
-              <a:t>Vertalers </a:t>
-            </a:r>
-            <a:r>
-              <a:rPr lang="nl-NL" i="1" dirty="0"/>
-              <a:t>met allemaal hun eigen koeterwaals en reclamezooi:</a:t>
-            </a:r>
-          </a:p>
-          <a:p>
-            <a:r>
-              <a:rPr lang="nl-NL" dirty="0" smtClean="0">
-                <a:hlinkClick r:id="rId3"/>
-              </a:rPr>
-              <a:t>https</a:t>
-            </a:r>
-            <a:r>
-              <a:rPr lang="nl-NL" dirty="0">
-                <a:hlinkClick r:id="rId3"/>
-              </a:rPr>
-              <a:t>://translate.google.com/#en/nl</a:t>
-            </a:r>
-            <a:endParaRPr lang="nl-NL" dirty="0"/>
-          </a:p>
-          <a:p>
-            <a:pPr>
-              <a:defRPr/>
-            </a:pPr>
-            <a:r>
-              <a:rPr lang="nl-NL" dirty="0">
-                <a:hlinkClick r:id="rId4"/>
-              </a:rPr>
-              <a:t>https://www.bing.com/translator/</a:t>
-            </a:r>
-            <a:endParaRPr lang="nl-NL" dirty="0"/>
-          </a:p>
-          <a:p>
-            <a:pPr>
-              <a:defRPr/>
-            </a:pPr>
-            <a:r>
-              <a:rPr lang="nl-NL" dirty="0">
-                <a:hlinkClick r:id="rId5"/>
-              </a:rPr>
-              <a:t>https://www.collinsdictionary.com/translator</a:t>
-            </a:r>
-            <a:endParaRPr lang="nl-NL" dirty="0"/>
-          </a:p>
-          <a:p>
-            <a:pPr>
-              <a:defRPr/>
-            </a:pPr>
-            <a:r>
-              <a:rPr lang="nl-NL" dirty="0">
-                <a:hlinkClick r:id="rId6"/>
-              </a:rPr>
-              <a:t>http://translate.reference.com/english/dutch</a:t>
-            </a:r>
-            <a:endParaRPr lang="nl-NL" dirty="0"/>
-          </a:p>
-          <a:p>
-            <a:endParaRPr lang="nl-NL" i="1" dirty="0">
-              <a:sym typeface="Wingdings" panose="05000000000000000000" pitchFamily="2" charset="2"/>
-            </a:endParaRPr>
-          </a:p>
-          <a:p>
-            <a:pPr marL="171450" indent="-171450">
-              <a:buFont typeface="Arial" panose="020B0604020202020204" pitchFamily="34" charset="0"/>
-              <a:buChar char="•"/>
-            </a:pPr>
-            <a:endParaRPr lang="nl-NL" i="1" dirty="0"/>
-          </a:p>
-          <a:p>
-            <a:endParaRPr lang="nl-NL" baseline="0" dirty="0" smtClean="0">
-              <a:effectLst/>
-            </a:endParaRPr>
-          </a:p>
-          <a:p>
+              <a:t>hier verder niet besproken</a:t>
+            </a:r>
             <a:endParaRPr lang="nl-NL" dirty="0" smtClean="0">
               <a:effectLst/>
             </a:endParaRPr>
@@ -4160,7 +3820,7 @@
               <a:rPr lang="nl-NL" smtClean="0"/>
               <a:t>5</a:t>
             </a:fld>
-            <a:endParaRPr lang="nl-NL"/>
+            <a:endParaRPr lang="nl-NL" dirty="0"/>
           </a:p>
         </p:txBody>
       </p:sp>
@@ -4221,43 +3881,214 @@
           <a:bodyPr/>
           <a:lstStyle/>
           <a:p>
-            <a:pPr marL="0" marR="0" indent="0" algn="l" defTabSz="914400" rtl="0" eaLnBrk="1" fontAlgn="auto" latinLnBrk="0" hangingPunct="1">
-              <a:lnSpc>
-                <a:spcPct val="100000"/>
-              </a:lnSpc>
-              <a:spcBef>
-                <a:spcPts val="0"/>
-              </a:spcBef>
-              <a:spcAft>
-                <a:spcPts val="0"/>
-              </a:spcAft>
-              <a:buClrTx/>
-              <a:buSzTx/>
-              <a:buFontTx/>
-              <a:buNone/>
-              <a:tabLst/>
+            <a:r>
+              <a:rPr lang="nl-NL" dirty="0" smtClean="0">
+                <a:effectLst/>
+              </a:rPr>
+              <a:t>Met het parameterformulier wordt aan de computer verteld hoe het patroon in</a:t>
+            </a:r>
+            <a:r>
+              <a:rPr lang="nl-NL" baseline="0" dirty="0" smtClean="0">
+                <a:effectLst/>
+              </a:rPr>
+              <a:t> elkaar zit.</a:t>
+            </a:r>
+            <a:endParaRPr lang="nl-NL" dirty="0" smtClean="0">
+              <a:effectLst/>
+            </a:endParaRPr>
+          </a:p>
+          <a:p>
+            <a:pPr marL="171450" indent="-171450">
+              <a:buFont typeface="Arial" panose="020B0604020202020204" pitchFamily="34" charset="0"/>
+              <a:buChar char="•"/>
+            </a:pPr>
+            <a:r>
+              <a:rPr lang="nl-NL" dirty="0" smtClean="0">
+                <a:effectLst/>
+              </a:rPr>
+              <a:t>Het blauwe i-tje gaat naar de handleiding, daarop ook een contact link voor vragen.</a:t>
+            </a:r>
+          </a:p>
+          <a:p>
+            <a:pPr marL="171450" indent="-171450">
+              <a:buFont typeface="Arial" panose="020B0604020202020204" pitchFamily="34" charset="0"/>
+              <a:buChar char="•"/>
+            </a:pPr>
+            <a:r>
+              <a:rPr lang="nl-NL" dirty="0" smtClean="0">
+                <a:effectLst/>
+              </a:rPr>
+              <a:t>Het zand scheppende mannetje betekent dat het onderdeel soms werkt en soms niet.</a:t>
+            </a:r>
+          </a:p>
+          <a:p>
+            <a:pPr marL="171450" indent="-171450">
+              <a:buFont typeface="Arial" panose="020B0604020202020204" pitchFamily="34" charset="0"/>
+              <a:buChar char="•"/>
+            </a:pPr>
+            <a:r>
+              <a:rPr lang="nl-NL" dirty="0" smtClean="0">
+                <a:effectLst/>
+              </a:rPr>
+              <a:t>Bij een professor petje is de handleiding noodzakelijk, al is het maar voor een spiekbriefje.</a:t>
+            </a:r>
+          </a:p>
+          <a:p>
+            <a:r>
+              <a:rPr lang="nl-NL" dirty="0" smtClean="0"/>
+              <a:t>Zelf invullen, of laten invullen door</a:t>
+            </a:r>
+            <a:r>
+              <a:rPr lang="nl-NL" baseline="0" dirty="0" smtClean="0"/>
+              <a:t> </a:t>
+            </a:r>
+            <a:r>
+              <a:rPr lang="nl-NL" dirty="0" smtClean="0"/>
+              <a:t>voorbeelden </a:t>
+            </a:r>
+            <a:r>
+              <a:rPr lang="nl-NL" dirty="0" smtClean="0"/>
+              <a:t>(catalogues) </a:t>
+            </a:r>
+            <a:r>
+              <a:rPr lang="nl-NL" dirty="0" smtClean="0"/>
+              <a:t>onder “get started”.</a:t>
+            </a:r>
+          </a:p>
+          <a:p>
+            <a:r>
+              <a:rPr lang="nl-NL" dirty="0" smtClean="0"/>
+              <a:t>Patroontje uitgezocht? </a:t>
+            </a:r>
+            <a:r>
+              <a:rPr lang="nl-NL" dirty="0" smtClean="0">
+                <a:sym typeface="Wingdings" panose="05000000000000000000" pitchFamily="2" charset="2"/>
+              </a:rPr>
+              <a:t> klik op show</a:t>
+            </a:r>
+          </a:p>
+          <a:p>
+            <a:endParaRPr lang="nl-NL" dirty="0" smtClean="0">
+              <a:sym typeface="Wingdings" panose="05000000000000000000" pitchFamily="2" charset="2"/>
+            </a:endParaRPr>
+          </a:p>
+          <a:p>
+            <a:r>
+              <a:rPr lang="nl-NL" i="1" dirty="0" smtClean="0">
+                <a:sym typeface="Wingdings" panose="05000000000000000000" pitchFamily="2" charset="2"/>
+              </a:rPr>
+              <a:t>Vraag en antwoord:</a:t>
+            </a:r>
+          </a:p>
+          <a:p>
+            <a:r>
+              <a:rPr lang="nl-NL" i="1" dirty="0" smtClean="0">
+                <a:sym typeface="Wingdings" panose="05000000000000000000" pitchFamily="2" charset="2"/>
+              </a:rPr>
+              <a:t>Waarom in het Engels?</a:t>
+            </a:r>
+          </a:p>
+          <a:p>
+            <a:pPr marL="171450" indent="-171450">
+              <a:buFont typeface="Arial" panose="020B0604020202020204" pitchFamily="34" charset="0"/>
+              <a:buChar char="•"/>
+            </a:pPr>
+            <a:r>
+              <a:rPr lang="nl-NL" i="1" dirty="0" smtClean="0">
+                <a:sym typeface="Wingdings" panose="05000000000000000000" pitchFamily="2" charset="2"/>
+              </a:rPr>
+              <a:t>Om een zo breed mogelijk publiek te bereiken</a:t>
+            </a:r>
+          </a:p>
+          <a:p>
+            <a:pPr marL="171450" indent="-171450">
+              <a:buFont typeface="Arial" panose="020B0604020202020204" pitchFamily="34" charset="0"/>
+              <a:buChar char="•"/>
+            </a:pPr>
+            <a:r>
+              <a:rPr lang="nl-NL" i="1" dirty="0" smtClean="0">
+                <a:sym typeface="Wingdings" panose="05000000000000000000" pitchFamily="2" charset="2"/>
+              </a:rPr>
+              <a:t>Omdat het als samenwerking begon met een Canadese promovendus</a:t>
+            </a:r>
+          </a:p>
+          <a:p>
+            <a:endParaRPr lang="nl-NL" i="1" dirty="0" smtClean="0">
+              <a:sym typeface="Wingdings" panose="05000000000000000000" pitchFamily="2" charset="2"/>
+            </a:endParaRPr>
+          </a:p>
+          <a:p>
+            <a:r>
+              <a:rPr lang="nl-NL" i="1" dirty="0" smtClean="0"/>
+              <a:t>Vertalers </a:t>
+            </a:r>
+            <a:r>
+              <a:rPr lang="nl-NL" i="1" dirty="0"/>
+              <a:t>met allemaal hun eigen koeterwaals en reclamezooi:</a:t>
+            </a:r>
+          </a:p>
+          <a:p>
+            <a:r>
+              <a:rPr lang="nl-NL" dirty="0" smtClean="0">
+                <a:hlinkClick r:id="rId3"/>
+              </a:rPr>
+              <a:t>https</a:t>
+            </a:r>
+            <a:r>
+              <a:rPr lang="nl-NL" dirty="0">
+                <a:hlinkClick r:id="rId3"/>
+              </a:rPr>
+              <a:t>://translate.google.com/#en/nl</a:t>
+            </a:r>
+            <a:endParaRPr lang="nl-NL" dirty="0"/>
+          </a:p>
+          <a:p>
+            <a:pPr>
               <a:defRPr/>
             </a:pPr>
             <a:r>
-              <a:rPr lang="nl-NL" baseline="0" dirty="0" smtClean="0"/>
-              <a:t>Rechtsboven een parentekening volgens het boekje. </a:t>
-            </a:r>
-            <a:r>
-              <a:rPr lang="nl-NL" dirty="0" smtClean="0"/>
-              <a:t>Links onder </a:t>
-            </a:r>
-            <a:r>
-              <a:rPr lang="nl-NL" baseline="0" dirty="0" smtClean="0"/>
-              <a:t>gegenereerd door de </a:t>
-            </a:r>
-            <a:r>
-              <a:rPr lang="nl-NL" baseline="0" dirty="0" err="1" smtClean="0"/>
-              <a:t>GroundForge</a:t>
-            </a:r>
-            <a:r>
-              <a:rPr lang="nl-NL" baseline="0" dirty="0" smtClean="0"/>
-              <a:t>. De laatste trekt de gaten rond.</a:t>
-            </a:r>
+              <a:rPr lang="nl-NL" dirty="0">
+                <a:hlinkClick r:id="rId4"/>
+              </a:rPr>
+              <a:t>https://www.bing.com/translator/</a:t>
+            </a:r>
+            <a:endParaRPr lang="nl-NL" dirty="0"/>
+          </a:p>
+          <a:p>
+            <a:pPr>
+              <a:defRPr/>
+            </a:pPr>
+            <a:r>
+              <a:rPr lang="nl-NL" dirty="0">
+                <a:hlinkClick r:id="rId5"/>
+              </a:rPr>
+              <a:t>https://www.collinsdictionary.com/translator</a:t>
+            </a:r>
+            <a:endParaRPr lang="nl-NL" dirty="0"/>
+          </a:p>
+          <a:p>
+            <a:pPr>
+              <a:defRPr/>
+            </a:pPr>
+            <a:r>
+              <a:rPr lang="nl-NL" dirty="0">
+                <a:hlinkClick r:id="rId6"/>
+              </a:rPr>
+              <a:t>http://translate.reference.com/english/dutch</a:t>
+            </a:r>
+            <a:endParaRPr lang="nl-NL" dirty="0"/>
+          </a:p>
+          <a:p>
+            <a:endParaRPr lang="nl-NL" i="1" dirty="0">
+              <a:sym typeface="Wingdings" panose="05000000000000000000" pitchFamily="2" charset="2"/>
+            </a:endParaRPr>
+          </a:p>
+          <a:p>
+            <a:pPr marL="171450" indent="-171450">
+              <a:buFont typeface="Arial" panose="020B0604020202020204" pitchFamily="34" charset="0"/>
+              <a:buChar char="•"/>
+            </a:pPr>
+            <a:endParaRPr lang="nl-NL" i="1" dirty="0"/>
           </a:p>
           <a:p>
             <a:endParaRPr lang="nl-NL" baseline="0" dirty="0" smtClean="0">
@@ -4265,156 +4096,9 @@
             </a:endParaRPr>
           </a:p>
           <a:p>
-            <a:r>
-              <a:rPr lang="nl-NL" dirty="0" err="1"/>
-              <a:t>GroundForge</a:t>
-            </a:r>
-            <a:r>
-              <a:rPr lang="nl-NL" dirty="0"/>
-              <a:t> </a:t>
-            </a:r>
-            <a:r>
-              <a:rPr lang="nl-NL" baseline="0" dirty="0" smtClean="0">
-                <a:effectLst/>
-              </a:rPr>
-              <a:t>zet hooguit één markering bij meerdere draaien.</a:t>
-            </a:r>
-            <a:r>
-              <a:rPr lang="nl-NL" dirty="0" smtClean="0">
-                <a:effectLst/>
-              </a:rPr>
-              <a:t> </a:t>
-            </a:r>
-            <a:r>
-              <a:rPr lang="nl-NL" baseline="0" dirty="0" smtClean="0">
-                <a:effectLst/>
-              </a:rPr>
-              <a:t>Onafhankelijk van de kleur van de slag. </a:t>
-            </a:r>
-            <a:r>
-              <a:rPr lang="nl-NL" dirty="0" smtClean="0"/>
-              <a:t>Bij gesloten methode alleen als beide paren meerdere draaien hebben (lastige bug) Aan de kleurcode wordt nog gewerkt.</a:t>
-            </a:r>
-            <a:endParaRPr lang="nl-NL" baseline="0" dirty="0" smtClean="0">
+            <a:endParaRPr lang="nl-NL" dirty="0" smtClean="0">
               <a:effectLst/>
             </a:endParaRPr>
-          </a:p>
-          <a:p>
-            <a:endParaRPr lang="nl-NL" baseline="0" dirty="0" smtClean="0">
-              <a:effectLst/>
-            </a:endParaRPr>
-          </a:p>
-          <a:p>
-            <a:r>
-              <a:rPr lang="nl-NL" baseline="0" dirty="0" smtClean="0"/>
-              <a:t>De slag die door de muis wordt aangewezen is: linnenslag, keren om de speld linnenslag. A</a:t>
-            </a:r>
-            <a:r>
-              <a:rPr lang="nl-NL" dirty="0" smtClean="0"/>
-              <a:t>lles </a:t>
-            </a:r>
-            <a:r>
-              <a:rPr lang="nl-NL" dirty="0"/>
-              <a:t>waarvoor je twee paar oppakt, totdat je minstens een van beide weer neerlegt</a:t>
-            </a:r>
-            <a:r>
-              <a:rPr lang="nl-NL" dirty="0" smtClean="0"/>
-              <a:t>, wordt </a:t>
-            </a:r>
-            <a:r>
-              <a:rPr lang="nl-NL" dirty="0"/>
-              <a:t>door </a:t>
-            </a:r>
-            <a:r>
-              <a:rPr lang="nl-NL" dirty="0" err="1"/>
-              <a:t>GroundForge</a:t>
-            </a:r>
-            <a:r>
-              <a:rPr lang="nl-NL" dirty="0"/>
-              <a:t> beschouwd een enkele slag.</a:t>
-            </a:r>
-          </a:p>
-          <a:p>
-            <a:endParaRPr lang="nl-NL" dirty="0"/>
-          </a:p>
-          <a:p>
-            <a:r>
-              <a:rPr lang="nl-NL" b="1" dirty="0" err="1" smtClean="0"/>
-              <a:t>Stitches</a:t>
-            </a:r>
-            <a:r>
-              <a:rPr lang="nl-NL" dirty="0" smtClean="0"/>
-              <a:t>: invulveld dat de slagen beschrijft</a:t>
-            </a:r>
-            <a:endParaRPr lang="nl-NL" dirty="0"/>
-          </a:p>
-          <a:p>
-            <a:r>
-              <a:rPr lang="nl-NL" dirty="0"/>
-              <a:t>De omschrijving van een slag is voor zowel mensen als de computer leesbaar:</a:t>
-            </a:r>
-          </a:p>
-          <a:p>
-            <a:r>
-              <a:rPr lang="nl-NL" dirty="0"/>
-              <a:t>C=cross = kruisen</a:t>
-            </a:r>
-          </a:p>
-          <a:p>
-            <a:r>
-              <a:rPr lang="nl-NL" dirty="0"/>
-              <a:t>T=twist = draaien; l/r=links/rechts draaien</a:t>
-            </a:r>
-          </a:p>
-          <a:p>
-            <a:pPr>
-              <a:defRPr/>
-            </a:pPr>
-            <a:endParaRPr lang="nl-NL" dirty="0" smtClean="0"/>
-          </a:p>
-          <a:p>
-            <a:pPr>
-              <a:defRPr/>
-            </a:pPr>
-            <a:r>
-              <a:rPr lang="nl-NL" dirty="0" smtClean="0"/>
-              <a:t>Per </a:t>
-            </a:r>
-            <a:r>
-              <a:rPr lang="nl-NL" dirty="0"/>
-              <a:t>ID een slag kiezen. De eerste slag (linnenslag, </a:t>
-            </a:r>
-            <a:r>
-              <a:rPr lang="nl-NL" dirty="0" err="1"/>
-              <a:t>ctc</a:t>
-            </a:r>
-            <a:r>
-              <a:rPr lang="nl-NL" dirty="0"/>
-              <a:t>) is de default voor alle slagen die niet expliciet gekozen zijn.</a:t>
-            </a:r>
-          </a:p>
-          <a:p>
-            <a:endParaRPr lang="nl-NL" baseline="0" dirty="0" smtClean="0"/>
-          </a:p>
-          <a:p>
-            <a:r>
-              <a:rPr lang="nl-NL" b="1" baseline="0" dirty="0" smtClean="0"/>
-              <a:t>Bruggetje</a:t>
-            </a:r>
-          </a:p>
-          <a:p>
-            <a:r>
-              <a:rPr lang="nl-NL" baseline="0" dirty="0" smtClean="0"/>
-              <a:t>Volg de link naar de handleiding,</a:t>
-            </a:r>
-            <a:r>
-              <a:rPr lang="nl-NL" dirty="0" smtClean="0"/>
-              <a:t> </a:t>
-            </a:r>
-            <a:r>
-              <a:rPr lang="nl-NL" baseline="0" dirty="0" smtClean="0"/>
-              <a:t>dan vind je zowel uitleg als een hulpformulier</a:t>
-            </a:r>
           </a:p>
         </p:txBody>
       </p:sp>
@@ -4437,7 +4121,7 @@
               <a:rPr lang="nl-NL" smtClean="0"/>
               <a:t>6</a:t>
             </a:fld>
-            <a:endParaRPr lang="nl-NL"/>
+            <a:endParaRPr lang="nl-NL" dirty="0"/>
           </a:p>
         </p:txBody>
       </p:sp>
@@ -4516,210 +4200,154 @@
               <a:defRPr/>
             </a:pPr>
             <a:r>
+              <a:rPr lang="nl-NL" baseline="0" dirty="0" smtClean="0"/>
+              <a:t>Rechtsboven een parentekening volgens het boekje. </a:t>
+            </a:r>
+            <a:r>
+              <a:rPr lang="nl-NL" dirty="0" smtClean="0"/>
+              <a:t>Links onder </a:t>
+            </a:r>
+            <a:r>
+              <a:rPr lang="nl-NL" baseline="0" dirty="0" smtClean="0"/>
+              <a:t>gegenereerd door de GroundForge. De laatste trekt de gaten rond.</a:t>
+            </a:r>
+          </a:p>
+          <a:p>
+            <a:endParaRPr lang="nl-NL" baseline="0" dirty="0" smtClean="0">
+              <a:effectLst/>
+            </a:endParaRPr>
+          </a:p>
+          <a:p>
+            <a:r>
+              <a:rPr lang="nl-NL" dirty="0"/>
+              <a:t>GroundForge </a:t>
+            </a:r>
+            <a:r>
               <a:rPr lang="nl-NL" baseline="0" dirty="0" smtClean="0">
                 <a:effectLst/>
               </a:rPr>
-              <a:t>Het gekozen patroon bepaalt hoe de rest van het formulier er uit ziet:</a:t>
-            </a:r>
-          </a:p>
-          <a:p>
+              <a:t>zet hooguit één markering bij meerdere draaien.</a:t>
+            </a:r>
+            <a:r>
+              <a:rPr lang="nl-NL" dirty="0" smtClean="0">
+                <a:effectLst/>
+              </a:rPr>
+              <a:t> </a:t>
+            </a:r>
+            <a:r>
+              <a:rPr lang="nl-NL" baseline="0" dirty="0" smtClean="0">
+                <a:effectLst/>
+              </a:rPr>
+              <a:t>Onafhankelijk van de kleur van de slag. </a:t>
+            </a:r>
             <a:r>
               <a:rPr lang="nl-NL" dirty="0" smtClean="0"/>
-              <a:t>Linker voorbeeld: bekende om-en-om zonder spelden</a:t>
-            </a:r>
-          </a:p>
-          <a:p>
-            <a:r>
-              <a:rPr lang="nl-NL" dirty="0" smtClean="0"/>
-              <a:t>Rechter voorbeeld: komt verderop op een verrassende manier terug</a:t>
-            </a:r>
-          </a:p>
-          <a:p>
+              <a:t>Bij gesloten methode alleen als beide paren meerdere draaien hebben (lastige bug) Aan de kleurcode wordt nog gewerkt.</a:t>
+            </a:r>
             <a:endParaRPr lang="nl-NL" baseline="0" dirty="0" smtClean="0">
               <a:effectLst/>
             </a:endParaRPr>
           </a:p>
           <a:p>
-            <a:r>
-              <a:rPr lang="nl-NL" baseline="0" dirty="0" smtClean="0">
-                <a:effectLst/>
-              </a:rPr>
-              <a:t>De </a:t>
-            </a:r>
-            <a:r>
-              <a:rPr lang="nl-NL" baseline="0" dirty="0" smtClean="0">
-                <a:effectLst/>
-              </a:rPr>
-              <a:t>gekozen slagen worden ingevuld in het “</a:t>
-            </a:r>
-            <a:r>
-              <a:rPr lang="nl-NL" baseline="0" dirty="0" err="1" smtClean="0">
-                <a:effectLst/>
-              </a:rPr>
-              <a:t>stitches</a:t>
-            </a:r>
-            <a:r>
-              <a:rPr lang="nl-NL" baseline="0" dirty="0" smtClean="0">
-                <a:effectLst/>
-              </a:rPr>
-              <a:t>” (slagen) </a:t>
-            </a:r>
-            <a:r>
-              <a:rPr lang="nl-NL" baseline="0" dirty="0" smtClean="0">
-                <a:effectLst/>
-              </a:rPr>
-              <a:t>veld op de vorige dia.</a:t>
-            </a:r>
-          </a:p>
-          <a:p>
-            <a:r>
-              <a:rPr lang="nl-NL" baseline="0" dirty="0" smtClean="0">
-                <a:effectLst/>
-              </a:rPr>
-              <a:t>Let op: het hele patroon wordt opnieuw ingevuld</a:t>
-            </a:r>
-            <a:r>
-              <a:rPr lang="nl-NL" baseline="0" dirty="0" smtClean="0">
-                <a:effectLst/>
-              </a:rPr>
-              <a:t>, dit formulier dus </a:t>
-            </a:r>
-            <a:r>
-              <a:rPr lang="nl-NL" baseline="0" dirty="0" smtClean="0">
-                <a:effectLst/>
-              </a:rPr>
-              <a:t>niet </a:t>
-            </a:r>
-            <a:r>
-              <a:rPr lang="nl-NL" baseline="0" dirty="0" smtClean="0">
-                <a:effectLst/>
-              </a:rPr>
-              <a:t>gebruiken om </a:t>
-            </a:r>
-            <a:r>
-              <a:rPr lang="nl-NL" baseline="0" dirty="0" smtClean="0">
-                <a:effectLst/>
-              </a:rPr>
-              <a:t>te variëren op de aangeboden voorbeelden.</a:t>
-            </a:r>
-          </a:p>
-          <a:p>
-            <a:endParaRPr lang="nl-NL" dirty="0"/>
-          </a:p>
-          <a:p>
-            <a:r>
-              <a:rPr lang="nl-NL" baseline="0" dirty="0" smtClean="0">
-                <a:effectLst/>
-              </a:rPr>
-              <a:t>Een </a:t>
-            </a:r>
-            <a:r>
-              <a:rPr lang="nl-NL" baseline="0" dirty="0" smtClean="0">
-                <a:effectLst/>
-              </a:rPr>
-              <a:t>spiekbriefje laat de code en afbeelding zien van minder triviale (= </a:t>
-            </a:r>
-            <a:r>
-              <a:rPr lang="nl-NL" baseline="0" dirty="0" err="1" smtClean="0">
-                <a:effectLst/>
-              </a:rPr>
-              <a:t>ct</a:t>
-            </a:r>
-            <a:r>
-              <a:rPr lang="nl-NL" baseline="0" dirty="0" smtClean="0">
-                <a:effectLst/>
-              </a:rPr>
-              <a:t>, </a:t>
-            </a:r>
-            <a:r>
-              <a:rPr lang="nl-NL" baseline="0" dirty="0" err="1" smtClean="0">
-                <a:effectLst/>
-              </a:rPr>
-              <a:t>ctc</a:t>
-            </a:r>
-            <a:r>
-              <a:rPr lang="nl-NL" baseline="0" dirty="0" smtClean="0">
-                <a:effectLst/>
-              </a:rPr>
-              <a:t>, </a:t>
-            </a:r>
-            <a:r>
-              <a:rPr lang="nl-NL" baseline="0" dirty="0" err="1" smtClean="0">
-                <a:effectLst/>
-              </a:rPr>
-              <a:t>ctct</a:t>
-            </a:r>
-            <a:r>
-              <a:rPr lang="nl-NL" baseline="0" dirty="0" smtClean="0">
-                <a:effectLst/>
-              </a:rPr>
-              <a:t>) slagen. Die kun je zo kopiëren en plakken.</a:t>
-            </a:r>
-          </a:p>
-          <a:p>
-            <a:endParaRPr lang="nl-NL" dirty="0"/>
-          </a:p>
-          <a:p>
-            <a:r>
-              <a:rPr lang="nl-NL" i="1" dirty="0">
-                <a:sym typeface="Wingdings" panose="05000000000000000000" pitchFamily="2" charset="2"/>
-              </a:rPr>
-              <a:t>Vraag en </a:t>
-            </a:r>
-            <a:r>
-              <a:rPr lang="nl-NL" i="1" dirty="0" smtClean="0">
-                <a:sym typeface="Wingdings" panose="05000000000000000000" pitchFamily="2" charset="2"/>
-              </a:rPr>
-              <a:t>antwoord:</a:t>
-            </a:r>
-          </a:p>
-          <a:p>
-            <a:r>
-              <a:rPr lang="nl-NL" i="1" dirty="0" smtClean="0">
-                <a:sym typeface="Wingdings" panose="05000000000000000000" pitchFamily="2" charset="2"/>
-              </a:rPr>
-              <a:t>Wat is het adres van deze pagina?</a:t>
-            </a:r>
-            <a:endParaRPr lang="nl-NL" i="1" dirty="0">
-              <a:sym typeface="Wingdings" panose="05000000000000000000" pitchFamily="2" charset="2"/>
-            </a:endParaRPr>
-          </a:p>
-          <a:p>
-            <a:endParaRPr lang="nl-NL" i="1" dirty="0">
-              <a:sym typeface="Wingdings" panose="05000000000000000000" pitchFamily="2" charset="2"/>
-            </a:endParaRPr>
-          </a:p>
-          <a:p>
-            <a:r>
-              <a:rPr lang="nl-NL" sz="1200" u="sng" kern="1200" dirty="0" smtClean="0">
-                <a:solidFill>
-                  <a:schemeClr val="tx1"/>
-                </a:solidFill>
-                <a:effectLst/>
-                <a:latin typeface="+mn-lt"/>
-                <a:ea typeface="+mn-ea"/>
-                <a:cs typeface="+mn-cs"/>
-                <a:hlinkClick r:id="rId3"/>
-              </a:rPr>
-              <a:t>https://d-bl.github.io/GroundForge/help/Choose-Stitches</a:t>
-            </a:r>
-            <a:r>
-              <a:rPr lang="nl-NL" sz="1200" kern="1200" dirty="0" smtClean="0">
-                <a:solidFill>
-                  <a:schemeClr val="tx1"/>
-                </a:solidFill>
-                <a:effectLst/>
-                <a:latin typeface="+mn-lt"/>
-                <a:ea typeface="+mn-ea"/>
-                <a:cs typeface="+mn-cs"/>
-              </a:rPr>
-              <a:t> </a:t>
-            </a:r>
-          </a:p>
-          <a:p>
             <a:endParaRPr lang="nl-NL" baseline="0" dirty="0" smtClean="0">
               <a:effectLst/>
             </a:endParaRPr>
+          </a:p>
+          <a:p>
+            <a:r>
+              <a:rPr lang="nl-NL" baseline="0" dirty="0" smtClean="0"/>
+              <a:t>De slag die door de muis wordt aangewezen is: linnenslag, keren om de speld linnenslag. A</a:t>
+            </a:r>
+            <a:r>
+              <a:rPr lang="nl-NL" dirty="0" smtClean="0"/>
+              <a:t>lles </a:t>
+            </a:r>
+            <a:r>
+              <a:rPr lang="nl-NL" dirty="0"/>
+              <a:t>waarvoor je twee paar oppakt, totdat je minstens een van beide weer neerlegt</a:t>
+            </a:r>
+            <a:r>
+              <a:rPr lang="nl-NL" dirty="0" smtClean="0"/>
+              <a:t>, wordt </a:t>
+            </a:r>
+            <a:r>
+              <a:rPr lang="nl-NL" dirty="0"/>
+              <a:t>door GroundForge beschouwd een enkele slag.</a:t>
+            </a:r>
+          </a:p>
+          <a:p>
+            <a:endParaRPr lang="nl-NL" dirty="0"/>
+          </a:p>
+          <a:p>
+            <a:r>
+              <a:rPr lang="nl-NL" b="1" dirty="0" smtClean="0"/>
+              <a:t>Stitches</a:t>
+            </a:r>
+            <a:r>
+              <a:rPr lang="nl-NL" dirty="0" smtClean="0"/>
+              <a:t>: invulveld dat de slagen beschrijft</a:t>
+            </a:r>
+            <a:endParaRPr lang="nl-NL" dirty="0"/>
+          </a:p>
+          <a:p>
+            <a:r>
+              <a:rPr lang="nl-NL" dirty="0"/>
+              <a:t>De omschrijving van een slag is voor zowel mensen als de computer leesbaar:</a:t>
+            </a:r>
+          </a:p>
+          <a:p>
+            <a:r>
+              <a:rPr lang="nl-NL" dirty="0"/>
+              <a:t>C=cross = kruisen</a:t>
+            </a:r>
+          </a:p>
+          <a:p>
+            <a:r>
+              <a:rPr lang="nl-NL" dirty="0"/>
+              <a:t>T=twist = draaien; l/r=links/rechts draaien</a:t>
+            </a:r>
+          </a:p>
+          <a:p>
+            <a:pPr>
+              <a:defRPr/>
+            </a:pPr>
+            <a:endParaRPr lang="nl-NL" dirty="0" smtClean="0"/>
+          </a:p>
+          <a:p>
+            <a:pPr>
+              <a:defRPr/>
+            </a:pPr>
+            <a:r>
+              <a:rPr lang="nl-NL" dirty="0" smtClean="0"/>
+              <a:t>Per </a:t>
+            </a:r>
+            <a:r>
+              <a:rPr lang="nl-NL" dirty="0"/>
+              <a:t>ID een slag kiezen. De eerste slag (linnenslag, ctc) is de default voor alle slagen die niet expliciet gekozen zijn.</a:t>
+            </a:r>
+          </a:p>
+          <a:p>
+            <a:endParaRPr lang="nl-NL" baseline="0" dirty="0" smtClean="0"/>
+          </a:p>
+          <a:p>
+            <a:r>
+              <a:rPr lang="nl-NL" b="1" baseline="0" dirty="0" smtClean="0"/>
+              <a:t>Bruggetje</a:t>
+            </a:r>
+          </a:p>
+          <a:p>
+            <a:r>
+              <a:rPr lang="nl-NL" baseline="0" dirty="0" smtClean="0"/>
+              <a:t>Volg de link naar de handleiding,</a:t>
+            </a:r>
+            <a:r>
+              <a:rPr lang="nl-NL" dirty="0" smtClean="0"/>
+              <a:t> </a:t>
+            </a:r>
+            <a:r>
+              <a:rPr lang="nl-NL" baseline="0" dirty="0" smtClean="0"/>
+              <a:t>dan vind je zowel uitleg als een hulpformulier</a:t>
+            </a:r>
           </a:p>
         </p:txBody>
       </p:sp>
@@ -4742,7 +4370,7 @@
               <a:rPr lang="nl-NL" smtClean="0"/>
               <a:t>7</a:t>
             </a:fld>
-            <a:endParaRPr lang="nl-NL"/>
+            <a:endParaRPr lang="nl-NL" dirty="0"/>
           </a:p>
         </p:txBody>
       </p:sp>
@@ -4803,13 +4431,138 @@
           <a:bodyPr/>
           <a:lstStyle/>
           <a:p>
-            <a:r>
-              <a:rPr lang="nl-NL" b="0" baseline="0" dirty="0" smtClean="0">
+            <a:pPr marL="0" marR="0" indent="0" algn="l" defTabSz="914400" rtl="0" eaLnBrk="1" fontAlgn="auto" latinLnBrk="0" hangingPunct="1">
+              <a:lnSpc>
+                <a:spcPct val="100000"/>
+              </a:lnSpc>
+              <a:spcBef>
+                <a:spcPts val="0"/>
+              </a:spcBef>
+              <a:spcAft>
+                <a:spcPts val="0"/>
+              </a:spcAft>
+              <a:buClrTx/>
+              <a:buSzTx/>
+              <a:buFontTx/>
+              <a:buNone/>
+              <a:tabLst/>
+              <a:defRPr/>
+            </a:pPr>
+            <a:r>
+              <a:rPr lang="nl-NL" baseline="0" dirty="0" smtClean="0">
                 <a:effectLst/>
               </a:rPr>
-              <a:t>De velden van het hulpformulier  vormen één baksteen of één schaakveld.</a:t>
-            </a:r>
-            <a:endParaRPr lang="nl-NL" i="1" dirty="0"/>
+              <a:t>Het gekozen patroon bepaalt hoe de rest van het formulier er uit ziet:</a:t>
+            </a:r>
+          </a:p>
+          <a:p>
+            <a:r>
+              <a:rPr lang="nl-NL" dirty="0" smtClean="0"/>
+              <a:t>Linker voorbeeld: bekende om-en-om zonder spelden</a:t>
+            </a:r>
+          </a:p>
+          <a:p>
+            <a:r>
+              <a:rPr lang="nl-NL" dirty="0" smtClean="0"/>
+              <a:t>Rechter voorbeeld: komt verderop op een verrassende manier terug</a:t>
+            </a:r>
+          </a:p>
+          <a:p>
+            <a:endParaRPr lang="nl-NL" baseline="0" dirty="0" smtClean="0">
+              <a:effectLst/>
+            </a:endParaRPr>
+          </a:p>
+          <a:p>
+            <a:r>
+              <a:rPr lang="nl-NL" baseline="0" dirty="0" smtClean="0">
+                <a:effectLst/>
+              </a:rPr>
+              <a:t>De gekozen slagen worden ingevuld in het “stitches” (slagen) veld op de vorige dia.</a:t>
+            </a:r>
+          </a:p>
+          <a:p>
+            <a:r>
+              <a:rPr lang="nl-NL" baseline="0" dirty="0" smtClean="0">
+                <a:effectLst/>
+              </a:rPr>
+              <a:t>Let op: het hele patroon wordt opnieuw ingevuld, dit formulier dus niet gebruiken om te variëren op de aangeboden voorbeelden.</a:t>
+            </a:r>
+          </a:p>
+          <a:p>
+            <a:endParaRPr lang="nl-NL" dirty="0"/>
+          </a:p>
+          <a:p>
+            <a:r>
+              <a:rPr lang="nl-NL" baseline="0" dirty="0" smtClean="0">
+                <a:effectLst/>
+              </a:rPr>
+              <a:t>Een spiekbriefje laat de code en afbeelding zien van minder triviale (= ct, ctc, ctct) slagen. Die kun je zo kopiëren en plakken.</a:t>
+            </a:r>
+          </a:p>
+          <a:p>
+            <a:endParaRPr lang="nl-NL" dirty="0"/>
+          </a:p>
+          <a:p>
+            <a:r>
+              <a:rPr lang="nl-NL" i="1" dirty="0">
+                <a:sym typeface="Wingdings" panose="05000000000000000000" pitchFamily="2" charset="2"/>
+              </a:rPr>
+              <a:t>Vraag en </a:t>
+            </a:r>
+            <a:r>
+              <a:rPr lang="nl-NL" i="1" dirty="0" smtClean="0">
+                <a:sym typeface="Wingdings" panose="05000000000000000000" pitchFamily="2" charset="2"/>
+              </a:rPr>
+              <a:t>antwoord:</a:t>
+            </a:r>
+          </a:p>
+          <a:p>
+            <a:r>
+              <a:rPr lang="nl-NL" i="1" dirty="0" smtClean="0">
+                <a:sym typeface="Wingdings" panose="05000000000000000000" pitchFamily="2" charset="2"/>
+              </a:rPr>
+              <a:t>Wat is het adres van deze pagina?</a:t>
+            </a:r>
+            <a:endParaRPr lang="nl-NL" i="1" dirty="0">
+              <a:sym typeface="Wingdings" panose="05000000000000000000" pitchFamily="2" charset="2"/>
+            </a:endParaRPr>
+          </a:p>
+          <a:p>
+            <a:endParaRPr lang="nl-NL" i="1" dirty="0">
+              <a:sym typeface="Wingdings" panose="05000000000000000000" pitchFamily="2" charset="2"/>
+            </a:endParaRPr>
+          </a:p>
+          <a:p>
+            <a:r>
+              <a:rPr lang="nl-NL" sz="1200" u="sng" kern="1200" dirty="0" smtClean="0">
+                <a:solidFill>
+                  <a:schemeClr val="tx1"/>
+                </a:solidFill>
+                <a:effectLst/>
+                <a:latin typeface="+mn-lt"/>
+                <a:ea typeface="+mn-ea"/>
+                <a:cs typeface="+mn-cs"/>
+                <a:hlinkClick r:id="rId3"/>
+              </a:rPr>
+              <a:t>https://d-bl.github.io/GroundForge/help/Choose-Stitches</a:t>
+            </a:r>
+            <a:r>
+              <a:rPr lang="nl-NL" sz="1200" kern="1200" dirty="0" smtClean="0">
+                <a:solidFill>
+                  <a:schemeClr val="tx1"/>
+                </a:solidFill>
+                <a:effectLst/>
+                <a:latin typeface="+mn-lt"/>
+                <a:ea typeface="+mn-ea"/>
+                <a:cs typeface="+mn-cs"/>
+              </a:rPr>
+              <a:t> </a:t>
+            </a:r>
+          </a:p>
+          <a:p>
+            <a:endParaRPr lang="nl-NL" baseline="0" dirty="0" smtClean="0">
+              <a:effectLst/>
+            </a:endParaRPr>
           </a:p>
         </p:txBody>
       </p:sp>
@@ -4832,7 +4585,7 @@
               <a:rPr lang="nl-NL" smtClean="0"/>
               <a:t>8</a:t>
             </a:fld>
-            <a:endParaRPr lang="nl-NL"/>
+            <a:endParaRPr lang="nl-NL" dirty="0"/>
           </a:p>
         </p:txBody>
       </p:sp>
@@ -4894,72 +4647,12 @@
           <a:lstStyle/>
           <a:p>
             <a:r>
-              <a:rPr lang="nl-NL" dirty="0" smtClean="0">
+              <a:rPr lang="nl-NL" b="0" baseline="0" dirty="0" smtClean="0">
                 <a:effectLst/>
               </a:rPr>
-              <a:t>Verschillende (groepen) voorbeeld </a:t>
-            </a:r>
-            <a:r>
-              <a:rPr lang="nl-NL" dirty="0" smtClean="0">
-                <a:effectLst/>
-              </a:rPr>
-              <a:t>pagina’s. Links op deze pagina vullen het </a:t>
-            </a:r>
-            <a:r>
-              <a:rPr lang="nl-NL" dirty="0" smtClean="0">
-                <a:effectLst/>
-              </a:rPr>
-              <a:t>parameters-formulier in </a:t>
-            </a:r>
-            <a:r>
-              <a:rPr lang="nl-NL" dirty="0" smtClean="0">
-                <a:effectLst/>
-              </a:rPr>
-              <a:t>van de hoofdpagina.</a:t>
-            </a:r>
-            <a:endParaRPr lang="nl-NL" dirty="0" smtClean="0">
-              <a:effectLst/>
-            </a:endParaRPr>
-          </a:p>
-          <a:p>
-            <a:endParaRPr lang="nl-NL" dirty="0" smtClean="0">
-              <a:effectLst/>
-            </a:endParaRPr>
-          </a:p>
-          <a:p>
-            <a:r>
-              <a:rPr lang="nl-NL" dirty="0" smtClean="0">
-                <a:effectLst/>
-              </a:rPr>
-              <a:t>Elke groep heeft een eigen </a:t>
-            </a:r>
-            <a:r>
-              <a:rPr lang="nl-NL" dirty="0" smtClean="0">
-                <a:effectLst/>
-              </a:rPr>
-              <a:t>invalshoek.</a:t>
-            </a:r>
-            <a:endParaRPr lang="nl-NL" dirty="0" smtClean="0">
-              <a:effectLst/>
-            </a:endParaRPr>
-          </a:p>
-          <a:p>
-            <a:endParaRPr lang="nl-NL" dirty="0" smtClean="0">
-              <a:effectLst/>
-            </a:endParaRPr>
-          </a:p>
-          <a:p>
-            <a:r>
-              <a:rPr lang="nl-NL" dirty="0" smtClean="0"/>
-              <a:t>Droste heeft een paar voorbeelden waarvan al wel slagen zijn </a:t>
-            </a:r>
-            <a:r>
-              <a:rPr lang="nl-NL" dirty="0" smtClean="0"/>
-              <a:t>ingevuld.</a:t>
-            </a:r>
-            <a:endParaRPr lang="nl-NL" dirty="0" smtClean="0">
-              <a:effectLst/>
-            </a:endParaRPr>
+              <a:t>De velden van het hulpformulier  vormen één baksteen of één schaakveld.</a:t>
+            </a:r>
+            <a:endParaRPr lang="nl-NL" i="1" dirty="0"/>
           </a:p>
         </p:txBody>
       </p:sp>
@@ -4982,7 +4675,7 @@
               <a:rPr lang="nl-NL" smtClean="0"/>
               <a:t>9</a:t>
             </a:fld>
-            <a:endParaRPr lang="nl-NL"/>
+            <a:endParaRPr lang="nl-NL" dirty="0"/>
           </a:p>
         </p:txBody>
       </p:sp>
@@ -5180,9 +4873,9 @@
           <a:p>
             <a:fld id="{E342A075-9761-4F6D-8E62-693B12E2A93F}" type="datetime1">
               <a:rPr lang="nl-NL" smtClean="0"/>
-              <a:t>25-3-2018</a:t>
+              <a:t>15-8-2018</a:t>
             </a:fld>
-            <a:endParaRPr lang="nl-NL"/>
+            <a:endParaRPr lang="nl-NL" dirty="0"/>
           </a:p>
         </p:txBody>
       </p:sp>
@@ -5201,7 +4894,7 @@
           <a:bodyPr/>
           <a:lstStyle/>
           <a:p>
-            <a:endParaRPr lang="nl-NL"/>
+            <a:endParaRPr lang="nl-NL" dirty="0"/>
           </a:p>
         </p:txBody>
       </p:sp>
@@ -5224,7 +4917,7 @@
               <a:rPr lang="nl-NL" smtClean="0"/>
               <a:t>‹nr.›</a:t>
             </a:fld>
-            <a:endParaRPr lang="nl-NL"/>
+            <a:endParaRPr lang="nl-NL" dirty="0"/>
           </a:p>
         </p:txBody>
       </p:sp>
@@ -5357,9 +5050,9 @@
           <a:p>
             <a:fld id="{95274BD6-6047-4BE7-A11A-799C5C07C1B9}" type="datetime1">
               <a:rPr lang="nl-NL" smtClean="0"/>
-              <a:t>25-3-2018</a:t>
+              <a:t>15-8-2018</a:t>
             </a:fld>
-            <a:endParaRPr lang="nl-NL"/>
+            <a:endParaRPr lang="nl-NL" dirty="0"/>
           </a:p>
         </p:txBody>
       </p:sp>
@@ -5378,7 +5071,7 @@
           <a:bodyPr/>
           <a:lstStyle/>
           <a:p>
-            <a:endParaRPr lang="nl-NL"/>
+            <a:endParaRPr lang="nl-NL" dirty="0"/>
           </a:p>
         </p:txBody>
       </p:sp>
@@ -5401,7 +5094,7 @@
               <a:rPr lang="nl-NL" smtClean="0"/>
               <a:t>‹nr.›</a:t>
             </a:fld>
-            <a:endParaRPr lang="nl-NL"/>
+            <a:endParaRPr lang="nl-NL" dirty="0"/>
           </a:p>
         </p:txBody>
       </p:sp>
@@ -5537,9 +5230,9 @@
           <a:p>
             <a:fld id="{6C2C6073-FF99-4CA4-ADF2-53D139284B0F}" type="datetime1">
               <a:rPr lang="nl-NL" smtClean="0"/>
-              <a:t>25-3-2018</a:t>
+              <a:t>15-8-2018</a:t>
             </a:fld>
-            <a:endParaRPr lang="nl-NL"/>
+            <a:endParaRPr lang="nl-NL" dirty="0"/>
           </a:p>
         </p:txBody>
       </p:sp>
@@ -5558,7 +5251,7 @@
           <a:bodyPr/>
           <a:lstStyle/>
           <a:p>
-            <a:endParaRPr lang="nl-NL"/>
+            <a:endParaRPr lang="nl-NL" dirty="0"/>
           </a:p>
         </p:txBody>
       </p:sp>
@@ -5581,7 +5274,7 @@
               <a:rPr lang="nl-NL" smtClean="0"/>
               <a:t>‹nr.›</a:t>
             </a:fld>
-            <a:endParaRPr lang="nl-NL"/>
+            <a:endParaRPr lang="nl-NL" dirty="0"/>
           </a:p>
         </p:txBody>
       </p:sp>
@@ -5707,9 +5400,9 @@
           <a:p>
             <a:fld id="{BB83D81E-96EF-4290-8170-748ADAD06D81}" type="datetime1">
               <a:rPr lang="nl-NL" smtClean="0"/>
-              <a:t>25-3-2018</a:t>
+              <a:t>15-8-2018</a:t>
             </a:fld>
-            <a:endParaRPr lang="nl-NL"/>
+            <a:endParaRPr lang="nl-NL" dirty="0"/>
           </a:p>
         </p:txBody>
       </p:sp>
@@ -5728,7 +5421,7 @@
           <a:bodyPr/>
           <a:lstStyle/>
           <a:p>
-            <a:endParaRPr lang="nl-NL"/>
+            <a:endParaRPr lang="nl-NL" dirty="0"/>
           </a:p>
         </p:txBody>
       </p:sp>
@@ -5751,7 +5444,7 @@
               <a:rPr lang="nl-NL" smtClean="0"/>
               <a:t>‹nr.›</a:t>
             </a:fld>
-            <a:endParaRPr lang="nl-NL"/>
+            <a:endParaRPr lang="nl-NL" dirty="0"/>
           </a:p>
         </p:txBody>
       </p:sp>
@@ -5960,9 +5653,9 @@
           <a:p>
             <a:fld id="{C0420608-9111-4307-BDC9-D2BB0906472C}" type="datetime1">
               <a:rPr lang="nl-NL" smtClean="0"/>
-              <a:t>25-3-2018</a:t>
+              <a:t>15-8-2018</a:t>
             </a:fld>
-            <a:endParaRPr lang="nl-NL"/>
+            <a:endParaRPr lang="nl-NL" dirty="0"/>
           </a:p>
         </p:txBody>
       </p:sp>
@@ -5981,7 +5674,7 @@
           <a:bodyPr/>
           <a:lstStyle/>
           <a:p>
-            <a:endParaRPr lang="nl-NL"/>
+            <a:endParaRPr lang="nl-NL" dirty="0"/>
           </a:p>
         </p:txBody>
       </p:sp>
@@ -6004,7 +5697,7 @@
               <a:rPr lang="nl-NL" smtClean="0"/>
               <a:t>‹nr.›</a:t>
             </a:fld>
-            <a:endParaRPr lang="nl-NL"/>
+            <a:endParaRPr lang="nl-NL" dirty="0"/>
           </a:p>
         </p:txBody>
       </p:sp>
@@ -6248,9 +5941,9 @@
           <a:p>
             <a:fld id="{A84E908B-0185-4D61-A5D9-DBFFD136706E}" type="datetime1">
               <a:rPr lang="nl-NL" smtClean="0"/>
-              <a:t>25-3-2018</a:t>
+              <a:t>15-8-2018</a:t>
             </a:fld>
-            <a:endParaRPr lang="nl-NL"/>
+            <a:endParaRPr lang="nl-NL" dirty="0"/>
           </a:p>
         </p:txBody>
       </p:sp>
@@ -6269,7 +5962,7 @@
           <a:bodyPr/>
           <a:lstStyle/>
           <a:p>
-            <a:endParaRPr lang="nl-NL"/>
+            <a:endParaRPr lang="nl-NL" dirty="0"/>
           </a:p>
         </p:txBody>
       </p:sp>
@@ -6292,7 +5985,7 @@
               <a:rPr lang="nl-NL" smtClean="0"/>
               <a:t>‹nr.›</a:t>
             </a:fld>
-            <a:endParaRPr lang="nl-NL"/>
+            <a:endParaRPr lang="nl-NL" dirty="0"/>
           </a:p>
         </p:txBody>
       </p:sp>
@@ -6670,9 +6363,9 @@
           <a:p>
             <a:fld id="{AF24CBA6-5F96-4BD7-976F-CDF48F991EB6}" type="datetime1">
               <a:rPr lang="nl-NL" smtClean="0"/>
-              <a:t>25-3-2018</a:t>
+              <a:t>15-8-2018</a:t>
             </a:fld>
-            <a:endParaRPr lang="nl-NL"/>
+            <a:endParaRPr lang="nl-NL" dirty="0"/>
           </a:p>
         </p:txBody>
       </p:sp>
@@ -6691,7 +6384,7 @@
           <a:bodyPr/>
           <a:lstStyle/>
           <a:p>
-            <a:endParaRPr lang="nl-NL"/>
+            <a:endParaRPr lang="nl-NL" dirty="0"/>
           </a:p>
         </p:txBody>
       </p:sp>
@@ -6714,7 +6407,7 @@
               <a:rPr lang="nl-NL" smtClean="0"/>
               <a:t>‹nr.›</a:t>
             </a:fld>
-            <a:endParaRPr lang="nl-NL"/>
+            <a:endParaRPr lang="nl-NL" dirty="0"/>
           </a:p>
         </p:txBody>
       </p:sp>
@@ -6788,9 +6481,9 @@
           <a:p>
             <a:fld id="{8CA878B4-84FD-4284-B7D0-09A954965A10}" type="datetime1">
               <a:rPr lang="nl-NL" smtClean="0"/>
-              <a:t>25-3-2018</a:t>
+              <a:t>15-8-2018</a:t>
             </a:fld>
-            <a:endParaRPr lang="nl-NL"/>
+            <a:endParaRPr lang="nl-NL" dirty="0"/>
           </a:p>
         </p:txBody>
       </p:sp>
@@ -6809,7 +6502,7 @@
           <a:bodyPr/>
           <a:lstStyle/>
           <a:p>
-            <a:endParaRPr lang="nl-NL"/>
+            <a:endParaRPr lang="nl-NL" dirty="0"/>
           </a:p>
         </p:txBody>
       </p:sp>
@@ -6832,7 +6525,7 @@
               <a:rPr lang="nl-NL" smtClean="0"/>
               <a:t>‹nr.›</a:t>
             </a:fld>
-            <a:endParaRPr lang="nl-NL"/>
+            <a:endParaRPr lang="nl-NL" dirty="0"/>
           </a:p>
         </p:txBody>
       </p:sp>
@@ -6883,9 +6576,9 @@
           <a:p>
             <a:fld id="{8F1648B1-A544-4058-8476-7C7A9902FE15}" type="datetime1">
               <a:rPr lang="nl-NL" smtClean="0"/>
-              <a:t>25-3-2018</a:t>
+              <a:t>15-8-2018</a:t>
             </a:fld>
-            <a:endParaRPr lang="nl-NL"/>
+            <a:endParaRPr lang="nl-NL" dirty="0"/>
           </a:p>
         </p:txBody>
       </p:sp>
@@ -6904,7 +6597,7 @@
           <a:bodyPr/>
           <a:lstStyle/>
           <a:p>
-            <a:endParaRPr lang="nl-NL"/>
+            <a:endParaRPr lang="nl-NL" dirty="0"/>
           </a:p>
         </p:txBody>
       </p:sp>
@@ -6927,7 +6620,7 @@
               <a:rPr lang="nl-NL" smtClean="0"/>
               <a:t>‹nr.›</a:t>
             </a:fld>
-            <a:endParaRPr lang="nl-NL"/>
+            <a:endParaRPr lang="nl-NL" dirty="0"/>
           </a:p>
         </p:txBody>
       </p:sp>
@@ -7160,9 +6853,9 @@
           <a:p>
             <a:fld id="{D039C4CF-B57B-4F53-B350-F1468F1E8012}" type="datetime1">
               <a:rPr lang="nl-NL" smtClean="0"/>
-              <a:t>25-3-2018</a:t>
+              <a:t>15-8-2018</a:t>
             </a:fld>
-            <a:endParaRPr lang="nl-NL"/>
+            <a:endParaRPr lang="nl-NL" dirty="0"/>
           </a:p>
         </p:txBody>
       </p:sp>
@@ -7181,7 +6874,7 @@
           <a:bodyPr/>
           <a:lstStyle/>
           <a:p>
-            <a:endParaRPr lang="nl-NL"/>
+            <a:endParaRPr lang="nl-NL" dirty="0"/>
           </a:p>
         </p:txBody>
       </p:sp>
@@ -7204,7 +6897,7 @@
               <a:rPr lang="nl-NL" smtClean="0"/>
               <a:t>‹nr.›</a:t>
             </a:fld>
-            <a:endParaRPr lang="nl-NL"/>
+            <a:endParaRPr lang="nl-NL" dirty="0"/>
           </a:p>
         </p:txBody>
       </p:sp>
@@ -7328,10 +7021,10 @@
           </a:lstStyle>
           <a:p>
             <a:r>
-              <a:rPr lang="nl-NL" smtClean="0"/>
+              <a:rPr lang="nl-NL" dirty="0" smtClean="0"/>
               <a:t>Klik op het pictogram als u een afbeelding wilt toevoegen</a:t>
             </a:r>
-            <a:endParaRPr lang="nl-NL"/>
+            <a:endParaRPr lang="nl-NL" dirty="0"/>
           </a:p>
         </p:txBody>
       </p:sp>
@@ -7417,9 +7110,9 @@
           <a:p>
             <a:fld id="{CF8B7C30-20C8-4009-AD9C-ED95D216EDC4}" type="datetime1">
               <a:rPr lang="nl-NL" smtClean="0"/>
-              <a:t>25-3-2018</a:t>
+              <a:t>15-8-2018</a:t>
             </a:fld>
-            <a:endParaRPr lang="nl-NL"/>
+            <a:endParaRPr lang="nl-NL" dirty="0"/>
           </a:p>
         </p:txBody>
       </p:sp>
@@ -7438,7 +7131,7 @@
           <a:bodyPr/>
           <a:lstStyle/>
           <a:p>
-            <a:endParaRPr lang="nl-NL"/>
+            <a:endParaRPr lang="nl-NL" dirty="0"/>
           </a:p>
         </p:txBody>
       </p:sp>
@@ -7461,7 +7154,7 @@
               <a:rPr lang="nl-NL" smtClean="0"/>
               <a:t>‹nr.›</a:t>
             </a:fld>
-            <a:endParaRPr lang="nl-NL"/>
+            <a:endParaRPr lang="nl-NL" dirty="0"/>
           </a:p>
         </p:txBody>
       </p:sp>
@@ -7630,9 +7323,9 @@
           <a:p>
             <a:fld id="{9D082795-9F52-4849-A817-AF0180A2A2B3}" type="datetime1">
               <a:rPr lang="nl-NL" smtClean="0"/>
-              <a:t>25-3-2018</a:t>
+              <a:t>15-8-2018</a:t>
             </a:fld>
-            <a:endParaRPr lang="nl-NL"/>
+            <a:endParaRPr lang="nl-NL" dirty="0"/>
           </a:p>
         </p:txBody>
       </p:sp>
@@ -7669,7 +7362,7 @@
             </a:lvl1pPr>
           </a:lstStyle>
           <a:p>
-            <a:endParaRPr lang="nl-NL"/>
+            <a:endParaRPr lang="nl-NL" dirty="0"/>
           </a:p>
         </p:txBody>
       </p:sp>
@@ -7710,7 +7403,7 @@
               <a:rPr lang="nl-NL" smtClean="0"/>
               <a:t>‹nr.›</a:t>
             </a:fld>
-            <a:endParaRPr lang="nl-NL"/>
+            <a:endParaRPr lang="nl-NL" dirty="0"/>
           </a:p>
         </p:txBody>
       </p:sp>
@@ -8116,12 +7809,8 @@
           <a:lstStyle/>
           <a:p>
             <a:r>
-              <a:rPr lang="nl-NL" b="1" dirty="0" err="1" smtClean="0"/>
+              <a:rPr lang="nl-NL" b="1" dirty="0" smtClean="0"/>
               <a:t>GroundForge</a:t>
-            </a:r>
-            <a:r>
-              <a:rPr lang="nl-NL" b="1" dirty="0" smtClean="0"/>
-              <a:t/>
             </a:r>
             <a:br>
               <a:rPr lang="nl-NL" b="1" dirty="0" smtClean="0"/>
@@ -8158,11 +7847,7 @@
           <a:p>
             <a:r>
               <a:rPr lang="nl-NL" dirty="0" smtClean="0"/>
-              <a:t>Door</a:t>
-            </a:r>
-            <a:r>
-              <a:rPr lang="nl-NL" dirty="0" smtClean="0"/>
-              <a:t> Joke Pol</a:t>
+              <a:t>Door Joke Pol</a:t>
             </a:r>
             <a:br>
               <a:rPr lang="nl-NL" dirty="0" smtClean="0"/>
@@ -8202,9 +7887,9 @@
           <a:p>
             <a:fld id="{C6166A56-2601-4E37-8D8D-05C0420DE125}" type="datetime1">
               <a:rPr lang="nl-NL" smtClean="0"/>
-              <a:t>25-3-2018</a:t>
+              <a:t>15-8-2018</a:t>
             </a:fld>
-            <a:endParaRPr lang="nl-NL"/>
+            <a:endParaRPr lang="nl-NL" dirty="0"/>
           </a:p>
         </p:txBody>
       </p:sp>
@@ -8235,7 +7920,7 @@
           <a:lstStyle/>
           <a:p>
             <a:r>
-              <a:rPr lang="nl-NL" dirty="0" err="1"/>
+              <a:rPr lang="nl-NL" dirty="0"/>
               <a:t>Groundforge</a:t>
             </a:r>
             <a:r>
@@ -8298,7 +7983,7 @@
           <a:lstStyle/>
           <a:p>
             <a:r>
-              <a:rPr lang="nl-NL" dirty="0" err="1" smtClean="0"/>
+              <a:rPr lang="nl-NL" dirty="0" smtClean="0"/>
               <a:t>GroundForge</a:t>
             </a:r>
             <a:endParaRPr lang="nl-NL" dirty="0"/>
@@ -8307,7 +7992,7 @@
       </p:sp>
       <p:sp>
         <p:nvSpPr>
-          <p:cNvPr id="4" name="Tijdelijke aanduiding voor inhoud 3"/>
+          <p:cNvPr id="3" name="Tijdelijke aanduiding voor inhoud 2"/>
           <p:cNvSpPr>
             <a:spLocks noGrp="1"/>
           </p:cNvSpPr>
@@ -8317,18 +8002,218 @@
         </p:nvSpPr>
         <p:spPr/>
         <p:txBody>
-          <a:bodyPr/>
+          <a:bodyPr>
+            <a:normAutofit/>
+          </a:bodyPr>
           <a:lstStyle/>
           <a:p>
             <a:pPr marL="0" indent="0">
               <a:buNone/>
             </a:pPr>
             <a:r>
+              <a:rPr lang="nl-NL" dirty="0" smtClean="0">
+                <a:effectLst/>
+              </a:rPr>
+              <a:t>Voorbeeld pagina’s</a:t>
+            </a:r>
+          </a:p>
+          <a:p>
+            <a:r>
+              <a:rPr lang="nl-NL" dirty="0" smtClean="0"/>
+              <a:t>Slagen al ingevuld</a:t>
+            </a:r>
+          </a:p>
+          <a:p>
+            <a:pPr lvl="1"/>
+            <a:r>
+              <a:rPr lang="nl-NL" dirty="0" smtClean="0"/>
+              <a:t>MAE-</a:t>
+            </a:r>
+            <a:r>
+              <a:rPr lang="nl-NL" dirty="0" smtClean="0"/>
+              <a:t>gf</a:t>
+            </a:r>
+            <a:r>
+              <a:rPr lang="nl-NL" dirty="0" smtClean="0"/>
+              <a:t> </a:t>
+            </a:r>
+            <a:r>
+              <a:rPr lang="nl-NL" dirty="0"/>
+              <a:t>(persoonlijke </a:t>
+            </a:r>
+            <a:r>
+              <a:rPr lang="nl-NL" dirty="0" smtClean="0"/>
+              <a:t>verzameling)</a:t>
+            </a:r>
+          </a:p>
+          <a:p>
+            <a:pPr lvl="1"/>
+            <a:r>
+              <a:rPr lang="nl-NL" dirty="0" smtClean="0"/>
+              <a:t>Whiting</a:t>
+            </a:r>
+            <a:r>
+              <a:rPr lang="nl-NL" dirty="0" smtClean="0"/>
+              <a:t> </a:t>
+            </a:r>
+            <a:r>
+              <a:rPr lang="nl-NL" dirty="0"/>
+              <a:t>index </a:t>
+            </a:r>
+            <a:r>
+              <a:rPr lang="nl-NL" dirty="0" smtClean="0"/>
+              <a:t>(online boek)</a:t>
+            </a:r>
+          </a:p>
+          <a:p>
+            <a:r>
+              <a:rPr lang="nl-NL" dirty="0" smtClean="0"/>
+              <a:t>Slagen zelf kiezen (</a:t>
+            </a:r>
+            <a:r>
+              <a:rPr lang="nl-NL" strike="sngStrike" dirty="0" smtClean="0"/>
+              <a:t>tablet</a:t>
+            </a:r>
+            <a:r>
+              <a:rPr lang="nl-NL" dirty="0" smtClean="0"/>
+              <a:t>)</a:t>
+            </a:r>
+            <a:endParaRPr lang="nl-NL" dirty="0"/>
+          </a:p>
+          <a:p>
+            <a:pPr lvl="1"/>
+            <a:r>
+              <a:rPr lang="nl-NL" dirty="0" smtClean="0"/>
+              <a:t>Tesselace</a:t>
+            </a:r>
+            <a:r>
+              <a:rPr lang="nl-NL" dirty="0" smtClean="0"/>
+              <a:t> index  (computer gegenereerd)</a:t>
+            </a:r>
+          </a:p>
+          <a:p>
+            <a:pPr lvl="1"/>
+            <a:r>
+              <a:rPr lang="nl-NL" dirty="0" smtClean="0"/>
+              <a:t>Droste effect (draad schema’s als paar schema’s)</a:t>
+            </a:r>
+          </a:p>
+          <a:p>
+            <a:r>
+              <a:rPr lang="nl-NL" dirty="0" smtClean="0"/>
+              <a:t>Overlap tussen de groepen</a:t>
+            </a:r>
+            <a:endParaRPr lang="nl-NL" dirty="0"/>
+          </a:p>
+        </p:txBody>
+      </p:sp>
+      <p:sp>
+        <p:nvSpPr>
+          <p:cNvPr id="4" name="Tijdelijke aanduiding voor dianummer 3"/>
+          <p:cNvSpPr>
+            <a:spLocks noGrp="1"/>
+          </p:cNvSpPr>
+          <p:nvPr>
+            <p:ph type="sldNum" sz="quarter" idx="12"/>
+          </p:nvPr>
+        </p:nvSpPr>
+        <p:spPr/>
+        <p:txBody>
+          <a:bodyPr/>
+          <a:lstStyle/>
+          <a:p>
+            <a:fld id="{A5775961-95EC-4D4B-9423-EAE103D81E9E}" type="slidenum">
+              <a:rPr lang="nl-NL" smtClean="0"/>
+              <a:t>10</a:t>
+            </a:fld>
+            <a:endParaRPr lang="nl-NL" dirty="0"/>
+          </a:p>
+        </p:txBody>
+      </p:sp>
+    </p:spTree>
+    <p:extLst>
+      <p:ext uri="{BB962C8B-B14F-4D97-AF65-F5344CB8AC3E}">
+        <p14:creationId xmlns:p14="http://schemas.microsoft.com/office/powerpoint/2010/main" val="723173163"/>
+      </p:ext>
+    </p:extLst>
+  </p:cSld>
+  <p:clrMapOvr>
+    <a:masterClrMapping/>
+  </p:clrMapOvr>
+  <p:timing>
+    <p:tnLst>
+      <p:par>
+        <p:cTn id="1" dur="indefinite" restart="never" nodeType="tmRoot"/>
+      </p:par>
+    </p:tnLst>
+  </p:timing>
+</p:sld>
+</file>
+
+<file path=ppt/slides/slide11.xml><?xml version="1.0" encoding="utf-8"?>
+<p:sld xmlns:a="http://schemas.openxmlformats.org/drawingml/2006/main" xmlns:r="http://schemas.openxmlformats.org/officeDocument/2006/relationships" xmlns:p="http://schemas.openxmlformats.org/presentationml/2006/main">
+  <p:cSld>
+    <p:spTree>
+      <p:nvGrpSpPr>
+        <p:cNvPr id="1" name=""/>
+        <p:cNvGrpSpPr/>
+        <p:nvPr/>
+      </p:nvGrpSpPr>
+      <p:grpSpPr>
+        <a:xfrm>
+          <a:off x="0" y="0"/>
+          <a:ext cx="0" cy="0"/>
+          <a:chOff x="0" y="0"/>
+          <a:chExt cx="0" cy="0"/>
+        </a:xfrm>
+      </p:grpSpPr>
+      <p:sp>
+        <p:nvSpPr>
+          <p:cNvPr id="2" name="Titel 1"/>
+          <p:cNvSpPr>
+            <a:spLocks noGrp="1"/>
+          </p:cNvSpPr>
+          <p:nvPr>
+            <p:ph type="title"/>
+          </p:nvPr>
+        </p:nvSpPr>
+        <p:spPr/>
+        <p:txBody>
+          <a:bodyPr/>
+          <a:lstStyle/>
+          <a:p>
+            <a:r>
+              <a:rPr lang="nl-NL" dirty="0" smtClean="0"/>
+              <a:t>GroundForge</a:t>
+            </a:r>
+            <a:endParaRPr lang="nl-NL" dirty="0"/>
+          </a:p>
+        </p:txBody>
+      </p:sp>
+      <p:sp>
+        <p:nvSpPr>
+          <p:cNvPr id="4" name="Tijdelijke aanduiding voor inhoud 3"/>
+          <p:cNvSpPr>
+            <a:spLocks noGrp="1"/>
+          </p:cNvSpPr>
+          <p:nvPr>
+            <p:ph idx="1"/>
+          </p:nvPr>
+        </p:nvSpPr>
+        <p:spPr/>
+        <p:txBody>
+          <a:bodyPr/>
+          <a:lstStyle/>
+          <a:p>
+            <a:pPr marL="0" indent="0">
+              <a:buNone/>
+            </a:pPr>
+            <a:r>
               <a:rPr lang="nl-NL" dirty="0" smtClean="0"/>
               <a:t>Voorbeeld pagina’s: </a:t>
             </a:r>
             <a:r>
-              <a:rPr lang="nl-NL" dirty="0" err="1" smtClean="0"/>
+              <a:rPr lang="nl-NL" dirty="0" smtClean="0"/>
               <a:t>Whiting</a:t>
             </a:r>
             <a:r>
@@ -8445,9 +8330,9 @@
           <a:p>
             <a:fld id="{A5775961-95EC-4D4B-9423-EAE103D81E9E}" type="slidenum">
               <a:rPr lang="nl-NL" smtClean="0"/>
-              <a:t>10</a:t>
+              <a:t>11</a:t>
             </a:fld>
-            <a:endParaRPr lang="nl-NL"/>
+            <a:endParaRPr lang="nl-NL" dirty="0"/>
           </a:p>
         </p:txBody>
       </p:sp>
@@ -8471,7 +8356,7 @@
 </p:sld>
 </file>
 
-<file path=ppt/slides/slide11.xml><?xml version="1.0" encoding="utf-8"?>
+<file path=ppt/slides/slide12.xml><?xml version="1.0" encoding="utf-8"?>
 <p:sld xmlns:a="http://schemas.openxmlformats.org/drawingml/2006/main" xmlns:r="http://schemas.openxmlformats.org/officeDocument/2006/relationships" xmlns:p="http://schemas.openxmlformats.org/presentationml/2006/main">
   <p:cSld>
     <p:spTree>
@@ -8504,7 +8389,7 @@
           <a:lstStyle/>
           <a:p>
             <a:r>
-              <a:rPr lang="nl-NL" dirty="0" err="1" smtClean="0"/>
+              <a:rPr lang="nl-NL" dirty="0" smtClean="0"/>
               <a:t>GroundForge</a:t>
             </a:r>
             <a:endParaRPr lang="nl-NL" dirty="0"/>
@@ -8536,7 +8421,7 @@
               <a:t>Voorbeeld pagina’s: </a:t>
             </a:r>
             <a:r>
-              <a:rPr lang="nl-NL" dirty="0" err="1" smtClean="0"/>
+              <a:rPr lang="nl-NL" dirty="0" smtClean="0"/>
               <a:t>Whiting</a:t>
             </a:r>
             <a:r>
@@ -8629,9 +8514,9 @@
           <a:p>
             <a:fld id="{A5775961-95EC-4D4B-9423-EAE103D81E9E}" type="slidenum">
               <a:rPr lang="nl-NL" smtClean="0"/>
-              <a:t>11</a:t>
+              <a:t>12</a:t>
             </a:fld>
-            <a:endParaRPr lang="nl-NL"/>
+            <a:endParaRPr lang="nl-NL" dirty="0"/>
           </a:p>
         </p:txBody>
       </p:sp>
@@ -8875,7 +8760,7 @@
 </p:sld>
 </file>
 
-<file path=ppt/slides/slide12.xml><?xml version="1.0" encoding="utf-8"?>
+<file path=ppt/slides/slide13.xml><?xml version="1.0" encoding="utf-8"?>
 <p:sld xmlns:a="http://schemas.openxmlformats.org/drawingml/2006/main" xmlns:r="http://schemas.openxmlformats.org/officeDocument/2006/relationships" xmlns:p="http://schemas.openxmlformats.org/presentationml/2006/main">
   <p:cSld>
     <p:spTree>
@@ -8908,7 +8793,7 @@
           <a:lstStyle/>
           <a:p>
             <a:r>
-              <a:rPr lang="nl-NL" dirty="0" err="1" smtClean="0"/>
+              <a:rPr lang="nl-NL" dirty="0" smtClean="0"/>
               <a:t>GroundForge</a:t>
             </a:r>
             <a:endParaRPr lang="nl-NL" dirty="0"/>
@@ -8938,7 +8823,7 @@
               <a:t>Voorbeeld pagina’s: </a:t>
             </a:r>
             <a:r>
-              <a:rPr lang="nl-NL" dirty="0" err="1" smtClean="0"/>
+              <a:rPr lang="nl-NL" dirty="0" smtClean="0"/>
               <a:t>Tesselace</a:t>
             </a:r>
             <a:r>
@@ -9224,9 +9109,9 @@
           <a:p>
             <a:fld id="{A5775961-95EC-4D4B-9423-EAE103D81E9E}" type="slidenum">
               <a:rPr lang="nl-NL" smtClean="0"/>
-              <a:t>12</a:t>
+              <a:t>13</a:t>
             </a:fld>
-            <a:endParaRPr lang="nl-NL"/>
+            <a:endParaRPr lang="nl-NL" dirty="0"/>
           </a:p>
         </p:txBody>
       </p:sp>
@@ -9268,7 +9153,7 @@
           <a:lstStyle/>
           <a:p>
             <a:pPr algn="ctr"/>
-            <a:endParaRPr lang="nl-NL"/>
+            <a:endParaRPr lang="nl-NL" dirty="0"/>
           </a:p>
         </p:txBody>
       </p:sp>
@@ -9409,7 +9294,7 @@
 </p:sld>
 </file>
 
-<file path=ppt/slides/slide13.xml><?xml version="1.0" encoding="utf-8"?>
+<file path=ppt/slides/slide14.xml><?xml version="1.0" encoding="utf-8"?>
 <p:sld xmlns:a="http://schemas.openxmlformats.org/drawingml/2006/main" xmlns:r="http://schemas.openxmlformats.org/officeDocument/2006/relationships" xmlns:p="http://schemas.openxmlformats.org/presentationml/2006/main">
   <p:cSld>
     <p:spTree>
@@ -9442,7 +9327,7 @@
           <a:lstStyle/>
           <a:p>
             <a:r>
-              <a:rPr lang="nl-NL" dirty="0" err="1" smtClean="0"/>
+              <a:rPr lang="nl-NL" dirty="0" smtClean="0"/>
               <a:t>GroundForge</a:t>
             </a:r>
             <a:endParaRPr lang="nl-NL" dirty="0"/>
@@ -9523,9 +9408,9 @@
           <a:p>
             <a:fld id="{A5775961-95EC-4D4B-9423-EAE103D81E9E}" type="slidenum">
               <a:rPr lang="nl-NL" smtClean="0"/>
-              <a:t>13</a:t>
+              <a:t>14</a:t>
             </a:fld>
-            <a:endParaRPr lang="nl-NL"/>
+            <a:endParaRPr lang="nl-NL" dirty="0"/>
           </a:p>
         </p:txBody>
       </p:sp>
@@ -9657,7 +9542,7 @@
 </p:sld>
 </file>
 
-<file path=ppt/slides/slide14.xml><?xml version="1.0" encoding="utf-8"?>
+<file path=ppt/slides/slide15.xml><?xml version="1.0" encoding="utf-8"?>
 <p:sld xmlns:a="http://schemas.openxmlformats.org/drawingml/2006/main" xmlns:r="http://schemas.openxmlformats.org/officeDocument/2006/relationships" xmlns:p="http://schemas.openxmlformats.org/presentationml/2006/main">
   <p:cSld>
     <p:spTree>
@@ -9690,7 +9575,7 @@
           <a:lstStyle/>
           <a:p>
             <a:r>
-              <a:rPr lang="nl-NL" dirty="0" err="1" smtClean="0"/>
+              <a:rPr lang="nl-NL" dirty="0" smtClean="0"/>
               <a:t>GroundForge</a:t>
             </a:r>
             <a:endParaRPr lang="nl-NL" dirty="0"/>
@@ -9748,9 +9633,9 @@
           <a:p>
             <a:fld id="{A5775961-95EC-4D4B-9423-EAE103D81E9E}" type="slidenum">
               <a:rPr lang="nl-NL" smtClean="0"/>
-              <a:t>14</a:t>
+              <a:t>15</a:t>
             </a:fld>
-            <a:endParaRPr lang="nl-NL"/>
+            <a:endParaRPr lang="nl-NL" dirty="0"/>
           </a:p>
         </p:txBody>
       </p:sp>
@@ -10091,7 +9976,7 @@
 </p:sld>
 </file>
 
-<file path=ppt/slides/slide15.xml><?xml version="1.0" encoding="utf-8"?>
+<file path=ppt/slides/slide16.xml><?xml version="1.0" encoding="utf-8"?>
 <p:sld xmlns:a="http://schemas.openxmlformats.org/drawingml/2006/main" xmlns:r="http://schemas.openxmlformats.org/officeDocument/2006/relationships" xmlns:p="http://schemas.openxmlformats.org/presentationml/2006/main">
   <p:cSld>
     <p:spTree>
@@ -10124,7 +10009,7 @@
           <a:lstStyle/>
           <a:p>
             <a:r>
-              <a:rPr lang="nl-NL" dirty="0" err="1" smtClean="0"/>
+              <a:rPr lang="nl-NL" dirty="0" smtClean="0"/>
               <a:t>GroundForge</a:t>
             </a:r>
             <a:endParaRPr lang="nl-NL" dirty="0"/>
@@ -10194,9 +10079,9 @@
           <a:p>
             <a:fld id="{A5775961-95EC-4D4B-9423-EAE103D81E9E}" type="slidenum">
               <a:rPr lang="nl-NL" smtClean="0"/>
-              <a:t>15</a:t>
+              <a:t>16</a:t>
             </a:fld>
-            <a:endParaRPr lang="nl-NL"/>
+            <a:endParaRPr lang="nl-NL" dirty="0"/>
           </a:p>
         </p:txBody>
       </p:sp>
@@ -10308,7 +10193,7 @@
             <a:lstStyle/>
             <a:p>
               <a:pPr algn="ctr"/>
-              <a:endParaRPr lang="nl-NL"/>
+              <a:endParaRPr lang="nl-NL" dirty="0"/>
             </a:p>
           </p:txBody>
         </p:sp>
@@ -10636,7 +10521,7 @@
               <a:lstStyle/>
               <a:p>
                 <a:pPr algn="ctr"/>
-                <a:endParaRPr lang="nl-NL"/>
+                <a:endParaRPr lang="nl-NL" dirty="0"/>
               </a:p>
             </p:txBody>
           </p:sp>
@@ -11031,7 +10916,7 @@
 </p:sld>
 </file>
 
-<file path=ppt/slides/slide16.xml><?xml version="1.0" encoding="utf-8"?>
+<file path=ppt/slides/slide17.xml><?xml version="1.0" encoding="utf-8"?>
 <p:sld xmlns:a="http://schemas.openxmlformats.org/drawingml/2006/main" xmlns:r="http://schemas.openxmlformats.org/officeDocument/2006/relationships" xmlns:p="http://schemas.openxmlformats.org/presentationml/2006/main">
   <p:cSld>
     <p:spTree>
@@ -11064,7 +10949,7 @@
           <a:lstStyle/>
           <a:p>
             <a:r>
-              <a:rPr lang="nl-NL" dirty="0" err="1" smtClean="0"/>
+              <a:rPr lang="nl-NL" dirty="0" smtClean="0"/>
               <a:t>GroundForge</a:t>
             </a:r>
             <a:endParaRPr lang="nl-NL" dirty="0"/>
@@ -11088,9 +10973,9 @@
           <a:p>
             <a:fld id="{A5775961-95EC-4D4B-9423-EAE103D81E9E}" type="slidenum">
               <a:rPr lang="nl-NL" smtClean="0"/>
-              <a:t>16</a:t>
+              <a:t>17</a:t>
             </a:fld>
-            <a:endParaRPr lang="nl-NL"/>
+            <a:endParaRPr lang="nl-NL" dirty="0"/>
           </a:p>
         </p:txBody>
       </p:sp>
@@ -11139,19 +11024,7 @@
               <a:rPr lang="nl-NL" dirty="0" smtClean="0">
                 <a:effectLst/>
               </a:rPr>
-              <a:t>Dubbele </a:t>
-            </a:r>
-            <a:r>
-              <a:rPr lang="nl-NL" dirty="0" err="1" smtClean="0">
-                <a:effectLst/>
-              </a:rPr>
-              <a:t>netslag</a:t>
-            </a:r>
-            <a:r>
-              <a:rPr lang="nl-NL" dirty="0" smtClean="0">
-                <a:effectLst/>
-              </a:rPr>
-              <a:t>, diagonaal</a:t>
+              <a:t>Dubbele netslag, diagonaal</a:t>
             </a:r>
             <a:r>
               <a:rPr lang="nl-NL" dirty="0" smtClean="0"/>
@@ -11299,7 +11172,7 @@
 </p:sld>
 </file>
 
-<file path=ppt/slides/slide17.xml><?xml version="1.0" encoding="utf-8"?>
+<file path=ppt/slides/slide18.xml><?xml version="1.0" encoding="utf-8"?>
 <p:sld xmlns:a="http://schemas.openxmlformats.org/drawingml/2006/main" xmlns:r="http://schemas.openxmlformats.org/officeDocument/2006/relationships" xmlns:p="http://schemas.openxmlformats.org/presentationml/2006/main">
   <p:cSld>
     <p:spTree>
@@ -11332,7 +11205,7 @@
           <a:lstStyle/>
           <a:p>
             <a:r>
-              <a:rPr lang="nl-NL" dirty="0" err="1" smtClean="0"/>
+              <a:rPr lang="nl-NL" dirty="0" smtClean="0"/>
               <a:t>GroundForge</a:t>
             </a:r>
             <a:endParaRPr lang="nl-NL" dirty="0"/>
@@ -11422,9 +11295,9 @@
           <a:p>
             <a:fld id="{A5775961-95EC-4D4B-9423-EAE103D81E9E}" type="slidenum">
               <a:rPr lang="nl-NL" smtClean="0"/>
-              <a:t>17</a:t>
+              <a:t>18</a:t>
             </a:fld>
-            <a:endParaRPr lang="nl-NL"/>
+            <a:endParaRPr lang="nl-NL" dirty="0"/>
           </a:p>
         </p:txBody>
       </p:sp>
@@ -11556,7 +11429,7 @@
 </p:sld>
 </file>
 
-<file path=ppt/slides/slide18.xml><?xml version="1.0" encoding="utf-8"?>
+<file path=ppt/slides/slide19.xml><?xml version="1.0" encoding="utf-8"?>
 <p:sld xmlns:a="http://schemas.openxmlformats.org/drawingml/2006/main" xmlns:r="http://schemas.openxmlformats.org/officeDocument/2006/relationships" xmlns:p="http://schemas.openxmlformats.org/presentationml/2006/main">
   <p:cSld>
     <p:spTree>
@@ -11589,7 +11462,7 @@
           <a:lstStyle/>
           <a:p>
             <a:r>
-              <a:rPr lang="nl-NL" dirty="0" err="1" smtClean="0"/>
+              <a:rPr lang="nl-NL" dirty="0" smtClean="0"/>
               <a:t>GroundForge</a:t>
             </a:r>
             <a:endParaRPr lang="nl-NL" dirty="0"/>
@@ -11683,9 +11556,9 @@
           <a:p>
             <a:fld id="{A5775961-95EC-4D4B-9423-EAE103D81E9E}" type="slidenum">
               <a:rPr lang="nl-NL" smtClean="0"/>
-              <a:t>18</a:t>
+              <a:t>19</a:t>
             </a:fld>
-            <a:endParaRPr lang="nl-NL"/>
+            <a:endParaRPr lang="nl-NL" dirty="0"/>
           </a:p>
         </p:txBody>
       </p:sp>
@@ -11817,209 +11690,6 @@
 </p:sld>
 </file>
 
-<file path=ppt/slides/slide19.xml><?xml version="1.0" encoding="utf-8"?>
-<p:sld xmlns:a="http://schemas.openxmlformats.org/drawingml/2006/main" xmlns:r="http://schemas.openxmlformats.org/officeDocument/2006/relationships" xmlns:p="http://schemas.openxmlformats.org/presentationml/2006/main">
-  <p:cSld>
-    <p:spTree>
-      <p:nvGrpSpPr>
-        <p:cNvPr id="1" name=""/>
-        <p:cNvGrpSpPr/>
-        <p:nvPr/>
-      </p:nvGrpSpPr>
-      <p:grpSpPr>
-        <a:xfrm>
-          <a:off x="0" y="0"/>
-          <a:ext cx="0" cy="0"/>
-          <a:chOff x="0" y="0"/>
-          <a:chExt cx="0" cy="0"/>
-        </a:xfrm>
-      </p:grpSpPr>
-      <p:sp>
-        <p:nvSpPr>
-          <p:cNvPr id="2" name="Titel 1"/>
-          <p:cNvSpPr>
-            <a:spLocks noGrp="1"/>
-          </p:cNvSpPr>
-          <p:nvPr>
-            <p:ph type="title"/>
-          </p:nvPr>
-        </p:nvSpPr>
-        <p:spPr/>
-        <p:txBody>
-          <a:bodyPr/>
-          <a:lstStyle/>
-          <a:p>
-            <a:r>
-              <a:rPr lang="nl-NL" dirty="0" err="1" smtClean="0"/>
-              <a:t>GroundForge</a:t>
-            </a:r>
-            <a:endParaRPr lang="nl-NL" dirty="0"/>
-          </a:p>
-        </p:txBody>
-      </p:sp>
-      <p:sp>
-        <p:nvSpPr>
-          <p:cNvPr id="3" name="Tijdelijke aanduiding voor inhoud 2"/>
-          <p:cNvSpPr>
-            <a:spLocks noGrp="1"/>
-          </p:cNvSpPr>
-          <p:nvPr>
-            <p:ph idx="1"/>
-          </p:nvPr>
-        </p:nvSpPr>
-        <p:spPr/>
-        <p:txBody>
-          <a:bodyPr>
-            <a:normAutofit/>
-          </a:bodyPr>
-          <a:lstStyle/>
-          <a:p>
-            <a:pPr marL="0" indent="0">
-              <a:buNone/>
-            </a:pPr>
-            <a:r>
-              <a:rPr lang="nl-NL" dirty="0" smtClean="0">
-                <a:effectLst/>
-              </a:rPr>
-              <a:t>Oeps</a:t>
-            </a:r>
-          </a:p>
-          <a:p>
-            <a:pPr marL="0" indent="0">
-              <a:buNone/>
-            </a:pPr>
-            <a:endParaRPr lang="nl-NL" dirty="0" smtClean="0"/>
-          </a:p>
-          <a:p>
-            <a:pPr marL="0" indent="0">
-              <a:buNone/>
-            </a:pPr>
-            <a:r>
-              <a:rPr lang="nl-NL" dirty="0" smtClean="0"/>
-              <a:t>programmeer</a:t>
-            </a:r>
-            <a:endParaRPr lang="nl-NL" dirty="0"/>
-          </a:p>
-          <a:p>
-            <a:pPr marL="0" indent="0">
-              <a:buNone/>
-            </a:pPr>
-            <a:r>
-              <a:rPr lang="nl-NL" dirty="0" smtClean="0"/>
-              <a:t>foutje</a:t>
-            </a:r>
-            <a:endParaRPr lang="nl-NL" dirty="0" smtClean="0">
-              <a:effectLst/>
-            </a:endParaRPr>
-          </a:p>
-          <a:p>
-            <a:endParaRPr lang="nl-NL" dirty="0" smtClean="0"/>
-          </a:p>
-          <a:p>
-            <a:endParaRPr lang="nl-NL" dirty="0"/>
-          </a:p>
-          <a:p>
-            <a:endParaRPr lang="nl-NL" dirty="0"/>
-          </a:p>
-        </p:txBody>
-      </p:sp>
-      <p:pic>
-        <p:nvPicPr>
-          <p:cNvPr id="6146" name="Picture 2"/>
-          <p:cNvPicPr>
-            <a:picLocks noChangeAspect="1" noChangeArrowheads="1"/>
-          </p:cNvPicPr>
-          <p:nvPr/>
-        </p:nvPicPr>
-        <p:blipFill>
-          <a:blip r:embed="rId3">
-            <a:extLst>
-              <a:ext uri="{28A0092B-C50C-407E-A947-70E740481C1C}">
-                <a14:useLocalDpi xmlns:a14="http://schemas.microsoft.com/office/drawing/2010/main" val="0"/>
-              </a:ext>
-            </a:extLst>
-          </a:blip>
-          <a:srcRect/>
-          <a:stretch>
-            <a:fillRect/>
-          </a:stretch>
-        </p:blipFill>
-        <p:spPr bwMode="auto">
-          <a:xfrm>
-            <a:off x="3851920" y="1556792"/>
-            <a:ext cx="4819402" cy="4579764"/>
-          </a:xfrm>
-          <a:prstGeom prst="rect">
-            <a:avLst/>
-          </a:prstGeom>
-          <a:noFill/>
-          <a:ln>
-            <a:noFill/>
-          </a:ln>
-          <a:extLst>
-            <a:ext uri="{909E8E84-426E-40DD-AFC4-6F175D3DCCD1}">
-              <a14:hiddenFill xmlns:a14="http://schemas.microsoft.com/office/drawing/2010/main">
-                <a:solidFill>
-                  <a:schemeClr val="accent1"/>
-                </a:solidFill>
-              </a14:hiddenFill>
-            </a:ext>
-            <a:ext uri="{91240B29-F687-4F45-9708-019B960494DF}">
-              <a14:hiddenLine xmlns:a14="http://schemas.microsoft.com/office/drawing/2010/main" w="9525">
-                <a:solidFill>
-                  <a:schemeClr val="tx1"/>
-                </a:solidFill>
-                <a:miter lim="800000"/>
-                <a:headEnd/>
-                <a:tailEnd/>
-              </a14:hiddenLine>
-            </a:ext>
-          </a:extLst>
-        </p:spPr>
-      </p:pic>
-      <p:sp>
-        <p:nvSpPr>
-          <p:cNvPr id="4" name="Tijdelijke aanduiding voor dianummer 3"/>
-          <p:cNvSpPr>
-            <a:spLocks noGrp="1"/>
-          </p:cNvSpPr>
-          <p:nvPr>
-            <p:ph type="sldNum" sz="quarter" idx="12"/>
-          </p:nvPr>
-        </p:nvSpPr>
-        <p:spPr/>
-        <p:txBody>
-          <a:bodyPr/>
-          <a:lstStyle/>
-          <a:p>
-            <a:fld id="{A5775961-95EC-4D4B-9423-EAE103D81E9E}" type="slidenum">
-              <a:rPr lang="nl-NL" smtClean="0"/>
-              <a:t>19</a:t>
-            </a:fld>
-            <a:endParaRPr lang="nl-NL"/>
-          </a:p>
-        </p:txBody>
-      </p:sp>
-    </p:spTree>
-    <p:extLst>
-      <p:ext uri="{BB962C8B-B14F-4D97-AF65-F5344CB8AC3E}">
-        <p14:creationId xmlns:p14="http://schemas.microsoft.com/office/powerpoint/2010/main" val="1548524602"/>
-      </p:ext>
-    </p:extLst>
-  </p:cSld>
-  <p:clrMapOvr>
-    <a:masterClrMapping/>
-  </p:clrMapOvr>
-  <p:timing>
-    <p:tnLst>
-      <p:par>
-        <p:cTn id="1" dur="indefinite" restart="never" nodeType="tmRoot"/>
-      </p:par>
-    </p:tnLst>
-  </p:timing>
-</p:sld>
-</file>
-
 <file path=ppt/slides/slide2.xml><?xml version="1.0" encoding="utf-8"?>
 <p:sld xmlns:a="http://schemas.openxmlformats.org/drawingml/2006/main" xmlns:r="http://schemas.openxmlformats.org/officeDocument/2006/relationships" xmlns:p="http://schemas.openxmlformats.org/presentationml/2006/main">
   <p:cSld>
@@ -12060,7 +11730,7 @@
           <a:p>
             <a:fld id="{C6166A56-2601-4E37-8D8D-05C0420DE125}" type="datetime1">
               <a:rPr lang="nl-NL" smtClean="0"/>
-              <a:t>25-3-2018</a:t>
+              <a:t>15-8-2018</a:t>
             </a:fld>
             <a:endParaRPr lang="nl-NL" dirty="0"/>
           </a:p>
@@ -13504,7 +13174,210 @@
           <a:lstStyle/>
           <a:p>
             <a:r>
-              <a:rPr lang="nl-NL" dirty="0" err="1" smtClean="0"/>
+              <a:rPr lang="nl-NL" dirty="0" smtClean="0"/>
+              <a:t>GroundForge</a:t>
+            </a:r>
+            <a:endParaRPr lang="nl-NL" dirty="0"/>
+          </a:p>
+        </p:txBody>
+      </p:sp>
+      <p:sp>
+        <p:nvSpPr>
+          <p:cNvPr id="3" name="Tijdelijke aanduiding voor inhoud 2"/>
+          <p:cNvSpPr>
+            <a:spLocks noGrp="1"/>
+          </p:cNvSpPr>
+          <p:nvPr>
+            <p:ph idx="1"/>
+          </p:nvPr>
+        </p:nvSpPr>
+        <p:spPr/>
+        <p:txBody>
+          <a:bodyPr>
+            <a:normAutofit/>
+          </a:bodyPr>
+          <a:lstStyle/>
+          <a:p>
+            <a:pPr marL="0" indent="0">
+              <a:buNone/>
+            </a:pPr>
+            <a:r>
+              <a:rPr lang="nl-NL" dirty="0" smtClean="0">
+                <a:effectLst/>
+              </a:rPr>
+              <a:t>Oeps</a:t>
+            </a:r>
+          </a:p>
+          <a:p>
+            <a:pPr marL="0" indent="0">
+              <a:buNone/>
+            </a:pPr>
+            <a:endParaRPr lang="nl-NL" dirty="0" smtClean="0"/>
+          </a:p>
+          <a:p>
+            <a:pPr marL="0" indent="0">
+              <a:buNone/>
+            </a:pPr>
+            <a:r>
+              <a:rPr lang="nl-NL" dirty="0" smtClean="0"/>
+              <a:t>programmeer</a:t>
+            </a:r>
+            <a:endParaRPr lang="nl-NL" dirty="0"/>
+          </a:p>
+          <a:p>
+            <a:pPr marL="0" indent="0">
+              <a:buNone/>
+            </a:pPr>
+            <a:r>
+              <a:rPr lang="nl-NL" dirty="0" smtClean="0"/>
+              <a:t>foutje</a:t>
+            </a:r>
+            <a:endParaRPr lang="nl-NL" dirty="0" smtClean="0">
+              <a:effectLst/>
+            </a:endParaRPr>
+          </a:p>
+          <a:p>
+            <a:endParaRPr lang="nl-NL" dirty="0" smtClean="0"/>
+          </a:p>
+          <a:p>
+            <a:endParaRPr lang="nl-NL" dirty="0"/>
+          </a:p>
+          <a:p>
+            <a:endParaRPr lang="nl-NL" dirty="0"/>
+          </a:p>
+        </p:txBody>
+      </p:sp>
+      <p:pic>
+        <p:nvPicPr>
+          <p:cNvPr id="6146" name="Picture 2"/>
+          <p:cNvPicPr>
+            <a:picLocks noChangeAspect="1" noChangeArrowheads="1"/>
+          </p:cNvPicPr>
+          <p:nvPr/>
+        </p:nvPicPr>
+        <p:blipFill>
+          <a:blip r:embed="rId3">
+            <a:extLst>
+              <a:ext uri="{28A0092B-C50C-407E-A947-70E740481C1C}">
+                <a14:useLocalDpi xmlns:a14="http://schemas.microsoft.com/office/drawing/2010/main" val="0"/>
+              </a:ext>
+            </a:extLst>
+          </a:blip>
+          <a:srcRect/>
+          <a:stretch>
+            <a:fillRect/>
+          </a:stretch>
+        </p:blipFill>
+        <p:spPr bwMode="auto">
+          <a:xfrm>
+            <a:off x="3851920" y="1556792"/>
+            <a:ext cx="4819402" cy="4579764"/>
+          </a:xfrm>
+          <a:prstGeom prst="rect">
+            <a:avLst/>
+          </a:prstGeom>
+          <a:noFill/>
+          <a:ln>
+            <a:noFill/>
+          </a:ln>
+          <a:extLst>
+            <a:ext uri="{909E8E84-426E-40DD-AFC4-6F175D3DCCD1}">
+              <a14:hiddenFill xmlns:a14="http://schemas.microsoft.com/office/drawing/2010/main">
+                <a:solidFill>
+                  <a:schemeClr val="accent1"/>
+                </a:solidFill>
+              </a14:hiddenFill>
+            </a:ext>
+            <a:ext uri="{91240B29-F687-4F45-9708-019B960494DF}">
+              <a14:hiddenLine xmlns:a14="http://schemas.microsoft.com/office/drawing/2010/main" w="9525">
+                <a:solidFill>
+                  <a:schemeClr val="tx1"/>
+                </a:solidFill>
+                <a:miter lim="800000"/>
+                <a:headEnd/>
+                <a:tailEnd/>
+              </a14:hiddenLine>
+            </a:ext>
+          </a:extLst>
+        </p:spPr>
+      </p:pic>
+      <p:sp>
+        <p:nvSpPr>
+          <p:cNvPr id="4" name="Tijdelijke aanduiding voor dianummer 3"/>
+          <p:cNvSpPr>
+            <a:spLocks noGrp="1"/>
+          </p:cNvSpPr>
+          <p:nvPr>
+            <p:ph type="sldNum" sz="quarter" idx="12"/>
+          </p:nvPr>
+        </p:nvSpPr>
+        <p:spPr/>
+        <p:txBody>
+          <a:bodyPr/>
+          <a:lstStyle/>
+          <a:p>
+            <a:fld id="{A5775961-95EC-4D4B-9423-EAE103D81E9E}" type="slidenum">
+              <a:rPr lang="nl-NL" smtClean="0"/>
+              <a:t>20</a:t>
+            </a:fld>
+            <a:endParaRPr lang="nl-NL" dirty="0"/>
+          </a:p>
+        </p:txBody>
+      </p:sp>
+    </p:spTree>
+    <p:extLst>
+      <p:ext uri="{BB962C8B-B14F-4D97-AF65-F5344CB8AC3E}">
+        <p14:creationId xmlns:p14="http://schemas.microsoft.com/office/powerpoint/2010/main" val="1548524602"/>
+      </p:ext>
+    </p:extLst>
+  </p:cSld>
+  <p:clrMapOvr>
+    <a:masterClrMapping/>
+  </p:clrMapOvr>
+  <p:timing>
+    <p:tnLst>
+      <p:par>
+        <p:cTn id="1" dur="indefinite" restart="never" nodeType="tmRoot"/>
+      </p:par>
+    </p:tnLst>
+  </p:timing>
+</p:sld>
+</file>
+
+<file path=ppt/slides/slide21.xml><?xml version="1.0" encoding="utf-8"?>
+<p:sld xmlns:a="http://schemas.openxmlformats.org/drawingml/2006/main" xmlns:r="http://schemas.openxmlformats.org/officeDocument/2006/relationships" xmlns:p="http://schemas.openxmlformats.org/presentationml/2006/main">
+  <p:cSld>
+    <p:spTree>
+      <p:nvGrpSpPr>
+        <p:cNvPr id="1" name=""/>
+        <p:cNvGrpSpPr/>
+        <p:nvPr/>
+      </p:nvGrpSpPr>
+      <p:grpSpPr>
+        <a:xfrm>
+          <a:off x="0" y="0"/>
+          <a:ext cx="0" cy="0"/>
+          <a:chOff x="0" y="0"/>
+          <a:chExt cx="0" cy="0"/>
+        </a:xfrm>
+      </p:grpSpPr>
+      <p:sp>
+        <p:nvSpPr>
+          <p:cNvPr id="2" name="Titel 1"/>
+          <p:cNvSpPr>
+            <a:spLocks noGrp="1"/>
+          </p:cNvSpPr>
+          <p:nvPr>
+            <p:ph type="title"/>
+          </p:nvPr>
+        </p:nvSpPr>
+        <p:spPr/>
+        <p:txBody>
+          <a:bodyPr/>
+          <a:lstStyle/>
+          <a:p>
+            <a:r>
+              <a:rPr lang="nl-NL" dirty="0" smtClean="0"/>
               <a:t>GroundForge</a:t>
             </a:r>
             <a:endParaRPr lang="nl-NL" dirty="0"/>
@@ -13640,9 +13513,9 @@
           <a:p>
             <a:fld id="{A5775961-95EC-4D4B-9423-EAE103D81E9E}" type="slidenum">
               <a:rPr lang="nl-NL" smtClean="0"/>
-              <a:t>20</a:t>
+              <a:t>21</a:t>
             </a:fld>
-            <a:endParaRPr lang="nl-NL"/>
+            <a:endParaRPr lang="nl-NL" dirty="0"/>
           </a:p>
         </p:txBody>
       </p:sp>
@@ -13802,7 +13675,7 @@
           <a:p>
             <a:fld id="{B71AFF58-8559-4CE0-AA20-9C6B842D93B4}" type="datetime1">
               <a:rPr lang="nl-NL" smtClean="0"/>
-              <a:t>25-3-2018</a:t>
+              <a:t>15-8-2018</a:t>
             </a:fld>
             <a:endParaRPr lang="nl-NL"/>
           </a:p>
@@ -13830,8 +13703,12 @@
           <a:lstStyle/>
           <a:p>
             <a:r>
-              <a:rPr lang="nl-NL"/>
-              <a:t>Groundforge - De Waaier</a:t>
+              <a:rPr lang="nl-NL" dirty="0" err="1"/>
+              <a:t>Groundforge</a:t>
+            </a:r>
+            <a:r>
+              <a:rPr lang="nl-NL" dirty="0"/>
+              <a:t> - De Waaier</a:t>
             </a:r>
           </a:p>
         </p:txBody>
@@ -14275,7 +14152,7 @@
           <a:lstStyle/>
           <a:p>
             <a:r>
-              <a:rPr lang="nl-NL" dirty="0" err="1" smtClean="0"/>
+              <a:rPr lang="nl-NL" dirty="0" smtClean="0"/>
               <a:t>GroundForge</a:t>
             </a:r>
             <a:endParaRPr lang="nl-NL" dirty="0"/>
@@ -14292,10 +14169,15 @@
             <p:ph idx="1"/>
           </p:nvPr>
         </p:nvSpPr>
-        <p:spPr/>
+        <p:spPr>
+          <a:xfrm>
+            <a:off x="457200" y="1600201"/>
+            <a:ext cx="8229600" cy="2476872"/>
+          </a:xfrm>
+        </p:spPr>
         <p:txBody>
           <a:bodyPr>
-            <a:normAutofit/>
+            <a:normAutofit fontScale="92500" lnSpcReduction="20000"/>
           </a:bodyPr>
           <a:lstStyle/>
           <a:p>
@@ -14304,15 +14186,24 @@
             </a:pPr>
             <a:r>
               <a:rPr lang="nl-NL" dirty="0" smtClean="0"/>
-              <a:t>Gekleurde draden</a:t>
-            </a:r>
-          </a:p>
-          <a:p>
-            <a:r>
-              <a:rPr lang="nl-NL" dirty="0" err="1" smtClean="0"/>
+              <a:t>Ingezoomd op draden</a:t>
+            </a:r>
+          </a:p>
+          <a:p>
+            <a:pPr marL="0" indent="0">
+              <a:buNone/>
+            </a:pPr>
+            <a:r>
+              <a:rPr lang="nl-NL" dirty="0" smtClean="0"/>
+              <a:t>Parijse variatie</a:t>
+            </a:r>
+            <a:endParaRPr lang="nl-NL" dirty="0" smtClean="0"/>
+          </a:p>
+          <a:p>
+            <a:r>
+              <a:rPr lang="nl-NL" dirty="0" smtClean="0"/>
               <a:t>netslag</a:t>
             </a:r>
-            <a:endParaRPr lang="nl-NL" dirty="0" smtClean="0"/>
           </a:p>
           <a:p>
             <a:r>
@@ -14327,13 +14218,8 @@
           <a:p>
             <a:r>
               <a:rPr lang="nl-NL" dirty="0" smtClean="0"/>
-              <a:t>dubbele </a:t>
-            </a:r>
-            <a:r>
-              <a:rPr lang="nl-NL" dirty="0" err="1" smtClean="0"/>
-              <a:t>netslag</a:t>
-            </a:r>
-            <a:endParaRPr lang="nl-NL" dirty="0" smtClean="0"/>
+              <a:t>dubbele netslag</a:t>
+            </a:r>
           </a:p>
         </p:txBody>
       </p:sp>
@@ -14464,7 +14350,7 @@
               <a:rPr lang="nl-NL" smtClean="0"/>
               <a:t>4</a:t>
             </a:fld>
-            <a:endParaRPr lang="nl-NL"/>
+            <a:endParaRPr lang="nl-NL" dirty="0"/>
           </a:p>
         </p:txBody>
       </p:sp>
@@ -14521,7 +14407,7 @@
           <a:lstStyle/>
           <a:p>
             <a:r>
-              <a:rPr lang="nl-NL" dirty="0" err="1" smtClean="0"/>
+              <a:rPr lang="nl-NL" dirty="0" smtClean="0"/>
               <a:t>GroundForge</a:t>
             </a:r>
             <a:endParaRPr lang="nl-NL" dirty="0"/>
@@ -14530,6 +14416,83 @@
       </p:sp>
       <p:sp>
         <p:nvSpPr>
+          <p:cNvPr id="6" name="Tijdelijke aanduiding voor dianummer 5"/>
+          <p:cNvSpPr>
+            <a:spLocks noGrp="1"/>
+          </p:cNvSpPr>
+          <p:nvPr>
+            <p:ph type="sldNum" sz="quarter" idx="12"/>
+          </p:nvPr>
+        </p:nvSpPr>
+        <p:spPr/>
+        <p:txBody>
+          <a:bodyPr/>
+          <a:lstStyle/>
+          <a:p>
+            <a:fld id="{A5775961-95EC-4D4B-9423-EAE103D81E9E}" type="slidenum">
+              <a:rPr lang="nl-NL" smtClean="0"/>
+              <a:t>5</a:t>
+            </a:fld>
+            <a:endParaRPr lang="nl-NL" dirty="0"/>
+          </a:p>
+        </p:txBody>
+      </p:sp>
+      <p:pic>
+        <p:nvPicPr>
+          <p:cNvPr id="4" name="Picture 3"/>
+          <p:cNvPicPr>
+            <a:picLocks noChangeAspect="1" noChangeArrowheads="1"/>
+          </p:cNvPicPr>
+          <p:nvPr/>
+        </p:nvPicPr>
+        <p:blipFill>
+          <a:blip r:embed="rId3">
+            <a:extLst>
+              <a:ext uri="{28A0092B-C50C-407E-A947-70E740481C1C}">
+                <a14:useLocalDpi xmlns:a14="http://schemas.microsoft.com/office/drawing/2010/main" val="0"/>
+              </a:ext>
+            </a:extLst>
+          </a:blip>
+          <a:srcRect/>
+          <a:stretch>
+            <a:fillRect/>
+          </a:stretch>
+        </p:blipFill>
+        <p:spPr bwMode="auto">
+          <a:xfrm>
+            <a:off x="5908501" y="1276349"/>
+            <a:ext cx="2839963" cy="2985263"/>
+          </a:xfrm>
+          <a:prstGeom prst="rect">
+            <a:avLst/>
+          </a:prstGeom>
+          <a:noFill/>
+          <a:ln>
+            <a:noFill/>
+          </a:ln>
+          <a:extLst>
+            <a:ext uri="{909E8E84-426E-40DD-AFC4-6F175D3DCCD1}">
+              <a14:hiddenFill xmlns:a14="http://schemas.microsoft.com/office/drawing/2010/main">
+                <a:solidFill>
+                  <a:schemeClr val="accent1"/>
+                </a:solidFill>
+              </a14:hiddenFill>
+            </a:ext>
+            <a:ext uri="{91240B29-F687-4F45-9708-019B960494DF}">
+              <a14:hiddenLine xmlns:a14="http://schemas.microsoft.com/office/drawing/2010/main" w="9525">
+                <a:solidFill>
+                  <a:schemeClr val="tx1"/>
+                </a:solidFill>
+                <a:miter lim="800000"/>
+                <a:headEnd/>
+                <a:tailEnd/>
+              </a14:hiddenLine>
+            </a:ext>
+          </a:extLst>
+        </p:spPr>
+      </p:pic>
+      <p:sp>
+        <p:nvSpPr>
           <p:cNvPr id="3" name="Tijdelijke aanduiding voor inhoud 2"/>
           <p:cNvSpPr>
             <a:spLocks noGrp="1"/>
@@ -14538,17 +14501,214 @@
             <p:ph idx="1"/>
           </p:nvPr>
         </p:nvSpPr>
-        <p:spPr/>
-        <p:txBody>
-          <a:bodyPr/>
+        <p:spPr>
+          <a:xfrm>
+            <a:off x="457200" y="1600200"/>
+            <a:ext cx="8229600" cy="5141168"/>
+          </a:xfrm>
+        </p:spPr>
+        <p:txBody>
+          <a:bodyPr>
+            <a:normAutofit fontScale="92500"/>
+          </a:bodyPr>
           <a:lstStyle/>
           <a:p>
             <a:pPr marL="0" indent="0">
               <a:buNone/>
             </a:pPr>
             <a:r>
+              <a:rPr lang="nl-NL" dirty="0" smtClean="0">
+                <a:effectLst/>
+              </a:rPr>
+              <a:t>Site </a:t>
+            </a:r>
+            <a:r>
+              <a:rPr lang="nl-NL" dirty="0" smtClean="0">
+                <a:effectLst/>
+              </a:rPr>
+              <a:t>Map = visuele inhoudsopgave</a:t>
+            </a:r>
+            <a:endParaRPr lang="nl-NL" dirty="0" smtClean="0">
+              <a:effectLst/>
+            </a:endParaRPr>
+          </a:p>
+          <a:p>
+            <a:pPr>
+              <a:buFontTx/>
+              <a:buChar char="-"/>
+            </a:pPr>
+            <a:r>
+              <a:rPr lang="nl-NL" dirty="0" smtClean="0">
+                <a:effectLst/>
+              </a:rPr>
+              <a:t>Per pagina of groep pagina’s</a:t>
+            </a:r>
+          </a:p>
+          <a:p>
+            <a:pPr lvl="1">
+              <a:buFontTx/>
+              <a:buChar char="-"/>
+            </a:pPr>
+            <a:r>
               <a:rPr lang="nl-NL" dirty="0" smtClean="0"/>
-              <a:t>Fragmenten van de hoofdpagina:</a:t>
+              <a:t>Belangrijkste kenmerken</a:t>
+            </a:r>
+            <a:br>
+              <a:rPr lang="nl-NL" dirty="0" smtClean="0"/>
+            </a:br>
+            <a:r>
+              <a:rPr lang="nl-NL" dirty="0" smtClean="0"/>
+              <a:t>op postzegel formaat</a:t>
+            </a:r>
+          </a:p>
+          <a:p>
+            <a:pPr lvl="1">
+              <a:buFontTx/>
+              <a:buChar char="-"/>
+            </a:pPr>
+            <a:r>
+              <a:rPr lang="nl-NL" dirty="0" smtClean="0"/>
+              <a:t>Pijlen </a:t>
+            </a:r>
+            <a:r>
+              <a:rPr lang="nl-NL" dirty="0" smtClean="0"/>
+              <a:t>geven links weer</a:t>
+            </a:r>
+            <a:br>
+              <a:rPr lang="nl-NL" dirty="0" smtClean="0"/>
+            </a:br>
+            <a:r>
+              <a:rPr lang="nl-NL" dirty="0"/>
+              <a:t>tussen </a:t>
+            </a:r>
+            <a:r>
+              <a:rPr lang="nl-NL" dirty="0" smtClean="0"/>
+              <a:t>pagina’s</a:t>
+            </a:r>
+          </a:p>
+          <a:p>
+            <a:pPr marL="0" indent="0">
+              <a:buNone/>
+            </a:pPr>
+            <a:r>
+              <a:rPr lang="nl-NL" dirty="0" smtClean="0">
+                <a:hlinkClick r:id="rId4"/>
+              </a:rPr>
+              <a:t>https</a:t>
+            </a:r>
+            <a:r>
+              <a:rPr lang="nl-NL" dirty="0">
+                <a:hlinkClick r:id="rId4"/>
+              </a:rPr>
+              <a:t>://d-bl.github.io/GroundForge/help/Site-map</a:t>
+            </a:r>
+            <a:endParaRPr lang="nl-NL" dirty="0"/>
+          </a:p>
+          <a:p>
+            <a:pPr lvl="1">
+              <a:buFontTx/>
+              <a:buChar char="-"/>
+            </a:pPr>
+            <a:endParaRPr lang="nl-NL" dirty="0" smtClean="0">
+              <a:effectLst/>
+            </a:endParaRPr>
+          </a:p>
+          <a:p>
+            <a:pPr marL="0" indent="0">
+              <a:buNone/>
+            </a:pPr>
+            <a:r>
+              <a:rPr lang="nl-NL" dirty="0" smtClean="0"/>
+              <a:t/>
+            </a:r>
+            <a:br>
+              <a:rPr lang="nl-NL" dirty="0" smtClean="0"/>
+            </a:br>
+            <a:endParaRPr lang="nl-NL" dirty="0"/>
+          </a:p>
+        </p:txBody>
+      </p:sp>
+    </p:spTree>
+    <p:extLst>
+      <p:ext uri="{BB962C8B-B14F-4D97-AF65-F5344CB8AC3E}">
+        <p14:creationId xmlns:p14="http://schemas.microsoft.com/office/powerpoint/2010/main" val="1043717631"/>
+      </p:ext>
+    </p:extLst>
+  </p:cSld>
+  <p:clrMapOvr>
+    <a:masterClrMapping/>
+  </p:clrMapOvr>
+  <p:timing>
+    <p:tnLst>
+      <p:par>
+        <p:cTn id="1" dur="indefinite" restart="never" nodeType="tmRoot"/>
+      </p:par>
+    </p:tnLst>
+  </p:timing>
+</p:sld>
+</file>
+
+<file path=ppt/slides/slide6.xml><?xml version="1.0" encoding="utf-8"?>
+<p:sld xmlns:a="http://schemas.openxmlformats.org/drawingml/2006/main" xmlns:r="http://schemas.openxmlformats.org/officeDocument/2006/relationships" xmlns:p="http://schemas.openxmlformats.org/presentationml/2006/main">
+  <p:cSld>
+    <p:spTree>
+      <p:nvGrpSpPr>
+        <p:cNvPr id="1" name=""/>
+        <p:cNvGrpSpPr/>
+        <p:nvPr/>
+      </p:nvGrpSpPr>
+      <p:grpSpPr>
+        <a:xfrm>
+          <a:off x="0" y="0"/>
+          <a:ext cx="0" cy="0"/>
+          <a:chOff x="0" y="0"/>
+          <a:chExt cx="0" cy="0"/>
+        </a:xfrm>
+      </p:grpSpPr>
+      <p:sp>
+        <p:nvSpPr>
+          <p:cNvPr id="2" name="Titel 1"/>
+          <p:cNvSpPr>
+            <a:spLocks noGrp="1"/>
+          </p:cNvSpPr>
+          <p:nvPr>
+            <p:ph type="title"/>
+          </p:nvPr>
+        </p:nvSpPr>
+        <p:spPr/>
+        <p:txBody>
+          <a:bodyPr/>
+          <a:lstStyle/>
+          <a:p>
+            <a:r>
+              <a:rPr lang="nl-NL" dirty="0" smtClean="0"/>
+              <a:t>GroundForge</a:t>
+            </a:r>
+            <a:endParaRPr lang="nl-NL" dirty="0"/>
+          </a:p>
+        </p:txBody>
+      </p:sp>
+      <p:sp>
+        <p:nvSpPr>
+          <p:cNvPr id="3" name="Tijdelijke aanduiding voor inhoud 2"/>
+          <p:cNvSpPr>
+            <a:spLocks noGrp="1"/>
+          </p:cNvSpPr>
+          <p:nvPr>
+            <p:ph idx="1"/>
+          </p:nvPr>
+        </p:nvSpPr>
+        <p:spPr/>
+        <p:txBody>
+          <a:bodyPr/>
+          <a:lstStyle/>
+          <a:p>
+            <a:pPr marL="0" indent="0">
+              <a:buNone/>
+            </a:pPr>
+            <a:r>
+              <a:rPr lang="nl-NL" dirty="0" smtClean="0"/>
+              <a:t>Fragmenten van de hoofdpagina (/index):</a:t>
             </a:r>
             <a:endParaRPr lang="nl-NL" dirty="0" smtClean="0">
               <a:effectLst/>
@@ -14640,9 +14800,9 @@
           <a:p>
             <a:fld id="{A5775961-95EC-4D4B-9423-EAE103D81E9E}" type="slidenum">
               <a:rPr lang="nl-NL" smtClean="0"/>
-              <a:t>5</a:t>
+              <a:t>6</a:t>
             </a:fld>
-            <a:endParaRPr lang="nl-NL"/>
+            <a:endParaRPr lang="nl-NL" dirty="0"/>
           </a:p>
         </p:txBody>
       </p:sp>
@@ -14834,7 +14994,7 @@
 </p:sld>
 </file>
 
-<file path=ppt/slides/slide6.xml><?xml version="1.0" encoding="utf-8"?>
+<file path=ppt/slides/slide7.xml><?xml version="1.0" encoding="utf-8"?>
 <p:sld xmlns:a="http://schemas.openxmlformats.org/drawingml/2006/main" xmlns:r="http://schemas.openxmlformats.org/officeDocument/2006/relationships" xmlns:p="http://schemas.openxmlformats.org/presentationml/2006/main">
   <p:cSld>
     <p:spTree>
@@ -14867,7 +15027,7 @@
           <a:lstStyle/>
           <a:p>
             <a:r>
-              <a:rPr lang="nl-NL" dirty="0" err="1" smtClean="0"/>
+              <a:rPr lang="nl-NL" dirty="0" smtClean="0"/>
               <a:t>GroundForge</a:t>
             </a:r>
             <a:endParaRPr lang="nl-NL" dirty="0"/>
@@ -15116,9 +15276,9 @@
           <a:p>
             <a:fld id="{A5775961-95EC-4D4B-9423-EAE103D81E9E}" type="slidenum">
               <a:rPr lang="nl-NL" smtClean="0"/>
-              <a:t>6</a:t>
+              <a:t>7</a:t>
             </a:fld>
-            <a:endParaRPr lang="nl-NL"/>
+            <a:endParaRPr lang="nl-NL" dirty="0"/>
           </a:p>
         </p:txBody>
       </p:sp>
@@ -15369,7 +15529,7 @@
 </p:sld>
 </file>
 
-<file path=ppt/slides/slide7.xml><?xml version="1.0" encoding="utf-8"?>
+<file path=ppt/slides/slide8.xml><?xml version="1.0" encoding="utf-8"?>
 <p:sld xmlns:a="http://schemas.openxmlformats.org/drawingml/2006/main" xmlns:r="http://schemas.openxmlformats.org/officeDocument/2006/relationships" xmlns:p="http://schemas.openxmlformats.org/presentationml/2006/main">
   <p:cSld>
     <p:spTree>
@@ -15402,7 +15562,7 @@
           <a:lstStyle/>
           <a:p>
             <a:r>
-              <a:rPr lang="nl-NL" dirty="0" err="1" smtClean="0"/>
+              <a:rPr lang="nl-NL" dirty="0" smtClean="0"/>
               <a:t>GroundForge</a:t>
             </a:r>
             <a:endParaRPr lang="nl-NL" dirty="0"/>
@@ -15505,9 +15665,9 @@
           <a:p>
             <a:fld id="{A5775961-95EC-4D4B-9423-EAE103D81E9E}" type="slidenum">
               <a:rPr lang="nl-NL" smtClean="0"/>
-              <a:t>7</a:t>
+              <a:t>8</a:t>
             </a:fld>
-            <a:endParaRPr lang="nl-NL"/>
+            <a:endParaRPr lang="nl-NL" dirty="0"/>
           </a:p>
         </p:txBody>
       </p:sp>
@@ -15701,7 +15861,7 @@
                 <a:t>Spiekbriefje, </a:t>
               </a:r>
               <a:r>
-                <a:rPr lang="nl-NL" dirty="0" err="1" smtClean="0"/>
+                <a:rPr lang="nl-NL" dirty="0" smtClean="0"/>
                 <a:t>o.a</a:t>
               </a:r>
               <a:r>
@@ -16199,7 +16359,7 @@
 </p:sld>
 </file>
 
-<file path=ppt/slides/slide8.xml><?xml version="1.0" encoding="utf-8"?>
+<file path=ppt/slides/slide9.xml><?xml version="1.0" encoding="utf-8"?>
 <p:sld xmlns:a="http://schemas.openxmlformats.org/drawingml/2006/main" xmlns:r="http://schemas.openxmlformats.org/officeDocument/2006/relationships" xmlns:p="http://schemas.openxmlformats.org/presentationml/2006/main">
   <p:cSld>
     <p:spTree>
@@ -16232,7 +16392,7 @@
           <a:lstStyle/>
           <a:p>
             <a:r>
-              <a:rPr lang="nl-NL" dirty="0" err="1" smtClean="0"/>
+              <a:rPr lang="nl-NL" dirty="0" smtClean="0"/>
               <a:t>GroundForge</a:t>
             </a:r>
             <a:endParaRPr lang="nl-NL" dirty="0"/>
@@ -16358,9 +16518,9 @@
           <a:p>
             <a:fld id="{A5775961-95EC-4D4B-9423-EAE103D81E9E}" type="slidenum">
               <a:rPr lang="nl-NL" smtClean="0"/>
-              <a:t>8</a:t>
+              <a:t>9</a:t>
             </a:fld>
-            <a:endParaRPr lang="nl-NL"/>
+            <a:endParaRPr lang="nl-NL" dirty="0"/>
           </a:p>
         </p:txBody>
       </p:sp>
@@ -16624,206 +16784,6 @@
     <p:extLst>
       <p:ext uri="{BB962C8B-B14F-4D97-AF65-F5344CB8AC3E}">
         <p14:creationId xmlns:p14="http://schemas.microsoft.com/office/powerpoint/2010/main" val="2935370788"/>
-      </p:ext>
-    </p:extLst>
-  </p:cSld>
-  <p:clrMapOvr>
-    <a:masterClrMapping/>
-  </p:clrMapOvr>
-  <p:timing>
-    <p:tnLst>
-      <p:par>
-        <p:cTn id="1" dur="indefinite" restart="never" nodeType="tmRoot"/>
-      </p:par>
-    </p:tnLst>
-  </p:timing>
-</p:sld>
-</file>
-
-<file path=ppt/slides/slide9.xml><?xml version="1.0" encoding="utf-8"?>
-<p:sld xmlns:a="http://schemas.openxmlformats.org/drawingml/2006/main" xmlns:r="http://schemas.openxmlformats.org/officeDocument/2006/relationships" xmlns:p="http://schemas.openxmlformats.org/presentationml/2006/main">
-  <p:cSld>
-    <p:spTree>
-      <p:nvGrpSpPr>
-        <p:cNvPr id="1" name=""/>
-        <p:cNvGrpSpPr/>
-        <p:nvPr/>
-      </p:nvGrpSpPr>
-      <p:grpSpPr>
-        <a:xfrm>
-          <a:off x="0" y="0"/>
-          <a:ext cx="0" cy="0"/>
-          <a:chOff x="0" y="0"/>
-          <a:chExt cx="0" cy="0"/>
-        </a:xfrm>
-      </p:grpSpPr>
-      <p:sp>
-        <p:nvSpPr>
-          <p:cNvPr id="2" name="Titel 1"/>
-          <p:cNvSpPr>
-            <a:spLocks noGrp="1"/>
-          </p:cNvSpPr>
-          <p:nvPr>
-            <p:ph type="title"/>
-          </p:nvPr>
-        </p:nvSpPr>
-        <p:spPr/>
-        <p:txBody>
-          <a:bodyPr/>
-          <a:lstStyle/>
-          <a:p>
-            <a:r>
-              <a:rPr lang="nl-NL" dirty="0" err="1" smtClean="0"/>
-              <a:t>GroundForge</a:t>
-            </a:r>
-            <a:endParaRPr lang="nl-NL" dirty="0"/>
-          </a:p>
-        </p:txBody>
-      </p:sp>
-      <p:sp>
-        <p:nvSpPr>
-          <p:cNvPr id="3" name="Tijdelijke aanduiding voor inhoud 2"/>
-          <p:cNvSpPr>
-            <a:spLocks noGrp="1"/>
-          </p:cNvSpPr>
-          <p:nvPr>
-            <p:ph idx="1"/>
-          </p:nvPr>
-        </p:nvSpPr>
-        <p:spPr/>
-        <p:txBody>
-          <a:bodyPr>
-            <a:normAutofit/>
-          </a:bodyPr>
-          <a:lstStyle/>
-          <a:p>
-            <a:pPr marL="0" indent="0">
-              <a:buNone/>
-            </a:pPr>
-            <a:r>
-              <a:rPr lang="nl-NL" dirty="0" smtClean="0">
-                <a:effectLst/>
-              </a:rPr>
-              <a:t>Voorbeeld pagina’s</a:t>
-            </a:r>
-          </a:p>
-          <a:p>
-            <a:r>
-              <a:rPr lang="nl-NL" dirty="0" smtClean="0"/>
-              <a:t>Slagen al ingevuld</a:t>
-            </a:r>
-          </a:p>
-          <a:p>
-            <a:pPr lvl="1"/>
-            <a:r>
-              <a:rPr lang="nl-NL" dirty="0" smtClean="0"/>
-              <a:t>MAE-</a:t>
-            </a:r>
-            <a:r>
-              <a:rPr lang="nl-NL" dirty="0" err="1" smtClean="0"/>
-              <a:t>gf</a:t>
-            </a:r>
-            <a:r>
-              <a:rPr lang="nl-NL" dirty="0" smtClean="0"/>
-              <a:t> </a:t>
-            </a:r>
-            <a:r>
-              <a:rPr lang="nl-NL" dirty="0"/>
-              <a:t>(persoonlijke </a:t>
-            </a:r>
-            <a:r>
-              <a:rPr lang="nl-NL" dirty="0" smtClean="0"/>
-              <a:t>verzameling)</a:t>
-            </a:r>
-          </a:p>
-          <a:p>
-            <a:pPr lvl="1"/>
-            <a:r>
-              <a:rPr lang="nl-NL" dirty="0" err="1" smtClean="0"/>
-              <a:t>Whiting</a:t>
-            </a:r>
-            <a:r>
-              <a:rPr lang="nl-NL" dirty="0" smtClean="0"/>
-              <a:t> </a:t>
-            </a:r>
-            <a:r>
-              <a:rPr lang="nl-NL" dirty="0"/>
-              <a:t>index </a:t>
-            </a:r>
-            <a:r>
-              <a:rPr lang="nl-NL" dirty="0" smtClean="0"/>
-              <a:t>(online boek)</a:t>
-            </a:r>
-          </a:p>
-          <a:p>
-            <a:r>
-              <a:rPr lang="nl-NL" dirty="0" smtClean="0"/>
-              <a:t>Slagen zelf kiezen (</a:t>
-            </a:r>
-            <a:r>
-              <a:rPr lang="nl-NL" strike="sngStrike" dirty="0" smtClean="0"/>
-              <a:t>tablet</a:t>
-            </a:r>
-            <a:r>
-              <a:rPr lang="nl-NL" dirty="0" smtClean="0"/>
-              <a:t>)</a:t>
-            </a:r>
-            <a:endParaRPr lang="nl-NL" dirty="0"/>
-          </a:p>
-          <a:p>
-            <a:pPr lvl="1"/>
-            <a:r>
-              <a:rPr lang="nl-NL" dirty="0" err="1" smtClean="0"/>
-              <a:t>Tesselace</a:t>
-            </a:r>
-            <a:r>
-              <a:rPr lang="nl-NL" dirty="0" smtClean="0"/>
-              <a:t> index  (computer gegenereerd)</a:t>
-            </a:r>
-          </a:p>
-          <a:p>
-            <a:pPr lvl="1"/>
-            <a:r>
-              <a:rPr lang="nl-NL" dirty="0" smtClean="0"/>
-              <a:t>Droste effect (draad schema’s als paar schema’s)</a:t>
-            </a:r>
-          </a:p>
-          <a:p>
-            <a:r>
-              <a:rPr lang="nl-NL" dirty="0" smtClean="0"/>
-              <a:t>Overlap tussen de groepen</a:t>
-            </a:r>
-            <a:endParaRPr lang="nl-NL" dirty="0"/>
-          </a:p>
-        </p:txBody>
-      </p:sp>
-      <p:sp>
-        <p:nvSpPr>
-          <p:cNvPr id="4" name="Tijdelijke aanduiding voor dianummer 3"/>
-          <p:cNvSpPr>
-            <a:spLocks noGrp="1"/>
-          </p:cNvSpPr>
-          <p:nvPr>
-            <p:ph type="sldNum" sz="quarter" idx="12"/>
-          </p:nvPr>
-        </p:nvSpPr>
-        <p:spPr/>
-        <p:txBody>
-          <a:bodyPr/>
-          <a:lstStyle/>
-          <a:p>
-            <a:fld id="{A5775961-95EC-4D4B-9423-EAE103D81E9E}" type="slidenum">
-              <a:rPr lang="nl-NL" smtClean="0"/>
-              <a:t>9</a:t>
-            </a:fld>
-            <a:endParaRPr lang="nl-NL"/>
-          </a:p>
-        </p:txBody>
-      </p:sp>
-    </p:spTree>
-    <p:extLst>
-      <p:ext uri="{BB962C8B-B14F-4D97-AF65-F5344CB8AC3E}">
-        <p14:creationId xmlns:p14="http://schemas.microsoft.com/office/powerpoint/2010/main" val="723173163"/>
       </p:ext>
     </p:extLst>
   </p:cSld>

--- a/docs/help/NL.pptx
+++ b/docs/help/NL.pptx
@@ -5,10 +5,10 @@
     <p:sldMasterId id="2147483864" r:id="rId1"/>
   </p:sldMasterIdLst>
   <p:notesMasterIdLst>
-    <p:notesMasterId r:id="rId23"/>
+    <p:notesMasterId r:id="rId24"/>
   </p:notesMasterIdLst>
   <p:handoutMasterIdLst>
-    <p:handoutMasterId r:id="rId24"/>
+    <p:handoutMasterId r:id="rId25"/>
   </p:handoutMasterIdLst>
   <p:sldIdLst>
     <p:sldId id="256" r:id="rId2"/>
@@ -16,22 +16,23 @@
     <p:sldId id="295" r:id="rId4"/>
     <p:sldId id="275" r:id="rId5"/>
     <p:sldId id="296" r:id="rId6"/>
-    <p:sldId id="284" r:id="rId7"/>
-    <p:sldId id="277" r:id="rId8"/>
-    <p:sldId id="272" r:id="rId9"/>
-    <p:sldId id="271" r:id="rId10"/>
-    <p:sldId id="259" r:id="rId11"/>
-    <p:sldId id="274" r:id="rId12"/>
-    <p:sldId id="288" r:id="rId13"/>
-    <p:sldId id="276" r:id="rId14"/>
-    <p:sldId id="261" r:id="rId15"/>
-    <p:sldId id="281" r:id="rId16"/>
-    <p:sldId id="293" r:id="rId17"/>
-    <p:sldId id="280" r:id="rId18"/>
-    <p:sldId id="266" r:id="rId19"/>
-    <p:sldId id="268" r:id="rId20"/>
-    <p:sldId id="290" r:id="rId21"/>
-    <p:sldId id="292" r:id="rId22"/>
+    <p:sldId id="297" r:id="rId7"/>
+    <p:sldId id="284" r:id="rId8"/>
+    <p:sldId id="277" r:id="rId9"/>
+    <p:sldId id="272" r:id="rId10"/>
+    <p:sldId id="271" r:id="rId11"/>
+    <p:sldId id="259" r:id="rId12"/>
+    <p:sldId id="274" r:id="rId13"/>
+    <p:sldId id="288" r:id="rId14"/>
+    <p:sldId id="276" r:id="rId15"/>
+    <p:sldId id="261" r:id="rId16"/>
+    <p:sldId id="281" r:id="rId17"/>
+    <p:sldId id="293" r:id="rId18"/>
+    <p:sldId id="280" r:id="rId19"/>
+    <p:sldId id="266" r:id="rId20"/>
+    <p:sldId id="268" r:id="rId21"/>
+    <p:sldId id="290" r:id="rId22"/>
+    <p:sldId id="292" r:id="rId23"/>
   </p:sldIdLst>
   <p:sldSz cx="9144000" cy="6858000" type="screen4x3"/>
   <p:notesSz cx="6858000" cy="9144000"/>
@@ -215,7 +216,7 @@
           <a:p>
             <a:fld id="{191DB269-8995-49D8-A4B0-9411C7010620}" type="datetimeFigureOut">
               <a:rPr lang="nl-NL" smtClean="0"/>
-              <a:t>15-8-2018</a:t>
+              <a:t>19-8-2018</a:t>
             </a:fld>
             <a:endParaRPr lang="nl-NL" dirty="0"/>
           </a:p>
@@ -380,7 +381,7 @@
           <a:p>
             <a:fld id="{A74490FB-0058-431C-B3E7-EBBA4B708E40}" type="datetimeFigureOut">
               <a:rPr lang="nl-NL" smtClean="0"/>
-              <a:t>15-8-2018</a:t>
+              <a:t>19-8-2018</a:t>
             </a:fld>
             <a:endParaRPr lang="nl-NL" dirty="0"/>
           </a:p>
@@ -692,7 +693,7 @@
           <a:bodyPr/>
           <a:lstStyle/>
           <a:p>
-            <a:pPr marL="0" marR="0" indent="0" algn="l" defTabSz="914400" rtl="0" eaLnBrk="1" fontAlgn="auto" latinLnBrk="0" hangingPunct="1">
+            <a:pPr marL="0" marR="0" indent="0" algn="ctr" defTabSz="914400" rtl="0" eaLnBrk="1" fontAlgn="auto" latinLnBrk="0" hangingPunct="1">
               <a:lnSpc>
                 <a:spcPct val="100000"/>
               </a:lnSpc>
@@ -709,10 +710,17 @@
               <a:tabLst/>
               <a:defRPr/>
             </a:pPr>
-            <a:endParaRPr lang="nl-NL" dirty="0" smtClean="0"/>
-          </a:p>
-          <a:p>
-            <a:pPr marL="0" marR="0" indent="0" algn="l" defTabSz="914400" rtl="0" eaLnBrk="1" fontAlgn="auto" latinLnBrk="0" hangingPunct="1">
+            <a:r>
+              <a:rPr lang="nl-NL" dirty="0" smtClean="0"/>
+              <a:t>Oorspronkelijk</a:t>
+            </a:r>
+            <a:r>
+              <a:rPr lang="nl-NL" baseline="0" dirty="0" smtClean="0"/>
+              <a:t> gepresenteerd bij kantkring De Waaier op 18 november 2017.</a:t>
+            </a:r>
+          </a:p>
+          <a:p>
+            <a:pPr marL="0" marR="0" indent="0" algn="ctr" defTabSz="914400" rtl="0" eaLnBrk="1" fontAlgn="auto" latinLnBrk="0" hangingPunct="1">
               <a:lnSpc>
                 <a:spcPct val="100000"/>
               </a:lnSpc>
@@ -729,19 +737,11 @@
               <a:tabLst/>
               <a:defRPr/>
             </a:pPr>
+            <a:r>
+              <a:rPr lang="nl-NL" baseline="0" dirty="0" smtClean="0"/>
+              <a:t>Aangepast voor bezoekers van de site en latere wijzigingen van site.</a:t>
+            </a:r>
             <a:endParaRPr lang="nl-NL" dirty="0" smtClean="0"/>
-          </a:p>
-          <a:p>
-            <a:endParaRPr lang="nl-NL" dirty="0" smtClean="0"/>
-          </a:p>
-          <a:p>
-            <a:endParaRPr lang="nl-NL" i="1" dirty="0" smtClean="0"/>
-          </a:p>
-          <a:p>
-            <a:endParaRPr lang="nl-NL" baseline="0" dirty="0" smtClean="0"/>
-          </a:p>
-          <a:p>
-            <a:endParaRPr lang="nl-NL" baseline="0" dirty="0" smtClean="0"/>
           </a:p>
         </p:txBody>
       </p:sp>
@@ -826,38 +826,12 @@
           <a:lstStyle/>
           <a:p>
             <a:r>
-              <a:rPr lang="nl-NL" dirty="0" smtClean="0">
+              <a:rPr lang="nl-NL" b="0" baseline="0" dirty="0" smtClean="0">
                 <a:effectLst/>
               </a:rPr>
-              <a:t>Verschillende (groepen) voorbeeld pagina’s. Links op deze pagina vullen het parameters-formulier in van de hoofdpagina.</a:t>
-            </a:r>
-          </a:p>
-          <a:p>
-            <a:endParaRPr lang="nl-NL" dirty="0" smtClean="0">
-              <a:effectLst/>
-            </a:endParaRPr>
-          </a:p>
-          <a:p>
-            <a:r>
-              <a:rPr lang="nl-NL" dirty="0" smtClean="0">
-                <a:effectLst/>
-              </a:rPr>
-              <a:t>Elke groep heeft een eigen invalshoek.</a:t>
-            </a:r>
-          </a:p>
-          <a:p>
-            <a:endParaRPr lang="nl-NL" dirty="0" smtClean="0">
-              <a:effectLst/>
-            </a:endParaRPr>
-          </a:p>
-          <a:p>
-            <a:r>
-              <a:rPr lang="nl-NL" dirty="0" smtClean="0"/>
-              <a:t>Droste heeft een paar voorbeelden waarvan al wel slagen zijn ingevuld.</a:t>
-            </a:r>
-            <a:endParaRPr lang="nl-NL" dirty="0" smtClean="0">
-              <a:effectLst/>
-            </a:endParaRPr>
+              <a:t>De velden van het hulpformulier  vormen één baksteen of één schaakveld.</a:t>
+            </a:r>
+            <a:endParaRPr lang="nl-NL" i="1" dirty="0"/>
           </a:p>
         </p:txBody>
       </p:sp>
@@ -942,80 +916,38 @@
           <a:lstStyle/>
           <a:p>
             <a:r>
-              <a:rPr lang="en-US" i="1" dirty="0" smtClean="0"/>
-              <a:t>A Lace Guide for Makers and Collectors</a:t>
-            </a:r>
-            <a:r>
-              <a:rPr lang="en-US" dirty="0" smtClean="0"/>
-              <a:t> door Gertrude Whiting</a:t>
-            </a:r>
-          </a:p>
-          <a:p>
-            <a:r>
-              <a:rPr lang="en-US" baseline="0" dirty="0" smtClean="0">
+              <a:rPr lang="nl-NL" dirty="0" smtClean="0">
                 <a:effectLst/>
               </a:rPr>
-              <a:t>Kant gids voor makers en verzamelaars.</a:t>
-            </a:r>
-            <a:endParaRPr lang="nl-NL" baseline="0" dirty="0" smtClean="0">
+              <a:t>Verschillende (groepen) voorbeeld pagina’s. Links op deze pagina vullen het parameters-formulier in van de hoofdpagina.</a:t>
+            </a:r>
+          </a:p>
+          <a:p>
+            <a:endParaRPr lang="nl-NL" dirty="0" smtClean="0">
               <a:effectLst/>
             </a:endParaRPr>
           </a:p>
           <a:p>
-            <a:endParaRPr lang="nl-NL" baseline="0" dirty="0" smtClean="0">
+            <a:r>
+              <a:rPr lang="nl-NL" dirty="0" smtClean="0">
+                <a:effectLst/>
+              </a:rPr>
+              <a:t>Elke groep heeft een eigen invalshoek.</a:t>
+            </a:r>
+          </a:p>
+          <a:p>
+            <a:endParaRPr lang="nl-NL" dirty="0" smtClean="0">
               <a:effectLst/>
             </a:endParaRPr>
           </a:p>
           <a:p>
             <a:r>
-              <a:rPr lang="nl-NL" baseline="0" dirty="0" smtClean="0">
-                <a:effectLst/>
-              </a:rPr>
-              <a:t>In diverse online archieven beschikbaar, het copyright is verlopen.</a:t>
-            </a:r>
-          </a:p>
-          <a:p>
-            <a:endParaRPr lang="nl-NL" baseline="0" dirty="0" smtClean="0">
+              <a:rPr lang="nl-NL" dirty="0" smtClean="0"/>
+              <a:t>Droste heeft een paar voorbeelden waarvan al wel slagen zijn ingevuld.</a:t>
+            </a:r>
+            <a:endParaRPr lang="nl-NL" dirty="0" smtClean="0">
               <a:effectLst/>
             </a:endParaRPr>
-          </a:p>
-          <a:p>
-            <a:r>
-              <a:rPr lang="nl-NL" baseline="0" dirty="0" smtClean="0">
-                <a:effectLst/>
-              </a:rPr>
-              <a:t>Niet alle gronden kunnen met GroundForge</a:t>
-            </a:r>
-          </a:p>
-          <a:p>
-            <a:r>
-              <a:rPr lang="nl-NL" baseline="0" dirty="0" smtClean="0">
-                <a:effectLst/>
-              </a:rPr>
-              <a:t>Bijvoorbeeld wegens aanhaken of oneven aantallen draden per slag</a:t>
-            </a:r>
-          </a:p>
-          <a:p>
-            <a:endParaRPr lang="nl-NL" baseline="0" dirty="0" smtClean="0">
-              <a:effectLst/>
-            </a:endParaRPr>
-          </a:p>
-          <a:p>
-            <a:r>
-              <a:rPr lang="nl-NL" b="1" baseline="0" dirty="0" smtClean="0">
-                <a:effectLst/>
-              </a:rPr>
-              <a:t>Bruggetje</a:t>
-            </a:r>
-          </a:p>
-          <a:p>
-            <a:r>
-              <a:rPr lang="nl-NL" baseline="0" dirty="0" smtClean="0">
-                <a:effectLst/>
-              </a:rPr>
-              <a:t>Laten we een blokje onder de loep nemen</a:t>
-            </a:r>
-            <a:endParaRPr lang="nl-NL" dirty="0"/>
           </a:p>
         </p:txBody>
       </p:sp>
@@ -1099,9 +1031,81 @@
           <a:bodyPr/>
           <a:lstStyle/>
           <a:p>
+            <a:r>
+              <a:rPr lang="en-US" i="1" dirty="0" smtClean="0"/>
+              <a:t>A Lace Guide for Makers and Collectors</a:t>
+            </a:r>
+            <a:r>
+              <a:rPr lang="en-US" dirty="0" smtClean="0"/>
+              <a:t> door Gertrude Whiting</a:t>
+            </a:r>
+          </a:p>
+          <a:p>
+            <a:r>
+              <a:rPr lang="en-US" baseline="0" dirty="0" smtClean="0">
+                <a:effectLst/>
+              </a:rPr>
+              <a:t>Kant gids voor makers en verzamelaars.</a:t>
+            </a:r>
             <a:endParaRPr lang="nl-NL" baseline="0" dirty="0" smtClean="0">
               <a:effectLst/>
             </a:endParaRPr>
+          </a:p>
+          <a:p>
+            <a:endParaRPr lang="nl-NL" baseline="0" dirty="0" smtClean="0">
+              <a:effectLst/>
+            </a:endParaRPr>
+          </a:p>
+          <a:p>
+            <a:r>
+              <a:rPr lang="nl-NL" baseline="0" dirty="0" smtClean="0">
+                <a:effectLst/>
+              </a:rPr>
+              <a:t>In diverse online archieven beschikbaar, het copyright is verlopen.</a:t>
+            </a:r>
+          </a:p>
+          <a:p>
+            <a:endParaRPr lang="nl-NL" baseline="0" dirty="0" smtClean="0">
+              <a:effectLst/>
+            </a:endParaRPr>
+          </a:p>
+          <a:p>
+            <a:r>
+              <a:rPr lang="nl-NL" baseline="0" dirty="0" smtClean="0">
+                <a:effectLst/>
+              </a:rPr>
+              <a:t>Niet alle gronden kunnen met GroundForge</a:t>
+            </a:r>
+          </a:p>
+          <a:p>
+            <a:r>
+              <a:rPr lang="nl-NL" baseline="0" dirty="0" smtClean="0">
+                <a:effectLst/>
+              </a:rPr>
+              <a:t>Bijvoorbeeld wegens aanhaken of oneven aantallen draden per slag</a:t>
+            </a:r>
+          </a:p>
+          <a:p>
+            <a:endParaRPr lang="nl-NL" baseline="0" dirty="0" smtClean="0">
+              <a:effectLst/>
+            </a:endParaRPr>
+          </a:p>
+          <a:p>
+            <a:r>
+              <a:rPr lang="nl-NL" b="1" baseline="0" dirty="0" smtClean="0">
+                <a:effectLst/>
+              </a:rPr>
+              <a:t>Bruggetje</a:t>
+            </a:r>
+          </a:p>
+          <a:p>
+            <a:r>
+              <a:rPr lang="nl-NL" baseline="0" dirty="0" smtClean="0">
+                <a:effectLst/>
+              </a:rPr>
+              <a:t>Laten we een blokje onder de loep nemen</a:t>
+            </a:r>
+            <a:endParaRPr lang="nl-NL" dirty="0"/>
           </a:p>
         </p:txBody>
       </p:sp>
@@ -1185,251 +1189,6 @@
           <a:bodyPr/>
           <a:lstStyle/>
           <a:p>
-            <a:r>
-              <a:rPr lang="nl-NL" baseline="0" dirty="0" smtClean="0">
-                <a:effectLst/>
-              </a:rPr>
-              <a:t>Gebaseerd op tussenresultaten van promotie onderzoek door Veronika Irvine (CA)</a:t>
-            </a:r>
-          </a:p>
-          <a:p>
-            <a:endParaRPr lang="nl-NL" baseline="0" dirty="0" smtClean="0">
-              <a:effectLst/>
-            </a:endParaRPr>
-          </a:p>
-          <a:p>
-            <a:r>
-              <a:rPr lang="nl-NL" baseline="0" dirty="0" smtClean="0">
-                <a:effectLst/>
-              </a:rPr>
-              <a:t>GroundForge maakt de gaten in de schema’s zo rond mogelijk</a:t>
-            </a:r>
-          </a:p>
-          <a:p>
-            <a:r>
-              <a:rPr lang="nl-NL" dirty="0" smtClean="0"/>
-              <a:t>Er kunnen meerdere computer gegenereerde gronden bij een diagram horen</a:t>
-            </a:r>
-          </a:p>
-          <a:p>
-            <a:r>
-              <a:rPr lang="nl-NL" baseline="0" dirty="0" smtClean="0">
-                <a:effectLst/>
-              </a:rPr>
-              <a:t>Een</a:t>
-            </a:r>
-            <a:r>
-              <a:rPr lang="nl-NL" dirty="0" smtClean="0">
-                <a:effectLst/>
-              </a:rPr>
-              <a:t> animatie in een van de help pagina’s laat de transformatie van de ene variant naar de andere zien.</a:t>
-            </a:r>
-            <a:endParaRPr lang="nl-NL" baseline="0" dirty="0" smtClean="0">
-              <a:effectLst/>
-            </a:endParaRPr>
-          </a:p>
-          <a:p>
-            <a:endParaRPr lang="nl-NL" dirty="0"/>
-          </a:p>
-          <a:p>
-            <a:pPr marL="0" marR="0" indent="0" algn="l" defTabSz="914400" rtl="0" eaLnBrk="1" fontAlgn="auto" latinLnBrk="0" hangingPunct="1">
-              <a:lnSpc>
-                <a:spcPct val="100000"/>
-              </a:lnSpc>
-              <a:spcBef>
-                <a:spcPts val="0"/>
-              </a:spcBef>
-              <a:spcAft>
-                <a:spcPts val="0"/>
-              </a:spcAft>
-              <a:buClrTx/>
-              <a:buSzTx/>
-              <a:buFontTx/>
-              <a:buNone/>
-              <a:tabLst/>
-              <a:defRPr/>
-            </a:pPr>
-            <a:r>
-              <a:rPr lang="nl-NL" b="1" baseline="0" dirty="0" smtClean="0">
-                <a:effectLst/>
-              </a:rPr>
-              <a:t>Bruggetje</a:t>
-            </a:r>
-          </a:p>
-          <a:p>
-            <a:pPr marL="0" marR="0" indent="0" algn="l" defTabSz="914400" rtl="0" eaLnBrk="1" fontAlgn="auto" latinLnBrk="0" hangingPunct="1">
-              <a:lnSpc>
-                <a:spcPct val="100000"/>
-              </a:lnSpc>
-              <a:spcBef>
-                <a:spcPts val="0"/>
-              </a:spcBef>
-              <a:spcAft>
-                <a:spcPts val="0"/>
-              </a:spcAft>
-              <a:buClrTx/>
-              <a:buSzTx/>
-              <a:buFontTx/>
-              <a:buNone/>
-              <a:tabLst/>
-              <a:defRPr/>
-            </a:pPr>
-            <a:r>
-              <a:rPr lang="nl-NL" baseline="0" dirty="0" smtClean="0">
-                <a:effectLst/>
-              </a:rPr>
-              <a:t>Kiezen</a:t>
-            </a:r>
-            <a:r>
-              <a:rPr lang="nl-NL" dirty="0" smtClean="0">
-                <a:effectLst/>
-              </a:rPr>
-              <a:t> we </a:t>
-            </a:r>
-            <a:r>
-              <a:rPr lang="nl-NL" baseline="0" dirty="0" smtClean="0">
-                <a:effectLst/>
-              </a:rPr>
-              <a:t>de Parijse grond</a:t>
-            </a:r>
-          </a:p>
-          <a:p>
-            <a:pPr marL="0" marR="0" indent="0" algn="l" defTabSz="914400" rtl="0" eaLnBrk="1" fontAlgn="auto" latinLnBrk="0" hangingPunct="1">
-              <a:lnSpc>
-                <a:spcPct val="100000"/>
-              </a:lnSpc>
-              <a:spcBef>
-                <a:spcPts val="0"/>
-              </a:spcBef>
-              <a:spcAft>
-                <a:spcPts val="0"/>
-              </a:spcAft>
-              <a:buClrTx/>
-              <a:buSzTx/>
-              <a:buFontTx/>
-              <a:buNone/>
-              <a:tabLst/>
-              <a:defRPr/>
-            </a:pPr>
-            <a:r>
-              <a:rPr lang="nl-NL" dirty="0" smtClean="0"/>
-              <a:t>Dan krijgen we enkele varianten met een vierkast raster</a:t>
-            </a:r>
-            <a:endParaRPr lang="nl-NL" baseline="0" dirty="0" smtClean="0">
-              <a:effectLst/>
-            </a:endParaRPr>
-          </a:p>
-          <a:p>
-            <a:pPr marL="0" marR="0" indent="0" algn="l" defTabSz="914400" rtl="0" eaLnBrk="1" fontAlgn="auto" latinLnBrk="0" hangingPunct="1">
-              <a:lnSpc>
-                <a:spcPct val="100000"/>
-              </a:lnSpc>
-              <a:spcBef>
-                <a:spcPts val="0"/>
-              </a:spcBef>
-              <a:spcAft>
-                <a:spcPts val="0"/>
-              </a:spcAft>
-              <a:buClrTx/>
-              <a:buSzTx/>
-              <a:buFontTx/>
-              <a:buNone/>
-              <a:tabLst/>
-              <a:defRPr/>
-            </a:pPr>
-            <a:endParaRPr lang="nl-NL" baseline="0" dirty="0" smtClean="0">
-              <a:effectLst/>
-            </a:endParaRPr>
-          </a:p>
-          <a:p>
-            <a:pPr marL="0" marR="0" indent="0" algn="l" defTabSz="914400" rtl="0" eaLnBrk="1" fontAlgn="auto" latinLnBrk="0" hangingPunct="1">
-              <a:lnSpc>
-                <a:spcPct val="100000"/>
-              </a:lnSpc>
-              <a:spcBef>
-                <a:spcPts val="0"/>
-              </a:spcBef>
-              <a:spcAft>
-                <a:spcPts val="0"/>
-              </a:spcAft>
-              <a:buClrTx/>
-              <a:buSzTx/>
-              <a:buFontTx/>
-              <a:buNone/>
-              <a:tabLst/>
-              <a:defRPr/>
-            </a:pPr>
-            <a:r>
-              <a:rPr lang="nl-NL" i="1" strike="noStrike" baseline="0" dirty="0" smtClean="0">
-                <a:effectLst/>
-              </a:rPr>
-              <a:t>Vraag en antwoord:</a:t>
-            </a:r>
-          </a:p>
-          <a:p>
-            <a:r>
-              <a:rPr lang="nl-NL" i="1" strike="noStrike" baseline="0" dirty="0" smtClean="0">
-                <a:effectLst/>
-              </a:rPr>
-              <a:t>Hoeveel voorbeelden zijn er?</a:t>
-            </a:r>
-          </a:p>
-          <a:p>
-            <a:endParaRPr lang="nl-NL" i="1" strike="noStrike" baseline="0" dirty="0" smtClean="0">
-              <a:effectLst/>
-            </a:endParaRPr>
-          </a:p>
-          <a:p>
-            <a:r>
-              <a:rPr lang="nl-NL" i="1" strike="noStrike" baseline="0" dirty="0" smtClean="0">
-                <a:effectLst/>
-              </a:rPr>
-              <a:t>374 paardiagrammen, gebaseerd op</a:t>
-            </a:r>
-          </a:p>
-          <a:p>
-            <a:pPr marL="0" marR="0" indent="0" algn="l" defTabSz="914400" rtl="0" eaLnBrk="1" fontAlgn="auto" latinLnBrk="0" hangingPunct="1">
-              <a:lnSpc>
-                <a:spcPct val="100000"/>
-              </a:lnSpc>
-              <a:spcBef>
-                <a:spcPts val="0"/>
-              </a:spcBef>
-              <a:spcAft>
-                <a:spcPts val="0"/>
-              </a:spcAft>
-              <a:buClrTx/>
-              <a:buSzTx/>
-              <a:buFontTx/>
-              <a:buNone/>
-              <a:tabLst/>
-              <a:defRPr/>
-            </a:pPr>
-            <a:r>
-              <a:rPr lang="nl-NL" i="1" strike="noStrike" baseline="0" dirty="0" smtClean="0">
-                <a:effectLst/>
-              </a:rPr>
-              <a:t>449 computer gegenereerde diagrammen.</a:t>
-            </a:r>
-          </a:p>
-          <a:p>
-            <a:pPr marL="0" marR="0" indent="0" algn="l" defTabSz="914400" rtl="0" eaLnBrk="1" fontAlgn="auto" latinLnBrk="0" hangingPunct="1">
-              <a:lnSpc>
-                <a:spcPct val="100000"/>
-              </a:lnSpc>
-              <a:spcBef>
-                <a:spcPts val="0"/>
-              </a:spcBef>
-              <a:spcAft>
-                <a:spcPts val="0"/>
-              </a:spcAft>
-              <a:buClrTx/>
-              <a:buSzTx/>
-              <a:buFontTx/>
-              <a:buNone/>
-              <a:tabLst/>
-              <a:defRPr/>
-            </a:pPr>
             <a:endParaRPr lang="nl-NL" baseline="0" dirty="0" smtClean="0">
               <a:effectLst/>
             </a:endParaRPr>
@@ -1516,6 +1275,98 @@
           <a:bodyPr/>
           <a:lstStyle/>
           <a:p>
+            <a:r>
+              <a:rPr lang="nl-NL" baseline="0" dirty="0" smtClean="0">
+                <a:effectLst/>
+              </a:rPr>
+              <a:t>Gebaseerd op tussenresultaten van promotie onderzoek door Veronika Irvine </a:t>
+            </a:r>
+            <a:r>
+              <a:rPr lang="nl-NL" dirty="0" smtClean="0"/>
+              <a:t>uit </a:t>
+            </a:r>
+            <a:r>
+              <a:rPr lang="nl-NL" baseline="0" dirty="0" smtClean="0">
+                <a:effectLst/>
+              </a:rPr>
+              <a:t>Canada</a:t>
+            </a:r>
+            <a:endParaRPr lang="nl-NL" baseline="0" dirty="0" smtClean="0">
+              <a:effectLst/>
+            </a:endParaRPr>
+          </a:p>
+          <a:p>
+            <a:endParaRPr lang="nl-NL" baseline="0" dirty="0" smtClean="0">
+              <a:effectLst/>
+            </a:endParaRPr>
+          </a:p>
+          <a:p>
+            <a:r>
+              <a:rPr lang="nl-NL" baseline="0" dirty="0" smtClean="0">
+                <a:effectLst/>
+              </a:rPr>
+              <a:t>GroundForge maakt de gaten in de schema’s zo rond mogelijk</a:t>
+            </a:r>
+          </a:p>
+          <a:p>
+            <a:r>
+              <a:rPr lang="nl-NL" dirty="0" smtClean="0"/>
+              <a:t>Er kunnen meerdere computer gegenereerde gronden bij een diagram horen</a:t>
+            </a:r>
+          </a:p>
+          <a:p>
+            <a:r>
+              <a:rPr lang="nl-NL" baseline="0" dirty="0" smtClean="0">
+                <a:effectLst/>
+              </a:rPr>
+              <a:t>Een</a:t>
+            </a:r>
+            <a:r>
+              <a:rPr lang="nl-NL" dirty="0" smtClean="0">
+                <a:effectLst/>
+              </a:rPr>
+              <a:t> animatie in een van de help pagina’s laat de transformatie van de ene variant naar de andere zien.</a:t>
+            </a:r>
+            <a:endParaRPr lang="nl-NL" baseline="0" dirty="0" smtClean="0">
+              <a:effectLst/>
+            </a:endParaRPr>
+          </a:p>
+          <a:p>
+            <a:endParaRPr lang="nl-NL" dirty="0" smtClean="0"/>
+          </a:p>
+          <a:p>
+            <a:pPr>
+              <a:defRPr/>
+            </a:pPr>
+            <a:r>
+              <a:rPr lang="nl-NL" b="1" dirty="0" smtClean="0"/>
+              <a:t>Aantallen</a:t>
+            </a:r>
+            <a:endParaRPr lang="nl-NL" b="1" dirty="0"/>
+          </a:p>
+          <a:p>
+            <a:r>
+              <a:rPr lang="nl-NL" dirty="0" smtClean="0"/>
+              <a:t>374 </a:t>
+            </a:r>
+            <a:r>
+              <a:rPr lang="nl-NL" dirty="0"/>
+              <a:t>paardiagrammen, gebaseerd op</a:t>
+            </a:r>
+          </a:p>
+          <a:p>
+            <a:pPr>
+              <a:defRPr/>
+            </a:pPr>
+            <a:r>
+              <a:rPr lang="nl-NL" dirty="0"/>
+              <a:t>449 computer gegenereerde diagrammen.</a:t>
+            </a:r>
+          </a:p>
+          <a:p>
+            <a:endParaRPr lang="nl-NL" dirty="0"/>
+          </a:p>
+          <a:p>
             <a:pPr marL="0" marR="0" indent="0" algn="l" defTabSz="914400" rtl="0" eaLnBrk="1" fontAlgn="auto" latinLnBrk="0" hangingPunct="1">
               <a:lnSpc>
                 <a:spcPct val="100000"/>
@@ -1534,10 +1385,10 @@
               <a:defRPr/>
             </a:pPr>
             <a:r>
-              <a:rPr lang="nl-NL" baseline="0" dirty="0" smtClean="0">
+              <a:rPr lang="nl-NL" b="1" baseline="0" dirty="0" smtClean="0">
                 <a:effectLst/>
               </a:rPr>
-              <a:t>Downloaden en nabewerken met een SVG editor, of natekenen en evt. op een of andere manier vervormen</a:t>
+              <a:t>Bruggetje</a:t>
             </a:r>
           </a:p>
           <a:p>
@@ -1562,8 +1413,46 @@
               <a:rPr lang="nl-NL" baseline="0" dirty="0" smtClean="0">
                 <a:effectLst/>
               </a:rPr>
-              <a:t>Voor de gewenste kantbrief</a:t>
-            </a:r>
+              <a:t>Kiezen</a:t>
+            </a:r>
+            <a:r>
+              <a:rPr lang="nl-NL" dirty="0" smtClean="0">
+                <a:effectLst/>
+              </a:rPr>
+              <a:t> we </a:t>
+            </a:r>
+            <a:r>
+              <a:rPr lang="nl-NL" baseline="0" dirty="0" smtClean="0">
+                <a:effectLst/>
+              </a:rPr>
+              <a:t>de Parijse grond</a:t>
+            </a:r>
+          </a:p>
+          <a:p>
+            <a:pPr marL="0" marR="0" indent="0" algn="l" defTabSz="914400" rtl="0" eaLnBrk="1" fontAlgn="auto" latinLnBrk="0" hangingPunct="1">
+              <a:lnSpc>
+                <a:spcPct val="100000"/>
+              </a:lnSpc>
+              <a:spcBef>
+                <a:spcPts val="0"/>
+              </a:spcBef>
+              <a:spcAft>
+                <a:spcPts val="0"/>
+              </a:spcAft>
+              <a:buClrTx/>
+              <a:buSzTx/>
+              <a:buFontTx/>
+              <a:buNone/>
+              <a:tabLst/>
+              <a:defRPr/>
+            </a:pPr>
+            <a:r>
+              <a:rPr lang="nl-NL" dirty="0" smtClean="0"/>
+              <a:t>Dan krijgen we enkele varianten met een vierkast raster</a:t>
+            </a:r>
+            <a:endParaRPr lang="nl-NL" baseline="0" dirty="0" smtClean="0">
+              <a:effectLst/>
+            </a:endParaRPr>
           </a:p>
           <a:p>
             <a:pPr marL="0" marR="0" indent="0" algn="l" defTabSz="914400" rtl="0" eaLnBrk="1" fontAlgn="auto" latinLnBrk="0" hangingPunct="1">
@@ -1605,39 +1494,9 @@
               <a:tabLst/>
               <a:defRPr/>
             </a:pPr>
-            <a:r>
-              <a:rPr lang="nl-NL" b="1" dirty="0" smtClean="0"/>
-              <a:t>Bruggetje</a:t>
-            </a:r>
-            <a:r>
-              <a:rPr lang="nl-NL" dirty="0" smtClean="0"/>
-              <a:t>:</a:t>
-            </a:r>
-          </a:p>
-          <a:p>
-            <a:pPr marL="0" marR="0" indent="0" algn="l" defTabSz="914400" rtl="0" eaLnBrk="1" fontAlgn="auto" latinLnBrk="0" hangingPunct="1">
-              <a:lnSpc>
-                <a:spcPct val="100000"/>
-              </a:lnSpc>
-              <a:spcBef>
-                <a:spcPts val="0"/>
-              </a:spcBef>
-              <a:spcAft>
-                <a:spcPts val="0"/>
-              </a:spcAft>
-              <a:buClrTx/>
-              <a:buSzTx/>
-              <a:buFontTx/>
-              <a:buNone/>
-              <a:tabLst/>
-              <a:defRPr/>
-            </a:pPr>
-            <a:r>
-              <a:rPr lang="nl-NL" baseline="0" dirty="0" smtClean="0">
-                <a:effectLst/>
-              </a:rPr>
-              <a:t>We zoomen verder in op het uitgelichte rapport van het rechter patroon</a:t>
-            </a:r>
+            <a:endParaRPr lang="nl-NL" baseline="0" dirty="0" smtClean="0">
+              <a:effectLst/>
+            </a:endParaRPr>
           </a:p>
         </p:txBody>
       </p:sp>
@@ -1667,7 +1526,7 @@
     </p:spTree>
     <p:extLst>
       <p:ext uri="{BB962C8B-B14F-4D97-AF65-F5344CB8AC3E}">
-        <p14:creationId xmlns:p14="http://schemas.microsoft.com/office/powerpoint/2010/main" val="4263791989"/>
+        <p14:creationId xmlns:p14="http://schemas.microsoft.com/office/powerpoint/2010/main" val="846069162"/>
       </p:ext>
     </p:extLst>
   </p:cSld>
@@ -1721,115 +1580,6 @@
           <a:bodyPr/>
           <a:lstStyle/>
           <a:p>
-            <a:r>
-              <a:rPr lang="nl-NL" dirty="0" smtClean="0">
-                <a:effectLst/>
-              </a:rPr>
-              <a:t>Kantbrief: wat je geplastificeerd</a:t>
-            </a:r>
-            <a:r>
-              <a:rPr lang="nl-NL" baseline="0" dirty="0" smtClean="0">
-                <a:effectLst/>
-              </a:rPr>
-              <a:t> op je kussen prikt.</a:t>
-            </a:r>
-            <a:endParaRPr lang="nl-NL" dirty="0" smtClean="0">
-              <a:effectLst/>
-            </a:endParaRPr>
-          </a:p>
-          <a:p>
-            <a:endParaRPr lang="nl-NL" dirty="0" smtClean="0">
-              <a:effectLst/>
-            </a:endParaRPr>
-          </a:p>
-          <a:p>
-            <a:r>
-              <a:rPr lang="nl-NL" dirty="0" smtClean="0">
-                <a:effectLst/>
-              </a:rPr>
-              <a:t>Bovenste rij afbeeldingen wat je</a:t>
-            </a:r>
-            <a:r>
-              <a:rPr lang="nl-NL" baseline="0" dirty="0" smtClean="0">
-                <a:effectLst/>
-              </a:rPr>
-              <a:t> van GroundForge krijgt.</a:t>
-            </a:r>
-          </a:p>
-          <a:p>
-            <a:r>
-              <a:rPr lang="nl-NL" baseline="0" dirty="0" smtClean="0">
-                <a:effectLst/>
-              </a:rPr>
-              <a:t>Er telkens onder wat je misschien wilt hebben, of een tussenstap.</a:t>
-            </a:r>
-          </a:p>
-          <a:p>
-            <a:r>
-              <a:rPr lang="nl-NL" baseline="0" dirty="0" smtClean="0">
-                <a:effectLst/>
-              </a:rPr>
-              <a:t>Linksonder als in: Kant uit Vlaanderen en ‘s Gravenmoer.</a:t>
-            </a:r>
-          </a:p>
-          <a:p>
-            <a:endParaRPr lang="nl-NL" baseline="0" dirty="0" smtClean="0">
-              <a:effectLst/>
-            </a:endParaRPr>
-          </a:p>
-          <a:p>
-            <a:r>
-              <a:rPr lang="nl-NL" i="1" baseline="0" dirty="0" smtClean="0">
-                <a:effectLst/>
-              </a:rPr>
-              <a:t>Afbeelding gemaakt met:</a:t>
-            </a:r>
-          </a:p>
-          <a:p>
-            <a:pPr lvl="1"/>
-            <a:r>
-              <a:rPr lang="nl-NL" i="0" dirty="0" smtClean="0">
-                <a:effectLst/>
-                <a:latin typeface="Consolas" panose="020B0609020204030204" pitchFamily="49" charset="0"/>
-                <a:cs typeface="Consolas" panose="020B0609020204030204" pitchFamily="49" charset="0"/>
-              </a:rPr>
-              <a:t>-5--</a:t>
-            </a:r>
-          </a:p>
-          <a:p>
-            <a:pPr lvl="1"/>
-            <a:r>
-              <a:rPr lang="nl-NL" i="0" dirty="0" smtClean="0">
-                <a:effectLst/>
-                <a:latin typeface="Consolas" panose="020B0609020204030204" pitchFamily="49" charset="0"/>
-                <a:cs typeface="Consolas" panose="020B0609020204030204" pitchFamily="49" charset="0"/>
-              </a:rPr>
-              <a:t>B-C-</a:t>
-            </a:r>
-          </a:p>
-          <a:p>
-            <a:pPr lvl="1"/>
-            <a:r>
-              <a:rPr lang="nl-NL" i="0" dirty="0" smtClean="0">
-                <a:effectLst/>
-                <a:latin typeface="Consolas" panose="020B0609020204030204" pitchFamily="49" charset="0"/>
-                <a:cs typeface="Consolas" panose="020B0609020204030204" pitchFamily="49" charset="0"/>
-              </a:rPr>
-              <a:t>-5-5</a:t>
-            </a:r>
-          </a:p>
-          <a:p>
-            <a:pPr lvl="1"/>
-            <a:r>
-              <a:rPr lang="nl-NL" i="0" dirty="0" smtClean="0">
-                <a:effectLst/>
-                <a:latin typeface="Consolas" panose="020B0609020204030204" pitchFamily="49" charset="0"/>
-                <a:cs typeface="Consolas" panose="020B0609020204030204" pitchFamily="49" charset="0"/>
-              </a:rPr>
-              <a:t>5-5-</a:t>
-            </a:r>
-          </a:p>
-          <a:p>
             <a:pPr marL="0" marR="0" indent="0" algn="l" defTabSz="914400" rtl="0" eaLnBrk="1" fontAlgn="auto" latinLnBrk="0" hangingPunct="1">
               <a:lnSpc>
                 <a:spcPct val="100000"/>
@@ -1848,68 +1598,117 @@
               <a:defRPr/>
             </a:pPr>
             <a:r>
-              <a:rPr lang="nl-NL" i="1" baseline="0" dirty="0" smtClean="0">
+              <a:rPr lang="nl-NL" baseline="0" dirty="0" smtClean="0">
                 <a:effectLst/>
               </a:rPr>
-              <a:t>Brick (baksteen); Stitches (s</a:t>
-            </a:r>
-            <a:r>
-              <a:rPr lang="nl-NL" i="1" dirty="0" smtClean="0">
+              <a:t>Variaties zijn beperkt door een vierkant raster.</a:t>
+            </a:r>
+          </a:p>
+          <a:p>
+            <a:pPr>
+              <a:defRPr/>
+            </a:pPr>
+            <a:r>
+              <a:rPr lang="nl-NL" baseline="0" dirty="0" smtClean="0">
                 <a:effectLst/>
               </a:rPr>
-              <a:t>lagen): ct b1=ctptct d1=ctptct A2=ctpl C2=ctpr A4=ctl C4=ctr D1=ctptctt</a:t>
-            </a:r>
-          </a:p>
-          <a:p>
-            <a:endParaRPr lang="nl-NL" i="1" dirty="0" smtClean="0">
-              <a:effectLst/>
-            </a:endParaRPr>
-          </a:p>
-          <a:p>
-            <a:r>
-              <a:rPr lang="nl-NL" i="1" dirty="0" smtClean="0">
-                <a:effectLst/>
-              </a:rPr>
-              <a:t>Alle draden zwart, 7 en 10 rood</a:t>
-            </a:r>
-          </a:p>
-          <a:p>
-            <a:endParaRPr lang="nl-NL" i="1" baseline="0" dirty="0" smtClean="0">
-              <a:effectLst/>
-            </a:endParaRPr>
-          </a:p>
-          <a:p>
-            <a:r>
-              <a:rPr lang="nl-NL" i="1" baseline="0" dirty="0" smtClean="0">
-                <a:effectLst/>
-              </a:rPr>
-              <a:t>Probeer ook eens een dubbelle  netslag of omkeerslag in het midden</a:t>
-            </a:r>
-          </a:p>
-          <a:p>
-            <a:r>
-              <a:rPr lang="nl-NL" i="1" baseline="0" dirty="0" smtClean="0">
-                <a:effectLst/>
-              </a:rPr>
-              <a:t>C=cross=kruisen, t=twist=draaien, p=pin=speld.</a:t>
-            </a:r>
-            <a:r>
-              <a:rPr lang="nl-NL" i="1" dirty="0" smtClean="0">
+              <a:t>Zelf kun je meer vervormingen toepassen</a:t>
+            </a:r>
+            <a:r>
+              <a:rPr lang="nl-NL" dirty="0" smtClean="0">
                 <a:effectLst/>
               </a:rPr>
               <a:t> </a:t>
             </a:r>
             <a:r>
-              <a:rPr lang="nl-NL" i="1" baseline="0" dirty="0" smtClean="0">
+              <a:rPr lang="nl-NL" dirty="0" smtClean="0"/>
+              <a:t>voor </a:t>
+            </a:r>
+            <a:r>
+              <a:rPr lang="nl-NL" dirty="0"/>
+              <a:t>de gewenste </a:t>
+            </a:r>
+            <a:r>
+              <a:rPr lang="nl-NL" dirty="0" smtClean="0"/>
+              <a:t>kantbrief.</a:t>
+            </a:r>
+            <a:endParaRPr lang="nl-NL" baseline="0" dirty="0" smtClean="0">
+              <a:effectLst/>
+            </a:endParaRPr>
+          </a:p>
+          <a:p>
+            <a:pPr marL="0" marR="0" indent="0" algn="l" defTabSz="914400" rtl="0" eaLnBrk="1" fontAlgn="auto" latinLnBrk="0" hangingPunct="1">
+              <a:lnSpc>
+                <a:spcPct val="100000"/>
+              </a:lnSpc>
+              <a:spcBef>
+                <a:spcPts val="0"/>
+              </a:spcBef>
+              <a:spcAft>
+                <a:spcPts val="0"/>
+              </a:spcAft>
+              <a:buClrTx/>
+              <a:buSzTx/>
+              <a:buFontTx/>
+              <a:buNone/>
+              <a:tabLst/>
+              <a:defRPr/>
+            </a:pPr>
+            <a:endParaRPr lang="nl-NL" baseline="0" dirty="0" smtClean="0">
+              <a:effectLst/>
+            </a:endParaRPr>
+          </a:p>
+          <a:p>
+            <a:pPr marL="0" marR="0" indent="0" algn="l" defTabSz="914400" rtl="0" eaLnBrk="1" fontAlgn="auto" latinLnBrk="0" hangingPunct="1">
+              <a:lnSpc>
+                <a:spcPct val="100000"/>
+              </a:lnSpc>
+              <a:spcBef>
+                <a:spcPts val="0"/>
+              </a:spcBef>
+              <a:spcAft>
+                <a:spcPts val="0"/>
+              </a:spcAft>
+              <a:buClrTx/>
+              <a:buSzTx/>
+              <a:buFontTx/>
+              <a:buNone/>
+              <a:tabLst/>
+              <a:defRPr/>
+            </a:pPr>
+            <a:r>
+              <a:rPr lang="nl-NL" b="1" dirty="0" smtClean="0"/>
+              <a:t>Bruggetje</a:t>
+            </a:r>
+            <a:r>
+              <a:rPr lang="nl-NL" dirty="0" smtClean="0"/>
+              <a:t>:</a:t>
+            </a:r>
+          </a:p>
+          <a:p>
+            <a:pPr marL="0" marR="0" indent="0" algn="l" defTabSz="914400" rtl="0" eaLnBrk="1" fontAlgn="auto" latinLnBrk="0" hangingPunct="1">
+              <a:lnSpc>
+                <a:spcPct val="100000"/>
+              </a:lnSpc>
+              <a:spcBef>
+                <a:spcPts val="0"/>
+              </a:spcBef>
+              <a:spcAft>
+                <a:spcPts val="0"/>
+              </a:spcAft>
+              <a:buClrTx/>
+              <a:buSzTx/>
+              <a:buFontTx/>
+              <a:buNone/>
+              <a:tabLst/>
+              <a:defRPr/>
+            </a:pPr>
+            <a:r>
+              <a:rPr lang="nl-NL" baseline="0" dirty="0" smtClean="0">
                 <a:effectLst/>
               </a:rPr>
-              <a:t>Meestal gaan spelden niet zo goed.</a:t>
-            </a:r>
-          </a:p>
-          <a:p>
-            <a:endParaRPr lang="nl-NL" i="1" dirty="0" smtClean="0">
-              <a:effectLst/>
-            </a:endParaRPr>
+              <a:t>We zoomen verder in op het uitgelichte rapport van het rechter patroon</a:t>
+            </a:r>
           </a:p>
         </p:txBody>
       </p:sp>
@@ -1997,245 +1796,232 @@
               <a:rPr lang="nl-NL" dirty="0" smtClean="0">
                 <a:effectLst/>
               </a:rPr>
-              <a:t>Concept</a:t>
+              <a:t>Zie ook Engelse introductie in de help pagina’s</a:t>
+            </a:r>
+          </a:p>
+          <a:p>
+            <a:endParaRPr lang="nl-NL" dirty="0" smtClean="0">
+              <a:effectLst/>
+            </a:endParaRPr>
+          </a:p>
+          <a:p>
+            <a:r>
+              <a:rPr lang="nl-NL" dirty="0" smtClean="0">
+                <a:effectLst/>
+              </a:rPr>
+              <a:t>Kantbrief/</a:t>
+            </a:r>
+            <a:r>
+              <a:rPr lang="nl-NL" dirty="0" err="1" smtClean="0">
+                <a:effectLst/>
+              </a:rPr>
+              <a:t>pricking</a:t>
+            </a:r>
+            <a:r>
+              <a:rPr lang="nl-NL" dirty="0" smtClean="0">
+                <a:effectLst/>
+              </a:rPr>
+              <a:t>: </a:t>
+            </a:r>
+            <a:r>
+              <a:rPr lang="nl-NL" dirty="0" smtClean="0">
+                <a:effectLst/>
+              </a:rPr>
+              <a:t>wat je geplastificeerd</a:t>
             </a:r>
             <a:r>
               <a:rPr lang="nl-NL" baseline="0" dirty="0" smtClean="0">
                 <a:effectLst/>
               </a:rPr>
-              <a:t> downloaden voor SVG editor (CorelDraw </a:t>
-            </a:r>
-            <a:r>
-              <a:rPr lang="nl-NL" dirty="0" smtClean="0"/>
-              <a:t>💰 </a:t>
+              <a:t> op je kussen prikt.</a:t>
+            </a:r>
+            <a:endParaRPr lang="nl-NL" dirty="0" smtClean="0">
+              <a:effectLst/>
+            </a:endParaRPr>
+          </a:p>
+          <a:p>
+            <a:endParaRPr lang="nl-NL" dirty="0" smtClean="0">
+              <a:effectLst/>
+            </a:endParaRPr>
+          </a:p>
+          <a:p>
+            <a:r>
+              <a:rPr lang="nl-NL" dirty="0" smtClean="0">
+                <a:effectLst/>
+              </a:rPr>
+              <a:t>Bovenste rij afbeeldingen wat je</a:t>
             </a:r>
             <a:r>
               <a:rPr lang="nl-NL" baseline="0" dirty="0" smtClean="0">
                 <a:effectLst/>
               </a:rPr>
-              <a:t>, Adobe Illustrator</a:t>
-            </a:r>
-            <a:r>
-              <a:rPr lang="nl-NL" dirty="0" smtClean="0"/>
-              <a:t>💰, </a:t>
-            </a:r>
+              <a:t> van GroundForge krijgt.</a:t>
+            </a:r>
+          </a:p>
+          <a:p>
             <a:r>
               <a:rPr lang="nl-NL" baseline="0" dirty="0" smtClean="0">
                 <a:effectLst/>
               </a:rPr>
-              <a:t>InkScape)</a:t>
-            </a:r>
-            <a:endParaRPr lang="nl-NL" dirty="0" smtClean="0">
-              <a:effectLst/>
-            </a:endParaRPr>
-          </a:p>
-          <a:p>
-            <a:r>
-              <a:rPr lang="nl-NL" dirty="0" smtClean="0">
-                <a:effectLst/>
-              </a:rPr>
-              <a:t>Knipling/Lace</a:t>
-            </a:r>
-            <a:r>
-              <a:rPr lang="nl-NL" sz="1400" baseline="30000" dirty="0" smtClean="0">
-                <a:effectLst/>
-              </a:rPr>
-              <a:t>8</a:t>
-            </a:r>
-            <a:r>
-              <a:rPr lang="nl-NL" sz="1400" dirty="0" smtClean="0">
-                <a:effectLst/>
-              </a:rPr>
-              <a:t>/</a:t>
-            </a:r>
-            <a:r>
-              <a:rPr lang="nl-NL" dirty="0" smtClean="0">
-                <a:effectLst/>
-              </a:rPr>
-              <a:t>Lace</a:t>
-            </a:r>
-            <a:r>
-              <a:rPr lang="nl-NL" sz="1200" baseline="30000" dirty="0" smtClean="0">
-                <a:effectLst/>
-              </a:rPr>
-              <a:t>X-RP</a:t>
-            </a:r>
-            <a:r>
-              <a:rPr lang="nl-NL" dirty="0" smtClean="0">
-                <a:effectLst/>
-              </a:rPr>
-              <a:t> begrijpen de download niet: 1 rapport natekenen</a:t>
-            </a:r>
-          </a:p>
-          <a:p>
-            <a:r>
-              <a:rPr lang="nl-NL" dirty="0" smtClean="0">
-                <a:effectLst/>
-              </a:rPr>
-              <a:t>Kleuren helpen</a:t>
-            </a:r>
+              <a:t>Er telkens onder wat je misschien wilt hebben, of een tussenstap.</a:t>
+            </a:r>
+          </a:p>
+          <a:p>
             <a:r>
               <a:rPr lang="nl-NL" baseline="0" dirty="0" smtClean="0">
                 <a:effectLst/>
               </a:rPr>
-              <a:t> meerdere rapporten aan elkaar plakken</a:t>
-            </a:r>
-          </a:p>
-          <a:p>
-            <a:endParaRPr lang="nl-NL" dirty="0" smtClean="0"/>
-          </a:p>
-          <a:p>
-            <a:r>
-              <a:rPr lang="nl-NL" dirty="0" smtClean="0"/>
-              <a:t>Je kunt ook kruispunten verplaatsen.</a:t>
-            </a:r>
-          </a:p>
-          <a:p>
-            <a:r>
-              <a:rPr lang="nl-NL" dirty="0" smtClean="0">
+              <a:t>Linksonder als in: Kant uit Vlaanderen en ‘s Gravenmoer.</a:t>
+            </a:r>
+          </a:p>
+          <a:p>
+            <a:endParaRPr lang="nl-NL" baseline="0" dirty="0" smtClean="0">
+              <a:effectLst/>
+            </a:endParaRPr>
+          </a:p>
+          <a:p>
+            <a:r>
+              <a:rPr lang="nl-NL" i="1" baseline="0" dirty="0" smtClean="0">
                 <a:effectLst/>
               </a:rPr>
-              <a:t>Zelfde kleuren </a:t>
-            </a:r>
-            <a:r>
-              <a:rPr lang="nl-NL" dirty="0" smtClean="0">
+              <a:t>Afbeelding gemaakt </a:t>
+            </a:r>
+            <a:r>
+              <a:rPr lang="nl-NL" i="1" baseline="0" dirty="0" smtClean="0">
                 <a:effectLst/>
-                <a:sym typeface="Wingdings" panose="05000000000000000000" pitchFamily="2" charset="2"/>
               </a:rPr>
-              <a:t> zelfde verplaatsing</a:t>
-            </a:r>
-            <a:r>
-              <a:rPr lang="nl-NL" dirty="0" smtClean="0">
+              <a:t>op de hoofdpagina met</a:t>
+            </a:r>
+            <a:r>
+              <a:rPr lang="nl-NL" i="1" baseline="0" dirty="0" smtClean="0">
+                <a:effectLst/>
+              </a:rPr>
+              <a:t>:</a:t>
+            </a:r>
+          </a:p>
+          <a:p>
+            <a:pPr lvl="1"/>
+            <a:r>
+              <a:rPr lang="nl-NL" i="0" dirty="0" smtClean="0">
+                <a:effectLst/>
+                <a:latin typeface="Consolas" panose="020B0609020204030204" pitchFamily="49" charset="0"/>
+                <a:cs typeface="Consolas" panose="020B0609020204030204" pitchFamily="49" charset="0"/>
+              </a:rPr>
+              <a:t>-5--</a:t>
+            </a:r>
+          </a:p>
+          <a:p>
+            <a:pPr lvl="1"/>
+            <a:r>
+              <a:rPr lang="nl-NL" i="0" dirty="0" smtClean="0">
+                <a:effectLst/>
+                <a:latin typeface="Consolas" panose="020B0609020204030204" pitchFamily="49" charset="0"/>
+                <a:cs typeface="Consolas" panose="020B0609020204030204" pitchFamily="49" charset="0"/>
+              </a:rPr>
+              <a:t>B-C-</a:t>
+            </a:r>
+          </a:p>
+          <a:p>
+            <a:pPr lvl="1"/>
+            <a:r>
+              <a:rPr lang="nl-NL" i="0" dirty="0" smtClean="0">
+                <a:effectLst/>
+                <a:latin typeface="Consolas" panose="020B0609020204030204" pitchFamily="49" charset="0"/>
+                <a:cs typeface="Consolas" panose="020B0609020204030204" pitchFamily="49" charset="0"/>
+              </a:rPr>
+              <a:t>-5-5</a:t>
+            </a:r>
+          </a:p>
+          <a:p>
+            <a:pPr lvl="1"/>
+            <a:r>
+              <a:rPr lang="nl-NL" i="0" dirty="0" smtClean="0">
+                <a:effectLst/>
+                <a:latin typeface="Consolas" panose="020B0609020204030204" pitchFamily="49" charset="0"/>
+                <a:cs typeface="Consolas" panose="020B0609020204030204" pitchFamily="49" charset="0"/>
+              </a:rPr>
+              <a:t>5-5-</a:t>
+            </a:r>
+          </a:p>
+          <a:p>
+            <a:pPr marL="0" marR="0" indent="0" algn="l" defTabSz="914400" rtl="0" eaLnBrk="1" fontAlgn="auto" latinLnBrk="0" hangingPunct="1">
+              <a:lnSpc>
+                <a:spcPct val="100000"/>
+              </a:lnSpc>
+              <a:spcBef>
+                <a:spcPts val="0"/>
+              </a:spcBef>
+              <a:spcAft>
+                <a:spcPts val="0"/>
+              </a:spcAft>
+              <a:buClrTx/>
+              <a:buSzTx/>
+              <a:buFontTx/>
+              <a:buNone/>
+              <a:tabLst/>
+              <a:defRPr/>
+            </a:pPr>
+            <a:r>
+              <a:rPr lang="nl-NL" i="1" baseline="0" dirty="0" smtClean="0">
+                <a:effectLst/>
+              </a:rPr>
+              <a:t>Brick (baksteen); Stitches (s</a:t>
+            </a:r>
+            <a:r>
+              <a:rPr lang="nl-NL" i="1" dirty="0" smtClean="0">
+                <a:effectLst/>
+              </a:rPr>
+              <a:t>lagen): ct b1=ctptct d1=ctptct A2=ctpl C2=ctpr A4=ctl C4=ctr D1=ctptctt</a:t>
+            </a:r>
+          </a:p>
+          <a:p>
+            <a:endParaRPr lang="nl-NL" i="1" dirty="0" smtClean="0">
+              <a:effectLst/>
+            </a:endParaRPr>
+          </a:p>
+          <a:p>
+            <a:r>
+              <a:rPr lang="nl-NL" i="1" dirty="0" smtClean="0">
+                <a:effectLst/>
+              </a:rPr>
+              <a:t>Alle draden zwart, 7 en 10 rood</a:t>
+            </a:r>
+          </a:p>
+          <a:p>
+            <a:endParaRPr lang="nl-NL" i="1" baseline="0" dirty="0" smtClean="0">
+              <a:effectLst/>
+            </a:endParaRPr>
+          </a:p>
+          <a:p>
+            <a:r>
+              <a:rPr lang="nl-NL" i="1" baseline="0" dirty="0" smtClean="0">
+                <a:effectLst/>
+              </a:rPr>
+              <a:t>Probeer ook eens een dubbelle  netslag of omkeerslag in het midden</a:t>
+            </a:r>
+          </a:p>
+          <a:p>
+            <a:r>
+              <a:rPr lang="nl-NL" i="1" baseline="0" dirty="0" smtClean="0">
+                <a:effectLst/>
+              </a:rPr>
+              <a:t>C=cross=kruisen, t=twist=draaien, p=pin=speld.</a:t>
+            </a:r>
+            <a:r>
+              <a:rPr lang="nl-NL" i="1" dirty="0" smtClean="0">
                 <a:effectLst/>
               </a:rPr>
               <a:t> </a:t>
             </a:r>
-          </a:p>
-          <a:p>
-            <a:r>
-              <a:rPr lang="nl-NL" dirty="0" smtClean="0">
+            <a:r>
+              <a:rPr lang="nl-NL" i="1" baseline="0" dirty="0" smtClean="0">
                 <a:effectLst/>
               </a:rPr>
-              <a:t>Het donkerblauwe bolletje rechtsboven zit ook midden-onder</a:t>
-            </a:r>
-          </a:p>
-          <a:p>
-            <a:r>
-              <a:rPr lang="nl-NL" dirty="0" smtClean="0">
-                <a:effectLst/>
-              </a:rPr>
-              <a:t> en kan daardoor hooguit een half hokje verschuiven.</a:t>
-            </a:r>
-          </a:p>
-          <a:p>
-            <a:endParaRPr lang="nl-NL" baseline="0" dirty="0" smtClean="0">
-              <a:effectLst/>
-            </a:endParaRPr>
-          </a:p>
-          <a:p>
-            <a:r>
-              <a:rPr lang="nl-NL" baseline="0" dirty="0" smtClean="0">
-                <a:effectLst/>
-              </a:rPr>
-              <a:t>Met promotieonderzoek alle(?) combinaties tot 4x4 opgezocht</a:t>
-            </a:r>
-          </a:p>
-          <a:p>
-            <a:r>
-              <a:rPr lang="nl-NL" dirty="0" smtClean="0">
-                <a:effectLst/>
-                <a:sym typeface="Wingdings" panose="05000000000000000000" pitchFamily="2" charset="2"/>
-              </a:rPr>
-              <a:t> enkele</a:t>
-            </a:r>
-            <a:r>
-              <a:rPr lang="nl-NL" baseline="0" dirty="0" smtClean="0">
-                <a:effectLst/>
-              </a:rPr>
-              <a:t> </a:t>
-            </a:r>
-            <a:r>
-              <a:rPr lang="nl-NL" dirty="0" smtClean="0"/>
-              <a:t>honderden rondgetrokken tesselace</a:t>
-            </a:r>
-            <a:r>
-              <a:rPr lang="nl-NL" baseline="0" dirty="0" smtClean="0"/>
-              <a:t> </a:t>
-            </a:r>
-            <a:r>
-              <a:rPr lang="nl-NL" dirty="0" smtClean="0"/>
-              <a:t>diagrammen</a:t>
-            </a:r>
-          </a:p>
-          <a:p>
-            <a:r>
-              <a:rPr lang="nl-NL" dirty="0" smtClean="0"/>
-              <a:t>5x4: zo veel dat je met een 1 sec per stuk minstens een dag bezig</a:t>
-            </a:r>
-            <a:r>
-              <a:rPr lang="nl-NL" baseline="0" dirty="0" smtClean="0"/>
-              <a:t> bent,</a:t>
-            </a:r>
-          </a:p>
-          <a:p>
-            <a:r>
-              <a:rPr lang="nl-NL" baseline="0" dirty="0" smtClean="0"/>
-              <a:t> veel daarvan is meer van bijna hetzelfde</a:t>
-            </a:r>
-            <a:endParaRPr lang="nl-NL" dirty="0" smtClean="0"/>
-          </a:p>
-          <a:p>
-            <a:endParaRPr lang="nl-NL" dirty="0" smtClean="0"/>
-          </a:p>
-          <a:p>
-            <a:r>
-              <a:rPr lang="nl-NL" dirty="0" smtClean="0"/>
-              <a:t>Binche gronden passen niet in 4x4,</a:t>
-            </a:r>
-            <a:r>
-              <a:rPr lang="nl-NL" baseline="0" dirty="0" smtClean="0"/>
-              <a:t> d</a:t>
-            </a:r>
-            <a:r>
-              <a:rPr lang="nl-NL" baseline="0" dirty="0" smtClean="0">
-                <a:effectLst/>
-              </a:rPr>
-              <a:t>ie kun je wel zelf maken</a:t>
-            </a:r>
-          </a:p>
-          <a:p>
-            <a:r>
-              <a:rPr lang="nl-NL" baseline="0" dirty="0" smtClean="0">
-                <a:effectLst/>
-              </a:rPr>
-              <a:t>Spiekbriefje in de handleiding (toegepast in MAE-gf en Whiting index)</a:t>
-            </a:r>
-          </a:p>
-          <a:p>
-            <a:endParaRPr lang="nl-NL" baseline="0" dirty="0" smtClean="0">
-              <a:effectLst/>
-            </a:endParaRPr>
-          </a:p>
-          <a:p>
-            <a:r>
-              <a:rPr lang="nl-NL" i="0" dirty="0" smtClean="0"/>
-              <a:t>Horizontale of verticale verbinding zijn één of twee hokjes lang.</a:t>
-            </a:r>
-          </a:p>
-          <a:p>
-            <a:r>
-              <a:rPr lang="nl-NL" i="0" dirty="0" smtClean="0"/>
-              <a:t>Diagonale verbindingen zijn altijd één hokje.</a:t>
-            </a:r>
-          </a:p>
-          <a:p>
-            <a:r>
-              <a:rPr lang="nl-NL" i="0" dirty="0" smtClean="0"/>
-              <a:t>Boven (C) en (B) is eigenlijk ook nog een (-) nodig</a:t>
-            </a:r>
-          </a:p>
-          <a:p>
-            <a:endParaRPr lang="nl-NL" baseline="0" dirty="0" smtClean="0">
+              <a:t>Meestal gaan spelden niet zo goed.</a:t>
+            </a:r>
+          </a:p>
+          <a:p>
+            <a:endParaRPr lang="nl-NL" i="1" dirty="0" smtClean="0">
               <a:effectLst/>
             </a:endParaRPr>
           </a:p>
@@ -2321,37 +2107,288 @@
           <a:bodyPr/>
           <a:lstStyle/>
           <a:p>
-            <a:endParaRPr lang="nl-NL" dirty="0" smtClean="0">
-              <a:effectLst/>
-            </a:endParaRPr>
-          </a:p>
-          <a:p>
-            <a:r>
-              <a:rPr lang="nl-NL" b="1" dirty="0" smtClean="0">
-                <a:effectLst/>
-              </a:rPr>
-              <a:t>bruggetje</a:t>
-            </a:r>
-          </a:p>
-          <a:p>
             <a:r>
               <a:rPr lang="nl-NL" dirty="0" smtClean="0">
                 <a:effectLst/>
               </a:rPr>
-              <a:t>gebruik het dradenschema voor een 2</a:t>
-            </a:r>
-            <a:r>
-              <a:rPr lang="nl-NL" baseline="30000" dirty="0" smtClean="0">
+              <a:t>Concept</a:t>
+            </a:r>
+            <a:r>
+              <a:rPr lang="nl-NL" baseline="0" dirty="0" smtClean="0">
                 <a:effectLst/>
               </a:rPr>
-              <a:t>e</a:t>
+              <a:t> downloaden voor SVG </a:t>
+            </a:r>
+            <a:r>
+              <a:rPr lang="nl-NL" baseline="0" dirty="0" smtClean="0">
+                <a:effectLst/>
+              </a:rPr>
+              <a:t>editor:</a:t>
+            </a:r>
+          </a:p>
+          <a:p>
+            <a:r>
+              <a:rPr lang="nl-NL" dirty="0" err="1"/>
+              <a:t>CorelDraw</a:t>
+            </a:r>
+            <a:r>
+              <a:rPr lang="nl-NL" dirty="0"/>
+              <a:t> 💰 , Adobe Illustrator💰, </a:t>
+            </a:r>
+            <a:r>
+              <a:rPr lang="nl-NL" dirty="0" err="1"/>
+              <a:t>InkScape</a:t>
+            </a:r>
+            <a:r>
+              <a:rPr lang="nl-NL" dirty="0"/>
+              <a:t> (gratis)</a:t>
+            </a:r>
+          </a:p>
+          <a:p>
+            <a:r>
+              <a:rPr lang="nl-NL" dirty="0" err="1" smtClean="0">
+                <a:effectLst/>
+              </a:rPr>
+              <a:t>Knipling</a:t>
             </a:r>
             <a:r>
               <a:rPr lang="nl-NL" dirty="0" smtClean="0">
                 <a:effectLst/>
               </a:rPr>
-              <a:t> parenschema</a:t>
-            </a:r>
+              <a:t>/Lace</a:t>
+            </a:r>
+            <a:r>
+              <a:rPr lang="nl-NL" sz="1400" baseline="30000" dirty="0" smtClean="0">
+                <a:effectLst/>
+              </a:rPr>
+              <a:t>8</a:t>
+            </a:r>
+            <a:r>
+              <a:rPr lang="nl-NL" sz="1400" dirty="0" smtClean="0">
+                <a:effectLst/>
+              </a:rPr>
+              <a:t>/</a:t>
+            </a:r>
+            <a:r>
+              <a:rPr lang="nl-NL" dirty="0" err="1" smtClean="0">
+                <a:effectLst/>
+              </a:rPr>
+              <a:t>Lace</a:t>
+            </a:r>
+            <a:r>
+              <a:rPr lang="nl-NL" sz="1200" baseline="30000" dirty="0" err="1" smtClean="0">
+                <a:effectLst/>
+              </a:rPr>
+              <a:t>X</a:t>
+            </a:r>
+            <a:r>
+              <a:rPr lang="nl-NL" sz="1200" baseline="30000" dirty="0" smtClean="0">
+                <a:effectLst/>
+              </a:rPr>
+              <a:t>-RP</a:t>
+            </a:r>
+            <a:r>
+              <a:rPr lang="nl-NL" dirty="0" smtClean="0">
+                <a:effectLst/>
+              </a:rPr>
+              <a:t> </a:t>
+            </a:r>
+            <a:r>
+              <a:rPr lang="nl-NL" dirty="0" smtClean="0">
+                <a:effectLst/>
+              </a:rPr>
+              <a:t>begrijpen de download niet: 1 rapport natekenen</a:t>
+            </a:r>
+          </a:p>
+          <a:p>
+            <a:r>
+              <a:rPr lang="nl-NL" dirty="0" smtClean="0">
+                <a:effectLst/>
+              </a:rPr>
+              <a:t>De </a:t>
+            </a:r>
+            <a:r>
+              <a:rPr lang="nl-NL" dirty="0" err="1" smtClean="0">
+                <a:effectLst/>
+              </a:rPr>
+              <a:t>gekleurende</a:t>
+            </a:r>
+            <a:r>
+              <a:rPr lang="nl-NL" dirty="0" smtClean="0">
+                <a:effectLst/>
+              </a:rPr>
+              <a:t> punten </a:t>
+            </a:r>
+            <a:r>
+              <a:rPr lang="nl-NL" dirty="0" smtClean="0">
+                <a:effectLst/>
+              </a:rPr>
+              <a:t>helpen</a:t>
+            </a:r>
+            <a:r>
+              <a:rPr lang="nl-NL" baseline="0" dirty="0" smtClean="0">
+                <a:effectLst/>
+              </a:rPr>
+              <a:t> meerdere rapporten aan elkaar plakken</a:t>
+            </a:r>
+          </a:p>
+          <a:p>
+            <a:endParaRPr lang="nl-NL" dirty="0" smtClean="0"/>
+          </a:p>
+          <a:p>
+            <a:r>
+              <a:rPr lang="nl-NL" dirty="0" smtClean="0"/>
+              <a:t>Je kunt ook kruispunten verplaatsen.</a:t>
+            </a:r>
+          </a:p>
+          <a:p>
+            <a:r>
+              <a:rPr lang="nl-NL" dirty="0" smtClean="0">
+                <a:effectLst/>
+              </a:rPr>
+              <a:t>Zelfde kleuren </a:t>
+            </a:r>
+            <a:r>
+              <a:rPr lang="nl-NL" dirty="0" smtClean="0">
+                <a:effectLst/>
+                <a:sym typeface="Wingdings" panose="05000000000000000000" pitchFamily="2" charset="2"/>
+              </a:rPr>
+              <a:t> zelfde verplaatsing</a:t>
+            </a:r>
+            <a:r>
+              <a:rPr lang="nl-NL" dirty="0" smtClean="0">
+                <a:effectLst/>
+              </a:rPr>
+              <a:t> </a:t>
+            </a:r>
+          </a:p>
+          <a:p>
+            <a:r>
+              <a:rPr lang="nl-NL" dirty="0" smtClean="0">
+                <a:effectLst/>
+              </a:rPr>
+              <a:t>Het donkerblauwe bolletje rechtsboven zit ook midden-onder</a:t>
+            </a:r>
+          </a:p>
+          <a:p>
+            <a:r>
+              <a:rPr lang="nl-NL" dirty="0" smtClean="0">
+                <a:effectLst/>
+              </a:rPr>
+              <a:t> en kan daardoor hooguit een half hokje verschuiven.</a:t>
+            </a:r>
+          </a:p>
+          <a:p>
+            <a:endParaRPr lang="nl-NL" baseline="0" dirty="0" smtClean="0">
+              <a:effectLst/>
+            </a:endParaRPr>
+          </a:p>
+          <a:p>
+            <a:r>
+              <a:rPr lang="nl-NL" baseline="0" dirty="0" smtClean="0">
+                <a:effectLst/>
+              </a:rPr>
+              <a:t>Met promotieonderzoek alle(?) combinaties tot 4x4 opgezocht</a:t>
+            </a:r>
+          </a:p>
+          <a:p>
+            <a:r>
+              <a:rPr lang="nl-NL" dirty="0" smtClean="0">
+                <a:effectLst/>
+                <a:sym typeface="Wingdings" panose="05000000000000000000" pitchFamily="2" charset="2"/>
+              </a:rPr>
+              <a:t> enkele</a:t>
+            </a:r>
+            <a:r>
+              <a:rPr lang="nl-NL" baseline="0" dirty="0" smtClean="0">
+                <a:effectLst/>
+              </a:rPr>
+              <a:t> </a:t>
+            </a:r>
+            <a:r>
+              <a:rPr lang="nl-NL" dirty="0" smtClean="0"/>
+              <a:t>honderden rondgetrokken tesselace</a:t>
+            </a:r>
+            <a:r>
+              <a:rPr lang="nl-NL" baseline="0" dirty="0" smtClean="0"/>
+              <a:t> </a:t>
+            </a:r>
+            <a:r>
+              <a:rPr lang="nl-NL" dirty="0" smtClean="0"/>
+              <a:t>diagrammen</a:t>
+            </a:r>
+          </a:p>
+          <a:p>
+            <a:r>
+              <a:rPr lang="nl-NL" dirty="0" smtClean="0"/>
+              <a:t>5x4: zo veel dat je met een 1 sec per stuk minstens een dag bezig</a:t>
+            </a:r>
+            <a:r>
+              <a:rPr lang="nl-NL" baseline="0" dirty="0" smtClean="0"/>
+              <a:t> bent,</a:t>
+            </a:r>
+          </a:p>
+          <a:p>
+            <a:r>
+              <a:rPr lang="nl-NL" baseline="0" dirty="0" smtClean="0"/>
+              <a:t> veel daarvan is meer van bijna hetzelfde</a:t>
+            </a:r>
+            <a:endParaRPr lang="nl-NL" dirty="0" smtClean="0"/>
+          </a:p>
+          <a:p>
+            <a:endParaRPr lang="nl-NL" dirty="0" smtClean="0"/>
+          </a:p>
+          <a:p>
+            <a:r>
+              <a:rPr lang="nl-NL" dirty="0" smtClean="0"/>
+              <a:t>Binche gronden passen niet in 4x4,</a:t>
+            </a:r>
+            <a:r>
+              <a:rPr lang="nl-NL" baseline="0" dirty="0" smtClean="0"/>
+              <a:t> d</a:t>
+            </a:r>
+            <a:r>
+              <a:rPr lang="nl-NL" baseline="0" dirty="0" smtClean="0">
+                <a:effectLst/>
+              </a:rPr>
+              <a:t>ie kun je wel zelf maken</a:t>
+            </a:r>
+          </a:p>
+          <a:p>
+            <a:r>
+              <a:rPr lang="nl-NL" baseline="0" dirty="0" smtClean="0">
+                <a:effectLst/>
+              </a:rPr>
+              <a:t>Spiekbriefje in de handleiding (toegepast in MAE-gf en Whiting index)</a:t>
+            </a:r>
+          </a:p>
+          <a:p>
+            <a:endParaRPr lang="nl-NL" baseline="0" dirty="0" smtClean="0">
+              <a:effectLst/>
+            </a:endParaRPr>
+          </a:p>
+          <a:p>
+            <a:r>
+              <a:rPr lang="nl-NL" i="0" dirty="0" smtClean="0"/>
+              <a:t>Horizontale of verticale verbinding zijn één of twee hokjes lang.</a:t>
+            </a:r>
+          </a:p>
+          <a:p>
+            <a:r>
+              <a:rPr lang="nl-NL" i="0" dirty="0" smtClean="0"/>
+              <a:t>Diagonale verbindingen zijn altijd één hokje.</a:t>
+            </a:r>
+          </a:p>
+          <a:p>
+            <a:r>
+              <a:rPr lang="nl-NL" i="0" dirty="0" smtClean="0"/>
+              <a:t>Boven (C) en (B) is eigenlijk ook nog een (-) nodig</a:t>
+            </a:r>
+          </a:p>
+          <a:p>
+            <a:endParaRPr lang="nl-NL" baseline="0" dirty="0" smtClean="0">
+              <a:effectLst/>
+            </a:endParaRPr>
           </a:p>
         </p:txBody>
       </p:sp>
@@ -2381,7 +2418,7 @@
     </p:spTree>
     <p:extLst>
       <p:ext uri="{BB962C8B-B14F-4D97-AF65-F5344CB8AC3E}">
-        <p14:creationId xmlns:p14="http://schemas.microsoft.com/office/powerpoint/2010/main" val="846069162"/>
+        <p14:creationId xmlns:p14="http://schemas.microsoft.com/office/powerpoint/2010/main" val="4263791989"/>
       </p:ext>
     </p:extLst>
   </p:cSld>
@@ -2435,85 +2472,37 @@
           <a:bodyPr/>
           <a:lstStyle/>
           <a:p>
+            <a:endParaRPr lang="nl-NL" dirty="0" smtClean="0">
+              <a:effectLst/>
+            </a:endParaRPr>
+          </a:p>
+          <a:p>
+            <a:r>
+              <a:rPr lang="nl-NL" b="1" dirty="0" smtClean="0">
+                <a:effectLst/>
+              </a:rPr>
+              <a:t>bruggetje</a:t>
+            </a:r>
+          </a:p>
+          <a:p>
             <a:r>
               <a:rPr lang="nl-NL" dirty="0" smtClean="0">
                 <a:effectLst/>
               </a:rPr>
-              <a:t>Spelden kunnen</a:t>
-            </a:r>
-            <a:r>
-              <a:rPr lang="nl-NL" baseline="0" dirty="0" smtClean="0">
+              <a:t>gebruik het dradenschema voor een 2</a:t>
+            </a:r>
+            <a:r>
+              <a:rPr lang="nl-NL" baseline="30000" dirty="0" smtClean="0">
                 <a:effectLst/>
               </a:rPr>
-              <a:t> als in een Trollengrond</a:t>
+              <a:t>e</a:t>
             </a:r>
             <a:r>
               <a:rPr lang="nl-NL" dirty="0" smtClean="0">
                 <a:effectLst/>
               </a:rPr>
-              <a:t> gestoken worden</a:t>
-            </a:r>
-          </a:p>
-          <a:p>
-            <a:r>
-              <a:rPr lang="nl-NL" dirty="0" smtClean="0">
-                <a:effectLst/>
-              </a:rPr>
-              <a:t>of als in een Vlaanderse grond</a:t>
-            </a:r>
-          </a:p>
-          <a:p>
-            <a:endParaRPr lang="nl-NL" dirty="0" smtClean="0">
-              <a:effectLst/>
-            </a:endParaRPr>
-          </a:p>
-          <a:p>
-            <a:r>
-              <a:rPr lang="nl-NL" dirty="0" smtClean="0">
-                <a:effectLst/>
-              </a:rPr>
-              <a:t>---------</a:t>
-            </a:r>
-          </a:p>
-          <a:p>
-            <a:endParaRPr lang="nl-NL" dirty="0" smtClean="0">
-              <a:effectLst/>
-            </a:endParaRPr>
-          </a:p>
-          <a:p>
-            <a:r>
-              <a:rPr lang="nl-NL" dirty="0" smtClean="0">
-                <a:effectLst/>
-                <a:hlinkClick r:id="rId3"/>
-              </a:rPr>
-              <a:t>http://www.lokk.nl/techniek/trollengrond.php</a:t>
-            </a:r>
-            <a:r>
-              <a:rPr lang="nl-NL" dirty="0" smtClean="0">
-                <a:effectLst/>
-              </a:rPr>
-              <a:t> </a:t>
-            </a:r>
-          </a:p>
-          <a:p>
-            <a:r>
-              <a:rPr lang="nl-NL" dirty="0" smtClean="0">
-                <a:effectLst/>
-                <a:hlinkClick r:id="rId4"/>
-              </a:rPr>
-              <a:t>http://www.lokk.nl/techniek/vlaandersetralie.php</a:t>
-            </a:r>
-            <a:r>
-              <a:rPr lang="nl-NL" dirty="0" smtClean="0">
-                <a:effectLst/>
-              </a:rPr>
-              <a:t> </a:t>
-            </a:r>
-          </a:p>
-          <a:p>
-            <a:endParaRPr lang="nl-NL" baseline="0" dirty="0" smtClean="0">
-              <a:effectLst/>
-            </a:endParaRPr>
+              <a:t> parenschema</a:t>
+            </a:r>
           </a:p>
         </p:txBody>
       </p:sp>
@@ -2597,58 +2586,85 @@
           <a:bodyPr/>
           <a:lstStyle/>
           <a:p>
-            <a:pPr marL="0" marR="0" indent="0" algn="l" defTabSz="914400" rtl="0" eaLnBrk="1" fontAlgn="auto" latinLnBrk="0" hangingPunct="1">
-              <a:lnSpc>
-                <a:spcPct val="100000"/>
-              </a:lnSpc>
-              <a:spcBef>
-                <a:spcPts val="0"/>
-              </a:spcBef>
-              <a:spcAft>
-                <a:spcPts val="0"/>
-              </a:spcAft>
-              <a:buClrTx/>
-              <a:buSzTx/>
-              <a:buFontTx/>
-              <a:buNone/>
-              <a:tabLst/>
-              <a:defRPr/>
-            </a:pPr>
-            <a:r>
-              <a:rPr lang="nl-NL" baseline="0" dirty="0" smtClean="0"/>
-              <a:t>De software maakt de gaten zo rond mogelijk. </a:t>
-            </a:r>
-          </a:p>
-          <a:p>
-            <a:endParaRPr lang="nl-NL" dirty="0" smtClean="0"/>
-          </a:p>
-          <a:p>
-            <a:r>
-              <a:rPr lang="nl-NL" dirty="0" smtClean="0"/>
-              <a:t>Met spelden</a:t>
-            </a:r>
-          </a:p>
-          <a:p>
-            <a:r>
-              <a:rPr lang="nl-NL" dirty="0" smtClean="0"/>
-              <a:t> kun je vierkantjes maken</a:t>
-            </a:r>
-          </a:p>
-          <a:p>
-            <a:r>
-              <a:rPr lang="nl-NL" dirty="0" smtClean="0"/>
-              <a:t> of een mix van vierkantjes en rondjes</a:t>
-            </a:r>
-          </a:p>
-          <a:p>
-            <a:r>
-              <a:rPr lang="nl-NL" baseline="0" dirty="0" smtClean="0"/>
-              <a:t> (niet met GroundForge)</a:t>
-            </a:r>
-            <a:endParaRPr lang="nl-NL" dirty="0" smtClean="0"/>
-          </a:p>
-          <a:p>
-            <a:endParaRPr lang="nl-NL" dirty="0"/>
+            <a:r>
+              <a:rPr lang="nl-NL" dirty="0" smtClean="0">
+                <a:effectLst/>
+              </a:rPr>
+              <a:t>Spelden kunnen</a:t>
+            </a:r>
+            <a:r>
+              <a:rPr lang="nl-NL" baseline="0" dirty="0" smtClean="0">
+                <a:effectLst/>
+              </a:rPr>
+              <a:t> als in een Trollengrond</a:t>
+            </a:r>
+            <a:r>
+              <a:rPr lang="nl-NL" dirty="0" smtClean="0">
+                <a:effectLst/>
+              </a:rPr>
+              <a:t> gestoken worden</a:t>
+            </a:r>
+          </a:p>
+          <a:p>
+            <a:r>
+              <a:rPr lang="nl-NL" dirty="0" smtClean="0">
+                <a:effectLst/>
+              </a:rPr>
+              <a:t>of als in een Vlaanderse grond</a:t>
+            </a:r>
+          </a:p>
+          <a:p>
+            <a:endParaRPr lang="nl-NL" dirty="0" smtClean="0">
+              <a:effectLst/>
+            </a:endParaRPr>
+          </a:p>
+          <a:p>
+            <a:r>
+              <a:rPr lang="nl-NL" dirty="0" smtClean="0">
+                <a:effectLst/>
+              </a:rPr>
+              <a:t>---------</a:t>
+            </a:r>
+          </a:p>
+          <a:p>
+            <a:endParaRPr lang="nl-NL" dirty="0" smtClean="0">
+              <a:effectLst/>
+            </a:endParaRPr>
+          </a:p>
+          <a:p>
+            <a:r>
+              <a:rPr lang="nl-NL" dirty="0" smtClean="0">
+                <a:effectLst/>
+                <a:hlinkClick r:id="rId3"/>
+              </a:rPr>
+              <a:t>http://www.lokk.nl/techniek/trollengrond.php</a:t>
+            </a:r>
+            <a:r>
+              <a:rPr lang="nl-NL" dirty="0" smtClean="0">
+                <a:effectLst/>
+              </a:rPr>
+              <a:t> </a:t>
+            </a:r>
+          </a:p>
+          <a:p>
+            <a:r>
+              <a:rPr lang="nl-NL" dirty="0" smtClean="0">
+                <a:effectLst/>
+                <a:hlinkClick r:id="rId4"/>
+              </a:rPr>
+              <a:t>http://www.lokk.nl/techniek/vlaandersetralie.php</a:t>
+            </a:r>
+            <a:r>
+              <a:rPr lang="nl-NL" dirty="0" smtClean="0">
+                <a:effectLst/>
+              </a:rPr>
+              <a:t> </a:t>
+            </a:r>
+          </a:p>
+          <a:p>
+            <a:endParaRPr lang="nl-NL" baseline="0" dirty="0" smtClean="0">
+              <a:effectLst/>
+            </a:endParaRPr>
           </a:p>
         </p:txBody>
       </p:sp>
@@ -2836,7 +2852,6 @@
               <a:rPr lang="nl-NL" baseline="0" dirty="0" smtClean="0"/>
               <a:t> voor 2x cross-twist oftewel dubbele netslag. </a:t>
             </a:r>
-            <a:endParaRPr lang="nl-NL" baseline="0" dirty="0" smtClean="0"/>
           </a:p>
           <a:p>
             <a:r>
@@ -3040,12 +3055,40 @@
               <a:defRPr/>
             </a:pPr>
             <a:r>
-              <a:rPr lang="nl-NL" dirty="0" smtClean="0"/>
-              <a:t>Programmeer foutjes kunnen je soms aan het lachen maken: een virtueel omgekiept kantkussen.</a:t>
-            </a:r>
-          </a:p>
-          <a:p>
-            <a:endParaRPr lang="nl-NL" strike="noStrike" dirty="0" smtClean="0"/>
+              <a:rPr lang="nl-NL" baseline="0" dirty="0" smtClean="0"/>
+              <a:t>De software maakt de gaten zo rond mogelijk. </a:t>
+            </a:r>
+          </a:p>
+          <a:p>
+            <a:endParaRPr lang="nl-NL" dirty="0" smtClean="0"/>
+          </a:p>
+          <a:p>
+            <a:r>
+              <a:rPr lang="nl-NL" dirty="0" smtClean="0"/>
+              <a:t>Met spelden</a:t>
+            </a:r>
+          </a:p>
+          <a:p>
+            <a:r>
+              <a:rPr lang="nl-NL" dirty="0" smtClean="0"/>
+              <a:t> kun je vierkantjes maken</a:t>
+            </a:r>
+          </a:p>
+          <a:p>
+            <a:r>
+              <a:rPr lang="nl-NL" dirty="0" smtClean="0"/>
+              <a:t> of een mix van vierkantjes en rondjes</a:t>
+            </a:r>
+          </a:p>
+          <a:p>
+            <a:r>
+              <a:rPr lang="nl-NL" baseline="0" dirty="0" smtClean="0"/>
+              <a:t> (niet met GroundForge)</a:t>
+            </a:r>
+            <a:endParaRPr lang="nl-NL" dirty="0" smtClean="0"/>
+          </a:p>
+          <a:p>
+            <a:endParaRPr lang="nl-NL" dirty="0"/>
           </a:p>
         </p:txBody>
       </p:sp>
@@ -3075,7 +3118,7 @@
     </p:spTree>
     <p:extLst>
       <p:ext uri="{BB962C8B-B14F-4D97-AF65-F5344CB8AC3E}">
-        <p14:creationId xmlns:p14="http://schemas.microsoft.com/office/powerpoint/2010/main" val="3101222508"/>
+        <p14:creationId xmlns:p14="http://schemas.microsoft.com/office/powerpoint/2010/main" val="846069162"/>
       </p:ext>
     </p:extLst>
   </p:cSld>
@@ -3129,6 +3172,113 @@
           <a:bodyPr/>
           <a:lstStyle/>
           <a:p>
+            <a:pPr marL="0" marR="0" indent="0" algn="l" defTabSz="914400" rtl="0" eaLnBrk="1" fontAlgn="auto" latinLnBrk="0" hangingPunct="1">
+              <a:lnSpc>
+                <a:spcPct val="100000"/>
+              </a:lnSpc>
+              <a:spcBef>
+                <a:spcPts val="0"/>
+              </a:spcBef>
+              <a:spcAft>
+                <a:spcPts val="0"/>
+              </a:spcAft>
+              <a:buClrTx/>
+              <a:buSzTx/>
+              <a:buFontTx/>
+              <a:buNone/>
+              <a:tabLst/>
+              <a:defRPr/>
+            </a:pPr>
+            <a:r>
+              <a:rPr lang="nl-NL" dirty="0" smtClean="0"/>
+              <a:t>Programmeer foutjes kunnen je soms aan het lachen maken: een virtueel omgekiept kantkussen.</a:t>
+            </a:r>
+          </a:p>
+          <a:p>
+            <a:endParaRPr lang="nl-NL" strike="noStrike" dirty="0" smtClean="0"/>
+          </a:p>
+        </p:txBody>
+      </p:sp>
+      <p:sp>
+        <p:nvSpPr>
+          <p:cNvPr id="4" name="Tijdelijke aanduiding voor dianummer 3"/>
+          <p:cNvSpPr>
+            <a:spLocks noGrp="1"/>
+          </p:cNvSpPr>
+          <p:nvPr>
+            <p:ph type="sldNum" sz="quarter" idx="10"/>
+          </p:nvPr>
+        </p:nvSpPr>
+        <p:spPr/>
+        <p:txBody>
+          <a:bodyPr/>
+          <a:lstStyle/>
+          <a:p>
+            <a:fld id="{7EC7493F-9CE3-4AD5-8254-4B462DC5112C}" type="slidenum">
+              <a:rPr lang="nl-NL" smtClean="0"/>
+              <a:t>21</a:t>
+            </a:fld>
+            <a:endParaRPr lang="nl-NL" dirty="0"/>
+          </a:p>
+        </p:txBody>
+      </p:sp>
+    </p:spTree>
+    <p:extLst>
+      <p:ext uri="{BB962C8B-B14F-4D97-AF65-F5344CB8AC3E}">
+        <p14:creationId xmlns:p14="http://schemas.microsoft.com/office/powerpoint/2010/main" val="3101222508"/>
+      </p:ext>
+    </p:extLst>
+  </p:cSld>
+  <p:clrMapOvr>
+    <a:masterClrMapping/>
+  </p:clrMapOvr>
+</p:notes>
+</file>
+
+<file path=ppt/notesSlides/notesSlide22.xml><?xml version="1.0" encoding="utf-8"?>
+<p:notes xmlns:a="http://schemas.openxmlformats.org/drawingml/2006/main" xmlns:r="http://schemas.openxmlformats.org/officeDocument/2006/relationships" xmlns:p="http://schemas.openxmlformats.org/presentationml/2006/main">
+  <p:cSld>
+    <p:spTree>
+      <p:nvGrpSpPr>
+        <p:cNvPr id="1" name=""/>
+        <p:cNvGrpSpPr/>
+        <p:nvPr/>
+      </p:nvGrpSpPr>
+      <p:grpSpPr>
+        <a:xfrm>
+          <a:off x="0" y="0"/>
+          <a:ext cx="0" cy="0"/>
+          <a:chOff x="0" y="0"/>
+          <a:chExt cx="0" cy="0"/>
+        </a:xfrm>
+      </p:grpSpPr>
+      <p:sp>
+        <p:nvSpPr>
+          <p:cNvPr id="2" name="Tijdelijke aanduiding voor dia-afbeelding 1"/>
+          <p:cNvSpPr>
+            <a:spLocks noGrp="1" noRot="1" noChangeAspect="1"/>
+          </p:cNvSpPr>
+          <p:nvPr>
+            <p:ph type="sldImg"/>
+          </p:nvPr>
+        </p:nvSpPr>
+        <p:spPr/>
+      </p:sp>
+      <p:sp>
+        <p:nvSpPr>
+          <p:cNvPr id="3" name="Tijdelijke aanduiding voor notities 2"/>
+          <p:cNvSpPr>
+            <a:spLocks noGrp="1"/>
+          </p:cNvSpPr>
+          <p:nvPr>
+            <p:ph type="body" idx="1"/>
+          </p:nvPr>
+        </p:nvSpPr>
+        <p:spPr/>
+        <p:txBody>
+          <a:bodyPr/>
+          <a:lstStyle/>
+          <a:p>
             <a:pPr>
               <a:defRPr/>
             </a:pPr>
@@ -3222,7 +3372,7 @@
           <a:p>
             <a:fld id="{7EC7493F-9CE3-4AD5-8254-4B462DC5112C}" type="slidenum">
               <a:rPr lang="nl-NL" smtClean="0"/>
-              <a:t>21</a:t>
+              <a:t>22</a:t>
             </a:fld>
             <a:endParaRPr lang="nl-NL" dirty="0"/>
           </a:p>
@@ -3292,15 +3442,45 @@
           <a:p>
             <a:r>
               <a:rPr lang="nl-NL" dirty="0" smtClean="0"/>
-              <a:t>Er zijn een diverse pagina’s met soms honderden voorbeelden</a:t>
+              <a:t>Er zijn </a:t>
+            </a:r>
+            <a:r>
+              <a:rPr lang="nl-NL" dirty="0" smtClean="0"/>
+              <a:t>diverse catalogi </a:t>
+            </a:r>
+            <a:r>
+              <a:rPr lang="nl-NL" dirty="0" smtClean="0"/>
+              <a:t>met soms honderden voorbeelden</a:t>
+            </a:r>
+            <a:r>
+              <a:rPr lang="nl-NL" dirty="0" smtClean="0"/>
+              <a:t>.</a:t>
+            </a:r>
+            <a:endParaRPr lang="nl-NL" dirty="0" smtClean="0"/>
+          </a:p>
+          <a:p>
+            <a:endParaRPr lang="nl-NL" dirty="0" smtClean="0"/>
+          </a:p>
+          <a:p>
+            <a:r>
+              <a:rPr lang="nl-NL" dirty="0" smtClean="0"/>
+              <a:t>Als voorbeeld hier is </a:t>
             </a:r>
             <a:r>
               <a:rPr lang="nl-NL" dirty="0"/>
-              <a:t>. </a:t>
-            </a:r>
-            <a:r>
-              <a:rPr lang="nl-NL" dirty="0" smtClean="0"/>
-              <a:t>Dat zijn basispatronen waarop gevarieerd kan worden.</a:t>
+              <a:t>de </a:t>
+            </a:r>
+            <a:r>
+              <a:rPr lang="nl-NL" dirty="0" smtClean="0"/>
+              <a:t>kleine sneeuwvlok</a:t>
+            </a:r>
+            <a:r>
+              <a:rPr lang="nl-NL" dirty="0"/>
+              <a:t> </a:t>
+            </a:r>
+            <a:r>
+              <a:rPr lang="nl-NL" dirty="0" smtClean="0"/>
+              <a:t>gekozen.</a:t>
             </a:r>
             <a:endParaRPr lang="nl-NL" dirty="0" smtClean="0"/>
           </a:p>
@@ -3308,26 +3488,97 @@
             <a:endParaRPr lang="nl-NL" dirty="0" smtClean="0"/>
           </a:p>
           <a:p>
-            <a:r>
-              <a:rPr lang="nl-NL" dirty="0" smtClean="0"/>
-              <a:t>Zoals deze:</a:t>
-            </a:r>
-            <a:r>
-              <a:rPr lang="nl-NL" baseline="0" dirty="0" smtClean="0"/>
+            <a:pPr marL="171450" indent="-171450">
+              <a:buFont typeface="Arial" panose="020B0604020202020204" pitchFamily="34" charset="0"/>
+              <a:buChar char="•"/>
+            </a:pPr>
+            <a:r>
+              <a:rPr lang="nl-NL" sz="1200" dirty="0" err="1" smtClean="0"/>
+              <a:t>Groundforge</a:t>
+            </a:r>
+            <a:r>
+              <a:rPr lang="nl-NL" sz="1200" dirty="0" smtClean="0"/>
+              <a:t>: </a:t>
+            </a:r>
+            <a:r>
+              <a:rPr lang="nl-NL" sz="1200" dirty="0" smtClean="0">
+                <a:hlinkClick r:id="rId3"/>
+              </a:rPr>
+              <a:t>https://d-bl.github.io/GroundForge</a:t>
+            </a:r>
+            <a:r>
+              <a:rPr lang="nl-NL" sz="1200" dirty="0" smtClean="0"/>
               <a:t> </a:t>
             </a:r>
-            <a:r>
-              <a:rPr lang="nl-NL" dirty="0" smtClean="0"/>
-              <a:t>kies </a:t>
+            <a:br>
+              <a:rPr lang="nl-NL" sz="1200" dirty="0" smtClean="0"/>
+            </a:br>
+            <a:r>
+              <a:rPr lang="nl-NL" sz="1200" dirty="0" smtClean="0"/>
+              <a:t>Heeft zelf al een aantal catalogi met</a:t>
             </a:r>
             <a:r>
               <a:rPr lang="nl-NL" dirty="0"/>
-              <a:t>bijvoorbeeld voor de Kleine </a:t>
-            </a:r>
-            <a:r>
-              <a:rPr lang="nl-NL" dirty="0" smtClean="0"/>
-              <a:t>sneeuwvlok.</a:t>
-            </a:r>
+              <a:t> zijn basispatronen waarop gevarieerd kan </a:t>
+            </a:r>
+            <a:r>
+              <a:rPr lang="nl-NL" dirty="0" smtClean="0"/>
+              <a:t>worden. Deels uit externe bronnen afgeleid.</a:t>
+            </a:r>
+            <a:endParaRPr lang="nl-NL" dirty="0"/>
+          </a:p>
+          <a:p>
+            <a:pPr marL="171450" indent="-171450">
+              <a:buFont typeface="Arial" panose="020B0604020202020204" pitchFamily="34" charset="0"/>
+              <a:buChar char="•"/>
+            </a:pPr>
+            <a:r>
+              <a:rPr lang="nl-NL" sz="1200" dirty="0" smtClean="0"/>
+              <a:t>MAE-</a:t>
+            </a:r>
+            <a:r>
+              <a:rPr lang="nl-NL" sz="1200" dirty="0" err="1" smtClean="0"/>
+              <a:t>gf</a:t>
+            </a:r>
+            <a:r>
+              <a:rPr lang="nl-NL" sz="1200" dirty="0" smtClean="0"/>
+              <a:t>: </a:t>
+            </a:r>
+            <a:r>
+              <a:rPr lang="nl-NL" sz="1200" dirty="0" smtClean="0">
+                <a:hlinkClick r:id="rId4"/>
+              </a:rPr>
+              <a:t>https://maetempels.github.io/MAE-gf/</a:t>
+            </a:r>
+            <a:r>
+              <a:rPr lang="nl-NL" sz="1200" dirty="0" smtClean="0"/>
+              <a:t> </a:t>
+            </a:r>
+            <a:br>
+              <a:rPr lang="nl-NL" sz="1200" dirty="0" smtClean="0"/>
+            </a:br>
+            <a:r>
+              <a:rPr lang="nl-NL" sz="1200" dirty="0" smtClean="0"/>
+              <a:t>MAE: More </a:t>
+            </a:r>
+            <a:r>
+              <a:rPr lang="nl-NL" sz="1200" dirty="0" err="1" smtClean="0"/>
+              <a:t>Attractive</a:t>
+            </a:r>
+            <a:r>
+              <a:rPr lang="nl-NL" sz="1200" dirty="0" smtClean="0"/>
+              <a:t> </a:t>
+            </a:r>
+            <a:r>
+              <a:rPr lang="nl-NL" sz="1200" dirty="0" err="1" smtClean="0"/>
+              <a:t>Examples</a:t>
+            </a:r>
+            <a:r>
+              <a:rPr lang="nl-NL" sz="1200" dirty="0" smtClean="0"/>
+              <a:t> = Meer Aantrekkelijke Voorbeelden</a:t>
+            </a:r>
+          </a:p>
+          <a:p>
             <a:endParaRPr lang="nl-NL" dirty="0"/>
           </a:p>
         </p:txBody>
@@ -3412,26 +3663,6 @@
           <a:bodyPr/>
           <a:lstStyle/>
           <a:p>
-            <a:pPr marL="171450" marR="0" indent="-171450" algn="l" defTabSz="914400" rtl="0" eaLnBrk="1" fontAlgn="auto" latinLnBrk="0" hangingPunct="1">
-              <a:lnSpc>
-                <a:spcPct val="100000"/>
-              </a:lnSpc>
-              <a:spcBef>
-                <a:spcPts val="0"/>
-              </a:spcBef>
-              <a:spcAft>
-                <a:spcPts val="0"/>
-              </a:spcAft>
-              <a:buClrTx/>
-              <a:buSzTx/>
-              <a:buFont typeface="Arial" panose="020B0604020202020204" pitchFamily="34" charset="0"/>
-              <a:buChar char="•"/>
-              <a:tabLst/>
-              <a:defRPr/>
-            </a:pPr>
-            <a:endParaRPr lang="nl-NL" dirty="0" smtClean="0"/>
-          </a:p>
-          <a:p>
             <a:pPr marL="0" marR="0" indent="0" algn="l" defTabSz="914400" rtl="0" eaLnBrk="1" fontAlgn="auto" latinLnBrk="0" hangingPunct="1">
               <a:lnSpc>
                 <a:spcPct val="100000"/>
@@ -3451,7 +3682,11 @@
             </a:pPr>
             <a:r>
               <a:rPr lang="nl-NL" dirty="0" smtClean="0"/>
-              <a:t>Kantklossen was vaak een oefenonderwerp om nieuwe programmeertalen onder de knie te krijgen. Rode draad daarbij: draad schema’s genereren uit paar schema’s. </a:t>
+              <a:t>Kantklossen </a:t>
+            </a:r>
+            <a:r>
+              <a:rPr lang="nl-NL" dirty="0" smtClean="0"/>
+              <a:t>was vaak een oefenonderwerp om nieuwe programmeertalen onder de knie te krijgen. Rode draad daarbij: draad schema’s genereren uit paar schema’s. </a:t>
             </a:r>
             <a:r>
               <a:rPr lang="nl-NL" baseline="0" dirty="0" smtClean="0"/>
@@ -3467,107 +3702,22 @@
           </a:p>
           <a:p>
             <a:r>
-              <a:rPr lang="nl-NL" dirty="0" smtClean="0"/>
-              <a:t>Omdat de bomen het bos kunnen verhullen</a:t>
-            </a:r>
-            <a:r>
-              <a:rPr lang="nl-NL" baseline="0" dirty="0" smtClean="0"/>
-              <a:t> de belangrijkste functies in vogelvlucht.</a:t>
-            </a:r>
-          </a:p>
-          <a:p>
-            <a:r>
-              <a:rPr lang="nl-NL" i="0" dirty="0" smtClean="0"/>
-              <a:t>In de marge van de help pagina vind je de link NL om de presentatie na te lezen</a:t>
-            </a:r>
-          </a:p>
-          <a:p>
-            <a:endParaRPr lang="nl-NL" i="0" dirty="0" smtClean="0"/>
-          </a:p>
-          <a:p>
-            <a:r>
-              <a:rPr lang="nl-NL" i="1" dirty="0" smtClean="0"/>
-              <a:t>Vraag en antwoord:</a:t>
-            </a:r>
-          </a:p>
-          <a:p>
-            <a:r>
-              <a:rPr lang="nl-NL" i="1" dirty="0" smtClean="0"/>
-              <a:t>Wat </a:t>
-            </a:r>
-            <a:r>
-              <a:rPr lang="nl-NL" i="1" dirty="0" smtClean="0"/>
-              <a:t>betekenen </a:t>
-            </a:r>
-            <a:r>
-              <a:rPr lang="nl-NL" i="1" dirty="0" smtClean="0"/>
-              <a:t>de onderdelen van het</a:t>
-            </a:r>
-            <a:r>
-              <a:rPr lang="nl-NL" i="1" baseline="0" dirty="0" smtClean="0"/>
-              <a:t> webadres (</a:t>
-            </a:r>
-            <a:r>
-              <a:rPr lang="nl-NL" sz="1200" dirty="0" smtClean="0"/>
-              <a:t>d-bl.github.io</a:t>
-            </a:r>
-            <a:r>
-              <a:rPr lang="nl-NL" i="1" baseline="0" dirty="0" smtClean="0"/>
-              <a:t>)?</a:t>
-            </a:r>
-            <a:endParaRPr lang="nl-NL" i="1" dirty="0" smtClean="0"/>
-          </a:p>
-          <a:p>
-            <a:endParaRPr lang="nl-NL" i="1" dirty="0" smtClean="0"/>
-          </a:p>
-          <a:p>
-            <a:r>
-              <a:rPr lang="nl-NL" i="1" dirty="0" smtClean="0"/>
-              <a:t>D-BL = DiBL= </a:t>
-            </a:r>
-            <a:r>
-              <a:rPr lang="nl-NL" i="1" u="sng" dirty="0" smtClean="0"/>
-              <a:t>Di</a:t>
-            </a:r>
-            <a:r>
-              <a:rPr lang="nl-NL" i="1" dirty="0" smtClean="0"/>
-              <a:t>agrams for </a:t>
-            </a:r>
-            <a:r>
-              <a:rPr lang="nl-NL" i="1" u="sng" dirty="0" smtClean="0"/>
-              <a:t>B</a:t>
-            </a:r>
-            <a:r>
-              <a:rPr lang="nl-NL" i="1" dirty="0" smtClean="0"/>
-              <a:t>obbin </a:t>
-            </a:r>
-            <a:r>
-              <a:rPr lang="nl-NL" i="1" u="sng" dirty="0" smtClean="0"/>
-              <a:t>L</a:t>
-            </a:r>
-            <a:r>
-              <a:rPr lang="nl-NL" i="1" dirty="0" smtClean="0"/>
-              <a:t>ace,</a:t>
-            </a:r>
-            <a:r>
-              <a:rPr lang="nl-NL" i="1" baseline="0" dirty="0" smtClean="0"/>
-              <a:t> </a:t>
-            </a:r>
-            <a:r>
-              <a:rPr lang="nl-NL" i="1" dirty="0" smtClean="0"/>
-              <a:t>de gewenste afkorting was al in gebruik</a:t>
-            </a:r>
-          </a:p>
-          <a:p>
-            <a:r>
-              <a:rPr lang="nl-NL" i="1" dirty="0" smtClean="0"/>
-              <a:t>Github is een provider om software te publiceren, ze doen dat gratis als het om open source gaat</a:t>
-            </a:r>
-          </a:p>
-          <a:p>
-            <a:pPr marL="171450" indent="-171450">
+              <a:rPr lang="nl-NL" dirty="0"/>
+              <a:t>De geaccentueerde draden </a:t>
+            </a:r>
+            <a:r>
+              <a:rPr lang="nl-NL" dirty="0" smtClean="0"/>
+              <a:t>van dit voorbeeld laten </a:t>
+            </a:r>
+            <a:r>
+              <a:rPr lang="nl-NL" dirty="0"/>
+              <a:t>wybertjes zien afgewisseld met balkjes</a:t>
+            </a:r>
+          </a:p>
+          <a:p>
+            <a:pPr marL="0" indent="0">
               <a:buFont typeface="Arial" panose="020B0604020202020204" pitchFamily="34" charset="0"/>
-              <a:buChar char="•"/>
+              <a:buNone/>
             </a:pPr>
             <a:endParaRPr lang="nl-NL" baseline="0" dirty="0" smtClean="0"/>
           </a:p>
@@ -3705,96 +3855,261 @@
           <a:bodyPr/>
           <a:lstStyle/>
           <a:p>
+            <a:pPr marL="0" marR="0" indent="0" algn="l" defTabSz="914400" rtl="0" eaLnBrk="1" fontAlgn="auto" latinLnBrk="0" hangingPunct="1">
+              <a:lnSpc>
+                <a:spcPct val="100000"/>
+              </a:lnSpc>
+              <a:spcBef>
+                <a:spcPts val="0"/>
+              </a:spcBef>
+              <a:spcAft>
+                <a:spcPts val="0"/>
+              </a:spcAft>
+              <a:buClrTx/>
+              <a:buSzTx/>
+              <a:buFontTx/>
+              <a:buNone/>
+              <a:tabLst/>
+              <a:defRPr/>
+            </a:pPr>
             <a:r>
               <a:rPr lang="nl-NL" dirty="0" smtClean="0">
+                <a:hlinkClick r:id="rId3"/>
+              </a:rPr>
+              <a:t>https://d-bl.github.io/GroundForge/help</a:t>
+            </a:r>
+            <a:endParaRPr lang="nl-NL" dirty="0" smtClean="0"/>
+          </a:p>
+          <a:p>
+            <a:endParaRPr lang="nl-NL" dirty="0" smtClean="0">
+              <a:effectLst/>
+            </a:endParaRPr>
+          </a:p>
+          <a:p>
+            <a:r>
+              <a:rPr lang="nl-NL" b="1" dirty="0" smtClean="0">
                 <a:effectLst/>
               </a:rPr>
-              <a:t>Hoofdpagina</a:t>
-            </a:r>
+              <a:t>Intro</a:t>
+            </a:r>
+            <a:r>
+              <a:rPr lang="nl-NL" b="1" baseline="0" dirty="0" smtClean="0">
+                <a:effectLst/>
+              </a:rPr>
+              <a:t> – nl:</a:t>
+            </a:r>
+          </a:p>
+          <a:p>
             <a:r>
               <a:rPr lang="nl-NL" baseline="0" dirty="0" smtClean="0">
                 <a:effectLst/>
               </a:rPr>
-              <a:t> </a:t>
-            </a:r>
+              <a:t>Via “en” wordt een en ander op een andere manier geïntroduceerd. Engels is de voertaal van het project om een zo groot mogelijk publiek te bereiken.</a:t>
+            </a:r>
+          </a:p>
+          <a:p>
+            <a:endParaRPr lang="nl-NL" baseline="0" dirty="0" smtClean="0">
+              <a:effectLst/>
+            </a:endParaRPr>
+          </a:p>
+          <a:p>
+            <a:r>
+              <a:rPr lang="nl-NL" b="1" baseline="0" dirty="0" smtClean="0">
+                <a:effectLst/>
+              </a:rPr>
+              <a:t>Contact – nl:</a:t>
+            </a:r>
+          </a:p>
+          <a:p>
             <a:r>
               <a:rPr lang="nl-NL" baseline="0" dirty="0" smtClean="0">
                 <a:effectLst/>
               </a:rPr>
-              <a:t>in het midden</a:t>
-            </a:r>
-          </a:p>
-          <a:p>
-            <a:pPr marL="171450" indent="-171450">
-              <a:buFontTx/>
-              <a:buChar char="-"/>
-            </a:pPr>
-            <a:r>
-              <a:rPr lang="nl-NL" baseline="0" dirty="0" smtClean="0">
-                <a:effectLst/>
-              </a:rPr>
-              <a:t>Daar kun je draaddiagrammen hergebruiken als paardiagrammen</a:t>
-            </a:r>
-          </a:p>
-          <a:p>
-            <a:pPr marL="0" indent="0">
-              <a:buFontTx/>
-              <a:buNone/>
-            </a:pPr>
-            <a:r>
-              <a:rPr lang="nl-NL" baseline="0" dirty="0" smtClean="0">
-                <a:effectLst/>
-              </a:rPr>
-              <a:t>Pagina links midden</a:t>
-            </a:r>
-          </a:p>
-          <a:p>
-            <a:pPr marL="171450" indent="-171450">
-              <a:buFontTx/>
-              <a:buChar char="-"/>
-            </a:pPr>
-            <a:r>
-              <a:rPr lang="nl-NL" baseline="0" dirty="0" smtClean="0">
-                <a:effectLst/>
-              </a:rPr>
-              <a:t>Eenvoudiger </a:t>
-            </a:r>
-            <a:r>
-              <a:rPr lang="nl-NL" baseline="0" dirty="0" smtClean="0">
-                <a:effectLst/>
-              </a:rPr>
-              <a:t>om slagen te </a:t>
-            </a:r>
-            <a:r>
-              <a:rPr lang="nl-NL" baseline="0" dirty="0" smtClean="0">
-                <a:effectLst/>
-              </a:rPr>
-              <a:t>kiezen of draden te accentueren</a:t>
-            </a:r>
-          </a:p>
-          <a:p>
-            <a:pPr marL="171450" indent="-171450">
-              <a:buFontTx/>
-              <a:buChar char="-"/>
-            </a:pPr>
-            <a:r>
-              <a:rPr lang="nl-NL" baseline="0" dirty="0" smtClean="0">
-                <a:effectLst/>
-              </a:rPr>
-              <a:t>Nog niet af</a:t>
-            </a:r>
-          </a:p>
-          <a:p>
-            <a:pPr marL="171450" indent="-171450">
-              <a:buFontTx/>
-              <a:buChar char="-"/>
-            </a:pPr>
-            <a:r>
-              <a:rPr lang="nl-NL" baseline="0" dirty="0" smtClean="0">
-                <a:effectLst/>
-              </a:rPr>
-              <a:t>hier verder niet besproken</a:t>
-            </a:r>
+              <a:t>Je krijgt antwoord per e-mail, in het Nederlands.</a:t>
+            </a:r>
+          </a:p>
+          <a:p>
+            <a:endParaRPr lang="nl-NL" b="1" dirty="0"/>
+          </a:p>
+          <a:p>
+            <a:r>
+              <a:rPr lang="nl-NL" b="1" dirty="0"/>
+              <a:t>Bijdragen:</a:t>
+            </a:r>
+          </a:p>
+          <a:p>
+            <a:r>
+              <a:rPr lang="nl-NL" dirty="0"/>
+              <a:t>Om bij te dragen </a:t>
+            </a:r>
+            <a:r>
+              <a:rPr lang="nl-NL" dirty="0" smtClean="0"/>
+              <a:t>heb je </a:t>
+            </a:r>
+            <a:r>
+              <a:rPr lang="nl-NL" dirty="0"/>
+              <a:t>een GitHub account </a:t>
+            </a:r>
+            <a:r>
+              <a:rPr lang="nl-NL" dirty="0" smtClean="0"/>
+              <a:t>nodig. </a:t>
+            </a:r>
+            <a:r>
+              <a:rPr lang="nl-NL" dirty="0"/>
+              <a:t>Begin je vervolgens een (help)pagina te bewerken, dan wordt automatisch een persoonlijke kopie van het project gemaakt</a:t>
+            </a:r>
+            <a:r>
+              <a:rPr lang="nl-NL" dirty="0" smtClean="0"/>
+              <a:t>. Die </a:t>
+            </a:r>
+            <a:r>
+              <a:rPr lang="nl-NL" dirty="0"/>
+              <a:t>kopie komt te staan op</a:t>
+            </a:r>
+            <a:r>
+              <a:rPr lang="nl-NL" dirty="0" smtClean="0"/>
+              <a:t>:</a:t>
+            </a:r>
+          </a:p>
+          <a:p>
+            <a:r>
+              <a:rPr lang="nl-NL" dirty="0" smtClean="0"/>
+              <a:t>	github.com/gebruikersnaam/GroundForge</a:t>
+            </a:r>
+            <a:endParaRPr lang="nl-NL" dirty="0"/>
+          </a:p>
+          <a:p>
+            <a:r>
+              <a:rPr lang="nl-NL" dirty="0" smtClean="0"/>
+              <a:t>Om de wijzigingen op te slaan en als voorstel in te dienen kun je </a:t>
+            </a:r>
+            <a:r>
+              <a:rPr lang="nl-NL" dirty="0"/>
+              <a:t>drie </a:t>
+            </a:r>
+            <a:r>
+              <a:rPr lang="nl-NL" dirty="0" smtClean="0"/>
+              <a:t>stappen volgen </a:t>
+            </a:r>
+            <a:r>
+              <a:rPr lang="nl-NL" dirty="0"/>
+              <a:t>met grote groene </a:t>
+            </a:r>
+            <a:r>
+              <a:rPr lang="nl-NL" dirty="0" smtClean="0"/>
+              <a:t>knoppen. </a:t>
+            </a:r>
+            <a:r>
+              <a:rPr lang="nl-NL" dirty="0"/>
+              <a:t>De procedure word uitgelegd via de link “</a:t>
+            </a:r>
+            <a:r>
+              <a:rPr lang="nl-NL" dirty="0" err="1"/>
+              <a:t>propose</a:t>
+            </a:r>
+            <a:r>
+              <a:rPr lang="nl-NL" dirty="0"/>
+              <a:t> changes”. </a:t>
+            </a:r>
+          </a:p>
+          <a:p>
+            <a:endParaRPr lang="nl-NL" baseline="0" dirty="0" smtClean="0">
+              <a:effectLst/>
+            </a:endParaRPr>
+          </a:p>
+          <a:p>
+            <a:r>
+              <a:rPr lang="nl-NL" b="1" i="1" dirty="0" smtClean="0"/>
+              <a:t>D-</a:t>
+            </a:r>
+            <a:r>
+              <a:rPr lang="nl-NL" b="1" i="1" dirty="0" err="1" smtClean="0"/>
+              <a:t>BL.github</a:t>
+            </a:r>
+            <a:r>
+              <a:rPr lang="nl-NL" b="1" i="1" dirty="0" smtClean="0"/>
+              <a:t>:</a:t>
+            </a:r>
+          </a:p>
+          <a:p>
+            <a:r>
+              <a:rPr lang="nl-NL" i="0" dirty="0" smtClean="0"/>
+              <a:t>D-BL = </a:t>
+            </a:r>
+            <a:r>
+              <a:rPr lang="nl-NL" i="0" dirty="0" err="1" smtClean="0"/>
+              <a:t>DiBL</a:t>
+            </a:r>
+            <a:r>
+              <a:rPr lang="nl-NL" i="0" dirty="0" smtClean="0"/>
+              <a:t>= </a:t>
+            </a:r>
+            <a:r>
+              <a:rPr lang="nl-NL" i="0" u="sng" dirty="0" err="1" smtClean="0"/>
+              <a:t>Di</a:t>
+            </a:r>
+            <a:r>
+              <a:rPr lang="nl-NL" i="0" dirty="0" err="1" smtClean="0"/>
+              <a:t>agrams</a:t>
+            </a:r>
+            <a:r>
+              <a:rPr lang="nl-NL" i="0" dirty="0" smtClean="0"/>
+              <a:t> </a:t>
+            </a:r>
+            <a:r>
+              <a:rPr lang="nl-NL" i="0" dirty="0" err="1" smtClean="0"/>
+              <a:t>for</a:t>
+            </a:r>
+            <a:r>
+              <a:rPr lang="nl-NL" i="0" dirty="0" smtClean="0"/>
+              <a:t> </a:t>
+            </a:r>
+            <a:r>
+              <a:rPr lang="nl-NL" i="0" u="sng" dirty="0" err="1" smtClean="0"/>
+              <a:t>B</a:t>
+            </a:r>
+            <a:r>
+              <a:rPr lang="nl-NL" i="0" dirty="0" err="1" smtClean="0"/>
+              <a:t>obbin</a:t>
+            </a:r>
+            <a:r>
+              <a:rPr lang="nl-NL" i="0" dirty="0" smtClean="0"/>
+              <a:t> </a:t>
+            </a:r>
+            <a:r>
+              <a:rPr lang="nl-NL" i="0" u="sng" dirty="0" smtClean="0"/>
+              <a:t>L</a:t>
+            </a:r>
+            <a:r>
+              <a:rPr lang="nl-NL" i="0" dirty="0" smtClean="0"/>
+              <a:t>ace,</a:t>
+            </a:r>
+            <a:r>
+              <a:rPr lang="nl-NL" i="0" baseline="0" dirty="0" smtClean="0"/>
+              <a:t> </a:t>
+            </a:r>
+            <a:r>
+              <a:rPr lang="nl-NL" i="0" dirty="0" smtClean="0"/>
+              <a:t>de gewenste afkorting was al in gebruik dus van het i-</a:t>
+            </a:r>
+            <a:r>
+              <a:rPr lang="nl-NL" i="0" dirty="0" err="1" smtClean="0"/>
+              <a:t>tje</a:t>
+            </a:r>
+            <a:r>
+              <a:rPr lang="nl-NL" i="0" dirty="0" smtClean="0"/>
+              <a:t> een streepje gemaakt. </a:t>
+            </a:r>
+            <a:r>
+              <a:rPr lang="nl-NL" i="0" dirty="0" err="1" smtClean="0"/>
+              <a:t>Github</a:t>
+            </a:r>
+            <a:r>
+              <a:rPr lang="nl-NL" i="0" dirty="0" smtClean="0"/>
+              <a:t> is een provider om software te publiceren, ze doen dat gratis als het om open source gaat.</a:t>
+            </a:r>
+          </a:p>
+          <a:p>
             <a:endParaRPr lang="nl-NL" dirty="0" smtClean="0">
               <a:effectLst/>
             </a:endParaRPr>
@@ -3881,221 +4196,217 @@
           <a:bodyPr/>
           <a:lstStyle/>
           <a:p>
+            <a:pPr marL="0" marR="0" indent="0" algn="l" defTabSz="914400" rtl="0" eaLnBrk="1" fontAlgn="auto" latinLnBrk="0" hangingPunct="1">
+              <a:lnSpc>
+                <a:spcPct val="100000"/>
+              </a:lnSpc>
+              <a:spcBef>
+                <a:spcPts val="0"/>
+              </a:spcBef>
+              <a:spcAft>
+                <a:spcPts val="0"/>
+              </a:spcAft>
+              <a:buClrTx/>
+              <a:buSzTx/>
+              <a:buFontTx/>
+              <a:buNone/>
+              <a:tabLst/>
+              <a:defRPr/>
+            </a:pPr>
             <a:r>
               <a:rPr lang="nl-NL" dirty="0" smtClean="0">
+                <a:hlinkClick r:id="rId3"/>
+              </a:rPr>
+              <a:t>https://d-bl.github.io/GroundForge/help/Site-map</a:t>
+            </a:r>
+            <a:endParaRPr lang="nl-NL" dirty="0" smtClean="0"/>
+          </a:p>
+          <a:p>
+            <a:endParaRPr lang="nl-NL" b="1" dirty="0" smtClean="0">
+              <a:effectLst/>
+            </a:endParaRPr>
+          </a:p>
+          <a:p>
+            <a:r>
+              <a:rPr lang="nl-NL" b="1" dirty="0" smtClean="0">
                 <a:effectLst/>
               </a:rPr>
-              <a:t>Met het parameterformulier wordt aan de computer verteld hoe het patroon in</a:t>
-            </a:r>
+              <a:t>Hoofdpagina</a:t>
+            </a:r>
+            <a:r>
+              <a:rPr lang="nl-NL" b="1" baseline="0" dirty="0" smtClean="0">
+                <a:effectLst/>
+              </a:rPr>
+              <a:t> </a:t>
+            </a:r>
+            <a:r>
+              <a:rPr lang="nl-NL" b="1" baseline="0" dirty="0" smtClean="0">
+                <a:effectLst/>
+              </a:rPr>
+              <a:t>in het midden</a:t>
+            </a:r>
+          </a:p>
+          <a:p>
+            <a:pPr marL="171450" indent="-171450">
+              <a:buFontTx/>
+              <a:buChar char="-"/>
+            </a:pPr>
             <a:r>
               <a:rPr lang="nl-NL" baseline="0" dirty="0" smtClean="0">
                 <a:effectLst/>
               </a:rPr>
-              <a:t> elkaar zit.</a:t>
-            </a:r>
-            <a:endParaRPr lang="nl-NL" dirty="0" smtClean="0">
-              <a:effectLst/>
-            </a:endParaRPr>
+              <a:t>Oudste pagina</a:t>
+            </a:r>
           </a:p>
           <a:p>
             <a:pPr marL="171450" indent="-171450">
-              <a:buFont typeface="Arial" panose="020B0604020202020204" pitchFamily="34" charset="0"/>
-              <a:buChar char="•"/>
+              <a:buFontTx/>
+              <a:buChar char="-"/>
             </a:pPr>
             <a:r>
-              <a:rPr lang="nl-NL" dirty="0" smtClean="0">
+              <a:rPr lang="nl-NL" baseline="0" dirty="0" smtClean="0">
                 <a:effectLst/>
               </a:rPr>
-              <a:t>Het blauwe i-tje gaat naar de handleiding, daarop ook een contact link voor vragen.</a:t>
+              <a:t>Meeste mogelijkheden (draaddiagrammen hergebruiken als paardiagrammen, meer kleuren voor draden)</a:t>
             </a:r>
           </a:p>
           <a:p>
             <a:pPr marL="171450" indent="-171450">
-              <a:buFont typeface="Arial" panose="020B0604020202020204" pitchFamily="34" charset="0"/>
-              <a:buChar char="•"/>
+              <a:buFontTx/>
+              <a:buChar char="-"/>
             </a:pPr>
             <a:r>
-              <a:rPr lang="nl-NL" dirty="0" smtClean="0">
+              <a:rPr lang="nl-NL" baseline="0" dirty="0" smtClean="0">
                 <a:effectLst/>
               </a:rPr>
-              <a:t>Het zand scheppende mannetje betekent dat het onderdeel soms werkt en soms niet.</a:t>
-            </a:r>
-          </a:p>
-          <a:p>
-            <a:pPr marL="171450" indent="-171450">
-              <a:buFont typeface="Arial" panose="020B0604020202020204" pitchFamily="34" charset="0"/>
-              <a:buChar char="•"/>
-            </a:pPr>
-            <a:r>
-              <a:rPr lang="nl-NL" dirty="0" smtClean="0">
-                <a:effectLst/>
-              </a:rPr>
-              <a:t>Bij een professor petje is de handleiding noodzakelijk, al is het maar voor een spiekbriefje.</a:t>
-            </a:r>
-          </a:p>
-          <a:p>
-            <a:r>
-              <a:rPr lang="nl-NL" dirty="0" smtClean="0"/>
-              <a:t>Zelf invullen, of laten invullen door</a:t>
-            </a:r>
-            <a:r>
-              <a:rPr lang="nl-NL" baseline="0" dirty="0" smtClean="0"/>
-              <a:t> </a:t>
-            </a:r>
-            <a:r>
-              <a:rPr lang="nl-NL" dirty="0" smtClean="0"/>
-              <a:t>voorbeelden </a:t>
-            </a:r>
-            <a:r>
-              <a:rPr lang="nl-NL" dirty="0" smtClean="0"/>
-              <a:t>(catalogues) </a:t>
-            </a:r>
-            <a:r>
-              <a:rPr lang="nl-NL" dirty="0" smtClean="0"/>
-              <a:t>onder “get started”.</a:t>
-            </a:r>
-          </a:p>
-          <a:p>
-            <a:r>
-              <a:rPr lang="nl-NL" dirty="0" smtClean="0"/>
-              <a:t>Patroontje uitgezocht? </a:t>
-            </a:r>
-            <a:r>
-              <a:rPr lang="nl-NL" dirty="0" smtClean="0">
-                <a:sym typeface="Wingdings" panose="05000000000000000000" pitchFamily="2" charset="2"/>
-              </a:rPr>
-              <a:t> klik op show</a:t>
-            </a:r>
-          </a:p>
-          <a:p>
-            <a:endParaRPr lang="nl-NL" dirty="0" smtClean="0">
-              <a:sym typeface="Wingdings" panose="05000000000000000000" pitchFamily="2" charset="2"/>
-            </a:endParaRPr>
-          </a:p>
-          <a:p>
-            <a:r>
-              <a:rPr lang="nl-NL" i="1" dirty="0" smtClean="0">
-                <a:sym typeface="Wingdings" panose="05000000000000000000" pitchFamily="2" charset="2"/>
-              </a:rPr>
-              <a:t>Vraag en antwoord:</a:t>
-            </a:r>
-          </a:p>
-          <a:p>
-            <a:r>
-              <a:rPr lang="nl-NL" i="1" dirty="0" smtClean="0">
-                <a:sym typeface="Wingdings" panose="05000000000000000000" pitchFamily="2" charset="2"/>
-              </a:rPr>
-              <a:t>Waarom in het Engels?</a:t>
-            </a:r>
-          </a:p>
-          <a:p>
-            <a:pPr marL="171450" indent="-171450">
-              <a:buFont typeface="Arial" panose="020B0604020202020204" pitchFamily="34" charset="0"/>
-              <a:buChar char="•"/>
-            </a:pPr>
-            <a:r>
-              <a:rPr lang="nl-NL" i="1" dirty="0" smtClean="0">
-                <a:sym typeface="Wingdings" panose="05000000000000000000" pitchFamily="2" charset="2"/>
-              </a:rPr>
-              <a:t>Om een zo breed mogelijk publiek te bereiken</a:t>
-            </a:r>
-          </a:p>
-          <a:p>
-            <a:pPr marL="171450" indent="-171450">
-              <a:buFont typeface="Arial" panose="020B0604020202020204" pitchFamily="34" charset="0"/>
-              <a:buChar char="•"/>
-            </a:pPr>
-            <a:r>
-              <a:rPr lang="nl-NL" i="1" dirty="0" smtClean="0">
-                <a:sym typeface="Wingdings" panose="05000000000000000000" pitchFamily="2" charset="2"/>
-              </a:rPr>
-              <a:t>Omdat het als samenwerking begon met een Canadese promovendus</a:t>
-            </a:r>
-          </a:p>
-          <a:p>
-            <a:endParaRPr lang="nl-NL" i="1" dirty="0" smtClean="0">
-              <a:sym typeface="Wingdings" panose="05000000000000000000" pitchFamily="2" charset="2"/>
-            </a:endParaRPr>
-          </a:p>
-          <a:p>
-            <a:r>
-              <a:rPr lang="nl-NL" i="1" dirty="0" smtClean="0"/>
-              <a:t>Vertalers </a:t>
-            </a:r>
-            <a:r>
-              <a:rPr lang="nl-NL" i="1" dirty="0"/>
-              <a:t>met allemaal hun eigen koeterwaals en reclamezooi:</a:t>
-            </a:r>
-          </a:p>
-          <a:p>
-            <a:r>
-              <a:rPr lang="nl-NL" dirty="0" smtClean="0">
-                <a:hlinkClick r:id="rId3"/>
-              </a:rPr>
-              <a:t>https</a:t>
-            </a:r>
-            <a:r>
-              <a:rPr lang="nl-NL" dirty="0">
-                <a:hlinkClick r:id="rId3"/>
-              </a:rPr>
-              <a:t>://translate.google.com/#en/nl</a:t>
-            </a:r>
-            <a:endParaRPr lang="nl-NL" dirty="0"/>
-          </a:p>
-          <a:p>
-            <a:pPr>
-              <a:defRPr/>
-            </a:pPr>
-            <a:r>
-              <a:rPr lang="nl-NL" dirty="0">
-                <a:hlinkClick r:id="rId4"/>
-              </a:rPr>
-              <a:t>https://www.bing.com/translator/</a:t>
-            </a:r>
-            <a:endParaRPr lang="nl-NL" dirty="0"/>
-          </a:p>
-          <a:p>
-            <a:pPr>
-              <a:defRPr/>
-            </a:pPr>
-            <a:r>
-              <a:rPr lang="nl-NL" dirty="0">
-                <a:hlinkClick r:id="rId5"/>
-              </a:rPr>
-              <a:t>https://www.collinsdictionary.com/translator</a:t>
-            </a:r>
-            <a:endParaRPr lang="nl-NL" dirty="0"/>
-          </a:p>
-          <a:p>
-            <a:pPr>
-              <a:defRPr/>
-            </a:pPr>
-            <a:r>
-              <a:rPr lang="nl-NL" dirty="0">
-                <a:hlinkClick r:id="rId6"/>
-              </a:rPr>
-              <a:t>http://translate.reference.com/english/dutch</a:t>
-            </a:r>
-            <a:endParaRPr lang="nl-NL" dirty="0"/>
-          </a:p>
-          <a:p>
-            <a:endParaRPr lang="nl-NL" i="1" dirty="0">
-              <a:sym typeface="Wingdings" panose="05000000000000000000" pitchFamily="2" charset="2"/>
-            </a:endParaRPr>
-          </a:p>
-          <a:p>
-            <a:pPr marL="171450" indent="-171450">
-              <a:buFont typeface="Arial" panose="020B0604020202020204" pitchFamily="34" charset="0"/>
-              <a:buChar char="•"/>
-            </a:pPr>
-            <a:endParaRPr lang="nl-NL" i="1" dirty="0"/>
-          </a:p>
-          <a:p>
+              <a:t>Ook het lastigst in het gebruik</a:t>
+            </a:r>
             <a:endParaRPr lang="nl-NL" baseline="0" dirty="0" smtClean="0">
               <a:effectLst/>
             </a:endParaRPr>
           </a:p>
           <a:p>
+            <a:pPr marL="0" indent="0">
+              <a:buFontTx/>
+              <a:buNone/>
+            </a:pPr>
+            <a:endParaRPr lang="nl-NL" baseline="0" dirty="0" smtClean="0">
+              <a:effectLst/>
+            </a:endParaRPr>
+          </a:p>
+          <a:p>
+            <a:pPr marL="0" indent="0">
+              <a:buFontTx/>
+              <a:buNone/>
+            </a:pPr>
+            <a:r>
+              <a:rPr lang="nl-NL" b="1" baseline="0" dirty="0" smtClean="0">
+                <a:effectLst/>
+              </a:rPr>
+              <a:t>Pagina </a:t>
+            </a:r>
+            <a:r>
+              <a:rPr lang="nl-NL" b="1" baseline="0" dirty="0" smtClean="0">
+                <a:effectLst/>
+              </a:rPr>
+              <a:t>links midden</a:t>
+            </a:r>
+          </a:p>
+          <a:p>
+            <a:pPr marL="171450" indent="-171450">
+              <a:buFontTx/>
+              <a:buChar char="-"/>
+            </a:pPr>
+            <a:r>
+              <a:rPr lang="nl-NL" baseline="0" dirty="0" smtClean="0">
+                <a:effectLst/>
+              </a:rPr>
+              <a:t>Eenvoudiger om slagen te kiezen of draden te accentueren</a:t>
+            </a:r>
+          </a:p>
+          <a:p>
+            <a:pPr marL="171450" indent="-171450">
+              <a:buFontTx/>
+              <a:buChar char="-"/>
+            </a:pPr>
+            <a:r>
+              <a:rPr lang="nl-NL" baseline="0" dirty="0" smtClean="0">
+                <a:effectLst/>
+              </a:rPr>
+              <a:t>Nog niet </a:t>
+            </a:r>
+            <a:r>
+              <a:rPr lang="nl-NL" baseline="0" dirty="0" smtClean="0">
+                <a:effectLst/>
+              </a:rPr>
+              <a:t>helemaal af</a:t>
+            </a:r>
+          </a:p>
+          <a:p>
+            <a:pPr marL="628650" lvl="1" indent="-171450">
+              <a:buFontTx/>
+              <a:buChar char="-"/>
+            </a:pPr>
+            <a:r>
+              <a:rPr lang="nl-NL" baseline="0" dirty="0" smtClean="0">
+                <a:effectLst/>
+              </a:rPr>
+              <a:t>Randslagen ontbreken</a:t>
+            </a:r>
+          </a:p>
+          <a:p>
+            <a:pPr marL="628650" lvl="1" indent="-171450">
+              <a:buFontTx/>
+              <a:buChar char="-"/>
+            </a:pPr>
+            <a:r>
+              <a:rPr lang="nl-NL" baseline="0" dirty="0" smtClean="0">
+                <a:effectLst/>
+              </a:rPr>
+              <a:t>Help pagina beperkt tot diagrammen sectie</a:t>
+            </a:r>
+          </a:p>
+          <a:p>
+            <a:pPr marL="628650" lvl="1" indent="-171450">
+              <a:buFontTx/>
+              <a:buChar char="-"/>
+            </a:pPr>
+            <a:r>
+              <a:rPr lang="nl-NL" dirty="0" smtClean="0"/>
+              <a:t>Draaddiagrammen werken soms maar voor beperkte “patch </a:t>
+            </a:r>
+            <a:r>
+              <a:rPr lang="nl-NL" dirty="0" err="1" smtClean="0"/>
+              <a:t>sizes</a:t>
+            </a:r>
+            <a:r>
+              <a:rPr lang="nl-NL" dirty="0" smtClean="0"/>
+              <a:t>”</a:t>
+            </a:r>
+            <a:br>
+              <a:rPr lang="nl-NL" dirty="0" smtClean="0"/>
+            </a:br>
+            <a:r>
+              <a:rPr lang="nl-NL" baseline="0" dirty="0" smtClean="0">
+                <a:effectLst/>
+              </a:rPr>
+              <a:t>(= is aantal rijen en kolommen van slagen)</a:t>
+            </a:r>
+            <a:endParaRPr lang="nl-NL" baseline="0" dirty="0" smtClean="0">
+              <a:effectLst/>
+            </a:endParaRPr>
+          </a:p>
+          <a:p>
+            <a:pPr marL="171450" indent="-171450">
+              <a:buFontTx/>
+              <a:buChar char="-"/>
+            </a:pPr>
+            <a:r>
+              <a:rPr lang="nl-NL" baseline="0" dirty="0" smtClean="0">
+                <a:effectLst/>
+              </a:rPr>
+              <a:t>niet verder besproken in deze presentatie</a:t>
+            </a:r>
             <a:endParaRPr lang="nl-NL" dirty="0" smtClean="0">
               <a:effectLst/>
             </a:endParaRPr>
@@ -4182,35 +4493,189 @@
           <a:bodyPr/>
           <a:lstStyle/>
           <a:p>
-            <a:pPr marL="0" marR="0" indent="0" algn="l" defTabSz="914400" rtl="0" eaLnBrk="1" fontAlgn="auto" latinLnBrk="0" hangingPunct="1">
-              <a:lnSpc>
-                <a:spcPct val="100000"/>
-              </a:lnSpc>
-              <a:spcBef>
-                <a:spcPts val="0"/>
-              </a:spcBef>
-              <a:spcAft>
-                <a:spcPts val="0"/>
-              </a:spcAft>
-              <a:buClrTx/>
-              <a:buSzTx/>
-              <a:buFontTx/>
-              <a:buNone/>
-              <a:tabLst/>
+            <a:r>
+              <a:rPr lang="nl-NL" dirty="0" smtClean="0">
+                <a:effectLst/>
+              </a:rPr>
+              <a:t>Met het parameterformulier wordt aan de computer verteld hoe het patroon in</a:t>
+            </a:r>
+            <a:r>
+              <a:rPr lang="nl-NL" baseline="0" dirty="0" smtClean="0">
+                <a:effectLst/>
+              </a:rPr>
+              <a:t> elkaar zit.</a:t>
+            </a:r>
+            <a:endParaRPr lang="nl-NL" dirty="0" smtClean="0">
+              <a:effectLst/>
+            </a:endParaRPr>
+          </a:p>
+          <a:p>
+            <a:pPr marL="171450" indent="-171450">
+              <a:buFont typeface="Arial" panose="020B0604020202020204" pitchFamily="34" charset="0"/>
+              <a:buChar char="•"/>
+            </a:pPr>
+            <a:r>
+              <a:rPr lang="nl-NL" dirty="0" smtClean="0">
+                <a:effectLst/>
+              </a:rPr>
+              <a:t>Het blauwe i-tje gaat naar de </a:t>
+            </a:r>
+            <a:r>
+              <a:rPr lang="nl-NL" dirty="0" smtClean="0">
+                <a:effectLst/>
+              </a:rPr>
+              <a:t>help-pagina’s, </a:t>
+            </a:r>
+            <a:r>
+              <a:rPr lang="nl-NL" dirty="0" smtClean="0">
+                <a:effectLst/>
+              </a:rPr>
+              <a:t>daarop ook een contact link voor vragen.</a:t>
+            </a:r>
+          </a:p>
+          <a:p>
+            <a:pPr marL="171450" indent="-171450">
+              <a:buFont typeface="Arial" panose="020B0604020202020204" pitchFamily="34" charset="0"/>
+              <a:buChar char="•"/>
+            </a:pPr>
+            <a:r>
+              <a:rPr lang="nl-NL" dirty="0" smtClean="0">
+                <a:effectLst/>
+              </a:rPr>
+              <a:t>Het zand scheppende mannetje betekent dat het onderdeel soms werkt en soms niet.</a:t>
+            </a:r>
+          </a:p>
+          <a:p>
+            <a:pPr marL="171450" indent="-171450">
+              <a:buFont typeface="Arial" panose="020B0604020202020204" pitchFamily="34" charset="0"/>
+              <a:buChar char="•"/>
+            </a:pPr>
+            <a:r>
+              <a:rPr lang="nl-NL" dirty="0" smtClean="0">
+                <a:effectLst/>
+              </a:rPr>
+              <a:t>Bij een professor petje is de handleiding noodzakelijk, al is het maar voor een spiekbriefje.</a:t>
+            </a:r>
+          </a:p>
+          <a:p>
+            <a:r>
+              <a:rPr lang="nl-NL" dirty="0" smtClean="0"/>
+              <a:t>Zelf invullen, of laten invullen door</a:t>
+            </a:r>
+            <a:r>
+              <a:rPr lang="nl-NL" baseline="0" dirty="0" smtClean="0"/>
+              <a:t> </a:t>
+            </a:r>
+            <a:r>
+              <a:rPr lang="nl-NL" dirty="0" smtClean="0"/>
+              <a:t>voorbeelden </a:t>
+            </a:r>
+            <a:r>
+              <a:rPr lang="nl-NL" dirty="0" smtClean="0"/>
+              <a:t>(</a:t>
+            </a:r>
+            <a:r>
+              <a:rPr lang="nl-NL" strike="sngStrike" dirty="0" err="1" smtClean="0"/>
+              <a:t>examples</a:t>
+            </a:r>
+            <a:r>
+              <a:rPr lang="nl-NL" dirty="0" smtClean="0"/>
+              <a:t> catalogi) </a:t>
+            </a:r>
+            <a:r>
+              <a:rPr lang="nl-NL" dirty="0" smtClean="0"/>
+              <a:t>onder “get started”.</a:t>
+            </a:r>
+          </a:p>
+          <a:p>
+            <a:r>
+              <a:rPr lang="nl-NL" dirty="0" smtClean="0"/>
+              <a:t>Patroontje uitgezocht? </a:t>
+            </a:r>
+            <a:r>
+              <a:rPr lang="nl-NL" dirty="0" smtClean="0">
+                <a:sym typeface="Wingdings" panose="05000000000000000000" pitchFamily="2" charset="2"/>
+              </a:rPr>
+              <a:t> klik op show</a:t>
+            </a:r>
+          </a:p>
+          <a:p>
+            <a:endParaRPr lang="nl-NL" dirty="0" smtClean="0">
+              <a:sym typeface="Wingdings" panose="05000000000000000000" pitchFamily="2" charset="2"/>
+            </a:endParaRPr>
+          </a:p>
+          <a:p>
+            <a:r>
+              <a:rPr lang="nl-NL" i="1" dirty="0" smtClean="0"/>
+              <a:t>Automatische vertalers </a:t>
+            </a:r>
+            <a:r>
+              <a:rPr lang="nl-NL" i="1" dirty="0"/>
+              <a:t>met allemaal hun eigen koeterwaals en reclamezooi:</a:t>
+            </a:r>
+          </a:p>
+          <a:p>
+            <a:r>
+              <a:rPr lang="nl-NL" dirty="0" smtClean="0">
+                <a:hlinkClick r:id="rId3"/>
+              </a:rPr>
+              <a:t>https</a:t>
+            </a:r>
+            <a:r>
+              <a:rPr lang="nl-NL" dirty="0">
+                <a:hlinkClick r:id="rId3"/>
+              </a:rPr>
+              <a:t>://translate.google.com/#en/nl</a:t>
+            </a:r>
+            <a:endParaRPr lang="nl-NL" dirty="0"/>
+          </a:p>
+          <a:p>
+            <a:pPr>
               <a:defRPr/>
             </a:pPr>
             <a:r>
-              <a:rPr lang="nl-NL" baseline="0" dirty="0" smtClean="0"/>
-              <a:t>Rechtsboven een parentekening volgens het boekje. </a:t>
-            </a:r>
-            <a:r>
-              <a:rPr lang="nl-NL" dirty="0" smtClean="0"/>
-              <a:t>Links onder </a:t>
-            </a:r>
-            <a:r>
-              <a:rPr lang="nl-NL" baseline="0" dirty="0" smtClean="0"/>
-              <a:t>gegenereerd door de GroundForge. De laatste trekt de gaten rond.</a:t>
-            </a:r>
+              <a:rPr lang="nl-NL" dirty="0">
+                <a:hlinkClick r:id="rId4"/>
+              </a:rPr>
+              <a:t>https://www.bing.com/translator/</a:t>
+            </a:r>
+            <a:endParaRPr lang="nl-NL" dirty="0"/>
+          </a:p>
+          <a:p>
+            <a:pPr>
+              <a:defRPr/>
+            </a:pPr>
+            <a:r>
+              <a:rPr lang="nl-NL" dirty="0">
+                <a:hlinkClick r:id="rId5"/>
+              </a:rPr>
+              <a:t>https://www.collinsdictionary.com/translator</a:t>
+            </a:r>
+            <a:endParaRPr lang="nl-NL" dirty="0"/>
+          </a:p>
+          <a:p>
+            <a:pPr>
+              <a:defRPr/>
+            </a:pPr>
+            <a:r>
+              <a:rPr lang="nl-NL" dirty="0">
+                <a:hlinkClick r:id="rId6"/>
+              </a:rPr>
+              <a:t>http://translate.reference.com/english/dutch</a:t>
+            </a:r>
+            <a:endParaRPr lang="nl-NL" dirty="0"/>
+          </a:p>
+          <a:p>
+            <a:endParaRPr lang="nl-NL" i="1" dirty="0">
+              <a:sym typeface="Wingdings" panose="05000000000000000000" pitchFamily="2" charset="2"/>
+            </a:endParaRPr>
+          </a:p>
+          <a:p>
+            <a:pPr marL="171450" indent="-171450">
+              <a:buFont typeface="Arial" panose="020B0604020202020204" pitchFamily="34" charset="0"/>
+              <a:buChar char="•"/>
+            </a:pPr>
+            <a:endParaRPr lang="nl-NL" i="1" dirty="0"/>
           </a:p>
           <a:p>
             <a:endParaRPr lang="nl-NL" baseline="0" dirty="0" smtClean="0">
@@ -4218,136 +4683,9 @@
             </a:endParaRPr>
           </a:p>
           <a:p>
-            <a:r>
-              <a:rPr lang="nl-NL" dirty="0"/>
-              <a:t>GroundForge </a:t>
-            </a:r>
-            <a:r>
-              <a:rPr lang="nl-NL" baseline="0" dirty="0" smtClean="0">
-                <a:effectLst/>
-              </a:rPr>
-              <a:t>zet hooguit één markering bij meerdere draaien.</a:t>
-            </a:r>
-            <a:r>
-              <a:rPr lang="nl-NL" dirty="0" smtClean="0">
-                <a:effectLst/>
-              </a:rPr>
-              <a:t> </a:t>
-            </a:r>
-            <a:r>
-              <a:rPr lang="nl-NL" baseline="0" dirty="0" smtClean="0">
-                <a:effectLst/>
-              </a:rPr>
-              <a:t>Onafhankelijk van de kleur van de slag. </a:t>
-            </a:r>
-            <a:r>
-              <a:rPr lang="nl-NL" dirty="0" smtClean="0"/>
-              <a:t>Bij gesloten methode alleen als beide paren meerdere draaien hebben (lastige bug) Aan de kleurcode wordt nog gewerkt.</a:t>
-            </a:r>
-            <a:endParaRPr lang="nl-NL" baseline="0" dirty="0" smtClean="0">
+            <a:endParaRPr lang="nl-NL" dirty="0" smtClean="0">
               <a:effectLst/>
             </a:endParaRPr>
-          </a:p>
-          <a:p>
-            <a:endParaRPr lang="nl-NL" baseline="0" dirty="0" smtClean="0">
-              <a:effectLst/>
-            </a:endParaRPr>
-          </a:p>
-          <a:p>
-            <a:r>
-              <a:rPr lang="nl-NL" baseline="0" dirty="0" smtClean="0"/>
-              <a:t>De slag die door de muis wordt aangewezen is: linnenslag, keren om de speld linnenslag. A</a:t>
-            </a:r>
-            <a:r>
-              <a:rPr lang="nl-NL" dirty="0" smtClean="0"/>
-              <a:t>lles </a:t>
-            </a:r>
-            <a:r>
-              <a:rPr lang="nl-NL" dirty="0"/>
-              <a:t>waarvoor je twee paar oppakt, totdat je minstens een van beide weer neerlegt</a:t>
-            </a:r>
-            <a:r>
-              <a:rPr lang="nl-NL" dirty="0" smtClean="0"/>
-              <a:t>, wordt </a:t>
-            </a:r>
-            <a:r>
-              <a:rPr lang="nl-NL" dirty="0"/>
-              <a:t>door GroundForge beschouwd een enkele slag.</a:t>
-            </a:r>
-          </a:p>
-          <a:p>
-            <a:endParaRPr lang="nl-NL" dirty="0"/>
-          </a:p>
-          <a:p>
-            <a:r>
-              <a:rPr lang="nl-NL" b="1" dirty="0" smtClean="0"/>
-              <a:t>Stitches</a:t>
-            </a:r>
-            <a:r>
-              <a:rPr lang="nl-NL" dirty="0" smtClean="0"/>
-              <a:t>: invulveld dat de slagen beschrijft</a:t>
-            </a:r>
-            <a:endParaRPr lang="nl-NL" dirty="0"/>
-          </a:p>
-          <a:p>
-            <a:r>
-              <a:rPr lang="nl-NL" dirty="0"/>
-              <a:t>De omschrijving van een slag is voor zowel mensen als de computer leesbaar:</a:t>
-            </a:r>
-          </a:p>
-          <a:p>
-            <a:r>
-              <a:rPr lang="nl-NL" dirty="0"/>
-              <a:t>C=cross = kruisen</a:t>
-            </a:r>
-          </a:p>
-          <a:p>
-            <a:r>
-              <a:rPr lang="nl-NL" dirty="0"/>
-              <a:t>T=twist = draaien; l/r=links/rechts draaien</a:t>
-            </a:r>
-          </a:p>
-          <a:p>
-            <a:pPr>
-              <a:defRPr/>
-            </a:pPr>
-            <a:endParaRPr lang="nl-NL" dirty="0" smtClean="0"/>
-          </a:p>
-          <a:p>
-            <a:pPr>
-              <a:defRPr/>
-            </a:pPr>
-            <a:r>
-              <a:rPr lang="nl-NL" dirty="0" smtClean="0"/>
-              <a:t>Per </a:t>
-            </a:r>
-            <a:r>
-              <a:rPr lang="nl-NL" dirty="0"/>
-              <a:t>ID een slag kiezen. De eerste slag (linnenslag, ctc) is de default voor alle slagen die niet expliciet gekozen zijn.</a:t>
-            </a:r>
-          </a:p>
-          <a:p>
-            <a:endParaRPr lang="nl-NL" baseline="0" dirty="0" smtClean="0"/>
-          </a:p>
-          <a:p>
-            <a:r>
-              <a:rPr lang="nl-NL" b="1" baseline="0" dirty="0" smtClean="0"/>
-              <a:t>Bruggetje</a:t>
-            </a:r>
-          </a:p>
-          <a:p>
-            <a:r>
-              <a:rPr lang="nl-NL" baseline="0" dirty="0" smtClean="0"/>
-              <a:t>Volg de link naar de handleiding,</a:t>
-            </a:r>
-            <a:r>
-              <a:rPr lang="nl-NL" dirty="0" smtClean="0"/>
-              <a:t> </a:t>
-            </a:r>
-            <a:r>
-              <a:rPr lang="nl-NL" baseline="0" dirty="0" smtClean="0"/>
-              <a:t>dan vind je zowel uitleg als een hulpformulier</a:t>
-            </a:r>
           </a:p>
         </p:txBody>
       </p:sp>
@@ -4449,120 +4787,154 @@
               <a:defRPr/>
             </a:pPr>
             <a:r>
+              <a:rPr lang="nl-NL" baseline="0" dirty="0" smtClean="0"/>
+              <a:t>Rechtsboven een parentekening volgens het boekje. </a:t>
+            </a:r>
+            <a:r>
+              <a:rPr lang="nl-NL" dirty="0" smtClean="0"/>
+              <a:t>Links onder </a:t>
+            </a:r>
+            <a:r>
+              <a:rPr lang="nl-NL" baseline="0" dirty="0" smtClean="0"/>
+              <a:t>gegenereerd door de GroundForge. De laatste trekt de gaten rond.</a:t>
+            </a:r>
+          </a:p>
+          <a:p>
+            <a:endParaRPr lang="nl-NL" baseline="0" dirty="0" smtClean="0">
+              <a:effectLst/>
+            </a:endParaRPr>
+          </a:p>
+          <a:p>
+            <a:r>
+              <a:rPr lang="nl-NL" dirty="0"/>
+              <a:t>GroundForge </a:t>
+            </a:r>
+            <a:r>
               <a:rPr lang="nl-NL" baseline="0" dirty="0" smtClean="0">
                 <a:effectLst/>
               </a:rPr>
-              <a:t>Het gekozen patroon bepaalt hoe de rest van het formulier er uit ziet:</a:t>
-            </a:r>
-          </a:p>
-          <a:p>
-            <a:r>
-              <a:rPr lang="nl-NL" dirty="0" smtClean="0"/>
-              <a:t>Linker voorbeeld: bekende om-en-om zonder spelden</a:t>
-            </a:r>
-          </a:p>
-          <a:p>
-            <a:r>
-              <a:rPr lang="nl-NL" dirty="0" smtClean="0"/>
-              <a:t>Rechter voorbeeld: komt verderop op een verrassende manier terug</a:t>
-            </a:r>
-          </a:p>
-          <a:p>
+              <a:t>zet hooguit één markering bij meerdere draaien.</a:t>
+            </a:r>
+            <a:r>
+              <a:rPr lang="nl-NL" dirty="0" smtClean="0">
+                <a:effectLst/>
+              </a:rPr>
+              <a:t> </a:t>
+            </a:r>
+            <a:r>
+              <a:rPr lang="nl-NL" baseline="0" dirty="0" smtClean="0">
+                <a:effectLst/>
+              </a:rPr>
+              <a:t>Onafhankelijk van de kleur van de slag. </a:t>
+            </a:r>
+            <a:r>
+              <a:rPr lang="nl-NL" dirty="0" smtClean="0"/>
+              <a:t>Bij gesloten methode alleen als beide paren meerdere draaien hebben (lastige bug) Aan de kleurcode wordt nog gewerkt.</a:t>
+            </a:r>
             <a:endParaRPr lang="nl-NL" baseline="0" dirty="0" smtClean="0">
               <a:effectLst/>
             </a:endParaRPr>
           </a:p>
           <a:p>
-            <a:r>
-              <a:rPr lang="nl-NL" baseline="0" dirty="0" smtClean="0">
-                <a:effectLst/>
-              </a:rPr>
-              <a:t>De gekozen slagen worden ingevuld in het “stitches” (slagen) veld op de vorige dia.</a:t>
-            </a:r>
-          </a:p>
-          <a:p>
-            <a:r>
-              <a:rPr lang="nl-NL" baseline="0" dirty="0" smtClean="0">
-                <a:effectLst/>
-              </a:rPr>
-              <a:t>Let op: het hele patroon wordt opnieuw ingevuld, dit formulier dus niet gebruiken om te variëren op de aangeboden voorbeelden.</a:t>
-            </a:r>
-          </a:p>
-          <a:p>
-            <a:endParaRPr lang="nl-NL" dirty="0"/>
-          </a:p>
-          <a:p>
-            <a:r>
-              <a:rPr lang="nl-NL" baseline="0" dirty="0" smtClean="0">
-                <a:effectLst/>
-              </a:rPr>
-              <a:t>Een spiekbriefje laat de code en afbeelding zien van minder triviale (= ct, ctc, ctct) slagen. Die kun je zo kopiëren en plakken.</a:t>
-            </a:r>
-          </a:p>
-          <a:p>
-            <a:endParaRPr lang="nl-NL" dirty="0"/>
-          </a:p>
-          <a:p>
-            <a:r>
-              <a:rPr lang="nl-NL" i="1" dirty="0">
-                <a:sym typeface="Wingdings" panose="05000000000000000000" pitchFamily="2" charset="2"/>
-              </a:rPr>
-              <a:t>Vraag en </a:t>
-            </a:r>
-            <a:r>
-              <a:rPr lang="nl-NL" i="1" dirty="0" smtClean="0">
-                <a:sym typeface="Wingdings" panose="05000000000000000000" pitchFamily="2" charset="2"/>
-              </a:rPr>
-              <a:t>antwoord:</a:t>
-            </a:r>
-          </a:p>
-          <a:p>
-            <a:r>
-              <a:rPr lang="nl-NL" i="1" dirty="0" smtClean="0">
-                <a:sym typeface="Wingdings" panose="05000000000000000000" pitchFamily="2" charset="2"/>
-              </a:rPr>
-              <a:t>Wat is het adres van deze pagina?</a:t>
-            </a:r>
-            <a:endParaRPr lang="nl-NL" i="1" dirty="0">
-              <a:sym typeface="Wingdings" panose="05000000000000000000" pitchFamily="2" charset="2"/>
-            </a:endParaRPr>
-          </a:p>
-          <a:p>
-            <a:endParaRPr lang="nl-NL" i="1" dirty="0">
-              <a:sym typeface="Wingdings" panose="05000000000000000000" pitchFamily="2" charset="2"/>
-            </a:endParaRPr>
-          </a:p>
-          <a:p>
-            <a:r>
-              <a:rPr lang="nl-NL" sz="1200" u="sng" kern="1200" dirty="0" smtClean="0">
-                <a:solidFill>
-                  <a:schemeClr val="tx1"/>
-                </a:solidFill>
-                <a:effectLst/>
-                <a:latin typeface="+mn-lt"/>
-                <a:ea typeface="+mn-ea"/>
-                <a:cs typeface="+mn-cs"/>
-                <a:hlinkClick r:id="rId3"/>
-              </a:rPr>
-              <a:t>https://d-bl.github.io/GroundForge/help/Choose-Stitches</a:t>
-            </a:r>
-            <a:r>
-              <a:rPr lang="nl-NL" sz="1200" kern="1200" dirty="0" smtClean="0">
-                <a:solidFill>
-                  <a:schemeClr val="tx1"/>
-                </a:solidFill>
-                <a:effectLst/>
-                <a:latin typeface="+mn-lt"/>
-                <a:ea typeface="+mn-ea"/>
-                <a:cs typeface="+mn-cs"/>
-              </a:rPr>
-              <a:t> </a:t>
-            </a:r>
-          </a:p>
-          <a:p>
             <a:endParaRPr lang="nl-NL" baseline="0" dirty="0" smtClean="0">
               <a:effectLst/>
             </a:endParaRPr>
+          </a:p>
+          <a:p>
+            <a:r>
+              <a:rPr lang="nl-NL" baseline="0" dirty="0" smtClean="0"/>
+              <a:t>De slag die door de muis wordt aangewezen is: linnenslag, keren om de speld linnenslag. A</a:t>
+            </a:r>
+            <a:r>
+              <a:rPr lang="nl-NL" dirty="0" smtClean="0"/>
+              <a:t>lles </a:t>
+            </a:r>
+            <a:r>
+              <a:rPr lang="nl-NL" dirty="0"/>
+              <a:t>waarvoor je twee paar oppakt, totdat je minstens een van beide weer neerlegt</a:t>
+            </a:r>
+            <a:r>
+              <a:rPr lang="nl-NL" dirty="0" smtClean="0"/>
+              <a:t>, wordt </a:t>
+            </a:r>
+            <a:r>
+              <a:rPr lang="nl-NL" dirty="0"/>
+              <a:t>door GroundForge beschouwd een enkele slag.</a:t>
+            </a:r>
+          </a:p>
+          <a:p>
+            <a:endParaRPr lang="nl-NL" dirty="0"/>
+          </a:p>
+          <a:p>
+            <a:r>
+              <a:rPr lang="nl-NL" b="1" dirty="0" smtClean="0"/>
+              <a:t>Stitches</a:t>
+            </a:r>
+            <a:r>
+              <a:rPr lang="nl-NL" dirty="0" smtClean="0"/>
+              <a:t>: invulveld dat de slagen beschrijft</a:t>
+            </a:r>
+            <a:endParaRPr lang="nl-NL" dirty="0"/>
+          </a:p>
+          <a:p>
+            <a:r>
+              <a:rPr lang="nl-NL" dirty="0"/>
+              <a:t>De omschrijving van een slag is voor zowel mensen als de computer leesbaar:</a:t>
+            </a:r>
+          </a:p>
+          <a:p>
+            <a:r>
+              <a:rPr lang="nl-NL" dirty="0"/>
+              <a:t>C=cross = kruisen</a:t>
+            </a:r>
+          </a:p>
+          <a:p>
+            <a:r>
+              <a:rPr lang="nl-NL" dirty="0"/>
+              <a:t>T=twist = draaien; l/r=links/rechts draaien</a:t>
+            </a:r>
+          </a:p>
+          <a:p>
+            <a:pPr>
+              <a:defRPr/>
+            </a:pPr>
+            <a:endParaRPr lang="nl-NL" dirty="0" smtClean="0"/>
+          </a:p>
+          <a:p>
+            <a:pPr>
+              <a:defRPr/>
+            </a:pPr>
+            <a:r>
+              <a:rPr lang="nl-NL" dirty="0" smtClean="0"/>
+              <a:t>Per </a:t>
+            </a:r>
+            <a:r>
+              <a:rPr lang="nl-NL" dirty="0"/>
+              <a:t>ID een slag kiezen. De eerste slag (linnenslag, ctc) is de default voor alle slagen die niet expliciet gekozen zijn.</a:t>
+            </a:r>
+          </a:p>
+          <a:p>
+            <a:endParaRPr lang="nl-NL" baseline="0" dirty="0" smtClean="0"/>
+          </a:p>
+          <a:p>
+            <a:r>
+              <a:rPr lang="nl-NL" b="1" baseline="0" dirty="0" smtClean="0"/>
+              <a:t>Bruggetje</a:t>
+            </a:r>
+          </a:p>
+          <a:p>
+            <a:r>
+              <a:rPr lang="nl-NL" baseline="0" dirty="0" smtClean="0"/>
+              <a:t>Volg de link naar de handleiding,</a:t>
+            </a:r>
+            <a:r>
+              <a:rPr lang="nl-NL" dirty="0" smtClean="0"/>
+              <a:t> </a:t>
+            </a:r>
+            <a:r>
+              <a:rPr lang="nl-NL" baseline="0" dirty="0" smtClean="0"/>
+              <a:t>dan vind je zowel uitleg als een hulpformulier</a:t>
+            </a:r>
           </a:p>
         </p:txBody>
       </p:sp>
@@ -4646,13 +5018,121 @@
           <a:bodyPr/>
           <a:lstStyle/>
           <a:p>
-            <a:r>
-              <a:rPr lang="nl-NL" b="0" baseline="0" dirty="0" smtClean="0">
+            <a:pPr>
+              <a:defRPr/>
+            </a:pPr>
+            <a:r>
+              <a:rPr lang="nl-NL" u="sng" dirty="0">
+                <a:hlinkClick r:id="rId3"/>
+              </a:rPr>
+              <a:t>https://d-bl.github.io/GroundForge/help/Choose-Stitches</a:t>
+            </a:r>
+            <a:r>
+              <a:rPr lang="nl-NL" dirty="0"/>
+              <a:t> </a:t>
+            </a:r>
+          </a:p>
+          <a:p>
+            <a:pPr marL="0" marR="0" indent="0" algn="l" defTabSz="914400" rtl="0" eaLnBrk="1" fontAlgn="auto" latinLnBrk="0" hangingPunct="1">
+              <a:lnSpc>
+                <a:spcPct val="100000"/>
+              </a:lnSpc>
+              <a:spcBef>
+                <a:spcPts val="0"/>
+              </a:spcBef>
+              <a:spcAft>
+                <a:spcPts val="0"/>
+              </a:spcAft>
+              <a:buClrTx/>
+              <a:buSzTx/>
+              <a:buFontTx/>
+              <a:buNone/>
+              <a:tabLst/>
+              <a:defRPr/>
+            </a:pPr>
+            <a:endParaRPr lang="nl-NL" baseline="0" dirty="0" smtClean="0">
+              <a:effectLst/>
+            </a:endParaRPr>
+          </a:p>
+          <a:p>
+            <a:pPr marL="0" marR="0" indent="0" algn="l" defTabSz="914400" rtl="0" eaLnBrk="1" fontAlgn="auto" latinLnBrk="0" hangingPunct="1">
+              <a:lnSpc>
+                <a:spcPct val="100000"/>
+              </a:lnSpc>
+              <a:spcBef>
+                <a:spcPts val="0"/>
+              </a:spcBef>
+              <a:spcAft>
+                <a:spcPts val="0"/>
+              </a:spcAft>
+              <a:buClrTx/>
+              <a:buSzTx/>
+              <a:buFontTx/>
+              <a:buNone/>
+              <a:tabLst/>
+              <a:defRPr/>
+            </a:pPr>
+            <a:r>
+              <a:rPr lang="nl-NL" baseline="0" dirty="0" smtClean="0">
                 <a:effectLst/>
               </a:rPr>
-              <a:t>De velden van het hulpformulier  vormen één baksteen of één schaakveld.</a:t>
-            </a:r>
-            <a:endParaRPr lang="nl-NL" i="1" dirty="0"/>
+              <a:t>Het </a:t>
+            </a:r>
+            <a:r>
+              <a:rPr lang="nl-NL" baseline="0" dirty="0" smtClean="0">
+                <a:effectLst/>
+              </a:rPr>
+              <a:t>gekozen patroon bepaalt hoe de rest van het formulier er uit ziet:</a:t>
+            </a:r>
+          </a:p>
+          <a:p>
+            <a:r>
+              <a:rPr lang="nl-NL" dirty="0" smtClean="0"/>
+              <a:t>Linker voorbeeld: bekende om-en-om zonder spelden</a:t>
+            </a:r>
+          </a:p>
+          <a:p>
+            <a:r>
+              <a:rPr lang="nl-NL" dirty="0" smtClean="0"/>
+              <a:t>Rechter voorbeeld: komt verderop op een verrassende manier terug</a:t>
+            </a:r>
+          </a:p>
+          <a:p>
+            <a:endParaRPr lang="nl-NL" baseline="0" dirty="0" smtClean="0">
+              <a:effectLst/>
+            </a:endParaRPr>
+          </a:p>
+          <a:p>
+            <a:r>
+              <a:rPr lang="nl-NL" baseline="0" dirty="0" smtClean="0">
+                <a:effectLst/>
+              </a:rPr>
+              <a:t>De gekozen slagen worden ingevuld in het “stitches” (slagen) veld op de vorige dia.</a:t>
+            </a:r>
+          </a:p>
+          <a:p>
+            <a:r>
+              <a:rPr lang="nl-NL" baseline="0" dirty="0" smtClean="0">
+                <a:effectLst/>
+              </a:rPr>
+              <a:t>Let op: het hele patroon wordt opnieuw ingevuld, dit formulier dus niet gebruiken om te variëren op de aangeboden voorbeelden.</a:t>
+            </a:r>
+          </a:p>
+          <a:p>
+            <a:endParaRPr lang="nl-NL" dirty="0"/>
+          </a:p>
+          <a:p>
+            <a:r>
+              <a:rPr lang="nl-NL" baseline="0" dirty="0" smtClean="0">
+                <a:effectLst/>
+              </a:rPr>
+              <a:t>Een spiekbriefje laat de code en afbeelding zien van minder triviale (= ct, ctc, ctct) slagen. Die kun je zo kopiëren en plakken.</a:t>
+            </a:r>
+          </a:p>
+          <a:p>
+            <a:endParaRPr lang="nl-NL" i="1" dirty="0">
+              <a:sym typeface="Wingdings" panose="05000000000000000000" pitchFamily="2" charset="2"/>
+            </a:endParaRPr>
           </a:p>
         </p:txBody>
       </p:sp>
@@ -4873,7 +5353,7 @@
           <a:p>
             <a:fld id="{E342A075-9761-4F6D-8E62-693B12E2A93F}" type="datetime1">
               <a:rPr lang="nl-NL" smtClean="0"/>
-              <a:t>15-8-2018</a:t>
+              <a:t>19-8-2018</a:t>
             </a:fld>
             <a:endParaRPr lang="nl-NL" dirty="0"/>
           </a:p>
@@ -5050,7 +5530,7 @@
           <a:p>
             <a:fld id="{95274BD6-6047-4BE7-A11A-799C5C07C1B9}" type="datetime1">
               <a:rPr lang="nl-NL" smtClean="0"/>
-              <a:t>15-8-2018</a:t>
+              <a:t>19-8-2018</a:t>
             </a:fld>
             <a:endParaRPr lang="nl-NL" dirty="0"/>
           </a:p>
@@ -5230,7 +5710,7 @@
           <a:p>
             <a:fld id="{6C2C6073-FF99-4CA4-ADF2-53D139284B0F}" type="datetime1">
               <a:rPr lang="nl-NL" smtClean="0"/>
-              <a:t>15-8-2018</a:t>
+              <a:t>19-8-2018</a:t>
             </a:fld>
             <a:endParaRPr lang="nl-NL" dirty="0"/>
           </a:p>
@@ -5400,7 +5880,7 @@
           <a:p>
             <a:fld id="{BB83D81E-96EF-4290-8170-748ADAD06D81}" type="datetime1">
               <a:rPr lang="nl-NL" smtClean="0"/>
-              <a:t>15-8-2018</a:t>
+              <a:t>19-8-2018</a:t>
             </a:fld>
             <a:endParaRPr lang="nl-NL" dirty="0"/>
           </a:p>
@@ -5653,7 +6133,7 @@
           <a:p>
             <a:fld id="{C0420608-9111-4307-BDC9-D2BB0906472C}" type="datetime1">
               <a:rPr lang="nl-NL" smtClean="0"/>
-              <a:t>15-8-2018</a:t>
+              <a:t>19-8-2018</a:t>
             </a:fld>
             <a:endParaRPr lang="nl-NL" dirty="0"/>
           </a:p>
@@ -5941,7 +6421,7 @@
           <a:p>
             <a:fld id="{A84E908B-0185-4D61-A5D9-DBFFD136706E}" type="datetime1">
               <a:rPr lang="nl-NL" smtClean="0"/>
-              <a:t>15-8-2018</a:t>
+              <a:t>19-8-2018</a:t>
             </a:fld>
             <a:endParaRPr lang="nl-NL" dirty="0"/>
           </a:p>
@@ -6363,7 +6843,7 @@
           <a:p>
             <a:fld id="{AF24CBA6-5F96-4BD7-976F-CDF48F991EB6}" type="datetime1">
               <a:rPr lang="nl-NL" smtClean="0"/>
-              <a:t>15-8-2018</a:t>
+              <a:t>19-8-2018</a:t>
             </a:fld>
             <a:endParaRPr lang="nl-NL" dirty="0"/>
           </a:p>
@@ -6481,7 +6961,7 @@
           <a:p>
             <a:fld id="{8CA878B4-84FD-4284-B7D0-09A954965A10}" type="datetime1">
               <a:rPr lang="nl-NL" smtClean="0"/>
-              <a:t>15-8-2018</a:t>
+              <a:t>19-8-2018</a:t>
             </a:fld>
             <a:endParaRPr lang="nl-NL" dirty="0"/>
           </a:p>
@@ -6576,7 +7056,7 @@
           <a:p>
             <a:fld id="{8F1648B1-A544-4058-8476-7C7A9902FE15}" type="datetime1">
               <a:rPr lang="nl-NL" smtClean="0"/>
-              <a:t>15-8-2018</a:t>
+              <a:t>19-8-2018</a:t>
             </a:fld>
             <a:endParaRPr lang="nl-NL" dirty="0"/>
           </a:p>
@@ -6853,7 +7333,7 @@
           <a:p>
             <a:fld id="{D039C4CF-B57B-4F53-B350-F1468F1E8012}" type="datetime1">
               <a:rPr lang="nl-NL" smtClean="0"/>
-              <a:t>15-8-2018</a:t>
+              <a:t>19-8-2018</a:t>
             </a:fld>
             <a:endParaRPr lang="nl-NL" dirty="0"/>
           </a:p>
@@ -7110,7 +7590,7 @@
           <a:p>
             <a:fld id="{CF8B7C30-20C8-4009-AD9C-ED95D216EDC4}" type="datetime1">
               <a:rPr lang="nl-NL" smtClean="0"/>
-              <a:t>15-8-2018</a:t>
+              <a:t>19-8-2018</a:t>
             </a:fld>
             <a:endParaRPr lang="nl-NL" dirty="0"/>
           </a:p>
@@ -7323,7 +7803,7 @@
           <a:p>
             <a:fld id="{9D082795-9F52-4849-A817-AF0180A2A2B3}" type="datetime1">
               <a:rPr lang="nl-NL" smtClean="0"/>
-              <a:t>15-8-2018</a:t>
+              <a:t>19-8-2018</a:t>
             </a:fld>
             <a:endParaRPr lang="nl-NL" dirty="0"/>
           </a:p>
@@ -7864,7 +8344,7 @@
           <p:cNvPr id="5" name="Tijdelijke aanduiding voor datum 3">
             <a:extLst>
               <a:ext uri="{FF2B5EF4-FFF2-40B4-BE49-F238E27FC236}">
-                <a16:creationId xmlns:a16="http://schemas.microsoft.com/office/drawing/2014/main" xmlns="" id="{B7CD71F2-4AB3-4F82-AC95-779059F13195}"/>
+                <a16:creationId xmlns="" xmlns:a16="http://schemas.microsoft.com/office/drawing/2014/main" id="{B7CD71F2-4AB3-4F82-AC95-779059F13195}"/>
               </a:ext>
             </a:extLst>
           </p:cNvPr>
@@ -7887,7 +8367,7 @@
           <a:p>
             <a:fld id="{C6166A56-2601-4E37-8D8D-05C0420DE125}" type="datetime1">
               <a:rPr lang="nl-NL" smtClean="0"/>
-              <a:t>15-8-2018</a:t>
+              <a:t>19-8-2018</a:t>
             </a:fld>
             <a:endParaRPr lang="nl-NL" dirty="0"/>
           </a:p>
@@ -7898,7 +8378,7 @@
           <p:cNvPr id="6" name="Tijdelijke aanduiding voor voettekst 4">
             <a:extLst>
               <a:ext uri="{FF2B5EF4-FFF2-40B4-BE49-F238E27FC236}">
-                <a16:creationId xmlns:a16="http://schemas.microsoft.com/office/drawing/2014/main" xmlns="" id="{5C6A8BCE-5EC6-40B9-9E2B-345894DAE8ED}"/>
+                <a16:creationId xmlns="" xmlns:a16="http://schemas.microsoft.com/office/drawing/2014/main" id="{5C6A8BCE-5EC6-40B9-9E2B-345894DAE8ED}"/>
               </a:ext>
             </a:extLst>
           </p:cNvPr>
@@ -7921,11 +8401,7 @@
           <a:p>
             <a:r>
               <a:rPr lang="nl-NL" dirty="0"/>
-              <a:t>Groundforge</a:t>
-            </a:r>
-            <a:r>
-              <a:rPr lang="nl-NL" dirty="0"/>
-              <a:t> - De Waaier</a:t>
+              <a:t>Groundforge - De Waaier</a:t>
             </a:r>
           </a:p>
         </p:txBody>
@@ -7992,7 +8468,7 @@
       </p:sp>
       <p:sp>
         <p:nvSpPr>
-          <p:cNvPr id="3" name="Tijdelijke aanduiding voor inhoud 2"/>
+          <p:cNvPr id="4" name="Tijdelijke aanduiding voor inhoud 3"/>
           <p:cNvSpPr>
             <a:spLocks noGrp="1"/>
           </p:cNvSpPr>
@@ -8002,114 +8478,99 @@
         </p:nvSpPr>
         <p:spPr/>
         <p:txBody>
-          <a:bodyPr>
-            <a:normAutofit/>
-          </a:bodyPr>
+          <a:bodyPr/>
           <a:lstStyle/>
           <a:p>
             <a:pPr marL="0" indent="0">
               <a:buNone/>
             </a:pPr>
             <a:r>
-              <a:rPr lang="nl-NL" dirty="0" smtClean="0">
-                <a:effectLst/>
-              </a:rPr>
-              <a:t>Voorbeeld pagina’s</a:t>
-            </a:r>
-          </a:p>
-          <a:p>
-            <a:r>
-              <a:rPr lang="nl-NL" dirty="0" smtClean="0"/>
-              <a:t>Slagen al ingevuld</a:t>
-            </a:r>
-          </a:p>
-          <a:p>
-            <a:pPr lvl="1"/>
-            <a:r>
-              <a:rPr lang="nl-NL" dirty="0" smtClean="0"/>
-              <a:t>MAE-</a:t>
-            </a:r>
-            <a:r>
-              <a:rPr lang="nl-NL" dirty="0" smtClean="0"/>
-              <a:t>gf</a:t>
-            </a:r>
-            <a:r>
-              <a:rPr lang="nl-NL" dirty="0" smtClean="0"/>
-              <a:t> </a:t>
+              <a:rPr lang="nl-NL" dirty="0" smtClean="0"/>
+              <a:t>Mix van slagen – patroon eigenschappen</a:t>
+            </a:r>
+          </a:p>
+          <a:p>
+            <a:endParaRPr lang="nl-NL" dirty="0" smtClean="0"/>
+          </a:p>
+          <a:p>
+            <a:r>
+              <a:rPr lang="nl-NL" dirty="0" smtClean="0"/>
+              <a:t>diagonaal ↔ weven</a:t>
+            </a:r>
+          </a:p>
+          <a:p>
+            <a:pPr marL="0" indent="0">
+              <a:buNone/>
+            </a:pPr>
+            <a:endParaRPr lang="nl-NL" dirty="0" smtClean="0"/>
+          </a:p>
+          <a:p>
+            <a:r>
+              <a:rPr lang="nl-NL" dirty="0" smtClean="0"/>
+              <a:t>Bakstenen </a:t>
             </a:r>
             <a:r>
               <a:rPr lang="nl-NL" dirty="0"/>
-              <a:t>(persoonlijke </a:t>
-            </a:r>
-            <a:r>
-              <a:rPr lang="nl-NL" dirty="0" smtClean="0"/>
-              <a:t>verzameling)</a:t>
-            </a:r>
-          </a:p>
-          <a:p>
-            <a:pPr lvl="1"/>
-            <a:r>
-              <a:rPr lang="nl-NL" dirty="0" smtClean="0"/>
-              <a:t>Whiting</a:t>
-            </a:r>
-            <a:r>
-              <a:rPr lang="nl-NL" dirty="0" smtClean="0"/>
-              <a:t> </a:t>
-            </a:r>
-            <a:r>
-              <a:rPr lang="nl-NL" dirty="0"/>
-              <a:t>index </a:t>
-            </a:r>
-            <a:r>
-              <a:rPr lang="nl-NL" dirty="0" smtClean="0"/>
-              <a:t>(online boek)</a:t>
-            </a:r>
-          </a:p>
-          <a:p>
-            <a:r>
-              <a:rPr lang="nl-NL" dirty="0" smtClean="0"/>
-              <a:t>Slagen zelf kiezen (</a:t>
-            </a:r>
-            <a:r>
-              <a:rPr lang="nl-NL" strike="sngStrike" dirty="0" smtClean="0"/>
-              <a:t>tablet</a:t>
-            </a:r>
-            <a:r>
-              <a:rPr lang="nl-NL" dirty="0" smtClean="0"/>
-              <a:t>)</a:t>
-            </a:r>
-            <a:endParaRPr lang="nl-NL" dirty="0"/>
-          </a:p>
-          <a:p>
-            <a:pPr lvl="1"/>
-            <a:r>
-              <a:rPr lang="nl-NL" dirty="0" smtClean="0"/>
-              <a:t>Tesselace</a:t>
-            </a:r>
-            <a:r>
-              <a:rPr lang="nl-NL" dirty="0" smtClean="0"/>
-              <a:t> index  (computer gegenereerd)</a:t>
-            </a:r>
-          </a:p>
-          <a:p>
-            <a:pPr lvl="1"/>
-            <a:r>
-              <a:rPr lang="nl-NL" dirty="0" smtClean="0"/>
-              <a:t>Droste effect (draad schema’s als paar schema’s)</a:t>
-            </a:r>
-          </a:p>
-          <a:p>
-            <a:r>
-              <a:rPr lang="nl-NL" dirty="0" smtClean="0"/>
-              <a:t>Overlap tussen de groepen</a:t>
-            </a:r>
-            <a:endParaRPr lang="nl-NL" dirty="0"/>
-          </a:p>
-        </p:txBody>
-      </p:sp>
-      <p:sp>
-        <p:nvSpPr>
-          <p:cNvPr id="4" name="Tijdelijke aanduiding voor dianummer 3"/>
+              <a:t>↔ </a:t>
+            </a:r>
+            <a:r>
+              <a:rPr lang="nl-NL" dirty="0" smtClean="0"/>
+              <a:t>schaakbord</a:t>
+            </a:r>
+            <a:br>
+              <a:rPr lang="nl-NL" dirty="0" smtClean="0"/>
+            </a:br>
+            <a:r>
+              <a:rPr lang="nl-NL" dirty="0" smtClean="0"/>
+              <a:t>(hoe het formulier herhaald wordt)</a:t>
+            </a:r>
+          </a:p>
+        </p:txBody>
+      </p:sp>
+      <p:pic>
+        <p:nvPicPr>
+          <p:cNvPr id="5" name="Picture 2" descr="DiBL logo"/>
+          <p:cNvPicPr>
+            <a:picLocks noChangeAspect="1" noChangeArrowheads="1"/>
+          </p:cNvPicPr>
+          <p:nvPr/>
+        </p:nvPicPr>
+        <p:blipFill>
+          <a:blip r:embed="rId3">
+            <a:extLst>
+              <a:ext uri="{28A0092B-C50C-407E-A947-70E740481C1C}">
+                <a14:useLocalDpi xmlns:a14="http://schemas.microsoft.com/office/drawing/2010/main" val="0"/>
+              </a:ext>
+            </a:extLst>
+          </a:blip>
+          <a:srcRect/>
+          <a:stretch>
+            <a:fillRect/>
+          </a:stretch>
+        </p:blipFill>
+        <p:spPr bwMode="auto">
+          <a:xfrm>
+            <a:off x="263384" y="260648"/>
+            <a:ext cx="1247775" cy="1143001"/>
+          </a:xfrm>
+          <a:prstGeom prst="rect">
+            <a:avLst/>
+          </a:prstGeom>
+          <a:noFill/>
+          <a:extLst>
+            <a:ext uri="{909E8E84-426E-40DD-AFC4-6F175D3DCCD1}">
+              <a14:hiddenFill xmlns:a14="http://schemas.microsoft.com/office/drawing/2010/main">
+                <a:solidFill>
+                  <a:srgbClr val="FFFFFF"/>
+                </a:solidFill>
+              </a14:hiddenFill>
+            </a:ext>
+          </a:extLst>
+        </p:spPr>
+      </p:pic>
+      <p:sp>
+        <p:nvSpPr>
+          <p:cNvPr id="3" name="Tijdelijke aanduiding voor dianummer 2"/>
           <p:cNvSpPr>
             <a:spLocks noGrp="1"/>
           </p:cNvSpPr>
@@ -8130,10 +8591,266 @@
           </a:p>
         </p:txBody>
       </p:sp>
+      <p:pic>
+        <p:nvPicPr>
+          <p:cNvPr id="2052" name="Picture 4"/>
+          <p:cNvPicPr>
+            <a:picLocks noChangeAspect="1" noChangeArrowheads="1"/>
+          </p:cNvPicPr>
+          <p:nvPr/>
+        </p:nvPicPr>
+        <p:blipFill>
+          <a:blip r:embed="rId4" cstate="print">
+            <a:extLst>
+              <a:ext uri="{28A0092B-C50C-407E-A947-70E740481C1C}">
+                <a14:useLocalDpi xmlns:a14="http://schemas.microsoft.com/office/drawing/2010/main" val="0"/>
+              </a:ext>
+            </a:extLst>
+          </a:blip>
+          <a:srcRect/>
+          <a:stretch>
+            <a:fillRect/>
+          </a:stretch>
+        </p:blipFill>
+        <p:spPr bwMode="auto">
+          <a:xfrm>
+            <a:off x="5076056" y="2282944"/>
+            <a:ext cx="1767840" cy="1722120"/>
+          </a:xfrm>
+          <a:prstGeom prst="rect">
+            <a:avLst/>
+          </a:prstGeom>
+          <a:noFill/>
+          <a:ln>
+            <a:noFill/>
+          </a:ln>
+          <a:effectLst/>
+          <a:extLst>
+            <a:ext uri="{909E8E84-426E-40DD-AFC4-6F175D3DCCD1}">
+              <a14:hiddenFill xmlns:a14="http://schemas.microsoft.com/office/drawing/2010/main">
+                <a:solidFill>
+                  <a:schemeClr val="accent1"/>
+                </a:solidFill>
+              </a14:hiddenFill>
+            </a:ext>
+            <a:ext uri="{91240B29-F687-4F45-9708-019B960494DF}">
+              <a14:hiddenLine xmlns:a14="http://schemas.microsoft.com/office/drawing/2010/main" w="9525">
+                <a:solidFill>
+                  <a:schemeClr val="tx1"/>
+                </a:solidFill>
+                <a:miter lim="800000"/>
+                <a:headEnd/>
+                <a:tailEnd/>
+              </a14:hiddenLine>
+            </a:ext>
+            <a:ext uri="{AF507438-7753-43E0-B8FC-AC1667EBCBE1}">
+              <a14:hiddenEffects xmlns:a14="http://schemas.microsoft.com/office/drawing/2010/main">
+                <a:effectLst>
+                  <a:outerShdw dist="35921" dir="2700000" algn="ctr" rotWithShape="0">
+                    <a:schemeClr val="bg2"/>
+                  </a:outerShdw>
+                </a:effectLst>
+              </a14:hiddenEffects>
+            </a:ext>
+          </a:extLst>
+        </p:spPr>
+      </p:pic>
+      <p:pic>
+        <p:nvPicPr>
+          <p:cNvPr id="2053" name="Picture 5"/>
+          <p:cNvPicPr>
+            <a:picLocks noChangeAspect="1" noChangeArrowheads="1"/>
+          </p:cNvPicPr>
+          <p:nvPr/>
+        </p:nvPicPr>
+        <p:blipFill>
+          <a:blip r:embed="rId5" cstate="print">
+            <a:extLst>
+              <a:ext uri="{28A0092B-C50C-407E-A947-70E740481C1C}">
+                <a14:useLocalDpi xmlns:a14="http://schemas.microsoft.com/office/drawing/2010/main" val="0"/>
+              </a:ext>
+            </a:extLst>
+          </a:blip>
+          <a:srcRect/>
+          <a:stretch>
+            <a:fillRect/>
+          </a:stretch>
+        </p:blipFill>
+        <p:spPr bwMode="auto">
+          <a:xfrm>
+            <a:off x="7024687" y="2271514"/>
+            <a:ext cx="1695450" cy="1733550"/>
+          </a:xfrm>
+          <a:prstGeom prst="rect">
+            <a:avLst/>
+          </a:prstGeom>
+          <a:noFill/>
+          <a:ln>
+            <a:noFill/>
+          </a:ln>
+          <a:effectLst/>
+          <a:extLst>
+            <a:ext uri="{909E8E84-426E-40DD-AFC4-6F175D3DCCD1}">
+              <a14:hiddenFill xmlns:a14="http://schemas.microsoft.com/office/drawing/2010/main">
+                <a:solidFill>
+                  <a:schemeClr val="accent1"/>
+                </a:solidFill>
+              </a14:hiddenFill>
+            </a:ext>
+            <a:ext uri="{91240B29-F687-4F45-9708-019B960494DF}">
+              <a14:hiddenLine xmlns:a14="http://schemas.microsoft.com/office/drawing/2010/main" w="9525">
+                <a:solidFill>
+                  <a:schemeClr val="tx1"/>
+                </a:solidFill>
+                <a:miter lim="800000"/>
+                <a:headEnd/>
+                <a:tailEnd/>
+              </a14:hiddenLine>
+            </a:ext>
+            <a:ext uri="{AF507438-7753-43E0-B8FC-AC1667EBCBE1}">
+              <a14:hiddenEffects xmlns:a14="http://schemas.microsoft.com/office/drawing/2010/main">
+                <a:effectLst>
+                  <a:outerShdw dist="35921" dir="2700000" algn="ctr" rotWithShape="0">
+                    <a:schemeClr val="bg2"/>
+                  </a:outerShdw>
+                </a:effectLst>
+              </a14:hiddenEffects>
+            </a:ext>
+          </a:extLst>
+        </p:spPr>
+      </p:pic>
+      <p:pic>
+        <p:nvPicPr>
+          <p:cNvPr id="2054" name="Picture 6"/>
+          <p:cNvPicPr>
+            <a:picLocks noChangeAspect="1" noChangeArrowheads="1"/>
+          </p:cNvPicPr>
+          <p:nvPr/>
+        </p:nvPicPr>
+        <p:blipFill>
+          <a:blip r:embed="rId6" cstate="print">
+            <a:extLst>
+              <a:ext uri="{28A0092B-C50C-407E-A947-70E740481C1C}">
+                <a14:useLocalDpi xmlns:a14="http://schemas.microsoft.com/office/drawing/2010/main" val="0"/>
+              </a:ext>
+            </a:extLst>
+          </a:blip>
+          <a:srcRect/>
+          <a:stretch>
+            <a:fillRect/>
+          </a:stretch>
+        </p:blipFill>
+        <p:spPr bwMode="auto">
+          <a:xfrm>
+            <a:off x="4733156" y="5211276"/>
+            <a:ext cx="2110740" cy="1242060"/>
+          </a:xfrm>
+          <a:prstGeom prst="rect">
+            <a:avLst/>
+          </a:prstGeom>
+          <a:noFill/>
+          <a:ln>
+            <a:noFill/>
+          </a:ln>
+          <a:effectLst/>
+          <a:extLst>
+            <a:ext uri="{909E8E84-426E-40DD-AFC4-6F175D3DCCD1}">
+              <a14:hiddenFill xmlns:a14="http://schemas.microsoft.com/office/drawing/2010/main">
+                <a:solidFill>
+                  <a:schemeClr val="accent1"/>
+                </a:solidFill>
+              </a14:hiddenFill>
+            </a:ext>
+            <a:ext uri="{91240B29-F687-4F45-9708-019B960494DF}">
+              <a14:hiddenLine xmlns:a14="http://schemas.microsoft.com/office/drawing/2010/main" w="9525">
+                <a:solidFill>
+                  <a:schemeClr val="tx1"/>
+                </a:solidFill>
+                <a:miter lim="800000"/>
+                <a:headEnd/>
+                <a:tailEnd/>
+              </a14:hiddenLine>
+            </a:ext>
+            <a:ext uri="{AF507438-7753-43E0-B8FC-AC1667EBCBE1}">
+              <a14:hiddenEffects xmlns:a14="http://schemas.microsoft.com/office/drawing/2010/main">
+                <a:effectLst>
+                  <a:outerShdw dist="35921" dir="2700000" algn="ctr" rotWithShape="0">
+                    <a:schemeClr val="bg2"/>
+                  </a:outerShdw>
+                </a:effectLst>
+              </a14:hiddenEffects>
+            </a:ext>
+          </a:extLst>
+        </p:spPr>
+      </p:pic>
+      <p:pic>
+        <p:nvPicPr>
+          <p:cNvPr id="2055" name="Picture 7"/>
+          <p:cNvPicPr>
+            <a:picLocks noChangeAspect="1" noChangeArrowheads="1"/>
+          </p:cNvPicPr>
+          <p:nvPr/>
+        </p:nvPicPr>
+        <p:blipFill>
+          <a:blip r:embed="rId7" cstate="print">
+            <a:extLst>
+              <a:ext uri="{28A0092B-C50C-407E-A947-70E740481C1C}">
+                <a14:useLocalDpi xmlns:a14="http://schemas.microsoft.com/office/drawing/2010/main" val="0"/>
+              </a:ext>
+            </a:extLst>
+          </a:blip>
+          <a:srcRect/>
+          <a:stretch>
+            <a:fillRect/>
+          </a:stretch>
+        </p:blipFill>
+        <p:spPr bwMode="auto">
+          <a:xfrm>
+            <a:off x="7291387" y="5081736"/>
+            <a:ext cx="1428750" cy="1371600"/>
+          </a:xfrm>
+          <a:prstGeom prst="rect">
+            <a:avLst/>
+          </a:prstGeom>
+          <a:noFill/>
+          <a:ln>
+            <a:noFill/>
+          </a:ln>
+          <a:effectLst/>
+          <a:extLst>
+            <a:ext uri="{909E8E84-426E-40DD-AFC4-6F175D3DCCD1}">
+              <a14:hiddenFill xmlns:a14="http://schemas.microsoft.com/office/drawing/2010/main">
+                <a:solidFill>
+                  <a:schemeClr val="accent1"/>
+                </a:solidFill>
+              </a14:hiddenFill>
+            </a:ext>
+            <a:ext uri="{91240B29-F687-4F45-9708-019B960494DF}">
+              <a14:hiddenLine xmlns:a14="http://schemas.microsoft.com/office/drawing/2010/main" w="9525">
+                <a:solidFill>
+                  <a:schemeClr val="tx1"/>
+                </a:solidFill>
+                <a:miter lim="800000"/>
+                <a:headEnd/>
+                <a:tailEnd/>
+              </a14:hiddenLine>
+            </a:ext>
+            <a:ext uri="{AF507438-7753-43E0-B8FC-AC1667EBCBE1}">
+              <a14:hiddenEffects xmlns:a14="http://schemas.microsoft.com/office/drawing/2010/main">
+                <a:effectLst>
+                  <a:outerShdw dist="35921" dir="2700000" algn="ctr" rotWithShape="0">
+                    <a:schemeClr val="bg2"/>
+                  </a:outerShdw>
+                </a:effectLst>
+              </a14:hiddenEffects>
+            </a:ext>
+          </a:extLst>
+        </p:spPr>
+      </p:pic>
     </p:spTree>
     <p:extLst>
       <p:ext uri="{BB962C8B-B14F-4D97-AF65-F5344CB8AC3E}">
-        <p14:creationId xmlns:p14="http://schemas.microsoft.com/office/powerpoint/2010/main" val="723173163"/>
+        <p14:creationId xmlns:p14="http://schemas.microsoft.com/office/powerpoint/2010/main" val="2935370788"/>
       </p:ext>
     </p:extLst>
   </p:cSld>
@@ -8192,7 +8909,7 @@
       </p:sp>
       <p:sp>
         <p:nvSpPr>
-          <p:cNvPr id="4" name="Tijdelijke aanduiding voor inhoud 3"/>
+          <p:cNvPr id="3" name="Tijdelijke aanduiding voor inhoud 2"/>
           <p:cNvSpPr>
             <a:spLocks noGrp="1"/>
           </p:cNvSpPr>
@@ -8202,23 +8919,199 @@
         </p:nvSpPr>
         <p:spPr/>
         <p:txBody>
-          <a:bodyPr/>
+          <a:bodyPr>
+            <a:normAutofit/>
+          </a:bodyPr>
           <a:lstStyle/>
           <a:p>
             <a:pPr marL="0" indent="0">
               <a:buNone/>
             </a:pPr>
             <a:r>
-              <a:rPr lang="nl-NL" dirty="0" smtClean="0"/>
-              <a:t>Voorbeeld pagina’s: </a:t>
-            </a:r>
-            <a:r>
-              <a:rPr lang="nl-NL" dirty="0" smtClean="0"/>
-              <a:t>Whiting</a:t>
-            </a:r>
-            <a:r>
-              <a:rPr lang="nl-NL" dirty="0" smtClean="0"/>
-              <a:t> Index</a:t>
+              <a:rPr lang="nl-NL" dirty="0" smtClean="0">
+                <a:effectLst/>
+              </a:rPr>
+              <a:t>Voorbeeld pagina’s</a:t>
+            </a:r>
+          </a:p>
+          <a:p>
+            <a:r>
+              <a:rPr lang="nl-NL" dirty="0" smtClean="0"/>
+              <a:t>Slagen al ingevuld</a:t>
+            </a:r>
+          </a:p>
+          <a:p>
+            <a:pPr lvl="1"/>
+            <a:r>
+              <a:rPr lang="nl-NL" dirty="0" smtClean="0"/>
+              <a:t>MAE-gf </a:t>
+            </a:r>
+            <a:r>
+              <a:rPr lang="nl-NL" dirty="0"/>
+              <a:t>(persoonlijke </a:t>
+            </a:r>
+            <a:r>
+              <a:rPr lang="nl-NL" dirty="0" smtClean="0"/>
+              <a:t>verzameling)</a:t>
+            </a:r>
+          </a:p>
+          <a:p>
+            <a:pPr lvl="1"/>
+            <a:r>
+              <a:rPr lang="nl-NL" dirty="0" smtClean="0"/>
+              <a:t>Whiting </a:t>
+            </a:r>
+            <a:r>
+              <a:rPr lang="nl-NL" dirty="0"/>
+              <a:t>index </a:t>
+            </a:r>
+            <a:r>
+              <a:rPr lang="nl-NL" dirty="0" smtClean="0"/>
+              <a:t>(online boek)</a:t>
+            </a:r>
+          </a:p>
+          <a:p>
+            <a:r>
+              <a:rPr lang="nl-NL" dirty="0" smtClean="0"/>
+              <a:t>Slagen zelf kiezen (</a:t>
+            </a:r>
+            <a:r>
+              <a:rPr lang="nl-NL" strike="sngStrike" dirty="0" smtClean="0"/>
+              <a:t>tablet</a:t>
+            </a:r>
+            <a:r>
+              <a:rPr lang="nl-NL" dirty="0" smtClean="0"/>
+              <a:t>)</a:t>
+            </a:r>
+            <a:endParaRPr lang="nl-NL" dirty="0"/>
+          </a:p>
+          <a:p>
+            <a:pPr lvl="1"/>
+            <a:r>
+              <a:rPr lang="nl-NL" dirty="0" smtClean="0"/>
+              <a:t>Tesselace index  (computer gegenereerd)</a:t>
+            </a:r>
+          </a:p>
+          <a:p>
+            <a:pPr lvl="1"/>
+            <a:r>
+              <a:rPr lang="nl-NL" dirty="0" smtClean="0"/>
+              <a:t>Droste effect (draad schema’s als paar schema’s)</a:t>
+            </a:r>
+          </a:p>
+          <a:p>
+            <a:r>
+              <a:rPr lang="nl-NL" dirty="0" smtClean="0"/>
+              <a:t>Overlap tussen de groepen</a:t>
+            </a:r>
+            <a:endParaRPr lang="nl-NL" dirty="0"/>
+          </a:p>
+        </p:txBody>
+      </p:sp>
+      <p:sp>
+        <p:nvSpPr>
+          <p:cNvPr id="4" name="Tijdelijke aanduiding voor dianummer 3"/>
+          <p:cNvSpPr>
+            <a:spLocks noGrp="1"/>
+          </p:cNvSpPr>
+          <p:nvPr>
+            <p:ph type="sldNum" sz="quarter" idx="12"/>
+          </p:nvPr>
+        </p:nvSpPr>
+        <p:spPr/>
+        <p:txBody>
+          <a:bodyPr/>
+          <a:lstStyle/>
+          <a:p>
+            <a:fld id="{A5775961-95EC-4D4B-9423-EAE103D81E9E}" type="slidenum">
+              <a:rPr lang="nl-NL" smtClean="0"/>
+              <a:t>11</a:t>
+            </a:fld>
+            <a:endParaRPr lang="nl-NL" dirty="0"/>
+          </a:p>
+        </p:txBody>
+      </p:sp>
+    </p:spTree>
+    <p:extLst>
+      <p:ext uri="{BB962C8B-B14F-4D97-AF65-F5344CB8AC3E}">
+        <p14:creationId xmlns:p14="http://schemas.microsoft.com/office/powerpoint/2010/main" val="723173163"/>
+      </p:ext>
+    </p:extLst>
+  </p:cSld>
+  <p:clrMapOvr>
+    <a:masterClrMapping/>
+  </p:clrMapOvr>
+  <p:timing>
+    <p:tnLst>
+      <p:par>
+        <p:cTn id="1" dur="indefinite" restart="never" nodeType="tmRoot"/>
+      </p:par>
+    </p:tnLst>
+  </p:timing>
+</p:sld>
+</file>
+
+<file path=ppt/slides/slide12.xml><?xml version="1.0" encoding="utf-8"?>
+<p:sld xmlns:a="http://schemas.openxmlformats.org/drawingml/2006/main" xmlns:r="http://schemas.openxmlformats.org/officeDocument/2006/relationships" xmlns:p="http://schemas.openxmlformats.org/presentationml/2006/main">
+  <p:cSld>
+    <p:spTree>
+      <p:nvGrpSpPr>
+        <p:cNvPr id="1" name=""/>
+        <p:cNvGrpSpPr/>
+        <p:nvPr/>
+      </p:nvGrpSpPr>
+      <p:grpSpPr>
+        <a:xfrm>
+          <a:off x="0" y="0"/>
+          <a:ext cx="0" cy="0"/>
+          <a:chOff x="0" y="0"/>
+          <a:chExt cx="0" cy="0"/>
+        </a:xfrm>
+      </p:grpSpPr>
+      <p:sp>
+        <p:nvSpPr>
+          <p:cNvPr id="2" name="Titel 1"/>
+          <p:cNvSpPr>
+            <a:spLocks noGrp="1"/>
+          </p:cNvSpPr>
+          <p:nvPr>
+            <p:ph type="title"/>
+          </p:nvPr>
+        </p:nvSpPr>
+        <p:spPr/>
+        <p:txBody>
+          <a:bodyPr/>
+          <a:lstStyle/>
+          <a:p>
+            <a:r>
+              <a:rPr lang="nl-NL" dirty="0" smtClean="0"/>
+              <a:t>GroundForge</a:t>
+            </a:r>
+            <a:endParaRPr lang="nl-NL" dirty="0"/>
+          </a:p>
+        </p:txBody>
+      </p:sp>
+      <p:sp>
+        <p:nvSpPr>
+          <p:cNvPr id="4" name="Tijdelijke aanduiding voor inhoud 3"/>
+          <p:cNvSpPr>
+            <a:spLocks noGrp="1"/>
+          </p:cNvSpPr>
+          <p:nvPr>
+            <p:ph idx="1"/>
+          </p:nvPr>
+        </p:nvSpPr>
+        <p:spPr/>
+        <p:txBody>
+          <a:bodyPr/>
+          <a:lstStyle/>
+          <a:p>
+            <a:pPr marL="0" indent="0">
+              <a:buNone/>
+            </a:pPr>
+            <a:r>
+              <a:rPr lang="nl-NL" dirty="0" smtClean="0"/>
+              <a:t>Voorbeeld pagina’s: Whiting Index</a:t>
             </a:r>
           </a:p>
           <a:p>
@@ -8330,7 +9223,7 @@
           <a:p>
             <a:fld id="{A5775961-95EC-4D4B-9423-EAE103D81E9E}" type="slidenum">
               <a:rPr lang="nl-NL" smtClean="0"/>
-              <a:t>11</a:t>
+              <a:t>12</a:t>
             </a:fld>
             <a:endParaRPr lang="nl-NL" dirty="0"/>
           </a:p>
@@ -8356,7 +9249,7 @@
 </p:sld>
 </file>
 
-<file path=ppt/slides/slide12.xml><?xml version="1.0" encoding="utf-8"?>
+<file path=ppt/slides/slide13.xml><?xml version="1.0" encoding="utf-8"?>
 <p:sld xmlns:a="http://schemas.openxmlformats.org/drawingml/2006/main" xmlns:r="http://schemas.openxmlformats.org/officeDocument/2006/relationships" xmlns:p="http://schemas.openxmlformats.org/presentationml/2006/main">
   <p:cSld>
     <p:spTree>
@@ -8418,15 +9311,7 @@
             </a:pPr>
             <a:r>
               <a:rPr lang="nl-NL" dirty="0" smtClean="0"/>
-              <a:t>Voorbeeld pagina’s: </a:t>
-            </a:r>
-            <a:r>
-              <a:rPr lang="nl-NL" dirty="0" smtClean="0"/>
-              <a:t>Whiting</a:t>
-            </a:r>
-            <a:r>
-              <a:rPr lang="nl-NL" dirty="0" smtClean="0"/>
-              <a:t> Index</a:t>
+              <a:t>Voorbeeld pagina’s: Whiting Index</a:t>
             </a:r>
           </a:p>
           <a:p>
@@ -8514,7 +9399,7 @@
           <a:p>
             <a:fld id="{A5775961-95EC-4D4B-9423-EAE103D81E9E}" type="slidenum">
               <a:rPr lang="nl-NL" smtClean="0"/>
-              <a:t>12</a:t>
+              <a:t>13</a:t>
             </a:fld>
             <a:endParaRPr lang="nl-NL" dirty="0"/>
           </a:p>
@@ -8760,7 +9645,7 @@
 </p:sld>
 </file>
 
-<file path=ppt/slides/slide13.xml><?xml version="1.0" encoding="utf-8"?>
+<file path=ppt/slides/slide14.xml><?xml version="1.0" encoding="utf-8"?>
 <p:sld xmlns:a="http://schemas.openxmlformats.org/drawingml/2006/main" xmlns:r="http://schemas.openxmlformats.org/officeDocument/2006/relationships" xmlns:p="http://schemas.openxmlformats.org/presentationml/2006/main">
   <p:cSld>
     <p:spTree>
@@ -8820,15 +9705,7 @@
             </a:pPr>
             <a:r>
               <a:rPr lang="nl-NL" dirty="0" smtClean="0"/>
-              <a:t>Voorbeeld pagina’s: </a:t>
-            </a:r>
-            <a:r>
-              <a:rPr lang="nl-NL" dirty="0" smtClean="0"/>
-              <a:t>Tesselace</a:t>
-            </a:r>
-            <a:r>
-              <a:rPr lang="nl-NL" dirty="0" smtClean="0"/>
-              <a:t> Index</a:t>
+              <a:t>Voorbeeld pagina’s: Tesselace Index</a:t>
             </a:r>
           </a:p>
           <a:p>
@@ -9109,7 +9986,7 @@
           <a:p>
             <a:fld id="{A5775961-95EC-4D4B-9423-EAE103D81E9E}" type="slidenum">
               <a:rPr lang="nl-NL" smtClean="0"/>
-              <a:t>13</a:t>
+              <a:t>14</a:t>
             </a:fld>
             <a:endParaRPr lang="nl-NL" dirty="0"/>
           </a:p>
@@ -9294,7 +10171,7 @@
 </p:sld>
 </file>
 
-<file path=ppt/slides/slide14.xml><?xml version="1.0" encoding="utf-8"?>
+<file path=ppt/slides/slide15.xml><?xml version="1.0" encoding="utf-8"?>
 <p:sld xmlns:a="http://schemas.openxmlformats.org/drawingml/2006/main" xmlns:r="http://schemas.openxmlformats.org/officeDocument/2006/relationships" xmlns:p="http://schemas.openxmlformats.org/presentationml/2006/main">
   <p:cSld>
     <p:spTree>
@@ -9408,7 +10285,7 @@
           <a:p>
             <a:fld id="{A5775961-95EC-4D4B-9423-EAE103D81E9E}" type="slidenum">
               <a:rPr lang="nl-NL" smtClean="0"/>
-              <a:t>14</a:t>
+              <a:t>15</a:t>
             </a:fld>
             <a:endParaRPr lang="nl-NL" dirty="0"/>
           </a:p>
@@ -9542,7 +10419,7 @@
 </p:sld>
 </file>
 
-<file path=ppt/slides/slide15.xml><?xml version="1.0" encoding="utf-8"?>
+<file path=ppt/slides/slide16.xml><?xml version="1.0" encoding="utf-8"?>
 <p:sld xmlns:a="http://schemas.openxmlformats.org/drawingml/2006/main" xmlns:r="http://schemas.openxmlformats.org/officeDocument/2006/relationships" xmlns:p="http://schemas.openxmlformats.org/presentationml/2006/main">
   <p:cSld>
     <p:spTree>
@@ -9633,7 +10510,7 @@
           <a:p>
             <a:fld id="{A5775961-95EC-4D4B-9423-EAE103D81E9E}" type="slidenum">
               <a:rPr lang="nl-NL" smtClean="0"/>
-              <a:t>15</a:t>
+              <a:t>16</a:t>
             </a:fld>
             <a:endParaRPr lang="nl-NL" dirty="0"/>
           </a:p>
@@ -9976,7 +10853,7 @@
 </p:sld>
 </file>
 
-<file path=ppt/slides/slide16.xml><?xml version="1.0" encoding="utf-8"?>
+<file path=ppt/slides/slide17.xml><?xml version="1.0" encoding="utf-8"?>
 <p:sld xmlns:a="http://schemas.openxmlformats.org/drawingml/2006/main" xmlns:r="http://schemas.openxmlformats.org/officeDocument/2006/relationships" xmlns:p="http://schemas.openxmlformats.org/presentationml/2006/main">
   <p:cSld>
     <p:spTree>
@@ -10079,7 +10956,7 @@
           <a:p>
             <a:fld id="{A5775961-95EC-4D4B-9423-EAE103D81E9E}" type="slidenum">
               <a:rPr lang="nl-NL" smtClean="0"/>
-              <a:t>16</a:t>
+              <a:t>17</a:t>
             </a:fld>
             <a:endParaRPr lang="nl-NL" dirty="0"/>
           </a:p>
@@ -10744,7 +11621,7 @@
         </p:spPr>
         <p:txBody>
           <a:bodyPr vert="horz" lIns="91440" tIns="45720" rIns="91440" bIns="45720" rtlCol="0">
-            <a:normAutofit/>
+            <a:normAutofit fontScale="92500"/>
           </a:bodyPr>
           <a:lstStyle>
             <a:lvl1pPr marL="342900" indent="-342900" algn="l" defTabSz="914400" rtl="0" eaLnBrk="1" latinLnBrk="0" hangingPunct="1">
@@ -10890,7 +11767,15 @@
             </a:pPr>
             <a:r>
               <a:rPr lang="nl-NL" dirty="0" smtClean="0"/>
-              <a:t>Cijfers en letters: waar paren vandaan komen</a:t>
+              <a:t>Cijfers en letters: </a:t>
+            </a:r>
+            <a:r>
+              <a:rPr lang="nl-NL" dirty="0" smtClean="0"/>
+              <a:t>code waar </a:t>
+            </a:r>
+            <a:r>
+              <a:rPr lang="nl-NL" dirty="0" smtClean="0"/>
+              <a:t>paren vandaan komen</a:t>
             </a:r>
             <a:endParaRPr lang="nl-NL" dirty="0"/>
           </a:p>
@@ -10916,7 +11801,7 @@
 </p:sld>
 </file>
 
-<file path=ppt/slides/slide17.xml><?xml version="1.0" encoding="utf-8"?>
+<file path=ppt/slides/slide18.xml><?xml version="1.0" encoding="utf-8"?>
 <p:sld xmlns:a="http://schemas.openxmlformats.org/drawingml/2006/main" xmlns:r="http://schemas.openxmlformats.org/officeDocument/2006/relationships" xmlns:p="http://schemas.openxmlformats.org/presentationml/2006/main">
   <p:cSld>
     <p:spTree>
@@ -10973,7 +11858,7 @@
           <a:p>
             <a:fld id="{A5775961-95EC-4D4B-9423-EAE103D81E9E}" type="slidenum">
               <a:rPr lang="nl-NL" smtClean="0"/>
-              <a:t>17</a:t>
+              <a:t>18</a:t>
             </a:fld>
             <a:endParaRPr lang="nl-NL" dirty="0"/>
           </a:p>
@@ -11172,7 +12057,7 @@
 </p:sld>
 </file>
 
-<file path=ppt/slides/slide18.xml><?xml version="1.0" encoding="utf-8"?>
+<file path=ppt/slides/slide19.xml><?xml version="1.0" encoding="utf-8"?>
 <p:sld xmlns:a="http://schemas.openxmlformats.org/drawingml/2006/main" xmlns:r="http://schemas.openxmlformats.org/officeDocument/2006/relationships" xmlns:p="http://schemas.openxmlformats.org/presentationml/2006/main">
   <p:cSld>
     <p:spTree>
@@ -11295,7 +12180,7 @@
           <a:p>
             <a:fld id="{A5775961-95EC-4D4B-9423-EAE103D81E9E}" type="slidenum">
               <a:rPr lang="nl-NL" smtClean="0"/>
-              <a:t>18</a:t>
+              <a:t>19</a:t>
             </a:fld>
             <a:endParaRPr lang="nl-NL" dirty="0"/>
           </a:p>
@@ -11429,267 +12314,6 @@
 </p:sld>
 </file>
 
-<file path=ppt/slides/slide19.xml><?xml version="1.0" encoding="utf-8"?>
-<p:sld xmlns:a="http://schemas.openxmlformats.org/drawingml/2006/main" xmlns:r="http://schemas.openxmlformats.org/officeDocument/2006/relationships" xmlns:p="http://schemas.openxmlformats.org/presentationml/2006/main">
-  <p:cSld>
-    <p:spTree>
-      <p:nvGrpSpPr>
-        <p:cNvPr id="1" name=""/>
-        <p:cNvGrpSpPr/>
-        <p:nvPr/>
-      </p:nvGrpSpPr>
-      <p:grpSpPr>
-        <a:xfrm>
-          <a:off x="0" y="0"/>
-          <a:ext cx="0" cy="0"/>
-          <a:chOff x="0" y="0"/>
-          <a:chExt cx="0" cy="0"/>
-        </a:xfrm>
-      </p:grpSpPr>
-      <p:sp>
-        <p:nvSpPr>
-          <p:cNvPr id="2" name="Titel 1"/>
-          <p:cNvSpPr>
-            <a:spLocks noGrp="1"/>
-          </p:cNvSpPr>
-          <p:nvPr>
-            <p:ph type="title"/>
-          </p:nvPr>
-        </p:nvSpPr>
-        <p:spPr/>
-        <p:txBody>
-          <a:bodyPr/>
-          <a:lstStyle/>
-          <a:p>
-            <a:r>
-              <a:rPr lang="nl-NL" dirty="0" smtClean="0"/>
-              <a:t>GroundForge</a:t>
-            </a:r>
-            <a:endParaRPr lang="nl-NL" dirty="0"/>
-          </a:p>
-        </p:txBody>
-      </p:sp>
-      <p:sp>
-        <p:nvSpPr>
-          <p:cNvPr id="3" name="Tijdelijke aanduiding voor inhoud 2"/>
-          <p:cNvSpPr>
-            <a:spLocks noGrp="1"/>
-          </p:cNvSpPr>
-          <p:nvPr>
-            <p:ph idx="1"/>
-          </p:nvPr>
-        </p:nvSpPr>
-        <p:spPr/>
-        <p:txBody>
-          <a:bodyPr/>
-          <a:lstStyle/>
-          <a:p>
-            <a:pPr marL="0" indent="0">
-              <a:buNone/>
-            </a:pPr>
-            <a:r>
-              <a:rPr lang="nl-NL" dirty="0" smtClean="0">
-                <a:effectLst/>
-              </a:rPr>
-              <a:t>Droste effect</a:t>
-            </a:r>
-            <a:r>
-              <a:rPr lang="nl-NL" dirty="0"/>
-              <a:t>: </a:t>
-            </a:r>
-            <a:r>
-              <a:rPr lang="nl-NL" dirty="0" smtClean="0"/>
-              <a:t>3</a:t>
-            </a:r>
-            <a:r>
-              <a:rPr lang="nl-NL" baseline="30000" dirty="0" smtClean="0"/>
-              <a:t>e</a:t>
-            </a:r>
-            <a:r>
-              <a:rPr lang="nl-NL" dirty="0" smtClean="0"/>
-              <a:t> paren- van 2</a:t>
-            </a:r>
-            <a:r>
-              <a:rPr lang="nl-NL" baseline="30000" dirty="0" smtClean="0"/>
-              <a:t>e</a:t>
-            </a:r>
-            <a:r>
-              <a:rPr lang="nl-NL" dirty="0" smtClean="0"/>
-              <a:t> </a:t>
-            </a:r>
-            <a:r>
-              <a:rPr lang="nl-NL" dirty="0"/>
-              <a:t>draden </a:t>
-            </a:r>
-            <a:r>
-              <a:rPr lang="nl-NL" dirty="0" smtClean="0"/>
-              <a:t>schema</a:t>
-            </a:r>
-            <a:br>
-              <a:rPr lang="nl-NL" dirty="0" smtClean="0"/>
-            </a:br>
-            <a:r>
-              <a:rPr lang="nl-NL" dirty="0" smtClean="0"/>
-              <a:t/>
-            </a:r>
-            <a:br>
-              <a:rPr lang="nl-NL" dirty="0" smtClean="0"/>
-            </a:br>
-            <a:endParaRPr lang="nl-NL" dirty="0"/>
-          </a:p>
-        </p:txBody>
-      </p:sp>
-      <p:sp>
-        <p:nvSpPr>
-          <p:cNvPr id="4" name="Tijdelijke aanduiding voor dianummer 3"/>
-          <p:cNvSpPr>
-            <a:spLocks noGrp="1"/>
-          </p:cNvSpPr>
-          <p:nvPr>
-            <p:ph type="sldNum" sz="quarter" idx="12"/>
-          </p:nvPr>
-        </p:nvSpPr>
-        <p:spPr/>
-        <p:txBody>
-          <a:bodyPr/>
-          <a:lstStyle/>
-          <a:p>
-            <a:fld id="{A5775961-95EC-4D4B-9423-EAE103D81E9E}" type="slidenum">
-              <a:rPr lang="nl-NL" smtClean="0"/>
-              <a:t>19</a:t>
-            </a:fld>
-            <a:endParaRPr lang="nl-NL" dirty="0"/>
-          </a:p>
-        </p:txBody>
-      </p:sp>
-      <p:pic>
-        <p:nvPicPr>
-          <p:cNvPr id="1027" name="Picture 3"/>
-          <p:cNvPicPr>
-            <a:picLocks noChangeAspect="1" noChangeArrowheads="1"/>
-          </p:cNvPicPr>
-          <p:nvPr/>
-        </p:nvPicPr>
-        <p:blipFill>
-          <a:blip r:embed="rId3">
-            <a:extLst>
-              <a:ext uri="{28A0092B-C50C-407E-A947-70E740481C1C}">
-                <a14:useLocalDpi xmlns:a14="http://schemas.microsoft.com/office/drawing/2010/main" val="0"/>
-              </a:ext>
-            </a:extLst>
-          </a:blip>
-          <a:srcRect/>
-          <a:stretch>
-            <a:fillRect/>
-          </a:stretch>
-        </p:blipFill>
-        <p:spPr bwMode="auto">
-          <a:xfrm>
-            <a:off x="611559" y="2168474"/>
-            <a:ext cx="3745951" cy="4029075"/>
-          </a:xfrm>
-          <a:prstGeom prst="rect">
-            <a:avLst/>
-          </a:prstGeom>
-          <a:noFill/>
-          <a:ln>
-            <a:noFill/>
-          </a:ln>
-          <a:extLst>
-            <a:ext uri="{909E8E84-426E-40DD-AFC4-6F175D3DCCD1}">
-              <a14:hiddenFill xmlns:a14="http://schemas.microsoft.com/office/drawing/2010/main">
-                <a:solidFill>
-                  <a:schemeClr val="accent1"/>
-                </a:solidFill>
-              </a14:hiddenFill>
-            </a:ext>
-            <a:ext uri="{91240B29-F687-4F45-9708-019B960494DF}">
-              <a14:hiddenLine xmlns:a14="http://schemas.microsoft.com/office/drawing/2010/main" w="9525">
-                <a:solidFill>
-                  <a:schemeClr val="tx1"/>
-                </a:solidFill>
-                <a:miter lim="800000"/>
-                <a:headEnd/>
-                <a:tailEnd/>
-              </a14:hiddenLine>
-            </a:ext>
-          </a:extLst>
-        </p:spPr>
-      </p:pic>
-      <p:pic>
-        <p:nvPicPr>
-          <p:cNvPr id="1028" name="Picture 4"/>
-          <p:cNvPicPr>
-            <a:picLocks noChangeAspect="1" noChangeArrowheads="1"/>
-          </p:cNvPicPr>
-          <p:nvPr/>
-        </p:nvPicPr>
-        <p:blipFill>
-          <a:blip r:embed="rId4">
-            <a:extLst>
-              <a:ext uri="{28A0092B-C50C-407E-A947-70E740481C1C}">
-                <a14:useLocalDpi xmlns:a14="http://schemas.microsoft.com/office/drawing/2010/main" val="0"/>
-              </a:ext>
-            </a:extLst>
-          </a:blip>
-          <a:srcRect/>
-          <a:stretch>
-            <a:fillRect/>
-          </a:stretch>
-        </p:blipFill>
-        <p:spPr bwMode="auto">
-          <a:xfrm>
-            <a:off x="4788024" y="2168475"/>
-            <a:ext cx="3895725" cy="4029075"/>
-          </a:xfrm>
-          <a:prstGeom prst="rect">
-            <a:avLst/>
-          </a:prstGeom>
-          <a:noFill/>
-          <a:ln>
-            <a:noFill/>
-          </a:ln>
-          <a:extLst>
-            <a:ext uri="{909E8E84-426E-40DD-AFC4-6F175D3DCCD1}">
-              <a14:hiddenFill xmlns:a14="http://schemas.microsoft.com/office/drawing/2010/main">
-                <a:solidFill>
-                  <a:schemeClr val="accent1"/>
-                </a:solidFill>
-              </a14:hiddenFill>
-            </a:ext>
-            <a:ext uri="{91240B29-F687-4F45-9708-019B960494DF}">
-              <a14:hiddenLine xmlns:a14="http://schemas.microsoft.com/office/drawing/2010/main" w="9525">
-                <a:solidFill>
-                  <a:schemeClr val="tx1"/>
-                </a:solidFill>
-                <a:miter lim="800000"/>
-                <a:headEnd/>
-                <a:tailEnd/>
-              </a14:hiddenLine>
-            </a:ext>
-          </a:extLst>
-        </p:spPr>
-      </p:pic>
-    </p:spTree>
-    <p:extLst>
-      <p:ext uri="{BB962C8B-B14F-4D97-AF65-F5344CB8AC3E}">
-        <p14:creationId xmlns:p14="http://schemas.microsoft.com/office/powerpoint/2010/main" val="3439122772"/>
-      </p:ext>
-    </p:extLst>
-  </p:cSld>
-  <p:clrMapOvr>
-    <a:masterClrMapping/>
-  </p:clrMapOvr>
-  <p:timing>
-    <p:tnLst>
-      <p:par>
-        <p:cTn id="1" dur="indefinite" restart="never" nodeType="tmRoot"/>
-      </p:par>
-    </p:tnLst>
-  </p:timing>
-</p:sld>
-</file>
-
 <file path=ppt/slides/slide2.xml><?xml version="1.0" encoding="utf-8"?>
 <p:sld xmlns:a="http://schemas.openxmlformats.org/drawingml/2006/main" xmlns:r="http://schemas.openxmlformats.org/officeDocument/2006/relationships" xmlns:p="http://schemas.openxmlformats.org/presentationml/2006/main">
   <p:cSld>
@@ -11712,7 +12336,7 @@
           <p:cNvPr id="4" name="Tijdelijke aanduiding voor datum 3">
             <a:extLst>
               <a:ext uri="{FF2B5EF4-FFF2-40B4-BE49-F238E27FC236}">
-                <a16:creationId xmlns:a16="http://schemas.microsoft.com/office/drawing/2014/main" xmlns="" id="{B7CD71F2-4AB3-4F82-AC95-779059F13195}"/>
+                <a16:creationId xmlns="" xmlns:a16="http://schemas.microsoft.com/office/drawing/2014/main" id="{B7CD71F2-4AB3-4F82-AC95-779059F13195}"/>
               </a:ext>
             </a:extLst>
           </p:cNvPr>
@@ -11730,7 +12354,7 @@
           <a:p>
             <a:fld id="{C6166A56-2601-4E37-8D8D-05C0420DE125}" type="datetime1">
               <a:rPr lang="nl-NL" smtClean="0"/>
-              <a:t>15-8-2018</a:t>
+              <a:t>19-8-2018</a:t>
             </a:fld>
             <a:endParaRPr lang="nl-NL" dirty="0"/>
           </a:p>
@@ -11741,7 +12365,7 @@
           <p:cNvPr id="5" name="Tijdelijke aanduiding voor voettekst 4">
             <a:extLst>
               <a:ext uri="{FF2B5EF4-FFF2-40B4-BE49-F238E27FC236}">
-                <a16:creationId xmlns:a16="http://schemas.microsoft.com/office/drawing/2014/main" xmlns="" id="{5C6A8BCE-5EC6-40B9-9E2B-345894DAE8ED}"/>
+                <a16:creationId xmlns="" xmlns:a16="http://schemas.microsoft.com/office/drawing/2014/main" id="{5C6A8BCE-5EC6-40B9-9E2B-345894DAE8ED}"/>
               </a:ext>
             </a:extLst>
           </p:cNvPr>
@@ -11773,7 +12397,7 @@
           <p:cNvPr id="6" name="Tijdelijke aanduiding voor dianummer 5">
             <a:extLst>
               <a:ext uri="{FF2B5EF4-FFF2-40B4-BE49-F238E27FC236}">
-                <a16:creationId xmlns:a16="http://schemas.microsoft.com/office/drawing/2014/main" xmlns="" id="{CA89F1FE-B156-4B88-A6EE-ED53A7D070D3}"/>
+                <a16:creationId xmlns="" xmlns:a16="http://schemas.microsoft.com/office/drawing/2014/main" id="{CA89F1FE-B156-4B88-A6EE-ED53A7D070D3}"/>
               </a:ext>
             </a:extLst>
           </p:cNvPr>
@@ -11802,7 +12426,7 @@
           <p:cNvPr id="7" name="Tekstvak 6">
             <a:extLst>
               <a:ext uri="{FF2B5EF4-FFF2-40B4-BE49-F238E27FC236}">
-                <a16:creationId xmlns:a16="http://schemas.microsoft.com/office/drawing/2014/main" xmlns="" id="{BADB2CDB-D341-4825-AB3C-E755C562780A}"/>
+                <a16:creationId xmlns="" xmlns:a16="http://schemas.microsoft.com/office/drawing/2014/main" id="{BADB2CDB-D341-4825-AB3C-E755C562780A}"/>
               </a:ext>
             </a:extLst>
           </p:cNvPr>
@@ -11837,7 +12461,7 @@
           <p:cNvPr id="15" name="Afbeelding 14">
             <a:extLst>
               <a:ext uri="{FF2B5EF4-FFF2-40B4-BE49-F238E27FC236}">
-                <a16:creationId xmlns:a16="http://schemas.microsoft.com/office/drawing/2014/main" xmlns="" id="{00DBD524-F9AF-4170-A579-42F81C9F3E72}"/>
+                <a16:creationId xmlns="" xmlns:a16="http://schemas.microsoft.com/office/drawing/2014/main" id="{00DBD524-F9AF-4170-A579-42F81C9F3E72}"/>
               </a:ext>
             </a:extLst>
           </p:cNvPr>
@@ -11879,7 +12503,7 @@
           <p:cNvPr id="11" name="Afbeelding 10">
             <a:extLst>
               <a:ext uri="{FF2B5EF4-FFF2-40B4-BE49-F238E27FC236}">
-                <a16:creationId xmlns:a16="http://schemas.microsoft.com/office/drawing/2014/main" xmlns="" id="{C3507EFA-9F14-4A89-AA69-4191C5CC0E66}"/>
+                <a16:creationId xmlns="" xmlns:a16="http://schemas.microsoft.com/office/drawing/2014/main" id="{C3507EFA-9F14-4A89-AA69-4191C5CC0E66}"/>
               </a:ext>
             </a:extLst>
           </p:cNvPr>
@@ -11921,7 +12545,7 @@
           <p:cNvPr id="13" name="Afbeelding 12">
             <a:extLst>
               <a:ext uri="{FF2B5EF4-FFF2-40B4-BE49-F238E27FC236}">
-                <a16:creationId xmlns:a16="http://schemas.microsoft.com/office/drawing/2014/main" xmlns="" id="{B7BFBCB6-EBF7-40E5-B7C9-0DFFE6CFC8BB}"/>
+                <a16:creationId xmlns="" xmlns:a16="http://schemas.microsoft.com/office/drawing/2014/main" id="{B7BFBCB6-EBF7-40E5-B7C9-0DFFE6CFC8BB}"/>
               </a:ext>
             </a:extLst>
           </p:cNvPr>
@@ -11962,7 +12586,7 @@
           <p:cNvPr id="9" name="Afbeelding 8">
             <a:extLst>
               <a:ext uri="{FF2B5EF4-FFF2-40B4-BE49-F238E27FC236}">
-                <a16:creationId xmlns:a16="http://schemas.microsoft.com/office/drawing/2014/main" xmlns="" id="{5DE4EEAD-DD96-4122-84AD-FBDDE0A36FF4}"/>
+                <a16:creationId xmlns="" xmlns:a16="http://schemas.microsoft.com/office/drawing/2014/main" id="{5DE4EEAD-DD96-4122-84AD-FBDDE0A36FF4}"/>
               </a:ext>
             </a:extLst>
           </p:cNvPr>
@@ -12400,7 +13024,7 @@
           <p:cNvPr id="16" name="Afbeelding 15">
             <a:extLst>
               <a:ext uri="{FF2B5EF4-FFF2-40B4-BE49-F238E27FC236}">
-                <a16:creationId xmlns:a16="http://schemas.microsoft.com/office/drawing/2014/main" xmlns="" id="{8C41FFC2-0B1C-4E68-BD67-E008982928E5}"/>
+                <a16:creationId xmlns="" xmlns:a16="http://schemas.microsoft.com/office/drawing/2014/main" id="{8C41FFC2-0B1C-4E68-BD67-E008982928E5}"/>
               </a:ext>
             </a:extLst>
           </p:cNvPr>
@@ -12518,7 +13142,7 @@
           <p:cNvPr id="10" name="Afbeelding 9">
             <a:extLst>
               <a:ext uri="{FF2B5EF4-FFF2-40B4-BE49-F238E27FC236}">
-                <a16:creationId xmlns:a16="http://schemas.microsoft.com/office/drawing/2014/main" xmlns="" id="{3092549D-0E93-4713-845E-5D6321646A4A}"/>
+                <a16:creationId xmlns="" xmlns:a16="http://schemas.microsoft.com/office/drawing/2014/main" id="{3092549D-0E93-4713-845E-5D6321646A4A}"/>
               </a:ext>
             </a:extLst>
           </p:cNvPr>
@@ -13193,6 +13817,267 @@
         </p:nvSpPr>
         <p:spPr/>
         <p:txBody>
+          <a:bodyPr/>
+          <a:lstStyle/>
+          <a:p>
+            <a:pPr marL="0" indent="0">
+              <a:buNone/>
+            </a:pPr>
+            <a:r>
+              <a:rPr lang="nl-NL" dirty="0" smtClean="0">
+                <a:effectLst/>
+              </a:rPr>
+              <a:t>Droste effect</a:t>
+            </a:r>
+            <a:r>
+              <a:rPr lang="nl-NL" dirty="0"/>
+              <a:t>: </a:t>
+            </a:r>
+            <a:r>
+              <a:rPr lang="nl-NL" dirty="0" smtClean="0"/>
+              <a:t>3</a:t>
+            </a:r>
+            <a:r>
+              <a:rPr lang="nl-NL" baseline="30000" dirty="0" smtClean="0"/>
+              <a:t>e</a:t>
+            </a:r>
+            <a:r>
+              <a:rPr lang="nl-NL" dirty="0" smtClean="0"/>
+              <a:t> paren- van 2</a:t>
+            </a:r>
+            <a:r>
+              <a:rPr lang="nl-NL" baseline="30000" dirty="0" smtClean="0"/>
+              <a:t>e</a:t>
+            </a:r>
+            <a:r>
+              <a:rPr lang="nl-NL" dirty="0" smtClean="0"/>
+              <a:t> </a:t>
+            </a:r>
+            <a:r>
+              <a:rPr lang="nl-NL" dirty="0"/>
+              <a:t>draden </a:t>
+            </a:r>
+            <a:r>
+              <a:rPr lang="nl-NL" dirty="0" smtClean="0"/>
+              <a:t>schema</a:t>
+            </a:r>
+            <a:br>
+              <a:rPr lang="nl-NL" dirty="0" smtClean="0"/>
+            </a:br>
+            <a:r>
+              <a:rPr lang="nl-NL" dirty="0" smtClean="0"/>
+              <a:t/>
+            </a:r>
+            <a:br>
+              <a:rPr lang="nl-NL" dirty="0" smtClean="0"/>
+            </a:br>
+            <a:endParaRPr lang="nl-NL" dirty="0"/>
+          </a:p>
+        </p:txBody>
+      </p:sp>
+      <p:sp>
+        <p:nvSpPr>
+          <p:cNvPr id="4" name="Tijdelijke aanduiding voor dianummer 3"/>
+          <p:cNvSpPr>
+            <a:spLocks noGrp="1"/>
+          </p:cNvSpPr>
+          <p:nvPr>
+            <p:ph type="sldNum" sz="quarter" idx="12"/>
+          </p:nvPr>
+        </p:nvSpPr>
+        <p:spPr/>
+        <p:txBody>
+          <a:bodyPr/>
+          <a:lstStyle/>
+          <a:p>
+            <a:fld id="{A5775961-95EC-4D4B-9423-EAE103D81E9E}" type="slidenum">
+              <a:rPr lang="nl-NL" smtClean="0"/>
+              <a:t>20</a:t>
+            </a:fld>
+            <a:endParaRPr lang="nl-NL" dirty="0"/>
+          </a:p>
+        </p:txBody>
+      </p:sp>
+      <p:pic>
+        <p:nvPicPr>
+          <p:cNvPr id="1027" name="Picture 3"/>
+          <p:cNvPicPr>
+            <a:picLocks noChangeAspect="1" noChangeArrowheads="1"/>
+          </p:cNvPicPr>
+          <p:nvPr/>
+        </p:nvPicPr>
+        <p:blipFill>
+          <a:blip r:embed="rId3">
+            <a:extLst>
+              <a:ext uri="{28A0092B-C50C-407E-A947-70E740481C1C}">
+                <a14:useLocalDpi xmlns:a14="http://schemas.microsoft.com/office/drawing/2010/main" val="0"/>
+              </a:ext>
+            </a:extLst>
+          </a:blip>
+          <a:srcRect/>
+          <a:stretch>
+            <a:fillRect/>
+          </a:stretch>
+        </p:blipFill>
+        <p:spPr bwMode="auto">
+          <a:xfrm>
+            <a:off x="611559" y="2168474"/>
+            <a:ext cx="3745951" cy="4029075"/>
+          </a:xfrm>
+          <a:prstGeom prst="rect">
+            <a:avLst/>
+          </a:prstGeom>
+          <a:noFill/>
+          <a:ln>
+            <a:noFill/>
+          </a:ln>
+          <a:extLst>
+            <a:ext uri="{909E8E84-426E-40DD-AFC4-6F175D3DCCD1}">
+              <a14:hiddenFill xmlns:a14="http://schemas.microsoft.com/office/drawing/2010/main">
+                <a:solidFill>
+                  <a:schemeClr val="accent1"/>
+                </a:solidFill>
+              </a14:hiddenFill>
+            </a:ext>
+            <a:ext uri="{91240B29-F687-4F45-9708-019B960494DF}">
+              <a14:hiddenLine xmlns:a14="http://schemas.microsoft.com/office/drawing/2010/main" w="9525">
+                <a:solidFill>
+                  <a:schemeClr val="tx1"/>
+                </a:solidFill>
+                <a:miter lim="800000"/>
+                <a:headEnd/>
+                <a:tailEnd/>
+              </a14:hiddenLine>
+            </a:ext>
+          </a:extLst>
+        </p:spPr>
+      </p:pic>
+      <p:pic>
+        <p:nvPicPr>
+          <p:cNvPr id="1028" name="Picture 4"/>
+          <p:cNvPicPr>
+            <a:picLocks noChangeAspect="1" noChangeArrowheads="1"/>
+          </p:cNvPicPr>
+          <p:nvPr/>
+        </p:nvPicPr>
+        <p:blipFill>
+          <a:blip r:embed="rId4">
+            <a:extLst>
+              <a:ext uri="{28A0092B-C50C-407E-A947-70E740481C1C}">
+                <a14:useLocalDpi xmlns:a14="http://schemas.microsoft.com/office/drawing/2010/main" val="0"/>
+              </a:ext>
+            </a:extLst>
+          </a:blip>
+          <a:srcRect/>
+          <a:stretch>
+            <a:fillRect/>
+          </a:stretch>
+        </p:blipFill>
+        <p:spPr bwMode="auto">
+          <a:xfrm>
+            <a:off x="4788024" y="2168475"/>
+            <a:ext cx="3895725" cy="4029075"/>
+          </a:xfrm>
+          <a:prstGeom prst="rect">
+            <a:avLst/>
+          </a:prstGeom>
+          <a:noFill/>
+          <a:ln>
+            <a:noFill/>
+          </a:ln>
+          <a:extLst>
+            <a:ext uri="{909E8E84-426E-40DD-AFC4-6F175D3DCCD1}">
+              <a14:hiddenFill xmlns:a14="http://schemas.microsoft.com/office/drawing/2010/main">
+                <a:solidFill>
+                  <a:schemeClr val="accent1"/>
+                </a:solidFill>
+              </a14:hiddenFill>
+            </a:ext>
+            <a:ext uri="{91240B29-F687-4F45-9708-019B960494DF}">
+              <a14:hiddenLine xmlns:a14="http://schemas.microsoft.com/office/drawing/2010/main" w="9525">
+                <a:solidFill>
+                  <a:schemeClr val="tx1"/>
+                </a:solidFill>
+                <a:miter lim="800000"/>
+                <a:headEnd/>
+                <a:tailEnd/>
+              </a14:hiddenLine>
+            </a:ext>
+          </a:extLst>
+        </p:spPr>
+      </p:pic>
+    </p:spTree>
+    <p:extLst>
+      <p:ext uri="{BB962C8B-B14F-4D97-AF65-F5344CB8AC3E}">
+        <p14:creationId xmlns:p14="http://schemas.microsoft.com/office/powerpoint/2010/main" val="3439122772"/>
+      </p:ext>
+    </p:extLst>
+  </p:cSld>
+  <p:clrMapOvr>
+    <a:masterClrMapping/>
+  </p:clrMapOvr>
+  <p:timing>
+    <p:tnLst>
+      <p:par>
+        <p:cTn id="1" dur="indefinite" restart="never" nodeType="tmRoot"/>
+      </p:par>
+    </p:tnLst>
+  </p:timing>
+</p:sld>
+</file>
+
+<file path=ppt/slides/slide21.xml><?xml version="1.0" encoding="utf-8"?>
+<p:sld xmlns:a="http://schemas.openxmlformats.org/drawingml/2006/main" xmlns:r="http://schemas.openxmlformats.org/officeDocument/2006/relationships" xmlns:p="http://schemas.openxmlformats.org/presentationml/2006/main">
+  <p:cSld>
+    <p:spTree>
+      <p:nvGrpSpPr>
+        <p:cNvPr id="1" name=""/>
+        <p:cNvGrpSpPr/>
+        <p:nvPr/>
+      </p:nvGrpSpPr>
+      <p:grpSpPr>
+        <a:xfrm>
+          <a:off x="0" y="0"/>
+          <a:ext cx="0" cy="0"/>
+          <a:chOff x="0" y="0"/>
+          <a:chExt cx="0" cy="0"/>
+        </a:xfrm>
+      </p:grpSpPr>
+      <p:sp>
+        <p:nvSpPr>
+          <p:cNvPr id="2" name="Titel 1"/>
+          <p:cNvSpPr>
+            <a:spLocks noGrp="1"/>
+          </p:cNvSpPr>
+          <p:nvPr>
+            <p:ph type="title"/>
+          </p:nvPr>
+        </p:nvSpPr>
+        <p:spPr/>
+        <p:txBody>
+          <a:bodyPr/>
+          <a:lstStyle/>
+          <a:p>
+            <a:r>
+              <a:rPr lang="nl-NL" dirty="0" smtClean="0"/>
+              <a:t>GroundForge</a:t>
+            </a:r>
+            <a:endParaRPr lang="nl-NL" dirty="0"/>
+          </a:p>
+        </p:txBody>
+      </p:sp>
+      <p:sp>
+        <p:nvSpPr>
+          <p:cNvPr id="3" name="Tijdelijke aanduiding voor inhoud 2"/>
+          <p:cNvSpPr>
+            <a:spLocks noGrp="1"/>
+          </p:cNvSpPr>
+          <p:nvPr>
+            <p:ph idx="1"/>
+          </p:nvPr>
+        </p:nvSpPr>
+        <p:spPr/>
+        <p:txBody>
           <a:bodyPr>
             <a:normAutofit/>
           </a:bodyPr>
@@ -13318,7 +14203,7 @@
           <a:p>
             <a:fld id="{A5775961-95EC-4D4B-9423-EAE103D81E9E}" type="slidenum">
               <a:rPr lang="nl-NL" smtClean="0"/>
-              <a:t>20</a:t>
+              <a:t>21</a:t>
             </a:fld>
             <a:endParaRPr lang="nl-NL" dirty="0"/>
           </a:p>
@@ -13344,7 +14229,7 @@
 </p:sld>
 </file>
 
-<file path=ppt/slides/slide21.xml><?xml version="1.0" encoding="utf-8"?>
+<file path=ppt/slides/slide22.xml><?xml version="1.0" encoding="utf-8"?>
 <p:sld xmlns:a="http://schemas.openxmlformats.org/drawingml/2006/main" xmlns:r="http://schemas.openxmlformats.org/officeDocument/2006/relationships" xmlns:p="http://schemas.openxmlformats.org/presentationml/2006/main">
   <p:cSld>
     <p:spTree>
@@ -13513,7 +14398,7 @@
           <a:p>
             <a:fld id="{A5775961-95EC-4D4B-9423-EAE103D81E9E}" type="slidenum">
               <a:rPr lang="nl-NL" smtClean="0"/>
-              <a:t>21</a:t>
+              <a:t>22</a:t>
             </a:fld>
             <a:endParaRPr lang="nl-NL" dirty="0"/>
           </a:p>
@@ -13615,7 +14500,7 @@
           <p:cNvPr id="11" name="Afbeelding 10">
             <a:extLst>
               <a:ext uri="{FF2B5EF4-FFF2-40B4-BE49-F238E27FC236}">
-                <a16:creationId xmlns:a16="http://schemas.microsoft.com/office/drawing/2014/main" xmlns="" id="{079EDC35-E36A-4C9A-8D8D-78C350138DFB}"/>
+                <a16:creationId xmlns="" xmlns:a16="http://schemas.microsoft.com/office/drawing/2014/main" id="{079EDC35-E36A-4C9A-8D8D-78C350138DFB}"/>
               </a:ext>
             </a:extLst>
           </p:cNvPr>
@@ -13657,7 +14542,7 @@
           <p:cNvPr id="2" name="Tijdelijke aanduiding voor datum 1">
             <a:extLst>
               <a:ext uri="{FF2B5EF4-FFF2-40B4-BE49-F238E27FC236}">
-                <a16:creationId xmlns:a16="http://schemas.microsoft.com/office/drawing/2014/main" xmlns="" id="{15CB3411-7651-4941-ABB4-C1822AEDE56A}"/>
+                <a16:creationId xmlns="" xmlns:a16="http://schemas.microsoft.com/office/drawing/2014/main" id="{15CB3411-7651-4941-ABB4-C1822AEDE56A}"/>
               </a:ext>
             </a:extLst>
           </p:cNvPr>
@@ -13675,7 +14560,7 @@
           <a:p>
             <a:fld id="{B71AFF58-8559-4CE0-AA20-9C6B842D93B4}" type="datetime1">
               <a:rPr lang="nl-NL" smtClean="0"/>
-              <a:t>15-8-2018</a:t>
+              <a:t>19-8-2018</a:t>
             </a:fld>
             <a:endParaRPr lang="nl-NL"/>
           </a:p>
@@ -13686,7 +14571,7 @@
           <p:cNvPr id="3" name="Tijdelijke aanduiding voor voettekst 2">
             <a:extLst>
               <a:ext uri="{FF2B5EF4-FFF2-40B4-BE49-F238E27FC236}">
-                <a16:creationId xmlns:a16="http://schemas.microsoft.com/office/drawing/2014/main" xmlns="" id="{CA7752E9-23DD-4D98-8613-77598C2CCFA4}"/>
+                <a16:creationId xmlns="" xmlns:a16="http://schemas.microsoft.com/office/drawing/2014/main" id="{CA7752E9-23DD-4D98-8613-77598C2CCFA4}"/>
               </a:ext>
             </a:extLst>
           </p:cNvPr>
@@ -13718,7 +14603,7 @@
           <p:cNvPr id="4" name="Tijdelijke aanduiding voor dianummer 3">
             <a:extLst>
               <a:ext uri="{FF2B5EF4-FFF2-40B4-BE49-F238E27FC236}">
-                <a16:creationId xmlns:a16="http://schemas.microsoft.com/office/drawing/2014/main" xmlns="" id="{91A3FFEC-B94C-4127-8949-077FA303049A}"/>
+                <a16:creationId xmlns="" xmlns:a16="http://schemas.microsoft.com/office/drawing/2014/main" id="{91A3FFEC-B94C-4127-8949-077FA303049A}"/>
               </a:ext>
             </a:extLst>
           </p:cNvPr>
@@ -13747,7 +14632,7 @@
           <p:cNvPr id="8" name="Tekstvak 7">
             <a:extLst>
               <a:ext uri="{FF2B5EF4-FFF2-40B4-BE49-F238E27FC236}">
-                <a16:creationId xmlns:a16="http://schemas.microsoft.com/office/drawing/2014/main" xmlns="" id="{FF9E01FC-F7F7-4EB0-8160-945FD3F4E9EC}"/>
+                <a16:creationId xmlns="" xmlns:a16="http://schemas.microsoft.com/office/drawing/2014/main" id="{FF9E01FC-F7F7-4EB0-8160-945FD3F4E9EC}"/>
               </a:ext>
             </a:extLst>
           </p:cNvPr>
@@ -13756,8 +14641,8 @@
         </p:nvSpPr>
         <p:spPr>
           <a:xfrm>
-            <a:off x="269404" y="5373216"/>
-            <a:ext cx="8047012" cy="1384995"/>
+            <a:off x="539552" y="5373216"/>
+            <a:ext cx="8046678" cy="1384995"/>
           </a:xfrm>
           <a:prstGeom prst="rect">
             <a:avLst/>
@@ -13833,7 +14718,7 @@
           <p:cNvPr id="5" name="Afbeelding 4">
             <a:extLst>
               <a:ext uri="{FF2B5EF4-FFF2-40B4-BE49-F238E27FC236}">
-                <a16:creationId xmlns:a16="http://schemas.microsoft.com/office/drawing/2014/main" xmlns="" id="{98E5EE79-D9A2-4BE2-BCBA-F998B1D99F3C}"/>
+                <a16:creationId xmlns="" xmlns:a16="http://schemas.microsoft.com/office/drawing/2014/main" id="{98E5EE79-D9A2-4BE2-BCBA-F998B1D99F3C}"/>
               </a:ext>
             </a:extLst>
           </p:cNvPr>
@@ -13850,8 +14735,8 @@
         </p:blipFill>
         <p:spPr>
           <a:xfrm>
-            <a:off x="5580113" y="1124744"/>
-            <a:ext cx="1948925" cy="1575904"/>
+            <a:off x="5292080" y="336791"/>
+            <a:ext cx="3006661" cy="2431191"/>
           </a:xfrm>
           <a:prstGeom prst="rect">
             <a:avLst/>
@@ -13875,7 +14760,7 @@
           <p:cNvPr id="6" name="Afbeelding 5">
             <a:extLst>
               <a:ext uri="{FF2B5EF4-FFF2-40B4-BE49-F238E27FC236}">
-                <a16:creationId xmlns:a16="http://schemas.microsoft.com/office/drawing/2014/main" xmlns="" id="{D0408053-BC3B-46A5-86F6-8EE0C92F7B7D}"/>
+                <a16:creationId xmlns="" xmlns:a16="http://schemas.microsoft.com/office/drawing/2014/main" id="{D0408053-BC3B-46A5-86F6-8EE0C92F7B7D}"/>
               </a:ext>
             </a:extLst>
           </p:cNvPr>
@@ -13892,8 +14777,8 @@
         </p:blipFill>
         <p:spPr>
           <a:xfrm>
-            <a:off x="4499992" y="3255769"/>
-            <a:ext cx="4374616" cy="1633821"/>
+            <a:off x="2843808" y="3212976"/>
+            <a:ext cx="5742422" cy="2144666"/>
           </a:xfrm>
           <a:prstGeom prst="rect">
             <a:avLst/>
@@ -14197,7 +15082,6 @@
               <a:rPr lang="nl-NL" dirty="0" smtClean="0"/>
               <a:t>Parijse variatie</a:t>
             </a:r>
-            <a:endParaRPr lang="nl-NL" dirty="0" smtClean="0"/>
           </a:p>
           <a:p>
             <a:r>
@@ -14437,6 +15321,214 @@
           </a:p>
         </p:txBody>
       </p:sp>
+      <p:sp>
+        <p:nvSpPr>
+          <p:cNvPr id="3" name="Tijdelijke aanduiding voor inhoud 2"/>
+          <p:cNvSpPr>
+            <a:spLocks noGrp="1"/>
+          </p:cNvSpPr>
+          <p:nvPr>
+            <p:ph idx="1"/>
+          </p:nvPr>
+        </p:nvSpPr>
+        <p:spPr>
+          <a:xfrm>
+            <a:off x="457200" y="1600200"/>
+            <a:ext cx="8229600" cy="5141168"/>
+          </a:xfrm>
+        </p:spPr>
+        <p:txBody>
+          <a:bodyPr>
+            <a:normAutofit fontScale="92500" lnSpcReduction="10000"/>
+          </a:bodyPr>
+          <a:lstStyle/>
+          <a:p>
+            <a:pPr marL="0" indent="0">
+              <a:buNone/>
+            </a:pPr>
+            <a:r>
+              <a:rPr lang="nl-NL" dirty="0">
+                <a:hlinkClick r:id="rId3"/>
+              </a:rPr>
+              <a:t>https://</a:t>
+            </a:r>
+            <a:r>
+              <a:rPr lang="nl-NL" dirty="0" smtClean="0">
+                <a:hlinkClick r:id="rId3"/>
+              </a:rPr>
+              <a:t>d-bl.github.io/GroundForge/help</a:t>
+            </a:r>
+            <a:endParaRPr lang="nl-NL" dirty="0" smtClean="0"/>
+          </a:p>
+          <a:p>
+            <a:r>
+              <a:rPr lang="nl-NL" dirty="0" smtClean="0"/>
+              <a:t>GitHub: broncode staat online</a:t>
+            </a:r>
+            <a:br>
+              <a:rPr lang="nl-NL" dirty="0" smtClean="0"/>
+            </a:br>
+            <a:r>
+              <a:rPr lang="nl-NL" dirty="0" smtClean="0"/>
+              <a:t>iedereen kan bijdragen</a:t>
+            </a:r>
+          </a:p>
+          <a:p>
+            <a:r>
+              <a:rPr lang="nl-NL" dirty="0" smtClean="0"/>
+              <a:t>Intro – nl:</a:t>
+            </a:r>
+            <a:br>
+              <a:rPr lang="nl-NL" dirty="0" smtClean="0"/>
+            </a:br>
+            <a:r>
+              <a:rPr lang="nl-NL" dirty="0" smtClean="0"/>
+              <a:t>deze presentatie</a:t>
+            </a:r>
+          </a:p>
+          <a:p>
+            <a:r>
+              <a:rPr lang="nl-NL" dirty="0" smtClean="0"/>
+              <a:t>Contact – nl:</a:t>
+            </a:r>
+            <a:br>
+              <a:rPr lang="nl-NL" dirty="0" smtClean="0"/>
+            </a:br>
+            <a:r>
+              <a:rPr lang="nl-NL" dirty="0" smtClean="0"/>
+              <a:t>webformulier</a:t>
+            </a:r>
+          </a:p>
+          <a:p>
+            <a:r>
+              <a:rPr lang="nl-NL" dirty="0" err="1" smtClean="0">
+                <a:effectLst/>
+              </a:rPr>
+              <a:t>Site-map</a:t>
+            </a:r>
+            <a:r>
+              <a:rPr lang="nl-NL" dirty="0" smtClean="0">
+                <a:effectLst/>
+              </a:rPr>
+              <a:t>:</a:t>
+            </a:r>
+            <a:br>
+              <a:rPr lang="nl-NL" dirty="0" smtClean="0">
+                <a:effectLst/>
+              </a:rPr>
+            </a:br>
+            <a:r>
+              <a:rPr lang="nl-NL" dirty="0" smtClean="0"/>
+              <a:t>Volgende sheet</a:t>
+            </a:r>
+            <a:endParaRPr lang="nl-NL" dirty="0" smtClean="0">
+              <a:effectLst/>
+            </a:endParaRPr>
+          </a:p>
+          <a:p>
+            <a:pPr marL="0" indent="0">
+              <a:buNone/>
+            </a:pPr>
+            <a:r>
+              <a:rPr lang="nl-NL" dirty="0" smtClean="0"/>
+              <a:t/>
+            </a:r>
+            <a:br>
+              <a:rPr lang="nl-NL" dirty="0" smtClean="0"/>
+            </a:br>
+            <a:endParaRPr lang="nl-NL" dirty="0"/>
+          </a:p>
+        </p:txBody>
+      </p:sp>
+      <p:pic>
+        <p:nvPicPr>
+          <p:cNvPr id="1029" name="Picture 5"/>
+          <p:cNvPicPr>
+            <a:picLocks noChangeAspect="1" noChangeArrowheads="1"/>
+          </p:cNvPicPr>
+          <p:nvPr/>
+        </p:nvPicPr>
+        <p:blipFill>
+          <a:blip r:embed="rId4">
+            <a:extLst>
+              <a:ext uri="{28A0092B-C50C-407E-A947-70E740481C1C}">
+                <a14:useLocalDpi xmlns:a14="http://schemas.microsoft.com/office/drawing/2010/main" val="0"/>
+              </a:ext>
+            </a:extLst>
+          </a:blip>
+          <a:srcRect/>
+          <a:stretch>
+            <a:fillRect/>
+          </a:stretch>
+        </p:blipFill>
+        <p:spPr bwMode="auto">
+          <a:xfrm>
+            <a:off x="5724127" y="2636089"/>
+            <a:ext cx="2916089" cy="3582159"/>
+          </a:xfrm>
+          <a:prstGeom prst="rect">
+            <a:avLst/>
+          </a:prstGeom>
+          <a:noFill/>
+          <a:ln w="9525">
+            <a:solidFill>
+              <a:schemeClr val="tx2">
+                <a:lumMod val="60000"/>
+                <a:lumOff val="40000"/>
+              </a:schemeClr>
+            </a:solidFill>
+            <a:miter lim="800000"/>
+            <a:headEnd/>
+            <a:tailEnd/>
+          </a:ln>
+          <a:extLst>
+            <a:ext uri="{909E8E84-426E-40DD-AFC4-6F175D3DCCD1}">
+              <a14:hiddenFill xmlns:a14="http://schemas.microsoft.com/office/drawing/2010/main">
+                <a:solidFill>
+                  <a:schemeClr val="accent1"/>
+                </a:solidFill>
+              </a14:hiddenFill>
+            </a:ext>
+          </a:extLst>
+        </p:spPr>
+      </p:pic>
+    </p:spTree>
+    <p:extLst>
+      <p:ext uri="{BB962C8B-B14F-4D97-AF65-F5344CB8AC3E}">
+        <p14:creationId xmlns:p14="http://schemas.microsoft.com/office/powerpoint/2010/main" val="1043717631"/>
+      </p:ext>
+    </p:extLst>
+  </p:cSld>
+  <p:clrMapOvr>
+    <a:masterClrMapping/>
+  </p:clrMapOvr>
+  <p:timing>
+    <p:tnLst>
+      <p:par>
+        <p:cTn id="1" dur="indefinite" restart="never" nodeType="tmRoot"/>
+      </p:par>
+    </p:tnLst>
+  </p:timing>
+</p:sld>
+</file>
+
+<file path=ppt/slides/slide6.xml><?xml version="1.0" encoding="utf-8"?>
+<p:sld xmlns:a="http://schemas.openxmlformats.org/drawingml/2006/main" xmlns:r="http://schemas.openxmlformats.org/officeDocument/2006/relationships" xmlns:p="http://schemas.openxmlformats.org/presentationml/2006/main">
+  <p:cSld>
+    <p:spTree>
+      <p:nvGrpSpPr>
+        <p:cNvPr id="1" name=""/>
+        <p:cNvGrpSpPr/>
+        <p:nvPr/>
+      </p:nvGrpSpPr>
+      <p:grpSpPr>
+        <a:xfrm>
+          <a:off x="0" y="0"/>
+          <a:ext cx="0" cy="0"/>
+          <a:chOff x="0" y="0"/>
+          <a:chExt cx="0" cy="0"/>
+        </a:xfrm>
+      </p:grpSpPr>
       <p:pic>
         <p:nvPicPr>
           <p:cNvPr id="4" name="Picture 3"/>
@@ -14460,8 +15552,8 @@
         </p:blipFill>
         <p:spPr bwMode="auto">
           <a:xfrm>
-            <a:off x="5908501" y="1276349"/>
-            <a:ext cx="2839963" cy="2985263"/>
+            <a:off x="5292080" y="2780928"/>
+            <a:ext cx="3384376" cy="3557530"/>
           </a:xfrm>
           <a:prstGeom prst="rect">
             <a:avLst/>
@@ -14493,6 +15585,52 @@
       </p:pic>
       <p:sp>
         <p:nvSpPr>
+          <p:cNvPr id="2" name="Titel 1"/>
+          <p:cNvSpPr>
+            <a:spLocks noGrp="1"/>
+          </p:cNvSpPr>
+          <p:nvPr>
+            <p:ph type="title"/>
+          </p:nvPr>
+        </p:nvSpPr>
+        <p:spPr/>
+        <p:txBody>
+          <a:bodyPr/>
+          <a:lstStyle/>
+          <a:p>
+            <a:r>
+              <a:rPr lang="nl-NL" dirty="0" smtClean="0"/>
+              <a:t>GroundForge</a:t>
+            </a:r>
+            <a:endParaRPr lang="nl-NL" dirty="0"/>
+          </a:p>
+        </p:txBody>
+      </p:sp>
+      <p:sp>
+        <p:nvSpPr>
+          <p:cNvPr id="6" name="Tijdelijke aanduiding voor dianummer 5"/>
+          <p:cNvSpPr>
+            <a:spLocks noGrp="1"/>
+          </p:cNvSpPr>
+          <p:nvPr>
+            <p:ph type="sldNum" sz="quarter" idx="12"/>
+          </p:nvPr>
+        </p:nvSpPr>
+        <p:spPr/>
+        <p:txBody>
+          <a:bodyPr/>
+          <a:lstStyle/>
+          <a:p>
+            <a:fld id="{A5775961-95EC-4D4B-9423-EAE103D81E9E}" type="slidenum">
+              <a:rPr lang="nl-NL" smtClean="0"/>
+              <a:t>6</a:t>
+            </a:fld>
+            <a:endParaRPr lang="nl-NL" dirty="0"/>
+          </a:p>
+        </p:txBody>
+      </p:sp>
+      <p:sp>
+        <p:nvSpPr>
           <p:cNvPr id="3" name="Tijdelijke aanduiding voor inhoud 2"/>
           <p:cNvSpPr>
             <a:spLocks noGrp="1"/>
@@ -14509,9 +15647,21 @@
         </p:spPr>
         <p:txBody>
           <a:bodyPr>
-            <a:normAutofit fontScale="92500"/>
+            <a:normAutofit fontScale="92500" lnSpcReduction="10000"/>
           </a:bodyPr>
           <a:lstStyle/>
+          <a:p>
+            <a:pPr marL="0" indent="0">
+              <a:buNone/>
+            </a:pPr>
+            <a:r>
+              <a:rPr lang="nl-NL" dirty="0">
+                <a:hlinkClick r:id="rId4"/>
+              </a:rPr>
+              <a:t>https://d-bl.github.io/GroundForge/help/Site-map</a:t>
+            </a:r>
+            <a:endParaRPr lang="nl-NL" dirty="0"/>
+          </a:p>
           <a:p>
             <a:pPr marL="0" indent="0">
               <a:buNone/>
@@ -14528,21 +15678,18 @@
               </a:rPr>
               <a:t>Map = visuele inhoudsopgave</a:t>
             </a:r>
-            <a:endParaRPr lang="nl-NL" dirty="0" smtClean="0">
-              <a:effectLst/>
-            </a:endParaRPr>
-          </a:p>
-          <a:p>
-            <a:pPr>
-              <a:buFontTx/>
-              <a:buChar char="-"/>
-            </a:pPr>
-            <a:r>
-              <a:rPr lang="nl-NL" dirty="0" smtClean="0">
-                <a:effectLst/>
-              </a:rPr>
-              <a:t>Per pagina of groep pagina’s</a:t>
-            </a:r>
+          </a:p>
+          <a:p>
+            <a:pPr marL="514350" indent="-457200"/>
+            <a:r>
+              <a:rPr lang="nl-NL" dirty="0"/>
+              <a:t>Per pagina of groep </a:t>
+            </a:r>
+            <a:r>
+              <a:rPr lang="nl-NL" dirty="0" smtClean="0"/>
+              <a:t>pagina’s</a:t>
+            </a:r>
+            <a:endParaRPr lang="nl-NL" dirty="0"/>
           </a:p>
           <a:p>
             <a:pPr lvl="1">
@@ -14568,6 +15715,20 @@
             </a:pPr>
             <a:r>
               <a:rPr lang="nl-NL" dirty="0" smtClean="0"/>
+              <a:t>Link naar (voorbeeld van)</a:t>
+            </a:r>
+            <a:br>
+              <a:rPr lang="nl-NL" dirty="0" smtClean="0"/>
+            </a:br>
+            <a:r>
+              <a:rPr lang="nl-NL" dirty="0" smtClean="0"/>
+              <a:t>de pagina</a:t>
+            </a:r>
+          </a:p>
+          <a:p>
+            <a:pPr marL="514350" indent="-457200"/>
+            <a:r>
+              <a:rPr lang="nl-NL" dirty="0" smtClean="0"/>
               <a:t>Pijlen </a:t>
             </a:r>
             <a:r>
@@ -14585,39 +15746,15 @@
               <a:rPr lang="nl-NL" dirty="0" smtClean="0"/>
               <a:t>pagina’s</a:t>
             </a:r>
+            <a:endParaRPr lang="nl-NL" dirty="0" smtClean="0">
+              <a:effectLst/>
+            </a:endParaRPr>
           </a:p>
           <a:p>
             <a:pPr marL="0" indent="0">
               <a:buNone/>
             </a:pPr>
             <a:r>
-              <a:rPr lang="nl-NL" dirty="0" smtClean="0">
-                <a:hlinkClick r:id="rId4"/>
-              </a:rPr>
-              <a:t>https</a:t>
-            </a:r>
-            <a:r>
-              <a:rPr lang="nl-NL" dirty="0">
-                <a:hlinkClick r:id="rId4"/>
-              </a:rPr>
-              <a:t>://d-bl.github.io/GroundForge/help/Site-map</a:t>
-            </a:r>
-            <a:endParaRPr lang="nl-NL" dirty="0"/>
-          </a:p>
-          <a:p>
-            <a:pPr lvl="1">
-              <a:buFontTx/>
-              <a:buChar char="-"/>
-            </a:pPr>
-            <a:endParaRPr lang="nl-NL" dirty="0" smtClean="0">
-              <a:effectLst/>
-            </a:endParaRPr>
-          </a:p>
-          <a:p>
-            <a:pPr marL="0" indent="0">
-              <a:buNone/>
-            </a:pPr>
-            <a:r>
               <a:rPr lang="nl-NL" dirty="0" smtClean="0"/>
               <a:t/>
             </a:r>
@@ -14631,7 +15768,7 @@
     </p:spTree>
     <p:extLst>
       <p:ext uri="{BB962C8B-B14F-4D97-AF65-F5344CB8AC3E}">
-        <p14:creationId xmlns:p14="http://schemas.microsoft.com/office/powerpoint/2010/main" val="1043717631"/>
+        <p14:creationId xmlns:p14="http://schemas.microsoft.com/office/powerpoint/2010/main" val="425617995"/>
       </p:ext>
     </p:extLst>
   </p:cSld>
@@ -14648,7 +15785,7 @@
 </p:sld>
 </file>
 
-<file path=ppt/slides/slide6.xml><?xml version="1.0" encoding="utf-8"?>
+<file path=ppt/slides/slide7.xml><?xml version="1.0" encoding="utf-8"?>
 <p:sld xmlns:a="http://schemas.openxmlformats.org/drawingml/2006/main" xmlns:r="http://schemas.openxmlformats.org/officeDocument/2006/relationships" xmlns:p="http://schemas.openxmlformats.org/presentationml/2006/main">
   <p:cSld>
     <p:spTree>
@@ -14800,7 +15937,7 @@
           <a:p>
             <a:fld id="{A5775961-95EC-4D4B-9423-EAE103D81E9E}" type="slidenum">
               <a:rPr lang="nl-NL" smtClean="0"/>
-              <a:t>6</a:t>
+              <a:t>7</a:t>
             </a:fld>
             <a:endParaRPr lang="nl-NL" dirty="0"/>
           </a:p>
@@ -14994,7 +16131,7 @@
 </p:sld>
 </file>
 
-<file path=ppt/slides/slide7.xml><?xml version="1.0" encoding="utf-8"?>
+<file path=ppt/slides/slide8.xml><?xml version="1.0" encoding="utf-8"?>
 <p:sld xmlns:a="http://schemas.openxmlformats.org/drawingml/2006/main" xmlns:r="http://schemas.openxmlformats.org/officeDocument/2006/relationships" xmlns:p="http://schemas.openxmlformats.org/presentationml/2006/main">
   <p:cSld>
     <p:spTree>
@@ -15276,7 +16413,7 @@
           <a:p>
             <a:fld id="{A5775961-95EC-4D4B-9423-EAE103D81E9E}" type="slidenum">
               <a:rPr lang="nl-NL" smtClean="0"/>
-              <a:t>7</a:t>
+              <a:t>8</a:t>
             </a:fld>
             <a:endParaRPr lang="nl-NL" dirty="0"/>
           </a:p>
@@ -15529,7 +16666,7 @@
 </p:sld>
 </file>
 
-<file path=ppt/slides/slide8.xml><?xml version="1.0" encoding="utf-8"?>
+<file path=ppt/slides/slide9.xml><?xml version="1.0" encoding="utf-8"?>
 <p:sld xmlns:a="http://schemas.openxmlformats.org/drawingml/2006/main" xmlns:r="http://schemas.openxmlformats.org/officeDocument/2006/relationships" xmlns:p="http://schemas.openxmlformats.org/presentationml/2006/main">
   <p:cSld>
     <p:spTree>
@@ -15665,7 +16802,7 @@
           <a:p>
             <a:fld id="{A5775961-95EC-4D4B-9423-EAE103D81E9E}" type="slidenum">
               <a:rPr lang="nl-NL" smtClean="0"/>
-              <a:t>8</a:t>
+              <a:t>9</a:t>
             </a:fld>
             <a:endParaRPr lang="nl-NL" dirty="0"/>
           </a:p>
@@ -15858,15 +16995,7 @@
               </a:pPr>
               <a:r>
                 <a:rPr lang="nl-NL" dirty="0" smtClean="0"/>
-                <a:t>Spiekbriefje, </a:t>
-              </a:r>
-              <a:r>
-                <a:rPr lang="nl-NL" dirty="0" smtClean="0"/>
-                <a:t>o.a</a:t>
-              </a:r>
-              <a:r>
-                <a:rPr lang="nl-NL" dirty="0" smtClean="0"/>
-                <a:t>:</a:t>
+                <a:t>Spiekbriefje, o.a:</a:t>
               </a:r>
             </a:p>
             <a:p>
@@ -16343,447 +17472,6 @@
     <p:extLst>
       <p:ext uri="{BB962C8B-B14F-4D97-AF65-F5344CB8AC3E}">
         <p14:creationId xmlns:p14="http://schemas.microsoft.com/office/powerpoint/2010/main" val="572977083"/>
-      </p:ext>
-    </p:extLst>
-  </p:cSld>
-  <p:clrMapOvr>
-    <a:masterClrMapping/>
-  </p:clrMapOvr>
-  <p:timing>
-    <p:tnLst>
-      <p:par>
-        <p:cTn id="1" dur="indefinite" restart="never" nodeType="tmRoot"/>
-      </p:par>
-    </p:tnLst>
-  </p:timing>
-</p:sld>
-</file>
-
-<file path=ppt/slides/slide9.xml><?xml version="1.0" encoding="utf-8"?>
-<p:sld xmlns:a="http://schemas.openxmlformats.org/drawingml/2006/main" xmlns:r="http://schemas.openxmlformats.org/officeDocument/2006/relationships" xmlns:p="http://schemas.openxmlformats.org/presentationml/2006/main">
-  <p:cSld>
-    <p:spTree>
-      <p:nvGrpSpPr>
-        <p:cNvPr id="1" name=""/>
-        <p:cNvGrpSpPr/>
-        <p:nvPr/>
-      </p:nvGrpSpPr>
-      <p:grpSpPr>
-        <a:xfrm>
-          <a:off x="0" y="0"/>
-          <a:ext cx="0" cy="0"/>
-          <a:chOff x="0" y="0"/>
-          <a:chExt cx="0" cy="0"/>
-        </a:xfrm>
-      </p:grpSpPr>
-      <p:sp>
-        <p:nvSpPr>
-          <p:cNvPr id="2" name="Titel 1"/>
-          <p:cNvSpPr>
-            <a:spLocks noGrp="1"/>
-          </p:cNvSpPr>
-          <p:nvPr>
-            <p:ph type="title"/>
-          </p:nvPr>
-        </p:nvSpPr>
-        <p:spPr/>
-        <p:txBody>
-          <a:bodyPr/>
-          <a:lstStyle/>
-          <a:p>
-            <a:r>
-              <a:rPr lang="nl-NL" dirty="0" smtClean="0"/>
-              <a:t>GroundForge</a:t>
-            </a:r>
-            <a:endParaRPr lang="nl-NL" dirty="0"/>
-          </a:p>
-        </p:txBody>
-      </p:sp>
-      <p:sp>
-        <p:nvSpPr>
-          <p:cNvPr id="4" name="Tijdelijke aanduiding voor inhoud 3"/>
-          <p:cNvSpPr>
-            <a:spLocks noGrp="1"/>
-          </p:cNvSpPr>
-          <p:nvPr>
-            <p:ph idx="1"/>
-          </p:nvPr>
-        </p:nvSpPr>
-        <p:spPr/>
-        <p:txBody>
-          <a:bodyPr/>
-          <a:lstStyle/>
-          <a:p>
-            <a:pPr marL="0" indent="0">
-              <a:buNone/>
-            </a:pPr>
-            <a:r>
-              <a:rPr lang="nl-NL" dirty="0" smtClean="0"/>
-              <a:t>Mix van slagen – patroon eigenschappen</a:t>
-            </a:r>
-          </a:p>
-          <a:p>
-            <a:endParaRPr lang="nl-NL" dirty="0" smtClean="0"/>
-          </a:p>
-          <a:p>
-            <a:r>
-              <a:rPr lang="nl-NL" dirty="0" smtClean="0"/>
-              <a:t>diagonaal ↔ weven</a:t>
-            </a:r>
-          </a:p>
-          <a:p>
-            <a:pPr marL="0" indent="0">
-              <a:buNone/>
-            </a:pPr>
-            <a:endParaRPr lang="nl-NL" dirty="0" smtClean="0"/>
-          </a:p>
-          <a:p>
-            <a:r>
-              <a:rPr lang="nl-NL" dirty="0" smtClean="0"/>
-              <a:t>Bakstenen </a:t>
-            </a:r>
-            <a:r>
-              <a:rPr lang="nl-NL" dirty="0"/>
-              <a:t>↔ </a:t>
-            </a:r>
-            <a:r>
-              <a:rPr lang="nl-NL" dirty="0" smtClean="0"/>
-              <a:t>schaakbord</a:t>
-            </a:r>
-            <a:br>
-              <a:rPr lang="nl-NL" dirty="0" smtClean="0"/>
-            </a:br>
-            <a:r>
-              <a:rPr lang="nl-NL" dirty="0" smtClean="0"/>
-              <a:t>(hoe het formulier herhaald wordt)</a:t>
-            </a:r>
-          </a:p>
-        </p:txBody>
-      </p:sp>
-      <p:pic>
-        <p:nvPicPr>
-          <p:cNvPr id="5" name="Picture 2" descr="DiBL logo"/>
-          <p:cNvPicPr>
-            <a:picLocks noChangeAspect="1" noChangeArrowheads="1"/>
-          </p:cNvPicPr>
-          <p:nvPr/>
-        </p:nvPicPr>
-        <p:blipFill>
-          <a:blip r:embed="rId3">
-            <a:extLst>
-              <a:ext uri="{28A0092B-C50C-407E-A947-70E740481C1C}">
-                <a14:useLocalDpi xmlns:a14="http://schemas.microsoft.com/office/drawing/2010/main" val="0"/>
-              </a:ext>
-            </a:extLst>
-          </a:blip>
-          <a:srcRect/>
-          <a:stretch>
-            <a:fillRect/>
-          </a:stretch>
-        </p:blipFill>
-        <p:spPr bwMode="auto">
-          <a:xfrm>
-            <a:off x="263384" y="260648"/>
-            <a:ext cx="1247775" cy="1143001"/>
-          </a:xfrm>
-          <a:prstGeom prst="rect">
-            <a:avLst/>
-          </a:prstGeom>
-          <a:noFill/>
-          <a:extLst>
-            <a:ext uri="{909E8E84-426E-40DD-AFC4-6F175D3DCCD1}">
-              <a14:hiddenFill xmlns:a14="http://schemas.microsoft.com/office/drawing/2010/main">
-                <a:solidFill>
-                  <a:srgbClr val="FFFFFF"/>
-                </a:solidFill>
-              </a14:hiddenFill>
-            </a:ext>
-          </a:extLst>
-        </p:spPr>
-      </p:pic>
-      <p:sp>
-        <p:nvSpPr>
-          <p:cNvPr id="3" name="Tijdelijke aanduiding voor dianummer 2"/>
-          <p:cNvSpPr>
-            <a:spLocks noGrp="1"/>
-          </p:cNvSpPr>
-          <p:nvPr>
-            <p:ph type="sldNum" sz="quarter" idx="12"/>
-          </p:nvPr>
-        </p:nvSpPr>
-        <p:spPr/>
-        <p:txBody>
-          <a:bodyPr/>
-          <a:lstStyle/>
-          <a:p>
-            <a:fld id="{A5775961-95EC-4D4B-9423-EAE103D81E9E}" type="slidenum">
-              <a:rPr lang="nl-NL" smtClean="0"/>
-              <a:t>9</a:t>
-            </a:fld>
-            <a:endParaRPr lang="nl-NL" dirty="0"/>
-          </a:p>
-        </p:txBody>
-      </p:sp>
-      <p:pic>
-        <p:nvPicPr>
-          <p:cNvPr id="2052" name="Picture 4"/>
-          <p:cNvPicPr>
-            <a:picLocks noChangeAspect="1" noChangeArrowheads="1"/>
-          </p:cNvPicPr>
-          <p:nvPr/>
-        </p:nvPicPr>
-        <p:blipFill>
-          <a:blip r:embed="rId4" cstate="print">
-            <a:extLst>
-              <a:ext uri="{28A0092B-C50C-407E-A947-70E740481C1C}">
-                <a14:useLocalDpi xmlns:a14="http://schemas.microsoft.com/office/drawing/2010/main" val="0"/>
-              </a:ext>
-            </a:extLst>
-          </a:blip>
-          <a:srcRect/>
-          <a:stretch>
-            <a:fillRect/>
-          </a:stretch>
-        </p:blipFill>
-        <p:spPr bwMode="auto">
-          <a:xfrm>
-            <a:off x="5076056" y="2282944"/>
-            <a:ext cx="1767840" cy="1722120"/>
-          </a:xfrm>
-          <a:prstGeom prst="rect">
-            <a:avLst/>
-          </a:prstGeom>
-          <a:noFill/>
-          <a:ln>
-            <a:noFill/>
-          </a:ln>
-          <a:effectLst/>
-          <a:extLst>
-            <a:ext uri="{909E8E84-426E-40DD-AFC4-6F175D3DCCD1}">
-              <a14:hiddenFill xmlns:a14="http://schemas.microsoft.com/office/drawing/2010/main">
-                <a:solidFill>
-                  <a:schemeClr val="accent1"/>
-                </a:solidFill>
-              </a14:hiddenFill>
-            </a:ext>
-            <a:ext uri="{91240B29-F687-4F45-9708-019B960494DF}">
-              <a14:hiddenLine xmlns:a14="http://schemas.microsoft.com/office/drawing/2010/main" w="9525">
-                <a:solidFill>
-                  <a:schemeClr val="tx1"/>
-                </a:solidFill>
-                <a:miter lim="800000"/>
-                <a:headEnd/>
-                <a:tailEnd/>
-              </a14:hiddenLine>
-            </a:ext>
-            <a:ext uri="{AF507438-7753-43E0-B8FC-AC1667EBCBE1}">
-              <a14:hiddenEffects xmlns:a14="http://schemas.microsoft.com/office/drawing/2010/main">
-                <a:effectLst>
-                  <a:outerShdw dist="35921" dir="2700000" algn="ctr" rotWithShape="0">
-                    <a:schemeClr val="bg2"/>
-                  </a:outerShdw>
-                </a:effectLst>
-              </a14:hiddenEffects>
-            </a:ext>
-          </a:extLst>
-        </p:spPr>
-      </p:pic>
-      <p:pic>
-        <p:nvPicPr>
-          <p:cNvPr id="2053" name="Picture 5"/>
-          <p:cNvPicPr>
-            <a:picLocks noChangeAspect="1" noChangeArrowheads="1"/>
-          </p:cNvPicPr>
-          <p:nvPr/>
-        </p:nvPicPr>
-        <p:blipFill>
-          <a:blip r:embed="rId5" cstate="print">
-            <a:extLst>
-              <a:ext uri="{28A0092B-C50C-407E-A947-70E740481C1C}">
-                <a14:useLocalDpi xmlns:a14="http://schemas.microsoft.com/office/drawing/2010/main" val="0"/>
-              </a:ext>
-            </a:extLst>
-          </a:blip>
-          <a:srcRect/>
-          <a:stretch>
-            <a:fillRect/>
-          </a:stretch>
-        </p:blipFill>
-        <p:spPr bwMode="auto">
-          <a:xfrm>
-            <a:off x="7024687" y="2271514"/>
-            <a:ext cx="1695450" cy="1733550"/>
-          </a:xfrm>
-          <a:prstGeom prst="rect">
-            <a:avLst/>
-          </a:prstGeom>
-          <a:noFill/>
-          <a:ln>
-            <a:noFill/>
-          </a:ln>
-          <a:effectLst/>
-          <a:extLst>
-            <a:ext uri="{909E8E84-426E-40DD-AFC4-6F175D3DCCD1}">
-              <a14:hiddenFill xmlns:a14="http://schemas.microsoft.com/office/drawing/2010/main">
-                <a:solidFill>
-                  <a:schemeClr val="accent1"/>
-                </a:solidFill>
-              </a14:hiddenFill>
-            </a:ext>
-            <a:ext uri="{91240B29-F687-4F45-9708-019B960494DF}">
-              <a14:hiddenLine xmlns:a14="http://schemas.microsoft.com/office/drawing/2010/main" w="9525">
-                <a:solidFill>
-                  <a:schemeClr val="tx1"/>
-                </a:solidFill>
-                <a:miter lim="800000"/>
-                <a:headEnd/>
-                <a:tailEnd/>
-              </a14:hiddenLine>
-            </a:ext>
-            <a:ext uri="{AF507438-7753-43E0-B8FC-AC1667EBCBE1}">
-              <a14:hiddenEffects xmlns:a14="http://schemas.microsoft.com/office/drawing/2010/main">
-                <a:effectLst>
-                  <a:outerShdw dist="35921" dir="2700000" algn="ctr" rotWithShape="0">
-                    <a:schemeClr val="bg2"/>
-                  </a:outerShdw>
-                </a:effectLst>
-              </a14:hiddenEffects>
-            </a:ext>
-          </a:extLst>
-        </p:spPr>
-      </p:pic>
-      <p:pic>
-        <p:nvPicPr>
-          <p:cNvPr id="2054" name="Picture 6"/>
-          <p:cNvPicPr>
-            <a:picLocks noChangeAspect="1" noChangeArrowheads="1"/>
-          </p:cNvPicPr>
-          <p:nvPr/>
-        </p:nvPicPr>
-        <p:blipFill>
-          <a:blip r:embed="rId6" cstate="print">
-            <a:extLst>
-              <a:ext uri="{28A0092B-C50C-407E-A947-70E740481C1C}">
-                <a14:useLocalDpi xmlns:a14="http://schemas.microsoft.com/office/drawing/2010/main" val="0"/>
-              </a:ext>
-            </a:extLst>
-          </a:blip>
-          <a:srcRect/>
-          <a:stretch>
-            <a:fillRect/>
-          </a:stretch>
-        </p:blipFill>
-        <p:spPr bwMode="auto">
-          <a:xfrm>
-            <a:off x="4733156" y="5211276"/>
-            <a:ext cx="2110740" cy="1242060"/>
-          </a:xfrm>
-          <a:prstGeom prst="rect">
-            <a:avLst/>
-          </a:prstGeom>
-          <a:noFill/>
-          <a:ln>
-            <a:noFill/>
-          </a:ln>
-          <a:effectLst/>
-          <a:extLst>
-            <a:ext uri="{909E8E84-426E-40DD-AFC4-6F175D3DCCD1}">
-              <a14:hiddenFill xmlns:a14="http://schemas.microsoft.com/office/drawing/2010/main">
-                <a:solidFill>
-                  <a:schemeClr val="accent1"/>
-                </a:solidFill>
-              </a14:hiddenFill>
-            </a:ext>
-            <a:ext uri="{91240B29-F687-4F45-9708-019B960494DF}">
-              <a14:hiddenLine xmlns:a14="http://schemas.microsoft.com/office/drawing/2010/main" w="9525">
-                <a:solidFill>
-                  <a:schemeClr val="tx1"/>
-                </a:solidFill>
-                <a:miter lim="800000"/>
-                <a:headEnd/>
-                <a:tailEnd/>
-              </a14:hiddenLine>
-            </a:ext>
-            <a:ext uri="{AF507438-7753-43E0-B8FC-AC1667EBCBE1}">
-              <a14:hiddenEffects xmlns:a14="http://schemas.microsoft.com/office/drawing/2010/main">
-                <a:effectLst>
-                  <a:outerShdw dist="35921" dir="2700000" algn="ctr" rotWithShape="0">
-                    <a:schemeClr val="bg2"/>
-                  </a:outerShdw>
-                </a:effectLst>
-              </a14:hiddenEffects>
-            </a:ext>
-          </a:extLst>
-        </p:spPr>
-      </p:pic>
-      <p:pic>
-        <p:nvPicPr>
-          <p:cNvPr id="2055" name="Picture 7"/>
-          <p:cNvPicPr>
-            <a:picLocks noChangeAspect="1" noChangeArrowheads="1"/>
-          </p:cNvPicPr>
-          <p:nvPr/>
-        </p:nvPicPr>
-        <p:blipFill>
-          <a:blip r:embed="rId7" cstate="print">
-            <a:extLst>
-              <a:ext uri="{28A0092B-C50C-407E-A947-70E740481C1C}">
-                <a14:useLocalDpi xmlns:a14="http://schemas.microsoft.com/office/drawing/2010/main" val="0"/>
-              </a:ext>
-            </a:extLst>
-          </a:blip>
-          <a:srcRect/>
-          <a:stretch>
-            <a:fillRect/>
-          </a:stretch>
-        </p:blipFill>
-        <p:spPr bwMode="auto">
-          <a:xfrm>
-            <a:off x="7291387" y="5081736"/>
-            <a:ext cx="1428750" cy="1371600"/>
-          </a:xfrm>
-          <a:prstGeom prst="rect">
-            <a:avLst/>
-          </a:prstGeom>
-          <a:noFill/>
-          <a:ln>
-            <a:noFill/>
-          </a:ln>
-          <a:effectLst/>
-          <a:extLst>
-            <a:ext uri="{909E8E84-426E-40DD-AFC4-6F175D3DCCD1}">
-              <a14:hiddenFill xmlns:a14="http://schemas.microsoft.com/office/drawing/2010/main">
-                <a:solidFill>
-                  <a:schemeClr val="accent1"/>
-                </a:solidFill>
-              </a14:hiddenFill>
-            </a:ext>
-            <a:ext uri="{91240B29-F687-4F45-9708-019B960494DF}">
-              <a14:hiddenLine xmlns:a14="http://schemas.microsoft.com/office/drawing/2010/main" w="9525">
-                <a:solidFill>
-                  <a:schemeClr val="tx1"/>
-                </a:solidFill>
-                <a:miter lim="800000"/>
-                <a:headEnd/>
-                <a:tailEnd/>
-              </a14:hiddenLine>
-            </a:ext>
-            <a:ext uri="{AF507438-7753-43E0-B8FC-AC1667EBCBE1}">
-              <a14:hiddenEffects xmlns:a14="http://schemas.microsoft.com/office/drawing/2010/main">
-                <a:effectLst>
-                  <a:outerShdw dist="35921" dir="2700000" algn="ctr" rotWithShape="0">
-                    <a:schemeClr val="bg2"/>
-                  </a:outerShdw>
-                </a:effectLst>
-              </a14:hiddenEffects>
-            </a:ext>
-          </a:extLst>
-        </p:spPr>
-      </p:pic>
-    </p:spTree>
-    <p:extLst>
-      <p:ext uri="{BB962C8B-B14F-4D97-AF65-F5344CB8AC3E}">
-        <p14:creationId xmlns:p14="http://schemas.microsoft.com/office/powerpoint/2010/main" val="2935370788"/>
       </p:ext>
     </p:extLst>
   </p:cSld>

--- a/docs/help/NL.pptx
+++ b/docs/help/NL.pptx
@@ -131,6 +131,36 @@
       </a:defRPr>
     </a:lvl9pPr>
   </p:defaultTextStyle>
+  <p:extLst>
+    <p:ext uri="{EFAFB233-063F-42B5-8137-9DF3F51BA10A}">
+      <p15:sldGuideLst xmlns:p15="http://schemas.microsoft.com/office/powerpoint/2012/main">
+        <p15:guide id="1" orient="horz" pos="2160">
+          <p15:clr>
+            <a:srgbClr val="A4A3A4"/>
+          </p15:clr>
+        </p15:guide>
+        <p15:guide id="2" pos="2880">
+          <p15:clr>
+            <a:srgbClr val="A4A3A4"/>
+          </p15:clr>
+        </p15:guide>
+      </p15:sldGuideLst>
+    </p:ext>
+    <p:ext uri="{2D200454-40CA-4A62-9FC3-DE9A4176ACB9}">
+      <p15:notesGuideLst xmlns:p15="http://schemas.microsoft.com/office/powerpoint/2012/main">
+        <p15:guide id="1" orient="horz" pos="2880">
+          <p15:clr>
+            <a:srgbClr val="A4A3A4"/>
+          </p15:clr>
+        </p15:guide>
+        <p15:guide id="2" pos="2160">
+          <p15:clr>
+            <a:srgbClr val="A4A3A4"/>
+          </p15:clr>
+        </p15:guide>
+      </p15:notesGuideLst>
+    </p:ext>
+  </p:extLst>
 </p:presentation>
 </file>
 
@@ -216,7 +246,7 @@
           <a:p>
             <a:fld id="{191DB269-8995-49D8-A4B0-9411C7010620}" type="datetimeFigureOut">
               <a:rPr lang="nl-NL" smtClean="0"/>
-              <a:t>19-8-2018</a:t>
+              <a:t>14-4-2019</a:t>
             </a:fld>
             <a:endParaRPr lang="nl-NL" dirty="0"/>
           </a:p>
@@ -381,7 +411,7 @@
           <a:p>
             <a:fld id="{A74490FB-0058-431C-B3E7-EBBA4B708E40}" type="datetimeFigureOut">
               <a:rPr lang="nl-NL" smtClean="0"/>
-              <a:t>19-8-2018</a:t>
+              <a:t>14-4-2019</a:t>
             </a:fld>
             <a:endParaRPr lang="nl-NL" dirty="0"/>
           </a:p>
@@ -445,38 +475,37 @@
           <a:p>
             <a:pPr lvl="0"/>
             <a:r>
-              <a:rPr lang="nl-NL" smtClean="0"/>
+              <a:rPr lang="nl-NL"/>
               <a:t>Klik om de modelstijlen te bewerken</a:t>
             </a:r>
           </a:p>
           <a:p>
             <a:pPr lvl="1"/>
             <a:r>
-              <a:rPr lang="nl-NL" smtClean="0"/>
+              <a:rPr lang="nl-NL"/>
               <a:t>Tweede niveau</a:t>
             </a:r>
           </a:p>
           <a:p>
             <a:pPr lvl="2"/>
             <a:r>
-              <a:rPr lang="nl-NL" smtClean="0"/>
+              <a:rPr lang="nl-NL"/>
               <a:t>Derde niveau</a:t>
             </a:r>
           </a:p>
           <a:p>
             <a:pPr lvl="3"/>
             <a:r>
-              <a:rPr lang="nl-NL" smtClean="0"/>
+              <a:rPr lang="nl-NL"/>
               <a:t>Vierde niveau</a:t>
             </a:r>
           </a:p>
           <a:p>
             <a:pPr lvl="4"/>
             <a:r>
-              <a:rPr lang="nl-NL" smtClean="0"/>
+              <a:rPr lang="nl-NL"/>
               <a:t>Vijfde niveau</a:t>
             </a:r>
-            <a:endParaRPr lang="nl-NL"/>
           </a:p>
         </p:txBody>
       </p:sp>
@@ -711,11 +740,11 @@
               <a:defRPr/>
             </a:pPr>
             <a:r>
-              <a:rPr lang="nl-NL" dirty="0" smtClean="0"/>
+              <a:rPr lang="nl-NL" dirty="0"/>
               <a:t>Oorspronkelijk</a:t>
             </a:r>
             <a:r>
-              <a:rPr lang="nl-NL" baseline="0" dirty="0" smtClean="0"/>
+              <a:rPr lang="nl-NL" baseline="0" dirty="0"/>
               <a:t> gepresenteerd bij kantkring De Waaier op 18 november 2017.</a:t>
             </a:r>
           </a:p>
@@ -738,10 +767,10 @@
               <a:defRPr/>
             </a:pPr>
             <a:r>
-              <a:rPr lang="nl-NL" baseline="0" dirty="0" smtClean="0"/>
+              <a:rPr lang="nl-NL" baseline="0" dirty="0"/>
               <a:t>Aangepast voor bezoekers van de site en latere wijzigingen van site.</a:t>
             </a:r>
-            <a:endParaRPr lang="nl-NL" dirty="0" smtClean="0"/>
+            <a:endParaRPr lang="nl-NL" dirty="0"/>
           </a:p>
         </p:txBody>
       </p:sp>
@@ -826,7 +855,7 @@
           <a:lstStyle/>
           <a:p>
             <a:r>
-              <a:rPr lang="nl-NL" b="0" baseline="0" dirty="0" smtClean="0">
+              <a:rPr lang="nl-NL" b="0" baseline="0" dirty="0">
                 <a:effectLst/>
               </a:rPr>
               <a:t>De velden van het hulpformulier  vormen één baksteen of één schaakveld.</a:t>
@@ -916,36 +945,36 @@
           <a:lstStyle/>
           <a:p>
             <a:r>
-              <a:rPr lang="nl-NL" dirty="0" smtClean="0">
+              <a:rPr lang="nl-NL" dirty="0">
                 <a:effectLst/>
               </a:rPr>
               <a:t>Verschillende (groepen) voorbeeld pagina’s. Links op deze pagina vullen het parameters-formulier in van de hoofdpagina.</a:t>
             </a:r>
           </a:p>
           <a:p>
-            <a:endParaRPr lang="nl-NL" dirty="0" smtClean="0">
+            <a:endParaRPr lang="nl-NL" dirty="0">
               <a:effectLst/>
             </a:endParaRPr>
           </a:p>
           <a:p>
             <a:r>
-              <a:rPr lang="nl-NL" dirty="0" smtClean="0">
+              <a:rPr lang="nl-NL" dirty="0">
                 <a:effectLst/>
               </a:rPr>
               <a:t>Elke groep heeft een eigen invalshoek.</a:t>
             </a:r>
           </a:p>
           <a:p>
-            <a:endParaRPr lang="nl-NL" dirty="0" smtClean="0">
+            <a:endParaRPr lang="nl-NL" dirty="0">
               <a:effectLst/>
             </a:endParaRPr>
           </a:p>
           <a:p>
             <a:r>
-              <a:rPr lang="nl-NL" dirty="0" smtClean="0"/>
+              <a:rPr lang="nl-NL" dirty="0"/>
               <a:t>Droste heeft een paar voorbeelden waarvan al wel slagen zijn ingevuld.</a:t>
             </a:r>
-            <a:endParaRPr lang="nl-NL" dirty="0" smtClean="0">
+            <a:endParaRPr lang="nl-NL" dirty="0">
               <a:effectLst/>
             </a:endParaRPr>
           </a:p>
@@ -1032,46 +1061,46 @@
           <a:lstStyle/>
           <a:p>
             <a:r>
-              <a:rPr lang="en-US" i="1" dirty="0" smtClean="0"/>
+              <a:rPr lang="en-US" i="1" dirty="0"/>
               <a:t>A Lace Guide for Makers and Collectors</a:t>
             </a:r>
             <a:r>
-              <a:rPr lang="en-US" dirty="0" smtClean="0"/>
+              <a:rPr lang="en-US" dirty="0"/>
               <a:t> door Gertrude Whiting</a:t>
             </a:r>
           </a:p>
           <a:p>
             <a:r>
-              <a:rPr lang="en-US" baseline="0" dirty="0" smtClean="0">
+              <a:rPr lang="en-US" baseline="0" dirty="0">
                 <a:effectLst/>
               </a:rPr>
               <a:t>Kant gids voor makers en verzamelaars.</a:t>
             </a:r>
-            <a:endParaRPr lang="nl-NL" baseline="0" dirty="0" smtClean="0">
+            <a:endParaRPr lang="nl-NL" baseline="0" dirty="0">
               <a:effectLst/>
             </a:endParaRPr>
           </a:p>
           <a:p>
-            <a:endParaRPr lang="nl-NL" baseline="0" dirty="0" smtClean="0">
+            <a:endParaRPr lang="nl-NL" baseline="0" dirty="0">
               <a:effectLst/>
             </a:endParaRPr>
           </a:p>
           <a:p>
             <a:r>
-              <a:rPr lang="nl-NL" baseline="0" dirty="0" smtClean="0">
+              <a:rPr lang="nl-NL" baseline="0" dirty="0">
                 <a:effectLst/>
               </a:rPr>
               <a:t>In diverse online archieven beschikbaar, het copyright is verlopen.</a:t>
             </a:r>
           </a:p>
           <a:p>
-            <a:endParaRPr lang="nl-NL" baseline="0" dirty="0" smtClean="0">
+            <a:endParaRPr lang="nl-NL" baseline="0" dirty="0">
               <a:effectLst/>
             </a:endParaRPr>
           </a:p>
           <a:p>
             <a:r>
-              <a:rPr lang="nl-NL" baseline="0" dirty="0" smtClean="0">
+              <a:rPr lang="nl-NL" baseline="0" dirty="0">
                 <a:effectLst/>
               </a:rPr>
               <a:t>Niet alle gronden kunnen met GroundForge</a:t>
@@ -1079,20 +1108,20 @@
           </a:p>
           <a:p>
             <a:r>
-              <a:rPr lang="nl-NL" baseline="0" dirty="0" smtClean="0">
+              <a:rPr lang="nl-NL" baseline="0" dirty="0">
                 <a:effectLst/>
               </a:rPr>
               <a:t>Bijvoorbeeld wegens aanhaken of oneven aantallen draden per slag</a:t>
             </a:r>
           </a:p>
           <a:p>
-            <a:endParaRPr lang="nl-NL" baseline="0" dirty="0" smtClean="0">
+            <a:endParaRPr lang="nl-NL" baseline="0" dirty="0">
               <a:effectLst/>
             </a:endParaRPr>
           </a:p>
           <a:p>
             <a:r>
-              <a:rPr lang="nl-NL" b="1" baseline="0" dirty="0" smtClean="0">
+              <a:rPr lang="nl-NL" b="1" baseline="0" dirty="0">
                 <a:effectLst/>
               </a:rPr>
               <a:t>Bruggetje</a:t>
@@ -1100,7 +1129,7 @@
           </a:p>
           <a:p>
             <a:r>
-              <a:rPr lang="nl-NL" baseline="0" dirty="0" smtClean="0">
+              <a:rPr lang="nl-NL" baseline="0" dirty="0">
                 <a:effectLst/>
               </a:rPr>
               <a:t>Laten we een blokje onder de loep nemen</a:t>
@@ -1189,7 +1218,7 @@
           <a:bodyPr/>
           <a:lstStyle/>
           <a:p>
-            <a:endParaRPr lang="nl-NL" baseline="0" dirty="0" smtClean="0">
+            <a:endParaRPr lang="nl-NL" baseline="0" dirty="0">
               <a:effectLst/>
             </a:endParaRPr>
           </a:p>
@@ -1276,33 +1305,30 @@
           <a:lstStyle/>
           <a:p>
             <a:r>
-              <a:rPr lang="nl-NL" baseline="0" dirty="0" smtClean="0">
+              <a:rPr lang="nl-NL" baseline="0" dirty="0">
                 <a:effectLst/>
               </a:rPr>
               <a:t>Gebaseerd op tussenresultaten van promotie onderzoek door Veronika Irvine </a:t>
             </a:r>
             <a:r>
-              <a:rPr lang="nl-NL" dirty="0" smtClean="0"/>
+              <a:rPr lang="nl-NL" dirty="0"/>
               <a:t>uit </a:t>
             </a:r>
             <a:r>
-              <a:rPr lang="nl-NL" baseline="0" dirty="0" smtClean="0">
+              <a:rPr lang="nl-NL" baseline="0" dirty="0">
                 <a:effectLst/>
               </a:rPr>
               <a:t>Canada</a:t>
             </a:r>
-            <a:endParaRPr lang="nl-NL" baseline="0" dirty="0" smtClean="0">
+          </a:p>
+          <a:p>
+            <a:endParaRPr lang="nl-NL" baseline="0" dirty="0">
               <a:effectLst/>
             </a:endParaRPr>
           </a:p>
           <a:p>
-            <a:endParaRPr lang="nl-NL" baseline="0" dirty="0" smtClean="0">
-              <a:effectLst/>
-            </a:endParaRPr>
-          </a:p>
-          <a:p>
-            <a:r>
-              <a:rPr lang="nl-NL" baseline="0" dirty="0" smtClean="0">
+            <a:r>
+              <a:rPr lang="nl-NL" baseline="0" dirty="0">
                 <a:effectLst/>
               </a:rPr>
               <a:t>GroundForge maakt de gaten in de schema’s zo rond mogelijk</a:t>
@@ -1310,48 +1336,43 @@
           </a:p>
           <a:p>
             <a:r>
-              <a:rPr lang="nl-NL" dirty="0" smtClean="0"/>
+              <a:rPr lang="nl-NL" dirty="0"/>
               <a:t>Er kunnen meerdere computer gegenereerde gronden bij een diagram horen</a:t>
             </a:r>
           </a:p>
           <a:p>
             <a:r>
-              <a:rPr lang="nl-NL" baseline="0" dirty="0" smtClean="0">
+              <a:rPr lang="nl-NL" baseline="0" dirty="0">
                 <a:effectLst/>
               </a:rPr>
               <a:t>Een</a:t>
             </a:r>
             <a:r>
-              <a:rPr lang="nl-NL" dirty="0" smtClean="0">
+              <a:rPr lang="nl-NL" dirty="0">
                 <a:effectLst/>
               </a:rPr>
               <a:t> animatie in een van de help pagina’s laat de transformatie van de ene variant naar de andere zien.</a:t>
             </a:r>
-            <a:endParaRPr lang="nl-NL" baseline="0" dirty="0" smtClean="0">
+            <a:endParaRPr lang="nl-NL" baseline="0" dirty="0">
               <a:effectLst/>
             </a:endParaRPr>
           </a:p>
           <a:p>
-            <a:endParaRPr lang="nl-NL" dirty="0" smtClean="0"/>
+            <a:endParaRPr lang="nl-NL" dirty="0"/>
           </a:p>
           <a:p>
             <a:pPr>
               <a:defRPr/>
             </a:pPr>
             <a:r>
-              <a:rPr lang="nl-NL" b="1" dirty="0" smtClean="0"/>
+              <a:rPr lang="nl-NL" b="1" dirty="0"/>
               <a:t>Aantallen</a:t>
             </a:r>
-            <a:endParaRPr lang="nl-NL" b="1" dirty="0"/>
-          </a:p>
-          <a:p>
-            <a:r>
-              <a:rPr lang="nl-NL" dirty="0" smtClean="0"/>
-              <a:t>374 </a:t>
-            </a:r>
-            <a:r>
-              <a:rPr lang="nl-NL" dirty="0"/>
-              <a:t>paardiagrammen, gebaseerd op</a:t>
+          </a:p>
+          <a:p>
+            <a:r>
+              <a:rPr lang="nl-NL" dirty="0"/>
+              <a:t>374 paardiagrammen, gebaseerd op</a:t>
             </a:r>
           </a:p>
           <a:p>
@@ -1385,7 +1406,7 @@
               <a:defRPr/>
             </a:pPr>
             <a:r>
-              <a:rPr lang="nl-NL" b="1" baseline="0" dirty="0" smtClean="0">
+              <a:rPr lang="nl-NL" b="1" baseline="0" dirty="0">
                 <a:effectLst/>
               </a:rPr>
               <a:t>Bruggetje</a:t>
@@ -1410,19 +1431,19 @@
               <a:defRPr/>
             </a:pPr>
             <a:r>
-              <a:rPr lang="nl-NL" baseline="0" dirty="0" smtClean="0">
+              <a:rPr lang="nl-NL" baseline="0" dirty="0">
                 <a:effectLst/>
               </a:rPr>
               <a:t>Kiezen</a:t>
             </a:r>
             <a:r>
-              <a:rPr lang="nl-NL" dirty="0" smtClean="0">
+              <a:rPr lang="nl-NL" dirty="0">
                 <a:effectLst/>
               </a:rPr>
               <a:t> we </a:t>
             </a:r>
             <a:r>
-              <a:rPr lang="nl-NL" baseline="0" dirty="0" smtClean="0">
+              <a:rPr lang="nl-NL" baseline="0" dirty="0">
                 <a:effectLst/>
               </a:rPr>
               <a:t>de Parijse grond</a:t>
@@ -1447,10 +1468,10 @@
               <a:defRPr/>
             </a:pPr>
             <a:r>
-              <a:rPr lang="nl-NL" dirty="0" smtClean="0"/>
+              <a:rPr lang="nl-NL" dirty="0"/>
               <a:t>Dan krijgen we enkele varianten met een vierkast raster</a:t>
             </a:r>
-            <a:endParaRPr lang="nl-NL" baseline="0" dirty="0" smtClean="0">
+            <a:endParaRPr lang="nl-NL" baseline="0" dirty="0">
               <a:effectLst/>
             </a:endParaRPr>
           </a:p>
@@ -1472,7 +1493,7 @@
               <a:tabLst/>
               <a:defRPr/>
             </a:pPr>
-            <a:endParaRPr lang="nl-NL" baseline="0" dirty="0" smtClean="0">
+            <a:endParaRPr lang="nl-NL" baseline="0" dirty="0">
               <a:effectLst/>
             </a:endParaRPr>
           </a:p>
@@ -1494,7 +1515,7 @@
               <a:tabLst/>
               <a:defRPr/>
             </a:pPr>
-            <a:endParaRPr lang="nl-NL" baseline="0" dirty="0" smtClean="0">
+            <a:endParaRPr lang="nl-NL" baseline="0" dirty="0">
               <a:effectLst/>
             </a:endParaRPr>
           </a:p>
@@ -1598,7 +1619,7 @@
               <a:defRPr/>
             </a:pPr>
             <a:r>
-              <a:rPr lang="nl-NL" baseline="0" dirty="0" smtClean="0">
+              <a:rPr lang="nl-NL" baseline="0" dirty="0">
                 <a:effectLst/>
               </a:rPr>
               <a:t>Variaties zijn beperkt door een vierkant raster.</a:t>
@@ -1609,30 +1630,22 @@
               <a:defRPr/>
             </a:pPr>
             <a:r>
-              <a:rPr lang="nl-NL" baseline="0" dirty="0" smtClean="0">
+              <a:rPr lang="nl-NL" baseline="0" dirty="0">
                 <a:effectLst/>
               </a:rPr>
               <a:t>Zelf kun je meer vervormingen toepassen</a:t>
             </a:r>
             <a:r>
-              <a:rPr lang="nl-NL" dirty="0" smtClean="0">
+              <a:rPr lang="nl-NL" dirty="0">
                 <a:effectLst/>
               </a:rPr>
               <a:t> </a:t>
             </a:r>
             <a:r>
-              <a:rPr lang="nl-NL" dirty="0" smtClean="0"/>
-              <a:t>voor </a:t>
-            </a:r>
-            <a:r>
-              <a:rPr lang="nl-NL" dirty="0"/>
-              <a:t>de gewenste </a:t>
-            </a:r>
-            <a:r>
-              <a:rPr lang="nl-NL" dirty="0" smtClean="0"/>
-              <a:t>kantbrief.</a:t>
-            </a:r>
-            <a:endParaRPr lang="nl-NL" baseline="0" dirty="0" smtClean="0">
+              <a:rPr lang="nl-NL" dirty="0"/>
+              <a:t>voor de gewenste kantbrief.</a:t>
+            </a:r>
+            <a:endParaRPr lang="nl-NL" baseline="0" dirty="0">
               <a:effectLst/>
             </a:endParaRPr>
           </a:p>
@@ -1654,7 +1667,7 @@
               <a:tabLst/>
               <a:defRPr/>
             </a:pPr>
-            <a:endParaRPr lang="nl-NL" baseline="0" dirty="0" smtClean="0">
+            <a:endParaRPr lang="nl-NL" baseline="0" dirty="0">
               <a:effectLst/>
             </a:endParaRPr>
           </a:p>
@@ -1677,11 +1690,11 @@
               <a:defRPr/>
             </a:pPr>
             <a:r>
-              <a:rPr lang="nl-NL" b="1" dirty="0" smtClean="0"/>
+              <a:rPr lang="nl-NL" b="1" dirty="0"/>
               <a:t>Bruggetje</a:t>
             </a:r>
             <a:r>
-              <a:rPr lang="nl-NL" dirty="0" smtClean="0"/>
+              <a:rPr lang="nl-NL" dirty="0"/>
               <a:t>:</a:t>
             </a:r>
           </a:p>
@@ -1704,7 +1717,7 @@
               <a:defRPr/>
             </a:pPr>
             <a:r>
-              <a:rPr lang="nl-NL" baseline="0" dirty="0" smtClean="0">
+              <a:rPr lang="nl-NL" baseline="0" dirty="0">
                 <a:effectLst/>
               </a:rPr>
               <a:t>We zoomen verder in op het uitgelichte rapport van het rechter patroon</a:t>
@@ -1793,66 +1806,60 @@
           <a:lstStyle/>
           <a:p>
             <a:r>
-              <a:rPr lang="nl-NL" dirty="0" smtClean="0">
+              <a:rPr lang="nl-NL" dirty="0">
                 <a:effectLst/>
               </a:rPr>
               <a:t>Zie ook Engelse introductie in de help pagina’s</a:t>
             </a:r>
           </a:p>
           <a:p>
-            <a:endParaRPr lang="nl-NL" dirty="0" smtClean="0">
+            <a:endParaRPr lang="nl-NL" dirty="0">
               <a:effectLst/>
             </a:endParaRPr>
           </a:p>
           <a:p>
             <a:r>
-              <a:rPr lang="nl-NL" dirty="0" smtClean="0">
+              <a:rPr lang="nl-NL" dirty="0">
                 <a:effectLst/>
               </a:rPr>
               <a:t>Kantbrief/</a:t>
             </a:r>
             <a:r>
-              <a:rPr lang="nl-NL" dirty="0" err="1" smtClean="0">
+              <a:rPr lang="nl-NL" dirty="0" err="1">
                 <a:effectLst/>
               </a:rPr>
               <a:t>pricking</a:t>
             </a:r>
             <a:r>
-              <a:rPr lang="nl-NL" dirty="0" smtClean="0">
+              <a:rPr lang="nl-NL" dirty="0">
                 <a:effectLst/>
               </a:rPr>
-              <a:t>: </a:t>
-            </a:r>
-            <a:r>
-              <a:rPr lang="nl-NL" dirty="0" smtClean="0">
-                <a:effectLst/>
-              </a:rPr>
-              <a:t>wat je geplastificeerd</a:t>
-            </a:r>
-            <a:r>
-              <a:rPr lang="nl-NL" baseline="0" dirty="0" smtClean="0">
+              <a:t>: wat je geplastificeerd</a:t>
+            </a:r>
+            <a:r>
+              <a:rPr lang="nl-NL" baseline="0" dirty="0">
                 <a:effectLst/>
               </a:rPr>
               <a:t> op je kussen prikt.</a:t>
             </a:r>
-            <a:endParaRPr lang="nl-NL" dirty="0" smtClean="0">
+            <a:endParaRPr lang="nl-NL" dirty="0">
               <a:effectLst/>
             </a:endParaRPr>
           </a:p>
           <a:p>
-            <a:endParaRPr lang="nl-NL" dirty="0" smtClean="0">
+            <a:endParaRPr lang="nl-NL" dirty="0">
               <a:effectLst/>
             </a:endParaRPr>
           </a:p>
           <a:p>
             <a:r>
-              <a:rPr lang="nl-NL" dirty="0" smtClean="0">
+              <a:rPr lang="nl-NL" dirty="0">
                 <a:effectLst/>
               </a:rPr>
               <a:t>Bovenste rij afbeeldingen wat je</a:t>
             </a:r>
             <a:r>
-              <a:rPr lang="nl-NL" baseline="0" dirty="0" smtClean="0">
+              <a:rPr lang="nl-NL" baseline="0" dirty="0">
                 <a:effectLst/>
               </a:rPr>
               <a:t> van GroundForge krijgt.</a:t>
@@ -1860,7 +1867,7 @@
           </a:p>
           <a:p>
             <a:r>
-              <a:rPr lang="nl-NL" baseline="0" dirty="0" smtClean="0">
+              <a:rPr lang="nl-NL" baseline="0" dirty="0">
                 <a:effectLst/>
               </a:rPr>
               <a:t>Er telkens onder wat je misschien wilt hebben, of een tussenstap.</a:t>
@@ -1868,41 +1875,29 @@
           </a:p>
           <a:p>
             <a:r>
-              <a:rPr lang="nl-NL" baseline="0" dirty="0" smtClean="0">
+              <a:rPr lang="nl-NL" baseline="0" dirty="0">
                 <a:effectLst/>
               </a:rPr>
               <a:t>Linksonder als in: Kant uit Vlaanderen en ‘s Gravenmoer.</a:t>
             </a:r>
           </a:p>
           <a:p>
-            <a:endParaRPr lang="nl-NL" baseline="0" dirty="0" smtClean="0">
+            <a:endParaRPr lang="nl-NL" baseline="0" dirty="0">
               <a:effectLst/>
             </a:endParaRPr>
           </a:p>
           <a:p>
             <a:r>
-              <a:rPr lang="nl-NL" i="1" baseline="0" dirty="0" smtClean="0">
+              <a:rPr lang="nl-NL" i="1" baseline="0" dirty="0">
                 <a:effectLst/>
               </a:rPr>
-              <a:t>Afbeelding gemaakt </a:t>
-            </a:r>
-            <a:r>
-              <a:rPr lang="nl-NL" i="1" baseline="0" dirty="0" smtClean="0">
-                <a:effectLst/>
-              </a:rPr>
-              <a:t>op de hoofdpagina met</a:t>
-            </a:r>
-            <a:r>
-              <a:rPr lang="nl-NL" i="1" baseline="0" dirty="0" smtClean="0">
-                <a:effectLst/>
-              </a:rPr>
-              <a:t>:</a:t>
+              <a:t>Afbeelding gemaakt op de hoofdpagina met:</a:t>
             </a:r>
           </a:p>
           <a:p>
             <a:pPr lvl="1"/>
             <a:r>
-              <a:rPr lang="nl-NL" i="0" dirty="0" smtClean="0">
+              <a:rPr lang="nl-NL" i="0" dirty="0">
                 <a:effectLst/>
                 <a:latin typeface="Consolas" panose="020B0609020204030204" pitchFamily="49" charset="0"/>
                 <a:cs typeface="Consolas" panose="020B0609020204030204" pitchFamily="49" charset="0"/>
@@ -1913,7 +1908,7 @@
           <a:p>
             <a:pPr lvl="1"/>
             <a:r>
-              <a:rPr lang="nl-NL" i="0" dirty="0" smtClean="0">
+              <a:rPr lang="nl-NL" i="0" dirty="0">
                 <a:effectLst/>
                 <a:latin typeface="Consolas" panose="020B0609020204030204" pitchFamily="49" charset="0"/>
                 <a:cs typeface="Consolas" panose="020B0609020204030204" pitchFamily="49" charset="0"/>
@@ -1924,7 +1919,7 @@
           <a:p>
             <a:pPr lvl="1"/>
             <a:r>
-              <a:rPr lang="nl-NL" i="0" dirty="0" smtClean="0">
+              <a:rPr lang="nl-NL" i="0" dirty="0">
                 <a:effectLst/>
                 <a:latin typeface="Consolas" panose="020B0609020204030204" pitchFamily="49" charset="0"/>
                 <a:cs typeface="Consolas" panose="020B0609020204030204" pitchFamily="49" charset="0"/>
@@ -1935,7 +1930,7 @@
           <a:p>
             <a:pPr lvl="1"/>
             <a:r>
-              <a:rPr lang="nl-NL" i="0" dirty="0" smtClean="0">
+              <a:rPr lang="nl-NL" i="0" dirty="0">
                 <a:effectLst/>
                 <a:latin typeface="Consolas" panose="020B0609020204030204" pitchFamily="49" charset="0"/>
                 <a:cs typeface="Consolas" panose="020B0609020204030204" pitchFamily="49" charset="0"/>
@@ -1962,39 +1957,39 @@
               <a:defRPr/>
             </a:pPr>
             <a:r>
-              <a:rPr lang="nl-NL" i="1" baseline="0" dirty="0" smtClean="0">
+              <a:rPr lang="nl-NL" i="1" baseline="0" dirty="0">
                 <a:effectLst/>
               </a:rPr>
               <a:t>Brick (baksteen); Stitches (s</a:t>
             </a:r>
             <a:r>
-              <a:rPr lang="nl-NL" i="1" dirty="0" smtClean="0">
+              <a:rPr lang="nl-NL" i="1" dirty="0">
                 <a:effectLst/>
               </a:rPr>
               <a:t>lagen): ct b1=ctptct d1=ctptct A2=ctpl C2=ctpr A4=ctl C4=ctr D1=ctptctt</a:t>
             </a:r>
           </a:p>
           <a:p>
-            <a:endParaRPr lang="nl-NL" i="1" dirty="0" smtClean="0">
+            <a:endParaRPr lang="nl-NL" i="1" dirty="0">
               <a:effectLst/>
             </a:endParaRPr>
           </a:p>
           <a:p>
             <a:r>
-              <a:rPr lang="nl-NL" i="1" dirty="0" smtClean="0">
+              <a:rPr lang="nl-NL" i="1" dirty="0">
                 <a:effectLst/>
               </a:rPr>
               <a:t>Alle draden zwart, 7 en 10 rood</a:t>
             </a:r>
           </a:p>
           <a:p>
-            <a:endParaRPr lang="nl-NL" i="1" baseline="0" dirty="0" smtClean="0">
+            <a:endParaRPr lang="nl-NL" i="1" baseline="0" dirty="0">
               <a:effectLst/>
             </a:endParaRPr>
           </a:p>
           <a:p>
             <a:r>
-              <a:rPr lang="nl-NL" i="1" baseline="0" dirty="0" smtClean="0">
+              <a:rPr lang="nl-NL" i="1" baseline="0" dirty="0">
                 <a:effectLst/>
               </a:rPr>
               <a:t>Probeer ook eens een dubbelle  netslag of omkeerslag in het midden</a:t>
@@ -2002,26 +1997,26 @@
           </a:p>
           <a:p>
             <a:r>
-              <a:rPr lang="nl-NL" i="1" baseline="0" dirty="0" smtClean="0">
+              <a:rPr lang="nl-NL" i="1" baseline="0" dirty="0">
                 <a:effectLst/>
               </a:rPr>
               <a:t>C=cross=kruisen, t=twist=draaien, p=pin=speld.</a:t>
             </a:r>
             <a:r>
-              <a:rPr lang="nl-NL" i="1" dirty="0" smtClean="0">
+              <a:rPr lang="nl-NL" i="1" dirty="0">
                 <a:effectLst/>
               </a:rPr>
               <a:t> </a:t>
             </a:r>
             <a:r>
-              <a:rPr lang="nl-NL" i="1" baseline="0" dirty="0" smtClean="0">
+              <a:rPr lang="nl-NL" i="1" baseline="0" dirty="0">
                 <a:effectLst/>
               </a:rPr>
               <a:t>Meestal gaan spelden niet zo goed.</a:t>
             </a:r>
           </a:p>
           <a:p>
-            <a:endParaRPr lang="nl-NL" i="1" dirty="0" smtClean="0">
+            <a:endParaRPr lang="nl-NL" i="1" dirty="0">
               <a:effectLst/>
             </a:endParaRPr>
           </a:p>
@@ -2108,22 +2103,16 @@
           <a:lstStyle/>
           <a:p>
             <a:r>
-              <a:rPr lang="nl-NL" dirty="0" smtClean="0">
+              <a:rPr lang="nl-NL" dirty="0">
                 <a:effectLst/>
               </a:rPr>
               <a:t>Concept</a:t>
             </a:r>
             <a:r>
-              <a:rPr lang="nl-NL" baseline="0" dirty="0" smtClean="0">
+              <a:rPr lang="nl-NL" baseline="0" dirty="0">
                 <a:effectLst/>
               </a:rPr>
-              <a:t> downloaden voor SVG </a:t>
-            </a:r>
-            <a:r>
-              <a:rPr lang="nl-NL" baseline="0" dirty="0" smtClean="0">
-                <a:effectLst/>
-              </a:rPr>
-              <a:t>editor:</a:t>
+              <a:t> downloaden voor SVG editor:</a:t>
             </a:r>
           </a:p>
           <a:p>
@@ -2146,117 +2135,105 @@
           </a:p>
           <a:p>
             <a:r>
-              <a:rPr lang="nl-NL" dirty="0" err="1" smtClean="0">
+              <a:rPr lang="nl-NL" dirty="0" err="1">
                 <a:effectLst/>
               </a:rPr>
               <a:t>Knipling</a:t>
             </a:r>
             <a:r>
-              <a:rPr lang="nl-NL" dirty="0" smtClean="0">
+              <a:rPr lang="nl-NL" dirty="0">
                 <a:effectLst/>
               </a:rPr>
               <a:t>/Lace</a:t>
             </a:r>
             <a:r>
-              <a:rPr lang="nl-NL" sz="1400" baseline="30000" dirty="0" smtClean="0">
+              <a:rPr lang="nl-NL" sz="1400" baseline="30000" dirty="0">
                 <a:effectLst/>
               </a:rPr>
               <a:t>8</a:t>
             </a:r>
             <a:r>
-              <a:rPr lang="nl-NL" sz="1400" dirty="0" smtClean="0">
+              <a:rPr lang="nl-NL" sz="1400" dirty="0">
                 <a:effectLst/>
               </a:rPr>
               <a:t>/</a:t>
             </a:r>
             <a:r>
-              <a:rPr lang="nl-NL" dirty="0" err="1" smtClean="0">
+              <a:rPr lang="nl-NL" dirty="0" err="1">
                 <a:effectLst/>
               </a:rPr>
               <a:t>Lace</a:t>
             </a:r>
             <a:r>
-              <a:rPr lang="nl-NL" sz="1200" baseline="30000" dirty="0" err="1" smtClean="0">
+              <a:rPr lang="nl-NL" sz="1200" baseline="30000" dirty="0" err="1">
                 <a:effectLst/>
               </a:rPr>
               <a:t>X</a:t>
             </a:r>
             <a:r>
-              <a:rPr lang="nl-NL" sz="1200" baseline="30000" dirty="0" smtClean="0">
+              <a:rPr lang="nl-NL" sz="1200" baseline="30000" dirty="0">
                 <a:effectLst/>
               </a:rPr>
               <a:t>-RP</a:t>
             </a:r>
             <a:r>
-              <a:rPr lang="nl-NL" dirty="0" smtClean="0">
+              <a:rPr lang="nl-NL" dirty="0">
                 <a:effectLst/>
               </a:rPr>
-              <a:t> </a:t>
-            </a:r>
-            <a:r>
-              <a:rPr lang="nl-NL" dirty="0" smtClean="0">
-                <a:effectLst/>
-              </a:rPr>
-              <a:t>begrijpen de download niet: 1 rapport natekenen</a:t>
-            </a:r>
-          </a:p>
-          <a:p>
-            <a:r>
-              <a:rPr lang="nl-NL" dirty="0" smtClean="0">
+              <a:t> begrijpen de download niet: 1 rapport natekenen</a:t>
+            </a:r>
+          </a:p>
+          <a:p>
+            <a:r>
+              <a:rPr lang="nl-NL" dirty="0">
                 <a:effectLst/>
               </a:rPr>
               <a:t>De </a:t>
             </a:r>
             <a:r>
-              <a:rPr lang="nl-NL" dirty="0" err="1" smtClean="0">
+              <a:rPr lang="nl-NL" dirty="0" err="1">
                 <a:effectLst/>
               </a:rPr>
               <a:t>gekleurende</a:t>
             </a:r>
             <a:r>
-              <a:rPr lang="nl-NL" dirty="0" smtClean="0">
+              <a:rPr lang="nl-NL" dirty="0">
                 <a:effectLst/>
               </a:rPr>
-              <a:t> punten </a:t>
-            </a:r>
-            <a:r>
-              <a:rPr lang="nl-NL" dirty="0" smtClean="0">
-                <a:effectLst/>
-              </a:rPr>
-              <a:t>helpen</a:t>
-            </a:r>
-            <a:r>
-              <a:rPr lang="nl-NL" baseline="0" dirty="0" smtClean="0">
+              <a:t> punten helpen</a:t>
+            </a:r>
+            <a:r>
+              <a:rPr lang="nl-NL" baseline="0" dirty="0">
                 <a:effectLst/>
               </a:rPr>
               <a:t> meerdere rapporten aan elkaar plakken</a:t>
             </a:r>
           </a:p>
           <a:p>
-            <a:endParaRPr lang="nl-NL" dirty="0" smtClean="0"/>
-          </a:p>
-          <a:p>
-            <a:r>
-              <a:rPr lang="nl-NL" dirty="0" smtClean="0"/>
+            <a:endParaRPr lang="nl-NL" dirty="0"/>
+          </a:p>
+          <a:p>
+            <a:r>
+              <a:rPr lang="nl-NL" dirty="0"/>
               <a:t>Je kunt ook kruispunten verplaatsen.</a:t>
             </a:r>
           </a:p>
           <a:p>
             <a:r>
-              <a:rPr lang="nl-NL" dirty="0" smtClean="0">
+              <a:rPr lang="nl-NL" dirty="0">
                 <a:effectLst/>
               </a:rPr>
               <a:t>Zelfde kleuren </a:t>
             </a:r>
             <a:r>
-              <a:rPr lang="nl-NL" dirty="0" smtClean="0">
+              <a:rPr lang="nl-NL" dirty="0">
                 <a:effectLst/>
                 <a:sym typeface="Wingdings" panose="05000000000000000000" pitchFamily="2" charset="2"/>
               </a:rPr>
               <a:t> zelfde verplaatsing</a:t>
             </a:r>
             <a:r>
-              <a:rPr lang="nl-NL" dirty="0" smtClean="0">
+              <a:rPr lang="nl-NL" dirty="0">
                 <a:effectLst/>
               </a:rPr>
               <a:t> </a:t>
@@ -2264,7 +2241,7 @@
           </a:p>
           <a:p>
             <a:r>
-              <a:rPr lang="nl-NL" dirty="0" smtClean="0">
+              <a:rPr lang="nl-NL" dirty="0">
                 <a:effectLst/>
               </a:rPr>
               <a:t>Het donkerblauwe bolletje rechtsboven zit ook midden-onder</a:t>
@@ -2272,20 +2249,20 @@
           </a:p>
           <a:p>
             <a:r>
-              <a:rPr lang="nl-NL" dirty="0" smtClean="0">
+              <a:rPr lang="nl-NL" dirty="0">
                 <a:effectLst/>
               </a:rPr>
               <a:t> en kan daardoor hooguit een half hokje verschuiven.</a:t>
             </a:r>
           </a:p>
           <a:p>
-            <a:endParaRPr lang="nl-NL" baseline="0" dirty="0" smtClean="0">
+            <a:endParaRPr lang="nl-NL" baseline="0" dirty="0">
               <a:effectLst/>
             </a:endParaRPr>
           </a:p>
           <a:p>
             <a:r>
-              <a:rPr lang="nl-NL" baseline="0" dirty="0" smtClean="0">
+              <a:rPr lang="nl-NL" baseline="0" dirty="0">
                 <a:effectLst/>
               </a:rPr>
               <a:t>Met promotieonderzoek alle(?) combinaties tot 4x4 opgezocht</a:t>
@@ -2293,62 +2270,62 @@
           </a:p>
           <a:p>
             <a:r>
-              <a:rPr lang="nl-NL" dirty="0" smtClean="0">
+              <a:rPr lang="nl-NL" dirty="0">
                 <a:effectLst/>
                 <a:sym typeface="Wingdings" panose="05000000000000000000" pitchFamily="2" charset="2"/>
               </a:rPr>
               <a:t> enkele</a:t>
             </a:r>
             <a:r>
-              <a:rPr lang="nl-NL" baseline="0" dirty="0" smtClean="0">
+              <a:rPr lang="nl-NL" baseline="0" dirty="0">
                 <a:effectLst/>
               </a:rPr>
               <a:t> </a:t>
             </a:r>
             <a:r>
-              <a:rPr lang="nl-NL" dirty="0" smtClean="0"/>
+              <a:rPr lang="nl-NL" dirty="0"/>
               <a:t>honderden rondgetrokken tesselace</a:t>
             </a:r>
             <a:r>
-              <a:rPr lang="nl-NL" baseline="0" dirty="0" smtClean="0"/>
+              <a:rPr lang="nl-NL" baseline="0" dirty="0"/>
               <a:t> </a:t>
             </a:r>
             <a:r>
-              <a:rPr lang="nl-NL" dirty="0" smtClean="0"/>
+              <a:rPr lang="nl-NL" dirty="0"/>
               <a:t>diagrammen</a:t>
             </a:r>
           </a:p>
           <a:p>
             <a:r>
-              <a:rPr lang="nl-NL" dirty="0" smtClean="0"/>
+              <a:rPr lang="nl-NL" dirty="0"/>
               <a:t>5x4: zo veel dat je met een 1 sec per stuk minstens een dag bezig</a:t>
             </a:r>
             <a:r>
-              <a:rPr lang="nl-NL" baseline="0" dirty="0" smtClean="0"/>
+              <a:rPr lang="nl-NL" baseline="0" dirty="0"/>
               <a:t> bent,</a:t>
             </a:r>
           </a:p>
           <a:p>
             <a:r>
-              <a:rPr lang="nl-NL" baseline="0" dirty="0" smtClean="0"/>
+              <a:rPr lang="nl-NL" baseline="0" dirty="0"/>
               <a:t> veel daarvan is meer van bijna hetzelfde</a:t>
             </a:r>
-            <a:endParaRPr lang="nl-NL" dirty="0" smtClean="0"/>
-          </a:p>
-          <a:p>
-            <a:endParaRPr lang="nl-NL" dirty="0" smtClean="0"/>
-          </a:p>
-          <a:p>
-            <a:r>
-              <a:rPr lang="nl-NL" dirty="0" smtClean="0"/>
+            <a:endParaRPr lang="nl-NL" dirty="0"/>
+          </a:p>
+          <a:p>
+            <a:endParaRPr lang="nl-NL" dirty="0"/>
+          </a:p>
+          <a:p>
+            <a:r>
+              <a:rPr lang="nl-NL" dirty="0"/>
               <a:t>Binche gronden passen niet in 4x4,</a:t>
             </a:r>
             <a:r>
-              <a:rPr lang="nl-NL" baseline="0" dirty="0" smtClean="0"/>
+              <a:rPr lang="nl-NL" baseline="0" dirty="0"/>
               <a:t> d</a:t>
             </a:r>
             <a:r>
-              <a:rPr lang="nl-NL" baseline="0" dirty="0" smtClean="0">
+              <a:rPr lang="nl-NL" baseline="0" dirty="0">
                 <a:effectLst/>
               </a:rPr>
               <a:t>ie kun je wel zelf maken</a:t>
@@ -2356,37 +2333,37 @@
           </a:p>
           <a:p>
             <a:r>
-              <a:rPr lang="nl-NL" baseline="0" dirty="0" smtClean="0">
+              <a:rPr lang="nl-NL" baseline="0" dirty="0">
                 <a:effectLst/>
               </a:rPr>
               <a:t>Spiekbriefje in de handleiding (toegepast in MAE-gf en Whiting index)</a:t>
             </a:r>
           </a:p>
           <a:p>
-            <a:endParaRPr lang="nl-NL" baseline="0" dirty="0" smtClean="0">
+            <a:endParaRPr lang="nl-NL" baseline="0" dirty="0">
               <a:effectLst/>
             </a:endParaRPr>
           </a:p>
           <a:p>
             <a:r>
-              <a:rPr lang="nl-NL" i="0" dirty="0" smtClean="0"/>
+              <a:rPr lang="nl-NL" i="0" dirty="0"/>
               <a:t>Horizontale of verticale verbinding zijn één of twee hokjes lang.</a:t>
             </a:r>
           </a:p>
           <a:p>
             <a:r>
-              <a:rPr lang="nl-NL" i="0" dirty="0" smtClean="0"/>
+              <a:rPr lang="nl-NL" i="0" dirty="0"/>
               <a:t>Diagonale verbindingen zijn altijd één hokje.</a:t>
             </a:r>
           </a:p>
           <a:p>
             <a:r>
-              <a:rPr lang="nl-NL" i="0" dirty="0" smtClean="0"/>
+              <a:rPr lang="nl-NL" i="0" dirty="0"/>
               <a:t>Boven (C) en (B) is eigenlijk ook nog een (-) nodig</a:t>
             </a:r>
           </a:p>
           <a:p>
-            <a:endParaRPr lang="nl-NL" baseline="0" dirty="0" smtClean="0">
+            <a:endParaRPr lang="nl-NL" baseline="0" dirty="0">
               <a:effectLst/>
             </a:endParaRPr>
           </a:p>
@@ -2472,13 +2449,13 @@
           <a:bodyPr/>
           <a:lstStyle/>
           <a:p>
-            <a:endParaRPr lang="nl-NL" dirty="0" smtClean="0">
+            <a:endParaRPr lang="nl-NL" dirty="0">
               <a:effectLst/>
             </a:endParaRPr>
           </a:p>
           <a:p>
             <a:r>
-              <a:rPr lang="nl-NL" b="1" dirty="0" smtClean="0">
+              <a:rPr lang="nl-NL" b="1" dirty="0">
                 <a:effectLst/>
               </a:rPr>
               <a:t>bruggetje</a:t>
@@ -2486,19 +2463,19 @@
           </a:p>
           <a:p>
             <a:r>
-              <a:rPr lang="nl-NL" dirty="0" smtClean="0">
+              <a:rPr lang="nl-NL" dirty="0">
                 <a:effectLst/>
               </a:rPr>
               <a:t>gebruik het dradenschema voor een 2</a:t>
             </a:r>
             <a:r>
-              <a:rPr lang="nl-NL" baseline="30000" dirty="0" smtClean="0">
+              <a:rPr lang="nl-NL" baseline="30000" dirty="0">
                 <a:effectLst/>
               </a:rPr>
               <a:t>e</a:t>
             </a:r>
             <a:r>
-              <a:rPr lang="nl-NL" dirty="0" smtClean="0">
+              <a:rPr lang="nl-NL" dirty="0">
                 <a:effectLst/>
               </a:rPr>
               <a:t> parenschema</a:t>
@@ -2587,19 +2564,19 @@
           <a:lstStyle/>
           <a:p>
             <a:r>
-              <a:rPr lang="nl-NL" dirty="0" smtClean="0">
+              <a:rPr lang="nl-NL" dirty="0">
                 <a:effectLst/>
               </a:rPr>
               <a:t>Spelden kunnen</a:t>
             </a:r>
             <a:r>
-              <a:rPr lang="nl-NL" baseline="0" dirty="0" smtClean="0">
+              <a:rPr lang="nl-NL" baseline="0" dirty="0">
                 <a:effectLst/>
               </a:rPr>
               <a:t> als in een Trollengrond</a:t>
             </a:r>
             <a:r>
-              <a:rPr lang="nl-NL" dirty="0" smtClean="0">
+              <a:rPr lang="nl-NL" dirty="0">
                 <a:effectLst/>
               </a:rPr>
               <a:t> gestoken worden</a:t>
@@ -2607,40 +2584,40 @@
           </a:p>
           <a:p>
             <a:r>
-              <a:rPr lang="nl-NL" dirty="0" smtClean="0">
+              <a:rPr lang="nl-NL" dirty="0">
                 <a:effectLst/>
               </a:rPr>
               <a:t>of als in een Vlaanderse grond</a:t>
             </a:r>
           </a:p>
           <a:p>
-            <a:endParaRPr lang="nl-NL" dirty="0" smtClean="0">
+            <a:endParaRPr lang="nl-NL" dirty="0">
               <a:effectLst/>
             </a:endParaRPr>
           </a:p>
           <a:p>
             <a:r>
-              <a:rPr lang="nl-NL" dirty="0" smtClean="0">
+              <a:rPr lang="nl-NL" dirty="0">
                 <a:effectLst/>
               </a:rPr>
               <a:t>---------</a:t>
             </a:r>
           </a:p>
           <a:p>
-            <a:endParaRPr lang="nl-NL" dirty="0" smtClean="0">
+            <a:endParaRPr lang="nl-NL" dirty="0">
               <a:effectLst/>
             </a:endParaRPr>
           </a:p>
           <a:p>
             <a:r>
-              <a:rPr lang="nl-NL" dirty="0" smtClean="0">
+              <a:rPr lang="nl-NL" dirty="0">
                 <a:effectLst/>
                 <a:hlinkClick r:id="rId3"/>
               </a:rPr>
               <a:t>http://www.lokk.nl/techniek/trollengrond.php</a:t>
             </a:r>
             <a:r>
-              <a:rPr lang="nl-NL" dirty="0" smtClean="0">
+              <a:rPr lang="nl-NL" dirty="0">
                 <a:effectLst/>
               </a:rPr>
               <a:t> </a:t>
@@ -2648,21 +2625,21 @@
           </a:p>
           <a:p>
             <a:r>
-              <a:rPr lang="nl-NL" dirty="0" smtClean="0">
+              <a:rPr lang="nl-NL" dirty="0">
                 <a:effectLst/>
                 <a:hlinkClick r:id="rId4"/>
               </a:rPr>
               <a:t>http://www.lokk.nl/techniek/vlaandersetralie.php</a:t>
             </a:r>
             <a:r>
-              <a:rPr lang="nl-NL" dirty="0" smtClean="0">
+              <a:rPr lang="nl-NL" dirty="0">
                 <a:effectLst/>
               </a:rPr>
               <a:t> </a:t>
             </a:r>
           </a:p>
           <a:p>
-            <a:endParaRPr lang="nl-NL" baseline="0" dirty="0" smtClean="0">
+            <a:endParaRPr lang="nl-NL" baseline="0" dirty="0">
               <a:effectLst/>
             </a:endParaRPr>
           </a:p>
@@ -2769,188 +2746,107 @@
           <a:p>
             <a:r>
               <a:rPr lang="nl-NL" dirty="0"/>
-              <a:t>Nee. Het gaat hier om een computerprogramma, </a:t>
-            </a:r>
-            <a:r>
-              <a:rPr lang="nl-NL" dirty="0" smtClean="0"/>
-              <a:t>waarin </a:t>
-            </a:r>
-            <a:r>
-              <a:rPr lang="nl-NL" dirty="0"/>
-              <a:t>je aan de computer vertelt welke grond je wil gebruiken en welke slagen. Je drukt op een knop, en de computer geeft de dradentekening.</a:t>
-            </a:r>
-          </a:p>
-          <a:p>
-            <a:r>
-              <a:rPr lang="nl-NL" dirty="0" smtClean="0"/>
-              <a:t>Eerst een </a:t>
-            </a:r>
-            <a:r>
-              <a:rPr lang="nl-NL" dirty="0"/>
-              <a:t>heel klein voorproefje. </a:t>
-            </a:r>
-            <a:r>
-              <a:rPr lang="nl-NL" dirty="0" smtClean="0"/>
-              <a:t>Daarna volgen details. </a:t>
-            </a:r>
+              <a:t>Nee. Het gaat hier om een computerprogramma, waarin je aan de computer vertelt welke grond je wil gebruiken en welke slagen. Je drukt op een knop, en de computer geeft de dradentekening.</a:t>
+            </a:r>
+          </a:p>
+          <a:p>
+            <a:r>
+              <a:rPr lang="nl-NL" dirty="0"/>
+              <a:t>Eerst een heel klein voorproefje. Daarna volgen details. </a:t>
+            </a:r>
+          </a:p>
+          <a:p>
             <a:endParaRPr lang="nl-NL" dirty="0"/>
           </a:p>
           <a:p>
+            <a:r>
+              <a:rPr lang="nl-NL" dirty="0"/>
+              <a:t>Het programma werkt in het kort als volgt: je kiest uit de voorbeelden de grond waarmee je aan de slag wilt. Bijvoorbeeld de Parijse Grond. </a:t>
+            </a:r>
+            <a:r>
+              <a:rPr lang="nl-NL" b="1" dirty="0"/>
+              <a:t>[1]</a:t>
+            </a:r>
+          </a:p>
+          <a:p>
+            <a:r>
+              <a:rPr lang="nl-NL" dirty="0"/>
+              <a:t>De computer vertaalt dit in een rijtje letters en cijfers – anders snapt hij het niet.</a:t>
+            </a:r>
+          </a:p>
+          <a:p>
+            <a:r>
+              <a:rPr lang="nl-NL" dirty="0"/>
+              <a:t>Vervolgens vul je </a:t>
+            </a:r>
+            <a:r>
+              <a:rPr lang="nl-NL" baseline="0" dirty="0"/>
+              <a:t>beginletters van slagen in die zowel voor de computer als mensen begrijpelijk zijn: </a:t>
+            </a:r>
+            <a:r>
+              <a:rPr lang="nl-NL" baseline="0" dirty="0" err="1"/>
+              <a:t>ctct</a:t>
+            </a:r>
+            <a:r>
+              <a:rPr lang="nl-NL" baseline="0" dirty="0"/>
+              <a:t> voor 2x cross-twist oftewel dubbele netslag. </a:t>
+            </a:r>
+          </a:p>
+          <a:p>
+            <a:r>
+              <a:rPr lang="nl-NL" dirty="0"/>
+              <a:t>Kies vervolgens voor SHOW, dan verschijnt plaatje </a:t>
+            </a:r>
+            <a:r>
+              <a:rPr lang="nl-NL" b="1" dirty="0"/>
+              <a:t>[2]</a:t>
+            </a:r>
+          </a:p>
+          <a:p>
             <a:endParaRPr lang="nl-NL" dirty="0"/>
           </a:p>
           <a:p>
             <a:r>
-              <a:rPr lang="nl-NL" dirty="0" smtClean="0"/>
-              <a:t>Het </a:t>
-            </a:r>
-            <a:r>
-              <a:rPr lang="nl-NL" dirty="0"/>
-              <a:t>programma </a:t>
-            </a:r>
-            <a:r>
-              <a:rPr lang="nl-NL" dirty="0" smtClean="0"/>
-              <a:t>werkt </a:t>
-            </a:r>
-            <a:r>
-              <a:rPr lang="nl-NL" dirty="0"/>
-              <a:t>in het kort als volgt: je kiest uit de voorbeelden de grond waarmee je aan de slag wilt. Bijvoorbeeld de Parijse Grond. </a:t>
-            </a:r>
-            <a:r>
-              <a:rPr lang="nl-NL" b="1" dirty="0" smtClean="0"/>
-              <a:t>[1]</a:t>
-            </a:r>
-            <a:endParaRPr lang="nl-NL" b="1" dirty="0"/>
-          </a:p>
-          <a:p>
-            <a:r>
-              <a:rPr lang="nl-NL" dirty="0"/>
-              <a:t>De computer vertaalt dit in een rijtje letters en </a:t>
-            </a:r>
-            <a:r>
-              <a:rPr lang="nl-NL" dirty="0" smtClean="0"/>
-              <a:t>cijfers – </a:t>
-            </a:r>
-            <a:r>
-              <a:rPr lang="nl-NL" dirty="0"/>
-              <a:t>anders snapt hij het niet.</a:t>
-            </a:r>
-          </a:p>
-          <a:p>
-            <a:r>
-              <a:rPr lang="nl-NL" dirty="0"/>
-              <a:t>Vervolgens vul je </a:t>
-            </a:r>
-            <a:r>
-              <a:rPr lang="nl-NL" baseline="0" dirty="0" smtClean="0"/>
-              <a:t>beginletters van slagen in die zowel voor de computer als mensen begrijpelijk zijn: </a:t>
-            </a:r>
-            <a:r>
-              <a:rPr lang="nl-NL" baseline="0" dirty="0" err="1" smtClean="0"/>
-              <a:t>ctct</a:t>
-            </a:r>
-            <a:r>
-              <a:rPr lang="nl-NL" baseline="0" dirty="0" smtClean="0"/>
-              <a:t> voor 2x cross-twist oftewel dubbele netslag. </a:t>
-            </a:r>
-          </a:p>
-          <a:p>
-            <a:r>
-              <a:rPr lang="nl-NL" dirty="0" smtClean="0"/>
-              <a:t>Kies </a:t>
-            </a:r>
-            <a:r>
-              <a:rPr lang="nl-NL" dirty="0"/>
-              <a:t>vervolgens voor </a:t>
-            </a:r>
-            <a:r>
-              <a:rPr lang="nl-NL" dirty="0" smtClean="0"/>
-              <a:t>SHOW, dan verschijnt plaatje </a:t>
-            </a:r>
-            <a:r>
-              <a:rPr lang="nl-NL" b="1" dirty="0" smtClean="0"/>
-              <a:t>[2]</a:t>
-            </a:r>
-            <a:endParaRPr lang="nl-NL" b="1" dirty="0"/>
+              <a:rPr lang="nl-NL" dirty="0"/>
+              <a:t>Het leuke is, dat je kan spelen met de slagen. Bijvoorbeeld, hoe ziet het de Parijse grond er uit in alles netslag? </a:t>
+            </a:r>
+            <a:r>
+              <a:rPr lang="nl-NL" b="1" dirty="0"/>
+              <a:t>[3+4]</a:t>
+            </a:r>
           </a:p>
           <a:p>
             <a:endParaRPr lang="nl-NL" dirty="0"/>
           </a:p>
           <a:p>
             <a:r>
-              <a:rPr lang="nl-NL" dirty="0" smtClean="0"/>
-              <a:t>Het </a:t>
-            </a:r>
-            <a:r>
-              <a:rPr lang="nl-NL" dirty="0"/>
-              <a:t>leuke is, dat je kan spelen met de slagen. Bijvoorbeeld, hoe ziet het de Parijse grond er uit in alles netslag? </a:t>
-            </a:r>
-            <a:r>
-              <a:rPr lang="nl-NL" b="1" dirty="0" smtClean="0"/>
-              <a:t>[3+4]</a:t>
-            </a:r>
-            <a:endParaRPr lang="nl-NL" b="1" dirty="0"/>
-          </a:p>
-          <a:p>
-            <a:endParaRPr lang="nl-NL" dirty="0"/>
-          </a:p>
-          <a:p>
-            <a:r>
-              <a:rPr lang="nl-NL" dirty="0" smtClean="0"/>
-              <a:t>Om </a:t>
-            </a:r>
-            <a:r>
-              <a:rPr lang="nl-NL" dirty="0"/>
-              <a:t>te stoeien met de slagen is dit een prachtig hulpmiddel. Waar </a:t>
-            </a:r>
-            <a:r>
-              <a:rPr lang="nl-NL" dirty="0" smtClean="0"/>
-              <a:t>eerst </a:t>
-            </a:r>
-            <a:r>
-              <a:rPr lang="nl-NL" dirty="0"/>
-              <a:t>voor alle variaties </a:t>
-            </a:r>
-            <a:r>
-              <a:rPr lang="nl-NL" dirty="0" smtClean="0"/>
-              <a:t>klosjes</a:t>
-            </a:r>
-            <a:r>
-              <a:rPr lang="nl-NL" baseline="0" dirty="0" smtClean="0"/>
+              <a:rPr lang="nl-NL" dirty="0"/>
+              <a:t>Om te stoeien met de slagen is dit een prachtig hulpmiddel. Waar eerst voor alle variaties klosjes</a:t>
+            </a:r>
+            <a:r>
+              <a:rPr lang="nl-NL" baseline="0" dirty="0"/>
               <a:t> ge</a:t>
             </a:r>
             <a:r>
-              <a:rPr lang="nl-NL" dirty="0" smtClean="0"/>
+              <a:rPr lang="nl-NL" dirty="0"/>
               <a:t>wikkeld moesten worden, geven</a:t>
             </a:r>
             <a:r>
-              <a:rPr lang="nl-NL" baseline="0" dirty="0" smtClean="0"/>
+              <a:rPr lang="nl-NL" baseline="0" dirty="0"/>
               <a:t> nu </a:t>
             </a:r>
             <a:r>
-              <a:rPr lang="nl-NL" dirty="0" smtClean="0"/>
-              <a:t>een </a:t>
-            </a:r>
-            <a:r>
-              <a:rPr lang="nl-NL" dirty="0"/>
-              <a:t>paar drukken op de knop een idee van hoe </a:t>
-            </a:r>
-            <a:r>
-              <a:rPr lang="nl-NL" dirty="0" smtClean="0"/>
-              <a:t>bepaalde </a:t>
-            </a:r>
-            <a:r>
-              <a:rPr lang="nl-NL" dirty="0"/>
-              <a:t>bedenksels er uit gaan zien. Bijvoorbeeld: </a:t>
-            </a:r>
-            <a:r>
-              <a:rPr lang="nl-NL" b="1" dirty="0" smtClean="0"/>
+              <a:rPr lang="nl-NL" dirty="0"/>
+              <a:t>een paar drukken op de knop een idee van hoe bepaalde bedenksels er uit gaan zien. Bijvoorbeeld: </a:t>
+            </a:r>
+            <a:r>
+              <a:rPr lang="nl-NL" b="1" dirty="0"/>
               <a:t>[5+6]</a:t>
             </a:r>
             <a:r>
-              <a:rPr lang="nl-NL" dirty="0" smtClean="0"/>
+              <a:rPr lang="nl-NL" dirty="0"/>
               <a:t>.</a:t>
             </a:r>
-            <a:endParaRPr lang="nl-NL" dirty="0"/>
           </a:p>
           <a:p>
             <a:endParaRPr lang="nl-NL" dirty="0"/>
@@ -3055,37 +2951,37 @@
               <a:defRPr/>
             </a:pPr>
             <a:r>
-              <a:rPr lang="nl-NL" baseline="0" dirty="0" smtClean="0"/>
+              <a:rPr lang="nl-NL" baseline="0" dirty="0"/>
               <a:t>De software maakt de gaten zo rond mogelijk. </a:t>
             </a:r>
           </a:p>
           <a:p>
-            <a:endParaRPr lang="nl-NL" dirty="0" smtClean="0"/>
-          </a:p>
-          <a:p>
-            <a:r>
-              <a:rPr lang="nl-NL" dirty="0" smtClean="0"/>
+            <a:endParaRPr lang="nl-NL" dirty="0"/>
+          </a:p>
+          <a:p>
+            <a:r>
+              <a:rPr lang="nl-NL" dirty="0"/>
               <a:t>Met spelden</a:t>
             </a:r>
           </a:p>
           <a:p>
             <a:r>
-              <a:rPr lang="nl-NL" dirty="0" smtClean="0"/>
+              <a:rPr lang="nl-NL" dirty="0"/>
               <a:t> kun je vierkantjes maken</a:t>
             </a:r>
           </a:p>
           <a:p>
             <a:r>
-              <a:rPr lang="nl-NL" dirty="0" smtClean="0"/>
+              <a:rPr lang="nl-NL" dirty="0"/>
               <a:t> of een mix van vierkantjes en rondjes</a:t>
             </a:r>
           </a:p>
           <a:p>
             <a:r>
-              <a:rPr lang="nl-NL" baseline="0" dirty="0" smtClean="0"/>
+              <a:rPr lang="nl-NL" baseline="0" dirty="0"/>
               <a:t> (niet met GroundForge)</a:t>
             </a:r>
-            <a:endParaRPr lang="nl-NL" dirty="0" smtClean="0"/>
+            <a:endParaRPr lang="nl-NL" dirty="0"/>
           </a:p>
           <a:p>
             <a:endParaRPr lang="nl-NL" dirty="0"/>
@@ -3190,12 +3086,12 @@
               <a:defRPr/>
             </a:pPr>
             <a:r>
-              <a:rPr lang="nl-NL" dirty="0" smtClean="0"/>
+              <a:rPr lang="nl-NL" dirty="0"/>
               <a:t>Programmeer foutjes kunnen je soms aan het lachen maken: een virtueel omgekiept kantkussen.</a:t>
             </a:r>
           </a:p>
           <a:p>
-            <a:endParaRPr lang="nl-NL" strike="noStrike" dirty="0" smtClean="0"/>
+            <a:endParaRPr lang="nl-NL" strike="noStrike" dirty="0"/>
           </a:p>
         </p:txBody>
       </p:sp>
@@ -3283,28 +3179,16 @@
               <a:defRPr/>
             </a:pPr>
             <a:r>
-              <a:rPr lang="nl-NL" dirty="0" smtClean="0"/>
+              <a:rPr lang="nl-NL" dirty="0"/>
               <a:t>Kies voor de helppagina</a:t>
             </a:r>
             <a:r>
-              <a:rPr lang="nl-NL" baseline="0" dirty="0" smtClean="0"/>
+              <a:rPr lang="nl-NL" baseline="0" dirty="0"/>
               <a:t> “changes”,  </a:t>
             </a:r>
             <a:r>
-              <a:rPr lang="nl-NL" dirty="0" smtClean="0"/>
-              <a:t>volg de links met “issues</a:t>
-            </a:r>
-            <a:r>
-              <a:rPr lang="nl-NL" dirty="0"/>
-              <a:t>” </a:t>
-            </a:r>
-            <a:r>
-              <a:rPr lang="nl-NL" dirty="0" smtClean="0"/>
-              <a:t>voor </a:t>
-            </a:r>
-            <a:r>
-              <a:rPr lang="nl-NL" dirty="0"/>
-              <a:t>een lijst wensen en bugs</a:t>
+              <a:rPr lang="nl-NL" dirty="0"/>
+              <a:t>volg de links met “issues” voor een lijst wensen en bugs</a:t>
             </a:r>
           </a:p>
           <a:p>
@@ -3312,12 +3196,8 @@
           </a:p>
           <a:p>
             <a:r>
-              <a:rPr lang="nl-NL" i="0" dirty="0" smtClean="0"/>
-              <a:t>Icoontjes in de voetregel van de hoofdpagina geven </a:t>
-            </a:r>
-            <a:r>
               <a:rPr lang="nl-NL" i="0" dirty="0"/>
-              <a:t>aan hoe geschikt bepaalde browsers en apparaten zijn</a:t>
+              <a:t>Icoontjes in de voetregel van de hoofdpagina geven aan hoe geschikt bepaalde browsers en apparaten zijn</a:t>
             </a:r>
           </a:p>
           <a:p>
@@ -3351,7 +3231,7 @@
             </a:r>
           </a:p>
           <a:p>
-            <a:endParaRPr lang="nl-NL" i="0" strike="sngStrike" dirty="0" smtClean="0"/>
+            <a:endParaRPr lang="nl-NL" i="0" strike="sngStrike" dirty="0"/>
           </a:p>
         </p:txBody>
       </p:sp>
@@ -3441,51 +3321,21 @@
           <a:lstStyle/>
           <a:p>
             <a:r>
-              <a:rPr lang="nl-NL" dirty="0" smtClean="0"/>
-              <a:t>Er zijn </a:t>
-            </a:r>
-            <a:r>
-              <a:rPr lang="nl-NL" dirty="0" smtClean="0"/>
-              <a:t>diverse catalogi </a:t>
-            </a:r>
-            <a:r>
-              <a:rPr lang="nl-NL" dirty="0" smtClean="0"/>
-              <a:t>met soms honderden voorbeelden</a:t>
-            </a:r>
-            <a:r>
-              <a:rPr lang="nl-NL" dirty="0" smtClean="0"/>
-              <a:t>.</a:t>
-            </a:r>
-            <a:endParaRPr lang="nl-NL" dirty="0" smtClean="0"/>
-          </a:p>
-          <a:p>
-            <a:endParaRPr lang="nl-NL" dirty="0" smtClean="0"/>
-          </a:p>
-          <a:p>
-            <a:r>
-              <a:rPr lang="nl-NL" dirty="0" smtClean="0"/>
-              <a:t>Als voorbeeld hier is </a:t>
-            </a:r>
-            <a:r>
-              <a:rPr lang="nl-NL" dirty="0"/>
-              <a:t>de </a:t>
-            </a:r>
-            <a:r>
-              <a:rPr lang="nl-NL" dirty="0" smtClean="0"/>
-              <a:t>kleine sneeuwvlok</a:t>
-            </a:r>
-            <a:r>
-              <a:rPr lang="nl-NL" dirty="0"/>
-              <a:t> </a:t>
-            </a:r>
-            <a:r>
-              <a:rPr lang="nl-NL" dirty="0" smtClean="0"/>
-              <a:t>gekozen.</a:t>
-            </a:r>
-            <a:endParaRPr lang="nl-NL" dirty="0" smtClean="0"/>
-          </a:p>
-          <a:p>
-            <a:endParaRPr lang="nl-NL" dirty="0" smtClean="0"/>
+              <a:rPr lang="nl-NL" dirty="0"/>
+              <a:t>Er zijn diverse catalogi met soms honderden voorbeelden.</a:t>
+            </a:r>
+          </a:p>
+          <a:p>
+            <a:endParaRPr lang="nl-NL" dirty="0"/>
+          </a:p>
+          <a:p>
+            <a:r>
+              <a:rPr lang="nl-NL" dirty="0"/>
+              <a:t>Als voorbeeld hier is de kleine sneeuwvlok gekozen.</a:t>
+            </a:r>
+          </a:p>
+          <a:p>
+            <a:endParaRPr lang="nl-NL" dirty="0"/>
           </a:p>
           <a:p>
             <a:pPr marL="171450" indent="-171450">
@@ -3493,39 +3343,34 @@
               <a:buChar char="•"/>
             </a:pPr>
             <a:r>
-              <a:rPr lang="nl-NL" sz="1200" dirty="0" err="1" smtClean="0"/>
+              <a:rPr lang="nl-NL" sz="1200" dirty="0" err="1"/>
               <a:t>Groundforge</a:t>
             </a:r>
             <a:r>
-              <a:rPr lang="nl-NL" sz="1200" dirty="0" smtClean="0"/>
+              <a:rPr lang="nl-NL" sz="1200" dirty="0"/>
               <a:t>: </a:t>
             </a:r>
             <a:r>
-              <a:rPr lang="nl-NL" sz="1200" dirty="0" smtClean="0">
+              <a:rPr lang="nl-NL" sz="1200" dirty="0">
                 <a:hlinkClick r:id="rId3"/>
               </a:rPr>
               <a:t>https://d-bl.github.io/GroundForge</a:t>
             </a:r>
             <a:r>
-              <a:rPr lang="nl-NL" sz="1200" dirty="0" smtClean="0"/>
+              <a:rPr lang="nl-NL" sz="1200" dirty="0"/>
               <a:t> </a:t>
             </a:r>
             <a:br>
-              <a:rPr lang="nl-NL" sz="1200" dirty="0" smtClean="0"/>
+              <a:rPr lang="nl-NL" sz="1200" dirty="0"/>
             </a:br>
             <a:r>
-              <a:rPr lang="nl-NL" sz="1200" dirty="0" smtClean="0"/>
+              <a:rPr lang="nl-NL" sz="1200" dirty="0"/>
               <a:t>Heeft zelf al een aantal catalogi met</a:t>
             </a:r>
             <a:r>
               <a:rPr lang="nl-NL" dirty="0"/>
-              <a:t> zijn basispatronen waarop gevarieerd kan </a:t>
-            </a:r>
-            <a:r>
-              <a:rPr lang="nl-NL" dirty="0" smtClean="0"/>
-              <a:t>worden. Deels uit externe bronnen afgeleid.</a:t>
-            </a:r>
-            <a:endParaRPr lang="nl-NL" dirty="0"/>
+              <a:t> zijn basispatronen waarop gevarieerd kan worden. Deels uit externe bronnen afgeleid.</a:t>
+            </a:r>
           </a:p>
           <a:p>
             <a:pPr marL="171450" indent="-171450">
@@ -3533,48 +3378,48 @@
               <a:buChar char="•"/>
             </a:pPr>
             <a:r>
-              <a:rPr lang="nl-NL" sz="1200" dirty="0" smtClean="0"/>
+              <a:rPr lang="nl-NL" sz="1200" dirty="0"/>
               <a:t>MAE-</a:t>
             </a:r>
             <a:r>
-              <a:rPr lang="nl-NL" sz="1200" dirty="0" err="1" smtClean="0"/>
+              <a:rPr lang="nl-NL" sz="1200" dirty="0" err="1"/>
               <a:t>gf</a:t>
             </a:r>
             <a:r>
-              <a:rPr lang="nl-NL" sz="1200" dirty="0" smtClean="0"/>
+              <a:rPr lang="nl-NL" sz="1200" dirty="0"/>
               <a:t>: </a:t>
             </a:r>
             <a:r>
-              <a:rPr lang="nl-NL" sz="1200" dirty="0" smtClean="0">
+              <a:rPr lang="nl-NL" sz="1200" dirty="0">
                 <a:hlinkClick r:id="rId4"/>
               </a:rPr>
               <a:t>https://maetempels.github.io/MAE-gf/</a:t>
             </a:r>
             <a:r>
-              <a:rPr lang="nl-NL" sz="1200" dirty="0" smtClean="0"/>
+              <a:rPr lang="nl-NL" sz="1200" dirty="0"/>
               <a:t> </a:t>
             </a:r>
             <a:br>
-              <a:rPr lang="nl-NL" sz="1200" dirty="0" smtClean="0"/>
+              <a:rPr lang="nl-NL" sz="1200" dirty="0"/>
             </a:br>
             <a:r>
-              <a:rPr lang="nl-NL" sz="1200" dirty="0" smtClean="0"/>
+              <a:rPr lang="nl-NL" sz="1200" dirty="0"/>
               <a:t>MAE: More </a:t>
             </a:r>
             <a:r>
-              <a:rPr lang="nl-NL" sz="1200" dirty="0" err="1" smtClean="0"/>
+              <a:rPr lang="nl-NL" sz="1200" dirty="0" err="1"/>
               <a:t>Attractive</a:t>
             </a:r>
             <a:r>
-              <a:rPr lang="nl-NL" sz="1200" dirty="0" smtClean="0"/>
+              <a:rPr lang="nl-NL" sz="1200" dirty="0"/>
               <a:t> </a:t>
             </a:r>
             <a:r>
-              <a:rPr lang="nl-NL" sz="1200" dirty="0" err="1" smtClean="0"/>
+              <a:rPr lang="nl-NL" sz="1200" dirty="0" err="1"/>
               <a:t>Examples</a:t>
             </a:r>
             <a:r>
-              <a:rPr lang="nl-NL" sz="1200" dirty="0" smtClean="0"/>
+              <a:rPr lang="nl-NL" sz="1200" dirty="0"/>
               <a:t> = Meer Aantrekkelijke Voorbeelden</a:t>
             </a:r>
           </a:p>
@@ -3681,15 +3526,11 @@
               <a:defRPr/>
             </a:pPr>
             <a:r>
-              <a:rPr lang="nl-NL" dirty="0" smtClean="0"/>
-              <a:t>Kantklossen </a:t>
-            </a:r>
-            <a:r>
-              <a:rPr lang="nl-NL" dirty="0" smtClean="0"/>
-              <a:t>was vaak een oefenonderwerp om nieuwe programmeertalen onder de knie te krijgen. Rode draad daarbij: draad schema’s genereren uit paar schema’s. </a:t>
-            </a:r>
-            <a:r>
-              <a:rPr lang="nl-NL" baseline="0" dirty="0" smtClean="0"/>
+              <a:rPr lang="nl-NL" dirty="0"/>
+              <a:t>Kantklossen was vaak een oefenonderwerp om nieuwe programmeertalen onder de knie te krijgen. Rode draad daarbij: draad schema’s genereren uit paar schema’s. </a:t>
+            </a:r>
+            <a:r>
+              <a:rPr lang="nl-NL" baseline="0" dirty="0"/>
               <a:t>Doel: mogelijkheden voor contrasterende draden onderzoeken</a:t>
             </a:r>
           </a:p>
@@ -3698,20 +3539,12 @@
               <a:buFont typeface="Arial" panose="020B0604020202020204" pitchFamily="34" charset="0"/>
               <a:buChar char="•"/>
             </a:pPr>
-            <a:endParaRPr lang="nl-NL" baseline="0" dirty="0" smtClean="0"/>
-          </a:p>
-          <a:p>
-            <a:r>
-              <a:rPr lang="nl-NL" dirty="0"/>
-              <a:t>De geaccentueerde draden </a:t>
-            </a:r>
-            <a:r>
-              <a:rPr lang="nl-NL" dirty="0" smtClean="0"/>
-              <a:t>van dit voorbeeld laten </a:t>
-            </a:r>
-            <a:r>
-              <a:rPr lang="nl-NL" dirty="0"/>
-              <a:t>wybertjes zien afgewisseld met balkjes</a:t>
+            <a:endParaRPr lang="nl-NL" baseline="0" dirty="0"/>
+          </a:p>
+          <a:p>
+            <a:r>
+              <a:rPr lang="nl-NL" dirty="0"/>
+              <a:t>De geaccentueerde draden van dit voorbeeld laten wybertjes zien afgewisseld met balkjes</a:t>
             </a:r>
           </a:p>
           <a:p>
@@ -3719,18 +3552,18 @@
               <a:buFont typeface="Arial" panose="020B0604020202020204" pitchFamily="34" charset="0"/>
               <a:buNone/>
             </a:pPr>
-            <a:endParaRPr lang="nl-NL" baseline="0" dirty="0" smtClean="0"/>
-          </a:p>
-          <a:p>
-            <a:r>
-              <a:rPr lang="nl-NL" i="1" dirty="0" smtClean="0"/>
+            <a:endParaRPr lang="nl-NL" baseline="0" dirty="0"/>
+          </a:p>
+          <a:p>
+            <a:r>
+              <a:rPr lang="nl-NL" i="1" dirty="0"/>
               <a:t>De schermafdrukken zijn gemaakt op de hoofdpagina gemaakt met:</a:t>
             </a:r>
           </a:p>
           <a:p>
             <a:pPr lvl="1"/>
             <a:r>
-              <a:rPr lang="nl-NL" i="1" dirty="0" smtClean="0">
+              <a:rPr lang="nl-NL" i="1" dirty="0">
                 <a:latin typeface="Consolas" panose="020B0609020204030204" pitchFamily="49" charset="0"/>
                 <a:cs typeface="Consolas" panose="020B0609020204030204" pitchFamily="49" charset="0"/>
               </a:rPr>
@@ -3740,7 +3573,7 @@
           <a:p>
             <a:pPr lvl="1"/>
             <a:r>
-              <a:rPr lang="nl-NL" i="1" dirty="0" smtClean="0">
+              <a:rPr lang="nl-NL" i="1" dirty="0">
                 <a:latin typeface="Consolas" panose="020B0609020204030204" pitchFamily="49" charset="0"/>
                 <a:cs typeface="Consolas" panose="020B0609020204030204" pitchFamily="49" charset="0"/>
               </a:rPr>
@@ -3750,7 +3583,7 @@
           <a:p>
             <a:pPr lvl="1"/>
             <a:r>
-              <a:rPr lang="nl-NL" i="1" dirty="0" smtClean="0">
+              <a:rPr lang="nl-NL" i="1" dirty="0">
                 <a:latin typeface="Consolas" panose="020B0609020204030204" pitchFamily="49" charset="0"/>
                 <a:cs typeface="Consolas" panose="020B0609020204030204" pitchFamily="49" charset="0"/>
               </a:rPr>
@@ -3760,7 +3593,7 @@
           <a:p>
             <a:pPr lvl="1"/>
             <a:r>
-              <a:rPr lang="nl-NL" i="1" dirty="0" smtClean="0">
+              <a:rPr lang="nl-NL" i="1" dirty="0">
                 <a:latin typeface="Consolas" panose="020B0609020204030204" pitchFamily="49" charset="0"/>
                 <a:cs typeface="Consolas" panose="020B0609020204030204" pitchFamily="49" charset="0"/>
               </a:rPr>
@@ -3769,7 +3602,7 @@
           </a:p>
           <a:p>
             <a:r>
-              <a:rPr lang="nl-NL" i="1" dirty="0" smtClean="0"/>
+              <a:rPr lang="nl-NL" i="1" dirty="0"/>
               <a:t>Checker (schaakbord); Stitches (slagen): ct,A2=cttct,C4=ctct</a:t>
             </a:r>
           </a:p>
@@ -3873,27 +3706,27 @@
               <a:defRPr/>
             </a:pPr>
             <a:r>
-              <a:rPr lang="nl-NL" dirty="0" smtClean="0">
+              <a:rPr lang="nl-NL" dirty="0">
                 <a:hlinkClick r:id="rId3"/>
               </a:rPr>
               <a:t>https://d-bl.github.io/GroundForge/help</a:t>
             </a:r>
-            <a:endParaRPr lang="nl-NL" dirty="0" smtClean="0"/>
-          </a:p>
-          <a:p>
-            <a:endParaRPr lang="nl-NL" dirty="0" smtClean="0">
+            <a:endParaRPr lang="nl-NL" dirty="0"/>
+          </a:p>
+          <a:p>
+            <a:endParaRPr lang="nl-NL" dirty="0">
               <a:effectLst/>
             </a:endParaRPr>
           </a:p>
           <a:p>
             <a:r>
-              <a:rPr lang="nl-NL" b="1" dirty="0" smtClean="0">
+              <a:rPr lang="nl-NL" b="1" dirty="0">
                 <a:effectLst/>
               </a:rPr>
               <a:t>Intro</a:t>
             </a:r>
             <a:r>
-              <a:rPr lang="nl-NL" b="1" baseline="0" dirty="0" smtClean="0">
+              <a:rPr lang="nl-NL" b="1" baseline="0" dirty="0">
                 <a:effectLst/>
               </a:rPr>
               <a:t> – nl:</a:t>
@@ -3901,20 +3734,20 @@
           </a:p>
           <a:p>
             <a:r>
-              <a:rPr lang="nl-NL" baseline="0" dirty="0" smtClean="0">
+              <a:rPr lang="nl-NL" baseline="0" dirty="0">
                 <a:effectLst/>
               </a:rPr>
               <a:t>Via “en” wordt een en ander op een andere manier geïntroduceerd. Engels is de voertaal van het project om een zo groot mogelijk publiek te bereiken.</a:t>
             </a:r>
           </a:p>
           <a:p>
-            <a:endParaRPr lang="nl-NL" baseline="0" dirty="0" smtClean="0">
+            <a:endParaRPr lang="nl-NL" baseline="0" dirty="0">
               <a:effectLst/>
             </a:endParaRPr>
           </a:p>
           <a:p>
             <a:r>
-              <a:rPr lang="nl-NL" b="1" baseline="0" dirty="0" smtClean="0">
+              <a:rPr lang="nl-NL" b="1" baseline="0" dirty="0">
                 <a:effectLst/>
               </a:rPr>
               <a:t>Contact – nl:</a:t>
@@ -3922,7 +3755,7 @@
           </a:p>
           <a:p>
             <a:r>
-              <a:rPr lang="nl-NL" baseline="0" dirty="0" smtClean="0">
+              <a:rPr lang="nl-NL" baseline="0" dirty="0">
                 <a:effectLst/>
               </a:rPr>
               <a:t>Je krijgt antwoord per e-mail, in het Nederlands.</a:t>
@@ -3940,68 +3773,19 @@
           <a:p>
             <a:r>
               <a:rPr lang="nl-NL" dirty="0"/>
-              <a:t>Om bij te dragen </a:t>
-            </a:r>
-            <a:r>
-              <a:rPr lang="nl-NL" dirty="0" smtClean="0"/>
-              <a:t>heb je </a:t>
-            </a:r>
-            <a:r>
-              <a:rPr lang="nl-NL" dirty="0"/>
-              <a:t>een GitHub account </a:t>
-            </a:r>
-            <a:r>
-              <a:rPr lang="nl-NL" dirty="0" smtClean="0"/>
-              <a:t>nodig. </a:t>
-            </a:r>
-            <a:r>
-              <a:rPr lang="nl-NL" dirty="0"/>
-              <a:t>Begin je vervolgens een (help)pagina te bewerken, dan wordt automatisch een persoonlijke kopie van het project gemaakt</a:t>
-            </a:r>
-            <a:r>
-              <a:rPr lang="nl-NL" dirty="0" smtClean="0"/>
-              <a:t>. Die </a:t>
-            </a:r>
-            <a:r>
-              <a:rPr lang="nl-NL" dirty="0"/>
-              <a:t>kopie komt te staan op</a:t>
-            </a:r>
-            <a:r>
-              <a:rPr lang="nl-NL" dirty="0" smtClean="0"/>
-              <a:t>:</a:t>
-            </a:r>
-          </a:p>
-          <a:p>
-            <a:r>
-              <a:rPr lang="nl-NL" dirty="0" smtClean="0"/>
+              <a:t>Om bij te dragen heb je een GitHub account nodig. Begin je vervolgens een (help)pagina te bewerken, dan wordt automatisch een persoonlijke kopie van het project gemaakt. Die kopie komt te staan op:</a:t>
+            </a:r>
+          </a:p>
+          <a:p>
+            <a:r>
+              <a:rPr lang="nl-NL" dirty="0"/>
               <a:t>	github.com/gebruikersnaam/GroundForge</a:t>
             </a:r>
-            <a:endParaRPr lang="nl-NL" dirty="0"/>
-          </a:p>
-          <a:p>
-            <a:r>
-              <a:rPr lang="nl-NL" dirty="0" smtClean="0"/>
-              <a:t>Om de wijzigingen op te slaan en als voorstel in te dienen kun je </a:t>
-            </a:r>
-            <a:r>
-              <a:rPr lang="nl-NL" dirty="0"/>
-              <a:t>drie </a:t>
-            </a:r>
-            <a:r>
-              <a:rPr lang="nl-NL" dirty="0" smtClean="0"/>
-              <a:t>stappen volgen </a:t>
-            </a:r>
-            <a:r>
-              <a:rPr lang="nl-NL" dirty="0"/>
-              <a:t>met grote groene </a:t>
-            </a:r>
-            <a:r>
-              <a:rPr lang="nl-NL" dirty="0" smtClean="0"/>
-              <a:t>knoppen. </a:t>
-            </a:r>
-            <a:r>
-              <a:rPr lang="nl-NL" dirty="0"/>
-              <a:t>De procedure word uitgelegd via de link “</a:t>
+          </a:p>
+          <a:p>
+            <a:r>
+              <a:rPr lang="nl-NL" dirty="0"/>
+              <a:t>Om de wijzigingen op te slaan en als voorstel in te dienen kun je drie stappen volgen met grote groene knoppen. De procedure word uitgelegd via de link “</a:t>
             </a:r>
             <a:r>
               <a:rPr lang="nl-NL" dirty="0" err="1"/>
@@ -4013,104 +3797,104 @@
             </a:r>
           </a:p>
           <a:p>
-            <a:endParaRPr lang="nl-NL" baseline="0" dirty="0" smtClean="0">
+            <a:endParaRPr lang="nl-NL" baseline="0" dirty="0">
               <a:effectLst/>
             </a:endParaRPr>
           </a:p>
           <a:p>
             <a:r>
-              <a:rPr lang="nl-NL" b="1" i="1" dirty="0" smtClean="0"/>
+              <a:rPr lang="nl-NL" b="1" i="1" dirty="0"/>
               <a:t>D-</a:t>
             </a:r>
             <a:r>
-              <a:rPr lang="nl-NL" b="1" i="1" dirty="0" err="1" smtClean="0"/>
+              <a:rPr lang="nl-NL" b="1" i="1" dirty="0" err="1"/>
               <a:t>BL.github</a:t>
             </a:r>
             <a:r>
-              <a:rPr lang="nl-NL" b="1" i="1" dirty="0" smtClean="0"/>
+              <a:rPr lang="nl-NL" b="1" i="1" dirty="0"/>
               <a:t>:</a:t>
             </a:r>
           </a:p>
           <a:p>
             <a:r>
-              <a:rPr lang="nl-NL" i="0" dirty="0" smtClean="0"/>
+              <a:rPr lang="nl-NL" i="0" dirty="0"/>
               <a:t>D-BL = </a:t>
             </a:r>
             <a:r>
-              <a:rPr lang="nl-NL" i="0" dirty="0" err="1" smtClean="0"/>
+              <a:rPr lang="nl-NL" i="0" dirty="0" err="1"/>
               <a:t>DiBL</a:t>
             </a:r>
             <a:r>
-              <a:rPr lang="nl-NL" i="0" dirty="0" smtClean="0"/>
+              <a:rPr lang="nl-NL" i="0" dirty="0"/>
               <a:t>= </a:t>
             </a:r>
             <a:r>
-              <a:rPr lang="nl-NL" i="0" u="sng" dirty="0" err="1" smtClean="0"/>
+              <a:rPr lang="nl-NL" i="0" u="sng" dirty="0" err="1"/>
               <a:t>Di</a:t>
             </a:r>
             <a:r>
-              <a:rPr lang="nl-NL" i="0" dirty="0" err="1" smtClean="0"/>
+              <a:rPr lang="nl-NL" i="0" dirty="0" err="1"/>
               <a:t>agrams</a:t>
             </a:r>
             <a:r>
-              <a:rPr lang="nl-NL" i="0" dirty="0" smtClean="0"/>
+              <a:rPr lang="nl-NL" i="0" dirty="0"/>
               <a:t> </a:t>
             </a:r>
             <a:r>
-              <a:rPr lang="nl-NL" i="0" dirty="0" err="1" smtClean="0"/>
+              <a:rPr lang="nl-NL" i="0" dirty="0" err="1"/>
               <a:t>for</a:t>
             </a:r>
             <a:r>
-              <a:rPr lang="nl-NL" i="0" dirty="0" smtClean="0"/>
+              <a:rPr lang="nl-NL" i="0" dirty="0"/>
               <a:t> </a:t>
             </a:r>
             <a:r>
-              <a:rPr lang="nl-NL" i="0" u="sng" dirty="0" err="1" smtClean="0"/>
+              <a:rPr lang="nl-NL" i="0" u="sng" dirty="0" err="1"/>
               <a:t>B</a:t>
             </a:r>
             <a:r>
-              <a:rPr lang="nl-NL" i="0" dirty="0" err="1" smtClean="0"/>
+              <a:rPr lang="nl-NL" i="0" dirty="0" err="1"/>
               <a:t>obbin</a:t>
             </a:r>
             <a:r>
-              <a:rPr lang="nl-NL" i="0" dirty="0" smtClean="0"/>
+              <a:rPr lang="nl-NL" i="0" dirty="0"/>
               <a:t> </a:t>
             </a:r>
             <a:r>
-              <a:rPr lang="nl-NL" i="0" u="sng" dirty="0" smtClean="0"/>
+              <a:rPr lang="nl-NL" i="0" u="sng" dirty="0"/>
               <a:t>L</a:t>
             </a:r>
             <a:r>
-              <a:rPr lang="nl-NL" i="0" dirty="0" smtClean="0"/>
+              <a:rPr lang="nl-NL" i="0" dirty="0"/>
               <a:t>ace,</a:t>
             </a:r>
             <a:r>
-              <a:rPr lang="nl-NL" i="0" baseline="0" dirty="0" smtClean="0"/>
+              <a:rPr lang="nl-NL" i="0" baseline="0" dirty="0"/>
               <a:t> </a:t>
             </a:r>
             <a:r>
-              <a:rPr lang="nl-NL" i="0" dirty="0" smtClean="0"/>
+              <a:rPr lang="nl-NL" i="0" dirty="0"/>
               <a:t>de gewenste afkorting was al in gebruik dus van het i-</a:t>
             </a:r>
             <a:r>
-              <a:rPr lang="nl-NL" i="0" dirty="0" err="1" smtClean="0"/>
+              <a:rPr lang="nl-NL" i="0" dirty="0" err="1"/>
               <a:t>tje</a:t>
             </a:r>
             <a:r>
-              <a:rPr lang="nl-NL" i="0" dirty="0" smtClean="0"/>
+              <a:rPr lang="nl-NL" i="0" dirty="0"/>
               <a:t> een streepje gemaakt. </a:t>
             </a:r>
             <a:r>
-              <a:rPr lang="nl-NL" i="0" dirty="0" err="1" smtClean="0"/>
+              <a:rPr lang="nl-NL" i="0" dirty="0" err="1"/>
               <a:t>Github</a:t>
             </a:r>
             <a:r>
-              <a:rPr lang="nl-NL" i="0" dirty="0" smtClean="0"/>
+              <a:rPr lang="nl-NL" i="0" dirty="0"/>
               <a:t> is een provider om software te publiceren, ze doen dat gratis als het om open source gaat.</a:t>
             </a:r>
           </a:p>
           <a:p>
-            <a:endParaRPr lang="nl-NL" dirty="0" smtClean="0">
+            <a:endParaRPr lang="nl-NL" dirty="0">
               <a:effectLst/>
             </a:endParaRPr>
           </a:p>
@@ -4214,36 +3998,30 @@
               <a:defRPr/>
             </a:pPr>
             <a:r>
-              <a:rPr lang="nl-NL" dirty="0" smtClean="0">
+              <a:rPr lang="nl-NL" dirty="0">
                 <a:hlinkClick r:id="rId3"/>
               </a:rPr>
               <a:t>https://d-bl.github.io/GroundForge/help/Site-map</a:t>
             </a:r>
-            <a:endParaRPr lang="nl-NL" dirty="0" smtClean="0"/>
-          </a:p>
-          <a:p>
-            <a:endParaRPr lang="nl-NL" b="1" dirty="0" smtClean="0">
+            <a:endParaRPr lang="nl-NL" dirty="0"/>
+          </a:p>
+          <a:p>
+            <a:endParaRPr lang="nl-NL" b="1" dirty="0">
               <a:effectLst/>
             </a:endParaRPr>
           </a:p>
           <a:p>
             <a:r>
-              <a:rPr lang="nl-NL" b="1" dirty="0" smtClean="0">
+              <a:rPr lang="nl-NL" b="1" dirty="0">
                 <a:effectLst/>
               </a:rPr>
               <a:t>Hoofdpagina</a:t>
             </a:r>
             <a:r>
-              <a:rPr lang="nl-NL" b="1" baseline="0" dirty="0" smtClean="0">
+              <a:rPr lang="nl-NL" b="1" baseline="0" dirty="0">
                 <a:effectLst/>
               </a:rPr>
-              <a:t> </a:t>
-            </a:r>
-            <a:r>
-              <a:rPr lang="nl-NL" b="1" baseline="0" dirty="0" smtClean="0">
-                <a:effectLst/>
-              </a:rPr>
-              <a:t>in het midden</a:t>
+              <a:t> in het midden</a:t>
             </a:r>
           </a:p>
           <a:p>
@@ -4252,7 +4030,7 @@
               <a:buChar char="-"/>
             </a:pPr>
             <a:r>
-              <a:rPr lang="nl-NL" baseline="0" dirty="0" smtClean="0">
+              <a:rPr lang="nl-NL" baseline="0" dirty="0">
                 <a:effectLst/>
               </a:rPr>
               <a:t>Oudste pagina</a:t>
@@ -4264,7 +4042,7 @@
               <a:buChar char="-"/>
             </a:pPr>
             <a:r>
-              <a:rPr lang="nl-NL" baseline="0" dirty="0" smtClean="0">
+              <a:rPr lang="nl-NL" baseline="0" dirty="0">
                 <a:effectLst/>
               </a:rPr>
               <a:t>Meeste mogelijkheden (draaddiagrammen hergebruiken als paardiagrammen, meer kleuren voor draden)</a:t>
@@ -4276,21 +4054,18 @@
               <a:buChar char="-"/>
             </a:pPr>
             <a:r>
-              <a:rPr lang="nl-NL" baseline="0" dirty="0" smtClean="0">
+              <a:rPr lang="nl-NL" baseline="0" dirty="0">
                 <a:effectLst/>
               </a:rPr>
               <a:t>Ook het lastigst in het gebruik</a:t>
             </a:r>
-            <a:endParaRPr lang="nl-NL" baseline="0" dirty="0" smtClean="0">
-              <a:effectLst/>
-            </a:endParaRPr>
           </a:p>
           <a:p>
             <a:pPr marL="0" indent="0">
               <a:buFontTx/>
               <a:buNone/>
             </a:pPr>
-            <a:endParaRPr lang="nl-NL" baseline="0" dirty="0" smtClean="0">
+            <a:endParaRPr lang="nl-NL" baseline="0" dirty="0">
               <a:effectLst/>
             </a:endParaRPr>
           </a:p>
@@ -4300,16 +4075,10 @@
               <a:buNone/>
             </a:pPr>
             <a:r>
-              <a:rPr lang="nl-NL" b="1" baseline="0" dirty="0" smtClean="0">
+              <a:rPr lang="nl-NL" b="1" baseline="0" dirty="0">
                 <a:effectLst/>
               </a:rPr>
-              <a:t>Pagina </a:t>
-            </a:r>
-            <a:r>
-              <a:rPr lang="nl-NL" b="1" baseline="0" dirty="0" smtClean="0">
-                <a:effectLst/>
-              </a:rPr>
-              <a:t>links midden</a:t>
+              <a:t>Pagina links midden</a:t>
             </a:r>
           </a:p>
           <a:p>
@@ -4318,7 +4087,7 @@
               <a:buChar char="-"/>
             </a:pPr>
             <a:r>
-              <a:rPr lang="nl-NL" baseline="0" dirty="0" smtClean="0">
+              <a:rPr lang="nl-NL" baseline="0" dirty="0">
                 <a:effectLst/>
               </a:rPr>
               <a:t>Eenvoudiger om slagen te kiezen of draden te accentueren</a:t>
@@ -4330,16 +4099,10 @@
               <a:buChar char="-"/>
             </a:pPr>
             <a:r>
-              <a:rPr lang="nl-NL" baseline="0" dirty="0" smtClean="0">
+              <a:rPr lang="nl-NL" baseline="0" dirty="0">
                 <a:effectLst/>
               </a:rPr>
-              <a:t>Nog niet </a:t>
-            </a:r>
-            <a:r>
-              <a:rPr lang="nl-NL" baseline="0" dirty="0" smtClean="0">
-                <a:effectLst/>
-              </a:rPr>
-              <a:t>helemaal af</a:t>
+              <a:t>Nog niet helemaal af</a:t>
             </a:r>
           </a:p>
           <a:p>
@@ -4348,7 +4111,7 @@
               <a:buChar char="-"/>
             </a:pPr>
             <a:r>
-              <a:rPr lang="nl-NL" baseline="0" dirty="0" smtClean="0">
+              <a:rPr lang="nl-NL" baseline="0" dirty="0">
                 <a:effectLst/>
               </a:rPr>
               <a:t>Randslagen ontbreken</a:t>
@@ -4360,7 +4123,7 @@
               <a:buChar char="-"/>
             </a:pPr>
             <a:r>
-              <a:rPr lang="nl-NL" baseline="0" dirty="0" smtClean="0">
+              <a:rPr lang="nl-NL" baseline="0" dirty="0">
                 <a:effectLst/>
               </a:rPr>
               <a:t>Help pagina beperkt tot diagrammen sectie</a:t>
@@ -4372,29 +4135,26 @@
               <a:buChar char="-"/>
             </a:pPr>
             <a:r>
-              <a:rPr lang="nl-NL" dirty="0" smtClean="0"/>
+              <a:rPr lang="nl-NL" dirty="0"/>
               <a:t>Draaddiagrammen werken soms maar voor beperkte “patch </a:t>
             </a:r>
             <a:r>
-              <a:rPr lang="nl-NL" dirty="0" err="1" smtClean="0"/>
+              <a:rPr lang="nl-NL" dirty="0" err="1"/>
               <a:t>sizes</a:t>
             </a:r>
             <a:r>
-              <a:rPr lang="nl-NL" dirty="0" smtClean="0"/>
+              <a:rPr lang="nl-NL" dirty="0"/>
               <a:t>”</a:t>
             </a:r>
             <a:br>
-              <a:rPr lang="nl-NL" dirty="0" smtClean="0"/>
+              <a:rPr lang="nl-NL" dirty="0"/>
             </a:br>
             <a:r>
-              <a:rPr lang="nl-NL" baseline="0" dirty="0" smtClean="0">
+              <a:rPr lang="nl-NL" baseline="0" dirty="0">
                 <a:effectLst/>
               </a:rPr>
               <a:t>(= is aantal rijen en kolommen van slagen)</a:t>
             </a:r>
-            <a:endParaRPr lang="nl-NL" baseline="0" dirty="0" smtClean="0">
-              <a:effectLst/>
-            </a:endParaRPr>
           </a:p>
           <a:p>
             <a:pPr marL="171450" indent="-171450">
@@ -4402,12 +4162,12 @@
               <a:buChar char="-"/>
             </a:pPr>
             <a:r>
-              <a:rPr lang="nl-NL" baseline="0" dirty="0" smtClean="0">
+              <a:rPr lang="nl-NL" baseline="0" dirty="0">
                 <a:effectLst/>
               </a:rPr>
               <a:t>niet verder besproken in deze presentatie</a:t>
             </a:r>
-            <a:endParaRPr lang="nl-NL" dirty="0" smtClean="0">
+            <a:endParaRPr lang="nl-NL" dirty="0">
               <a:effectLst/>
             </a:endParaRPr>
           </a:p>
@@ -4494,18 +4254,18 @@
           <a:lstStyle/>
           <a:p>
             <a:r>
-              <a:rPr lang="nl-NL" dirty="0" smtClean="0">
+              <a:rPr lang="nl-NL" dirty="0">
                 <a:effectLst/>
               </a:rPr>
               <a:t>Met het parameterformulier wordt aan de computer verteld hoe het patroon in</a:t>
             </a:r>
             <a:r>
-              <a:rPr lang="nl-NL" baseline="0" dirty="0" smtClean="0">
+              <a:rPr lang="nl-NL" baseline="0" dirty="0">
                 <a:effectLst/>
               </a:rPr>
               <a:t> elkaar zit.</a:t>
             </a:r>
-            <a:endParaRPr lang="nl-NL" dirty="0" smtClean="0">
+            <a:endParaRPr lang="nl-NL" dirty="0">
               <a:effectLst/>
             </a:endParaRPr>
           </a:p>
@@ -4515,22 +4275,10 @@
               <a:buChar char="•"/>
             </a:pPr>
             <a:r>
-              <a:rPr lang="nl-NL" dirty="0" smtClean="0">
+              <a:rPr lang="nl-NL" dirty="0">
                 <a:effectLst/>
               </a:rPr>
-              <a:t>Het blauwe i-tje gaat naar de </a:t>
-            </a:r>
-            <a:r>
-              <a:rPr lang="nl-NL" dirty="0" smtClean="0">
-                <a:effectLst/>
-              </a:rPr>
-              <a:t>help-pagina’s, </a:t>
-            </a:r>
-            <a:r>
-              <a:rPr lang="nl-NL" dirty="0" smtClean="0">
-                <a:effectLst/>
-              </a:rPr>
-              <a:t>daarop ook een contact link voor vragen.</a:t>
+              <a:t>Het blauwe i-tje gaat naar de help-pagina’s, daarop ook een contact link voor vragen.</a:t>
             </a:r>
           </a:p>
           <a:p>
@@ -4539,7 +4287,7 @@
               <a:buChar char="•"/>
             </a:pPr>
             <a:r>
-              <a:rPr lang="nl-NL" dirty="0" smtClean="0">
+              <a:rPr lang="nl-NL" dirty="0">
                 <a:effectLst/>
               </a:rPr>
               <a:t>Het zand scheppende mannetje betekent dat het onderdeel soms werkt en soms niet.</a:t>
@@ -4551,7 +4299,7 @@
               <a:buChar char="•"/>
             </a:pPr>
             <a:r>
-              <a:rPr lang="nl-NL" dirty="0" smtClean="0">
+              <a:rPr lang="nl-NL" dirty="0">
                 <a:effectLst/>
               </a:rPr>
               <a:t>Bij een professor petje is de handleiding noodzakelijk, al is het maar voor een spiekbriefje.</a:t>
@@ -4559,73 +4307,55 @@
           </a:p>
           <a:p>
             <a:r>
-              <a:rPr lang="nl-NL" dirty="0" smtClean="0"/>
+              <a:rPr lang="nl-NL" dirty="0"/>
               <a:t>Zelf invullen, of laten invullen door</a:t>
             </a:r>
             <a:r>
-              <a:rPr lang="nl-NL" baseline="0" dirty="0" smtClean="0"/>
+              <a:rPr lang="nl-NL" baseline="0" dirty="0"/>
               <a:t> </a:t>
             </a:r>
             <a:r>
-              <a:rPr lang="nl-NL" dirty="0" smtClean="0"/>
-              <a:t>voorbeelden </a:t>
-            </a:r>
-            <a:r>
-              <a:rPr lang="nl-NL" dirty="0" smtClean="0"/>
-              <a:t>(</a:t>
-            </a:r>
-            <a:r>
-              <a:rPr lang="nl-NL" strike="sngStrike" dirty="0" err="1" smtClean="0"/>
+              <a:rPr lang="nl-NL" dirty="0"/>
+              <a:t>voorbeelden (</a:t>
+            </a:r>
+            <a:r>
+              <a:rPr lang="nl-NL" strike="sngStrike" dirty="0" err="1"/>
               <a:t>examples</a:t>
             </a:r>
             <a:r>
-              <a:rPr lang="nl-NL" dirty="0" smtClean="0"/>
-              <a:t> catalogi) </a:t>
-            </a:r>
-            <a:r>
-              <a:rPr lang="nl-NL" dirty="0" smtClean="0"/>
-              <a:t>onder “get started”.</a:t>
-            </a:r>
-          </a:p>
-          <a:p>
-            <a:r>
-              <a:rPr lang="nl-NL" dirty="0" smtClean="0"/>
+              <a:rPr lang="nl-NL" dirty="0"/>
+              <a:t> catalogi) onder “get started”.</a:t>
+            </a:r>
+          </a:p>
+          <a:p>
+            <a:r>
+              <a:rPr lang="nl-NL" dirty="0"/>
               <a:t>Patroontje uitgezocht? </a:t>
             </a:r>
             <a:r>
-              <a:rPr lang="nl-NL" dirty="0" smtClean="0">
+              <a:rPr lang="nl-NL" dirty="0">
                 <a:sym typeface="Wingdings" panose="05000000000000000000" pitchFamily="2" charset="2"/>
               </a:rPr>
-              <a:t> klik op show</a:t>
-            </a:r>
-          </a:p>
-          <a:p>
-            <a:endParaRPr lang="nl-NL" dirty="0" smtClean="0">
+              <a:t> klik op het toverstokje</a:t>
+            </a:r>
+          </a:p>
+          <a:p>
+            <a:endParaRPr lang="nl-NL" dirty="0">
               <a:sym typeface="Wingdings" panose="05000000000000000000" pitchFamily="2" charset="2"/>
             </a:endParaRPr>
           </a:p>
           <a:p>
             <a:r>
-              <a:rPr lang="nl-NL" i="1" dirty="0" smtClean="0"/>
-              <a:t>Automatische vertalers </a:t>
-            </a:r>
-            <a:r>
               <a:rPr lang="nl-NL" i="1" dirty="0"/>
-              <a:t>met allemaal hun eigen koeterwaals en reclamezooi:</a:t>
-            </a:r>
-          </a:p>
-          <a:p>
-            <a:r>
-              <a:rPr lang="nl-NL" dirty="0" smtClean="0">
-                <a:hlinkClick r:id="rId3"/>
-              </a:rPr>
-              <a:t>https</a:t>
-            </a:r>
+              <a:t>Automatische vertalers met allemaal hun eigen koeterwaals en reclamezooi:</a:t>
+            </a:r>
+          </a:p>
+          <a:p>
             <a:r>
               <a:rPr lang="nl-NL" dirty="0">
                 <a:hlinkClick r:id="rId3"/>
               </a:rPr>
-              <a:t>://translate.google.com/#en/nl</a:t>
+              <a:t>https://translate.google.com/#en/nl</a:t>
             </a:r>
             <a:endParaRPr lang="nl-NL" dirty="0"/>
           </a:p>
@@ -4678,12 +4408,12 @@
             <a:endParaRPr lang="nl-NL" i="1" dirty="0"/>
           </a:p>
           <a:p>
-            <a:endParaRPr lang="nl-NL" baseline="0" dirty="0" smtClean="0">
+            <a:endParaRPr lang="nl-NL" baseline="0" dirty="0">
               <a:effectLst/>
             </a:endParaRPr>
           </a:p>
           <a:p>
-            <a:endParaRPr lang="nl-NL" dirty="0" smtClean="0">
+            <a:endParaRPr lang="nl-NL" dirty="0">
               <a:effectLst/>
             </a:endParaRPr>
           </a:p>
@@ -4787,20 +4517,20 @@
               <a:defRPr/>
             </a:pPr>
             <a:r>
-              <a:rPr lang="nl-NL" baseline="0" dirty="0" smtClean="0"/>
+              <a:rPr lang="nl-NL" baseline="0" dirty="0"/>
               <a:t>Rechtsboven een parentekening volgens het boekje. </a:t>
             </a:r>
             <a:r>
-              <a:rPr lang="nl-NL" dirty="0" smtClean="0"/>
+              <a:rPr lang="nl-NL" dirty="0"/>
               <a:t>Links onder </a:t>
             </a:r>
             <a:r>
-              <a:rPr lang="nl-NL" baseline="0" dirty="0" smtClean="0"/>
+              <a:rPr lang="nl-NL" baseline="0" dirty="0"/>
               <a:t>gegenereerd door de GroundForge. De laatste trekt de gaten rond.</a:t>
             </a:r>
           </a:p>
           <a:p>
-            <a:endParaRPr lang="nl-NL" baseline="0" dirty="0" smtClean="0">
+            <a:endParaRPr lang="nl-NL" baseline="0" dirty="0">
               <a:effectLst/>
             </a:endParaRPr>
           </a:p>
@@ -4810,56 +4540,44 @@
               <a:t>GroundForge </a:t>
             </a:r>
             <a:r>
-              <a:rPr lang="nl-NL" baseline="0" dirty="0" smtClean="0">
+              <a:rPr lang="nl-NL" baseline="0" dirty="0">
                 <a:effectLst/>
               </a:rPr>
               <a:t>zet hooguit één markering bij meerdere draaien.</a:t>
             </a:r>
             <a:r>
-              <a:rPr lang="nl-NL" dirty="0" smtClean="0">
+              <a:rPr lang="nl-NL" dirty="0">
                 <a:effectLst/>
               </a:rPr>
               <a:t> </a:t>
             </a:r>
             <a:r>
-              <a:rPr lang="nl-NL" baseline="0" dirty="0" smtClean="0">
+              <a:rPr lang="nl-NL" baseline="0" dirty="0">
                 <a:effectLst/>
               </a:rPr>
               <a:t>Onafhankelijk van de kleur van de slag. </a:t>
             </a:r>
             <a:r>
-              <a:rPr lang="nl-NL" dirty="0" smtClean="0"/>
+              <a:rPr lang="nl-NL" dirty="0"/>
               <a:t>Bij gesloten methode alleen als beide paren meerdere draaien hebben (lastige bug) Aan de kleurcode wordt nog gewerkt.</a:t>
             </a:r>
-            <a:endParaRPr lang="nl-NL" baseline="0" dirty="0" smtClean="0">
+            <a:endParaRPr lang="nl-NL" baseline="0" dirty="0">
               <a:effectLst/>
             </a:endParaRPr>
           </a:p>
           <a:p>
-            <a:endParaRPr lang="nl-NL" baseline="0" dirty="0" smtClean="0">
+            <a:endParaRPr lang="nl-NL" baseline="0" dirty="0">
               <a:effectLst/>
             </a:endParaRPr>
           </a:p>
           <a:p>
             <a:r>
-              <a:rPr lang="nl-NL" baseline="0" dirty="0" smtClean="0"/>
+              <a:rPr lang="nl-NL" baseline="0" dirty="0"/>
               <a:t>De slag die door de muis wordt aangewezen is: linnenslag, keren om de speld linnenslag. A</a:t>
             </a:r>
             <a:r>
-              <a:rPr lang="nl-NL" dirty="0" smtClean="0"/>
-              <a:t>lles </a:t>
-            </a:r>
-            <a:r>
-              <a:rPr lang="nl-NL" dirty="0"/>
-              <a:t>waarvoor je twee paar oppakt, totdat je minstens een van beide weer neerlegt</a:t>
-            </a:r>
-            <a:r>
-              <a:rPr lang="nl-NL" dirty="0" smtClean="0"/>
-              <a:t>, wordt </a:t>
-            </a:r>
-            <a:r>
-              <a:rPr lang="nl-NL" dirty="0"/>
-              <a:t>door GroundForge beschouwd een enkele slag.</a:t>
+              <a:rPr lang="nl-NL" dirty="0"/>
+              <a:t>lles waarvoor je twee paar oppakt, totdat je minstens een van beide weer neerlegt, wordt door GroundForge beschouwd een enkele slag.</a:t>
             </a:r>
           </a:p>
           <a:p>
@@ -4867,14 +4585,13 @@
           </a:p>
           <a:p>
             <a:r>
-              <a:rPr lang="nl-NL" b="1" dirty="0" smtClean="0"/>
+              <a:rPr lang="nl-NL" b="1" dirty="0"/>
               <a:t>Stitches</a:t>
             </a:r>
             <a:r>
-              <a:rPr lang="nl-NL" dirty="0" smtClean="0"/>
+              <a:rPr lang="nl-NL" dirty="0"/>
               <a:t>: invulveld dat de slagen beschrijft</a:t>
             </a:r>
-            <a:endParaRPr lang="nl-NL" dirty="0"/>
           </a:p>
           <a:p>
             <a:r>
@@ -4898,41 +4615,37 @@
             <a:pPr>
               <a:defRPr/>
             </a:pPr>
-            <a:endParaRPr lang="nl-NL" dirty="0" smtClean="0"/>
+            <a:endParaRPr lang="nl-NL" dirty="0"/>
           </a:p>
           <a:p>
             <a:pPr>
               <a:defRPr/>
             </a:pPr>
             <a:r>
-              <a:rPr lang="nl-NL" dirty="0" smtClean="0"/>
-              <a:t>Per </a:t>
-            </a:r>
-            <a:r>
-              <a:rPr lang="nl-NL" dirty="0"/>
-              <a:t>ID een slag kiezen. De eerste slag (linnenslag, ctc) is de default voor alle slagen die niet expliciet gekozen zijn.</a:t>
-            </a:r>
-          </a:p>
-          <a:p>
-            <a:endParaRPr lang="nl-NL" baseline="0" dirty="0" smtClean="0"/>
-          </a:p>
-          <a:p>
-            <a:r>
-              <a:rPr lang="nl-NL" b="1" baseline="0" dirty="0" smtClean="0"/>
+              <a:rPr lang="nl-NL" dirty="0"/>
+              <a:t>Per ID een slag kiezen. De eerste slag (linnenslag, ctc) is de default voor alle slagen die niet expliciet gekozen zijn.</a:t>
+            </a:r>
+          </a:p>
+          <a:p>
+            <a:endParaRPr lang="nl-NL" baseline="0" dirty="0"/>
+          </a:p>
+          <a:p>
+            <a:r>
+              <a:rPr lang="nl-NL" b="1" baseline="0" dirty="0"/>
               <a:t>Bruggetje</a:t>
             </a:r>
           </a:p>
           <a:p>
             <a:r>
-              <a:rPr lang="nl-NL" baseline="0" dirty="0" smtClean="0"/>
+              <a:rPr lang="nl-NL" baseline="0" dirty="0"/>
               <a:t>Volg de link naar de handleiding,</a:t>
             </a:r>
             <a:r>
-              <a:rPr lang="nl-NL" dirty="0" smtClean="0"/>
+              <a:rPr lang="nl-NL" dirty="0"/>
               <a:t> </a:t>
             </a:r>
             <a:r>
-              <a:rPr lang="nl-NL" baseline="0" dirty="0" smtClean="0"/>
+              <a:rPr lang="nl-NL" baseline="0" dirty="0"/>
               <a:t>dan vind je zowel uitleg als een hulpformulier</a:t>
             </a:r>
           </a:p>
@@ -5050,7 +4763,7 @@
               <a:tabLst/>
               <a:defRPr/>
             </a:pPr>
-            <a:endParaRPr lang="nl-NL" baseline="0" dirty="0" smtClean="0">
+            <a:endParaRPr lang="nl-NL" baseline="0" dirty="0">
               <a:effectLst/>
             </a:endParaRPr>
           </a:p>
@@ -5073,38 +4786,32 @@
               <a:defRPr/>
             </a:pPr>
             <a:r>
-              <a:rPr lang="nl-NL" baseline="0" dirty="0" smtClean="0">
+              <a:rPr lang="nl-NL" baseline="0" dirty="0">
                 <a:effectLst/>
               </a:rPr>
-              <a:t>Het </a:t>
-            </a:r>
-            <a:r>
-              <a:rPr lang="nl-NL" baseline="0" dirty="0" smtClean="0">
-                <a:effectLst/>
-              </a:rPr>
-              <a:t>gekozen patroon bepaalt hoe de rest van het formulier er uit ziet:</a:t>
-            </a:r>
-          </a:p>
-          <a:p>
-            <a:r>
-              <a:rPr lang="nl-NL" dirty="0" smtClean="0"/>
+              <a:t>Het gekozen patroon bepaalt hoe de rest van het formulier er uit ziet:</a:t>
+            </a:r>
+          </a:p>
+          <a:p>
+            <a:r>
+              <a:rPr lang="nl-NL" dirty="0"/>
               <a:t>Linker voorbeeld: bekende om-en-om zonder spelden</a:t>
             </a:r>
           </a:p>
           <a:p>
             <a:r>
-              <a:rPr lang="nl-NL" dirty="0" smtClean="0"/>
+              <a:rPr lang="nl-NL" dirty="0"/>
               <a:t>Rechter voorbeeld: komt verderop op een verrassende manier terug</a:t>
             </a:r>
           </a:p>
           <a:p>
-            <a:endParaRPr lang="nl-NL" baseline="0" dirty="0" smtClean="0">
+            <a:endParaRPr lang="nl-NL" baseline="0" dirty="0">
               <a:effectLst/>
             </a:endParaRPr>
           </a:p>
           <a:p>
             <a:r>
-              <a:rPr lang="nl-NL" baseline="0" dirty="0" smtClean="0">
+              <a:rPr lang="nl-NL" baseline="0" dirty="0">
                 <a:effectLst/>
               </a:rPr>
               <a:t>De gekozen slagen worden ingevuld in het “stitches” (slagen) veld op de vorige dia.</a:t>
@@ -5112,7 +4819,7 @@
           </a:p>
           <a:p>
             <a:r>
-              <a:rPr lang="nl-NL" baseline="0" dirty="0" smtClean="0">
+              <a:rPr lang="nl-NL" baseline="0" dirty="0">
                 <a:effectLst/>
               </a:rPr>
               <a:t>Let op: het hele patroon wordt opnieuw ingevuld, dit formulier dus niet gebruiken om te variëren op de aangeboden voorbeelden.</a:t>
@@ -5123,7 +4830,7 @@
           </a:p>
           <a:p>
             <a:r>
-              <a:rPr lang="nl-NL" baseline="0" dirty="0" smtClean="0">
+              <a:rPr lang="nl-NL" baseline="0" dirty="0">
                 <a:effectLst/>
               </a:rPr>
               <a:t>Een spiekbriefje laat de code en afbeelding zien van minder triviale (= ct, ctc, ctct) slagen. Die kun je zo kopiëren en plakken.</a:t>
@@ -5210,10 +4917,9 @@
           <a:lstStyle/>
           <a:p>
             <a:r>
-              <a:rPr lang="nl-NL" smtClean="0"/>
+              <a:rPr lang="nl-NL"/>
               <a:t>Klik om de stijl te bewerken</a:t>
             </a:r>
-            <a:endParaRPr lang="nl-NL"/>
           </a:p>
         </p:txBody>
       </p:sp>
@@ -5329,10 +5035,9 @@
           </a:lstStyle>
           <a:p>
             <a:r>
-              <a:rPr lang="nl-NL" smtClean="0"/>
+              <a:rPr lang="nl-NL"/>
               <a:t>Klik om de ondertitelstijl van het model te bewerken</a:t>
             </a:r>
-            <a:endParaRPr lang="nl-NL"/>
           </a:p>
         </p:txBody>
       </p:sp>
@@ -5353,7 +5058,7 @@
           <a:p>
             <a:fld id="{E342A075-9761-4F6D-8E62-693B12E2A93F}" type="datetime1">
               <a:rPr lang="nl-NL" smtClean="0"/>
-              <a:t>19-8-2018</a:t>
+              <a:t>14-4-2019</a:t>
             </a:fld>
             <a:endParaRPr lang="nl-NL" dirty="0"/>
           </a:p>
@@ -5411,13 +5116,6 @@
   <p:clrMapOvr>
     <a:masterClrMapping/>
   </p:clrMapOvr>
-  <p:timing>
-    <p:tnLst>
-      <p:par>
-        <p:cTn id="1" dur="indefinite" restart="never" nodeType="tmRoot"/>
-      </p:par>
-    </p:tnLst>
-  </p:timing>
 </p:sldLayout>
 </file>
 
@@ -5454,10 +5152,9 @@
           <a:lstStyle/>
           <a:p>
             <a:r>
-              <a:rPr lang="nl-NL" smtClean="0"/>
+              <a:rPr lang="nl-NL"/>
               <a:t>Klik om de stijl te bewerken</a:t>
             </a:r>
-            <a:endParaRPr lang="nl-NL"/>
           </a:p>
         </p:txBody>
       </p:sp>
@@ -5478,38 +5175,37 @@
           <a:p>
             <a:pPr lvl="0"/>
             <a:r>
-              <a:rPr lang="nl-NL" smtClean="0"/>
+              <a:rPr lang="nl-NL"/>
               <a:t>Klik om de modelstijlen te bewerken</a:t>
             </a:r>
           </a:p>
           <a:p>
             <a:pPr lvl="1"/>
             <a:r>
-              <a:rPr lang="nl-NL" smtClean="0"/>
+              <a:rPr lang="nl-NL"/>
               <a:t>Tweede niveau</a:t>
             </a:r>
           </a:p>
           <a:p>
             <a:pPr lvl="2"/>
             <a:r>
-              <a:rPr lang="nl-NL" smtClean="0"/>
+              <a:rPr lang="nl-NL"/>
               <a:t>Derde niveau</a:t>
             </a:r>
           </a:p>
           <a:p>
             <a:pPr lvl="3"/>
             <a:r>
-              <a:rPr lang="nl-NL" smtClean="0"/>
+              <a:rPr lang="nl-NL"/>
               <a:t>Vierde niveau</a:t>
             </a:r>
           </a:p>
           <a:p>
             <a:pPr lvl="4"/>
             <a:r>
-              <a:rPr lang="nl-NL" smtClean="0"/>
+              <a:rPr lang="nl-NL"/>
               <a:t>Vijfde niveau</a:t>
             </a:r>
-            <a:endParaRPr lang="nl-NL"/>
           </a:p>
         </p:txBody>
       </p:sp>
@@ -5530,7 +5226,7 @@
           <a:p>
             <a:fld id="{95274BD6-6047-4BE7-A11A-799C5C07C1B9}" type="datetime1">
               <a:rPr lang="nl-NL" smtClean="0"/>
-              <a:t>19-8-2018</a:t>
+              <a:t>14-4-2019</a:t>
             </a:fld>
             <a:endParaRPr lang="nl-NL" dirty="0"/>
           </a:p>
@@ -5629,10 +5325,9 @@
           <a:lstStyle/>
           <a:p>
             <a:r>
-              <a:rPr lang="nl-NL" smtClean="0"/>
+              <a:rPr lang="nl-NL"/>
               <a:t>Klik om de stijl te bewerken</a:t>
             </a:r>
-            <a:endParaRPr lang="nl-NL"/>
           </a:p>
         </p:txBody>
       </p:sp>
@@ -5658,38 +5353,37 @@
           <a:p>
             <a:pPr lvl="0"/>
             <a:r>
-              <a:rPr lang="nl-NL" smtClean="0"/>
+              <a:rPr lang="nl-NL"/>
               <a:t>Klik om de modelstijlen te bewerken</a:t>
             </a:r>
           </a:p>
           <a:p>
             <a:pPr lvl="1"/>
             <a:r>
-              <a:rPr lang="nl-NL" smtClean="0"/>
+              <a:rPr lang="nl-NL"/>
               <a:t>Tweede niveau</a:t>
             </a:r>
           </a:p>
           <a:p>
             <a:pPr lvl="2"/>
             <a:r>
-              <a:rPr lang="nl-NL" smtClean="0"/>
+              <a:rPr lang="nl-NL"/>
               <a:t>Derde niveau</a:t>
             </a:r>
           </a:p>
           <a:p>
             <a:pPr lvl="3"/>
             <a:r>
-              <a:rPr lang="nl-NL" smtClean="0"/>
+              <a:rPr lang="nl-NL"/>
               <a:t>Vierde niveau</a:t>
             </a:r>
           </a:p>
           <a:p>
             <a:pPr lvl="4"/>
             <a:r>
-              <a:rPr lang="nl-NL" smtClean="0"/>
+              <a:rPr lang="nl-NL"/>
               <a:t>Vijfde niveau</a:t>
             </a:r>
-            <a:endParaRPr lang="nl-NL"/>
           </a:p>
         </p:txBody>
       </p:sp>
@@ -5710,7 +5404,7 @@
           <a:p>
             <a:fld id="{6C2C6073-FF99-4CA4-ADF2-53D139284B0F}" type="datetime1">
               <a:rPr lang="nl-NL" smtClean="0"/>
-              <a:t>19-8-2018</a:t>
+              <a:t>14-4-2019</a:t>
             </a:fld>
             <a:endParaRPr lang="nl-NL" dirty="0"/>
           </a:p>
@@ -5804,10 +5498,9 @@
           <a:lstStyle/>
           <a:p>
             <a:r>
-              <a:rPr lang="nl-NL" dirty="0" smtClean="0"/>
+              <a:rPr lang="nl-NL" dirty="0"/>
               <a:t>Klik om de stijl te bewerken</a:t>
             </a:r>
-            <a:endParaRPr lang="nl-NL" dirty="0"/>
           </a:p>
         </p:txBody>
       </p:sp>
@@ -5828,38 +5521,37 @@
           <a:p>
             <a:pPr lvl="0"/>
             <a:r>
-              <a:rPr lang="nl-NL" dirty="0" smtClean="0"/>
+              <a:rPr lang="nl-NL" dirty="0"/>
               <a:t>Klik om de modelstijlen te bewerken</a:t>
             </a:r>
           </a:p>
           <a:p>
             <a:pPr lvl="1"/>
             <a:r>
-              <a:rPr lang="nl-NL" dirty="0" smtClean="0"/>
+              <a:rPr lang="nl-NL" dirty="0"/>
               <a:t>Tweede niveau</a:t>
             </a:r>
           </a:p>
           <a:p>
             <a:pPr lvl="2"/>
             <a:r>
-              <a:rPr lang="nl-NL" dirty="0" smtClean="0"/>
+              <a:rPr lang="nl-NL" dirty="0"/>
               <a:t>Derde niveau</a:t>
             </a:r>
           </a:p>
           <a:p>
             <a:pPr lvl="3"/>
             <a:r>
-              <a:rPr lang="nl-NL" dirty="0" smtClean="0"/>
+              <a:rPr lang="nl-NL" dirty="0"/>
               <a:t>Vierde niveau</a:t>
             </a:r>
           </a:p>
           <a:p>
             <a:pPr lvl="4"/>
             <a:r>
-              <a:rPr lang="nl-NL" dirty="0" smtClean="0"/>
+              <a:rPr lang="nl-NL" dirty="0"/>
               <a:t>Vijfde niveau</a:t>
             </a:r>
-            <a:endParaRPr lang="nl-NL" dirty="0"/>
           </a:p>
         </p:txBody>
       </p:sp>
@@ -5880,7 +5572,7 @@
           <a:p>
             <a:fld id="{BB83D81E-96EF-4290-8170-748ADAD06D81}" type="datetime1">
               <a:rPr lang="nl-NL" smtClean="0"/>
-              <a:t>19-8-2018</a:t>
+              <a:t>14-4-2019</a:t>
             </a:fld>
             <a:endParaRPr lang="nl-NL" dirty="0"/>
           </a:p>
@@ -5938,13 +5630,6 @@
   <p:clrMapOvr>
     <a:masterClrMapping/>
   </p:clrMapOvr>
-  <p:timing>
-    <p:tnLst>
-      <p:par>
-        <p:cTn id="1" dur="indefinite" restart="never" nodeType="tmRoot"/>
-      </p:par>
-    </p:tnLst>
-  </p:timing>
 </p:sldLayout>
 </file>
 
@@ -5990,10 +5675,9 @@
           </a:lstStyle>
           <a:p>
             <a:r>
-              <a:rPr lang="nl-NL" smtClean="0"/>
+              <a:rPr lang="nl-NL"/>
               <a:t>Klik om de stijl te bewerken</a:t>
             </a:r>
-            <a:endParaRPr lang="nl-NL"/>
           </a:p>
         </p:txBody>
       </p:sp>
@@ -6110,7 +5794,7 @@
           <a:p>
             <a:pPr lvl="0"/>
             <a:r>
-              <a:rPr lang="nl-NL" smtClean="0"/>
+              <a:rPr lang="nl-NL"/>
               <a:t>Klik om de modelstijlen te bewerken</a:t>
             </a:r>
           </a:p>
@@ -6133,7 +5817,7 @@
           <a:p>
             <a:fld id="{C0420608-9111-4307-BDC9-D2BB0906472C}" type="datetime1">
               <a:rPr lang="nl-NL" smtClean="0"/>
-              <a:t>19-8-2018</a:t>
+              <a:t>14-4-2019</a:t>
             </a:fld>
             <a:endParaRPr lang="nl-NL" dirty="0"/>
           </a:p>
@@ -6227,10 +5911,9 @@
           <a:lstStyle/>
           <a:p>
             <a:r>
-              <a:rPr lang="nl-NL" smtClean="0"/>
+              <a:rPr lang="nl-NL"/>
               <a:t>Klik om de stijl te bewerken</a:t>
             </a:r>
-            <a:endParaRPr lang="nl-NL"/>
           </a:p>
         </p:txBody>
       </p:sp>
@@ -6284,38 +5967,37 @@
           <a:p>
             <a:pPr lvl="0"/>
             <a:r>
-              <a:rPr lang="nl-NL" smtClean="0"/>
+              <a:rPr lang="nl-NL"/>
               <a:t>Klik om de modelstijlen te bewerken</a:t>
             </a:r>
           </a:p>
           <a:p>
             <a:pPr lvl="1"/>
             <a:r>
-              <a:rPr lang="nl-NL" smtClean="0"/>
+              <a:rPr lang="nl-NL"/>
               <a:t>Tweede niveau</a:t>
             </a:r>
           </a:p>
           <a:p>
             <a:pPr lvl="2"/>
             <a:r>
-              <a:rPr lang="nl-NL" smtClean="0"/>
+              <a:rPr lang="nl-NL"/>
               <a:t>Derde niveau</a:t>
             </a:r>
           </a:p>
           <a:p>
             <a:pPr lvl="3"/>
             <a:r>
-              <a:rPr lang="nl-NL" smtClean="0"/>
+              <a:rPr lang="nl-NL"/>
               <a:t>Vierde niveau</a:t>
             </a:r>
           </a:p>
           <a:p>
             <a:pPr lvl="4"/>
             <a:r>
-              <a:rPr lang="nl-NL" smtClean="0"/>
+              <a:rPr lang="nl-NL"/>
               <a:t>Vijfde niveau</a:t>
             </a:r>
-            <a:endParaRPr lang="nl-NL"/>
           </a:p>
         </p:txBody>
       </p:sp>
@@ -6369,38 +6051,37 @@
           <a:p>
             <a:pPr lvl="0"/>
             <a:r>
-              <a:rPr lang="nl-NL" smtClean="0"/>
+              <a:rPr lang="nl-NL"/>
               <a:t>Klik om de modelstijlen te bewerken</a:t>
             </a:r>
           </a:p>
           <a:p>
             <a:pPr lvl="1"/>
             <a:r>
-              <a:rPr lang="nl-NL" smtClean="0"/>
+              <a:rPr lang="nl-NL"/>
               <a:t>Tweede niveau</a:t>
             </a:r>
           </a:p>
           <a:p>
             <a:pPr lvl="2"/>
             <a:r>
-              <a:rPr lang="nl-NL" smtClean="0"/>
+              <a:rPr lang="nl-NL"/>
               <a:t>Derde niveau</a:t>
             </a:r>
           </a:p>
           <a:p>
             <a:pPr lvl="3"/>
             <a:r>
-              <a:rPr lang="nl-NL" smtClean="0"/>
+              <a:rPr lang="nl-NL"/>
               <a:t>Vierde niveau</a:t>
             </a:r>
           </a:p>
           <a:p>
             <a:pPr lvl="4"/>
             <a:r>
-              <a:rPr lang="nl-NL" smtClean="0"/>
+              <a:rPr lang="nl-NL"/>
               <a:t>Vijfde niveau</a:t>
             </a:r>
-            <a:endParaRPr lang="nl-NL"/>
           </a:p>
         </p:txBody>
       </p:sp>
@@ -6421,7 +6102,7 @@
           <a:p>
             <a:fld id="{A84E908B-0185-4D61-A5D9-DBFFD136706E}" type="datetime1">
               <a:rPr lang="nl-NL" smtClean="0"/>
-              <a:t>19-8-2018</a:t>
+              <a:t>14-4-2019</a:t>
             </a:fld>
             <a:endParaRPr lang="nl-NL" dirty="0"/>
           </a:p>
@@ -6519,10 +6200,9 @@
           </a:lstStyle>
           <a:p>
             <a:r>
-              <a:rPr lang="nl-NL" smtClean="0"/>
+              <a:rPr lang="nl-NL"/>
               <a:t>Klik om de stijl te bewerken</a:t>
             </a:r>
-            <a:endParaRPr lang="nl-NL"/>
           </a:p>
         </p:txBody>
       </p:sp>
@@ -6585,7 +6265,7 @@
           <a:p>
             <a:pPr lvl="0"/>
             <a:r>
-              <a:rPr lang="nl-NL" smtClean="0"/>
+              <a:rPr lang="nl-NL"/>
               <a:t>Klik om de modelstijlen te bewerken</a:t>
             </a:r>
           </a:p>
@@ -6641,38 +6321,37 @@
           <a:p>
             <a:pPr lvl="0"/>
             <a:r>
-              <a:rPr lang="nl-NL" smtClean="0"/>
+              <a:rPr lang="nl-NL"/>
               <a:t>Klik om de modelstijlen te bewerken</a:t>
             </a:r>
           </a:p>
           <a:p>
             <a:pPr lvl="1"/>
             <a:r>
-              <a:rPr lang="nl-NL" smtClean="0"/>
+              <a:rPr lang="nl-NL"/>
               <a:t>Tweede niveau</a:t>
             </a:r>
           </a:p>
           <a:p>
             <a:pPr lvl="2"/>
             <a:r>
-              <a:rPr lang="nl-NL" smtClean="0"/>
+              <a:rPr lang="nl-NL"/>
               <a:t>Derde niveau</a:t>
             </a:r>
           </a:p>
           <a:p>
             <a:pPr lvl="3"/>
             <a:r>
-              <a:rPr lang="nl-NL" smtClean="0"/>
+              <a:rPr lang="nl-NL"/>
               <a:t>Vierde niveau</a:t>
             </a:r>
           </a:p>
           <a:p>
             <a:pPr lvl="4"/>
             <a:r>
-              <a:rPr lang="nl-NL" smtClean="0"/>
+              <a:rPr lang="nl-NL"/>
               <a:t>Vijfde niveau</a:t>
             </a:r>
-            <a:endParaRPr lang="nl-NL"/>
           </a:p>
         </p:txBody>
       </p:sp>
@@ -6735,7 +6414,7 @@
           <a:p>
             <a:pPr lvl="0"/>
             <a:r>
-              <a:rPr lang="nl-NL" smtClean="0"/>
+              <a:rPr lang="nl-NL"/>
               <a:t>Klik om de modelstijlen te bewerken</a:t>
             </a:r>
           </a:p>
@@ -6791,38 +6470,37 @@
           <a:p>
             <a:pPr lvl="0"/>
             <a:r>
-              <a:rPr lang="nl-NL" smtClean="0"/>
+              <a:rPr lang="nl-NL"/>
               <a:t>Klik om de modelstijlen te bewerken</a:t>
             </a:r>
           </a:p>
           <a:p>
             <a:pPr lvl="1"/>
             <a:r>
-              <a:rPr lang="nl-NL" smtClean="0"/>
+              <a:rPr lang="nl-NL"/>
               <a:t>Tweede niveau</a:t>
             </a:r>
           </a:p>
           <a:p>
             <a:pPr lvl="2"/>
             <a:r>
-              <a:rPr lang="nl-NL" smtClean="0"/>
+              <a:rPr lang="nl-NL"/>
               <a:t>Derde niveau</a:t>
             </a:r>
           </a:p>
           <a:p>
             <a:pPr lvl="3"/>
             <a:r>
-              <a:rPr lang="nl-NL" smtClean="0"/>
+              <a:rPr lang="nl-NL"/>
               <a:t>Vierde niveau</a:t>
             </a:r>
           </a:p>
           <a:p>
             <a:pPr lvl="4"/>
             <a:r>
-              <a:rPr lang="nl-NL" smtClean="0"/>
+              <a:rPr lang="nl-NL"/>
               <a:t>Vijfde niveau</a:t>
             </a:r>
-            <a:endParaRPr lang="nl-NL"/>
           </a:p>
         </p:txBody>
       </p:sp>
@@ -6843,7 +6521,7 @@
           <a:p>
             <a:fld id="{AF24CBA6-5F96-4BD7-976F-CDF48F991EB6}" type="datetime1">
               <a:rPr lang="nl-NL" smtClean="0"/>
-              <a:t>19-8-2018</a:t>
+              <a:t>14-4-2019</a:t>
             </a:fld>
             <a:endParaRPr lang="nl-NL" dirty="0"/>
           </a:p>
@@ -6937,10 +6615,9 @@
           <a:lstStyle/>
           <a:p>
             <a:r>
-              <a:rPr lang="nl-NL" smtClean="0"/>
+              <a:rPr lang="nl-NL"/>
               <a:t>Klik om de stijl te bewerken</a:t>
             </a:r>
-            <a:endParaRPr lang="nl-NL"/>
           </a:p>
         </p:txBody>
       </p:sp>
@@ -6961,7 +6638,7 @@
           <a:p>
             <a:fld id="{8CA878B4-84FD-4284-B7D0-09A954965A10}" type="datetime1">
               <a:rPr lang="nl-NL" smtClean="0"/>
-              <a:t>19-8-2018</a:t>
+              <a:t>14-4-2019</a:t>
             </a:fld>
             <a:endParaRPr lang="nl-NL" dirty="0"/>
           </a:p>
@@ -7056,7 +6733,7 @@
           <a:p>
             <a:fld id="{8F1648B1-A544-4058-8476-7C7A9902FE15}" type="datetime1">
               <a:rPr lang="nl-NL" smtClean="0"/>
-              <a:t>19-8-2018</a:t>
+              <a:t>14-4-2019</a:t>
             </a:fld>
             <a:endParaRPr lang="nl-NL" dirty="0"/>
           </a:p>
@@ -7159,10 +6836,9 @@
           </a:lstStyle>
           <a:p>
             <a:r>
-              <a:rPr lang="nl-NL" smtClean="0"/>
+              <a:rPr lang="nl-NL"/>
               <a:t>Klik om de stijl te bewerken</a:t>
             </a:r>
-            <a:endParaRPr lang="nl-NL"/>
           </a:p>
         </p:txBody>
       </p:sp>
@@ -7216,38 +6892,37 @@
           <a:p>
             <a:pPr lvl="0"/>
             <a:r>
-              <a:rPr lang="nl-NL" smtClean="0"/>
+              <a:rPr lang="nl-NL"/>
               <a:t>Klik om de modelstijlen te bewerken</a:t>
             </a:r>
           </a:p>
           <a:p>
             <a:pPr lvl="1"/>
             <a:r>
-              <a:rPr lang="nl-NL" smtClean="0"/>
+              <a:rPr lang="nl-NL"/>
               <a:t>Tweede niveau</a:t>
             </a:r>
           </a:p>
           <a:p>
             <a:pPr lvl="2"/>
             <a:r>
-              <a:rPr lang="nl-NL" smtClean="0"/>
+              <a:rPr lang="nl-NL"/>
               <a:t>Derde niveau</a:t>
             </a:r>
           </a:p>
           <a:p>
             <a:pPr lvl="3"/>
             <a:r>
-              <a:rPr lang="nl-NL" smtClean="0"/>
+              <a:rPr lang="nl-NL"/>
               <a:t>Vierde niveau</a:t>
             </a:r>
           </a:p>
           <a:p>
             <a:pPr lvl="4"/>
             <a:r>
-              <a:rPr lang="nl-NL" smtClean="0"/>
+              <a:rPr lang="nl-NL"/>
               <a:t>Vijfde niveau</a:t>
             </a:r>
-            <a:endParaRPr lang="nl-NL"/>
           </a:p>
         </p:txBody>
       </p:sp>
@@ -7310,7 +6985,7 @@
           <a:p>
             <a:pPr lvl="0"/>
             <a:r>
-              <a:rPr lang="nl-NL" smtClean="0"/>
+              <a:rPr lang="nl-NL"/>
               <a:t>Klik om de modelstijlen te bewerken</a:t>
             </a:r>
           </a:p>
@@ -7333,7 +7008,7 @@
           <a:p>
             <a:fld id="{D039C4CF-B57B-4F53-B350-F1468F1E8012}" type="datetime1">
               <a:rPr lang="nl-NL" smtClean="0"/>
-              <a:t>19-8-2018</a:t>
+              <a:t>14-4-2019</a:t>
             </a:fld>
             <a:endParaRPr lang="nl-NL" dirty="0"/>
           </a:p>
@@ -7436,10 +7111,9 @@
           </a:lstStyle>
           <a:p>
             <a:r>
-              <a:rPr lang="nl-NL" smtClean="0"/>
+              <a:rPr lang="nl-NL"/>
               <a:t>Klik om de stijl te bewerken</a:t>
             </a:r>
-            <a:endParaRPr lang="nl-NL"/>
           </a:p>
         </p:txBody>
       </p:sp>
@@ -7501,10 +7175,9 @@
           </a:lstStyle>
           <a:p>
             <a:r>
-              <a:rPr lang="nl-NL" dirty="0" smtClean="0"/>
+              <a:rPr lang="nl-NL" dirty="0"/>
               <a:t>Klik op het pictogram als u een afbeelding wilt toevoegen</a:t>
             </a:r>
-            <a:endParaRPr lang="nl-NL" dirty="0"/>
           </a:p>
         </p:txBody>
       </p:sp>
@@ -7567,7 +7240,7 @@
           <a:p>
             <a:pPr lvl="0"/>
             <a:r>
-              <a:rPr lang="nl-NL" smtClean="0"/>
+              <a:rPr lang="nl-NL"/>
               <a:t>Klik om de modelstijlen te bewerken</a:t>
             </a:r>
           </a:p>
@@ -7590,7 +7263,7 @@
           <a:p>
             <a:fld id="{CF8B7C30-20C8-4009-AD9C-ED95D216EDC4}" type="datetime1">
               <a:rPr lang="nl-NL" smtClean="0"/>
-              <a:t>19-8-2018</a:t>
+              <a:t>14-4-2019</a:t>
             </a:fld>
             <a:endParaRPr lang="nl-NL" dirty="0"/>
           </a:p>
@@ -7699,10 +7372,9 @@
           <a:lstStyle/>
           <a:p>
             <a:r>
-              <a:rPr lang="nl-NL" dirty="0" smtClean="0"/>
+              <a:rPr lang="nl-NL" dirty="0"/>
               <a:t>Klik om de stijl te bewerken</a:t>
             </a:r>
-            <a:endParaRPr lang="nl-NL" dirty="0"/>
           </a:p>
         </p:txBody>
       </p:sp>
@@ -7733,38 +7405,37 @@
           <a:p>
             <a:pPr lvl="0"/>
             <a:r>
-              <a:rPr lang="nl-NL" smtClean="0"/>
+              <a:rPr lang="nl-NL"/>
               <a:t>Klik om de modelstijlen te bewerken</a:t>
             </a:r>
           </a:p>
           <a:p>
             <a:pPr lvl="1"/>
             <a:r>
-              <a:rPr lang="nl-NL" smtClean="0"/>
+              <a:rPr lang="nl-NL"/>
               <a:t>Tweede niveau</a:t>
             </a:r>
           </a:p>
           <a:p>
             <a:pPr lvl="2"/>
             <a:r>
-              <a:rPr lang="nl-NL" smtClean="0"/>
+              <a:rPr lang="nl-NL"/>
               <a:t>Derde niveau</a:t>
             </a:r>
           </a:p>
           <a:p>
             <a:pPr lvl="3"/>
             <a:r>
-              <a:rPr lang="nl-NL" smtClean="0"/>
+              <a:rPr lang="nl-NL"/>
               <a:t>Vierde niveau</a:t>
             </a:r>
           </a:p>
           <a:p>
             <a:pPr lvl="4"/>
             <a:r>
-              <a:rPr lang="nl-NL" smtClean="0"/>
+              <a:rPr lang="nl-NL"/>
               <a:t>Vijfde niveau</a:t>
             </a:r>
-            <a:endParaRPr lang="nl-NL"/>
           </a:p>
         </p:txBody>
       </p:sp>
@@ -7803,7 +7474,7 @@
           <a:p>
             <a:fld id="{9D082795-9F52-4849-A817-AF0180A2A2B3}" type="datetime1">
               <a:rPr lang="nl-NL" smtClean="0"/>
-              <a:t>19-8-2018</a:t>
+              <a:t>14-4-2019</a:t>
             </a:fld>
             <a:endParaRPr lang="nl-NL" dirty="0"/>
           </a:p>
@@ -7949,13 +7620,6 @@
     <p:sldLayoutId id="2147483874" r:id="rId10"/>
     <p:sldLayoutId id="2147483875" r:id="rId11"/>
   </p:sldLayoutIdLst>
-  <p:timing>
-    <p:tnLst>
-      <p:par>
-        <p:cTn id="1" dur="indefinite" restart="never" nodeType="tmRoot"/>
-      </p:par>
-    </p:tnLst>
-  </p:timing>
   <p:hf hdr="0" ftr="0" dt="0"/>
   <p:txStyles>
     <p:titleStyle>
@@ -8289,17 +7953,16 @@
           <a:lstStyle/>
           <a:p>
             <a:r>
-              <a:rPr lang="nl-NL" b="1" dirty="0" smtClean="0"/>
+              <a:rPr lang="nl-NL" b="1" dirty="0"/>
               <a:t>GroundForge</a:t>
             </a:r>
             <a:br>
-              <a:rPr lang="nl-NL" b="1" dirty="0" smtClean="0"/>
+              <a:rPr lang="nl-NL" b="1" dirty="0"/>
             </a:br>
             <a:r>
-              <a:rPr lang="nl-NL" b="1" dirty="0" smtClean="0"/>
+              <a:rPr lang="nl-NL" b="1" dirty="0"/>
               <a:t>Introductie</a:t>
             </a:r>
-            <a:endParaRPr lang="nl-NL" b="1" dirty="0"/>
           </a:p>
         </p:txBody>
       </p:sp>
@@ -8326,14 +7989,14 @@
           <a:lstStyle/>
           <a:p>
             <a:r>
-              <a:rPr lang="nl-NL" dirty="0" smtClean="0"/>
+              <a:rPr lang="nl-NL" dirty="0"/>
               <a:t>Door Joke Pol</a:t>
             </a:r>
             <a:br>
-              <a:rPr lang="nl-NL" dirty="0" smtClean="0"/>
+              <a:rPr lang="nl-NL" dirty="0"/>
             </a:br>
             <a:r>
-              <a:rPr lang="nl-NL" dirty="0" smtClean="0"/>
+              <a:rPr lang="nl-NL" dirty="0"/>
               <a:t>met een inleiding door Marian Tempels</a:t>
             </a:r>
           </a:p>
@@ -8344,7 +8007,7 @@
           <p:cNvPr id="5" name="Tijdelijke aanduiding voor datum 3">
             <a:extLst>
               <a:ext uri="{FF2B5EF4-FFF2-40B4-BE49-F238E27FC236}">
-                <a16:creationId xmlns="" xmlns:a16="http://schemas.microsoft.com/office/drawing/2014/main" id="{B7CD71F2-4AB3-4F82-AC95-779059F13195}"/>
+                <a16:creationId xmlns:a16="http://schemas.microsoft.com/office/drawing/2014/main" id="{B7CD71F2-4AB3-4F82-AC95-779059F13195}"/>
               </a:ext>
             </a:extLst>
           </p:cNvPr>
@@ -8367,7 +8030,7 @@
           <a:p>
             <a:fld id="{C6166A56-2601-4E37-8D8D-05C0420DE125}" type="datetime1">
               <a:rPr lang="nl-NL" smtClean="0"/>
-              <a:t>19-8-2018</a:t>
+              <a:t>14-4-2019</a:t>
             </a:fld>
             <a:endParaRPr lang="nl-NL" dirty="0"/>
           </a:p>
@@ -8378,7 +8041,7 @@
           <p:cNvPr id="6" name="Tijdelijke aanduiding voor voettekst 4">
             <a:extLst>
               <a:ext uri="{FF2B5EF4-FFF2-40B4-BE49-F238E27FC236}">
-                <a16:creationId xmlns="" xmlns:a16="http://schemas.microsoft.com/office/drawing/2014/main" id="{5C6A8BCE-5EC6-40B9-9E2B-345894DAE8ED}"/>
+                <a16:creationId xmlns:a16="http://schemas.microsoft.com/office/drawing/2014/main" id="{5C6A8BCE-5EC6-40B9-9E2B-345894DAE8ED}"/>
               </a:ext>
             </a:extLst>
           </p:cNvPr>
@@ -8416,13 +8079,6 @@
   <p:clrMapOvr>
     <a:masterClrMapping/>
   </p:clrMapOvr>
-  <p:timing>
-    <p:tnLst>
-      <p:par>
-        <p:cTn id="1" dur="indefinite" restart="never" nodeType="tmRoot"/>
-      </p:par>
-    </p:tnLst>
-  </p:timing>
 </p:sld>
 </file>
 
@@ -8459,10 +8115,9 @@
           <a:lstStyle/>
           <a:p>
             <a:r>
-              <a:rPr lang="nl-NL" dirty="0" smtClean="0"/>
+              <a:rPr lang="nl-NL" dirty="0"/>
               <a:t>GroundForge</a:t>
             </a:r>
-            <a:endParaRPr lang="nl-NL" dirty="0"/>
           </a:p>
         </p:txBody>
       </p:sp>
@@ -8485,16 +8140,16 @@
               <a:buNone/>
             </a:pPr>
             <a:r>
-              <a:rPr lang="nl-NL" dirty="0" smtClean="0"/>
+              <a:rPr lang="nl-NL" dirty="0"/>
               <a:t>Mix van slagen – patroon eigenschappen</a:t>
             </a:r>
           </a:p>
           <a:p>
-            <a:endParaRPr lang="nl-NL" dirty="0" smtClean="0"/>
-          </a:p>
-          <a:p>
-            <a:r>
-              <a:rPr lang="nl-NL" dirty="0" smtClean="0"/>
+            <a:endParaRPr lang="nl-NL" dirty="0"/>
+          </a:p>
+          <a:p>
+            <a:r>
+              <a:rPr lang="nl-NL" dirty="0"/>
               <a:t>diagonaal ↔ weven</a:t>
             </a:r>
           </a:p>
@@ -8502,26 +8157,18 @@
             <a:pPr marL="0" indent="0">
               <a:buNone/>
             </a:pPr>
-            <a:endParaRPr lang="nl-NL" dirty="0" smtClean="0"/>
-          </a:p>
-          <a:p>
-            <a:r>
-              <a:rPr lang="nl-NL" dirty="0" smtClean="0"/>
-              <a:t>Bakstenen </a:t>
-            </a:r>
-            <a:r>
-              <a:rPr lang="nl-NL" dirty="0"/>
-              <a:t>↔ </a:t>
-            </a:r>
-            <a:r>
-              <a:rPr lang="nl-NL" dirty="0" smtClean="0"/>
-              <a:t>schaakbord</a:t>
+            <a:endParaRPr lang="nl-NL" dirty="0"/>
+          </a:p>
+          <a:p>
+            <a:r>
+              <a:rPr lang="nl-NL" dirty="0"/>
+              <a:t>Bakstenen ↔ schaakbord</a:t>
             </a:r>
             <a:br>
-              <a:rPr lang="nl-NL" dirty="0" smtClean="0"/>
+              <a:rPr lang="nl-NL" dirty="0"/>
             </a:br>
             <a:r>
-              <a:rPr lang="nl-NL" dirty="0" smtClean="0"/>
+              <a:rPr lang="nl-NL" dirty="0"/>
               <a:t>(hoe het formulier herhaald wordt)</a:t>
             </a:r>
           </a:p>
@@ -8857,13 +8504,6 @@
   <p:clrMapOvr>
     <a:masterClrMapping/>
   </p:clrMapOvr>
-  <p:timing>
-    <p:tnLst>
-      <p:par>
-        <p:cTn id="1" dur="indefinite" restart="never" nodeType="tmRoot"/>
-      </p:par>
-    </p:tnLst>
-  </p:timing>
 </p:sld>
 </file>
 
@@ -8900,10 +8540,9 @@
           <a:lstStyle/>
           <a:p>
             <a:r>
-              <a:rPr lang="nl-NL" dirty="0" smtClean="0"/>
+              <a:rPr lang="nl-NL" dirty="0"/>
               <a:t>GroundForge</a:t>
             </a:r>
-            <a:endParaRPr lang="nl-NL" dirty="0"/>
           </a:p>
         </p:txBody>
       </p:sp>
@@ -8928,7 +8567,7 @@
               <a:buNone/>
             </a:pPr>
             <a:r>
-              <a:rPr lang="nl-NL" dirty="0" smtClean="0">
+              <a:rPr lang="nl-NL" dirty="0">
                 <a:effectLst/>
               </a:rPr>
               <a:t>Voorbeeld pagina’s</a:t>
@@ -8936,75 +8575,57 @@
           </a:p>
           <a:p>
             <a:r>
-              <a:rPr lang="nl-NL" dirty="0" smtClean="0"/>
+              <a:rPr lang="nl-NL" dirty="0"/>
               <a:t>Slagen al ingevuld</a:t>
             </a:r>
           </a:p>
           <a:p>
             <a:pPr lvl="1"/>
             <a:r>
-              <a:rPr lang="nl-NL" dirty="0" smtClean="0"/>
-              <a:t>MAE-gf </a:t>
-            </a:r>
-            <a:r>
-              <a:rPr lang="nl-NL" dirty="0"/>
-              <a:t>(persoonlijke </a:t>
-            </a:r>
-            <a:r>
-              <a:rPr lang="nl-NL" dirty="0" smtClean="0"/>
-              <a:t>verzameling)</a:t>
+              <a:rPr lang="nl-NL" dirty="0"/>
+              <a:t>MAE-gf (persoonlijke verzameling)</a:t>
             </a:r>
           </a:p>
           <a:p>
             <a:pPr lvl="1"/>
             <a:r>
-              <a:rPr lang="nl-NL" dirty="0" smtClean="0"/>
-              <a:t>Whiting </a:t>
-            </a:r>
-            <a:r>
-              <a:rPr lang="nl-NL" dirty="0"/>
-              <a:t>index </a:t>
-            </a:r>
-            <a:r>
-              <a:rPr lang="nl-NL" dirty="0" smtClean="0"/>
-              <a:t>(online boek)</a:t>
-            </a:r>
-          </a:p>
-          <a:p>
-            <a:r>
-              <a:rPr lang="nl-NL" dirty="0" smtClean="0"/>
+              <a:rPr lang="nl-NL" dirty="0"/>
+              <a:t>Whiting index (online boek)</a:t>
+            </a:r>
+          </a:p>
+          <a:p>
+            <a:r>
+              <a:rPr lang="nl-NL" dirty="0"/>
               <a:t>Slagen zelf kiezen (</a:t>
             </a:r>
             <a:r>
-              <a:rPr lang="nl-NL" strike="sngStrike" dirty="0" smtClean="0"/>
+              <a:rPr lang="nl-NL" strike="sngStrike" dirty="0"/>
               <a:t>tablet</a:t>
             </a:r>
             <a:r>
-              <a:rPr lang="nl-NL" dirty="0" smtClean="0"/>
+              <a:rPr lang="nl-NL" dirty="0"/>
               <a:t>)</a:t>
             </a:r>
-            <a:endParaRPr lang="nl-NL" dirty="0"/>
           </a:p>
           <a:p>
             <a:pPr lvl="1"/>
             <a:r>
-              <a:rPr lang="nl-NL" dirty="0" smtClean="0"/>
+              <a:rPr lang="nl-NL" dirty="0"/>
               <a:t>Tesselace index  (computer gegenereerd)</a:t>
             </a:r>
           </a:p>
           <a:p>
             <a:pPr lvl="1"/>
             <a:r>
-              <a:rPr lang="nl-NL" dirty="0" smtClean="0"/>
+              <a:rPr lang="nl-NL" dirty="0"/>
               <a:t>Droste effect (draad schema’s als paar schema’s)</a:t>
             </a:r>
           </a:p>
           <a:p>
             <a:r>
-              <a:rPr lang="nl-NL" dirty="0" smtClean="0"/>
+              <a:rPr lang="nl-NL" dirty="0"/>
               <a:t>Overlap tussen de groepen</a:t>
             </a:r>
-            <a:endParaRPr lang="nl-NL" dirty="0"/>
           </a:p>
         </p:txBody>
       </p:sp>
@@ -9041,13 +8662,6 @@
   <p:clrMapOvr>
     <a:masterClrMapping/>
   </p:clrMapOvr>
-  <p:timing>
-    <p:tnLst>
-      <p:par>
-        <p:cTn id="1" dur="indefinite" restart="never" nodeType="tmRoot"/>
-      </p:par>
-    </p:tnLst>
-  </p:timing>
 </p:sld>
 </file>
 
@@ -9084,10 +8698,9 @@
           <a:lstStyle/>
           <a:p>
             <a:r>
-              <a:rPr lang="nl-NL" dirty="0" smtClean="0"/>
+              <a:rPr lang="nl-NL" dirty="0"/>
               <a:t>GroundForge</a:t>
             </a:r>
-            <a:endParaRPr lang="nl-NL" dirty="0"/>
           </a:p>
         </p:txBody>
       </p:sp>
@@ -9110,7 +8723,7 @@
               <a:buNone/>
             </a:pPr>
             <a:r>
-              <a:rPr lang="nl-NL" dirty="0" smtClean="0"/>
+              <a:rPr lang="nl-NL" dirty="0"/>
               <a:t>Voorbeeld pagina’s: Whiting Index</a:t>
             </a:r>
           </a:p>
@@ -9129,26 +8742,25 @@
           </a:p>
           <a:p>
             <a:r>
-              <a:rPr lang="nl-NL" dirty="0" smtClean="0"/>
+              <a:rPr lang="nl-NL" dirty="0"/>
               <a:t>1920 </a:t>
             </a:r>
             <a:r>
-              <a:rPr lang="nl-NL" strike="sngStrike" dirty="0" smtClean="0"/>
+              <a:rPr lang="nl-NL" strike="sngStrike" dirty="0"/>
               <a:t>©</a:t>
             </a:r>
           </a:p>
           <a:p>
             <a:r>
-              <a:rPr lang="nl-NL" dirty="0" smtClean="0"/>
+              <a:rPr lang="nl-NL" dirty="0"/>
               <a:t>144 gronden</a:t>
             </a:r>
           </a:p>
           <a:p>
             <a:r>
-              <a:rPr lang="nl-NL" dirty="0" smtClean="0"/>
+              <a:rPr lang="nl-NL" dirty="0"/>
               <a:t>Deels uitgewerkt</a:t>
             </a:r>
-            <a:endParaRPr lang="nl-NL" dirty="0"/>
           </a:p>
         </p:txBody>
       </p:sp>
@@ -9239,13 +8851,6 @@
   <p:clrMapOvr>
     <a:masterClrMapping/>
   </p:clrMapOvr>
-  <p:timing>
-    <p:tnLst>
-      <p:par>
-        <p:cTn id="1" dur="indefinite" restart="never" nodeType="tmRoot"/>
-      </p:par>
-    </p:tnLst>
-  </p:timing>
 </p:sld>
 </file>
 
@@ -9282,10 +8887,9 @@
           <a:lstStyle/>
           <a:p>
             <a:r>
-              <a:rPr lang="nl-NL" dirty="0" smtClean="0"/>
+              <a:rPr lang="nl-NL" dirty="0"/>
               <a:t>GroundForge</a:t>
             </a:r>
-            <a:endParaRPr lang="nl-NL" dirty="0"/>
           </a:p>
         </p:txBody>
       </p:sp>
@@ -9310,7 +8914,7 @@
               <a:buNone/>
             </a:pPr>
             <a:r>
-              <a:rPr lang="nl-NL" dirty="0" smtClean="0"/>
+              <a:rPr lang="nl-NL" dirty="0"/>
               <a:t>Voorbeeld pagina’s: Whiting Index</a:t>
             </a:r>
           </a:p>
@@ -9322,7 +8926,7 @@
           </a:p>
           <a:p>
             <a:r>
-              <a:rPr lang="nl-NL" dirty="0" smtClean="0"/>
+              <a:rPr lang="nl-NL" dirty="0"/>
               <a:t>E6 = nummer regel/kolom → diagrammen</a:t>
             </a:r>
           </a:p>
@@ -9565,7 +9169,7 @@
           </a:lstStyle>
           <a:p>
             <a:r>
-              <a:rPr lang="nl-NL" dirty="0" smtClean="0"/>
+              <a:rPr lang="nl-NL" dirty="0"/>
               <a:t>Kleuren van draden zelf aan te passen</a:t>
             </a:r>
           </a:p>
@@ -9635,13 +9239,6 @@
   <p:clrMapOvr>
     <a:masterClrMapping/>
   </p:clrMapOvr>
-  <p:timing>
-    <p:tnLst>
-      <p:par>
-        <p:cTn id="1" dur="indefinite" restart="never" nodeType="tmRoot"/>
-      </p:par>
-    </p:tnLst>
-  </p:timing>
 </p:sld>
 </file>
 
@@ -9678,10 +9275,9 @@
           <a:lstStyle/>
           <a:p>
             <a:r>
-              <a:rPr lang="nl-NL" dirty="0" smtClean="0"/>
+              <a:rPr lang="nl-NL" dirty="0"/>
               <a:t>GroundForge</a:t>
             </a:r>
-            <a:endParaRPr lang="nl-NL" dirty="0"/>
           </a:p>
         </p:txBody>
       </p:sp>
@@ -9704,22 +9300,21 @@
               <a:buNone/>
             </a:pPr>
             <a:r>
-              <a:rPr lang="nl-NL" dirty="0" smtClean="0"/>
+              <a:rPr lang="nl-NL" dirty="0"/>
               <a:t>Voorbeeld pagina’s: Tesselace Index</a:t>
             </a:r>
           </a:p>
           <a:p>
             <a:r>
-              <a:rPr lang="nl-NL" dirty="0" smtClean="0"/>
+              <a:rPr lang="nl-NL" dirty="0"/>
               <a:t>Tussen resultaat promotieonderzoek</a:t>
             </a:r>
           </a:p>
           <a:p>
             <a:r>
-              <a:rPr lang="nl-NL" dirty="0" smtClean="0"/>
+              <a:rPr lang="nl-NL" dirty="0"/>
               <a:t>honderden rondgetrokken paren schema’s: </a:t>
             </a:r>
-            <a:endParaRPr lang="nl-NL" dirty="0"/>
           </a:p>
         </p:txBody>
       </p:sp>
@@ -10204,10 +9799,9 @@
           <a:lstStyle/>
           <a:p>
             <a:r>
-              <a:rPr lang="nl-NL" dirty="0" smtClean="0"/>
+              <a:rPr lang="nl-NL" dirty="0"/>
               <a:t>GroundForge</a:t>
             </a:r>
-            <a:endParaRPr lang="nl-NL" dirty="0"/>
           </a:p>
         </p:txBody>
       </p:sp>
@@ -10231,37 +9825,24 @@
             </a:pPr>
             <a:r>
               <a:rPr lang="nl-NL" dirty="0"/>
-              <a:t>Voorbeeld pagina’s: </a:t>
-            </a:r>
-            <a:r>
-              <a:rPr lang="nl-NL" dirty="0" smtClean="0"/>
-              <a:t>Concept kantbrieven</a:t>
-            </a:r>
+              <a:t>Voorbeeld pagina’s: Concept kantbrieven</a:t>
+            </a:r>
+          </a:p>
+          <a:p>
+            <a:r>
+              <a:rPr lang="nl-NL" dirty="0"/>
+              <a:t>Blauwe link vult parameter formulier</a:t>
+            </a:r>
+            <a:br>
+              <a:rPr lang="nl-NL" dirty="0"/>
+            </a:br>
+            <a:r>
+              <a:rPr lang="nl-NL" dirty="0"/>
+              <a:t>met zwarte gegevens</a:t>
+            </a:r>
+          </a:p>
+          <a:p>
             <a:endParaRPr lang="nl-NL" dirty="0"/>
-          </a:p>
-          <a:p>
-            <a:r>
-              <a:rPr lang="nl-NL" dirty="0" smtClean="0"/>
-              <a:t>Blauwe </a:t>
-            </a:r>
-            <a:r>
-              <a:rPr lang="nl-NL" dirty="0"/>
-              <a:t>link </a:t>
-            </a:r>
-            <a:r>
-              <a:rPr lang="nl-NL" dirty="0" smtClean="0"/>
-              <a:t>vult parameter formulier</a:t>
-            </a:r>
-            <a:br>
-              <a:rPr lang="nl-NL" dirty="0" smtClean="0"/>
-            </a:br>
-            <a:r>
-              <a:rPr lang="nl-NL" dirty="0" smtClean="0"/>
-              <a:t>met zwarte gegevens</a:t>
-            </a:r>
-          </a:p>
-          <a:p>
-            <a:endParaRPr lang="nl-NL" dirty="0" smtClean="0"/>
           </a:p>
           <a:p>
             <a:endParaRPr lang="nl-NL" dirty="0"/>
@@ -10409,13 +9990,6 @@
   <p:clrMapOvr>
     <a:masterClrMapping/>
   </p:clrMapOvr>
-  <p:timing>
-    <p:tnLst>
-      <p:par>
-        <p:cTn id="1" dur="indefinite" restart="never" nodeType="tmRoot"/>
-      </p:par>
-    </p:tnLst>
-  </p:timing>
 </p:sld>
 </file>
 
@@ -10452,10 +10026,9 @@
           <a:lstStyle/>
           <a:p>
             <a:r>
-              <a:rPr lang="nl-NL" dirty="0" smtClean="0"/>
+              <a:rPr lang="nl-NL" dirty="0"/>
               <a:t>GroundForge</a:t>
             </a:r>
-            <a:endParaRPr lang="nl-NL" dirty="0"/>
           </a:p>
         </p:txBody>
       </p:sp>
@@ -10478,7 +10051,7 @@
               <a:buNone/>
             </a:pPr>
             <a:r>
-              <a:rPr lang="nl-NL" dirty="0" smtClean="0"/>
+              <a:rPr lang="nl-NL" dirty="0"/>
               <a:t>Van concept naar gewenste kantbrief</a:t>
             </a:r>
           </a:p>
@@ -10843,13 +10416,6 @@
   <p:clrMapOvr>
     <a:masterClrMapping/>
   </p:clrMapOvr>
-  <p:timing>
-    <p:tnLst>
-      <p:par>
-        <p:cTn id="1" dur="indefinite" restart="never" nodeType="tmRoot"/>
-      </p:par>
-    </p:tnLst>
-  </p:timing>
 </p:sld>
 </file>
 
@@ -10886,10 +10452,9 @@
           <a:lstStyle/>
           <a:p>
             <a:r>
-              <a:rPr lang="nl-NL" dirty="0" smtClean="0"/>
+              <a:rPr lang="nl-NL" dirty="0"/>
               <a:t>GroundForge</a:t>
             </a:r>
-            <a:endParaRPr lang="nl-NL" dirty="0"/>
           </a:p>
         </p:txBody>
       </p:sp>
@@ -10912,16 +10477,8 @@
               <a:buNone/>
             </a:pPr>
             <a:r>
-              <a:rPr lang="nl-NL" dirty="0" smtClean="0"/>
-              <a:t>Concept onder de loep</a:t>
-            </a:r>
-            <a:r>
-              <a:rPr lang="nl-NL" dirty="0"/>
-              <a:t>: </a:t>
-            </a:r>
-            <a:r>
-              <a:rPr lang="nl-NL" dirty="0" smtClean="0"/>
-              <a:t>natekenen of</a:t>
+              <a:rPr lang="nl-NL" dirty="0"/>
+              <a:t>Concept onder de loep: natekenen of</a:t>
             </a:r>
           </a:p>
           <a:p>
@@ -10929,10 +10486,9 @@
               <a:buNone/>
             </a:pPr>
             <a:r>
-              <a:rPr lang="nl-NL" dirty="0" smtClean="0"/>
+              <a:rPr lang="nl-NL" dirty="0"/>
               <a:t>groter dan 4x4 maken</a:t>
             </a:r>
-            <a:endParaRPr lang="nl-NL" dirty="0"/>
           </a:p>
           <a:p>
             <a:endParaRPr lang="nl-NL" dirty="0"/>
@@ -11766,18 +11322,9 @@
               <a:buNone/>
             </a:pPr>
             <a:r>
-              <a:rPr lang="nl-NL" dirty="0" smtClean="0"/>
-              <a:t>Cijfers en letters: </a:t>
-            </a:r>
-            <a:r>
-              <a:rPr lang="nl-NL" dirty="0" smtClean="0"/>
-              <a:t>code waar </a:t>
-            </a:r>
-            <a:r>
-              <a:rPr lang="nl-NL" dirty="0" smtClean="0"/>
-              <a:t>paren vandaan komen</a:t>
-            </a:r>
-            <a:endParaRPr lang="nl-NL" dirty="0"/>
+              <a:rPr lang="nl-NL" dirty="0"/>
+              <a:t>Cijfers en letters: code waar paren vandaan komen</a:t>
+            </a:r>
           </a:p>
         </p:txBody>
       </p:sp>
@@ -11791,13 +11338,6 @@
   <p:clrMapOvr>
     <a:masterClrMapping/>
   </p:clrMapOvr>
-  <p:timing>
-    <p:tnLst>
-      <p:par>
-        <p:cTn id="1" dur="indefinite" restart="never" nodeType="tmRoot"/>
-      </p:par>
-    </p:tnLst>
-  </p:timing>
 </p:sld>
 </file>
 
@@ -11834,10 +11374,9 @@
           <a:lstStyle/>
           <a:p>
             <a:r>
-              <a:rPr lang="nl-NL" dirty="0" smtClean="0"/>
+              <a:rPr lang="nl-NL" dirty="0"/>
               <a:t>GroundForge</a:t>
             </a:r>
-            <a:endParaRPr lang="nl-NL" dirty="0"/>
           </a:p>
         </p:txBody>
       </p:sp>
@@ -11883,47 +11422,39 @@
               <a:buNone/>
             </a:pPr>
             <a:r>
-              <a:rPr lang="nl-NL" dirty="0" smtClean="0">
+              <a:rPr lang="nl-NL" dirty="0">
                 <a:effectLst/>
               </a:rPr>
               <a:t>Droste effect: </a:t>
             </a:r>
             <a:r>
-              <a:rPr lang="nl-NL" dirty="0" smtClean="0"/>
+              <a:rPr lang="nl-NL" dirty="0"/>
               <a:t>draadschema van 1</a:t>
             </a:r>
             <a:r>
-              <a:rPr lang="nl-NL" baseline="30000" dirty="0" smtClean="0"/>
+              <a:rPr lang="nl-NL" baseline="30000" dirty="0"/>
               <a:t>e</a:t>
             </a:r>
             <a:r>
-              <a:rPr lang="nl-NL" dirty="0" smtClean="0"/>
+              <a:rPr lang="nl-NL" dirty="0"/>
               <a:t> paarschema</a:t>
             </a:r>
-            <a:endParaRPr lang="nl-NL" dirty="0" smtClean="0">
+            <a:endParaRPr lang="nl-NL" dirty="0">
               <a:effectLst/>
             </a:endParaRPr>
           </a:p>
           <a:p>
             <a:r>
-              <a:rPr lang="nl-NL" dirty="0" smtClean="0">
+              <a:rPr lang="nl-NL" dirty="0">
                 <a:effectLst/>
               </a:rPr>
               <a:t>Dubbele netslag, diagonaal</a:t>
             </a:r>
-            <a:r>
-              <a:rPr lang="nl-NL" dirty="0" smtClean="0"/>
-              <a:t/>
-            </a:r>
             <a:br>
-              <a:rPr lang="nl-NL" dirty="0" smtClean="0"/>
+              <a:rPr lang="nl-NL" dirty="0"/>
             </a:br>
-            <a:r>
-              <a:rPr lang="nl-NL" dirty="0" smtClean="0"/>
-              <a:t/>
-            </a:r>
             <a:br>
-              <a:rPr lang="nl-NL" dirty="0" smtClean="0"/>
+              <a:rPr lang="nl-NL" dirty="0"/>
             </a:br>
             <a:endParaRPr lang="nl-NL" dirty="0"/>
           </a:p>
@@ -12047,13 +11578,6 @@
   <p:clrMapOvr>
     <a:masterClrMapping/>
   </p:clrMapOvr>
-  <p:timing>
-    <p:tnLst>
-      <p:par>
-        <p:cTn id="1" dur="indefinite" restart="never" nodeType="tmRoot"/>
-      </p:par>
-    </p:tnLst>
-  </p:timing>
 </p:sld>
 </file>
 
@@ -12090,10 +11614,9 @@
           <a:lstStyle/>
           <a:p>
             <a:r>
-              <a:rPr lang="nl-NL" dirty="0" smtClean="0"/>
+              <a:rPr lang="nl-NL" dirty="0"/>
               <a:t>GroundForge</a:t>
             </a:r>
-            <a:endParaRPr lang="nl-NL" dirty="0"/>
           </a:p>
         </p:txBody>
       </p:sp>
@@ -12116,48 +11639,40 @@
               <a:buNone/>
             </a:pPr>
             <a:r>
-              <a:rPr lang="nl-NL" dirty="0" smtClean="0">
+              <a:rPr lang="nl-NL" dirty="0">
                 <a:effectLst/>
               </a:rPr>
               <a:t>Droste effect: 2</a:t>
             </a:r>
             <a:r>
-              <a:rPr lang="nl-NL" baseline="30000" dirty="0" smtClean="0">
+              <a:rPr lang="nl-NL" baseline="30000" dirty="0">
                 <a:effectLst/>
               </a:rPr>
               <a:t>e</a:t>
             </a:r>
             <a:r>
-              <a:rPr lang="nl-NL" dirty="0" smtClean="0">
+              <a:rPr lang="nl-NL" dirty="0">
                 <a:effectLst/>
               </a:rPr>
               <a:t> paren- van 1</a:t>
             </a:r>
             <a:r>
-              <a:rPr lang="nl-NL" baseline="30000" dirty="0" smtClean="0">
+              <a:rPr lang="nl-NL" baseline="30000" dirty="0">
                 <a:effectLst/>
               </a:rPr>
               <a:t>e</a:t>
             </a:r>
             <a:r>
-              <a:rPr lang="nl-NL" dirty="0" smtClean="0">
+              <a:rPr lang="nl-NL" dirty="0">
                 <a:effectLst/>
               </a:rPr>
               <a:t> draden schema</a:t>
             </a:r>
-            <a:r>
-              <a:rPr lang="nl-NL" dirty="0" smtClean="0"/>
-              <a:t/>
-            </a:r>
             <a:br>
-              <a:rPr lang="nl-NL" dirty="0" smtClean="0"/>
+              <a:rPr lang="nl-NL" dirty="0"/>
             </a:br>
-            <a:r>
-              <a:rPr lang="nl-NL" dirty="0" smtClean="0"/>
-              <a:t/>
-            </a:r>
             <a:br>
-              <a:rPr lang="nl-NL" dirty="0" smtClean="0"/>
+              <a:rPr lang="nl-NL" dirty="0"/>
             </a:br>
             <a:endParaRPr lang="nl-NL" dirty="0"/>
           </a:p>
@@ -12304,13 +11819,6 @@
   <p:clrMapOvr>
     <a:masterClrMapping/>
   </p:clrMapOvr>
-  <p:timing>
-    <p:tnLst>
-      <p:par>
-        <p:cTn id="1" dur="indefinite" restart="never" nodeType="tmRoot"/>
-      </p:par>
-    </p:tnLst>
-  </p:timing>
 </p:sld>
 </file>
 
@@ -12336,7 +11844,7 @@
           <p:cNvPr id="4" name="Tijdelijke aanduiding voor datum 3">
             <a:extLst>
               <a:ext uri="{FF2B5EF4-FFF2-40B4-BE49-F238E27FC236}">
-                <a16:creationId xmlns="" xmlns:a16="http://schemas.microsoft.com/office/drawing/2014/main" id="{B7CD71F2-4AB3-4F82-AC95-779059F13195}"/>
+                <a16:creationId xmlns:a16="http://schemas.microsoft.com/office/drawing/2014/main" id="{B7CD71F2-4AB3-4F82-AC95-779059F13195}"/>
               </a:ext>
             </a:extLst>
           </p:cNvPr>
@@ -12354,7 +11862,7 @@
           <a:p>
             <a:fld id="{C6166A56-2601-4E37-8D8D-05C0420DE125}" type="datetime1">
               <a:rPr lang="nl-NL" smtClean="0"/>
-              <a:t>19-8-2018</a:t>
+              <a:t>14-4-2019</a:t>
             </a:fld>
             <a:endParaRPr lang="nl-NL" dirty="0"/>
           </a:p>
@@ -12365,7 +11873,7 @@
           <p:cNvPr id="5" name="Tijdelijke aanduiding voor voettekst 4">
             <a:extLst>
               <a:ext uri="{FF2B5EF4-FFF2-40B4-BE49-F238E27FC236}">
-                <a16:creationId xmlns="" xmlns:a16="http://schemas.microsoft.com/office/drawing/2014/main" id="{5C6A8BCE-5EC6-40B9-9E2B-345894DAE8ED}"/>
+                <a16:creationId xmlns:a16="http://schemas.microsoft.com/office/drawing/2014/main" id="{5C6A8BCE-5EC6-40B9-9E2B-345894DAE8ED}"/>
               </a:ext>
             </a:extLst>
           </p:cNvPr>
@@ -12397,7 +11905,7 @@
           <p:cNvPr id="6" name="Tijdelijke aanduiding voor dianummer 5">
             <a:extLst>
               <a:ext uri="{FF2B5EF4-FFF2-40B4-BE49-F238E27FC236}">
-                <a16:creationId xmlns="" xmlns:a16="http://schemas.microsoft.com/office/drawing/2014/main" id="{CA89F1FE-B156-4B88-A6EE-ED53A7D070D3}"/>
+                <a16:creationId xmlns:a16="http://schemas.microsoft.com/office/drawing/2014/main" id="{CA89F1FE-B156-4B88-A6EE-ED53A7D070D3}"/>
               </a:ext>
             </a:extLst>
           </p:cNvPr>
@@ -12426,7 +11934,7 @@
           <p:cNvPr id="7" name="Tekstvak 6">
             <a:extLst>
               <a:ext uri="{FF2B5EF4-FFF2-40B4-BE49-F238E27FC236}">
-                <a16:creationId xmlns="" xmlns:a16="http://schemas.microsoft.com/office/drawing/2014/main" id="{BADB2CDB-D341-4825-AB3C-E755C562780A}"/>
+                <a16:creationId xmlns:a16="http://schemas.microsoft.com/office/drawing/2014/main" id="{BADB2CDB-D341-4825-AB3C-E755C562780A}"/>
               </a:ext>
             </a:extLst>
           </p:cNvPr>
@@ -12461,7 +11969,7 @@
           <p:cNvPr id="15" name="Afbeelding 14">
             <a:extLst>
               <a:ext uri="{FF2B5EF4-FFF2-40B4-BE49-F238E27FC236}">
-                <a16:creationId xmlns="" xmlns:a16="http://schemas.microsoft.com/office/drawing/2014/main" id="{00DBD524-F9AF-4170-A579-42F81C9F3E72}"/>
+                <a16:creationId xmlns:a16="http://schemas.microsoft.com/office/drawing/2014/main" id="{00DBD524-F9AF-4170-A579-42F81C9F3E72}"/>
               </a:ext>
             </a:extLst>
           </p:cNvPr>
@@ -12503,7 +12011,7 @@
           <p:cNvPr id="11" name="Afbeelding 10">
             <a:extLst>
               <a:ext uri="{FF2B5EF4-FFF2-40B4-BE49-F238E27FC236}">
-                <a16:creationId xmlns="" xmlns:a16="http://schemas.microsoft.com/office/drawing/2014/main" id="{C3507EFA-9F14-4A89-AA69-4191C5CC0E66}"/>
+                <a16:creationId xmlns:a16="http://schemas.microsoft.com/office/drawing/2014/main" id="{C3507EFA-9F14-4A89-AA69-4191C5CC0E66}"/>
               </a:ext>
             </a:extLst>
           </p:cNvPr>
@@ -12545,7 +12053,7 @@
           <p:cNvPr id="13" name="Afbeelding 12">
             <a:extLst>
               <a:ext uri="{FF2B5EF4-FFF2-40B4-BE49-F238E27FC236}">
-                <a16:creationId xmlns="" xmlns:a16="http://schemas.microsoft.com/office/drawing/2014/main" id="{B7BFBCB6-EBF7-40E5-B7C9-0DFFE6CFC8BB}"/>
+                <a16:creationId xmlns:a16="http://schemas.microsoft.com/office/drawing/2014/main" id="{B7BFBCB6-EBF7-40E5-B7C9-0DFFE6CFC8BB}"/>
               </a:ext>
             </a:extLst>
           </p:cNvPr>
@@ -12586,7 +12094,7 @@
           <p:cNvPr id="9" name="Afbeelding 8">
             <a:extLst>
               <a:ext uri="{FF2B5EF4-FFF2-40B4-BE49-F238E27FC236}">
-                <a16:creationId xmlns="" xmlns:a16="http://schemas.microsoft.com/office/drawing/2014/main" id="{5DE4EEAD-DD96-4122-84AD-FBDDE0A36FF4}"/>
+                <a16:creationId xmlns:a16="http://schemas.microsoft.com/office/drawing/2014/main" id="{5DE4EEAD-DD96-4122-84AD-FBDDE0A36FF4}"/>
               </a:ext>
             </a:extLst>
           </p:cNvPr>
@@ -12647,7 +12155,7 @@
           <a:p>
             <a:pPr algn="ctr"/>
             <a:r>
-              <a:rPr lang="nl-NL" sz="5400" b="1" cap="none" spc="0" dirty="0" smtClean="0">
+              <a:rPr lang="nl-NL" sz="5400" b="1" cap="none" spc="0" dirty="0">
                 <a:ln w="10541" cmpd="sng">
                   <a:solidFill>
                     <a:schemeClr val="accent1">
@@ -12771,7 +12279,7 @@
               </a:rPr>
               <a:t>2</a:t>
             </a:r>
-            <a:endParaRPr lang="nl-NL" sz="5400" b="1" cap="none" spc="0" dirty="0" smtClean="0">
+            <a:endParaRPr lang="nl-NL" sz="5400" b="1" cap="none" spc="0" dirty="0">
               <a:ln w="10541" cmpd="sng">
                 <a:solidFill>
                   <a:schemeClr val="accent1">
@@ -12845,7 +12353,7 @@
           <a:p>
             <a:pPr algn="ctr"/>
             <a:r>
-              <a:rPr lang="nl-NL" sz="5400" b="1" cap="none" spc="0" dirty="0" smtClean="0">
+              <a:rPr lang="nl-NL" sz="5400" b="1" cap="none" spc="0" dirty="0">
                 <a:ln w="10541" cmpd="sng">
                   <a:solidFill>
                     <a:schemeClr val="accent1">
@@ -12969,7 +12477,7 @@
               </a:rPr>
               <a:t>6</a:t>
             </a:r>
-            <a:endParaRPr lang="nl-NL" sz="5400" b="1" cap="none" spc="0" dirty="0" smtClean="0">
+            <a:endParaRPr lang="nl-NL" sz="5400" b="1" cap="none" spc="0" dirty="0">
               <a:ln w="10541" cmpd="sng">
                 <a:solidFill>
                   <a:schemeClr val="accent1">
@@ -13024,7 +12532,7 @@
           <p:cNvPr id="16" name="Afbeelding 15">
             <a:extLst>
               <a:ext uri="{FF2B5EF4-FFF2-40B4-BE49-F238E27FC236}">
-                <a16:creationId xmlns="" xmlns:a16="http://schemas.microsoft.com/office/drawing/2014/main" id="{8C41FFC2-0B1C-4E68-BD67-E008982928E5}"/>
+                <a16:creationId xmlns:a16="http://schemas.microsoft.com/office/drawing/2014/main" id="{8C41FFC2-0B1C-4E68-BD67-E008982928E5}"/>
               </a:ext>
             </a:extLst>
           </p:cNvPr>
@@ -13085,7 +12593,7 @@
           <a:p>
             <a:pPr algn="ctr"/>
             <a:r>
-              <a:rPr lang="nl-NL" sz="5400" b="1" cap="none" spc="0" dirty="0" smtClean="0">
+              <a:rPr lang="nl-NL" sz="5400" b="1" cap="none" spc="0" dirty="0">
                 <a:ln w="10541" cmpd="sng">
                   <a:solidFill>
                     <a:schemeClr val="accent1">
@@ -13142,7 +12650,7 @@
           <p:cNvPr id="10" name="Afbeelding 9">
             <a:extLst>
               <a:ext uri="{FF2B5EF4-FFF2-40B4-BE49-F238E27FC236}">
-                <a16:creationId xmlns="" xmlns:a16="http://schemas.microsoft.com/office/drawing/2014/main" id="{3092549D-0E93-4713-845E-5D6321646A4A}"/>
+                <a16:creationId xmlns:a16="http://schemas.microsoft.com/office/drawing/2014/main" id="{3092549D-0E93-4713-845E-5D6321646A4A}"/>
               </a:ext>
             </a:extLst>
           </p:cNvPr>
@@ -13250,7 +12758,7 @@
               </a:rPr>
               <a:t>4</a:t>
             </a:r>
-            <a:endParaRPr lang="nl-NL" sz="5400" b="1" cap="none" spc="0" dirty="0" smtClean="0">
+            <a:endParaRPr lang="nl-NL" sz="5400" b="1" cap="none" spc="0" dirty="0">
               <a:ln w="10541" cmpd="sng">
                 <a:solidFill>
                   <a:schemeClr val="accent1">
@@ -13798,10 +13306,9 @@
           <a:lstStyle/>
           <a:p>
             <a:r>
-              <a:rPr lang="nl-NL" dirty="0" smtClean="0"/>
+              <a:rPr lang="nl-NL" dirty="0"/>
               <a:t>GroundForge</a:t>
             </a:r>
-            <a:endParaRPr lang="nl-NL" dirty="0"/>
           </a:p>
         </p:txBody>
       </p:sp>
@@ -13824,52 +13331,36 @@
               <a:buNone/>
             </a:pPr>
             <a:r>
-              <a:rPr lang="nl-NL" dirty="0" smtClean="0">
+              <a:rPr lang="nl-NL" dirty="0">
                 <a:effectLst/>
               </a:rPr>
               <a:t>Droste effect</a:t>
             </a:r>
             <a:r>
               <a:rPr lang="nl-NL" dirty="0"/>
-              <a:t>: </a:t>
-            </a:r>
-            <a:r>
-              <a:rPr lang="nl-NL" dirty="0" smtClean="0"/>
-              <a:t>3</a:t>
-            </a:r>
-            <a:r>
-              <a:rPr lang="nl-NL" baseline="30000" dirty="0" smtClean="0"/>
+              <a:t>: 3</a:t>
+            </a:r>
+            <a:r>
+              <a:rPr lang="nl-NL" baseline="30000" dirty="0"/>
               <a:t>e</a:t>
             </a:r>
             <a:r>
-              <a:rPr lang="nl-NL" dirty="0" smtClean="0"/>
+              <a:rPr lang="nl-NL" dirty="0"/>
               <a:t> paren- van 2</a:t>
             </a:r>
             <a:r>
-              <a:rPr lang="nl-NL" baseline="30000" dirty="0" smtClean="0"/>
+              <a:rPr lang="nl-NL" baseline="30000" dirty="0"/>
               <a:t>e</a:t>
             </a:r>
             <a:r>
-              <a:rPr lang="nl-NL" dirty="0" smtClean="0"/>
-              <a:t> </a:t>
-            </a:r>
-            <a:r>
-              <a:rPr lang="nl-NL" dirty="0"/>
-              <a:t>draden </a:t>
-            </a:r>
-            <a:r>
-              <a:rPr lang="nl-NL" dirty="0" smtClean="0"/>
-              <a:t>schema</a:t>
+              <a:rPr lang="nl-NL" dirty="0"/>
+              <a:t> draden schema</a:t>
             </a:r>
             <a:br>
-              <a:rPr lang="nl-NL" dirty="0" smtClean="0"/>
+              <a:rPr lang="nl-NL" dirty="0"/>
             </a:br>
-            <a:r>
-              <a:rPr lang="nl-NL" dirty="0" smtClean="0"/>
-              <a:t/>
-            </a:r>
             <a:br>
-              <a:rPr lang="nl-NL" dirty="0" smtClean="0"/>
+              <a:rPr lang="nl-NL" dirty="0"/>
             </a:br>
             <a:endParaRPr lang="nl-NL" dirty="0"/>
           </a:p>
@@ -14016,13 +13507,6 @@
   <p:clrMapOvr>
     <a:masterClrMapping/>
   </p:clrMapOvr>
-  <p:timing>
-    <p:tnLst>
-      <p:par>
-        <p:cTn id="1" dur="indefinite" restart="never" nodeType="tmRoot"/>
-      </p:par>
-    </p:tnLst>
-  </p:timing>
 </p:sld>
 </file>
 
@@ -14059,10 +13543,9 @@
           <a:lstStyle/>
           <a:p>
             <a:r>
-              <a:rPr lang="nl-NL" dirty="0" smtClean="0"/>
+              <a:rPr lang="nl-NL" dirty="0"/>
               <a:t>GroundForge</a:t>
             </a:r>
-            <a:endParaRPr lang="nl-NL" dirty="0"/>
           </a:p>
         </p:txBody>
       </p:sp>
@@ -14087,7 +13570,7 @@
               <a:buNone/>
             </a:pPr>
             <a:r>
-              <a:rPr lang="nl-NL" dirty="0" smtClean="0">
+              <a:rPr lang="nl-NL" dirty="0">
                 <a:effectLst/>
               </a:rPr>
               <a:t>Oeps</a:t>
@@ -14097,32 +13580,31 @@
             <a:pPr marL="0" indent="0">
               <a:buNone/>
             </a:pPr>
-            <a:endParaRPr lang="nl-NL" dirty="0" smtClean="0"/>
+            <a:endParaRPr lang="nl-NL" dirty="0"/>
           </a:p>
           <a:p>
             <a:pPr marL="0" indent="0">
               <a:buNone/>
             </a:pPr>
             <a:r>
-              <a:rPr lang="nl-NL" dirty="0" smtClean="0"/>
+              <a:rPr lang="nl-NL" dirty="0"/>
               <a:t>programmeer</a:t>
             </a:r>
-            <a:endParaRPr lang="nl-NL" dirty="0"/>
           </a:p>
           <a:p>
             <a:pPr marL="0" indent="0">
               <a:buNone/>
             </a:pPr>
             <a:r>
-              <a:rPr lang="nl-NL" dirty="0" smtClean="0"/>
+              <a:rPr lang="nl-NL" dirty="0"/>
               <a:t>foutje</a:t>
             </a:r>
-            <a:endParaRPr lang="nl-NL" dirty="0" smtClean="0">
+            <a:endParaRPr lang="nl-NL" dirty="0">
               <a:effectLst/>
             </a:endParaRPr>
           </a:p>
           <a:p>
-            <a:endParaRPr lang="nl-NL" dirty="0" smtClean="0"/>
+            <a:endParaRPr lang="nl-NL" dirty="0"/>
           </a:p>
           <a:p>
             <a:endParaRPr lang="nl-NL" dirty="0"/>
@@ -14219,13 +13701,6 @@
   <p:clrMapOvr>
     <a:masterClrMapping/>
   </p:clrMapOvr>
-  <p:timing>
-    <p:tnLst>
-      <p:par>
-        <p:cTn id="1" dur="indefinite" restart="never" nodeType="tmRoot"/>
-      </p:par>
-    </p:tnLst>
-  </p:timing>
 </p:sld>
 </file>
 
@@ -14262,10 +13737,9 @@
           <a:lstStyle/>
           <a:p>
             <a:r>
-              <a:rPr lang="nl-NL" dirty="0" smtClean="0"/>
+              <a:rPr lang="nl-NL" dirty="0"/>
               <a:t>GroundForge</a:t>
             </a:r>
-            <a:endParaRPr lang="nl-NL" dirty="0"/>
           </a:p>
         </p:txBody>
       </p:sp>
@@ -14286,17 +13760,17 @@
           </a:bodyPr>
           <a:lstStyle/>
           <a:p>
-            <a:endParaRPr lang="nl-NL" dirty="0" smtClean="0"/>
-          </a:p>
-          <a:p>
-            <a:r>
-              <a:rPr lang="nl-NL" dirty="0" smtClean="0"/>
+            <a:endParaRPr lang="nl-NL" dirty="0"/>
+          </a:p>
+          <a:p>
+            <a:r>
+              <a:rPr lang="nl-NL" dirty="0"/>
               <a:t>Deze bug is opgelost</a:t>
             </a:r>
           </a:p>
           <a:p>
             <a:r>
-              <a:rPr lang="nl-NL" dirty="0" smtClean="0"/>
+              <a:rPr lang="nl-NL" dirty="0"/>
               <a:t>Wensen en bekende bugs</a:t>
             </a:r>
           </a:p>
@@ -14305,19 +13779,19 @@
               <a:buNone/>
             </a:pPr>
             <a:r>
-              <a:rPr lang="nl-NL" dirty="0" smtClean="0"/>
+              <a:rPr lang="nl-NL" dirty="0"/>
               <a:t>                   ↓                          </a:t>
             </a:r>
             <a:r>
-              <a:rPr lang="nl-NL" dirty="0" smtClean="0">
+              <a:rPr lang="nl-NL" dirty="0">
                 <a:sym typeface="Wingdings 3"/>
               </a:rPr>
               <a:t></a:t>
             </a:r>
-            <a:endParaRPr lang="nl-NL" dirty="0" smtClean="0"/>
-          </a:p>
-          <a:p>
-            <a:endParaRPr lang="nl-NL" dirty="0" smtClean="0"/>
+            <a:endParaRPr lang="nl-NL" dirty="0"/>
+          </a:p>
+          <a:p>
+            <a:endParaRPr lang="nl-NL" dirty="0"/>
           </a:p>
           <a:p>
             <a:endParaRPr lang="nl-NL" dirty="0"/>
@@ -14468,13 +13942,6 @@
   <p:clrMapOvr>
     <a:masterClrMapping/>
   </p:clrMapOvr>
-  <p:timing>
-    <p:tnLst>
-      <p:par>
-        <p:cTn id="1" dur="indefinite" restart="never" nodeType="tmRoot"/>
-      </p:par>
-    </p:tnLst>
-  </p:timing>
 </p:sld>
 </file>
 
@@ -14500,7 +13967,7 @@
           <p:cNvPr id="11" name="Afbeelding 10">
             <a:extLst>
               <a:ext uri="{FF2B5EF4-FFF2-40B4-BE49-F238E27FC236}">
-                <a16:creationId xmlns="" xmlns:a16="http://schemas.microsoft.com/office/drawing/2014/main" id="{079EDC35-E36A-4C9A-8D8D-78C350138DFB}"/>
+                <a16:creationId xmlns:a16="http://schemas.microsoft.com/office/drawing/2014/main" id="{079EDC35-E36A-4C9A-8D8D-78C350138DFB}"/>
               </a:ext>
             </a:extLst>
           </p:cNvPr>
@@ -14542,7 +14009,7 @@
           <p:cNvPr id="2" name="Tijdelijke aanduiding voor datum 1">
             <a:extLst>
               <a:ext uri="{FF2B5EF4-FFF2-40B4-BE49-F238E27FC236}">
-                <a16:creationId xmlns="" xmlns:a16="http://schemas.microsoft.com/office/drawing/2014/main" id="{15CB3411-7651-4941-ABB4-C1822AEDE56A}"/>
+                <a16:creationId xmlns:a16="http://schemas.microsoft.com/office/drawing/2014/main" id="{15CB3411-7651-4941-ABB4-C1822AEDE56A}"/>
               </a:ext>
             </a:extLst>
           </p:cNvPr>
@@ -14560,7 +14027,7 @@
           <a:p>
             <a:fld id="{B71AFF58-8559-4CE0-AA20-9C6B842D93B4}" type="datetime1">
               <a:rPr lang="nl-NL" smtClean="0"/>
-              <a:t>19-8-2018</a:t>
+              <a:t>14-4-2019</a:t>
             </a:fld>
             <a:endParaRPr lang="nl-NL"/>
           </a:p>
@@ -14571,7 +14038,7 @@
           <p:cNvPr id="3" name="Tijdelijke aanduiding voor voettekst 2">
             <a:extLst>
               <a:ext uri="{FF2B5EF4-FFF2-40B4-BE49-F238E27FC236}">
-                <a16:creationId xmlns="" xmlns:a16="http://schemas.microsoft.com/office/drawing/2014/main" id="{CA7752E9-23DD-4D98-8613-77598C2CCFA4}"/>
+                <a16:creationId xmlns:a16="http://schemas.microsoft.com/office/drawing/2014/main" id="{CA7752E9-23DD-4D98-8613-77598C2CCFA4}"/>
               </a:ext>
             </a:extLst>
           </p:cNvPr>
@@ -14603,7 +14070,7 @@
           <p:cNvPr id="4" name="Tijdelijke aanduiding voor dianummer 3">
             <a:extLst>
               <a:ext uri="{FF2B5EF4-FFF2-40B4-BE49-F238E27FC236}">
-                <a16:creationId xmlns="" xmlns:a16="http://schemas.microsoft.com/office/drawing/2014/main" id="{91A3FFEC-B94C-4127-8949-077FA303049A}"/>
+                <a16:creationId xmlns:a16="http://schemas.microsoft.com/office/drawing/2014/main" id="{91A3FFEC-B94C-4127-8949-077FA303049A}"/>
               </a:ext>
             </a:extLst>
           </p:cNvPr>
@@ -14632,7 +14099,7 @@
           <p:cNvPr id="8" name="Tekstvak 7">
             <a:extLst>
               <a:ext uri="{FF2B5EF4-FFF2-40B4-BE49-F238E27FC236}">
-                <a16:creationId xmlns="" xmlns:a16="http://schemas.microsoft.com/office/drawing/2014/main" id="{FF9E01FC-F7F7-4EB0-8160-945FD3F4E9EC}"/>
+                <a16:creationId xmlns:a16="http://schemas.microsoft.com/office/drawing/2014/main" id="{FF9E01FC-F7F7-4EB0-8160-945FD3F4E9EC}"/>
               </a:ext>
             </a:extLst>
           </p:cNvPr>
@@ -14660,48 +14127,30 @@
               <a:t>Groundforge</a:t>
             </a:r>
             <a:r>
-              <a:rPr lang="nl-NL" sz="2800" dirty="0" smtClean="0"/>
+              <a:rPr lang="nl-NL" sz="2800" dirty="0"/>
               <a:t>: </a:t>
-            </a:r>
-            <a:r>
-              <a:rPr lang="nl-NL" sz="2800" dirty="0" smtClean="0">
-                <a:hlinkClick r:id="rId4"/>
-              </a:rPr>
-              <a:t>https</a:t>
             </a:r>
             <a:r>
               <a:rPr lang="nl-NL" sz="2800" dirty="0">
                 <a:hlinkClick r:id="rId4"/>
               </a:rPr>
-              <a:t>://</a:t>
-            </a:r>
-            <a:r>
-              <a:rPr lang="nl-NL" sz="2800" dirty="0" smtClean="0">
-                <a:hlinkClick r:id="rId4"/>
-              </a:rPr>
-              <a:t>d-bl.github.io/GroundForge</a:t>
-            </a:r>
-            <a:r>
-              <a:rPr lang="nl-NL" sz="2800" dirty="0" smtClean="0"/>
+              <a:t>https://d-bl.github.io/GroundForge</a:t>
+            </a:r>
+            <a:r>
+              <a:rPr lang="nl-NL" sz="2800" dirty="0"/>
               <a:t> </a:t>
             </a:r>
           </a:p>
           <a:p>
             <a:r>
-              <a:rPr lang="nl-NL" sz="2800" dirty="0" smtClean="0"/>
+              <a:rPr lang="nl-NL" sz="2800" dirty="0"/>
               <a:t>Voorbeelden: </a:t>
-            </a:r>
-            <a:r>
-              <a:rPr lang="nl-NL" sz="2800" dirty="0" smtClean="0">
-                <a:hlinkClick r:id="rId5"/>
-              </a:rPr>
-              <a:t>https</a:t>
             </a:r>
             <a:r>
               <a:rPr lang="nl-NL" sz="2800" dirty="0">
                 <a:hlinkClick r:id="rId5"/>
               </a:rPr>
-              <a:t>://maetempels.github.io/MAE-gf/</a:t>
+              <a:t>https://maetempels.github.io/MAE-gf/</a:t>
             </a:r>
             <a:r>
               <a:rPr lang="nl-NL" sz="2800" dirty="0"/>
@@ -14718,7 +14167,7 @@
           <p:cNvPr id="5" name="Afbeelding 4">
             <a:extLst>
               <a:ext uri="{FF2B5EF4-FFF2-40B4-BE49-F238E27FC236}">
-                <a16:creationId xmlns="" xmlns:a16="http://schemas.microsoft.com/office/drawing/2014/main" id="{98E5EE79-D9A2-4BE2-BCBA-F998B1D99F3C}"/>
+                <a16:creationId xmlns:a16="http://schemas.microsoft.com/office/drawing/2014/main" id="{98E5EE79-D9A2-4BE2-BCBA-F998B1D99F3C}"/>
               </a:ext>
             </a:extLst>
           </p:cNvPr>
@@ -14760,7 +14209,7 @@
           <p:cNvPr id="6" name="Afbeelding 5">
             <a:extLst>
               <a:ext uri="{FF2B5EF4-FFF2-40B4-BE49-F238E27FC236}">
-                <a16:creationId xmlns="" xmlns:a16="http://schemas.microsoft.com/office/drawing/2014/main" id="{D0408053-BC3B-46A5-86F6-8EE0C92F7B7D}"/>
+                <a16:creationId xmlns:a16="http://schemas.microsoft.com/office/drawing/2014/main" id="{D0408053-BC3B-46A5-86F6-8EE0C92F7B7D}"/>
               </a:ext>
             </a:extLst>
           </p:cNvPr>
@@ -15037,10 +14486,9 @@
           <a:lstStyle/>
           <a:p>
             <a:r>
-              <a:rPr lang="nl-NL" dirty="0" smtClean="0"/>
+              <a:rPr lang="nl-NL" dirty="0"/>
               <a:t>GroundForge</a:t>
             </a:r>
-            <a:endParaRPr lang="nl-NL" dirty="0"/>
           </a:p>
         </p:txBody>
       </p:sp>
@@ -15070,7 +14518,7 @@
               <a:buNone/>
             </a:pPr>
             <a:r>
-              <a:rPr lang="nl-NL" dirty="0" smtClean="0"/>
+              <a:rPr lang="nl-NL" dirty="0"/>
               <a:t>Ingezoomd op draden</a:t>
             </a:r>
           </a:p>
@@ -15079,29 +14527,25 @@
               <a:buNone/>
             </a:pPr>
             <a:r>
-              <a:rPr lang="nl-NL" dirty="0" smtClean="0"/>
+              <a:rPr lang="nl-NL" dirty="0"/>
               <a:t>Parijse variatie</a:t>
             </a:r>
           </a:p>
           <a:p>
             <a:r>
-              <a:rPr lang="nl-NL" dirty="0" smtClean="0"/>
+              <a:rPr lang="nl-NL" dirty="0"/>
               <a:t>netslag</a:t>
             </a:r>
           </a:p>
           <a:p>
             <a:r>
               <a:rPr lang="nl-NL" dirty="0"/>
-              <a:t>o</a:t>
-            </a:r>
-            <a:r>
-              <a:rPr lang="nl-NL" dirty="0" smtClean="0"/>
-              <a:t>mkeerslag</a:t>
-            </a:r>
-          </a:p>
-          <a:p>
-            <a:r>
-              <a:rPr lang="nl-NL" dirty="0" smtClean="0"/>
+              <a:t>omkeerslag</a:t>
+            </a:r>
+          </a:p>
+          <a:p>
+            <a:r>
+              <a:rPr lang="nl-NL" dirty="0"/>
               <a:t>dubbele netslag</a:t>
             </a:r>
           </a:p>
@@ -15248,13 +14692,6 @@
   <p:clrMapOvr>
     <a:masterClrMapping/>
   </p:clrMapOvr>
-  <p:timing>
-    <p:tnLst>
-      <p:par>
-        <p:cTn id="1" dur="indefinite" restart="never" nodeType="tmRoot"/>
-      </p:par>
-    </p:tnLst>
-  </p:timing>
 </p:sld>
 </file>
 
@@ -15291,10 +14728,9 @@
           <a:lstStyle/>
           <a:p>
             <a:r>
-              <a:rPr lang="nl-NL" dirty="0" smtClean="0"/>
+              <a:rPr lang="nl-NL" dirty="0"/>
               <a:t>GroundForge</a:t>
             </a:r>
-            <a:endParaRPr lang="nl-NL" dirty="0"/>
           </a:p>
         </p:txBody>
       </p:sp>
@@ -15350,78 +14786,72 @@
               <a:rPr lang="nl-NL" dirty="0">
                 <a:hlinkClick r:id="rId3"/>
               </a:rPr>
-              <a:t>https://</a:t>
-            </a:r>
-            <a:r>
-              <a:rPr lang="nl-NL" dirty="0" smtClean="0">
-                <a:hlinkClick r:id="rId3"/>
-              </a:rPr>
-              <a:t>d-bl.github.io/GroundForge/help</a:t>
-            </a:r>
-            <a:endParaRPr lang="nl-NL" dirty="0" smtClean="0"/>
-          </a:p>
-          <a:p>
-            <a:r>
-              <a:rPr lang="nl-NL" dirty="0" smtClean="0"/>
+              <a:t>https://d-bl.github.io/GroundForge/help</a:t>
+            </a:r>
+            <a:endParaRPr lang="nl-NL" dirty="0"/>
+          </a:p>
+          <a:p>
+            <a:r>
+              <a:rPr lang="nl-NL" dirty="0"/>
               <a:t>GitHub: broncode staat online</a:t>
             </a:r>
             <a:br>
-              <a:rPr lang="nl-NL" dirty="0" smtClean="0"/>
+              <a:rPr lang="nl-NL" dirty="0"/>
             </a:br>
             <a:r>
-              <a:rPr lang="nl-NL" dirty="0" smtClean="0"/>
+              <a:rPr lang="nl-NL" dirty="0"/>
               <a:t>iedereen kan bijdragen</a:t>
             </a:r>
           </a:p>
           <a:p>
             <a:r>
-              <a:rPr lang="nl-NL" dirty="0" smtClean="0"/>
+              <a:rPr lang="nl-NL" dirty="0"/>
               <a:t>Intro – nl:</a:t>
             </a:r>
             <a:br>
-              <a:rPr lang="nl-NL" dirty="0" smtClean="0"/>
+              <a:rPr lang="nl-NL" dirty="0"/>
             </a:br>
             <a:r>
-              <a:rPr lang="nl-NL" dirty="0" smtClean="0"/>
+              <a:rPr lang="nl-NL" dirty="0"/>
               <a:t>deze presentatie</a:t>
             </a:r>
           </a:p>
           <a:p>
             <a:r>
-              <a:rPr lang="nl-NL" dirty="0" smtClean="0"/>
+              <a:rPr lang="nl-NL" dirty="0"/>
               <a:t>Contact – nl:</a:t>
             </a:r>
             <a:br>
-              <a:rPr lang="nl-NL" dirty="0" smtClean="0"/>
+              <a:rPr lang="nl-NL" dirty="0"/>
             </a:br>
             <a:r>
-              <a:rPr lang="nl-NL" dirty="0" smtClean="0"/>
+              <a:rPr lang="nl-NL" dirty="0"/>
               <a:t>webformulier</a:t>
             </a:r>
           </a:p>
           <a:p>
             <a:r>
-              <a:rPr lang="nl-NL" dirty="0" err="1" smtClean="0">
+              <a:rPr lang="nl-NL" dirty="0" err="1">
                 <a:effectLst/>
               </a:rPr>
               <a:t>Site-map</a:t>
             </a:r>
             <a:r>
-              <a:rPr lang="nl-NL" dirty="0" smtClean="0">
+              <a:rPr lang="nl-NL" dirty="0">
                 <a:effectLst/>
               </a:rPr>
               <a:t>:</a:t>
             </a:r>
             <a:br>
-              <a:rPr lang="nl-NL" dirty="0" smtClean="0">
+              <a:rPr lang="nl-NL" dirty="0">
                 <a:effectLst/>
               </a:rPr>
             </a:br>
             <a:r>
-              <a:rPr lang="nl-NL" dirty="0" smtClean="0"/>
+              <a:rPr lang="nl-NL" dirty="0"/>
               <a:t>Volgende sheet</a:t>
             </a:r>
-            <a:endParaRPr lang="nl-NL" dirty="0" smtClean="0">
+            <a:endParaRPr lang="nl-NL" dirty="0">
               <a:effectLst/>
             </a:endParaRPr>
           </a:p>
@@ -15429,12 +14859,8 @@
             <a:pPr marL="0" indent="0">
               <a:buNone/>
             </a:pPr>
-            <a:r>
-              <a:rPr lang="nl-NL" dirty="0" smtClean="0"/>
-              <a:t/>
-            </a:r>
             <a:br>
-              <a:rPr lang="nl-NL" dirty="0" smtClean="0"/>
+              <a:rPr lang="nl-NL" dirty="0"/>
             </a:br>
             <a:endParaRPr lang="nl-NL" dirty="0"/>
           </a:p>
@@ -15502,13 +14928,6 @@
   <p:clrMapOvr>
     <a:masterClrMapping/>
   </p:clrMapOvr>
-  <p:timing>
-    <p:tnLst>
-      <p:par>
-        <p:cTn id="1" dur="indefinite" restart="never" nodeType="tmRoot"/>
-      </p:par>
-    </p:tnLst>
-  </p:timing>
 </p:sld>
 </file>
 
@@ -15599,10 +15018,9 @@
           <a:lstStyle/>
           <a:p>
             <a:r>
-              <a:rPr lang="nl-NL" dirty="0" smtClean="0"/>
+              <a:rPr lang="nl-NL" dirty="0"/>
               <a:t>GroundForge</a:t>
             </a:r>
-            <a:endParaRPr lang="nl-NL" dirty="0"/>
           </a:p>
         </p:txBody>
       </p:sp>
@@ -15667,29 +15085,18 @@
               <a:buNone/>
             </a:pPr>
             <a:r>
-              <a:rPr lang="nl-NL" dirty="0" smtClean="0">
+              <a:rPr lang="nl-NL" dirty="0">
                 <a:effectLst/>
               </a:rPr>
-              <a:t>Site </a:t>
-            </a:r>
-            <a:r>
-              <a:rPr lang="nl-NL" dirty="0" smtClean="0">
-                <a:effectLst/>
-              </a:rPr>
-              <a:t>Map = visuele inhoudsopgave</a:t>
+              <a:t>Site Map = visuele inhoudsopgave</a:t>
             </a:r>
           </a:p>
           <a:p>
             <a:pPr marL="514350" indent="-457200"/>
             <a:r>
               <a:rPr lang="nl-NL" dirty="0"/>
-              <a:t>Per pagina of groep </a:t>
-            </a:r>
-            <a:r>
-              <a:rPr lang="nl-NL" dirty="0" smtClean="0"/>
-              <a:t>pagina’s</a:t>
-            </a:r>
-            <a:endParaRPr lang="nl-NL" dirty="0"/>
+              <a:t>Per pagina of groep pagina’s</a:t>
+            </a:r>
           </a:p>
           <a:p>
             <a:pPr lvl="1">
@@ -15697,14 +15104,14 @@
               <a:buChar char="-"/>
             </a:pPr>
             <a:r>
-              <a:rPr lang="nl-NL" dirty="0" smtClean="0"/>
+              <a:rPr lang="nl-NL" dirty="0"/>
               <a:t>Belangrijkste kenmerken</a:t>
             </a:r>
             <a:br>
-              <a:rPr lang="nl-NL" dirty="0" smtClean="0"/>
+              <a:rPr lang="nl-NL" dirty="0"/>
             </a:br>
             <a:r>
-              <a:rPr lang="nl-NL" dirty="0" smtClean="0"/>
+              <a:rPr lang="nl-NL" dirty="0"/>
               <a:t>op postzegel formaat</a:t>
             </a:r>
           </a:p>
@@ -15714,39 +15121,31 @@
               <a:buChar char="-"/>
             </a:pPr>
             <a:r>
-              <a:rPr lang="nl-NL" dirty="0" smtClean="0"/>
+              <a:rPr lang="nl-NL" dirty="0"/>
               <a:t>Link naar (voorbeeld van)</a:t>
             </a:r>
             <a:br>
-              <a:rPr lang="nl-NL" dirty="0" smtClean="0"/>
+              <a:rPr lang="nl-NL" dirty="0"/>
             </a:br>
             <a:r>
-              <a:rPr lang="nl-NL" dirty="0" smtClean="0"/>
+              <a:rPr lang="nl-NL" dirty="0"/>
               <a:t>de pagina</a:t>
             </a:r>
           </a:p>
           <a:p>
             <a:pPr marL="514350" indent="-457200"/>
             <a:r>
-              <a:rPr lang="nl-NL" dirty="0" smtClean="0"/>
-              <a:t>Pijlen </a:t>
-            </a:r>
-            <a:r>
-              <a:rPr lang="nl-NL" dirty="0" smtClean="0"/>
-              <a:t>geven links weer</a:t>
+              <a:rPr lang="nl-NL" dirty="0"/>
+              <a:t>Pijlen geven links weer</a:t>
             </a:r>
             <a:br>
-              <a:rPr lang="nl-NL" dirty="0" smtClean="0"/>
+              <a:rPr lang="nl-NL" dirty="0"/>
             </a:br>
             <a:r>
               <a:rPr lang="nl-NL" dirty="0"/>
-              <a:t>tussen </a:t>
-            </a:r>
-            <a:r>
-              <a:rPr lang="nl-NL" dirty="0" smtClean="0"/>
-              <a:t>pagina’s</a:t>
-            </a:r>
-            <a:endParaRPr lang="nl-NL" dirty="0" smtClean="0">
+              <a:t>tussen pagina’s</a:t>
+            </a:r>
+            <a:endParaRPr lang="nl-NL" dirty="0">
               <a:effectLst/>
             </a:endParaRPr>
           </a:p>
@@ -15754,12 +15153,8 @@
             <a:pPr marL="0" indent="0">
               <a:buNone/>
             </a:pPr>
-            <a:r>
-              <a:rPr lang="nl-NL" dirty="0" smtClean="0"/>
-              <a:t/>
-            </a:r>
             <a:br>
-              <a:rPr lang="nl-NL" dirty="0" smtClean="0"/>
+              <a:rPr lang="nl-NL" dirty="0"/>
             </a:br>
             <a:endParaRPr lang="nl-NL" dirty="0"/>
           </a:p>
@@ -15775,13 +15170,6 @@
   <p:clrMapOvr>
     <a:masterClrMapping/>
   </p:clrMapOvr>
-  <p:timing>
-    <p:tnLst>
-      <p:par>
-        <p:cTn id="1" dur="indefinite" restart="never" nodeType="tmRoot"/>
-      </p:par>
-    </p:tnLst>
-  </p:timing>
 </p:sld>
 </file>
 
@@ -15818,10 +15206,9 @@
           <a:lstStyle/>
           <a:p>
             <a:r>
-              <a:rPr lang="nl-NL" dirty="0" smtClean="0"/>
+              <a:rPr lang="nl-NL" dirty="0"/>
               <a:t>GroundForge</a:t>
             </a:r>
-            <a:endParaRPr lang="nl-NL" dirty="0"/>
           </a:p>
         </p:txBody>
       </p:sp>
@@ -15844,10 +15231,10 @@
               <a:buNone/>
             </a:pPr>
             <a:r>
-              <a:rPr lang="nl-NL" dirty="0" smtClean="0"/>
+              <a:rPr lang="nl-NL" dirty="0"/>
               <a:t>Fragmenten van de hoofdpagina (/index):</a:t>
             </a:r>
-            <a:endParaRPr lang="nl-NL" dirty="0" smtClean="0">
+            <a:endParaRPr lang="nl-NL" dirty="0">
               <a:effectLst/>
             </a:endParaRPr>
           </a:p>
@@ -15855,12 +15242,8 @@
             <a:pPr marL="0" indent="0">
               <a:buNone/>
             </a:pPr>
-            <a:r>
-              <a:rPr lang="nl-NL" dirty="0" smtClean="0"/>
-              <a:t/>
-            </a:r>
             <a:br>
-              <a:rPr lang="nl-NL" dirty="0" smtClean="0"/>
+              <a:rPr lang="nl-NL" dirty="0"/>
             </a:br>
             <a:endParaRPr lang="nl-NL" dirty="0"/>
           </a:p>
@@ -15945,56 +15328,32 @@
       </p:sp>
       <p:pic>
         <p:nvPicPr>
-          <p:cNvPr id="2050" name="Picture 2"/>
+          <p:cNvPr id="4" name="Afbeelding 3">
+            <a:extLst>
+              <a:ext uri="{FF2B5EF4-FFF2-40B4-BE49-F238E27FC236}">
+                <a16:creationId xmlns:a16="http://schemas.microsoft.com/office/drawing/2014/main" id="{E99D7F54-728D-40ED-A2AC-16D42D749EF7}"/>
+              </a:ext>
+            </a:extLst>
+          </p:cNvPr>
           <p:cNvPicPr>
-            <a:picLocks noChangeAspect="1" noChangeArrowheads="1"/>
+            <a:picLocks noChangeAspect="1"/>
           </p:cNvPicPr>
           <p:nvPr/>
         </p:nvPicPr>
         <p:blipFill>
-          <a:blip r:embed="rId4">
-            <a:extLst>
-              <a:ext uri="{28A0092B-C50C-407E-A947-70E740481C1C}">
-                <a14:useLocalDpi xmlns:a14="http://schemas.microsoft.com/office/drawing/2010/main" val="0"/>
-              </a:ext>
-            </a:extLst>
-          </a:blip>
-          <a:srcRect/>
+          <a:blip r:embed="rId4"/>
           <a:stretch>
             <a:fillRect/>
           </a:stretch>
         </p:blipFill>
-        <p:spPr bwMode="auto">
+        <p:spPr>
           <a:xfrm>
-            <a:off x="508248" y="5445224"/>
-            <a:ext cx="2790825" cy="933450"/>
+            <a:off x="472480" y="5381227"/>
+            <a:ext cx="2659360" cy="877023"/>
           </a:xfrm>
           <a:prstGeom prst="rect">
             <a:avLst/>
           </a:prstGeom>
-          <a:noFill/>
-          <a:ln>
-            <a:noFill/>
-          </a:ln>
-          <a:extLst>
-            <a:ext uri="{909E8E84-426E-40DD-AFC4-6F175D3DCCD1}">
-              <a14:hiddenFill xmlns:a14="http://schemas.microsoft.com/office/drawing/2010/main">
-                <a:solidFill>
-                  <a:schemeClr val="accent1"/>
-                </a:solidFill>
-              </a14:hiddenFill>
-            </a:ext>
-            <a:ext uri="{91240B29-F687-4F45-9708-019B960494DF}">
-              <a14:hiddenLine xmlns:a14="http://schemas.microsoft.com/office/drawing/2010/main" w="9525">
-                <a:solidFill>
-                  <a:schemeClr val="tx1"/>
-                </a:solidFill>
-                <a:miter lim="800000"/>
-                <a:headEnd/>
-                <a:tailEnd/>
-              </a14:hiddenLine>
-            </a:ext>
-          </a:extLst>
         </p:spPr>
       </p:pic>
     </p:spTree>
@@ -16007,127 +15366,6 @@
   <p:clrMapOvr>
     <a:masterClrMapping/>
   </p:clrMapOvr>
-  <p:timing>
-    <p:tnLst>
-      <p:par>
-        <p:cTn id="1" dur="indefinite" restart="never" nodeType="tmRoot">
-          <p:childTnLst>
-            <p:seq concurrent="1" nextAc="seek">
-              <p:cTn id="2" dur="indefinite" nodeType="mainSeq">
-                <p:childTnLst>
-                  <p:par>
-                    <p:cTn id="3" fill="hold">
-                      <p:stCondLst>
-                        <p:cond delay="indefinite"/>
-                      </p:stCondLst>
-                      <p:childTnLst>
-                        <p:par>
-                          <p:cTn id="4" fill="hold">
-                            <p:stCondLst>
-                              <p:cond delay="0"/>
-                            </p:stCondLst>
-                            <p:childTnLst>
-                              <p:par>
-                                <p:cTn id="5" presetID="2" presetClass="entr" presetSubtype="4" fill="hold" nodeType="clickEffect">
-                                  <p:stCondLst>
-                                    <p:cond delay="0"/>
-                                  </p:stCondLst>
-                                  <p:childTnLst>
-                                    <p:set>
-                                      <p:cBhvr>
-                                        <p:cTn id="6" dur="1" fill="hold">
-                                          <p:stCondLst>
-                                            <p:cond delay="0"/>
-                                          </p:stCondLst>
-                                        </p:cTn>
-                                        <p:tgtEl>
-                                          <p:spTgt spid="2050"/>
-                                        </p:tgtEl>
-                                        <p:attrNameLst>
-                                          <p:attrName>style.visibility</p:attrName>
-                                        </p:attrNameLst>
-                                      </p:cBhvr>
-                                      <p:to>
-                                        <p:strVal val="visible"/>
-                                      </p:to>
-                                    </p:set>
-                                    <p:anim calcmode="lin" valueType="num">
-                                      <p:cBhvr additive="base">
-                                        <p:cTn id="7" dur="500" fill="hold"/>
-                                        <p:tgtEl>
-                                          <p:spTgt spid="2050"/>
-                                        </p:tgtEl>
-                                        <p:attrNameLst>
-                                          <p:attrName>ppt_x</p:attrName>
-                                        </p:attrNameLst>
-                                      </p:cBhvr>
-                                      <p:tavLst>
-                                        <p:tav tm="0">
-                                          <p:val>
-                                            <p:strVal val="#ppt_x"/>
-                                          </p:val>
-                                        </p:tav>
-                                        <p:tav tm="100000">
-                                          <p:val>
-                                            <p:strVal val="#ppt_x"/>
-                                          </p:val>
-                                        </p:tav>
-                                      </p:tavLst>
-                                    </p:anim>
-                                    <p:anim calcmode="lin" valueType="num">
-                                      <p:cBhvr additive="base">
-                                        <p:cTn id="8" dur="500" fill="hold"/>
-                                        <p:tgtEl>
-                                          <p:spTgt spid="2050"/>
-                                        </p:tgtEl>
-                                        <p:attrNameLst>
-                                          <p:attrName>ppt_y</p:attrName>
-                                        </p:attrNameLst>
-                                      </p:cBhvr>
-                                      <p:tavLst>
-                                        <p:tav tm="0">
-                                          <p:val>
-                                            <p:strVal val="1+#ppt_h/2"/>
-                                          </p:val>
-                                        </p:tav>
-                                        <p:tav tm="100000">
-                                          <p:val>
-                                            <p:strVal val="#ppt_y"/>
-                                          </p:val>
-                                        </p:tav>
-                                      </p:tavLst>
-                                    </p:anim>
-                                  </p:childTnLst>
-                                </p:cTn>
-                              </p:par>
-                            </p:childTnLst>
-                          </p:cTn>
-                        </p:par>
-                      </p:childTnLst>
-                    </p:cTn>
-                  </p:par>
-                </p:childTnLst>
-              </p:cTn>
-              <p:prevCondLst>
-                <p:cond evt="onPrev" delay="0">
-                  <p:tgtEl>
-                    <p:sldTgt/>
-                  </p:tgtEl>
-                </p:cond>
-              </p:prevCondLst>
-              <p:nextCondLst>
-                <p:cond evt="onNext" delay="0">
-                  <p:tgtEl>
-                    <p:sldTgt/>
-                  </p:tgtEl>
-                </p:cond>
-              </p:nextCondLst>
-            </p:seq>
-          </p:childTnLst>
-        </p:cTn>
-      </p:par>
-    </p:tnLst>
-  </p:timing>
 </p:sld>
 </file>
 
@@ -16164,10 +15402,9 @@
           <a:lstStyle/>
           <a:p>
             <a:r>
-              <a:rPr lang="nl-NL" dirty="0" smtClean="0"/>
+              <a:rPr lang="nl-NL" dirty="0"/>
               <a:t>GroundForge</a:t>
             </a:r>
-            <a:endParaRPr lang="nl-NL" dirty="0"/>
           </a:p>
         </p:txBody>
       </p:sp>
@@ -16190,7 +15427,7 @@
               <a:buNone/>
             </a:pPr>
             <a:r>
-              <a:rPr lang="nl-NL" dirty="0" smtClean="0"/>
+              <a:rPr lang="nl-NL" dirty="0"/>
               <a:t>Variëren op voorbeelden</a:t>
             </a:r>
           </a:p>
@@ -16699,10 +15936,9 @@
           <a:lstStyle/>
           <a:p>
             <a:r>
-              <a:rPr lang="nl-NL" dirty="0" smtClean="0"/>
+              <a:rPr lang="nl-NL" dirty="0"/>
               <a:t>GroundForge</a:t>
             </a:r>
-            <a:endParaRPr lang="nl-NL" dirty="0"/>
           </a:p>
         </p:txBody>
       </p:sp>
@@ -16732,7 +15968,7 @@
               <a:buNone/>
             </a:pPr>
             <a:r>
-              <a:rPr lang="nl-NL" dirty="0" smtClean="0"/>
+              <a:rPr lang="nl-NL" dirty="0"/>
               <a:t>Mix van slagen</a:t>
             </a:r>
           </a:p>
@@ -16994,7 +16230,7 @@
                 <a:buNone/>
               </a:pPr>
               <a:r>
-                <a:rPr lang="nl-NL" dirty="0" smtClean="0"/>
+                <a:rPr lang="nl-NL" dirty="0"/>
                 <a:t>Spiekbriefje, o.a:</a:t>
               </a:r>
             </a:p>
@@ -17010,7 +16246,7 @@
                 <a:buFont typeface="Arial" panose="020B0604020202020204" pitchFamily="34" charset="0"/>
                 <a:buNone/>
               </a:pPr>
-              <a:endParaRPr lang="nl-NL" dirty="0" smtClean="0"/>
+              <a:endParaRPr lang="nl-NL" dirty="0"/>
             </a:p>
           </p:txBody>
         </p:sp>
@@ -17317,7 +16553,7 @@
               <a:buNone/>
             </a:pPr>
             <a:r>
-              <a:rPr lang="nl-NL" dirty="0" smtClean="0"/>
+              <a:rPr lang="nl-NL" dirty="0"/>
               <a:t>C = cross = kruisen</a:t>
             </a:r>
           </a:p>
@@ -17327,7 +16563,7 @@
               <a:buNone/>
             </a:pPr>
             <a:r>
-              <a:rPr lang="nl-NL" dirty="0" smtClean="0"/>
+              <a:rPr lang="nl-NL" dirty="0"/>
               <a:t>T = twist = draaien</a:t>
             </a:r>
           </a:p>
@@ -17337,7 +16573,7 @@
               <a:buNone/>
             </a:pPr>
             <a:r>
-              <a:rPr lang="nl-NL" dirty="0" smtClean="0"/>
+              <a:rPr lang="nl-NL" dirty="0"/>
               <a:t>L = links draaien</a:t>
             </a:r>
           </a:p>
@@ -17347,7 +16583,7 @@
               <a:buNone/>
             </a:pPr>
             <a:r>
-              <a:rPr lang="nl-NL" dirty="0" smtClean="0"/>
+              <a:rPr lang="nl-NL" dirty="0"/>
               <a:t>R = rechts draaien</a:t>
             </a:r>
           </a:p>
@@ -17478,13 +16714,6 @@
   <p:clrMapOvr>
     <a:masterClrMapping/>
   </p:clrMapOvr>
-  <p:timing>
-    <p:tnLst>
-      <p:par>
-        <p:cTn id="1" dur="indefinite" restart="never" nodeType="tmRoot"/>
-      </p:par>
-    </p:tnLst>
-  </p:timing>
 </p:sld>
 </file>
 

--- a/docs/help/NL.pptx
+++ b/docs/help/NL.pptx
@@ -5,34 +5,30 @@
     <p:sldMasterId id="2147483864" r:id="rId1"/>
   </p:sldMasterIdLst>
   <p:notesMasterIdLst>
-    <p:notesMasterId r:id="rId24"/>
+    <p:notesMasterId r:id="rId20"/>
   </p:notesMasterIdLst>
   <p:handoutMasterIdLst>
-    <p:handoutMasterId r:id="rId25"/>
+    <p:handoutMasterId r:id="rId21"/>
   </p:handoutMasterIdLst>
   <p:sldIdLst>
     <p:sldId id="256" r:id="rId2"/>
     <p:sldId id="294" r:id="rId3"/>
     <p:sldId id="295" r:id="rId4"/>
     <p:sldId id="275" r:id="rId5"/>
-    <p:sldId id="296" r:id="rId6"/>
-    <p:sldId id="297" r:id="rId7"/>
-    <p:sldId id="284" r:id="rId8"/>
-    <p:sldId id="277" r:id="rId9"/>
-    <p:sldId id="272" r:id="rId10"/>
-    <p:sldId id="271" r:id="rId11"/>
+    <p:sldId id="284" r:id="rId6"/>
+    <p:sldId id="298" r:id="rId7"/>
+    <p:sldId id="301" r:id="rId8"/>
+    <p:sldId id="300" r:id="rId9"/>
+    <p:sldId id="296" r:id="rId10"/>
+    <p:sldId id="297" r:id="rId11"/>
     <p:sldId id="259" r:id="rId12"/>
-    <p:sldId id="274" r:id="rId13"/>
-    <p:sldId id="288" r:id="rId14"/>
-    <p:sldId id="276" r:id="rId15"/>
-    <p:sldId id="261" r:id="rId16"/>
-    <p:sldId id="281" r:id="rId17"/>
-    <p:sldId id="293" r:id="rId18"/>
-    <p:sldId id="280" r:id="rId19"/>
-    <p:sldId id="266" r:id="rId20"/>
-    <p:sldId id="268" r:id="rId21"/>
-    <p:sldId id="290" r:id="rId22"/>
-    <p:sldId id="292" r:id="rId23"/>
+    <p:sldId id="261" r:id="rId13"/>
+    <p:sldId id="281" r:id="rId14"/>
+    <p:sldId id="293" r:id="rId15"/>
+    <p:sldId id="280" r:id="rId16"/>
+    <p:sldId id="266" r:id="rId17"/>
+    <p:sldId id="268" r:id="rId18"/>
+    <p:sldId id="292" r:id="rId19"/>
   </p:sldIdLst>
   <p:sldSz cx="9144000" cy="6858000" type="screen4x3"/>
   <p:notesSz cx="6858000" cy="9144000"/>
@@ -246,7 +242,7 @@
           <a:p>
             <a:fld id="{191DB269-8995-49D8-A4B0-9411C7010620}" type="datetimeFigureOut">
               <a:rPr lang="nl-NL" smtClean="0"/>
-              <a:t>14-4-2019</a:t>
+              <a:t>6-5-2019</a:t>
             </a:fld>
             <a:endParaRPr lang="nl-NL" dirty="0"/>
           </a:p>
@@ -411,7 +407,7 @@
           <a:p>
             <a:fld id="{A74490FB-0058-431C-B3E7-EBBA4B708E40}" type="datetimeFigureOut">
               <a:rPr lang="nl-NL" smtClean="0"/>
-              <a:t>14-4-2019</a:t>
+              <a:t>6-5-2019</a:t>
             </a:fld>
             <a:endParaRPr lang="nl-NL" dirty="0"/>
           </a:p>
@@ -854,13 +850,104 @@
           <a:bodyPr/>
           <a:lstStyle/>
           <a:p>
-            <a:r>
-              <a:rPr lang="nl-NL" b="0" baseline="0" dirty="0">
-                <a:effectLst/>
+            <a:pPr marL="0" marR="0" indent="0" algn="l" defTabSz="914400" rtl="0" eaLnBrk="1" fontAlgn="auto" latinLnBrk="0" hangingPunct="1">
+              <a:lnSpc>
+                <a:spcPct val="100000"/>
+              </a:lnSpc>
+              <a:spcBef>
+                <a:spcPts val="0"/>
+              </a:spcBef>
+              <a:spcAft>
+                <a:spcPts val="0"/>
+              </a:spcAft>
+              <a:buClrTx/>
+              <a:buSzTx/>
+              <a:buFontTx/>
+              <a:buNone/>
+              <a:tabLst/>
+              <a:defRPr/>
+            </a:pPr>
+            <a:r>
+              <a:rPr lang="nl-NL" dirty="0">
+                <a:hlinkClick r:id="rId3"/>
               </a:rPr>
-              <a:t>De velden van het hulpformulier  vormen één baksteen of één schaakveld.</a:t>
-            </a:r>
-            <a:endParaRPr lang="nl-NL" i="1" dirty="0"/>
+              <a:t>https://d-bl.github.io/GroundForge/help/Site-map</a:t>
+            </a:r>
+            <a:endParaRPr lang="nl-NL" dirty="0"/>
+          </a:p>
+          <a:p>
+            <a:endParaRPr lang="nl-NL" i="0" dirty="0"/>
+          </a:p>
+          <a:p>
+            <a:r>
+              <a:rPr lang="nl-NL" i="1" dirty="0"/>
+              <a:t>Automatische vertalers met allemaal hun eigen koeterwaals en reclamezooi:</a:t>
+            </a:r>
+          </a:p>
+          <a:p>
+            <a:r>
+              <a:rPr lang="nl-NL" dirty="0">
+                <a:hlinkClick r:id="rId4"/>
+              </a:rPr>
+              <a:t>https://translate.google.com/#en/nl</a:t>
+            </a:r>
+            <a:endParaRPr lang="nl-NL" dirty="0"/>
+          </a:p>
+          <a:p>
+            <a:pPr>
+              <a:defRPr/>
+            </a:pPr>
+            <a:r>
+              <a:rPr lang="nl-NL" dirty="0">
+                <a:hlinkClick r:id="rId5"/>
+              </a:rPr>
+              <a:t>https://www.bing.com/translator/</a:t>
+            </a:r>
+            <a:endParaRPr lang="nl-NL" dirty="0"/>
+          </a:p>
+          <a:p>
+            <a:pPr>
+              <a:defRPr/>
+            </a:pPr>
+            <a:r>
+              <a:rPr lang="nl-NL" dirty="0">
+                <a:hlinkClick r:id="rId6"/>
+              </a:rPr>
+              <a:t>https://www.collinsdictionary.com/translator</a:t>
+            </a:r>
+            <a:endParaRPr lang="nl-NL" dirty="0"/>
+          </a:p>
+          <a:p>
+            <a:pPr>
+              <a:defRPr/>
+            </a:pPr>
+            <a:r>
+              <a:rPr lang="nl-NL">
+                <a:hlinkClick r:id="rId7"/>
+              </a:rPr>
+              <a:t>http://translate.reference.com/english/dutch</a:t>
+            </a:r>
+            <a:endParaRPr lang="nl-NL"/>
+          </a:p>
+          <a:p>
+            <a:pPr marL="0" marR="0" indent="0" algn="l" defTabSz="914400" rtl="0" eaLnBrk="1" fontAlgn="auto" latinLnBrk="0" hangingPunct="1">
+              <a:lnSpc>
+                <a:spcPct val="100000"/>
+              </a:lnSpc>
+              <a:spcBef>
+                <a:spcPts val="0"/>
+              </a:spcBef>
+              <a:spcAft>
+                <a:spcPts val="0"/>
+              </a:spcAft>
+              <a:buClrTx/>
+              <a:buSzTx/>
+              <a:buFontTx/>
+              <a:buNone/>
+              <a:tabLst/>
+              <a:defRPr/>
+            </a:pPr>
+            <a:endParaRPr lang="nl-NL" dirty="0"/>
           </a:p>
         </p:txBody>
       </p:sp>
@@ -974,6 +1061,61 @@
               <a:rPr lang="nl-NL" dirty="0"/>
               <a:t>Droste heeft een paar voorbeelden waarvan al wel slagen zijn ingevuld.</a:t>
             </a:r>
+          </a:p>
+          <a:p>
+            <a:endParaRPr lang="nl-NL" dirty="0">
+              <a:effectLst/>
+            </a:endParaRPr>
+          </a:p>
+          <a:p>
+            <a:r>
+              <a:rPr lang="en-US" sz="1200" b="0" i="1" u="none" strike="noStrike" kern="1200" baseline="0" dirty="0">
+                <a:solidFill>
+                  <a:schemeClr val="tx1"/>
+                </a:solidFill>
+                <a:latin typeface="+mn-lt"/>
+                <a:ea typeface="+mn-ea"/>
+                <a:cs typeface="+mn-cs"/>
+              </a:rPr>
+              <a:t>A Lace Guide for Makers and Collectors, </a:t>
+            </a:r>
+            <a:r>
+              <a:rPr lang="en-US" sz="1200" b="0" i="0" u="none" strike="noStrike" kern="1200" baseline="0" dirty="0">
+                <a:solidFill>
+                  <a:schemeClr val="tx1"/>
+                </a:solidFill>
+                <a:latin typeface="+mn-lt"/>
+                <a:ea typeface="+mn-ea"/>
+                <a:cs typeface="+mn-cs"/>
+              </a:rPr>
+              <a:t>door Gertrude Whiting</a:t>
+            </a:r>
+          </a:p>
+          <a:p>
+            <a:r>
+              <a:rPr lang="nl-NL" sz="1200" b="0" i="0" u="none" strike="noStrike" kern="1200" baseline="0" dirty="0">
+                <a:solidFill>
+                  <a:schemeClr val="tx1"/>
+                </a:solidFill>
+                <a:latin typeface="+mn-lt"/>
+                <a:ea typeface="+mn-ea"/>
+                <a:cs typeface="+mn-cs"/>
+              </a:rPr>
+              <a:t>Kant gids voor makers en verzamelaars.</a:t>
+            </a:r>
+          </a:p>
+          <a:p>
+            <a:r>
+              <a:rPr lang="nl-NL" sz="1200" b="0" i="0" u="none" strike="noStrike" kern="1200" baseline="0" dirty="0">
+                <a:solidFill>
+                  <a:schemeClr val="tx1"/>
+                </a:solidFill>
+                <a:latin typeface="+mn-lt"/>
+                <a:ea typeface="+mn-ea"/>
+                <a:cs typeface="+mn-cs"/>
+              </a:rPr>
+              <a:t>In diverse online archieven beschikbaar, het copyright is verlopen.</a:t>
+            </a:r>
             <a:endParaRPr lang="nl-NL" dirty="0">
               <a:effectLst/>
             </a:endParaRPr>
@@ -1060,81 +1202,275 @@
           <a:bodyPr/>
           <a:lstStyle/>
           <a:p>
-            <a:r>
-              <a:rPr lang="en-US" i="1" dirty="0"/>
-              <a:t>A Lace Guide for Makers and Collectors</a:t>
-            </a:r>
-            <a:r>
-              <a:rPr lang="en-US" dirty="0"/>
-              <a:t> door Gertrude Whiting</a:t>
-            </a:r>
-          </a:p>
-          <a:p>
-            <a:r>
-              <a:rPr lang="en-US" baseline="0" dirty="0">
+            <a:pPr marL="0" marR="0" lvl="0" indent="0" algn="l" defTabSz="914400" rtl="0" eaLnBrk="1" fontAlgn="auto" latinLnBrk="0" hangingPunct="1">
+              <a:lnSpc>
+                <a:spcPct val="100000"/>
+              </a:lnSpc>
+              <a:spcBef>
+                <a:spcPts val="0"/>
+              </a:spcBef>
+              <a:spcAft>
+                <a:spcPts val="0"/>
+              </a:spcAft>
+              <a:buClrTx/>
+              <a:buSzTx/>
+              <a:buFontTx/>
+              <a:buNone/>
+              <a:tabLst/>
+              <a:defRPr/>
+            </a:pPr>
+            <a:r>
+              <a:rPr lang="nl-NL" dirty="0">
                 <a:effectLst/>
               </a:rPr>
-              <a:t>Kant gids voor makers en verzamelaars.</a:t>
-            </a:r>
+              <a:t>Kantbrief/</a:t>
+            </a:r>
+            <a:r>
+              <a:rPr lang="nl-NL" dirty="0" err="1">
+                <a:effectLst/>
+              </a:rPr>
+              <a:t>pricking</a:t>
+            </a:r>
+            <a:r>
+              <a:rPr lang="nl-NL" dirty="0">
+                <a:effectLst/>
+              </a:rPr>
+              <a:t>: wat je geplastificeerd</a:t>
+            </a:r>
+            <a:r>
+              <a:rPr lang="nl-NL" baseline="0" dirty="0">
+                <a:effectLst/>
+              </a:rPr>
+              <a:t> op je kussen prikt.</a:t>
+            </a:r>
+          </a:p>
+          <a:p>
+            <a:pPr marL="0" marR="0" indent="0" algn="l" defTabSz="914400" rtl="0" eaLnBrk="1" fontAlgn="auto" latinLnBrk="0" hangingPunct="1">
+              <a:lnSpc>
+                <a:spcPct val="100000"/>
+              </a:lnSpc>
+              <a:spcBef>
+                <a:spcPts val="0"/>
+              </a:spcBef>
+              <a:spcAft>
+                <a:spcPts val="0"/>
+              </a:spcAft>
+              <a:buClrTx/>
+              <a:buSzTx/>
+              <a:buFontTx/>
+              <a:buNone/>
+              <a:tabLst/>
+              <a:defRPr/>
+            </a:pPr>
             <a:endParaRPr lang="nl-NL" baseline="0" dirty="0">
               <a:effectLst/>
             </a:endParaRPr>
           </a:p>
           <a:p>
+            <a:pPr marL="0" marR="0" indent="0" algn="l" defTabSz="914400" rtl="0" eaLnBrk="1" fontAlgn="auto" latinLnBrk="0" hangingPunct="1">
+              <a:lnSpc>
+                <a:spcPct val="100000"/>
+              </a:lnSpc>
+              <a:spcBef>
+                <a:spcPts val="0"/>
+              </a:spcBef>
+              <a:spcAft>
+                <a:spcPts val="0"/>
+              </a:spcAft>
+              <a:buClrTx/>
+              <a:buSzTx/>
+              <a:buFontTx/>
+              <a:buNone/>
+              <a:tabLst/>
+              <a:defRPr/>
+            </a:pPr>
+            <a:r>
+              <a:rPr lang="nl-NL" baseline="0" dirty="0">
+                <a:effectLst/>
+              </a:rPr>
+              <a:t>Je komt hier via “</a:t>
+            </a:r>
+            <a:r>
+              <a:rPr lang="nl-NL" baseline="0" dirty="0" err="1">
+                <a:effectLst/>
+              </a:rPr>
+              <a:t>vari</a:t>
+            </a:r>
+            <a:r>
+              <a:rPr lang="nl-NL" baseline="0" dirty="0">
+                <a:effectLst/>
+              </a:rPr>
+              <a:t>” links vanuit de </a:t>
+            </a:r>
+            <a:r>
+              <a:rPr lang="nl-NL" baseline="0" dirty="0" err="1">
+                <a:effectLst/>
+              </a:rPr>
+              <a:t>Tesselace</a:t>
+            </a:r>
+            <a:r>
+              <a:rPr lang="nl-NL" baseline="0" dirty="0">
+                <a:effectLst/>
+              </a:rPr>
+              <a:t> index, of een à twee letterige links vanuit de </a:t>
+            </a:r>
+            <a:r>
+              <a:rPr lang="nl-NL" baseline="0" dirty="0" err="1">
+                <a:effectLst/>
+              </a:rPr>
+              <a:t>Whiting</a:t>
+            </a:r>
+            <a:r>
+              <a:rPr lang="nl-NL" baseline="0" dirty="0">
+                <a:effectLst/>
+              </a:rPr>
+              <a:t> index.</a:t>
+            </a:r>
+          </a:p>
+          <a:p>
+            <a:pPr marL="0" marR="0" indent="0" algn="l" defTabSz="914400" rtl="0" eaLnBrk="1" fontAlgn="auto" latinLnBrk="0" hangingPunct="1">
+              <a:lnSpc>
+                <a:spcPct val="100000"/>
+              </a:lnSpc>
+              <a:spcBef>
+                <a:spcPts val="0"/>
+              </a:spcBef>
+              <a:spcAft>
+                <a:spcPts val="0"/>
+              </a:spcAft>
+              <a:buClrTx/>
+              <a:buSzTx/>
+              <a:buFontTx/>
+              <a:buNone/>
+              <a:tabLst/>
+              <a:defRPr/>
+            </a:pPr>
             <a:endParaRPr lang="nl-NL" baseline="0" dirty="0">
               <a:effectLst/>
             </a:endParaRPr>
           </a:p>
           <a:p>
+            <a:pPr marL="0" marR="0" indent="0" algn="l" defTabSz="914400" rtl="0" eaLnBrk="1" fontAlgn="auto" latinLnBrk="0" hangingPunct="1">
+              <a:lnSpc>
+                <a:spcPct val="100000"/>
+              </a:lnSpc>
+              <a:spcBef>
+                <a:spcPts val="0"/>
+              </a:spcBef>
+              <a:spcAft>
+                <a:spcPts val="0"/>
+              </a:spcAft>
+              <a:buClrTx/>
+              <a:buSzTx/>
+              <a:buFontTx/>
+              <a:buNone/>
+              <a:tabLst/>
+              <a:defRPr/>
+            </a:pPr>
             <a:r>
               <a:rPr lang="nl-NL" baseline="0" dirty="0">
                 <a:effectLst/>
               </a:rPr>
-              <a:t>In diverse online archieven beschikbaar, het copyright is verlopen.</a:t>
-            </a:r>
-          </a:p>
-          <a:p>
+              <a:t>Variaties zijn beperkt door een vierkant raster.</a:t>
+            </a:r>
+          </a:p>
+          <a:p>
+            <a:pPr>
+              <a:defRPr/>
+            </a:pPr>
+            <a:r>
+              <a:rPr lang="nl-NL" baseline="0" dirty="0">
+                <a:effectLst/>
+              </a:rPr>
+              <a:t>Zelf kun je meer vervormingen toepassen</a:t>
+            </a:r>
+            <a:r>
+              <a:rPr lang="nl-NL" dirty="0">
+                <a:effectLst/>
+              </a:rPr>
+              <a:t> </a:t>
+            </a:r>
+            <a:r>
+              <a:rPr lang="nl-NL" dirty="0"/>
+              <a:t>voor de gewenste kantbrief.</a:t>
+            </a:r>
             <a:endParaRPr lang="nl-NL" baseline="0" dirty="0">
               <a:effectLst/>
             </a:endParaRPr>
           </a:p>
           <a:p>
+            <a:pPr marL="0" marR="0" indent="0" algn="l" defTabSz="914400" rtl="0" eaLnBrk="1" fontAlgn="auto" latinLnBrk="0" hangingPunct="1">
+              <a:lnSpc>
+                <a:spcPct val="100000"/>
+              </a:lnSpc>
+              <a:spcBef>
+                <a:spcPts val="0"/>
+              </a:spcBef>
+              <a:spcAft>
+                <a:spcPts val="0"/>
+              </a:spcAft>
+              <a:buClrTx/>
+              <a:buSzTx/>
+              <a:buFontTx/>
+              <a:buNone/>
+              <a:tabLst/>
+              <a:defRPr/>
+            </a:pPr>
+            <a:endParaRPr lang="nl-NL" baseline="0" dirty="0">
+              <a:effectLst/>
+            </a:endParaRPr>
+          </a:p>
+          <a:p>
+            <a:pPr marL="0" marR="0" indent="0" algn="l" defTabSz="914400" rtl="0" eaLnBrk="1" fontAlgn="auto" latinLnBrk="0" hangingPunct="1">
+              <a:lnSpc>
+                <a:spcPct val="100000"/>
+              </a:lnSpc>
+              <a:spcBef>
+                <a:spcPts val="0"/>
+              </a:spcBef>
+              <a:spcAft>
+                <a:spcPts val="0"/>
+              </a:spcAft>
+              <a:buClrTx/>
+              <a:buSzTx/>
+              <a:buFontTx/>
+              <a:buNone/>
+              <a:tabLst/>
+              <a:defRPr/>
+            </a:pPr>
+            <a:r>
+              <a:rPr lang="nl-NL" b="1" dirty="0"/>
+              <a:t>Bruggetje</a:t>
+            </a:r>
+            <a:r>
+              <a:rPr lang="nl-NL" dirty="0"/>
+              <a:t>:</a:t>
+            </a:r>
+          </a:p>
+          <a:p>
+            <a:pPr marL="0" marR="0" indent="0" algn="l" defTabSz="914400" rtl="0" eaLnBrk="1" fontAlgn="auto" latinLnBrk="0" hangingPunct="1">
+              <a:lnSpc>
+                <a:spcPct val="100000"/>
+              </a:lnSpc>
+              <a:spcBef>
+                <a:spcPts val="0"/>
+              </a:spcBef>
+              <a:spcAft>
+                <a:spcPts val="0"/>
+              </a:spcAft>
+              <a:buClrTx/>
+              <a:buSzTx/>
+              <a:buFontTx/>
+              <a:buNone/>
+              <a:tabLst/>
+              <a:defRPr/>
+            </a:pPr>
             <a:r>
               <a:rPr lang="nl-NL" baseline="0" dirty="0">
                 <a:effectLst/>
               </a:rPr>
-              <a:t>Niet alle gronden kunnen met GroundForge</a:t>
-            </a:r>
-          </a:p>
-          <a:p>
-            <a:r>
-              <a:rPr lang="nl-NL" baseline="0" dirty="0">
-                <a:effectLst/>
-              </a:rPr>
-              <a:t>Bijvoorbeeld wegens aanhaken of oneven aantallen draden per slag</a:t>
-            </a:r>
-          </a:p>
-          <a:p>
-            <a:endParaRPr lang="nl-NL" baseline="0" dirty="0">
-              <a:effectLst/>
-            </a:endParaRPr>
-          </a:p>
-          <a:p>
-            <a:r>
-              <a:rPr lang="nl-NL" b="1" baseline="0" dirty="0">
-                <a:effectLst/>
-              </a:rPr>
-              <a:t>Bruggetje</a:t>
-            </a:r>
-          </a:p>
-          <a:p>
-            <a:r>
-              <a:rPr lang="nl-NL" baseline="0" dirty="0">
-                <a:effectLst/>
-              </a:rPr>
-              <a:t>Laten we een blokje onder de loep nemen</a:t>
-            </a:r>
-            <a:endParaRPr lang="nl-NL" dirty="0"/>
+              <a:t>We zoomen verder in op het uitgelichte rapport van het rechter patroon</a:t>
+            </a:r>
           </a:p>
         </p:txBody>
       </p:sp>
@@ -1164,7 +1500,7 @@
     </p:spTree>
     <p:extLst>
       <p:ext uri="{BB962C8B-B14F-4D97-AF65-F5344CB8AC3E}">
-        <p14:creationId xmlns:p14="http://schemas.microsoft.com/office/powerpoint/2010/main" val="846069162"/>
+        <p14:creationId xmlns:p14="http://schemas.microsoft.com/office/powerpoint/2010/main" val="4263791989"/>
       </p:ext>
     </p:extLst>
   </p:cSld>
@@ -1218,7 +1554,184 @@
           <a:bodyPr/>
           <a:lstStyle/>
           <a:p>
+            <a:r>
+              <a:rPr lang="nl-NL" dirty="0">
+                <a:effectLst/>
+              </a:rPr>
+              <a:t>Zie ook Engelse introductie in de help pagina’s</a:t>
+            </a:r>
+          </a:p>
+          <a:p>
+            <a:endParaRPr lang="nl-NL" dirty="0">
+              <a:effectLst/>
+            </a:endParaRPr>
+          </a:p>
+          <a:p>
+            <a:r>
+              <a:rPr lang="nl-NL" dirty="0">
+                <a:effectLst/>
+              </a:rPr>
+              <a:t>Bovenste rij afbeeldingen wat je</a:t>
+            </a:r>
+            <a:r>
+              <a:rPr lang="nl-NL" baseline="0" dirty="0">
+                <a:effectLst/>
+              </a:rPr>
+              <a:t> van GroundForge krijgt.</a:t>
+            </a:r>
+          </a:p>
+          <a:p>
+            <a:r>
+              <a:rPr lang="nl-NL" baseline="0" dirty="0">
+                <a:effectLst/>
+              </a:rPr>
+              <a:t>Er telkens onder wat je misschien wilt hebben, of een tussenstap.</a:t>
+            </a:r>
+          </a:p>
+          <a:p>
+            <a:r>
+              <a:rPr lang="nl-NL" baseline="0" dirty="0">
+                <a:effectLst/>
+              </a:rPr>
+              <a:t>Linksonder als in: Kant uit Vlaanderen en ‘s Gravenmoer.</a:t>
+            </a:r>
+          </a:p>
+          <a:p>
             <a:endParaRPr lang="nl-NL" baseline="0" dirty="0">
+              <a:effectLst/>
+            </a:endParaRPr>
+          </a:p>
+          <a:p>
+            <a:r>
+              <a:rPr lang="nl-NL" i="1" baseline="0" dirty="0">
+                <a:effectLst/>
+              </a:rPr>
+              <a:t>Afbeelding gemaakt op de (oude!) hoofdpagina met:</a:t>
+            </a:r>
+          </a:p>
+          <a:p>
+            <a:pPr lvl="1"/>
+            <a:r>
+              <a:rPr lang="nl-NL" i="0" dirty="0">
+                <a:effectLst/>
+                <a:latin typeface="Consolas" panose="020B0609020204030204" pitchFamily="49" charset="0"/>
+                <a:cs typeface="Consolas" panose="020B0609020204030204" pitchFamily="49" charset="0"/>
+              </a:rPr>
+              <a:t>-5--</a:t>
+            </a:r>
+          </a:p>
+          <a:p>
+            <a:pPr lvl="1"/>
+            <a:r>
+              <a:rPr lang="nl-NL" i="0" dirty="0">
+                <a:effectLst/>
+                <a:latin typeface="Consolas" panose="020B0609020204030204" pitchFamily="49" charset="0"/>
+                <a:cs typeface="Consolas" panose="020B0609020204030204" pitchFamily="49" charset="0"/>
+              </a:rPr>
+              <a:t>B-C-</a:t>
+            </a:r>
+          </a:p>
+          <a:p>
+            <a:pPr lvl="1"/>
+            <a:r>
+              <a:rPr lang="nl-NL" i="0" dirty="0">
+                <a:effectLst/>
+                <a:latin typeface="Consolas" panose="020B0609020204030204" pitchFamily="49" charset="0"/>
+                <a:cs typeface="Consolas" panose="020B0609020204030204" pitchFamily="49" charset="0"/>
+              </a:rPr>
+              <a:t>-5-5</a:t>
+            </a:r>
+          </a:p>
+          <a:p>
+            <a:pPr lvl="1"/>
+            <a:r>
+              <a:rPr lang="nl-NL" i="0" dirty="0">
+                <a:effectLst/>
+                <a:latin typeface="Consolas" panose="020B0609020204030204" pitchFamily="49" charset="0"/>
+                <a:cs typeface="Consolas" panose="020B0609020204030204" pitchFamily="49" charset="0"/>
+              </a:rPr>
+              <a:t>5-5-</a:t>
+            </a:r>
+          </a:p>
+          <a:p>
+            <a:pPr marL="0" marR="0" indent="0" algn="l" defTabSz="914400" rtl="0" eaLnBrk="1" fontAlgn="auto" latinLnBrk="0" hangingPunct="1">
+              <a:lnSpc>
+                <a:spcPct val="100000"/>
+              </a:lnSpc>
+              <a:spcBef>
+                <a:spcPts val="0"/>
+              </a:spcBef>
+              <a:spcAft>
+                <a:spcPts val="0"/>
+              </a:spcAft>
+              <a:buClrTx/>
+              <a:buSzTx/>
+              <a:buFontTx/>
+              <a:buNone/>
+              <a:tabLst/>
+              <a:defRPr/>
+            </a:pPr>
+            <a:r>
+              <a:rPr lang="nl-NL" i="1" baseline="0" dirty="0">
+                <a:effectLst/>
+              </a:rPr>
+              <a:t>Brick (baksteen); Stitches (s</a:t>
+            </a:r>
+            <a:r>
+              <a:rPr lang="nl-NL" i="1" dirty="0">
+                <a:effectLst/>
+              </a:rPr>
+              <a:t>lagen): ct b1=ctptct d1=ctptct A2=ctpl C2=ctpr A4=ctl C4=ctr D1=ctptctt</a:t>
+            </a:r>
+          </a:p>
+          <a:p>
+            <a:endParaRPr lang="nl-NL" i="1" dirty="0">
+              <a:effectLst/>
+            </a:endParaRPr>
+          </a:p>
+          <a:p>
+            <a:r>
+              <a:rPr lang="nl-NL" i="1" dirty="0">
+                <a:effectLst/>
+              </a:rPr>
+              <a:t>Alle draden zwart, 7 en 10 rood</a:t>
+            </a:r>
+          </a:p>
+          <a:p>
+            <a:endParaRPr lang="nl-NL" i="1" baseline="0" dirty="0">
+              <a:effectLst/>
+            </a:endParaRPr>
+          </a:p>
+          <a:p>
+            <a:r>
+              <a:rPr lang="nl-NL" i="1" baseline="0" dirty="0">
+                <a:effectLst/>
+              </a:rPr>
+              <a:t>Probeer ook eens een dubbelle  netslag of omkeerslag in het midden</a:t>
+            </a:r>
+          </a:p>
+          <a:p>
+            <a:r>
+              <a:rPr lang="nl-NL" i="1" baseline="0" dirty="0">
+                <a:effectLst/>
+              </a:rPr>
+              <a:t>C=cross=kruisen, t=twist=draaien, p=pin=speld.</a:t>
+            </a:r>
+            <a:r>
+              <a:rPr lang="nl-NL" i="1" dirty="0">
+                <a:effectLst/>
+              </a:rPr>
+              <a:t> </a:t>
+            </a:r>
+            <a:r>
+              <a:rPr lang="nl-NL" i="1" baseline="0" dirty="0">
+                <a:effectLst/>
+              </a:rPr>
+              <a:t>Meestal gaan spelden niet zo goed.</a:t>
+            </a:r>
+          </a:p>
+          <a:p>
+            <a:endParaRPr lang="nl-NL" i="1" dirty="0">
               <a:effectLst/>
             </a:endParaRPr>
           </a:p>
@@ -1250,7 +1763,7 @@
     </p:spTree>
     <p:extLst>
       <p:ext uri="{BB962C8B-B14F-4D97-AF65-F5344CB8AC3E}">
-        <p14:creationId xmlns:p14="http://schemas.microsoft.com/office/powerpoint/2010/main" val="846069162"/>
+        <p14:creationId xmlns:p14="http://schemas.microsoft.com/office/powerpoint/2010/main" val="4263791989"/>
       </p:ext>
     </p:extLst>
   </p:cSld>
@@ -1305,20 +1818,156 @@
           <a:lstStyle/>
           <a:p>
             <a:r>
+              <a:rPr lang="nl-NL" dirty="0">
+                <a:effectLst/>
+              </a:rPr>
+              <a:t>Concept</a:t>
+            </a:r>
+            <a:r>
               <a:rPr lang="nl-NL" baseline="0" dirty="0">
                 <a:effectLst/>
               </a:rPr>
-              <a:t>Gebaseerd op tussenresultaten van promotie onderzoek door Veronika Irvine </a:t>
+              <a:t> downloaden voor SVG editor:</a:t>
+            </a:r>
+          </a:p>
+          <a:p>
+            <a:r>
+              <a:rPr lang="nl-NL" dirty="0" err="1"/>
+              <a:t>CorelDraw</a:t>
             </a:r>
             <a:r>
               <a:rPr lang="nl-NL" dirty="0"/>
-              <a:t>uit </a:t>
+              <a:t> 💰 , Adobe Illustrator💰, </a:t>
+            </a:r>
+            <a:r>
+              <a:rPr lang="nl-NL" dirty="0" err="1"/>
+              <a:t>InkScape</a:t>
+            </a:r>
+            <a:r>
+              <a:rPr lang="nl-NL" dirty="0"/>
+              <a:t> (gratis)</a:t>
+            </a:r>
+          </a:p>
+          <a:p>
+            <a:r>
+              <a:rPr lang="nl-NL" dirty="0" err="1">
+                <a:effectLst/>
+              </a:rPr>
+              <a:t>Knipling</a:t>
+            </a:r>
+            <a:r>
+              <a:rPr lang="nl-NL" dirty="0">
+                <a:effectLst/>
+              </a:rPr>
+              <a:t>/Lace</a:t>
+            </a:r>
+            <a:r>
+              <a:rPr lang="nl-NL" sz="1400" baseline="30000" dirty="0">
+                <a:effectLst/>
+              </a:rPr>
+              <a:t>8</a:t>
+            </a:r>
+            <a:r>
+              <a:rPr lang="nl-NL" sz="1400" dirty="0">
+                <a:effectLst/>
+              </a:rPr>
+              <a:t>/</a:t>
+            </a:r>
+            <a:r>
+              <a:rPr lang="nl-NL" dirty="0" err="1">
+                <a:effectLst/>
+              </a:rPr>
+              <a:t>Lace</a:t>
+            </a:r>
+            <a:r>
+              <a:rPr lang="nl-NL" sz="1200" baseline="30000" dirty="0" err="1">
+                <a:effectLst/>
+              </a:rPr>
+              <a:t>X</a:t>
+            </a:r>
+            <a:r>
+              <a:rPr lang="nl-NL" sz="1200" baseline="30000" dirty="0">
+                <a:effectLst/>
+              </a:rPr>
+              <a:t>-RP</a:t>
+            </a:r>
+            <a:r>
+              <a:rPr lang="nl-NL" dirty="0">
+                <a:effectLst/>
+              </a:rPr>
+              <a:t> begrijpen de download niet: 1 rapport natekenen</a:t>
+            </a:r>
+          </a:p>
+          <a:p>
+            <a:r>
+              <a:rPr lang="nl-NL" dirty="0">
+                <a:effectLst/>
+              </a:rPr>
+              <a:t>De </a:t>
+            </a:r>
+            <a:r>
+              <a:rPr lang="nl-NL" dirty="0" err="1">
+                <a:effectLst/>
+              </a:rPr>
+              <a:t>gekleurende</a:t>
+            </a:r>
+            <a:r>
+              <a:rPr lang="nl-NL" dirty="0">
+                <a:effectLst/>
+              </a:rPr>
+              <a:t> punten helpen</a:t>
             </a:r>
             <a:r>
               <a:rPr lang="nl-NL" baseline="0" dirty="0">
                 <a:effectLst/>
               </a:rPr>
-              <a:t>Canada</a:t>
+              <a:t> meerdere rapporten aan elkaar plakken</a:t>
+            </a:r>
+          </a:p>
+          <a:p>
+            <a:endParaRPr lang="nl-NL" dirty="0"/>
+          </a:p>
+          <a:p>
+            <a:r>
+              <a:rPr lang="nl-NL" dirty="0"/>
+              <a:t>Je kunt ook kruispunten verplaatsen.</a:t>
+            </a:r>
+          </a:p>
+          <a:p>
+            <a:r>
+              <a:rPr lang="nl-NL" dirty="0">
+                <a:effectLst/>
+              </a:rPr>
+              <a:t>Zelfde kleuren </a:t>
+            </a:r>
+            <a:r>
+              <a:rPr lang="nl-NL" dirty="0">
+                <a:effectLst/>
+                <a:sym typeface="Wingdings" panose="05000000000000000000" pitchFamily="2" charset="2"/>
+              </a:rPr>
+              <a:t> zelfde verplaatsing</a:t>
+            </a:r>
+            <a:r>
+              <a:rPr lang="nl-NL" dirty="0">
+                <a:effectLst/>
+              </a:rPr>
+              <a:t> </a:t>
+            </a:r>
+          </a:p>
+          <a:p>
+            <a:r>
+              <a:rPr lang="nl-NL" dirty="0">
+                <a:effectLst/>
+              </a:rPr>
+              <a:t>Het donkerblauwe bolletje rechtsboven zit ook midden-onder</a:t>
+            </a:r>
+          </a:p>
+          <a:p>
+            <a:r>
+              <a:rPr lang="nl-NL" dirty="0">
+                <a:effectLst/>
+              </a:rPr>
+              <a:t> en kan daardoor hooguit een half hokje verschuiven.</a:t>
             </a:r>
           </a:p>
           <a:p>
@@ -1331,190 +1980,104 @@
               <a:rPr lang="nl-NL" baseline="0" dirty="0">
                 <a:effectLst/>
               </a:rPr>
-              <a:t>GroundForge maakt de gaten in de schema’s zo rond mogelijk</a:t>
-            </a:r>
-          </a:p>
-          <a:p>
-            <a:r>
-              <a:rPr lang="nl-NL" dirty="0"/>
-              <a:t>Er kunnen meerdere computer gegenereerde gronden bij een diagram horen</a:t>
-            </a:r>
-          </a:p>
-          <a:p>
+              <a:t>Met promotieonderzoek alle(?) combinaties tot 4x4 opgezocht</a:t>
+            </a:r>
+          </a:p>
+          <a:p>
+            <a:r>
+              <a:rPr lang="nl-NL" dirty="0">
+                <a:effectLst/>
+                <a:sym typeface="Wingdings" panose="05000000000000000000" pitchFamily="2" charset="2"/>
+              </a:rPr>
+              <a:t> enkele</a:t>
+            </a:r>
             <a:r>
               <a:rPr lang="nl-NL" baseline="0" dirty="0">
                 <a:effectLst/>
               </a:rPr>
-              <a:t>Een</a:t>
-            </a:r>
-            <a:r>
-              <a:rPr lang="nl-NL" dirty="0">
+              <a:t> </a:t>
+            </a:r>
+            <a:r>
+              <a:rPr lang="nl-NL" dirty="0"/>
+              <a:t>honderden rondgetrokken tesselace</a:t>
+            </a:r>
+            <a:r>
+              <a:rPr lang="nl-NL" baseline="0" dirty="0"/>
+              <a:t> </a:t>
+            </a:r>
+            <a:r>
+              <a:rPr lang="nl-NL" dirty="0"/>
+              <a:t>diagrammen</a:t>
+            </a:r>
+          </a:p>
+          <a:p>
+            <a:r>
+              <a:rPr lang="nl-NL" dirty="0"/>
+              <a:t>5x4: zo veel dat je met een 1 sec per stuk minstens een dag bezig</a:t>
+            </a:r>
+            <a:r>
+              <a:rPr lang="nl-NL" baseline="0" dirty="0"/>
+              <a:t> bent,</a:t>
+            </a:r>
+          </a:p>
+          <a:p>
+            <a:r>
+              <a:rPr lang="nl-NL" baseline="0" dirty="0"/>
+              <a:t> veel daarvan is meer van bijna hetzelfde</a:t>
+            </a:r>
+            <a:endParaRPr lang="nl-NL" dirty="0"/>
+          </a:p>
+          <a:p>
+            <a:endParaRPr lang="nl-NL" dirty="0"/>
+          </a:p>
+          <a:p>
+            <a:r>
+              <a:rPr lang="nl-NL" dirty="0"/>
+              <a:t>Binche gronden passen niet in 4x4,</a:t>
+            </a:r>
+            <a:r>
+              <a:rPr lang="nl-NL" baseline="0" dirty="0"/>
+              <a:t> d</a:t>
+            </a:r>
+            <a:r>
+              <a:rPr lang="nl-NL" baseline="0" dirty="0">
                 <a:effectLst/>
               </a:rPr>
-              <a:t> animatie in een van de help pagina’s laat de transformatie van de ene variant naar de andere zien.</a:t>
-            </a:r>
+              <a:t>ie kun je wel zelf maken</a:t>
+            </a:r>
+          </a:p>
+          <a:p>
+            <a:r>
+              <a:rPr lang="nl-NL" baseline="0" dirty="0">
+                <a:effectLst/>
+              </a:rPr>
+              <a:t>Spiekbriefje in de handleiding (toegepast in MAE-gf en Whiting index)</a:t>
+            </a:r>
+          </a:p>
+          <a:p>
             <a:endParaRPr lang="nl-NL" baseline="0" dirty="0">
               <a:effectLst/>
             </a:endParaRPr>
           </a:p>
           <a:p>
-            <a:endParaRPr lang="nl-NL" dirty="0"/>
-          </a:p>
-          <a:p>
-            <a:pPr>
-              <a:defRPr/>
-            </a:pPr>
-            <a:r>
-              <a:rPr lang="nl-NL" b="1" dirty="0"/>
-              <a:t>Aantallen</a:t>
-            </a:r>
-          </a:p>
-          <a:p>
-            <a:r>
-              <a:rPr lang="nl-NL" dirty="0"/>
-              <a:t>374 paardiagrammen, gebaseerd op</a:t>
-            </a:r>
-          </a:p>
-          <a:p>
-            <a:pPr>
-              <a:defRPr/>
-            </a:pPr>
-            <a:r>
-              <a:rPr lang="nl-NL" dirty="0"/>
-              <a:t>449 computer gegenereerde diagrammen.</a:t>
-            </a:r>
-          </a:p>
-          <a:p>
-            <a:endParaRPr lang="nl-NL" dirty="0"/>
-          </a:p>
-          <a:p>
-            <a:pPr marL="0" marR="0" indent="0" algn="l" defTabSz="914400" rtl="0" eaLnBrk="1" fontAlgn="auto" latinLnBrk="0" hangingPunct="1">
-              <a:lnSpc>
-                <a:spcPct val="100000"/>
-              </a:lnSpc>
-              <a:spcBef>
-                <a:spcPts val="0"/>
-              </a:spcBef>
-              <a:spcAft>
-                <a:spcPts val="0"/>
-              </a:spcAft>
-              <a:buClrTx/>
-              <a:buSzTx/>
-              <a:buFontTx/>
-              <a:buNone/>
-              <a:tabLst/>
-              <a:defRPr/>
-            </a:pPr>
-            <a:r>
-              <a:rPr lang="nl-NL" b="1" baseline="0" dirty="0">
-                <a:effectLst/>
-              </a:rPr>
-              <a:t>Bruggetje</a:t>
-            </a:r>
-          </a:p>
-          <a:p>
-            <a:pPr marL="0" marR="0" indent="0" algn="l" defTabSz="914400" rtl="0" eaLnBrk="1" fontAlgn="auto" latinLnBrk="0" hangingPunct="1">
-              <a:lnSpc>
-                <a:spcPct val="100000"/>
-              </a:lnSpc>
-              <a:spcBef>
-                <a:spcPts val="0"/>
-              </a:spcBef>
-              <a:spcAft>
-                <a:spcPts val="0"/>
-              </a:spcAft>
-              <a:buClrTx/>
-              <a:buSzTx/>
-              <a:buFontTx/>
-              <a:buNone/>
-              <a:tabLst/>
-              <a:defRPr/>
-            </a:pPr>
-            <a:r>
-              <a:rPr lang="nl-NL" baseline="0" dirty="0">
-                <a:effectLst/>
-              </a:rPr>
-              <a:t>Kiezen</a:t>
-            </a:r>
-            <a:r>
-              <a:rPr lang="nl-NL" dirty="0">
-                <a:effectLst/>
-              </a:rPr>
-              <a:t> we </a:t>
-            </a:r>
-            <a:r>
-              <a:rPr lang="nl-NL" baseline="0" dirty="0">
-                <a:effectLst/>
-              </a:rPr>
-              <a:t>de Parijse grond</a:t>
-            </a:r>
-          </a:p>
-          <a:p>
-            <a:pPr marL="0" marR="0" indent="0" algn="l" defTabSz="914400" rtl="0" eaLnBrk="1" fontAlgn="auto" latinLnBrk="0" hangingPunct="1">
-              <a:lnSpc>
-                <a:spcPct val="100000"/>
-              </a:lnSpc>
-              <a:spcBef>
-                <a:spcPts val="0"/>
-              </a:spcBef>
-              <a:spcAft>
-                <a:spcPts val="0"/>
-              </a:spcAft>
-              <a:buClrTx/>
-              <a:buSzTx/>
-              <a:buFontTx/>
-              <a:buNone/>
-              <a:tabLst/>
-              <a:defRPr/>
-            </a:pPr>
-            <a:r>
-              <a:rPr lang="nl-NL" dirty="0"/>
-              <a:t>Dan krijgen we enkele varianten met een vierkast raster</a:t>
-            </a:r>
-            <a:endParaRPr lang="nl-NL" baseline="0" dirty="0">
-              <a:effectLst/>
-            </a:endParaRPr>
-          </a:p>
-          <a:p>
-            <a:pPr marL="0" marR="0" indent="0" algn="l" defTabSz="914400" rtl="0" eaLnBrk="1" fontAlgn="auto" latinLnBrk="0" hangingPunct="1">
-              <a:lnSpc>
-                <a:spcPct val="100000"/>
-              </a:lnSpc>
-              <a:spcBef>
-                <a:spcPts val="0"/>
-              </a:spcBef>
-              <a:spcAft>
-                <a:spcPts val="0"/>
-              </a:spcAft>
-              <a:buClrTx/>
-              <a:buSzTx/>
-              <a:buFontTx/>
-              <a:buNone/>
-              <a:tabLst/>
-              <a:defRPr/>
-            </a:pPr>
-            <a:endParaRPr lang="nl-NL" baseline="0" dirty="0">
-              <a:effectLst/>
-            </a:endParaRPr>
-          </a:p>
-          <a:p>
-            <a:pPr marL="0" marR="0" indent="0" algn="l" defTabSz="914400" rtl="0" eaLnBrk="1" fontAlgn="auto" latinLnBrk="0" hangingPunct="1">
-              <a:lnSpc>
-                <a:spcPct val="100000"/>
-              </a:lnSpc>
-              <a:spcBef>
-                <a:spcPts val="0"/>
-              </a:spcBef>
-              <a:spcAft>
-                <a:spcPts val="0"/>
-              </a:spcAft>
-              <a:buClrTx/>
-              <a:buSzTx/>
-              <a:buFontTx/>
-              <a:buNone/>
-              <a:tabLst/>
-              <a:defRPr/>
-            </a:pPr>
+            <a:r>
+              <a:rPr lang="nl-NL" i="0" dirty="0"/>
+              <a:t>Horizontale of verticale verbinding zijn één of twee hokjes lang.</a:t>
+            </a:r>
+          </a:p>
+          <a:p>
+            <a:r>
+              <a:rPr lang="nl-NL" i="0" dirty="0"/>
+              <a:t>Diagonale verbindingen zijn altijd één hokje.</a:t>
+            </a:r>
+          </a:p>
+          <a:p>
+            <a:r>
+              <a:rPr lang="nl-NL" i="0" dirty="0"/>
+              <a:t>Boven (C) en (B) is eigenlijk ook nog een (-) nodig</a:t>
+            </a:r>
+          </a:p>
+          <a:p>
             <a:endParaRPr lang="nl-NL" baseline="0" dirty="0">
               <a:effectLst/>
             </a:endParaRPr>
@@ -1547,7 +2110,7 @@
     </p:spTree>
     <p:extLst>
       <p:ext uri="{BB962C8B-B14F-4D97-AF65-F5344CB8AC3E}">
-        <p14:creationId xmlns:p14="http://schemas.microsoft.com/office/powerpoint/2010/main" val="846069162"/>
+        <p14:creationId xmlns:p14="http://schemas.microsoft.com/office/powerpoint/2010/main" val="4263791989"/>
       </p:ext>
     </p:extLst>
   </p:cSld>
@@ -1601,126 +2164,36 @@
           <a:bodyPr/>
           <a:lstStyle/>
           <a:p>
-            <a:pPr marL="0" marR="0" indent="0" algn="l" defTabSz="914400" rtl="0" eaLnBrk="1" fontAlgn="auto" latinLnBrk="0" hangingPunct="1">
-              <a:lnSpc>
-                <a:spcPct val="100000"/>
-              </a:lnSpc>
-              <a:spcBef>
-                <a:spcPts val="0"/>
-              </a:spcBef>
-              <a:spcAft>
-                <a:spcPts val="0"/>
-              </a:spcAft>
-              <a:buClrTx/>
-              <a:buSzTx/>
-              <a:buFontTx/>
-              <a:buNone/>
-              <a:tabLst/>
-              <a:defRPr/>
-            </a:pPr>
-            <a:r>
-              <a:rPr lang="nl-NL" baseline="0" dirty="0">
+            <a:endParaRPr lang="nl-NL" dirty="0">
+              <a:effectLst/>
+            </a:endParaRPr>
+          </a:p>
+          <a:p>
+            <a:r>
+              <a:rPr lang="nl-NL" b="1" dirty="0">
                 <a:effectLst/>
               </a:rPr>
-              <a:t>Variaties zijn beperkt door een vierkant raster.</a:t>
-            </a:r>
-          </a:p>
-          <a:p>
-            <a:pPr>
-              <a:defRPr/>
-            </a:pPr>
-            <a:r>
-              <a:rPr lang="nl-NL" baseline="0" dirty="0">
-                <a:effectLst/>
-              </a:rPr>
-              <a:t>Zelf kun je meer vervormingen toepassen</a:t>
-            </a:r>
+              <a:t>bruggetje</a:t>
+            </a:r>
+          </a:p>
+          <a:p>
             <a:r>
               <a:rPr lang="nl-NL" dirty="0">
                 <a:effectLst/>
               </a:rPr>
-              <a:t> </a:t>
-            </a:r>
-            <a:r>
-              <a:rPr lang="nl-NL" dirty="0"/>
-              <a:t>voor de gewenste kantbrief.</a:t>
-            </a:r>
-            <a:endParaRPr lang="nl-NL" baseline="0" dirty="0">
-              <a:effectLst/>
-            </a:endParaRPr>
-          </a:p>
-          <a:p>
-            <a:pPr marL="0" marR="0" indent="0" algn="l" defTabSz="914400" rtl="0" eaLnBrk="1" fontAlgn="auto" latinLnBrk="0" hangingPunct="1">
-              <a:lnSpc>
-                <a:spcPct val="100000"/>
-              </a:lnSpc>
-              <a:spcBef>
-                <a:spcPts val="0"/>
-              </a:spcBef>
-              <a:spcAft>
-                <a:spcPts val="0"/>
-              </a:spcAft>
-              <a:buClrTx/>
-              <a:buSzTx/>
-              <a:buFontTx/>
-              <a:buNone/>
-              <a:tabLst/>
-              <a:defRPr/>
-            </a:pPr>
-            <a:endParaRPr lang="nl-NL" baseline="0" dirty="0">
-              <a:effectLst/>
-            </a:endParaRPr>
-          </a:p>
-          <a:p>
-            <a:pPr marL="0" marR="0" indent="0" algn="l" defTabSz="914400" rtl="0" eaLnBrk="1" fontAlgn="auto" latinLnBrk="0" hangingPunct="1">
-              <a:lnSpc>
-                <a:spcPct val="100000"/>
-              </a:lnSpc>
-              <a:spcBef>
-                <a:spcPts val="0"/>
-              </a:spcBef>
-              <a:spcAft>
-                <a:spcPts val="0"/>
-              </a:spcAft>
-              <a:buClrTx/>
-              <a:buSzTx/>
-              <a:buFontTx/>
-              <a:buNone/>
-              <a:tabLst/>
-              <a:defRPr/>
-            </a:pPr>
-            <a:r>
-              <a:rPr lang="nl-NL" b="1" dirty="0"/>
-              <a:t>Bruggetje</a:t>
-            </a:r>
-            <a:r>
-              <a:rPr lang="nl-NL" dirty="0"/>
-              <a:t>:</a:t>
-            </a:r>
-          </a:p>
-          <a:p>
-            <a:pPr marL="0" marR="0" indent="0" algn="l" defTabSz="914400" rtl="0" eaLnBrk="1" fontAlgn="auto" latinLnBrk="0" hangingPunct="1">
-              <a:lnSpc>
-                <a:spcPct val="100000"/>
-              </a:lnSpc>
-              <a:spcBef>
-                <a:spcPts val="0"/>
-              </a:spcBef>
-              <a:spcAft>
-                <a:spcPts val="0"/>
-              </a:spcAft>
-              <a:buClrTx/>
-              <a:buSzTx/>
-              <a:buFontTx/>
-              <a:buNone/>
-              <a:tabLst/>
-              <a:defRPr/>
-            </a:pPr>
-            <a:r>
-              <a:rPr lang="nl-NL" baseline="0" dirty="0">
+              <a:t>gebruik het dradenschema voor een 2</a:t>
+            </a:r>
+            <a:r>
+              <a:rPr lang="nl-NL" baseline="30000" dirty="0">
                 <a:effectLst/>
               </a:rPr>
-              <a:t>We zoomen verder in op het uitgelichte rapport van het rechter patroon</a:t>
+              <a:t>e</a:t>
+            </a:r>
+            <a:r>
+              <a:rPr lang="nl-NL" dirty="0">
+                <a:effectLst/>
+              </a:rPr>
+              <a:t> parenschema</a:t>
             </a:r>
           </a:p>
         </p:txBody>
@@ -1751,7 +2224,7 @@
     </p:spTree>
     <p:extLst>
       <p:ext uri="{BB962C8B-B14F-4D97-AF65-F5344CB8AC3E}">
-        <p14:creationId xmlns:p14="http://schemas.microsoft.com/office/powerpoint/2010/main" val="4263791989"/>
+        <p14:creationId xmlns:p14="http://schemas.microsoft.com/office/powerpoint/2010/main" val="846069162"/>
       </p:ext>
     </p:extLst>
   </p:cSld>
@@ -1809,7 +2282,27 @@
               <a:rPr lang="nl-NL" dirty="0">
                 <a:effectLst/>
               </a:rPr>
-              <a:t>Zie ook Engelse introductie in de help pagina’s</a:t>
+              <a:t>Spelden kunnen</a:t>
+            </a:r>
+            <a:r>
+              <a:rPr lang="nl-NL" baseline="0" dirty="0">
+                <a:effectLst/>
+              </a:rPr>
+              <a:t> als in een Trollengrond</a:t>
+            </a:r>
+            <a:r>
+              <a:rPr lang="nl-NL" dirty="0">
+                <a:effectLst/>
+              </a:rPr>
+              <a:t> gestoken worden</a:t>
+            </a:r>
+          </a:p>
+          <a:p>
+            <a:r>
+              <a:rPr lang="nl-NL" dirty="0">
+                <a:effectLst/>
+              </a:rPr>
+              <a:t>of als in een Vlaanderse grond</a:t>
             </a:r>
           </a:p>
           <a:p>
@@ -1822,201 +2315,46 @@
               <a:rPr lang="nl-NL" dirty="0">
                 <a:effectLst/>
               </a:rPr>
-              <a:t>Kantbrief/</a:t>
-            </a:r>
-            <a:r>
-              <a:rPr lang="nl-NL" dirty="0" err="1">
+              <a:t>---------</a:t>
+            </a:r>
+          </a:p>
+          <a:p>
+            <a:endParaRPr lang="nl-NL" dirty="0">
+              <a:effectLst/>
+            </a:endParaRPr>
+          </a:p>
+          <a:p>
+            <a:r>
+              <a:rPr lang="nl-NL" dirty="0">
                 <a:effectLst/>
+                <a:hlinkClick r:id="rId3"/>
               </a:rPr>
-              <a:t>pricking</a:t>
+              <a:t>http://www.lokk.nl/techniek/trollengrond.php</a:t>
             </a:r>
             <a:r>
               <a:rPr lang="nl-NL" dirty="0">
                 <a:effectLst/>
               </a:rPr>
-              <a:t>: wat je geplastificeerd</a:t>
-            </a:r>
-            <a:r>
-              <a:rPr lang="nl-NL" baseline="0" dirty="0">
+              <a:t> </a:t>
+            </a:r>
+          </a:p>
+          <a:p>
+            <a:r>
+              <a:rPr lang="nl-NL" dirty="0">
                 <a:effectLst/>
+                <a:hlinkClick r:id="rId4"/>
               </a:rPr>
-              <a:t> op je kussen prikt.</a:t>
-            </a:r>
-            <a:endParaRPr lang="nl-NL" dirty="0">
-              <a:effectLst/>
-            </a:endParaRPr>
-          </a:p>
-          <a:p>
-            <a:endParaRPr lang="nl-NL" dirty="0">
-              <a:effectLst/>
-            </a:endParaRPr>
-          </a:p>
-          <a:p>
+              <a:t>http://www.lokk.nl/techniek/vlaandersetralie.php</a:t>
+            </a:r>
             <a:r>
               <a:rPr lang="nl-NL" dirty="0">
                 <a:effectLst/>
               </a:rPr>
-              <a:t>Bovenste rij afbeeldingen wat je</a:t>
-            </a:r>
-            <a:r>
-              <a:rPr lang="nl-NL" baseline="0" dirty="0">
-                <a:effectLst/>
-              </a:rPr>
-              <a:t> van GroundForge krijgt.</a:t>
-            </a:r>
-          </a:p>
-          <a:p>
-            <a:r>
-              <a:rPr lang="nl-NL" baseline="0" dirty="0">
-                <a:effectLst/>
-              </a:rPr>
-              <a:t>Er telkens onder wat je misschien wilt hebben, of een tussenstap.</a:t>
-            </a:r>
-          </a:p>
-          <a:p>
-            <a:r>
-              <a:rPr lang="nl-NL" baseline="0" dirty="0">
-                <a:effectLst/>
-              </a:rPr>
-              <a:t>Linksonder als in: Kant uit Vlaanderen en ‘s Gravenmoer.</a:t>
+              <a:t> </a:t>
             </a:r>
           </a:p>
           <a:p>
             <a:endParaRPr lang="nl-NL" baseline="0" dirty="0">
-              <a:effectLst/>
-            </a:endParaRPr>
-          </a:p>
-          <a:p>
-            <a:r>
-              <a:rPr lang="nl-NL" i="1" baseline="0" dirty="0">
-                <a:effectLst/>
-              </a:rPr>
-              <a:t>Afbeelding gemaakt op de hoofdpagina met:</a:t>
-            </a:r>
-          </a:p>
-          <a:p>
-            <a:pPr lvl="1"/>
-            <a:r>
-              <a:rPr lang="nl-NL" i="0" dirty="0">
-                <a:effectLst/>
-                <a:latin typeface="Consolas" panose="020B0609020204030204" pitchFamily="49" charset="0"/>
-                <a:cs typeface="Consolas" panose="020B0609020204030204" pitchFamily="49" charset="0"/>
-              </a:rPr>
-              <a:t>-5--</a:t>
-            </a:r>
-          </a:p>
-          <a:p>
-            <a:pPr lvl="1"/>
-            <a:r>
-              <a:rPr lang="nl-NL" i="0" dirty="0">
-                <a:effectLst/>
-                <a:latin typeface="Consolas" panose="020B0609020204030204" pitchFamily="49" charset="0"/>
-                <a:cs typeface="Consolas" panose="020B0609020204030204" pitchFamily="49" charset="0"/>
-              </a:rPr>
-              <a:t>B-C-</a:t>
-            </a:r>
-          </a:p>
-          <a:p>
-            <a:pPr lvl="1"/>
-            <a:r>
-              <a:rPr lang="nl-NL" i="0" dirty="0">
-                <a:effectLst/>
-                <a:latin typeface="Consolas" panose="020B0609020204030204" pitchFamily="49" charset="0"/>
-                <a:cs typeface="Consolas" panose="020B0609020204030204" pitchFamily="49" charset="0"/>
-              </a:rPr>
-              <a:t>-5-5</a:t>
-            </a:r>
-          </a:p>
-          <a:p>
-            <a:pPr lvl="1"/>
-            <a:r>
-              <a:rPr lang="nl-NL" i="0" dirty="0">
-                <a:effectLst/>
-                <a:latin typeface="Consolas" panose="020B0609020204030204" pitchFamily="49" charset="0"/>
-                <a:cs typeface="Consolas" panose="020B0609020204030204" pitchFamily="49" charset="0"/>
-              </a:rPr>
-              <a:t>5-5-</a:t>
-            </a:r>
-          </a:p>
-          <a:p>
-            <a:pPr marL="0" marR="0" indent="0" algn="l" defTabSz="914400" rtl="0" eaLnBrk="1" fontAlgn="auto" latinLnBrk="0" hangingPunct="1">
-              <a:lnSpc>
-                <a:spcPct val="100000"/>
-              </a:lnSpc>
-              <a:spcBef>
-                <a:spcPts val="0"/>
-              </a:spcBef>
-              <a:spcAft>
-                <a:spcPts val="0"/>
-              </a:spcAft>
-              <a:buClrTx/>
-              <a:buSzTx/>
-              <a:buFontTx/>
-              <a:buNone/>
-              <a:tabLst/>
-              <a:defRPr/>
-            </a:pPr>
-            <a:r>
-              <a:rPr lang="nl-NL" i="1" baseline="0" dirty="0">
-                <a:effectLst/>
-              </a:rPr>
-              <a:t>Brick (baksteen); Stitches (s</a:t>
-            </a:r>
-            <a:r>
-              <a:rPr lang="nl-NL" i="1" dirty="0">
-                <a:effectLst/>
-              </a:rPr>
-              <a:t>lagen): ct b1=ctptct d1=ctptct A2=ctpl C2=ctpr A4=ctl C4=ctr D1=ctptctt</a:t>
-            </a:r>
-          </a:p>
-          <a:p>
-            <a:endParaRPr lang="nl-NL" i="1" dirty="0">
-              <a:effectLst/>
-            </a:endParaRPr>
-          </a:p>
-          <a:p>
-            <a:r>
-              <a:rPr lang="nl-NL" i="1" dirty="0">
-                <a:effectLst/>
-              </a:rPr>
-              <a:t>Alle draden zwart, 7 en 10 rood</a:t>
-            </a:r>
-          </a:p>
-          <a:p>
-            <a:endParaRPr lang="nl-NL" i="1" baseline="0" dirty="0">
-              <a:effectLst/>
-            </a:endParaRPr>
-          </a:p>
-          <a:p>
-            <a:r>
-              <a:rPr lang="nl-NL" i="1" baseline="0" dirty="0">
-                <a:effectLst/>
-              </a:rPr>
-              <a:t>Probeer ook eens een dubbelle  netslag of omkeerslag in het midden</a:t>
-            </a:r>
-          </a:p>
-          <a:p>
-            <a:r>
-              <a:rPr lang="nl-NL" i="1" baseline="0" dirty="0">
-                <a:effectLst/>
-              </a:rPr>
-              <a:t>C=cross=kruisen, t=twist=draaien, p=pin=speld.</a:t>
-            </a:r>
-            <a:r>
-              <a:rPr lang="nl-NL" i="1" dirty="0">
-                <a:effectLst/>
-              </a:rPr>
-              <a:t> </a:t>
-            </a:r>
-            <a:r>
-              <a:rPr lang="nl-NL" i="1" baseline="0" dirty="0">
-                <a:effectLst/>
-              </a:rPr>
-              <a:t>Meestal gaan spelden niet zo goed.</a:t>
-            </a:r>
-          </a:p>
-          <a:p>
-            <a:endParaRPr lang="nl-NL" i="1" dirty="0">
               <a:effectLst/>
             </a:endParaRPr>
           </a:p>
@@ -2048,7 +2386,7 @@
     </p:spTree>
     <p:extLst>
       <p:ext uri="{BB962C8B-B14F-4D97-AF65-F5344CB8AC3E}">
-        <p14:creationId xmlns:p14="http://schemas.microsoft.com/office/powerpoint/2010/main" val="4263791989"/>
+        <p14:creationId xmlns:p14="http://schemas.microsoft.com/office/powerpoint/2010/main" val="846069162"/>
       </p:ext>
     </p:extLst>
   </p:cSld>
@@ -2102,270 +2440,58 @@
           <a:bodyPr/>
           <a:lstStyle/>
           <a:p>
-            <a:r>
-              <a:rPr lang="nl-NL" dirty="0">
-                <a:effectLst/>
-              </a:rPr>
-              <a:t>Concept</a:t>
-            </a:r>
-            <a:r>
-              <a:rPr lang="nl-NL" baseline="0" dirty="0">
-                <a:effectLst/>
-              </a:rPr>
-              <a:t> downloaden voor SVG editor:</a:t>
-            </a:r>
-          </a:p>
-          <a:p>
-            <a:r>
-              <a:rPr lang="nl-NL" dirty="0" err="1"/>
-              <a:t>CorelDraw</a:t>
-            </a:r>
+            <a:pPr marL="0" marR="0" indent="0" algn="l" defTabSz="914400" rtl="0" eaLnBrk="1" fontAlgn="auto" latinLnBrk="0" hangingPunct="1">
+              <a:lnSpc>
+                <a:spcPct val="100000"/>
+              </a:lnSpc>
+              <a:spcBef>
+                <a:spcPts val="0"/>
+              </a:spcBef>
+              <a:spcAft>
+                <a:spcPts val="0"/>
+              </a:spcAft>
+              <a:buClrTx/>
+              <a:buSzTx/>
+              <a:buFontTx/>
+              <a:buNone/>
+              <a:tabLst/>
+              <a:defRPr/>
+            </a:pPr>
+            <a:r>
+              <a:rPr lang="nl-NL" baseline="0" dirty="0"/>
+              <a:t>De software maakt de gaten zo rond mogelijk. </a:t>
+            </a:r>
+          </a:p>
+          <a:p>
+            <a:endParaRPr lang="nl-NL" dirty="0"/>
+          </a:p>
+          <a:p>
             <a:r>
               <a:rPr lang="nl-NL" dirty="0"/>
-              <a:t> 💰 , Adobe Illustrator💰, </a:t>
-            </a:r>
-            <a:r>
-              <a:rPr lang="nl-NL" dirty="0" err="1"/>
-              <a:t>InkScape</a:t>
-            </a:r>
+              <a:t>Met spelden</a:t>
+            </a:r>
+          </a:p>
+          <a:p>
             <a:r>
               <a:rPr lang="nl-NL" dirty="0"/>
-              <a:t> (gratis)</a:t>
-            </a:r>
-          </a:p>
-          <a:p>
-            <a:r>
-              <a:rPr lang="nl-NL" dirty="0" err="1">
-                <a:effectLst/>
-              </a:rPr>
-              <a:t>Knipling</a:t>
-            </a:r>
-            <a:r>
-              <a:rPr lang="nl-NL" dirty="0">
-                <a:effectLst/>
-              </a:rPr>
-              <a:t>/Lace</a:t>
-            </a:r>
-            <a:r>
-              <a:rPr lang="nl-NL" sz="1400" baseline="30000" dirty="0">
-                <a:effectLst/>
-              </a:rPr>
-              <a:t>8</a:t>
-            </a:r>
-            <a:r>
-              <a:rPr lang="nl-NL" sz="1400" dirty="0">
-                <a:effectLst/>
-              </a:rPr>
-              <a:t>/</a:t>
-            </a:r>
-            <a:r>
-              <a:rPr lang="nl-NL" dirty="0" err="1">
-                <a:effectLst/>
-              </a:rPr>
-              <a:t>Lace</a:t>
-            </a:r>
-            <a:r>
-              <a:rPr lang="nl-NL" sz="1200" baseline="30000" dirty="0" err="1">
-                <a:effectLst/>
-              </a:rPr>
-              <a:t>X</a:t>
-            </a:r>
-            <a:r>
-              <a:rPr lang="nl-NL" sz="1200" baseline="30000" dirty="0">
-                <a:effectLst/>
-              </a:rPr>
-              <a:t>-RP</a:t>
-            </a:r>
-            <a:r>
-              <a:rPr lang="nl-NL" dirty="0">
-                <a:effectLst/>
-              </a:rPr>
-              <a:t> begrijpen de download niet: 1 rapport natekenen</a:t>
-            </a:r>
-          </a:p>
-          <a:p>
-            <a:r>
-              <a:rPr lang="nl-NL" dirty="0">
-                <a:effectLst/>
-              </a:rPr>
-              <a:t>De </a:t>
-            </a:r>
-            <a:r>
-              <a:rPr lang="nl-NL" dirty="0" err="1">
-                <a:effectLst/>
-              </a:rPr>
-              <a:t>gekleurende</a:t>
-            </a:r>
-            <a:r>
-              <a:rPr lang="nl-NL" dirty="0">
-                <a:effectLst/>
-              </a:rPr>
-              <a:t> punten helpen</a:t>
-            </a:r>
-            <a:r>
-              <a:rPr lang="nl-NL" baseline="0" dirty="0">
-                <a:effectLst/>
-              </a:rPr>
-              <a:t> meerdere rapporten aan elkaar plakken</a:t>
-            </a:r>
-          </a:p>
-          <a:p>
+              <a:t> kun je vierkantjes maken</a:t>
+            </a:r>
+          </a:p>
+          <a:p>
+            <a:r>
+              <a:rPr lang="nl-NL" dirty="0"/>
+              <a:t> of een mix van vierkantjes en rondjes</a:t>
+            </a:r>
+          </a:p>
+          <a:p>
+            <a:r>
+              <a:rPr lang="nl-NL" baseline="0" dirty="0"/>
+              <a:t> (niet met GroundForge)</a:t>
+            </a:r>
             <a:endParaRPr lang="nl-NL" dirty="0"/>
           </a:p>
           <a:p>
-            <a:r>
-              <a:rPr lang="nl-NL" dirty="0"/>
-              <a:t>Je kunt ook kruispunten verplaatsen.</a:t>
-            </a:r>
-          </a:p>
-          <a:p>
-            <a:r>
-              <a:rPr lang="nl-NL" dirty="0">
-                <a:effectLst/>
-              </a:rPr>
-              <a:t>Zelfde kleuren </a:t>
-            </a:r>
-            <a:r>
-              <a:rPr lang="nl-NL" dirty="0">
-                <a:effectLst/>
-                <a:sym typeface="Wingdings" panose="05000000000000000000" pitchFamily="2" charset="2"/>
-              </a:rPr>
-              <a:t> zelfde verplaatsing</a:t>
-            </a:r>
-            <a:r>
-              <a:rPr lang="nl-NL" dirty="0">
-                <a:effectLst/>
-              </a:rPr>
-              <a:t> </a:t>
-            </a:r>
-          </a:p>
-          <a:p>
-            <a:r>
-              <a:rPr lang="nl-NL" dirty="0">
-                <a:effectLst/>
-              </a:rPr>
-              <a:t>Het donkerblauwe bolletje rechtsboven zit ook midden-onder</a:t>
-            </a:r>
-          </a:p>
-          <a:p>
-            <a:r>
-              <a:rPr lang="nl-NL" dirty="0">
-                <a:effectLst/>
-              </a:rPr>
-              <a:t> en kan daardoor hooguit een half hokje verschuiven.</a:t>
-            </a:r>
-          </a:p>
-          <a:p>
-            <a:endParaRPr lang="nl-NL" baseline="0" dirty="0">
-              <a:effectLst/>
-            </a:endParaRPr>
-          </a:p>
-          <a:p>
-            <a:r>
-              <a:rPr lang="nl-NL" baseline="0" dirty="0">
-                <a:effectLst/>
-              </a:rPr>
-              <a:t>Met promotieonderzoek alle(?) combinaties tot 4x4 opgezocht</a:t>
-            </a:r>
-          </a:p>
-          <a:p>
-            <a:r>
-              <a:rPr lang="nl-NL" dirty="0">
-                <a:effectLst/>
-                <a:sym typeface="Wingdings" panose="05000000000000000000" pitchFamily="2" charset="2"/>
-              </a:rPr>
-              <a:t> enkele</a:t>
-            </a:r>
-            <a:r>
-              <a:rPr lang="nl-NL" baseline="0" dirty="0">
-                <a:effectLst/>
-              </a:rPr>
-              <a:t> </a:t>
-            </a:r>
-            <a:r>
-              <a:rPr lang="nl-NL" dirty="0"/>
-              <a:t>honderden rondgetrokken tesselace</a:t>
-            </a:r>
-            <a:r>
-              <a:rPr lang="nl-NL" baseline="0" dirty="0"/>
-              <a:t> </a:t>
-            </a:r>
-            <a:r>
-              <a:rPr lang="nl-NL" dirty="0"/>
-              <a:t>diagrammen</a:t>
-            </a:r>
-          </a:p>
-          <a:p>
-            <a:r>
-              <a:rPr lang="nl-NL" dirty="0"/>
-              <a:t>5x4: zo veel dat je met een 1 sec per stuk minstens een dag bezig</a:t>
-            </a:r>
-            <a:r>
-              <a:rPr lang="nl-NL" baseline="0" dirty="0"/>
-              <a:t> bent,</a:t>
-            </a:r>
-          </a:p>
-          <a:p>
-            <a:r>
-              <a:rPr lang="nl-NL" baseline="0" dirty="0"/>
-              <a:t> veel daarvan is meer van bijna hetzelfde</a:t>
-            </a:r>
             <a:endParaRPr lang="nl-NL" dirty="0"/>
-          </a:p>
-          <a:p>
-            <a:endParaRPr lang="nl-NL" dirty="0"/>
-          </a:p>
-          <a:p>
-            <a:r>
-              <a:rPr lang="nl-NL" dirty="0"/>
-              <a:t>Binche gronden passen niet in 4x4,</a:t>
-            </a:r>
-            <a:r>
-              <a:rPr lang="nl-NL" baseline="0" dirty="0"/>
-              <a:t> d</a:t>
-            </a:r>
-            <a:r>
-              <a:rPr lang="nl-NL" baseline="0" dirty="0">
-                <a:effectLst/>
-              </a:rPr>
-              <a:t>ie kun je wel zelf maken</a:t>
-            </a:r>
-          </a:p>
-          <a:p>
-            <a:r>
-              <a:rPr lang="nl-NL" baseline="0" dirty="0">
-                <a:effectLst/>
-              </a:rPr>
-              <a:t>Spiekbriefje in de handleiding (toegepast in MAE-gf en Whiting index)</a:t>
-            </a:r>
-          </a:p>
-          <a:p>
-            <a:endParaRPr lang="nl-NL" baseline="0" dirty="0">
-              <a:effectLst/>
-            </a:endParaRPr>
-          </a:p>
-          <a:p>
-            <a:r>
-              <a:rPr lang="nl-NL" i="0" dirty="0"/>
-              <a:t>Horizontale of verticale verbinding zijn één of twee hokjes lang.</a:t>
-            </a:r>
-          </a:p>
-          <a:p>
-            <a:r>
-              <a:rPr lang="nl-NL" i="0" dirty="0"/>
-              <a:t>Diagonale verbindingen zijn altijd één hokje.</a:t>
-            </a:r>
-          </a:p>
-          <a:p>
-            <a:r>
-              <a:rPr lang="nl-NL" i="0" dirty="0"/>
-              <a:t>Boven (C) en (B) is eigenlijk ook nog een (-) nodig</a:t>
-            </a:r>
-          </a:p>
-          <a:p>
-            <a:endParaRPr lang="nl-NL" baseline="0" dirty="0">
-              <a:effectLst/>
-            </a:endParaRPr>
           </a:p>
         </p:txBody>
       </p:sp>
@@ -2395,7 +2521,7 @@
     </p:spTree>
     <p:extLst>
       <p:ext uri="{BB962C8B-B14F-4D97-AF65-F5344CB8AC3E}">
-        <p14:creationId xmlns:p14="http://schemas.microsoft.com/office/powerpoint/2010/main" val="4263791989"/>
+        <p14:creationId xmlns:p14="http://schemas.microsoft.com/office/powerpoint/2010/main" val="846069162"/>
       </p:ext>
     </p:extLst>
   </p:cSld>
@@ -2449,37 +2575,85 @@
           <a:bodyPr/>
           <a:lstStyle/>
           <a:p>
-            <a:endParaRPr lang="nl-NL" dirty="0">
-              <a:effectLst/>
-            </a:endParaRPr>
-          </a:p>
-          <a:p>
-            <a:r>
-              <a:rPr lang="nl-NL" b="1" dirty="0">
-                <a:effectLst/>
+            <a:pPr>
+              <a:defRPr/>
+            </a:pPr>
+            <a:r>
+              <a:rPr lang="nl-NL" sz="1200" b="0" i="0" u="none" strike="noStrike" kern="1200" baseline="0" dirty="0">
+                <a:solidFill>
+                  <a:schemeClr val="tx1"/>
+                </a:solidFill>
+                <a:latin typeface="+mn-lt"/>
+                <a:ea typeface="+mn-ea"/>
+                <a:cs typeface="+mn-cs"/>
               </a:rPr>
-              <a:t>bruggetje</a:t>
-            </a:r>
-          </a:p>
-          <a:p>
-            <a:r>
-              <a:rPr lang="nl-NL" dirty="0">
-                <a:effectLst/>
-              </a:rPr>
-              <a:t>gebruik het dradenschema voor een 2</a:t>
-            </a:r>
-            <a:r>
-              <a:rPr lang="nl-NL" baseline="30000" dirty="0">
-                <a:effectLst/>
-              </a:rPr>
-              <a:t>e</a:t>
-            </a:r>
-            <a:r>
-              <a:rPr lang="nl-NL" dirty="0">
-                <a:effectLst/>
-              </a:rPr>
-              <a:t> parenschema</a:t>
-            </a:r>
+              <a:t>Programmeer foutjes kunnen je soms aan het lachen maken: een virtueel omgekiept kantkussen.</a:t>
+            </a:r>
+          </a:p>
+          <a:p>
+            <a:pPr>
+              <a:defRPr/>
+            </a:pPr>
+            <a:endParaRPr lang="nl-NL" dirty="0"/>
+          </a:p>
+          <a:p>
+            <a:pPr>
+              <a:defRPr/>
+            </a:pPr>
+            <a:r>
+              <a:rPr lang="nl-NL" dirty="0"/>
+              <a:t>Kies voor de helppagina</a:t>
+            </a:r>
+            <a:r>
+              <a:rPr lang="nl-NL" baseline="0" dirty="0"/>
+              <a:t> “changes”,  </a:t>
+            </a:r>
+            <a:r>
+              <a:rPr lang="nl-NL" dirty="0"/>
+              <a:t>volg de links met “issues” voor een lijst wensen en bugs</a:t>
+            </a:r>
+          </a:p>
+          <a:p>
+            <a:endParaRPr lang="nl-NL" dirty="0"/>
+          </a:p>
+          <a:p>
+            <a:r>
+              <a:rPr lang="nl-NL" i="0" dirty="0"/>
+              <a:t>Icoontjes in de voetregel van de hoofdpagina geven aan hoe geschikt bepaalde browsers en apparaten zijn</a:t>
+            </a:r>
+          </a:p>
+          <a:p>
+            <a:endParaRPr lang="nl-NL" i="0" dirty="0"/>
+          </a:p>
+          <a:p>
+            <a:r>
+              <a:rPr lang="nl-NL" i="0" dirty="0"/>
+              <a:t>Aanraakschermen hebben geen muis voor help-info als je ergens boven zweeft</a:t>
+            </a:r>
+          </a:p>
+          <a:p>
+            <a:r>
+              <a:rPr lang="nl-NL" i="0" dirty="0"/>
+              <a:t>Internet Explorer (11) heeft een bug waardoor je gekke effecten krijgt.</a:t>
+            </a:r>
+          </a:p>
+          <a:p>
+            <a:endParaRPr lang="nl-NL" i="0" dirty="0"/>
+          </a:p>
+          <a:p>
+            <a:r>
+              <a:rPr lang="nl-NL" i="0" dirty="0"/>
+              <a:t>Release notes somt van tijd tot tijd de wijzigingen op</a:t>
+            </a:r>
+          </a:p>
+          <a:p>
+            <a:r>
+              <a:rPr lang="nl-NL" i="0" dirty="0"/>
+              <a:t>Is zelden helemaal bij</a:t>
+            </a:r>
+          </a:p>
+          <a:p>
+            <a:endParaRPr lang="nl-NL" i="0" strike="sngStrike" dirty="0"/>
           </a:p>
         </p:txBody>
       </p:sp>
@@ -2509,169 +2683,7 @@
     </p:spTree>
     <p:extLst>
       <p:ext uri="{BB962C8B-B14F-4D97-AF65-F5344CB8AC3E}">
-        <p14:creationId xmlns:p14="http://schemas.microsoft.com/office/powerpoint/2010/main" val="846069162"/>
-      </p:ext>
-    </p:extLst>
-  </p:cSld>
-  <p:clrMapOvr>
-    <a:masterClrMapping/>
-  </p:clrMapOvr>
-</p:notes>
-</file>
-
-<file path=ppt/notesSlides/notesSlide19.xml><?xml version="1.0" encoding="utf-8"?>
-<p:notes xmlns:a="http://schemas.openxmlformats.org/drawingml/2006/main" xmlns:r="http://schemas.openxmlformats.org/officeDocument/2006/relationships" xmlns:p="http://schemas.openxmlformats.org/presentationml/2006/main">
-  <p:cSld>
-    <p:spTree>
-      <p:nvGrpSpPr>
-        <p:cNvPr id="1" name=""/>
-        <p:cNvGrpSpPr/>
-        <p:nvPr/>
-      </p:nvGrpSpPr>
-      <p:grpSpPr>
-        <a:xfrm>
-          <a:off x="0" y="0"/>
-          <a:ext cx="0" cy="0"/>
-          <a:chOff x="0" y="0"/>
-          <a:chExt cx="0" cy="0"/>
-        </a:xfrm>
-      </p:grpSpPr>
-      <p:sp>
-        <p:nvSpPr>
-          <p:cNvPr id="2" name="Tijdelijke aanduiding voor dia-afbeelding 1"/>
-          <p:cNvSpPr>
-            <a:spLocks noGrp="1" noRot="1" noChangeAspect="1"/>
-          </p:cNvSpPr>
-          <p:nvPr>
-            <p:ph type="sldImg"/>
-          </p:nvPr>
-        </p:nvSpPr>
-        <p:spPr/>
-      </p:sp>
-      <p:sp>
-        <p:nvSpPr>
-          <p:cNvPr id="3" name="Tijdelijke aanduiding voor notities 2"/>
-          <p:cNvSpPr>
-            <a:spLocks noGrp="1"/>
-          </p:cNvSpPr>
-          <p:nvPr>
-            <p:ph type="body" idx="1"/>
-          </p:nvPr>
-        </p:nvSpPr>
-        <p:spPr/>
-        <p:txBody>
-          <a:bodyPr/>
-          <a:lstStyle/>
-          <a:p>
-            <a:r>
-              <a:rPr lang="nl-NL" dirty="0">
-                <a:effectLst/>
-              </a:rPr>
-              <a:t>Spelden kunnen</a:t>
-            </a:r>
-            <a:r>
-              <a:rPr lang="nl-NL" baseline="0" dirty="0">
-                <a:effectLst/>
-              </a:rPr>
-              <a:t> als in een Trollengrond</a:t>
-            </a:r>
-            <a:r>
-              <a:rPr lang="nl-NL" dirty="0">
-                <a:effectLst/>
-              </a:rPr>
-              <a:t> gestoken worden</a:t>
-            </a:r>
-          </a:p>
-          <a:p>
-            <a:r>
-              <a:rPr lang="nl-NL" dirty="0">
-                <a:effectLst/>
-              </a:rPr>
-              <a:t>of als in een Vlaanderse grond</a:t>
-            </a:r>
-          </a:p>
-          <a:p>
-            <a:endParaRPr lang="nl-NL" dirty="0">
-              <a:effectLst/>
-            </a:endParaRPr>
-          </a:p>
-          <a:p>
-            <a:r>
-              <a:rPr lang="nl-NL" dirty="0">
-                <a:effectLst/>
-              </a:rPr>
-              <a:t>---------</a:t>
-            </a:r>
-          </a:p>
-          <a:p>
-            <a:endParaRPr lang="nl-NL" dirty="0">
-              <a:effectLst/>
-            </a:endParaRPr>
-          </a:p>
-          <a:p>
-            <a:r>
-              <a:rPr lang="nl-NL" dirty="0">
-                <a:effectLst/>
-                <a:hlinkClick r:id="rId3"/>
-              </a:rPr>
-              <a:t>http://www.lokk.nl/techniek/trollengrond.php</a:t>
-            </a:r>
-            <a:r>
-              <a:rPr lang="nl-NL" dirty="0">
-                <a:effectLst/>
-              </a:rPr>
-              <a:t> </a:t>
-            </a:r>
-          </a:p>
-          <a:p>
-            <a:r>
-              <a:rPr lang="nl-NL" dirty="0">
-                <a:effectLst/>
-                <a:hlinkClick r:id="rId4"/>
-              </a:rPr>
-              <a:t>http://www.lokk.nl/techniek/vlaandersetralie.php</a:t>
-            </a:r>
-            <a:r>
-              <a:rPr lang="nl-NL" dirty="0">
-                <a:effectLst/>
-              </a:rPr>
-              <a:t> </a:t>
-            </a:r>
-          </a:p>
-          <a:p>
-            <a:endParaRPr lang="nl-NL" baseline="0" dirty="0">
-              <a:effectLst/>
-            </a:endParaRPr>
-          </a:p>
-        </p:txBody>
-      </p:sp>
-      <p:sp>
-        <p:nvSpPr>
-          <p:cNvPr id="4" name="Tijdelijke aanduiding voor dianummer 3"/>
-          <p:cNvSpPr>
-            <a:spLocks noGrp="1"/>
-          </p:cNvSpPr>
-          <p:nvPr>
-            <p:ph type="sldNum" sz="quarter" idx="10"/>
-          </p:nvPr>
-        </p:nvSpPr>
-        <p:spPr/>
-        <p:txBody>
-          <a:bodyPr/>
-          <a:lstStyle/>
-          <a:p>
-            <a:fld id="{7EC7493F-9CE3-4AD5-8254-4B462DC5112C}" type="slidenum">
-              <a:rPr lang="nl-NL" smtClean="0"/>
-              <a:t>19</a:t>
-            </a:fld>
-            <a:endParaRPr lang="nl-NL" dirty="0"/>
-          </a:p>
-        </p:txBody>
-      </p:sp>
-    </p:spTree>
-    <p:extLst>
-      <p:ext uri="{BB962C8B-B14F-4D97-AF65-F5344CB8AC3E}">
-        <p14:creationId xmlns:p14="http://schemas.microsoft.com/office/powerpoint/2010/main" val="846069162"/>
+        <p14:creationId xmlns:p14="http://schemas.microsoft.com/office/powerpoint/2010/main" val="3101222508"/>
       </p:ext>
     </p:extLst>
   </p:cSld>
@@ -2880,388 +2892,6 @@
     <p:extLst>
       <p:ext uri="{BB962C8B-B14F-4D97-AF65-F5344CB8AC3E}">
         <p14:creationId xmlns:p14="http://schemas.microsoft.com/office/powerpoint/2010/main" val="1093046927"/>
-      </p:ext>
-    </p:extLst>
-  </p:cSld>
-  <p:clrMapOvr>
-    <a:masterClrMapping/>
-  </p:clrMapOvr>
-</p:notes>
-</file>
-
-<file path=ppt/notesSlides/notesSlide20.xml><?xml version="1.0" encoding="utf-8"?>
-<p:notes xmlns:a="http://schemas.openxmlformats.org/drawingml/2006/main" xmlns:r="http://schemas.openxmlformats.org/officeDocument/2006/relationships" xmlns:p="http://schemas.openxmlformats.org/presentationml/2006/main">
-  <p:cSld>
-    <p:spTree>
-      <p:nvGrpSpPr>
-        <p:cNvPr id="1" name=""/>
-        <p:cNvGrpSpPr/>
-        <p:nvPr/>
-      </p:nvGrpSpPr>
-      <p:grpSpPr>
-        <a:xfrm>
-          <a:off x="0" y="0"/>
-          <a:ext cx="0" cy="0"/>
-          <a:chOff x="0" y="0"/>
-          <a:chExt cx="0" cy="0"/>
-        </a:xfrm>
-      </p:grpSpPr>
-      <p:sp>
-        <p:nvSpPr>
-          <p:cNvPr id="2" name="Tijdelijke aanduiding voor dia-afbeelding 1"/>
-          <p:cNvSpPr>
-            <a:spLocks noGrp="1" noRot="1" noChangeAspect="1"/>
-          </p:cNvSpPr>
-          <p:nvPr>
-            <p:ph type="sldImg"/>
-          </p:nvPr>
-        </p:nvSpPr>
-        <p:spPr/>
-      </p:sp>
-      <p:sp>
-        <p:nvSpPr>
-          <p:cNvPr id="3" name="Tijdelijke aanduiding voor notities 2"/>
-          <p:cNvSpPr>
-            <a:spLocks noGrp="1"/>
-          </p:cNvSpPr>
-          <p:nvPr>
-            <p:ph type="body" idx="1"/>
-          </p:nvPr>
-        </p:nvSpPr>
-        <p:spPr/>
-        <p:txBody>
-          <a:bodyPr/>
-          <a:lstStyle/>
-          <a:p>
-            <a:pPr marL="0" marR="0" indent="0" algn="l" defTabSz="914400" rtl="0" eaLnBrk="1" fontAlgn="auto" latinLnBrk="0" hangingPunct="1">
-              <a:lnSpc>
-                <a:spcPct val="100000"/>
-              </a:lnSpc>
-              <a:spcBef>
-                <a:spcPts val="0"/>
-              </a:spcBef>
-              <a:spcAft>
-                <a:spcPts val="0"/>
-              </a:spcAft>
-              <a:buClrTx/>
-              <a:buSzTx/>
-              <a:buFontTx/>
-              <a:buNone/>
-              <a:tabLst/>
-              <a:defRPr/>
-            </a:pPr>
-            <a:r>
-              <a:rPr lang="nl-NL" baseline="0" dirty="0"/>
-              <a:t>De software maakt de gaten zo rond mogelijk. </a:t>
-            </a:r>
-          </a:p>
-          <a:p>
-            <a:endParaRPr lang="nl-NL" dirty="0"/>
-          </a:p>
-          <a:p>
-            <a:r>
-              <a:rPr lang="nl-NL" dirty="0"/>
-              <a:t>Met spelden</a:t>
-            </a:r>
-          </a:p>
-          <a:p>
-            <a:r>
-              <a:rPr lang="nl-NL" dirty="0"/>
-              <a:t> kun je vierkantjes maken</a:t>
-            </a:r>
-          </a:p>
-          <a:p>
-            <a:r>
-              <a:rPr lang="nl-NL" dirty="0"/>
-              <a:t> of een mix van vierkantjes en rondjes</a:t>
-            </a:r>
-          </a:p>
-          <a:p>
-            <a:r>
-              <a:rPr lang="nl-NL" baseline="0" dirty="0"/>
-              <a:t> (niet met GroundForge)</a:t>
-            </a:r>
-            <a:endParaRPr lang="nl-NL" dirty="0"/>
-          </a:p>
-          <a:p>
-            <a:endParaRPr lang="nl-NL" dirty="0"/>
-          </a:p>
-        </p:txBody>
-      </p:sp>
-      <p:sp>
-        <p:nvSpPr>
-          <p:cNvPr id="4" name="Tijdelijke aanduiding voor dianummer 3"/>
-          <p:cNvSpPr>
-            <a:spLocks noGrp="1"/>
-          </p:cNvSpPr>
-          <p:nvPr>
-            <p:ph type="sldNum" sz="quarter" idx="10"/>
-          </p:nvPr>
-        </p:nvSpPr>
-        <p:spPr/>
-        <p:txBody>
-          <a:bodyPr/>
-          <a:lstStyle/>
-          <a:p>
-            <a:fld id="{7EC7493F-9CE3-4AD5-8254-4B462DC5112C}" type="slidenum">
-              <a:rPr lang="nl-NL" smtClean="0"/>
-              <a:t>20</a:t>
-            </a:fld>
-            <a:endParaRPr lang="nl-NL" dirty="0"/>
-          </a:p>
-        </p:txBody>
-      </p:sp>
-    </p:spTree>
-    <p:extLst>
-      <p:ext uri="{BB962C8B-B14F-4D97-AF65-F5344CB8AC3E}">
-        <p14:creationId xmlns:p14="http://schemas.microsoft.com/office/powerpoint/2010/main" val="846069162"/>
-      </p:ext>
-    </p:extLst>
-  </p:cSld>
-  <p:clrMapOvr>
-    <a:masterClrMapping/>
-  </p:clrMapOvr>
-</p:notes>
-</file>
-
-<file path=ppt/notesSlides/notesSlide21.xml><?xml version="1.0" encoding="utf-8"?>
-<p:notes xmlns:a="http://schemas.openxmlformats.org/drawingml/2006/main" xmlns:r="http://schemas.openxmlformats.org/officeDocument/2006/relationships" xmlns:p="http://schemas.openxmlformats.org/presentationml/2006/main">
-  <p:cSld>
-    <p:spTree>
-      <p:nvGrpSpPr>
-        <p:cNvPr id="1" name=""/>
-        <p:cNvGrpSpPr/>
-        <p:nvPr/>
-      </p:nvGrpSpPr>
-      <p:grpSpPr>
-        <a:xfrm>
-          <a:off x="0" y="0"/>
-          <a:ext cx="0" cy="0"/>
-          <a:chOff x="0" y="0"/>
-          <a:chExt cx="0" cy="0"/>
-        </a:xfrm>
-      </p:grpSpPr>
-      <p:sp>
-        <p:nvSpPr>
-          <p:cNvPr id="2" name="Tijdelijke aanduiding voor dia-afbeelding 1"/>
-          <p:cNvSpPr>
-            <a:spLocks noGrp="1" noRot="1" noChangeAspect="1"/>
-          </p:cNvSpPr>
-          <p:nvPr>
-            <p:ph type="sldImg"/>
-          </p:nvPr>
-        </p:nvSpPr>
-        <p:spPr/>
-      </p:sp>
-      <p:sp>
-        <p:nvSpPr>
-          <p:cNvPr id="3" name="Tijdelijke aanduiding voor notities 2"/>
-          <p:cNvSpPr>
-            <a:spLocks noGrp="1"/>
-          </p:cNvSpPr>
-          <p:nvPr>
-            <p:ph type="body" idx="1"/>
-          </p:nvPr>
-        </p:nvSpPr>
-        <p:spPr/>
-        <p:txBody>
-          <a:bodyPr/>
-          <a:lstStyle/>
-          <a:p>
-            <a:pPr marL="0" marR="0" indent="0" algn="l" defTabSz="914400" rtl="0" eaLnBrk="1" fontAlgn="auto" latinLnBrk="0" hangingPunct="1">
-              <a:lnSpc>
-                <a:spcPct val="100000"/>
-              </a:lnSpc>
-              <a:spcBef>
-                <a:spcPts val="0"/>
-              </a:spcBef>
-              <a:spcAft>
-                <a:spcPts val="0"/>
-              </a:spcAft>
-              <a:buClrTx/>
-              <a:buSzTx/>
-              <a:buFontTx/>
-              <a:buNone/>
-              <a:tabLst/>
-              <a:defRPr/>
-            </a:pPr>
-            <a:r>
-              <a:rPr lang="nl-NL" dirty="0"/>
-              <a:t>Programmeer foutjes kunnen je soms aan het lachen maken: een virtueel omgekiept kantkussen.</a:t>
-            </a:r>
-          </a:p>
-          <a:p>
-            <a:endParaRPr lang="nl-NL" strike="noStrike" dirty="0"/>
-          </a:p>
-        </p:txBody>
-      </p:sp>
-      <p:sp>
-        <p:nvSpPr>
-          <p:cNvPr id="4" name="Tijdelijke aanduiding voor dianummer 3"/>
-          <p:cNvSpPr>
-            <a:spLocks noGrp="1"/>
-          </p:cNvSpPr>
-          <p:nvPr>
-            <p:ph type="sldNum" sz="quarter" idx="10"/>
-          </p:nvPr>
-        </p:nvSpPr>
-        <p:spPr/>
-        <p:txBody>
-          <a:bodyPr/>
-          <a:lstStyle/>
-          <a:p>
-            <a:fld id="{7EC7493F-9CE3-4AD5-8254-4B462DC5112C}" type="slidenum">
-              <a:rPr lang="nl-NL" smtClean="0"/>
-              <a:t>21</a:t>
-            </a:fld>
-            <a:endParaRPr lang="nl-NL" dirty="0"/>
-          </a:p>
-        </p:txBody>
-      </p:sp>
-    </p:spTree>
-    <p:extLst>
-      <p:ext uri="{BB962C8B-B14F-4D97-AF65-F5344CB8AC3E}">
-        <p14:creationId xmlns:p14="http://schemas.microsoft.com/office/powerpoint/2010/main" val="3101222508"/>
-      </p:ext>
-    </p:extLst>
-  </p:cSld>
-  <p:clrMapOvr>
-    <a:masterClrMapping/>
-  </p:clrMapOvr>
-</p:notes>
-</file>
-
-<file path=ppt/notesSlides/notesSlide22.xml><?xml version="1.0" encoding="utf-8"?>
-<p:notes xmlns:a="http://schemas.openxmlformats.org/drawingml/2006/main" xmlns:r="http://schemas.openxmlformats.org/officeDocument/2006/relationships" xmlns:p="http://schemas.openxmlformats.org/presentationml/2006/main">
-  <p:cSld>
-    <p:spTree>
-      <p:nvGrpSpPr>
-        <p:cNvPr id="1" name=""/>
-        <p:cNvGrpSpPr/>
-        <p:nvPr/>
-      </p:nvGrpSpPr>
-      <p:grpSpPr>
-        <a:xfrm>
-          <a:off x="0" y="0"/>
-          <a:ext cx="0" cy="0"/>
-          <a:chOff x="0" y="0"/>
-          <a:chExt cx="0" cy="0"/>
-        </a:xfrm>
-      </p:grpSpPr>
-      <p:sp>
-        <p:nvSpPr>
-          <p:cNvPr id="2" name="Tijdelijke aanduiding voor dia-afbeelding 1"/>
-          <p:cNvSpPr>
-            <a:spLocks noGrp="1" noRot="1" noChangeAspect="1"/>
-          </p:cNvSpPr>
-          <p:nvPr>
-            <p:ph type="sldImg"/>
-          </p:nvPr>
-        </p:nvSpPr>
-        <p:spPr/>
-      </p:sp>
-      <p:sp>
-        <p:nvSpPr>
-          <p:cNvPr id="3" name="Tijdelijke aanduiding voor notities 2"/>
-          <p:cNvSpPr>
-            <a:spLocks noGrp="1"/>
-          </p:cNvSpPr>
-          <p:nvPr>
-            <p:ph type="body" idx="1"/>
-          </p:nvPr>
-        </p:nvSpPr>
-        <p:spPr/>
-        <p:txBody>
-          <a:bodyPr/>
-          <a:lstStyle/>
-          <a:p>
-            <a:pPr>
-              <a:defRPr/>
-            </a:pPr>
-            <a:r>
-              <a:rPr lang="nl-NL" dirty="0"/>
-              <a:t>Kies voor de helppagina</a:t>
-            </a:r>
-            <a:r>
-              <a:rPr lang="nl-NL" baseline="0" dirty="0"/>
-              <a:t> “changes”,  </a:t>
-            </a:r>
-            <a:r>
-              <a:rPr lang="nl-NL" dirty="0"/>
-              <a:t>volg de links met “issues” voor een lijst wensen en bugs</a:t>
-            </a:r>
-          </a:p>
-          <a:p>
-            <a:endParaRPr lang="nl-NL" dirty="0"/>
-          </a:p>
-          <a:p>
-            <a:r>
-              <a:rPr lang="nl-NL" i="0" dirty="0"/>
-              <a:t>Icoontjes in de voetregel van de hoofdpagina geven aan hoe geschikt bepaalde browsers en apparaten zijn</a:t>
-            </a:r>
-          </a:p>
-          <a:p>
-            <a:endParaRPr lang="nl-NL" i="0" dirty="0"/>
-          </a:p>
-          <a:p>
-            <a:r>
-              <a:rPr lang="nl-NL" i="0" dirty="0"/>
-              <a:t>Aanraakschermen hebben geen muis voor help-info als je ergens boven zweeft</a:t>
-            </a:r>
-          </a:p>
-          <a:p>
-            <a:r>
-              <a:rPr lang="nl-NL" i="0" dirty="0"/>
-              <a:t>Internet Explorer (11) heeft een bug waardoor je gekke effecten krijgt.</a:t>
-            </a:r>
-          </a:p>
-          <a:p>
-            <a:endParaRPr lang="nl-NL" i="0" dirty="0"/>
-          </a:p>
-          <a:p>
-            <a:r>
-              <a:rPr lang="nl-NL" i="0" dirty="0"/>
-              <a:t>Release notes somt van tijd tot tijd de wijzigingen op</a:t>
-            </a:r>
-          </a:p>
-          <a:p>
-            <a:r>
-              <a:rPr lang="nl-NL" i="0" dirty="0"/>
-              <a:t>Is zelden helemaal bij</a:t>
-            </a:r>
-          </a:p>
-          <a:p>
-            <a:endParaRPr lang="nl-NL" i="0" strike="sngStrike" dirty="0"/>
-          </a:p>
-        </p:txBody>
-      </p:sp>
-      <p:sp>
-        <p:nvSpPr>
-          <p:cNvPr id="4" name="Tijdelijke aanduiding voor dianummer 3"/>
-          <p:cNvSpPr>
-            <a:spLocks noGrp="1"/>
-          </p:cNvSpPr>
-          <p:nvPr>
-            <p:ph type="sldNum" sz="quarter" idx="10"/>
-          </p:nvPr>
-        </p:nvSpPr>
-        <p:spPr/>
-        <p:txBody>
-          <a:bodyPr/>
-          <a:lstStyle/>
-          <a:p>
-            <a:fld id="{7EC7493F-9CE3-4AD5-8254-4B462DC5112C}" type="slidenum">
-              <a:rPr lang="nl-NL" smtClean="0"/>
-              <a:t>22</a:t>
-            </a:fld>
-            <a:endParaRPr lang="nl-NL" dirty="0"/>
-          </a:p>
-        </p:txBody>
-      </p:sp>
-    </p:spTree>
-    <p:extLst>
-      <p:ext uri="{BB962C8B-B14F-4D97-AF65-F5344CB8AC3E}">
-        <p14:creationId xmlns:p14="http://schemas.microsoft.com/office/powerpoint/2010/main" val="3101222508"/>
       </p:ext>
     </p:extLst>
   </p:cSld>
@@ -3688,7 +3318,7 @@
           <a:bodyPr/>
           <a:lstStyle/>
           <a:p>
-            <a:pPr marL="0" marR="0" indent="0" algn="l" defTabSz="914400" rtl="0" eaLnBrk="1" fontAlgn="auto" latinLnBrk="0" hangingPunct="1">
+            <a:pPr marL="0" marR="0" lvl="0" indent="0" algn="l" defTabSz="914400" rtl="0" eaLnBrk="1" fontAlgn="auto" latinLnBrk="0" hangingPunct="1">
               <a:lnSpc>
                 <a:spcPct val="100000"/>
               </a:lnSpc>
@@ -3700,203 +3330,169 @@
               </a:spcAft>
               <a:buClrTx/>
               <a:buSzTx/>
-              <a:buFontTx/>
+              <a:buFont typeface="Arial" panose="020B0604020202020204" pitchFamily="34" charset="0"/>
               <a:buNone/>
               <a:tabLst/>
               <a:defRPr/>
             </a:pPr>
             <a:r>
-              <a:rPr lang="nl-NL" dirty="0">
-                <a:hlinkClick r:id="rId3"/>
+              <a:rPr lang="nl-NL" i="0" baseline="0" dirty="0">
+                <a:effectLst/>
               </a:rPr>
-              <a:t>https://d-bl.github.io/GroundForge/help</a:t>
-            </a:r>
-            <a:endParaRPr lang="nl-NL" dirty="0"/>
-          </a:p>
-          <a:p>
-            <a:endParaRPr lang="nl-NL" dirty="0">
+              <a:t>Als voorbeeld catalogus de </a:t>
+            </a:r>
+            <a:r>
+              <a:rPr lang="nl-NL" i="0" baseline="0" dirty="0" err="1">
+                <a:effectLst/>
+              </a:rPr>
+              <a:t>Tesselace</a:t>
+            </a:r>
+            <a:r>
+              <a:rPr lang="nl-NL" i="0" baseline="0" dirty="0">
+                <a:effectLst/>
+              </a:rPr>
+              <a:t> index gekozen.</a:t>
+            </a:r>
+          </a:p>
+          <a:p>
+            <a:pPr marL="0" marR="0" lvl="0" indent="0" algn="l" defTabSz="914400" rtl="0" eaLnBrk="1" fontAlgn="auto" latinLnBrk="0" hangingPunct="1">
+              <a:lnSpc>
+                <a:spcPct val="100000"/>
+              </a:lnSpc>
+              <a:spcBef>
+                <a:spcPts val="0"/>
+              </a:spcBef>
+              <a:spcAft>
+                <a:spcPts val="0"/>
+              </a:spcAft>
+              <a:buClrTx/>
+              <a:buSzTx/>
+              <a:buFont typeface="Arial" panose="020B0604020202020204" pitchFamily="34" charset="0"/>
+              <a:buNone/>
+              <a:tabLst/>
+              <a:defRPr/>
+            </a:pPr>
+            <a:endParaRPr lang="nl-NL" i="1" baseline="0" dirty="0">
               <a:effectLst/>
             </a:endParaRPr>
           </a:p>
           <a:p>
-            <a:r>
-              <a:rPr lang="nl-NL" b="1" dirty="0">
-                <a:effectLst/>
-              </a:rPr>
-              <a:t>Intro</a:t>
-            </a:r>
-            <a:r>
-              <a:rPr lang="nl-NL" b="1" baseline="0" dirty="0">
-                <a:effectLst/>
-              </a:rPr>
-              <a:t> – nl:</a:t>
-            </a:r>
-          </a:p>
-          <a:p>
+            <a:pPr marL="0" marR="0" lvl="0" indent="0" algn="l" defTabSz="914400" rtl="0" eaLnBrk="1" fontAlgn="auto" latinLnBrk="0" hangingPunct="1">
+              <a:lnSpc>
+                <a:spcPct val="100000"/>
+              </a:lnSpc>
+              <a:spcBef>
+                <a:spcPts val="0"/>
+              </a:spcBef>
+              <a:spcAft>
+                <a:spcPts val="0"/>
+              </a:spcAft>
+              <a:buClrTx/>
+              <a:buSzTx/>
+              <a:buFont typeface="Arial" panose="020B0604020202020204" pitchFamily="34" charset="0"/>
+              <a:buNone/>
+              <a:tabLst/>
+              <a:defRPr/>
+            </a:pPr>
             <a:r>
               <a:rPr lang="nl-NL" baseline="0" dirty="0">
                 <a:effectLst/>
               </a:rPr>
-              <a:t>Via “en” wordt een en ander op een andere manier geïntroduceerd. Engels is de voertaal van het project om een zo groot mogelijk publiek te bereiken.</a:t>
-            </a:r>
-          </a:p>
-          <a:p>
+              <a:t>Dit zijn </a:t>
+            </a:r>
+            <a:r>
+              <a:rPr lang="nl-NL" baseline="0" dirty="0" err="1">
+                <a:effectLst/>
+              </a:rPr>
+              <a:t>computergegenereerde</a:t>
+            </a:r>
+            <a:r>
+              <a:rPr lang="nl-NL" baseline="0" dirty="0">
+                <a:effectLst/>
+              </a:rPr>
+              <a:t> patronen, tussenresultaat van promotie onderzoek door Veronika Irvine </a:t>
+            </a:r>
+            <a:r>
+              <a:rPr lang="nl-NL" dirty="0"/>
+              <a:t>uit </a:t>
+            </a:r>
+            <a:r>
+              <a:rPr lang="nl-NL" baseline="0" dirty="0">
+                <a:effectLst/>
+              </a:rPr>
+              <a:t>Canada.</a:t>
+            </a:r>
+          </a:p>
+          <a:p>
+            <a:pPr marL="0" marR="0" lvl="0" indent="0" algn="l" defTabSz="914400" rtl="0" eaLnBrk="1" fontAlgn="auto" latinLnBrk="0" hangingPunct="1">
+              <a:lnSpc>
+                <a:spcPct val="100000"/>
+              </a:lnSpc>
+              <a:spcBef>
+                <a:spcPts val="0"/>
+              </a:spcBef>
+              <a:spcAft>
+                <a:spcPts val="0"/>
+              </a:spcAft>
+              <a:buClrTx/>
+              <a:buSzTx/>
+              <a:buFont typeface="Arial" panose="020B0604020202020204" pitchFamily="34" charset="0"/>
+              <a:buNone/>
+              <a:tabLst/>
+              <a:defRPr/>
+            </a:pPr>
             <a:endParaRPr lang="nl-NL" baseline="0" dirty="0">
               <a:effectLst/>
             </a:endParaRPr>
           </a:p>
           <a:p>
             <a:r>
-              <a:rPr lang="nl-NL" b="1" baseline="0" dirty="0">
+              <a:rPr lang="nl-NL" baseline="0" dirty="0" err="1">
                 <a:effectLst/>
               </a:rPr>
-              <a:t>Contact – nl:</a:t>
-            </a:r>
-          </a:p>
-          <a:p>
+              <a:t>GroundForge</a:t>
+            </a:r>
             <a:r>
               <a:rPr lang="nl-NL" baseline="0" dirty="0">
                 <a:effectLst/>
               </a:rPr>
-              <a:t>Je krijgt antwoord per e-mail, in het Nederlands.</a:t>
-            </a:r>
-          </a:p>
-          <a:p>
-            <a:endParaRPr lang="nl-NL" b="1" dirty="0"/>
-          </a:p>
-          <a:p>
-            <a:r>
-              <a:rPr lang="nl-NL" b="1" dirty="0"/>
-              <a:t>Bijdragen:</a:t>
+              <a:t> maakt de gaten in de schema’s zo rond mogelijk.</a:t>
             </a:r>
           </a:p>
           <a:p>
             <a:r>
               <a:rPr lang="nl-NL" dirty="0"/>
-              <a:t>Om bij te dragen heb je een GitHub account nodig. Begin je vervolgens een (help)pagina te bewerken, dan wordt automatisch een persoonlijke kopie van het project gemaakt. Die kopie komt te staan op:</a:t>
-            </a:r>
-          </a:p>
-          <a:p>
-            <a:r>
-              <a:rPr lang="nl-NL" dirty="0"/>
-              <a:t>	github.com/gebruikersnaam/GroundForge</a:t>
-            </a:r>
-          </a:p>
-          <a:p>
-            <a:r>
-              <a:rPr lang="nl-NL" dirty="0"/>
-              <a:t>Om de wijzigingen op te slaan en als voorstel in te dienen kun je drie stappen volgen met grote groene knoppen. De procedure word uitgelegd via de link “</a:t>
-            </a:r>
-            <a:r>
-              <a:rPr lang="nl-NL" dirty="0" err="1"/>
-              <a:t>propose</a:t>
-            </a:r>
-            <a:r>
-              <a:rPr lang="nl-NL" dirty="0"/>
-              <a:t> changes”. </a:t>
-            </a:r>
-          </a:p>
-          <a:p>
+              <a:t>Daardoor kunnen meerdere computer gegenereerde gronden bij een diagram horen.</a:t>
+            </a:r>
+          </a:p>
+          <a:p>
+            <a:pPr marL="0" marR="0" lvl="0" indent="0" algn="l" defTabSz="914400" rtl="0" eaLnBrk="1" fontAlgn="auto" latinLnBrk="0" hangingPunct="1">
+              <a:lnSpc>
+                <a:spcPct val="100000"/>
+              </a:lnSpc>
+              <a:spcBef>
+                <a:spcPts val="0"/>
+              </a:spcBef>
+              <a:spcAft>
+                <a:spcPts val="0"/>
+              </a:spcAft>
+              <a:buClrTx/>
+              <a:buSzTx/>
+              <a:buFont typeface="Arial" panose="020B0604020202020204" pitchFamily="34" charset="0"/>
+              <a:buNone/>
+              <a:tabLst/>
+              <a:defRPr/>
+            </a:pPr>
             <a:endParaRPr lang="nl-NL" baseline="0" dirty="0">
               <a:effectLst/>
             </a:endParaRPr>
           </a:p>
           <a:p>
-            <a:r>
-              <a:rPr lang="nl-NL" b="1" i="1" dirty="0"/>
-              <a:t>D-</a:t>
-            </a:r>
-            <a:r>
-              <a:rPr lang="nl-NL" b="1" i="1" dirty="0" err="1"/>
-              <a:t>BL.github</a:t>
-            </a:r>
-            <a:r>
-              <a:rPr lang="nl-NL" b="1" i="1" dirty="0"/>
-              <a:t>:</a:t>
-            </a:r>
-          </a:p>
-          <a:p>
-            <a:r>
-              <a:rPr lang="nl-NL" i="0" dirty="0"/>
-              <a:t>D-BL = </a:t>
-            </a:r>
-            <a:r>
-              <a:rPr lang="nl-NL" i="0" dirty="0" err="1"/>
-              <a:t>DiBL</a:t>
-            </a:r>
-            <a:r>
-              <a:rPr lang="nl-NL" i="0" dirty="0"/>
-              <a:t>= </a:t>
-            </a:r>
-            <a:r>
-              <a:rPr lang="nl-NL" i="0" u="sng" dirty="0" err="1"/>
-              <a:t>Di</a:t>
-            </a:r>
-            <a:r>
-              <a:rPr lang="nl-NL" i="0" dirty="0" err="1"/>
-              <a:t>agrams</a:t>
-            </a:r>
-            <a:r>
-              <a:rPr lang="nl-NL" i="0" dirty="0"/>
-              <a:t> </a:t>
-            </a:r>
-            <a:r>
-              <a:rPr lang="nl-NL" i="0" dirty="0" err="1"/>
-              <a:t>for</a:t>
-            </a:r>
-            <a:r>
-              <a:rPr lang="nl-NL" i="0" dirty="0"/>
-              <a:t> </a:t>
-            </a:r>
-            <a:r>
-              <a:rPr lang="nl-NL" i="0" u="sng" dirty="0" err="1"/>
-              <a:t>B</a:t>
-            </a:r>
-            <a:r>
-              <a:rPr lang="nl-NL" i="0" dirty="0" err="1"/>
-              <a:t>obbin</a:t>
-            </a:r>
-            <a:r>
-              <a:rPr lang="nl-NL" i="0" dirty="0"/>
-              <a:t> </a:t>
-            </a:r>
-            <a:r>
-              <a:rPr lang="nl-NL" i="0" u="sng" dirty="0"/>
-              <a:t>L</a:t>
-            </a:r>
-            <a:r>
-              <a:rPr lang="nl-NL" i="0" dirty="0"/>
-              <a:t>ace,</a:t>
-            </a:r>
-            <a:r>
-              <a:rPr lang="nl-NL" i="0" baseline="0" dirty="0"/>
-              <a:t> </a:t>
-            </a:r>
-            <a:r>
-              <a:rPr lang="nl-NL" i="0" dirty="0"/>
-              <a:t>de gewenste afkorting was al in gebruik dus van het i-</a:t>
-            </a:r>
-            <a:r>
-              <a:rPr lang="nl-NL" i="0" dirty="0" err="1"/>
-              <a:t>tje</a:t>
-            </a:r>
-            <a:r>
-              <a:rPr lang="nl-NL" i="0" dirty="0"/>
-              <a:t> een streepje gemaakt. </a:t>
-            </a:r>
-            <a:r>
-              <a:rPr lang="nl-NL" i="0" dirty="0" err="1"/>
-              <a:t>Github</a:t>
-            </a:r>
-            <a:r>
-              <a:rPr lang="nl-NL" i="0" dirty="0"/>
-              <a:t> is een provider om software te publiceren, ze doen dat gratis als het om open source gaat.</a:t>
-            </a:r>
-          </a:p>
-          <a:p>
-            <a:endParaRPr lang="nl-NL" dirty="0">
-              <a:effectLst/>
-            </a:endParaRPr>
+            <a:pPr marL="0" indent="0">
+              <a:buFont typeface="Arial" panose="020B0604020202020204" pitchFamily="34" charset="0"/>
+              <a:buNone/>
+            </a:pPr>
+            <a:endParaRPr lang="nl-NL" i="1" dirty="0"/>
           </a:p>
         </p:txBody>
       </p:sp>
@@ -3980,193 +3576,32 @@
           <a:bodyPr/>
           <a:lstStyle/>
           <a:p>
-            <a:pPr marL="0" marR="0" indent="0" algn="l" defTabSz="914400" rtl="0" eaLnBrk="1" fontAlgn="auto" latinLnBrk="0" hangingPunct="1">
-              <a:lnSpc>
-                <a:spcPct val="100000"/>
-              </a:lnSpc>
-              <a:spcBef>
-                <a:spcPts val="0"/>
-              </a:spcBef>
-              <a:spcAft>
-                <a:spcPts val="0"/>
-              </a:spcAft>
-              <a:buClrTx/>
-              <a:buSzTx/>
-              <a:buFontTx/>
-              <a:buNone/>
-              <a:tabLst/>
-              <a:defRPr/>
-            </a:pPr>
             <a:r>
               <a:rPr lang="nl-NL" dirty="0">
-                <a:hlinkClick r:id="rId3"/>
-              </a:rPr>
-              <a:t>https://d-bl.github.io/GroundForge/help/Site-map</a:t>
-            </a:r>
-            <a:endParaRPr lang="nl-NL" dirty="0"/>
-          </a:p>
-          <a:p>
-            <a:endParaRPr lang="nl-NL" b="1" dirty="0">
-              <a:effectLst/>
-            </a:endParaRPr>
-          </a:p>
-          <a:p>
-            <a:r>
-              <a:rPr lang="nl-NL" b="1" dirty="0">
                 <a:effectLst/>
               </a:rPr>
-              <a:t>Hoofdpagina</a:t>
-            </a:r>
-            <a:r>
-              <a:rPr lang="nl-NL" b="1" baseline="0" dirty="0">
-                <a:effectLst/>
-              </a:rPr>
-              <a:t> in het midden</a:t>
-            </a:r>
+              <a:t>Klik op een helder symbool en ga typen. Verplaats binnen de tekst met pijltjes toeten, niet met de muis.</a:t>
+            </a:r>
+            <a:endParaRPr lang="nl-NL" dirty="0"/>
+          </a:p>
+          <a:p>
+            <a:endParaRPr lang="nl-NL" i="1" dirty="0">
+              <a:sym typeface="Wingdings" panose="05000000000000000000" pitchFamily="2" charset="2"/>
+            </a:endParaRPr>
           </a:p>
           <a:p>
             <a:pPr marL="171450" indent="-171450">
-              <a:buFontTx/>
-              <a:buChar char="-"/>
+              <a:buFont typeface="Arial" panose="020B0604020202020204" pitchFamily="34" charset="0"/>
+              <a:buChar char="•"/>
             </a:pPr>
-            <a:r>
-              <a:rPr lang="nl-NL" baseline="0" dirty="0">
-                <a:effectLst/>
-              </a:rPr>
-              <a:t>Oudste pagina</a:t>
-            </a:r>
-          </a:p>
-          <a:p>
-            <a:pPr marL="171450" indent="-171450">
-              <a:buFontTx/>
-              <a:buChar char="-"/>
-            </a:pPr>
-            <a:r>
-              <a:rPr lang="nl-NL" baseline="0" dirty="0">
-                <a:effectLst/>
-              </a:rPr>
-              <a:t>Meeste mogelijkheden (draaddiagrammen hergebruiken als paardiagrammen, meer kleuren voor draden)</a:t>
-            </a:r>
-          </a:p>
-          <a:p>
-            <a:pPr marL="171450" indent="-171450">
-              <a:buFontTx/>
-              <a:buChar char="-"/>
-            </a:pPr>
-            <a:r>
-              <a:rPr lang="nl-NL" baseline="0" dirty="0">
-                <a:effectLst/>
-              </a:rPr>
-              <a:t>Ook het lastigst in het gebruik</a:t>
-            </a:r>
-          </a:p>
-          <a:p>
-            <a:pPr marL="0" indent="0">
-              <a:buFontTx/>
-              <a:buNone/>
-            </a:pPr>
+            <a:endParaRPr lang="nl-NL" i="1" dirty="0"/>
+          </a:p>
+          <a:p>
             <a:endParaRPr lang="nl-NL" baseline="0" dirty="0">
               <a:effectLst/>
             </a:endParaRPr>
           </a:p>
           <a:p>
-            <a:pPr marL="0" indent="0">
-              <a:buFontTx/>
-              <a:buNone/>
-            </a:pPr>
-            <a:r>
-              <a:rPr lang="nl-NL" b="1" baseline="0" dirty="0">
-                <a:effectLst/>
-              </a:rPr>
-              <a:t>Pagina links midden</a:t>
-            </a:r>
-          </a:p>
-          <a:p>
-            <a:pPr marL="171450" indent="-171450">
-              <a:buFontTx/>
-              <a:buChar char="-"/>
-            </a:pPr>
-            <a:r>
-              <a:rPr lang="nl-NL" baseline="0" dirty="0">
-                <a:effectLst/>
-              </a:rPr>
-              <a:t>Eenvoudiger om slagen te kiezen of draden te accentueren</a:t>
-            </a:r>
-          </a:p>
-          <a:p>
-            <a:pPr marL="171450" indent="-171450">
-              <a:buFontTx/>
-              <a:buChar char="-"/>
-            </a:pPr>
-            <a:r>
-              <a:rPr lang="nl-NL" baseline="0" dirty="0">
-                <a:effectLst/>
-              </a:rPr>
-              <a:t>Nog niet helemaal af</a:t>
-            </a:r>
-          </a:p>
-          <a:p>
-            <a:pPr marL="628650" lvl="1" indent="-171450">
-              <a:buFontTx/>
-              <a:buChar char="-"/>
-            </a:pPr>
-            <a:r>
-              <a:rPr lang="nl-NL" baseline="0" dirty="0">
-                <a:effectLst/>
-              </a:rPr>
-              <a:t>Randslagen ontbreken</a:t>
-            </a:r>
-          </a:p>
-          <a:p>
-            <a:pPr marL="628650" lvl="1" indent="-171450">
-              <a:buFontTx/>
-              <a:buChar char="-"/>
-            </a:pPr>
-            <a:r>
-              <a:rPr lang="nl-NL" baseline="0" dirty="0">
-                <a:effectLst/>
-              </a:rPr>
-              <a:t>Help pagina beperkt tot diagrammen sectie</a:t>
-            </a:r>
-          </a:p>
-          <a:p>
-            <a:pPr marL="628650" lvl="1" indent="-171450">
-              <a:buFontTx/>
-              <a:buChar char="-"/>
-            </a:pPr>
-            <a:r>
-              <a:rPr lang="nl-NL" dirty="0"/>
-              <a:t>Draaddiagrammen werken soms maar voor beperkte “patch </a:t>
-            </a:r>
-            <a:r>
-              <a:rPr lang="nl-NL" dirty="0" err="1"/>
-              <a:t>sizes</a:t>
-            </a:r>
-            <a:r>
-              <a:rPr lang="nl-NL" dirty="0"/>
-              <a:t>”</a:t>
-            </a:r>
-            <a:br>
-              <a:rPr lang="nl-NL" dirty="0"/>
-            </a:br>
-            <a:r>
-              <a:rPr lang="nl-NL" baseline="0" dirty="0">
-                <a:effectLst/>
-              </a:rPr>
-              <a:t>(= is aantal rijen en kolommen van slagen)</a:t>
-            </a:r>
-          </a:p>
-          <a:p>
-            <a:pPr marL="171450" indent="-171450">
-              <a:buFontTx/>
-              <a:buChar char="-"/>
-            </a:pPr>
-            <a:r>
-              <a:rPr lang="nl-NL" baseline="0" dirty="0">
-                <a:effectLst/>
-              </a:rPr>
-              <a:t>niet verder besproken in deze presentatie</a:t>
-            </a:r>
             <a:endParaRPr lang="nl-NL" dirty="0">
               <a:effectLst/>
             </a:endParaRPr>
@@ -4199,7 +3634,7 @@
     </p:spTree>
     <p:extLst>
       <p:ext uri="{BB962C8B-B14F-4D97-AF65-F5344CB8AC3E}">
-        <p14:creationId xmlns:p14="http://schemas.microsoft.com/office/powerpoint/2010/main" val="846069162"/>
+        <p14:creationId xmlns:p14="http://schemas.microsoft.com/office/powerpoint/2010/main" val="396908481"/>
       </p:ext>
     </p:extLst>
   </p:cSld>
@@ -4257,141 +3692,7 @@
               <a:rPr lang="nl-NL" dirty="0">
                 <a:effectLst/>
               </a:rPr>
-              <a:t>Met het parameterformulier wordt aan de computer verteld hoe het patroon in</a:t>
-            </a:r>
-            <a:r>
-              <a:rPr lang="nl-NL" baseline="0" dirty="0">
-                <a:effectLst/>
-              </a:rPr>
-              <a:t> elkaar zit.</a:t>
-            </a:r>
-            <a:endParaRPr lang="nl-NL" dirty="0">
-              <a:effectLst/>
-            </a:endParaRPr>
-          </a:p>
-          <a:p>
-            <a:pPr marL="171450" indent="-171450">
-              <a:buFont typeface="Arial" panose="020B0604020202020204" pitchFamily="34" charset="0"/>
-              <a:buChar char="•"/>
-            </a:pPr>
-            <a:r>
-              <a:rPr lang="nl-NL" dirty="0">
-                <a:effectLst/>
-              </a:rPr>
-              <a:t>Het blauwe i-tje gaat naar de help-pagina’s, daarop ook een contact link voor vragen.</a:t>
-            </a:r>
-          </a:p>
-          <a:p>
-            <a:pPr marL="171450" indent="-171450">
-              <a:buFont typeface="Arial" panose="020B0604020202020204" pitchFamily="34" charset="0"/>
-              <a:buChar char="•"/>
-            </a:pPr>
-            <a:r>
-              <a:rPr lang="nl-NL" dirty="0">
-                <a:effectLst/>
-              </a:rPr>
-              <a:t>Het zand scheppende mannetje betekent dat het onderdeel soms werkt en soms niet.</a:t>
-            </a:r>
-          </a:p>
-          <a:p>
-            <a:pPr marL="171450" indent="-171450">
-              <a:buFont typeface="Arial" panose="020B0604020202020204" pitchFamily="34" charset="0"/>
-              <a:buChar char="•"/>
-            </a:pPr>
-            <a:r>
-              <a:rPr lang="nl-NL" dirty="0">
-                <a:effectLst/>
-              </a:rPr>
-              <a:t>Bij een professor petje is de handleiding noodzakelijk, al is het maar voor een spiekbriefje.</a:t>
-            </a:r>
-          </a:p>
-          <a:p>
-            <a:r>
-              <a:rPr lang="nl-NL" dirty="0"/>
-              <a:t>Zelf invullen, of laten invullen door</a:t>
-            </a:r>
-            <a:r>
-              <a:rPr lang="nl-NL" baseline="0" dirty="0"/>
-              <a:t> </a:t>
-            </a:r>
-            <a:r>
-              <a:rPr lang="nl-NL" dirty="0"/>
-              <a:t>voorbeelden (</a:t>
-            </a:r>
-            <a:r>
-              <a:rPr lang="nl-NL" strike="sngStrike" dirty="0" err="1"/>
-              <a:t>examples</a:t>
-            </a:r>
-            <a:r>
-              <a:rPr lang="nl-NL" dirty="0"/>
-              <a:t> catalogi) onder “get started”.</a:t>
-            </a:r>
-          </a:p>
-          <a:p>
-            <a:r>
-              <a:rPr lang="nl-NL" dirty="0"/>
-              <a:t>Patroontje uitgezocht? </a:t>
-            </a:r>
-            <a:r>
-              <a:rPr lang="nl-NL" dirty="0">
-                <a:sym typeface="Wingdings" panose="05000000000000000000" pitchFamily="2" charset="2"/>
-              </a:rPr>
-              <a:t> klik op het toverstokje</a:t>
-            </a:r>
-          </a:p>
-          <a:p>
-            <a:endParaRPr lang="nl-NL" dirty="0">
-              <a:sym typeface="Wingdings" panose="05000000000000000000" pitchFamily="2" charset="2"/>
-            </a:endParaRPr>
-          </a:p>
-          <a:p>
-            <a:r>
-              <a:rPr lang="nl-NL" i="1" dirty="0"/>
-              <a:t>Automatische vertalers met allemaal hun eigen koeterwaals en reclamezooi:</a:t>
-            </a:r>
-          </a:p>
-          <a:p>
-            <a:r>
-              <a:rPr lang="nl-NL" dirty="0">
-                <a:hlinkClick r:id="rId3"/>
-              </a:rPr>
-              <a:t>https://translate.google.com/#en/nl</a:t>
-            </a:r>
-            <a:endParaRPr lang="nl-NL" dirty="0"/>
-          </a:p>
-          <a:p>
-            <a:pPr>
-              <a:defRPr/>
-            </a:pPr>
-            <a:r>
-              <a:rPr lang="nl-NL" dirty="0">
-                <a:hlinkClick r:id="rId4"/>
-              </a:rPr>
-              <a:t>https://www.bing.com/translator/</a:t>
-            </a:r>
-            <a:endParaRPr lang="nl-NL" dirty="0"/>
-          </a:p>
-          <a:p>
-            <a:pPr>
-              <a:defRPr/>
-            </a:pPr>
-            <a:r>
-              <a:rPr lang="nl-NL" dirty="0">
-                <a:hlinkClick r:id="rId5"/>
-              </a:rPr>
-              <a:t>https://www.collinsdictionary.com/translator</a:t>
-            </a:r>
-            <a:endParaRPr lang="nl-NL" dirty="0"/>
-          </a:p>
-          <a:p>
-            <a:pPr>
-              <a:defRPr/>
-            </a:pPr>
-            <a:r>
-              <a:rPr lang="nl-NL" dirty="0">
-                <a:hlinkClick r:id="rId6"/>
-              </a:rPr>
-              <a:t>http://translate.reference.com/english/dutch</a:t>
+              <a:t>Onderste regel is een gespiegelde versie van de slag</a:t>
             </a:r>
             <a:endParaRPr lang="nl-NL" dirty="0"/>
           </a:p>
@@ -4445,7 +3746,7 @@
     </p:spTree>
     <p:extLst>
       <p:ext uri="{BB962C8B-B14F-4D97-AF65-F5344CB8AC3E}">
-        <p14:creationId xmlns:p14="http://schemas.microsoft.com/office/powerpoint/2010/main" val="846069162"/>
+        <p14:creationId xmlns:p14="http://schemas.microsoft.com/office/powerpoint/2010/main" val="577852914"/>
       </p:ext>
     </p:extLst>
   </p:cSld>
@@ -4499,155 +3800,16 @@
           <a:bodyPr/>
           <a:lstStyle/>
           <a:p>
-            <a:pPr marL="0" marR="0" indent="0" algn="l" defTabSz="914400" rtl="0" eaLnBrk="1" fontAlgn="auto" latinLnBrk="0" hangingPunct="1">
-              <a:lnSpc>
-                <a:spcPct val="100000"/>
-              </a:lnSpc>
-              <a:spcBef>
-                <a:spcPts val="0"/>
-              </a:spcBef>
-              <a:spcAft>
-                <a:spcPts val="0"/>
-              </a:spcAft>
-              <a:buClrTx/>
-              <a:buSzTx/>
-              <a:buFontTx/>
-              <a:buNone/>
-              <a:tabLst/>
-              <a:defRPr/>
-            </a:pPr>
-            <a:r>
-              <a:rPr lang="nl-NL" baseline="0" dirty="0"/>
-              <a:t>Rechtsboven een parentekening volgens het boekje. </a:t>
-            </a:r>
-            <a:r>
-              <a:rPr lang="nl-NL" dirty="0"/>
-              <a:t>Links onder </a:t>
-            </a:r>
-            <a:r>
-              <a:rPr lang="nl-NL" baseline="0" dirty="0"/>
-              <a:t>gegenereerd door de GroundForge. De laatste trekt de gaten rond.</a:t>
-            </a:r>
-          </a:p>
-          <a:p>
-            <a:endParaRPr lang="nl-NL" baseline="0" dirty="0">
-              <a:effectLst/>
-            </a:endParaRPr>
-          </a:p>
-          <a:p>
-            <a:r>
-              <a:rPr lang="nl-NL" dirty="0"/>
-              <a:t>GroundForge </a:t>
-            </a:r>
-            <a:r>
-              <a:rPr lang="nl-NL" baseline="0" dirty="0">
-                <a:effectLst/>
-              </a:rPr>
-              <a:t>zet hooguit één markering bij meerdere draaien.</a:t>
-            </a:r>
             <a:r>
               <a:rPr lang="nl-NL" dirty="0">
                 <a:effectLst/>
+                <a:sym typeface="Wingdings" panose="05000000000000000000" pitchFamily="2" charset="2"/>
               </a:rPr>
-              <a:t> </a:t>
-            </a:r>
-            <a:r>
-              <a:rPr lang="nl-NL" baseline="0" dirty="0">
-                <a:effectLst/>
-              </a:rPr>
-              <a:t>Onafhankelijk van de kleur van de slag. </a:t>
-            </a:r>
-            <a:r>
-              <a:rPr lang="nl-NL" dirty="0"/>
-              <a:t>Bij gesloten methode alleen als beide paren meerdere draaien hebben (lastige bug) Aan de kleurcode wordt nog gewerkt.</a:t>
-            </a:r>
-            <a:endParaRPr lang="nl-NL" baseline="0" dirty="0">
-              <a:effectLst/>
+              <a:t>Als je met de muis boven een blokje hangt moet een draadnummer getoond worden. Dan kun je van kleur wisselen tussen zwart en rood.</a:t>
+            </a:r>
+            <a:endParaRPr lang="nl-NL" i="1" dirty="0">
+              <a:sym typeface="Wingdings" panose="05000000000000000000" pitchFamily="2" charset="2"/>
             </a:endParaRPr>
-          </a:p>
-          <a:p>
-            <a:endParaRPr lang="nl-NL" baseline="0" dirty="0">
-              <a:effectLst/>
-            </a:endParaRPr>
-          </a:p>
-          <a:p>
-            <a:r>
-              <a:rPr lang="nl-NL" baseline="0" dirty="0"/>
-              <a:t>De slag die door de muis wordt aangewezen is: linnenslag, keren om de speld linnenslag. A</a:t>
-            </a:r>
-            <a:r>
-              <a:rPr lang="nl-NL" dirty="0"/>
-              <a:t>lles waarvoor je twee paar oppakt, totdat je minstens een van beide weer neerlegt, wordt door GroundForge beschouwd een enkele slag.</a:t>
-            </a:r>
-          </a:p>
-          <a:p>
-            <a:endParaRPr lang="nl-NL" dirty="0"/>
-          </a:p>
-          <a:p>
-            <a:r>
-              <a:rPr lang="nl-NL" b="1" dirty="0"/>
-              <a:t>Stitches</a:t>
-            </a:r>
-            <a:r>
-              <a:rPr lang="nl-NL" dirty="0"/>
-              <a:t>: invulveld dat de slagen beschrijft</a:t>
-            </a:r>
-          </a:p>
-          <a:p>
-            <a:r>
-              <a:rPr lang="nl-NL" dirty="0"/>
-              <a:t>De omschrijving van een slag is voor zowel mensen als de computer leesbaar:</a:t>
-            </a:r>
-          </a:p>
-          <a:p>
-            <a:r>
-              <a:rPr lang="nl-NL" dirty="0"/>
-              <a:t>C=cross = kruisen</a:t>
-            </a:r>
-          </a:p>
-          <a:p>
-            <a:r>
-              <a:rPr lang="nl-NL" dirty="0"/>
-              <a:t>T=twist = draaien; l/r=links/rechts draaien</a:t>
-            </a:r>
-          </a:p>
-          <a:p>
-            <a:pPr>
-              <a:defRPr/>
-            </a:pPr>
-            <a:endParaRPr lang="nl-NL" dirty="0"/>
-          </a:p>
-          <a:p>
-            <a:pPr>
-              <a:defRPr/>
-            </a:pPr>
-            <a:r>
-              <a:rPr lang="nl-NL" dirty="0"/>
-              <a:t>Per ID een slag kiezen. De eerste slag (linnenslag, ctc) is de default voor alle slagen die niet expliciet gekozen zijn.</a:t>
-            </a:r>
-          </a:p>
-          <a:p>
-            <a:endParaRPr lang="nl-NL" baseline="0" dirty="0"/>
-          </a:p>
-          <a:p>
-            <a:r>
-              <a:rPr lang="nl-NL" b="1" baseline="0" dirty="0"/>
-              <a:t>Bruggetje</a:t>
-            </a:r>
-          </a:p>
-          <a:p>
-            <a:r>
-              <a:rPr lang="nl-NL" baseline="0" dirty="0"/>
-              <a:t>Volg de link naar de handleiding,</a:t>
-            </a:r>
-            <a:r>
-              <a:rPr lang="nl-NL" dirty="0"/>
-              <a:t> </a:t>
-            </a:r>
-            <a:r>
-              <a:rPr lang="nl-NL" baseline="0" dirty="0"/>
-              <a:t>dan vind je zowel uitleg als een hulpformulier</a:t>
-            </a:r>
           </a:p>
         </p:txBody>
       </p:sp>
@@ -4677,7 +3839,7 @@
     </p:spTree>
     <p:extLst>
       <p:ext uri="{BB962C8B-B14F-4D97-AF65-F5344CB8AC3E}">
-        <p14:creationId xmlns:p14="http://schemas.microsoft.com/office/powerpoint/2010/main" val="846069162"/>
+        <p14:creationId xmlns:p14="http://schemas.microsoft.com/office/powerpoint/2010/main" val="3909206139"/>
       </p:ext>
     </p:extLst>
   </p:cSld>
@@ -4731,21 +3893,6 @@
           <a:bodyPr/>
           <a:lstStyle/>
           <a:p>
-            <a:pPr>
-              <a:defRPr/>
-            </a:pPr>
-            <a:r>
-              <a:rPr lang="nl-NL" u="sng" dirty="0">
-                <a:hlinkClick r:id="rId3"/>
-              </a:rPr>
-              <a:t>https://d-bl.github.io/GroundForge/help/Choose-Stitches</a:t>
-            </a:r>
-            <a:r>
-              <a:rPr lang="nl-NL" dirty="0"/>
-              <a:t> </a:t>
-            </a:r>
-          </a:p>
-          <a:p>
             <a:pPr marL="0" marR="0" indent="0" algn="l" defTabSz="914400" rtl="0" eaLnBrk="1" fontAlgn="auto" latinLnBrk="0" hangingPunct="1">
               <a:lnSpc>
                 <a:spcPct val="100000"/>
@@ -4763,45 +3910,95 @@
               <a:tabLst/>
               <a:defRPr/>
             </a:pPr>
+            <a:r>
+              <a:rPr lang="nl-NL" dirty="0">
+                <a:hlinkClick r:id="rId3"/>
+              </a:rPr>
+              <a:t>https://d-bl.github.io/GroundForge/help</a:t>
+            </a:r>
+            <a:endParaRPr lang="nl-NL" dirty="0"/>
+          </a:p>
+          <a:p>
+            <a:endParaRPr lang="nl-NL" dirty="0">
+              <a:effectLst/>
+            </a:endParaRPr>
+          </a:p>
+          <a:p>
+            <a:r>
+              <a:rPr lang="nl-NL" b="1" dirty="0">
+                <a:effectLst/>
+              </a:rPr>
+              <a:t>Intro</a:t>
+            </a:r>
+            <a:r>
+              <a:rPr lang="nl-NL" b="1" baseline="0" dirty="0">
+                <a:effectLst/>
+              </a:rPr>
+              <a:t> – nl:</a:t>
+            </a:r>
+          </a:p>
+          <a:p>
+            <a:r>
+              <a:rPr lang="nl-NL" baseline="0" dirty="0">
+                <a:effectLst/>
+              </a:rPr>
+              <a:t>Via “en” wordt een en ander op een andere manier geïntroduceerd. Engels is de voertaal van het project om een zo groot mogelijk publiek te bereiken.</a:t>
+            </a:r>
+          </a:p>
+          <a:p>
             <a:endParaRPr lang="nl-NL" baseline="0" dirty="0">
               <a:effectLst/>
             </a:endParaRPr>
           </a:p>
           <a:p>
-            <a:pPr marL="0" marR="0" indent="0" algn="l" defTabSz="914400" rtl="0" eaLnBrk="1" fontAlgn="auto" latinLnBrk="0" hangingPunct="1">
-              <a:lnSpc>
-                <a:spcPct val="100000"/>
-              </a:lnSpc>
-              <a:spcBef>
-                <a:spcPts val="0"/>
-              </a:spcBef>
-              <a:spcAft>
-                <a:spcPts val="0"/>
-              </a:spcAft>
-              <a:buClrTx/>
-              <a:buSzTx/>
-              <a:buFontTx/>
-              <a:buNone/>
-              <a:tabLst/>
-              <a:defRPr/>
-            </a:pPr>
+            <a:r>
+              <a:rPr lang="nl-NL" b="1" baseline="0" dirty="0">
+                <a:effectLst/>
+              </a:rPr>
+              <a:t>Contact – nl:</a:t>
+            </a:r>
+          </a:p>
+          <a:p>
             <a:r>
               <a:rPr lang="nl-NL" baseline="0" dirty="0">
                 <a:effectLst/>
               </a:rPr>
-              <a:t>Het gekozen patroon bepaalt hoe de rest van het formulier er uit ziet:</a:t>
+              <a:t>Je krijgt antwoord per e-mail, in het Nederlands.</a:t>
+            </a:r>
+          </a:p>
+          <a:p>
+            <a:endParaRPr lang="nl-NL" b="1" dirty="0"/>
+          </a:p>
+          <a:p>
+            <a:r>
+              <a:rPr lang="nl-NL" b="1" dirty="0"/>
+              <a:t>Bijdragen:</a:t>
             </a:r>
           </a:p>
           <a:p>
             <a:r>
               <a:rPr lang="nl-NL" dirty="0"/>
-              <a:t>Linker voorbeeld: bekende om-en-om zonder spelden</a:t>
+              <a:t>Om bij te dragen heb je een GitHub account nodig. Begin je vervolgens een (help)pagina te bewerken, dan wordt automatisch een persoonlijke kopie van het project gemaakt. Die kopie komt te staan op:</a:t>
             </a:r>
           </a:p>
           <a:p>
             <a:r>
               <a:rPr lang="nl-NL" dirty="0"/>
-              <a:t>Rechter voorbeeld: komt verderop op een verrassende manier terug</a:t>
+              <a:t>	github.com/gebruikersnaam/GroundForge</a:t>
+            </a:r>
+          </a:p>
+          <a:p>
+            <a:r>
+              <a:rPr lang="nl-NL" dirty="0"/>
+              <a:t>Om de wijzigingen op te slaan en als voorstel in te dienen kun je drie stappen volgen met grote groene knoppen. De procedure word uitgelegd via de link “</a:t>
+            </a:r>
+            <a:r>
+              <a:rPr lang="nl-NL" dirty="0" err="1"/>
+              <a:t>propose</a:t>
+            </a:r>
+            <a:r>
+              <a:rPr lang="nl-NL" dirty="0"/>
+              <a:t> changes”. </a:t>
             </a:r>
           </a:p>
           <a:p>
@@ -4811,34 +4008,82 @@
           </a:p>
           <a:p>
             <a:r>
-              <a:rPr lang="nl-NL" baseline="0" dirty="0">
-                <a:effectLst/>
-              </a:rPr>
-              <a:t>De gekozen slagen worden ingevuld in het “stitches” (slagen) veld op de vorige dia.</a:t>
-            </a:r>
-          </a:p>
-          <a:p>
-            <a:r>
-              <a:rPr lang="nl-NL" baseline="0" dirty="0">
-                <a:effectLst/>
-              </a:rPr>
-              <a:t>Let op: het hele patroon wordt opnieuw ingevuld, dit formulier dus niet gebruiken om te variëren op de aangeboden voorbeelden.</a:t>
-            </a:r>
-          </a:p>
-          <a:p>
-            <a:endParaRPr lang="nl-NL" dirty="0"/>
-          </a:p>
-          <a:p>
-            <a:r>
-              <a:rPr lang="nl-NL" baseline="0" dirty="0">
-                <a:effectLst/>
-              </a:rPr>
-              <a:t>Een spiekbriefje laat de code en afbeelding zien van minder triviale (= ct, ctc, ctct) slagen. Die kun je zo kopiëren en plakken.</a:t>
-            </a:r>
-          </a:p>
-          <a:p>
-            <a:endParaRPr lang="nl-NL" i="1" dirty="0">
-              <a:sym typeface="Wingdings" panose="05000000000000000000" pitchFamily="2" charset="2"/>
+              <a:rPr lang="nl-NL" b="1" i="1" dirty="0"/>
+              <a:t>D-</a:t>
+            </a:r>
+            <a:r>
+              <a:rPr lang="nl-NL" b="1" i="1" dirty="0" err="1"/>
+              <a:t>BL.github</a:t>
+            </a:r>
+            <a:r>
+              <a:rPr lang="nl-NL" b="1" i="1" dirty="0"/>
+              <a:t>:</a:t>
+            </a:r>
+          </a:p>
+          <a:p>
+            <a:r>
+              <a:rPr lang="nl-NL" i="0" dirty="0"/>
+              <a:t>D-BL= </a:t>
+            </a:r>
+            <a:r>
+              <a:rPr lang="nl-NL" i="0" u="sng" dirty="0" err="1"/>
+              <a:t>Di</a:t>
+            </a:r>
+            <a:r>
+              <a:rPr lang="nl-NL" i="0" dirty="0" err="1"/>
+              <a:t>agrams</a:t>
+            </a:r>
+            <a:r>
+              <a:rPr lang="nl-NL" i="0" dirty="0"/>
+              <a:t> </a:t>
+            </a:r>
+            <a:r>
+              <a:rPr lang="nl-NL" i="0" dirty="0" err="1"/>
+              <a:t>for</a:t>
+            </a:r>
+            <a:r>
+              <a:rPr lang="nl-NL" i="0" dirty="0"/>
+              <a:t> </a:t>
+            </a:r>
+            <a:r>
+              <a:rPr lang="nl-NL" i="0" u="sng" dirty="0" err="1"/>
+              <a:t>B</a:t>
+            </a:r>
+            <a:r>
+              <a:rPr lang="nl-NL" i="0" dirty="0" err="1"/>
+              <a:t>obbin</a:t>
+            </a:r>
+            <a:r>
+              <a:rPr lang="nl-NL" i="0" dirty="0"/>
+              <a:t> </a:t>
+            </a:r>
+            <a:r>
+              <a:rPr lang="nl-NL" i="0" u="sng" dirty="0" err="1"/>
+              <a:t>L</a:t>
+            </a:r>
+            <a:r>
+              <a:rPr lang="nl-NL" i="0" dirty="0" err="1"/>
+              <a:t>ace</a:t>
+            </a:r>
+            <a:r>
+              <a:rPr lang="nl-NL" i="0" dirty="0"/>
+              <a:t>. </a:t>
+            </a:r>
+            <a:r>
+              <a:rPr lang="nl-NL" i="0" dirty="0" err="1"/>
+              <a:t>Github</a:t>
+            </a:r>
+            <a:r>
+              <a:rPr lang="nl-NL" i="0" dirty="0"/>
+              <a:t> is een provider om software te publiceren, ze doen dat gratis als het om open source gaat.</a:t>
+            </a:r>
+          </a:p>
+          <a:p>
+            <a:endParaRPr lang="nl-NL" i="0" dirty="0"/>
+          </a:p>
+          <a:p>
+            <a:endParaRPr lang="nl-NL" dirty="0">
+              <a:effectLst/>
             </a:endParaRPr>
           </a:p>
         </p:txBody>
@@ -5058,7 +4303,7 @@
           <a:p>
             <a:fld id="{E342A075-9761-4F6D-8E62-693B12E2A93F}" type="datetime1">
               <a:rPr lang="nl-NL" smtClean="0"/>
-              <a:t>14-4-2019</a:t>
+              <a:t>6-5-2019</a:t>
             </a:fld>
             <a:endParaRPr lang="nl-NL" dirty="0"/>
           </a:p>
@@ -5226,7 +4471,7 @@
           <a:p>
             <a:fld id="{95274BD6-6047-4BE7-A11A-799C5C07C1B9}" type="datetime1">
               <a:rPr lang="nl-NL" smtClean="0"/>
-              <a:t>14-4-2019</a:t>
+              <a:t>6-5-2019</a:t>
             </a:fld>
             <a:endParaRPr lang="nl-NL" dirty="0"/>
           </a:p>
@@ -5404,7 +4649,7 @@
           <a:p>
             <a:fld id="{6C2C6073-FF99-4CA4-ADF2-53D139284B0F}" type="datetime1">
               <a:rPr lang="nl-NL" smtClean="0"/>
-              <a:t>14-4-2019</a:t>
+              <a:t>6-5-2019</a:t>
             </a:fld>
             <a:endParaRPr lang="nl-NL" dirty="0"/>
           </a:p>
@@ -5572,7 +4817,7 @@
           <a:p>
             <a:fld id="{BB83D81E-96EF-4290-8170-748ADAD06D81}" type="datetime1">
               <a:rPr lang="nl-NL" smtClean="0"/>
-              <a:t>14-4-2019</a:t>
+              <a:t>6-5-2019</a:t>
             </a:fld>
             <a:endParaRPr lang="nl-NL" dirty="0"/>
           </a:p>
@@ -5817,7 +5062,7 @@
           <a:p>
             <a:fld id="{C0420608-9111-4307-BDC9-D2BB0906472C}" type="datetime1">
               <a:rPr lang="nl-NL" smtClean="0"/>
-              <a:t>14-4-2019</a:t>
+              <a:t>6-5-2019</a:t>
             </a:fld>
             <a:endParaRPr lang="nl-NL" dirty="0"/>
           </a:p>
@@ -6102,7 +5347,7 @@
           <a:p>
             <a:fld id="{A84E908B-0185-4D61-A5D9-DBFFD136706E}" type="datetime1">
               <a:rPr lang="nl-NL" smtClean="0"/>
-              <a:t>14-4-2019</a:t>
+              <a:t>6-5-2019</a:t>
             </a:fld>
             <a:endParaRPr lang="nl-NL" dirty="0"/>
           </a:p>
@@ -6521,7 +5766,7 @@
           <a:p>
             <a:fld id="{AF24CBA6-5F96-4BD7-976F-CDF48F991EB6}" type="datetime1">
               <a:rPr lang="nl-NL" smtClean="0"/>
-              <a:t>14-4-2019</a:t>
+              <a:t>6-5-2019</a:t>
             </a:fld>
             <a:endParaRPr lang="nl-NL" dirty="0"/>
           </a:p>
@@ -6638,7 +5883,7 @@
           <a:p>
             <a:fld id="{8CA878B4-84FD-4284-B7D0-09A954965A10}" type="datetime1">
               <a:rPr lang="nl-NL" smtClean="0"/>
-              <a:t>14-4-2019</a:t>
+              <a:t>6-5-2019</a:t>
             </a:fld>
             <a:endParaRPr lang="nl-NL" dirty="0"/>
           </a:p>
@@ -6733,7 +5978,7 @@
           <a:p>
             <a:fld id="{8F1648B1-A544-4058-8476-7C7A9902FE15}" type="datetime1">
               <a:rPr lang="nl-NL" smtClean="0"/>
-              <a:t>14-4-2019</a:t>
+              <a:t>6-5-2019</a:t>
             </a:fld>
             <a:endParaRPr lang="nl-NL" dirty="0"/>
           </a:p>
@@ -7008,7 +6253,7 @@
           <a:p>
             <a:fld id="{D039C4CF-B57B-4F53-B350-F1468F1E8012}" type="datetime1">
               <a:rPr lang="nl-NL" smtClean="0"/>
-              <a:t>14-4-2019</a:t>
+              <a:t>6-5-2019</a:t>
             </a:fld>
             <a:endParaRPr lang="nl-NL" dirty="0"/>
           </a:p>
@@ -7263,7 +6508,7 @@
           <a:p>
             <a:fld id="{CF8B7C30-20C8-4009-AD9C-ED95D216EDC4}" type="datetime1">
               <a:rPr lang="nl-NL" smtClean="0"/>
-              <a:t>14-4-2019</a:t>
+              <a:t>6-5-2019</a:t>
             </a:fld>
             <a:endParaRPr lang="nl-NL" dirty="0"/>
           </a:p>
@@ -7474,7 +6719,7 @@
           <a:p>
             <a:fld id="{9D082795-9F52-4849-A817-AF0180A2A2B3}" type="datetime1">
               <a:rPr lang="nl-NL" smtClean="0"/>
-              <a:t>14-4-2019</a:t>
+              <a:t>6-5-2019</a:t>
             </a:fld>
             <a:endParaRPr lang="nl-NL" dirty="0"/>
           </a:p>
@@ -8030,7 +7275,7 @@
           <a:p>
             <a:fld id="{C6166A56-2601-4E37-8D8D-05C0420DE125}" type="datetime1">
               <a:rPr lang="nl-NL" smtClean="0"/>
-              <a:t>14-4-2019</a:t>
+              <a:t>6-5-2019</a:t>
             </a:fld>
             <a:endParaRPr lang="nl-NL" dirty="0"/>
           </a:p>
@@ -8101,29 +7346,7 @@
       </p:grpSpPr>
       <p:sp>
         <p:nvSpPr>
-          <p:cNvPr id="2" name="Titel 1"/>
-          <p:cNvSpPr>
-            <a:spLocks noGrp="1"/>
-          </p:cNvSpPr>
-          <p:nvPr>
-            <p:ph type="title"/>
-          </p:nvPr>
-        </p:nvSpPr>
-        <p:spPr/>
-        <p:txBody>
-          <a:bodyPr/>
-          <a:lstStyle/>
-          <a:p>
-            <a:r>
-              <a:rPr lang="nl-NL" dirty="0"/>
-              <a:t>GroundForge</a:t>
-            </a:r>
-          </a:p>
-        </p:txBody>
-      </p:sp>
-      <p:sp>
-        <p:nvSpPr>
-          <p:cNvPr id="4" name="Tijdelijke aanduiding voor inhoud 3"/>
+          <p:cNvPr id="3" name="Tijdelijke aanduiding voor inhoud 2"/>
           <p:cNvSpPr>
             <a:spLocks noGrp="1"/>
           </p:cNvSpPr>
@@ -8131,93 +7354,134 @@
             <p:ph idx="1"/>
           </p:nvPr>
         </p:nvSpPr>
-        <p:spPr/>
-        <p:txBody>
-          <a:bodyPr/>
+        <p:spPr>
+          <a:xfrm>
+            <a:off x="457200" y="1600200"/>
+            <a:ext cx="8229600" cy="4790484"/>
+          </a:xfrm>
+        </p:spPr>
+        <p:txBody>
+          <a:bodyPr>
+            <a:normAutofit fontScale="92500" lnSpcReduction="20000"/>
+          </a:bodyPr>
           <a:lstStyle/>
           <a:p>
             <a:pPr marL="0" indent="0">
               <a:buNone/>
             </a:pPr>
             <a:r>
-              <a:rPr lang="nl-NL" dirty="0"/>
-              <a:t>Mix van slagen – patroon eigenschappen</a:t>
-            </a:r>
-          </a:p>
-          <a:p>
+              <a:rPr lang="nl-NL" dirty="0">
+                <a:hlinkClick r:id="rId3"/>
+              </a:rPr>
+              <a:t>https://d-bl.github.io/GroundForge/help/Site-map</a:t>
+            </a:r>
             <a:endParaRPr lang="nl-NL" dirty="0"/>
-          </a:p>
-          <a:p>
-            <a:r>
-              <a:rPr lang="nl-NL" dirty="0"/>
-              <a:t>diagonaal ↔ weven</a:t>
-            </a:r>
           </a:p>
           <a:p>
             <a:pPr marL="0" indent="0">
               <a:buNone/>
             </a:pPr>
-            <a:endParaRPr lang="nl-NL" dirty="0"/>
-          </a:p>
-          <a:p>
+            <a:r>
+              <a:rPr lang="nl-NL" dirty="0">
+                <a:effectLst/>
+              </a:rPr>
+              <a:t>Site Map = visuele inhoudsopgave</a:t>
+            </a:r>
+          </a:p>
+          <a:p>
+            <a:pPr marL="514350" indent="-457200"/>
             <a:r>
               <a:rPr lang="nl-NL" dirty="0"/>
-              <a:t>Bakstenen ↔ schaakbord</a:t>
+              <a:t>Per pagina of groep pagina’s</a:t>
+            </a:r>
+          </a:p>
+          <a:p>
+            <a:pPr lvl="1">
+              <a:buFontTx/>
+              <a:buChar char="-"/>
+            </a:pPr>
+            <a:r>
+              <a:rPr lang="nl-NL" dirty="0"/>
+              <a:t>Belangrijkste kenmerken</a:t>
             </a:r>
             <a:br>
               <a:rPr lang="nl-NL" dirty="0"/>
             </a:br>
             <a:r>
               <a:rPr lang="nl-NL" dirty="0"/>
-              <a:t>(hoe het formulier herhaald wordt)</a:t>
-            </a:r>
-          </a:p>
-        </p:txBody>
-      </p:sp>
-      <p:pic>
-        <p:nvPicPr>
-          <p:cNvPr id="5" name="Picture 2" descr="DiBL logo"/>
-          <p:cNvPicPr>
-            <a:picLocks noChangeAspect="1" noChangeArrowheads="1"/>
-          </p:cNvPicPr>
-          <p:nvPr/>
-        </p:nvPicPr>
-        <p:blipFill>
-          <a:blip r:embed="rId3">
-            <a:extLst>
-              <a:ext uri="{28A0092B-C50C-407E-A947-70E740481C1C}">
-                <a14:useLocalDpi xmlns:a14="http://schemas.microsoft.com/office/drawing/2010/main" val="0"/>
-              </a:ext>
-            </a:extLst>
-          </a:blip>
-          <a:srcRect/>
-          <a:stretch>
-            <a:fillRect/>
-          </a:stretch>
-        </p:blipFill>
-        <p:spPr bwMode="auto">
-          <a:xfrm>
-            <a:off x="263384" y="260648"/>
-            <a:ext cx="1247775" cy="1143001"/>
-          </a:xfrm>
-          <a:prstGeom prst="rect">
-            <a:avLst/>
-          </a:prstGeom>
-          <a:noFill/>
-          <a:extLst>
-            <a:ext uri="{909E8E84-426E-40DD-AFC4-6F175D3DCCD1}">
-              <a14:hiddenFill xmlns:a14="http://schemas.microsoft.com/office/drawing/2010/main">
-                <a:solidFill>
-                  <a:srgbClr val="FFFFFF"/>
-                </a:solidFill>
-              </a14:hiddenFill>
-            </a:ext>
-          </a:extLst>
-        </p:spPr>
-      </p:pic>
-      <p:sp>
-        <p:nvSpPr>
-          <p:cNvPr id="3" name="Tijdelijke aanduiding voor dianummer 2"/>
+              <a:t>op postzegel formaat</a:t>
+            </a:r>
+          </a:p>
+          <a:p>
+            <a:pPr lvl="1">
+              <a:buFontTx/>
+              <a:buChar char="-"/>
+            </a:pPr>
+            <a:r>
+              <a:rPr lang="nl-NL" dirty="0"/>
+              <a:t>Link naar (voorbeeld van)</a:t>
+            </a:r>
+            <a:br>
+              <a:rPr lang="nl-NL" dirty="0"/>
+            </a:br>
+            <a:r>
+              <a:rPr lang="nl-NL" dirty="0"/>
+              <a:t>de pagina</a:t>
+            </a:r>
+          </a:p>
+          <a:p>
+            <a:pPr marL="514350" indent="-457200"/>
+            <a:r>
+              <a:rPr lang="nl-NL" dirty="0"/>
+              <a:t>Pijlen geven links weer</a:t>
+            </a:r>
+            <a:br>
+              <a:rPr lang="nl-NL" dirty="0"/>
+            </a:br>
+            <a:r>
+              <a:rPr lang="nl-NL" dirty="0"/>
+              <a:t>tussen pagina’s</a:t>
+            </a:r>
+            <a:endParaRPr lang="nl-NL" dirty="0">
+              <a:effectLst/>
+            </a:endParaRPr>
+          </a:p>
+          <a:p>
+            <a:pPr marL="0" indent="0">
+              <a:buNone/>
+            </a:pPr>
+            <a:br>
+              <a:rPr lang="nl-NL" dirty="0"/>
+            </a:br>
+            <a:endParaRPr lang="nl-NL" dirty="0"/>
+          </a:p>
+        </p:txBody>
+      </p:sp>
+      <p:sp>
+        <p:nvSpPr>
+          <p:cNvPr id="2" name="Titel 1"/>
+          <p:cNvSpPr>
+            <a:spLocks noGrp="1"/>
+          </p:cNvSpPr>
+          <p:nvPr>
+            <p:ph type="title"/>
+          </p:nvPr>
+        </p:nvSpPr>
+        <p:spPr/>
+        <p:txBody>
+          <a:bodyPr/>
+          <a:lstStyle/>
+          <a:p>
+            <a:r>
+              <a:rPr lang="nl-NL" dirty="0"/>
+              <a:t>GroundForge</a:t>
+            </a:r>
+          </a:p>
+        </p:txBody>
+      </p:sp>
+      <p:sp>
+        <p:nvSpPr>
+          <p:cNvPr id="6" name="Tijdelijke aanduiding voor dianummer 5"/>
           <p:cNvSpPr>
             <a:spLocks noGrp="1"/>
           </p:cNvSpPr>
@@ -8240,264 +7504,38 @@
       </p:sp>
       <p:pic>
         <p:nvPicPr>
-          <p:cNvPr id="2052" name="Picture 4"/>
+          <p:cNvPr id="5" name="Afbeelding 4">
+            <a:extLst>
+              <a:ext uri="{FF2B5EF4-FFF2-40B4-BE49-F238E27FC236}">
+                <a16:creationId xmlns:a16="http://schemas.microsoft.com/office/drawing/2014/main" id="{8118C7A1-DFC9-4C5C-89E8-63815BFB5E60}"/>
+              </a:ext>
+            </a:extLst>
+          </p:cNvPr>
           <p:cNvPicPr>
-            <a:picLocks noChangeAspect="1" noChangeArrowheads="1"/>
+            <a:picLocks noChangeAspect="1"/>
           </p:cNvPicPr>
           <p:nvPr/>
         </p:nvPicPr>
         <p:blipFill>
-          <a:blip r:embed="rId4" cstate="print">
-            <a:extLst>
-              <a:ext uri="{28A0092B-C50C-407E-A947-70E740481C1C}">
-                <a14:useLocalDpi xmlns:a14="http://schemas.microsoft.com/office/drawing/2010/main" val="0"/>
-              </a:ext>
-            </a:extLst>
-          </a:blip>
-          <a:srcRect/>
+          <a:blip r:embed="rId4"/>
           <a:stretch>
             <a:fillRect/>
           </a:stretch>
         </p:blipFill>
-        <p:spPr bwMode="auto">
+        <p:spPr>
           <a:xfrm>
-            <a:off x="5076056" y="2282944"/>
-            <a:ext cx="1767840" cy="1722120"/>
+            <a:off x="5004048" y="3124337"/>
+            <a:ext cx="3682752" cy="3266347"/>
           </a:xfrm>
           <a:prstGeom prst="rect">
             <a:avLst/>
           </a:prstGeom>
-          <a:noFill/>
-          <a:ln>
-            <a:noFill/>
-          </a:ln>
-          <a:effectLst/>
-          <a:extLst>
-            <a:ext uri="{909E8E84-426E-40DD-AFC4-6F175D3DCCD1}">
-              <a14:hiddenFill xmlns:a14="http://schemas.microsoft.com/office/drawing/2010/main">
-                <a:solidFill>
-                  <a:schemeClr val="accent1"/>
-                </a:solidFill>
-              </a14:hiddenFill>
-            </a:ext>
-            <a:ext uri="{91240B29-F687-4F45-9708-019B960494DF}">
-              <a14:hiddenLine xmlns:a14="http://schemas.microsoft.com/office/drawing/2010/main" w="9525">
-                <a:solidFill>
-                  <a:schemeClr val="tx1"/>
-                </a:solidFill>
-                <a:miter lim="800000"/>
-                <a:headEnd/>
-                <a:tailEnd/>
-              </a14:hiddenLine>
-            </a:ext>
-            <a:ext uri="{AF507438-7753-43E0-B8FC-AC1667EBCBE1}">
-              <a14:hiddenEffects xmlns:a14="http://schemas.microsoft.com/office/drawing/2010/main">
-                <a:effectLst>
-                  <a:outerShdw dist="35921" dir="2700000" algn="ctr" rotWithShape="0">
-                    <a:schemeClr val="bg2"/>
-                  </a:outerShdw>
-                </a:effectLst>
-              </a14:hiddenEffects>
-            </a:ext>
-          </a:extLst>
-        </p:spPr>
-      </p:pic>
-      <p:pic>
-        <p:nvPicPr>
-          <p:cNvPr id="2053" name="Picture 5"/>
-          <p:cNvPicPr>
-            <a:picLocks noChangeAspect="1" noChangeArrowheads="1"/>
-          </p:cNvPicPr>
-          <p:nvPr/>
-        </p:nvPicPr>
-        <p:blipFill>
-          <a:blip r:embed="rId5" cstate="print">
-            <a:extLst>
-              <a:ext uri="{28A0092B-C50C-407E-A947-70E740481C1C}">
-                <a14:useLocalDpi xmlns:a14="http://schemas.microsoft.com/office/drawing/2010/main" val="0"/>
-              </a:ext>
-            </a:extLst>
-          </a:blip>
-          <a:srcRect/>
-          <a:stretch>
-            <a:fillRect/>
-          </a:stretch>
-        </p:blipFill>
-        <p:spPr bwMode="auto">
-          <a:xfrm>
-            <a:off x="7024687" y="2271514"/>
-            <a:ext cx="1695450" cy="1733550"/>
-          </a:xfrm>
-          <a:prstGeom prst="rect">
-            <a:avLst/>
-          </a:prstGeom>
-          <a:noFill/>
-          <a:ln>
-            <a:noFill/>
-          </a:ln>
-          <a:effectLst/>
-          <a:extLst>
-            <a:ext uri="{909E8E84-426E-40DD-AFC4-6F175D3DCCD1}">
-              <a14:hiddenFill xmlns:a14="http://schemas.microsoft.com/office/drawing/2010/main">
-                <a:solidFill>
-                  <a:schemeClr val="accent1"/>
-                </a:solidFill>
-              </a14:hiddenFill>
-            </a:ext>
-            <a:ext uri="{91240B29-F687-4F45-9708-019B960494DF}">
-              <a14:hiddenLine xmlns:a14="http://schemas.microsoft.com/office/drawing/2010/main" w="9525">
-                <a:solidFill>
-                  <a:schemeClr val="tx1"/>
-                </a:solidFill>
-                <a:miter lim="800000"/>
-                <a:headEnd/>
-                <a:tailEnd/>
-              </a14:hiddenLine>
-            </a:ext>
-            <a:ext uri="{AF507438-7753-43E0-B8FC-AC1667EBCBE1}">
-              <a14:hiddenEffects xmlns:a14="http://schemas.microsoft.com/office/drawing/2010/main">
-                <a:effectLst>
-                  <a:outerShdw dist="35921" dir="2700000" algn="ctr" rotWithShape="0">
-                    <a:schemeClr val="bg2"/>
-                  </a:outerShdw>
-                </a:effectLst>
-              </a14:hiddenEffects>
-            </a:ext>
-          </a:extLst>
-        </p:spPr>
-      </p:pic>
-      <p:pic>
-        <p:nvPicPr>
-          <p:cNvPr id="2054" name="Picture 6"/>
-          <p:cNvPicPr>
-            <a:picLocks noChangeAspect="1" noChangeArrowheads="1"/>
-          </p:cNvPicPr>
-          <p:nvPr/>
-        </p:nvPicPr>
-        <p:blipFill>
-          <a:blip r:embed="rId6" cstate="print">
-            <a:extLst>
-              <a:ext uri="{28A0092B-C50C-407E-A947-70E740481C1C}">
-                <a14:useLocalDpi xmlns:a14="http://schemas.microsoft.com/office/drawing/2010/main" val="0"/>
-              </a:ext>
-            </a:extLst>
-          </a:blip>
-          <a:srcRect/>
-          <a:stretch>
-            <a:fillRect/>
-          </a:stretch>
-        </p:blipFill>
-        <p:spPr bwMode="auto">
-          <a:xfrm>
-            <a:off x="4733156" y="5211276"/>
-            <a:ext cx="2110740" cy="1242060"/>
-          </a:xfrm>
-          <a:prstGeom prst="rect">
-            <a:avLst/>
-          </a:prstGeom>
-          <a:noFill/>
-          <a:ln>
-            <a:noFill/>
-          </a:ln>
-          <a:effectLst/>
-          <a:extLst>
-            <a:ext uri="{909E8E84-426E-40DD-AFC4-6F175D3DCCD1}">
-              <a14:hiddenFill xmlns:a14="http://schemas.microsoft.com/office/drawing/2010/main">
-                <a:solidFill>
-                  <a:schemeClr val="accent1"/>
-                </a:solidFill>
-              </a14:hiddenFill>
-            </a:ext>
-            <a:ext uri="{91240B29-F687-4F45-9708-019B960494DF}">
-              <a14:hiddenLine xmlns:a14="http://schemas.microsoft.com/office/drawing/2010/main" w="9525">
-                <a:solidFill>
-                  <a:schemeClr val="tx1"/>
-                </a:solidFill>
-                <a:miter lim="800000"/>
-                <a:headEnd/>
-                <a:tailEnd/>
-              </a14:hiddenLine>
-            </a:ext>
-            <a:ext uri="{AF507438-7753-43E0-B8FC-AC1667EBCBE1}">
-              <a14:hiddenEffects xmlns:a14="http://schemas.microsoft.com/office/drawing/2010/main">
-                <a:effectLst>
-                  <a:outerShdw dist="35921" dir="2700000" algn="ctr" rotWithShape="0">
-                    <a:schemeClr val="bg2"/>
-                  </a:outerShdw>
-                </a:effectLst>
-              </a14:hiddenEffects>
-            </a:ext>
-          </a:extLst>
-        </p:spPr>
-      </p:pic>
-      <p:pic>
-        <p:nvPicPr>
-          <p:cNvPr id="2055" name="Picture 7"/>
-          <p:cNvPicPr>
-            <a:picLocks noChangeAspect="1" noChangeArrowheads="1"/>
-          </p:cNvPicPr>
-          <p:nvPr/>
-        </p:nvPicPr>
-        <p:blipFill>
-          <a:blip r:embed="rId7" cstate="print">
-            <a:extLst>
-              <a:ext uri="{28A0092B-C50C-407E-A947-70E740481C1C}">
-                <a14:useLocalDpi xmlns:a14="http://schemas.microsoft.com/office/drawing/2010/main" val="0"/>
-              </a:ext>
-            </a:extLst>
-          </a:blip>
-          <a:srcRect/>
-          <a:stretch>
-            <a:fillRect/>
-          </a:stretch>
-        </p:blipFill>
-        <p:spPr bwMode="auto">
-          <a:xfrm>
-            <a:off x="7291387" y="5081736"/>
-            <a:ext cx="1428750" cy="1371600"/>
-          </a:xfrm>
-          <a:prstGeom prst="rect">
-            <a:avLst/>
-          </a:prstGeom>
-          <a:noFill/>
-          <a:ln>
-            <a:noFill/>
-          </a:ln>
-          <a:effectLst/>
-          <a:extLst>
-            <a:ext uri="{909E8E84-426E-40DD-AFC4-6F175D3DCCD1}">
-              <a14:hiddenFill xmlns:a14="http://schemas.microsoft.com/office/drawing/2010/main">
-                <a:solidFill>
-                  <a:schemeClr val="accent1"/>
-                </a:solidFill>
-              </a14:hiddenFill>
-            </a:ext>
-            <a:ext uri="{91240B29-F687-4F45-9708-019B960494DF}">
-              <a14:hiddenLine xmlns:a14="http://schemas.microsoft.com/office/drawing/2010/main" w="9525">
-                <a:solidFill>
-                  <a:schemeClr val="tx1"/>
-                </a:solidFill>
-                <a:miter lim="800000"/>
-                <a:headEnd/>
-                <a:tailEnd/>
-              </a14:hiddenLine>
-            </a:ext>
-            <a:ext uri="{AF507438-7753-43E0-B8FC-AC1667EBCBE1}">
-              <a14:hiddenEffects xmlns:a14="http://schemas.microsoft.com/office/drawing/2010/main">
-                <a:effectLst>
-                  <a:outerShdw dist="35921" dir="2700000" algn="ctr" rotWithShape="0">
-                    <a:schemeClr val="bg2"/>
-                  </a:outerShdw>
-                </a:effectLst>
-              </a14:hiddenEffects>
-            </a:ext>
-          </a:extLst>
         </p:spPr>
       </p:pic>
     </p:spTree>
     <p:extLst>
       <p:ext uri="{BB962C8B-B14F-4D97-AF65-F5344CB8AC3E}">
-        <p14:creationId xmlns:p14="http://schemas.microsoft.com/office/powerpoint/2010/main" val="2935370788"/>
+        <p14:creationId xmlns:p14="http://schemas.microsoft.com/office/powerpoint/2010/main" val="425617995"/>
       </p:ext>
     </p:extLst>
   </p:cSld>
@@ -8590,7 +7628,7 @@
             <a:pPr lvl="1"/>
             <a:r>
               <a:rPr lang="nl-NL" dirty="0"/>
-              <a:t>Whiting index (online boek)</a:t>
+              <a:t>Whiting index (online boek uit 1920)</a:t>
             </a:r>
           </a:p>
           <a:p>
@@ -8706,7 +7744,7 @@
       </p:sp>
       <p:sp>
         <p:nvSpPr>
-          <p:cNvPr id="4" name="Tijdelijke aanduiding voor inhoud 3"/>
+          <p:cNvPr id="3" name="Tijdelijke aanduiding voor inhoud 2"/>
           <p:cNvSpPr>
             <a:spLocks noGrp="1"/>
           </p:cNvSpPr>
@@ -8724,103 +7762,26 @@
             </a:pPr>
             <a:r>
               <a:rPr lang="nl-NL" dirty="0"/>
-              <a:t>Voorbeeld pagina’s: Whiting Index</a:t>
+              <a:t>Voorbeeld pagina’s: Concept kantbrieven</a:t>
             </a:r>
           </a:p>
           <a:p>
             <a:r>
               <a:rPr lang="nl-NL" dirty="0"/>
-              <a:t>Index op</a:t>
-            </a:r>
-            <a:br>
-              <a:rPr lang="nl-NL" dirty="0"/>
-            </a:br>
-            <a:r>
-              <a:rPr lang="nl-NL" dirty="0"/>
-              <a:t>online boek</a:t>
-            </a:r>
-          </a:p>
-          <a:p>
-            <a:r>
-              <a:rPr lang="nl-NL" dirty="0"/>
-              <a:t>1920 </a:t>
-            </a:r>
-            <a:r>
-              <a:rPr lang="nl-NL" strike="sngStrike" dirty="0"/>
-              <a:t>©</a:t>
-            </a:r>
-          </a:p>
-          <a:p>
-            <a:r>
-              <a:rPr lang="nl-NL" dirty="0"/>
-              <a:t>144 gronden</a:t>
-            </a:r>
-          </a:p>
-          <a:p>
-            <a:r>
-              <a:rPr lang="nl-NL" dirty="0"/>
-              <a:t>Deels uitgewerkt</a:t>
-            </a:r>
-          </a:p>
-        </p:txBody>
-      </p:sp>
-      <p:pic>
-        <p:nvPicPr>
-          <p:cNvPr id="7170" name="Picture 2"/>
-          <p:cNvPicPr>
-            <a:picLocks noChangeAspect="1" noChangeArrowheads="1"/>
-          </p:cNvPicPr>
-          <p:nvPr/>
-        </p:nvPicPr>
-        <p:blipFill>
-          <a:blip r:embed="rId3">
-            <a:extLst>
-              <a:ext uri="{28A0092B-C50C-407E-A947-70E740481C1C}">
-                <a14:useLocalDpi xmlns:a14="http://schemas.microsoft.com/office/drawing/2010/main" val="0"/>
-              </a:ext>
-            </a:extLst>
-          </a:blip>
-          <a:srcRect/>
-          <a:stretch>
-            <a:fillRect/>
-          </a:stretch>
-        </p:blipFill>
-        <p:spPr bwMode="auto">
-          <a:xfrm>
-            <a:off x="3915683" y="2471584"/>
-            <a:ext cx="4673233" cy="3868643"/>
-          </a:xfrm>
-          <a:prstGeom prst="rect">
-            <a:avLst/>
-          </a:prstGeom>
-          <a:noFill/>
-          <a:ln>
-            <a:noFill/>
-          </a:ln>
-          <a:extLst>
-            <a:ext uri="{909E8E84-426E-40DD-AFC4-6F175D3DCCD1}">
-              <a14:hiddenFill xmlns:a14="http://schemas.microsoft.com/office/drawing/2010/main">
-                <a:solidFill>
-                  <a:schemeClr val="accent1"/>
-                </a:solidFill>
-              </a14:hiddenFill>
-            </a:ext>
-            <a:ext uri="{91240B29-F687-4F45-9708-019B960494DF}">
-              <a14:hiddenLine xmlns:a14="http://schemas.microsoft.com/office/drawing/2010/main" w="9525">
-                <a:solidFill>
-                  <a:schemeClr val="tx1"/>
-                </a:solidFill>
-                <a:miter lim="800000"/>
-                <a:headEnd/>
-                <a:tailEnd/>
-              </a14:hiddenLine>
-            </a:ext>
-          </a:extLst>
-        </p:spPr>
-      </p:pic>
-      <p:sp>
-        <p:nvSpPr>
-          <p:cNvPr id="3" name="Tijdelijke aanduiding voor dianummer 2"/>
+              <a:t>Blauwe link gaat terug naar de hoofdpagina</a:t>
+            </a:r>
+          </a:p>
+          <a:p>
+            <a:endParaRPr lang="nl-NL" dirty="0"/>
+          </a:p>
+          <a:p>
+            <a:endParaRPr lang="nl-NL" dirty="0"/>
+          </a:p>
+        </p:txBody>
+      </p:sp>
+      <p:sp>
+        <p:nvSpPr>
+          <p:cNvPr id="5" name="Tijdelijke aanduiding voor dianummer 4"/>
           <p:cNvSpPr>
             <a:spLocks noGrp="1"/>
           </p:cNvSpPr>
@@ -8836,1037 +7797,6 @@
             <a:fld id="{A5775961-95EC-4D4B-9423-EAE103D81E9E}" type="slidenum">
               <a:rPr lang="nl-NL" smtClean="0"/>
               <a:t>12</a:t>
-            </a:fld>
-            <a:endParaRPr lang="nl-NL" dirty="0"/>
-          </a:p>
-        </p:txBody>
-      </p:sp>
-    </p:spTree>
-    <p:extLst>
-      <p:ext uri="{BB962C8B-B14F-4D97-AF65-F5344CB8AC3E}">
-        <p14:creationId xmlns:p14="http://schemas.microsoft.com/office/powerpoint/2010/main" val="1549093198"/>
-      </p:ext>
-    </p:extLst>
-  </p:cSld>
-  <p:clrMapOvr>
-    <a:masterClrMapping/>
-  </p:clrMapOvr>
-</p:sld>
-</file>
-
-<file path=ppt/slides/slide13.xml><?xml version="1.0" encoding="utf-8"?>
-<p:sld xmlns:a="http://schemas.openxmlformats.org/drawingml/2006/main" xmlns:r="http://schemas.openxmlformats.org/officeDocument/2006/relationships" xmlns:p="http://schemas.openxmlformats.org/presentationml/2006/main">
-  <p:cSld>
-    <p:spTree>
-      <p:nvGrpSpPr>
-        <p:cNvPr id="1" name=""/>
-        <p:cNvGrpSpPr/>
-        <p:nvPr/>
-      </p:nvGrpSpPr>
-      <p:grpSpPr>
-        <a:xfrm>
-          <a:off x="0" y="0"/>
-          <a:ext cx="0" cy="0"/>
-          <a:chOff x="0" y="0"/>
-          <a:chExt cx="0" cy="0"/>
-        </a:xfrm>
-      </p:grpSpPr>
-      <p:sp>
-        <p:nvSpPr>
-          <p:cNvPr id="2" name="Titel 1"/>
-          <p:cNvSpPr>
-            <a:spLocks noGrp="1"/>
-          </p:cNvSpPr>
-          <p:nvPr>
-            <p:ph type="title"/>
-          </p:nvPr>
-        </p:nvSpPr>
-        <p:spPr/>
-        <p:txBody>
-          <a:bodyPr/>
-          <a:lstStyle/>
-          <a:p>
-            <a:r>
-              <a:rPr lang="nl-NL" dirty="0"/>
-              <a:t>GroundForge</a:t>
-            </a:r>
-          </a:p>
-        </p:txBody>
-      </p:sp>
-      <p:sp>
-        <p:nvSpPr>
-          <p:cNvPr id="4" name="Tijdelijke aanduiding voor inhoud 3"/>
-          <p:cNvSpPr>
-            <a:spLocks noGrp="1"/>
-          </p:cNvSpPr>
-          <p:nvPr>
-            <p:ph idx="1"/>
-          </p:nvPr>
-        </p:nvSpPr>
-        <p:spPr/>
-        <p:txBody>
-          <a:bodyPr>
-            <a:normAutofit/>
-          </a:bodyPr>
-          <a:lstStyle/>
-          <a:p>
-            <a:pPr marL="0" indent="0">
-              <a:buNone/>
-            </a:pPr>
-            <a:r>
-              <a:rPr lang="nl-NL" dirty="0"/>
-              <a:t>Voorbeeld pagina’s: Whiting Index</a:t>
-            </a:r>
-          </a:p>
-          <a:p>
-            <a:r>
-              <a:rPr lang="nl-NL" dirty="0"/>
-              <a:t>W → door Jo Edkins (UK) losgeknipte pagina </a:t>
-            </a:r>
-          </a:p>
-          <a:p>
-            <a:r>
-              <a:rPr lang="nl-NL" dirty="0"/>
-              <a:t>E6 = nummer regel/kolom → diagrammen</a:t>
-            </a:r>
-          </a:p>
-        </p:txBody>
-      </p:sp>
-      <p:pic>
-        <p:nvPicPr>
-          <p:cNvPr id="15366" name="Picture 6"/>
-          <p:cNvPicPr>
-            <a:picLocks noChangeAspect="1" noChangeArrowheads="1"/>
-          </p:cNvPicPr>
-          <p:nvPr/>
-        </p:nvPicPr>
-        <p:blipFill>
-          <a:blip r:embed="rId3">
-            <a:extLst>
-              <a:ext uri="{28A0092B-C50C-407E-A947-70E740481C1C}">
-                <a14:useLocalDpi xmlns:a14="http://schemas.microsoft.com/office/drawing/2010/main" val="0"/>
-              </a:ext>
-            </a:extLst>
-          </a:blip>
-          <a:srcRect/>
-          <a:stretch>
-            <a:fillRect/>
-          </a:stretch>
-        </p:blipFill>
-        <p:spPr bwMode="auto">
-          <a:xfrm>
-            <a:off x="1259632" y="3318383"/>
-            <a:ext cx="6120680" cy="2674351"/>
-          </a:xfrm>
-          <a:prstGeom prst="rect">
-            <a:avLst/>
-          </a:prstGeom>
-          <a:noFill/>
-          <a:ln>
-            <a:noFill/>
-          </a:ln>
-          <a:extLst>
-            <a:ext uri="{909E8E84-426E-40DD-AFC4-6F175D3DCCD1}">
-              <a14:hiddenFill xmlns:a14="http://schemas.microsoft.com/office/drawing/2010/main">
-                <a:solidFill>
-                  <a:schemeClr val="accent1"/>
-                </a:solidFill>
-              </a14:hiddenFill>
-            </a:ext>
-            <a:ext uri="{91240B29-F687-4F45-9708-019B960494DF}">
-              <a14:hiddenLine xmlns:a14="http://schemas.microsoft.com/office/drawing/2010/main" w="9525">
-                <a:solidFill>
-                  <a:schemeClr val="tx1"/>
-                </a:solidFill>
-                <a:miter lim="800000"/>
-                <a:headEnd/>
-                <a:tailEnd/>
-              </a14:hiddenLine>
-            </a:ext>
-          </a:extLst>
-        </p:spPr>
-      </p:pic>
-      <p:sp>
-        <p:nvSpPr>
-          <p:cNvPr id="3" name="Tijdelijke aanduiding voor dianummer 2"/>
-          <p:cNvSpPr>
-            <a:spLocks noGrp="1"/>
-          </p:cNvSpPr>
-          <p:nvPr>
-            <p:ph type="sldNum" sz="quarter" idx="12"/>
-          </p:nvPr>
-        </p:nvSpPr>
-        <p:spPr/>
-        <p:txBody>
-          <a:bodyPr/>
-          <a:lstStyle/>
-          <a:p>
-            <a:fld id="{A5775961-95EC-4D4B-9423-EAE103D81E9E}" type="slidenum">
-              <a:rPr lang="nl-NL" smtClean="0"/>
-              <a:t>13</a:t>
-            </a:fld>
-            <a:endParaRPr lang="nl-NL" dirty="0"/>
-          </a:p>
-        </p:txBody>
-      </p:sp>
-      <p:sp>
-        <p:nvSpPr>
-          <p:cNvPr id="8" name="Tijdelijke aanduiding voor inhoud 3"/>
-          <p:cNvSpPr txBox="1">
-            <a:spLocks/>
-          </p:cNvSpPr>
-          <p:nvPr/>
-        </p:nvSpPr>
-        <p:spPr>
-          <a:xfrm>
-            <a:off x="590616" y="5941591"/>
-            <a:ext cx="8229600" cy="560686"/>
-          </a:xfrm>
-          <a:prstGeom prst="rect">
-            <a:avLst/>
-          </a:prstGeom>
-        </p:spPr>
-        <p:txBody>
-          <a:bodyPr vert="horz" lIns="91440" tIns="45720" rIns="91440" bIns="45720" rtlCol="0">
-            <a:normAutofit lnSpcReduction="10000"/>
-          </a:bodyPr>
-          <a:lstStyle>
-            <a:lvl1pPr marL="342900" indent="-342900" algn="l" defTabSz="914400" rtl="0" eaLnBrk="1" latinLnBrk="0" hangingPunct="1">
-              <a:spcBef>
-                <a:spcPct val="20000"/>
-              </a:spcBef>
-              <a:buFont typeface="Arial" panose="020B0604020202020204" pitchFamily="34" charset="0"/>
-              <a:buChar char="•"/>
-              <a:defRPr sz="3200" kern="1200">
-                <a:solidFill>
-                  <a:schemeClr val="tx1"/>
-                </a:solidFill>
-                <a:latin typeface="+mn-lt"/>
-                <a:ea typeface="+mn-ea"/>
-                <a:cs typeface="+mn-cs"/>
-              </a:defRPr>
-            </a:lvl1pPr>
-            <a:lvl2pPr marL="742950" indent="-285750" algn="l" defTabSz="914400" rtl="0" eaLnBrk="1" latinLnBrk="0" hangingPunct="1">
-              <a:spcBef>
-                <a:spcPct val="20000"/>
-              </a:spcBef>
-              <a:buFont typeface="Arial" panose="020B0604020202020204" pitchFamily="34" charset="0"/>
-              <a:buChar char="–"/>
-              <a:defRPr sz="2800" kern="1200">
-                <a:solidFill>
-                  <a:schemeClr val="tx1"/>
-                </a:solidFill>
-                <a:latin typeface="+mn-lt"/>
-                <a:ea typeface="+mn-ea"/>
-                <a:cs typeface="+mn-cs"/>
-              </a:defRPr>
-            </a:lvl2pPr>
-            <a:lvl3pPr marL="1143000" indent="-228600" algn="l" defTabSz="914400" rtl="0" eaLnBrk="1" latinLnBrk="0" hangingPunct="1">
-              <a:spcBef>
-                <a:spcPct val="20000"/>
-              </a:spcBef>
-              <a:buFont typeface="Arial" panose="020B0604020202020204" pitchFamily="34" charset="0"/>
-              <a:buChar char="•"/>
-              <a:defRPr sz="2400" kern="1200">
-                <a:solidFill>
-                  <a:schemeClr val="tx1"/>
-                </a:solidFill>
-                <a:latin typeface="+mn-lt"/>
-                <a:ea typeface="+mn-ea"/>
-                <a:cs typeface="+mn-cs"/>
-              </a:defRPr>
-            </a:lvl3pPr>
-            <a:lvl4pPr marL="1600200" indent="-228600" algn="l" defTabSz="914400" rtl="0" eaLnBrk="1" latinLnBrk="0" hangingPunct="1">
-              <a:spcBef>
-                <a:spcPct val="20000"/>
-              </a:spcBef>
-              <a:buFont typeface="Arial" panose="020B0604020202020204" pitchFamily="34" charset="0"/>
-              <a:buChar char="–"/>
-              <a:defRPr sz="2000" kern="1200">
-                <a:solidFill>
-                  <a:schemeClr val="tx1"/>
-                </a:solidFill>
-                <a:latin typeface="+mn-lt"/>
-                <a:ea typeface="+mn-ea"/>
-                <a:cs typeface="+mn-cs"/>
-              </a:defRPr>
-            </a:lvl4pPr>
-            <a:lvl5pPr marL="2057400" indent="-228600" algn="l" defTabSz="914400" rtl="0" eaLnBrk="1" latinLnBrk="0" hangingPunct="1">
-              <a:spcBef>
-                <a:spcPct val="20000"/>
-              </a:spcBef>
-              <a:buFont typeface="Arial" panose="020B0604020202020204" pitchFamily="34" charset="0"/>
-              <a:buChar char="»"/>
-              <a:defRPr sz="2000" kern="1200">
-                <a:solidFill>
-                  <a:schemeClr val="tx1"/>
-                </a:solidFill>
-                <a:latin typeface="+mn-lt"/>
-                <a:ea typeface="+mn-ea"/>
-                <a:cs typeface="+mn-cs"/>
-              </a:defRPr>
-            </a:lvl5pPr>
-            <a:lvl6pPr marL="2514600" indent="-228600" algn="l" defTabSz="914400" rtl="0" eaLnBrk="1" latinLnBrk="0" hangingPunct="1">
-              <a:spcBef>
-                <a:spcPct val="20000"/>
-              </a:spcBef>
-              <a:buFont typeface="Arial" panose="020B0604020202020204" pitchFamily="34" charset="0"/>
-              <a:buChar char="•"/>
-              <a:defRPr sz="2000" kern="1200">
-                <a:solidFill>
-                  <a:schemeClr val="tx1"/>
-                </a:solidFill>
-                <a:latin typeface="+mn-lt"/>
-                <a:ea typeface="+mn-ea"/>
-                <a:cs typeface="+mn-cs"/>
-              </a:defRPr>
-            </a:lvl6pPr>
-            <a:lvl7pPr marL="2971800" indent="-228600" algn="l" defTabSz="914400" rtl="0" eaLnBrk="1" latinLnBrk="0" hangingPunct="1">
-              <a:spcBef>
-                <a:spcPct val="20000"/>
-              </a:spcBef>
-              <a:buFont typeface="Arial" panose="020B0604020202020204" pitchFamily="34" charset="0"/>
-              <a:buChar char="•"/>
-              <a:defRPr sz="2000" kern="1200">
-                <a:solidFill>
-                  <a:schemeClr val="tx1"/>
-                </a:solidFill>
-                <a:latin typeface="+mn-lt"/>
-                <a:ea typeface="+mn-ea"/>
-                <a:cs typeface="+mn-cs"/>
-              </a:defRPr>
-            </a:lvl7pPr>
-            <a:lvl8pPr marL="3429000" indent="-228600" algn="l" defTabSz="914400" rtl="0" eaLnBrk="1" latinLnBrk="0" hangingPunct="1">
-              <a:spcBef>
-                <a:spcPct val="20000"/>
-              </a:spcBef>
-              <a:buFont typeface="Arial" panose="020B0604020202020204" pitchFamily="34" charset="0"/>
-              <a:buChar char="•"/>
-              <a:defRPr sz="2000" kern="1200">
-                <a:solidFill>
-                  <a:schemeClr val="tx1"/>
-                </a:solidFill>
-                <a:latin typeface="+mn-lt"/>
-                <a:ea typeface="+mn-ea"/>
-                <a:cs typeface="+mn-cs"/>
-              </a:defRPr>
-            </a:lvl8pPr>
-            <a:lvl9pPr marL="3886200" indent="-228600" algn="l" defTabSz="914400" rtl="0" eaLnBrk="1" latinLnBrk="0" hangingPunct="1">
-              <a:spcBef>
-                <a:spcPct val="20000"/>
-              </a:spcBef>
-              <a:buFont typeface="Arial" panose="020B0604020202020204" pitchFamily="34" charset="0"/>
-              <a:buChar char="•"/>
-              <a:defRPr sz="2000" kern="1200">
-                <a:solidFill>
-                  <a:schemeClr val="tx1"/>
-                </a:solidFill>
-                <a:latin typeface="+mn-lt"/>
-                <a:ea typeface="+mn-ea"/>
-                <a:cs typeface="+mn-cs"/>
-              </a:defRPr>
-            </a:lvl9pPr>
-          </a:lstStyle>
-          <a:p>
-            <a:r>
-              <a:rPr lang="nl-NL" dirty="0"/>
-              <a:t>Kleuren van draden zelf aan te passen</a:t>
-            </a:r>
-          </a:p>
-        </p:txBody>
-      </p:sp>
-      <p:pic>
-        <p:nvPicPr>
-          <p:cNvPr id="9" name="Picture 2"/>
-          <p:cNvPicPr>
-            <a:picLocks noChangeAspect="1" noChangeArrowheads="1"/>
-          </p:cNvPicPr>
-          <p:nvPr/>
-        </p:nvPicPr>
-        <p:blipFill>
-          <a:blip r:embed="rId4">
-            <a:extLst>
-              <a:ext uri="{28A0092B-C50C-407E-A947-70E740481C1C}">
-                <a14:useLocalDpi xmlns:a14="http://schemas.microsoft.com/office/drawing/2010/main" val="0"/>
-              </a:ext>
-            </a:extLst>
-          </a:blip>
-          <a:srcRect/>
-          <a:stretch>
-            <a:fillRect/>
-          </a:stretch>
-        </p:blipFill>
-        <p:spPr bwMode="auto">
-          <a:xfrm>
-            <a:off x="6838925" y="332656"/>
-            <a:ext cx="1428750" cy="1933575"/>
-          </a:xfrm>
-          <a:prstGeom prst="rect">
-            <a:avLst/>
-          </a:prstGeom>
-          <a:noFill/>
-          <a:ln>
-            <a:noFill/>
-          </a:ln>
-          <a:extLst>
-            <a:ext uri="{909E8E84-426E-40DD-AFC4-6F175D3DCCD1}">
-              <a14:hiddenFill xmlns:a14="http://schemas.microsoft.com/office/drawing/2010/main">
-                <a:solidFill>
-                  <a:schemeClr val="accent1"/>
-                </a:solidFill>
-              </a14:hiddenFill>
-            </a:ext>
-            <a:ext uri="{91240B29-F687-4F45-9708-019B960494DF}">
-              <a14:hiddenLine xmlns:a14="http://schemas.microsoft.com/office/drawing/2010/main" w="9525">
-                <a:solidFill>
-                  <a:schemeClr val="tx1"/>
-                </a:solidFill>
-                <a:miter lim="800000"/>
-                <a:headEnd/>
-                <a:tailEnd/>
-              </a14:hiddenLine>
-            </a:ext>
-          </a:extLst>
-        </p:spPr>
-      </p:pic>
-    </p:spTree>
-    <p:extLst>
-      <p:ext uri="{BB962C8B-B14F-4D97-AF65-F5344CB8AC3E}">
-        <p14:creationId xmlns:p14="http://schemas.microsoft.com/office/powerpoint/2010/main" val="2892508582"/>
-      </p:ext>
-    </p:extLst>
-  </p:cSld>
-  <p:clrMapOvr>
-    <a:masterClrMapping/>
-  </p:clrMapOvr>
-</p:sld>
-</file>
-
-<file path=ppt/slides/slide14.xml><?xml version="1.0" encoding="utf-8"?>
-<p:sld xmlns:a="http://schemas.openxmlformats.org/drawingml/2006/main" xmlns:r="http://schemas.openxmlformats.org/officeDocument/2006/relationships" xmlns:p="http://schemas.openxmlformats.org/presentationml/2006/main">
-  <p:cSld>
-    <p:spTree>
-      <p:nvGrpSpPr>
-        <p:cNvPr id="1" name=""/>
-        <p:cNvGrpSpPr/>
-        <p:nvPr/>
-      </p:nvGrpSpPr>
-      <p:grpSpPr>
-        <a:xfrm>
-          <a:off x="0" y="0"/>
-          <a:ext cx="0" cy="0"/>
-          <a:chOff x="0" y="0"/>
-          <a:chExt cx="0" cy="0"/>
-        </a:xfrm>
-      </p:grpSpPr>
-      <p:sp>
-        <p:nvSpPr>
-          <p:cNvPr id="2" name="Titel 1"/>
-          <p:cNvSpPr>
-            <a:spLocks noGrp="1"/>
-          </p:cNvSpPr>
-          <p:nvPr>
-            <p:ph type="title"/>
-          </p:nvPr>
-        </p:nvSpPr>
-        <p:spPr/>
-        <p:txBody>
-          <a:bodyPr/>
-          <a:lstStyle/>
-          <a:p>
-            <a:r>
-              <a:rPr lang="nl-NL" dirty="0"/>
-              <a:t>GroundForge</a:t>
-            </a:r>
-          </a:p>
-        </p:txBody>
-      </p:sp>
-      <p:sp>
-        <p:nvSpPr>
-          <p:cNvPr id="4" name="Tijdelijke aanduiding voor inhoud 3"/>
-          <p:cNvSpPr>
-            <a:spLocks noGrp="1"/>
-          </p:cNvSpPr>
-          <p:nvPr>
-            <p:ph idx="1"/>
-          </p:nvPr>
-        </p:nvSpPr>
-        <p:spPr/>
-        <p:txBody>
-          <a:bodyPr/>
-          <a:lstStyle/>
-          <a:p>
-            <a:pPr marL="0" indent="0">
-              <a:buNone/>
-            </a:pPr>
-            <a:r>
-              <a:rPr lang="nl-NL" dirty="0"/>
-              <a:t>Voorbeeld pagina’s: Tesselace Index</a:t>
-            </a:r>
-          </a:p>
-          <a:p>
-            <a:r>
-              <a:rPr lang="nl-NL" dirty="0"/>
-              <a:t>Tussen resultaat promotieonderzoek</a:t>
-            </a:r>
-          </a:p>
-          <a:p>
-            <a:r>
-              <a:rPr lang="nl-NL" dirty="0"/>
-              <a:t>honderden rondgetrokken paren schema’s: </a:t>
-            </a:r>
-          </a:p>
-        </p:txBody>
-      </p:sp>
-      <p:pic>
-        <p:nvPicPr>
-          <p:cNvPr id="8205" name="Picture 13" descr="https://raw.githubusercontent.com/wiki/d-bl/GroundForge/tl/118.png"/>
-          <p:cNvPicPr>
-            <a:picLocks noChangeAspect="1" noChangeArrowheads="1"/>
-          </p:cNvPicPr>
-          <p:nvPr/>
-        </p:nvPicPr>
-        <p:blipFill>
-          <a:blip r:embed="rId3">
-            <a:extLst>
-              <a:ext uri="{28A0092B-C50C-407E-A947-70E740481C1C}">
-                <a14:useLocalDpi xmlns:a14="http://schemas.microsoft.com/office/drawing/2010/main" val="0"/>
-              </a:ext>
-            </a:extLst>
-          </a:blip>
-          <a:srcRect/>
-          <a:stretch>
-            <a:fillRect/>
-          </a:stretch>
-        </p:blipFill>
-        <p:spPr bwMode="auto">
-          <a:xfrm>
-            <a:off x="5774893" y="3316013"/>
-            <a:ext cx="1585098" cy="1585098"/>
-          </a:xfrm>
-          <a:prstGeom prst="rect">
-            <a:avLst/>
-          </a:prstGeom>
-          <a:noFill/>
-          <a:extLst>
-            <a:ext uri="{909E8E84-426E-40DD-AFC4-6F175D3DCCD1}">
-              <a14:hiddenFill xmlns:a14="http://schemas.microsoft.com/office/drawing/2010/main">
-                <a:solidFill>
-                  <a:srgbClr val="FFFFFF"/>
-                </a:solidFill>
-              </a14:hiddenFill>
-            </a:ext>
-          </a:extLst>
-        </p:spPr>
-      </p:pic>
-      <p:pic>
-        <p:nvPicPr>
-          <p:cNvPr id="14338" name="Picture 2" descr="https://raw.githubusercontent.com/wiki/d-bl/GroundForge/tl/551.png"/>
-          <p:cNvPicPr>
-            <a:picLocks noChangeAspect="1" noChangeArrowheads="1"/>
-          </p:cNvPicPr>
-          <p:nvPr/>
-        </p:nvPicPr>
-        <p:blipFill>
-          <a:blip r:embed="rId4">
-            <a:extLst>
-              <a:ext uri="{28A0092B-C50C-407E-A947-70E740481C1C}">
-                <a14:useLocalDpi xmlns:a14="http://schemas.microsoft.com/office/drawing/2010/main" val="0"/>
-              </a:ext>
-            </a:extLst>
-          </a:blip>
-          <a:srcRect/>
-          <a:stretch>
-            <a:fillRect/>
-          </a:stretch>
-        </p:blipFill>
-        <p:spPr bwMode="auto">
-          <a:xfrm>
-            <a:off x="179512" y="3316013"/>
-            <a:ext cx="1585098" cy="1585098"/>
-          </a:xfrm>
-          <a:prstGeom prst="rect">
-            <a:avLst/>
-          </a:prstGeom>
-          <a:noFill/>
-          <a:extLst>
-            <a:ext uri="{909E8E84-426E-40DD-AFC4-6F175D3DCCD1}">
-              <a14:hiddenFill xmlns:a14="http://schemas.microsoft.com/office/drawing/2010/main">
-                <a:solidFill>
-                  <a:srgbClr val="FFFFFF"/>
-                </a:solidFill>
-              </a14:hiddenFill>
-            </a:ext>
-          </a:extLst>
-        </p:spPr>
-      </p:pic>
-      <p:pic>
-        <p:nvPicPr>
-          <p:cNvPr id="2050" name="Picture 2" descr="https://raw.githubusercontent.com/wiki/d-bl/GroundForge/tl/425.png"/>
-          <p:cNvPicPr>
-            <a:picLocks noChangeAspect="1" noChangeArrowheads="1"/>
-          </p:cNvPicPr>
-          <p:nvPr/>
-        </p:nvPicPr>
-        <p:blipFill>
-          <a:blip r:embed="rId5">
-            <a:extLst>
-              <a:ext uri="{28A0092B-C50C-407E-A947-70E740481C1C}">
-                <a14:useLocalDpi xmlns:a14="http://schemas.microsoft.com/office/drawing/2010/main" val="0"/>
-              </a:ext>
-            </a:extLst>
-          </a:blip>
-          <a:srcRect/>
-          <a:stretch>
-            <a:fillRect/>
-          </a:stretch>
-        </p:blipFill>
-        <p:spPr bwMode="auto">
-          <a:xfrm>
-            <a:off x="1842285" y="4823347"/>
-            <a:ext cx="1585098" cy="1585098"/>
-          </a:xfrm>
-          <a:prstGeom prst="rect">
-            <a:avLst/>
-          </a:prstGeom>
-          <a:noFill/>
-          <a:extLst>
-            <a:ext uri="{909E8E84-426E-40DD-AFC4-6F175D3DCCD1}">
-              <a14:hiddenFill xmlns:a14="http://schemas.microsoft.com/office/drawing/2010/main">
-                <a:solidFill>
-                  <a:srgbClr val="FFFFFF"/>
-                </a:solidFill>
-              </a14:hiddenFill>
-            </a:ext>
-          </a:extLst>
-        </p:spPr>
-      </p:pic>
-      <p:pic>
-        <p:nvPicPr>
-          <p:cNvPr id="2052" name="Picture 4" descr="https://raw.githubusercontent.com/wiki/d-bl/GroundForge/tl/576.png"/>
-          <p:cNvPicPr>
-            <a:picLocks noChangeAspect="1" noChangeArrowheads="1"/>
-          </p:cNvPicPr>
-          <p:nvPr/>
-        </p:nvPicPr>
-        <p:blipFill>
-          <a:blip r:embed="rId6">
-            <a:extLst>
-              <a:ext uri="{28A0092B-C50C-407E-A947-70E740481C1C}">
-                <a14:useLocalDpi xmlns:a14="http://schemas.microsoft.com/office/drawing/2010/main" val="0"/>
-              </a:ext>
-            </a:extLst>
-          </a:blip>
-          <a:srcRect/>
-          <a:stretch>
-            <a:fillRect/>
-          </a:stretch>
-        </p:blipFill>
-        <p:spPr bwMode="auto">
-          <a:xfrm>
-            <a:off x="4297607" y="4807784"/>
-            <a:ext cx="1585098" cy="1585098"/>
-          </a:xfrm>
-          <a:prstGeom prst="rect">
-            <a:avLst/>
-          </a:prstGeom>
-          <a:noFill/>
-          <a:extLst>
-            <a:ext uri="{909E8E84-426E-40DD-AFC4-6F175D3DCCD1}">
-              <a14:hiddenFill xmlns:a14="http://schemas.microsoft.com/office/drawing/2010/main">
-                <a:solidFill>
-                  <a:srgbClr val="FFFFFF"/>
-                </a:solidFill>
-              </a14:hiddenFill>
-            </a:ext>
-          </a:extLst>
-        </p:spPr>
-      </p:pic>
-      <p:pic>
-        <p:nvPicPr>
-          <p:cNvPr id="2054" name="Picture 6" descr="https://raw.githubusercontent.com/wiki/d-bl/GroundForge/tl/558.png"/>
-          <p:cNvPicPr>
-            <a:picLocks noChangeAspect="1" noChangeArrowheads="1"/>
-          </p:cNvPicPr>
-          <p:nvPr/>
-        </p:nvPicPr>
-        <p:blipFill>
-          <a:blip r:embed="rId7">
-            <a:extLst>
-              <a:ext uri="{28A0092B-C50C-407E-A947-70E740481C1C}">
-                <a14:useLocalDpi xmlns:a14="http://schemas.microsoft.com/office/drawing/2010/main" val="0"/>
-              </a:ext>
-            </a:extLst>
-          </a:blip>
-          <a:srcRect/>
-          <a:stretch>
-            <a:fillRect/>
-          </a:stretch>
-        </p:blipFill>
-        <p:spPr bwMode="auto">
-          <a:xfrm>
-            <a:off x="6666821" y="4807784"/>
-            <a:ext cx="1585098" cy="1585098"/>
-          </a:xfrm>
-          <a:prstGeom prst="rect">
-            <a:avLst/>
-          </a:prstGeom>
-          <a:noFill/>
-          <a:extLst>
-            <a:ext uri="{909E8E84-426E-40DD-AFC4-6F175D3DCCD1}">
-              <a14:hiddenFill xmlns:a14="http://schemas.microsoft.com/office/drawing/2010/main">
-                <a:solidFill>
-                  <a:srgbClr val="FFFFFF"/>
-                </a:solidFill>
-              </a14:hiddenFill>
-            </a:ext>
-          </a:extLst>
-        </p:spPr>
-      </p:pic>
-      <p:pic>
-        <p:nvPicPr>
-          <p:cNvPr id="3074" name="Picture 2" descr="https://raw.githubusercontent.com/wiki/d-bl/GroundForge/tl/376.png"/>
-          <p:cNvPicPr>
-            <a:picLocks noChangeAspect="1" noChangeArrowheads="1"/>
-          </p:cNvPicPr>
-          <p:nvPr/>
-        </p:nvPicPr>
-        <p:blipFill>
-          <a:blip r:embed="rId8">
-            <a:extLst>
-              <a:ext uri="{28A0092B-C50C-407E-A947-70E740481C1C}">
-                <a14:useLocalDpi xmlns:a14="http://schemas.microsoft.com/office/drawing/2010/main" val="0"/>
-              </a:ext>
-            </a:extLst>
-          </a:blip>
-          <a:srcRect/>
-          <a:stretch>
-            <a:fillRect/>
-          </a:stretch>
-        </p:blipFill>
-        <p:spPr bwMode="auto">
-          <a:xfrm>
-            <a:off x="3405679" y="3316013"/>
-            <a:ext cx="1585098" cy="1585098"/>
-          </a:xfrm>
-          <a:prstGeom prst="rect">
-            <a:avLst/>
-          </a:prstGeom>
-          <a:noFill/>
-          <a:extLst>
-            <a:ext uri="{909E8E84-426E-40DD-AFC4-6F175D3DCCD1}">
-              <a14:hiddenFill xmlns:a14="http://schemas.microsoft.com/office/drawing/2010/main">
-                <a:solidFill>
-                  <a:srgbClr val="FFFFFF"/>
-                </a:solidFill>
-              </a14:hiddenFill>
-            </a:ext>
-          </a:extLst>
-        </p:spPr>
-      </p:pic>
-      <p:sp>
-        <p:nvSpPr>
-          <p:cNvPr id="6" name="Tijdelijke aanduiding voor dianummer 5"/>
-          <p:cNvSpPr>
-            <a:spLocks noGrp="1"/>
-          </p:cNvSpPr>
-          <p:nvPr>
-            <p:ph type="sldNum" sz="quarter" idx="12"/>
-          </p:nvPr>
-        </p:nvSpPr>
-        <p:spPr/>
-        <p:txBody>
-          <a:bodyPr/>
-          <a:lstStyle/>
-          <a:p>
-            <a:fld id="{A5775961-95EC-4D4B-9423-EAE103D81E9E}" type="slidenum">
-              <a:rPr lang="nl-NL" smtClean="0"/>
-              <a:t>14</a:t>
-            </a:fld>
-            <a:endParaRPr lang="nl-NL" dirty="0"/>
-          </a:p>
-        </p:txBody>
-      </p:sp>
-      <p:sp>
-        <p:nvSpPr>
-          <p:cNvPr id="3" name="Rechthoek 2"/>
-          <p:cNvSpPr/>
-          <p:nvPr/>
-        </p:nvSpPr>
-        <p:spPr>
-          <a:xfrm>
-            <a:off x="3275857" y="3316013"/>
-            <a:ext cx="1814300" cy="1491771"/>
-          </a:xfrm>
-          <a:prstGeom prst="rect">
-            <a:avLst/>
-          </a:prstGeom>
-          <a:noFill/>
-          <a:ln w="3175"/>
-        </p:spPr>
-        <p:style>
-          <a:lnRef idx="2">
-            <a:schemeClr val="accent1">
-              <a:shade val="50000"/>
-            </a:schemeClr>
-          </a:lnRef>
-          <a:fillRef idx="1">
-            <a:schemeClr val="accent1"/>
-          </a:fillRef>
-          <a:effectRef idx="0">
-            <a:schemeClr val="accent1"/>
-          </a:effectRef>
-          <a:fontRef idx="minor">
-            <a:schemeClr val="lt1"/>
-          </a:fontRef>
-        </p:style>
-        <p:txBody>
-          <a:bodyPr rtlCol="0" anchor="ctr"/>
-          <a:lstStyle/>
-          <a:p>
-            <a:pPr algn="ctr"/>
-            <a:endParaRPr lang="nl-NL" dirty="0"/>
-          </a:p>
-        </p:txBody>
-      </p:sp>
-    </p:spTree>
-    <p:extLst>
-      <p:ext uri="{BB962C8B-B14F-4D97-AF65-F5344CB8AC3E}">
-        <p14:creationId xmlns:p14="http://schemas.microsoft.com/office/powerpoint/2010/main" val="2843299722"/>
-      </p:ext>
-    </p:extLst>
-  </p:cSld>
-  <p:clrMapOvr>
-    <a:masterClrMapping/>
-  </p:clrMapOvr>
-  <p:timing>
-    <p:tnLst>
-      <p:par>
-        <p:cTn id="1" dur="indefinite" restart="never" nodeType="tmRoot">
-          <p:childTnLst>
-            <p:seq concurrent="1" nextAc="seek">
-              <p:cTn id="2" dur="indefinite" nodeType="mainSeq">
-                <p:childTnLst>
-                  <p:par>
-                    <p:cTn id="3" fill="hold">
-                      <p:stCondLst>
-                        <p:cond delay="indefinite"/>
-                      </p:stCondLst>
-                      <p:childTnLst>
-                        <p:par>
-                          <p:cTn id="4" fill="hold">
-                            <p:stCondLst>
-                              <p:cond delay="0"/>
-                            </p:stCondLst>
-                            <p:childTnLst>
-                              <p:par>
-                                <p:cTn id="5" presetID="2" presetClass="entr" presetSubtype="4" fill="hold" grpId="0" nodeType="clickEffect">
-                                  <p:stCondLst>
-                                    <p:cond delay="0"/>
-                                  </p:stCondLst>
-                                  <p:childTnLst>
-                                    <p:set>
-                                      <p:cBhvr>
-                                        <p:cTn id="6" dur="1" fill="hold">
-                                          <p:stCondLst>
-                                            <p:cond delay="0"/>
-                                          </p:stCondLst>
-                                        </p:cTn>
-                                        <p:tgtEl>
-                                          <p:spTgt spid="3"/>
-                                        </p:tgtEl>
-                                        <p:attrNameLst>
-                                          <p:attrName>style.visibility</p:attrName>
-                                        </p:attrNameLst>
-                                      </p:cBhvr>
-                                      <p:to>
-                                        <p:strVal val="visible"/>
-                                      </p:to>
-                                    </p:set>
-                                    <p:anim calcmode="lin" valueType="num">
-                                      <p:cBhvr additive="base">
-                                        <p:cTn id="7" dur="500" fill="hold"/>
-                                        <p:tgtEl>
-                                          <p:spTgt spid="3"/>
-                                        </p:tgtEl>
-                                        <p:attrNameLst>
-                                          <p:attrName>ppt_x</p:attrName>
-                                        </p:attrNameLst>
-                                      </p:cBhvr>
-                                      <p:tavLst>
-                                        <p:tav tm="0">
-                                          <p:val>
-                                            <p:strVal val="#ppt_x"/>
-                                          </p:val>
-                                        </p:tav>
-                                        <p:tav tm="100000">
-                                          <p:val>
-                                            <p:strVal val="#ppt_x"/>
-                                          </p:val>
-                                        </p:tav>
-                                      </p:tavLst>
-                                    </p:anim>
-                                    <p:anim calcmode="lin" valueType="num">
-                                      <p:cBhvr additive="base">
-                                        <p:cTn id="8" dur="500" fill="hold"/>
-                                        <p:tgtEl>
-                                          <p:spTgt spid="3"/>
-                                        </p:tgtEl>
-                                        <p:attrNameLst>
-                                          <p:attrName>ppt_y</p:attrName>
-                                        </p:attrNameLst>
-                                      </p:cBhvr>
-                                      <p:tavLst>
-                                        <p:tav tm="0">
-                                          <p:val>
-                                            <p:strVal val="1+#ppt_h/2"/>
-                                          </p:val>
-                                        </p:tav>
-                                        <p:tav tm="100000">
-                                          <p:val>
-                                            <p:strVal val="#ppt_y"/>
-                                          </p:val>
-                                        </p:tav>
-                                      </p:tavLst>
-                                    </p:anim>
-                                  </p:childTnLst>
-                                </p:cTn>
-                              </p:par>
-                            </p:childTnLst>
-                          </p:cTn>
-                        </p:par>
-                      </p:childTnLst>
-                    </p:cTn>
-                  </p:par>
-                </p:childTnLst>
-              </p:cTn>
-              <p:prevCondLst>
-                <p:cond evt="onPrev" delay="0">
-                  <p:tgtEl>
-                    <p:sldTgt/>
-                  </p:tgtEl>
-                </p:cond>
-              </p:prevCondLst>
-              <p:nextCondLst>
-                <p:cond evt="onNext" delay="0">
-                  <p:tgtEl>
-                    <p:sldTgt/>
-                  </p:tgtEl>
-                </p:cond>
-              </p:nextCondLst>
-            </p:seq>
-          </p:childTnLst>
-        </p:cTn>
-      </p:par>
-    </p:tnLst>
-    <p:bldLst>
-      <p:bldP spid="3" grpId="0" animBg="1"/>
-    </p:bldLst>
-  </p:timing>
-</p:sld>
-</file>
-
-<file path=ppt/slides/slide15.xml><?xml version="1.0" encoding="utf-8"?>
-<p:sld xmlns:a="http://schemas.openxmlformats.org/drawingml/2006/main" xmlns:r="http://schemas.openxmlformats.org/officeDocument/2006/relationships" xmlns:p="http://schemas.openxmlformats.org/presentationml/2006/main">
-  <p:cSld>
-    <p:spTree>
-      <p:nvGrpSpPr>
-        <p:cNvPr id="1" name=""/>
-        <p:cNvGrpSpPr/>
-        <p:nvPr/>
-      </p:nvGrpSpPr>
-      <p:grpSpPr>
-        <a:xfrm>
-          <a:off x="0" y="0"/>
-          <a:ext cx="0" cy="0"/>
-          <a:chOff x="0" y="0"/>
-          <a:chExt cx="0" cy="0"/>
-        </a:xfrm>
-      </p:grpSpPr>
-      <p:sp>
-        <p:nvSpPr>
-          <p:cNvPr id="2" name="Titel 1"/>
-          <p:cNvSpPr>
-            <a:spLocks noGrp="1"/>
-          </p:cNvSpPr>
-          <p:nvPr>
-            <p:ph type="title"/>
-          </p:nvPr>
-        </p:nvSpPr>
-        <p:spPr/>
-        <p:txBody>
-          <a:bodyPr/>
-          <a:lstStyle/>
-          <a:p>
-            <a:r>
-              <a:rPr lang="nl-NL" dirty="0"/>
-              <a:t>GroundForge</a:t>
-            </a:r>
-          </a:p>
-        </p:txBody>
-      </p:sp>
-      <p:sp>
-        <p:nvSpPr>
-          <p:cNvPr id="3" name="Tijdelijke aanduiding voor inhoud 2"/>
-          <p:cNvSpPr>
-            <a:spLocks noGrp="1"/>
-          </p:cNvSpPr>
-          <p:nvPr>
-            <p:ph idx="1"/>
-          </p:nvPr>
-        </p:nvSpPr>
-        <p:spPr/>
-        <p:txBody>
-          <a:bodyPr/>
-          <a:lstStyle/>
-          <a:p>
-            <a:pPr marL="0" indent="0">
-              <a:buNone/>
-            </a:pPr>
-            <a:r>
-              <a:rPr lang="nl-NL" dirty="0"/>
-              <a:t>Voorbeeld pagina’s: Concept kantbrieven</a:t>
-            </a:r>
-          </a:p>
-          <a:p>
-            <a:r>
-              <a:rPr lang="nl-NL" dirty="0"/>
-              <a:t>Blauwe link vult parameter formulier</a:t>
-            </a:r>
-            <a:br>
-              <a:rPr lang="nl-NL" dirty="0"/>
-            </a:br>
-            <a:r>
-              <a:rPr lang="nl-NL" dirty="0"/>
-              <a:t>met zwarte gegevens</a:t>
-            </a:r>
-          </a:p>
-          <a:p>
-            <a:endParaRPr lang="nl-NL" dirty="0"/>
-          </a:p>
-          <a:p>
-            <a:endParaRPr lang="nl-NL" dirty="0"/>
-          </a:p>
-        </p:txBody>
-      </p:sp>
-      <p:sp>
-        <p:nvSpPr>
-          <p:cNvPr id="5" name="Tijdelijke aanduiding voor dianummer 4"/>
-          <p:cNvSpPr>
-            <a:spLocks noGrp="1"/>
-          </p:cNvSpPr>
-          <p:nvPr>
-            <p:ph type="sldNum" sz="quarter" idx="12"/>
-          </p:nvPr>
-        </p:nvSpPr>
-        <p:spPr/>
-        <p:txBody>
-          <a:bodyPr/>
-          <a:lstStyle/>
-          <a:p>
-            <a:fld id="{A5775961-95EC-4D4B-9423-EAE103D81E9E}" type="slidenum">
-              <a:rPr lang="nl-NL" smtClean="0"/>
-              <a:t>15</a:t>
             </a:fld>
             <a:endParaRPr lang="nl-NL" dirty="0"/>
           </a:p>
@@ -9895,7 +7825,7 @@
         </p:blipFill>
         <p:spPr bwMode="auto">
           <a:xfrm>
-            <a:off x="323528" y="3374067"/>
+            <a:off x="323528" y="2942019"/>
             <a:ext cx="6057900" cy="5023485"/>
           </a:xfrm>
           <a:prstGeom prst="rect">
@@ -9949,7 +7879,7 @@
         </p:blipFill>
         <p:spPr bwMode="auto">
           <a:xfrm>
-            <a:off x="4716016" y="3351207"/>
+            <a:off x="4716016" y="2919159"/>
             <a:ext cx="6103620" cy="5046345"/>
           </a:xfrm>
           <a:prstGeom prst="rect">
@@ -9993,7 +7923,7 @@
 </p:sld>
 </file>
 
-<file path=ppt/slides/slide16.xml><?xml version="1.0" encoding="utf-8"?>
+<file path=ppt/slides/slide13.xml><?xml version="1.0" encoding="utf-8"?>
 <p:sld xmlns:a="http://schemas.openxmlformats.org/drawingml/2006/main" xmlns:r="http://schemas.openxmlformats.org/officeDocument/2006/relationships" xmlns:p="http://schemas.openxmlformats.org/presentationml/2006/main">
   <p:cSld>
     <p:spTree>
@@ -10083,7 +8013,7 @@
           <a:p>
             <a:fld id="{A5775961-95EC-4D4B-9423-EAE103D81E9E}" type="slidenum">
               <a:rPr lang="nl-NL" smtClean="0"/>
-              <a:t>16</a:t>
+              <a:t>13</a:t>
             </a:fld>
             <a:endParaRPr lang="nl-NL" dirty="0"/>
           </a:p>
@@ -10419,7 +8349,7 @@
 </p:sld>
 </file>
 
-<file path=ppt/slides/slide17.xml><?xml version="1.0" encoding="utf-8"?>
+<file path=ppt/slides/slide14.xml><?xml version="1.0" encoding="utf-8"?>
 <p:sld xmlns:a="http://schemas.openxmlformats.org/drawingml/2006/main" xmlns:r="http://schemas.openxmlformats.org/officeDocument/2006/relationships" xmlns:p="http://schemas.openxmlformats.org/presentationml/2006/main">
   <p:cSld>
     <p:spTree>
@@ -10512,7 +8442,7 @@
           <a:p>
             <a:fld id="{A5775961-95EC-4D4B-9423-EAE103D81E9E}" type="slidenum">
               <a:rPr lang="nl-NL" smtClean="0"/>
-              <a:t>17</a:t>
+              <a:t>14</a:t>
             </a:fld>
             <a:endParaRPr lang="nl-NL" dirty="0"/>
           </a:p>
@@ -11341,7 +9271,7 @@
 </p:sld>
 </file>
 
-<file path=ppt/slides/slide18.xml><?xml version="1.0" encoding="utf-8"?>
+<file path=ppt/slides/slide15.xml><?xml version="1.0" encoding="utf-8"?>
 <p:sld xmlns:a="http://schemas.openxmlformats.org/drawingml/2006/main" xmlns:r="http://schemas.openxmlformats.org/officeDocument/2006/relationships" xmlns:p="http://schemas.openxmlformats.org/presentationml/2006/main">
   <p:cSld>
     <p:spTree>
@@ -11397,7 +9327,7 @@
           <a:p>
             <a:fld id="{A5775961-95EC-4D4B-9423-EAE103D81E9E}" type="slidenum">
               <a:rPr lang="nl-NL" smtClean="0"/>
-              <a:t>18</a:t>
+              <a:t>15</a:t>
             </a:fld>
             <a:endParaRPr lang="nl-NL" dirty="0"/>
           </a:p>
@@ -11581,7 +9511,7 @@
 </p:sld>
 </file>
 
-<file path=ppt/slides/slide19.xml><?xml version="1.0" encoding="utf-8"?>
+<file path=ppt/slides/slide16.xml><?xml version="1.0" encoding="utf-8"?>
 <p:sld xmlns:a="http://schemas.openxmlformats.org/drawingml/2006/main" xmlns:r="http://schemas.openxmlformats.org/officeDocument/2006/relationships" xmlns:p="http://schemas.openxmlformats.org/presentationml/2006/main">
   <p:cSld>
     <p:spTree>
@@ -11695,7 +9625,7 @@
           <a:p>
             <a:fld id="{A5775961-95EC-4D4B-9423-EAE103D81E9E}" type="slidenum">
               <a:rPr lang="nl-NL" smtClean="0"/>
-              <a:t>19</a:t>
+              <a:t>16</a:t>
             </a:fld>
             <a:endParaRPr lang="nl-NL" dirty="0"/>
           </a:p>
@@ -11779,7 +9709,7 @@
         <p:spPr bwMode="auto">
           <a:xfrm>
             <a:off x="4355976" y="2455772"/>
-            <a:ext cx="4143375" cy="3743325"/>
+            <a:ext cx="5381227" cy="4861660"/>
           </a:xfrm>
           <a:prstGeom prst="rect">
             <a:avLst/>
@@ -11822,6 +9752,484 @@
 </p:sld>
 </file>
 
+<file path=ppt/slides/slide17.xml><?xml version="1.0" encoding="utf-8"?>
+<p:sld xmlns:a="http://schemas.openxmlformats.org/drawingml/2006/main" xmlns:r="http://schemas.openxmlformats.org/officeDocument/2006/relationships" xmlns:p="http://schemas.openxmlformats.org/presentationml/2006/main">
+  <p:cSld>
+    <p:spTree>
+      <p:nvGrpSpPr>
+        <p:cNvPr id="1" name=""/>
+        <p:cNvGrpSpPr/>
+        <p:nvPr/>
+      </p:nvGrpSpPr>
+      <p:grpSpPr>
+        <a:xfrm>
+          <a:off x="0" y="0"/>
+          <a:ext cx="0" cy="0"/>
+          <a:chOff x="0" y="0"/>
+          <a:chExt cx="0" cy="0"/>
+        </a:xfrm>
+      </p:grpSpPr>
+      <p:sp>
+        <p:nvSpPr>
+          <p:cNvPr id="2" name="Titel 1"/>
+          <p:cNvSpPr>
+            <a:spLocks noGrp="1"/>
+          </p:cNvSpPr>
+          <p:nvPr>
+            <p:ph type="title"/>
+          </p:nvPr>
+        </p:nvSpPr>
+        <p:spPr/>
+        <p:txBody>
+          <a:bodyPr/>
+          <a:lstStyle/>
+          <a:p>
+            <a:r>
+              <a:rPr lang="nl-NL" dirty="0"/>
+              <a:t>GroundForge</a:t>
+            </a:r>
+          </a:p>
+        </p:txBody>
+      </p:sp>
+      <p:sp>
+        <p:nvSpPr>
+          <p:cNvPr id="3" name="Tijdelijke aanduiding voor inhoud 2"/>
+          <p:cNvSpPr>
+            <a:spLocks noGrp="1"/>
+          </p:cNvSpPr>
+          <p:nvPr>
+            <p:ph idx="1"/>
+          </p:nvPr>
+        </p:nvSpPr>
+        <p:spPr/>
+        <p:txBody>
+          <a:bodyPr/>
+          <a:lstStyle/>
+          <a:p>
+            <a:pPr marL="0" indent="0">
+              <a:buNone/>
+            </a:pPr>
+            <a:r>
+              <a:rPr lang="nl-NL" dirty="0">
+                <a:effectLst/>
+              </a:rPr>
+              <a:t>Droste effect</a:t>
+            </a:r>
+            <a:r>
+              <a:rPr lang="nl-NL" dirty="0"/>
+              <a:t>: 3</a:t>
+            </a:r>
+            <a:r>
+              <a:rPr lang="nl-NL" baseline="30000" dirty="0"/>
+              <a:t>e</a:t>
+            </a:r>
+            <a:r>
+              <a:rPr lang="nl-NL" dirty="0"/>
+              <a:t> paren- van 2</a:t>
+            </a:r>
+            <a:r>
+              <a:rPr lang="nl-NL" baseline="30000" dirty="0"/>
+              <a:t>e</a:t>
+            </a:r>
+            <a:r>
+              <a:rPr lang="nl-NL" dirty="0"/>
+              <a:t> draden schema</a:t>
+            </a:r>
+            <a:br>
+              <a:rPr lang="nl-NL" dirty="0"/>
+            </a:br>
+            <a:br>
+              <a:rPr lang="nl-NL" dirty="0"/>
+            </a:br>
+            <a:endParaRPr lang="nl-NL" dirty="0"/>
+          </a:p>
+        </p:txBody>
+      </p:sp>
+      <p:sp>
+        <p:nvSpPr>
+          <p:cNvPr id="4" name="Tijdelijke aanduiding voor dianummer 3"/>
+          <p:cNvSpPr>
+            <a:spLocks noGrp="1"/>
+          </p:cNvSpPr>
+          <p:nvPr>
+            <p:ph type="sldNum" sz="quarter" idx="12"/>
+          </p:nvPr>
+        </p:nvSpPr>
+        <p:spPr/>
+        <p:txBody>
+          <a:bodyPr/>
+          <a:lstStyle/>
+          <a:p>
+            <a:fld id="{A5775961-95EC-4D4B-9423-EAE103D81E9E}" type="slidenum">
+              <a:rPr lang="nl-NL" smtClean="0"/>
+              <a:t>17</a:t>
+            </a:fld>
+            <a:endParaRPr lang="nl-NL" dirty="0"/>
+          </a:p>
+        </p:txBody>
+      </p:sp>
+      <p:pic>
+        <p:nvPicPr>
+          <p:cNvPr id="1027" name="Picture 3"/>
+          <p:cNvPicPr>
+            <a:picLocks noChangeAspect="1" noChangeArrowheads="1"/>
+          </p:cNvPicPr>
+          <p:nvPr/>
+        </p:nvPicPr>
+        <p:blipFill>
+          <a:blip r:embed="rId3">
+            <a:extLst>
+              <a:ext uri="{28A0092B-C50C-407E-A947-70E740481C1C}">
+                <a14:useLocalDpi xmlns:a14="http://schemas.microsoft.com/office/drawing/2010/main" val="0"/>
+              </a:ext>
+            </a:extLst>
+          </a:blip>
+          <a:srcRect/>
+          <a:stretch>
+            <a:fillRect/>
+          </a:stretch>
+        </p:blipFill>
+        <p:spPr bwMode="auto">
+          <a:xfrm>
+            <a:off x="611559" y="2168474"/>
+            <a:ext cx="3745951" cy="4029075"/>
+          </a:xfrm>
+          <a:prstGeom prst="rect">
+            <a:avLst/>
+          </a:prstGeom>
+          <a:noFill/>
+          <a:ln>
+            <a:noFill/>
+          </a:ln>
+          <a:extLst>
+            <a:ext uri="{909E8E84-426E-40DD-AFC4-6F175D3DCCD1}">
+              <a14:hiddenFill xmlns:a14="http://schemas.microsoft.com/office/drawing/2010/main">
+                <a:solidFill>
+                  <a:schemeClr val="accent1"/>
+                </a:solidFill>
+              </a14:hiddenFill>
+            </a:ext>
+            <a:ext uri="{91240B29-F687-4F45-9708-019B960494DF}">
+              <a14:hiddenLine xmlns:a14="http://schemas.microsoft.com/office/drawing/2010/main" w="9525">
+                <a:solidFill>
+                  <a:schemeClr val="tx1"/>
+                </a:solidFill>
+                <a:miter lim="800000"/>
+                <a:headEnd/>
+                <a:tailEnd/>
+              </a14:hiddenLine>
+            </a:ext>
+          </a:extLst>
+        </p:spPr>
+      </p:pic>
+      <p:pic>
+        <p:nvPicPr>
+          <p:cNvPr id="1028" name="Picture 4"/>
+          <p:cNvPicPr>
+            <a:picLocks noChangeAspect="1" noChangeArrowheads="1"/>
+          </p:cNvPicPr>
+          <p:nvPr/>
+        </p:nvPicPr>
+        <p:blipFill>
+          <a:blip r:embed="rId4">
+            <a:extLst>
+              <a:ext uri="{28A0092B-C50C-407E-A947-70E740481C1C}">
+                <a14:useLocalDpi xmlns:a14="http://schemas.microsoft.com/office/drawing/2010/main" val="0"/>
+              </a:ext>
+            </a:extLst>
+          </a:blip>
+          <a:srcRect/>
+          <a:stretch>
+            <a:fillRect/>
+          </a:stretch>
+        </p:blipFill>
+        <p:spPr bwMode="auto">
+          <a:xfrm>
+            <a:off x="4788024" y="2168475"/>
+            <a:ext cx="6162163" cy="6373093"/>
+          </a:xfrm>
+          <a:prstGeom prst="rect">
+            <a:avLst/>
+          </a:prstGeom>
+          <a:noFill/>
+          <a:ln>
+            <a:noFill/>
+          </a:ln>
+          <a:extLst>
+            <a:ext uri="{909E8E84-426E-40DD-AFC4-6F175D3DCCD1}">
+              <a14:hiddenFill xmlns:a14="http://schemas.microsoft.com/office/drawing/2010/main">
+                <a:solidFill>
+                  <a:schemeClr val="accent1"/>
+                </a:solidFill>
+              </a14:hiddenFill>
+            </a:ext>
+            <a:ext uri="{91240B29-F687-4F45-9708-019B960494DF}">
+              <a14:hiddenLine xmlns:a14="http://schemas.microsoft.com/office/drawing/2010/main" w="9525">
+                <a:solidFill>
+                  <a:schemeClr val="tx1"/>
+                </a:solidFill>
+                <a:miter lim="800000"/>
+                <a:headEnd/>
+                <a:tailEnd/>
+              </a14:hiddenLine>
+            </a:ext>
+          </a:extLst>
+        </p:spPr>
+      </p:pic>
+    </p:spTree>
+    <p:extLst>
+      <p:ext uri="{BB962C8B-B14F-4D97-AF65-F5344CB8AC3E}">
+        <p14:creationId xmlns:p14="http://schemas.microsoft.com/office/powerpoint/2010/main" val="3439122772"/>
+      </p:ext>
+    </p:extLst>
+  </p:cSld>
+  <p:clrMapOvr>
+    <a:masterClrMapping/>
+  </p:clrMapOvr>
+</p:sld>
+</file>
+
+<file path=ppt/slides/slide18.xml><?xml version="1.0" encoding="utf-8"?>
+<p:sld xmlns:a="http://schemas.openxmlformats.org/drawingml/2006/main" xmlns:r="http://schemas.openxmlformats.org/officeDocument/2006/relationships" xmlns:p="http://schemas.openxmlformats.org/presentationml/2006/main">
+  <p:cSld>
+    <p:spTree>
+      <p:nvGrpSpPr>
+        <p:cNvPr id="1" name=""/>
+        <p:cNvGrpSpPr/>
+        <p:nvPr/>
+      </p:nvGrpSpPr>
+      <p:grpSpPr>
+        <a:xfrm>
+          <a:off x="0" y="0"/>
+          <a:ext cx="0" cy="0"/>
+          <a:chOff x="0" y="0"/>
+          <a:chExt cx="0" cy="0"/>
+        </a:xfrm>
+      </p:grpSpPr>
+      <p:sp>
+        <p:nvSpPr>
+          <p:cNvPr id="3" name="Tijdelijke aanduiding voor inhoud 2"/>
+          <p:cNvSpPr>
+            <a:spLocks noGrp="1"/>
+          </p:cNvSpPr>
+          <p:nvPr>
+            <p:ph idx="1"/>
+          </p:nvPr>
+        </p:nvSpPr>
+        <p:spPr/>
+        <p:txBody>
+          <a:bodyPr>
+            <a:normAutofit/>
+          </a:bodyPr>
+          <a:lstStyle/>
+          <a:p>
+            <a:endParaRPr lang="nl-NL" dirty="0"/>
+          </a:p>
+          <a:p>
+            <a:r>
+              <a:rPr lang="nl-NL" dirty="0"/>
+              <a:t>De bug hiernaast is opgelost</a:t>
+            </a:r>
+          </a:p>
+          <a:p>
+            <a:r>
+              <a:rPr lang="nl-NL" dirty="0"/>
+              <a:t>Wensen en bekende bugs</a:t>
+            </a:r>
+          </a:p>
+          <a:p>
+            <a:pPr marL="0" indent="0">
+              <a:buNone/>
+            </a:pPr>
+            <a:r>
+              <a:rPr lang="nl-NL" dirty="0"/>
+              <a:t>                   ↓                          </a:t>
+            </a:r>
+            <a:r>
+              <a:rPr lang="nl-NL" dirty="0">
+                <a:sym typeface="Wingdings 3"/>
+              </a:rPr>
+              <a:t></a:t>
+            </a:r>
+            <a:endParaRPr lang="nl-NL" dirty="0"/>
+          </a:p>
+          <a:p>
+            <a:endParaRPr lang="nl-NL" dirty="0"/>
+          </a:p>
+          <a:p>
+            <a:endParaRPr lang="nl-NL" dirty="0"/>
+          </a:p>
+          <a:p>
+            <a:endParaRPr lang="nl-NL" dirty="0"/>
+          </a:p>
+        </p:txBody>
+      </p:sp>
+      <p:pic>
+        <p:nvPicPr>
+          <p:cNvPr id="6146" name="Picture 2"/>
+          <p:cNvPicPr>
+            <a:picLocks noChangeAspect="1" noChangeArrowheads="1"/>
+          </p:cNvPicPr>
+          <p:nvPr/>
+        </p:nvPicPr>
+        <p:blipFill>
+          <a:blip r:embed="rId3">
+            <a:extLst>
+              <a:ext uri="{28A0092B-C50C-407E-A947-70E740481C1C}">
+                <a14:useLocalDpi xmlns:a14="http://schemas.microsoft.com/office/drawing/2010/main" val="0"/>
+              </a:ext>
+            </a:extLst>
+          </a:blip>
+          <a:srcRect/>
+          <a:stretch>
+            <a:fillRect/>
+          </a:stretch>
+        </p:blipFill>
+        <p:spPr bwMode="auto">
+          <a:xfrm>
+            <a:off x="5923135" y="1268760"/>
+            <a:ext cx="2763665" cy="2626246"/>
+          </a:xfrm>
+          <a:prstGeom prst="rect">
+            <a:avLst/>
+          </a:prstGeom>
+          <a:noFill/>
+          <a:ln>
+            <a:noFill/>
+          </a:ln>
+          <a:extLst>
+            <a:ext uri="{909E8E84-426E-40DD-AFC4-6F175D3DCCD1}">
+              <a14:hiddenFill xmlns:a14="http://schemas.microsoft.com/office/drawing/2010/main">
+                <a:solidFill>
+                  <a:schemeClr val="accent1"/>
+                </a:solidFill>
+              </a14:hiddenFill>
+            </a:ext>
+            <a:ext uri="{91240B29-F687-4F45-9708-019B960494DF}">
+              <a14:hiddenLine xmlns:a14="http://schemas.microsoft.com/office/drawing/2010/main" w="9525">
+                <a:solidFill>
+                  <a:schemeClr val="tx1"/>
+                </a:solidFill>
+                <a:miter lim="800000"/>
+                <a:headEnd/>
+                <a:tailEnd/>
+              </a14:hiddenLine>
+            </a:ext>
+          </a:extLst>
+        </p:spPr>
+      </p:pic>
+      <p:sp>
+        <p:nvSpPr>
+          <p:cNvPr id="2" name="Titel 1"/>
+          <p:cNvSpPr>
+            <a:spLocks noGrp="1"/>
+          </p:cNvSpPr>
+          <p:nvPr>
+            <p:ph type="title"/>
+          </p:nvPr>
+        </p:nvSpPr>
+        <p:spPr/>
+        <p:txBody>
+          <a:bodyPr/>
+          <a:lstStyle/>
+          <a:p>
+            <a:r>
+              <a:rPr lang="nl-NL" dirty="0"/>
+              <a:t>GroundForge</a:t>
+            </a:r>
+          </a:p>
+        </p:txBody>
+      </p:sp>
+      <p:sp>
+        <p:nvSpPr>
+          <p:cNvPr id="4" name="Tijdelijke aanduiding voor dianummer 3"/>
+          <p:cNvSpPr>
+            <a:spLocks noGrp="1"/>
+          </p:cNvSpPr>
+          <p:nvPr>
+            <p:ph type="sldNum" sz="quarter" idx="12"/>
+          </p:nvPr>
+        </p:nvSpPr>
+        <p:spPr/>
+        <p:txBody>
+          <a:bodyPr/>
+          <a:lstStyle/>
+          <a:p>
+            <a:fld id="{A5775961-95EC-4D4B-9423-EAE103D81E9E}" type="slidenum">
+              <a:rPr lang="nl-NL" smtClean="0"/>
+              <a:t>18</a:t>
+            </a:fld>
+            <a:endParaRPr lang="nl-NL" dirty="0"/>
+          </a:p>
+        </p:txBody>
+      </p:sp>
+      <p:pic>
+        <p:nvPicPr>
+          <p:cNvPr id="1028" name="Picture 4"/>
+          <p:cNvPicPr>
+            <a:picLocks noChangeAspect="1" noChangeArrowheads="1"/>
+          </p:cNvPicPr>
+          <p:nvPr/>
+        </p:nvPicPr>
+        <p:blipFill>
+          <a:blip r:embed="rId4">
+            <a:extLst>
+              <a:ext uri="{28A0092B-C50C-407E-A947-70E740481C1C}">
+                <a14:useLocalDpi xmlns:a14="http://schemas.microsoft.com/office/drawing/2010/main" val="0"/>
+              </a:ext>
+            </a:extLst>
+          </a:blip>
+          <a:srcRect/>
+          <a:stretch>
+            <a:fillRect/>
+          </a:stretch>
+        </p:blipFill>
+        <p:spPr bwMode="auto">
+          <a:xfrm>
+            <a:off x="611559" y="3933056"/>
+            <a:ext cx="8123798" cy="2252439"/>
+          </a:xfrm>
+          <a:prstGeom prst="rect">
+            <a:avLst/>
+          </a:prstGeom>
+          <a:noFill/>
+          <a:ln>
+            <a:noFill/>
+          </a:ln>
+          <a:extLst>
+            <a:ext uri="{909E8E84-426E-40DD-AFC4-6F175D3DCCD1}">
+              <a14:hiddenFill xmlns:a14="http://schemas.microsoft.com/office/drawing/2010/main">
+                <a:solidFill>
+                  <a:schemeClr val="accent1"/>
+                </a:solidFill>
+              </a14:hiddenFill>
+            </a:ext>
+            <a:ext uri="{91240B29-F687-4F45-9708-019B960494DF}">
+              <a14:hiddenLine xmlns:a14="http://schemas.microsoft.com/office/drawing/2010/main" w="9525">
+                <a:solidFill>
+                  <a:schemeClr val="tx1"/>
+                </a:solidFill>
+                <a:miter lim="800000"/>
+                <a:headEnd/>
+                <a:tailEnd/>
+              </a14:hiddenLine>
+            </a:ext>
+          </a:extLst>
+        </p:spPr>
+      </p:pic>
+    </p:spTree>
+    <p:extLst>
+      <p:ext uri="{BB962C8B-B14F-4D97-AF65-F5344CB8AC3E}">
+        <p14:creationId xmlns:p14="http://schemas.microsoft.com/office/powerpoint/2010/main" val="652494600"/>
+      </p:ext>
+    </p:extLst>
+  </p:cSld>
+  <p:clrMapOvr>
+    <a:masterClrMapping/>
+  </p:clrMapOvr>
+</p:sld>
+</file>
+
 <file path=ppt/slides/slide2.xml><?xml version="1.0" encoding="utf-8"?>
 <p:sld xmlns:a="http://schemas.openxmlformats.org/drawingml/2006/main" xmlns:r="http://schemas.openxmlformats.org/officeDocument/2006/relationships" xmlns:p="http://schemas.openxmlformats.org/presentationml/2006/main">
   <p:cSld>
@@ -11862,7 +10270,7 @@
           <a:p>
             <a:fld id="{C6166A56-2601-4E37-8D8D-05C0420DE125}" type="datetime1">
               <a:rPr lang="nl-NL" smtClean="0"/>
-              <a:t>14-4-2019</a:t>
+              <a:t>6-5-2019</a:t>
             </a:fld>
             <a:endParaRPr lang="nl-NL" dirty="0"/>
           </a:p>
@@ -13273,678 +11681,6 @@
 </p:sld>
 </file>
 
-<file path=ppt/slides/slide20.xml><?xml version="1.0" encoding="utf-8"?>
-<p:sld xmlns:a="http://schemas.openxmlformats.org/drawingml/2006/main" xmlns:r="http://schemas.openxmlformats.org/officeDocument/2006/relationships" xmlns:p="http://schemas.openxmlformats.org/presentationml/2006/main">
-  <p:cSld>
-    <p:spTree>
-      <p:nvGrpSpPr>
-        <p:cNvPr id="1" name=""/>
-        <p:cNvGrpSpPr/>
-        <p:nvPr/>
-      </p:nvGrpSpPr>
-      <p:grpSpPr>
-        <a:xfrm>
-          <a:off x="0" y="0"/>
-          <a:ext cx="0" cy="0"/>
-          <a:chOff x="0" y="0"/>
-          <a:chExt cx="0" cy="0"/>
-        </a:xfrm>
-      </p:grpSpPr>
-      <p:sp>
-        <p:nvSpPr>
-          <p:cNvPr id="2" name="Titel 1"/>
-          <p:cNvSpPr>
-            <a:spLocks noGrp="1"/>
-          </p:cNvSpPr>
-          <p:nvPr>
-            <p:ph type="title"/>
-          </p:nvPr>
-        </p:nvSpPr>
-        <p:spPr/>
-        <p:txBody>
-          <a:bodyPr/>
-          <a:lstStyle/>
-          <a:p>
-            <a:r>
-              <a:rPr lang="nl-NL" dirty="0"/>
-              <a:t>GroundForge</a:t>
-            </a:r>
-          </a:p>
-        </p:txBody>
-      </p:sp>
-      <p:sp>
-        <p:nvSpPr>
-          <p:cNvPr id="3" name="Tijdelijke aanduiding voor inhoud 2"/>
-          <p:cNvSpPr>
-            <a:spLocks noGrp="1"/>
-          </p:cNvSpPr>
-          <p:nvPr>
-            <p:ph idx="1"/>
-          </p:nvPr>
-        </p:nvSpPr>
-        <p:spPr/>
-        <p:txBody>
-          <a:bodyPr/>
-          <a:lstStyle/>
-          <a:p>
-            <a:pPr marL="0" indent="0">
-              <a:buNone/>
-            </a:pPr>
-            <a:r>
-              <a:rPr lang="nl-NL" dirty="0">
-                <a:effectLst/>
-              </a:rPr>
-              <a:t>Droste effect</a:t>
-            </a:r>
-            <a:r>
-              <a:rPr lang="nl-NL" dirty="0"/>
-              <a:t>: 3</a:t>
-            </a:r>
-            <a:r>
-              <a:rPr lang="nl-NL" baseline="30000" dirty="0"/>
-              <a:t>e</a:t>
-            </a:r>
-            <a:r>
-              <a:rPr lang="nl-NL" dirty="0"/>
-              <a:t> paren- van 2</a:t>
-            </a:r>
-            <a:r>
-              <a:rPr lang="nl-NL" baseline="30000" dirty="0"/>
-              <a:t>e</a:t>
-            </a:r>
-            <a:r>
-              <a:rPr lang="nl-NL" dirty="0"/>
-              <a:t> draden schema</a:t>
-            </a:r>
-            <a:br>
-              <a:rPr lang="nl-NL" dirty="0"/>
-            </a:br>
-            <a:br>
-              <a:rPr lang="nl-NL" dirty="0"/>
-            </a:br>
-            <a:endParaRPr lang="nl-NL" dirty="0"/>
-          </a:p>
-        </p:txBody>
-      </p:sp>
-      <p:sp>
-        <p:nvSpPr>
-          <p:cNvPr id="4" name="Tijdelijke aanduiding voor dianummer 3"/>
-          <p:cNvSpPr>
-            <a:spLocks noGrp="1"/>
-          </p:cNvSpPr>
-          <p:nvPr>
-            <p:ph type="sldNum" sz="quarter" idx="12"/>
-          </p:nvPr>
-        </p:nvSpPr>
-        <p:spPr/>
-        <p:txBody>
-          <a:bodyPr/>
-          <a:lstStyle/>
-          <a:p>
-            <a:fld id="{A5775961-95EC-4D4B-9423-EAE103D81E9E}" type="slidenum">
-              <a:rPr lang="nl-NL" smtClean="0"/>
-              <a:t>20</a:t>
-            </a:fld>
-            <a:endParaRPr lang="nl-NL" dirty="0"/>
-          </a:p>
-        </p:txBody>
-      </p:sp>
-      <p:pic>
-        <p:nvPicPr>
-          <p:cNvPr id="1027" name="Picture 3"/>
-          <p:cNvPicPr>
-            <a:picLocks noChangeAspect="1" noChangeArrowheads="1"/>
-          </p:cNvPicPr>
-          <p:nvPr/>
-        </p:nvPicPr>
-        <p:blipFill>
-          <a:blip r:embed="rId3">
-            <a:extLst>
-              <a:ext uri="{28A0092B-C50C-407E-A947-70E740481C1C}">
-                <a14:useLocalDpi xmlns:a14="http://schemas.microsoft.com/office/drawing/2010/main" val="0"/>
-              </a:ext>
-            </a:extLst>
-          </a:blip>
-          <a:srcRect/>
-          <a:stretch>
-            <a:fillRect/>
-          </a:stretch>
-        </p:blipFill>
-        <p:spPr bwMode="auto">
-          <a:xfrm>
-            <a:off x="611559" y="2168474"/>
-            <a:ext cx="3745951" cy="4029075"/>
-          </a:xfrm>
-          <a:prstGeom prst="rect">
-            <a:avLst/>
-          </a:prstGeom>
-          <a:noFill/>
-          <a:ln>
-            <a:noFill/>
-          </a:ln>
-          <a:extLst>
-            <a:ext uri="{909E8E84-426E-40DD-AFC4-6F175D3DCCD1}">
-              <a14:hiddenFill xmlns:a14="http://schemas.microsoft.com/office/drawing/2010/main">
-                <a:solidFill>
-                  <a:schemeClr val="accent1"/>
-                </a:solidFill>
-              </a14:hiddenFill>
-            </a:ext>
-            <a:ext uri="{91240B29-F687-4F45-9708-019B960494DF}">
-              <a14:hiddenLine xmlns:a14="http://schemas.microsoft.com/office/drawing/2010/main" w="9525">
-                <a:solidFill>
-                  <a:schemeClr val="tx1"/>
-                </a:solidFill>
-                <a:miter lim="800000"/>
-                <a:headEnd/>
-                <a:tailEnd/>
-              </a14:hiddenLine>
-            </a:ext>
-          </a:extLst>
-        </p:spPr>
-      </p:pic>
-      <p:pic>
-        <p:nvPicPr>
-          <p:cNvPr id="1028" name="Picture 4"/>
-          <p:cNvPicPr>
-            <a:picLocks noChangeAspect="1" noChangeArrowheads="1"/>
-          </p:cNvPicPr>
-          <p:nvPr/>
-        </p:nvPicPr>
-        <p:blipFill>
-          <a:blip r:embed="rId4">
-            <a:extLst>
-              <a:ext uri="{28A0092B-C50C-407E-A947-70E740481C1C}">
-                <a14:useLocalDpi xmlns:a14="http://schemas.microsoft.com/office/drawing/2010/main" val="0"/>
-              </a:ext>
-            </a:extLst>
-          </a:blip>
-          <a:srcRect/>
-          <a:stretch>
-            <a:fillRect/>
-          </a:stretch>
-        </p:blipFill>
-        <p:spPr bwMode="auto">
-          <a:xfrm>
-            <a:off x="4788024" y="2168475"/>
-            <a:ext cx="3895725" cy="4029075"/>
-          </a:xfrm>
-          <a:prstGeom prst="rect">
-            <a:avLst/>
-          </a:prstGeom>
-          <a:noFill/>
-          <a:ln>
-            <a:noFill/>
-          </a:ln>
-          <a:extLst>
-            <a:ext uri="{909E8E84-426E-40DD-AFC4-6F175D3DCCD1}">
-              <a14:hiddenFill xmlns:a14="http://schemas.microsoft.com/office/drawing/2010/main">
-                <a:solidFill>
-                  <a:schemeClr val="accent1"/>
-                </a:solidFill>
-              </a14:hiddenFill>
-            </a:ext>
-            <a:ext uri="{91240B29-F687-4F45-9708-019B960494DF}">
-              <a14:hiddenLine xmlns:a14="http://schemas.microsoft.com/office/drawing/2010/main" w="9525">
-                <a:solidFill>
-                  <a:schemeClr val="tx1"/>
-                </a:solidFill>
-                <a:miter lim="800000"/>
-                <a:headEnd/>
-                <a:tailEnd/>
-              </a14:hiddenLine>
-            </a:ext>
-          </a:extLst>
-        </p:spPr>
-      </p:pic>
-    </p:spTree>
-    <p:extLst>
-      <p:ext uri="{BB962C8B-B14F-4D97-AF65-F5344CB8AC3E}">
-        <p14:creationId xmlns:p14="http://schemas.microsoft.com/office/powerpoint/2010/main" val="3439122772"/>
-      </p:ext>
-    </p:extLst>
-  </p:cSld>
-  <p:clrMapOvr>
-    <a:masterClrMapping/>
-  </p:clrMapOvr>
-</p:sld>
-</file>
-
-<file path=ppt/slides/slide21.xml><?xml version="1.0" encoding="utf-8"?>
-<p:sld xmlns:a="http://schemas.openxmlformats.org/drawingml/2006/main" xmlns:r="http://schemas.openxmlformats.org/officeDocument/2006/relationships" xmlns:p="http://schemas.openxmlformats.org/presentationml/2006/main">
-  <p:cSld>
-    <p:spTree>
-      <p:nvGrpSpPr>
-        <p:cNvPr id="1" name=""/>
-        <p:cNvGrpSpPr/>
-        <p:nvPr/>
-      </p:nvGrpSpPr>
-      <p:grpSpPr>
-        <a:xfrm>
-          <a:off x="0" y="0"/>
-          <a:ext cx="0" cy="0"/>
-          <a:chOff x="0" y="0"/>
-          <a:chExt cx="0" cy="0"/>
-        </a:xfrm>
-      </p:grpSpPr>
-      <p:sp>
-        <p:nvSpPr>
-          <p:cNvPr id="2" name="Titel 1"/>
-          <p:cNvSpPr>
-            <a:spLocks noGrp="1"/>
-          </p:cNvSpPr>
-          <p:nvPr>
-            <p:ph type="title"/>
-          </p:nvPr>
-        </p:nvSpPr>
-        <p:spPr/>
-        <p:txBody>
-          <a:bodyPr/>
-          <a:lstStyle/>
-          <a:p>
-            <a:r>
-              <a:rPr lang="nl-NL" dirty="0"/>
-              <a:t>GroundForge</a:t>
-            </a:r>
-          </a:p>
-        </p:txBody>
-      </p:sp>
-      <p:sp>
-        <p:nvSpPr>
-          <p:cNvPr id="3" name="Tijdelijke aanduiding voor inhoud 2"/>
-          <p:cNvSpPr>
-            <a:spLocks noGrp="1"/>
-          </p:cNvSpPr>
-          <p:nvPr>
-            <p:ph idx="1"/>
-          </p:nvPr>
-        </p:nvSpPr>
-        <p:spPr/>
-        <p:txBody>
-          <a:bodyPr>
-            <a:normAutofit/>
-          </a:bodyPr>
-          <a:lstStyle/>
-          <a:p>
-            <a:pPr marL="0" indent="0">
-              <a:buNone/>
-            </a:pPr>
-            <a:r>
-              <a:rPr lang="nl-NL" dirty="0">
-                <a:effectLst/>
-              </a:rPr>
-              <a:t>Oeps</a:t>
-            </a:r>
-          </a:p>
-          <a:p>
-            <a:pPr marL="0" indent="0">
-              <a:buNone/>
-            </a:pPr>
-            <a:endParaRPr lang="nl-NL" dirty="0"/>
-          </a:p>
-          <a:p>
-            <a:pPr marL="0" indent="0">
-              <a:buNone/>
-            </a:pPr>
-            <a:r>
-              <a:rPr lang="nl-NL" dirty="0"/>
-              <a:t>programmeer</a:t>
-            </a:r>
-          </a:p>
-          <a:p>
-            <a:pPr marL="0" indent="0">
-              <a:buNone/>
-            </a:pPr>
-            <a:r>
-              <a:rPr lang="nl-NL" dirty="0"/>
-              <a:t>foutje</a:t>
-            </a:r>
-            <a:endParaRPr lang="nl-NL" dirty="0">
-              <a:effectLst/>
-            </a:endParaRPr>
-          </a:p>
-          <a:p>
-            <a:endParaRPr lang="nl-NL" dirty="0"/>
-          </a:p>
-          <a:p>
-            <a:endParaRPr lang="nl-NL" dirty="0"/>
-          </a:p>
-          <a:p>
-            <a:endParaRPr lang="nl-NL" dirty="0"/>
-          </a:p>
-        </p:txBody>
-      </p:sp>
-      <p:pic>
-        <p:nvPicPr>
-          <p:cNvPr id="6146" name="Picture 2"/>
-          <p:cNvPicPr>
-            <a:picLocks noChangeAspect="1" noChangeArrowheads="1"/>
-          </p:cNvPicPr>
-          <p:nvPr/>
-        </p:nvPicPr>
-        <p:blipFill>
-          <a:blip r:embed="rId3">
-            <a:extLst>
-              <a:ext uri="{28A0092B-C50C-407E-A947-70E740481C1C}">
-                <a14:useLocalDpi xmlns:a14="http://schemas.microsoft.com/office/drawing/2010/main" val="0"/>
-              </a:ext>
-            </a:extLst>
-          </a:blip>
-          <a:srcRect/>
-          <a:stretch>
-            <a:fillRect/>
-          </a:stretch>
-        </p:blipFill>
-        <p:spPr bwMode="auto">
-          <a:xfrm>
-            <a:off x="3851920" y="1556792"/>
-            <a:ext cx="4819402" cy="4579764"/>
-          </a:xfrm>
-          <a:prstGeom prst="rect">
-            <a:avLst/>
-          </a:prstGeom>
-          <a:noFill/>
-          <a:ln>
-            <a:noFill/>
-          </a:ln>
-          <a:extLst>
-            <a:ext uri="{909E8E84-426E-40DD-AFC4-6F175D3DCCD1}">
-              <a14:hiddenFill xmlns:a14="http://schemas.microsoft.com/office/drawing/2010/main">
-                <a:solidFill>
-                  <a:schemeClr val="accent1"/>
-                </a:solidFill>
-              </a14:hiddenFill>
-            </a:ext>
-            <a:ext uri="{91240B29-F687-4F45-9708-019B960494DF}">
-              <a14:hiddenLine xmlns:a14="http://schemas.microsoft.com/office/drawing/2010/main" w="9525">
-                <a:solidFill>
-                  <a:schemeClr val="tx1"/>
-                </a:solidFill>
-                <a:miter lim="800000"/>
-                <a:headEnd/>
-                <a:tailEnd/>
-              </a14:hiddenLine>
-            </a:ext>
-          </a:extLst>
-        </p:spPr>
-      </p:pic>
-      <p:sp>
-        <p:nvSpPr>
-          <p:cNvPr id="4" name="Tijdelijke aanduiding voor dianummer 3"/>
-          <p:cNvSpPr>
-            <a:spLocks noGrp="1"/>
-          </p:cNvSpPr>
-          <p:nvPr>
-            <p:ph type="sldNum" sz="quarter" idx="12"/>
-          </p:nvPr>
-        </p:nvSpPr>
-        <p:spPr/>
-        <p:txBody>
-          <a:bodyPr/>
-          <a:lstStyle/>
-          <a:p>
-            <a:fld id="{A5775961-95EC-4D4B-9423-EAE103D81E9E}" type="slidenum">
-              <a:rPr lang="nl-NL" smtClean="0"/>
-              <a:t>21</a:t>
-            </a:fld>
-            <a:endParaRPr lang="nl-NL" dirty="0"/>
-          </a:p>
-        </p:txBody>
-      </p:sp>
-    </p:spTree>
-    <p:extLst>
-      <p:ext uri="{BB962C8B-B14F-4D97-AF65-F5344CB8AC3E}">
-        <p14:creationId xmlns:p14="http://schemas.microsoft.com/office/powerpoint/2010/main" val="1548524602"/>
-      </p:ext>
-    </p:extLst>
-  </p:cSld>
-  <p:clrMapOvr>
-    <a:masterClrMapping/>
-  </p:clrMapOvr>
-</p:sld>
-</file>
-
-<file path=ppt/slides/slide22.xml><?xml version="1.0" encoding="utf-8"?>
-<p:sld xmlns:a="http://schemas.openxmlformats.org/drawingml/2006/main" xmlns:r="http://schemas.openxmlformats.org/officeDocument/2006/relationships" xmlns:p="http://schemas.openxmlformats.org/presentationml/2006/main">
-  <p:cSld>
-    <p:spTree>
-      <p:nvGrpSpPr>
-        <p:cNvPr id="1" name=""/>
-        <p:cNvGrpSpPr/>
-        <p:nvPr/>
-      </p:nvGrpSpPr>
-      <p:grpSpPr>
-        <a:xfrm>
-          <a:off x="0" y="0"/>
-          <a:ext cx="0" cy="0"/>
-          <a:chOff x="0" y="0"/>
-          <a:chExt cx="0" cy="0"/>
-        </a:xfrm>
-      </p:grpSpPr>
-      <p:sp>
-        <p:nvSpPr>
-          <p:cNvPr id="2" name="Titel 1"/>
-          <p:cNvSpPr>
-            <a:spLocks noGrp="1"/>
-          </p:cNvSpPr>
-          <p:nvPr>
-            <p:ph type="title"/>
-          </p:nvPr>
-        </p:nvSpPr>
-        <p:spPr/>
-        <p:txBody>
-          <a:bodyPr/>
-          <a:lstStyle/>
-          <a:p>
-            <a:r>
-              <a:rPr lang="nl-NL" dirty="0"/>
-              <a:t>GroundForge</a:t>
-            </a:r>
-          </a:p>
-        </p:txBody>
-      </p:sp>
-      <p:sp>
-        <p:nvSpPr>
-          <p:cNvPr id="3" name="Tijdelijke aanduiding voor inhoud 2"/>
-          <p:cNvSpPr>
-            <a:spLocks noGrp="1"/>
-          </p:cNvSpPr>
-          <p:nvPr>
-            <p:ph idx="1"/>
-          </p:nvPr>
-        </p:nvSpPr>
-        <p:spPr/>
-        <p:txBody>
-          <a:bodyPr>
-            <a:normAutofit/>
-          </a:bodyPr>
-          <a:lstStyle/>
-          <a:p>
-            <a:endParaRPr lang="nl-NL" dirty="0"/>
-          </a:p>
-          <a:p>
-            <a:r>
-              <a:rPr lang="nl-NL" dirty="0"/>
-              <a:t>Deze bug is opgelost</a:t>
-            </a:r>
-          </a:p>
-          <a:p>
-            <a:r>
-              <a:rPr lang="nl-NL" dirty="0"/>
-              <a:t>Wensen en bekende bugs</a:t>
-            </a:r>
-          </a:p>
-          <a:p>
-            <a:pPr marL="0" indent="0">
-              <a:buNone/>
-            </a:pPr>
-            <a:r>
-              <a:rPr lang="nl-NL" dirty="0"/>
-              <a:t>                   ↓                          </a:t>
-            </a:r>
-            <a:r>
-              <a:rPr lang="nl-NL" dirty="0">
-                <a:sym typeface="Wingdings 3"/>
-              </a:rPr>
-              <a:t></a:t>
-            </a:r>
-            <a:endParaRPr lang="nl-NL" dirty="0"/>
-          </a:p>
-          <a:p>
-            <a:endParaRPr lang="nl-NL" dirty="0"/>
-          </a:p>
-          <a:p>
-            <a:endParaRPr lang="nl-NL" dirty="0"/>
-          </a:p>
-          <a:p>
-            <a:endParaRPr lang="nl-NL" dirty="0"/>
-          </a:p>
-        </p:txBody>
-      </p:sp>
-      <p:pic>
-        <p:nvPicPr>
-          <p:cNvPr id="6146" name="Picture 2"/>
-          <p:cNvPicPr>
-            <a:picLocks noChangeAspect="1" noChangeArrowheads="1"/>
-          </p:cNvPicPr>
-          <p:nvPr/>
-        </p:nvPicPr>
-        <p:blipFill>
-          <a:blip r:embed="rId3">
-            <a:extLst>
-              <a:ext uri="{28A0092B-C50C-407E-A947-70E740481C1C}">
-                <a14:useLocalDpi xmlns:a14="http://schemas.microsoft.com/office/drawing/2010/main" val="0"/>
-              </a:ext>
-            </a:extLst>
-          </a:blip>
-          <a:srcRect/>
-          <a:stretch>
-            <a:fillRect/>
-          </a:stretch>
-        </p:blipFill>
-        <p:spPr bwMode="auto">
-          <a:xfrm>
-            <a:off x="6660232" y="1556792"/>
-            <a:ext cx="2045948" cy="1944216"/>
-          </a:xfrm>
-          <a:prstGeom prst="rect">
-            <a:avLst/>
-          </a:prstGeom>
-          <a:noFill/>
-          <a:ln>
-            <a:noFill/>
-          </a:ln>
-          <a:extLst>
-            <a:ext uri="{909E8E84-426E-40DD-AFC4-6F175D3DCCD1}">
-              <a14:hiddenFill xmlns:a14="http://schemas.microsoft.com/office/drawing/2010/main">
-                <a:solidFill>
-                  <a:schemeClr val="accent1"/>
-                </a:solidFill>
-              </a14:hiddenFill>
-            </a:ext>
-            <a:ext uri="{91240B29-F687-4F45-9708-019B960494DF}">
-              <a14:hiddenLine xmlns:a14="http://schemas.microsoft.com/office/drawing/2010/main" w="9525">
-                <a:solidFill>
-                  <a:schemeClr val="tx1"/>
-                </a:solidFill>
-                <a:miter lim="800000"/>
-                <a:headEnd/>
-                <a:tailEnd/>
-              </a14:hiddenLine>
-            </a:ext>
-          </a:extLst>
-        </p:spPr>
-      </p:pic>
-      <p:sp>
-        <p:nvSpPr>
-          <p:cNvPr id="4" name="Tijdelijke aanduiding voor dianummer 3"/>
-          <p:cNvSpPr>
-            <a:spLocks noGrp="1"/>
-          </p:cNvSpPr>
-          <p:nvPr>
-            <p:ph type="sldNum" sz="quarter" idx="12"/>
-          </p:nvPr>
-        </p:nvSpPr>
-        <p:spPr/>
-        <p:txBody>
-          <a:bodyPr/>
-          <a:lstStyle/>
-          <a:p>
-            <a:fld id="{A5775961-95EC-4D4B-9423-EAE103D81E9E}" type="slidenum">
-              <a:rPr lang="nl-NL" smtClean="0"/>
-              <a:t>22</a:t>
-            </a:fld>
-            <a:endParaRPr lang="nl-NL" dirty="0"/>
-          </a:p>
-        </p:txBody>
-      </p:sp>
-      <p:pic>
-        <p:nvPicPr>
-          <p:cNvPr id="1028" name="Picture 4"/>
-          <p:cNvPicPr>
-            <a:picLocks noChangeAspect="1" noChangeArrowheads="1"/>
-          </p:cNvPicPr>
-          <p:nvPr/>
-        </p:nvPicPr>
-        <p:blipFill>
-          <a:blip r:embed="rId4">
-            <a:extLst>
-              <a:ext uri="{28A0092B-C50C-407E-A947-70E740481C1C}">
-                <a14:useLocalDpi xmlns:a14="http://schemas.microsoft.com/office/drawing/2010/main" val="0"/>
-              </a:ext>
-            </a:extLst>
-          </a:blip>
-          <a:srcRect/>
-          <a:stretch>
-            <a:fillRect/>
-          </a:stretch>
-        </p:blipFill>
-        <p:spPr bwMode="auto">
-          <a:xfrm>
-            <a:off x="611559" y="3933056"/>
-            <a:ext cx="8123798" cy="2252439"/>
-          </a:xfrm>
-          <a:prstGeom prst="rect">
-            <a:avLst/>
-          </a:prstGeom>
-          <a:noFill/>
-          <a:ln>
-            <a:noFill/>
-          </a:ln>
-          <a:extLst>
-            <a:ext uri="{909E8E84-426E-40DD-AFC4-6F175D3DCCD1}">
-              <a14:hiddenFill xmlns:a14="http://schemas.microsoft.com/office/drawing/2010/main">
-                <a:solidFill>
-                  <a:schemeClr val="accent1"/>
-                </a:solidFill>
-              </a14:hiddenFill>
-            </a:ext>
-            <a:ext uri="{91240B29-F687-4F45-9708-019B960494DF}">
-              <a14:hiddenLine xmlns:a14="http://schemas.microsoft.com/office/drawing/2010/main" w="9525">
-                <a:solidFill>
-                  <a:schemeClr val="tx1"/>
-                </a:solidFill>
-                <a:miter lim="800000"/>
-                <a:headEnd/>
-                <a:tailEnd/>
-              </a14:hiddenLine>
-            </a:ext>
-          </a:extLst>
-        </p:spPr>
-      </p:pic>
-    </p:spTree>
-    <p:extLst>
-      <p:ext uri="{BB962C8B-B14F-4D97-AF65-F5344CB8AC3E}">
-        <p14:creationId xmlns:p14="http://schemas.microsoft.com/office/powerpoint/2010/main" val="652494600"/>
-      </p:ext>
-    </p:extLst>
-  </p:cSld>
-  <p:clrMapOvr>
-    <a:masterClrMapping/>
-  </p:clrMapOvr>
-</p:sld>
-</file>
-
 <file path=ppt/slides/slide3.xml><?xml version="1.0" encoding="utf-8"?>
 <p:sld xmlns:a="http://schemas.openxmlformats.org/drawingml/2006/main" xmlns:r="http://schemas.openxmlformats.org/officeDocument/2006/relationships" xmlns:p="http://schemas.openxmlformats.org/presentationml/2006/main">
   <p:cSld>
@@ -14027,7 +11763,7 @@
           <a:p>
             <a:fld id="{B71AFF58-8559-4CE0-AA20-9C6B842D93B4}" type="datetime1">
               <a:rPr lang="nl-NL" smtClean="0"/>
-              <a:t>14-4-2019</a:t>
+              <a:t>6-5-2019</a:t>
             </a:fld>
             <a:endParaRPr lang="nl-NL"/>
           </a:p>
@@ -14470,87 +12206,6 @@
           <a:chExt cx="0" cy="0"/>
         </a:xfrm>
       </p:grpSpPr>
-      <p:sp>
-        <p:nvSpPr>
-          <p:cNvPr id="2" name="Titel 1"/>
-          <p:cNvSpPr>
-            <a:spLocks noGrp="1"/>
-          </p:cNvSpPr>
-          <p:nvPr>
-            <p:ph type="title"/>
-          </p:nvPr>
-        </p:nvSpPr>
-        <p:spPr/>
-        <p:txBody>
-          <a:bodyPr/>
-          <a:lstStyle/>
-          <a:p>
-            <a:r>
-              <a:rPr lang="nl-NL" dirty="0"/>
-              <a:t>GroundForge</a:t>
-            </a:r>
-          </a:p>
-        </p:txBody>
-      </p:sp>
-      <p:sp>
-        <p:nvSpPr>
-          <p:cNvPr id="4" name="Tijdelijke aanduiding voor inhoud 3"/>
-          <p:cNvSpPr>
-            <a:spLocks noGrp="1"/>
-          </p:cNvSpPr>
-          <p:nvPr>
-            <p:ph idx="1"/>
-          </p:nvPr>
-        </p:nvSpPr>
-        <p:spPr>
-          <a:xfrm>
-            <a:off x="457200" y="1600201"/>
-            <a:ext cx="8229600" cy="2476872"/>
-          </a:xfrm>
-        </p:spPr>
-        <p:txBody>
-          <a:bodyPr>
-            <a:normAutofit fontScale="92500" lnSpcReduction="20000"/>
-          </a:bodyPr>
-          <a:lstStyle/>
-          <a:p>
-            <a:pPr marL="0" indent="0">
-              <a:buNone/>
-            </a:pPr>
-            <a:r>
-              <a:rPr lang="nl-NL" dirty="0"/>
-              <a:t>Ingezoomd op draden</a:t>
-            </a:r>
-          </a:p>
-          <a:p>
-            <a:pPr marL="0" indent="0">
-              <a:buNone/>
-            </a:pPr>
-            <a:r>
-              <a:rPr lang="nl-NL" dirty="0"/>
-              <a:t>Parijse variatie</a:t>
-            </a:r>
-          </a:p>
-          <a:p>
-            <a:r>
-              <a:rPr lang="nl-NL" dirty="0"/>
-              <a:t>netslag</a:t>
-            </a:r>
-          </a:p>
-          <a:p>
-            <a:r>
-              <a:rPr lang="nl-NL" dirty="0"/>
-              <a:t>omkeerslag</a:t>
-            </a:r>
-          </a:p>
-          <a:p>
-            <a:r>
-              <a:rPr lang="nl-NL" dirty="0"/>
-              <a:t>dubbele netslag</a:t>
-            </a:r>
-          </a:p>
-        </p:txBody>
-      </p:sp>
       <p:pic>
         <p:nvPicPr>
           <p:cNvPr id="1026" name="Picture 2"/>
@@ -14574,8 +12229,8 @@
         </p:blipFill>
         <p:spPr bwMode="auto">
           <a:xfrm>
-            <a:off x="4283968" y="1403648"/>
-            <a:ext cx="4365104" cy="7105419"/>
+            <a:off x="3679947" y="1286016"/>
+            <a:ext cx="7364578" cy="11987896"/>
           </a:xfrm>
           <a:prstGeom prst="rect">
             <a:avLst/>
@@ -14605,6 +12260,87 @@
           </a:extLst>
         </p:spPr>
       </p:pic>
+      <p:sp>
+        <p:nvSpPr>
+          <p:cNvPr id="2" name="Titel 1"/>
+          <p:cNvSpPr>
+            <a:spLocks noGrp="1"/>
+          </p:cNvSpPr>
+          <p:nvPr>
+            <p:ph type="title"/>
+          </p:nvPr>
+        </p:nvSpPr>
+        <p:spPr/>
+        <p:txBody>
+          <a:bodyPr/>
+          <a:lstStyle/>
+          <a:p>
+            <a:r>
+              <a:rPr lang="nl-NL" dirty="0"/>
+              <a:t>GroundForge</a:t>
+            </a:r>
+          </a:p>
+        </p:txBody>
+      </p:sp>
+      <p:sp>
+        <p:nvSpPr>
+          <p:cNvPr id="4" name="Tijdelijke aanduiding voor inhoud 3"/>
+          <p:cNvSpPr>
+            <a:spLocks noGrp="1"/>
+          </p:cNvSpPr>
+          <p:nvPr>
+            <p:ph idx="1"/>
+          </p:nvPr>
+        </p:nvSpPr>
+        <p:spPr>
+          <a:xfrm>
+            <a:off x="457200" y="1600201"/>
+            <a:ext cx="8229600" cy="2476872"/>
+          </a:xfrm>
+        </p:spPr>
+        <p:txBody>
+          <a:bodyPr>
+            <a:normAutofit fontScale="92500" lnSpcReduction="20000"/>
+          </a:bodyPr>
+          <a:lstStyle/>
+          <a:p>
+            <a:pPr marL="0" indent="0">
+              <a:buNone/>
+            </a:pPr>
+            <a:r>
+              <a:rPr lang="nl-NL" dirty="0"/>
+              <a:t>Ingezoomd op draden</a:t>
+            </a:r>
+          </a:p>
+          <a:p>
+            <a:pPr marL="0" indent="0">
+              <a:buNone/>
+            </a:pPr>
+            <a:r>
+              <a:rPr lang="nl-NL" dirty="0"/>
+              <a:t>Parijse variatie</a:t>
+            </a:r>
+          </a:p>
+          <a:p>
+            <a:r>
+              <a:rPr lang="nl-NL" dirty="0"/>
+              <a:t>netslag</a:t>
+            </a:r>
+          </a:p>
+          <a:p>
+            <a:r>
+              <a:rPr lang="nl-NL" dirty="0"/>
+              <a:t>omkeerslag</a:t>
+            </a:r>
+          </a:p>
+          <a:p>
+            <a:r>
+              <a:rPr lang="nl-NL" dirty="0"/>
+              <a:t>dubbele netslag</a:t>
+            </a:r>
+          </a:p>
+        </p:txBody>
+      </p:sp>
       <p:pic>
         <p:nvPicPr>
           <p:cNvPr id="1029" name="Picture 5"/>
@@ -14736,6 +12472,55 @@
       </p:sp>
       <p:sp>
         <p:nvSpPr>
+          <p:cNvPr id="3" name="Tijdelijke aanduiding voor inhoud 2"/>
+          <p:cNvSpPr>
+            <a:spLocks noGrp="1"/>
+          </p:cNvSpPr>
+          <p:nvPr>
+            <p:ph idx="1"/>
+          </p:nvPr>
+        </p:nvSpPr>
+        <p:spPr/>
+        <p:txBody>
+          <a:bodyPr/>
+          <a:lstStyle/>
+          <a:p>
+            <a:pPr marL="0" indent="0">
+              <a:buNone/>
+            </a:pPr>
+            <a:r>
+              <a:rPr lang="nl-NL" dirty="0"/>
+              <a:t>Drie stappen</a:t>
+            </a:r>
+          </a:p>
+          <a:p>
+            <a:r>
+              <a:rPr lang="nl-NL" dirty="0">
+                <a:effectLst/>
+              </a:rPr>
+              <a:t>Selecteer een</a:t>
+            </a:r>
+            <a:r>
+              <a:rPr lang="nl-NL" dirty="0"/>
+              <a:t> basis patroon</a:t>
+            </a:r>
+            <a:endParaRPr lang="nl-NL" dirty="0">
+              <a:effectLst/>
+            </a:endParaRPr>
+          </a:p>
+          <a:p>
+            <a:pPr marL="0" indent="0">
+              <a:buNone/>
+            </a:pPr>
+            <a:br>
+              <a:rPr lang="nl-NL" dirty="0"/>
+            </a:br>
+            <a:endParaRPr lang="nl-NL" dirty="0"/>
+          </a:p>
+        </p:txBody>
+      </p:sp>
+      <p:sp>
+        <p:nvSpPr>
           <p:cNvPr id="6" name="Tijdelijke aanduiding voor dianummer 5"/>
           <p:cNvSpPr>
             <a:spLocks noGrp="1"/>
@@ -14752,6 +12537,782 @@
             <a:fld id="{A5775961-95EC-4D4B-9423-EAE103D81E9E}" type="slidenum">
               <a:rPr lang="nl-NL" smtClean="0"/>
               <a:t>5</a:t>
+            </a:fld>
+            <a:endParaRPr lang="nl-NL" dirty="0"/>
+          </a:p>
+        </p:txBody>
+      </p:sp>
+      <p:pic>
+        <p:nvPicPr>
+          <p:cNvPr id="5" name="Afbeelding 4">
+            <a:extLst>
+              <a:ext uri="{FF2B5EF4-FFF2-40B4-BE49-F238E27FC236}">
+                <a16:creationId xmlns:a16="http://schemas.microsoft.com/office/drawing/2014/main" id="{049CB9C3-D856-4847-BD92-8BBBBDFD44E1}"/>
+              </a:ext>
+            </a:extLst>
+          </p:cNvPr>
+          <p:cNvPicPr>
+            <a:picLocks noChangeAspect="1"/>
+          </p:cNvPicPr>
+          <p:nvPr/>
+        </p:nvPicPr>
+        <p:blipFill>
+          <a:blip r:embed="rId3"/>
+          <a:stretch>
+            <a:fillRect/>
+          </a:stretch>
+        </p:blipFill>
+        <p:spPr>
+          <a:xfrm>
+            <a:off x="827584" y="2924943"/>
+            <a:ext cx="6727562" cy="3201219"/>
+          </a:xfrm>
+          <a:prstGeom prst="rect">
+            <a:avLst/>
+          </a:prstGeom>
+        </p:spPr>
+      </p:pic>
+      <p:sp>
+        <p:nvSpPr>
+          <p:cNvPr id="7" name="Ovaal 6">
+            <a:extLst>
+              <a:ext uri="{FF2B5EF4-FFF2-40B4-BE49-F238E27FC236}">
+                <a16:creationId xmlns:a16="http://schemas.microsoft.com/office/drawing/2014/main" id="{298280FC-224E-4F42-BD06-3B273ECBB91E}"/>
+              </a:ext>
+            </a:extLst>
+          </p:cNvPr>
+          <p:cNvSpPr/>
+          <p:nvPr/>
+        </p:nvSpPr>
+        <p:spPr>
+          <a:xfrm>
+            <a:off x="827584" y="5321341"/>
+            <a:ext cx="1224136" cy="699947"/>
+          </a:xfrm>
+          <a:prstGeom prst="ellipse">
+            <a:avLst/>
+          </a:prstGeom>
+          <a:noFill/>
+          <a:ln w="76200">
+            <a:solidFill>
+              <a:srgbClr val="FF0000"/>
+            </a:solidFill>
+          </a:ln>
+        </p:spPr>
+        <p:style>
+          <a:lnRef idx="2">
+            <a:schemeClr val="accent1">
+              <a:shade val="50000"/>
+            </a:schemeClr>
+          </a:lnRef>
+          <a:fillRef idx="1">
+            <a:schemeClr val="accent1"/>
+          </a:fillRef>
+          <a:effectRef idx="0">
+            <a:schemeClr val="accent1"/>
+          </a:effectRef>
+          <a:fontRef idx="minor">
+            <a:schemeClr val="lt1"/>
+          </a:fontRef>
+        </p:style>
+        <p:txBody>
+          <a:bodyPr rtlCol="0" anchor="ctr"/>
+          <a:lstStyle/>
+          <a:p>
+            <a:pPr algn="ctr"/>
+            <a:endParaRPr lang="nl-NL"/>
+          </a:p>
+        </p:txBody>
+      </p:sp>
+    </p:spTree>
+    <p:extLst>
+      <p:ext uri="{BB962C8B-B14F-4D97-AF65-F5344CB8AC3E}">
+        <p14:creationId xmlns:p14="http://schemas.microsoft.com/office/powerpoint/2010/main" val="3029865184"/>
+      </p:ext>
+    </p:extLst>
+  </p:cSld>
+  <p:clrMapOvr>
+    <a:masterClrMapping/>
+  </p:clrMapOvr>
+</p:sld>
+</file>
+
+<file path=ppt/slides/slide6.xml><?xml version="1.0" encoding="utf-8"?>
+<p:sld xmlns:a="http://schemas.openxmlformats.org/drawingml/2006/main" xmlns:r="http://schemas.openxmlformats.org/officeDocument/2006/relationships" xmlns:p="http://schemas.openxmlformats.org/presentationml/2006/main">
+  <p:cSld>
+    <p:spTree>
+      <p:nvGrpSpPr>
+        <p:cNvPr id="1" name=""/>
+        <p:cNvGrpSpPr/>
+        <p:nvPr/>
+      </p:nvGrpSpPr>
+      <p:grpSpPr>
+        <a:xfrm>
+          <a:off x="0" y="0"/>
+          <a:ext cx="0" cy="0"/>
+          <a:chOff x="0" y="0"/>
+          <a:chExt cx="0" cy="0"/>
+        </a:xfrm>
+      </p:grpSpPr>
+      <p:sp>
+        <p:nvSpPr>
+          <p:cNvPr id="2" name="Titel 1"/>
+          <p:cNvSpPr>
+            <a:spLocks noGrp="1"/>
+          </p:cNvSpPr>
+          <p:nvPr>
+            <p:ph type="title"/>
+          </p:nvPr>
+        </p:nvSpPr>
+        <p:spPr/>
+        <p:txBody>
+          <a:bodyPr/>
+          <a:lstStyle/>
+          <a:p>
+            <a:r>
+              <a:rPr lang="nl-NL" dirty="0"/>
+              <a:t>GroundForge</a:t>
+            </a:r>
+          </a:p>
+        </p:txBody>
+      </p:sp>
+      <p:sp>
+        <p:nvSpPr>
+          <p:cNvPr id="3" name="Tijdelijke aanduiding voor inhoud 2"/>
+          <p:cNvSpPr>
+            <a:spLocks noGrp="1"/>
+          </p:cNvSpPr>
+          <p:nvPr>
+            <p:ph idx="1"/>
+          </p:nvPr>
+        </p:nvSpPr>
+        <p:spPr/>
+        <p:txBody>
+          <a:bodyPr/>
+          <a:lstStyle/>
+          <a:p>
+            <a:pPr marL="0" indent="0">
+              <a:buNone/>
+            </a:pPr>
+            <a:r>
+              <a:rPr lang="nl-NL" dirty="0"/>
+              <a:t>Drie stappen</a:t>
+            </a:r>
+          </a:p>
+          <a:p>
+            <a:r>
+              <a:rPr lang="nl-NL" dirty="0">
+                <a:effectLst/>
+              </a:rPr>
+              <a:t>Selecteer een</a:t>
+            </a:r>
+            <a:r>
+              <a:rPr lang="nl-NL" dirty="0"/>
+              <a:t> basis patroon</a:t>
+            </a:r>
+          </a:p>
+          <a:p>
+            <a:r>
+              <a:rPr lang="nl-NL" dirty="0">
+                <a:effectLst/>
+              </a:rPr>
+              <a:t>Kies slagen</a:t>
+            </a:r>
+          </a:p>
+          <a:p>
+            <a:pPr marL="0" indent="0">
+              <a:buNone/>
+            </a:pPr>
+            <a:br>
+              <a:rPr lang="nl-NL" dirty="0"/>
+            </a:br>
+            <a:endParaRPr lang="nl-NL" dirty="0"/>
+          </a:p>
+        </p:txBody>
+      </p:sp>
+      <p:sp>
+        <p:nvSpPr>
+          <p:cNvPr id="6" name="Tijdelijke aanduiding voor dianummer 5"/>
+          <p:cNvSpPr>
+            <a:spLocks noGrp="1"/>
+          </p:cNvSpPr>
+          <p:nvPr>
+            <p:ph type="sldNum" sz="quarter" idx="12"/>
+          </p:nvPr>
+        </p:nvSpPr>
+        <p:spPr/>
+        <p:txBody>
+          <a:bodyPr/>
+          <a:lstStyle/>
+          <a:p>
+            <a:fld id="{A5775961-95EC-4D4B-9423-EAE103D81E9E}" type="slidenum">
+              <a:rPr lang="nl-NL" smtClean="0"/>
+              <a:t>6</a:t>
+            </a:fld>
+            <a:endParaRPr lang="nl-NL" dirty="0"/>
+          </a:p>
+        </p:txBody>
+      </p:sp>
+      <p:pic>
+        <p:nvPicPr>
+          <p:cNvPr id="8" name="Afbeelding 7">
+            <a:extLst>
+              <a:ext uri="{FF2B5EF4-FFF2-40B4-BE49-F238E27FC236}">
+                <a16:creationId xmlns:a16="http://schemas.microsoft.com/office/drawing/2014/main" id="{EC23F70A-777F-4D56-85C8-1F4AE4F758A4}"/>
+              </a:ext>
+            </a:extLst>
+          </p:cNvPr>
+          <p:cNvPicPr>
+            <a:picLocks noChangeAspect="1"/>
+          </p:cNvPicPr>
+          <p:nvPr/>
+        </p:nvPicPr>
+        <p:blipFill>
+          <a:blip r:embed="rId3"/>
+          <a:stretch>
+            <a:fillRect/>
+          </a:stretch>
+        </p:blipFill>
+        <p:spPr>
+          <a:xfrm>
+            <a:off x="2843808" y="2753414"/>
+            <a:ext cx="3456384" cy="3573154"/>
+          </a:xfrm>
+          <a:prstGeom prst="rect">
+            <a:avLst/>
+          </a:prstGeom>
+          <a:ln w="50800">
+            <a:noFill/>
+          </a:ln>
+        </p:spPr>
+      </p:pic>
+    </p:spTree>
+    <p:extLst>
+      <p:ext uri="{BB962C8B-B14F-4D97-AF65-F5344CB8AC3E}">
+        <p14:creationId xmlns:p14="http://schemas.microsoft.com/office/powerpoint/2010/main" val="2078593343"/>
+      </p:ext>
+    </p:extLst>
+  </p:cSld>
+  <p:clrMapOvr>
+    <a:masterClrMapping/>
+  </p:clrMapOvr>
+</p:sld>
+</file>
+
+<file path=ppt/slides/slide7.xml><?xml version="1.0" encoding="utf-8"?>
+<p:sld xmlns:a="http://schemas.openxmlformats.org/drawingml/2006/main" xmlns:r="http://schemas.openxmlformats.org/officeDocument/2006/relationships" xmlns:p="http://schemas.openxmlformats.org/presentationml/2006/main">
+  <p:cSld>
+    <p:spTree>
+      <p:nvGrpSpPr>
+        <p:cNvPr id="1" name=""/>
+        <p:cNvGrpSpPr/>
+        <p:nvPr/>
+      </p:nvGrpSpPr>
+      <p:grpSpPr>
+        <a:xfrm>
+          <a:off x="0" y="0"/>
+          <a:ext cx="0" cy="0"/>
+          <a:chOff x="0" y="0"/>
+          <a:chExt cx="0" cy="0"/>
+        </a:xfrm>
+      </p:grpSpPr>
+      <p:sp>
+        <p:nvSpPr>
+          <p:cNvPr id="2" name="Titel 1"/>
+          <p:cNvSpPr>
+            <a:spLocks noGrp="1"/>
+          </p:cNvSpPr>
+          <p:nvPr>
+            <p:ph type="title"/>
+          </p:nvPr>
+        </p:nvSpPr>
+        <p:spPr/>
+        <p:txBody>
+          <a:bodyPr/>
+          <a:lstStyle/>
+          <a:p>
+            <a:r>
+              <a:rPr lang="nl-NL" dirty="0"/>
+              <a:t>GroundForge</a:t>
+            </a:r>
+          </a:p>
+        </p:txBody>
+      </p:sp>
+      <p:sp>
+        <p:nvSpPr>
+          <p:cNvPr id="3" name="Tijdelijke aanduiding voor inhoud 2"/>
+          <p:cNvSpPr>
+            <a:spLocks noGrp="1"/>
+          </p:cNvSpPr>
+          <p:nvPr>
+            <p:ph idx="1"/>
+          </p:nvPr>
+        </p:nvSpPr>
+        <p:spPr/>
+        <p:txBody>
+          <a:bodyPr/>
+          <a:lstStyle/>
+          <a:p>
+            <a:pPr marL="0" indent="0">
+              <a:buNone/>
+            </a:pPr>
+            <a:r>
+              <a:rPr lang="nl-NL" dirty="0"/>
+              <a:t>Drie stappen</a:t>
+            </a:r>
+          </a:p>
+          <a:p>
+            <a:r>
+              <a:rPr lang="nl-NL" dirty="0">
+                <a:effectLst/>
+              </a:rPr>
+              <a:t>Selecteer een</a:t>
+            </a:r>
+            <a:r>
+              <a:rPr lang="nl-NL" dirty="0"/>
+              <a:t> basis patroon</a:t>
+            </a:r>
+          </a:p>
+          <a:p>
+            <a:r>
+              <a:rPr lang="nl-NL" dirty="0">
+                <a:effectLst/>
+              </a:rPr>
+              <a:t>Kies slagen, met        naar spiekbriefje:</a:t>
+            </a:r>
+          </a:p>
+          <a:p>
+            <a:pPr marL="0" indent="0">
+              <a:buNone/>
+            </a:pPr>
+            <a:br>
+              <a:rPr lang="nl-NL" dirty="0"/>
+            </a:br>
+            <a:endParaRPr lang="nl-NL" dirty="0"/>
+          </a:p>
+        </p:txBody>
+      </p:sp>
+      <p:sp>
+        <p:nvSpPr>
+          <p:cNvPr id="6" name="Tijdelijke aanduiding voor dianummer 5"/>
+          <p:cNvSpPr>
+            <a:spLocks noGrp="1"/>
+          </p:cNvSpPr>
+          <p:nvPr>
+            <p:ph type="sldNum" sz="quarter" idx="12"/>
+          </p:nvPr>
+        </p:nvSpPr>
+        <p:spPr/>
+        <p:txBody>
+          <a:bodyPr/>
+          <a:lstStyle/>
+          <a:p>
+            <a:fld id="{A5775961-95EC-4D4B-9423-EAE103D81E9E}" type="slidenum">
+              <a:rPr lang="nl-NL" smtClean="0"/>
+              <a:t>7</a:t>
+            </a:fld>
+            <a:endParaRPr lang="nl-NL" dirty="0"/>
+          </a:p>
+        </p:txBody>
+      </p:sp>
+      <p:pic>
+        <p:nvPicPr>
+          <p:cNvPr id="7" name="Afbeelding 6">
+            <a:extLst>
+              <a:ext uri="{FF2B5EF4-FFF2-40B4-BE49-F238E27FC236}">
+                <a16:creationId xmlns:a16="http://schemas.microsoft.com/office/drawing/2014/main" id="{E7F032D1-DC1D-4C00-87F8-2A291940706F}"/>
+              </a:ext>
+            </a:extLst>
+          </p:cNvPr>
+          <p:cNvPicPr>
+            <a:picLocks noChangeAspect="1"/>
+          </p:cNvPicPr>
+          <p:nvPr/>
+        </p:nvPicPr>
+        <p:blipFill>
+          <a:blip r:embed="rId3"/>
+          <a:stretch>
+            <a:fillRect/>
+          </a:stretch>
+        </p:blipFill>
+        <p:spPr>
+          <a:xfrm>
+            <a:off x="457200" y="3767345"/>
+            <a:ext cx="8087376" cy="2358818"/>
+          </a:xfrm>
+          <a:prstGeom prst="rect">
+            <a:avLst/>
+          </a:prstGeom>
+        </p:spPr>
+      </p:pic>
+      <p:pic>
+        <p:nvPicPr>
+          <p:cNvPr id="9" name="Afbeelding 8">
+            <a:extLst>
+              <a:ext uri="{FF2B5EF4-FFF2-40B4-BE49-F238E27FC236}">
+                <a16:creationId xmlns:a16="http://schemas.microsoft.com/office/drawing/2014/main" id="{FDC749D9-6513-4656-A418-DCDFF4E39271}"/>
+              </a:ext>
+            </a:extLst>
+          </p:cNvPr>
+          <p:cNvPicPr>
+            <a:picLocks noChangeAspect="1"/>
+          </p:cNvPicPr>
+          <p:nvPr/>
+        </p:nvPicPr>
+        <p:blipFill>
+          <a:blip r:embed="rId4">
+            <a:extLst>
+              <a:ext uri="{28A0092B-C50C-407E-A947-70E740481C1C}">
+                <a14:useLocalDpi xmlns:a14="http://schemas.microsoft.com/office/drawing/2010/main" val="0"/>
+              </a:ext>
+            </a:extLst>
+          </a:blip>
+          <a:stretch>
+            <a:fillRect/>
+          </a:stretch>
+        </p:blipFill>
+        <p:spPr>
+          <a:xfrm>
+            <a:off x="3707904" y="2780928"/>
+            <a:ext cx="504056" cy="504056"/>
+          </a:xfrm>
+          <a:prstGeom prst="rect">
+            <a:avLst/>
+          </a:prstGeom>
+        </p:spPr>
+      </p:pic>
+    </p:spTree>
+    <p:extLst>
+      <p:ext uri="{BB962C8B-B14F-4D97-AF65-F5344CB8AC3E}">
+        <p14:creationId xmlns:p14="http://schemas.microsoft.com/office/powerpoint/2010/main" val="4257385377"/>
+      </p:ext>
+    </p:extLst>
+  </p:cSld>
+  <p:clrMapOvr>
+    <a:masterClrMapping/>
+  </p:clrMapOvr>
+</p:sld>
+</file>
+
+<file path=ppt/slides/slide8.xml><?xml version="1.0" encoding="utf-8"?>
+<p:sld xmlns:a="http://schemas.openxmlformats.org/drawingml/2006/main" xmlns:r="http://schemas.openxmlformats.org/officeDocument/2006/relationships" xmlns:p="http://schemas.openxmlformats.org/presentationml/2006/main">
+  <p:cSld>
+    <p:spTree>
+      <p:nvGrpSpPr>
+        <p:cNvPr id="1" name=""/>
+        <p:cNvGrpSpPr/>
+        <p:nvPr/>
+      </p:nvGrpSpPr>
+      <p:grpSpPr>
+        <a:xfrm>
+          <a:off x="0" y="0"/>
+          <a:ext cx="0" cy="0"/>
+          <a:chOff x="0" y="0"/>
+          <a:chExt cx="0" cy="0"/>
+        </a:xfrm>
+      </p:grpSpPr>
+      <p:sp>
+        <p:nvSpPr>
+          <p:cNvPr id="2" name="Titel 1"/>
+          <p:cNvSpPr>
+            <a:spLocks noGrp="1"/>
+          </p:cNvSpPr>
+          <p:nvPr>
+            <p:ph type="title"/>
+          </p:nvPr>
+        </p:nvSpPr>
+        <p:spPr/>
+        <p:txBody>
+          <a:bodyPr/>
+          <a:lstStyle/>
+          <a:p>
+            <a:r>
+              <a:rPr lang="nl-NL" dirty="0"/>
+              <a:t>GroundForge</a:t>
+            </a:r>
+          </a:p>
+        </p:txBody>
+      </p:sp>
+      <p:sp>
+        <p:nvSpPr>
+          <p:cNvPr id="3" name="Tijdelijke aanduiding voor inhoud 2"/>
+          <p:cNvSpPr>
+            <a:spLocks noGrp="1"/>
+          </p:cNvSpPr>
+          <p:nvPr>
+            <p:ph idx="1"/>
+          </p:nvPr>
+        </p:nvSpPr>
+        <p:spPr/>
+        <p:txBody>
+          <a:bodyPr>
+            <a:normAutofit fontScale="92500" lnSpcReduction="10000"/>
+          </a:bodyPr>
+          <a:lstStyle/>
+          <a:p>
+            <a:pPr marL="0" indent="0">
+              <a:buNone/>
+            </a:pPr>
+            <a:r>
+              <a:rPr lang="nl-NL" dirty="0"/>
+              <a:t>Drie stappen</a:t>
+            </a:r>
+          </a:p>
+          <a:p>
+            <a:r>
+              <a:rPr lang="nl-NL" dirty="0">
+                <a:effectLst/>
+              </a:rPr>
+              <a:t>Selecteer een</a:t>
+            </a:r>
+            <a:r>
+              <a:rPr lang="nl-NL" dirty="0"/>
+              <a:t> basis patroon</a:t>
+            </a:r>
+          </a:p>
+          <a:p>
+            <a:r>
+              <a:rPr lang="nl-NL" dirty="0">
+                <a:effectLst/>
+              </a:rPr>
+              <a:t>Kies slagen </a:t>
+            </a:r>
+          </a:p>
+          <a:p>
+            <a:r>
+              <a:rPr lang="nl-NL" sz="3500" dirty="0"/>
+              <a:t>Tonen</a:t>
+            </a:r>
+            <a:br>
+              <a:rPr lang="nl-NL" sz="3500" dirty="0"/>
+            </a:br>
+            <a:r>
+              <a:rPr lang="nl-NL" sz="3500" dirty="0"/>
+              <a:t>en</a:t>
+            </a:r>
+            <a:br>
+              <a:rPr lang="nl-NL" dirty="0"/>
+            </a:br>
+            <a:r>
+              <a:rPr lang="nl-NL" sz="3500" dirty="0"/>
+              <a:t>contrasterende</a:t>
+            </a:r>
+            <a:br>
+              <a:rPr lang="nl-NL" dirty="0"/>
+            </a:br>
+            <a:r>
+              <a:rPr lang="nl-NL" dirty="0"/>
+              <a:t>draden kiezen</a:t>
+            </a:r>
+            <a:endParaRPr lang="nl-NL" dirty="0">
+              <a:effectLst/>
+            </a:endParaRPr>
+          </a:p>
+          <a:p>
+            <a:pPr marL="0" indent="0">
+              <a:buNone/>
+            </a:pPr>
+            <a:br>
+              <a:rPr lang="nl-NL" dirty="0"/>
+            </a:br>
+            <a:endParaRPr lang="nl-NL" dirty="0"/>
+          </a:p>
+        </p:txBody>
+      </p:sp>
+      <p:sp>
+        <p:nvSpPr>
+          <p:cNvPr id="6" name="Tijdelijke aanduiding voor dianummer 5"/>
+          <p:cNvSpPr>
+            <a:spLocks noGrp="1"/>
+          </p:cNvSpPr>
+          <p:nvPr>
+            <p:ph type="sldNum" sz="quarter" idx="12"/>
+          </p:nvPr>
+        </p:nvSpPr>
+        <p:spPr/>
+        <p:txBody>
+          <a:bodyPr/>
+          <a:lstStyle/>
+          <a:p>
+            <a:fld id="{A5775961-95EC-4D4B-9423-EAE103D81E9E}" type="slidenum">
+              <a:rPr lang="nl-NL" smtClean="0"/>
+              <a:t>8</a:t>
+            </a:fld>
+            <a:endParaRPr lang="nl-NL" dirty="0"/>
+          </a:p>
+        </p:txBody>
+      </p:sp>
+      <p:pic>
+        <p:nvPicPr>
+          <p:cNvPr id="4" name="Afbeelding 3">
+            <a:extLst>
+              <a:ext uri="{FF2B5EF4-FFF2-40B4-BE49-F238E27FC236}">
+                <a16:creationId xmlns:a16="http://schemas.microsoft.com/office/drawing/2014/main" id="{E99D7F54-728D-40ED-A2AC-16D42D749EF7}"/>
+              </a:ext>
+            </a:extLst>
+          </p:cNvPr>
+          <p:cNvPicPr>
+            <a:picLocks noChangeAspect="1"/>
+          </p:cNvPicPr>
+          <p:nvPr/>
+        </p:nvPicPr>
+        <p:blipFill>
+          <a:blip r:embed="rId3"/>
+          <a:stretch>
+            <a:fillRect/>
+          </a:stretch>
+        </p:blipFill>
+        <p:spPr>
+          <a:xfrm>
+            <a:off x="2021721" y="3193491"/>
+            <a:ext cx="1398151" cy="461092"/>
+          </a:xfrm>
+          <a:prstGeom prst="rect">
+            <a:avLst/>
+          </a:prstGeom>
+        </p:spPr>
+      </p:pic>
+      <p:pic>
+        <p:nvPicPr>
+          <p:cNvPr id="5" name="Afbeelding 4">
+            <a:extLst>
+              <a:ext uri="{FF2B5EF4-FFF2-40B4-BE49-F238E27FC236}">
+                <a16:creationId xmlns:a16="http://schemas.microsoft.com/office/drawing/2014/main" id="{6F965766-AF52-4474-A39E-D5A6F59B1F2B}"/>
+              </a:ext>
+            </a:extLst>
+          </p:cNvPr>
+          <p:cNvPicPr>
+            <a:picLocks noChangeAspect="1"/>
+          </p:cNvPicPr>
+          <p:nvPr/>
+        </p:nvPicPr>
+        <p:blipFill>
+          <a:blip r:embed="rId4"/>
+          <a:stretch>
+            <a:fillRect/>
+          </a:stretch>
+        </p:blipFill>
+        <p:spPr>
+          <a:xfrm>
+            <a:off x="3635895" y="2685307"/>
+            <a:ext cx="5041363" cy="3436500"/>
+          </a:xfrm>
+          <a:prstGeom prst="rect">
+            <a:avLst/>
+          </a:prstGeom>
+          <a:ln w="50800">
+            <a:solidFill>
+              <a:schemeClr val="accent1"/>
+            </a:solidFill>
+          </a:ln>
+        </p:spPr>
+      </p:pic>
+      <p:pic>
+        <p:nvPicPr>
+          <p:cNvPr id="7" name="Afbeelding 6">
+            <a:extLst>
+              <a:ext uri="{FF2B5EF4-FFF2-40B4-BE49-F238E27FC236}">
+                <a16:creationId xmlns:a16="http://schemas.microsoft.com/office/drawing/2014/main" id="{58534B22-4AA4-4109-AFEC-536E470A6700}"/>
+              </a:ext>
+            </a:extLst>
+          </p:cNvPr>
+          <p:cNvPicPr>
+            <a:picLocks noChangeAspect="1"/>
+          </p:cNvPicPr>
+          <p:nvPr/>
+        </p:nvPicPr>
+        <p:blipFill>
+          <a:blip r:embed="rId5">
+            <a:extLst>
+              <a:ext uri="{28A0092B-C50C-407E-A947-70E740481C1C}">
+                <a14:useLocalDpi xmlns:a14="http://schemas.microsoft.com/office/drawing/2010/main" val="0"/>
+              </a:ext>
+            </a:extLst>
+          </a:blip>
+          <a:stretch>
+            <a:fillRect/>
+          </a:stretch>
+        </p:blipFill>
+        <p:spPr>
+          <a:xfrm>
+            <a:off x="2735847" y="2558490"/>
+            <a:ext cx="540009" cy="540009"/>
+          </a:xfrm>
+          <a:prstGeom prst="rect">
+            <a:avLst/>
+          </a:prstGeom>
+        </p:spPr>
+      </p:pic>
+    </p:spTree>
+    <p:extLst>
+      <p:ext uri="{BB962C8B-B14F-4D97-AF65-F5344CB8AC3E}">
+        <p14:creationId xmlns:p14="http://schemas.microsoft.com/office/powerpoint/2010/main" val="3806128040"/>
+      </p:ext>
+    </p:extLst>
+  </p:cSld>
+  <p:clrMapOvr>
+    <a:masterClrMapping/>
+  </p:clrMapOvr>
+</p:sld>
+</file>
+
+<file path=ppt/slides/slide9.xml><?xml version="1.0" encoding="utf-8"?>
+<p:sld xmlns:a="http://schemas.openxmlformats.org/drawingml/2006/main" xmlns:r="http://schemas.openxmlformats.org/officeDocument/2006/relationships" xmlns:p="http://schemas.openxmlformats.org/presentationml/2006/main">
+  <p:cSld>
+    <p:spTree>
+      <p:nvGrpSpPr>
+        <p:cNvPr id="1" name=""/>
+        <p:cNvGrpSpPr/>
+        <p:nvPr/>
+      </p:nvGrpSpPr>
+      <p:grpSpPr>
+        <a:xfrm>
+          <a:off x="0" y="0"/>
+          <a:ext cx="0" cy="0"/>
+          <a:chOff x="0" y="0"/>
+          <a:chExt cx="0" cy="0"/>
+        </a:xfrm>
+      </p:grpSpPr>
+      <p:sp>
+        <p:nvSpPr>
+          <p:cNvPr id="2" name="Titel 1"/>
+          <p:cNvSpPr>
+            <a:spLocks noGrp="1"/>
+          </p:cNvSpPr>
+          <p:nvPr>
+            <p:ph type="title"/>
+          </p:nvPr>
+        </p:nvSpPr>
+        <p:spPr/>
+        <p:txBody>
+          <a:bodyPr/>
+          <a:lstStyle/>
+          <a:p>
+            <a:r>
+              <a:rPr lang="nl-NL" dirty="0"/>
+              <a:t>GroundForge</a:t>
+            </a:r>
+          </a:p>
+        </p:txBody>
+      </p:sp>
+      <p:sp>
+        <p:nvSpPr>
+          <p:cNvPr id="6" name="Tijdelijke aanduiding voor dianummer 5"/>
+          <p:cNvSpPr>
+            <a:spLocks noGrp="1"/>
+          </p:cNvSpPr>
+          <p:nvPr>
+            <p:ph type="sldNum" sz="quarter" idx="12"/>
+          </p:nvPr>
+        </p:nvSpPr>
+        <p:spPr/>
+        <p:txBody>
+          <a:bodyPr/>
+          <a:lstStyle/>
+          <a:p>
+            <a:fld id="{A5775961-95EC-4D4B-9423-EAE103D81E9E}" type="slidenum">
+              <a:rPr lang="nl-NL" smtClean="0"/>
+              <a:t>9</a:t>
             </a:fld>
             <a:endParaRPr lang="nl-NL" dirty="0"/>
           </a:p>
@@ -14922,1792 +13483,6 @@
     <p:extLst>
       <p:ext uri="{BB962C8B-B14F-4D97-AF65-F5344CB8AC3E}">
         <p14:creationId xmlns:p14="http://schemas.microsoft.com/office/powerpoint/2010/main" val="1043717631"/>
-      </p:ext>
-    </p:extLst>
-  </p:cSld>
-  <p:clrMapOvr>
-    <a:masterClrMapping/>
-  </p:clrMapOvr>
-</p:sld>
-</file>
-
-<file path=ppt/slides/slide6.xml><?xml version="1.0" encoding="utf-8"?>
-<p:sld xmlns:a="http://schemas.openxmlformats.org/drawingml/2006/main" xmlns:r="http://schemas.openxmlformats.org/officeDocument/2006/relationships" xmlns:p="http://schemas.openxmlformats.org/presentationml/2006/main">
-  <p:cSld>
-    <p:spTree>
-      <p:nvGrpSpPr>
-        <p:cNvPr id="1" name=""/>
-        <p:cNvGrpSpPr/>
-        <p:nvPr/>
-      </p:nvGrpSpPr>
-      <p:grpSpPr>
-        <a:xfrm>
-          <a:off x="0" y="0"/>
-          <a:ext cx="0" cy="0"/>
-          <a:chOff x="0" y="0"/>
-          <a:chExt cx="0" cy="0"/>
-        </a:xfrm>
-      </p:grpSpPr>
-      <p:pic>
-        <p:nvPicPr>
-          <p:cNvPr id="4" name="Picture 3"/>
-          <p:cNvPicPr>
-            <a:picLocks noChangeAspect="1" noChangeArrowheads="1"/>
-          </p:cNvPicPr>
-          <p:nvPr/>
-        </p:nvPicPr>
-        <p:blipFill>
-          <a:blip r:embed="rId3">
-            <a:extLst>
-              <a:ext uri="{28A0092B-C50C-407E-A947-70E740481C1C}">
-                <a14:useLocalDpi xmlns:a14="http://schemas.microsoft.com/office/drawing/2010/main" val="0"/>
-              </a:ext>
-            </a:extLst>
-          </a:blip>
-          <a:srcRect/>
-          <a:stretch>
-            <a:fillRect/>
-          </a:stretch>
-        </p:blipFill>
-        <p:spPr bwMode="auto">
-          <a:xfrm>
-            <a:off x="5292080" y="2780928"/>
-            <a:ext cx="3384376" cy="3557530"/>
-          </a:xfrm>
-          <a:prstGeom prst="rect">
-            <a:avLst/>
-          </a:prstGeom>
-          <a:noFill/>
-          <a:ln>
-            <a:noFill/>
-          </a:ln>
-          <a:extLst>
-            <a:ext uri="{909E8E84-426E-40DD-AFC4-6F175D3DCCD1}">
-              <a14:hiddenFill xmlns:a14="http://schemas.microsoft.com/office/drawing/2010/main">
-                <a:solidFill>
-                  <a:schemeClr val="accent1"/>
-                </a:solidFill>
-              </a14:hiddenFill>
-            </a:ext>
-            <a:ext uri="{91240B29-F687-4F45-9708-019B960494DF}">
-              <a14:hiddenLine xmlns:a14="http://schemas.microsoft.com/office/drawing/2010/main" w="9525">
-                <a:solidFill>
-                  <a:schemeClr val="tx1"/>
-                </a:solidFill>
-                <a:miter lim="800000"/>
-                <a:headEnd/>
-                <a:tailEnd/>
-              </a14:hiddenLine>
-            </a:ext>
-          </a:extLst>
-        </p:spPr>
-      </p:pic>
-      <p:sp>
-        <p:nvSpPr>
-          <p:cNvPr id="2" name="Titel 1"/>
-          <p:cNvSpPr>
-            <a:spLocks noGrp="1"/>
-          </p:cNvSpPr>
-          <p:nvPr>
-            <p:ph type="title"/>
-          </p:nvPr>
-        </p:nvSpPr>
-        <p:spPr/>
-        <p:txBody>
-          <a:bodyPr/>
-          <a:lstStyle/>
-          <a:p>
-            <a:r>
-              <a:rPr lang="nl-NL" dirty="0"/>
-              <a:t>GroundForge</a:t>
-            </a:r>
-          </a:p>
-        </p:txBody>
-      </p:sp>
-      <p:sp>
-        <p:nvSpPr>
-          <p:cNvPr id="6" name="Tijdelijke aanduiding voor dianummer 5"/>
-          <p:cNvSpPr>
-            <a:spLocks noGrp="1"/>
-          </p:cNvSpPr>
-          <p:nvPr>
-            <p:ph type="sldNum" sz="quarter" idx="12"/>
-          </p:nvPr>
-        </p:nvSpPr>
-        <p:spPr/>
-        <p:txBody>
-          <a:bodyPr/>
-          <a:lstStyle/>
-          <a:p>
-            <a:fld id="{A5775961-95EC-4D4B-9423-EAE103D81E9E}" type="slidenum">
-              <a:rPr lang="nl-NL" smtClean="0"/>
-              <a:t>6</a:t>
-            </a:fld>
-            <a:endParaRPr lang="nl-NL" dirty="0"/>
-          </a:p>
-        </p:txBody>
-      </p:sp>
-      <p:sp>
-        <p:nvSpPr>
-          <p:cNvPr id="3" name="Tijdelijke aanduiding voor inhoud 2"/>
-          <p:cNvSpPr>
-            <a:spLocks noGrp="1"/>
-          </p:cNvSpPr>
-          <p:nvPr>
-            <p:ph idx="1"/>
-          </p:nvPr>
-        </p:nvSpPr>
-        <p:spPr>
-          <a:xfrm>
-            <a:off x="457200" y="1600200"/>
-            <a:ext cx="8229600" cy="5141168"/>
-          </a:xfrm>
-        </p:spPr>
-        <p:txBody>
-          <a:bodyPr>
-            <a:normAutofit fontScale="92500" lnSpcReduction="10000"/>
-          </a:bodyPr>
-          <a:lstStyle/>
-          <a:p>
-            <a:pPr marL="0" indent="0">
-              <a:buNone/>
-            </a:pPr>
-            <a:r>
-              <a:rPr lang="nl-NL" dirty="0">
-                <a:hlinkClick r:id="rId4"/>
-              </a:rPr>
-              <a:t>https://d-bl.github.io/GroundForge/help/Site-map</a:t>
-            </a:r>
-            <a:endParaRPr lang="nl-NL" dirty="0"/>
-          </a:p>
-          <a:p>
-            <a:pPr marL="0" indent="0">
-              <a:buNone/>
-            </a:pPr>
-            <a:r>
-              <a:rPr lang="nl-NL" dirty="0">
-                <a:effectLst/>
-              </a:rPr>
-              <a:t>Site Map = visuele inhoudsopgave</a:t>
-            </a:r>
-          </a:p>
-          <a:p>
-            <a:pPr marL="514350" indent="-457200"/>
-            <a:r>
-              <a:rPr lang="nl-NL" dirty="0"/>
-              <a:t>Per pagina of groep pagina’s</a:t>
-            </a:r>
-          </a:p>
-          <a:p>
-            <a:pPr lvl="1">
-              <a:buFontTx/>
-              <a:buChar char="-"/>
-            </a:pPr>
-            <a:r>
-              <a:rPr lang="nl-NL" dirty="0"/>
-              <a:t>Belangrijkste kenmerken</a:t>
-            </a:r>
-            <a:br>
-              <a:rPr lang="nl-NL" dirty="0"/>
-            </a:br>
-            <a:r>
-              <a:rPr lang="nl-NL" dirty="0"/>
-              <a:t>op postzegel formaat</a:t>
-            </a:r>
-          </a:p>
-          <a:p>
-            <a:pPr lvl="1">
-              <a:buFontTx/>
-              <a:buChar char="-"/>
-            </a:pPr>
-            <a:r>
-              <a:rPr lang="nl-NL" dirty="0"/>
-              <a:t>Link naar (voorbeeld van)</a:t>
-            </a:r>
-            <a:br>
-              <a:rPr lang="nl-NL" dirty="0"/>
-            </a:br>
-            <a:r>
-              <a:rPr lang="nl-NL" dirty="0"/>
-              <a:t>de pagina</a:t>
-            </a:r>
-          </a:p>
-          <a:p>
-            <a:pPr marL="514350" indent="-457200"/>
-            <a:r>
-              <a:rPr lang="nl-NL" dirty="0"/>
-              <a:t>Pijlen geven links weer</a:t>
-            </a:r>
-            <a:br>
-              <a:rPr lang="nl-NL" dirty="0"/>
-            </a:br>
-            <a:r>
-              <a:rPr lang="nl-NL" dirty="0"/>
-              <a:t>tussen pagina’s</a:t>
-            </a:r>
-            <a:endParaRPr lang="nl-NL" dirty="0">
-              <a:effectLst/>
-            </a:endParaRPr>
-          </a:p>
-          <a:p>
-            <a:pPr marL="0" indent="0">
-              <a:buNone/>
-            </a:pPr>
-            <a:br>
-              <a:rPr lang="nl-NL" dirty="0"/>
-            </a:br>
-            <a:endParaRPr lang="nl-NL" dirty="0"/>
-          </a:p>
-        </p:txBody>
-      </p:sp>
-    </p:spTree>
-    <p:extLst>
-      <p:ext uri="{BB962C8B-B14F-4D97-AF65-F5344CB8AC3E}">
-        <p14:creationId xmlns:p14="http://schemas.microsoft.com/office/powerpoint/2010/main" val="425617995"/>
-      </p:ext>
-    </p:extLst>
-  </p:cSld>
-  <p:clrMapOvr>
-    <a:masterClrMapping/>
-  </p:clrMapOvr>
-</p:sld>
-</file>
-
-<file path=ppt/slides/slide7.xml><?xml version="1.0" encoding="utf-8"?>
-<p:sld xmlns:a="http://schemas.openxmlformats.org/drawingml/2006/main" xmlns:r="http://schemas.openxmlformats.org/officeDocument/2006/relationships" xmlns:p="http://schemas.openxmlformats.org/presentationml/2006/main">
-  <p:cSld>
-    <p:spTree>
-      <p:nvGrpSpPr>
-        <p:cNvPr id="1" name=""/>
-        <p:cNvGrpSpPr/>
-        <p:nvPr/>
-      </p:nvGrpSpPr>
-      <p:grpSpPr>
-        <a:xfrm>
-          <a:off x="0" y="0"/>
-          <a:ext cx="0" cy="0"/>
-          <a:chOff x="0" y="0"/>
-          <a:chExt cx="0" cy="0"/>
-        </a:xfrm>
-      </p:grpSpPr>
-      <p:sp>
-        <p:nvSpPr>
-          <p:cNvPr id="2" name="Titel 1"/>
-          <p:cNvSpPr>
-            <a:spLocks noGrp="1"/>
-          </p:cNvSpPr>
-          <p:nvPr>
-            <p:ph type="title"/>
-          </p:nvPr>
-        </p:nvSpPr>
-        <p:spPr/>
-        <p:txBody>
-          <a:bodyPr/>
-          <a:lstStyle/>
-          <a:p>
-            <a:r>
-              <a:rPr lang="nl-NL" dirty="0"/>
-              <a:t>GroundForge</a:t>
-            </a:r>
-          </a:p>
-        </p:txBody>
-      </p:sp>
-      <p:sp>
-        <p:nvSpPr>
-          <p:cNvPr id="3" name="Tijdelijke aanduiding voor inhoud 2"/>
-          <p:cNvSpPr>
-            <a:spLocks noGrp="1"/>
-          </p:cNvSpPr>
-          <p:nvPr>
-            <p:ph idx="1"/>
-          </p:nvPr>
-        </p:nvSpPr>
-        <p:spPr/>
-        <p:txBody>
-          <a:bodyPr/>
-          <a:lstStyle/>
-          <a:p>
-            <a:pPr marL="0" indent="0">
-              <a:buNone/>
-            </a:pPr>
-            <a:r>
-              <a:rPr lang="nl-NL" dirty="0"/>
-              <a:t>Fragmenten van de hoofdpagina (/index):</a:t>
-            </a:r>
-            <a:endParaRPr lang="nl-NL" dirty="0">
-              <a:effectLst/>
-            </a:endParaRPr>
-          </a:p>
-          <a:p>
-            <a:pPr marL="0" indent="0">
-              <a:buNone/>
-            </a:pPr>
-            <a:br>
-              <a:rPr lang="nl-NL" dirty="0"/>
-            </a:br>
-            <a:endParaRPr lang="nl-NL" dirty="0"/>
-          </a:p>
-        </p:txBody>
-      </p:sp>
-      <p:pic>
-        <p:nvPicPr>
-          <p:cNvPr id="1027" name="Picture 3"/>
-          <p:cNvPicPr>
-            <a:picLocks noChangeAspect="1" noChangeArrowheads="1"/>
-          </p:cNvPicPr>
-          <p:nvPr/>
-        </p:nvPicPr>
-        <p:blipFill>
-          <a:blip r:embed="rId3">
-            <a:extLst>
-              <a:ext uri="{28A0092B-C50C-407E-A947-70E740481C1C}">
-                <a14:useLocalDpi xmlns:a14="http://schemas.microsoft.com/office/drawing/2010/main" val="0"/>
-              </a:ext>
-            </a:extLst>
-          </a:blip>
-          <a:srcRect/>
-          <a:stretch>
-            <a:fillRect/>
-          </a:stretch>
-        </p:blipFill>
-        <p:spPr bwMode="auto">
-          <a:xfrm>
-            <a:off x="508248" y="2636912"/>
-            <a:ext cx="8232164" cy="2486397"/>
-          </a:xfrm>
-          <a:prstGeom prst="rect">
-            <a:avLst/>
-          </a:prstGeom>
-          <a:noFill/>
-          <a:ln>
-            <a:noFill/>
-          </a:ln>
-          <a:extLst>
-            <a:ext uri="{909E8E84-426E-40DD-AFC4-6F175D3DCCD1}">
-              <a14:hiddenFill xmlns:a14="http://schemas.microsoft.com/office/drawing/2010/main">
-                <a:solidFill>
-                  <a:schemeClr val="accent1"/>
-                </a:solidFill>
-              </a14:hiddenFill>
-            </a:ext>
-            <a:ext uri="{91240B29-F687-4F45-9708-019B960494DF}">
-              <a14:hiddenLine xmlns:a14="http://schemas.microsoft.com/office/drawing/2010/main" w="9525">
-                <a:solidFill>
-                  <a:schemeClr val="tx1"/>
-                </a:solidFill>
-                <a:miter lim="800000"/>
-                <a:headEnd/>
-                <a:tailEnd/>
-              </a14:hiddenLine>
-            </a:ext>
-          </a:extLst>
-        </p:spPr>
-      </p:pic>
-      <p:sp>
-        <p:nvSpPr>
-          <p:cNvPr id="6" name="Tijdelijke aanduiding voor dianummer 5"/>
-          <p:cNvSpPr>
-            <a:spLocks noGrp="1"/>
-          </p:cNvSpPr>
-          <p:nvPr>
-            <p:ph type="sldNum" sz="quarter" idx="12"/>
-          </p:nvPr>
-        </p:nvSpPr>
-        <p:spPr/>
-        <p:txBody>
-          <a:bodyPr/>
-          <a:lstStyle/>
-          <a:p>
-            <a:fld id="{A5775961-95EC-4D4B-9423-EAE103D81E9E}" type="slidenum">
-              <a:rPr lang="nl-NL" smtClean="0"/>
-              <a:t>7</a:t>
-            </a:fld>
-            <a:endParaRPr lang="nl-NL" dirty="0"/>
-          </a:p>
-        </p:txBody>
-      </p:sp>
-      <p:pic>
-        <p:nvPicPr>
-          <p:cNvPr id="4" name="Afbeelding 3">
-            <a:extLst>
-              <a:ext uri="{FF2B5EF4-FFF2-40B4-BE49-F238E27FC236}">
-                <a16:creationId xmlns:a16="http://schemas.microsoft.com/office/drawing/2014/main" id="{E99D7F54-728D-40ED-A2AC-16D42D749EF7}"/>
-              </a:ext>
-            </a:extLst>
-          </p:cNvPr>
-          <p:cNvPicPr>
-            <a:picLocks noChangeAspect="1"/>
-          </p:cNvPicPr>
-          <p:nvPr/>
-        </p:nvPicPr>
-        <p:blipFill>
-          <a:blip r:embed="rId4"/>
-          <a:stretch>
-            <a:fillRect/>
-          </a:stretch>
-        </p:blipFill>
-        <p:spPr>
-          <a:xfrm>
-            <a:off x="472480" y="5381227"/>
-            <a:ext cx="2659360" cy="877023"/>
-          </a:xfrm>
-          <a:prstGeom prst="rect">
-            <a:avLst/>
-          </a:prstGeom>
-        </p:spPr>
-      </p:pic>
-    </p:spTree>
-    <p:extLst>
-      <p:ext uri="{BB962C8B-B14F-4D97-AF65-F5344CB8AC3E}">
-        <p14:creationId xmlns:p14="http://schemas.microsoft.com/office/powerpoint/2010/main" val="3029865184"/>
-      </p:ext>
-    </p:extLst>
-  </p:cSld>
-  <p:clrMapOvr>
-    <a:masterClrMapping/>
-  </p:clrMapOvr>
-</p:sld>
-</file>
-
-<file path=ppt/slides/slide8.xml><?xml version="1.0" encoding="utf-8"?>
-<p:sld xmlns:a="http://schemas.openxmlformats.org/drawingml/2006/main" xmlns:r="http://schemas.openxmlformats.org/officeDocument/2006/relationships" xmlns:p="http://schemas.openxmlformats.org/presentationml/2006/main">
-  <p:cSld>
-    <p:spTree>
-      <p:nvGrpSpPr>
-        <p:cNvPr id="1" name=""/>
-        <p:cNvGrpSpPr/>
-        <p:nvPr/>
-      </p:nvGrpSpPr>
-      <p:grpSpPr>
-        <a:xfrm>
-          <a:off x="0" y="0"/>
-          <a:ext cx="0" cy="0"/>
-          <a:chOff x="0" y="0"/>
-          <a:chExt cx="0" cy="0"/>
-        </a:xfrm>
-      </p:grpSpPr>
-      <p:sp>
-        <p:nvSpPr>
-          <p:cNvPr id="2" name="Titel 1"/>
-          <p:cNvSpPr>
-            <a:spLocks noGrp="1"/>
-          </p:cNvSpPr>
-          <p:nvPr>
-            <p:ph type="title"/>
-          </p:nvPr>
-        </p:nvSpPr>
-        <p:spPr/>
-        <p:txBody>
-          <a:bodyPr/>
-          <a:lstStyle/>
-          <a:p>
-            <a:r>
-              <a:rPr lang="nl-NL" dirty="0"/>
-              <a:t>GroundForge</a:t>
-            </a:r>
-          </a:p>
-        </p:txBody>
-      </p:sp>
-      <p:sp>
-        <p:nvSpPr>
-          <p:cNvPr id="4" name="Tijdelijke aanduiding voor inhoud 3"/>
-          <p:cNvSpPr>
-            <a:spLocks noGrp="1"/>
-          </p:cNvSpPr>
-          <p:nvPr>
-            <p:ph idx="1"/>
-          </p:nvPr>
-        </p:nvSpPr>
-        <p:spPr/>
-        <p:txBody>
-          <a:bodyPr/>
-          <a:lstStyle/>
-          <a:p>
-            <a:pPr marL="0" indent="0">
-              <a:buNone/>
-            </a:pPr>
-            <a:r>
-              <a:rPr lang="nl-NL" dirty="0"/>
-              <a:t>Variëren op voorbeelden</a:t>
-            </a:r>
-          </a:p>
-        </p:txBody>
-      </p:sp>
-      <p:pic>
-        <p:nvPicPr>
-          <p:cNvPr id="5" name="Picture 2" descr="DiBL logo"/>
-          <p:cNvPicPr>
-            <a:picLocks noChangeAspect="1" noChangeArrowheads="1"/>
-          </p:cNvPicPr>
-          <p:nvPr/>
-        </p:nvPicPr>
-        <p:blipFill>
-          <a:blip r:embed="rId3">
-            <a:extLst>
-              <a:ext uri="{28A0092B-C50C-407E-A947-70E740481C1C}">
-                <a14:useLocalDpi xmlns:a14="http://schemas.microsoft.com/office/drawing/2010/main" val="0"/>
-              </a:ext>
-            </a:extLst>
-          </a:blip>
-          <a:srcRect/>
-          <a:stretch>
-            <a:fillRect/>
-          </a:stretch>
-        </p:blipFill>
-        <p:spPr bwMode="auto">
-          <a:xfrm>
-            <a:off x="263384" y="260648"/>
-            <a:ext cx="1247775" cy="1143001"/>
-          </a:xfrm>
-          <a:prstGeom prst="rect">
-            <a:avLst/>
-          </a:prstGeom>
-          <a:noFill/>
-          <a:extLst>
-            <a:ext uri="{909E8E84-426E-40DD-AFC4-6F175D3DCCD1}">
-              <a14:hiddenFill xmlns:a14="http://schemas.microsoft.com/office/drawing/2010/main">
-                <a:solidFill>
-                  <a:srgbClr val="FFFFFF"/>
-                </a:solidFill>
-              </a14:hiddenFill>
-            </a:ext>
-          </a:extLst>
-        </p:spPr>
-      </p:pic>
-      <p:pic>
-        <p:nvPicPr>
-          <p:cNvPr id="13315" name="Picture 3"/>
-          <p:cNvPicPr>
-            <a:picLocks noChangeAspect="1" noChangeArrowheads="1"/>
-          </p:cNvPicPr>
-          <p:nvPr/>
-        </p:nvPicPr>
-        <p:blipFill>
-          <a:blip r:embed="rId4">
-            <a:extLst>
-              <a:ext uri="{28A0092B-C50C-407E-A947-70E740481C1C}">
-                <a14:useLocalDpi xmlns:a14="http://schemas.microsoft.com/office/drawing/2010/main" val="0"/>
-              </a:ext>
-            </a:extLst>
-          </a:blip>
-          <a:srcRect/>
-          <a:stretch>
-            <a:fillRect/>
-          </a:stretch>
-        </p:blipFill>
-        <p:spPr bwMode="auto">
-          <a:xfrm>
-            <a:off x="823913" y="2279104"/>
-            <a:ext cx="7496175" cy="3886200"/>
-          </a:xfrm>
-          <a:prstGeom prst="rect">
-            <a:avLst/>
-          </a:prstGeom>
-          <a:noFill/>
-          <a:ln>
-            <a:noFill/>
-          </a:ln>
-          <a:extLst>
-            <a:ext uri="{909E8E84-426E-40DD-AFC4-6F175D3DCCD1}">
-              <a14:hiddenFill xmlns:a14="http://schemas.microsoft.com/office/drawing/2010/main">
-                <a:solidFill>
-                  <a:schemeClr val="accent1"/>
-                </a:solidFill>
-              </a14:hiddenFill>
-            </a:ext>
-            <a:ext uri="{91240B29-F687-4F45-9708-019B960494DF}">
-              <a14:hiddenLine xmlns:a14="http://schemas.microsoft.com/office/drawing/2010/main" w="9525">
-                <a:solidFill>
-                  <a:schemeClr val="tx1"/>
-                </a:solidFill>
-                <a:miter lim="800000"/>
-                <a:headEnd/>
-                <a:tailEnd/>
-              </a14:hiddenLine>
-            </a:ext>
-          </a:extLst>
-        </p:spPr>
-      </p:pic>
-      <p:grpSp>
-        <p:nvGrpSpPr>
-          <p:cNvPr id="7" name="Groep 6"/>
-          <p:cNvGrpSpPr/>
-          <p:nvPr/>
-        </p:nvGrpSpPr>
-        <p:grpSpPr>
-          <a:xfrm>
-            <a:off x="539552" y="3858915"/>
-            <a:ext cx="3124200" cy="2667000"/>
-            <a:chOff x="539552" y="3858915"/>
-            <a:chExt cx="3124200" cy="2667000"/>
-          </a:xfrm>
-        </p:grpSpPr>
-        <p:pic>
-          <p:nvPicPr>
-            <p:cNvPr id="13317" name="Picture 5"/>
-            <p:cNvPicPr>
-              <a:picLocks noChangeAspect="1" noChangeArrowheads="1"/>
-            </p:cNvPicPr>
-            <p:nvPr/>
-          </p:nvPicPr>
-          <p:blipFill>
-            <a:blip r:embed="rId5">
-              <a:extLst>
-                <a:ext uri="{28A0092B-C50C-407E-A947-70E740481C1C}">
-                  <a14:useLocalDpi xmlns:a14="http://schemas.microsoft.com/office/drawing/2010/main" val="0"/>
-                </a:ext>
-              </a:extLst>
-            </a:blip>
-            <a:srcRect/>
-            <a:stretch>
-              <a:fillRect/>
-            </a:stretch>
-          </p:blipFill>
-          <p:spPr bwMode="auto">
-            <a:xfrm>
-              <a:off x="539552" y="3858915"/>
-              <a:ext cx="3124200" cy="2667000"/>
-            </a:xfrm>
-            <a:prstGeom prst="rect">
-              <a:avLst/>
-            </a:prstGeom>
-            <a:noFill/>
-            <a:ln w="9525">
-              <a:solidFill>
-                <a:schemeClr val="tx1"/>
-              </a:solidFill>
-              <a:miter lim="800000"/>
-              <a:headEnd/>
-              <a:tailEnd/>
-            </a:ln>
-            <a:extLst>
-              <a:ext uri="{909E8E84-426E-40DD-AFC4-6F175D3DCCD1}">
-                <a14:hiddenFill xmlns:a14="http://schemas.microsoft.com/office/drawing/2010/main">
-                  <a:solidFill>
-                    <a:schemeClr val="accent1"/>
-                  </a:solidFill>
-                </a14:hiddenFill>
-              </a:ext>
-            </a:extLst>
-          </p:spPr>
-        </p:pic>
-        <p:pic>
-          <p:nvPicPr>
-            <p:cNvPr id="18434" name="Picture 2" descr="Arrow, cursor, mouse, pointer icon | Icon search engine"/>
-            <p:cNvPicPr>
-              <a:picLocks noChangeAspect="1" noChangeArrowheads="1"/>
-            </p:cNvPicPr>
-            <p:nvPr/>
-          </p:nvPicPr>
-          <p:blipFill>
-            <a:blip r:embed="rId6" cstate="print">
-              <a:extLst>
-                <a:ext uri="{28A0092B-C50C-407E-A947-70E740481C1C}">
-                  <a14:useLocalDpi xmlns:a14="http://schemas.microsoft.com/office/drawing/2010/main" val="0"/>
-                </a:ext>
-              </a:extLst>
-            </a:blip>
-            <a:srcRect/>
-            <a:stretch>
-              <a:fillRect/>
-            </a:stretch>
-          </p:blipFill>
-          <p:spPr bwMode="auto">
-            <a:xfrm>
-              <a:off x="1277522" y="4725144"/>
-              <a:ext cx="467271" cy="467271"/>
-            </a:xfrm>
-            <a:prstGeom prst="rect">
-              <a:avLst/>
-            </a:prstGeom>
-            <a:noFill/>
-            <a:extLst>
-              <a:ext uri="{909E8E84-426E-40DD-AFC4-6F175D3DCCD1}">
-                <a14:hiddenFill xmlns:a14="http://schemas.microsoft.com/office/drawing/2010/main">
-                  <a:solidFill>
-                    <a:srgbClr val="FFFFFF"/>
-                  </a:solidFill>
-                </a14:hiddenFill>
-              </a:ext>
-            </a:extLst>
-          </p:spPr>
-        </p:pic>
-      </p:grpSp>
-      <p:sp>
-        <p:nvSpPr>
-          <p:cNvPr id="3" name="Tijdelijke aanduiding voor dianummer 2"/>
-          <p:cNvSpPr>
-            <a:spLocks noGrp="1"/>
-          </p:cNvSpPr>
-          <p:nvPr>
-            <p:ph type="sldNum" sz="quarter" idx="12"/>
-          </p:nvPr>
-        </p:nvSpPr>
-        <p:spPr/>
-        <p:txBody>
-          <a:bodyPr/>
-          <a:lstStyle/>
-          <a:p>
-            <a:fld id="{A5775961-95EC-4D4B-9423-EAE103D81E9E}" type="slidenum">
-              <a:rPr lang="nl-NL" smtClean="0"/>
-              <a:t>8</a:t>
-            </a:fld>
-            <a:endParaRPr lang="nl-NL" dirty="0"/>
-          </a:p>
-        </p:txBody>
-      </p:sp>
-      <p:pic>
-        <p:nvPicPr>
-          <p:cNvPr id="3074" name="Picture 2"/>
-          <p:cNvPicPr>
-            <a:picLocks noChangeAspect="1" noChangeArrowheads="1"/>
-          </p:cNvPicPr>
-          <p:nvPr/>
-        </p:nvPicPr>
-        <p:blipFill>
-          <a:blip r:embed="rId7">
-            <a:extLst>
-              <a:ext uri="{28A0092B-C50C-407E-A947-70E740481C1C}">
-                <a14:useLocalDpi xmlns:a14="http://schemas.microsoft.com/office/drawing/2010/main" val="0"/>
-              </a:ext>
-            </a:extLst>
-          </a:blip>
-          <a:srcRect/>
-          <a:stretch>
-            <a:fillRect/>
-          </a:stretch>
-        </p:blipFill>
-        <p:spPr bwMode="auto">
-          <a:xfrm>
-            <a:off x="2627784" y="5733256"/>
-            <a:ext cx="7576345" cy="792659"/>
-          </a:xfrm>
-          <a:prstGeom prst="rect">
-            <a:avLst/>
-          </a:prstGeom>
-          <a:noFill/>
-          <a:ln w="9525">
-            <a:solidFill>
-              <a:schemeClr val="tx1"/>
-            </a:solidFill>
-            <a:miter lim="800000"/>
-            <a:headEnd/>
-            <a:tailEnd/>
-          </a:ln>
-          <a:extLst>
-            <a:ext uri="{909E8E84-426E-40DD-AFC4-6F175D3DCCD1}">
-              <a14:hiddenFill xmlns:a14="http://schemas.microsoft.com/office/drawing/2010/main">
-                <a:solidFill>
-                  <a:schemeClr val="accent1"/>
-                </a:solidFill>
-              </a14:hiddenFill>
-            </a:ext>
-          </a:extLst>
-        </p:spPr>
-      </p:pic>
-      <p:pic>
-        <p:nvPicPr>
-          <p:cNvPr id="2051" name="Picture 3"/>
-          <p:cNvPicPr>
-            <a:picLocks noChangeAspect="1" noChangeArrowheads="1"/>
-          </p:cNvPicPr>
-          <p:nvPr/>
-        </p:nvPicPr>
-        <p:blipFill>
-          <a:blip r:embed="rId8">
-            <a:extLst>
-              <a:ext uri="{28A0092B-C50C-407E-A947-70E740481C1C}">
-                <a14:useLocalDpi xmlns:a14="http://schemas.microsoft.com/office/drawing/2010/main" val="0"/>
-              </a:ext>
-            </a:extLst>
-          </a:blip>
-          <a:srcRect/>
-          <a:stretch>
-            <a:fillRect/>
-          </a:stretch>
-        </p:blipFill>
-        <p:spPr bwMode="auto">
-          <a:xfrm>
-            <a:off x="6991685" y="593852"/>
-            <a:ext cx="1822635" cy="2763140"/>
-          </a:xfrm>
-          <a:prstGeom prst="rect">
-            <a:avLst/>
-          </a:prstGeom>
-          <a:noFill/>
-          <a:ln>
-            <a:noFill/>
-          </a:ln>
-          <a:effectLst/>
-          <a:extLst>
-            <a:ext uri="{909E8E84-426E-40DD-AFC4-6F175D3DCCD1}">
-              <a14:hiddenFill xmlns:a14="http://schemas.microsoft.com/office/drawing/2010/main">
-                <a:solidFill>
-                  <a:schemeClr val="accent1"/>
-                </a:solidFill>
-              </a14:hiddenFill>
-            </a:ext>
-            <a:ext uri="{91240B29-F687-4F45-9708-019B960494DF}">
-              <a14:hiddenLine xmlns:a14="http://schemas.microsoft.com/office/drawing/2010/main" w="9525">
-                <a:solidFill>
-                  <a:schemeClr val="tx1"/>
-                </a:solidFill>
-                <a:miter lim="800000"/>
-                <a:headEnd/>
-                <a:tailEnd/>
-              </a14:hiddenLine>
-            </a:ext>
-            <a:ext uri="{AF507438-7753-43E0-B8FC-AC1667EBCBE1}">
-              <a14:hiddenEffects xmlns:a14="http://schemas.microsoft.com/office/drawing/2010/main">
-                <a:effectLst>
-                  <a:outerShdw dist="35921" dir="2700000" algn="ctr" rotWithShape="0">
-                    <a:schemeClr val="bg2"/>
-                  </a:outerShdw>
-                </a:effectLst>
-              </a14:hiddenEffects>
-            </a:ext>
-          </a:extLst>
-        </p:spPr>
-      </p:pic>
-    </p:spTree>
-    <p:extLst>
-      <p:ext uri="{BB962C8B-B14F-4D97-AF65-F5344CB8AC3E}">
-        <p14:creationId xmlns:p14="http://schemas.microsoft.com/office/powerpoint/2010/main" val="4262193688"/>
-      </p:ext>
-    </p:extLst>
-  </p:cSld>
-  <p:clrMapOvr>
-    <a:masterClrMapping/>
-  </p:clrMapOvr>
-  <p:timing>
-    <p:tnLst>
-      <p:par>
-        <p:cTn id="1" dur="indefinite" restart="never" nodeType="tmRoot">
-          <p:childTnLst>
-            <p:seq concurrent="1" nextAc="seek">
-              <p:cTn id="2" dur="indefinite" nodeType="mainSeq">
-                <p:childTnLst>
-                  <p:par>
-                    <p:cTn id="3" fill="hold">
-                      <p:stCondLst>
-                        <p:cond delay="indefinite"/>
-                      </p:stCondLst>
-                      <p:childTnLst>
-                        <p:par>
-                          <p:cTn id="4" fill="hold">
-                            <p:stCondLst>
-                              <p:cond delay="0"/>
-                            </p:stCondLst>
-                            <p:childTnLst>
-                              <p:par>
-                                <p:cTn id="5" presetID="2" presetClass="entr" presetSubtype="4" fill="hold" nodeType="clickEffect">
-                                  <p:stCondLst>
-                                    <p:cond delay="0"/>
-                                  </p:stCondLst>
-                                  <p:childTnLst>
-                                    <p:set>
-                                      <p:cBhvr>
-                                        <p:cTn id="6" dur="1" fill="hold">
-                                          <p:stCondLst>
-                                            <p:cond delay="0"/>
-                                          </p:stCondLst>
-                                        </p:cTn>
-                                        <p:tgtEl>
-                                          <p:spTgt spid="3074"/>
-                                        </p:tgtEl>
-                                        <p:attrNameLst>
-                                          <p:attrName>style.visibility</p:attrName>
-                                        </p:attrNameLst>
-                                      </p:cBhvr>
-                                      <p:to>
-                                        <p:strVal val="visible"/>
-                                      </p:to>
-                                    </p:set>
-                                    <p:anim calcmode="lin" valueType="num">
-                                      <p:cBhvr additive="base">
-                                        <p:cTn id="7" dur="500" fill="hold"/>
-                                        <p:tgtEl>
-                                          <p:spTgt spid="3074"/>
-                                        </p:tgtEl>
-                                        <p:attrNameLst>
-                                          <p:attrName>ppt_x</p:attrName>
-                                        </p:attrNameLst>
-                                      </p:cBhvr>
-                                      <p:tavLst>
-                                        <p:tav tm="0">
-                                          <p:val>
-                                            <p:strVal val="#ppt_x"/>
-                                          </p:val>
-                                        </p:tav>
-                                        <p:tav tm="100000">
-                                          <p:val>
-                                            <p:strVal val="#ppt_x"/>
-                                          </p:val>
-                                        </p:tav>
-                                      </p:tavLst>
-                                    </p:anim>
-                                    <p:anim calcmode="lin" valueType="num">
-                                      <p:cBhvr additive="base">
-                                        <p:cTn id="8" dur="500" fill="hold"/>
-                                        <p:tgtEl>
-                                          <p:spTgt spid="3074"/>
-                                        </p:tgtEl>
-                                        <p:attrNameLst>
-                                          <p:attrName>ppt_y</p:attrName>
-                                        </p:attrNameLst>
-                                      </p:cBhvr>
-                                      <p:tavLst>
-                                        <p:tav tm="0">
-                                          <p:val>
-                                            <p:strVal val="1+#ppt_h/2"/>
-                                          </p:val>
-                                        </p:tav>
-                                        <p:tav tm="100000">
-                                          <p:val>
-                                            <p:strVal val="#ppt_y"/>
-                                          </p:val>
-                                        </p:tav>
-                                      </p:tavLst>
-                                    </p:anim>
-                                  </p:childTnLst>
-                                </p:cTn>
-                              </p:par>
-                            </p:childTnLst>
-                          </p:cTn>
-                        </p:par>
-                      </p:childTnLst>
-                    </p:cTn>
-                  </p:par>
-                </p:childTnLst>
-              </p:cTn>
-              <p:prevCondLst>
-                <p:cond evt="onPrev" delay="0">
-                  <p:tgtEl>
-                    <p:sldTgt/>
-                  </p:tgtEl>
-                </p:cond>
-              </p:prevCondLst>
-              <p:nextCondLst>
-                <p:cond evt="onNext" delay="0">
-                  <p:tgtEl>
-                    <p:sldTgt/>
-                  </p:tgtEl>
-                </p:cond>
-              </p:nextCondLst>
-            </p:seq>
-          </p:childTnLst>
-        </p:cTn>
-      </p:par>
-    </p:tnLst>
-  </p:timing>
-</p:sld>
-</file>
-
-<file path=ppt/slides/slide9.xml><?xml version="1.0" encoding="utf-8"?>
-<p:sld xmlns:a="http://schemas.openxmlformats.org/drawingml/2006/main" xmlns:r="http://schemas.openxmlformats.org/officeDocument/2006/relationships" xmlns:p="http://schemas.openxmlformats.org/presentationml/2006/main">
-  <p:cSld>
-    <p:spTree>
-      <p:nvGrpSpPr>
-        <p:cNvPr id="1" name=""/>
-        <p:cNvGrpSpPr/>
-        <p:nvPr/>
-      </p:nvGrpSpPr>
-      <p:grpSpPr>
-        <a:xfrm>
-          <a:off x="0" y="0"/>
-          <a:ext cx="0" cy="0"/>
-          <a:chOff x="0" y="0"/>
-          <a:chExt cx="0" cy="0"/>
-        </a:xfrm>
-      </p:grpSpPr>
-      <p:sp>
-        <p:nvSpPr>
-          <p:cNvPr id="2" name="Titel 1"/>
-          <p:cNvSpPr>
-            <a:spLocks noGrp="1"/>
-          </p:cNvSpPr>
-          <p:nvPr>
-            <p:ph type="title"/>
-          </p:nvPr>
-        </p:nvSpPr>
-        <p:spPr/>
-        <p:txBody>
-          <a:bodyPr/>
-          <a:lstStyle/>
-          <a:p>
-            <a:r>
-              <a:rPr lang="nl-NL" dirty="0"/>
-              <a:t>GroundForge</a:t>
-            </a:r>
-          </a:p>
-        </p:txBody>
-      </p:sp>
-      <p:sp>
-        <p:nvSpPr>
-          <p:cNvPr id="4" name="Tijdelijke aanduiding voor inhoud 3"/>
-          <p:cNvSpPr>
-            <a:spLocks noGrp="1"/>
-          </p:cNvSpPr>
-          <p:nvPr>
-            <p:ph idx="1"/>
-          </p:nvPr>
-        </p:nvSpPr>
-        <p:spPr>
-          <a:xfrm>
-            <a:off x="457200" y="1600201"/>
-            <a:ext cx="8229600" cy="1108720"/>
-          </a:xfrm>
-        </p:spPr>
-        <p:txBody>
-          <a:bodyPr>
-            <a:normAutofit/>
-          </a:bodyPr>
-          <a:lstStyle/>
-          <a:p>
-            <a:pPr marL="0" indent="0">
-              <a:buNone/>
-            </a:pPr>
-            <a:r>
-              <a:rPr lang="nl-NL" dirty="0"/>
-              <a:t>Mix van slagen</a:t>
-            </a:r>
-          </a:p>
-          <a:p>
-            <a:pPr marL="0" indent="0">
-              <a:buNone/>
-            </a:pPr>
-            <a:endParaRPr lang="nl-NL" dirty="0"/>
-          </a:p>
-        </p:txBody>
-      </p:sp>
-      <p:pic>
-        <p:nvPicPr>
-          <p:cNvPr id="5" name="Picture 2" descr="DiBL logo"/>
-          <p:cNvPicPr>
-            <a:picLocks noChangeAspect="1" noChangeArrowheads="1"/>
-          </p:cNvPicPr>
-          <p:nvPr/>
-        </p:nvPicPr>
-        <p:blipFill>
-          <a:blip r:embed="rId3">
-            <a:extLst>
-              <a:ext uri="{28A0092B-C50C-407E-A947-70E740481C1C}">
-                <a14:useLocalDpi xmlns:a14="http://schemas.microsoft.com/office/drawing/2010/main" val="0"/>
-              </a:ext>
-            </a:extLst>
-          </a:blip>
-          <a:srcRect/>
-          <a:stretch>
-            <a:fillRect/>
-          </a:stretch>
-        </p:blipFill>
-        <p:spPr bwMode="auto">
-          <a:xfrm>
-            <a:off x="263384" y="260648"/>
-            <a:ext cx="1247775" cy="1143001"/>
-          </a:xfrm>
-          <a:prstGeom prst="rect">
-            <a:avLst/>
-          </a:prstGeom>
-          <a:noFill/>
-          <a:extLst>
-            <a:ext uri="{909E8E84-426E-40DD-AFC4-6F175D3DCCD1}">
-              <a14:hiddenFill xmlns:a14="http://schemas.microsoft.com/office/drawing/2010/main">
-                <a:solidFill>
-                  <a:srgbClr val="FFFFFF"/>
-                </a:solidFill>
-              </a14:hiddenFill>
-            </a:ext>
-          </a:extLst>
-        </p:spPr>
-      </p:pic>
-      <p:sp>
-        <p:nvSpPr>
-          <p:cNvPr id="3" name="Tijdelijke aanduiding voor dianummer 2"/>
-          <p:cNvSpPr>
-            <a:spLocks noGrp="1"/>
-          </p:cNvSpPr>
-          <p:nvPr>
-            <p:ph type="sldNum" sz="quarter" idx="12"/>
-          </p:nvPr>
-        </p:nvSpPr>
-        <p:spPr/>
-        <p:txBody>
-          <a:bodyPr/>
-          <a:lstStyle/>
-          <a:p>
-            <a:fld id="{A5775961-95EC-4D4B-9423-EAE103D81E9E}" type="slidenum">
-              <a:rPr lang="nl-NL" smtClean="0"/>
-              <a:t>9</a:t>
-            </a:fld>
-            <a:endParaRPr lang="nl-NL" dirty="0"/>
-          </a:p>
-        </p:txBody>
-      </p:sp>
-      <p:grpSp>
-        <p:nvGrpSpPr>
-          <p:cNvPr id="6" name="Groep 5"/>
-          <p:cNvGrpSpPr/>
-          <p:nvPr/>
-        </p:nvGrpSpPr>
-        <p:grpSpPr>
-          <a:xfrm>
-            <a:off x="539551" y="4848359"/>
-            <a:ext cx="3542938" cy="1785285"/>
-            <a:chOff x="446855" y="4797944"/>
-            <a:chExt cx="3542938" cy="1785285"/>
-          </a:xfrm>
-        </p:grpSpPr>
-        <p:sp>
-          <p:nvSpPr>
-            <p:cNvPr id="16" name="Tijdelijke aanduiding voor inhoud 3"/>
-            <p:cNvSpPr txBox="1">
-              <a:spLocks/>
-            </p:cNvSpPr>
-            <p:nvPr/>
-          </p:nvSpPr>
-          <p:spPr>
-            <a:xfrm>
-              <a:off x="446855" y="4797944"/>
-              <a:ext cx="3542938" cy="1785285"/>
-            </a:xfrm>
-            <a:prstGeom prst="rect">
-              <a:avLst/>
-            </a:prstGeom>
-            <a:solidFill>
-              <a:schemeClr val="bg1"/>
-            </a:solidFill>
-            <a:ln>
-              <a:solidFill>
-                <a:srgbClr val="385D8A"/>
-              </a:solidFill>
-            </a:ln>
-          </p:spPr>
-          <p:txBody>
-            <a:bodyPr vert="horz" lIns="91440" tIns="45720" rIns="91440" bIns="45720" rtlCol="0">
-              <a:normAutofit/>
-            </a:bodyPr>
-            <a:lstStyle>
-              <a:lvl1pPr marL="342900" indent="-342900" algn="l" defTabSz="914400" rtl="0" eaLnBrk="1" latinLnBrk="0" hangingPunct="1">
-                <a:spcBef>
-                  <a:spcPct val="20000"/>
-                </a:spcBef>
-                <a:buFont typeface="Arial" panose="020B0604020202020204" pitchFamily="34" charset="0"/>
-                <a:buChar char="•"/>
-                <a:defRPr sz="3200" kern="1200">
-                  <a:solidFill>
-                    <a:schemeClr val="tx1"/>
-                  </a:solidFill>
-                  <a:latin typeface="+mn-lt"/>
-                  <a:ea typeface="+mn-ea"/>
-                  <a:cs typeface="+mn-cs"/>
-                </a:defRPr>
-              </a:lvl1pPr>
-              <a:lvl2pPr marL="742950" indent="-285750" algn="l" defTabSz="914400" rtl="0" eaLnBrk="1" latinLnBrk="0" hangingPunct="1">
-                <a:spcBef>
-                  <a:spcPct val="20000"/>
-                </a:spcBef>
-                <a:buFont typeface="Arial" panose="020B0604020202020204" pitchFamily="34" charset="0"/>
-                <a:buChar char="–"/>
-                <a:defRPr sz="2800" kern="1200">
-                  <a:solidFill>
-                    <a:schemeClr val="tx1"/>
-                  </a:solidFill>
-                  <a:latin typeface="+mn-lt"/>
-                  <a:ea typeface="+mn-ea"/>
-                  <a:cs typeface="+mn-cs"/>
-                </a:defRPr>
-              </a:lvl2pPr>
-              <a:lvl3pPr marL="1143000" indent="-228600" algn="l" defTabSz="914400" rtl="0" eaLnBrk="1" latinLnBrk="0" hangingPunct="1">
-                <a:spcBef>
-                  <a:spcPct val="20000"/>
-                </a:spcBef>
-                <a:buFont typeface="Arial" panose="020B0604020202020204" pitchFamily="34" charset="0"/>
-                <a:buChar char="•"/>
-                <a:defRPr sz="2400" kern="1200">
-                  <a:solidFill>
-                    <a:schemeClr val="tx1"/>
-                  </a:solidFill>
-                  <a:latin typeface="+mn-lt"/>
-                  <a:ea typeface="+mn-ea"/>
-                  <a:cs typeface="+mn-cs"/>
-                </a:defRPr>
-              </a:lvl3pPr>
-              <a:lvl4pPr marL="1600200" indent="-228600" algn="l" defTabSz="914400" rtl="0" eaLnBrk="1" latinLnBrk="0" hangingPunct="1">
-                <a:spcBef>
-                  <a:spcPct val="20000"/>
-                </a:spcBef>
-                <a:buFont typeface="Arial" panose="020B0604020202020204" pitchFamily="34" charset="0"/>
-                <a:buChar char="–"/>
-                <a:defRPr sz="2000" kern="1200">
-                  <a:solidFill>
-                    <a:schemeClr val="tx1"/>
-                  </a:solidFill>
-                  <a:latin typeface="+mn-lt"/>
-                  <a:ea typeface="+mn-ea"/>
-                  <a:cs typeface="+mn-cs"/>
-                </a:defRPr>
-              </a:lvl4pPr>
-              <a:lvl5pPr marL="2057400" indent="-228600" algn="l" defTabSz="914400" rtl="0" eaLnBrk="1" latinLnBrk="0" hangingPunct="1">
-                <a:spcBef>
-                  <a:spcPct val="20000"/>
-                </a:spcBef>
-                <a:buFont typeface="Arial" panose="020B0604020202020204" pitchFamily="34" charset="0"/>
-                <a:buChar char="»"/>
-                <a:defRPr sz="2000" kern="1200">
-                  <a:solidFill>
-                    <a:schemeClr val="tx1"/>
-                  </a:solidFill>
-                  <a:latin typeface="+mn-lt"/>
-                  <a:ea typeface="+mn-ea"/>
-                  <a:cs typeface="+mn-cs"/>
-                </a:defRPr>
-              </a:lvl5pPr>
-              <a:lvl6pPr marL="2514600" indent="-228600" algn="l" defTabSz="914400" rtl="0" eaLnBrk="1" latinLnBrk="0" hangingPunct="1">
-                <a:spcBef>
-                  <a:spcPct val="20000"/>
-                </a:spcBef>
-                <a:buFont typeface="Arial" panose="020B0604020202020204" pitchFamily="34" charset="0"/>
-                <a:buChar char="•"/>
-                <a:defRPr sz="2000" kern="1200">
-                  <a:solidFill>
-                    <a:schemeClr val="tx1"/>
-                  </a:solidFill>
-                  <a:latin typeface="+mn-lt"/>
-                  <a:ea typeface="+mn-ea"/>
-                  <a:cs typeface="+mn-cs"/>
-                </a:defRPr>
-              </a:lvl6pPr>
-              <a:lvl7pPr marL="2971800" indent="-228600" algn="l" defTabSz="914400" rtl="0" eaLnBrk="1" latinLnBrk="0" hangingPunct="1">
-                <a:spcBef>
-                  <a:spcPct val="20000"/>
-                </a:spcBef>
-                <a:buFont typeface="Arial" panose="020B0604020202020204" pitchFamily="34" charset="0"/>
-                <a:buChar char="•"/>
-                <a:defRPr sz="2000" kern="1200">
-                  <a:solidFill>
-                    <a:schemeClr val="tx1"/>
-                  </a:solidFill>
-                  <a:latin typeface="+mn-lt"/>
-                  <a:ea typeface="+mn-ea"/>
-                  <a:cs typeface="+mn-cs"/>
-                </a:defRPr>
-              </a:lvl7pPr>
-              <a:lvl8pPr marL="3429000" indent="-228600" algn="l" defTabSz="914400" rtl="0" eaLnBrk="1" latinLnBrk="0" hangingPunct="1">
-                <a:spcBef>
-                  <a:spcPct val="20000"/>
-                </a:spcBef>
-                <a:buFont typeface="Arial" panose="020B0604020202020204" pitchFamily="34" charset="0"/>
-                <a:buChar char="•"/>
-                <a:defRPr sz="2000" kern="1200">
-                  <a:solidFill>
-                    <a:schemeClr val="tx1"/>
-                  </a:solidFill>
-                  <a:latin typeface="+mn-lt"/>
-                  <a:ea typeface="+mn-ea"/>
-                  <a:cs typeface="+mn-cs"/>
-                </a:defRPr>
-              </a:lvl8pPr>
-              <a:lvl9pPr marL="3886200" indent="-228600" algn="l" defTabSz="914400" rtl="0" eaLnBrk="1" latinLnBrk="0" hangingPunct="1">
-                <a:spcBef>
-                  <a:spcPct val="20000"/>
-                </a:spcBef>
-                <a:buFont typeface="Arial" panose="020B0604020202020204" pitchFamily="34" charset="0"/>
-                <a:buChar char="•"/>
-                <a:defRPr sz="2000" kern="1200">
-                  <a:solidFill>
-                    <a:schemeClr val="tx1"/>
-                  </a:solidFill>
-                  <a:latin typeface="+mn-lt"/>
-                  <a:ea typeface="+mn-ea"/>
-                  <a:cs typeface="+mn-cs"/>
-                </a:defRPr>
-              </a:lvl9pPr>
-            </a:lstStyle>
-            <a:p>
-              <a:pPr marL="0" indent="0">
-                <a:buFont typeface="Arial" panose="020B0604020202020204" pitchFamily="34" charset="0"/>
-                <a:buNone/>
-              </a:pPr>
-              <a:r>
-                <a:rPr lang="nl-NL" dirty="0"/>
-                <a:t>Spiekbriefje, o.a:</a:t>
-              </a:r>
-            </a:p>
-            <a:p>
-              <a:pPr marL="0" indent="0">
-                <a:buFont typeface="Arial" panose="020B0604020202020204" pitchFamily="34" charset="0"/>
-                <a:buNone/>
-              </a:pPr>
-              <a:endParaRPr lang="nl-NL" dirty="0"/>
-            </a:p>
-            <a:p>
-              <a:pPr marL="0" indent="0">
-                <a:buFont typeface="Arial" panose="020B0604020202020204" pitchFamily="34" charset="0"/>
-                <a:buNone/>
-              </a:pPr>
-              <a:endParaRPr lang="nl-NL" dirty="0"/>
-            </a:p>
-          </p:txBody>
-        </p:sp>
-        <p:pic>
-          <p:nvPicPr>
-            <p:cNvPr id="21" name="Picture 4" descr="C:\Users\Falkink\Documents\GitHub\GroundForge.wiki\stitches\ctctc.png"/>
-            <p:cNvPicPr>
-              <a:picLocks noChangeAspect="1" noChangeArrowheads="1"/>
-            </p:cNvPicPr>
-            <p:nvPr/>
-          </p:nvPicPr>
-          <p:blipFill>
-            <a:blip r:embed="rId4">
-              <a:extLst>
-                <a:ext uri="{28A0092B-C50C-407E-A947-70E740481C1C}">
-                  <a14:useLocalDpi xmlns:a14="http://schemas.microsoft.com/office/drawing/2010/main" val="0"/>
-                </a:ext>
-              </a:extLst>
-            </a:blip>
-            <a:srcRect/>
-            <a:stretch>
-              <a:fillRect/>
-            </a:stretch>
-          </p:blipFill>
-          <p:spPr bwMode="auto">
-            <a:xfrm>
-              <a:off x="611558" y="5464274"/>
-              <a:ext cx="706961" cy="824787"/>
-            </a:xfrm>
-            <a:prstGeom prst="rect">
-              <a:avLst/>
-            </a:prstGeom>
-            <a:noFill/>
-            <a:ln>
-              <a:solidFill>
-                <a:srgbClr val="385D8A"/>
-              </a:solidFill>
-            </a:ln>
-            <a:extLst>
-              <a:ext uri="{909E8E84-426E-40DD-AFC4-6F175D3DCCD1}">
-                <a14:hiddenFill xmlns:a14="http://schemas.microsoft.com/office/drawing/2010/main">
-                  <a:solidFill>
-                    <a:srgbClr val="FFFFFF"/>
-                  </a:solidFill>
-                </a14:hiddenFill>
-              </a:ext>
-            </a:extLst>
-          </p:spPr>
-        </p:pic>
-        <p:pic>
-          <p:nvPicPr>
-            <p:cNvPr id="22" name="Picture 5" descr="C:\Users\Falkink\Documents\GitHub\GroundForge.wiki\stitches\clcrclc.png"/>
-            <p:cNvPicPr>
-              <a:picLocks noChangeAspect="1" noChangeArrowheads="1"/>
-            </p:cNvPicPr>
-            <p:nvPr/>
-          </p:nvPicPr>
-          <p:blipFill>
-            <a:blip r:embed="rId5">
-              <a:extLst>
-                <a:ext uri="{28A0092B-C50C-407E-A947-70E740481C1C}">
-                  <a14:useLocalDpi xmlns:a14="http://schemas.microsoft.com/office/drawing/2010/main" val="0"/>
-                </a:ext>
-              </a:extLst>
-            </a:blip>
-            <a:srcRect/>
-            <a:stretch>
-              <a:fillRect/>
-            </a:stretch>
-          </p:blipFill>
-          <p:spPr bwMode="auto">
-            <a:xfrm>
-              <a:off x="2982770" y="5445223"/>
-              <a:ext cx="730526" cy="919050"/>
-            </a:xfrm>
-            <a:prstGeom prst="rect">
-              <a:avLst/>
-            </a:prstGeom>
-            <a:noFill/>
-            <a:ln>
-              <a:solidFill>
-                <a:srgbClr val="385D8A"/>
-              </a:solidFill>
-            </a:ln>
-            <a:extLst>
-              <a:ext uri="{909E8E84-426E-40DD-AFC4-6F175D3DCCD1}">
-                <a14:hiddenFill xmlns:a14="http://schemas.microsoft.com/office/drawing/2010/main">
-                  <a:solidFill>
-                    <a:srgbClr val="FFFFFF"/>
-                  </a:solidFill>
-                </a14:hiddenFill>
-              </a:ext>
-            </a:extLst>
-          </p:spPr>
-        </p:pic>
-        <p:pic>
-          <p:nvPicPr>
-            <p:cNvPr id="23" name="Picture 6" descr="C:\Users\Falkink\Documents\GitHub\GroundForge.wiki\stitches\crclct.png"/>
-            <p:cNvPicPr>
-              <a:picLocks noChangeAspect="1" noChangeArrowheads="1"/>
-            </p:cNvPicPr>
-            <p:nvPr/>
-          </p:nvPicPr>
-          <p:blipFill>
-            <a:blip r:embed="rId6">
-              <a:extLst>
-                <a:ext uri="{28A0092B-C50C-407E-A947-70E740481C1C}">
-                  <a14:useLocalDpi xmlns:a14="http://schemas.microsoft.com/office/drawing/2010/main" val="0"/>
-                </a:ext>
-              </a:extLst>
-            </a:blip>
-            <a:srcRect/>
-            <a:stretch>
-              <a:fillRect/>
-            </a:stretch>
-          </p:blipFill>
-          <p:spPr bwMode="auto">
-            <a:xfrm>
-              <a:off x="1686624" y="5449985"/>
-              <a:ext cx="848353" cy="895485"/>
-            </a:xfrm>
-            <a:prstGeom prst="rect">
-              <a:avLst/>
-            </a:prstGeom>
-            <a:noFill/>
-            <a:ln>
-              <a:solidFill>
-                <a:srgbClr val="385D8A"/>
-              </a:solidFill>
-            </a:ln>
-            <a:extLst>
-              <a:ext uri="{909E8E84-426E-40DD-AFC4-6F175D3DCCD1}">
-                <a14:hiddenFill xmlns:a14="http://schemas.microsoft.com/office/drawing/2010/main">
-                  <a:solidFill>
-                    <a:srgbClr val="FFFFFF"/>
-                  </a:solidFill>
-                </a14:hiddenFill>
-              </a:ext>
-            </a:extLst>
-          </p:spPr>
-        </p:pic>
-      </p:grpSp>
-      <p:sp>
-        <p:nvSpPr>
-          <p:cNvPr id="17" name="Tijdelijke aanduiding voor inhoud 3"/>
-          <p:cNvSpPr txBox="1">
-            <a:spLocks/>
-          </p:cNvSpPr>
-          <p:nvPr/>
-        </p:nvSpPr>
-        <p:spPr>
-          <a:xfrm>
-            <a:off x="4716016" y="4838969"/>
-            <a:ext cx="3987007" cy="1785284"/>
-          </a:xfrm>
-          <a:prstGeom prst="rect">
-            <a:avLst/>
-          </a:prstGeom>
-        </p:spPr>
-        <p:txBody>
-          <a:bodyPr vert="horz" lIns="91440" tIns="45720" rIns="91440" bIns="45720" rtlCol="0">
-            <a:normAutofit fontScale="85000" lnSpcReduction="20000"/>
-          </a:bodyPr>
-          <a:lstStyle>
-            <a:lvl1pPr marL="342900" indent="-342900" algn="l" defTabSz="914400" rtl="0" eaLnBrk="1" latinLnBrk="0" hangingPunct="1">
-              <a:spcBef>
-                <a:spcPct val="20000"/>
-              </a:spcBef>
-              <a:buFont typeface="Arial" panose="020B0604020202020204" pitchFamily="34" charset="0"/>
-              <a:buChar char="•"/>
-              <a:defRPr sz="3200" kern="1200">
-                <a:solidFill>
-                  <a:schemeClr val="tx1"/>
-                </a:solidFill>
-                <a:latin typeface="+mn-lt"/>
-                <a:ea typeface="+mn-ea"/>
-                <a:cs typeface="+mn-cs"/>
-              </a:defRPr>
-            </a:lvl1pPr>
-            <a:lvl2pPr marL="742950" indent="-285750" algn="l" defTabSz="914400" rtl="0" eaLnBrk="1" latinLnBrk="0" hangingPunct="1">
-              <a:spcBef>
-                <a:spcPct val="20000"/>
-              </a:spcBef>
-              <a:buFont typeface="Arial" panose="020B0604020202020204" pitchFamily="34" charset="0"/>
-              <a:buChar char="–"/>
-              <a:defRPr sz="2800" kern="1200">
-                <a:solidFill>
-                  <a:schemeClr val="tx1"/>
-                </a:solidFill>
-                <a:latin typeface="+mn-lt"/>
-                <a:ea typeface="+mn-ea"/>
-                <a:cs typeface="+mn-cs"/>
-              </a:defRPr>
-            </a:lvl2pPr>
-            <a:lvl3pPr marL="1143000" indent="-228600" algn="l" defTabSz="914400" rtl="0" eaLnBrk="1" latinLnBrk="0" hangingPunct="1">
-              <a:spcBef>
-                <a:spcPct val="20000"/>
-              </a:spcBef>
-              <a:buFont typeface="Arial" panose="020B0604020202020204" pitchFamily="34" charset="0"/>
-              <a:buChar char="•"/>
-              <a:defRPr sz="2400" kern="1200">
-                <a:solidFill>
-                  <a:schemeClr val="tx1"/>
-                </a:solidFill>
-                <a:latin typeface="+mn-lt"/>
-                <a:ea typeface="+mn-ea"/>
-                <a:cs typeface="+mn-cs"/>
-              </a:defRPr>
-            </a:lvl3pPr>
-            <a:lvl4pPr marL="1600200" indent="-228600" algn="l" defTabSz="914400" rtl="0" eaLnBrk="1" latinLnBrk="0" hangingPunct="1">
-              <a:spcBef>
-                <a:spcPct val="20000"/>
-              </a:spcBef>
-              <a:buFont typeface="Arial" panose="020B0604020202020204" pitchFamily="34" charset="0"/>
-              <a:buChar char="–"/>
-              <a:defRPr sz="2000" kern="1200">
-                <a:solidFill>
-                  <a:schemeClr val="tx1"/>
-                </a:solidFill>
-                <a:latin typeface="+mn-lt"/>
-                <a:ea typeface="+mn-ea"/>
-                <a:cs typeface="+mn-cs"/>
-              </a:defRPr>
-            </a:lvl4pPr>
-            <a:lvl5pPr marL="2057400" indent="-228600" algn="l" defTabSz="914400" rtl="0" eaLnBrk="1" latinLnBrk="0" hangingPunct="1">
-              <a:spcBef>
-                <a:spcPct val="20000"/>
-              </a:spcBef>
-              <a:buFont typeface="Arial" panose="020B0604020202020204" pitchFamily="34" charset="0"/>
-              <a:buChar char="»"/>
-              <a:defRPr sz="2000" kern="1200">
-                <a:solidFill>
-                  <a:schemeClr val="tx1"/>
-                </a:solidFill>
-                <a:latin typeface="+mn-lt"/>
-                <a:ea typeface="+mn-ea"/>
-                <a:cs typeface="+mn-cs"/>
-              </a:defRPr>
-            </a:lvl5pPr>
-            <a:lvl6pPr marL="2514600" indent="-228600" algn="l" defTabSz="914400" rtl="0" eaLnBrk="1" latinLnBrk="0" hangingPunct="1">
-              <a:spcBef>
-                <a:spcPct val="20000"/>
-              </a:spcBef>
-              <a:buFont typeface="Arial" panose="020B0604020202020204" pitchFamily="34" charset="0"/>
-              <a:buChar char="•"/>
-              <a:defRPr sz="2000" kern="1200">
-                <a:solidFill>
-                  <a:schemeClr val="tx1"/>
-                </a:solidFill>
-                <a:latin typeface="+mn-lt"/>
-                <a:ea typeface="+mn-ea"/>
-                <a:cs typeface="+mn-cs"/>
-              </a:defRPr>
-            </a:lvl6pPr>
-            <a:lvl7pPr marL="2971800" indent="-228600" algn="l" defTabSz="914400" rtl="0" eaLnBrk="1" latinLnBrk="0" hangingPunct="1">
-              <a:spcBef>
-                <a:spcPct val="20000"/>
-              </a:spcBef>
-              <a:buFont typeface="Arial" panose="020B0604020202020204" pitchFamily="34" charset="0"/>
-              <a:buChar char="•"/>
-              <a:defRPr sz="2000" kern="1200">
-                <a:solidFill>
-                  <a:schemeClr val="tx1"/>
-                </a:solidFill>
-                <a:latin typeface="+mn-lt"/>
-                <a:ea typeface="+mn-ea"/>
-                <a:cs typeface="+mn-cs"/>
-              </a:defRPr>
-            </a:lvl7pPr>
-            <a:lvl8pPr marL="3429000" indent="-228600" algn="l" defTabSz="914400" rtl="0" eaLnBrk="1" latinLnBrk="0" hangingPunct="1">
-              <a:spcBef>
-                <a:spcPct val="20000"/>
-              </a:spcBef>
-              <a:buFont typeface="Arial" panose="020B0604020202020204" pitchFamily="34" charset="0"/>
-              <a:buChar char="•"/>
-              <a:defRPr sz="2000" kern="1200">
-                <a:solidFill>
-                  <a:schemeClr val="tx1"/>
-                </a:solidFill>
-                <a:latin typeface="+mn-lt"/>
-                <a:ea typeface="+mn-ea"/>
-                <a:cs typeface="+mn-cs"/>
-              </a:defRPr>
-            </a:lvl8pPr>
-            <a:lvl9pPr marL="3886200" indent="-228600" algn="l" defTabSz="914400" rtl="0" eaLnBrk="1" latinLnBrk="0" hangingPunct="1">
-              <a:spcBef>
-                <a:spcPct val="20000"/>
-              </a:spcBef>
-              <a:buFont typeface="Arial" panose="020B0604020202020204" pitchFamily="34" charset="0"/>
-              <a:buChar char="•"/>
-              <a:defRPr sz="2000" kern="1200">
-                <a:solidFill>
-                  <a:schemeClr val="tx1"/>
-                </a:solidFill>
-                <a:latin typeface="+mn-lt"/>
-                <a:ea typeface="+mn-ea"/>
-                <a:cs typeface="+mn-cs"/>
-              </a:defRPr>
-            </a:lvl9pPr>
-          </a:lstStyle>
-          <a:p>
-            <a:pPr marL="0" indent="0">
-              <a:buFont typeface="Arial" panose="020B0604020202020204" pitchFamily="34" charset="0"/>
-              <a:buNone/>
-            </a:pPr>
-            <a:r>
-              <a:rPr lang="nl-NL" dirty="0"/>
-              <a:t>C = cross = kruisen</a:t>
-            </a:r>
-          </a:p>
-          <a:p>
-            <a:pPr marL="0" indent="0">
-              <a:buFont typeface="Arial" panose="020B0604020202020204" pitchFamily="34" charset="0"/>
-              <a:buNone/>
-            </a:pPr>
-            <a:r>
-              <a:rPr lang="nl-NL" dirty="0"/>
-              <a:t>T = twist = draaien</a:t>
-            </a:r>
-          </a:p>
-          <a:p>
-            <a:pPr marL="0" indent="0">
-              <a:buFont typeface="Arial" panose="020B0604020202020204" pitchFamily="34" charset="0"/>
-              <a:buNone/>
-            </a:pPr>
-            <a:r>
-              <a:rPr lang="nl-NL" dirty="0"/>
-              <a:t>L = links draaien</a:t>
-            </a:r>
-          </a:p>
-          <a:p>
-            <a:pPr marL="0" indent="0">
-              <a:buFont typeface="Arial" panose="020B0604020202020204" pitchFamily="34" charset="0"/>
-              <a:buNone/>
-            </a:pPr>
-            <a:r>
-              <a:rPr lang="nl-NL" dirty="0"/>
-              <a:t>R = rechts draaien</a:t>
-            </a:r>
-          </a:p>
-          <a:p>
-            <a:pPr marL="0" indent="0">
-              <a:buFont typeface="Arial" panose="020B0604020202020204" pitchFamily="34" charset="0"/>
-              <a:buNone/>
-            </a:pPr>
-            <a:endParaRPr lang="nl-NL" dirty="0"/>
-          </a:p>
-        </p:txBody>
-      </p:sp>
-      <p:pic>
-        <p:nvPicPr>
-          <p:cNvPr id="9" name="Picture 4"/>
-          <p:cNvPicPr>
-            <a:picLocks noChangeAspect="1" noChangeArrowheads="1"/>
-          </p:cNvPicPr>
-          <p:nvPr/>
-        </p:nvPicPr>
-        <p:blipFill>
-          <a:blip r:embed="rId7">
-            <a:extLst>
-              <a:ext uri="{28A0092B-C50C-407E-A947-70E740481C1C}">
-                <a14:useLocalDpi xmlns:a14="http://schemas.microsoft.com/office/drawing/2010/main" val="0"/>
-              </a:ext>
-            </a:extLst>
-          </a:blip>
-          <a:srcRect/>
-          <a:stretch>
-            <a:fillRect/>
-          </a:stretch>
-        </p:blipFill>
-        <p:spPr bwMode="auto">
-          <a:xfrm>
-            <a:off x="4716016" y="2229001"/>
-            <a:ext cx="4015740" cy="2461260"/>
-          </a:xfrm>
-          <a:prstGeom prst="rect">
-            <a:avLst/>
-          </a:prstGeom>
-          <a:noFill/>
-          <a:ln>
-            <a:noFill/>
-          </a:ln>
-          <a:extLst>
-            <a:ext uri="{909E8E84-426E-40DD-AFC4-6F175D3DCCD1}">
-              <a14:hiddenFill xmlns:a14="http://schemas.microsoft.com/office/drawing/2010/main">
-                <a:solidFill>
-                  <a:schemeClr val="accent1"/>
-                </a:solidFill>
-              </a14:hiddenFill>
-            </a:ext>
-            <a:ext uri="{91240B29-F687-4F45-9708-019B960494DF}">
-              <a14:hiddenLine xmlns:a14="http://schemas.microsoft.com/office/drawing/2010/main" w="9525">
-                <a:solidFill>
-                  <a:schemeClr val="tx1"/>
-                </a:solidFill>
-                <a:miter lim="800000"/>
-                <a:headEnd/>
-                <a:tailEnd/>
-              </a14:hiddenLine>
-            </a:ext>
-          </a:extLst>
-        </p:spPr>
-      </p:pic>
-      <p:pic>
-        <p:nvPicPr>
-          <p:cNvPr id="1029" name="Picture 5"/>
-          <p:cNvPicPr>
-            <a:picLocks noChangeAspect="1" noChangeArrowheads="1"/>
-          </p:cNvPicPr>
-          <p:nvPr/>
-        </p:nvPicPr>
-        <p:blipFill>
-          <a:blip r:embed="rId8">
-            <a:extLst>
-              <a:ext uri="{28A0092B-C50C-407E-A947-70E740481C1C}">
-                <a14:useLocalDpi xmlns:a14="http://schemas.microsoft.com/office/drawing/2010/main" val="0"/>
-              </a:ext>
-            </a:extLst>
-          </a:blip>
-          <a:srcRect/>
-          <a:stretch>
-            <a:fillRect/>
-          </a:stretch>
-        </p:blipFill>
-        <p:spPr bwMode="auto">
-          <a:xfrm>
-            <a:off x="539551" y="2228629"/>
-            <a:ext cx="4031933" cy="2428875"/>
-          </a:xfrm>
-          <a:prstGeom prst="rect">
-            <a:avLst/>
-          </a:prstGeom>
-          <a:noFill/>
-          <a:ln>
-            <a:noFill/>
-          </a:ln>
-          <a:extLst>
-            <a:ext uri="{909E8E84-426E-40DD-AFC4-6F175D3DCCD1}">
-              <a14:hiddenFill xmlns:a14="http://schemas.microsoft.com/office/drawing/2010/main">
-                <a:solidFill>
-                  <a:schemeClr val="accent1"/>
-                </a:solidFill>
-              </a14:hiddenFill>
-            </a:ext>
-            <a:ext uri="{91240B29-F687-4F45-9708-019B960494DF}">
-              <a14:hiddenLine xmlns:a14="http://schemas.microsoft.com/office/drawing/2010/main" w="9525">
-                <a:solidFill>
-                  <a:schemeClr val="tx1"/>
-                </a:solidFill>
-                <a:miter lim="800000"/>
-                <a:headEnd/>
-                <a:tailEnd/>
-              </a14:hiddenLine>
-            </a:ext>
-          </a:extLst>
-        </p:spPr>
-      </p:pic>
-    </p:spTree>
-    <p:extLst>
-      <p:ext uri="{BB962C8B-B14F-4D97-AF65-F5344CB8AC3E}">
-        <p14:creationId xmlns:p14="http://schemas.microsoft.com/office/powerpoint/2010/main" val="572977083"/>
       </p:ext>
     </p:extLst>
   </p:cSld>

--- a/docs/help/NL.pptx
+++ b/docs/help/NL.pptx
@@ -5,10 +5,10 @@
     <p:sldMasterId id="2147483864" r:id="rId1"/>
   </p:sldMasterIdLst>
   <p:notesMasterIdLst>
-    <p:notesMasterId r:id="rId20"/>
+    <p:notesMasterId r:id="rId19"/>
   </p:notesMasterIdLst>
   <p:handoutMasterIdLst>
-    <p:handoutMasterId r:id="rId21"/>
+    <p:handoutMasterId r:id="rId20"/>
   </p:handoutMasterIdLst>
   <p:sldIdLst>
     <p:sldId id="256" r:id="rId2"/>
@@ -21,14 +21,13 @@
     <p:sldId id="300" r:id="rId9"/>
     <p:sldId id="296" r:id="rId10"/>
     <p:sldId id="297" r:id="rId11"/>
-    <p:sldId id="259" r:id="rId12"/>
-    <p:sldId id="261" r:id="rId13"/>
-    <p:sldId id="281" r:id="rId14"/>
-    <p:sldId id="293" r:id="rId15"/>
-    <p:sldId id="280" r:id="rId16"/>
-    <p:sldId id="266" r:id="rId17"/>
-    <p:sldId id="268" r:id="rId18"/>
-    <p:sldId id="292" r:id="rId19"/>
+    <p:sldId id="261" r:id="rId12"/>
+    <p:sldId id="281" r:id="rId13"/>
+    <p:sldId id="293" r:id="rId14"/>
+    <p:sldId id="280" r:id="rId15"/>
+    <p:sldId id="266" r:id="rId16"/>
+    <p:sldId id="268" r:id="rId17"/>
+    <p:sldId id="292" r:id="rId18"/>
   </p:sldIdLst>
   <p:sldSz cx="9144000" cy="6858000" type="screen4x3"/>
   <p:notesSz cx="6858000" cy="9144000"/>
@@ -242,7 +241,7 @@
           <a:p>
             <a:fld id="{191DB269-8995-49D8-A4B0-9411C7010620}" type="datetimeFigureOut">
               <a:rPr lang="nl-NL" smtClean="0"/>
-              <a:t>6-5-2019</a:t>
+              <a:t>9-5-2019</a:t>
             </a:fld>
             <a:endParaRPr lang="nl-NL" dirty="0"/>
           </a:p>
@@ -407,7 +406,7 @@
           <a:p>
             <a:fld id="{A74490FB-0058-431C-B3E7-EBBA4B708E40}" type="datetimeFigureOut">
               <a:rPr lang="nl-NL" smtClean="0"/>
-              <a:t>6-5-2019</a:t>
+              <a:t>9-5-2019</a:t>
             </a:fld>
             <a:endParaRPr lang="nl-NL" dirty="0"/>
           </a:p>
@@ -1031,94 +1030,275 @@
           <a:bodyPr/>
           <a:lstStyle/>
           <a:p>
+            <a:pPr marL="0" marR="0" lvl="0" indent="0" algn="l" defTabSz="914400" rtl="0" eaLnBrk="1" fontAlgn="auto" latinLnBrk="0" hangingPunct="1">
+              <a:lnSpc>
+                <a:spcPct val="100000"/>
+              </a:lnSpc>
+              <a:spcBef>
+                <a:spcPts val="0"/>
+              </a:spcBef>
+              <a:spcAft>
+                <a:spcPts val="0"/>
+              </a:spcAft>
+              <a:buClrTx/>
+              <a:buSzTx/>
+              <a:buFontTx/>
+              <a:buNone/>
+              <a:tabLst/>
+              <a:defRPr/>
+            </a:pPr>
             <a:r>
               <a:rPr lang="nl-NL" dirty="0">
                 <a:effectLst/>
               </a:rPr>
-              <a:t>Verschillende (groepen) voorbeeld pagina’s. Links op deze pagina vullen het parameters-formulier in van de hoofdpagina.</a:t>
-            </a:r>
-          </a:p>
-          <a:p>
-            <a:endParaRPr lang="nl-NL" dirty="0">
-              <a:effectLst/>
-            </a:endParaRPr>
-          </a:p>
-          <a:p>
+              <a:t>Kantbrief/</a:t>
+            </a:r>
+            <a:r>
+              <a:rPr lang="nl-NL" dirty="0" err="1">
+                <a:effectLst/>
+              </a:rPr>
+              <a:t>pricking</a:t>
+            </a:r>
             <a:r>
               <a:rPr lang="nl-NL" dirty="0">
                 <a:effectLst/>
               </a:rPr>
-              <a:t>Elke groep heeft een eigen invalshoek.</a:t>
-            </a:r>
-          </a:p>
-          <a:p>
-            <a:endParaRPr lang="nl-NL" dirty="0">
+              <a:t>: wat je geplastificeerd</a:t>
+            </a:r>
+            <a:r>
+              <a:rPr lang="nl-NL" baseline="0" dirty="0">
+                <a:effectLst/>
+              </a:rPr>
+              <a:t> op je kussen prikt.</a:t>
+            </a:r>
+          </a:p>
+          <a:p>
+            <a:pPr marL="0" marR="0" indent="0" algn="l" defTabSz="914400" rtl="0" eaLnBrk="1" fontAlgn="auto" latinLnBrk="0" hangingPunct="1">
+              <a:lnSpc>
+                <a:spcPct val="100000"/>
+              </a:lnSpc>
+              <a:spcBef>
+                <a:spcPts val="0"/>
+              </a:spcBef>
+              <a:spcAft>
+                <a:spcPts val="0"/>
+              </a:spcAft>
+              <a:buClrTx/>
+              <a:buSzTx/>
+              <a:buFontTx/>
+              <a:buNone/>
+              <a:tabLst/>
+              <a:defRPr/>
+            </a:pPr>
+            <a:endParaRPr lang="nl-NL" baseline="0" dirty="0">
               <a:effectLst/>
             </a:endParaRPr>
           </a:p>
           <a:p>
-            <a:r>
-              <a:rPr lang="nl-NL" dirty="0"/>
-              <a:t>Droste heeft een paar voorbeelden waarvan al wel slagen zijn ingevuld.</a:t>
-            </a:r>
-          </a:p>
-          <a:p>
-            <a:endParaRPr lang="nl-NL" dirty="0">
+            <a:pPr marL="0" marR="0" indent="0" algn="l" defTabSz="914400" rtl="0" eaLnBrk="1" fontAlgn="auto" latinLnBrk="0" hangingPunct="1">
+              <a:lnSpc>
+                <a:spcPct val="100000"/>
+              </a:lnSpc>
+              <a:spcBef>
+                <a:spcPts val="0"/>
+              </a:spcBef>
+              <a:spcAft>
+                <a:spcPts val="0"/>
+              </a:spcAft>
+              <a:buClrTx/>
+              <a:buSzTx/>
+              <a:buFontTx/>
+              <a:buNone/>
+              <a:tabLst/>
+              <a:defRPr/>
+            </a:pPr>
+            <a:r>
+              <a:rPr lang="nl-NL" baseline="0" dirty="0">
+                <a:effectLst/>
+              </a:rPr>
+              <a:t>Je komt hier via “</a:t>
+            </a:r>
+            <a:r>
+              <a:rPr lang="nl-NL" baseline="0" dirty="0" err="1">
+                <a:effectLst/>
+              </a:rPr>
+              <a:t>vari</a:t>
+            </a:r>
+            <a:r>
+              <a:rPr lang="nl-NL" baseline="0" dirty="0">
+                <a:effectLst/>
+              </a:rPr>
+              <a:t>” links vanuit de </a:t>
+            </a:r>
+            <a:r>
+              <a:rPr lang="nl-NL" baseline="0" dirty="0" err="1">
+                <a:effectLst/>
+              </a:rPr>
+              <a:t>Tesselace</a:t>
+            </a:r>
+            <a:r>
+              <a:rPr lang="nl-NL" baseline="0" dirty="0">
+                <a:effectLst/>
+              </a:rPr>
+              <a:t> index, of een à twee letterige links vanuit de </a:t>
+            </a:r>
+            <a:r>
+              <a:rPr lang="nl-NL" baseline="0" dirty="0" err="1">
+                <a:effectLst/>
+              </a:rPr>
+              <a:t>Whiting</a:t>
+            </a:r>
+            <a:r>
+              <a:rPr lang="nl-NL" baseline="0" dirty="0">
+                <a:effectLst/>
+              </a:rPr>
+              <a:t> index.</a:t>
+            </a:r>
+          </a:p>
+          <a:p>
+            <a:pPr marL="0" marR="0" indent="0" algn="l" defTabSz="914400" rtl="0" eaLnBrk="1" fontAlgn="auto" latinLnBrk="0" hangingPunct="1">
+              <a:lnSpc>
+                <a:spcPct val="100000"/>
+              </a:lnSpc>
+              <a:spcBef>
+                <a:spcPts val="0"/>
+              </a:spcBef>
+              <a:spcAft>
+                <a:spcPts val="0"/>
+              </a:spcAft>
+              <a:buClrTx/>
+              <a:buSzTx/>
+              <a:buFontTx/>
+              <a:buNone/>
+              <a:tabLst/>
+              <a:defRPr/>
+            </a:pPr>
+            <a:endParaRPr lang="nl-NL" baseline="0" dirty="0">
               <a:effectLst/>
             </a:endParaRPr>
           </a:p>
           <a:p>
-            <a:r>
-              <a:rPr lang="en-US" sz="1200" b="0" i="1" u="none" strike="noStrike" kern="1200" baseline="0" dirty="0">
-                <a:solidFill>
-                  <a:schemeClr val="tx1"/>
-                </a:solidFill>
-                <a:latin typeface="+mn-lt"/>
-                <a:ea typeface="+mn-ea"/>
-                <a:cs typeface="+mn-cs"/>
+            <a:pPr marL="0" marR="0" indent="0" algn="l" defTabSz="914400" rtl="0" eaLnBrk="1" fontAlgn="auto" latinLnBrk="0" hangingPunct="1">
+              <a:lnSpc>
+                <a:spcPct val="100000"/>
+              </a:lnSpc>
+              <a:spcBef>
+                <a:spcPts val="0"/>
+              </a:spcBef>
+              <a:spcAft>
+                <a:spcPts val="0"/>
+              </a:spcAft>
+              <a:buClrTx/>
+              <a:buSzTx/>
+              <a:buFontTx/>
+              <a:buNone/>
+              <a:tabLst/>
+              <a:defRPr/>
+            </a:pPr>
+            <a:r>
+              <a:rPr lang="nl-NL" baseline="0" dirty="0">
+                <a:effectLst/>
               </a:rPr>
-              <a:t>A Lace Guide for Makers and Collectors, </a:t>
-            </a:r>
-            <a:r>
-              <a:rPr lang="en-US" sz="1200" b="0" i="0" u="none" strike="noStrike" kern="1200" baseline="0" dirty="0">
-                <a:solidFill>
-                  <a:schemeClr val="tx1"/>
-                </a:solidFill>
-                <a:latin typeface="+mn-lt"/>
-                <a:ea typeface="+mn-ea"/>
-                <a:cs typeface="+mn-cs"/>
+              <a:t>Variaties zijn beperkt door een vierkant raster.</a:t>
+            </a:r>
+          </a:p>
+          <a:p>
+            <a:pPr>
+              <a:defRPr/>
+            </a:pPr>
+            <a:r>
+              <a:rPr lang="nl-NL" baseline="0" dirty="0">
+                <a:effectLst/>
               </a:rPr>
-              <a:t>door Gertrude Whiting</a:t>
-            </a:r>
-          </a:p>
-          <a:p>
-            <a:r>
-              <a:rPr lang="nl-NL" sz="1200" b="0" i="0" u="none" strike="noStrike" kern="1200" baseline="0" dirty="0">
-                <a:solidFill>
-                  <a:schemeClr val="tx1"/>
-                </a:solidFill>
-                <a:latin typeface="+mn-lt"/>
-                <a:ea typeface="+mn-ea"/>
-                <a:cs typeface="+mn-cs"/>
+              <a:t>Zelf kun je meer vervormingen toepassen</a:t>
+            </a:r>
+            <a:r>
+              <a:rPr lang="nl-NL" dirty="0">
+                <a:effectLst/>
               </a:rPr>
-              <a:t>Kant gids voor makers en verzamelaars.</a:t>
-            </a:r>
-          </a:p>
-          <a:p>
-            <a:r>
-              <a:rPr lang="nl-NL" sz="1200" b="0" i="0" u="none" strike="noStrike" kern="1200" baseline="0" dirty="0">
-                <a:solidFill>
-                  <a:schemeClr val="tx1"/>
-                </a:solidFill>
-                <a:latin typeface="+mn-lt"/>
-                <a:ea typeface="+mn-ea"/>
-                <a:cs typeface="+mn-cs"/>
-              </a:rPr>
-              <a:t>In diverse online archieven beschikbaar, het copyright is verlopen.</a:t>
-            </a:r>
-            <a:endParaRPr lang="nl-NL" dirty="0">
+              <a:t> </a:t>
+            </a:r>
+            <a:r>
+              <a:rPr lang="nl-NL" dirty="0"/>
+              <a:t>voor de gewenste kantbrief.</a:t>
+            </a:r>
+            <a:endParaRPr lang="nl-NL" baseline="0" dirty="0">
               <a:effectLst/>
             </a:endParaRPr>
+          </a:p>
+          <a:p>
+            <a:pPr marL="0" marR="0" indent="0" algn="l" defTabSz="914400" rtl="0" eaLnBrk="1" fontAlgn="auto" latinLnBrk="0" hangingPunct="1">
+              <a:lnSpc>
+                <a:spcPct val="100000"/>
+              </a:lnSpc>
+              <a:spcBef>
+                <a:spcPts val="0"/>
+              </a:spcBef>
+              <a:spcAft>
+                <a:spcPts val="0"/>
+              </a:spcAft>
+              <a:buClrTx/>
+              <a:buSzTx/>
+              <a:buFontTx/>
+              <a:buNone/>
+              <a:tabLst/>
+              <a:defRPr/>
+            </a:pPr>
+            <a:endParaRPr lang="nl-NL" baseline="0" dirty="0">
+              <a:effectLst/>
+            </a:endParaRPr>
+          </a:p>
+          <a:p>
+            <a:pPr marL="0" marR="0" indent="0" algn="l" defTabSz="914400" rtl="0" eaLnBrk="1" fontAlgn="auto" latinLnBrk="0" hangingPunct="1">
+              <a:lnSpc>
+                <a:spcPct val="100000"/>
+              </a:lnSpc>
+              <a:spcBef>
+                <a:spcPts val="0"/>
+              </a:spcBef>
+              <a:spcAft>
+                <a:spcPts val="0"/>
+              </a:spcAft>
+              <a:buClrTx/>
+              <a:buSzTx/>
+              <a:buFontTx/>
+              <a:buNone/>
+              <a:tabLst/>
+              <a:defRPr/>
+            </a:pPr>
+            <a:r>
+              <a:rPr lang="nl-NL" b="1" dirty="0"/>
+              <a:t>Bruggetje</a:t>
+            </a:r>
+            <a:r>
+              <a:rPr lang="nl-NL" dirty="0"/>
+              <a:t>:</a:t>
+            </a:r>
+          </a:p>
+          <a:p>
+            <a:pPr marL="0" marR="0" indent="0" algn="l" defTabSz="914400" rtl="0" eaLnBrk="1" fontAlgn="auto" latinLnBrk="0" hangingPunct="1">
+              <a:lnSpc>
+                <a:spcPct val="100000"/>
+              </a:lnSpc>
+              <a:spcBef>
+                <a:spcPts val="0"/>
+              </a:spcBef>
+              <a:spcAft>
+                <a:spcPts val="0"/>
+              </a:spcAft>
+              <a:buClrTx/>
+              <a:buSzTx/>
+              <a:buFontTx/>
+              <a:buNone/>
+              <a:tabLst/>
+              <a:defRPr/>
+            </a:pPr>
+            <a:r>
+              <a:rPr lang="nl-NL" baseline="0" dirty="0">
+                <a:effectLst/>
+              </a:rPr>
+              <a:t>We zoomen verder in op het uitgelichte rapport van het rechter patroon</a:t>
+            </a:r>
           </a:p>
         </p:txBody>
       </p:sp>
@@ -1148,7 +1328,7 @@
     </p:spTree>
     <p:extLst>
       <p:ext uri="{BB962C8B-B14F-4D97-AF65-F5344CB8AC3E}">
-        <p14:creationId xmlns:p14="http://schemas.microsoft.com/office/powerpoint/2010/main" val="846069162"/>
+        <p14:creationId xmlns:p14="http://schemas.microsoft.com/office/powerpoint/2010/main" val="4263791989"/>
       </p:ext>
     </p:extLst>
   </p:cSld>
@@ -1202,46 +1382,103 @@
           <a:bodyPr/>
           <a:lstStyle/>
           <a:p>
-            <a:pPr marL="0" marR="0" lvl="0" indent="0" algn="l" defTabSz="914400" rtl="0" eaLnBrk="1" fontAlgn="auto" latinLnBrk="0" hangingPunct="1">
-              <a:lnSpc>
-                <a:spcPct val="100000"/>
-              </a:lnSpc>
-              <a:spcBef>
-                <a:spcPts val="0"/>
-              </a:spcBef>
-              <a:spcAft>
-                <a:spcPts val="0"/>
-              </a:spcAft>
-              <a:buClrTx/>
-              <a:buSzTx/>
-              <a:buFontTx/>
-              <a:buNone/>
-              <a:tabLst/>
-              <a:defRPr/>
-            </a:pPr>
             <a:r>
               <a:rPr lang="nl-NL" dirty="0">
                 <a:effectLst/>
               </a:rPr>
-              <a:t>Kantbrief/</a:t>
-            </a:r>
-            <a:r>
-              <a:rPr lang="nl-NL" dirty="0" err="1">
-                <a:effectLst/>
-              </a:rPr>
-              <a:t>pricking</a:t>
-            </a:r>
+              <a:t>Zie ook Engelse introductie in de help pagina’s</a:t>
+            </a:r>
+          </a:p>
+          <a:p>
+            <a:endParaRPr lang="nl-NL" dirty="0">
+              <a:effectLst/>
+            </a:endParaRPr>
+          </a:p>
+          <a:p>
             <a:r>
               <a:rPr lang="nl-NL" dirty="0">
                 <a:effectLst/>
               </a:rPr>
-              <a:t>: wat je geplastificeerd</a:t>
+              <a:t>Bovenste rij afbeeldingen wat je</a:t>
             </a:r>
             <a:r>
               <a:rPr lang="nl-NL" baseline="0" dirty="0">
                 <a:effectLst/>
               </a:rPr>
-              <a:t> op je kussen prikt.</a:t>
+              <a:t> van GroundForge krijgt.</a:t>
+            </a:r>
+          </a:p>
+          <a:p>
+            <a:r>
+              <a:rPr lang="nl-NL" baseline="0" dirty="0">
+                <a:effectLst/>
+              </a:rPr>
+              <a:t>Er telkens onder wat je misschien wilt hebben, of een tussenstap.</a:t>
+            </a:r>
+          </a:p>
+          <a:p>
+            <a:r>
+              <a:rPr lang="nl-NL" baseline="0" dirty="0">
+                <a:effectLst/>
+              </a:rPr>
+              <a:t>Linksonder als in: Kant uit Vlaanderen en ‘s Gravenmoer.</a:t>
+            </a:r>
+          </a:p>
+          <a:p>
+            <a:endParaRPr lang="nl-NL" baseline="0" dirty="0">
+              <a:effectLst/>
+            </a:endParaRPr>
+          </a:p>
+          <a:p>
+            <a:r>
+              <a:rPr lang="nl-NL" i="1" baseline="0" dirty="0">
+                <a:effectLst/>
+              </a:rPr>
+              <a:t>Afbeelding gemaakt op de (oude!) hoofdpagina met:</a:t>
+            </a:r>
+          </a:p>
+          <a:p>
+            <a:pPr lvl="1"/>
+            <a:r>
+              <a:rPr lang="nl-NL" i="0" dirty="0">
+                <a:effectLst/>
+                <a:latin typeface="Consolas" panose="020B0609020204030204" pitchFamily="49" charset="0"/>
+                <a:cs typeface="Consolas" panose="020B0609020204030204" pitchFamily="49" charset="0"/>
+              </a:rPr>
+              <a:t>-5--</a:t>
+            </a:r>
+          </a:p>
+          <a:p>
+            <a:pPr lvl="1"/>
+            <a:r>
+              <a:rPr lang="nl-NL" i="0" dirty="0">
+                <a:effectLst/>
+                <a:latin typeface="Consolas" panose="020B0609020204030204" pitchFamily="49" charset="0"/>
+                <a:cs typeface="Consolas" panose="020B0609020204030204" pitchFamily="49" charset="0"/>
+              </a:rPr>
+              <a:t>B-C-</a:t>
+            </a:r>
+          </a:p>
+          <a:p>
+            <a:pPr lvl="1"/>
+            <a:r>
+              <a:rPr lang="nl-NL" i="0" dirty="0">
+                <a:effectLst/>
+                <a:latin typeface="Consolas" panose="020B0609020204030204" pitchFamily="49" charset="0"/>
+                <a:cs typeface="Consolas" panose="020B0609020204030204" pitchFamily="49" charset="0"/>
+              </a:rPr>
+              <a:t>-5-5</a:t>
+            </a:r>
+          </a:p>
+          <a:p>
+            <a:pPr lvl="1"/>
+            <a:r>
+              <a:rPr lang="nl-NL" i="0" dirty="0">
+                <a:effectLst/>
+                <a:latin typeface="Consolas" panose="020B0609020204030204" pitchFamily="49" charset="0"/>
+                <a:cs typeface="Consolas" panose="020B0609020204030204" pitchFamily="49" charset="0"/>
+              </a:rPr>
+              <a:t>5-5-</a:t>
             </a:r>
           </a:p>
           <a:p>
@@ -1262,215 +1499,69 @@
               <a:tabLst/>
               <a:defRPr/>
             </a:pPr>
-            <a:endParaRPr lang="nl-NL" baseline="0" dirty="0">
+            <a:r>
+              <a:rPr lang="nl-NL" i="1" baseline="0" dirty="0">
+                <a:effectLst/>
+              </a:rPr>
+              <a:t>Brick (baksteen); Stitches (s</a:t>
+            </a:r>
+            <a:r>
+              <a:rPr lang="nl-NL" i="1" dirty="0">
+                <a:effectLst/>
+              </a:rPr>
+              <a:t>lagen): ct b1=ctptct d1=ctptct A2=ctpl C2=ctpr A4=ctl C4=ctr D1=ctptctt</a:t>
+            </a:r>
+          </a:p>
+          <a:p>
+            <a:endParaRPr lang="nl-NL" i="1" dirty="0">
               <a:effectLst/>
             </a:endParaRPr>
           </a:p>
           <a:p>
-            <a:pPr marL="0" marR="0" indent="0" algn="l" defTabSz="914400" rtl="0" eaLnBrk="1" fontAlgn="auto" latinLnBrk="0" hangingPunct="1">
-              <a:lnSpc>
-                <a:spcPct val="100000"/>
-              </a:lnSpc>
-              <a:spcBef>
-                <a:spcPts val="0"/>
-              </a:spcBef>
-              <a:spcAft>
-                <a:spcPts val="0"/>
-              </a:spcAft>
-              <a:buClrTx/>
-              <a:buSzTx/>
-              <a:buFontTx/>
-              <a:buNone/>
-              <a:tabLst/>
-              <a:defRPr/>
-            </a:pPr>
-            <a:r>
-              <a:rPr lang="nl-NL" baseline="0" dirty="0">
+            <a:r>
+              <a:rPr lang="nl-NL" i="1" dirty="0">
                 <a:effectLst/>
               </a:rPr>
-              <a:t>Je komt hier via “</a:t>
-            </a:r>
-            <a:r>
-              <a:rPr lang="nl-NL" baseline="0" dirty="0" err="1">
+              <a:t>Alle draden zwart, 7 en 10 rood</a:t>
+            </a:r>
+          </a:p>
+          <a:p>
+            <a:endParaRPr lang="nl-NL" i="1" baseline="0" dirty="0">
+              <a:effectLst/>
+            </a:endParaRPr>
+          </a:p>
+          <a:p>
+            <a:r>
+              <a:rPr lang="nl-NL" i="1" baseline="0" dirty="0">
                 <a:effectLst/>
               </a:rPr>
-              <a:t>vari</a:t>
-            </a:r>
-            <a:r>
-              <a:rPr lang="nl-NL" baseline="0" dirty="0">
+              <a:t>Probeer ook eens een dubbelle  netslag of omkeerslag in het midden</a:t>
+            </a:r>
+          </a:p>
+          <a:p>
+            <a:r>
+              <a:rPr lang="nl-NL" i="1" baseline="0" dirty="0">
                 <a:effectLst/>
               </a:rPr>
-              <a:t>” links vanuit de </a:t>
-            </a:r>
-            <a:r>
-              <a:rPr lang="nl-NL" baseline="0" dirty="0" err="1">
-                <a:effectLst/>
-              </a:rPr>
-              <a:t>Tesselace</a:t>
-            </a:r>
-            <a:r>
-              <a:rPr lang="nl-NL" baseline="0" dirty="0">
-                <a:effectLst/>
-              </a:rPr>
-              <a:t> index, of een à twee letterige links vanuit de </a:t>
-            </a:r>
-            <a:r>
-              <a:rPr lang="nl-NL" baseline="0" dirty="0" err="1">
-                <a:effectLst/>
-              </a:rPr>
-              <a:t>Whiting</a:t>
-            </a:r>
-            <a:r>
-              <a:rPr lang="nl-NL" baseline="0" dirty="0">
-                <a:effectLst/>
-              </a:rPr>
-              <a:t> index.</a:t>
-            </a:r>
-          </a:p>
-          <a:p>
-            <a:pPr marL="0" marR="0" indent="0" algn="l" defTabSz="914400" rtl="0" eaLnBrk="1" fontAlgn="auto" latinLnBrk="0" hangingPunct="1">
-              <a:lnSpc>
-                <a:spcPct val="100000"/>
-              </a:lnSpc>
-              <a:spcBef>
-                <a:spcPts val="0"/>
-              </a:spcBef>
-              <a:spcAft>
-                <a:spcPts val="0"/>
-              </a:spcAft>
-              <a:buClrTx/>
-              <a:buSzTx/>
-              <a:buFontTx/>
-              <a:buNone/>
-              <a:tabLst/>
-              <a:defRPr/>
-            </a:pPr>
-            <a:endParaRPr lang="nl-NL" baseline="0" dirty="0">
-              <a:effectLst/>
-            </a:endParaRPr>
-          </a:p>
-          <a:p>
-            <a:pPr marL="0" marR="0" indent="0" algn="l" defTabSz="914400" rtl="0" eaLnBrk="1" fontAlgn="auto" latinLnBrk="0" hangingPunct="1">
-              <a:lnSpc>
-                <a:spcPct val="100000"/>
-              </a:lnSpc>
-              <a:spcBef>
-                <a:spcPts val="0"/>
-              </a:spcBef>
-              <a:spcAft>
-                <a:spcPts val="0"/>
-              </a:spcAft>
-              <a:buClrTx/>
-              <a:buSzTx/>
-              <a:buFontTx/>
-              <a:buNone/>
-              <a:tabLst/>
-              <a:defRPr/>
-            </a:pPr>
-            <a:r>
-              <a:rPr lang="nl-NL" baseline="0" dirty="0">
-                <a:effectLst/>
-              </a:rPr>
-              <a:t>Variaties zijn beperkt door een vierkant raster.</a:t>
-            </a:r>
-          </a:p>
-          <a:p>
-            <a:pPr>
-              <a:defRPr/>
-            </a:pPr>
-            <a:r>
-              <a:rPr lang="nl-NL" baseline="0" dirty="0">
-                <a:effectLst/>
-              </a:rPr>
-              <a:t>Zelf kun je meer vervormingen toepassen</a:t>
-            </a:r>
-            <a:r>
-              <a:rPr lang="nl-NL" dirty="0">
+              <a:t>C=cross=kruisen, t=twist=draaien, p=pin=speld.</a:t>
+            </a:r>
+            <a:r>
+              <a:rPr lang="nl-NL" i="1" dirty="0">
                 <a:effectLst/>
               </a:rPr>
               <a:t> </a:t>
             </a:r>
             <a:r>
-              <a:rPr lang="nl-NL" dirty="0"/>
-              <a:t>voor de gewenste kantbrief.</a:t>
-            </a:r>
-            <a:endParaRPr lang="nl-NL" baseline="0" dirty="0">
+              <a:rPr lang="nl-NL" i="1" baseline="0" dirty="0">
+                <a:effectLst/>
+              </a:rPr>
+              <a:t>Meestal gaan spelden niet zo goed.</a:t>
+            </a:r>
+          </a:p>
+          <a:p>
+            <a:endParaRPr lang="nl-NL" i="1" dirty="0">
               <a:effectLst/>
             </a:endParaRPr>
-          </a:p>
-          <a:p>
-            <a:pPr marL="0" marR="0" indent="0" algn="l" defTabSz="914400" rtl="0" eaLnBrk="1" fontAlgn="auto" latinLnBrk="0" hangingPunct="1">
-              <a:lnSpc>
-                <a:spcPct val="100000"/>
-              </a:lnSpc>
-              <a:spcBef>
-                <a:spcPts val="0"/>
-              </a:spcBef>
-              <a:spcAft>
-                <a:spcPts val="0"/>
-              </a:spcAft>
-              <a:buClrTx/>
-              <a:buSzTx/>
-              <a:buFontTx/>
-              <a:buNone/>
-              <a:tabLst/>
-              <a:defRPr/>
-            </a:pPr>
-            <a:endParaRPr lang="nl-NL" baseline="0" dirty="0">
-              <a:effectLst/>
-            </a:endParaRPr>
-          </a:p>
-          <a:p>
-            <a:pPr marL="0" marR="0" indent="0" algn="l" defTabSz="914400" rtl="0" eaLnBrk="1" fontAlgn="auto" latinLnBrk="0" hangingPunct="1">
-              <a:lnSpc>
-                <a:spcPct val="100000"/>
-              </a:lnSpc>
-              <a:spcBef>
-                <a:spcPts val="0"/>
-              </a:spcBef>
-              <a:spcAft>
-                <a:spcPts val="0"/>
-              </a:spcAft>
-              <a:buClrTx/>
-              <a:buSzTx/>
-              <a:buFontTx/>
-              <a:buNone/>
-              <a:tabLst/>
-              <a:defRPr/>
-            </a:pPr>
-            <a:r>
-              <a:rPr lang="nl-NL" b="1" dirty="0"/>
-              <a:t>Bruggetje</a:t>
-            </a:r>
-            <a:r>
-              <a:rPr lang="nl-NL" dirty="0"/>
-              <a:t>:</a:t>
-            </a:r>
-          </a:p>
-          <a:p>
-            <a:pPr marL="0" marR="0" indent="0" algn="l" defTabSz="914400" rtl="0" eaLnBrk="1" fontAlgn="auto" latinLnBrk="0" hangingPunct="1">
-              <a:lnSpc>
-                <a:spcPct val="100000"/>
-              </a:lnSpc>
-              <a:spcBef>
-                <a:spcPts val="0"/>
-              </a:spcBef>
-              <a:spcAft>
-                <a:spcPts val="0"/>
-              </a:spcAft>
-              <a:buClrTx/>
-              <a:buSzTx/>
-              <a:buFontTx/>
-              <a:buNone/>
-              <a:tabLst/>
-              <a:defRPr/>
-            </a:pPr>
-            <a:r>
-              <a:rPr lang="nl-NL" baseline="0" dirty="0">
-                <a:effectLst/>
-              </a:rPr>
-              <a:t>We zoomen verder in op het uitgelichte rapport van het rechter patroon</a:t>
-            </a:r>
           </a:p>
         </p:txBody>
       </p:sp>
@@ -1558,42 +1649,237 @@
               <a:rPr lang="nl-NL" dirty="0">
                 <a:effectLst/>
               </a:rPr>
-              <a:t>Zie ook Engelse introductie in de help pagina’s</a:t>
-            </a:r>
-          </a:p>
-          <a:p>
-            <a:endParaRPr lang="nl-NL" dirty="0">
-              <a:effectLst/>
-            </a:endParaRPr>
-          </a:p>
-          <a:p>
+              <a:t>Concept</a:t>
+            </a:r>
+            <a:r>
+              <a:rPr lang="nl-NL" baseline="0" dirty="0">
+                <a:effectLst/>
+              </a:rPr>
+              <a:t> downloaden voor SVG editor:</a:t>
+            </a:r>
+          </a:p>
+          <a:p>
+            <a:r>
+              <a:rPr lang="nl-NL" dirty="0" err="1"/>
+              <a:t>CorelDraw</a:t>
+            </a:r>
+            <a:r>
+              <a:rPr lang="nl-NL" dirty="0"/>
+              <a:t> 💰 , Adobe Illustrator💰, </a:t>
+            </a:r>
+            <a:r>
+              <a:rPr lang="nl-NL" dirty="0" err="1"/>
+              <a:t>InkScape</a:t>
+            </a:r>
+            <a:r>
+              <a:rPr lang="nl-NL" dirty="0"/>
+              <a:t> (gratis)</a:t>
+            </a:r>
+          </a:p>
+          <a:p>
+            <a:r>
+              <a:rPr lang="nl-NL" dirty="0" err="1">
+                <a:effectLst/>
+              </a:rPr>
+              <a:t>Knipling</a:t>
+            </a:r>
             <a:r>
               <a:rPr lang="nl-NL" dirty="0">
                 <a:effectLst/>
               </a:rPr>
-              <a:t>Bovenste rij afbeeldingen wat je</a:t>
+              <a:t>/Lace</a:t>
+            </a:r>
+            <a:r>
+              <a:rPr lang="nl-NL" sz="1400" baseline="30000" dirty="0">
+                <a:effectLst/>
+              </a:rPr>
+              <a:t>8</a:t>
+            </a:r>
+            <a:r>
+              <a:rPr lang="nl-NL" sz="1400" dirty="0">
+                <a:effectLst/>
+              </a:rPr>
+              <a:t>/</a:t>
+            </a:r>
+            <a:r>
+              <a:rPr lang="nl-NL" dirty="0" err="1">
+                <a:effectLst/>
+              </a:rPr>
+              <a:t>Lace</a:t>
+            </a:r>
+            <a:r>
+              <a:rPr lang="nl-NL" sz="1200" baseline="30000" dirty="0" err="1">
+                <a:effectLst/>
+              </a:rPr>
+              <a:t>X</a:t>
+            </a:r>
+            <a:r>
+              <a:rPr lang="nl-NL" sz="1200" baseline="30000" dirty="0">
+                <a:effectLst/>
+              </a:rPr>
+              <a:t>-RP</a:t>
+            </a:r>
+            <a:r>
+              <a:rPr lang="nl-NL" dirty="0">
+                <a:effectLst/>
+              </a:rPr>
+              <a:t> begrijpen de download niet: 1 rapport natekenen</a:t>
+            </a:r>
+          </a:p>
+          <a:p>
+            <a:r>
+              <a:rPr lang="nl-NL" dirty="0">
+                <a:effectLst/>
+              </a:rPr>
+              <a:t>De </a:t>
+            </a:r>
+            <a:r>
+              <a:rPr lang="nl-NL" dirty="0" err="1">
+                <a:effectLst/>
+              </a:rPr>
+              <a:t>gekleurende</a:t>
+            </a:r>
+            <a:r>
+              <a:rPr lang="nl-NL" dirty="0">
+                <a:effectLst/>
+              </a:rPr>
+              <a:t> punten helpen</a:t>
             </a:r>
             <a:r>
               <a:rPr lang="nl-NL" baseline="0" dirty="0">
                 <a:effectLst/>
               </a:rPr>
-              <a:t> van GroundForge krijgt.</a:t>
-            </a:r>
+              <a:t> meerdere rapporten aan elkaar plakken</a:t>
+            </a:r>
+          </a:p>
+          <a:p>
+            <a:endParaRPr lang="nl-NL" dirty="0"/>
+          </a:p>
+          <a:p>
+            <a:r>
+              <a:rPr lang="nl-NL" dirty="0"/>
+              <a:t>Je kunt ook kruispunten verplaatsen.</a:t>
+            </a:r>
+          </a:p>
+          <a:p>
+            <a:r>
+              <a:rPr lang="nl-NL" dirty="0">
+                <a:effectLst/>
+              </a:rPr>
+              <a:t>Zelfde kleuren </a:t>
+            </a:r>
+            <a:r>
+              <a:rPr lang="nl-NL" dirty="0">
+                <a:effectLst/>
+                <a:sym typeface="Wingdings" panose="05000000000000000000" pitchFamily="2" charset="2"/>
+              </a:rPr>
+              <a:t> zelfde verplaatsing</a:t>
+            </a:r>
+            <a:r>
+              <a:rPr lang="nl-NL" dirty="0">
+                <a:effectLst/>
+              </a:rPr>
+              <a:t> </a:t>
+            </a:r>
+          </a:p>
+          <a:p>
+            <a:r>
+              <a:rPr lang="nl-NL" dirty="0">
+                <a:effectLst/>
+              </a:rPr>
+              <a:t>Het donkerblauwe bolletje rechtsboven zit ook midden-onder</a:t>
+            </a:r>
+          </a:p>
+          <a:p>
+            <a:r>
+              <a:rPr lang="nl-NL" dirty="0">
+                <a:effectLst/>
+              </a:rPr>
+              <a:t> en kan daardoor hooguit een half hokje verschuiven.</a:t>
+            </a:r>
+          </a:p>
+          <a:p>
+            <a:endParaRPr lang="nl-NL" baseline="0" dirty="0">
+              <a:effectLst/>
+            </a:endParaRPr>
           </a:p>
           <a:p>
             <a:r>
               <a:rPr lang="nl-NL" baseline="0" dirty="0">
                 <a:effectLst/>
               </a:rPr>
-              <a:t>Er telkens onder wat je misschien wilt hebben, of een tussenstap.</a:t>
-            </a:r>
-          </a:p>
-          <a:p>
+              <a:t>Met promotieonderzoek alle(?) combinaties tot 4x4 opgezocht</a:t>
+            </a:r>
+          </a:p>
+          <a:p>
+            <a:r>
+              <a:rPr lang="nl-NL" dirty="0">
+                <a:effectLst/>
+                <a:sym typeface="Wingdings" panose="05000000000000000000" pitchFamily="2" charset="2"/>
+              </a:rPr>
+              <a:t> enkele</a:t>
+            </a:r>
             <a:r>
               <a:rPr lang="nl-NL" baseline="0" dirty="0">
                 <a:effectLst/>
               </a:rPr>
-              <a:t>Linksonder als in: Kant uit Vlaanderen en ‘s Gravenmoer.</a:t>
+              <a:t> </a:t>
+            </a:r>
+            <a:r>
+              <a:rPr lang="nl-NL" dirty="0"/>
+              <a:t>honderden rondgetrokken tesselace</a:t>
+            </a:r>
+            <a:r>
+              <a:rPr lang="nl-NL" baseline="0" dirty="0"/>
+              <a:t> </a:t>
+            </a:r>
+            <a:r>
+              <a:rPr lang="nl-NL" dirty="0"/>
+              <a:t>diagrammen</a:t>
+            </a:r>
+          </a:p>
+          <a:p>
+            <a:r>
+              <a:rPr lang="nl-NL" dirty="0"/>
+              <a:t>5x4: zo veel dat je met een 1 sec per stuk minstens een dag bezig</a:t>
+            </a:r>
+            <a:r>
+              <a:rPr lang="nl-NL" baseline="0" dirty="0"/>
+              <a:t> bent,</a:t>
+            </a:r>
+          </a:p>
+          <a:p>
+            <a:r>
+              <a:rPr lang="nl-NL" baseline="0" dirty="0"/>
+              <a:t> veel daarvan is meer van bijna hetzelfde</a:t>
+            </a:r>
+            <a:endParaRPr lang="nl-NL" dirty="0"/>
+          </a:p>
+          <a:p>
+            <a:endParaRPr lang="nl-NL" dirty="0"/>
+          </a:p>
+          <a:p>
+            <a:r>
+              <a:rPr lang="nl-NL" dirty="0"/>
+              <a:t>Binche gronden passen niet in 4x4,</a:t>
+            </a:r>
+            <a:r>
+              <a:rPr lang="nl-NL" baseline="0" dirty="0"/>
+              <a:t> d</a:t>
+            </a:r>
+            <a:r>
+              <a:rPr lang="nl-NL" baseline="0" dirty="0">
+                <a:effectLst/>
+              </a:rPr>
+              <a:t>ie kun je wel zelf maken</a:t>
+            </a:r>
+          </a:p>
+          <a:p>
+            <a:r>
+              <a:rPr lang="nl-NL" baseline="0" dirty="0">
+                <a:effectLst/>
+              </a:rPr>
+              <a:t>Spiekbriefje in de handleiding (toegepast in MAE-gf en Whiting index)</a:t>
             </a:r>
           </a:p>
           <a:p>
@@ -1603,135 +1889,24 @@
           </a:p>
           <a:p>
             <a:r>
-              <a:rPr lang="nl-NL" i="1" baseline="0" dirty="0">
-                <a:effectLst/>
-              </a:rPr>
-              <a:t>Afbeelding gemaakt op de (oude!) hoofdpagina met:</a:t>
-            </a:r>
-          </a:p>
-          <a:p>
-            <a:pPr lvl="1"/>
-            <a:r>
-              <a:rPr lang="nl-NL" i="0" dirty="0">
-                <a:effectLst/>
-                <a:latin typeface="Consolas" panose="020B0609020204030204" pitchFamily="49" charset="0"/>
-                <a:cs typeface="Consolas" panose="020B0609020204030204" pitchFamily="49" charset="0"/>
-              </a:rPr>
-              <a:t>-5--</a:t>
-            </a:r>
-          </a:p>
-          <a:p>
-            <a:pPr lvl="1"/>
-            <a:r>
-              <a:rPr lang="nl-NL" i="0" dirty="0">
-                <a:effectLst/>
-                <a:latin typeface="Consolas" panose="020B0609020204030204" pitchFamily="49" charset="0"/>
-                <a:cs typeface="Consolas" panose="020B0609020204030204" pitchFamily="49" charset="0"/>
-              </a:rPr>
-              <a:t>B-C-</a:t>
-            </a:r>
-          </a:p>
-          <a:p>
-            <a:pPr lvl="1"/>
-            <a:r>
-              <a:rPr lang="nl-NL" i="0" dirty="0">
-                <a:effectLst/>
-                <a:latin typeface="Consolas" panose="020B0609020204030204" pitchFamily="49" charset="0"/>
-                <a:cs typeface="Consolas" panose="020B0609020204030204" pitchFamily="49" charset="0"/>
-              </a:rPr>
-              <a:t>-5-5</a:t>
-            </a:r>
-          </a:p>
-          <a:p>
-            <a:pPr lvl="1"/>
-            <a:r>
-              <a:rPr lang="nl-NL" i="0" dirty="0">
-                <a:effectLst/>
-                <a:latin typeface="Consolas" panose="020B0609020204030204" pitchFamily="49" charset="0"/>
-                <a:cs typeface="Consolas" panose="020B0609020204030204" pitchFamily="49" charset="0"/>
-              </a:rPr>
-              <a:t>5-5-</a:t>
-            </a:r>
-          </a:p>
-          <a:p>
-            <a:pPr marL="0" marR="0" indent="0" algn="l" defTabSz="914400" rtl="0" eaLnBrk="1" fontAlgn="auto" latinLnBrk="0" hangingPunct="1">
-              <a:lnSpc>
-                <a:spcPct val="100000"/>
-              </a:lnSpc>
-              <a:spcBef>
-                <a:spcPts val="0"/>
-              </a:spcBef>
-              <a:spcAft>
-                <a:spcPts val="0"/>
-              </a:spcAft>
-              <a:buClrTx/>
-              <a:buSzTx/>
-              <a:buFontTx/>
-              <a:buNone/>
-              <a:tabLst/>
-              <a:defRPr/>
-            </a:pPr>
-            <a:r>
-              <a:rPr lang="nl-NL" i="1" baseline="0" dirty="0">
-                <a:effectLst/>
-              </a:rPr>
-              <a:t>Brick (baksteen); Stitches (s</a:t>
-            </a:r>
-            <a:r>
-              <a:rPr lang="nl-NL" i="1" dirty="0">
-                <a:effectLst/>
-              </a:rPr>
-              <a:t>lagen): ct b1=ctptct d1=ctptct A2=ctpl C2=ctpr A4=ctl C4=ctr D1=ctptctt</a:t>
-            </a:r>
-          </a:p>
-          <a:p>
-            <a:endParaRPr lang="nl-NL" i="1" dirty="0">
-              <a:effectLst/>
-            </a:endParaRPr>
-          </a:p>
-          <a:p>
-            <a:r>
-              <a:rPr lang="nl-NL" i="1" dirty="0">
-                <a:effectLst/>
-              </a:rPr>
-              <a:t>Alle draden zwart, 7 en 10 rood</a:t>
-            </a:r>
-          </a:p>
-          <a:p>
-            <a:endParaRPr lang="nl-NL" i="1" baseline="0" dirty="0">
-              <a:effectLst/>
-            </a:endParaRPr>
-          </a:p>
-          <a:p>
-            <a:r>
-              <a:rPr lang="nl-NL" i="1" baseline="0" dirty="0">
-                <a:effectLst/>
-              </a:rPr>
-              <a:t>Probeer ook eens een dubbelle  netslag of omkeerslag in het midden</a:t>
-            </a:r>
-          </a:p>
-          <a:p>
-            <a:r>
-              <a:rPr lang="nl-NL" i="1" baseline="0" dirty="0">
-                <a:effectLst/>
-              </a:rPr>
-              <a:t>C=cross=kruisen, t=twist=draaien, p=pin=speld.</a:t>
-            </a:r>
-            <a:r>
-              <a:rPr lang="nl-NL" i="1" dirty="0">
-                <a:effectLst/>
-              </a:rPr>
-              <a:t> </a:t>
-            </a:r>
-            <a:r>
-              <a:rPr lang="nl-NL" i="1" baseline="0" dirty="0">
-                <a:effectLst/>
-              </a:rPr>
-              <a:t>Meestal gaan spelden niet zo goed.</a:t>
-            </a:r>
-          </a:p>
-          <a:p>
-            <a:endParaRPr lang="nl-NL" i="1" dirty="0">
+              <a:rPr lang="nl-NL" i="0" dirty="0"/>
+              <a:t>Horizontale of verticale verbinding zijn één of twee hokjes lang.</a:t>
+            </a:r>
+          </a:p>
+          <a:p>
+            <a:r>
+              <a:rPr lang="nl-NL" i="0" dirty="0"/>
+              <a:t>Diagonale verbindingen zijn altijd één hokje.</a:t>
+            </a:r>
+          </a:p>
+          <a:p>
+            <a:r>
+              <a:rPr lang="nl-NL" i="0" dirty="0"/>
+              <a:t>Boven (C) en (B) is eigenlijk ook nog een (-) nodig</a:t>
+            </a:r>
+          </a:p>
+          <a:p>
+            <a:endParaRPr lang="nl-NL" baseline="0" dirty="0">
               <a:effectLst/>
             </a:endParaRPr>
           </a:p>
@@ -1817,270 +1992,37 @@
           <a:bodyPr/>
           <a:lstStyle/>
           <a:p>
+            <a:endParaRPr lang="nl-NL" dirty="0">
+              <a:effectLst/>
+            </a:endParaRPr>
+          </a:p>
+          <a:p>
+            <a:r>
+              <a:rPr lang="nl-NL" b="1" dirty="0">
+                <a:effectLst/>
+              </a:rPr>
+              <a:t>bruggetje</a:t>
+            </a:r>
+          </a:p>
+          <a:p>
             <a:r>
               <a:rPr lang="nl-NL" dirty="0">
                 <a:effectLst/>
               </a:rPr>
-              <a:t>Concept</a:t>
-            </a:r>
-            <a:r>
-              <a:rPr lang="nl-NL" baseline="0" dirty="0">
+              <a:t>gebruik het dradenschema voor een 2</a:t>
+            </a:r>
+            <a:r>
+              <a:rPr lang="nl-NL" baseline="30000" dirty="0">
                 <a:effectLst/>
               </a:rPr>
-              <a:t> downloaden voor SVG editor:</a:t>
-            </a:r>
-          </a:p>
-          <a:p>
-            <a:r>
-              <a:rPr lang="nl-NL" dirty="0" err="1"/>
-              <a:t>CorelDraw</a:t>
-            </a:r>
-            <a:r>
-              <a:rPr lang="nl-NL" dirty="0"/>
-              <a:t> 💰 , Adobe Illustrator💰, </a:t>
-            </a:r>
-            <a:r>
-              <a:rPr lang="nl-NL" dirty="0" err="1"/>
-              <a:t>InkScape</a:t>
-            </a:r>
-            <a:r>
-              <a:rPr lang="nl-NL" dirty="0"/>
-              <a:t> (gratis)</a:t>
-            </a:r>
-          </a:p>
-          <a:p>
-            <a:r>
-              <a:rPr lang="nl-NL" dirty="0" err="1">
-                <a:effectLst/>
-              </a:rPr>
-              <a:t>Knipling</a:t>
+              <a:t>e</a:t>
             </a:r>
             <a:r>
               <a:rPr lang="nl-NL" dirty="0">
                 <a:effectLst/>
               </a:rPr>
-              <a:t>/Lace</a:t>
-            </a:r>
-            <a:r>
-              <a:rPr lang="nl-NL" sz="1400" baseline="30000" dirty="0">
-                <a:effectLst/>
-              </a:rPr>
-              <a:t>8</a:t>
-            </a:r>
-            <a:r>
-              <a:rPr lang="nl-NL" sz="1400" dirty="0">
-                <a:effectLst/>
-              </a:rPr>
-              <a:t>/</a:t>
-            </a:r>
-            <a:r>
-              <a:rPr lang="nl-NL" dirty="0" err="1">
-                <a:effectLst/>
-              </a:rPr>
-              <a:t>Lace</a:t>
-            </a:r>
-            <a:r>
-              <a:rPr lang="nl-NL" sz="1200" baseline="30000" dirty="0" err="1">
-                <a:effectLst/>
-              </a:rPr>
-              <a:t>X</a:t>
-            </a:r>
-            <a:r>
-              <a:rPr lang="nl-NL" sz="1200" baseline="30000" dirty="0">
-                <a:effectLst/>
-              </a:rPr>
-              <a:t>-RP</a:t>
-            </a:r>
-            <a:r>
-              <a:rPr lang="nl-NL" dirty="0">
-                <a:effectLst/>
-              </a:rPr>
-              <a:t> begrijpen de download niet: 1 rapport natekenen</a:t>
-            </a:r>
-          </a:p>
-          <a:p>
-            <a:r>
-              <a:rPr lang="nl-NL" dirty="0">
-                <a:effectLst/>
-              </a:rPr>
-              <a:t>De </a:t>
-            </a:r>
-            <a:r>
-              <a:rPr lang="nl-NL" dirty="0" err="1">
-                <a:effectLst/>
-              </a:rPr>
-              <a:t>gekleurende</a:t>
-            </a:r>
-            <a:r>
-              <a:rPr lang="nl-NL" dirty="0">
-                <a:effectLst/>
-              </a:rPr>
-              <a:t> punten helpen</a:t>
-            </a:r>
-            <a:r>
-              <a:rPr lang="nl-NL" baseline="0" dirty="0">
-                <a:effectLst/>
-              </a:rPr>
-              <a:t> meerdere rapporten aan elkaar plakken</a:t>
-            </a:r>
-          </a:p>
-          <a:p>
-            <a:endParaRPr lang="nl-NL" dirty="0"/>
-          </a:p>
-          <a:p>
-            <a:r>
-              <a:rPr lang="nl-NL" dirty="0"/>
-              <a:t>Je kunt ook kruispunten verplaatsen.</a:t>
-            </a:r>
-          </a:p>
-          <a:p>
-            <a:r>
-              <a:rPr lang="nl-NL" dirty="0">
-                <a:effectLst/>
-              </a:rPr>
-              <a:t>Zelfde kleuren </a:t>
-            </a:r>
-            <a:r>
-              <a:rPr lang="nl-NL" dirty="0">
-                <a:effectLst/>
-                <a:sym typeface="Wingdings" panose="05000000000000000000" pitchFamily="2" charset="2"/>
-              </a:rPr>
-              <a:t> zelfde verplaatsing</a:t>
-            </a:r>
-            <a:r>
-              <a:rPr lang="nl-NL" dirty="0">
-                <a:effectLst/>
-              </a:rPr>
-              <a:t> </a:t>
-            </a:r>
-          </a:p>
-          <a:p>
-            <a:r>
-              <a:rPr lang="nl-NL" dirty="0">
-                <a:effectLst/>
-              </a:rPr>
-              <a:t>Het donkerblauwe bolletje rechtsboven zit ook midden-onder</a:t>
-            </a:r>
-          </a:p>
-          <a:p>
-            <a:r>
-              <a:rPr lang="nl-NL" dirty="0">
-                <a:effectLst/>
-              </a:rPr>
-              <a:t> en kan daardoor hooguit een half hokje verschuiven.</a:t>
-            </a:r>
-          </a:p>
-          <a:p>
-            <a:endParaRPr lang="nl-NL" baseline="0" dirty="0">
-              <a:effectLst/>
-            </a:endParaRPr>
-          </a:p>
-          <a:p>
-            <a:r>
-              <a:rPr lang="nl-NL" baseline="0" dirty="0">
-                <a:effectLst/>
-              </a:rPr>
-              <a:t>Met promotieonderzoek alle(?) combinaties tot 4x4 opgezocht</a:t>
-            </a:r>
-          </a:p>
-          <a:p>
-            <a:r>
-              <a:rPr lang="nl-NL" dirty="0">
-                <a:effectLst/>
-                <a:sym typeface="Wingdings" panose="05000000000000000000" pitchFamily="2" charset="2"/>
-              </a:rPr>
-              <a:t> enkele</a:t>
-            </a:r>
-            <a:r>
-              <a:rPr lang="nl-NL" baseline="0" dirty="0">
-                <a:effectLst/>
-              </a:rPr>
-              <a:t> </a:t>
-            </a:r>
-            <a:r>
-              <a:rPr lang="nl-NL" dirty="0"/>
-              <a:t>honderden rondgetrokken tesselace</a:t>
-            </a:r>
-            <a:r>
-              <a:rPr lang="nl-NL" baseline="0" dirty="0"/>
-              <a:t> </a:t>
-            </a:r>
-            <a:r>
-              <a:rPr lang="nl-NL" dirty="0"/>
-              <a:t>diagrammen</a:t>
-            </a:r>
-          </a:p>
-          <a:p>
-            <a:r>
-              <a:rPr lang="nl-NL" dirty="0"/>
-              <a:t>5x4: zo veel dat je met een 1 sec per stuk minstens een dag bezig</a:t>
-            </a:r>
-            <a:r>
-              <a:rPr lang="nl-NL" baseline="0" dirty="0"/>
-              <a:t> bent,</a:t>
-            </a:r>
-          </a:p>
-          <a:p>
-            <a:r>
-              <a:rPr lang="nl-NL" baseline="0" dirty="0"/>
-              <a:t> veel daarvan is meer van bijna hetzelfde</a:t>
-            </a:r>
-            <a:endParaRPr lang="nl-NL" dirty="0"/>
-          </a:p>
-          <a:p>
-            <a:endParaRPr lang="nl-NL" dirty="0"/>
-          </a:p>
-          <a:p>
-            <a:r>
-              <a:rPr lang="nl-NL" dirty="0"/>
-              <a:t>Binche gronden passen niet in 4x4,</a:t>
-            </a:r>
-            <a:r>
-              <a:rPr lang="nl-NL" baseline="0" dirty="0"/>
-              <a:t> d</a:t>
-            </a:r>
-            <a:r>
-              <a:rPr lang="nl-NL" baseline="0" dirty="0">
-                <a:effectLst/>
-              </a:rPr>
-              <a:t>ie kun je wel zelf maken</a:t>
-            </a:r>
-          </a:p>
-          <a:p>
-            <a:r>
-              <a:rPr lang="nl-NL" baseline="0" dirty="0">
-                <a:effectLst/>
-              </a:rPr>
-              <a:t>Spiekbriefje in de handleiding (toegepast in MAE-gf en Whiting index)</a:t>
-            </a:r>
-          </a:p>
-          <a:p>
-            <a:endParaRPr lang="nl-NL" baseline="0" dirty="0">
-              <a:effectLst/>
-            </a:endParaRPr>
-          </a:p>
-          <a:p>
-            <a:r>
-              <a:rPr lang="nl-NL" i="0" dirty="0"/>
-              <a:t>Horizontale of verticale verbinding zijn één of twee hokjes lang.</a:t>
-            </a:r>
-          </a:p>
-          <a:p>
-            <a:r>
-              <a:rPr lang="nl-NL" i="0" dirty="0"/>
-              <a:t>Diagonale verbindingen zijn altijd één hokje.</a:t>
-            </a:r>
-          </a:p>
-          <a:p>
-            <a:r>
-              <a:rPr lang="nl-NL" i="0" dirty="0"/>
-              <a:t>Boven (C) en (B) is eigenlijk ook nog een (-) nodig</a:t>
-            </a:r>
-          </a:p>
-          <a:p>
-            <a:endParaRPr lang="nl-NL" baseline="0" dirty="0">
-              <a:effectLst/>
-            </a:endParaRPr>
+              <a:t> parenschema</a:t>
+            </a:r>
           </a:p>
         </p:txBody>
       </p:sp>
@@ -2110,7 +2052,7 @@
     </p:spTree>
     <p:extLst>
       <p:ext uri="{BB962C8B-B14F-4D97-AF65-F5344CB8AC3E}">
-        <p14:creationId xmlns:p14="http://schemas.microsoft.com/office/powerpoint/2010/main" val="4263791989"/>
+        <p14:creationId xmlns:p14="http://schemas.microsoft.com/office/powerpoint/2010/main" val="846069162"/>
       </p:ext>
     </p:extLst>
   </p:cSld>
@@ -2164,37 +2106,85 @@
           <a:bodyPr/>
           <a:lstStyle/>
           <a:p>
+            <a:r>
+              <a:rPr lang="nl-NL" dirty="0">
+                <a:effectLst/>
+              </a:rPr>
+              <a:t>Spelden kunnen</a:t>
+            </a:r>
+            <a:r>
+              <a:rPr lang="nl-NL" baseline="0" dirty="0">
+                <a:effectLst/>
+              </a:rPr>
+              <a:t> als in een Trollengrond</a:t>
+            </a:r>
+            <a:r>
+              <a:rPr lang="nl-NL" dirty="0">
+                <a:effectLst/>
+              </a:rPr>
+              <a:t> gestoken worden</a:t>
+            </a:r>
+          </a:p>
+          <a:p>
+            <a:r>
+              <a:rPr lang="nl-NL" dirty="0">
+                <a:effectLst/>
+              </a:rPr>
+              <a:t>of als in een Vlaanderse grond</a:t>
+            </a:r>
+          </a:p>
+          <a:p>
             <a:endParaRPr lang="nl-NL" dirty="0">
               <a:effectLst/>
             </a:endParaRPr>
           </a:p>
           <a:p>
             <a:r>
-              <a:rPr lang="nl-NL" b="1" dirty="0">
-                <a:effectLst/>
-              </a:rPr>
-              <a:t>bruggetje</a:t>
-            </a:r>
-          </a:p>
-          <a:p>
-            <a:r>
               <a:rPr lang="nl-NL" dirty="0">
                 <a:effectLst/>
               </a:rPr>
-              <a:t>gebruik het dradenschema voor een 2</a:t>
-            </a:r>
-            <a:r>
-              <a:rPr lang="nl-NL" baseline="30000" dirty="0">
+              <a:t>---------</a:t>
+            </a:r>
+          </a:p>
+          <a:p>
+            <a:endParaRPr lang="nl-NL" dirty="0">
+              <a:effectLst/>
+            </a:endParaRPr>
+          </a:p>
+          <a:p>
+            <a:r>
+              <a:rPr lang="nl-NL" dirty="0">
                 <a:effectLst/>
+                <a:hlinkClick r:id="rId3"/>
               </a:rPr>
-              <a:t>e</a:t>
+              <a:t>http://www.lokk.nl/techniek/trollengrond.php</a:t>
             </a:r>
             <a:r>
               <a:rPr lang="nl-NL" dirty="0">
                 <a:effectLst/>
               </a:rPr>
-              <a:t> parenschema</a:t>
-            </a:r>
+              <a:t> </a:t>
+            </a:r>
+          </a:p>
+          <a:p>
+            <a:r>
+              <a:rPr lang="nl-NL" dirty="0">
+                <a:effectLst/>
+                <a:hlinkClick r:id="rId4"/>
+              </a:rPr>
+              <a:t>http://www.lokk.nl/techniek/vlaandersetralie.php</a:t>
+            </a:r>
+            <a:r>
+              <a:rPr lang="nl-NL" dirty="0">
+                <a:effectLst/>
+              </a:rPr>
+              <a:t> </a:t>
+            </a:r>
+          </a:p>
+          <a:p>
+            <a:endParaRPr lang="nl-NL" baseline="0" dirty="0">
+              <a:effectLst/>
+            </a:endParaRPr>
           </a:p>
         </p:txBody>
       </p:sp>
@@ -2278,85 +2268,58 @@
           <a:bodyPr/>
           <a:lstStyle/>
           <a:p>
-            <a:r>
-              <a:rPr lang="nl-NL" dirty="0">
-                <a:effectLst/>
-              </a:rPr>
-              <a:t>Spelden kunnen</a:t>
-            </a:r>
-            <a:r>
-              <a:rPr lang="nl-NL" baseline="0" dirty="0">
-                <a:effectLst/>
-              </a:rPr>
-              <a:t> als in een Trollengrond</a:t>
-            </a:r>
-            <a:r>
-              <a:rPr lang="nl-NL" dirty="0">
-                <a:effectLst/>
-              </a:rPr>
-              <a:t> gestoken worden</a:t>
-            </a:r>
-          </a:p>
-          <a:p>
-            <a:r>
-              <a:rPr lang="nl-NL" dirty="0">
-                <a:effectLst/>
-              </a:rPr>
-              <a:t>of als in een Vlaanderse grond</a:t>
-            </a:r>
-          </a:p>
-          <a:p>
-            <a:endParaRPr lang="nl-NL" dirty="0">
-              <a:effectLst/>
-            </a:endParaRPr>
-          </a:p>
-          <a:p>
-            <a:r>
-              <a:rPr lang="nl-NL" dirty="0">
-                <a:effectLst/>
-              </a:rPr>
-              <a:t>---------</a:t>
-            </a:r>
-          </a:p>
-          <a:p>
-            <a:endParaRPr lang="nl-NL" dirty="0">
-              <a:effectLst/>
-            </a:endParaRPr>
-          </a:p>
-          <a:p>
-            <a:r>
-              <a:rPr lang="nl-NL" dirty="0">
-                <a:effectLst/>
-                <a:hlinkClick r:id="rId3"/>
-              </a:rPr>
-              <a:t>http://www.lokk.nl/techniek/trollengrond.php</a:t>
-            </a:r>
-            <a:r>
-              <a:rPr lang="nl-NL" dirty="0">
-                <a:effectLst/>
-              </a:rPr>
-              <a:t> </a:t>
-            </a:r>
-          </a:p>
-          <a:p>
-            <a:r>
-              <a:rPr lang="nl-NL" dirty="0">
-                <a:effectLst/>
-                <a:hlinkClick r:id="rId4"/>
-              </a:rPr>
-              <a:t>http://www.lokk.nl/techniek/vlaandersetralie.php</a:t>
-            </a:r>
-            <a:r>
-              <a:rPr lang="nl-NL" dirty="0">
-                <a:effectLst/>
-              </a:rPr>
-              <a:t> </a:t>
-            </a:r>
-          </a:p>
-          <a:p>
-            <a:endParaRPr lang="nl-NL" baseline="0" dirty="0">
-              <a:effectLst/>
-            </a:endParaRPr>
+            <a:pPr marL="0" marR="0" indent="0" algn="l" defTabSz="914400" rtl="0" eaLnBrk="1" fontAlgn="auto" latinLnBrk="0" hangingPunct="1">
+              <a:lnSpc>
+                <a:spcPct val="100000"/>
+              </a:lnSpc>
+              <a:spcBef>
+                <a:spcPts val="0"/>
+              </a:spcBef>
+              <a:spcAft>
+                <a:spcPts val="0"/>
+              </a:spcAft>
+              <a:buClrTx/>
+              <a:buSzTx/>
+              <a:buFontTx/>
+              <a:buNone/>
+              <a:tabLst/>
+              <a:defRPr/>
+            </a:pPr>
+            <a:r>
+              <a:rPr lang="nl-NL" baseline="0" dirty="0"/>
+              <a:t>De software maakt de gaten zo rond mogelijk. </a:t>
+            </a:r>
+          </a:p>
+          <a:p>
+            <a:endParaRPr lang="nl-NL" dirty="0"/>
+          </a:p>
+          <a:p>
+            <a:r>
+              <a:rPr lang="nl-NL" dirty="0"/>
+              <a:t>Met spelden</a:t>
+            </a:r>
+          </a:p>
+          <a:p>
+            <a:r>
+              <a:rPr lang="nl-NL" dirty="0"/>
+              <a:t> kun je vierkantjes maken</a:t>
+            </a:r>
+          </a:p>
+          <a:p>
+            <a:r>
+              <a:rPr lang="nl-NL" dirty="0"/>
+              <a:t> of een mix van vierkantjes en rondjes</a:t>
+            </a:r>
+          </a:p>
+          <a:p>
+            <a:r>
+              <a:rPr lang="nl-NL" baseline="0" dirty="0"/>
+              <a:t> (niet met GroundForge)</a:t>
+            </a:r>
+            <a:endParaRPr lang="nl-NL" dirty="0"/>
+          </a:p>
+          <a:p>
+            <a:endParaRPr lang="nl-NL" dirty="0"/>
           </a:p>
         </p:txBody>
       </p:sp>
@@ -2440,141 +2403,6 @@
           <a:bodyPr/>
           <a:lstStyle/>
           <a:p>
-            <a:pPr marL="0" marR="0" indent="0" algn="l" defTabSz="914400" rtl="0" eaLnBrk="1" fontAlgn="auto" latinLnBrk="0" hangingPunct="1">
-              <a:lnSpc>
-                <a:spcPct val="100000"/>
-              </a:lnSpc>
-              <a:spcBef>
-                <a:spcPts val="0"/>
-              </a:spcBef>
-              <a:spcAft>
-                <a:spcPts val="0"/>
-              </a:spcAft>
-              <a:buClrTx/>
-              <a:buSzTx/>
-              <a:buFontTx/>
-              <a:buNone/>
-              <a:tabLst/>
-              <a:defRPr/>
-            </a:pPr>
-            <a:r>
-              <a:rPr lang="nl-NL" baseline="0" dirty="0"/>
-              <a:t>De software maakt de gaten zo rond mogelijk. </a:t>
-            </a:r>
-          </a:p>
-          <a:p>
-            <a:endParaRPr lang="nl-NL" dirty="0"/>
-          </a:p>
-          <a:p>
-            <a:r>
-              <a:rPr lang="nl-NL" dirty="0"/>
-              <a:t>Met spelden</a:t>
-            </a:r>
-          </a:p>
-          <a:p>
-            <a:r>
-              <a:rPr lang="nl-NL" dirty="0"/>
-              <a:t> kun je vierkantjes maken</a:t>
-            </a:r>
-          </a:p>
-          <a:p>
-            <a:r>
-              <a:rPr lang="nl-NL" dirty="0"/>
-              <a:t> of een mix van vierkantjes en rondjes</a:t>
-            </a:r>
-          </a:p>
-          <a:p>
-            <a:r>
-              <a:rPr lang="nl-NL" baseline="0" dirty="0"/>
-              <a:t> (niet met GroundForge)</a:t>
-            </a:r>
-            <a:endParaRPr lang="nl-NL" dirty="0"/>
-          </a:p>
-          <a:p>
-            <a:endParaRPr lang="nl-NL" dirty="0"/>
-          </a:p>
-        </p:txBody>
-      </p:sp>
-      <p:sp>
-        <p:nvSpPr>
-          <p:cNvPr id="4" name="Tijdelijke aanduiding voor dianummer 3"/>
-          <p:cNvSpPr>
-            <a:spLocks noGrp="1"/>
-          </p:cNvSpPr>
-          <p:nvPr>
-            <p:ph type="sldNum" sz="quarter" idx="10"/>
-          </p:nvPr>
-        </p:nvSpPr>
-        <p:spPr/>
-        <p:txBody>
-          <a:bodyPr/>
-          <a:lstStyle/>
-          <a:p>
-            <a:fld id="{7EC7493F-9CE3-4AD5-8254-4B462DC5112C}" type="slidenum">
-              <a:rPr lang="nl-NL" smtClean="0"/>
-              <a:t>17</a:t>
-            </a:fld>
-            <a:endParaRPr lang="nl-NL" dirty="0"/>
-          </a:p>
-        </p:txBody>
-      </p:sp>
-    </p:spTree>
-    <p:extLst>
-      <p:ext uri="{BB962C8B-B14F-4D97-AF65-F5344CB8AC3E}">
-        <p14:creationId xmlns:p14="http://schemas.microsoft.com/office/powerpoint/2010/main" val="846069162"/>
-      </p:ext>
-    </p:extLst>
-  </p:cSld>
-  <p:clrMapOvr>
-    <a:masterClrMapping/>
-  </p:clrMapOvr>
-</p:notes>
-</file>
-
-<file path=ppt/notesSlides/notesSlide18.xml><?xml version="1.0" encoding="utf-8"?>
-<p:notes xmlns:a="http://schemas.openxmlformats.org/drawingml/2006/main" xmlns:r="http://schemas.openxmlformats.org/officeDocument/2006/relationships" xmlns:p="http://schemas.openxmlformats.org/presentationml/2006/main">
-  <p:cSld>
-    <p:spTree>
-      <p:nvGrpSpPr>
-        <p:cNvPr id="1" name=""/>
-        <p:cNvGrpSpPr/>
-        <p:nvPr/>
-      </p:nvGrpSpPr>
-      <p:grpSpPr>
-        <a:xfrm>
-          <a:off x="0" y="0"/>
-          <a:ext cx="0" cy="0"/>
-          <a:chOff x="0" y="0"/>
-          <a:chExt cx="0" cy="0"/>
-        </a:xfrm>
-      </p:grpSpPr>
-      <p:sp>
-        <p:nvSpPr>
-          <p:cNvPr id="2" name="Tijdelijke aanduiding voor dia-afbeelding 1"/>
-          <p:cNvSpPr>
-            <a:spLocks noGrp="1" noRot="1" noChangeAspect="1"/>
-          </p:cNvSpPr>
-          <p:nvPr>
-            <p:ph type="sldImg"/>
-          </p:nvPr>
-        </p:nvSpPr>
-        <p:spPr/>
-      </p:sp>
-      <p:sp>
-        <p:nvSpPr>
-          <p:cNvPr id="3" name="Tijdelijke aanduiding voor notities 2"/>
-          <p:cNvSpPr>
-            <a:spLocks noGrp="1"/>
-          </p:cNvSpPr>
-          <p:nvPr>
-            <p:ph type="body" idx="1"/>
-          </p:nvPr>
-        </p:nvSpPr>
-        <p:spPr/>
-        <p:txBody>
-          <a:bodyPr/>
-          <a:lstStyle/>
-          <a:p>
             <a:pPr>
               <a:defRPr/>
             </a:pPr>
@@ -2674,7 +2502,7 @@
           <a:p>
             <a:fld id="{7EC7493F-9CE3-4AD5-8254-4B462DC5112C}" type="slidenum">
               <a:rPr lang="nl-NL" smtClean="0"/>
-              <a:t>18</a:t>
+              <a:t>17</a:t>
             </a:fld>
             <a:endParaRPr lang="nl-NL" dirty="0"/>
           </a:p>
@@ -2984,15 +2812,18 @@
               <a:rPr lang="nl-NL" sz="1200" dirty="0">
                 <a:hlinkClick r:id="rId3"/>
               </a:rPr>
-              <a:t>https://d-bl.github.io/GroundForge</a:t>
+              <a:t>https://d-bl.github.io/GroundForge/tiles</a:t>
             </a:r>
             <a:r>
               <a:rPr lang="nl-NL" sz="1200" dirty="0"/>
               <a:t> </a:t>
             </a:r>
-            <a:br>
-              <a:rPr lang="nl-NL" sz="1200" dirty="0"/>
-            </a:br>
+          </a:p>
+          <a:p>
+            <a:pPr marL="171450" indent="-171450">
+              <a:buFont typeface="Arial" panose="020B0604020202020204" pitchFamily="34" charset="0"/>
+              <a:buChar char="•"/>
+            </a:pPr>
             <a:r>
               <a:rPr lang="nl-NL" sz="1200" dirty="0"/>
               <a:t>Heeft zelf al een aantal catalogi met</a:t>
@@ -3330,28 +3161,78 @@
               </a:spcAft>
               <a:buClrTx/>
               <a:buSzTx/>
-              <a:buFont typeface="Arial" panose="020B0604020202020204" pitchFamily="34" charset="0"/>
+              <a:buFontTx/>
               <a:buNone/>
               <a:tabLst/>
               <a:defRPr/>
             </a:pPr>
             <a:r>
-              <a:rPr lang="nl-NL" i="0" baseline="0" dirty="0">
+              <a:rPr lang="nl-NL" dirty="0">
                 <a:effectLst/>
               </a:rPr>
-              <a:t>Als voorbeeld catalogus de </a:t>
-            </a:r>
-            <a:r>
-              <a:rPr lang="nl-NL" i="0" baseline="0" dirty="0" err="1">
-                <a:effectLst/>
-              </a:rPr>
+              <a:t>Diverse catalogi met basis patronen, elke groep heeft een eigen invalshoek en er is overlap.</a:t>
+            </a:r>
+          </a:p>
+          <a:p>
+            <a:r>
+              <a:rPr lang="nl-NL" dirty="0"/>
+              <a:t>Slagen al ingevuld</a:t>
+            </a:r>
+          </a:p>
+          <a:p>
+            <a:pPr lvl="1"/>
+            <a:r>
+              <a:rPr lang="nl-NL" dirty="0"/>
+              <a:t>MAE-</a:t>
+            </a:r>
+            <a:r>
+              <a:rPr lang="nl-NL" dirty="0" err="1"/>
+              <a:t>gf</a:t>
+            </a:r>
+            <a:r>
+              <a:rPr lang="nl-NL" dirty="0"/>
+              <a:t> (persoonlijke verzameling)</a:t>
+            </a:r>
+          </a:p>
+          <a:p>
+            <a:pPr lvl="1"/>
+            <a:r>
+              <a:rPr lang="nl-NL" dirty="0" err="1"/>
+              <a:t>Whiting</a:t>
+            </a:r>
+            <a:r>
+              <a:rPr lang="nl-NL" dirty="0"/>
+              <a:t> index (online boek uit 1920)</a:t>
+            </a:r>
+          </a:p>
+          <a:p>
+            <a:r>
+              <a:rPr lang="nl-NL" dirty="0"/>
+              <a:t>Slagen zelf kiezen</a:t>
+            </a:r>
+          </a:p>
+          <a:p>
+            <a:pPr lvl="1"/>
+            <a:r>
+              <a:rPr lang="nl-NL" dirty="0" err="1"/>
               <a:t>Tesselace</a:t>
             </a:r>
             <a:r>
-              <a:rPr lang="nl-NL" i="0" baseline="0" dirty="0">
-                <a:effectLst/>
-              </a:rPr>
-              <a:t> index gekozen.</a:t>
+              <a:rPr lang="nl-NL" dirty="0"/>
+              <a:t> index  (computer gegenereerd)</a:t>
+            </a:r>
+          </a:p>
+          <a:p>
+            <a:pPr lvl="1"/>
+            <a:r>
+              <a:rPr lang="nl-NL" dirty="0"/>
+              <a:t>Droste effect (draad schema’s als paar schema’s)</a:t>
+            </a:r>
+          </a:p>
+          <a:p>
+            <a:r>
+              <a:rPr lang="nl-NL" dirty="0"/>
+              <a:t>Overlap tussen de groepen</a:t>
             </a:r>
           </a:p>
           <a:p>
@@ -3372,7 +3253,7 @@
               <a:tabLst/>
               <a:defRPr/>
             </a:pPr>
-            <a:endParaRPr lang="nl-NL" i="1" baseline="0" dirty="0">
+            <a:endParaRPr lang="nl-NL" i="0" baseline="0" dirty="0">
               <a:effectLst/>
             </a:endParaRPr>
           </a:p>
@@ -3395,32 +3276,22 @@
               <a:defRPr/>
             </a:pPr>
             <a:r>
-              <a:rPr lang="nl-NL" baseline="0" dirty="0">
+              <a:rPr lang="nl-NL" i="0" baseline="0" dirty="0">
                 <a:effectLst/>
               </a:rPr>
-              <a:t>Dit zijn </a:t>
-            </a:r>
-            <a:r>
-              <a:rPr lang="nl-NL" baseline="0" dirty="0" err="1">
+              <a:t>Als voorbeeld catalogus de </a:t>
+            </a:r>
+            <a:r>
+              <a:rPr lang="nl-NL" i="0" baseline="0" dirty="0" err="1">
                 <a:effectLst/>
               </a:rPr>
-              <a:t>computergegenereerde</a:t>
-            </a:r>
-            <a:r>
-              <a:rPr lang="nl-NL" baseline="0" dirty="0">
+              <a:t>Tesselace</a:t>
+            </a:r>
+            <a:r>
+              <a:rPr lang="nl-NL" i="0" baseline="0" dirty="0">
                 <a:effectLst/>
               </a:rPr>
-              <a:t> patronen, tussenresultaat van promotie onderzoek door Veronika Irvine </a:t>
-            </a:r>
-            <a:r>
-              <a:rPr lang="nl-NL" dirty="0"/>
-              <a:t>uit </a:t>
-            </a:r>
-            <a:r>
-              <a:rPr lang="nl-NL" baseline="0" dirty="0">
-                <a:effectLst/>
-              </a:rPr>
-              <a:t>Canada.</a:t>
+              <a:t> index gekozen. </a:t>
             </a:r>
           </a:p>
           <a:p>
@@ -3441,29 +3312,66 @@
               <a:tabLst/>
               <a:defRPr/>
             </a:pPr>
-            <a:endParaRPr lang="nl-NL" baseline="0" dirty="0">
+            <a:endParaRPr lang="nl-NL" dirty="0"/>
+          </a:p>
+          <a:p>
+            <a:r>
+              <a:rPr lang="en-US" sz="1200" b="0" i="1" u="none" strike="noStrike" kern="1200" baseline="0" dirty="0">
+                <a:solidFill>
+                  <a:schemeClr val="tx1"/>
+                </a:solidFill>
+                <a:latin typeface="+mn-lt"/>
+                <a:ea typeface="+mn-ea"/>
+                <a:cs typeface="+mn-cs"/>
+              </a:rPr>
+              <a:t>A Lace Guide for Makers and Collectors, </a:t>
+            </a:r>
+            <a:r>
+              <a:rPr lang="en-US" sz="1200" b="0" i="0" u="none" strike="noStrike" kern="1200" baseline="0" dirty="0">
+                <a:solidFill>
+                  <a:schemeClr val="tx1"/>
+                </a:solidFill>
+                <a:latin typeface="+mn-lt"/>
+                <a:ea typeface="+mn-ea"/>
+                <a:cs typeface="+mn-cs"/>
+              </a:rPr>
+              <a:t>door Gertrude Whiting</a:t>
+            </a:r>
+          </a:p>
+          <a:p>
+            <a:r>
+              <a:rPr lang="nl-NL" sz="1200" b="0" i="0" u="none" strike="noStrike" kern="1200" baseline="0" dirty="0">
+                <a:solidFill>
+                  <a:schemeClr val="tx1"/>
+                </a:solidFill>
+                <a:latin typeface="+mn-lt"/>
+                <a:ea typeface="+mn-ea"/>
+                <a:cs typeface="+mn-cs"/>
+              </a:rPr>
+              <a:t>Kant gids voor makers en verzamelaars.</a:t>
+            </a:r>
+          </a:p>
+          <a:p>
+            <a:r>
+              <a:rPr lang="nl-NL" sz="1200" b="0" i="0" u="none" strike="noStrike" kern="1200" baseline="0" dirty="0">
+                <a:solidFill>
+                  <a:schemeClr val="tx1"/>
+                </a:solidFill>
+                <a:latin typeface="+mn-lt"/>
+                <a:ea typeface="+mn-ea"/>
+                <a:cs typeface="+mn-cs"/>
+              </a:rPr>
+              <a:t>In diverse online archieven beschikbaar, het copyright is verlopen.</a:t>
+            </a:r>
+            <a:endParaRPr lang="nl-NL" dirty="0">
               <a:effectLst/>
             </a:endParaRPr>
           </a:p>
           <a:p>
-            <a:r>
-              <a:rPr lang="nl-NL" baseline="0" dirty="0" err="1">
-                <a:effectLst/>
-              </a:rPr>
-              <a:t>GroundForge</a:t>
-            </a:r>
-            <a:r>
-              <a:rPr lang="nl-NL" baseline="0" dirty="0">
-                <a:effectLst/>
-              </a:rPr>
-              <a:t> maakt de gaten in de schema’s zo rond mogelijk.</a:t>
-            </a:r>
-          </a:p>
-          <a:p>
-            <a:r>
-              <a:rPr lang="nl-NL" dirty="0"/>
-              <a:t>Daardoor kunnen meerdere computer gegenereerde gronden bij een diagram horen.</a:t>
-            </a:r>
+            <a:endParaRPr lang="nl-NL" dirty="0"/>
+          </a:p>
+          <a:p>
+            <a:endParaRPr lang="nl-NL" dirty="0"/>
           </a:p>
           <a:p>
             <a:pPr marL="0" marR="0" lvl="0" indent="0" algn="l" defTabSz="914400" rtl="0" eaLnBrk="1" fontAlgn="auto" latinLnBrk="0" hangingPunct="1">
@@ -4303,7 +4211,7 @@
           <a:p>
             <a:fld id="{E342A075-9761-4F6D-8E62-693B12E2A93F}" type="datetime1">
               <a:rPr lang="nl-NL" smtClean="0"/>
-              <a:t>6-5-2019</a:t>
+              <a:t>9-5-2019</a:t>
             </a:fld>
             <a:endParaRPr lang="nl-NL" dirty="0"/>
           </a:p>
@@ -4471,7 +4379,7 @@
           <a:p>
             <a:fld id="{95274BD6-6047-4BE7-A11A-799C5C07C1B9}" type="datetime1">
               <a:rPr lang="nl-NL" smtClean="0"/>
-              <a:t>6-5-2019</a:t>
+              <a:t>9-5-2019</a:t>
             </a:fld>
             <a:endParaRPr lang="nl-NL" dirty="0"/>
           </a:p>
@@ -4649,7 +4557,7 @@
           <a:p>
             <a:fld id="{6C2C6073-FF99-4CA4-ADF2-53D139284B0F}" type="datetime1">
               <a:rPr lang="nl-NL" smtClean="0"/>
-              <a:t>6-5-2019</a:t>
+              <a:t>9-5-2019</a:t>
             </a:fld>
             <a:endParaRPr lang="nl-NL" dirty="0"/>
           </a:p>
@@ -4817,7 +4725,7 @@
           <a:p>
             <a:fld id="{BB83D81E-96EF-4290-8170-748ADAD06D81}" type="datetime1">
               <a:rPr lang="nl-NL" smtClean="0"/>
-              <a:t>6-5-2019</a:t>
+              <a:t>9-5-2019</a:t>
             </a:fld>
             <a:endParaRPr lang="nl-NL" dirty="0"/>
           </a:p>
@@ -5062,7 +4970,7 @@
           <a:p>
             <a:fld id="{C0420608-9111-4307-BDC9-D2BB0906472C}" type="datetime1">
               <a:rPr lang="nl-NL" smtClean="0"/>
-              <a:t>6-5-2019</a:t>
+              <a:t>9-5-2019</a:t>
             </a:fld>
             <a:endParaRPr lang="nl-NL" dirty="0"/>
           </a:p>
@@ -5347,7 +5255,7 @@
           <a:p>
             <a:fld id="{A84E908B-0185-4D61-A5D9-DBFFD136706E}" type="datetime1">
               <a:rPr lang="nl-NL" smtClean="0"/>
-              <a:t>6-5-2019</a:t>
+              <a:t>9-5-2019</a:t>
             </a:fld>
             <a:endParaRPr lang="nl-NL" dirty="0"/>
           </a:p>
@@ -5766,7 +5674,7 @@
           <a:p>
             <a:fld id="{AF24CBA6-5F96-4BD7-976F-CDF48F991EB6}" type="datetime1">
               <a:rPr lang="nl-NL" smtClean="0"/>
-              <a:t>6-5-2019</a:t>
+              <a:t>9-5-2019</a:t>
             </a:fld>
             <a:endParaRPr lang="nl-NL" dirty="0"/>
           </a:p>
@@ -5883,7 +5791,7 @@
           <a:p>
             <a:fld id="{8CA878B4-84FD-4284-B7D0-09A954965A10}" type="datetime1">
               <a:rPr lang="nl-NL" smtClean="0"/>
-              <a:t>6-5-2019</a:t>
+              <a:t>9-5-2019</a:t>
             </a:fld>
             <a:endParaRPr lang="nl-NL" dirty="0"/>
           </a:p>
@@ -5978,7 +5886,7 @@
           <a:p>
             <a:fld id="{8F1648B1-A544-4058-8476-7C7A9902FE15}" type="datetime1">
               <a:rPr lang="nl-NL" smtClean="0"/>
-              <a:t>6-5-2019</a:t>
+              <a:t>9-5-2019</a:t>
             </a:fld>
             <a:endParaRPr lang="nl-NL" dirty="0"/>
           </a:p>
@@ -6253,7 +6161,7 @@
           <a:p>
             <a:fld id="{D039C4CF-B57B-4F53-B350-F1468F1E8012}" type="datetime1">
               <a:rPr lang="nl-NL" smtClean="0"/>
-              <a:t>6-5-2019</a:t>
+              <a:t>9-5-2019</a:t>
             </a:fld>
             <a:endParaRPr lang="nl-NL" dirty="0"/>
           </a:p>
@@ -6508,7 +6416,7 @@
           <a:p>
             <a:fld id="{CF8B7C30-20C8-4009-AD9C-ED95D216EDC4}" type="datetime1">
               <a:rPr lang="nl-NL" smtClean="0"/>
-              <a:t>6-5-2019</a:t>
+              <a:t>9-5-2019</a:t>
             </a:fld>
             <a:endParaRPr lang="nl-NL" dirty="0"/>
           </a:p>
@@ -6719,7 +6627,7 @@
           <a:p>
             <a:fld id="{9D082795-9F52-4849-A817-AF0180A2A2B3}" type="datetime1">
               <a:rPr lang="nl-NL" smtClean="0"/>
-              <a:t>6-5-2019</a:t>
+              <a:t>9-5-2019</a:t>
             </a:fld>
             <a:endParaRPr lang="nl-NL" dirty="0"/>
           </a:p>
@@ -7275,7 +7183,7 @@
           <a:p>
             <a:fld id="{C6166A56-2601-4E37-8D8D-05C0420DE125}" type="datetime1">
               <a:rPr lang="nl-NL" smtClean="0"/>
-              <a:t>6-5-2019</a:t>
+              <a:t>9-5-2019</a:t>
             </a:fld>
             <a:endParaRPr lang="nl-NL" dirty="0"/>
           </a:p>
@@ -7596,80 +7504,34 @@
         </p:nvSpPr>
         <p:spPr/>
         <p:txBody>
-          <a:bodyPr>
-            <a:normAutofit/>
-          </a:bodyPr>
+          <a:bodyPr/>
           <a:lstStyle/>
           <a:p>
             <a:pPr marL="0" indent="0">
               <a:buNone/>
             </a:pPr>
             <a:r>
-              <a:rPr lang="nl-NL" dirty="0">
-                <a:effectLst/>
-              </a:rPr>
-              <a:t>Voorbeeld pagina’s</a:t>
-            </a:r>
-          </a:p>
-          <a:p>
-            <a:r>
               <a:rPr lang="nl-NL" dirty="0"/>
-              <a:t>Slagen al ingevuld</a:t>
-            </a:r>
-          </a:p>
-          <a:p>
-            <a:pPr lvl="1"/>
+              <a:t>Voorbeeld pagina’s: Concept kantbrieven</a:t>
+            </a:r>
+          </a:p>
+          <a:p>
             <a:r>
               <a:rPr lang="nl-NL" dirty="0"/>
-              <a:t>MAE-gf (persoonlijke verzameling)</a:t>
-            </a:r>
-          </a:p>
-          <a:p>
-            <a:pPr lvl="1"/>
-            <a:r>
-              <a:rPr lang="nl-NL" dirty="0"/>
-              <a:t>Whiting index (online boek uit 1920)</a:t>
-            </a:r>
-          </a:p>
-          <a:p>
-            <a:r>
-              <a:rPr lang="nl-NL" dirty="0"/>
-              <a:t>Slagen zelf kiezen (</a:t>
-            </a:r>
-            <a:r>
-              <a:rPr lang="nl-NL" strike="sngStrike" dirty="0"/>
-              <a:t>tablet</a:t>
-            </a:r>
-            <a:r>
-              <a:rPr lang="nl-NL" dirty="0"/>
-              <a:t>)</a:t>
-            </a:r>
-          </a:p>
-          <a:p>
-            <a:pPr lvl="1"/>
-            <a:r>
-              <a:rPr lang="nl-NL" dirty="0"/>
-              <a:t>Tesselace index  (computer gegenereerd)</a:t>
-            </a:r>
-          </a:p>
-          <a:p>
-            <a:pPr lvl="1"/>
-            <a:r>
-              <a:rPr lang="nl-NL" dirty="0"/>
-              <a:t>Droste effect (draad schema’s als paar schema’s)</a:t>
-            </a:r>
-          </a:p>
-          <a:p>
-            <a:r>
-              <a:rPr lang="nl-NL" dirty="0"/>
-              <a:t>Overlap tussen de groepen</a:t>
-            </a:r>
-          </a:p>
-        </p:txBody>
-      </p:sp>
-      <p:sp>
-        <p:nvSpPr>
-          <p:cNvPr id="4" name="Tijdelijke aanduiding voor dianummer 3"/>
+              <a:t>Blauwe link gaat terug naar de hoofdpagina</a:t>
+            </a:r>
+          </a:p>
+          <a:p>
+            <a:endParaRPr lang="nl-NL" dirty="0"/>
+          </a:p>
+          <a:p>
+            <a:endParaRPr lang="nl-NL" dirty="0"/>
+          </a:p>
+        </p:txBody>
+      </p:sp>
+      <p:sp>
+        <p:nvSpPr>
+          <p:cNvPr id="5" name="Tijdelijke aanduiding voor dianummer 4"/>
           <p:cNvSpPr>
             <a:spLocks noGrp="1"/>
           </p:cNvSpPr>
@@ -7685,118 +7547,6 @@
             <a:fld id="{A5775961-95EC-4D4B-9423-EAE103D81E9E}" type="slidenum">
               <a:rPr lang="nl-NL" smtClean="0"/>
               <a:t>11</a:t>
-            </a:fld>
-            <a:endParaRPr lang="nl-NL" dirty="0"/>
-          </a:p>
-        </p:txBody>
-      </p:sp>
-    </p:spTree>
-    <p:extLst>
-      <p:ext uri="{BB962C8B-B14F-4D97-AF65-F5344CB8AC3E}">
-        <p14:creationId xmlns:p14="http://schemas.microsoft.com/office/powerpoint/2010/main" val="723173163"/>
-      </p:ext>
-    </p:extLst>
-  </p:cSld>
-  <p:clrMapOvr>
-    <a:masterClrMapping/>
-  </p:clrMapOvr>
-</p:sld>
-</file>
-
-<file path=ppt/slides/slide12.xml><?xml version="1.0" encoding="utf-8"?>
-<p:sld xmlns:a="http://schemas.openxmlformats.org/drawingml/2006/main" xmlns:r="http://schemas.openxmlformats.org/officeDocument/2006/relationships" xmlns:p="http://schemas.openxmlformats.org/presentationml/2006/main">
-  <p:cSld>
-    <p:spTree>
-      <p:nvGrpSpPr>
-        <p:cNvPr id="1" name=""/>
-        <p:cNvGrpSpPr/>
-        <p:nvPr/>
-      </p:nvGrpSpPr>
-      <p:grpSpPr>
-        <a:xfrm>
-          <a:off x="0" y="0"/>
-          <a:ext cx="0" cy="0"/>
-          <a:chOff x="0" y="0"/>
-          <a:chExt cx="0" cy="0"/>
-        </a:xfrm>
-      </p:grpSpPr>
-      <p:sp>
-        <p:nvSpPr>
-          <p:cNvPr id="2" name="Titel 1"/>
-          <p:cNvSpPr>
-            <a:spLocks noGrp="1"/>
-          </p:cNvSpPr>
-          <p:nvPr>
-            <p:ph type="title"/>
-          </p:nvPr>
-        </p:nvSpPr>
-        <p:spPr/>
-        <p:txBody>
-          <a:bodyPr/>
-          <a:lstStyle/>
-          <a:p>
-            <a:r>
-              <a:rPr lang="nl-NL" dirty="0"/>
-              <a:t>GroundForge</a:t>
-            </a:r>
-          </a:p>
-        </p:txBody>
-      </p:sp>
-      <p:sp>
-        <p:nvSpPr>
-          <p:cNvPr id="3" name="Tijdelijke aanduiding voor inhoud 2"/>
-          <p:cNvSpPr>
-            <a:spLocks noGrp="1"/>
-          </p:cNvSpPr>
-          <p:nvPr>
-            <p:ph idx="1"/>
-          </p:nvPr>
-        </p:nvSpPr>
-        <p:spPr/>
-        <p:txBody>
-          <a:bodyPr/>
-          <a:lstStyle/>
-          <a:p>
-            <a:pPr marL="0" indent="0">
-              <a:buNone/>
-            </a:pPr>
-            <a:r>
-              <a:rPr lang="nl-NL" dirty="0"/>
-              <a:t>Voorbeeld pagina’s: Concept kantbrieven</a:t>
-            </a:r>
-          </a:p>
-          <a:p>
-            <a:r>
-              <a:rPr lang="nl-NL" dirty="0"/>
-              <a:t>Blauwe link gaat terug naar de hoofdpagina</a:t>
-            </a:r>
-          </a:p>
-          <a:p>
-            <a:endParaRPr lang="nl-NL" dirty="0"/>
-          </a:p>
-          <a:p>
-            <a:endParaRPr lang="nl-NL" dirty="0"/>
-          </a:p>
-        </p:txBody>
-      </p:sp>
-      <p:sp>
-        <p:nvSpPr>
-          <p:cNvPr id="5" name="Tijdelijke aanduiding voor dianummer 4"/>
-          <p:cNvSpPr>
-            <a:spLocks noGrp="1"/>
-          </p:cNvSpPr>
-          <p:nvPr>
-            <p:ph type="sldNum" sz="quarter" idx="12"/>
-          </p:nvPr>
-        </p:nvSpPr>
-        <p:spPr/>
-        <p:txBody>
-          <a:bodyPr/>
-          <a:lstStyle/>
-          <a:p>
-            <a:fld id="{A5775961-95EC-4D4B-9423-EAE103D81E9E}" type="slidenum">
-              <a:rPr lang="nl-NL" smtClean="0"/>
-              <a:t>12</a:t>
             </a:fld>
             <a:endParaRPr lang="nl-NL" dirty="0"/>
           </a:p>
@@ -7923,7 +7673,7 @@
 </p:sld>
 </file>
 
-<file path=ppt/slides/slide13.xml><?xml version="1.0" encoding="utf-8"?>
+<file path=ppt/slides/slide12.xml><?xml version="1.0" encoding="utf-8"?>
 <p:sld xmlns:a="http://schemas.openxmlformats.org/drawingml/2006/main" xmlns:r="http://schemas.openxmlformats.org/officeDocument/2006/relationships" xmlns:p="http://schemas.openxmlformats.org/presentationml/2006/main">
   <p:cSld>
     <p:spTree>
@@ -8013,7 +7763,7 @@
           <a:p>
             <a:fld id="{A5775961-95EC-4D4B-9423-EAE103D81E9E}" type="slidenum">
               <a:rPr lang="nl-NL" smtClean="0"/>
-              <a:t>13</a:t>
+              <a:t>12</a:t>
             </a:fld>
             <a:endParaRPr lang="nl-NL" dirty="0"/>
           </a:p>
@@ -8349,7 +8099,7 @@
 </p:sld>
 </file>
 
-<file path=ppt/slides/slide14.xml><?xml version="1.0" encoding="utf-8"?>
+<file path=ppt/slides/slide13.xml><?xml version="1.0" encoding="utf-8"?>
 <p:sld xmlns:a="http://schemas.openxmlformats.org/drawingml/2006/main" xmlns:r="http://schemas.openxmlformats.org/officeDocument/2006/relationships" xmlns:p="http://schemas.openxmlformats.org/presentationml/2006/main">
   <p:cSld>
     <p:spTree>
@@ -8442,7 +8192,7 @@
           <a:p>
             <a:fld id="{A5775961-95EC-4D4B-9423-EAE103D81E9E}" type="slidenum">
               <a:rPr lang="nl-NL" smtClean="0"/>
-              <a:t>14</a:t>
+              <a:t>13</a:t>
             </a:fld>
             <a:endParaRPr lang="nl-NL" dirty="0"/>
           </a:p>
@@ -9271,7 +9021,7 @@
 </p:sld>
 </file>
 
-<file path=ppt/slides/slide15.xml><?xml version="1.0" encoding="utf-8"?>
+<file path=ppt/slides/slide14.xml><?xml version="1.0" encoding="utf-8"?>
 <p:sld xmlns:a="http://schemas.openxmlformats.org/drawingml/2006/main" xmlns:r="http://schemas.openxmlformats.org/officeDocument/2006/relationships" xmlns:p="http://schemas.openxmlformats.org/presentationml/2006/main">
   <p:cSld>
     <p:spTree>
@@ -9327,7 +9077,7 @@
           <a:p>
             <a:fld id="{A5775961-95EC-4D4B-9423-EAE103D81E9E}" type="slidenum">
               <a:rPr lang="nl-NL" smtClean="0"/>
-              <a:t>15</a:t>
+              <a:t>14</a:t>
             </a:fld>
             <a:endParaRPr lang="nl-NL" dirty="0"/>
           </a:p>
@@ -9511,7 +9261,7 @@
 </p:sld>
 </file>
 
-<file path=ppt/slides/slide16.xml><?xml version="1.0" encoding="utf-8"?>
+<file path=ppt/slides/slide15.xml><?xml version="1.0" encoding="utf-8"?>
 <p:sld xmlns:a="http://schemas.openxmlformats.org/drawingml/2006/main" xmlns:r="http://schemas.openxmlformats.org/officeDocument/2006/relationships" xmlns:p="http://schemas.openxmlformats.org/presentationml/2006/main">
   <p:cSld>
     <p:spTree>
@@ -9625,7 +9375,7 @@
           <a:p>
             <a:fld id="{A5775961-95EC-4D4B-9423-EAE103D81E9E}" type="slidenum">
               <a:rPr lang="nl-NL" smtClean="0"/>
-              <a:t>16</a:t>
+              <a:t>15</a:t>
             </a:fld>
             <a:endParaRPr lang="nl-NL" dirty="0"/>
           </a:p>
@@ -9752,7 +9502,7 @@
 </p:sld>
 </file>
 
-<file path=ppt/slides/slide17.xml><?xml version="1.0" encoding="utf-8"?>
+<file path=ppt/slides/slide16.xml><?xml version="1.0" encoding="utf-8"?>
 <p:sld xmlns:a="http://schemas.openxmlformats.org/drawingml/2006/main" xmlns:r="http://schemas.openxmlformats.org/officeDocument/2006/relationships" xmlns:p="http://schemas.openxmlformats.org/presentationml/2006/main">
   <p:cSld>
     <p:spTree>
@@ -9862,7 +9612,7 @@
           <a:p>
             <a:fld id="{A5775961-95EC-4D4B-9423-EAE103D81E9E}" type="slidenum">
               <a:rPr lang="nl-NL" smtClean="0"/>
-              <a:t>17</a:t>
+              <a:t>16</a:t>
             </a:fld>
             <a:endParaRPr lang="nl-NL" dirty="0"/>
           </a:p>
@@ -9989,7 +9739,7 @@
 </p:sld>
 </file>
 
-<file path=ppt/slides/slide18.xml><?xml version="1.0" encoding="utf-8"?>
+<file path=ppt/slides/slide17.xml><?xml version="1.0" encoding="utf-8"?>
 <p:sld xmlns:a="http://schemas.openxmlformats.org/drawingml/2006/main" xmlns:r="http://schemas.openxmlformats.org/officeDocument/2006/relationships" xmlns:p="http://schemas.openxmlformats.org/presentationml/2006/main">
   <p:cSld>
     <p:spTree>
@@ -10157,7 +9907,7 @@
           <a:p>
             <a:fld id="{A5775961-95EC-4D4B-9423-EAE103D81E9E}" type="slidenum">
               <a:rPr lang="nl-NL" smtClean="0"/>
-              <a:t>18</a:t>
+              <a:t>17</a:t>
             </a:fld>
             <a:endParaRPr lang="nl-NL" dirty="0"/>
           </a:p>
@@ -10270,7 +10020,7 @@
           <a:p>
             <a:fld id="{C6166A56-2601-4E37-8D8D-05C0420DE125}" type="datetime1">
               <a:rPr lang="nl-NL" smtClean="0"/>
-              <a:t>6-5-2019</a:t>
+              <a:t>9-5-2019</a:t>
             </a:fld>
             <a:endParaRPr lang="nl-NL" dirty="0"/>
           </a:p>
@@ -11763,7 +11513,7 @@
           <a:p>
             <a:fld id="{B71AFF58-8559-4CE0-AA20-9C6B842D93B4}" type="datetime1">
               <a:rPr lang="nl-NL" smtClean="0"/>
-              <a:t>6-5-2019</a:t>
+              <a:t>9-5-2019</a:t>
             </a:fld>
             <a:endParaRPr lang="nl-NL"/>
           </a:p>
@@ -11870,11 +11620,11 @@
               <a:rPr lang="nl-NL" sz="2800" dirty="0">
                 <a:hlinkClick r:id="rId4"/>
               </a:rPr>
-              <a:t>https://d-bl.github.io/GroundForge</a:t>
+              <a:t>https://d-bl.github.io/GroundForge/tiles</a:t>
             </a:r>
             <a:r>
               <a:rPr lang="nl-NL" sz="2800" dirty="0"/>
-              <a:t> </a:t>
+              <a:t>  </a:t>
             </a:r>
           </a:p>
           <a:p>
